--- a/slides.pptx
+++ b/slides.pptx
@@ -5,7 +5,7 @@
     <p:sldMasterId id="2147483684" r:id="rId1"/>
   </p:sldMasterIdLst>
   <p:notesMasterIdLst>
-    <p:notesMasterId r:id="rId10"/>
+    <p:notesMasterId r:id="rId12"/>
   </p:notesMasterIdLst>
   <p:sldIdLst>
     <p:sldId id="389" r:id="rId2"/>
@@ -15,7 +15,9 @@
     <p:sldId id="393" r:id="rId6"/>
     <p:sldId id="394" r:id="rId7"/>
     <p:sldId id="395" r:id="rId8"/>
-    <p:sldId id="391" r:id="rId9"/>
+    <p:sldId id="396" r:id="rId9"/>
+    <p:sldId id="397" r:id="rId10"/>
+    <p:sldId id="391" r:id="rId11"/>
   </p:sldIdLst>
   <p:sldSz cx="24382413" cy="13716000"/>
   <p:notesSz cx="6858000" cy="9144000"/>
@@ -126,13 +128,15 @@
             <p14:sldId id="393"/>
             <p14:sldId id="394"/>
             <p14:sldId id="395"/>
+            <p14:sldId id="396"/>
+            <p14:sldId id="397"/>
             <p14:sldId id="391"/>
           </p14:sldIdLst>
         </p14:section>
       </p14:sectionLst>
     </p:ext>
     <p:ext uri="{EFAFB233-063F-42B5-8137-9DF3F51BA10A}">
-      <p15:sldGuideLst xmlns:p15="http://schemas.microsoft.com/office/powerpoint/2012/main" xmlns="">
+      <p15:sldGuideLst xmlns="" xmlns:p15="http://schemas.microsoft.com/office/powerpoint/2012/main">
         <p15:guide id="1" orient="horz" pos="5900" userDrawn="1">
           <p15:clr>
             <a:srgbClr val="A4A3A4"/>
@@ -238,7 +242,7 @@
           <a:p>
             <a:fld id="{A48BA324-014D-41B7-8E83-ECE8F197A959}" type="datetimeFigureOut">
               <a:rPr lang="ru-RU" smtClean="0"/>
-              <a:t>04.02.2017</a:t>
+              <a:t>05.02.2017</a:t>
             </a:fld>
             <a:endParaRPr lang="ru-RU"/>
           </a:p>
@@ -3746,7 +3750,7 @@
   </p:timing>
   <p:extLst mod="1">
     <p:ext uri="{DCECCB84-F9BA-43D5-87BE-67443E8EF086}">
-      <p15:sldGuideLst xmlns:p15="http://schemas.microsoft.com/office/powerpoint/2012/main" xmlns="">
+      <p15:sldGuideLst xmlns="" xmlns:p15="http://schemas.microsoft.com/office/powerpoint/2012/main">
         <p15:guide id="1" orient="horz" pos="1436">
           <p15:clr>
             <a:srgbClr val="FBAE40"/>
@@ -4778,7 +4782,7 @@
           </a:ln>
           <a:extLst>
             <a:ext uri="{C572A759-6A51-4108-AA02-DFA0A04FC94B}">
-              <ma14:wrappingTextBoxFlag xmlns:ma14="http://schemas.microsoft.com/office/mac/drawingml/2011/main" xmlns="" val="1"/>
+              <ma14:wrappingTextBoxFlag xmlns="" xmlns:ma14="http://schemas.microsoft.com/office/mac/drawingml/2011/main" val="1"/>
             </a:ext>
           </a:extLst>
         </p:spPr>
@@ -5249,7 +5253,7 @@
           </a:ln>
           <a:extLst>
             <a:ext uri="{C572A759-6A51-4108-AA02-DFA0A04FC94B}">
-              <ma14:wrappingTextBoxFlag xmlns:ma14="http://schemas.microsoft.com/office/mac/drawingml/2011/main" xmlns="" val="1"/>
+              <ma14:wrappingTextBoxFlag xmlns="" xmlns:ma14="http://schemas.microsoft.com/office/mac/drawingml/2011/main" val="1"/>
             </a:ext>
           </a:extLst>
         </p:spPr>
@@ -5395,7 +5399,7 @@
           </a:ln>
           <a:extLst>
             <a:ext uri="{C572A759-6A51-4108-AA02-DFA0A04FC94B}">
-              <ma14:wrappingTextBoxFlag xmlns:ma14="http://schemas.microsoft.com/office/mac/drawingml/2011/main" xmlns="" val="1"/>
+              <ma14:wrappingTextBoxFlag xmlns="" xmlns:ma14="http://schemas.microsoft.com/office/mac/drawingml/2011/main" val="1"/>
             </a:ext>
           </a:extLst>
         </p:spPr>
@@ -5437,7 +5441,7 @@
           </a:ln>
           <a:extLst>
             <a:ext uri="{C572A759-6A51-4108-AA02-DFA0A04FC94B}">
-              <ma14:wrappingTextBoxFlag xmlns:ma14="http://schemas.microsoft.com/office/mac/drawingml/2011/main" xmlns="" val="1"/>
+              <ma14:wrappingTextBoxFlag xmlns="" xmlns:ma14="http://schemas.microsoft.com/office/mac/drawingml/2011/main" val="1"/>
             </a:ext>
           </a:extLst>
         </p:spPr>
@@ -5633,7 +5637,7 @@
           </a:ln>
           <a:extLst>
             <a:ext uri="{C572A759-6A51-4108-AA02-DFA0A04FC94B}">
-              <ma14:wrappingTextBoxFlag xmlns:ma14="http://schemas.microsoft.com/office/mac/drawingml/2011/main" xmlns="" val="1"/>
+              <ma14:wrappingTextBoxFlag xmlns="" xmlns:ma14="http://schemas.microsoft.com/office/mac/drawingml/2011/main" val="1"/>
             </a:ext>
           </a:extLst>
         </p:spPr>
@@ -5757,7 +5761,7 @@
           </a:ln>
           <a:extLst>
             <a:ext uri="{C572A759-6A51-4108-AA02-DFA0A04FC94B}">
-              <ma14:wrappingTextBoxFlag xmlns:ma14="http://schemas.microsoft.com/office/mac/drawingml/2011/main" xmlns="" val="1"/>
+              <ma14:wrappingTextBoxFlag xmlns="" xmlns:ma14="http://schemas.microsoft.com/office/mac/drawingml/2011/main" val="1"/>
             </a:ext>
           </a:extLst>
         </p:spPr>
@@ -5851,7 +5855,7 @@
           </a:ln>
           <a:extLst>
             <a:ext uri="{C572A759-6A51-4108-AA02-DFA0A04FC94B}">
-              <ma14:wrappingTextBoxFlag xmlns:ma14="http://schemas.microsoft.com/office/mac/drawingml/2011/main" xmlns="" val="1"/>
+              <ma14:wrappingTextBoxFlag xmlns="" xmlns:ma14="http://schemas.microsoft.com/office/mac/drawingml/2011/main" val="1"/>
             </a:ext>
           </a:extLst>
         </p:spPr>
@@ -6142,7 +6146,7 @@
           </a:ln>
           <a:extLst>
             <a:ext uri="{C572A759-6A51-4108-AA02-DFA0A04FC94B}">
-              <ma14:wrappingTextBoxFlag xmlns:ma14="http://schemas.microsoft.com/office/mac/drawingml/2011/main" xmlns="" val="1"/>
+              <ma14:wrappingTextBoxFlag xmlns="" xmlns:ma14="http://schemas.microsoft.com/office/mac/drawingml/2011/main" val="1"/>
             </a:ext>
           </a:extLst>
         </p:spPr>
@@ -6633,7 +6637,7 @@
           </a:ln>
           <a:extLst>
             <a:ext uri="{C572A759-6A51-4108-AA02-DFA0A04FC94B}">
-              <ma14:wrappingTextBoxFlag xmlns:ma14="http://schemas.microsoft.com/office/mac/drawingml/2011/main" xmlns="" val="1"/>
+              <ma14:wrappingTextBoxFlag xmlns="" xmlns:ma14="http://schemas.microsoft.com/office/mac/drawingml/2011/main" val="1"/>
             </a:ext>
           </a:extLst>
         </p:spPr>
@@ -6705,7 +6709,7 @@
             </a:ln>
             <a:extLst>
               <a:ext uri="{C572A759-6A51-4108-AA02-DFA0A04FC94B}">
-                <ma14:wrappingTextBoxFlag xmlns:ma14="http://schemas.microsoft.com/office/mac/drawingml/2011/main" xmlns="" val="1"/>
+                <ma14:wrappingTextBoxFlag xmlns="" xmlns:ma14="http://schemas.microsoft.com/office/mac/drawingml/2011/main" val="1"/>
               </a:ext>
             </a:extLst>
           </p:spPr>
@@ -6781,7 +6785,7 @@
             </a:ln>
             <a:extLst>
               <a:ext uri="{C572A759-6A51-4108-AA02-DFA0A04FC94B}">
-                <ma14:wrappingTextBoxFlag xmlns:ma14="http://schemas.microsoft.com/office/mac/drawingml/2011/main" xmlns="" val="1"/>
+                <ma14:wrappingTextBoxFlag xmlns="" xmlns:ma14="http://schemas.microsoft.com/office/mac/drawingml/2011/main" val="1"/>
               </a:ext>
             </a:extLst>
           </p:spPr>
@@ -6869,7 +6873,7 @@
             </a:ln>
             <a:extLst>
               <a:ext uri="{C572A759-6A51-4108-AA02-DFA0A04FC94B}">
-                <ma14:wrappingTextBoxFlag xmlns:ma14="http://schemas.microsoft.com/office/mac/drawingml/2011/main" xmlns="" val="1"/>
+                <ma14:wrappingTextBoxFlag xmlns="" xmlns:ma14="http://schemas.microsoft.com/office/mac/drawingml/2011/main" val="1"/>
               </a:ext>
             </a:extLst>
           </p:spPr>
@@ -6949,7 +6953,7 @@
             </a:ln>
             <a:extLst>
               <a:ext uri="{C572A759-6A51-4108-AA02-DFA0A04FC94B}">
-                <ma14:wrappingTextBoxFlag xmlns:ma14="http://schemas.microsoft.com/office/mac/drawingml/2011/main" xmlns="" val="1"/>
+                <ma14:wrappingTextBoxFlag xmlns="" xmlns:ma14="http://schemas.microsoft.com/office/mac/drawingml/2011/main" val="1"/>
               </a:ext>
             </a:extLst>
           </p:spPr>
@@ -7020,7 +7024,7 @@
             </a:ln>
             <a:extLst>
               <a:ext uri="{C572A759-6A51-4108-AA02-DFA0A04FC94B}">
-                <ma14:wrappingTextBoxFlag xmlns:ma14="http://schemas.microsoft.com/office/mac/drawingml/2011/main" xmlns="" val="1"/>
+                <ma14:wrappingTextBoxFlag xmlns="" xmlns:ma14="http://schemas.microsoft.com/office/mac/drawingml/2011/main" val="1"/>
               </a:ext>
             </a:extLst>
           </p:spPr>
@@ -7076,7 +7080,7 @@
             </a:ln>
             <a:extLst>
               <a:ext uri="{C572A759-6A51-4108-AA02-DFA0A04FC94B}">
-                <ma14:wrappingTextBoxFlag xmlns:ma14="http://schemas.microsoft.com/office/mac/drawingml/2011/main" xmlns="" val="1"/>
+                <ma14:wrappingTextBoxFlag xmlns="" xmlns:ma14="http://schemas.microsoft.com/office/mac/drawingml/2011/main" val="1"/>
               </a:ext>
             </a:extLst>
           </p:spPr>
@@ -7141,7 +7145,7 @@
             </a:ln>
             <a:extLst>
               <a:ext uri="{C572A759-6A51-4108-AA02-DFA0A04FC94B}">
-                <ma14:wrappingTextBoxFlag xmlns:ma14="http://schemas.microsoft.com/office/mac/drawingml/2011/main" xmlns="" val="1"/>
+                <ma14:wrappingTextBoxFlag xmlns="" xmlns:ma14="http://schemas.microsoft.com/office/mac/drawingml/2011/main" val="1"/>
               </a:ext>
             </a:extLst>
           </p:spPr>
@@ -7561,7 +7565,7 @@
   </p:timing>
   <p:extLst mod="1">
     <p:ext uri="{DCECCB84-F9BA-43D5-87BE-67443E8EF086}">
-      <p15:sldGuideLst xmlns:p15="http://schemas.microsoft.com/office/powerpoint/2012/main" xmlns="">
+      <p15:sldGuideLst xmlns="" xmlns:p15="http://schemas.microsoft.com/office/powerpoint/2012/main">
         <p15:guide id="1" orient="horz" pos="1773" userDrawn="1">
           <p15:clr>
             <a:srgbClr val="FBAE40"/>
@@ -7906,7 +7910,7 @@
   </p:timing>
   <p:extLst mod="1">
     <p:ext uri="{DCECCB84-F9BA-43D5-87BE-67443E8EF086}">
-      <p15:sldGuideLst xmlns:p15="http://schemas.microsoft.com/office/powerpoint/2012/main" xmlns=""/>
+      <p15:sldGuideLst xmlns="" xmlns:p15="http://schemas.microsoft.com/office/powerpoint/2012/main"/>
     </p:ext>
   </p:extLst>
 </p:sldLayout>
@@ -8159,7 +8163,7 @@
   </p:timing>
   <p:extLst mod="1">
     <p:ext uri="{DCECCB84-F9BA-43D5-87BE-67443E8EF086}">
-      <p15:sldGuideLst xmlns:p15="http://schemas.microsoft.com/office/powerpoint/2012/main" xmlns="">
+      <p15:sldGuideLst xmlns="" xmlns:p15="http://schemas.microsoft.com/office/powerpoint/2012/main">
         <p15:guide id="1" orient="horz" pos="1773">
           <p15:clr>
             <a:srgbClr val="FBAE40"/>
@@ -8408,7 +8412,7 @@
   </p:timing>
   <p:extLst mod="1">
     <p:ext uri="{DCECCB84-F9BA-43D5-87BE-67443E8EF086}">
-      <p15:sldGuideLst xmlns:p15="http://schemas.microsoft.com/office/powerpoint/2012/main" xmlns=""/>
+      <p15:sldGuideLst xmlns="" xmlns:p15="http://schemas.microsoft.com/office/powerpoint/2012/main"/>
     </p:ext>
   </p:extLst>
 </p:sldLayout>
@@ -9265,7 +9269,7 @@
   </p:txStyles>
   <p:extLst mod="1">
     <p:ext uri="{27BBF7A9-308A-43DC-89C8-2F10F3537804}">
-      <p15:sldGuideLst xmlns:p15="http://schemas.microsoft.com/office/powerpoint/2012/main" xmlns="">
+      <p15:sldGuideLst xmlns="" xmlns:p15="http://schemas.microsoft.com/office/powerpoint/2012/main">
         <p15:guide id="1" pos="7680">
           <p15:clr>
             <a:srgbClr val="F26B43"/>
@@ -9748,7 +9752,7 @@
           </a:ln>
           <a:extLst>
             <a:ext uri="{C572A759-6A51-4108-AA02-DFA0A04FC94B}">
-              <ma14:wrappingTextBoxFlag xmlns:ma14="http://schemas.microsoft.com/office/mac/drawingml/2011/main" xmlns="" val="1"/>
+              <ma14:wrappingTextBoxFlag xmlns="" xmlns:ma14="http://schemas.microsoft.com/office/mac/drawingml/2011/main" val="1"/>
             </a:ext>
           </a:extLst>
         </p:spPr>
@@ -9820,7 +9824,7 @@
             </a:ln>
             <a:extLst>
               <a:ext uri="{C572A759-6A51-4108-AA02-DFA0A04FC94B}">
-                <ma14:wrappingTextBoxFlag xmlns:ma14="http://schemas.microsoft.com/office/mac/drawingml/2011/main" xmlns="" val="1"/>
+                <ma14:wrappingTextBoxFlag xmlns="" xmlns:ma14="http://schemas.microsoft.com/office/mac/drawingml/2011/main" val="1"/>
               </a:ext>
             </a:extLst>
           </p:spPr>
@@ -9892,7 +9896,7 @@
             </a:ln>
             <a:extLst>
               <a:ext uri="{C572A759-6A51-4108-AA02-DFA0A04FC94B}">
-                <ma14:wrappingTextBoxFlag xmlns:ma14="http://schemas.microsoft.com/office/mac/drawingml/2011/main" xmlns="" val="1"/>
+                <ma14:wrappingTextBoxFlag xmlns="" xmlns:ma14="http://schemas.microsoft.com/office/mac/drawingml/2011/main" val="1"/>
               </a:ext>
             </a:extLst>
           </p:spPr>
@@ -9980,7 +9984,7 @@
             </a:ln>
             <a:extLst>
               <a:ext uri="{C572A759-6A51-4108-AA02-DFA0A04FC94B}">
-                <ma14:wrappingTextBoxFlag xmlns:ma14="http://schemas.microsoft.com/office/mac/drawingml/2011/main" xmlns="" val="1"/>
+                <ma14:wrappingTextBoxFlag xmlns="" xmlns:ma14="http://schemas.microsoft.com/office/mac/drawingml/2011/main" val="1"/>
               </a:ext>
             </a:extLst>
           </p:spPr>
@@ -10060,7 +10064,7 @@
             </a:ln>
             <a:extLst>
               <a:ext uri="{C572A759-6A51-4108-AA02-DFA0A04FC94B}">
-                <ma14:wrappingTextBoxFlag xmlns:ma14="http://schemas.microsoft.com/office/mac/drawingml/2011/main" xmlns="" val="1"/>
+                <ma14:wrappingTextBoxFlag xmlns="" xmlns:ma14="http://schemas.microsoft.com/office/mac/drawingml/2011/main" val="1"/>
               </a:ext>
             </a:extLst>
           </p:spPr>
@@ -10119,7 +10123,7 @@
             </a:ln>
             <a:extLst>
               <a:ext uri="{C572A759-6A51-4108-AA02-DFA0A04FC94B}">
-                <ma14:wrappingTextBoxFlag xmlns:ma14="http://schemas.microsoft.com/office/mac/drawingml/2011/main" xmlns="" val="1"/>
+                <ma14:wrappingTextBoxFlag xmlns="" xmlns:ma14="http://schemas.microsoft.com/office/mac/drawingml/2011/main" val="1"/>
               </a:ext>
             </a:extLst>
           </p:spPr>
@@ -10175,7 +10179,7 @@
             </a:ln>
             <a:extLst>
               <a:ext uri="{C572A759-6A51-4108-AA02-DFA0A04FC94B}">
-                <ma14:wrappingTextBoxFlag xmlns:ma14="http://schemas.microsoft.com/office/mac/drawingml/2011/main" xmlns="" val="1"/>
+                <ma14:wrappingTextBoxFlag xmlns="" xmlns:ma14="http://schemas.microsoft.com/office/mac/drawingml/2011/main" val="1"/>
               </a:ext>
             </a:extLst>
           </p:spPr>
@@ -10240,7 +10244,7 @@
             </a:ln>
             <a:extLst>
               <a:ext uri="{C572A759-6A51-4108-AA02-DFA0A04FC94B}">
-                <ma14:wrappingTextBoxFlag xmlns:ma14="http://schemas.microsoft.com/office/mac/drawingml/2011/main" xmlns="" val="1"/>
+                <ma14:wrappingTextBoxFlag xmlns="" xmlns:ma14="http://schemas.microsoft.com/office/mac/drawingml/2011/main" val="1"/>
               </a:ext>
             </a:extLst>
           </p:spPr>
@@ -10333,1308 +10337,7 @@
 </p:sld>
 </file>
 
-<file path=ppt/slides/slide2.xml><?xml version="1.0" encoding="utf-8"?>
-<p:sld xmlns:a="http://schemas.openxmlformats.org/drawingml/2006/main" xmlns:r="http://schemas.openxmlformats.org/officeDocument/2006/relationships" xmlns:p="http://schemas.openxmlformats.org/presentationml/2006/main">
-  <p:cSld>
-    <p:spTree>
-      <p:nvGrpSpPr>
-        <p:cNvPr id="1" name=""/>
-        <p:cNvGrpSpPr/>
-        <p:nvPr/>
-      </p:nvGrpSpPr>
-      <p:grpSpPr>
-        <a:xfrm>
-          <a:off x="0" y="0"/>
-          <a:ext cx="0" cy="0"/>
-          <a:chOff x="0" y="0"/>
-          <a:chExt cx="0" cy="0"/>
-        </a:xfrm>
-      </p:grpSpPr>
-    </p:spTree>
-    <p:extLst>
-      <p:ext uri="{BB962C8B-B14F-4D97-AF65-F5344CB8AC3E}">
-        <p14:creationId xmlns:p14="http://schemas.microsoft.com/office/powerpoint/2010/main" val="70134990"/>
-      </p:ext>
-    </p:extLst>
-  </p:cSld>
-  <p:clrMapOvr>
-    <a:masterClrMapping/>
-  </p:clrMapOvr>
-  <p:timing>
-    <p:tnLst>
-      <p:par>
-        <p:cTn id="1" dur="indefinite" restart="never" nodeType="tmRoot"/>
-      </p:par>
-    </p:tnLst>
-  </p:timing>
-</p:sld>
-</file>
-
-<file path=ppt/slides/slide3.xml><?xml version="1.0" encoding="utf-8"?>
-<p:sld xmlns:a="http://schemas.openxmlformats.org/drawingml/2006/main" xmlns:r="http://schemas.openxmlformats.org/officeDocument/2006/relationships" xmlns:p="http://schemas.openxmlformats.org/presentationml/2006/main">
-  <p:cSld>
-    <p:spTree>
-      <p:nvGrpSpPr>
-        <p:cNvPr id="1" name=""/>
-        <p:cNvGrpSpPr/>
-        <p:nvPr/>
-      </p:nvGrpSpPr>
-      <p:grpSpPr>
-        <a:xfrm>
-          <a:off x="0" y="0"/>
-          <a:ext cx="0" cy="0"/>
-          <a:chOff x="0" y="0"/>
-          <a:chExt cx="0" cy="0"/>
-        </a:xfrm>
-      </p:grpSpPr>
-      <p:sp>
-        <p:nvSpPr>
-          <p:cNvPr id="2" name="Заголовок 1"/>
-          <p:cNvSpPr>
-            <a:spLocks noGrp="1"/>
-          </p:cNvSpPr>
-          <p:nvPr>
-            <p:ph type="ctrTitle"/>
-          </p:nvPr>
-        </p:nvSpPr>
-        <p:spPr/>
-        <p:txBody>
-          <a:bodyPr/>
-          <a:lstStyle/>
-          <a:p>
-            <a:r>
-              <a:rPr lang="ru-RU" dirty="0"/>
-              <a:t>Пишем код большого проекта: быстро, надёжно, удобно</a:t>
-            </a:r>
-            <a:endParaRPr lang="ru-RU" dirty="0"/>
-          </a:p>
-        </p:txBody>
-      </p:sp>
-      <p:sp>
-        <p:nvSpPr>
-          <p:cNvPr id="3" name="Подзаголовок 2"/>
-          <p:cNvSpPr>
-            <a:spLocks noGrp="1"/>
-          </p:cNvSpPr>
-          <p:nvPr>
-            <p:ph type="subTitle" idx="1"/>
-          </p:nvPr>
-        </p:nvSpPr>
-        <p:spPr/>
-        <p:txBody>
-          <a:bodyPr/>
-          <a:lstStyle/>
-          <a:p>
-            <a:r>
-              <a:rPr lang="ru-RU" dirty="0" smtClean="0"/>
-              <a:t>Илья Шишков</a:t>
-            </a:r>
-            <a:endParaRPr lang="ru-RU" dirty="0"/>
-          </a:p>
-        </p:txBody>
-      </p:sp>
-      <p:sp>
-        <p:nvSpPr>
-          <p:cNvPr id="4" name="Рисунок 3"/>
-          <p:cNvSpPr>
-            <a:spLocks noGrp="1"/>
-          </p:cNvSpPr>
-          <p:nvPr>
-            <p:ph type="pic" sz="quarter" idx="13"/>
-          </p:nvPr>
-        </p:nvSpPr>
-        <p:spPr/>
-      </p:sp>
-      <p:sp>
-        <p:nvSpPr>
-          <p:cNvPr id="5" name="Рисунок 4"/>
-          <p:cNvSpPr>
-            <a:spLocks noGrp="1"/>
-          </p:cNvSpPr>
-          <p:nvPr>
-            <p:ph type="pic" sz="quarter" idx="14"/>
-          </p:nvPr>
-        </p:nvSpPr>
-        <p:spPr/>
-      </p:sp>
-    </p:spTree>
-    <p:extLst>
-      <p:ext uri="{BB962C8B-B14F-4D97-AF65-F5344CB8AC3E}">
-        <p14:creationId xmlns:p14="http://schemas.microsoft.com/office/powerpoint/2010/main" val="44773047"/>
-      </p:ext>
-    </p:extLst>
-  </p:cSld>
-  <p:clrMapOvr>
-    <a:masterClrMapping/>
-  </p:clrMapOvr>
-  <p:timing>
-    <p:tnLst>
-      <p:par>
-        <p:cTn id="1" dur="indefinite" restart="never" nodeType="tmRoot"/>
-      </p:par>
-    </p:tnLst>
-  </p:timing>
-</p:sld>
-</file>
-
-<file path=ppt/slides/slide4.xml><?xml version="1.0" encoding="utf-8"?>
-<p:sld xmlns:a="http://schemas.openxmlformats.org/drawingml/2006/main" xmlns:r="http://schemas.openxmlformats.org/officeDocument/2006/relationships" xmlns:p="http://schemas.openxmlformats.org/presentationml/2006/main">
-  <p:cSld>
-    <p:spTree>
-      <p:nvGrpSpPr>
-        <p:cNvPr id="1" name=""/>
-        <p:cNvGrpSpPr/>
-        <p:nvPr/>
-      </p:nvGrpSpPr>
-      <p:grpSpPr>
-        <a:xfrm>
-          <a:off x="0" y="0"/>
-          <a:ext cx="0" cy="0"/>
-          <a:chOff x="0" y="0"/>
-          <a:chExt cx="0" cy="0"/>
-        </a:xfrm>
-      </p:grpSpPr>
-      <p:sp>
-        <p:nvSpPr>
-          <p:cNvPr id="2" name="Заголовок 1"/>
-          <p:cNvSpPr>
-            <a:spLocks noGrp="1"/>
-          </p:cNvSpPr>
-          <p:nvPr>
-            <p:ph type="title"/>
-          </p:nvPr>
-        </p:nvSpPr>
-        <p:spPr/>
-        <p:txBody>
-          <a:bodyPr/>
-          <a:lstStyle/>
-          <a:p>
-            <a:r>
-              <a:rPr lang="ru-RU" dirty="0" smtClean="0"/>
-              <a:t>Вместо введения</a:t>
-            </a:r>
-            <a:endParaRPr lang="ru-RU" dirty="0"/>
-          </a:p>
-        </p:txBody>
-      </p:sp>
-      <p:sp>
-        <p:nvSpPr>
-          <p:cNvPr id="3" name="Объект 2"/>
-          <p:cNvSpPr>
-            <a:spLocks noGrp="1"/>
-          </p:cNvSpPr>
-          <p:nvPr>
-            <p:ph idx="1"/>
-          </p:nvPr>
-        </p:nvSpPr>
-        <p:spPr/>
-        <p:txBody>
-          <a:bodyPr/>
-          <a:lstStyle/>
-          <a:p>
-            <a:r>
-              <a:rPr lang="ru-RU" dirty="0" smtClean="0"/>
-              <a:t>Мои советы - это</a:t>
-            </a:r>
-          </a:p>
-          <a:p>
-            <a:pPr lvl="1"/>
-            <a:r>
-              <a:rPr lang="ru-RU" dirty="0" smtClean="0"/>
-              <a:t>мой личный опыт работы</a:t>
-            </a:r>
-          </a:p>
-          <a:p>
-            <a:pPr lvl="1"/>
-            <a:endParaRPr lang="ru-RU" dirty="0" smtClean="0"/>
-          </a:p>
-          <a:p>
-            <a:pPr lvl="1"/>
-            <a:r>
-              <a:rPr lang="ru-RU" dirty="0" smtClean="0"/>
-              <a:t>над </a:t>
-            </a:r>
-            <a:r>
-              <a:rPr lang="en-US" dirty="0" err="1" smtClean="0"/>
-              <a:t>realtime</a:t>
-            </a:r>
-            <a:r>
-              <a:rPr lang="en-US" dirty="0" smtClean="0"/>
-              <a:t> backend’</a:t>
-            </a:r>
-            <a:r>
-              <a:rPr lang="ru-RU" dirty="0" smtClean="0"/>
-              <a:t>ом</a:t>
-            </a:r>
-            <a:r>
-              <a:rPr lang="en-US" dirty="0" smtClean="0"/>
-              <a:t>, </a:t>
-            </a:r>
-            <a:r>
-              <a:rPr lang="ru-RU" dirty="0" smtClean="0"/>
-              <a:t>который работает 24/7</a:t>
-            </a:r>
-          </a:p>
-          <a:p>
-            <a:pPr lvl="1"/>
-            <a:endParaRPr lang="ru-RU" dirty="0" smtClean="0"/>
-          </a:p>
-          <a:p>
-            <a:pPr lvl="1"/>
-            <a:r>
-              <a:rPr lang="ru-RU" dirty="0" smtClean="0"/>
-              <a:t>существует, развивается и поддерживается в течение многих лет</a:t>
-            </a:r>
-            <a:endParaRPr lang="ru-RU" dirty="0"/>
-          </a:p>
-        </p:txBody>
-      </p:sp>
-      <p:sp>
-        <p:nvSpPr>
-          <p:cNvPr id="4" name="Нижний колонтитул 3"/>
-          <p:cNvSpPr>
-            <a:spLocks noGrp="1"/>
-          </p:cNvSpPr>
-          <p:nvPr>
-            <p:ph type="ftr" sz="quarter" idx="11"/>
-          </p:nvPr>
-        </p:nvSpPr>
-        <p:spPr/>
-        <p:txBody>
-          <a:bodyPr/>
-          <a:lstStyle/>
-          <a:p>
-            <a:endParaRPr lang="ru-RU"/>
-          </a:p>
-        </p:txBody>
-      </p:sp>
-      <p:sp>
-        <p:nvSpPr>
-          <p:cNvPr id="5" name="Номер слайда 4"/>
-          <p:cNvSpPr>
-            <a:spLocks noGrp="1"/>
-          </p:cNvSpPr>
-          <p:nvPr>
-            <p:ph type="sldNum" sz="quarter" idx="12"/>
-          </p:nvPr>
-        </p:nvSpPr>
-        <p:spPr/>
-        <p:txBody>
-          <a:bodyPr/>
-          <a:lstStyle/>
-          <a:p>
-            <a:fld id="{741C03D3-FA44-40EC-9A21-1FC4FEA3E22E}" type="slidenum">
-              <a:rPr lang="ru-RU" smtClean="0"/>
-              <a:t>4</a:t>
-            </a:fld>
-            <a:endParaRPr lang="ru-RU"/>
-          </a:p>
-        </p:txBody>
-      </p:sp>
-    </p:spTree>
-    <p:extLst>
-      <p:ext uri="{BB962C8B-B14F-4D97-AF65-F5344CB8AC3E}">
-        <p14:creationId xmlns:p14="http://schemas.microsoft.com/office/powerpoint/2010/main" val="689473396"/>
-      </p:ext>
-    </p:extLst>
-  </p:cSld>
-  <p:clrMapOvr>
-    <a:masterClrMapping/>
-  </p:clrMapOvr>
-  <p:timing>
-    <p:tnLst>
-      <p:par>
-        <p:cTn id="1" dur="indefinite" restart="never" nodeType="tmRoot"/>
-      </p:par>
-    </p:tnLst>
-  </p:timing>
-</p:sld>
-</file>
-
-<file path=ppt/slides/slide5.xml><?xml version="1.0" encoding="utf-8"?>
-<p:sld xmlns:a="http://schemas.openxmlformats.org/drawingml/2006/main" xmlns:r="http://schemas.openxmlformats.org/officeDocument/2006/relationships" xmlns:p="http://schemas.openxmlformats.org/presentationml/2006/main">
-  <p:cSld>
-    <p:spTree>
-      <p:nvGrpSpPr>
-        <p:cNvPr id="1" name=""/>
-        <p:cNvGrpSpPr/>
-        <p:nvPr/>
-      </p:nvGrpSpPr>
-      <p:grpSpPr>
-        <a:xfrm>
-          <a:off x="0" y="0"/>
-          <a:ext cx="0" cy="0"/>
-          <a:chOff x="0" y="0"/>
-          <a:chExt cx="0" cy="0"/>
-        </a:xfrm>
-      </p:grpSpPr>
-      <p:sp>
-        <p:nvSpPr>
-          <p:cNvPr id="2" name="Заголовок 1"/>
-          <p:cNvSpPr>
-            <a:spLocks noGrp="1"/>
-          </p:cNvSpPr>
-          <p:nvPr>
-            <p:ph type="ctrTitle"/>
-          </p:nvPr>
-        </p:nvSpPr>
-        <p:spPr/>
-        <p:txBody>
-          <a:bodyPr/>
-          <a:lstStyle/>
-          <a:p>
-            <a:r>
-              <a:rPr lang="ru-RU" dirty="0" smtClean="0"/>
-              <a:t>Что такое код нашего проекта?</a:t>
-            </a:r>
-            <a:endParaRPr lang="ru-RU" dirty="0"/>
-          </a:p>
-        </p:txBody>
-      </p:sp>
-      <p:sp>
-        <p:nvSpPr>
-          <p:cNvPr id="3" name="Текст 2"/>
-          <p:cNvSpPr>
-            <a:spLocks noGrp="1"/>
-          </p:cNvSpPr>
-          <p:nvPr>
-            <p:ph type="body" idx="1"/>
-          </p:nvPr>
-        </p:nvSpPr>
-        <p:spPr/>
-        <p:txBody>
-          <a:bodyPr/>
-          <a:lstStyle/>
-          <a:p>
-            <a:endParaRPr lang="ru-RU"/>
-          </a:p>
-        </p:txBody>
-      </p:sp>
-    </p:spTree>
-    <p:extLst>
-      <p:ext uri="{BB962C8B-B14F-4D97-AF65-F5344CB8AC3E}">
-        <p14:creationId xmlns:p14="http://schemas.microsoft.com/office/powerpoint/2010/main" val="392748565"/>
-      </p:ext>
-    </p:extLst>
-  </p:cSld>
-  <p:clrMapOvr>
-    <a:masterClrMapping/>
-  </p:clrMapOvr>
-  <mc:AlternateContent xmlns:mc="http://schemas.openxmlformats.org/markup-compatibility/2006">
-    <mc:Choice xmlns:p14="http://schemas.microsoft.com/office/powerpoint/2010/main" Requires="p14">
-      <p:transition p14:dur="0"/>
-    </mc:Choice>
-    <mc:Fallback>
-      <p:transition/>
-    </mc:Fallback>
-  </mc:AlternateContent>
-  <p:timing>
-    <p:tnLst>
-      <p:par>
-        <p:cTn id="1" dur="indefinite" restart="never" nodeType="tmRoot"/>
-      </p:par>
-    </p:tnLst>
-  </p:timing>
-</p:sld>
-</file>
-
-<file path=ppt/slides/slide6.xml><?xml version="1.0" encoding="utf-8"?>
-<p:sld xmlns:a="http://schemas.openxmlformats.org/drawingml/2006/main" xmlns:r="http://schemas.openxmlformats.org/officeDocument/2006/relationships" xmlns:p="http://schemas.openxmlformats.org/presentationml/2006/main">
-  <p:cSld>
-    <p:spTree>
-      <p:nvGrpSpPr>
-        <p:cNvPr id="1" name=""/>
-        <p:cNvGrpSpPr/>
-        <p:nvPr/>
-      </p:nvGrpSpPr>
-      <p:grpSpPr>
-        <a:xfrm>
-          <a:off x="0" y="0"/>
-          <a:ext cx="0" cy="0"/>
-          <a:chOff x="0" y="0"/>
-          <a:chExt cx="0" cy="0"/>
-        </a:xfrm>
-      </p:grpSpPr>
-      <p:sp>
-        <p:nvSpPr>
-          <p:cNvPr id="2" name="Заголовок 1"/>
-          <p:cNvSpPr>
-            <a:spLocks noGrp="1"/>
-          </p:cNvSpPr>
-          <p:nvPr>
-            <p:ph type="ctrTitle"/>
-          </p:nvPr>
-        </p:nvSpPr>
-        <p:spPr/>
-        <p:txBody>
-          <a:bodyPr/>
-          <a:lstStyle/>
-          <a:p>
-            <a:r>
-              <a:rPr lang="ru-RU" dirty="0" smtClean="0"/>
-              <a:t>За что нам платят деньги?</a:t>
-            </a:r>
-            <a:endParaRPr lang="ru-RU" dirty="0"/>
-          </a:p>
-        </p:txBody>
-      </p:sp>
-      <p:sp>
-        <p:nvSpPr>
-          <p:cNvPr id="3" name="Текст 2"/>
-          <p:cNvSpPr>
-            <a:spLocks noGrp="1"/>
-          </p:cNvSpPr>
-          <p:nvPr>
-            <p:ph type="body" idx="1"/>
-          </p:nvPr>
-        </p:nvSpPr>
-        <p:spPr/>
-        <p:txBody>
-          <a:bodyPr/>
-          <a:lstStyle/>
-          <a:p>
-            <a:endParaRPr lang="ru-RU"/>
-          </a:p>
-        </p:txBody>
-      </p:sp>
-    </p:spTree>
-    <p:extLst>
-      <p:ext uri="{BB962C8B-B14F-4D97-AF65-F5344CB8AC3E}">
-        <p14:creationId xmlns:p14="http://schemas.microsoft.com/office/powerpoint/2010/main" val="784897965"/>
-      </p:ext>
-    </p:extLst>
-  </p:cSld>
-  <p:clrMapOvr>
-    <a:masterClrMapping/>
-  </p:clrMapOvr>
-  <p:transition spd="slow">
-    <p:push dir="u"/>
-  </p:transition>
-  <p:timing>
-    <p:tnLst>
-      <p:par>
-        <p:cTn id="1" dur="indefinite" restart="never" nodeType="tmRoot"/>
-      </p:par>
-    </p:tnLst>
-  </p:timing>
-</p:sld>
-</file>
-
-<file path=ppt/slides/slide7.xml><?xml version="1.0" encoding="utf-8"?>
-<p:sld xmlns:a="http://schemas.openxmlformats.org/drawingml/2006/main" xmlns:r="http://schemas.openxmlformats.org/officeDocument/2006/relationships" xmlns:p="http://schemas.openxmlformats.org/presentationml/2006/main">
-  <p:cSld>
-    <p:spTree>
-      <p:nvGrpSpPr>
-        <p:cNvPr id="1" name=""/>
-        <p:cNvGrpSpPr/>
-        <p:nvPr/>
-      </p:nvGrpSpPr>
-      <p:grpSpPr>
-        <a:xfrm>
-          <a:off x="0" y="0"/>
-          <a:ext cx="0" cy="0"/>
-          <a:chOff x="0" y="0"/>
-          <a:chExt cx="0" cy="0"/>
-        </a:xfrm>
-      </p:grpSpPr>
-      <p:sp>
-        <p:nvSpPr>
-          <p:cNvPr id="8" name="Прямоугольник 7"/>
-          <p:cNvSpPr/>
-          <p:nvPr/>
-        </p:nvSpPr>
-        <p:spPr>
-          <a:xfrm>
-            <a:off x="1124806" y="3042000"/>
-            <a:ext cx="8640000" cy="8640000"/>
-          </a:xfrm>
-          <a:prstGeom prst="rect">
-            <a:avLst/>
-          </a:prstGeom>
-          <a:solidFill>
-            <a:schemeClr val="bg1"/>
-          </a:solidFill>
-          <a:ln w="38100">
-            <a:solidFill>
-              <a:schemeClr val="tx1"/>
-            </a:solidFill>
-          </a:ln>
-        </p:spPr>
-        <p:style>
-          <a:lnRef idx="2">
-            <a:schemeClr val="accent1">
-              <a:shade val="50000"/>
-            </a:schemeClr>
-          </a:lnRef>
-          <a:fillRef idx="1">
-            <a:schemeClr val="accent1"/>
-          </a:fillRef>
-          <a:effectRef idx="0">
-            <a:schemeClr val="accent1"/>
-          </a:effectRef>
-          <a:fontRef idx="minor">
-            <a:schemeClr val="lt1"/>
-          </a:fontRef>
-        </p:style>
-        <p:txBody>
-          <a:bodyPr rtlCol="0" anchor="ctr"/>
-          <a:lstStyle/>
-          <a:p>
-            <a:pPr algn="ctr"/>
-            <a:endParaRPr lang="ru-RU" sz="4800" dirty="0" err="1" smtClean="0">
-              <a:solidFill>
-                <a:schemeClr val="tx1"/>
-              </a:solidFill>
-            </a:endParaRPr>
-          </a:p>
-        </p:txBody>
-      </p:sp>
-      <p:sp>
-        <p:nvSpPr>
-          <p:cNvPr id="2" name="Заголовок 1"/>
-          <p:cNvSpPr>
-            <a:spLocks noGrp="1"/>
-          </p:cNvSpPr>
-          <p:nvPr>
-            <p:ph type="title"/>
-          </p:nvPr>
-        </p:nvSpPr>
-        <p:spPr/>
-        <p:txBody>
-          <a:bodyPr/>
-          <a:lstStyle/>
-          <a:p>
-            <a:r>
-              <a:rPr lang="ru-RU" dirty="0" smtClean="0"/>
-              <a:t>За что нам платят деньги?</a:t>
-            </a:r>
-            <a:endParaRPr lang="ru-RU" dirty="0"/>
-          </a:p>
-        </p:txBody>
-      </p:sp>
-      <p:sp>
-        <p:nvSpPr>
-          <p:cNvPr id="4" name="Нижний колонтитул 3"/>
-          <p:cNvSpPr>
-            <a:spLocks noGrp="1"/>
-          </p:cNvSpPr>
-          <p:nvPr>
-            <p:ph type="ftr" sz="quarter" idx="11"/>
-          </p:nvPr>
-        </p:nvSpPr>
-        <p:spPr/>
-        <p:txBody>
-          <a:bodyPr/>
-          <a:lstStyle/>
-          <a:p>
-            <a:endParaRPr lang="ru-RU"/>
-          </a:p>
-        </p:txBody>
-      </p:sp>
-      <p:sp>
-        <p:nvSpPr>
-          <p:cNvPr id="5" name="Номер слайда 4"/>
-          <p:cNvSpPr>
-            <a:spLocks noGrp="1"/>
-          </p:cNvSpPr>
-          <p:nvPr>
-            <p:ph type="sldNum" sz="quarter" idx="12"/>
-          </p:nvPr>
-        </p:nvSpPr>
-        <p:spPr/>
-        <p:txBody>
-          <a:bodyPr/>
-          <a:lstStyle/>
-          <a:p>
-            <a:fld id="{741C03D3-FA44-40EC-9A21-1FC4FEA3E22E}" type="slidenum">
-              <a:rPr lang="ru-RU" smtClean="0"/>
-              <a:t>7</a:t>
-            </a:fld>
-            <a:endParaRPr lang="ru-RU"/>
-          </a:p>
-        </p:txBody>
-      </p:sp>
-      <p:sp>
-        <p:nvSpPr>
-          <p:cNvPr id="14" name="Объект 13"/>
-          <p:cNvSpPr>
-            <a:spLocks noGrp="1"/>
-          </p:cNvSpPr>
-          <p:nvPr>
-            <p:ph idx="13"/>
-          </p:nvPr>
-        </p:nvSpPr>
-        <p:spPr/>
-        <p:txBody>
-          <a:bodyPr anchor="t" anchorCtr="0"/>
-          <a:lstStyle/>
-          <a:p>
-            <a:pPr algn="ctr"/>
-            <a:r>
-              <a:rPr lang="ru-RU" dirty="0" smtClean="0"/>
-              <a:t>Код нашего проекта</a:t>
-            </a:r>
-            <a:endParaRPr lang="ru-RU" dirty="0"/>
-          </a:p>
-        </p:txBody>
-      </p:sp>
-      <p:sp>
-        <p:nvSpPr>
-          <p:cNvPr id="9" name="Прямоугольник 8"/>
-          <p:cNvSpPr/>
-          <p:nvPr/>
-        </p:nvSpPr>
-        <p:spPr>
-          <a:xfrm>
-            <a:off x="14862406" y="9147600"/>
-            <a:ext cx="2880000" cy="2880000"/>
-          </a:xfrm>
-          <a:prstGeom prst="rect">
-            <a:avLst/>
-          </a:prstGeom>
-          <a:solidFill>
-            <a:schemeClr val="accent3"/>
-          </a:solidFill>
-          <a:ln w="38100">
-            <a:solidFill>
-              <a:schemeClr val="tx1"/>
-            </a:solidFill>
-          </a:ln>
-        </p:spPr>
-        <p:style>
-          <a:lnRef idx="2">
-            <a:schemeClr val="accent1">
-              <a:shade val="50000"/>
-            </a:schemeClr>
-          </a:lnRef>
-          <a:fillRef idx="1">
-            <a:schemeClr val="accent1"/>
-          </a:fillRef>
-          <a:effectRef idx="0">
-            <a:schemeClr val="accent1"/>
-          </a:effectRef>
-          <a:fontRef idx="minor">
-            <a:schemeClr val="lt1"/>
-          </a:fontRef>
-        </p:style>
-        <p:txBody>
-          <a:bodyPr rtlCol="0" anchor="ctr"/>
-          <a:lstStyle/>
-          <a:p>
-            <a:pPr algn="ctr"/>
-            <a:endParaRPr lang="ru-RU" dirty="0" err="1" smtClean="0">
-              <a:solidFill>
-                <a:schemeClr val="tx1"/>
-              </a:solidFill>
-            </a:endParaRPr>
-          </a:p>
-        </p:txBody>
-      </p:sp>
-      <p:sp>
-        <p:nvSpPr>
-          <p:cNvPr id="15" name="Прямоугольник 14"/>
-          <p:cNvSpPr/>
-          <p:nvPr/>
-        </p:nvSpPr>
-        <p:spPr>
-          <a:xfrm>
-            <a:off x="14480806" y="5331600"/>
-            <a:ext cx="2880000" cy="2880000"/>
-          </a:xfrm>
-          <a:prstGeom prst="rect">
-            <a:avLst/>
-          </a:prstGeom>
-          <a:solidFill>
-            <a:schemeClr val="bg2"/>
-          </a:solidFill>
-          <a:ln w="38100">
-            <a:solidFill>
-              <a:schemeClr val="tx1"/>
-            </a:solidFill>
-          </a:ln>
-        </p:spPr>
-        <p:style>
-          <a:lnRef idx="2">
-            <a:schemeClr val="accent1">
-              <a:shade val="50000"/>
-            </a:schemeClr>
-          </a:lnRef>
-          <a:fillRef idx="1">
-            <a:schemeClr val="accent1"/>
-          </a:fillRef>
-          <a:effectRef idx="0">
-            <a:schemeClr val="accent1"/>
-          </a:effectRef>
-          <a:fontRef idx="minor">
-            <a:schemeClr val="lt1"/>
-          </a:fontRef>
-        </p:style>
-        <p:txBody>
-          <a:bodyPr rtlCol="0" anchor="ctr"/>
-          <a:lstStyle/>
-          <a:p>
-            <a:pPr algn="ctr"/>
-            <a:endParaRPr lang="ru-RU" dirty="0" err="1" smtClean="0">
-              <a:solidFill>
-                <a:schemeClr val="tx1"/>
-              </a:solidFill>
-            </a:endParaRPr>
-          </a:p>
-        </p:txBody>
-      </p:sp>
-      <p:sp>
-        <p:nvSpPr>
-          <p:cNvPr id="16" name="Прямоугольник 15"/>
-          <p:cNvSpPr/>
-          <p:nvPr/>
-        </p:nvSpPr>
-        <p:spPr>
-          <a:xfrm>
-            <a:off x="19477606" y="5922000"/>
-            <a:ext cx="2880000" cy="5760000"/>
-          </a:xfrm>
-          <a:prstGeom prst="rect">
-            <a:avLst/>
-          </a:prstGeom>
-          <a:solidFill>
-            <a:schemeClr val="accent1"/>
-          </a:solidFill>
-          <a:ln w="38100">
-            <a:solidFill>
-              <a:schemeClr val="tx1"/>
-            </a:solidFill>
-          </a:ln>
-        </p:spPr>
-        <p:style>
-          <a:lnRef idx="2">
-            <a:schemeClr val="accent1">
-              <a:shade val="50000"/>
-            </a:schemeClr>
-          </a:lnRef>
-          <a:fillRef idx="1">
-            <a:schemeClr val="accent1"/>
-          </a:fillRef>
-          <a:effectRef idx="0">
-            <a:schemeClr val="accent1"/>
-          </a:effectRef>
-          <a:fontRef idx="minor">
-            <a:schemeClr val="lt1"/>
-          </a:fontRef>
-        </p:style>
-        <p:txBody>
-          <a:bodyPr rtlCol="0" anchor="ctr"/>
-          <a:lstStyle/>
-          <a:p>
-            <a:pPr algn="ctr"/>
-            <a:endParaRPr lang="ru-RU" dirty="0" err="1" smtClean="0">
-              <a:solidFill>
-                <a:schemeClr val="tx1"/>
-              </a:solidFill>
-            </a:endParaRPr>
-          </a:p>
-        </p:txBody>
-      </p:sp>
-      <p:sp>
-        <p:nvSpPr>
-          <p:cNvPr id="17" name="Прямоугольник 16"/>
-          <p:cNvSpPr/>
-          <p:nvPr/>
-        </p:nvSpPr>
-        <p:spPr>
-          <a:xfrm rot="5400000">
-            <a:off x="17447206" y="2886442"/>
-            <a:ext cx="2880000" cy="5760000"/>
-          </a:xfrm>
-          <a:prstGeom prst="rect">
-            <a:avLst/>
-          </a:prstGeom>
-          <a:solidFill>
-            <a:schemeClr val="accent2"/>
-          </a:solidFill>
-          <a:ln w="38100">
-            <a:solidFill>
-              <a:schemeClr val="tx1"/>
-            </a:solidFill>
-          </a:ln>
-        </p:spPr>
-        <p:style>
-          <a:lnRef idx="2">
-            <a:schemeClr val="accent1">
-              <a:shade val="50000"/>
-            </a:schemeClr>
-          </a:lnRef>
-          <a:fillRef idx="1">
-            <a:schemeClr val="accent1"/>
-          </a:fillRef>
-          <a:effectRef idx="0">
-            <a:schemeClr val="accent1"/>
-          </a:effectRef>
-          <a:fontRef idx="minor">
-            <a:schemeClr val="lt1"/>
-          </a:fontRef>
-        </p:style>
-        <p:txBody>
-          <a:bodyPr rtlCol="0" anchor="ctr"/>
-          <a:lstStyle/>
-          <a:p>
-            <a:pPr algn="ctr"/>
-            <a:endParaRPr lang="ru-RU" dirty="0" err="1" smtClean="0">
-              <a:solidFill>
-                <a:schemeClr val="tx1"/>
-              </a:solidFill>
-            </a:endParaRPr>
-          </a:p>
-        </p:txBody>
-      </p:sp>
-      <p:sp>
-        <p:nvSpPr>
-          <p:cNvPr id="19" name="Прямоугольник 18"/>
-          <p:cNvSpPr/>
-          <p:nvPr/>
-        </p:nvSpPr>
-        <p:spPr>
-          <a:xfrm rot="5400000">
-            <a:off x="16597606" y="5504400"/>
-            <a:ext cx="2880000" cy="8640000"/>
-          </a:xfrm>
-          <a:prstGeom prst="rect">
-            <a:avLst/>
-          </a:prstGeom>
-          <a:solidFill>
-            <a:schemeClr val="tx2"/>
-          </a:solidFill>
-          <a:ln w="38100">
-            <a:solidFill>
-              <a:schemeClr val="tx1"/>
-            </a:solidFill>
-          </a:ln>
-        </p:spPr>
-        <p:style>
-          <a:lnRef idx="2">
-            <a:schemeClr val="accent1">
-              <a:shade val="50000"/>
-            </a:schemeClr>
-          </a:lnRef>
-          <a:fillRef idx="1">
-            <a:schemeClr val="accent1"/>
-          </a:fillRef>
-          <a:effectRef idx="0">
-            <a:schemeClr val="accent1"/>
-          </a:effectRef>
-          <a:fontRef idx="minor">
-            <a:schemeClr val="lt1"/>
-          </a:fontRef>
-        </p:style>
-        <p:txBody>
-          <a:bodyPr rtlCol="0" anchor="ctr"/>
-          <a:lstStyle/>
-          <a:p>
-            <a:pPr algn="ctr"/>
-            <a:endParaRPr lang="ru-RU" dirty="0" err="1" smtClean="0">
-              <a:solidFill>
-                <a:schemeClr val="tx1"/>
-              </a:solidFill>
-            </a:endParaRPr>
-          </a:p>
-        </p:txBody>
-      </p:sp>
-      <p:sp>
-        <p:nvSpPr>
-          <p:cNvPr id="13" name="Объект 12"/>
-          <p:cNvSpPr>
-            <a:spLocks noGrp="1"/>
-          </p:cNvSpPr>
-          <p:nvPr>
-            <p:ph idx="1"/>
-          </p:nvPr>
-        </p:nvSpPr>
-        <p:spPr>
-          <a:xfrm>
-            <a:off x="1143000" y="3048000"/>
-            <a:ext cx="8621806" cy="8634000"/>
-          </a:xfrm>
-        </p:spPr>
-        <p:txBody>
-          <a:bodyPr/>
-          <a:lstStyle/>
-          <a:p>
-            <a:pPr algn="ctr"/>
-            <a:r>
-              <a:rPr lang="ru-RU" dirty="0" smtClean="0"/>
-              <a:t>Код, который работает в </a:t>
-            </a:r>
-            <a:r>
-              <a:rPr lang="en-US" dirty="0" smtClean="0"/>
-              <a:t>production</a:t>
-            </a:r>
-            <a:endParaRPr lang="ru-RU" dirty="0"/>
-          </a:p>
-        </p:txBody>
-      </p:sp>
-    </p:spTree>
-    <p:extLst>
-      <p:ext uri="{BB962C8B-B14F-4D97-AF65-F5344CB8AC3E}">
-        <p14:creationId xmlns:p14="http://schemas.microsoft.com/office/powerpoint/2010/main" val="547893294"/>
-      </p:ext>
-    </p:extLst>
-  </p:cSld>
-  <p:clrMapOvr>
-    <a:masterClrMapping/>
-  </p:clrMapOvr>
-  <p:timing>
-    <p:tnLst>
-      <p:par>
-        <p:cTn id="1" dur="indefinite" restart="never" nodeType="tmRoot">
-          <p:childTnLst>
-            <p:seq concurrent="1" nextAc="seek">
-              <p:cTn id="2" dur="indefinite" nodeType="mainSeq">
-                <p:childTnLst>
-                  <p:par>
-                    <p:cTn id="3" fill="hold">
-                      <p:stCondLst>
-                        <p:cond delay="indefinite"/>
-                      </p:stCondLst>
-                      <p:childTnLst>
-                        <p:par>
-                          <p:cTn id="4" fill="hold">
-                            <p:stCondLst>
-                              <p:cond delay="0"/>
-                            </p:stCondLst>
-                            <p:childTnLst>
-                              <p:par>
-                                <p:cTn id="5" presetID="1" presetClass="entr" presetSubtype="0" fill="hold" grpId="0" nodeType="clickEffect">
-                                  <p:stCondLst>
-                                    <p:cond delay="0"/>
-                                  </p:stCondLst>
-                                  <p:childTnLst>
-                                    <p:set>
-                                      <p:cBhvr>
-                                        <p:cTn id="6" dur="1" fill="hold">
-                                          <p:stCondLst>
-                                            <p:cond delay="0"/>
-                                          </p:stCondLst>
-                                        </p:cTn>
-                                        <p:tgtEl>
-                                          <p:spTgt spid="14">
-                                            <p:txEl>
-                                              <p:pRg st="0" end="0"/>
-                                            </p:txEl>
-                                          </p:spTgt>
-                                        </p:tgtEl>
-                                        <p:attrNameLst>
-                                          <p:attrName>style.visibility</p:attrName>
-                                        </p:attrNameLst>
-                                      </p:cBhvr>
-                                      <p:to>
-                                        <p:strVal val="visible"/>
-                                      </p:to>
-                                    </p:set>
-                                  </p:childTnLst>
-                                </p:cTn>
-                              </p:par>
-                              <p:par>
-                                <p:cTn id="7" presetID="1" presetClass="entr" presetSubtype="0" fill="hold" grpId="0" nodeType="withEffect">
-                                  <p:stCondLst>
-                                    <p:cond delay="0"/>
-                                  </p:stCondLst>
-                                  <p:childTnLst>
-                                    <p:set>
-                                      <p:cBhvr>
-                                        <p:cTn id="8" dur="1" fill="hold">
-                                          <p:stCondLst>
-                                            <p:cond delay="0"/>
-                                          </p:stCondLst>
-                                        </p:cTn>
-                                        <p:tgtEl>
-                                          <p:spTgt spid="9"/>
-                                        </p:tgtEl>
-                                        <p:attrNameLst>
-                                          <p:attrName>style.visibility</p:attrName>
-                                        </p:attrNameLst>
-                                      </p:cBhvr>
-                                      <p:to>
-                                        <p:strVal val="visible"/>
-                                      </p:to>
-                                    </p:set>
-                                  </p:childTnLst>
-                                </p:cTn>
-                              </p:par>
-                              <p:par>
-                                <p:cTn id="9" presetID="1" presetClass="entr" presetSubtype="0" fill="hold" grpId="0" nodeType="withEffect">
-                                  <p:stCondLst>
-                                    <p:cond delay="0"/>
-                                  </p:stCondLst>
-                                  <p:childTnLst>
-                                    <p:set>
-                                      <p:cBhvr>
-                                        <p:cTn id="10" dur="1" fill="hold">
-                                          <p:stCondLst>
-                                            <p:cond delay="0"/>
-                                          </p:stCondLst>
-                                        </p:cTn>
-                                        <p:tgtEl>
-                                          <p:spTgt spid="15"/>
-                                        </p:tgtEl>
-                                        <p:attrNameLst>
-                                          <p:attrName>style.visibility</p:attrName>
-                                        </p:attrNameLst>
-                                      </p:cBhvr>
-                                      <p:to>
-                                        <p:strVal val="visible"/>
-                                      </p:to>
-                                    </p:set>
-                                  </p:childTnLst>
-                                </p:cTn>
-                              </p:par>
-                              <p:par>
-                                <p:cTn id="11" presetID="1" presetClass="entr" presetSubtype="0" fill="hold" grpId="0" nodeType="withEffect">
-                                  <p:stCondLst>
-                                    <p:cond delay="0"/>
-                                  </p:stCondLst>
-                                  <p:childTnLst>
-                                    <p:set>
-                                      <p:cBhvr>
-                                        <p:cTn id="12" dur="1" fill="hold">
-                                          <p:stCondLst>
-                                            <p:cond delay="0"/>
-                                          </p:stCondLst>
-                                        </p:cTn>
-                                        <p:tgtEl>
-                                          <p:spTgt spid="16"/>
-                                        </p:tgtEl>
-                                        <p:attrNameLst>
-                                          <p:attrName>style.visibility</p:attrName>
-                                        </p:attrNameLst>
-                                      </p:cBhvr>
-                                      <p:to>
-                                        <p:strVal val="visible"/>
-                                      </p:to>
-                                    </p:set>
-                                  </p:childTnLst>
-                                </p:cTn>
-                              </p:par>
-                              <p:par>
-                                <p:cTn id="13" presetID="1" presetClass="entr" presetSubtype="0" fill="hold" grpId="0" nodeType="withEffect">
-                                  <p:stCondLst>
-                                    <p:cond delay="0"/>
-                                  </p:stCondLst>
-                                  <p:childTnLst>
-                                    <p:set>
-                                      <p:cBhvr>
-                                        <p:cTn id="14" dur="1" fill="hold">
-                                          <p:stCondLst>
-                                            <p:cond delay="0"/>
-                                          </p:stCondLst>
-                                        </p:cTn>
-                                        <p:tgtEl>
-                                          <p:spTgt spid="17"/>
-                                        </p:tgtEl>
-                                        <p:attrNameLst>
-                                          <p:attrName>style.visibility</p:attrName>
-                                        </p:attrNameLst>
-                                      </p:cBhvr>
-                                      <p:to>
-                                        <p:strVal val="visible"/>
-                                      </p:to>
-                                    </p:set>
-                                  </p:childTnLst>
-                                </p:cTn>
-                              </p:par>
-                              <p:par>
-                                <p:cTn id="15" presetID="1" presetClass="entr" presetSubtype="0" fill="hold" grpId="0" nodeType="withEffect">
-                                  <p:stCondLst>
-                                    <p:cond delay="0"/>
-                                  </p:stCondLst>
-                                  <p:childTnLst>
-                                    <p:set>
-                                      <p:cBhvr>
-                                        <p:cTn id="16" dur="1" fill="hold">
-                                          <p:stCondLst>
-                                            <p:cond delay="0"/>
-                                          </p:stCondLst>
-                                        </p:cTn>
-                                        <p:tgtEl>
-                                          <p:spTgt spid="19"/>
-                                        </p:tgtEl>
-                                        <p:attrNameLst>
-                                          <p:attrName>style.visibility</p:attrName>
-                                        </p:attrNameLst>
-                                      </p:cBhvr>
-                                      <p:to>
-                                        <p:strVal val="visible"/>
-                                      </p:to>
-                                    </p:set>
-                                  </p:childTnLst>
-                                </p:cTn>
-                              </p:par>
-                            </p:childTnLst>
-                          </p:cTn>
-                        </p:par>
-                      </p:childTnLst>
-                    </p:cTn>
-                  </p:par>
-                  <p:par>
-                    <p:cTn id="17" fill="hold">
-                      <p:stCondLst>
-                        <p:cond delay="indefinite"/>
-                      </p:stCondLst>
-                      <p:childTnLst>
-                        <p:par>
-                          <p:cTn id="18" fill="hold">
-                            <p:stCondLst>
-                              <p:cond delay="0"/>
-                            </p:stCondLst>
-                            <p:childTnLst>
-                              <p:par>
-                                <p:cTn id="19" presetID="0" presetClass="path" presetSubtype="0" accel="50000" decel="50000" fill="hold" grpId="1" nodeType="clickEffect">
-                                  <p:stCondLst>
-                                    <p:cond delay="0"/>
-                                  </p:stCondLst>
-                                  <p:childTnLst>
-                                    <p:animMotion origin="layout" path="M -1.5625E-6 7.59259E-6 L -0.54844 -0.16527 " pathEditMode="relative" ptsTypes="AA">
-                                      <p:cBhvr>
-                                        <p:cTn id="20" dur="1250" fill="hold"/>
-                                        <p:tgtEl>
-                                          <p:spTgt spid="15"/>
-                                        </p:tgtEl>
-                                        <p:attrNameLst>
-                                          <p:attrName>ppt_x</p:attrName>
-                                          <p:attrName>ppt_y</p:attrName>
-                                        </p:attrNameLst>
-                                      </p:cBhvr>
-                                    </p:animMotion>
-                                  </p:childTnLst>
-                                </p:cTn>
-                              </p:par>
-                              <p:par>
-                                <p:cTn id="21" presetID="0" presetClass="path" presetSubtype="0" accel="50000" decel="50000" fill="hold" grpId="1" nodeType="withEffect">
-                                  <p:stCondLst>
-                                    <p:cond delay="0"/>
-                                  </p:stCondLst>
-                                  <p:childTnLst>
-                                    <p:animMotion origin="layout" path="M 0 0 L -0.51582 -0.20833 " pathEditMode="relative" ptsTypes="AA">
-                                      <p:cBhvr>
-                                        <p:cTn id="22" dur="1250" fill="hold"/>
-                                        <p:tgtEl>
-                                          <p:spTgt spid="16"/>
-                                        </p:tgtEl>
-                                        <p:attrNameLst>
-                                          <p:attrName>ppt_x</p:attrName>
-                                          <p:attrName>ppt_y</p:attrName>
-                                        </p:attrNameLst>
-                                      </p:cBhvr>
-                                    </p:animMotion>
-                                  </p:childTnLst>
-                                </p:cTn>
-                              </p:par>
-                              <p:par>
-                                <p:cTn id="23" presetID="0" presetClass="path" presetSubtype="0" accel="50000" decel="50000" fill="hold" grpId="1" nodeType="withEffect">
-                                  <p:stCondLst>
-                                    <p:cond delay="0"/>
-                                  </p:stCondLst>
-                                  <p:childTnLst>
-                                    <p:animMotion origin="layout" path="M 0 0 L -0.517 0.03125 " pathEditMode="relative" ptsTypes="AA">
-                                      <p:cBhvr>
-                                        <p:cTn id="24" dur="1250" fill="hold"/>
-                                        <p:tgtEl>
-                                          <p:spTgt spid="19"/>
-                                        </p:tgtEl>
-                                        <p:attrNameLst>
-                                          <p:attrName>ppt_x</p:attrName>
-                                          <p:attrName>ppt_y</p:attrName>
-                                        </p:attrNameLst>
-                                      </p:cBhvr>
-                                    </p:animMotion>
-                                  </p:childTnLst>
-                                </p:cTn>
-                              </p:par>
-                              <p:par>
-                                <p:cTn id="25" presetID="0" presetClass="path" presetSubtype="0" accel="50000" decel="50000" fill="hold" grpId="1" nodeType="withEffect">
-                                  <p:stCondLst>
-                                    <p:cond delay="0"/>
-                                  </p:stCondLst>
-                                  <p:childTnLst>
-                                    <p:animMotion origin="layout" path="M 0 0 L -0.60946 0.11609 " pathEditMode="relative" ptsTypes="AA">
-                                      <p:cBhvr>
-                                        <p:cTn id="26" dur="1250" fill="hold"/>
-                                        <p:tgtEl>
-                                          <p:spTgt spid="17"/>
-                                        </p:tgtEl>
-                                        <p:attrNameLst>
-                                          <p:attrName>ppt_x</p:attrName>
-                                          <p:attrName>ppt_y</p:attrName>
-                                        </p:attrNameLst>
-                                      </p:cBhvr>
-                                    </p:animMotion>
-                                  </p:childTnLst>
-                                </p:cTn>
-                              </p:par>
-                              <p:par>
-                                <p:cTn id="27" presetID="0" presetClass="path" presetSubtype="0" accel="50000" decel="50000" fill="hold" grpId="1" nodeType="withEffect">
-                                  <p:stCondLst>
-                                    <p:cond delay="0"/>
-                                  </p:stCondLst>
-                                  <p:childTnLst>
-                                    <p:animMotion origin="layout" path="M 0 0 L -0.44479 -0.44445 " pathEditMode="relative" ptsTypes="AA">
-                                      <p:cBhvr>
-                                        <p:cTn id="28" dur="1250" fill="hold"/>
-                                        <p:tgtEl>
-                                          <p:spTgt spid="9"/>
-                                        </p:tgtEl>
-                                        <p:attrNameLst>
-                                          <p:attrName>ppt_x</p:attrName>
-                                          <p:attrName>ppt_y</p:attrName>
-                                        </p:attrNameLst>
-                                      </p:cBhvr>
-                                    </p:animMotion>
-                                  </p:childTnLst>
-                                </p:cTn>
-                              </p:par>
-                            </p:childTnLst>
-                          </p:cTn>
-                        </p:par>
-                      </p:childTnLst>
-                    </p:cTn>
-                  </p:par>
-                </p:childTnLst>
-              </p:cTn>
-              <p:prevCondLst>
-                <p:cond evt="onPrev" delay="0">
-                  <p:tgtEl>
-                    <p:sldTgt/>
-                  </p:tgtEl>
-                </p:cond>
-              </p:prevCondLst>
-              <p:nextCondLst>
-                <p:cond evt="onNext" delay="0">
-                  <p:tgtEl>
-                    <p:sldTgt/>
-                  </p:tgtEl>
-                </p:cond>
-              </p:nextCondLst>
-            </p:seq>
-          </p:childTnLst>
-        </p:cTn>
-      </p:par>
-    </p:tnLst>
-    <p:bldLst>
-      <p:bldP spid="14" grpId="0" build="p"/>
-      <p:bldP spid="9" grpId="0" animBg="1"/>
-      <p:bldP spid="9" grpId="1" animBg="1"/>
-      <p:bldP spid="15" grpId="0" animBg="1"/>
-      <p:bldP spid="15" grpId="1" animBg="1"/>
-      <p:bldP spid="16" grpId="0" animBg="1"/>
-      <p:bldP spid="16" grpId="1" animBg="1"/>
-      <p:bldP spid="17" grpId="0" animBg="1"/>
-      <p:bldP spid="17" grpId="1" animBg="1"/>
-      <p:bldP spid="19" grpId="0" animBg="1"/>
-      <p:bldP spid="19" grpId="1" animBg="1"/>
-    </p:bldLst>
-  </p:timing>
-</p:sld>
-</file>
-
-<file path=ppt/slides/slide8.xml><?xml version="1.0" encoding="utf-8"?>
+<file path=ppt/slides/slide10.xml><?xml version="1.0" encoding="utf-8"?>
 <p:sld xmlns:a="http://schemas.openxmlformats.org/drawingml/2006/main" xmlns:r="http://schemas.openxmlformats.org/officeDocument/2006/relationships" xmlns:p="http://schemas.openxmlformats.org/presentationml/2006/main">
   <p:cSld>
     <p:spTree>
@@ -14244,6 +12947,1976 @@
 </p:sld>
 </file>
 
+<file path=ppt/slides/slide2.xml><?xml version="1.0" encoding="utf-8"?>
+<p:sld xmlns:a="http://schemas.openxmlformats.org/drawingml/2006/main" xmlns:r="http://schemas.openxmlformats.org/officeDocument/2006/relationships" xmlns:p="http://schemas.openxmlformats.org/presentationml/2006/main">
+  <p:cSld>
+    <p:spTree>
+      <p:nvGrpSpPr>
+        <p:cNvPr id="1" name=""/>
+        <p:cNvGrpSpPr/>
+        <p:nvPr/>
+      </p:nvGrpSpPr>
+      <p:grpSpPr>
+        <a:xfrm>
+          <a:off x="0" y="0"/>
+          <a:ext cx="0" cy="0"/>
+          <a:chOff x="0" y="0"/>
+          <a:chExt cx="0" cy="0"/>
+        </a:xfrm>
+      </p:grpSpPr>
+    </p:spTree>
+    <p:extLst>
+      <p:ext uri="{BB962C8B-B14F-4D97-AF65-F5344CB8AC3E}">
+        <p14:creationId xmlns:p14="http://schemas.microsoft.com/office/powerpoint/2010/main" val="70134990"/>
+      </p:ext>
+    </p:extLst>
+  </p:cSld>
+  <p:clrMapOvr>
+    <a:masterClrMapping/>
+  </p:clrMapOvr>
+  <p:timing>
+    <p:tnLst>
+      <p:par>
+        <p:cTn id="1" dur="indefinite" restart="never" nodeType="tmRoot"/>
+      </p:par>
+    </p:tnLst>
+  </p:timing>
+</p:sld>
+</file>
+
+<file path=ppt/slides/slide3.xml><?xml version="1.0" encoding="utf-8"?>
+<p:sld xmlns:a="http://schemas.openxmlformats.org/drawingml/2006/main" xmlns:r="http://schemas.openxmlformats.org/officeDocument/2006/relationships" xmlns:p="http://schemas.openxmlformats.org/presentationml/2006/main">
+  <p:cSld>
+    <p:spTree>
+      <p:nvGrpSpPr>
+        <p:cNvPr id="1" name=""/>
+        <p:cNvGrpSpPr/>
+        <p:nvPr/>
+      </p:nvGrpSpPr>
+      <p:grpSpPr>
+        <a:xfrm>
+          <a:off x="0" y="0"/>
+          <a:ext cx="0" cy="0"/>
+          <a:chOff x="0" y="0"/>
+          <a:chExt cx="0" cy="0"/>
+        </a:xfrm>
+      </p:grpSpPr>
+      <p:sp>
+        <p:nvSpPr>
+          <p:cNvPr id="2" name="Заголовок 1"/>
+          <p:cNvSpPr>
+            <a:spLocks noGrp="1"/>
+          </p:cNvSpPr>
+          <p:nvPr>
+            <p:ph type="ctrTitle"/>
+          </p:nvPr>
+        </p:nvSpPr>
+        <p:spPr/>
+        <p:txBody>
+          <a:bodyPr/>
+          <a:lstStyle/>
+          <a:p>
+            <a:r>
+              <a:rPr lang="ru-RU" dirty="0"/>
+              <a:t>Пишем код большого проекта: быстро, надёжно, удобно</a:t>
+            </a:r>
+          </a:p>
+        </p:txBody>
+      </p:sp>
+      <p:sp>
+        <p:nvSpPr>
+          <p:cNvPr id="3" name="Подзаголовок 2"/>
+          <p:cNvSpPr>
+            <a:spLocks noGrp="1"/>
+          </p:cNvSpPr>
+          <p:nvPr>
+            <p:ph type="subTitle" idx="1"/>
+          </p:nvPr>
+        </p:nvSpPr>
+        <p:spPr/>
+        <p:txBody>
+          <a:bodyPr/>
+          <a:lstStyle/>
+          <a:p>
+            <a:r>
+              <a:rPr lang="ru-RU" dirty="0" smtClean="0"/>
+              <a:t>Илья Шишков</a:t>
+            </a:r>
+            <a:endParaRPr lang="ru-RU" dirty="0"/>
+          </a:p>
+        </p:txBody>
+      </p:sp>
+      <p:sp>
+        <p:nvSpPr>
+          <p:cNvPr id="4" name="Рисунок 3"/>
+          <p:cNvSpPr>
+            <a:spLocks noGrp="1"/>
+          </p:cNvSpPr>
+          <p:nvPr>
+            <p:ph type="pic" sz="quarter" idx="13"/>
+          </p:nvPr>
+        </p:nvSpPr>
+        <p:spPr/>
+      </p:sp>
+      <p:sp>
+        <p:nvSpPr>
+          <p:cNvPr id="5" name="Рисунок 4"/>
+          <p:cNvSpPr>
+            <a:spLocks noGrp="1"/>
+          </p:cNvSpPr>
+          <p:nvPr>
+            <p:ph type="pic" sz="quarter" idx="14"/>
+          </p:nvPr>
+        </p:nvSpPr>
+        <p:spPr/>
+      </p:sp>
+    </p:spTree>
+    <p:extLst>
+      <p:ext uri="{BB962C8B-B14F-4D97-AF65-F5344CB8AC3E}">
+        <p14:creationId xmlns:p14="http://schemas.microsoft.com/office/powerpoint/2010/main" val="44773047"/>
+      </p:ext>
+    </p:extLst>
+  </p:cSld>
+  <p:clrMapOvr>
+    <a:masterClrMapping/>
+  </p:clrMapOvr>
+  <p:timing>
+    <p:tnLst>
+      <p:par>
+        <p:cTn id="1" dur="indefinite" restart="never" nodeType="tmRoot"/>
+      </p:par>
+    </p:tnLst>
+  </p:timing>
+</p:sld>
+</file>
+
+<file path=ppt/slides/slide4.xml><?xml version="1.0" encoding="utf-8"?>
+<p:sld xmlns:a="http://schemas.openxmlformats.org/drawingml/2006/main" xmlns:r="http://schemas.openxmlformats.org/officeDocument/2006/relationships" xmlns:p="http://schemas.openxmlformats.org/presentationml/2006/main">
+  <p:cSld>
+    <p:spTree>
+      <p:nvGrpSpPr>
+        <p:cNvPr id="1" name=""/>
+        <p:cNvGrpSpPr/>
+        <p:nvPr/>
+      </p:nvGrpSpPr>
+      <p:grpSpPr>
+        <a:xfrm>
+          <a:off x="0" y="0"/>
+          <a:ext cx="0" cy="0"/>
+          <a:chOff x="0" y="0"/>
+          <a:chExt cx="0" cy="0"/>
+        </a:xfrm>
+      </p:grpSpPr>
+      <p:sp>
+        <p:nvSpPr>
+          <p:cNvPr id="2" name="Заголовок 1"/>
+          <p:cNvSpPr>
+            <a:spLocks noGrp="1"/>
+          </p:cNvSpPr>
+          <p:nvPr>
+            <p:ph type="title"/>
+          </p:nvPr>
+        </p:nvSpPr>
+        <p:spPr/>
+        <p:txBody>
+          <a:bodyPr/>
+          <a:lstStyle/>
+          <a:p>
+            <a:r>
+              <a:rPr lang="ru-RU" dirty="0" smtClean="0"/>
+              <a:t>Вместо введения</a:t>
+            </a:r>
+            <a:endParaRPr lang="ru-RU" dirty="0"/>
+          </a:p>
+        </p:txBody>
+      </p:sp>
+      <p:sp>
+        <p:nvSpPr>
+          <p:cNvPr id="3" name="Объект 2"/>
+          <p:cNvSpPr>
+            <a:spLocks noGrp="1"/>
+          </p:cNvSpPr>
+          <p:nvPr>
+            <p:ph idx="1"/>
+          </p:nvPr>
+        </p:nvSpPr>
+        <p:spPr/>
+        <p:txBody>
+          <a:bodyPr/>
+          <a:lstStyle/>
+          <a:p>
+            <a:r>
+              <a:rPr lang="ru-RU" dirty="0" smtClean="0"/>
+              <a:t>Мои советы - это</a:t>
+            </a:r>
+          </a:p>
+          <a:p>
+            <a:pPr lvl="1"/>
+            <a:r>
+              <a:rPr lang="ru-RU" dirty="0" smtClean="0"/>
+              <a:t>мой личный опыт работы</a:t>
+            </a:r>
+          </a:p>
+          <a:p>
+            <a:pPr lvl="1"/>
+            <a:endParaRPr lang="ru-RU" dirty="0" smtClean="0"/>
+          </a:p>
+          <a:p>
+            <a:pPr lvl="1"/>
+            <a:r>
+              <a:rPr lang="ru-RU" dirty="0" smtClean="0"/>
+              <a:t>над </a:t>
+            </a:r>
+            <a:r>
+              <a:rPr lang="en-US" dirty="0" err="1" smtClean="0"/>
+              <a:t>realtime</a:t>
+            </a:r>
+            <a:r>
+              <a:rPr lang="en-US" dirty="0" smtClean="0"/>
+              <a:t> backend’</a:t>
+            </a:r>
+            <a:r>
+              <a:rPr lang="ru-RU" dirty="0" smtClean="0"/>
+              <a:t>ом</a:t>
+            </a:r>
+            <a:r>
+              <a:rPr lang="en-US" dirty="0" smtClean="0"/>
+              <a:t>, </a:t>
+            </a:r>
+            <a:r>
+              <a:rPr lang="ru-RU" dirty="0" smtClean="0"/>
+              <a:t>который работает 24/7</a:t>
+            </a:r>
+          </a:p>
+          <a:p>
+            <a:pPr lvl="1"/>
+            <a:endParaRPr lang="ru-RU" dirty="0" smtClean="0"/>
+          </a:p>
+          <a:p>
+            <a:pPr lvl="1"/>
+            <a:r>
+              <a:rPr lang="ru-RU" dirty="0" smtClean="0"/>
+              <a:t>существует, развивается и поддерживается в течение многих лет</a:t>
+            </a:r>
+            <a:endParaRPr lang="ru-RU" dirty="0"/>
+          </a:p>
+        </p:txBody>
+      </p:sp>
+      <p:sp>
+        <p:nvSpPr>
+          <p:cNvPr id="4" name="Нижний колонтитул 3"/>
+          <p:cNvSpPr>
+            <a:spLocks noGrp="1"/>
+          </p:cNvSpPr>
+          <p:nvPr>
+            <p:ph type="ftr" sz="quarter" idx="11"/>
+          </p:nvPr>
+        </p:nvSpPr>
+        <p:spPr/>
+        <p:txBody>
+          <a:bodyPr/>
+          <a:lstStyle/>
+          <a:p>
+            <a:endParaRPr lang="ru-RU"/>
+          </a:p>
+        </p:txBody>
+      </p:sp>
+      <p:sp>
+        <p:nvSpPr>
+          <p:cNvPr id="5" name="Номер слайда 4"/>
+          <p:cNvSpPr>
+            <a:spLocks noGrp="1"/>
+          </p:cNvSpPr>
+          <p:nvPr>
+            <p:ph type="sldNum" sz="quarter" idx="12"/>
+          </p:nvPr>
+        </p:nvSpPr>
+        <p:spPr/>
+        <p:txBody>
+          <a:bodyPr/>
+          <a:lstStyle/>
+          <a:p>
+            <a:fld id="{741C03D3-FA44-40EC-9A21-1FC4FEA3E22E}" type="slidenum">
+              <a:rPr lang="ru-RU" smtClean="0"/>
+              <a:t>4</a:t>
+            </a:fld>
+            <a:endParaRPr lang="ru-RU"/>
+          </a:p>
+        </p:txBody>
+      </p:sp>
+    </p:spTree>
+    <p:extLst>
+      <p:ext uri="{BB962C8B-B14F-4D97-AF65-F5344CB8AC3E}">
+        <p14:creationId xmlns:p14="http://schemas.microsoft.com/office/powerpoint/2010/main" val="689473396"/>
+      </p:ext>
+    </p:extLst>
+  </p:cSld>
+  <p:clrMapOvr>
+    <a:masterClrMapping/>
+  </p:clrMapOvr>
+  <p:timing>
+    <p:tnLst>
+      <p:par>
+        <p:cTn id="1" dur="indefinite" restart="never" nodeType="tmRoot"/>
+      </p:par>
+    </p:tnLst>
+  </p:timing>
+</p:sld>
+</file>
+
+<file path=ppt/slides/slide5.xml><?xml version="1.0" encoding="utf-8"?>
+<p:sld xmlns:a="http://schemas.openxmlformats.org/drawingml/2006/main" xmlns:r="http://schemas.openxmlformats.org/officeDocument/2006/relationships" xmlns:p="http://schemas.openxmlformats.org/presentationml/2006/main">
+  <p:cSld>
+    <p:spTree>
+      <p:nvGrpSpPr>
+        <p:cNvPr id="1" name=""/>
+        <p:cNvGrpSpPr/>
+        <p:nvPr/>
+      </p:nvGrpSpPr>
+      <p:grpSpPr>
+        <a:xfrm>
+          <a:off x="0" y="0"/>
+          <a:ext cx="0" cy="0"/>
+          <a:chOff x="0" y="0"/>
+          <a:chExt cx="0" cy="0"/>
+        </a:xfrm>
+      </p:grpSpPr>
+      <p:sp>
+        <p:nvSpPr>
+          <p:cNvPr id="2" name="Заголовок 1"/>
+          <p:cNvSpPr>
+            <a:spLocks noGrp="1"/>
+          </p:cNvSpPr>
+          <p:nvPr>
+            <p:ph type="ctrTitle"/>
+          </p:nvPr>
+        </p:nvSpPr>
+        <p:spPr/>
+        <p:txBody>
+          <a:bodyPr/>
+          <a:lstStyle/>
+          <a:p>
+            <a:r>
+              <a:rPr lang="ru-RU" dirty="0" smtClean="0"/>
+              <a:t>Что такое код нашего проекта?</a:t>
+            </a:r>
+            <a:endParaRPr lang="ru-RU" dirty="0"/>
+          </a:p>
+        </p:txBody>
+      </p:sp>
+      <p:sp>
+        <p:nvSpPr>
+          <p:cNvPr id="3" name="Текст 2"/>
+          <p:cNvSpPr>
+            <a:spLocks noGrp="1"/>
+          </p:cNvSpPr>
+          <p:nvPr>
+            <p:ph type="body" idx="1"/>
+          </p:nvPr>
+        </p:nvSpPr>
+        <p:spPr/>
+        <p:txBody>
+          <a:bodyPr/>
+          <a:lstStyle/>
+          <a:p>
+            <a:endParaRPr lang="ru-RU"/>
+          </a:p>
+        </p:txBody>
+      </p:sp>
+    </p:spTree>
+    <p:extLst>
+      <p:ext uri="{BB962C8B-B14F-4D97-AF65-F5344CB8AC3E}">
+        <p14:creationId xmlns:p14="http://schemas.microsoft.com/office/powerpoint/2010/main" val="392748565"/>
+      </p:ext>
+    </p:extLst>
+  </p:cSld>
+  <p:clrMapOvr>
+    <a:masterClrMapping/>
+  </p:clrMapOvr>
+  <mc:AlternateContent xmlns:mc="http://schemas.openxmlformats.org/markup-compatibility/2006" xmlns:p14="http://schemas.microsoft.com/office/powerpoint/2010/main">
+    <mc:Choice Requires="p14">
+      <p:transition p14:dur="0"/>
+    </mc:Choice>
+    <mc:Fallback xmlns="">
+      <p:transition/>
+    </mc:Fallback>
+  </mc:AlternateContent>
+  <p:timing>
+    <p:tnLst>
+      <p:par>
+        <p:cTn id="1" dur="indefinite" restart="never" nodeType="tmRoot"/>
+      </p:par>
+    </p:tnLst>
+  </p:timing>
+</p:sld>
+</file>
+
+<file path=ppt/slides/slide6.xml><?xml version="1.0" encoding="utf-8"?>
+<p:sld xmlns:a="http://schemas.openxmlformats.org/drawingml/2006/main" xmlns:r="http://schemas.openxmlformats.org/officeDocument/2006/relationships" xmlns:p="http://schemas.openxmlformats.org/presentationml/2006/main">
+  <p:cSld>
+    <p:spTree>
+      <p:nvGrpSpPr>
+        <p:cNvPr id="1" name=""/>
+        <p:cNvGrpSpPr/>
+        <p:nvPr/>
+      </p:nvGrpSpPr>
+      <p:grpSpPr>
+        <a:xfrm>
+          <a:off x="0" y="0"/>
+          <a:ext cx="0" cy="0"/>
+          <a:chOff x="0" y="0"/>
+          <a:chExt cx="0" cy="0"/>
+        </a:xfrm>
+      </p:grpSpPr>
+      <p:sp>
+        <p:nvSpPr>
+          <p:cNvPr id="2" name="Заголовок 1"/>
+          <p:cNvSpPr>
+            <a:spLocks noGrp="1"/>
+          </p:cNvSpPr>
+          <p:nvPr>
+            <p:ph type="ctrTitle"/>
+          </p:nvPr>
+        </p:nvSpPr>
+        <p:spPr/>
+        <p:txBody>
+          <a:bodyPr/>
+          <a:lstStyle/>
+          <a:p>
+            <a:r>
+              <a:rPr lang="ru-RU" dirty="0" smtClean="0"/>
+              <a:t>За что нам платят деньги?</a:t>
+            </a:r>
+            <a:endParaRPr lang="ru-RU" dirty="0"/>
+          </a:p>
+        </p:txBody>
+      </p:sp>
+      <p:sp>
+        <p:nvSpPr>
+          <p:cNvPr id="3" name="Текст 2"/>
+          <p:cNvSpPr>
+            <a:spLocks noGrp="1"/>
+          </p:cNvSpPr>
+          <p:nvPr>
+            <p:ph type="body" idx="1"/>
+          </p:nvPr>
+        </p:nvSpPr>
+        <p:spPr/>
+        <p:txBody>
+          <a:bodyPr/>
+          <a:lstStyle/>
+          <a:p>
+            <a:endParaRPr lang="ru-RU"/>
+          </a:p>
+        </p:txBody>
+      </p:sp>
+    </p:spTree>
+    <p:extLst>
+      <p:ext uri="{BB962C8B-B14F-4D97-AF65-F5344CB8AC3E}">
+        <p14:creationId xmlns:p14="http://schemas.microsoft.com/office/powerpoint/2010/main" val="784897965"/>
+      </p:ext>
+    </p:extLst>
+  </p:cSld>
+  <p:clrMapOvr>
+    <a:masterClrMapping/>
+  </p:clrMapOvr>
+  <p:transition spd="slow">
+    <p:push dir="u"/>
+  </p:transition>
+  <p:timing>
+    <p:tnLst>
+      <p:par>
+        <p:cTn id="1" dur="indefinite" restart="never" nodeType="tmRoot"/>
+      </p:par>
+    </p:tnLst>
+  </p:timing>
+</p:sld>
+</file>
+
+<file path=ppt/slides/slide7.xml><?xml version="1.0" encoding="utf-8"?>
+<p:sld xmlns:a="http://schemas.openxmlformats.org/drawingml/2006/main" xmlns:r="http://schemas.openxmlformats.org/officeDocument/2006/relationships" xmlns:p="http://schemas.openxmlformats.org/presentationml/2006/main">
+  <p:cSld>
+    <p:spTree>
+      <p:nvGrpSpPr>
+        <p:cNvPr id="1" name=""/>
+        <p:cNvGrpSpPr/>
+        <p:nvPr/>
+      </p:nvGrpSpPr>
+      <p:grpSpPr>
+        <a:xfrm>
+          <a:off x="0" y="0"/>
+          <a:ext cx="0" cy="0"/>
+          <a:chOff x="0" y="0"/>
+          <a:chExt cx="0" cy="0"/>
+        </a:xfrm>
+      </p:grpSpPr>
+      <p:sp>
+        <p:nvSpPr>
+          <p:cNvPr id="8" name="Прямоугольник 7"/>
+          <p:cNvSpPr/>
+          <p:nvPr/>
+        </p:nvSpPr>
+        <p:spPr>
+          <a:xfrm>
+            <a:off x="1124806" y="3042000"/>
+            <a:ext cx="8640000" cy="8640000"/>
+          </a:xfrm>
+          <a:prstGeom prst="rect">
+            <a:avLst/>
+          </a:prstGeom>
+          <a:solidFill>
+            <a:schemeClr val="bg1"/>
+          </a:solidFill>
+          <a:ln w="38100">
+            <a:solidFill>
+              <a:schemeClr val="tx1"/>
+            </a:solidFill>
+          </a:ln>
+        </p:spPr>
+        <p:style>
+          <a:lnRef idx="2">
+            <a:schemeClr val="accent1">
+              <a:shade val="50000"/>
+            </a:schemeClr>
+          </a:lnRef>
+          <a:fillRef idx="1">
+            <a:schemeClr val="accent1"/>
+          </a:fillRef>
+          <a:effectRef idx="0">
+            <a:schemeClr val="accent1"/>
+          </a:effectRef>
+          <a:fontRef idx="minor">
+            <a:schemeClr val="lt1"/>
+          </a:fontRef>
+        </p:style>
+        <p:txBody>
+          <a:bodyPr rtlCol="0" anchor="ctr"/>
+          <a:lstStyle/>
+          <a:p>
+            <a:pPr algn="ctr"/>
+            <a:endParaRPr lang="ru-RU" sz="4800" dirty="0" err="1" smtClean="0">
+              <a:solidFill>
+                <a:schemeClr val="tx1"/>
+              </a:solidFill>
+            </a:endParaRPr>
+          </a:p>
+        </p:txBody>
+      </p:sp>
+      <p:sp>
+        <p:nvSpPr>
+          <p:cNvPr id="2" name="Заголовок 1"/>
+          <p:cNvSpPr>
+            <a:spLocks noGrp="1"/>
+          </p:cNvSpPr>
+          <p:nvPr>
+            <p:ph type="title"/>
+          </p:nvPr>
+        </p:nvSpPr>
+        <p:spPr/>
+        <p:txBody>
+          <a:bodyPr/>
+          <a:lstStyle/>
+          <a:p>
+            <a:r>
+              <a:rPr lang="ru-RU" dirty="0" smtClean="0"/>
+              <a:t>За что нам платят деньги?</a:t>
+            </a:r>
+            <a:endParaRPr lang="ru-RU" dirty="0"/>
+          </a:p>
+        </p:txBody>
+      </p:sp>
+      <p:sp>
+        <p:nvSpPr>
+          <p:cNvPr id="4" name="Нижний колонтитул 3"/>
+          <p:cNvSpPr>
+            <a:spLocks noGrp="1"/>
+          </p:cNvSpPr>
+          <p:nvPr>
+            <p:ph type="ftr" sz="quarter" idx="11"/>
+          </p:nvPr>
+        </p:nvSpPr>
+        <p:spPr/>
+        <p:txBody>
+          <a:bodyPr/>
+          <a:lstStyle/>
+          <a:p>
+            <a:endParaRPr lang="ru-RU"/>
+          </a:p>
+        </p:txBody>
+      </p:sp>
+      <p:sp>
+        <p:nvSpPr>
+          <p:cNvPr id="5" name="Номер слайда 4"/>
+          <p:cNvSpPr>
+            <a:spLocks noGrp="1"/>
+          </p:cNvSpPr>
+          <p:nvPr>
+            <p:ph type="sldNum" sz="quarter" idx="12"/>
+          </p:nvPr>
+        </p:nvSpPr>
+        <p:spPr/>
+        <p:txBody>
+          <a:bodyPr/>
+          <a:lstStyle/>
+          <a:p>
+            <a:fld id="{741C03D3-FA44-40EC-9A21-1FC4FEA3E22E}" type="slidenum">
+              <a:rPr lang="ru-RU" smtClean="0"/>
+              <a:t>7</a:t>
+            </a:fld>
+            <a:endParaRPr lang="ru-RU"/>
+          </a:p>
+        </p:txBody>
+      </p:sp>
+      <p:sp>
+        <p:nvSpPr>
+          <p:cNvPr id="14" name="Объект 13"/>
+          <p:cNvSpPr>
+            <a:spLocks noGrp="1"/>
+          </p:cNvSpPr>
+          <p:nvPr>
+            <p:ph idx="13"/>
+          </p:nvPr>
+        </p:nvSpPr>
+        <p:spPr/>
+        <p:txBody>
+          <a:bodyPr anchor="t" anchorCtr="0"/>
+          <a:lstStyle/>
+          <a:p>
+            <a:pPr algn="ctr"/>
+            <a:r>
+              <a:rPr lang="ru-RU" dirty="0" smtClean="0"/>
+              <a:t>Код нашего проекта</a:t>
+            </a:r>
+            <a:endParaRPr lang="ru-RU" dirty="0"/>
+          </a:p>
+        </p:txBody>
+      </p:sp>
+      <p:sp>
+        <p:nvSpPr>
+          <p:cNvPr id="9" name="Прямоугольник 8"/>
+          <p:cNvSpPr/>
+          <p:nvPr/>
+        </p:nvSpPr>
+        <p:spPr>
+          <a:xfrm>
+            <a:off x="14862406" y="9147600"/>
+            <a:ext cx="2880000" cy="2880000"/>
+          </a:xfrm>
+          <a:prstGeom prst="rect">
+            <a:avLst/>
+          </a:prstGeom>
+          <a:solidFill>
+            <a:schemeClr val="accent3"/>
+          </a:solidFill>
+          <a:ln w="38100">
+            <a:solidFill>
+              <a:schemeClr val="tx1"/>
+            </a:solidFill>
+          </a:ln>
+        </p:spPr>
+        <p:style>
+          <a:lnRef idx="2">
+            <a:schemeClr val="accent1">
+              <a:shade val="50000"/>
+            </a:schemeClr>
+          </a:lnRef>
+          <a:fillRef idx="1">
+            <a:schemeClr val="accent1"/>
+          </a:fillRef>
+          <a:effectRef idx="0">
+            <a:schemeClr val="accent1"/>
+          </a:effectRef>
+          <a:fontRef idx="minor">
+            <a:schemeClr val="lt1"/>
+          </a:fontRef>
+        </p:style>
+        <p:txBody>
+          <a:bodyPr rtlCol="0" anchor="ctr"/>
+          <a:lstStyle/>
+          <a:p>
+            <a:pPr algn="ctr"/>
+            <a:endParaRPr lang="ru-RU" dirty="0" err="1" smtClean="0">
+              <a:solidFill>
+                <a:schemeClr val="tx1"/>
+              </a:solidFill>
+            </a:endParaRPr>
+          </a:p>
+        </p:txBody>
+      </p:sp>
+      <p:sp>
+        <p:nvSpPr>
+          <p:cNvPr id="15" name="Прямоугольник 14"/>
+          <p:cNvSpPr/>
+          <p:nvPr/>
+        </p:nvSpPr>
+        <p:spPr>
+          <a:xfrm>
+            <a:off x="14480806" y="5331600"/>
+            <a:ext cx="2880000" cy="2880000"/>
+          </a:xfrm>
+          <a:prstGeom prst="rect">
+            <a:avLst/>
+          </a:prstGeom>
+          <a:solidFill>
+            <a:schemeClr val="bg2"/>
+          </a:solidFill>
+          <a:ln w="38100">
+            <a:solidFill>
+              <a:schemeClr val="tx1"/>
+            </a:solidFill>
+          </a:ln>
+        </p:spPr>
+        <p:style>
+          <a:lnRef idx="2">
+            <a:schemeClr val="accent1">
+              <a:shade val="50000"/>
+            </a:schemeClr>
+          </a:lnRef>
+          <a:fillRef idx="1">
+            <a:schemeClr val="accent1"/>
+          </a:fillRef>
+          <a:effectRef idx="0">
+            <a:schemeClr val="accent1"/>
+          </a:effectRef>
+          <a:fontRef idx="minor">
+            <a:schemeClr val="lt1"/>
+          </a:fontRef>
+        </p:style>
+        <p:txBody>
+          <a:bodyPr rtlCol="0" anchor="ctr"/>
+          <a:lstStyle/>
+          <a:p>
+            <a:pPr algn="ctr"/>
+            <a:endParaRPr lang="ru-RU" dirty="0" err="1" smtClean="0">
+              <a:solidFill>
+                <a:schemeClr val="tx1"/>
+              </a:solidFill>
+            </a:endParaRPr>
+          </a:p>
+        </p:txBody>
+      </p:sp>
+      <p:sp>
+        <p:nvSpPr>
+          <p:cNvPr id="16" name="Прямоугольник 15"/>
+          <p:cNvSpPr/>
+          <p:nvPr/>
+        </p:nvSpPr>
+        <p:spPr>
+          <a:xfrm>
+            <a:off x="19477606" y="5922000"/>
+            <a:ext cx="2880000" cy="5760000"/>
+          </a:xfrm>
+          <a:prstGeom prst="rect">
+            <a:avLst/>
+          </a:prstGeom>
+          <a:solidFill>
+            <a:schemeClr val="accent1"/>
+          </a:solidFill>
+          <a:ln w="38100">
+            <a:solidFill>
+              <a:schemeClr val="tx1"/>
+            </a:solidFill>
+          </a:ln>
+        </p:spPr>
+        <p:style>
+          <a:lnRef idx="2">
+            <a:schemeClr val="accent1">
+              <a:shade val="50000"/>
+            </a:schemeClr>
+          </a:lnRef>
+          <a:fillRef idx="1">
+            <a:schemeClr val="accent1"/>
+          </a:fillRef>
+          <a:effectRef idx="0">
+            <a:schemeClr val="accent1"/>
+          </a:effectRef>
+          <a:fontRef idx="minor">
+            <a:schemeClr val="lt1"/>
+          </a:fontRef>
+        </p:style>
+        <p:txBody>
+          <a:bodyPr rtlCol="0" anchor="ctr"/>
+          <a:lstStyle/>
+          <a:p>
+            <a:pPr algn="ctr"/>
+            <a:endParaRPr lang="ru-RU" dirty="0" err="1" smtClean="0">
+              <a:solidFill>
+                <a:schemeClr val="tx1"/>
+              </a:solidFill>
+            </a:endParaRPr>
+          </a:p>
+        </p:txBody>
+      </p:sp>
+      <p:sp>
+        <p:nvSpPr>
+          <p:cNvPr id="17" name="Прямоугольник 16"/>
+          <p:cNvSpPr/>
+          <p:nvPr/>
+        </p:nvSpPr>
+        <p:spPr>
+          <a:xfrm rot="5400000">
+            <a:off x="17447206" y="2886442"/>
+            <a:ext cx="2880000" cy="5760000"/>
+          </a:xfrm>
+          <a:prstGeom prst="rect">
+            <a:avLst/>
+          </a:prstGeom>
+          <a:solidFill>
+            <a:schemeClr val="accent2"/>
+          </a:solidFill>
+          <a:ln w="38100">
+            <a:solidFill>
+              <a:schemeClr val="tx1"/>
+            </a:solidFill>
+          </a:ln>
+        </p:spPr>
+        <p:style>
+          <a:lnRef idx="2">
+            <a:schemeClr val="accent1">
+              <a:shade val="50000"/>
+            </a:schemeClr>
+          </a:lnRef>
+          <a:fillRef idx="1">
+            <a:schemeClr val="accent1"/>
+          </a:fillRef>
+          <a:effectRef idx="0">
+            <a:schemeClr val="accent1"/>
+          </a:effectRef>
+          <a:fontRef idx="minor">
+            <a:schemeClr val="lt1"/>
+          </a:fontRef>
+        </p:style>
+        <p:txBody>
+          <a:bodyPr rtlCol="0" anchor="ctr"/>
+          <a:lstStyle/>
+          <a:p>
+            <a:pPr algn="ctr"/>
+            <a:endParaRPr lang="ru-RU" dirty="0" err="1" smtClean="0">
+              <a:solidFill>
+                <a:schemeClr val="tx1"/>
+              </a:solidFill>
+            </a:endParaRPr>
+          </a:p>
+        </p:txBody>
+      </p:sp>
+      <p:sp>
+        <p:nvSpPr>
+          <p:cNvPr id="19" name="Прямоугольник 18"/>
+          <p:cNvSpPr/>
+          <p:nvPr/>
+        </p:nvSpPr>
+        <p:spPr>
+          <a:xfrm rot="5400000">
+            <a:off x="16597606" y="5504400"/>
+            <a:ext cx="2880000" cy="8640000"/>
+          </a:xfrm>
+          <a:prstGeom prst="rect">
+            <a:avLst/>
+          </a:prstGeom>
+          <a:solidFill>
+            <a:schemeClr val="tx2"/>
+          </a:solidFill>
+          <a:ln w="38100">
+            <a:solidFill>
+              <a:schemeClr val="tx1"/>
+            </a:solidFill>
+          </a:ln>
+        </p:spPr>
+        <p:style>
+          <a:lnRef idx="2">
+            <a:schemeClr val="accent1">
+              <a:shade val="50000"/>
+            </a:schemeClr>
+          </a:lnRef>
+          <a:fillRef idx="1">
+            <a:schemeClr val="accent1"/>
+          </a:fillRef>
+          <a:effectRef idx="0">
+            <a:schemeClr val="accent1"/>
+          </a:effectRef>
+          <a:fontRef idx="minor">
+            <a:schemeClr val="lt1"/>
+          </a:fontRef>
+        </p:style>
+        <p:txBody>
+          <a:bodyPr rtlCol="0" anchor="ctr"/>
+          <a:lstStyle/>
+          <a:p>
+            <a:pPr algn="ctr"/>
+            <a:endParaRPr lang="ru-RU" dirty="0" err="1" smtClean="0">
+              <a:solidFill>
+                <a:schemeClr val="tx1"/>
+              </a:solidFill>
+            </a:endParaRPr>
+          </a:p>
+        </p:txBody>
+      </p:sp>
+      <p:sp>
+        <p:nvSpPr>
+          <p:cNvPr id="13" name="Объект 12"/>
+          <p:cNvSpPr>
+            <a:spLocks noGrp="1"/>
+          </p:cNvSpPr>
+          <p:nvPr>
+            <p:ph idx="1"/>
+          </p:nvPr>
+        </p:nvSpPr>
+        <p:spPr>
+          <a:xfrm>
+            <a:off x="1143000" y="3048000"/>
+            <a:ext cx="8621806" cy="8634000"/>
+          </a:xfrm>
+        </p:spPr>
+        <p:txBody>
+          <a:bodyPr/>
+          <a:lstStyle/>
+          <a:p>
+            <a:pPr algn="ctr"/>
+            <a:r>
+              <a:rPr lang="ru-RU" dirty="0" smtClean="0"/>
+              <a:t>Код, который работает в </a:t>
+            </a:r>
+            <a:r>
+              <a:rPr lang="en-US" dirty="0" smtClean="0"/>
+              <a:t>production</a:t>
+            </a:r>
+            <a:endParaRPr lang="ru-RU" dirty="0"/>
+          </a:p>
+        </p:txBody>
+      </p:sp>
+    </p:spTree>
+    <p:extLst>
+      <p:ext uri="{BB962C8B-B14F-4D97-AF65-F5344CB8AC3E}">
+        <p14:creationId xmlns:p14="http://schemas.microsoft.com/office/powerpoint/2010/main" val="547893294"/>
+      </p:ext>
+    </p:extLst>
+  </p:cSld>
+  <p:clrMapOvr>
+    <a:masterClrMapping/>
+  </p:clrMapOvr>
+  <p:timing>
+    <p:tnLst>
+      <p:par>
+        <p:cTn id="1" dur="indefinite" restart="never" nodeType="tmRoot">
+          <p:childTnLst>
+            <p:seq concurrent="1" nextAc="seek">
+              <p:cTn id="2" dur="indefinite" nodeType="mainSeq">
+                <p:childTnLst>
+                  <p:par>
+                    <p:cTn id="3" fill="hold">
+                      <p:stCondLst>
+                        <p:cond delay="indefinite"/>
+                      </p:stCondLst>
+                      <p:childTnLst>
+                        <p:par>
+                          <p:cTn id="4" fill="hold">
+                            <p:stCondLst>
+                              <p:cond delay="0"/>
+                            </p:stCondLst>
+                            <p:childTnLst>
+                              <p:par>
+                                <p:cTn id="5" presetID="1" presetClass="entr" presetSubtype="0" fill="hold" grpId="0" nodeType="clickEffect">
+                                  <p:stCondLst>
+                                    <p:cond delay="0"/>
+                                  </p:stCondLst>
+                                  <p:childTnLst>
+                                    <p:set>
+                                      <p:cBhvr>
+                                        <p:cTn id="6" dur="1" fill="hold">
+                                          <p:stCondLst>
+                                            <p:cond delay="0"/>
+                                          </p:stCondLst>
+                                        </p:cTn>
+                                        <p:tgtEl>
+                                          <p:spTgt spid="14">
+                                            <p:txEl>
+                                              <p:pRg st="0" end="0"/>
+                                            </p:txEl>
+                                          </p:spTgt>
+                                        </p:tgtEl>
+                                        <p:attrNameLst>
+                                          <p:attrName>style.visibility</p:attrName>
+                                        </p:attrNameLst>
+                                      </p:cBhvr>
+                                      <p:to>
+                                        <p:strVal val="visible"/>
+                                      </p:to>
+                                    </p:set>
+                                  </p:childTnLst>
+                                </p:cTn>
+                              </p:par>
+                              <p:par>
+                                <p:cTn id="7" presetID="1" presetClass="entr" presetSubtype="0" fill="hold" grpId="0" nodeType="withEffect">
+                                  <p:stCondLst>
+                                    <p:cond delay="0"/>
+                                  </p:stCondLst>
+                                  <p:childTnLst>
+                                    <p:set>
+                                      <p:cBhvr>
+                                        <p:cTn id="8" dur="1" fill="hold">
+                                          <p:stCondLst>
+                                            <p:cond delay="0"/>
+                                          </p:stCondLst>
+                                        </p:cTn>
+                                        <p:tgtEl>
+                                          <p:spTgt spid="9"/>
+                                        </p:tgtEl>
+                                        <p:attrNameLst>
+                                          <p:attrName>style.visibility</p:attrName>
+                                        </p:attrNameLst>
+                                      </p:cBhvr>
+                                      <p:to>
+                                        <p:strVal val="visible"/>
+                                      </p:to>
+                                    </p:set>
+                                  </p:childTnLst>
+                                </p:cTn>
+                              </p:par>
+                              <p:par>
+                                <p:cTn id="9" presetID="1" presetClass="entr" presetSubtype="0" fill="hold" grpId="0" nodeType="withEffect">
+                                  <p:stCondLst>
+                                    <p:cond delay="0"/>
+                                  </p:stCondLst>
+                                  <p:childTnLst>
+                                    <p:set>
+                                      <p:cBhvr>
+                                        <p:cTn id="10" dur="1" fill="hold">
+                                          <p:stCondLst>
+                                            <p:cond delay="0"/>
+                                          </p:stCondLst>
+                                        </p:cTn>
+                                        <p:tgtEl>
+                                          <p:spTgt spid="15"/>
+                                        </p:tgtEl>
+                                        <p:attrNameLst>
+                                          <p:attrName>style.visibility</p:attrName>
+                                        </p:attrNameLst>
+                                      </p:cBhvr>
+                                      <p:to>
+                                        <p:strVal val="visible"/>
+                                      </p:to>
+                                    </p:set>
+                                  </p:childTnLst>
+                                </p:cTn>
+                              </p:par>
+                              <p:par>
+                                <p:cTn id="11" presetID="1" presetClass="entr" presetSubtype="0" fill="hold" grpId="0" nodeType="withEffect">
+                                  <p:stCondLst>
+                                    <p:cond delay="0"/>
+                                  </p:stCondLst>
+                                  <p:childTnLst>
+                                    <p:set>
+                                      <p:cBhvr>
+                                        <p:cTn id="12" dur="1" fill="hold">
+                                          <p:stCondLst>
+                                            <p:cond delay="0"/>
+                                          </p:stCondLst>
+                                        </p:cTn>
+                                        <p:tgtEl>
+                                          <p:spTgt spid="16"/>
+                                        </p:tgtEl>
+                                        <p:attrNameLst>
+                                          <p:attrName>style.visibility</p:attrName>
+                                        </p:attrNameLst>
+                                      </p:cBhvr>
+                                      <p:to>
+                                        <p:strVal val="visible"/>
+                                      </p:to>
+                                    </p:set>
+                                  </p:childTnLst>
+                                </p:cTn>
+                              </p:par>
+                              <p:par>
+                                <p:cTn id="13" presetID="1" presetClass="entr" presetSubtype="0" fill="hold" grpId="0" nodeType="withEffect">
+                                  <p:stCondLst>
+                                    <p:cond delay="0"/>
+                                  </p:stCondLst>
+                                  <p:childTnLst>
+                                    <p:set>
+                                      <p:cBhvr>
+                                        <p:cTn id="14" dur="1" fill="hold">
+                                          <p:stCondLst>
+                                            <p:cond delay="0"/>
+                                          </p:stCondLst>
+                                        </p:cTn>
+                                        <p:tgtEl>
+                                          <p:spTgt spid="17"/>
+                                        </p:tgtEl>
+                                        <p:attrNameLst>
+                                          <p:attrName>style.visibility</p:attrName>
+                                        </p:attrNameLst>
+                                      </p:cBhvr>
+                                      <p:to>
+                                        <p:strVal val="visible"/>
+                                      </p:to>
+                                    </p:set>
+                                  </p:childTnLst>
+                                </p:cTn>
+                              </p:par>
+                              <p:par>
+                                <p:cTn id="15" presetID="1" presetClass="entr" presetSubtype="0" fill="hold" grpId="0" nodeType="withEffect">
+                                  <p:stCondLst>
+                                    <p:cond delay="0"/>
+                                  </p:stCondLst>
+                                  <p:childTnLst>
+                                    <p:set>
+                                      <p:cBhvr>
+                                        <p:cTn id="16" dur="1" fill="hold">
+                                          <p:stCondLst>
+                                            <p:cond delay="0"/>
+                                          </p:stCondLst>
+                                        </p:cTn>
+                                        <p:tgtEl>
+                                          <p:spTgt spid="19"/>
+                                        </p:tgtEl>
+                                        <p:attrNameLst>
+                                          <p:attrName>style.visibility</p:attrName>
+                                        </p:attrNameLst>
+                                      </p:cBhvr>
+                                      <p:to>
+                                        <p:strVal val="visible"/>
+                                      </p:to>
+                                    </p:set>
+                                  </p:childTnLst>
+                                </p:cTn>
+                              </p:par>
+                            </p:childTnLst>
+                          </p:cTn>
+                        </p:par>
+                      </p:childTnLst>
+                    </p:cTn>
+                  </p:par>
+                  <p:par>
+                    <p:cTn id="17" fill="hold">
+                      <p:stCondLst>
+                        <p:cond delay="indefinite"/>
+                      </p:stCondLst>
+                      <p:childTnLst>
+                        <p:par>
+                          <p:cTn id="18" fill="hold">
+                            <p:stCondLst>
+                              <p:cond delay="0"/>
+                            </p:stCondLst>
+                            <p:childTnLst>
+                              <p:par>
+                                <p:cTn id="19" presetID="0" presetClass="path" presetSubtype="0" accel="50000" decel="50000" fill="hold" grpId="1" nodeType="clickEffect">
+                                  <p:stCondLst>
+                                    <p:cond delay="0"/>
+                                  </p:stCondLst>
+                                  <p:childTnLst>
+                                    <p:animMotion origin="layout" path="M -1.5625E-6 7.59259E-6 L -0.54844 -0.16527 " pathEditMode="relative" ptsTypes="AA">
+                                      <p:cBhvr>
+                                        <p:cTn id="20" dur="1250" fill="hold"/>
+                                        <p:tgtEl>
+                                          <p:spTgt spid="15"/>
+                                        </p:tgtEl>
+                                        <p:attrNameLst>
+                                          <p:attrName>ppt_x</p:attrName>
+                                          <p:attrName>ppt_y</p:attrName>
+                                        </p:attrNameLst>
+                                      </p:cBhvr>
+                                    </p:animMotion>
+                                  </p:childTnLst>
+                                </p:cTn>
+                              </p:par>
+                              <p:par>
+                                <p:cTn id="21" presetID="0" presetClass="path" presetSubtype="0" accel="50000" decel="50000" fill="hold" grpId="1" nodeType="withEffect">
+                                  <p:stCondLst>
+                                    <p:cond delay="0"/>
+                                  </p:stCondLst>
+                                  <p:childTnLst>
+                                    <p:animMotion origin="layout" path="M 0 0 L -0.51582 -0.20833 " pathEditMode="relative" ptsTypes="AA">
+                                      <p:cBhvr>
+                                        <p:cTn id="22" dur="1250" fill="hold"/>
+                                        <p:tgtEl>
+                                          <p:spTgt spid="16"/>
+                                        </p:tgtEl>
+                                        <p:attrNameLst>
+                                          <p:attrName>ppt_x</p:attrName>
+                                          <p:attrName>ppt_y</p:attrName>
+                                        </p:attrNameLst>
+                                      </p:cBhvr>
+                                    </p:animMotion>
+                                  </p:childTnLst>
+                                </p:cTn>
+                              </p:par>
+                              <p:par>
+                                <p:cTn id="23" presetID="0" presetClass="path" presetSubtype="0" accel="50000" decel="50000" fill="hold" grpId="1" nodeType="withEffect">
+                                  <p:stCondLst>
+                                    <p:cond delay="0"/>
+                                  </p:stCondLst>
+                                  <p:childTnLst>
+                                    <p:animMotion origin="layout" path="M 0 0 L -0.517 0.03125 " pathEditMode="relative" ptsTypes="AA">
+                                      <p:cBhvr>
+                                        <p:cTn id="24" dur="1250" fill="hold"/>
+                                        <p:tgtEl>
+                                          <p:spTgt spid="19"/>
+                                        </p:tgtEl>
+                                        <p:attrNameLst>
+                                          <p:attrName>ppt_x</p:attrName>
+                                          <p:attrName>ppt_y</p:attrName>
+                                        </p:attrNameLst>
+                                      </p:cBhvr>
+                                    </p:animMotion>
+                                  </p:childTnLst>
+                                </p:cTn>
+                              </p:par>
+                              <p:par>
+                                <p:cTn id="25" presetID="0" presetClass="path" presetSubtype="0" accel="50000" decel="50000" fill="hold" grpId="1" nodeType="withEffect">
+                                  <p:stCondLst>
+                                    <p:cond delay="0"/>
+                                  </p:stCondLst>
+                                  <p:childTnLst>
+                                    <p:animMotion origin="layout" path="M 0 0 L -0.60946 0.11609 " pathEditMode="relative" ptsTypes="AA">
+                                      <p:cBhvr>
+                                        <p:cTn id="26" dur="1250" fill="hold"/>
+                                        <p:tgtEl>
+                                          <p:spTgt spid="17"/>
+                                        </p:tgtEl>
+                                        <p:attrNameLst>
+                                          <p:attrName>ppt_x</p:attrName>
+                                          <p:attrName>ppt_y</p:attrName>
+                                        </p:attrNameLst>
+                                      </p:cBhvr>
+                                    </p:animMotion>
+                                  </p:childTnLst>
+                                </p:cTn>
+                              </p:par>
+                              <p:par>
+                                <p:cTn id="27" presetID="0" presetClass="path" presetSubtype="0" accel="50000" decel="50000" fill="hold" grpId="1" nodeType="withEffect">
+                                  <p:stCondLst>
+                                    <p:cond delay="0"/>
+                                  </p:stCondLst>
+                                  <p:childTnLst>
+                                    <p:animMotion origin="layout" path="M 0 0 L -0.44479 -0.44445 " pathEditMode="relative" ptsTypes="AA">
+                                      <p:cBhvr>
+                                        <p:cTn id="28" dur="1250" fill="hold"/>
+                                        <p:tgtEl>
+                                          <p:spTgt spid="9"/>
+                                        </p:tgtEl>
+                                        <p:attrNameLst>
+                                          <p:attrName>ppt_x</p:attrName>
+                                          <p:attrName>ppt_y</p:attrName>
+                                        </p:attrNameLst>
+                                      </p:cBhvr>
+                                    </p:animMotion>
+                                  </p:childTnLst>
+                                </p:cTn>
+                              </p:par>
+                            </p:childTnLst>
+                          </p:cTn>
+                        </p:par>
+                      </p:childTnLst>
+                    </p:cTn>
+                  </p:par>
+                </p:childTnLst>
+              </p:cTn>
+              <p:prevCondLst>
+                <p:cond evt="onPrev" delay="0">
+                  <p:tgtEl>
+                    <p:sldTgt/>
+                  </p:tgtEl>
+                </p:cond>
+              </p:prevCondLst>
+              <p:nextCondLst>
+                <p:cond evt="onNext" delay="0">
+                  <p:tgtEl>
+                    <p:sldTgt/>
+                  </p:tgtEl>
+                </p:cond>
+              </p:nextCondLst>
+            </p:seq>
+          </p:childTnLst>
+        </p:cTn>
+      </p:par>
+    </p:tnLst>
+    <p:bldLst>
+      <p:bldP spid="14" grpId="0" build="p"/>
+      <p:bldP spid="9" grpId="0" animBg="1"/>
+      <p:bldP spid="9" grpId="1" animBg="1"/>
+      <p:bldP spid="15" grpId="0" animBg="1"/>
+      <p:bldP spid="15" grpId="1" animBg="1"/>
+      <p:bldP spid="16" grpId="0" animBg="1"/>
+      <p:bldP spid="16" grpId="1" animBg="1"/>
+      <p:bldP spid="17" grpId="0" animBg="1"/>
+      <p:bldP spid="17" grpId="1" animBg="1"/>
+      <p:bldP spid="19" grpId="0" animBg="1"/>
+      <p:bldP spid="19" grpId="1" animBg="1"/>
+    </p:bldLst>
+  </p:timing>
+</p:sld>
+</file>
+
+<file path=ppt/slides/slide8.xml><?xml version="1.0" encoding="utf-8"?>
+<p:sld xmlns:a="http://schemas.openxmlformats.org/drawingml/2006/main" xmlns:r="http://schemas.openxmlformats.org/officeDocument/2006/relationships" xmlns:p="http://schemas.openxmlformats.org/presentationml/2006/main">
+  <p:cSld>
+    <p:spTree>
+      <p:nvGrpSpPr>
+        <p:cNvPr id="1" name=""/>
+        <p:cNvGrpSpPr/>
+        <p:nvPr/>
+      </p:nvGrpSpPr>
+      <p:grpSpPr>
+        <a:xfrm>
+          <a:off x="0" y="0"/>
+          <a:ext cx="0" cy="0"/>
+          <a:chOff x="0" y="0"/>
+          <a:chExt cx="0" cy="0"/>
+        </a:xfrm>
+      </p:grpSpPr>
+      <p:sp>
+        <p:nvSpPr>
+          <p:cNvPr id="2" name="Заголовок 1"/>
+          <p:cNvSpPr>
+            <a:spLocks noGrp="1"/>
+          </p:cNvSpPr>
+          <p:nvPr>
+            <p:ph type="title"/>
+          </p:nvPr>
+        </p:nvSpPr>
+        <p:spPr/>
+        <p:txBody>
+          <a:bodyPr/>
+          <a:lstStyle/>
+          <a:p>
+            <a:r>
+              <a:rPr lang="ru-RU" dirty="0" smtClean="0"/>
+              <a:t>За что нам платят деньги?</a:t>
+            </a:r>
+            <a:endParaRPr lang="ru-RU" dirty="0"/>
+          </a:p>
+        </p:txBody>
+      </p:sp>
+      <p:sp>
+        <p:nvSpPr>
+          <p:cNvPr id="4" name="Нижний колонтитул 3"/>
+          <p:cNvSpPr>
+            <a:spLocks noGrp="1"/>
+          </p:cNvSpPr>
+          <p:nvPr>
+            <p:ph type="ftr" sz="quarter" idx="11"/>
+          </p:nvPr>
+        </p:nvSpPr>
+        <p:spPr/>
+        <p:txBody>
+          <a:bodyPr/>
+          <a:lstStyle/>
+          <a:p>
+            <a:endParaRPr lang="ru-RU"/>
+          </a:p>
+        </p:txBody>
+      </p:sp>
+      <p:sp>
+        <p:nvSpPr>
+          <p:cNvPr id="5" name="Номер слайда 4"/>
+          <p:cNvSpPr>
+            <a:spLocks noGrp="1"/>
+          </p:cNvSpPr>
+          <p:nvPr>
+            <p:ph type="sldNum" sz="quarter" idx="12"/>
+          </p:nvPr>
+        </p:nvSpPr>
+        <p:spPr/>
+        <p:txBody>
+          <a:bodyPr/>
+          <a:lstStyle/>
+          <a:p>
+            <a:fld id="{741C03D3-FA44-40EC-9A21-1FC4FEA3E22E}" type="slidenum">
+              <a:rPr lang="ru-RU" smtClean="0"/>
+              <a:t>8</a:t>
+            </a:fld>
+            <a:endParaRPr lang="ru-RU"/>
+          </a:p>
+        </p:txBody>
+      </p:sp>
+      <p:cxnSp>
+        <p:nvCxnSpPr>
+          <p:cNvPr id="9" name="Прямая со стрелкой 8"/>
+          <p:cNvCxnSpPr/>
+          <p:nvPr/>
+        </p:nvCxnSpPr>
+        <p:spPr>
+          <a:xfrm>
+            <a:off x="1124806" y="8766000"/>
+            <a:ext cx="21369600" cy="0"/>
+          </a:xfrm>
+          <a:prstGeom prst="straightConnector1">
+            <a:avLst/>
+          </a:prstGeom>
+          <a:ln w="38100">
+            <a:solidFill>
+              <a:schemeClr val="tx1"/>
+            </a:solidFill>
+            <a:headEnd type="none" w="lg" len="med"/>
+            <a:tailEnd type="arrow"/>
+          </a:ln>
+        </p:spPr>
+        <p:style>
+          <a:lnRef idx="1">
+            <a:schemeClr val="accent1"/>
+          </a:lnRef>
+          <a:fillRef idx="0">
+            <a:schemeClr val="accent1"/>
+          </a:fillRef>
+          <a:effectRef idx="0">
+            <a:schemeClr val="accent1"/>
+          </a:effectRef>
+          <a:fontRef idx="minor">
+            <a:schemeClr val="tx1"/>
+          </a:fontRef>
+        </p:style>
+      </p:cxnSp>
+      <p:sp>
+        <p:nvSpPr>
+          <p:cNvPr id="10" name="TextBox 9"/>
+          <p:cNvSpPr txBox="1"/>
+          <p:nvPr/>
+        </p:nvSpPr>
+        <p:spPr>
+          <a:xfrm>
+            <a:off x="20204806" y="9113701"/>
+            <a:ext cx="2018501" cy="830997"/>
+          </a:xfrm>
+          <a:prstGeom prst="rect">
+            <a:avLst/>
+          </a:prstGeom>
+          <a:noFill/>
+        </p:spPr>
+        <p:txBody>
+          <a:bodyPr wrap="none" rtlCol="0">
+            <a:spAutoFit/>
+          </a:bodyPr>
+          <a:lstStyle/>
+          <a:p>
+            <a:r>
+              <a:rPr lang="ru-RU" sz="4800" dirty="0" smtClean="0">
+                <a:solidFill>
+                  <a:sysClr val="windowText" lastClr="000000"/>
+                </a:solidFill>
+              </a:rPr>
+              <a:t>Время</a:t>
+            </a:r>
+            <a:endParaRPr lang="ru-RU" sz="4800" dirty="0" smtClean="0">
+              <a:solidFill>
+                <a:sysClr val="windowText" lastClr="000000"/>
+              </a:solidFill>
+            </a:endParaRPr>
+          </a:p>
+        </p:txBody>
+      </p:sp>
+      <p:sp>
+        <p:nvSpPr>
+          <p:cNvPr id="11" name="Овал 10"/>
+          <p:cNvSpPr>
+            <a:spLocks noChangeAspect="1"/>
+          </p:cNvSpPr>
+          <p:nvPr/>
+        </p:nvSpPr>
+        <p:spPr>
+          <a:xfrm>
+            <a:off x="5322406" y="6858000"/>
+            <a:ext cx="540000" cy="540000"/>
+          </a:xfrm>
+          <a:prstGeom prst="ellipse">
+            <a:avLst/>
+          </a:prstGeom>
+          <a:solidFill>
+            <a:schemeClr val="bg2"/>
+          </a:solidFill>
+          <a:ln w="38100">
+            <a:solidFill>
+              <a:schemeClr val="bg1"/>
+            </a:solidFill>
+          </a:ln>
+        </p:spPr>
+        <p:style>
+          <a:lnRef idx="2">
+            <a:schemeClr val="accent1">
+              <a:shade val="50000"/>
+            </a:schemeClr>
+          </a:lnRef>
+          <a:fillRef idx="1">
+            <a:schemeClr val="accent1"/>
+          </a:fillRef>
+          <a:effectRef idx="0">
+            <a:schemeClr val="accent1"/>
+          </a:effectRef>
+          <a:fontRef idx="minor">
+            <a:schemeClr val="lt1"/>
+          </a:fontRef>
+        </p:style>
+        <p:txBody>
+          <a:bodyPr rtlCol="0" anchor="ctr"/>
+          <a:lstStyle/>
+          <a:p>
+            <a:pPr algn="ctr"/>
+            <a:endParaRPr lang="ru-RU" dirty="0" err="1" smtClean="0">
+              <a:solidFill>
+                <a:schemeClr val="tx1"/>
+              </a:solidFill>
+            </a:endParaRPr>
+          </a:p>
+        </p:txBody>
+      </p:sp>
+      <p:sp>
+        <p:nvSpPr>
+          <p:cNvPr id="13" name="Скругленный прямоугольник 12"/>
+          <p:cNvSpPr/>
+          <p:nvPr/>
+        </p:nvSpPr>
+        <p:spPr>
+          <a:xfrm>
+            <a:off x="5325812" y="6858000"/>
+            <a:ext cx="17168594" cy="540000"/>
+          </a:xfrm>
+          <a:prstGeom prst="roundRect">
+            <a:avLst>
+              <a:gd name="adj" fmla="val 50000"/>
+            </a:avLst>
+          </a:prstGeom>
+          <a:solidFill>
+            <a:schemeClr val="bg2"/>
+          </a:solidFill>
+          <a:ln w="38100">
+            <a:solidFill>
+              <a:schemeClr val="bg1"/>
+            </a:solidFill>
+          </a:ln>
+        </p:spPr>
+        <p:style>
+          <a:lnRef idx="2">
+            <a:schemeClr val="accent1">
+              <a:shade val="50000"/>
+            </a:schemeClr>
+          </a:lnRef>
+          <a:fillRef idx="1">
+            <a:schemeClr val="accent1"/>
+          </a:fillRef>
+          <a:effectRef idx="0">
+            <a:schemeClr val="accent1"/>
+          </a:effectRef>
+          <a:fontRef idx="minor">
+            <a:schemeClr val="lt1"/>
+          </a:fontRef>
+        </p:style>
+        <p:txBody>
+          <a:bodyPr rtlCol="0" anchor="ctr"/>
+          <a:lstStyle/>
+          <a:p>
+            <a:pPr algn="ctr"/>
+            <a:endParaRPr lang="ru-RU" dirty="0" err="1" smtClean="0">
+              <a:solidFill>
+                <a:schemeClr val="tx1"/>
+              </a:solidFill>
+            </a:endParaRPr>
+          </a:p>
+        </p:txBody>
+      </p:sp>
+    </p:spTree>
+    <p:extLst>
+      <p:ext uri="{BB962C8B-B14F-4D97-AF65-F5344CB8AC3E}">
+        <p14:creationId xmlns:p14="http://schemas.microsoft.com/office/powerpoint/2010/main" val="1616959707"/>
+      </p:ext>
+    </p:extLst>
+  </p:cSld>
+  <p:clrMapOvr>
+    <a:masterClrMapping/>
+  </p:clrMapOvr>
+  <p:timing>
+    <p:tnLst>
+      <p:par>
+        <p:cTn id="1" dur="indefinite" restart="never" nodeType="tmRoot">
+          <p:childTnLst>
+            <p:seq concurrent="1" nextAc="seek">
+              <p:cTn id="2" dur="indefinite" nodeType="mainSeq">
+                <p:childTnLst>
+                  <p:par>
+                    <p:cTn id="3" fill="hold">
+                      <p:stCondLst>
+                        <p:cond delay="indefinite"/>
+                      </p:stCondLst>
+                      <p:childTnLst>
+                        <p:par>
+                          <p:cTn id="4" fill="hold">
+                            <p:stCondLst>
+                              <p:cond delay="0"/>
+                            </p:stCondLst>
+                            <p:childTnLst>
+                              <p:par>
+                                <p:cTn id="5" presetID="1" presetClass="entr" presetSubtype="0" fill="hold" grpId="0" nodeType="clickEffect">
+                                  <p:stCondLst>
+                                    <p:cond delay="0"/>
+                                  </p:stCondLst>
+                                  <p:childTnLst>
+                                    <p:set>
+                                      <p:cBhvr>
+                                        <p:cTn id="6" dur="1" fill="hold">
+                                          <p:stCondLst>
+                                            <p:cond delay="0"/>
+                                          </p:stCondLst>
+                                        </p:cTn>
+                                        <p:tgtEl>
+                                          <p:spTgt spid="13"/>
+                                        </p:tgtEl>
+                                        <p:attrNameLst>
+                                          <p:attrName>style.visibility</p:attrName>
+                                        </p:attrNameLst>
+                                      </p:cBhvr>
+                                      <p:to>
+                                        <p:strVal val="visible"/>
+                                      </p:to>
+                                    </p:set>
+                                  </p:childTnLst>
+                                </p:cTn>
+                              </p:par>
+                            </p:childTnLst>
+                          </p:cTn>
+                        </p:par>
+                      </p:childTnLst>
+                    </p:cTn>
+                  </p:par>
+                </p:childTnLst>
+              </p:cTn>
+              <p:prevCondLst>
+                <p:cond evt="onPrev" delay="0">
+                  <p:tgtEl>
+                    <p:sldTgt/>
+                  </p:tgtEl>
+                </p:cond>
+              </p:prevCondLst>
+              <p:nextCondLst>
+                <p:cond evt="onNext" delay="0">
+                  <p:tgtEl>
+                    <p:sldTgt/>
+                  </p:tgtEl>
+                </p:cond>
+              </p:nextCondLst>
+            </p:seq>
+          </p:childTnLst>
+        </p:cTn>
+      </p:par>
+    </p:tnLst>
+    <p:bldLst>
+      <p:bldP spid="13" grpId="0" animBg="1"/>
+    </p:bldLst>
+  </p:timing>
+</p:sld>
+</file>
+
+<file path=ppt/slides/slide9.xml><?xml version="1.0" encoding="utf-8"?>
+<p:sld xmlns:a="http://schemas.openxmlformats.org/drawingml/2006/main" xmlns:r="http://schemas.openxmlformats.org/officeDocument/2006/relationships" xmlns:p="http://schemas.openxmlformats.org/presentationml/2006/main">
+  <p:cSld>
+    <p:spTree>
+      <p:nvGrpSpPr>
+        <p:cNvPr id="1" name=""/>
+        <p:cNvGrpSpPr/>
+        <p:nvPr/>
+      </p:nvGrpSpPr>
+      <p:grpSpPr>
+        <a:xfrm>
+          <a:off x="0" y="0"/>
+          <a:ext cx="0" cy="0"/>
+          <a:chOff x="0" y="0"/>
+          <a:chExt cx="0" cy="0"/>
+        </a:xfrm>
+      </p:grpSpPr>
+      <p:sp>
+        <p:nvSpPr>
+          <p:cNvPr id="2" name="Заголовок 1"/>
+          <p:cNvSpPr>
+            <a:spLocks noGrp="1"/>
+          </p:cNvSpPr>
+          <p:nvPr>
+            <p:ph type="title"/>
+          </p:nvPr>
+        </p:nvSpPr>
+        <p:spPr/>
+        <p:txBody>
+          <a:bodyPr/>
+          <a:lstStyle/>
+          <a:p>
+            <a:r>
+              <a:rPr lang="en-US" dirty="0" smtClean="0"/>
+              <a:t>Production </a:t>
+            </a:r>
+            <a:r>
+              <a:rPr lang="ru-RU" dirty="0" smtClean="0"/>
+              <a:t>надо поддерживать</a:t>
+            </a:r>
+            <a:endParaRPr lang="ru-RU" dirty="0"/>
+          </a:p>
+        </p:txBody>
+      </p:sp>
+      <p:sp>
+        <p:nvSpPr>
+          <p:cNvPr id="3" name="Объект 2"/>
+          <p:cNvSpPr>
+            <a:spLocks noGrp="1"/>
+          </p:cNvSpPr>
+          <p:nvPr>
+            <p:ph idx="1"/>
+          </p:nvPr>
+        </p:nvSpPr>
+        <p:spPr/>
+        <p:txBody>
+          <a:bodyPr/>
+          <a:lstStyle/>
+          <a:p>
+            <a:pPr lvl="1"/>
+            <a:r>
+              <a:rPr lang="ru-RU" dirty="0" smtClean="0"/>
+              <a:t>Мониторинги</a:t>
+            </a:r>
+          </a:p>
+          <a:p>
+            <a:pPr lvl="1"/>
+            <a:r>
+              <a:rPr lang="ru-RU" dirty="0" smtClean="0"/>
+              <a:t>Тесты</a:t>
+            </a:r>
+          </a:p>
+          <a:p>
+            <a:pPr lvl="1"/>
+            <a:r>
+              <a:rPr lang="ru-RU" dirty="0" smtClean="0"/>
+              <a:t>Специальные отладочные инструменты</a:t>
+            </a:r>
+            <a:endParaRPr lang="ru-RU" dirty="0"/>
+          </a:p>
+        </p:txBody>
+      </p:sp>
+      <p:sp>
+        <p:nvSpPr>
+          <p:cNvPr id="4" name="Нижний колонтитул 3"/>
+          <p:cNvSpPr>
+            <a:spLocks noGrp="1"/>
+          </p:cNvSpPr>
+          <p:nvPr>
+            <p:ph type="ftr" sz="quarter" idx="11"/>
+          </p:nvPr>
+        </p:nvSpPr>
+        <p:spPr/>
+        <p:txBody>
+          <a:bodyPr/>
+          <a:lstStyle/>
+          <a:p>
+            <a:endParaRPr lang="ru-RU"/>
+          </a:p>
+        </p:txBody>
+      </p:sp>
+      <p:sp>
+        <p:nvSpPr>
+          <p:cNvPr id="5" name="Номер слайда 4"/>
+          <p:cNvSpPr>
+            <a:spLocks noGrp="1"/>
+          </p:cNvSpPr>
+          <p:nvPr>
+            <p:ph type="sldNum" sz="quarter" idx="12"/>
+          </p:nvPr>
+        </p:nvSpPr>
+        <p:spPr/>
+        <p:txBody>
+          <a:bodyPr/>
+          <a:lstStyle/>
+          <a:p>
+            <a:fld id="{741C03D3-FA44-40EC-9A21-1FC4FEA3E22E}" type="slidenum">
+              <a:rPr lang="ru-RU" smtClean="0"/>
+              <a:t>9</a:t>
+            </a:fld>
+            <a:endParaRPr lang="ru-RU"/>
+          </a:p>
+        </p:txBody>
+      </p:sp>
+    </p:spTree>
+    <p:extLst>
+      <p:ext uri="{BB962C8B-B14F-4D97-AF65-F5344CB8AC3E}">
+        <p14:creationId xmlns:p14="http://schemas.microsoft.com/office/powerpoint/2010/main" val="2878609667"/>
+      </p:ext>
+    </p:extLst>
+  </p:cSld>
+  <p:clrMapOvr>
+    <a:masterClrMapping/>
+  </p:clrMapOvr>
+  <p:timing>
+    <p:tnLst>
+      <p:par>
+        <p:cTn id="1" dur="indefinite" restart="never" nodeType="tmRoot">
+          <p:childTnLst>
+            <p:seq concurrent="1" nextAc="seek">
+              <p:cTn id="2" dur="indefinite" nodeType="mainSeq">
+                <p:childTnLst>
+                  <p:par>
+                    <p:cTn id="3" fill="hold">
+                      <p:stCondLst>
+                        <p:cond delay="indefinite"/>
+                      </p:stCondLst>
+                      <p:childTnLst>
+                        <p:par>
+                          <p:cTn id="4" fill="hold">
+                            <p:stCondLst>
+                              <p:cond delay="0"/>
+                            </p:stCondLst>
+                            <p:childTnLst>
+                              <p:par>
+                                <p:cTn id="5" presetID="1" presetClass="entr" presetSubtype="0" fill="hold" nodeType="clickEffect">
+                                  <p:stCondLst>
+                                    <p:cond delay="0"/>
+                                  </p:stCondLst>
+                                  <p:childTnLst>
+                                    <p:set>
+                                      <p:cBhvr>
+                                        <p:cTn id="6" dur="1" fill="hold">
+                                          <p:stCondLst>
+                                            <p:cond delay="0"/>
+                                          </p:stCondLst>
+                                        </p:cTn>
+                                        <p:tgtEl>
+                                          <p:spTgt spid="3">
+                                            <p:txEl>
+                                              <p:pRg st="0" end="0"/>
+                                            </p:txEl>
+                                          </p:spTgt>
+                                        </p:tgtEl>
+                                        <p:attrNameLst>
+                                          <p:attrName>style.visibility</p:attrName>
+                                        </p:attrNameLst>
+                                      </p:cBhvr>
+                                      <p:to>
+                                        <p:strVal val="visible"/>
+                                      </p:to>
+                                    </p:set>
+                                  </p:childTnLst>
+                                </p:cTn>
+                              </p:par>
+                            </p:childTnLst>
+                          </p:cTn>
+                        </p:par>
+                      </p:childTnLst>
+                    </p:cTn>
+                  </p:par>
+                  <p:par>
+                    <p:cTn id="7" fill="hold">
+                      <p:stCondLst>
+                        <p:cond delay="indefinite"/>
+                      </p:stCondLst>
+                      <p:childTnLst>
+                        <p:par>
+                          <p:cTn id="8" fill="hold">
+                            <p:stCondLst>
+                              <p:cond delay="0"/>
+                            </p:stCondLst>
+                            <p:childTnLst>
+                              <p:par>
+                                <p:cTn id="9" presetID="1" presetClass="entr" presetSubtype="0" fill="hold" nodeType="clickEffect">
+                                  <p:stCondLst>
+                                    <p:cond delay="0"/>
+                                  </p:stCondLst>
+                                  <p:childTnLst>
+                                    <p:set>
+                                      <p:cBhvr>
+                                        <p:cTn id="10" dur="1" fill="hold">
+                                          <p:stCondLst>
+                                            <p:cond delay="0"/>
+                                          </p:stCondLst>
+                                        </p:cTn>
+                                        <p:tgtEl>
+                                          <p:spTgt spid="3">
+                                            <p:txEl>
+                                              <p:pRg st="1" end="1"/>
+                                            </p:txEl>
+                                          </p:spTgt>
+                                        </p:tgtEl>
+                                        <p:attrNameLst>
+                                          <p:attrName>style.visibility</p:attrName>
+                                        </p:attrNameLst>
+                                      </p:cBhvr>
+                                      <p:to>
+                                        <p:strVal val="visible"/>
+                                      </p:to>
+                                    </p:set>
+                                  </p:childTnLst>
+                                </p:cTn>
+                              </p:par>
+                            </p:childTnLst>
+                          </p:cTn>
+                        </p:par>
+                      </p:childTnLst>
+                    </p:cTn>
+                  </p:par>
+                  <p:par>
+                    <p:cTn id="11" fill="hold">
+                      <p:stCondLst>
+                        <p:cond delay="indefinite"/>
+                      </p:stCondLst>
+                      <p:childTnLst>
+                        <p:par>
+                          <p:cTn id="12" fill="hold">
+                            <p:stCondLst>
+                              <p:cond delay="0"/>
+                            </p:stCondLst>
+                            <p:childTnLst>
+                              <p:par>
+                                <p:cTn id="13" presetID="1" presetClass="entr" presetSubtype="0" fill="hold" nodeType="clickEffect">
+                                  <p:stCondLst>
+                                    <p:cond delay="0"/>
+                                  </p:stCondLst>
+                                  <p:childTnLst>
+                                    <p:set>
+                                      <p:cBhvr>
+                                        <p:cTn id="14" dur="1" fill="hold">
+                                          <p:stCondLst>
+                                            <p:cond delay="0"/>
+                                          </p:stCondLst>
+                                        </p:cTn>
+                                        <p:tgtEl>
+                                          <p:spTgt spid="3">
+                                            <p:txEl>
+                                              <p:pRg st="2" end="2"/>
+                                            </p:txEl>
+                                          </p:spTgt>
+                                        </p:tgtEl>
+                                        <p:attrNameLst>
+                                          <p:attrName>style.visibility</p:attrName>
+                                        </p:attrNameLst>
+                                      </p:cBhvr>
+                                      <p:to>
+                                        <p:strVal val="visible"/>
+                                      </p:to>
+                                    </p:set>
+                                  </p:childTnLst>
+                                </p:cTn>
+                              </p:par>
+                            </p:childTnLst>
+                          </p:cTn>
+                        </p:par>
+                      </p:childTnLst>
+                    </p:cTn>
+                  </p:par>
+                </p:childTnLst>
+              </p:cTn>
+              <p:prevCondLst>
+                <p:cond evt="onPrev" delay="0">
+                  <p:tgtEl>
+                    <p:sldTgt/>
+                  </p:tgtEl>
+                </p:cond>
+              </p:prevCondLst>
+              <p:nextCondLst>
+                <p:cond evt="onNext" delay="0">
+                  <p:tgtEl>
+                    <p:sldTgt/>
+                  </p:tgtEl>
+                </p:cond>
+              </p:nextCondLst>
+            </p:seq>
+          </p:childTnLst>
+        </p:cTn>
+      </p:par>
+    </p:tnLst>
+  </p:timing>
+</p:sld>
+</file>
+
 <file path=ppt/theme/theme1.xml><?xml version="1.0" encoding="utf-8"?>
 <a:theme xmlns:a="http://schemas.openxmlformats.org/drawingml/2006/main" name="Yandex_show_2016">
   <a:themeElements>
@@ -14522,7 +15195,7 @@
   <a:extraClrSchemeLst/>
   <a:extLst>
     <a:ext uri="{05A4C25C-085E-4340-85A3-A5531E510DB2}">
-      <thm15:themeFamily xmlns:thm15="http://schemas.microsoft.com/office/thememl/2012/main" xmlns="" name="Office Theme" id="{62F939B6-93AF-4DB8-9C6B-D6C7DFDC589F}" vid="{4A3C46E8-61CC-4603-A589-7422A47A8E4A}"/>
+      <thm15:themeFamily xmlns="" xmlns:thm15="http://schemas.microsoft.com/office/thememl/2012/main" name="Office Theme" id="{62F939B6-93AF-4DB8-9C6B-D6C7DFDC589F}" vid="{4A3C46E8-61CC-4603-A589-7422A47A8E4A}"/>
     </a:ext>
   </a:extLst>
 </a:theme>
@@ -14783,7 +15456,7 @@
   <a:extraClrSchemeLst/>
   <a:extLst>
     <a:ext uri="{05A4C25C-085E-4340-85A3-A5531E510DB2}">
-      <thm15:themeFamily xmlns:thm15="http://schemas.microsoft.com/office/thememl/2012/main" xmlns="" name="Office Theme" id="{62F939B6-93AF-4DB8-9C6B-D6C7DFDC589F}" vid="{4A3C46E8-61CC-4603-A589-7422A47A8E4A}"/>
+      <thm15:themeFamily xmlns="" xmlns:thm15="http://schemas.microsoft.com/office/thememl/2012/main" name="Office Theme" id="{62F939B6-93AF-4DB8-9C6B-D6C7DFDC589F}" vid="{4A3C46E8-61CC-4603-A589-7422A47A8E4A}"/>
     </a:ext>
   </a:extLst>
 </a:theme>

--- a/slides.pptx
+++ b/slides.pptx
@@ -5,7 +5,7 @@
     <p:sldMasterId id="2147483684" r:id="rId1"/>
   </p:sldMasterIdLst>
   <p:notesMasterIdLst>
-    <p:notesMasterId r:id="rId12"/>
+    <p:notesMasterId r:id="rId13"/>
   </p:notesMasterIdLst>
   <p:sldIdLst>
     <p:sldId id="389" r:id="rId2"/>
@@ -17,7 +17,8 @@
     <p:sldId id="395" r:id="rId8"/>
     <p:sldId id="396" r:id="rId9"/>
     <p:sldId id="397" r:id="rId10"/>
-    <p:sldId id="391" r:id="rId11"/>
+    <p:sldId id="398" r:id="rId11"/>
+    <p:sldId id="391" r:id="rId12"/>
   </p:sldIdLst>
   <p:sldSz cx="24382413" cy="13716000"/>
   <p:notesSz cx="6858000" cy="9144000"/>
@@ -130,13 +131,14 @@
             <p14:sldId id="395"/>
             <p14:sldId id="396"/>
             <p14:sldId id="397"/>
+            <p14:sldId id="398"/>
             <p14:sldId id="391"/>
           </p14:sldIdLst>
         </p14:section>
       </p14:sectionLst>
     </p:ext>
     <p:ext uri="{EFAFB233-063F-42B5-8137-9DF3F51BA10A}">
-      <p15:sldGuideLst xmlns="" xmlns:p15="http://schemas.microsoft.com/office/powerpoint/2012/main">
+      <p15:sldGuideLst xmlns:p15="http://schemas.microsoft.com/office/powerpoint/2012/main" xmlns="">
         <p15:guide id="1" orient="horz" pos="5900" userDrawn="1">
           <p15:clr>
             <a:srgbClr val="A4A3A4"/>
@@ -3750,7 +3752,7 @@
   </p:timing>
   <p:extLst mod="1">
     <p:ext uri="{DCECCB84-F9BA-43D5-87BE-67443E8EF086}">
-      <p15:sldGuideLst xmlns="" xmlns:p15="http://schemas.microsoft.com/office/powerpoint/2012/main">
+      <p15:sldGuideLst xmlns:p15="http://schemas.microsoft.com/office/powerpoint/2012/main" xmlns="">
         <p15:guide id="1" orient="horz" pos="1436">
           <p15:clr>
             <a:srgbClr val="FBAE40"/>
@@ -4782,7 +4784,7 @@
           </a:ln>
           <a:extLst>
             <a:ext uri="{C572A759-6A51-4108-AA02-DFA0A04FC94B}">
-              <ma14:wrappingTextBoxFlag xmlns="" xmlns:ma14="http://schemas.microsoft.com/office/mac/drawingml/2011/main" val="1"/>
+              <ma14:wrappingTextBoxFlag xmlns:ma14="http://schemas.microsoft.com/office/mac/drawingml/2011/main" xmlns="" val="1"/>
             </a:ext>
           </a:extLst>
         </p:spPr>
@@ -5253,7 +5255,7 @@
           </a:ln>
           <a:extLst>
             <a:ext uri="{C572A759-6A51-4108-AA02-DFA0A04FC94B}">
-              <ma14:wrappingTextBoxFlag xmlns="" xmlns:ma14="http://schemas.microsoft.com/office/mac/drawingml/2011/main" val="1"/>
+              <ma14:wrappingTextBoxFlag xmlns:ma14="http://schemas.microsoft.com/office/mac/drawingml/2011/main" xmlns="" val="1"/>
             </a:ext>
           </a:extLst>
         </p:spPr>
@@ -5399,7 +5401,7 @@
           </a:ln>
           <a:extLst>
             <a:ext uri="{C572A759-6A51-4108-AA02-DFA0A04FC94B}">
-              <ma14:wrappingTextBoxFlag xmlns="" xmlns:ma14="http://schemas.microsoft.com/office/mac/drawingml/2011/main" val="1"/>
+              <ma14:wrappingTextBoxFlag xmlns:ma14="http://schemas.microsoft.com/office/mac/drawingml/2011/main" xmlns="" val="1"/>
             </a:ext>
           </a:extLst>
         </p:spPr>
@@ -5441,7 +5443,7 @@
           </a:ln>
           <a:extLst>
             <a:ext uri="{C572A759-6A51-4108-AA02-DFA0A04FC94B}">
-              <ma14:wrappingTextBoxFlag xmlns="" xmlns:ma14="http://schemas.microsoft.com/office/mac/drawingml/2011/main" val="1"/>
+              <ma14:wrappingTextBoxFlag xmlns:ma14="http://schemas.microsoft.com/office/mac/drawingml/2011/main" xmlns="" val="1"/>
             </a:ext>
           </a:extLst>
         </p:spPr>
@@ -5637,7 +5639,7 @@
           </a:ln>
           <a:extLst>
             <a:ext uri="{C572A759-6A51-4108-AA02-DFA0A04FC94B}">
-              <ma14:wrappingTextBoxFlag xmlns="" xmlns:ma14="http://schemas.microsoft.com/office/mac/drawingml/2011/main" val="1"/>
+              <ma14:wrappingTextBoxFlag xmlns:ma14="http://schemas.microsoft.com/office/mac/drawingml/2011/main" xmlns="" val="1"/>
             </a:ext>
           </a:extLst>
         </p:spPr>
@@ -5761,7 +5763,7 @@
           </a:ln>
           <a:extLst>
             <a:ext uri="{C572A759-6A51-4108-AA02-DFA0A04FC94B}">
-              <ma14:wrappingTextBoxFlag xmlns="" xmlns:ma14="http://schemas.microsoft.com/office/mac/drawingml/2011/main" val="1"/>
+              <ma14:wrappingTextBoxFlag xmlns:ma14="http://schemas.microsoft.com/office/mac/drawingml/2011/main" xmlns="" val="1"/>
             </a:ext>
           </a:extLst>
         </p:spPr>
@@ -5855,7 +5857,7 @@
           </a:ln>
           <a:extLst>
             <a:ext uri="{C572A759-6A51-4108-AA02-DFA0A04FC94B}">
-              <ma14:wrappingTextBoxFlag xmlns="" xmlns:ma14="http://schemas.microsoft.com/office/mac/drawingml/2011/main" val="1"/>
+              <ma14:wrappingTextBoxFlag xmlns:ma14="http://schemas.microsoft.com/office/mac/drawingml/2011/main" xmlns="" val="1"/>
             </a:ext>
           </a:extLst>
         </p:spPr>
@@ -6146,7 +6148,7 @@
           </a:ln>
           <a:extLst>
             <a:ext uri="{C572A759-6A51-4108-AA02-DFA0A04FC94B}">
-              <ma14:wrappingTextBoxFlag xmlns="" xmlns:ma14="http://schemas.microsoft.com/office/mac/drawingml/2011/main" val="1"/>
+              <ma14:wrappingTextBoxFlag xmlns:ma14="http://schemas.microsoft.com/office/mac/drawingml/2011/main" xmlns="" val="1"/>
             </a:ext>
           </a:extLst>
         </p:spPr>
@@ -6637,7 +6639,7 @@
           </a:ln>
           <a:extLst>
             <a:ext uri="{C572A759-6A51-4108-AA02-DFA0A04FC94B}">
-              <ma14:wrappingTextBoxFlag xmlns="" xmlns:ma14="http://schemas.microsoft.com/office/mac/drawingml/2011/main" val="1"/>
+              <ma14:wrappingTextBoxFlag xmlns:ma14="http://schemas.microsoft.com/office/mac/drawingml/2011/main" xmlns="" val="1"/>
             </a:ext>
           </a:extLst>
         </p:spPr>
@@ -6709,7 +6711,7 @@
             </a:ln>
             <a:extLst>
               <a:ext uri="{C572A759-6A51-4108-AA02-DFA0A04FC94B}">
-                <ma14:wrappingTextBoxFlag xmlns="" xmlns:ma14="http://schemas.microsoft.com/office/mac/drawingml/2011/main" val="1"/>
+                <ma14:wrappingTextBoxFlag xmlns:ma14="http://schemas.microsoft.com/office/mac/drawingml/2011/main" xmlns="" val="1"/>
               </a:ext>
             </a:extLst>
           </p:spPr>
@@ -6785,7 +6787,7 @@
             </a:ln>
             <a:extLst>
               <a:ext uri="{C572A759-6A51-4108-AA02-DFA0A04FC94B}">
-                <ma14:wrappingTextBoxFlag xmlns="" xmlns:ma14="http://schemas.microsoft.com/office/mac/drawingml/2011/main" val="1"/>
+                <ma14:wrappingTextBoxFlag xmlns:ma14="http://schemas.microsoft.com/office/mac/drawingml/2011/main" xmlns="" val="1"/>
               </a:ext>
             </a:extLst>
           </p:spPr>
@@ -6873,7 +6875,7 @@
             </a:ln>
             <a:extLst>
               <a:ext uri="{C572A759-6A51-4108-AA02-DFA0A04FC94B}">
-                <ma14:wrappingTextBoxFlag xmlns="" xmlns:ma14="http://schemas.microsoft.com/office/mac/drawingml/2011/main" val="1"/>
+                <ma14:wrappingTextBoxFlag xmlns:ma14="http://schemas.microsoft.com/office/mac/drawingml/2011/main" xmlns="" val="1"/>
               </a:ext>
             </a:extLst>
           </p:spPr>
@@ -6953,7 +6955,7 @@
             </a:ln>
             <a:extLst>
               <a:ext uri="{C572A759-6A51-4108-AA02-DFA0A04FC94B}">
-                <ma14:wrappingTextBoxFlag xmlns="" xmlns:ma14="http://schemas.microsoft.com/office/mac/drawingml/2011/main" val="1"/>
+                <ma14:wrappingTextBoxFlag xmlns:ma14="http://schemas.microsoft.com/office/mac/drawingml/2011/main" xmlns="" val="1"/>
               </a:ext>
             </a:extLst>
           </p:spPr>
@@ -7024,7 +7026,7 @@
             </a:ln>
             <a:extLst>
               <a:ext uri="{C572A759-6A51-4108-AA02-DFA0A04FC94B}">
-                <ma14:wrappingTextBoxFlag xmlns="" xmlns:ma14="http://schemas.microsoft.com/office/mac/drawingml/2011/main" val="1"/>
+                <ma14:wrappingTextBoxFlag xmlns:ma14="http://schemas.microsoft.com/office/mac/drawingml/2011/main" xmlns="" val="1"/>
               </a:ext>
             </a:extLst>
           </p:spPr>
@@ -7080,7 +7082,7 @@
             </a:ln>
             <a:extLst>
               <a:ext uri="{C572A759-6A51-4108-AA02-DFA0A04FC94B}">
-                <ma14:wrappingTextBoxFlag xmlns="" xmlns:ma14="http://schemas.microsoft.com/office/mac/drawingml/2011/main" val="1"/>
+                <ma14:wrappingTextBoxFlag xmlns:ma14="http://schemas.microsoft.com/office/mac/drawingml/2011/main" xmlns="" val="1"/>
               </a:ext>
             </a:extLst>
           </p:spPr>
@@ -7145,7 +7147,7 @@
             </a:ln>
             <a:extLst>
               <a:ext uri="{C572A759-6A51-4108-AA02-DFA0A04FC94B}">
-                <ma14:wrappingTextBoxFlag xmlns="" xmlns:ma14="http://schemas.microsoft.com/office/mac/drawingml/2011/main" val="1"/>
+                <ma14:wrappingTextBoxFlag xmlns:ma14="http://schemas.microsoft.com/office/mac/drawingml/2011/main" xmlns="" val="1"/>
               </a:ext>
             </a:extLst>
           </p:spPr>
@@ -7565,7 +7567,7 @@
   </p:timing>
   <p:extLst mod="1">
     <p:ext uri="{DCECCB84-F9BA-43D5-87BE-67443E8EF086}">
-      <p15:sldGuideLst xmlns="" xmlns:p15="http://schemas.microsoft.com/office/powerpoint/2012/main">
+      <p15:sldGuideLst xmlns:p15="http://schemas.microsoft.com/office/powerpoint/2012/main" xmlns="">
         <p15:guide id="1" orient="horz" pos="1773" userDrawn="1">
           <p15:clr>
             <a:srgbClr val="FBAE40"/>
@@ -7910,7 +7912,7 @@
   </p:timing>
   <p:extLst mod="1">
     <p:ext uri="{DCECCB84-F9BA-43D5-87BE-67443E8EF086}">
-      <p15:sldGuideLst xmlns="" xmlns:p15="http://schemas.microsoft.com/office/powerpoint/2012/main"/>
+      <p15:sldGuideLst xmlns:p15="http://schemas.microsoft.com/office/powerpoint/2012/main" xmlns=""/>
     </p:ext>
   </p:extLst>
 </p:sldLayout>
@@ -8163,7 +8165,7 @@
   </p:timing>
   <p:extLst mod="1">
     <p:ext uri="{DCECCB84-F9BA-43D5-87BE-67443E8EF086}">
-      <p15:sldGuideLst xmlns="" xmlns:p15="http://schemas.microsoft.com/office/powerpoint/2012/main">
+      <p15:sldGuideLst xmlns:p15="http://schemas.microsoft.com/office/powerpoint/2012/main" xmlns="">
         <p15:guide id="1" orient="horz" pos="1773">
           <p15:clr>
             <a:srgbClr val="FBAE40"/>
@@ -8412,7 +8414,7 @@
   </p:timing>
   <p:extLst mod="1">
     <p:ext uri="{DCECCB84-F9BA-43D5-87BE-67443E8EF086}">
-      <p15:sldGuideLst xmlns="" xmlns:p15="http://schemas.microsoft.com/office/powerpoint/2012/main"/>
+      <p15:sldGuideLst xmlns:p15="http://schemas.microsoft.com/office/powerpoint/2012/main" xmlns=""/>
     </p:ext>
   </p:extLst>
 </p:sldLayout>
@@ -9269,7 +9271,7 @@
   </p:txStyles>
   <p:extLst mod="1">
     <p:ext uri="{27BBF7A9-308A-43DC-89C8-2F10F3537804}">
-      <p15:sldGuideLst xmlns="" xmlns:p15="http://schemas.microsoft.com/office/powerpoint/2012/main">
+      <p15:sldGuideLst xmlns:p15="http://schemas.microsoft.com/office/powerpoint/2012/main" xmlns="">
         <p15:guide id="1" pos="7680">
           <p15:clr>
             <a:srgbClr val="F26B43"/>
@@ -9752,7 +9754,7 @@
           </a:ln>
           <a:extLst>
             <a:ext uri="{C572A759-6A51-4108-AA02-DFA0A04FC94B}">
-              <ma14:wrappingTextBoxFlag xmlns="" xmlns:ma14="http://schemas.microsoft.com/office/mac/drawingml/2011/main" val="1"/>
+              <ma14:wrappingTextBoxFlag xmlns:ma14="http://schemas.microsoft.com/office/mac/drawingml/2011/main" xmlns="" val="1"/>
             </a:ext>
           </a:extLst>
         </p:spPr>
@@ -9824,7 +9826,7 @@
             </a:ln>
             <a:extLst>
               <a:ext uri="{C572A759-6A51-4108-AA02-DFA0A04FC94B}">
-                <ma14:wrappingTextBoxFlag xmlns="" xmlns:ma14="http://schemas.microsoft.com/office/mac/drawingml/2011/main" val="1"/>
+                <ma14:wrappingTextBoxFlag xmlns:ma14="http://schemas.microsoft.com/office/mac/drawingml/2011/main" xmlns="" val="1"/>
               </a:ext>
             </a:extLst>
           </p:spPr>
@@ -9896,7 +9898,7 @@
             </a:ln>
             <a:extLst>
               <a:ext uri="{C572A759-6A51-4108-AA02-DFA0A04FC94B}">
-                <ma14:wrappingTextBoxFlag xmlns="" xmlns:ma14="http://schemas.microsoft.com/office/mac/drawingml/2011/main" val="1"/>
+                <ma14:wrappingTextBoxFlag xmlns:ma14="http://schemas.microsoft.com/office/mac/drawingml/2011/main" xmlns="" val="1"/>
               </a:ext>
             </a:extLst>
           </p:spPr>
@@ -9984,7 +9986,7 @@
             </a:ln>
             <a:extLst>
               <a:ext uri="{C572A759-6A51-4108-AA02-DFA0A04FC94B}">
-                <ma14:wrappingTextBoxFlag xmlns="" xmlns:ma14="http://schemas.microsoft.com/office/mac/drawingml/2011/main" val="1"/>
+                <ma14:wrappingTextBoxFlag xmlns:ma14="http://schemas.microsoft.com/office/mac/drawingml/2011/main" xmlns="" val="1"/>
               </a:ext>
             </a:extLst>
           </p:spPr>
@@ -10064,7 +10066,7 @@
             </a:ln>
             <a:extLst>
               <a:ext uri="{C572A759-6A51-4108-AA02-DFA0A04FC94B}">
-                <ma14:wrappingTextBoxFlag xmlns="" xmlns:ma14="http://schemas.microsoft.com/office/mac/drawingml/2011/main" val="1"/>
+                <ma14:wrappingTextBoxFlag xmlns:ma14="http://schemas.microsoft.com/office/mac/drawingml/2011/main" xmlns="" val="1"/>
               </a:ext>
             </a:extLst>
           </p:spPr>
@@ -10123,7 +10125,7 @@
             </a:ln>
             <a:extLst>
               <a:ext uri="{C572A759-6A51-4108-AA02-DFA0A04FC94B}">
-                <ma14:wrappingTextBoxFlag xmlns="" xmlns:ma14="http://schemas.microsoft.com/office/mac/drawingml/2011/main" val="1"/>
+                <ma14:wrappingTextBoxFlag xmlns:ma14="http://schemas.microsoft.com/office/mac/drawingml/2011/main" xmlns="" val="1"/>
               </a:ext>
             </a:extLst>
           </p:spPr>
@@ -10179,7 +10181,7 @@
             </a:ln>
             <a:extLst>
               <a:ext uri="{C572A759-6A51-4108-AA02-DFA0A04FC94B}">
-                <ma14:wrappingTextBoxFlag xmlns="" xmlns:ma14="http://schemas.microsoft.com/office/mac/drawingml/2011/main" val="1"/>
+                <ma14:wrappingTextBoxFlag xmlns:ma14="http://schemas.microsoft.com/office/mac/drawingml/2011/main" xmlns="" val="1"/>
               </a:ext>
             </a:extLst>
           </p:spPr>
@@ -10244,7 +10246,7 @@
             </a:ln>
             <a:extLst>
               <a:ext uri="{C572A759-6A51-4108-AA02-DFA0A04FC94B}">
-                <ma14:wrappingTextBoxFlag xmlns="" xmlns:ma14="http://schemas.microsoft.com/office/mac/drawingml/2011/main" val="1"/>
+                <ma14:wrappingTextBoxFlag xmlns:ma14="http://schemas.microsoft.com/office/mac/drawingml/2011/main" xmlns="" val="1"/>
               </a:ext>
             </a:extLst>
           </p:spPr>
@@ -10338,6 +10340,1174 @@
 </file>
 
 <file path=ppt/slides/slide10.xml><?xml version="1.0" encoding="utf-8"?>
+<p:sld xmlns:a="http://schemas.openxmlformats.org/drawingml/2006/main" xmlns:r="http://schemas.openxmlformats.org/officeDocument/2006/relationships" xmlns:p="http://schemas.openxmlformats.org/presentationml/2006/main">
+  <p:cSld>
+    <p:spTree>
+      <p:nvGrpSpPr>
+        <p:cNvPr id="1" name=""/>
+        <p:cNvGrpSpPr/>
+        <p:nvPr/>
+      </p:nvGrpSpPr>
+      <p:grpSpPr>
+        <a:xfrm>
+          <a:off x="0" y="0"/>
+          <a:ext cx="0" cy="0"/>
+          <a:chOff x="0" y="0"/>
+          <a:chExt cx="0" cy="0"/>
+        </a:xfrm>
+      </p:grpSpPr>
+      <p:sp>
+        <p:nvSpPr>
+          <p:cNvPr id="2" name="Заголовок 1"/>
+          <p:cNvSpPr>
+            <a:spLocks noGrp="1"/>
+          </p:cNvSpPr>
+          <p:nvPr>
+            <p:ph type="title"/>
+          </p:nvPr>
+        </p:nvSpPr>
+        <p:spPr/>
+        <p:txBody>
+          <a:bodyPr/>
+          <a:lstStyle/>
+          <a:p>
+            <a:r>
+              <a:rPr lang="ru-RU" dirty="0" smtClean="0"/>
+              <a:t>Что такое код нашего проекта?</a:t>
+            </a:r>
+            <a:endParaRPr lang="ru-RU" dirty="0"/>
+          </a:p>
+        </p:txBody>
+      </p:sp>
+      <p:sp>
+        <p:nvSpPr>
+          <p:cNvPr id="4" name="Нижний колонтитул 3"/>
+          <p:cNvSpPr>
+            <a:spLocks noGrp="1"/>
+          </p:cNvSpPr>
+          <p:nvPr>
+            <p:ph type="ftr" sz="quarter" idx="11"/>
+          </p:nvPr>
+        </p:nvSpPr>
+        <p:spPr/>
+        <p:txBody>
+          <a:bodyPr/>
+          <a:lstStyle/>
+          <a:p>
+            <a:endParaRPr lang="ru-RU"/>
+          </a:p>
+        </p:txBody>
+      </p:sp>
+      <p:sp>
+        <p:nvSpPr>
+          <p:cNvPr id="5" name="Номер слайда 4"/>
+          <p:cNvSpPr>
+            <a:spLocks noGrp="1"/>
+          </p:cNvSpPr>
+          <p:nvPr>
+            <p:ph type="sldNum" sz="quarter" idx="12"/>
+          </p:nvPr>
+        </p:nvSpPr>
+        <p:spPr/>
+        <p:txBody>
+          <a:bodyPr/>
+          <a:lstStyle/>
+          <a:p>
+            <a:fld id="{741C03D3-FA44-40EC-9A21-1FC4FEA3E22E}" type="slidenum">
+              <a:rPr lang="ru-RU" smtClean="0"/>
+              <a:t>10</a:t>
+            </a:fld>
+            <a:endParaRPr lang="ru-RU"/>
+          </a:p>
+        </p:txBody>
+      </p:sp>
+      <p:sp>
+        <p:nvSpPr>
+          <p:cNvPr id="8" name="Прямоугольник 7"/>
+          <p:cNvSpPr/>
+          <p:nvPr/>
+        </p:nvSpPr>
+        <p:spPr>
+          <a:xfrm>
+            <a:off x="1124806" y="8384400"/>
+            <a:ext cx="6480000" cy="3600000"/>
+          </a:xfrm>
+          <a:prstGeom prst="rect">
+            <a:avLst/>
+          </a:prstGeom>
+          <a:noFill/>
+          <a:ln w="38100">
+            <a:solidFill>
+              <a:schemeClr val="tx1"/>
+            </a:solidFill>
+          </a:ln>
+        </p:spPr>
+        <p:style>
+          <a:lnRef idx="2">
+            <a:schemeClr val="accent1">
+              <a:shade val="50000"/>
+            </a:schemeClr>
+          </a:lnRef>
+          <a:fillRef idx="1">
+            <a:schemeClr val="accent1"/>
+          </a:fillRef>
+          <a:effectRef idx="0">
+            <a:schemeClr val="accent1"/>
+          </a:effectRef>
+          <a:fontRef idx="minor">
+            <a:schemeClr val="lt1"/>
+          </a:fontRef>
+        </p:style>
+        <p:txBody>
+          <a:bodyPr rtlCol="0" anchor="ctr"/>
+          <a:lstStyle/>
+          <a:p>
+            <a:pPr algn="ctr"/>
+            <a:r>
+              <a:rPr lang="ru-RU" sz="4800" dirty="0" smtClean="0">
+                <a:solidFill>
+                  <a:schemeClr val="tx1"/>
+                </a:solidFill>
+              </a:rPr>
+              <a:t>Код тестов</a:t>
+            </a:r>
+          </a:p>
+        </p:txBody>
+      </p:sp>
+      <p:sp>
+        <p:nvSpPr>
+          <p:cNvPr id="9" name="Прямоугольник 8"/>
+          <p:cNvSpPr/>
+          <p:nvPr/>
+        </p:nvSpPr>
+        <p:spPr>
+          <a:xfrm>
+            <a:off x="16777606" y="3042000"/>
+            <a:ext cx="6480000" cy="3600000"/>
+          </a:xfrm>
+          <a:prstGeom prst="rect">
+            <a:avLst/>
+          </a:prstGeom>
+          <a:noFill/>
+          <a:ln w="38100">
+            <a:solidFill>
+              <a:schemeClr val="tx1"/>
+            </a:solidFill>
+          </a:ln>
+        </p:spPr>
+        <p:style>
+          <a:lnRef idx="2">
+            <a:schemeClr val="accent1">
+              <a:shade val="50000"/>
+            </a:schemeClr>
+          </a:lnRef>
+          <a:fillRef idx="1">
+            <a:schemeClr val="accent1"/>
+          </a:fillRef>
+          <a:effectRef idx="0">
+            <a:schemeClr val="accent1"/>
+          </a:effectRef>
+          <a:fontRef idx="minor">
+            <a:schemeClr val="lt1"/>
+          </a:fontRef>
+        </p:style>
+        <p:txBody>
+          <a:bodyPr rtlCol="0" anchor="ctr"/>
+          <a:lstStyle/>
+          <a:p>
+            <a:pPr algn="ctr"/>
+            <a:r>
+              <a:rPr lang="ru-RU" sz="4800" dirty="0" smtClean="0">
+                <a:solidFill>
+                  <a:schemeClr val="tx1"/>
+                </a:solidFill>
+              </a:rPr>
+              <a:t>Код мониторингов</a:t>
+            </a:r>
+          </a:p>
+        </p:txBody>
+      </p:sp>
+      <p:sp>
+        <p:nvSpPr>
+          <p:cNvPr id="10" name="Прямоугольник 9"/>
+          <p:cNvSpPr/>
+          <p:nvPr/>
+        </p:nvSpPr>
+        <p:spPr>
+          <a:xfrm>
+            <a:off x="16777606" y="8384400"/>
+            <a:ext cx="6480000" cy="3600000"/>
+          </a:xfrm>
+          <a:prstGeom prst="rect">
+            <a:avLst/>
+          </a:prstGeom>
+          <a:solidFill>
+            <a:schemeClr val="bg1"/>
+          </a:solidFill>
+          <a:ln w="38100">
+            <a:solidFill>
+              <a:schemeClr val="tx1"/>
+            </a:solidFill>
+          </a:ln>
+        </p:spPr>
+        <p:style>
+          <a:lnRef idx="2">
+            <a:schemeClr val="accent1">
+              <a:shade val="50000"/>
+            </a:schemeClr>
+          </a:lnRef>
+          <a:fillRef idx="1">
+            <a:schemeClr val="accent1"/>
+          </a:fillRef>
+          <a:effectRef idx="0">
+            <a:schemeClr val="accent1"/>
+          </a:effectRef>
+          <a:fontRef idx="minor">
+            <a:schemeClr val="lt1"/>
+          </a:fontRef>
+        </p:style>
+        <p:txBody>
+          <a:bodyPr rtlCol="0" anchor="ctr"/>
+          <a:lstStyle/>
+          <a:p>
+            <a:pPr algn="ctr"/>
+            <a:r>
+              <a:rPr lang="ru-RU" sz="4800" dirty="0" smtClean="0">
+                <a:solidFill>
+                  <a:schemeClr val="tx1"/>
+                </a:solidFill>
+              </a:rPr>
+              <a:t>Код инструментов</a:t>
+            </a:r>
+          </a:p>
+        </p:txBody>
+      </p:sp>
+      <p:sp>
+        <p:nvSpPr>
+          <p:cNvPr id="12" name="Прямоугольник 11"/>
+          <p:cNvSpPr/>
+          <p:nvPr/>
+        </p:nvSpPr>
+        <p:spPr>
+          <a:xfrm>
+            <a:off x="10664806" y="6094800"/>
+            <a:ext cx="2160000" cy="1800000"/>
+          </a:xfrm>
+          <a:prstGeom prst="rect">
+            <a:avLst/>
+          </a:prstGeom>
+          <a:solidFill>
+            <a:schemeClr val="tx2"/>
+          </a:solidFill>
+          <a:ln w="38100">
+            <a:solidFill>
+              <a:schemeClr val="tx1"/>
+            </a:solidFill>
+          </a:ln>
+        </p:spPr>
+        <p:style>
+          <a:lnRef idx="2">
+            <a:schemeClr val="accent1">
+              <a:shade val="50000"/>
+            </a:schemeClr>
+          </a:lnRef>
+          <a:fillRef idx="1">
+            <a:schemeClr val="accent1"/>
+          </a:fillRef>
+          <a:effectRef idx="0">
+            <a:schemeClr val="accent1"/>
+          </a:effectRef>
+          <a:fontRef idx="minor">
+            <a:schemeClr val="lt1"/>
+          </a:fontRef>
+        </p:style>
+        <p:txBody>
+          <a:bodyPr rtlCol="0" anchor="ctr"/>
+          <a:lstStyle/>
+          <a:p>
+            <a:pPr algn="ctr"/>
+            <a:endParaRPr lang="ru-RU" dirty="0" err="1" smtClean="0">
+              <a:solidFill>
+                <a:schemeClr val="tx1"/>
+              </a:solidFill>
+            </a:endParaRPr>
+          </a:p>
+        </p:txBody>
+      </p:sp>
+      <p:sp>
+        <p:nvSpPr>
+          <p:cNvPr id="13" name="Прямоугольник 12"/>
+          <p:cNvSpPr/>
+          <p:nvPr/>
+        </p:nvSpPr>
+        <p:spPr>
+          <a:xfrm>
+            <a:off x="11046406" y="6584400"/>
+            <a:ext cx="4320000" cy="1800000"/>
+          </a:xfrm>
+          <a:prstGeom prst="rect">
+            <a:avLst/>
+          </a:prstGeom>
+          <a:solidFill>
+            <a:schemeClr val="bg2"/>
+          </a:solidFill>
+          <a:ln w="38100">
+            <a:solidFill>
+              <a:schemeClr val="tx1"/>
+            </a:solidFill>
+          </a:ln>
+        </p:spPr>
+        <p:style>
+          <a:lnRef idx="2">
+            <a:schemeClr val="accent1">
+              <a:shade val="50000"/>
+            </a:schemeClr>
+          </a:lnRef>
+          <a:fillRef idx="1">
+            <a:schemeClr val="accent1"/>
+          </a:fillRef>
+          <a:effectRef idx="0">
+            <a:schemeClr val="accent1"/>
+          </a:effectRef>
+          <a:fontRef idx="minor">
+            <a:schemeClr val="lt1"/>
+          </a:fontRef>
+        </p:style>
+        <p:txBody>
+          <a:bodyPr rtlCol="0" anchor="ctr"/>
+          <a:lstStyle/>
+          <a:p>
+            <a:pPr algn="ctr"/>
+            <a:endParaRPr lang="ru-RU" dirty="0" err="1" smtClean="0">
+              <a:solidFill>
+                <a:schemeClr val="tx1"/>
+              </a:solidFill>
+            </a:endParaRPr>
+          </a:p>
+        </p:txBody>
+      </p:sp>
+      <p:sp>
+        <p:nvSpPr>
+          <p:cNvPr id="14" name="Прямоугольник 13"/>
+          <p:cNvSpPr/>
+          <p:nvPr/>
+        </p:nvSpPr>
+        <p:spPr>
+          <a:xfrm>
+            <a:off x="9901606" y="7484400"/>
+            <a:ext cx="4320000" cy="1800000"/>
+          </a:xfrm>
+          <a:prstGeom prst="rect">
+            <a:avLst/>
+          </a:prstGeom>
+          <a:solidFill>
+            <a:schemeClr val="accent1"/>
+          </a:solidFill>
+          <a:ln w="38100">
+            <a:solidFill>
+              <a:schemeClr val="tx1"/>
+            </a:solidFill>
+          </a:ln>
+        </p:spPr>
+        <p:style>
+          <a:lnRef idx="2">
+            <a:schemeClr val="accent1">
+              <a:shade val="50000"/>
+            </a:schemeClr>
+          </a:lnRef>
+          <a:fillRef idx="1">
+            <a:schemeClr val="accent1"/>
+          </a:fillRef>
+          <a:effectRef idx="0">
+            <a:schemeClr val="accent1"/>
+          </a:effectRef>
+          <a:fontRef idx="minor">
+            <a:schemeClr val="lt1"/>
+          </a:fontRef>
+        </p:style>
+        <p:txBody>
+          <a:bodyPr rtlCol="0" anchor="ctr"/>
+          <a:lstStyle/>
+          <a:p>
+            <a:pPr algn="ctr"/>
+            <a:endParaRPr lang="ru-RU" dirty="0" err="1" smtClean="0">
+              <a:solidFill>
+                <a:schemeClr val="tx1"/>
+              </a:solidFill>
+            </a:endParaRPr>
+          </a:p>
+        </p:txBody>
+      </p:sp>
+      <p:sp>
+        <p:nvSpPr>
+          <p:cNvPr id="15" name="Прямоугольник 14"/>
+          <p:cNvSpPr/>
+          <p:nvPr/>
+        </p:nvSpPr>
+        <p:spPr>
+          <a:xfrm>
+            <a:off x="11176006" y="5439600"/>
+            <a:ext cx="2160000" cy="1800000"/>
+          </a:xfrm>
+          <a:prstGeom prst="rect">
+            <a:avLst/>
+          </a:prstGeom>
+          <a:solidFill>
+            <a:schemeClr val="accent2"/>
+          </a:solidFill>
+          <a:ln w="38100">
+            <a:solidFill>
+              <a:schemeClr val="tx1"/>
+            </a:solidFill>
+          </a:ln>
+        </p:spPr>
+        <p:style>
+          <a:lnRef idx="2">
+            <a:schemeClr val="accent1">
+              <a:shade val="50000"/>
+            </a:schemeClr>
+          </a:lnRef>
+          <a:fillRef idx="1">
+            <a:schemeClr val="accent1"/>
+          </a:fillRef>
+          <a:effectRef idx="0">
+            <a:schemeClr val="accent1"/>
+          </a:effectRef>
+          <a:fontRef idx="minor">
+            <a:schemeClr val="lt1"/>
+          </a:fontRef>
+        </p:style>
+        <p:txBody>
+          <a:bodyPr rtlCol="0" anchor="ctr"/>
+          <a:lstStyle/>
+          <a:p>
+            <a:pPr algn="ctr"/>
+            <a:endParaRPr lang="ru-RU" dirty="0" err="1" smtClean="0">
+              <a:solidFill>
+                <a:schemeClr val="tx1"/>
+              </a:solidFill>
+            </a:endParaRPr>
+          </a:p>
+        </p:txBody>
+      </p:sp>
+      <p:sp>
+        <p:nvSpPr>
+          <p:cNvPr id="17" name="Прямоугольник 16"/>
+          <p:cNvSpPr/>
+          <p:nvPr/>
+        </p:nvSpPr>
+        <p:spPr>
+          <a:xfrm>
+            <a:off x="12191206" y="2768400"/>
+            <a:ext cx="2160000" cy="1800000"/>
+          </a:xfrm>
+          <a:prstGeom prst="rect">
+            <a:avLst/>
+          </a:prstGeom>
+          <a:solidFill>
+            <a:schemeClr val="accent2"/>
+          </a:solidFill>
+          <a:ln w="38100">
+            <a:solidFill>
+              <a:schemeClr val="tx1"/>
+            </a:solidFill>
+          </a:ln>
+        </p:spPr>
+        <p:style>
+          <a:lnRef idx="2">
+            <a:schemeClr val="accent1">
+              <a:shade val="50000"/>
+            </a:schemeClr>
+          </a:lnRef>
+          <a:fillRef idx="1">
+            <a:schemeClr val="accent1"/>
+          </a:fillRef>
+          <a:effectRef idx="0">
+            <a:schemeClr val="accent1"/>
+          </a:effectRef>
+          <a:fontRef idx="minor">
+            <a:schemeClr val="lt1"/>
+          </a:fontRef>
+        </p:style>
+        <p:txBody>
+          <a:bodyPr rtlCol="0" anchor="ctr"/>
+          <a:lstStyle/>
+          <a:p>
+            <a:pPr algn="ctr"/>
+            <a:endParaRPr lang="ru-RU" dirty="0" err="1" smtClean="0">
+              <a:solidFill>
+                <a:schemeClr val="tx1"/>
+              </a:solidFill>
+            </a:endParaRPr>
+          </a:p>
+        </p:txBody>
+      </p:sp>
+      <p:sp>
+        <p:nvSpPr>
+          <p:cNvPr id="18" name="Прямоугольник 17"/>
+          <p:cNvSpPr/>
+          <p:nvPr/>
+        </p:nvSpPr>
+        <p:spPr>
+          <a:xfrm>
+            <a:off x="12647987" y="9910800"/>
+            <a:ext cx="2160000" cy="1800000"/>
+          </a:xfrm>
+          <a:prstGeom prst="rect">
+            <a:avLst/>
+          </a:prstGeom>
+          <a:solidFill>
+            <a:schemeClr val="accent3"/>
+          </a:solidFill>
+          <a:ln w="38100">
+            <a:solidFill>
+              <a:schemeClr val="tx1"/>
+            </a:solidFill>
+          </a:ln>
+        </p:spPr>
+        <p:style>
+          <a:lnRef idx="2">
+            <a:schemeClr val="accent1">
+              <a:shade val="50000"/>
+            </a:schemeClr>
+          </a:lnRef>
+          <a:fillRef idx="1">
+            <a:schemeClr val="accent1"/>
+          </a:fillRef>
+          <a:effectRef idx="0">
+            <a:schemeClr val="accent1"/>
+          </a:effectRef>
+          <a:fontRef idx="minor">
+            <a:schemeClr val="lt1"/>
+          </a:fontRef>
+        </p:style>
+        <p:txBody>
+          <a:bodyPr rtlCol="0" anchor="ctr"/>
+          <a:lstStyle/>
+          <a:p>
+            <a:pPr algn="ctr"/>
+            <a:endParaRPr lang="ru-RU" dirty="0" err="1" smtClean="0">
+              <a:solidFill>
+                <a:schemeClr val="tx1"/>
+              </a:solidFill>
+            </a:endParaRPr>
+          </a:p>
+        </p:txBody>
+      </p:sp>
+      <p:sp>
+        <p:nvSpPr>
+          <p:cNvPr id="19" name="Прямоугольник 18"/>
+          <p:cNvSpPr/>
+          <p:nvPr/>
+        </p:nvSpPr>
+        <p:spPr>
+          <a:xfrm>
+            <a:off x="11237912" y="10251000"/>
+            <a:ext cx="2160000" cy="1800000"/>
+          </a:xfrm>
+          <a:prstGeom prst="rect">
+            <a:avLst/>
+          </a:prstGeom>
+          <a:solidFill>
+            <a:schemeClr val="accent4"/>
+          </a:solidFill>
+          <a:ln w="38100">
+            <a:solidFill>
+              <a:schemeClr val="tx1"/>
+            </a:solidFill>
+          </a:ln>
+        </p:spPr>
+        <p:style>
+          <a:lnRef idx="2">
+            <a:schemeClr val="accent1">
+              <a:shade val="50000"/>
+            </a:schemeClr>
+          </a:lnRef>
+          <a:fillRef idx="1">
+            <a:schemeClr val="accent1"/>
+          </a:fillRef>
+          <a:effectRef idx="0">
+            <a:schemeClr val="accent1"/>
+          </a:effectRef>
+          <a:fontRef idx="minor">
+            <a:schemeClr val="lt1"/>
+          </a:fontRef>
+        </p:style>
+        <p:txBody>
+          <a:bodyPr rtlCol="0" anchor="ctr"/>
+          <a:lstStyle/>
+          <a:p>
+            <a:pPr algn="ctr"/>
+            <a:endParaRPr lang="ru-RU" dirty="0" err="1" smtClean="0">
+              <a:solidFill>
+                <a:schemeClr val="tx1"/>
+              </a:solidFill>
+            </a:endParaRPr>
+          </a:p>
+        </p:txBody>
+      </p:sp>
+      <p:sp>
+        <p:nvSpPr>
+          <p:cNvPr id="20" name="Прямоугольник 19"/>
+          <p:cNvSpPr/>
+          <p:nvPr/>
+        </p:nvSpPr>
+        <p:spPr>
+          <a:xfrm>
+            <a:off x="9520006" y="9910800"/>
+            <a:ext cx="4320000" cy="1800000"/>
+          </a:xfrm>
+          <a:prstGeom prst="rect">
+            <a:avLst/>
+          </a:prstGeom>
+          <a:solidFill>
+            <a:schemeClr val="bg2"/>
+          </a:solidFill>
+          <a:ln w="38100">
+            <a:solidFill>
+              <a:schemeClr val="tx1"/>
+            </a:solidFill>
+          </a:ln>
+        </p:spPr>
+        <p:style>
+          <a:lnRef idx="2">
+            <a:schemeClr val="accent1">
+              <a:shade val="50000"/>
+            </a:schemeClr>
+          </a:lnRef>
+          <a:fillRef idx="1">
+            <a:schemeClr val="accent1"/>
+          </a:fillRef>
+          <a:effectRef idx="0">
+            <a:schemeClr val="accent1"/>
+          </a:effectRef>
+          <a:fontRef idx="minor">
+            <a:schemeClr val="lt1"/>
+          </a:fontRef>
+        </p:style>
+        <p:txBody>
+          <a:bodyPr rtlCol="0" anchor="ctr"/>
+          <a:lstStyle/>
+          <a:p>
+            <a:pPr algn="ctr"/>
+            <a:endParaRPr lang="ru-RU" dirty="0" err="1" smtClean="0">
+              <a:solidFill>
+                <a:schemeClr val="tx1"/>
+              </a:solidFill>
+            </a:endParaRPr>
+          </a:p>
+        </p:txBody>
+      </p:sp>
+      <p:sp>
+        <p:nvSpPr>
+          <p:cNvPr id="23" name="Прямоугольник 22"/>
+          <p:cNvSpPr/>
+          <p:nvPr/>
+        </p:nvSpPr>
+        <p:spPr>
+          <a:xfrm>
+            <a:off x="10664806" y="3150000"/>
+            <a:ext cx="2160000" cy="1800000"/>
+          </a:xfrm>
+          <a:prstGeom prst="rect">
+            <a:avLst/>
+          </a:prstGeom>
+          <a:solidFill>
+            <a:schemeClr val="tx2"/>
+          </a:solidFill>
+          <a:ln w="38100">
+            <a:solidFill>
+              <a:schemeClr val="tx1"/>
+            </a:solidFill>
+          </a:ln>
+        </p:spPr>
+        <p:style>
+          <a:lnRef idx="2">
+            <a:schemeClr val="accent1">
+              <a:shade val="50000"/>
+            </a:schemeClr>
+          </a:lnRef>
+          <a:fillRef idx="1">
+            <a:schemeClr val="accent1"/>
+          </a:fillRef>
+          <a:effectRef idx="0">
+            <a:schemeClr val="accent1"/>
+          </a:effectRef>
+          <a:fontRef idx="minor">
+            <a:schemeClr val="lt1"/>
+          </a:fontRef>
+        </p:style>
+        <p:txBody>
+          <a:bodyPr rtlCol="0" anchor="ctr"/>
+          <a:lstStyle/>
+          <a:p>
+            <a:pPr algn="ctr"/>
+            <a:endParaRPr lang="ru-RU" dirty="0" err="1" smtClean="0">
+              <a:solidFill>
+                <a:schemeClr val="tx1"/>
+              </a:solidFill>
+            </a:endParaRPr>
+          </a:p>
+        </p:txBody>
+      </p:sp>
+      <p:sp>
+        <p:nvSpPr>
+          <p:cNvPr id="6" name="Прямоугольник 5"/>
+          <p:cNvSpPr/>
+          <p:nvPr/>
+        </p:nvSpPr>
+        <p:spPr>
+          <a:xfrm>
+            <a:off x="1124806" y="3042000"/>
+            <a:ext cx="6480000" cy="3600000"/>
+          </a:xfrm>
+          <a:prstGeom prst="rect">
+            <a:avLst/>
+          </a:prstGeom>
+          <a:noFill/>
+          <a:ln w="38100">
+            <a:solidFill>
+              <a:schemeClr val="tx1"/>
+            </a:solidFill>
+          </a:ln>
+        </p:spPr>
+        <p:style>
+          <a:lnRef idx="2">
+            <a:schemeClr val="accent1">
+              <a:shade val="50000"/>
+            </a:schemeClr>
+          </a:lnRef>
+          <a:fillRef idx="1">
+            <a:schemeClr val="accent1"/>
+          </a:fillRef>
+          <a:effectRef idx="0">
+            <a:schemeClr val="accent1"/>
+          </a:effectRef>
+          <a:fontRef idx="minor">
+            <a:schemeClr val="lt1"/>
+          </a:fontRef>
+        </p:style>
+        <p:txBody>
+          <a:bodyPr rtlCol="0" anchor="ctr"/>
+          <a:lstStyle/>
+          <a:p>
+            <a:pPr algn="ctr"/>
+            <a:r>
+              <a:rPr lang="ru-RU" sz="4800" dirty="0" smtClean="0">
+                <a:solidFill>
+                  <a:schemeClr val="tx1"/>
+                </a:solidFill>
+              </a:rPr>
+              <a:t>Код, который работает в </a:t>
+            </a:r>
+            <a:r>
+              <a:rPr lang="en-US" sz="4800" dirty="0" smtClean="0">
+                <a:solidFill>
+                  <a:schemeClr val="tx1"/>
+                </a:solidFill>
+              </a:rPr>
+              <a:t>production</a:t>
+            </a:r>
+            <a:endParaRPr lang="ru-RU" sz="4800" dirty="0" err="1" smtClean="0">
+              <a:solidFill>
+                <a:schemeClr val="tx1"/>
+              </a:solidFill>
+            </a:endParaRPr>
+          </a:p>
+        </p:txBody>
+      </p:sp>
+    </p:spTree>
+    <p:extLst>
+      <p:ext uri="{BB962C8B-B14F-4D97-AF65-F5344CB8AC3E}">
+        <p14:creationId xmlns:p14="http://schemas.microsoft.com/office/powerpoint/2010/main" val="2039502531"/>
+      </p:ext>
+    </p:extLst>
+  </p:cSld>
+  <p:clrMapOvr>
+    <a:masterClrMapping/>
+  </p:clrMapOvr>
+  <p:timing>
+    <p:tnLst>
+      <p:par>
+        <p:cTn id="1" dur="indefinite" restart="never" nodeType="tmRoot">
+          <p:childTnLst>
+            <p:seq concurrent="1" nextAc="seek">
+              <p:cTn id="2" dur="indefinite" nodeType="mainSeq">
+                <p:childTnLst>
+                  <p:par>
+                    <p:cTn id="3" fill="hold">
+                      <p:stCondLst>
+                        <p:cond delay="indefinite"/>
+                      </p:stCondLst>
+                      <p:childTnLst>
+                        <p:par>
+                          <p:cTn id="4" fill="hold">
+                            <p:stCondLst>
+                              <p:cond delay="0"/>
+                            </p:stCondLst>
+                            <p:childTnLst>
+                              <p:par>
+                                <p:cTn id="5" presetID="2" presetClass="entr" presetSubtype="2" fill="hold" grpId="0" nodeType="clickEffect">
+                                  <p:stCondLst>
+                                    <p:cond delay="0"/>
+                                  </p:stCondLst>
+                                  <p:childTnLst>
+                                    <p:set>
+                                      <p:cBhvr>
+                                        <p:cTn id="6" dur="1" fill="hold">
+                                          <p:stCondLst>
+                                            <p:cond delay="0"/>
+                                          </p:stCondLst>
+                                        </p:cTn>
+                                        <p:tgtEl>
+                                          <p:spTgt spid="10"/>
+                                        </p:tgtEl>
+                                        <p:attrNameLst>
+                                          <p:attrName>style.visibility</p:attrName>
+                                        </p:attrNameLst>
+                                      </p:cBhvr>
+                                      <p:to>
+                                        <p:strVal val="visible"/>
+                                      </p:to>
+                                    </p:set>
+                                    <p:anim calcmode="lin" valueType="num">
+                                      <p:cBhvr additive="base">
+                                        <p:cTn id="7" dur="500" fill="hold"/>
+                                        <p:tgtEl>
+                                          <p:spTgt spid="10"/>
+                                        </p:tgtEl>
+                                        <p:attrNameLst>
+                                          <p:attrName>ppt_x</p:attrName>
+                                        </p:attrNameLst>
+                                      </p:cBhvr>
+                                      <p:tavLst>
+                                        <p:tav tm="0">
+                                          <p:val>
+                                            <p:strVal val="1+#ppt_w/2"/>
+                                          </p:val>
+                                        </p:tav>
+                                        <p:tav tm="100000">
+                                          <p:val>
+                                            <p:strVal val="#ppt_x"/>
+                                          </p:val>
+                                        </p:tav>
+                                      </p:tavLst>
+                                    </p:anim>
+                                    <p:anim calcmode="lin" valueType="num">
+                                      <p:cBhvr additive="base">
+                                        <p:cTn id="8" dur="500" fill="hold"/>
+                                        <p:tgtEl>
+                                          <p:spTgt spid="10"/>
+                                        </p:tgtEl>
+                                        <p:attrNameLst>
+                                          <p:attrName>ppt_y</p:attrName>
+                                        </p:attrNameLst>
+                                      </p:cBhvr>
+                                      <p:tavLst>
+                                        <p:tav tm="0">
+                                          <p:val>
+                                            <p:strVal val="#ppt_y"/>
+                                          </p:val>
+                                        </p:tav>
+                                        <p:tav tm="100000">
+                                          <p:val>
+                                            <p:strVal val="#ppt_y"/>
+                                          </p:val>
+                                        </p:tav>
+                                      </p:tavLst>
+                                    </p:anim>
+                                  </p:childTnLst>
+                                </p:cTn>
+                              </p:par>
+                              <p:par>
+                                <p:cTn id="9" presetID="2" presetClass="entr" presetSubtype="2" fill="hold" grpId="0" nodeType="withEffect">
+                                  <p:stCondLst>
+                                    <p:cond delay="0"/>
+                                  </p:stCondLst>
+                                  <p:childTnLst>
+                                    <p:set>
+                                      <p:cBhvr>
+                                        <p:cTn id="10" dur="1" fill="hold">
+                                          <p:stCondLst>
+                                            <p:cond delay="0"/>
+                                          </p:stCondLst>
+                                        </p:cTn>
+                                        <p:tgtEl>
+                                          <p:spTgt spid="9"/>
+                                        </p:tgtEl>
+                                        <p:attrNameLst>
+                                          <p:attrName>style.visibility</p:attrName>
+                                        </p:attrNameLst>
+                                      </p:cBhvr>
+                                      <p:to>
+                                        <p:strVal val="visible"/>
+                                      </p:to>
+                                    </p:set>
+                                    <p:anim calcmode="lin" valueType="num">
+                                      <p:cBhvr additive="base">
+                                        <p:cTn id="11" dur="500" fill="hold"/>
+                                        <p:tgtEl>
+                                          <p:spTgt spid="9"/>
+                                        </p:tgtEl>
+                                        <p:attrNameLst>
+                                          <p:attrName>ppt_x</p:attrName>
+                                        </p:attrNameLst>
+                                      </p:cBhvr>
+                                      <p:tavLst>
+                                        <p:tav tm="0">
+                                          <p:val>
+                                            <p:strVal val="1+#ppt_w/2"/>
+                                          </p:val>
+                                        </p:tav>
+                                        <p:tav tm="100000">
+                                          <p:val>
+                                            <p:strVal val="#ppt_x"/>
+                                          </p:val>
+                                        </p:tav>
+                                      </p:tavLst>
+                                    </p:anim>
+                                    <p:anim calcmode="lin" valueType="num">
+                                      <p:cBhvr additive="base">
+                                        <p:cTn id="12" dur="500" fill="hold"/>
+                                        <p:tgtEl>
+                                          <p:spTgt spid="9"/>
+                                        </p:tgtEl>
+                                        <p:attrNameLst>
+                                          <p:attrName>ppt_y</p:attrName>
+                                        </p:attrNameLst>
+                                      </p:cBhvr>
+                                      <p:tavLst>
+                                        <p:tav tm="0">
+                                          <p:val>
+                                            <p:strVal val="#ppt_y"/>
+                                          </p:val>
+                                        </p:tav>
+                                        <p:tav tm="100000">
+                                          <p:val>
+                                            <p:strVal val="#ppt_y"/>
+                                          </p:val>
+                                        </p:tav>
+                                      </p:tavLst>
+                                    </p:anim>
+                                  </p:childTnLst>
+                                </p:cTn>
+                              </p:par>
+                              <p:par>
+                                <p:cTn id="13" presetID="2" presetClass="entr" presetSubtype="8" fill="hold" grpId="0" nodeType="withEffect">
+                                  <p:stCondLst>
+                                    <p:cond delay="0"/>
+                                  </p:stCondLst>
+                                  <p:childTnLst>
+                                    <p:set>
+                                      <p:cBhvr>
+                                        <p:cTn id="14" dur="1" fill="hold">
+                                          <p:stCondLst>
+                                            <p:cond delay="0"/>
+                                          </p:stCondLst>
+                                        </p:cTn>
+                                        <p:tgtEl>
+                                          <p:spTgt spid="8"/>
+                                        </p:tgtEl>
+                                        <p:attrNameLst>
+                                          <p:attrName>style.visibility</p:attrName>
+                                        </p:attrNameLst>
+                                      </p:cBhvr>
+                                      <p:to>
+                                        <p:strVal val="visible"/>
+                                      </p:to>
+                                    </p:set>
+                                    <p:anim calcmode="lin" valueType="num">
+                                      <p:cBhvr additive="base">
+                                        <p:cTn id="15" dur="500" fill="hold"/>
+                                        <p:tgtEl>
+                                          <p:spTgt spid="8"/>
+                                        </p:tgtEl>
+                                        <p:attrNameLst>
+                                          <p:attrName>ppt_x</p:attrName>
+                                        </p:attrNameLst>
+                                      </p:cBhvr>
+                                      <p:tavLst>
+                                        <p:tav tm="0">
+                                          <p:val>
+                                            <p:strVal val="0-#ppt_w/2"/>
+                                          </p:val>
+                                        </p:tav>
+                                        <p:tav tm="100000">
+                                          <p:val>
+                                            <p:strVal val="#ppt_x"/>
+                                          </p:val>
+                                        </p:tav>
+                                      </p:tavLst>
+                                    </p:anim>
+                                    <p:anim calcmode="lin" valueType="num">
+                                      <p:cBhvr additive="base">
+                                        <p:cTn id="16" dur="500" fill="hold"/>
+                                        <p:tgtEl>
+                                          <p:spTgt spid="8"/>
+                                        </p:tgtEl>
+                                        <p:attrNameLst>
+                                          <p:attrName>ppt_y</p:attrName>
+                                        </p:attrNameLst>
+                                      </p:cBhvr>
+                                      <p:tavLst>
+                                        <p:tav tm="0">
+                                          <p:val>
+                                            <p:strVal val="#ppt_y"/>
+                                          </p:val>
+                                        </p:tav>
+                                        <p:tav tm="100000">
+                                          <p:val>
+                                            <p:strVal val="#ppt_y"/>
+                                          </p:val>
+                                        </p:tav>
+                                      </p:tavLst>
+                                    </p:anim>
+                                  </p:childTnLst>
+                                </p:cTn>
+                              </p:par>
+                            </p:childTnLst>
+                          </p:cTn>
+                        </p:par>
+                      </p:childTnLst>
+                    </p:cTn>
+                  </p:par>
+                  <p:par>
+                    <p:cTn id="17" fill="hold">
+                      <p:stCondLst>
+                        <p:cond delay="indefinite"/>
+                      </p:stCondLst>
+                      <p:childTnLst>
+                        <p:par>
+                          <p:cTn id="18" fill="hold">
+                            <p:stCondLst>
+                              <p:cond delay="0"/>
+                            </p:stCondLst>
+                            <p:childTnLst>
+                              <p:par>
+                                <p:cTn id="19" presetID="0" presetClass="path" presetSubtype="0" accel="50000" decel="50000" fill="hold" grpId="0" nodeType="clickEffect">
+                                  <p:stCondLst>
+                                    <p:cond delay="0"/>
+                                  </p:stCondLst>
+                                  <p:childTnLst>
+                                    <p:animMotion origin="layout" path="M -3.94034E-6 6.11111E-6 L -0.41383 -0.17708 " pathEditMode="relative" ptsTypes="AA">
+                                      <p:cBhvr>
+                                        <p:cTn id="20" dur="1250" fill="hold"/>
+                                        <p:tgtEl>
+                                          <p:spTgt spid="15"/>
+                                        </p:tgtEl>
+                                        <p:attrNameLst>
+                                          <p:attrName>ppt_x</p:attrName>
+                                          <p:attrName>ppt_y</p:attrName>
+                                        </p:attrNameLst>
+                                      </p:cBhvr>
+                                    </p:animMotion>
+                                  </p:childTnLst>
+                                </p:cTn>
+                              </p:par>
+                              <p:par>
+                                <p:cTn id="21" presetID="0" presetClass="path" presetSubtype="0" accel="50000" decel="50000" fill="hold" grpId="0" nodeType="withEffect">
+                                  <p:stCondLst>
+                                    <p:cond delay="0"/>
+                                  </p:stCondLst>
+                                  <p:childTnLst>
+                                    <p:animMotion origin="layout" path="M 2.75107E-6 -2.40741E-6 L -0.31887 -0.25625 " pathEditMode="relative" ptsTypes="AA">
+                                      <p:cBhvr>
+                                        <p:cTn id="22" dur="1250" fill="hold"/>
+                                        <p:tgtEl>
+                                          <p:spTgt spid="13"/>
+                                        </p:tgtEl>
+                                        <p:attrNameLst>
+                                          <p:attrName>ppt_x</p:attrName>
+                                          <p:attrName>ppt_y</p:attrName>
+                                        </p:attrNameLst>
+                                      </p:cBhvr>
+                                    </p:animMotion>
+                                  </p:childTnLst>
+                                </p:cTn>
+                              </p:par>
+                              <p:par>
+                                <p:cTn id="23" presetID="0" presetClass="path" presetSubtype="0" accel="50000" decel="50000" fill="hold" grpId="0" nodeType="withEffect">
+                                  <p:stCondLst>
+                                    <p:cond delay="0"/>
+                                  </p:stCondLst>
+                                  <p:childTnLst>
+                                    <p:animMotion origin="layout" path="M -4.56559E-6 -6.48148E-6 L -0.3599 -0.19167 " pathEditMode="relative" ptsTypes="AA">
+                                      <p:cBhvr>
+                                        <p:cTn id="24" dur="1250" fill="hold"/>
+                                        <p:tgtEl>
+                                          <p:spTgt spid="14"/>
+                                        </p:tgtEl>
+                                        <p:attrNameLst>
+                                          <p:attrName>ppt_x</p:attrName>
+                                          <p:attrName>ppt_y</p:attrName>
+                                        </p:attrNameLst>
+                                      </p:cBhvr>
+                                    </p:animMotion>
+                                  </p:childTnLst>
+                                </p:cTn>
+                              </p:par>
+                              <p:par>
+                                <p:cTn id="25" presetID="0" presetClass="path" presetSubtype="0" accel="50000" decel="50000" fill="hold" grpId="0" nodeType="withEffect">
+                                  <p:stCondLst>
+                                    <p:cond delay="0"/>
+                                  </p:stCondLst>
+                                  <p:childTnLst>
+                                    <p:animMotion origin="layout" path="M -3.98593E-6 3.7037E-7 L -0.21453 -0.09375 " pathEditMode="relative" ptsTypes="AA">
+                                      <p:cBhvr>
+                                        <p:cTn id="26" dur="1250" fill="hold"/>
+                                        <p:tgtEl>
+                                          <p:spTgt spid="12"/>
+                                        </p:tgtEl>
+                                        <p:attrNameLst>
+                                          <p:attrName>ppt_x</p:attrName>
+                                          <p:attrName>ppt_y</p:attrName>
+                                        </p:attrNameLst>
+                                      </p:cBhvr>
+                                    </p:animMotion>
+                                  </p:childTnLst>
+                                </p:cTn>
+                              </p:par>
+                            </p:childTnLst>
+                          </p:cTn>
+                        </p:par>
+                      </p:childTnLst>
+                    </p:cTn>
+                  </p:par>
+                </p:childTnLst>
+              </p:cTn>
+              <p:prevCondLst>
+                <p:cond evt="onPrev" delay="0">
+                  <p:tgtEl>
+                    <p:sldTgt/>
+                  </p:tgtEl>
+                </p:cond>
+              </p:prevCondLst>
+              <p:nextCondLst>
+                <p:cond evt="onNext" delay="0">
+                  <p:tgtEl>
+                    <p:sldTgt/>
+                  </p:tgtEl>
+                </p:cond>
+              </p:nextCondLst>
+            </p:seq>
+          </p:childTnLst>
+        </p:cTn>
+      </p:par>
+    </p:tnLst>
+    <p:bldLst>
+      <p:bldP spid="8" grpId="0" animBg="1"/>
+      <p:bldP spid="9" grpId="0" animBg="1"/>
+      <p:bldP spid="10" grpId="0" animBg="1"/>
+      <p:bldP spid="12" grpId="0" animBg="1"/>
+      <p:bldP spid="13" grpId="0" animBg="1"/>
+      <p:bldP spid="14" grpId="0" animBg="1"/>
+      <p:bldP spid="15" grpId="0" animBg="1"/>
+    </p:bldLst>
+  </p:timing>
+</p:sld>
+</file>
+
+<file path=ppt/slides/slide11.xml><?xml version="1.0" encoding="utf-8"?>
 <p:sld xmlns:a="http://schemas.openxmlformats.org/drawingml/2006/main" xmlns:r="http://schemas.openxmlformats.org/officeDocument/2006/relationships" xmlns:p="http://schemas.openxmlformats.org/presentationml/2006/main">
   <p:cSld>
     <p:spTree>
@@ -14396,11 +15566,6 @@
               </a:rPr>
               <a:t>Время</a:t>
             </a:r>
-            <a:endParaRPr lang="ru-RU" sz="4800" dirty="0" smtClean="0">
-              <a:solidFill>
-                <a:sysClr val="windowText" lastClr="000000"/>
-              </a:solidFill>
-            </a:endParaRPr>
           </a:p>
         </p:txBody>
       </p:sp>
@@ -15195,7 +16360,7 @@
   <a:extraClrSchemeLst/>
   <a:extLst>
     <a:ext uri="{05A4C25C-085E-4340-85A3-A5531E510DB2}">
-      <thm15:themeFamily xmlns="" xmlns:thm15="http://schemas.microsoft.com/office/thememl/2012/main" name="Office Theme" id="{62F939B6-93AF-4DB8-9C6B-D6C7DFDC589F}" vid="{4A3C46E8-61CC-4603-A589-7422A47A8E4A}"/>
+      <thm15:themeFamily xmlns:thm15="http://schemas.microsoft.com/office/thememl/2012/main" xmlns="" name="Office Theme" id="{62F939B6-93AF-4DB8-9C6B-D6C7DFDC589F}" vid="{4A3C46E8-61CC-4603-A589-7422A47A8E4A}"/>
     </a:ext>
   </a:extLst>
 </a:theme>
@@ -15456,7 +16621,7 @@
   <a:extraClrSchemeLst/>
   <a:extLst>
     <a:ext uri="{05A4C25C-085E-4340-85A3-A5531E510DB2}">
-      <thm15:themeFamily xmlns="" xmlns:thm15="http://schemas.microsoft.com/office/thememl/2012/main" name="Office Theme" id="{62F939B6-93AF-4DB8-9C6B-D6C7DFDC589F}" vid="{4A3C46E8-61CC-4603-A589-7422A47A8E4A}"/>
+      <thm15:themeFamily xmlns:thm15="http://schemas.microsoft.com/office/thememl/2012/main" xmlns="" name="Office Theme" id="{62F939B6-93AF-4DB8-9C6B-D6C7DFDC589F}" vid="{4A3C46E8-61CC-4603-A589-7422A47A8E4A}"/>
     </a:ext>
   </a:extLst>
 </a:theme>

--- a/slides.pptx
+++ b/slides.pptx
@@ -157,7 +157,7 @@
       </p14:sectionLst>
     </p:ext>
     <p:ext uri="{EFAFB233-063F-42B5-8137-9DF3F51BA10A}">
-      <p15:sldGuideLst xmlns="" xmlns:p15="http://schemas.microsoft.com/office/powerpoint/2012/main">
+      <p15:sldGuideLst xmlns:p15="http://schemas.microsoft.com/office/powerpoint/2012/main">
         <p15:guide id="1" orient="horz" pos="5900" userDrawn="1">
           <p15:clr>
             <a:srgbClr val="A4A3A4"/>
@@ -263,7 +263,7 @@
           <a:p>
             <a:fld id="{A48BA324-014D-41B7-8E83-ECE8F197A959}" type="datetimeFigureOut">
               <a:rPr lang="ru-RU" smtClean="0"/>
-              <a:t>05.02.2017</a:t>
+              <a:t>07.02.2017</a:t>
             </a:fld>
             <a:endParaRPr lang="ru-RU"/>
           </a:p>
@@ -3771,7 +3771,7 @@
   </p:timing>
   <p:extLst mod="1">
     <p:ext uri="{DCECCB84-F9BA-43D5-87BE-67443E8EF086}">
-      <p15:sldGuideLst xmlns="" xmlns:p15="http://schemas.microsoft.com/office/powerpoint/2012/main">
+      <p15:sldGuideLst xmlns:p15="http://schemas.microsoft.com/office/powerpoint/2012/main">
         <p15:guide id="1" orient="horz" pos="1436">
           <p15:clr>
             <a:srgbClr val="FBAE40"/>
@@ -4803,7 +4803,7 @@
           </a:ln>
           <a:extLst>
             <a:ext uri="{C572A759-6A51-4108-AA02-DFA0A04FC94B}">
-              <ma14:wrappingTextBoxFlag xmlns="" xmlns:ma14="http://schemas.microsoft.com/office/mac/drawingml/2011/main" val="1"/>
+              <ma14:wrappingTextBoxFlag xmlns:ma14="http://schemas.microsoft.com/office/mac/drawingml/2011/main" xmlns="" val="1"/>
             </a:ext>
           </a:extLst>
         </p:spPr>
@@ -5274,7 +5274,7 @@
           </a:ln>
           <a:extLst>
             <a:ext uri="{C572A759-6A51-4108-AA02-DFA0A04FC94B}">
-              <ma14:wrappingTextBoxFlag xmlns="" xmlns:ma14="http://schemas.microsoft.com/office/mac/drawingml/2011/main" val="1"/>
+              <ma14:wrappingTextBoxFlag xmlns:ma14="http://schemas.microsoft.com/office/mac/drawingml/2011/main" xmlns="" val="1"/>
             </a:ext>
           </a:extLst>
         </p:spPr>
@@ -5420,7 +5420,7 @@
           </a:ln>
           <a:extLst>
             <a:ext uri="{C572A759-6A51-4108-AA02-DFA0A04FC94B}">
-              <ma14:wrappingTextBoxFlag xmlns="" xmlns:ma14="http://schemas.microsoft.com/office/mac/drawingml/2011/main" val="1"/>
+              <ma14:wrappingTextBoxFlag xmlns:ma14="http://schemas.microsoft.com/office/mac/drawingml/2011/main" xmlns="" val="1"/>
             </a:ext>
           </a:extLst>
         </p:spPr>
@@ -5462,7 +5462,7 @@
           </a:ln>
           <a:extLst>
             <a:ext uri="{C572A759-6A51-4108-AA02-DFA0A04FC94B}">
-              <ma14:wrappingTextBoxFlag xmlns="" xmlns:ma14="http://schemas.microsoft.com/office/mac/drawingml/2011/main" val="1"/>
+              <ma14:wrappingTextBoxFlag xmlns:ma14="http://schemas.microsoft.com/office/mac/drawingml/2011/main" xmlns="" val="1"/>
             </a:ext>
           </a:extLst>
         </p:spPr>
@@ -5658,7 +5658,7 @@
           </a:ln>
           <a:extLst>
             <a:ext uri="{C572A759-6A51-4108-AA02-DFA0A04FC94B}">
-              <ma14:wrappingTextBoxFlag xmlns="" xmlns:ma14="http://schemas.microsoft.com/office/mac/drawingml/2011/main" val="1"/>
+              <ma14:wrappingTextBoxFlag xmlns:ma14="http://schemas.microsoft.com/office/mac/drawingml/2011/main" xmlns="" val="1"/>
             </a:ext>
           </a:extLst>
         </p:spPr>
@@ -5782,7 +5782,7 @@
           </a:ln>
           <a:extLst>
             <a:ext uri="{C572A759-6A51-4108-AA02-DFA0A04FC94B}">
-              <ma14:wrappingTextBoxFlag xmlns="" xmlns:ma14="http://schemas.microsoft.com/office/mac/drawingml/2011/main" val="1"/>
+              <ma14:wrappingTextBoxFlag xmlns:ma14="http://schemas.microsoft.com/office/mac/drawingml/2011/main" xmlns="" val="1"/>
             </a:ext>
           </a:extLst>
         </p:spPr>
@@ -5876,7 +5876,7 @@
           </a:ln>
           <a:extLst>
             <a:ext uri="{C572A759-6A51-4108-AA02-DFA0A04FC94B}">
-              <ma14:wrappingTextBoxFlag xmlns="" xmlns:ma14="http://schemas.microsoft.com/office/mac/drawingml/2011/main" val="1"/>
+              <ma14:wrappingTextBoxFlag xmlns:ma14="http://schemas.microsoft.com/office/mac/drawingml/2011/main" xmlns="" val="1"/>
             </a:ext>
           </a:extLst>
         </p:spPr>
@@ -6167,7 +6167,7 @@
           </a:ln>
           <a:extLst>
             <a:ext uri="{C572A759-6A51-4108-AA02-DFA0A04FC94B}">
-              <ma14:wrappingTextBoxFlag xmlns="" xmlns:ma14="http://schemas.microsoft.com/office/mac/drawingml/2011/main" val="1"/>
+              <ma14:wrappingTextBoxFlag xmlns:ma14="http://schemas.microsoft.com/office/mac/drawingml/2011/main" xmlns="" val="1"/>
             </a:ext>
           </a:extLst>
         </p:spPr>
@@ -6658,7 +6658,7 @@
           </a:ln>
           <a:extLst>
             <a:ext uri="{C572A759-6A51-4108-AA02-DFA0A04FC94B}">
-              <ma14:wrappingTextBoxFlag xmlns="" xmlns:ma14="http://schemas.microsoft.com/office/mac/drawingml/2011/main" val="1"/>
+              <ma14:wrappingTextBoxFlag xmlns:ma14="http://schemas.microsoft.com/office/mac/drawingml/2011/main" xmlns="" val="1"/>
             </a:ext>
           </a:extLst>
         </p:spPr>
@@ -6730,7 +6730,7 @@
             </a:ln>
             <a:extLst>
               <a:ext uri="{C572A759-6A51-4108-AA02-DFA0A04FC94B}">
-                <ma14:wrappingTextBoxFlag xmlns="" xmlns:ma14="http://schemas.microsoft.com/office/mac/drawingml/2011/main" val="1"/>
+                <ma14:wrappingTextBoxFlag xmlns:ma14="http://schemas.microsoft.com/office/mac/drawingml/2011/main" xmlns="" val="1"/>
               </a:ext>
             </a:extLst>
           </p:spPr>
@@ -6806,7 +6806,7 @@
             </a:ln>
             <a:extLst>
               <a:ext uri="{C572A759-6A51-4108-AA02-DFA0A04FC94B}">
-                <ma14:wrappingTextBoxFlag xmlns="" xmlns:ma14="http://schemas.microsoft.com/office/mac/drawingml/2011/main" val="1"/>
+                <ma14:wrappingTextBoxFlag xmlns:ma14="http://schemas.microsoft.com/office/mac/drawingml/2011/main" xmlns="" val="1"/>
               </a:ext>
             </a:extLst>
           </p:spPr>
@@ -6894,7 +6894,7 @@
             </a:ln>
             <a:extLst>
               <a:ext uri="{C572A759-6A51-4108-AA02-DFA0A04FC94B}">
-                <ma14:wrappingTextBoxFlag xmlns="" xmlns:ma14="http://schemas.microsoft.com/office/mac/drawingml/2011/main" val="1"/>
+                <ma14:wrappingTextBoxFlag xmlns:ma14="http://schemas.microsoft.com/office/mac/drawingml/2011/main" xmlns="" val="1"/>
               </a:ext>
             </a:extLst>
           </p:spPr>
@@ -6974,7 +6974,7 @@
             </a:ln>
             <a:extLst>
               <a:ext uri="{C572A759-6A51-4108-AA02-DFA0A04FC94B}">
-                <ma14:wrappingTextBoxFlag xmlns="" xmlns:ma14="http://schemas.microsoft.com/office/mac/drawingml/2011/main" val="1"/>
+                <ma14:wrappingTextBoxFlag xmlns:ma14="http://schemas.microsoft.com/office/mac/drawingml/2011/main" xmlns="" val="1"/>
               </a:ext>
             </a:extLst>
           </p:spPr>
@@ -7045,7 +7045,7 @@
             </a:ln>
             <a:extLst>
               <a:ext uri="{C572A759-6A51-4108-AA02-DFA0A04FC94B}">
-                <ma14:wrappingTextBoxFlag xmlns="" xmlns:ma14="http://schemas.microsoft.com/office/mac/drawingml/2011/main" val="1"/>
+                <ma14:wrappingTextBoxFlag xmlns:ma14="http://schemas.microsoft.com/office/mac/drawingml/2011/main" xmlns="" val="1"/>
               </a:ext>
             </a:extLst>
           </p:spPr>
@@ -7101,7 +7101,7 @@
             </a:ln>
             <a:extLst>
               <a:ext uri="{C572A759-6A51-4108-AA02-DFA0A04FC94B}">
-                <ma14:wrappingTextBoxFlag xmlns="" xmlns:ma14="http://schemas.microsoft.com/office/mac/drawingml/2011/main" val="1"/>
+                <ma14:wrappingTextBoxFlag xmlns:ma14="http://schemas.microsoft.com/office/mac/drawingml/2011/main" xmlns="" val="1"/>
               </a:ext>
             </a:extLst>
           </p:spPr>
@@ -7166,7 +7166,7 @@
             </a:ln>
             <a:extLst>
               <a:ext uri="{C572A759-6A51-4108-AA02-DFA0A04FC94B}">
-                <ma14:wrappingTextBoxFlag xmlns="" xmlns:ma14="http://schemas.microsoft.com/office/mac/drawingml/2011/main" val="1"/>
+                <ma14:wrappingTextBoxFlag xmlns:ma14="http://schemas.microsoft.com/office/mac/drawingml/2011/main" xmlns="" val="1"/>
               </a:ext>
             </a:extLst>
           </p:spPr>
@@ -7728,7 +7728,7 @@
   </p:timing>
   <p:extLst mod="1">
     <p:ext uri="{DCECCB84-F9BA-43D5-87BE-67443E8EF086}">
-      <p15:sldGuideLst xmlns:p15="http://schemas.microsoft.com/office/powerpoint/2012/main" xmlns="">
+      <p15:sldGuideLst xmlns:p15="http://schemas.microsoft.com/office/powerpoint/2012/main">
         <p15:guide id="1" orient="horz" pos="1436">
           <p15:clr>
             <a:srgbClr val="FBAE40"/>
@@ -7992,7 +7992,7 @@
   </p:timing>
   <p:extLst mod="1">
     <p:ext uri="{DCECCB84-F9BA-43D5-87BE-67443E8EF086}">
-      <p15:sldGuideLst xmlns:p15="http://schemas.microsoft.com/office/powerpoint/2012/main" xmlns="">
+      <p15:sldGuideLst xmlns:p15="http://schemas.microsoft.com/office/powerpoint/2012/main">
         <p15:guide id="1" orient="horz" pos="1773">
           <p15:clr>
             <a:srgbClr val="FBAE40"/>
@@ -8276,7 +8276,7 @@
   </p:timing>
   <p:extLst mod="1">
     <p:ext uri="{DCECCB84-F9BA-43D5-87BE-67443E8EF086}">
-      <p15:sldGuideLst xmlns:p15="http://schemas.microsoft.com/office/powerpoint/2012/main" xmlns=""/>
+      <p15:sldGuideLst xmlns:p15="http://schemas.microsoft.com/office/powerpoint/2012/main"/>
     </p:ext>
   </p:extLst>
 </p:sldLayout>
@@ -8529,7 +8529,7 @@
   </p:timing>
   <p:extLst mod="1">
     <p:ext uri="{DCECCB84-F9BA-43D5-87BE-67443E8EF086}">
-      <p15:sldGuideLst xmlns="" xmlns:p15="http://schemas.microsoft.com/office/powerpoint/2012/main">
+      <p15:sldGuideLst xmlns:p15="http://schemas.microsoft.com/office/powerpoint/2012/main">
         <p15:guide id="1" orient="horz" pos="1773" userDrawn="1">
           <p15:clr>
             <a:srgbClr val="FBAE40"/>
@@ -8778,7 +8778,7 @@
   </p:timing>
   <p:extLst mod="1">
     <p:ext uri="{DCECCB84-F9BA-43D5-87BE-67443E8EF086}">
-      <p15:sldGuideLst xmlns:p15="http://schemas.microsoft.com/office/powerpoint/2012/main" xmlns=""/>
+      <p15:sldGuideLst xmlns:p15="http://schemas.microsoft.com/office/powerpoint/2012/main"/>
     </p:ext>
   </p:extLst>
 </p:sldLayout>
@@ -13767,7 +13767,7 @@
   </p:timing>
   <p:extLst mod="1">
     <p:ext uri="{DCECCB84-F9BA-43D5-87BE-67443E8EF086}">
-      <p15:sldGuideLst xmlns="" xmlns:p15="http://schemas.microsoft.com/office/powerpoint/2012/main"/>
+      <p15:sldGuideLst xmlns:p15="http://schemas.microsoft.com/office/powerpoint/2012/main"/>
     </p:ext>
   </p:extLst>
 </p:sldLayout>
@@ -14709,7 +14709,7 @@
   </p:timing>
   <p:extLst mod="1">
     <p:ext uri="{DCECCB84-F9BA-43D5-87BE-67443E8EF086}">
-      <p15:sldGuideLst xmlns:p15="http://schemas.microsoft.com/office/powerpoint/2012/main" xmlns=""/>
+      <p15:sldGuideLst xmlns:p15="http://schemas.microsoft.com/office/powerpoint/2012/main"/>
     </p:ext>
   </p:extLst>
 </p:sldLayout>
@@ -14901,7 +14901,7 @@
   </p:timing>
   <p:extLst mod="1">
     <p:ext uri="{DCECCB84-F9BA-43D5-87BE-67443E8EF086}">
-      <p15:sldGuideLst xmlns:p15="http://schemas.microsoft.com/office/powerpoint/2012/main" xmlns=""/>
+      <p15:sldGuideLst xmlns:p15="http://schemas.microsoft.com/office/powerpoint/2012/main"/>
     </p:ext>
   </p:extLst>
 </p:sldLayout>
@@ -15016,7 +15016,7 @@
           </a:ln>
           <a:extLst>
             <a:ext uri="{C572A759-6A51-4108-AA02-DFA0A04FC94B}">
-              <ma14:wrappingTextBoxFlag xmlns:ma14="http://schemas.microsoft.com/office/mac/drawingml/2011/main" xmlns="" val="1"/>
+              <ma14:wrappingTextBoxFlag xmlns="" xmlns:ma14="http://schemas.microsoft.com/office/mac/drawingml/2011/main" val="1"/>
             </a:ext>
           </a:extLst>
         </p:spPr>
@@ -15474,7 +15474,7 @@
           </a:ln>
           <a:extLst>
             <a:ext uri="{C572A759-6A51-4108-AA02-DFA0A04FC94B}">
-              <ma14:wrappingTextBoxFlag xmlns:ma14="http://schemas.microsoft.com/office/mac/drawingml/2011/main" xmlns="" val="1"/>
+              <ma14:wrappingTextBoxFlag xmlns="" xmlns:ma14="http://schemas.microsoft.com/office/mac/drawingml/2011/main" val="1"/>
             </a:ext>
           </a:extLst>
         </p:spPr>
@@ -15710,7 +15710,7 @@
           </a:ln>
           <a:extLst>
             <a:ext uri="{C572A759-6A51-4108-AA02-DFA0A04FC94B}">
-              <ma14:wrappingTextBoxFlag xmlns:ma14="http://schemas.microsoft.com/office/mac/drawingml/2011/main" xmlns="" val="1"/>
+              <ma14:wrappingTextBoxFlag xmlns="" xmlns:ma14="http://schemas.microsoft.com/office/mac/drawingml/2011/main" val="1"/>
             </a:ext>
           </a:extLst>
         </p:spPr>
@@ -15757,7 +15757,7 @@
           </a:ln>
           <a:extLst>
             <a:ext uri="{C572A759-6A51-4108-AA02-DFA0A04FC94B}">
-              <ma14:wrappingTextBoxFlag xmlns:ma14="http://schemas.microsoft.com/office/mac/drawingml/2011/main" xmlns="" val="1"/>
+              <ma14:wrappingTextBoxFlag xmlns="" xmlns:ma14="http://schemas.microsoft.com/office/mac/drawingml/2011/main" val="1"/>
             </a:ext>
           </a:extLst>
         </p:spPr>
@@ -15989,7 +15989,7 @@
           </a:ln>
           <a:extLst>
             <a:ext uri="{C572A759-6A51-4108-AA02-DFA0A04FC94B}">
-              <ma14:wrappingTextBoxFlag xmlns:ma14="http://schemas.microsoft.com/office/mac/drawingml/2011/main" xmlns="" val="1"/>
+              <ma14:wrappingTextBoxFlag xmlns="" xmlns:ma14="http://schemas.microsoft.com/office/mac/drawingml/2011/main" val="1"/>
             </a:ext>
           </a:extLst>
         </p:spPr>
@@ -16119,7 +16119,7 @@
           </a:ln>
           <a:extLst>
             <a:ext uri="{C572A759-6A51-4108-AA02-DFA0A04FC94B}">
-              <ma14:wrappingTextBoxFlag xmlns:ma14="http://schemas.microsoft.com/office/mac/drawingml/2011/main" xmlns="" val="1"/>
+              <ma14:wrappingTextBoxFlag xmlns="" xmlns:ma14="http://schemas.microsoft.com/office/mac/drawingml/2011/main" val="1"/>
             </a:ext>
           </a:extLst>
         </p:spPr>
@@ -16234,7 +16234,7 @@
           </a:ln>
           <a:extLst>
             <a:ext uri="{C572A759-6A51-4108-AA02-DFA0A04FC94B}">
-              <ma14:wrappingTextBoxFlag xmlns:ma14="http://schemas.microsoft.com/office/mac/drawingml/2011/main" xmlns="" val="1"/>
+              <ma14:wrappingTextBoxFlag xmlns="" xmlns:ma14="http://schemas.microsoft.com/office/mac/drawingml/2011/main" val="1"/>
             </a:ext>
           </a:extLst>
         </p:spPr>
@@ -16674,7 +16674,7 @@
           </a:ln>
           <a:extLst>
             <a:ext uri="{C572A759-6A51-4108-AA02-DFA0A04FC94B}">
-              <ma14:wrappingTextBoxFlag xmlns:ma14="http://schemas.microsoft.com/office/mac/drawingml/2011/main" xmlns="" val="1"/>
+              <ma14:wrappingTextBoxFlag xmlns="" xmlns:ma14="http://schemas.microsoft.com/office/mac/drawingml/2011/main" val="1"/>
             </a:ext>
           </a:extLst>
         </p:spPr>
@@ -16940,7 +16940,7 @@
           </a:ln>
           <a:extLst>
             <a:ext uri="{C572A759-6A51-4108-AA02-DFA0A04FC94B}">
-              <ma14:wrappingTextBoxFlag xmlns:ma14="http://schemas.microsoft.com/office/mac/drawingml/2011/main" xmlns="" val="1"/>
+              <ma14:wrappingTextBoxFlag xmlns="" xmlns:ma14="http://schemas.microsoft.com/office/mac/drawingml/2011/main" val="1"/>
             </a:ext>
           </a:extLst>
         </p:spPr>
@@ -17012,7 +17012,7 @@
             </a:ln>
             <a:extLst>
               <a:ext uri="{C572A759-6A51-4108-AA02-DFA0A04FC94B}">
-                <ma14:wrappingTextBoxFlag xmlns:ma14="http://schemas.microsoft.com/office/mac/drawingml/2011/main" xmlns="" val="1"/>
+                <ma14:wrappingTextBoxFlag xmlns="" xmlns:ma14="http://schemas.microsoft.com/office/mac/drawingml/2011/main" val="1"/>
               </a:ext>
             </a:extLst>
           </p:spPr>
@@ -17089,7 +17089,7 @@
             </a:ln>
             <a:extLst>
               <a:ext uri="{C572A759-6A51-4108-AA02-DFA0A04FC94B}">
-                <ma14:wrappingTextBoxFlag xmlns:ma14="http://schemas.microsoft.com/office/mac/drawingml/2011/main" xmlns="" val="1"/>
+                <ma14:wrappingTextBoxFlag xmlns="" xmlns:ma14="http://schemas.microsoft.com/office/mac/drawingml/2011/main" val="1"/>
               </a:ext>
             </a:extLst>
           </p:spPr>
@@ -17194,7 +17194,7 @@
             </a:ln>
             <a:extLst>
               <a:ext uri="{C572A759-6A51-4108-AA02-DFA0A04FC94B}">
-                <ma14:wrappingTextBoxFlag xmlns:ma14="http://schemas.microsoft.com/office/mac/drawingml/2011/main" xmlns="" val="1"/>
+                <ma14:wrappingTextBoxFlag xmlns="" xmlns:ma14="http://schemas.microsoft.com/office/mac/drawingml/2011/main" val="1"/>
               </a:ext>
             </a:extLst>
           </p:spPr>
@@ -17274,7 +17274,7 @@
             </a:ln>
             <a:extLst>
               <a:ext uri="{C572A759-6A51-4108-AA02-DFA0A04FC94B}">
-                <ma14:wrappingTextBoxFlag xmlns:ma14="http://schemas.microsoft.com/office/mac/drawingml/2011/main" xmlns="" val="1"/>
+                <ma14:wrappingTextBoxFlag xmlns="" xmlns:ma14="http://schemas.microsoft.com/office/mac/drawingml/2011/main" val="1"/>
               </a:ext>
             </a:extLst>
           </p:spPr>
@@ -17345,7 +17345,7 @@
             </a:ln>
             <a:extLst>
               <a:ext uri="{C572A759-6A51-4108-AA02-DFA0A04FC94B}">
-                <ma14:wrappingTextBoxFlag xmlns:ma14="http://schemas.microsoft.com/office/mac/drawingml/2011/main" xmlns="" val="1"/>
+                <ma14:wrappingTextBoxFlag xmlns="" xmlns:ma14="http://schemas.microsoft.com/office/mac/drawingml/2011/main" val="1"/>
               </a:ext>
             </a:extLst>
           </p:spPr>
@@ -17408,7 +17408,7 @@
             </a:ln>
             <a:extLst>
               <a:ext uri="{C572A759-6A51-4108-AA02-DFA0A04FC94B}">
-                <ma14:wrappingTextBoxFlag xmlns:ma14="http://schemas.microsoft.com/office/mac/drawingml/2011/main" xmlns="" val="1"/>
+                <ma14:wrappingTextBoxFlag xmlns="" xmlns:ma14="http://schemas.microsoft.com/office/mac/drawingml/2011/main" val="1"/>
               </a:ext>
             </a:extLst>
           </p:spPr>
@@ -17810,7 +17810,7 @@
   </p:timing>
   <p:extLst mod="1">
     <p:ext uri="{DCECCB84-F9BA-43D5-87BE-67443E8EF086}">
-      <p15:sldGuideLst xmlns="" xmlns:p15="http://schemas.microsoft.com/office/powerpoint/2012/main">
+      <p15:sldGuideLst xmlns:p15="http://schemas.microsoft.com/office/powerpoint/2012/main">
         <p15:guide id="1" orient="horz" pos="1773">
           <p15:clr>
             <a:srgbClr val="FBAE40"/>
@@ -18059,7 +18059,7 @@
   </p:timing>
   <p:extLst mod="1">
     <p:ext uri="{DCECCB84-F9BA-43D5-87BE-67443E8EF086}">
-      <p15:sldGuideLst xmlns="" xmlns:p15="http://schemas.microsoft.com/office/powerpoint/2012/main"/>
+      <p15:sldGuideLst xmlns:p15="http://schemas.microsoft.com/office/powerpoint/2012/main"/>
     </p:ext>
   </p:extLst>
 </p:sldLayout>
@@ -18916,7 +18916,7 @@
   </p:txStyles>
   <p:extLst mod="1">
     <p:ext uri="{27BBF7A9-308A-43DC-89C8-2F10F3537804}">
-      <p15:sldGuideLst xmlns="" xmlns:p15="http://schemas.microsoft.com/office/powerpoint/2012/main">
+      <p15:sldGuideLst xmlns:p15="http://schemas.microsoft.com/office/powerpoint/2012/main">
         <p15:guide id="1" pos="7680">
           <p15:clr>
             <a:srgbClr val="F26B43"/>
@@ -19912,7 +19912,7 @@
   </p:txStyles>
   <p:extLst mod="1">
     <p:ext uri="{27BBF7A9-308A-43DC-89C8-2F10F3537804}">
-      <p15:sldGuideLst xmlns:p15="http://schemas.microsoft.com/office/powerpoint/2012/main" xmlns="">
+      <p15:sldGuideLst xmlns:p15="http://schemas.microsoft.com/office/powerpoint/2012/main">
         <p15:guide id="1" pos="7680">
           <p15:clr>
             <a:srgbClr val="F26B43"/>
@@ -20395,7 +20395,7 @@
           </a:ln>
           <a:extLst>
             <a:ext uri="{C572A759-6A51-4108-AA02-DFA0A04FC94B}">
-              <ma14:wrappingTextBoxFlag xmlns="" xmlns:ma14="http://schemas.microsoft.com/office/mac/drawingml/2011/main" val="1"/>
+              <ma14:wrappingTextBoxFlag xmlns:ma14="http://schemas.microsoft.com/office/mac/drawingml/2011/main" xmlns="" val="1"/>
             </a:ext>
           </a:extLst>
         </p:spPr>
@@ -20467,7 +20467,7 @@
             </a:ln>
             <a:extLst>
               <a:ext uri="{C572A759-6A51-4108-AA02-DFA0A04FC94B}">
-                <ma14:wrappingTextBoxFlag xmlns="" xmlns:ma14="http://schemas.microsoft.com/office/mac/drawingml/2011/main" val="1"/>
+                <ma14:wrappingTextBoxFlag xmlns:ma14="http://schemas.microsoft.com/office/mac/drawingml/2011/main" xmlns="" val="1"/>
               </a:ext>
             </a:extLst>
           </p:spPr>
@@ -20539,7 +20539,7 @@
             </a:ln>
             <a:extLst>
               <a:ext uri="{C572A759-6A51-4108-AA02-DFA0A04FC94B}">
-                <ma14:wrappingTextBoxFlag xmlns="" xmlns:ma14="http://schemas.microsoft.com/office/mac/drawingml/2011/main" val="1"/>
+                <ma14:wrappingTextBoxFlag xmlns:ma14="http://schemas.microsoft.com/office/mac/drawingml/2011/main" xmlns="" val="1"/>
               </a:ext>
             </a:extLst>
           </p:spPr>
@@ -20627,7 +20627,7 @@
             </a:ln>
             <a:extLst>
               <a:ext uri="{C572A759-6A51-4108-AA02-DFA0A04FC94B}">
-                <ma14:wrappingTextBoxFlag xmlns="" xmlns:ma14="http://schemas.microsoft.com/office/mac/drawingml/2011/main" val="1"/>
+                <ma14:wrappingTextBoxFlag xmlns:ma14="http://schemas.microsoft.com/office/mac/drawingml/2011/main" xmlns="" val="1"/>
               </a:ext>
             </a:extLst>
           </p:spPr>
@@ -20707,7 +20707,7 @@
             </a:ln>
             <a:extLst>
               <a:ext uri="{C572A759-6A51-4108-AA02-DFA0A04FC94B}">
-                <ma14:wrappingTextBoxFlag xmlns="" xmlns:ma14="http://schemas.microsoft.com/office/mac/drawingml/2011/main" val="1"/>
+                <ma14:wrappingTextBoxFlag xmlns:ma14="http://schemas.microsoft.com/office/mac/drawingml/2011/main" xmlns="" val="1"/>
               </a:ext>
             </a:extLst>
           </p:spPr>
@@ -20766,7 +20766,7 @@
             </a:ln>
             <a:extLst>
               <a:ext uri="{C572A759-6A51-4108-AA02-DFA0A04FC94B}">
-                <ma14:wrappingTextBoxFlag xmlns="" xmlns:ma14="http://schemas.microsoft.com/office/mac/drawingml/2011/main" val="1"/>
+                <ma14:wrappingTextBoxFlag xmlns:ma14="http://schemas.microsoft.com/office/mac/drawingml/2011/main" xmlns="" val="1"/>
               </a:ext>
             </a:extLst>
           </p:spPr>
@@ -20822,7 +20822,7 @@
             </a:ln>
             <a:extLst>
               <a:ext uri="{C572A759-6A51-4108-AA02-DFA0A04FC94B}">
-                <ma14:wrappingTextBoxFlag xmlns="" xmlns:ma14="http://schemas.microsoft.com/office/mac/drawingml/2011/main" val="1"/>
+                <ma14:wrappingTextBoxFlag xmlns:ma14="http://schemas.microsoft.com/office/mac/drawingml/2011/main" xmlns="" val="1"/>
               </a:ext>
             </a:extLst>
           </p:spPr>
@@ -20887,7 +20887,7 @@
             </a:ln>
             <a:extLst>
               <a:ext uri="{C572A759-6A51-4108-AA02-DFA0A04FC94B}">
-                <ma14:wrappingTextBoxFlag xmlns="" xmlns:ma14="http://schemas.microsoft.com/office/mac/drawingml/2011/main" val="1"/>
+                <ma14:wrappingTextBoxFlag xmlns:ma14="http://schemas.microsoft.com/office/mac/drawingml/2011/main" xmlns="" val="1"/>
               </a:ext>
             </a:extLst>
           </p:spPr>
@@ -20999,191 +20999,20 @@
       </p:grpSpPr>
       <p:sp>
         <p:nvSpPr>
-          <p:cNvPr id="2" name="Заголовок 1"/>
-          <p:cNvSpPr>
-            <a:spLocks noGrp="1"/>
-          </p:cNvSpPr>
-          <p:nvPr>
-            <p:ph type="title"/>
-          </p:nvPr>
-        </p:nvSpPr>
-        <p:spPr/>
-        <p:txBody>
-          <a:bodyPr/>
-          <a:lstStyle/>
-          <a:p>
-            <a:r>
-              <a:rPr lang="ru-RU" dirty="0" smtClean="0"/>
-              <a:t>Что такое код нашего проекта?</a:t>
-            </a:r>
-            <a:endParaRPr lang="ru-RU" dirty="0"/>
-          </a:p>
-        </p:txBody>
-      </p:sp>
-      <p:sp>
-        <p:nvSpPr>
-          <p:cNvPr id="4" name="Нижний колонтитул 3"/>
-          <p:cNvSpPr>
-            <a:spLocks noGrp="1"/>
-          </p:cNvSpPr>
-          <p:nvPr>
-            <p:ph type="ftr" sz="quarter" idx="11"/>
-          </p:nvPr>
-        </p:nvSpPr>
-        <p:spPr/>
-        <p:txBody>
-          <a:bodyPr/>
-          <a:lstStyle/>
-          <a:p>
-            <a:endParaRPr lang="ru-RU"/>
-          </a:p>
-        </p:txBody>
-      </p:sp>
-      <p:sp>
-        <p:nvSpPr>
-          <p:cNvPr id="5" name="Номер слайда 4"/>
-          <p:cNvSpPr>
-            <a:spLocks noGrp="1"/>
-          </p:cNvSpPr>
-          <p:nvPr>
-            <p:ph type="sldNum" sz="quarter" idx="12"/>
-          </p:nvPr>
-        </p:nvSpPr>
-        <p:spPr/>
-        <p:txBody>
-          <a:bodyPr/>
-          <a:lstStyle/>
-          <a:p>
-            <a:fld id="{741C03D3-FA44-40EC-9A21-1FC4FEA3E22E}" type="slidenum">
-              <a:rPr lang="ru-RU" smtClean="0"/>
-              <a:t>10</a:t>
-            </a:fld>
-            <a:endParaRPr lang="ru-RU"/>
-          </a:p>
-        </p:txBody>
-      </p:sp>
-      <p:sp>
-        <p:nvSpPr>
-          <p:cNvPr id="8" name="Прямоугольник 7"/>
+          <p:cNvPr id="35" name="Прямоугольник 34"/>
           <p:cNvSpPr/>
           <p:nvPr/>
         </p:nvSpPr>
         <p:spPr>
           <a:xfrm>
-            <a:off x="1124806" y="8384400"/>
-            <a:ext cx="6480000" cy="3600000"/>
-          </a:xfrm>
-          <a:prstGeom prst="rect">
-            <a:avLst/>
-          </a:prstGeom>
-          <a:noFill/>
-          <a:ln w="38100">
-            <a:solidFill>
-              <a:schemeClr val="tx1"/>
-            </a:solidFill>
-          </a:ln>
-        </p:spPr>
-        <p:style>
-          <a:lnRef idx="2">
-            <a:schemeClr val="accent1">
-              <a:shade val="50000"/>
-            </a:schemeClr>
-          </a:lnRef>
-          <a:fillRef idx="1">
-            <a:schemeClr val="accent1"/>
-          </a:fillRef>
-          <a:effectRef idx="0">
-            <a:schemeClr val="accent1"/>
-          </a:effectRef>
-          <a:fontRef idx="minor">
-            <a:schemeClr val="lt1"/>
-          </a:fontRef>
-        </p:style>
-        <p:txBody>
-          <a:bodyPr rtlCol="0" anchor="ctr"/>
-          <a:lstStyle/>
-          <a:p>
-            <a:pPr algn="ctr"/>
-            <a:r>
-              <a:rPr lang="ru-RU" sz="4800" dirty="0" smtClean="0">
-                <a:solidFill>
-                  <a:schemeClr val="tx1"/>
-                </a:solidFill>
-              </a:rPr>
-              <a:t>Код тестов</a:t>
-            </a:r>
-          </a:p>
-        </p:txBody>
-      </p:sp>
-      <p:sp>
-        <p:nvSpPr>
-          <p:cNvPr id="9" name="Прямоугольник 8"/>
-          <p:cNvSpPr/>
-          <p:nvPr/>
-        </p:nvSpPr>
-        <p:spPr>
-          <a:xfrm>
-            <a:off x="16777606" y="3042000"/>
-            <a:ext cx="6480000" cy="3600000"/>
-          </a:xfrm>
-          <a:prstGeom prst="rect">
-            <a:avLst/>
-          </a:prstGeom>
-          <a:noFill/>
-          <a:ln w="38100">
-            <a:solidFill>
-              <a:schemeClr val="tx1"/>
-            </a:solidFill>
-          </a:ln>
-        </p:spPr>
-        <p:style>
-          <a:lnRef idx="2">
-            <a:schemeClr val="accent1">
-              <a:shade val="50000"/>
-            </a:schemeClr>
-          </a:lnRef>
-          <a:fillRef idx="1">
-            <a:schemeClr val="accent1"/>
-          </a:fillRef>
-          <a:effectRef idx="0">
-            <a:schemeClr val="accent1"/>
-          </a:effectRef>
-          <a:fontRef idx="minor">
-            <a:schemeClr val="lt1"/>
-          </a:fontRef>
-        </p:style>
-        <p:txBody>
-          <a:bodyPr rtlCol="0" anchor="ctr"/>
-          <a:lstStyle/>
-          <a:p>
-            <a:pPr algn="ctr"/>
-            <a:r>
-              <a:rPr lang="ru-RU" sz="4800" dirty="0" smtClean="0">
-                <a:solidFill>
-                  <a:schemeClr val="tx1"/>
-                </a:solidFill>
-              </a:rPr>
-              <a:t>Код мониторингов</a:t>
-            </a:r>
-          </a:p>
-        </p:txBody>
-      </p:sp>
-      <p:sp>
-        <p:nvSpPr>
-          <p:cNvPr id="10" name="Прямоугольник 9"/>
-          <p:cNvSpPr/>
-          <p:nvPr/>
-        </p:nvSpPr>
-        <p:spPr>
-          <a:xfrm>
-            <a:off x="16777606" y="8384400"/>
-            <a:ext cx="6480000" cy="3600000"/>
+            <a:off x="16388806" y="10290511"/>
+            <a:ext cx="4978955" cy="1909889"/>
           </a:xfrm>
           <a:prstGeom prst="rect">
             <a:avLst/>
           </a:prstGeom>
           <a:solidFill>
-            <a:schemeClr val="bg1"/>
+            <a:schemeClr val="accent2"/>
           </a:solidFill>
           <a:ln w="38100">
             <a:solidFill>
@@ -21212,27 +21041,76 @@
           <a:lstStyle/>
           <a:p>
             <a:pPr algn="ctr"/>
-            <a:r>
-              <a:rPr lang="ru-RU" sz="4800" dirty="0" smtClean="0">
-                <a:solidFill>
-                  <a:schemeClr val="tx1"/>
-                </a:solidFill>
-              </a:rPr>
-              <a:t>Код инструментов</a:t>
-            </a:r>
-          </a:p>
-        </p:txBody>
-      </p:sp>
-      <p:sp>
-        <p:nvSpPr>
-          <p:cNvPr id="12" name="Прямоугольник 11"/>
+            <a:endParaRPr lang="ru-RU" dirty="0" err="1" smtClean="0">
+              <a:solidFill>
+                <a:schemeClr val="tx1"/>
+              </a:solidFill>
+            </a:endParaRPr>
+          </a:p>
+        </p:txBody>
+      </p:sp>
+      <p:sp>
+        <p:nvSpPr>
+          <p:cNvPr id="36" name="Прямоугольник 35"/>
           <p:cNvSpPr/>
           <p:nvPr/>
         </p:nvSpPr>
         <p:spPr>
           <a:xfrm>
-            <a:off x="10664806" y="6094800"/>
-            <a:ext cx="2160000" cy="1800000"/>
+            <a:off x="21368306" y="10290510"/>
+            <a:ext cx="1889301" cy="1909889"/>
+          </a:xfrm>
+          <a:prstGeom prst="rect">
+            <a:avLst/>
+          </a:prstGeom>
+          <a:solidFill>
+            <a:schemeClr val="accent5"/>
+          </a:solidFill>
+          <a:ln w="38100">
+            <a:solidFill>
+              <a:schemeClr val="tx1"/>
+            </a:solidFill>
+          </a:ln>
+        </p:spPr>
+        <p:style>
+          <a:lnRef idx="2">
+            <a:schemeClr val="accent1">
+              <a:shade val="50000"/>
+            </a:schemeClr>
+          </a:lnRef>
+          <a:fillRef idx="1">
+            <a:schemeClr val="accent1"/>
+          </a:fillRef>
+          <a:effectRef idx="0">
+            <a:schemeClr val="accent1"/>
+          </a:effectRef>
+          <a:fontRef idx="minor">
+            <a:schemeClr val="lt1"/>
+          </a:fontRef>
+        </p:style>
+        <p:txBody>
+          <a:bodyPr rtlCol="0" anchor="ctr"/>
+          <a:lstStyle/>
+          <a:p>
+            <a:pPr algn="ctr"/>
+            <a:endParaRPr lang="ru-RU" dirty="0" err="1" smtClean="0">
+              <a:solidFill>
+                <a:schemeClr val="tx1"/>
+              </a:solidFill>
+            </a:endParaRPr>
+          </a:p>
+        </p:txBody>
+      </p:sp>
+      <p:sp>
+        <p:nvSpPr>
+          <p:cNvPr id="37" name="Прямоугольник 36"/>
+          <p:cNvSpPr/>
+          <p:nvPr/>
+        </p:nvSpPr>
+        <p:spPr>
+          <a:xfrm>
+            <a:off x="16407000" y="8384400"/>
+            <a:ext cx="1908000" cy="1908000"/>
           </a:xfrm>
           <a:prstGeom prst="rect">
             <a:avLst/>
@@ -21277,14 +21155,279 @@
       </p:sp>
       <p:sp>
         <p:nvSpPr>
-          <p:cNvPr id="13" name="Прямоугольник 12"/>
+          <p:cNvPr id="38" name="Прямоугольник 37"/>
           <p:cNvSpPr/>
           <p:nvPr/>
         </p:nvSpPr>
         <p:spPr>
           <a:xfrm>
-            <a:off x="11046406" y="6584400"/>
-            <a:ext cx="4320000" cy="1800000"/>
+            <a:off x="18296806" y="8384400"/>
+            <a:ext cx="4942062" cy="1909889"/>
+          </a:xfrm>
+          <a:prstGeom prst="rect">
+            <a:avLst/>
+          </a:prstGeom>
+          <a:solidFill>
+            <a:schemeClr val="accent5">
+              <a:lumMod val="50000"/>
+            </a:schemeClr>
+          </a:solidFill>
+          <a:ln w="38100">
+            <a:solidFill>
+              <a:schemeClr val="tx1"/>
+            </a:solidFill>
+          </a:ln>
+        </p:spPr>
+        <p:style>
+          <a:lnRef idx="2">
+            <a:schemeClr val="accent1">
+              <a:shade val="50000"/>
+            </a:schemeClr>
+          </a:lnRef>
+          <a:fillRef idx="1">
+            <a:schemeClr val="accent1"/>
+          </a:fillRef>
+          <a:effectRef idx="0">
+            <a:schemeClr val="accent1"/>
+          </a:effectRef>
+          <a:fontRef idx="minor">
+            <a:schemeClr val="lt1"/>
+          </a:fontRef>
+        </p:style>
+        <p:txBody>
+          <a:bodyPr rtlCol="0" anchor="ctr"/>
+          <a:lstStyle/>
+          <a:p>
+            <a:pPr algn="ctr"/>
+            <a:endParaRPr lang="ru-RU" dirty="0" err="1" smtClean="0">
+              <a:solidFill>
+                <a:schemeClr val="tx1"/>
+              </a:solidFill>
+            </a:endParaRPr>
+          </a:p>
+        </p:txBody>
+      </p:sp>
+      <p:sp>
+        <p:nvSpPr>
+          <p:cNvPr id="33" name="Прямоугольник 32"/>
+          <p:cNvSpPr/>
+          <p:nvPr/>
+        </p:nvSpPr>
+        <p:spPr>
+          <a:xfrm>
+            <a:off x="18296805" y="3042000"/>
+            <a:ext cx="4942063" cy="1909889"/>
+          </a:xfrm>
+          <a:prstGeom prst="rect">
+            <a:avLst/>
+          </a:prstGeom>
+          <a:solidFill>
+            <a:schemeClr val="accent3"/>
+          </a:solidFill>
+          <a:ln w="38100">
+            <a:solidFill>
+              <a:schemeClr val="tx1"/>
+            </a:solidFill>
+          </a:ln>
+        </p:spPr>
+        <p:style>
+          <a:lnRef idx="2">
+            <a:schemeClr val="accent1">
+              <a:shade val="50000"/>
+            </a:schemeClr>
+          </a:lnRef>
+          <a:fillRef idx="1">
+            <a:schemeClr val="accent1"/>
+          </a:fillRef>
+          <a:effectRef idx="0">
+            <a:schemeClr val="accent1"/>
+          </a:effectRef>
+          <a:fontRef idx="minor">
+            <a:schemeClr val="lt1"/>
+          </a:fontRef>
+        </p:style>
+        <p:txBody>
+          <a:bodyPr rtlCol="0" anchor="ctr"/>
+          <a:lstStyle/>
+          <a:p>
+            <a:pPr algn="ctr"/>
+            <a:endParaRPr lang="ru-RU" dirty="0" err="1" smtClean="0">
+              <a:solidFill>
+                <a:schemeClr val="tx1"/>
+              </a:solidFill>
+            </a:endParaRPr>
+          </a:p>
+        </p:txBody>
+      </p:sp>
+      <p:sp>
+        <p:nvSpPr>
+          <p:cNvPr id="34" name="Прямоугольник 33"/>
+          <p:cNvSpPr/>
+          <p:nvPr/>
+        </p:nvSpPr>
+        <p:spPr>
+          <a:xfrm>
+            <a:off x="16389389" y="4950000"/>
+            <a:ext cx="6868217" cy="1909889"/>
+          </a:xfrm>
+          <a:prstGeom prst="rect">
+            <a:avLst/>
+          </a:prstGeom>
+          <a:solidFill>
+            <a:schemeClr val="accent4">
+              <a:lumMod val="40000"/>
+              <a:lumOff val="60000"/>
+            </a:schemeClr>
+          </a:solidFill>
+          <a:ln w="38100">
+            <a:solidFill>
+              <a:schemeClr val="tx1"/>
+            </a:solidFill>
+          </a:ln>
+        </p:spPr>
+        <p:style>
+          <a:lnRef idx="2">
+            <a:schemeClr val="accent1">
+              <a:shade val="50000"/>
+            </a:schemeClr>
+          </a:lnRef>
+          <a:fillRef idx="1">
+            <a:schemeClr val="accent1"/>
+          </a:fillRef>
+          <a:effectRef idx="0">
+            <a:schemeClr val="accent1"/>
+          </a:effectRef>
+          <a:fontRef idx="minor">
+            <a:schemeClr val="lt1"/>
+          </a:fontRef>
+        </p:style>
+        <p:txBody>
+          <a:bodyPr rtlCol="0" anchor="ctr"/>
+          <a:lstStyle/>
+          <a:p>
+            <a:pPr algn="ctr"/>
+            <a:endParaRPr lang="ru-RU" dirty="0" err="1" smtClean="0">
+              <a:solidFill>
+                <a:schemeClr val="tx1"/>
+              </a:solidFill>
+            </a:endParaRPr>
+          </a:p>
+        </p:txBody>
+      </p:sp>
+      <p:sp>
+        <p:nvSpPr>
+          <p:cNvPr id="27" name="Прямоугольник 26"/>
+          <p:cNvSpPr/>
+          <p:nvPr/>
+        </p:nvSpPr>
+        <p:spPr>
+          <a:xfrm>
+            <a:off x="1124806" y="10290511"/>
+            <a:ext cx="4978955" cy="1909889"/>
+          </a:xfrm>
+          <a:prstGeom prst="rect">
+            <a:avLst/>
+          </a:prstGeom>
+          <a:solidFill>
+            <a:schemeClr val="accent2"/>
+          </a:solidFill>
+          <a:ln w="38100">
+            <a:solidFill>
+              <a:schemeClr val="tx1"/>
+            </a:solidFill>
+          </a:ln>
+        </p:spPr>
+        <p:style>
+          <a:lnRef idx="2">
+            <a:schemeClr val="accent1">
+              <a:shade val="50000"/>
+            </a:schemeClr>
+          </a:lnRef>
+          <a:fillRef idx="1">
+            <a:schemeClr val="accent1"/>
+          </a:fillRef>
+          <a:effectRef idx="0">
+            <a:schemeClr val="accent1"/>
+          </a:effectRef>
+          <a:fontRef idx="minor">
+            <a:schemeClr val="lt1"/>
+          </a:fontRef>
+        </p:style>
+        <p:txBody>
+          <a:bodyPr rtlCol="0" anchor="ctr"/>
+          <a:lstStyle/>
+          <a:p>
+            <a:pPr algn="ctr"/>
+            <a:endParaRPr lang="ru-RU" dirty="0" err="1" smtClean="0">
+              <a:solidFill>
+                <a:schemeClr val="tx1"/>
+              </a:solidFill>
+            </a:endParaRPr>
+          </a:p>
+        </p:txBody>
+      </p:sp>
+      <p:sp>
+        <p:nvSpPr>
+          <p:cNvPr id="28" name="Прямоугольник 27"/>
+          <p:cNvSpPr/>
+          <p:nvPr/>
+        </p:nvSpPr>
+        <p:spPr>
+          <a:xfrm>
+            <a:off x="6104306" y="10290510"/>
+            <a:ext cx="1889301" cy="1909889"/>
+          </a:xfrm>
+          <a:prstGeom prst="rect">
+            <a:avLst/>
+          </a:prstGeom>
+          <a:solidFill>
+            <a:schemeClr val="accent5"/>
+          </a:solidFill>
+          <a:ln w="38100">
+            <a:solidFill>
+              <a:schemeClr val="tx1"/>
+            </a:solidFill>
+          </a:ln>
+        </p:spPr>
+        <p:style>
+          <a:lnRef idx="2">
+            <a:schemeClr val="accent1">
+              <a:shade val="50000"/>
+            </a:schemeClr>
+          </a:lnRef>
+          <a:fillRef idx="1">
+            <a:schemeClr val="accent1"/>
+          </a:fillRef>
+          <a:effectRef idx="0">
+            <a:schemeClr val="accent1"/>
+          </a:effectRef>
+          <a:fontRef idx="minor">
+            <a:schemeClr val="lt1"/>
+          </a:fontRef>
+        </p:style>
+        <p:txBody>
+          <a:bodyPr rtlCol="0" anchor="ctr"/>
+          <a:lstStyle/>
+          <a:p>
+            <a:pPr algn="ctr"/>
+            <a:endParaRPr lang="ru-RU" dirty="0" err="1" smtClean="0">
+              <a:solidFill>
+                <a:schemeClr val="tx1"/>
+              </a:solidFill>
+            </a:endParaRPr>
+          </a:p>
+        </p:txBody>
+      </p:sp>
+      <p:sp>
+        <p:nvSpPr>
+          <p:cNvPr id="29" name="Прямоугольник 28"/>
+          <p:cNvSpPr/>
+          <p:nvPr/>
+        </p:nvSpPr>
+        <p:spPr>
+          <a:xfrm>
+            <a:off x="3050999" y="8382335"/>
+            <a:ext cx="1889301" cy="1909889"/>
           </a:xfrm>
           <a:prstGeom prst="rect">
             <a:avLst/>
@@ -21329,14 +21472,118 @@
       </p:sp>
       <p:sp>
         <p:nvSpPr>
-          <p:cNvPr id="14" name="Прямоугольник 13"/>
+          <p:cNvPr id="30" name="Прямоугольник 29"/>
           <p:cNvSpPr/>
           <p:nvPr/>
         </p:nvSpPr>
         <p:spPr>
           <a:xfrm>
-            <a:off x="9901606" y="7484400"/>
-            <a:ext cx="4320000" cy="1800000"/>
+            <a:off x="1143000" y="8384400"/>
+            <a:ext cx="1908000" cy="1908000"/>
+          </a:xfrm>
+          <a:prstGeom prst="rect">
+            <a:avLst/>
+          </a:prstGeom>
+          <a:solidFill>
+            <a:schemeClr val="tx2"/>
+          </a:solidFill>
+          <a:ln w="38100">
+            <a:solidFill>
+              <a:schemeClr val="tx1"/>
+            </a:solidFill>
+          </a:ln>
+        </p:spPr>
+        <p:style>
+          <a:lnRef idx="2">
+            <a:schemeClr val="accent1">
+              <a:shade val="50000"/>
+            </a:schemeClr>
+          </a:lnRef>
+          <a:fillRef idx="1">
+            <a:schemeClr val="accent1"/>
+          </a:fillRef>
+          <a:effectRef idx="0">
+            <a:schemeClr val="accent1"/>
+          </a:effectRef>
+          <a:fontRef idx="minor">
+            <a:schemeClr val="lt1"/>
+          </a:fontRef>
+        </p:style>
+        <p:txBody>
+          <a:bodyPr rtlCol="0" anchor="ctr"/>
+          <a:lstStyle/>
+          <a:p>
+            <a:pPr algn="ctr"/>
+            <a:endParaRPr lang="ru-RU" dirty="0" err="1" smtClean="0">
+              <a:solidFill>
+                <a:schemeClr val="tx1"/>
+              </a:solidFill>
+            </a:endParaRPr>
+          </a:p>
+        </p:txBody>
+      </p:sp>
+      <p:sp>
+        <p:nvSpPr>
+          <p:cNvPr id="31" name="Прямоугольник 30"/>
+          <p:cNvSpPr/>
+          <p:nvPr/>
+        </p:nvSpPr>
+        <p:spPr>
+          <a:xfrm>
+            <a:off x="4940806" y="8382511"/>
+            <a:ext cx="3052256" cy="1909889"/>
+          </a:xfrm>
+          <a:prstGeom prst="rect">
+            <a:avLst/>
+          </a:prstGeom>
+          <a:solidFill>
+            <a:schemeClr val="accent6"/>
+          </a:solidFill>
+          <a:ln w="38100">
+            <a:solidFill>
+              <a:schemeClr val="tx1"/>
+            </a:solidFill>
+          </a:ln>
+        </p:spPr>
+        <p:style>
+          <a:lnRef idx="2">
+            <a:schemeClr val="accent1">
+              <a:shade val="50000"/>
+            </a:schemeClr>
+          </a:lnRef>
+          <a:fillRef idx="1">
+            <a:schemeClr val="accent1"/>
+          </a:fillRef>
+          <a:effectRef idx="0">
+            <a:schemeClr val="accent1"/>
+          </a:effectRef>
+          <a:fontRef idx="minor">
+            <a:schemeClr val="lt1"/>
+          </a:fontRef>
+        </p:style>
+        <p:txBody>
+          <a:bodyPr rtlCol="0" anchor="ctr"/>
+          <a:lstStyle/>
+          <a:p>
+            <a:pPr algn="ctr"/>
+            <a:endParaRPr lang="ru-RU" dirty="0" err="1" smtClean="0">
+              <a:solidFill>
+                <a:schemeClr val="tx1"/>
+              </a:solidFill>
+            </a:endParaRPr>
+          </a:p>
+        </p:txBody>
+      </p:sp>
+      <p:sp>
+        <p:nvSpPr>
+          <p:cNvPr id="24" name="Прямоугольник 23"/>
+          <p:cNvSpPr/>
+          <p:nvPr/>
+        </p:nvSpPr>
+        <p:spPr>
+          <a:xfrm>
+            <a:off x="4940806" y="3042000"/>
+            <a:ext cx="3052256" cy="1909889"/>
           </a:xfrm>
           <a:prstGeom prst="rect">
             <a:avLst/>
@@ -21381,14 +21628,14 @@
       </p:sp>
       <p:sp>
         <p:nvSpPr>
-          <p:cNvPr id="15" name="Прямоугольник 14"/>
+          <p:cNvPr id="25" name="Прямоугольник 24"/>
           <p:cNvSpPr/>
           <p:nvPr/>
         </p:nvSpPr>
         <p:spPr>
           <a:xfrm>
-            <a:off x="11176006" y="5439600"/>
-            <a:ext cx="2160000" cy="1800000"/>
+            <a:off x="1124805" y="4948111"/>
+            <a:ext cx="4978955" cy="1909889"/>
           </a:xfrm>
           <a:prstGeom prst="rect">
             <a:avLst/>
@@ -21433,20 +21680,20 @@
       </p:sp>
       <p:sp>
         <p:nvSpPr>
-          <p:cNvPr id="17" name="Прямоугольник 16"/>
+          <p:cNvPr id="26" name="Прямоугольник 25"/>
           <p:cNvSpPr/>
           <p:nvPr/>
         </p:nvSpPr>
         <p:spPr>
           <a:xfrm>
-            <a:off x="12191206" y="2768400"/>
-            <a:ext cx="2160000" cy="1800000"/>
+            <a:off x="6104305" y="4948110"/>
+            <a:ext cx="1889301" cy="1909889"/>
           </a:xfrm>
           <a:prstGeom prst="rect">
             <a:avLst/>
           </a:prstGeom>
           <a:solidFill>
-            <a:schemeClr val="accent2"/>
+            <a:schemeClr val="accent5"/>
           </a:solidFill>
           <a:ln w="38100">
             <a:solidFill>
@@ -21485,118 +21732,14 @@
       </p:sp>
       <p:sp>
         <p:nvSpPr>
-          <p:cNvPr id="18" name="Прямоугольник 17"/>
+          <p:cNvPr id="7" name="Прямоугольник 6"/>
           <p:cNvSpPr/>
           <p:nvPr/>
         </p:nvSpPr>
         <p:spPr>
           <a:xfrm>
-            <a:off x="12647987" y="9910800"/>
-            <a:ext cx="2160000" cy="1800000"/>
-          </a:xfrm>
-          <a:prstGeom prst="rect">
-            <a:avLst/>
-          </a:prstGeom>
-          <a:solidFill>
-            <a:schemeClr val="accent3"/>
-          </a:solidFill>
-          <a:ln w="38100">
-            <a:solidFill>
-              <a:schemeClr val="tx1"/>
-            </a:solidFill>
-          </a:ln>
-        </p:spPr>
-        <p:style>
-          <a:lnRef idx="2">
-            <a:schemeClr val="accent1">
-              <a:shade val="50000"/>
-            </a:schemeClr>
-          </a:lnRef>
-          <a:fillRef idx="1">
-            <a:schemeClr val="accent1"/>
-          </a:fillRef>
-          <a:effectRef idx="0">
-            <a:schemeClr val="accent1"/>
-          </a:effectRef>
-          <a:fontRef idx="minor">
-            <a:schemeClr val="lt1"/>
-          </a:fontRef>
-        </p:style>
-        <p:txBody>
-          <a:bodyPr rtlCol="0" anchor="ctr"/>
-          <a:lstStyle/>
-          <a:p>
-            <a:pPr algn="ctr"/>
-            <a:endParaRPr lang="ru-RU" dirty="0" err="1" smtClean="0">
-              <a:solidFill>
-                <a:schemeClr val="tx1"/>
-              </a:solidFill>
-            </a:endParaRPr>
-          </a:p>
-        </p:txBody>
-      </p:sp>
-      <p:sp>
-        <p:nvSpPr>
-          <p:cNvPr id="19" name="Прямоугольник 18"/>
-          <p:cNvSpPr/>
-          <p:nvPr/>
-        </p:nvSpPr>
-        <p:spPr>
-          <a:xfrm>
-            <a:off x="11237912" y="10251000"/>
-            <a:ext cx="2160000" cy="1800000"/>
-          </a:xfrm>
-          <a:prstGeom prst="rect">
-            <a:avLst/>
-          </a:prstGeom>
-          <a:solidFill>
-            <a:schemeClr val="accent4"/>
-          </a:solidFill>
-          <a:ln w="38100">
-            <a:solidFill>
-              <a:schemeClr val="tx1"/>
-            </a:solidFill>
-          </a:ln>
-        </p:spPr>
-        <p:style>
-          <a:lnRef idx="2">
-            <a:schemeClr val="accent1">
-              <a:shade val="50000"/>
-            </a:schemeClr>
-          </a:lnRef>
-          <a:fillRef idx="1">
-            <a:schemeClr val="accent1"/>
-          </a:fillRef>
-          <a:effectRef idx="0">
-            <a:schemeClr val="accent1"/>
-          </a:effectRef>
-          <a:fontRef idx="minor">
-            <a:schemeClr val="lt1"/>
-          </a:fontRef>
-        </p:style>
-        <p:txBody>
-          <a:bodyPr rtlCol="0" anchor="ctr"/>
-          <a:lstStyle/>
-          <a:p>
-            <a:pPr algn="ctr"/>
-            <a:endParaRPr lang="ru-RU" dirty="0" err="1" smtClean="0">
-              <a:solidFill>
-                <a:schemeClr val="tx1"/>
-              </a:solidFill>
-            </a:endParaRPr>
-          </a:p>
-        </p:txBody>
-      </p:sp>
-      <p:sp>
-        <p:nvSpPr>
-          <p:cNvPr id="20" name="Прямоугольник 19"/>
-          <p:cNvSpPr/>
-          <p:nvPr/>
-        </p:nvSpPr>
-        <p:spPr>
-          <a:xfrm>
-            <a:off x="9520006" y="9910800"/>
-            <a:ext cx="4320000" cy="1800000"/>
+            <a:off x="3050998" y="3039935"/>
+            <a:ext cx="1889301" cy="1909889"/>
           </a:xfrm>
           <a:prstGeom prst="rect">
             <a:avLst/>
@@ -21641,14 +21784,198 @@
       </p:sp>
       <p:sp>
         <p:nvSpPr>
-          <p:cNvPr id="23" name="Прямоугольник 22"/>
+          <p:cNvPr id="2" name="Заголовок 1"/>
+          <p:cNvSpPr>
+            <a:spLocks noGrp="1"/>
+          </p:cNvSpPr>
+          <p:nvPr>
+            <p:ph type="title"/>
+          </p:nvPr>
+        </p:nvSpPr>
+        <p:spPr/>
+        <p:txBody>
+          <a:bodyPr/>
+          <a:lstStyle/>
+          <a:p>
+            <a:r>
+              <a:rPr lang="ru-RU" dirty="0" smtClean="0"/>
+              <a:t>Что такое код нашего проекта?</a:t>
+            </a:r>
+            <a:endParaRPr lang="ru-RU" dirty="0"/>
+          </a:p>
+        </p:txBody>
+      </p:sp>
+      <p:sp>
+        <p:nvSpPr>
+          <p:cNvPr id="4" name="Нижний колонтитул 3"/>
+          <p:cNvSpPr>
+            <a:spLocks noGrp="1"/>
+          </p:cNvSpPr>
+          <p:nvPr>
+            <p:ph type="ftr" sz="quarter" idx="11"/>
+          </p:nvPr>
+        </p:nvSpPr>
+        <p:spPr/>
+        <p:txBody>
+          <a:bodyPr/>
+          <a:lstStyle/>
+          <a:p>
+            <a:endParaRPr lang="ru-RU"/>
+          </a:p>
+        </p:txBody>
+      </p:sp>
+      <p:sp>
+        <p:nvSpPr>
+          <p:cNvPr id="5" name="Номер слайда 4"/>
+          <p:cNvSpPr>
+            <a:spLocks noGrp="1"/>
+          </p:cNvSpPr>
+          <p:nvPr>
+            <p:ph type="sldNum" sz="quarter" idx="12"/>
+          </p:nvPr>
+        </p:nvSpPr>
+        <p:spPr/>
+        <p:txBody>
+          <a:bodyPr/>
+          <a:lstStyle/>
+          <a:p>
+            <a:fld id="{741C03D3-FA44-40EC-9A21-1FC4FEA3E22E}" type="slidenum">
+              <a:rPr lang="ru-RU" smtClean="0"/>
+              <a:t>10</a:t>
+            </a:fld>
+            <a:endParaRPr lang="ru-RU"/>
+          </a:p>
+        </p:txBody>
+      </p:sp>
+      <p:sp>
+        <p:nvSpPr>
+          <p:cNvPr id="8" name="Прямоугольник 7"/>
           <p:cNvSpPr/>
           <p:nvPr/>
         </p:nvSpPr>
         <p:spPr>
           <a:xfrm>
-            <a:off x="10664806" y="3150000"/>
-            <a:ext cx="2160000" cy="1800000"/>
+            <a:off x="1142999" y="8385174"/>
+            <a:ext cx="6850063" cy="3814763"/>
+          </a:xfrm>
+          <a:prstGeom prst="rect">
+            <a:avLst/>
+          </a:prstGeom>
+          <a:noFill/>
+          <a:ln w="38100">
+            <a:solidFill>
+              <a:schemeClr val="tx1"/>
+            </a:solidFill>
+          </a:ln>
+        </p:spPr>
+        <p:style>
+          <a:lnRef idx="2">
+            <a:schemeClr val="accent1">
+              <a:shade val="50000"/>
+            </a:schemeClr>
+          </a:lnRef>
+          <a:fillRef idx="1">
+            <a:schemeClr val="accent1"/>
+          </a:fillRef>
+          <a:effectRef idx="0">
+            <a:schemeClr val="accent1"/>
+          </a:effectRef>
+          <a:fontRef idx="minor">
+            <a:schemeClr val="lt1"/>
+          </a:fontRef>
+        </p:style>
+        <p:txBody>
+          <a:bodyPr rtlCol="0" anchor="ctr"/>
+          <a:lstStyle/>
+          <a:p>
+            <a:pPr algn="ctr"/>
+            <a:r>
+              <a:rPr lang="ru-RU" sz="4800" dirty="0" smtClean="0">
+                <a:solidFill>
+                  <a:schemeClr val="tx1"/>
+                </a:solidFill>
+              </a:rPr>
+              <a:t>Код тестов</a:t>
+            </a:r>
+          </a:p>
+        </p:txBody>
+      </p:sp>
+      <p:sp>
+        <p:nvSpPr>
+          <p:cNvPr id="21" name="Прямоугольник 20"/>
+          <p:cNvSpPr/>
+          <p:nvPr/>
+        </p:nvSpPr>
+        <p:spPr>
+          <a:xfrm>
+            <a:off x="16407543" y="8384400"/>
+            <a:ext cx="6850063" cy="3814763"/>
+          </a:xfrm>
+          <a:prstGeom prst="rect">
+            <a:avLst/>
+          </a:prstGeom>
+          <a:noFill/>
+          <a:ln w="38100">
+            <a:solidFill>
+              <a:schemeClr val="tx1"/>
+            </a:solidFill>
+          </a:ln>
+        </p:spPr>
+        <p:style>
+          <a:lnRef idx="2">
+            <a:schemeClr val="accent1">
+              <a:shade val="50000"/>
+            </a:schemeClr>
+          </a:lnRef>
+          <a:fillRef idx="1">
+            <a:schemeClr val="accent1"/>
+          </a:fillRef>
+          <a:effectRef idx="0">
+            <a:schemeClr val="accent1"/>
+          </a:effectRef>
+          <a:fontRef idx="minor">
+            <a:schemeClr val="lt1"/>
+          </a:fontRef>
+        </p:style>
+        <p:txBody>
+          <a:bodyPr rtlCol="0" anchor="ctr"/>
+          <a:lstStyle/>
+          <a:p>
+            <a:pPr algn="ctr"/>
+            <a:r>
+              <a:rPr lang="ru-RU" sz="4800" dirty="0" smtClean="0">
+                <a:solidFill>
+                  <a:schemeClr val="tx1"/>
+                </a:solidFill>
+              </a:rPr>
+              <a:t>Код </a:t>
+            </a:r>
+            <a:r>
+              <a:rPr lang="ru-RU" sz="4800" dirty="0" smtClean="0">
+                <a:solidFill>
+                  <a:schemeClr val="tx1"/>
+                </a:solidFill>
+              </a:rPr>
+              <a:t>инструментов</a:t>
+            </a:r>
+            <a:endParaRPr lang="ru-RU" sz="4800" dirty="0" smtClean="0">
+              <a:solidFill>
+                <a:schemeClr val="tx1"/>
+              </a:solidFill>
+            </a:endParaRPr>
+          </a:p>
+        </p:txBody>
+      </p:sp>
+      <p:sp>
+        <p:nvSpPr>
+          <p:cNvPr id="3" name="Прямоугольник 2"/>
+          <p:cNvSpPr/>
+          <p:nvPr/>
+        </p:nvSpPr>
+        <p:spPr>
+          <a:xfrm>
+            <a:off x="1142999" y="3042000"/>
+            <a:ext cx="1908000" cy="1908000"/>
           </a:xfrm>
           <a:prstGeom prst="rect">
             <a:avLst/>
@@ -21699,8 +22026,8 @@
         </p:nvSpPr>
         <p:spPr>
           <a:xfrm>
-            <a:off x="1124806" y="3042000"/>
-            <a:ext cx="6480000" cy="3600000"/>
+            <a:off x="1124805" y="3042000"/>
+            <a:ext cx="6868257" cy="3816000"/>
           </a:xfrm>
           <a:prstGeom prst="rect">
             <a:avLst/>
@@ -21750,6 +22077,116 @@
               <a:t>production</a:t>
             </a:r>
             <a:endParaRPr lang="ru-RU" sz="4800" dirty="0" err="1" smtClean="0">
+              <a:solidFill>
+                <a:schemeClr val="tx1"/>
+              </a:solidFill>
+            </a:endParaRPr>
+          </a:p>
+        </p:txBody>
+      </p:sp>
+      <p:sp>
+        <p:nvSpPr>
+          <p:cNvPr id="32" name="Прямоугольник 31"/>
+          <p:cNvSpPr/>
+          <p:nvPr/>
+        </p:nvSpPr>
+        <p:spPr>
+          <a:xfrm>
+            <a:off x="16388806" y="3042000"/>
+            <a:ext cx="1908000" cy="1908000"/>
+          </a:xfrm>
+          <a:prstGeom prst="rect">
+            <a:avLst/>
+          </a:prstGeom>
+          <a:solidFill>
+            <a:schemeClr val="tx2"/>
+          </a:solidFill>
+          <a:ln w="38100">
+            <a:solidFill>
+              <a:schemeClr val="tx1"/>
+            </a:solidFill>
+          </a:ln>
+        </p:spPr>
+        <p:style>
+          <a:lnRef idx="2">
+            <a:schemeClr val="accent1">
+              <a:shade val="50000"/>
+            </a:schemeClr>
+          </a:lnRef>
+          <a:fillRef idx="1">
+            <a:schemeClr val="accent1"/>
+          </a:fillRef>
+          <a:effectRef idx="0">
+            <a:schemeClr val="accent1"/>
+          </a:effectRef>
+          <a:fontRef idx="minor">
+            <a:schemeClr val="lt1"/>
+          </a:fontRef>
+        </p:style>
+        <p:txBody>
+          <a:bodyPr rtlCol="0" anchor="ctr"/>
+          <a:lstStyle/>
+          <a:p>
+            <a:pPr algn="ctr"/>
+            <a:endParaRPr lang="ru-RU" dirty="0" err="1" smtClean="0">
+              <a:solidFill>
+                <a:schemeClr val="tx1"/>
+              </a:solidFill>
+            </a:endParaRPr>
+          </a:p>
+        </p:txBody>
+      </p:sp>
+      <p:sp>
+        <p:nvSpPr>
+          <p:cNvPr id="22" name="Прямоугольник 21"/>
+          <p:cNvSpPr/>
+          <p:nvPr/>
+        </p:nvSpPr>
+        <p:spPr>
+          <a:xfrm>
+            <a:off x="16388806" y="3043237"/>
+            <a:ext cx="6850063" cy="3814763"/>
+          </a:xfrm>
+          <a:prstGeom prst="rect">
+            <a:avLst/>
+          </a:prstGeom>
+          <a:noFill/>
+          <a:ln w="38100">
+            <a:solidFill>
+              <a:schemeClr val="tx1"/>
+            </a:solidFill>
+          </a:ln>
+        </p:spPr>
+        <p:style>
+          <a:lnRef idx="2">
+            <a:schemeClr val="accent1">
+              <a:shade val="50000"/>
+            </a:schemeClr>
+          </a:lnRef>
+          <a:fillRef idx="1">
+            <a:schemeClr val="accent1"/>
+          </a:fillRef>
+          <a:effectRef idx="0">
+            <a:schemeClr val="accent1"/>
+          </a:effectRef>
+          <a:fontRef idx="minor">
+            <a:schemeClr val="lt1"/>
+          </a:fontRef>
+        </p:style>
+        <p:txBody>
+          <a:bodyPr rtlCol="0" anchor="ctr"/>
+          <a:lstStyle/>
+          <a:p>
+            <a:pPr algn="ctr"/>
+            <a:r>
+              <a:rPr lang="ru-RU" sz="4800" dirty="0" smtClean="0">
+                <a:solidFill>
+                  <a:schemeClr val="tx1"/>
+                </a:solidFill>
+              </a:rPr>
+              <a:t>Код мониторингов</a:t>
+            </a:r>
+            <a:endParaRPr lang="ru-RU" sz="4800" dirty="0" smtClean="0">
               <a:solidFill>
                 <a:schemeClr val="tx1"/>
               </a:solidFill>
@@ -21788,7 +22225,7 @@
                             </p:stCondLst>
                             <p:childTnLst>
                               <p:par>
-                                <p:cTn id="5" presetID="2" presetClass="entr" presetSubtype="2" fill="hold" grpId="0" nodeType="clickEffect">
+                                <p:cTn id="5" presetID="2" presetClass="entr" presetSubtype="8" fill="hold" grpId="0" nodeType="clickEffect">
                                   <p:stCondLst>
                                     <p:cond delay="0"/>
                                   </p:stCondLst>
@@ -21801,7 +22238,7 @@
                                           </p:stCondLst>
                                         </p:cTn>
                                         <p:tgtEl>
-                                          <p:spTgt spid="10"/>
+                                          <p:spTgt spid="8"/>
                                         </p:tgtEl>
                                         <p:attrNameLst>
                                           <p:attrName>style.visibility</p:attrName>
@@ -21815,7 +22252,7 @@
                                       <p:cBhvr additive="base">
                                         <p:cTn id="7" dur="500" fill="hold"/>
                                         <p:tgtEl>
-                                          <p:spTgt spid="10"/>
+                                          <p:spTgt spid="8"/>
                                         </p:tgtEl>
                                         <p:attrNameLst>
                                           <p:attrName>ppt_x</p:attrName>
@@ -21824,7 +22261,7 @@
                                       <p:tavLst>
                                         <p:tav tm="0">
                                           <p:val>
-                                            <p:strVal val="1+#ppt_w/2"/>
+                                            <p:strVal val="0-#ppt_w/2"/>
                                           </p:val>
                                         </p:tav>
                                         <p:tav tm="100000">
@@ -21838,7 +22275,7 @@
                                       <p:cBhvr additive="base">
                                         <p:cTn id="8" dur="500" fill="hold"/>
                                         <p:tgtEl>
-                                          <p:spTgt spid="10"/>
+                                          <p:spTgt spid="8"/>
                                         </p:tgtEl>
                                         <p:attrNameLst>
                                           <p:attrName>ppt_y</p:attrName>
@@ -21874,7 +22311,7 @@
                                           </p:stCondLst>
                                         </p:cTn>
                                         <p:tgtEl>
-                                          <p:spTgt spid="9"/>
+                                          <p:spTgt spid="21"/>
                                         </p:tgtEl>
                                         <p:attrNameLst>
                                           <p:attrName>style.visibility</p:attrName>
@@ -21888,7 +22325,7 @@
                                       <p:cBhvr additive="base">
                                         <p:cTn id="11" dur="500" fill="hold"/>
                                         <p:tgtEl>
-                                          <p:spTgt spid="9"/>
+                                          <p:spTgt spid="21"/>
                                         </p:tgtEl>
                                         <p:attrNameLst>
                                           <p:attrName>ppt_x</p:attrName>
@@ -21911,7 +22348,7 @@
                                       <p:cBhvr additive="base">
                                         <p:cTn id="12" dur="500" fill="hold"/>
                                         <p:tgtEl>
-                                          <p:spTgt spid="9"/>
+                                          <p:spTgt spid="21"/>
                                         </p:tgtEl>
                                         <p:attrNameLst>
                                           <p:attrName>ppt_y</p:attrName>
@@ -21934,7 +22371,7 @@
                                 </p:cTn>
                               </p:par>
                               <p:par>
-                                <p:cTn id="13" presetID="2" presetClass="entr" presetSubtype="8" fill="hold" grpId="0" nodeType="withEffect">
+                                <p:cTn id="13" presetID="2" presetClass="entr" presetSubtype="2" fill="hold" grpId="0" nodeType="withEffect">
                                   <p:stCondLst>
                                     <p:cond delay="0"/>
                                   </p:stCondLst>
@@ -21947,7 +22384,7 @@
                                           </p:stCondLst>
                                         </p:cTn>
                                         <p:tgtEl>
-                                          <p:spTgt spid="8"/>
+                                          <p:spTgt spid="22"/>
                                         </p:tgtEl>
                                         <p:attrNameLst>
                                           <p:attrName>style.visibility</p:attrName>
@@ -21961,7 +22398,7 @@
                                       <p:cBhvr additive="base">
                                         <p:cTn id="15" dur="500" fill="hold"/>
                                         <p:tgtEl>
-                                          <p:spTgt spid="8"/>
+                                          <p:spTgt spid="22"/>
                                         </p:tgtEl>
                                         <p:attrNameLst>
                                           <p:attrName>ppt_x</p:attrName>
@@ -21970,7 +22407,7 @@
                                       <p:tavLst>
                                         <p:tav tm="0">
                                           <p:val>
-                                            <p:strVal val="0-#ppt_w/2"/>
+                                            <p:strVal val="1+#ppt_w/2"/>
                                           </p:val>
                                         </p:tav>
                                         <p:tav tm="100000">
@@ -21984,7 +22421,7 @@
                                       <p:cBhvr additive="base">
                                         <p:cTn id="16" dur="500" fill="hold"/>
                                         <p:tgtEl>
-                                          <p:spTgt spid="8"/>
+                                          <p:spTgt spid="22"/>
                                         </p:tgtEl>
                                         <p:attrNameLst>
                                           <p:attrName>ppt_y</p:attrName>
@@ -22003,108 +22440,6 @@
                                         </p:tav>
                                       </p:tavLst>
                                     </p:anim>
-                                  </p:childTnLst>
-                                </p:cTn>
-                              </p:par>
-                            </p:childTnLst>
-                          </p:cTn>
-                        </p:par>
-                      </p:childTnLst>
-                    </p:cTn>
-                  </p:par>
-                  <p:par>
-                    <p:cTn id="17" fill="hold">
-                      <p:stCondLst>
-                        <p:cond delay="indefinite"/>
-                      </p:stCondLst>
-                      <p:childTnLst>
-                        <p:par>
-                          <p:cTn id="18" fill="hold">
-                            <p:stCondLst>
-                              <p:cond delay="0"/>
-                            </p:stCondLst>
-                            <p:childTnLst>
-                              <p:par>
-                                <p:cTn id="19" presetID="0" presetClass="path" presetSubtype="0" accel="50000" decel="50000" fill="hold" grpId="0" nodeType="clickEffect">
-                                  <p:stCondLst>
-                                    <p:cond delay="0"/>
-                                  </p:stCondLst>
-                                  <p:childTnLst>
-                                    <p:animMotion origin="layout" path="M -3.94034E-6 6.11111E-6 L -0.41383 -0.17708 " pathEditMode="relative" ptsTypes="AA">
-                                      <p:cBhvr>
-                                        <p:cTn id="20" dur="1250" fill="hold"/>
-                                        <p:tgtEl>
-                                          <p:spTgt spid="15"/>
-                                        </p:tgtEl>
-                                        <p:attrNameLst>
-                                          <p:attrName>ppt_x</p:attrName>
-                                          <p:attrName>ppt_y</p:attrName>
-                                        </p:attrNameLst>
-                                      </p:cBhvr>
-                                    </p:animMotion>
-                                  </p:childTnLst>
-                                </p:cTn>
-                              </p:par>
-                              <p:par>
-                                <p:cTn id="21" presetID="0" presetClass="path" presetSubtype="0" accel="50000" decel="50000" fill="hold" grpId="0" nodeType="withEffect">
-                                  <p:stCondLst>
-                                    <p:cond delay="0"/>
-                                  </p:stCondLst>
-                                  <p:childTnLst>
-                                    <p:animMotion origin="layout" path="M 2.75107E-6 -2.40741E-6 L -0.31887 -0.25625 " pathEditMode="relative" ptsTypes="AA">
-                                      <p:cBhvr>
-                                        <p:cTn id="22" dur="1250" fill="hold"/>
-                                        <p:tgtEl>
-                                          <p:spTgt spid="13"/>
-                                        </p:tgtEl>
-                                        <p:attrNameLst>
-                                          <p:attrName>ppt_x</p:attrName>
-                                          <p:attrName>ppt_y</p:attrName>
-                                        </p:attrNameLst>
-                                      </p:cBhvr>
-                                    </p:animMotion>
-                                  </p:childTnLst>
-                                </p:cTn>
-                              </p:par>
-                              <p:par>
-                                <p:cTn id="23" presetID="0" presetClass="path" presetSubtype="0" accel="50000" decel="50000" fill="hold" grpId="0" nodeType="withEffect">
-                                  <p:stCondLst>
-                                    <p:cond delay="0"/>
-                                  </p:stCondLst>
-                                  <p:childTnLst>
-                                    <p:animMotion origin="layout" path="M -4.56559E-6 -6.48148E-6 L -0.3599 -0.19167 " pathEditMode="relative" ptsTypes="AA">
-                                      <p:cBhvr>
-                                        <p:cTn id="24" dur="1250" fill="hold"/>
-                                        <p:tgtEl>
-                                          <p:spTgt spid="14"/>
-                                        </p:tgtEl>
-                                        <p:attrNameLst>
-                                          <p:attrName>ppt_x</p:attrName>
-                                          <p:attrName>ppt_y</p:attrName>
-                                        </p:attrNameLst>
-                                      </p:cBhvr>
-                                    </p:animMotion>
-                                  </p:childTnLst>
-                                </p:cTn>
-                              </p:par>
-                              <p:par>
-                                <p:cTn id="25" presetID="0" presetClass="path" presetSubtype="0" accel="50000" decel="50000" fill="hold" grpId="0" nodeType="withEffect">
-                                  <p:stCondLst>
-                                    <p:cond delay="0"/>
-                                  </p:stCondLst>
-                                  <p:childTnLst>
-                                    <p:animMotion origin="layout" path="M -3.98593E-6 3.7037E-7 L -0.21453 -0.09375 " pathEditMode="relative" ptsTypes="AA">
-                                      <p:cBhvr>
-                                        <p:cTn id="26" dur="1250" fill="hold"/>
-                                        <p:tgtEl>
-                                          <p:spTgt spid="12"/>
-                                        </p:tgtEl>
-                                        <p:attrNameLst>
-                                          <p:attrName>ppt_x</p:attrName>
-                                          <p:attrName>ppt_y</p:attrName>
-                                        </p:attrNameLst>
-                                      </p:cBhvr>
-                                    </p:animMotion>
                                   </p:childTnLst>
                                 </p:cTn>
                               </p:par>
@@ -22137,12 +22472,8 @@
     </p:tnLst>
     <p:bldLst>
       <p:bldP spid="8" grpId="0" animBg="1"/>
-      <p:bldP spid="9" grpId="0" animBg="1"/>
-      <p:bldP spid="10" grpId="0" animBg="1"/>
-      <p:bldP spid="12" grpId="0" animBg="1"/>
-      <p:bldP spid="13" grpId="0" animBg="1"/>
-      <p:bldP spid="14" grpId="0" animBg="1"/>
-      <p:bldP spid="15" grpId="0" animBg="1"/>
+      <p:bldP spid="21" grpId="0" animBg="1"/>
+      <p:bldP spid="22" grpId="0" animBg="1"/>
     </p:bldLst>
   </p:timing>
 </p:sld>
@@ -27664,7 +27995,7 @@
               <a:effectLst/>
               <a:extLst>
                 <a:ext uri="{C572A759-6A51-4108-AA02-DFA0A04FC94B}">
-                  <ma14:wrappingTextBoxFlag xmlns:ma14="http://schemas.microsoft.com/office/mac/drawingml/2011/main" xmlns="" val="1"/>
+                  <ma14:wrappingTextBoxFlag xmlns="" xmlns:ma14="http://schemas.microsoft.com/office/mac/drawingml/2011/main" val="1"/>
                 </a:ext>
               </a:extLst>
             </p:spPr>
@@ -27744,11 +28075,11 @@
   <p:clrMapOvr>
     <a:masterClrMapping/>
   </p:clrMapOvr>
-  <mc:AlternateContent xmlns:mc="http://schemas.openxmlformats.org/markup-compatibility/2006">
-    <mc:Choice xmlns:p14="http://schemas.microsoft.com/office/powerpoint/2010/main" Requires="p14">
+  <mc:AlternateContent xmlns:mc="http://schemas.openxmlformats.org/markup-compatibility/2006" xmlns:p14="http://schemas.microsoft.com/office/powerpoint/2010/main">
+    <mc:Choice Requires="p14">
       <p:transition spd="slow" p14:dur="2000"/>
     </mc:Choice>
-    <mc:Fallback>
+    <mc:Fallback xmlns="">
       <p:transition spd="slow"/>
     </mc:Fallback>
   </mc:AlternateContent>
@@ -28230,58 +28561,6 @@
       </p:grpSpPr>
       <p:sp>
         <p:nvSpPr>
-          <p:cNvPr id="8" name="Прямоугольник 7"/>
-          <p:cNvSpPr/>
-          <p:nvPr/>
-        </p:nvSpPr>
-        <p:spPr>
-          <a:xfrm>
-            <a:off x="1124806" y="3042000"/>
-            <a:ext cx="8640000" cy="8640000"/>
-          </a:xfrm>
-          <a:prstGeom prst="rect">
-            <a:avLst/>
-          </a:prstGeom>
-          <a:solidFill>
-            <a:schemeClr val="bg1"/>
-          </a:solidFill>
-          <a:ln w="38100">
-            <a:solidFill>
-              <a:schemeClr val="tx1"/>
-            </a:solidFill>
-          </a:ln>
-        </p:spPr>
-        <p:style>
-          <a:lnRef idx="2">
-            <a:schemeClr val="accent1">
-              <a:shade val="50000"/>
-            </a:schemeClr>
-          </a:lnRef>
-          <a:fillRef idx="1">
-            <a:schemeClr val="accent1"/>
-          </a:fillRef>
-          <a:effectRef idx="0">
-            <a:schemeClr val="accent1"/>
-          </a:effectRef>
-          <a:fontRef idx="minor">
-            <a:schemeClr val="lt1"/>
-          </a:fontRef>
-        </p:style>
-        <p:txBody>
-          <a:bodyPr rtlCol="0" anchor="ctr"/>
-          <a:lstStyle/>
-          <a:p>
-            <a:pPr algn="ctr"/>
-            <a:endParaRPr lang="ru-RU" sz="4800" dirty="0" err="1" smtClean="0">
-              <a:solidFill>
-                <a:schemeClr val="tx1"/>
-              </a:solidFill>
-            </a:endParaRPr>
-          </a:p>
-        </p:txBody>
-      </p:sp>
-      <p:sp>
-        <p:nvSpPr>
           <p:cNvPr id="2" name="Заголовок 1"/>
           <p:cNvSpPr>
             <a:spLocks noGrp="1"/>
@@ -28377,8 +28656,8 @@
         </p:nvSpPr>
         <p:spPr>
           <a:xfrm>
-            <a:off x="14862406" y="9147600"/>
-            <a:ext cx="2880000" cy="2880000"/>
+            <a:off x="14862175" y="4235228"/>
+            <a:ext cx="3052106" cy="3052413"/>
           </a:xfrm>
           <a:prstGeom prst="rect">
             <a:avLst/>
@@ -28429,8 +28708,8 @@
         </p:nvSpPr>
         <p:spPr>
           <a:xfrm>
-            <a:off x="14480806" y="5331600"/>
-            <a:ext cx="2880000" cy="2880000"/>
+            <a:off x="16755269" y="5343486"/>
+            <a:ext cx="3052762" cy="3050723"/>
           </a:xfrm>
           <a:prstGeom prst="rect">
             <a:avLst/>
@@ -28481,8 +28760,8 @@
         </p:nvSpPr>
         <p:spPr>
           <a:xfrm>
-            <a:off x="19477606" y="5922000"/>
-            <a:ext cx="2880000" cy="5760000"/>
+            <a:off x="20220918" y="3805238"/>
+            <a:ext cx="3053419" cy="6127220"/>
           </a:xfrm>
           <a:prstGeom prst="rect">
             <a:avLst/>
@@ -28533,8 +28812,8 @@
         </p:nvSpPr>
         <p:spPr>
           <a:xfrm rot="5400000">
-            <a:off x="17447206" y="2886442"/>
-            <a:ext cx="2880000" cy="5760000"/>
+            <a:off x="16016781" y="6115509"/>
+            <a:ext cx="3030717" cy="6105599"/>
           </a:xfrm>
           <a:prstGeom prst="rect">
             <a:avLst/>
@@ -28585,8 +28864,8 @@
         </p:nvSpPr>
         <p:spPr>
           <a:xfrm rot="5400000">
-            <a:off x="16597606" y="5504400"/>
-            <a:ext cx="2880000" cy="8640000"/>
+            <a:off x="16448572" y="6144896"/>
+            <a:ext cx="3053226" cy="9140824"/>
           </a:xfrm>
           <a:prstGeom prst="rect">
             <a:avLst/>
@@ -28631,34 +28910,67 @@
       </p:sp>
       <p:sp>
         <p:nvSpPr>
-          <p:cNvPr id="13" name="Объект 12"/>
-          <p:cNvSpPr>
-            <a:spLocks noGrp="1"/>
-          </p:cNvSpPr>
-          <p:nvPr>
-            <p:ph idx="1"/>
-          </p:nvPr>
+          <p:cNvPr id="8" name="Прямоугольник 7"/>
+          <p:cNvSpPr/>
+          <p:nvPr/>
         </p:nvSpPr>
         <p:spPr>
           <a:xfrm>
-            <a:off x="1143000" y="3048000"/>
-            <a:ext cx="8621806" cy="8634000"/>
+            <a:off x="1124805" y="3042000"/>
+            <a:ext cx="9159019" cy="9157938"/>
           </a:xfrm>
+          <a:prstGeom prst="rect">
+            <a:avLst/>
+          </a:prstGeom>
+          <a:noFill/>
+          <a:ln w="38100">
+            <a:solidFill>
+              <a:schemeClr val="tx1"/>
+            </a:solidFill>
+          </a:ln>
         </p:spPr>
-        <p:txBody>
-          <a:bodyPr/>
+        <p:style>
+          <a:lnRef idx="2">
+            <a:schemeClr val="accent1">
+              <a:shade val="50000"/>
+            </a:schemeClr>
+          </a:lnRef>
+          <a:fillRef idx="1">
+            <a:schemeClr val="accent1"/>
+          </a:fillRef>
+          <a:effectRef idx="0">
+            <a:schemeClr val="accent1"/>
+          </a:effectRef>
+          <a:fontRef idx="minor">
+            <a:schemeClr val="lt1"/>
+          </a:fontRef>
+        </p:style>
+        <p:txBody>
+          <a:bodyPr rtlCol="0" anchor="ctr"/>
           <a:lstStyle/>
           <a:p>
             <a:pPr algn="ctr"/>
             <a:r>
-              <a:rPr lang="ru-RU" dirty="0" smtClean="0"/>
+              <a:rPr lang="ru-RU" sz="4800" dirty="0" smtClean="0">
+                <a:solidFill>
+                  <a:schemeClr val="tx1"/>
+                </a:solidFill>
+              </a:rPr>
               <a:t>Код, который работает в </a:t>
             </a:r>
             <a:r>
-              <a:rPr lang="en-US" dirty="0" smtClean="0"/>
+              <a:rPr lang="en-US" sz="4800" dirty="0" smtClean="0">
+                <a:solidFill>
+                  <a:schemeClr val="tx1"/>
+                </a:solidFill>
+              </a:rPr>
               <a:t>production</a:t>
             </a:r>
-            <a:endParaRPr lang="ru-RU" dirty="0"/>
+            <a:endParaRPr lang="ru-RU" sz="4800" dirty="0" err="1" smtClean="0">
+              <a:solidFill>
+                <a:schemeClr val="tx1"/>
+              </a:solidFill>
+            </a:endParaRPr>
           </a:p>
         </p:txBody>
       </p:sp>
@@ -28877,12 +29189,12 @@
                             </p:stCondLst>
                             <p:childTnLst>
                               <p:par>
-                                <p:cTn id="19" presetID="0" presetClass="path" presetSubtype="0" accel="50000" decel="50000" fill="hold" grpId="1" nodeType="clickEffect">
+                                <p:cTn id="19" presetID="42" presetClass="path" presetSubtype="0" accel="50000" decel="50000" fill="hold" grpId="1" nodeType="clickEffect">
                                   <p:stCondLst>
                                     <p:cond delay="0"/>
                                   </p:stCondLst>
                                   <p:childTnLst>
-                                    <p:animMotion origin="layout" path="M -1.5625E-6 7.59259E-6 L -0.54844 -0.16527 " pathEditMode="relative" ptsTypes="AA">
+                                    <p:animMotion origin="layout" path="M 1.60232E-6 -1.85185E-7 L -0.64106 -0.16667 " pathEditMode="relative" rAng="0" ptsTypes="AA">
                                       <p:cBhvr>
                                         <p:cTn id="20" dur="1250" fill="hold"/>
                                         <p:tgtEl>
@@ -28893,19 +29205,42 @@
                                           <p:attrName>ppt_y</p:attrName>
                                         </p:attrNameLst>
                                       </p:cBhvr>
+                                      <p:rCtr x="-32053" y="-8333"/>
                                     </p:animMotion>
                                   </p:childTnLst>
                                 </p:cTn>
                               </p:par>
                               <p:par>
-                                <p:cTn id="21" presetID="0" presetClass="path" presetSubtype="0" accel="50000" decel="50000" fill="hold" grpId="1" nodeType="withEffect">
+                                <p:cTn id="21" presetID="42" presetClass="path" presetSubtype="0" accel="50000" decel="50000" fill="hold" grpId="1" nodeType="withEffect">
                                   <p:stCondLst>
                                     <p:cond delay="0"/>
                                   </p:stCondLst>
                                   <p:childTnLst>
-                                    <p:animMotion origin="layout" path="M 0 0 L -0.51582 -0.20833 " pathEditMode="relative" ptsTypes="AA">
+                                    <p:animMotion origin="layout" path="M -4.06993E-6 -3.14815E-6 L -0.43818 -0.08692 " pathEditMode="relative" rAng="0" ptsTypes="AA">
                                       <p:cBhvr>
                                         <p:cTn id="22" dur="1250" fill="hold"/>
+                                        <p:tgtEl>
+                                          <p:spTgt spid="9"/>
+                                        </p:tgtEl>
+                                        <p:attrNameLst>
+                                          <p:attrName>ppt_x</p:attrName>
+                                          <p:attrName>ppt_y</p:attrName>
+                                        </p:attrNameLst>
+                                      </p:cBhvr>
+                                      <p:rCtr x="-21909" y="-4352"/>
+                                    </p:animMotion>
+                                  </p:childTnLst>
+                                </p:cTn>
+                              </p:par>
+                              <p:par>
+                                <p:cTn id="23" presetID="42" presetClass="path" presetSubtype="0" accel="50000" decel="50000" fill="hold" grpId="1" nodeType="withEffect">
+                                  <p:stCondLst>
+                                    <p:cond delay="0"/>
+                                  </p:stCondLst>
+                                  <p:childTnLst>
+                                    <p:animMotion origin="layout" path="M -4.68781E-8 -1.85185E-7 L -0.53278 -0.05382 " pathEditMode="relative" rAng="0" ptsTypes="AA">
+                                      <p:cBhvr>
+                                        <p:cTn id="24" dur="1250" fill="hold"/>
                                         <p:tgtEl>
                                           <p:spTgt spid="16"/>
                                         </p:tgtEl>
@@ -28914,38 +29249,18 @@
                                           <p:attrName>ppt_y</p:attrName>
                                         </p:attrNameLst>
                                       </p:cBhvr>
+                                      <p:rCtr x="-26642" y="-2697"/>
                                     </p:animMotion>
                                   </p:childTnLst>
                                 </p:cTn>
                               </p:par>
                               <p:par>
-                                <p:cTn id="23" presetID="0" presetClass="path" presetSubtype="0" accel="50000" decel="50000" fill="hold" grpId="1" nodeType="withEffect">
+                                <p:cTn id="25" presetID="42" presetClass="path" presetSubtype="0" accel="50000" decel="50000" fill="hold" grpId="1" nodeType="withEffect">
                                   <p:stCondLst>
                                     <p:cond delay="0"/>
                                   </p:stCondLst>
                                   <p:childTnLst>
-                                    <p:animMotion origin="layout" path="M 0 0 L -0.517 0.03125 " pathEditMode="relative" ptsTypes="AA">
-                                      <p:cBhvr>
-                                        <p:cTn id="24" dur="1250" fill="hold"/>
-                                        <p:tgtEl>
-                                          <p:spTgt spid="19"/>
-                                        </p:tgtEl>
-                                        <p:attrNameLst>
-                                          <p:attrName>ppt_x</p:attrName>
-                                          <p:attrName>ppt_y</p:attrName>
-                                        </p:attrNameLst>
-                                      </p:cBhvr>
-                                    </p:animMotion>
-                                  </p:childTnLst>
-                                </p:cTn>
-                              </p:par>
-                              <p:par>
-                                <p:cTn id="25" presetID="0" presetClass="path" presetSubtype="0" accel="50000" decel="50000" fill="hold" grpId="1" nodeType="withEffect">
-                                  <p:stCondLst>
-                                    <p:cond delay="0"/>
-                                  </p:stCondLst>
-                                  <p:childTnLst>
-                                    <p:animMotion origin="layout" path="M 0 0 L -0.60946 0.11609 " pathEditMode="relative" ptsTypes="AA">
+                                    <p:animMotion origin="layout" path="M -2.12188E-6 -2.77778E-6 L -0.54762 -0.11273 " pathEditMode="relative" rAng="0" ptsTypes="AA">
                                       <p:cBhvr>
                                         <p:cTn id="26" dur="1250" fill="hold"/>
                                         <p:tgtEl>
@@ -28956,27 +29271,29 @@
                                           <p:attrName>ppt_y</p:attrName>
                                         </p:attrNameLst>
                                       </p:cBhvr>
+                                      <p:rCtr x="-27385" y="-5637"/>
                                     </p:animMotion>
                                   </p:childTnLst>
                                 </p:cTn>
                               </p:par>
                               <p:par>
-                                <p:cTn id="27" presetID="0" presetClass="path" presetSubtype="0" accel="50000" decel="50000" fill="hold" grpId="1" nodeType="withEffect">
+                                <p:cTn id="27" presetID="42" presetClass="path" presetSubtype="0" accel="50000" decel="50000" fill="hold" grpId="1" nodeType="withEffect">
                                   <p:stCondLst>
                                     <p:cond delay="0"/>
                                   </p:stCondLst>
                                   <p:childTnLst>
-                                    <p:animMotion origin="layout" path="M 0 0 L -0.44479 -0.44445 " pathEditMode="relative" ptsTypes="AA">
+                                    <p:animMotion origin="layout" path="M -2.47542E-6 -0.00208 L -0.50329 -0.00301 " pathEditMode="relative" rAng="0" ptsTypes="AA">
                                       <p:cBhvr>
                                         <p:cTn id="28" dur="1250" fill="hold"/>
                                         <p:tgtEl>
-                                          <p:spTgt spid="9"/>
+                                          <p:spTgt spid="19"/>
                                         </p:tgtEl>
                                         <p:attrNameLst>
                                           <p:attrName>ppt_x</p:attrName>
                                           <p:attrName>ppt_y</p:attrName>
                                         </p:attrNameLst>
                                       </p:cBhvr>
+                                      <p:rCtr x="-25164" y="-46"/>
                                     </p:animMotion>
                                   </p:childTnLst>
                                 </p:cTn>
@@ -29968,7 +30285,7 @@
   <a:extraClrSchemeLst/>
   <a:extLst>
     <a:ext uri="{05A4C25C-085E-4340-85A3-A5531E510DB2}">
-      <thm15:themeFamily xmlns="" xmlns:thm15="http://schemas.microsoft.com/office/thememl/2012/main" name="Office Theme" id="{62F939B6-93AF-4DB8-9C6B-D6C7DFDC589F}" vid="{4A3C46E8-61CC-4603-A589-7422A47A8E4A}"/>
+      <thm15:themeFamily xmlns:thm15="http://schemas.microsoft.com/office/thememl/2012/main" name="Office Theme" id="{62F939B6-93AF-4DB8-9C6B-D6C7DFDC589F}" vid="{4A3C46E8-61CC-4603-A589-7422A47A8E4A}"/>
     </a:ext>
   </a:extLst>
 </a:theme>
@@ -30221,7 +30538,7 @@
   <a:extraClrSchemeLst/>
   <a:extLst>
     <a:ext uri="{05A4C25C-085E-4340-85A3-A5531E510DB2}">
-      <thm15:themeFamily xmlns:thm15="http://schemas.microsoft.com/office/thememl/2012/main" xmlns="" name="Office Theme" id="{62F939B6-93AF-4DB8-9C6B-D6C7DFDC589F}" vid="{4A3C46E8-61CC-4603-A589-7422A47A8E4A}"/>
+      <thm15:themeFamily xmlns:thm15="http://schemas.microsoft.com/office/thememl/2012/main" name="Office Theme" id="{62F939B6-93AF-4DB8-9C6B-D6C7DFDC589F}" vid="{4A3C46E8-61CC-4603-A589-7422A47A8E4A}"/>
     </a:ext>
   </a:extLst>
 </a:theme>
@@ -30482,7 +30799,7 @@
   <a:extraClrSchemeLst/>
   <a:extLst>
     <a:ext uri="{05A4C25C-085E-4340-85A3-A5531E510DB2}">
-      <thm15:themeFamily xmlns="" xmlns:thm15="http://schemas.microsoft.com/office/thememl/2012/main" name="Office Theme" id="{62F939B6-93AF-4DB8-9C6B-D6C7DFDC589F}" vid="{4A3C46E8-61CC-4603-A589-7422A47A8E4A}"/>
+      <thm15:themeFamily xmlns:thm15="http://schemas.microsoft.com/office/thememl/2012/main" name="Office Theme" id="{62F939B6-93AF-4DB8-9C6B-D6C7DFDC589F}" vid="{4A3C46E8-61CC-4603-A589-7422A47A8E4A}"/>
     </a:ext>
   </a:extLst>
 </a:theme>

--- a/slides.pptx
+++ b/slides.pptx
@@ -21582,8 +21582,8 @@
         </p:nvSpPr>
         <p:spPr>
           <a:xfrm>
-            <a:off x="4940806" y="3042000"/>
-            <a:ext cx="3052256" cy="1909889"/>
+            <a:off x="12572806" y="3088164"/>
+            <a:ext cx="2289369" cy="2241547"/>
           </a:xfrm>
           <a:prstGeom prst="rect">
             <a:avLst/>
@@ -21634,8 +21634,8 @@
         </p:nvSpPr>
         <p:spPr>
           <a:xfrm>
-            <a:off x="1124805" y="4948111"/>
-            <a:ext cx="4978955" cy="1909889"/>
+            <a:off x="9901916" y="5329711"/>
+            <a:ext cx="4579259" cy="1528289"/>
           </a:xfrm>
           <a:prstGeom prst="rect">
             <a:avLst/>
@@ -21686,8 +21686,8 @@
         </p:nvSpPr>
         <p:spPr>
           <a:xfrm>
-            <a:off x="6104305" y="4948110"/>
-            <a:ext cx="1889301" cy="1909889"/>
+            <a:off x="10283206" y="6809773"/>
+            <a:ext cx="1526207" cy="1574627"/>
           </a:xfrm>
           <a:prstGeom prst="rect">
             <a:avLst/>
@@ -21738,8 +21738,8 @@
         </p:nvSpPr>
         <p:spPr>
           <a:xfrm>
-            <a:off x="3050998" y="3039935"/>
-            <a:ext cx="1889301" cy="1909889"/>
+            <a:off x="11446744" y="4184524"/>
+            <a:ext cx="2233698" cy="2289987"/>
           </a:xfrm>
           <a:prstGeom prst="rect">
             <a:avLst/>
@@ -21974,8 +21974,8 @@
         </p:nvSpPr>
         <p:spPr>
           <a:xfrm>
-            <a:off x="1142999" y="3042000"/>
-            <a:ext cx="1908000" cy="1908000"/>
+            <a:off x="10300668" y="3419905"/>
+            <a:ext cx="2272332" cy="2293508"/>
           </a:xfrm>
           <a:prstGeom prst="rect">
             <a:avLst/>
@@ -22449,6 +22449,243 @@
                       </p:childTnLst>
                     </p:cTn>
                   </p:par>
+                  <p:par>
+                    <p:cTn id="17" fill="hold">
+                      <p:stCondLst>
+                        <p:cond delay="indefinite"/>
+                      </p:stCondLst>
+                      <p:childTnLst>
+                        <p:par>
+                          <p:cTn id="18" fill="hold">
+                            <p:stCondLst>
+                              <p:cond delay="0"/>
+                            </p:stCondLst>
+                            <p:childTnLst>
+                              <p:par>
+                                <p:cTn id="19" presetID="1" presetClass="entr" presetSubtype="0" fill="hold" grpId="0" nodeType="clickEffect">
+                                  <p:stCondLst>
+                                    <p:cond delay="0"/>
+                                  </p:stCondLst>
+                                  <p:childTnLst>
+                                    <p:set>
+                                      <p:cBhvr>
+                                        <p:cTn id="20" dur="1" fill="hold">
+                                          <p:stCondLst>
+                                            <p:cond delay="0"/>
+                                          </p:stCondLst>
+                                        </p:cTn>
+                                        <p:tgtEl>
+                                          <p:spTgt spid="24"/>
+                                        </p:tgtEl>
+                                        <p:attrNameLst>
+                                          <p:attrName>style.visibility</p:attrName>
+                                        </p:attrNameLst>
+                                      </p:cBhvr>
+                                      <p:to>
+                                        <p:strVal val="visible"/>
+                                      </p:to>
+                                    </p:set>
+                                  </p:childTnLst>
+                                </p:cTn>
+                              </p:par>
+                              <p:par>
+                                <p:cTn id="21" presetID="1" presetClass="entr" presetSubtype="0" fill="hold" grpId="0" nodeType="withEffect">
+                                  <p:stCondLst>
+                                    <p:cond delay="0"/>
+                                  </p:stCondLst>
+                                  <p:childTnLst>
+                                    <p:set>
+                                      <p:cBhvr>
+                                        <p:cTn id="22" dur="1" fill="hold">
+                                          <p:stCondLst>
+                                            <p:cond delay="0"/>
+                                          </p:stCondLst>
+                                        </p:cTn>
+                                        <p:tgtEl>
+                                          <p:spTgt spid="25"/>
+                                        </p:tgtEl>
+                                        <p:attrNameLst>
+                                          <p:attrName>style.visibility</p:attrName>
+                                        </p:attrNameLst>
+                                      </p:cBhvr>
+                                      <p:to>
+                                        <p:strVal val="visible"/>
+                                      </p:to>
+                                    </p:set>
+                                  </p:childTnLst>
+                                </p:cTn>
+                              </p:par>
+                              <p:par>
+                                <p:cTn id="23" presetID="1" presetClass="entr" presetSubtype="0" fill="hold" grpId="0" nodeType="withEffect">
+                                  <p:stCondLst>
+                                    <p:cond delay="0"/>
+                                  </p:stCondLst>
+                                  <p:childTnLst>
+                                    <p:set>
+                                      <p:cBhvr>
+                                        <p:cTn id="24" dur="1" fill="hold">
+                                          <p:stCondLst>
+                                            <p:cond delay="0"/>
+                                          </p:stCondLst>
+                                        </p:cTn>
+                                        <p:tgtEl>
+                                          <p:spTgt spid="26"/>
+                                        </p:tgtEl>
+                                        <p:attrNameLst>
+                                          <p:attrName>style.visibility</p:attrName>
+                                        </p:attrNameLst>
+                                      </p:cBhvr>
+                                      <p:to>
+                                        <p:strVal val="visible"/>
+                                      </p:to>
+                                    </p:set>
+                                  </p:childTnLst>
+                                </p:cTn>
+                              </p:par>
+                              <p:par>
+                                <p:cTn id="25" presetID="1" presetClass="entr" presetSubtype="0" fill="hold" grpId="0" nodeType="withEffect">
+                                  <p:stCondLst>
+                                    <p:cond delay="0"/>
+                                  </p:stCondLst>
+                                  <p:childTnLst>
+                                    <p:set>
+                                      <p:cBhvr>
+                                        <p:cTn id="26" dur="1" fill="hold">
+                                          <p:stCondLst>
+                                            <p:cond delay="0"/>
+                                          </p:stCondLst>
+                                        </p:cTn>
+                                        <p:tgtEl>
+                                          <p:spTgt spid="7"/>
+                                        </p:tgtEl>
+                                        <p:attrNameLst>
+                                          <p:attrName>style.visibility</p:attrName>
+                                        </p:attrNameLst>
+                                      </p:cBhvr>
+                                      <p:to>
+                                        <p:strVal val="visible"/>
+                                      </p:to>
+                                    </p:set>
+                                  </p:childTnLst>
+                                </p:cTn>
+                              </p:par>
+                              <p:par>
+                                <p:cTn id="27" presetID="1" presetClass="entr" presetSubtype="0" fill="hold" grpId="0" nodeType="withEffect">
+                                  <p:stCondLst>
+                                    <p:cond delay="0"/>
+                                  </p:stCondLst>
+                                  <p:childTnLst>
+                                    <p:set>
+                                      <p:cBhvr>
+                                        <p:cTn id="28" dur="1" fill="hold">
+                                          <p:stCondLst>
+                                            <p:cond delay="0"/>
+                                          </p:stCondLst>
+                                        </p:cTn>
+                                        <p:tgtEl>
+                                          <p:spTgt spid="3"/>
+                                        </p:tgtEl>
+                                        <p:attrNameLst>
+                                          <p:attrName>style.visibility</p:attrName>
+                                        </p:attrNameLst>
+                                      </p:cBhvr>
+                                      <p:to>
+                                        <p:strVal val="visible"/>
+                                      </p:to>
+                                    </p:set>
+                                  </p:childTnLst>
+                                </p:cTn>
+                              </p:par>
+                            </p:childTnLst>
+                          </p:cTn>
+                        </p:par>
+                      </p:childTnLst>
+                    </p:cTn>
+                  </p:par>
+                  <p:par>
+                    <p:cTn id="29" fill="hold">
+                      <p:stCondLst>
+                        <p:cond delay="indefinite"/>
+                      </p:stCondLst>
+                      <p:childTnLst>
+                        <p:par>
+                          <p:cTn id="30" fill="hold">
+                            <p:stCondLst>
+                              <p:cond delay="0"/>
+                            </p:stCondLst>
+                            <p:childTnLst>
+                              <p:par>
+                                <p:cTn id="31" presetID="42" presetClass="path" presetSubtype="0" accel="50000" decel="50000" fill="hold" grpId="1" nodeType="clickEffect">
+                                  <p:stCondLst>
+                                    <p:cond delay="0"/>
+                                  </p:stCondLst>
+                                  <p:childTnLst>
+                                    <p:animMotion origin="layout" path="M -9.53187E-7 -3.7037E-7 L -0.37593 -0.02824 " pathEditMode="relative" rAng="0" ptsTypes="AA">
+                                      <p:cBhvr>
+                                        <p:cTn id="32" dur="1250" fill="hold"/>
+                                        <p:tgtEl>
+                                          <p:spTgt spid="3"/>
+                                        </p:tgtEl>
+                                        <p:attrNameLst>
+                                          <p:attrName>ppt_x</p:attrName>
+                                          <p:attrName>ppt_y</p:attrName>
+                                        </p:attrNameLst>
+                                      </p:cBhvr>
+                                      <p:rCtr x="-18797" y="-1412"/>
+                                    </p:animMotion>
+                                  </p:childTnLst>
+                                </p:cTn>
+                              </p:par>
+                              <p:par>
+                                <p:cTn id="33" presetID="42" presetClass="path" presetSubtype="0" accel="50000" decel="50000" fill="hold" grpId="1" nodeType="withEffect">
+                                  <p:stCondLst>
+                                    <p:cond delay="0"/>
+                                  </p:stCondLst>
+                                  <p:childTnLst>
+                                    <p:animMotion origin="layout" path="M 2.07891E-6 -1.66667E-6 L -0.32828 -0.08333 " pathEditMode="relative" rAng="0" ptsTypes="AA">
+                                      <p:cBhvr>
+                                        <p:cTn id="34" dur="1250" fill="hold"/>
+                                        <p:tgtEl>
+                                          <p:spTgt spid="7"/>
+                                        </p:tgtEl>
+                                        <p:attrNameLst>
+                                          <p:attrName>ppt_x</p:attrName>
+                                          <p:attrName>ppt_y</p:attrName>
+                                        </p:attrNameLst>
+                                      </p:cBhvr>
+                                      <p:rCtr x="-16414" y="-4167"/>
+                                    </p:animMotion>
+                                  </p:childTnLst>
+                                </p:cTn>
+                              </p:par>
+                              <p:par>
+                                <p:cTn id="35" presetID="42" presetClass="path" presetSubtype="0" accel="50000" decel="50000" fill="hold" grpId="1" nodeType="withEffect">
+                                  <p:stCondLst>
+                                    <p:cond delay="0"/>
+                                  </p:stCondLst>
+                                  <p:childTnLst>
+                                    <p:animMotion origin="layout" path="M -1.73188E-6 1.2963E-6 L -0.28172 -0.0022 " pathEditMode="relative" rAng="0" ptsTypes="AA">
+                                      <p:cBhvr>
+                                        <p:cTn id="36" dur="1250" fill="hold"/>
+                                        <p:tgtEl>
+                                          <p:spTgt spid="24"/>
+                                        </p:tgtEl>
+                                        <p:attrNameLst>
+                                          <p:attrName>ppt_x</p:attrName>
+                                          <p:attrName>ppt_y</p:attrName>
+                                        </p:attrNameLst>
+                                      </p:cBhvr>
+                                      <p:rCtr x="-14089" y="-116"/>
+                                    </p:animMotion>
+                                  </p:childTnLst>
+                                </p:cTn>
+                              </p:par>
+                            </p:childTnLst>
+                          </p:cTn>
+                        </p:par>
+                      </p:childTnLst>
+                    </p:cTn>
+                  </p:par>
                 </p:childTnLst>
               </p:cTn>
               <p:prevCondLst>
@@ -22471,8 +22708,16 @@
       </p:par>
     </p:tnLst>
     <p:bldLst>
+      <p:bldP spid="24" grpId="0" animBg="1"/>
+      <p:bldP spid="24" grpId="1" animBg="1"/>
+      <p:bldP spid="25" grpId="0" animBg="1"/>
+      <p:bldP spid="26" grpId="0" animBg="1"/>
+      <p:bldP spid="7" grpId="0" animBg="1"/>
+      <p:bldP spid="7" grpId="1" animBg="1"/>
       <p:bldP spid="8" grpId="0" animBg="1"/>
       <p:bldP spid="21" grpId="0" animBg="1"/>
+      <p:bldP spid="3" grpId="0" animBg="1"/>
+      <p:bldP spid="3" grpId="1" animBg="1"/>
       <p:bldP spid="22" grpId="0" animBg="1"/>
     </p:bldLst>
   </p:timing>

--- a/slides.pptx
+++ b/slides.pptx
@@ -163,7 +163,7 @@
             <a:srgbClr val="A4A3A4"/>
           </p15:clr>
         </p15:guide>
-        <p15:guide id="2" pos="8792" userDrawn="1">
+        <p15:guide id="2" pos="8881" userDrawn="1">
           <p15:clr>
             <a:srgbClr val="A4A3A4"/>
           </p15:clr>
@@ -4803,7 +4803,7 @@
           </a:ln>
           <a:extLst>
             <a:ext uri="{C572A759-6A51-4108-AA02-DFA0A04FC94B}">
-              <ma14:wrappingTextBoxFlag xmlns:ma14="http://schemas.microsoft.com/office/mac/drawingml/2011/main" xmlns="" val="1"/>
+              <ma14:wrappingTextBoxFlag xmlns="" xmlns:ma14="http://schemas.microsoft.com/office/mac/drawingml/2011/main" val="1"/>
             </a:ext>
           </a:extLst>
         </p:spPr>
@@ -5274,7 +5274,7 @@
           </a:ln>
           <a:extLst>
             <a:ext uri="{C572A759-6A51-4108-AA02-DFA0A04FC94B}">
-              <ma14:wrappingTextBoxFlag xmlns:ma14="http://schemas.microsoft.com/office/mac/drawingml/2011/main" xmlns="" val="1"/>
+              <ma14:wrappingTextBoxFlag xmlns="" xmlns:ma14="http://schemas.microsoft.com/office/mac/drawingml/2011/main" val="1"/>
             </a:ext>
           </a:extLst>
         </p:spPr>
@@ -5420,7 +5420,7 @@
           </a:ln>
           <a:extLst>
             <a:ext uri="{C572A759-6A51-4108-AA02-DFA0A04FC94B}">
-              <ma14:wrappingTextBoxFlag xmlns:ma14="http://schemas.microsoft.com/office/mac/drawingml/2011/main" xmlns="" val="1"/>
+              <ma14:wrappingTextBoxFlag xmlns="" xmlns:ma14="http://schemas.microsoft.com/office/mac/drawingml/2011/main" val="1"/>
             </a:ext>
           </a:extLst>
         </p:spPr>
@@ -5462,7 +5462,7 @@
           </a:ln>
           <a:extLst>
             <a:ext uri="{C572A759-6A51-4108-AA02-DFA0A04FC94B}">
-              <ma14:wrappingTextBoxFlag xmlns:ma14="http://schemas.microsoft.com/office/mac/drawingml/2011/main" xmlns="" val="1"/>
+              <ma14:wrappingTextBoxFlag xmlns="" xmlns:ma14="http://schemas.microsoft.com/office/mac/drawingml/2011/main" val="1"/>
             </a:ext>
           </a:extLst>
         </p:spPr>
@@ -5658,7 +5658,7 @@
           </a:ln>
           <a:extLst>
             <a:ext uri="{C572A759-6A51-4108-AA02-DFA0A04FC94B}">
-              <ma14:wrappingTextBoxFlag xmlns:ma14="http://schemas.microsoft.com/office/mac/drawingml/2011/main" xmlns="" val="1"/>
+              <ma14:wrappingTextBoxFlag xmlns="" xmlns:ma14="http://schemas.microsoft.com/office/mac/drawingml/2011/main" val="1"/>
             </a:ext>
           </a:extLst>
         </p:spPr>
@@ -5782,7 +5782,7 @@
           </a:ln>
           <a:extLst>
             <a:ext uri="{C572A759-6A51-4108-AA02-DFA0A04FC94B}">
-              <ma14:wrappingTextBoxFlag xmlns:ma14="http://schemas.microsoft.com/office/mac/drawingml/2011/main" xmlns="" val="1"/>
+              <ma14:wrappingTextBoxFlag xmlns="" xmlns:ma14="http://schemas.microsoft.com/office/mac/drawingml/2011/main" val="1"/>
             </a:ext>
           </a:extLst>
         </p:spPr>
@@ -5876,7 +5876,7 @@
           </a:ln>
           <a:extLst>
             <a:ext uri="{C572A759-6A51-4108-AA02-DFA0A04FC94B}">
-              <ma14:wrappingTextBoxFlag xmlns:ma14="http://schemas.microsoft.com/office/mac/drawingml/2011/main" xmlns="" val="1"/>
+              <ma14:wrappingTextBoxFlag xmlns="" xmlns:ma14="http://schemas.microsoft.com/office/mac/drawingml/2011/main" val="1"/>
             </a:ext>
           </a:extLst>
         </p:spPr>
@@ -6167,7 +6167,7 @@
           </a:ln>
           <a:extLst>
             <a:ext uri="{C572A759-6A51-4108-AA02-DFA0A04FC94B}">
-              <ma14:wrappingTextBoxFlag xmlns:ma14="http://schemas.microsoft.com/office/mac/drawingml/2011/main" xmlns="" val="1"/>
+              <ma14:wrappingTextBoxFlag xmlns="" xmlns:ma14="http://schemas.microsoft.com/office/mac/drawingml/2011/main" val="1"/>
             </a:ext>
           </a:extLst>
         </p:spPr>
@@ -6658,7 +6658,7 @@
           </a:ln>
           <a:extLst>
             <a:ext uri="{C572A759-6A51-4108-AA02-DFA0A04FC94B}">
-              <ma14:wrappingTextBoxFlag xmlns:ma14="http://schemas.microsoft.com/office/mac/drawingml/2011/main" xmlns="" val="1"/>
+              <ma14:wrappingTextBoxFlag xmlns="" xmlns:ma14="http://schemas.microsoft.com/office/mac/drawingml/2011/main" val="1"/>
             </a:ext>
           </a:extLst>
         </p:spPr>
@@ -6730,7 +6730,7 @@
             </a:ln>
             <a:extLst>
               <a:ext uri="{C572A759-6A51-4108-AA02-DFA0A04FC94B}">
-                <ma14:wrappingTextBoxFlag xmlns:ma14="http://schemas.microsoft.com/office/mac/drawingml/2011/main" xmlns="" val="1"/>
+                <ma14:wrappingTextBoxFlag xmlns="" xmlns:ma14="http://schemas.microsoft.com/office/mac/drawingml/2011/main" val="1"/>
               </a:ext>
             </a:extLst>
           </p:spPr>
@@ -6806,7 +6806,7 @@
             </a:ln>
             <a:extLst>
               <a:ext uri="{C572A759-6A51-4108-AA02-DFA0A04FC94B}">
-                <ma14:wrappingTextBoxFlag xmlns:ma14="http://schemas.microsoft.com/office/mac/drawingml/2011/main" xmlns="" val="1"/>
+                <ma14:wrappingTextBoxFlag xmlns="" xmlns:ma14="http://schemas.microsoft.com/office/mac/drawingml/2011/main" val="1"/>
               </a:ext>
             </a:extLst>
           </p:spPr>
@@ -6894,7 +6894,7 @@
             </a:ln>
             <a:extLst>
               <a:ext uri="{C572A759-6A51-4108-AA02-DFA0A04FC94B}">
-                <ma14:wrappingTextBoxFlag xmlns:ma14="http://schemas.microsoft.com/office/mac/drawingml/2011/main" xmlns="" val="1"/>
+                <ma14:wrappingTextBoxFlag xmlns="" xmlns:ma14="http://schemas.microsoft.com/office/mac/drawingml/2011/main" val="1"/>
               </a:ext>
             </a:extLst>
           </p:spPr>
@@ -6974,7 +6974,7 @@
             </a:ln>
             <a:extLst>
               <a:ext uri="{C572A759-6A51-4108-AA02-DFA0A04FC94B}">
-                <ma14:wrappingTextBoxFlag xmlns:ma14="http://schemas.microsoft.com/office/mac/drawingml/2011/main" xmlns="" val="1"/>
+                <ma14:wrappingTextBoxFlag xmlns="" xmlns:ma14="http://schemas.microsoft.com/office/mac/drawingml/2011/main" val="1"/>
               </a:ext>
             </a:extLst>
           </p:spPr>
@@ -7045,7 +7045,7 @@
             </a:ln>
             <a:extLst>
               <a:ext uri="{C572A759-6A51-4108-AA02-DFA0A04FC94B}">
-                <ma14:wrappingTextBoxFlag xmlns:ma14="http://schemas.microsoft.com/office/mac/drawingml/2011/main" xmlns="" val="1"/>
+                <ma14:wrappingTextBoxFlag xmlns="" xmlns:ma14="http://schemas.microsoft.com/office/mac/drawingml/2011/main" val="1"/>
               </a:ext>
             </a:extLst>
           </p:spPr>
@@ -7101,7 +7101,7 @@
             </a:ln>
             <a:extLst>
               <a:ext uri="{C572A759-6A51-4108-AA02-DFA0A04FC94B}">
-                <ma14:wrappingTextBoxFlag xmlns:ma14="http://schemas.microsoft.com/office/mac/drawingml/2011/main" xmlns="" val="1"/>
+                <ma14:wrappingTextBoxFlag xmlns="" xmlns:ma14="http://schemas.microsoft.com/office/mac/drawingml/2011/main" val="1"/>
               </a:ext>
             </a:extLst>
           </p:spPr>
@@ -7166,7 +7166,7 @@
             </a:ln>
             <a:extLst>
               <a:ext uri="{C572A759-6A51-4108-AA02-DFA0A04FC94B}">
-                <ma14:wrappingTextBoxFlag xmlns:ma14="http://schemas.microsoft.com/office/mac/drawingml/2011/main" xmlns="" val="1"/>
+                <ma14:wrappingTextBoxFlag xmlns="" xmlns:ma14="http://schemas.microsoft.com/office/mac/drawingml/2011/main" val="1"/>
               </a:ext>
             </a:extLst>
           </p:spPr>
@@ -15016,7 +15016,7 @@
           </a:ln>
           <a:extLst>
             <a:ext uri="{C572A759-6A51-4108-AA02-DFA0A04FC94B}">
-              <ma14:wrappingTextBoxFlag xmlns="" xmlns:ma14="http://schemas.microsoft.com/office/mac/drawingml/2011/main" val="1"/>
+              <ma14:wrappingTextBoxFlag xmlns:ma14="http://schemas.microsoft.com/office/mac/drawingml/2011/main" xmlns="" val="1"/>
             </a:ext>
           </a:extLst>
         </p:spPr>
@@ -15474,7 +15474,7 @@
           </a:ln>
           <a:extLst>
             <a:ext uri="{C572A759-6A51-4108-AA02-DFA0A04FC94B}">
-              <ma14:wrappingTextBoxFlag xmlns="" xmlns:ma14="http://schemas.microsoft.com/office/mac/drawingml/2011/main" val="1"/>
+              <ma14:wrappingTextBoxFlag xmlns:ma14="http://schemas.microsoft.com/office/mac/drawingml/2011/main" xmlns="" val="1"/>
             </a:ext>
           </a:extLst>
         </p:spPr>
@@ -15710,7 +15710,7 @@
           </a:ln>
           <a:extLst>
             <a:ext uri="{C572A759-6A51-4108-AA02-DFA0A04FC94B}">
-              <ma14:wrappingTextBoxFlag xmlns="" xmlns:ma14="http://schemas.microsoft.com/office/mac/drawingml/2011/main" val="1"/>
+              <ma14:wrappingTextBoxFlag xmlns:ma14="http://schemas.microsoft.com/office/mac/drawingml/2011/main" xmlns="" val="1"/>
             </a:ext>
           </a:extLst>
         </p:spPr>
@@ -15757,7 +15757,7 @@
           </a:ln>
           <a:extLst>
             <a:ext uri="{C572A759-6A51-4108-AA02-DFA0A04FC94B}">
-              <ma14:wrappingTextBoxFlag xmlns="" xmlns:ma14="http://schemas.microsoft.com/office/mac/drawingml/2011/main" val="1"/>
+              <ma14:wrappingTextBoxFlag xmlns:ma14="http://schemas.microsoft.com/office/mac/drawingml/2011/main" xmlns="" val="1"/>
             </a:ext>
           </a:extLst>
         </p:spPr>
@@ -15989,7 +15989,7 @@
           </a:ln>
           <a:extLst>
             <a:ext uri="{C572A759-6A51-4108-AA02-DFA0A04FC94B}">
-              <ma14:wrappingTextBoxFlag xmlns="" xmlns:ma14="http://schemas.microsoft.com/office/mac/drawingml/2011/main" val="1"/>
+              <ma14:wrappingTextBoxFlag xmlns:ma14="http://schemas.microsoft.com/office/mac/drawingml/2011/main" xmlns="" val="1"/>
             </a:ext>
           </a:extLst>
         </p:spPr>
@@ -16119,7 +16119,7 @@
           </a:ln>
           <a:extLst>
             <a:ext uri="{C572A759-6A51-4108-AA02-DFA0A04FC94B}">
-              <ma14:wrappingTextBoxFlag xmlns="" xmlns:ma14="http://schemas.microsoft.com/office/mac/drawingml/2011/main" val="1"/>
+              <ma14:wrappingTextBoxFlag xmlns:ma14="http://schemas.microsoft.com/office/mac/drawingml/2011/main" xmlns="" val="1"/>
             </a:ext>
           </a:extLst>
         </p:spPr>
@@ -16234,7 +16234,7 @@
           </a:ln>
           <a:extLst>
             <a:ext uri="{C572A759-6A51-4108-AA02-DFA0A04FC94B}">
-              <ma14:wrappingTextBoxFlag xmlns="" xmlns:ma14="http://schemas.microsoft.com/office/mac/drawingml/2011/main" val="1"/>
+              <ma14:wrappingTextBoxFlag xmlns:ma14="http://schemas.microsoft.com/office/mac/drawingml/2011/main" xmlns="" val="1"/>
             </a:ext>
           </a:extLst>
         </p:spPr>
@@ -16674,7 +16674,7 @@
           </a:ln>
           <a:extLst>
             <a:ext uri="{C572A759-6A51-4108-AA02-DFA0A04FC94B}">
-              <ma14:wrappingTextBoxFlag xmlns="" xmlns:ma14="http://schemas.microsoft.com/office/mac/drawingml/2011/main" val="1"/>
+              <ma14:wrappingTextBoxFlag xmlns:ma14="http://schemas.microsoft.com/office/mac/drawingml/2011/main" xmlns="" val="1"/>
             </a:ext>
           </a:extLst>
         </p:spPr>
@@ -16940,7 +16940,7 @@
           </a:ln>
           <a:extLst>
             <a:ext uri="{C572A759-6A51-4108-AA02-DFA0A04FC94B}">
-              <ma14:wrappingTextBoxFlag xmlns="" xmlns:ma14="http://schemas.microsoft.com/office/mac/drawingml/2011/main" val="1"/>
+              <ma14:wrappingTextBoxFlag xmlns:ma14="http://schemas.microsoft.com/office/mac/drawingml/2011/main" xmlns="" val="1"/>
             </a:ext>
           </a:extLst>
         </p:spPr>
@@ -17012,7 +17012,7 @@
             </a:ln>
             <a:extLst>
               <a:ext uri="{C572A759-6A51-4108-AA02-DFA0A04FC94B}">
-                <ma14:wrappingTextBoxFlag xmlns="" xmlns:ma14="http://schemas.microsoft.com/office/mac/drawingml/2011/main" val="1"/>
+                <ma14:wrappingTextBoxFlag xmlns:ma14="http://schemas.microsoft.com/office/mac/drawingml/2011/main" xmlns="" val="1"/>
               </a:ext>
             </a:extLst>
           </p:spPr>
@@ -17089,7 +17089,7 @@
             </a:ln>
             <a:extLst>
               <a:ext uri="{C572A759-6A51-4108-AA02-DFA0A04FC94B}">
-                <ma14:wrappingTextBoxFlag xmlns="" xmlns:ma14="http://schemas.microsoft.com/office/mac/drawingml/2011/main" val="1"/>
+                <ma14:wrappingTextBoxFlag xmlns:ma14="http://schemas.microsoft.com/office/mac/drawingml/2011/main" xmlns="" val="1"/>
               </a:ext>
             </a:extLst>
           </p:spPr>
@@ -17194,7 +17194,7 @@
             </a:ln>
             <a:extLst>
               <a:ext uri="{C572A759-6A51-4108-AA02-DFA0A04FC94B}">
-                <ma14:wrappingTextBoxFlag xmlns="" xmlns:ma14="http://schemas.microsoft.com/office/mac/drawingml/2011/main" val="1"/>
+                <ma14:wrappingTextBoxFlag xmlns:ma14="http://schemas.microsoft.com/office/mac/drawingml/2011/main" xmlns="" val="1"/>
               </a:ext>
             </a:extLst>
           </p:spPr>
@@ -17274,7 +17274,7 @@
             </a:ln>
             <a:extLst>
               <a:ext uri="{C572A759-6A51-4108-AA02-DFA0A04FC94B}">
-                <ma14:wrappingTextBoxFlag xmlns="" xmlns:ma14="http://schemas.microsoft.com/office/mac/drawingml/2011/main" val="1"/>
+                <ma14:wrappingTextBoxFlag xmlns:ma14="http://schemas.microsoft.com/office/mac/drawingml/2011/main" xmlns="" val="1"/>
               </a:ext>
             </a:extLst>
           </p:spPr>
@@ -17345,7 +17345,7 @@
             </a:ln>
             <a:extLst>
               <a:ext uri="{C572A759-6A51-4108-AA02-DFA0A04FC94B}">
-                <ma14:wrappingTextBoxFlag xmlns="" xmlns:ma14="http://schemas.microsoft.com/office/mac/drawingml/2011/main" val="1"/>
+                <ma14:wrappingTextBoxFlag xmlns:ma14="http://schemas.microsoft.com/office/mac/drawingml/2011/main" xmlns="" val="1"/>
               </a:ext>
             </a:extLst>
           </p:spPr>
@@ -17408,7 +17408,7 @@
             </a:ln>
             <a:extLst>
               <a:ext uri="{C572A759-6A51-4108-AA02-DFA0A04FC94B}">
-                <ma14:wrappingTextBoxFlag xmlns="" xmlns:ma14="http://schemas.microsoft.com/office/mac/drawingml/2011/main" val="1"/>
+                <ma14:wrappingTextBoxFlag xmlns:ma14="http://schemas.microsoft.com/office/mac/drawingml/2011/main" xmlns="" val="1"/>
               </a:ext>
             </a:extLst>
           </p:spPr>
@@ -20395,7 +20395,7 @@
           </a:ln>
           <a:extLst>
             <a:ext uri="{C572A759-6A51-4108-AA02-DFA0A04FC94B}">
-              <ma14:wrappingTextBoxFlag xmlns:ma14="http://schemas.microsoft.com/office/mac/drawingml/2011/main" xmlns="" val="1"/>
+              <ma14:wrappingTextBoxFlag xmlns="" xmlns:ma14="http://schemas.microsoft.com/office/mac/drawingml/2011/main" val="1"/>
             </a:ext>
           </a:extLst>
         </p:spPr>
@@ -20467,7 +20467,7 @@
             </a:ln>
             <a:extLst>
               <a:ext uri="{C572A759-6A51-4108-AA02-DFA0A04FC94B}">
-                <ma14:wrappingTextBoxFlag xmlns:ma14="http://schemas.microsoft.com/office/mac/drawingml/2011/main" xmlns="" val="1"/>
+                <ma14:wrappingTextBoxFlag xmlns="" xmlns:ma14="http://schemas.microsoft.com/office/mac/drawingml/2011/main" val="1"/>
               </a:ext>
             </a:extLst>
           </p:spPr>
@@ -20539,7 +20539,7 @@
             </a:ln>
             <a:extLst>
               <a:ext uri="{C572A759-6A51-4108-AA02-DFA0A04FC94B}">
-                <ma14:wrappingTextBoxFlag xmlns:ma14="http://schemas.microsoft.com/office/mac/drawingml/2011/main" xmlns="" val="1"/>
+                <ma14:wrappingTextBoxFlag xmlns="" xmlns:ma14="http://schemas.microsoft.com/office/mac/drawingml/2011/main" val="1"/>
               </a:ext>
             </a:extLst>
           </p:spPr>
@@ -20627,7 +20627,7 @@
             </a:ln>
             <a:extLst>
               <a:ext uri="{C572A759-6A51-4108-AA02-DFA0A04FC94B}">
-                <ma14:wrappingTextBoxFlag xmlns:ma14="http://schemas.microsoft.com/office/mac/drawingml/2011/main" xmlns="" val="1"/>
+                <ma14:wrappingTextBoxFlag xmlns="" xmlns:ma14="http://schemas.microsoft.com/office/mac/drawingml/2011/main" val="1"/>
               </a:ext>
             </a:extLst>
           </p:spPr>
@@ -20707,7 +20707,7 @@
             </a:ln>
             <a:extLst>
               <a:ext uri="{C572A759-6A51-4108-AA02-DFA0A04FC94B}">
-                <ma14:wrappingTextBoxFlag xmlns:ma14="http://schemas.microsoft.com/office/mac/drawingml/2011/main" xmlns="" val="1"/>
+                <ma14:wrappingTextBoxFlag xmlns="" xmlns:ma14="http://schemas.microsoft.com/office/mac/drawingml/2011/main" val="1"/>
               </a:ext>
             </a:extLst>
           </p:spPr>
@@ -20766,7 +20766,7 @@
             </a:ln>
             <a:extLst>
               <a:ext uri="{C572A759-6A51-4108-AA02-DFA0A04FC94B}">
-                <ma14:wrappingTextBoxFlag xmlns:ma14="http://schemas.microsoft.com/office/mac/drawingml/2011/main" xmlns="" val="1"/>
+                <ma14:wrappingTextBoxFlag xmlns="" xmlns:ma14="http://schemas.microsoft.com/office/mac/drawingml/2011/main" val="1"/>
               </a:ext>
             </a:extLst>
           </p:spPr>
@@ -20822,7 +20822,7 @@
             </a:ln>
             <a:extLst>
               <a:ext uri="{C572A759-6A51-4108-AA02-DFA0A04FC94B}">
-                <ma14:wrappingTextBoxFlag xmlns:ma14="http://schemas.microsoft.com/office/mac/drawingml/2011/main" xmlns="" val="1"/>
+                <ma14:wrappingTextBoxFlag xmlns="" xmlns:ma14="http://schemas.microsoft.com/office/mac/drawingml/2011/main" val="1"/>
               </a:ext>
             </a:extLst>
           </p:spPr>
@@ -20887,7 +20887,7 @@
             </a:ln>
             <a:extLst>
               <a:ext uri="{C572A759-6A51-4108-AA02-DFA0A04FC94B}">
-                <ma14:wrappingTextBoxFlag xmlns:ma14="http://schemas.microsoft.com/office/mac/drawingml/2011/main" xmlns="" val="1"/>
+                <ma14:wrappingTextBoxFlag xmlns="" xmlns:ma14="http://schemas.microsoft.com/office/mac/drawingml/2011/main" val="1"/>
               </a:ext>
             </a:extLst>
           </p:spPr>
@@ -20999,14 +20999,128 @@
       </p:grpSpPr>
       <p:sp>
         <p:nvSpPr>
-          <p:cNvPr id="35" name="Прямоугольник 34"/>
+          <p:cNvPr id="49" name="Прямоугольник 48"/>
           <p:cNvSpPr/>
           <p:nvPr/>
         </p:nvSpPr>
         <p:spPr>
           <a:xfrm>
-            <a:off x="16388806" y="10290511"/>
-            <a:ext cx="4978955" cy="1909889"/>
+            <a:off x="10664747" y="9530401"/>
+            <a:ext cx="4579259" cy="2288399"/>
+          </a:xfrm>
+          <a:prstGeom prst="rect">
+            <a:avLst/>
+          </a:prstGeom>
+          <a:solidFill>
+            <a:schemeClr val="accent5">
+              <a:lumMod val="75000"/>
+            </a:schemeClr>
+          </a:solidFill>
+          <a:ln w="38100">
+            <a:solidFill>
+              <a:schemeClr val="tx1"/>
+            </a:solidFill>
+          </a:ln>
+        </p:spPr>
+        <p:style>
+          <a:lnRef idx="2">
+            <a:schemeClr val="accent1">
+              <a:shade val="50000"/>
+            </a:schemeClr>
+          </a:lnRef>
+          <a:fillRef idx="1">
+            <a:schemeClr val="accent1"/>
+          </a:fillRef>
+          <a:effectRef idx="0">
+            <a:schemeClr val="accent1"/>
+          </a:effectRef>
+          <a:fontRef idx="minor">
+            <a:schemeClr val="lt1"/>
+          </a:fontRef>
+        </p:style>
+        <p:txBody>
+          <a:bodyPr rtlCol="0" anchor="ctr"/>
+          <a:lstStyle/>
+          <a:p>
+            <a:pPr algn="ctr"/>
+            <a:endParaRPr lang="ru-RU" dirty="0" smtClean="0">
+              <a:solidFill>
+                <a:schemeClr val="tx1"/>
+              </a:solidFill>
+            </a:endParaRPr>
+          </a:p>
+          <a:p>
+            <a:pPr algn="ctr"/>
+            <a:endParaRPr lang="ru-RU" dirty="0" err="1" smtClean="0">
+              <a:solidFill>
+                <a:schemeClr val="tx1"/>
+              </a:solidFill>
+            </a:endParaRPr>
+          </a:p>
+        </p:txBody>
+      </p:sp>
+      <p:sp>
+        <p:nvSpPr>
+          <p:cNvPr id="30" name="Прямоугольник 29"/>
+          <p:cNvSpPr/>
+          <p:nvPr/>
+        </p:nvSpPr>
+        <p:spPr>
+          <a:xfrm>
+            <a:off x="10289130" y="3042000"/>
+            <a:ext cx="2275200" cy="2275200"/>
+          </a:xfrm>
+          <a:prstGeom prst="rect">
+            <a:avLst/>
+          </a:prstGeom>
+          <a:solidFill>
+            <a:schemeClr val="tx2"/>
+          </a:solidFill>
+          <a:ln w="38100">
+            <a:solidFill>
+              <a:schemeClr val="tx1"/>
+            </a:solidFill>
+          </a:ln>
+        </p:spPr>
+        <p:style>
+          <a:lnRef idx="2">
+            <a:schemeClr val="accent1">
+              <a:shade val="50000"/>
+            </a:schemeClr>
+          </a:lnRef>
+          <a:fillRef idx="1">
+            <a:schemeClr val="accent1"/>
+          </a:fillRef>
+          <a:effectRef idx="0">
+            <a:schemeClr val="accent1"/>
+          </a:effectRef>
+          <a:fontRef idx="minor">
+            <a:schemeClr val="lt1"/>
+          </a:fontRef>
+        </p:style>
+        <p:txBody>
+          <a:bodyPr rtlCol="0" anchor="ctr"/>
+          <a:lstStyle/>
+          <a:p>
+            <a:pPr algn="ctr"/>
+            <a:endParaRPr lang="ru-RU" dirty="0" err="1" smtClean="0">
+              <a:solidFill>
+                <a:schemeClr val="tx1"/>
+              </a:solidFill>
+            </a:endParaRPr>
+          </a:p>
+        </p:txBody>
+      </p:sp>
+      <p:sp>
+        <p:nvSpPr>
+          <p:cNvPr id="25" name="Прямоугольник 24"/>
+          <p:cNvSpPr/>
+          <p:nvPr/>
+        </p:nvSpPr>
+        <p:spPr>
+          <a:xfrm>
+            <a:off x="9901916" y="7621200"/>
+            <a:ext cx="4579259" cy="1526400"/>
           </a:xfrm>
           <a:prstGeom prst="rect">
             <a:avLst/>
@@ -21041,6 +21155,14 @@
           <a:lstStyle/>
           <a:p>
             <a:pPr algn="ctr"/>
+            <a:endParaRPr lang="ru-RU" dirty="0" smtClean="0">
+              <a:solidFill>
+                <a:schemeClr val="tx1"/>
+              </a:solidFill>
+            </a:endParaRPr>
+          </a:p>
+          <a:p>
+            <a:pPr algn="ctr"/>
             <a:endParaRPr lang="ru-RU" dirty="0" err="1" smtClean="0">
               <a:solidFill>
                 <a:schemeClr val="tx1"/>
@@ -21051,14 +21173,14 @@
       </p:sp>
       <p:sp>
         <p:nvSpPr>
-          <p:cNvPr id="36" name="Прямоугольник 35"/>
+          <p:cNvPr id="26" name="Прямоугольник 25"/>
           <p:cNvSpPr/>
           <p:nvPr/>
         </p:nvSpPr>
         <p:spPr>
           <a:xfrm>
-            <a:off x="21368306" y="10290510"/>
-            <a:ext cx="1889301" cy="1909889"/>
+            <a:off x="10283206" y="9910800"/>
+            <a:ext cx="2289600" cy="1526400"/>
           </a:xfrm>
           <a:prstGeom prst="rect">
             <a:avLst/>
@@ -21103,14 +21225,131 @@
       </p:sp>
       <p:sp>
         <p:nvSpPr>
-          <p:cNvPr id="37" name="Прямоугольник 36"/>
+          <p:cNvPr id="7" name="Прямоугольник 6"/>
           <p:cNvSpPr/>
           <p:nvPr/>
         </p:nvSpPr>
         <p:spPr>
           <a:xfrm>
-            <a:off x="16407000" y="8384400"/>
-            <a:ext cx="1908000" cy="1908000"/>
+            <a:off x="11446744" y="5331213"/>
+            <a:ext cx="2289600" cy="2289987"/>
+          </a:xfrm>
+          <a:prstGeom prst="rect">
+            <a:avLst/>
+          </a:prstGeom>
+          <a:solidFill>
+            <a:schemeClr val="bg2"/>
+          </a:solidFill>
+          <a:ln w="38100">
+            <a:solidFill>
+              <a:schemeClr val="tx1"/>
+            </a:solidFill>
+          </a:ln>
+        </p:spPr>
+        <p:style>
+          <a:lnRef idx="2">
+            <a:schemeClr val="accent1">
+              <a:shade val="50000"/>
+            </a:schemeClr>
+          </a:lnRef>
+          <a:fillRef idx="1">
+            <a:schemeClr val="accent1"/>
+          </a:fillRef>
+          <a:effectRef idx="0">
+            <a:schemeClr val="accent1"/>
+          </a:effectRef>
+          <a:fontRef idx="minor">
+            <a:schemeClr val="lt1"/>
+          </a:fontRef>
+        </p:style>
+        <p:txBody>
+          <a:bodyPr rtlCol="0" anchor="ctr"/>
+          <a:lstStyle/>
+          <a:p>
+            <a:pPr algn="ctr"/>
+            <a:endParaRPr lang="ru-RU" dirty="0" err="1" smtClean="0">
+              <a:solidFill>
+                <a:schemeClr val="tx1"/>
+              </a:solidFill>
+            </a:endParaRPr>
+          </a:p>
+        </p:txBody>
+      </p:sp>
+      <p:sp>
+        <p:nvSpPr>
+          <p:cNvPr id="2" name="Заголовок 1"/>
+          <p:cNvSpPr>
+            <a:spLocks noGrp="1"/>
+          </p:cNvSpPr>
+          <p:nvPr>
+            <p:ph type="title"/>
+          </p:nvPr>
+        </p:nvSpPr>
+        <p:spPr/>
+        <p:txBody>
+          <a:bodyPr/>
+          <a:lstStyle/>
+          <a:p>
+            <a:r>
+              <a:rPr lang="ru-RU" dirty="0" smtClean="0"/>
+              <a:t>Что такое код нашего проекта?</a:t>
+            </a:r>
+            <a:endParaRPr lang="ru-RU" dirty="0"/>
+          </a:p>
+        </p:txBody>
+      </p:sp>
+      <p:sp>
+        <p:nvSpPr>
+          <p:cNvPr id="4" name="Нижний колонтитул 3"/>
+          <p:cNvSpPr>
+            <a:spLocks noGrp="1"/>
+          </p:cNvSpPr>
+          <p:nvPr>
+            <p:ph type="ftr" sz="quarter" idx="11"/>
+          </p:nvPr>
+        </p:nvSpPr>
+        <p:spPr/>
+        <p:txBody>
+          <a:bodyPr/>
+          <a:lstStyle/>
+          <a:p>
+            <a:endParaRPr lang="ru-RU" dirty="0"/>
+          </a:p>
+        </p:txBody>
+      </p:sp>
+      <p:sp>
+        <p:nvSpPr>
+          <p:cNvPr id="5" name="Номер слайда 4"/>
+          <p:cNvSpPr>
+            <a:spLocks noGrp="1"/>
+          </p:cNvSpPr>
+          <p:nvPr>
+            <p:ph type="sldNum" sz="quarter" idx="12"/>
+          </p:nvPr>
+        </p:nvSpPr>
+        <p:spPr/>
+        <p:txBody>
+          <a:bodyPr/>
+          <a:lstStyle/>
+          <a:p>
+            <a:fld id="{741C03D3-FA44-40EC-9A21-1FC4FEA3E22E}" type="slidenum">
+              <a:rPr lang="ru-RU" smtClean="0"/>
+              <a:t>10</a:t>
+            </a:fld>
+            <a:endParaRPr lang="ru-RU"/>
+          </a:p>
+        </p:txBody>
+      </p:sp>
+      <p:sp>
+        <p:nvSpPr>
+          <p:cNvPr id="3" name="Прямоугольник 2"/>
+          <p:cNvSpPr/>
+          <p:nvPr/>
+        </p:nvSpPr>
+        <p:spPr>
+          <a:xfrm>
+            <a:off x="10283206" y="3042000"/>
+            <a:ext cx="2289600" cy="2289600"/>
           </a:xfrm>
           <a:prstGeom prst="rect">
             <a:avLst/>
@@ -21145,6 +21384,14 @@
           <a:lstStyle/>
           <a:p>
             <a:pPr algn="ctr"/>
+            <a:endParaRPr lang="ru-RU" dirty="0" smtClean="0">
+              <a:solidFill>
+                <a:schemeClr val="tx1"/>
+              </a:solidFill>
+            </a:endParaRPr>
+          </a:p>
+          <a:p>
+            <a:pPr algn="ctr"/>
             <a:endParaRPr lang="ru-RU" dirty="0" err="1" smtClean="0">
               <a:solidFill>
                 <a:schemeClr val="tx1"/>
@@ -21155,22 +21402,20 @@
       </p:sp>
       <p:sp>
         <p:nvSpPr>
-          <p:cNvPr id="38" name="Прямоугольник 37"/>
+          <p:cNvPr id="39" name="Прямоугольник 38"/>
           <p:cNvSpPr/>
           <p:nvPr/>
         </p:nvSpPr>
         <p:spPr>
           <a:xfrm>
-            <a:off x="18296806" y="8384400"/>
-            <a:ext cx="4942062" cy="1909889"/>
+            <a:off x="10283206" y="9910800"/>
+            <a:ext cx="2289600" cy="1526400"/>
           </a:xfrm>
           <a:prstGeom prst="rect">
             <a:avLst/>
           </a:prstGeom>
           <a:solidFill>
-            <a:schemeClr val="accent5">
-              <a:lumMod val="50000"/>
-            </a:schemeClr>
+            <a:schemeClr val="accent5"/>
           </a:solidFill>
           <a:ln w="38100">
             <a:solidFill>
@@ -21209,14 +21454,454 @@
       </p:sp>
       <p:sp>
         <p:nvSpPr>
-          <p:cNvPr id="33" name="Прямоугольник 32"/>
+          <p:cNvPr id="40" name="Прямоугольник 39"/>
           <p:cNvSpPr/>
           <p:nvPr/>
         </p:nvSpPr>
         <p:spPr>
           <a:xfrm>
-            <a:off x="18296805" y="3042000"/>
-            <a:ext cx="4942063" cy="1909889"/>
+            <a:off x="9901547" y="7606800"/>
+            <a:ext cx="4579259" cy="1526400"/>
+          </a:xfrm>
+          <a:prstGeom prst="rect">
+            <a:avLst/>
+          </a:prstGeom>
+          <a:solidFill>
+            <a:schemeClr val="accent2"/>
+          </a:solidFill>
+          <a:ln w="38100">
+            <a:solidFill>
+              <a:schemeClr val="tx1"/>
+            </a:solidFill>
+          </a:ln>
+        </p:spPr>
+        <p:style>
+          <a:lnRef idx="2">
+            <a:schemeClr val="accent1">
+              <a:shade val="50000"/>
+            </a:schemeClr>
+          </a:lnRef>
+          <a:fillRef idx="1">
+            <a:schemeClr val="accent1"/>
+          </a:fillRef>
+          <a:effectRef idx="0">
+            <a:schemeClr val="accent1"/>
+          </a:effectRef>
+          <a:fontRef idx="minor">
+            <a:schemeClr val="lt1"/>
+          </a:fontRef>
+        </p:style>
+        <p:txBody>
+          <a:bodyPr rtlCol="0" anchor="ctr"/>
+          <a:lstStyle/>
+          <a:p>
+            <a:pPr algn="ctr"/>
+            <a:endParaRPr lang="ru-RU" dirty="0" smtClean="0">
+              <a:solidFill>
+                <a:schemeClr val="tx1"/>
+              </a:solidFill>
+            </a:endParaRPr>
+          </a:p>
+          <a:p>
+            <a:pPr algn="ctr"/>
+            <a:endParaRPr lang="ru-RU" dirty="0" err="1" smtClean="0">
+              <a:solidFill>
+                <a:schemeClr val="tx1"/>
+              </a:solidFill>
+            </a:endParaRPr>
+          </a:p>
+        </p:txBody>
+      </p:sp>
+      <p:sp>
+        <p:nvSpPr>
+          <p:cNvPr id="41" name="Прямоугольник 40"/>
+          <p:cNvSpPr/>
+          <p:nvPr/>
+        </p:nvSpPr>
+        <p:spPr>
+          <a:xfrm>
+            <a:off x="11428006" y="5331213"/>
+            <a:ext cx="2289600" cy="2289987"/>
+          </a:xfrm>
+          <a:prstGeom prst="rect">
+            <a:avLst/>
+          </a:prstGeom>
+          <a:solidFill>
+            <a:schemeClr val="bg2"/>
+          </a:solidFill>
+          <a:ln w="38100">
+            <a:solidFill>
+              <a:schemeClr val="tx1"/>
+            </a:solidFill>
+          </a:ln>
+        </p:spPr>
+        <p:style>
+          <a:lnRef idx="2">
+            <a:schemeClr val="accent1">
+              <a:shade val="50000"/>
+            </a:schemeClr>
+          </a:lnRef>
+          <a:fillRef idx="1">
+            <a:schemeClr val="accent1"/>
+          </a:fillRef>
+          <a:effectRef idx="0">
+            <a:schemeClr val="accent1"/>
+          </a:effectRef>
+          <a:fontRef idx="minor">
+            <a:schemeClr val="lt1"/>
+          </a:fontRef>
+        </p:style>
+        <p:txBody>
+          <a:bodyPr rtlCol="0" anchor="ctr"/>
+          <a:lstStyle/>
+          <a:p>
+            <a:pPr algn="ctr"/>
+            <a:endParaRPr lang="ru-RU" dirty="0" smtClean="0">
+              <a:solidFill>
+                <a:schemeClr val="tx1"/>
+              </a:solidFill>
+            </a:endParaRPr>
+          </a:p>
+          <a:p>
+            <a:pPr algn="ctr"/>
+            <a:endParaRPr lang="ru-RU" dirty="0" err="1" smtClean="0">
+              <a:solidFill>
+                <a:schemeClr val="tx1"/>
+              </a:solidFill>
+            </a:endParaRPr>
+          </a:p>
+        </p:txBody>
+      </p:sp>
+      <p:sp>
+        <p:nvSpPr>
+          <p:cNvPr id="43" name="Прямоугольник 42"/>
+          <p:cNvSpPr/>
+          <p:nvPr/>
+        </p:nvSpPr>
+        <p:spPr>
+          <a:xfrm>
+            <a:off x="9901606" y="7621200"/>
+            <a:ext cx="4579259" cy="1526400"/>
+          </a:xfrm>
+          <a:prstGeom prst="rect">
+            <a:avLst/>
+          </a:prstGeom>
+          <a:solidFill>
+            <a:schemeClr val="accent2"/>
+          </a:solidFill>
+          <a:ln w="38100">
+            <a:solidFill>
+              <a:schemeClr val="tx1"/>
+            </a:solidFill>
+          </a:ln>
+        </p:spPr>
+        <p:style>
+          <a:lnRef idx="2">
+            <a:schemeClr val="accent1">
+              <a:shade val="50000"/>
+            </a:schemeClr>
+          </a:lnRef>
+          <a:fillRef idx="1">
+            <a:schemeClr val="accent1"/>
+          </a:fillRef>
+          <a:effectRef idx="0">
+            <a:schemeClr val="accent1"/>
+          </a:effectRef>
+          <a:fontRef idx="minor">
+            <a:schemeClr val="lt1"/>
+          </a:fontRef>
+        </p:style>
+        <p:txBody>
+          <a:bodyPr rtlCol="0" anchor="ctr"/>
+          <a:lstStyle/>
+          <a:p>
+            <a:pPr algn="ctr"/>
+            <a:endParaRPr lang="ru-RU" dirty="0" smtClean="0">
+              <a:solidFill>
+                <a:schemeClr val="tx1"/>
+              </a:solidFill>
+            </a:endParaRPr>
+          </a:p>
+          <a:p>
+            <a:pPr algn="ctr"/>
+            <a:endParaRPr lang="ru-RU" dirty="0" err="1" smtClean="0">
+              <a:solidFill>
+                <a:schemeClr val="tx1"/>
+              </a:solidFill>
+            </a:endParaRPr>
+          </a:p>
+        </p:txBody>
+      </p:sp>
+      <p:sp>
+        <p:nvSpPr>
+          <p:cNvPr id="44" name="Прямоугольник 43"/>
+          <p:cNvSpPr/>
+          <p:nvPr/>
+        </p:nvSpPr>
+        <p:spPr>
+          <a:xfrm>
+            <a:off x="10283206" y="9910800"/>
+            <a:ext cx="2289600" cy="1526400"/>
+          </a:xfrm>
+          <a:prstGeom prst="rect">
+            <a:avLst/>
+          </a:prstGeom>
+          <a:solidFill>
+            <a:schemeClr val="accent5"/>
+          </a:solidFill>
+          <a:ln w="38100">
+            <a:solidFill>
+              <a:schemeClr val="tx1"/>
+            </a:solidFill>
+          </a:ln>
+        </p:spPr>
+        <p:style>
+          <a:lnRef idx="2">
+            <a:schemeClr val="accent1">
+              <a:shade val="50000"/>
+            </a:schemeClr>
+          </a:lnRef>
+          <a:fillRef idx="1">
+            <a:schemeClr val="accent1"/>
+          </a:fillRef>
+          <a:effectRef idx="0">
+            <a:schemeClr val="accent1"/>
+          </a:effectRef>
+          <a:fontRef idx="minor">
+            <a:schemeClr val="lt1"/>
+          </a:fontRef>
+        </p:style>
+        <p:txBody>
+          <a:bodyPr rtlCol="0" anchor="ctr"/>
+          <a:lstStyle/>
+          <a:p>
+            <a:pPr algn="ctr"/>
+            <a:endParaRPr lang="ru-RU" dirty="0" err="1" smtClean="0">
+              <a:solidFill>
+                <a:schemeClr val="tx1"/>
+              </a:solidFill>
+            </a:endParaRPr>
+          </a:p>
+        </p:txBody>
+      </p:sp>
+      <p:sp>
+        <p:nvSpPr>
+          <p:cNvPr id="45" name="Прямоугольник 44"/>
+          <p:cNvSpPr/>
+          <p:nvPr/>
+        </p:nvSpPr>
+        <p:spPr>
+          <a:xfrm>
+            <a:off x="10283206" y="3042000"/>
+            <a:ext cx="2289600" cy="2289600"/>
+          </a:xfrm>
+          <a:prstGeom prst="rect">
+            <a:avLst/>
+          </a:prstGeom>
+          <a:solidFill>
+            <a:schemeClr val="tx2"/>
+          </a:solidFill>
+          <a:ln w="38100">
+            <a:solidFill>
+              <a:schemeClr val="tx1"/>
+            </a:solidFill>
+          </a:ln>
+        </p:spPr>
+        <p:style>
+          <a:lnRef idx="2">
+            <a:schemeClr val="accent1">
+              <a:shade val="50000"/>
+            </a:schemeClr>
+          </a:lnRef>
+          <a:fillRef idx="1">
+            <a:schemeClr val="accent1"/>
+          </a:fillRef>
+          <a:effectRef idx="0">
+            <a:schemeClr val="accent1"/>
+          </a:effectRef>
+          <a:fontRef idx="minor">
+            <a:schemeClr val="lt1"/>
+          </a:fontRef>
+        </p:style>
+        <p:txBody>
+          <a:bodyPr rtlCol="0" anchor="ctr"/>
+          <a:lstStyle/>
+          <a:p>
+            <a:pPr algn="ctr"/>
+            <a:endParaRPr lang="ru-RU" dirty="0" err="1" smtClean="0">
+              <a:solidFill>
+                <a:schemeClr val="tx1"/>
+              </a:solidFill>
+            </a:endParaRPr>
+          </a:p>
+        </p:txBody>
+      </p:sp>
+      <p:sp>
+        <p:nvSpPr>
+          <p:cNvPr id="46" name="Прямоугольник 45"/>
+          <p:cNvSpPr/>
+          <p:nvPr/>
+        </p:nvSpPr>
+        <p:spPr>
+          <a:xfrm>
+            <a:off x="10283206" y="3042000"/>
+            <a:ext cx="2289600" cy="2289600"/>
+          </a:xfrm>
+          <a:prstGeom prst="rect">
+            <a:avLst/>
+          </a:prstGeom>
+          <a:solidFill>
+            <a:schemeClr val="tx2"/>
+          </a:solidFill>
+          <a:ln w="38100">
+            <a:solidFill>
+              <a:schemeClr val="tx1"/>
+            </a:solidFill>
+          </a:ln>
+        </p:spPr>
+        <p:style>
+          <a:lnRef idx="2">
+            <a:schemeClr val="accent1">
+              <a:shade val="50000"/>
+            </a:schemeClr>
+          </a:lnRef>
+          <a:fillRef idx="1">
+            <a:schemeClr val="accent1"/>
+          </a:fillRef>
+          <a:effectRef idx="0">
+            <a:schemeClr val="accent1"/>
+          </a:effectRef>
+          <a:fontRef idx="minor">
+            <a:schemeClr val="lt1"/>
+          </a:fontRef>
+        </p:style>
+        <p:txBody>
+          <a:bodyPr rtlCol="0" anchor="ctr"/>
+          <a:lstStyle/>
+          <a:p>
+            <a:pPr algn="ctr"/>
+            <a:endParaRPr lang="ru-RU" dirty="0" err="1" smtClean="0">
+              <a:solidFill>
+                <a:schemeClr val="tx1"/>
+              </a:solidFill>
+            </a:endParaRPr>
+          </a:p>
+        </p:txBody>
+      </p:sp>
+      <p:sp>
+        <p:nvSpPr>
+          <p:cNvPr id="24" name="Прямоугольник 23"/>
+          <p:cNvSpPr/>
+          <p:nvPr/>
+        </p:nvSpPr>
+        <p:spPr>
+          <a:xfrm>
+            <a:off x="11809606" y="3805200"/>
+            <a:ext cx="2289369" cy="2289600"/>
+          </a:xfrm>
+          <a:prstGeom prst="rect">
+            <a:avLst/>
+          </a:prstGeom>
+          <a:solidFill>
+            <a:schemeClr val="accent1"/>
+          </a:solidFill>
+          <a:ln w="38100">
+            <a:solidFill>
+              <a:schemeClr val="tx1"/>
+            </a:solidFill>
+          </a:ln>
+        </p:spPr>
+        <p:style>
+          <a:lnRef idx="2">
+            <a:schemeClr val="accent1">
+              <a:shade val="50000"/>
+            </a:schemeClr>
+          </a:lnRef>
+          <a:fillRef idx="1">
+            <a:schemeClr val="accent1"/>
+          </a:fillRef>
+          <a:effectRef idx="0">
+            <a:schemeClr val="accent1"/>
+          </a:effectRef>
+          <a:fontRef idx="minor">
+            <a:schemeClr val="lt1"/>
+          </a:fontRef>
+        </p:style>
+        <p:txBody>
+          <a:bodyPr rtlCol="0" anchor="ctr"/>
+          <a:lstStyle/>
+          <a:p>
+            <a:pPr algn="ctr"/>
+            <a:endParaRPr lang="ru-RU" dirty="0" err="1" smtClean="0">
+              <a:solidFill>
+                <a:schemeClr val="tx1"/>
+              </a:solidFill>
+            </a:endParaRPr>
+          </a:p>
+        </p:txBody>
+      </p:sp>
+      <p:sp>
+        <p:nvSpPr>
+          <p:cNvPr id="42" name="Прямоугольник 41"/>
+          <p:cNvSpPr/>
+          <p:nvPr/>
+        </p:nvSpPr>
+        <p:spPr>
+          <a:xfrm>
+            <a:off x="12191206" y="7239213"/>
+            <a:ext cx="2289600" cy="2289987"/>
+          </a:xfrm>
+          <a:prstGeom prst="rect">
+            <a:avLst/>
+          </a:prstGeom>
+          <a:solidFill>
+            <a:schemeClr val="accent6"/>
+          </a:solidFill>
+          <a:ln w="38100">
+            <a:solidFill>
+              <a:schemeClr val="tx1"/>
+            </a:solidFill>
+          </a:ln>
+        </p:spPr>
+        <p:style>
+          <a:lnRef idx="2">
+            <a:schemeClr val="accent1">
+              <a:shade val="50000"/>
+            </a:schemeClr>
+          </a:lnRef>
+          <a:fillRef idx="1">
+            <a:schemeClr val="accent1"/>
+          </a:fillRef>
+          <a:effectRef idx="0">
+            <a:schemeClr val="accent1"/>
+          </a:effectRef>
+          <a:fontRef idx="minor">
+            <a:schemeClr val="lt1"/>
+          </a:fontRef>
+        </p:style>
+        <p:txBody>
+          <a:bodyPr rtlCol="0" anchor="ctr"/>
+          <a:lstStyle/>
+          <a:p>
+            <a:pPr algn="ctr"/>
+            <a:endParaRPr lang="ru-RU" dirty="0" err="1" smtClean="0">
+              <a:solidFill>
+                <a:schemeClr val="tx1"/>
+              </a:solidFill>
+            </a:endParaRPr>
+          </a:p>
+        </p:txBody>
+      </p:sp>
+      <p:sp>
+        <p:nvSpPr>
+          <p:cNvPr id="47" name="Прямоугольник 46"/>
+          <p:cNvSpPr/>
+          <p:nvPr/>
+        </p:nvSpPr>
+        <p:spPr>
+          <a:xfrm>
+            <a:off x="9901606" y="9910763"/>
+            <a:ext cx="4579259" cy="2288399"/>
           </a:xfrm>
           <a:prstGeom prst="rect">
             <a:avLst/>
@@ -21251,6 +21936,14 @@
           <a:lstStyle/>
           <a:p>
             <a:pPr algn="ctr"/>
+            <a:endParaRPr lang="ru-RU" dirty="0" smtClean="0">
+              <a:solidFill>
+                <a:schemeClr val="tx1"/>
+              </a:solidFill>
+            </a:endParaRPr>
+          </a:p>
+          <a:p>
+            <a:pPr algn="ctr"/>
             <a:endParaRPr lang="ru-RU" dirty="0" err="1" smtClean="0">
               <a:solidFill>
                 <a:schemeClr val="tx1"/>
@@ -21261,22 +21954,22 @@
       </p:sp>
       <p:sp>
         <p:nvSpPr>
-          <p:cNvPr id="34" name="Прямоугольник 33"/>
+          <p:cNvPr id="48" name="Прямоугольник 47"/>
           <p:cNvSpPr/>
           <p:nvPr/>
         </p:nvSpPr>
         <p:spPr>
           <a:xfrm>
-            <a:off x="16389389" y="4950000"/>
-            <a:ext cx="6868217" cy="1909889"/>
+            <a:off x="8756650" y="8766000"/>
+            <a:ext cx="6850063" cy="1526400"/>
           </a:xfrm>
           <a:prstGeom prst="rect">
             <a:avLst/>
           </a:prstGeom>
           <a:solidFill>
             <a:schemeClr val="accent4">
-              <a:lumMod val="40000"/>
-              <a:lumOff val="60000"/>
+              <a:lumMod val="60000"/>
+              <a:lumOff val="40000"/>
             </a:schemeClr>
           </a:solidFill>
           <a:ln w="38100">
@@ -21306,56 +21999,12 @@
           <a:lstStyle/>
           <a:p>
             <a:pPr algn="ctr"/>
-            <a:endParaRPr lang="ru-RU" dirty="0" err="1" smtClean="0">
+            <a:endParaRPr lang="ru-RU" dirty="0" smtClean="0">
               <a:solidFill>
                 <a:schemeClr val="tx1"/>
               </a:solidFill>
             </a:endParaRPr>
           </a:p>
-        </p:txBody>
-      </p:sp>
-      <p:sp>
-        <p:nvSpPr>
-          <p:cNvPr id="27" name="Прямоугольник 26"/>
-          <p:cNvSpPr/>
-          <p:nvPr/>
-        </p:nvSpPr>
-        <p:spPr>
-          <a:xfrm>
-            <a:off x="1124806" y="10290511"/>
-            <a:ext cx="4978955" cy="1909889"/>
-          </a:xfrm>
-          <a:prstGeom prst="rect">
-            <a:avLst/>
-          </a:prstGeom>
-          <a:solidFill>
-            <a:schemeClr val="accent2"/>
-          </a:solidFill>
-          <a:ln w="38100">
-            <a:solidFill>
-              <a:schemeClr val="tx1"/>
-            </a:solidFill>
-          </a:ln>
-        </p:spPr>
-        <p:style>
-          <a:lnRef idx="2">
-            <a:schemeClr val="accent1">
-              <a:shade val="50000"/>
-            </a:schemeClr>
-          </a:lnRef>
-          <a:fillRef idx="1">
-            <a:schemeClr val="accent1"/>
-          </a:fillRef>
-          <a:effectRef idx="0">
-            <a:schemeClr val="accent1"/>
-          </a:effectRef>
-          <a:fontRef idx="minor">
-            <a:schemeClr val="lt1"/>
-          </a:fontRef>
-        </p:style>
-        <p:txBody>
-          <a:bodyPr rtlCol="0" anchor="ctr"/>
-          <a:lstStyle/>
           <a:p>
             <a:pPr algn="ctr"/>
             <a:endParaRPr lang="ru-RU" dirty="0" err="1" smtClean="0">
@@ -21363,540 +22012,6 @@
                 <a:schemeClr val="tx1"/>
               </a:solidFill>
             </a:endParaRPr>
-          </a:p>
-        </p:txBody>
-      </p:sp>
-      <p:sp>
-        <p:nvSpPr>
-          <p:cNvPr id="28" name="Прямоугольник 27"/>
-          <p:cNvSpPr/>
-          <p:nvPr/>
-        </p:nvSpPr>
-        <p:spPr>
-          <a:xfrm>
-            <a:off x="6104306" y="10290510"/>
-            <a:ext cx="1889301" cy="1909889"/>
-          </a:xfrm>
-          <a:prstGeom prst="rect">
-            <a:avLst/>
-          </a:prstGeom>
-          <a:solidFill>
-            <a:schemeClr val="accent5"/>
-          </a:solidFill>
-          <a:ln w="38100">
-            <a:solidFill>
-              <a:schemeClr val="tx1"/>
-            </a:solidFill>
-          </a:ln>
-        </p:spPr>
-        <p:style>
-          <a:lnRef idx="2">
-            <a:schemeClr val="accent1">
-              <a:shade val="50000"/>
-            </a:schemeClr>
-          </a:lnRef>
-          <a:fillRef idx="1">
-            <a:schemeClr val="accent1"/>
-          </a:fillRef>
-          <a:effectRef idx="0">
-            <a:schemeClr val="accent1"/>
-          </a:effectRef>
-          <a:fontRef idx="minor">
-            <a:schemeClr val="lt1"/>
-          </a:fontRef>
-        </p:style>
-        <p:txBody>
-          <a:bodyPr rtlCol="0" anchor="ctr"/>
-          <a:lstStyle/>
-          <a:p>
-            <a:pPr algn="ctr"/>
-            <a:endParaRPr lang="ru-RU" dirty="0" err="1" smtClean="0">
-              <a:solidFill>
-                <a:schemeClr val="tx1"/>
-              </a:solidFill>
-            </a:endParaRPr>
-          </a:p>
-        </p:txBody>
-      </p:sp>
-      <p:sp>
-        <p:nvSpPr>
-          <p:cNvPr id="29" name="Прямоугольник 28"/>
-          <p:cNvSpPr/>
-          <p:nvPr/>
-        </p:nvSpPr>
-        <p:spPr>
-          <a:xfrm>
-            <a:off x="3050999" y="8382335"/>
-            <a:ext cx="1889301" cy="1909889"/>
-          </a:xfrm>
-          <a:prstGeom prst="rect">
-            <a:avLst/>
-          </a:prstGeom>
-          <a:solidFill>
-            <a:schemeClr val="bg2"/>
-          </a:solidFill>
-          <a:ln w="38100">
-            <a:solidFill>
-              <a:schemeClr val="tx1"/>
-            </a:solidFill>
-          </a:ln>
-        </p:spPr>
-        <p:style>
-          <a:lnRef idx="2">
-            <a:schemeClr val="accent1">
-              <a:shade val="50000"/>
-            </a:schemeClr>
-          </a:lnRef>
-          <a:fillRef idx="1">
-            <a:schemeClr val="accent1"/>
-          </a:fillRef>
-          <a:effectRef idx="0">
-            <a:schemeClr val="accent1"/>
-          </a:effectRef>
-          <a:fontRef idx="minor">
-            <a:schemeClr val="lt1"/>
-          </a:fontRef>
-        </p:style>
-        <p:txBody>
-          <a:bodyPr rtlCol="0" anchor="ctr"/>
-          <a:lstStyle/>
-          <a:p>
-            <a:pPr algn="ctr"/>
-            <a:endParaRPr lang="ru-RU" dirty="0" err="1" smtClean="0">
-              <a:solidFill>
-                <a:schemeClr val="tx1"/>
-              </a:solidFill>
-            </a:endParaRPr>
-          </a:p>
-        </p:txBody>
-      </p:sp>
-      <p:sp>
-        <p:nvSpPr>
-          <p:cNvPr id="30" name="Прямоугольник 29"/>
-          <p:cNvSpPr/>
-          <p:nvPr/>
-        </p:nvSpPr>
-        <p:spPr>
-          <a:xfrm>
-            <a:off x="1143000" y="8384400"/>
-            <a:ext cx="1908000" cy="1908000"/>
-          </a:xfrm>
-          <a:prstGeom prst="rect">
-            <a:avLst/>
-          </a:prstGeom>
-          <a:solidFill>
-            <a:schemeClr val="tx2"/>
-          </a:solidFill>
-          <a:ln w="38100">
-            <a:solidFill>
-              <a:schemeClr val="tx1"/>
-            </a:solidFill>
-          </a:ln>
-        </p:spPr>
-        <p:style>
-          <a:lnRef idx="2">
-            <a:schemeClr val="accent1">
-              <a:shade val="50000"/>
-            </a:schemeClr>
-          </a:lnRef>
-          <a:fillRef idx="1">
-            <a:schemeClr val="accent1"/>
-          </a:fillRef>
-          <a:effectRef idx="0">
-            <a:schemeClr val="accent1"/>
-          </a:effectRef>
-          <a:fontRef idx="minor">
-            <a:schemeClr val="lt1"/>
-          </a:fontRef>
-        </p:style>
-        <p:txBody>
-          <a:bodyPr rtlCol="0" anchor="ctr"/>
-          <a:lstStyle/>
-          <a:p>
-            <a:pPr algn="ctr"/>
-            <a:endParaRPr lang="ru-RU" dirty="0" err="1" smtClean="0">
-              <a:solidFill>
-                <a:schemeClr val="tx1"/>
-              </a:solidFill>
-            </a:endParaRPr>
-          </a:p>
-        </p:txBody>
-      </p:sp>
-      <p:sp>
-        <p:nvSpPr>
-          <p:cNvPr id="31" name="Прямоугольник 30"/>
-          <p:cNvSpPr/>
-          <p:nvPr/>
-        </p:nvSpPr>
-        <p:spPr>
-          <a:xfrm>
-            <a:off x="4940806" y="8382511"/>
-            <a:ext cx="3052256" cy="1909889"/>
-          </a:xfrm>
-          <a:prstGeom prst="rect">
-            <a:avLst/>
-          </a:prstGeom>
-          <a:solidFill>
-            <a:schemeClr val="accent6"/>
-          </a:solidFill>
-          <a:ln w="38100">
-            <a:solidFill>
-              <a:schemeClr val="tx1"/>
-            </a:solidFill>
-          </a:ln>
-        </p:spPr>
-        <p:style>
-          <a:lnRef idx="2">
-            <a:schemeClr val="accent1">
-              <a:shade val="50000"/>
-            </a:schemeClr>
-          </a:lnRef>
-          <a:fillRef idx="1">
-            <a:schemeClr val="accent1"/>
-          </a:fillRef>
-          <a:effectRef idx="0">
-            <a:schemeClr val="accent1"/>
-          </a:effectRef>
-          <a:fontRef idx="minor">
-            <a:schemeClr val="lt1"/>
-          </a:fontRef>
-        </p:style>
-        <p:txBody>
-          <a:bodyPr rtlCol="0" anchor="ctr"/>
-          <a:lstStyle/>
-          <a:p>
-            <a:pPr algn="ctr"/>
-            <a:endParaRPr lang="ru-RU" dirty="0" err="1" smtClean="0">
-              <a:solidFill>
-                <a:schemeClr val="tx1"/>
-              </a:solidFill>
-            </a:endParaRPr>
-          </a:p>
-        </p:txBody>
-      </p:sp>
-      <p:sp>
-        <p:nvSpPr>
-          <p:cNvPr id="24" name="Прямоугольник 23"/>
-          <p:cNvSpPr/>
-          <p:nvPr/>
-        </p:nvSpPr>
-        <p:spPr>
-          <a:xfrm>
-            <a:off x="12572806" y="3088164"/>
-            <a:ext cx="2289369" cy="2241547"/>
-          </a:xfrm>
-          <a:prstGeom prst="rect">
-            <a:avLst/>
-          </a:prstGeom>
-          <a:solidFill>
-            <a:schemeClr val="accent1"/>
-          </a:solidFill>
-          <a:ln w="38100">
-            <a:solidFill>
-              <a:schemeClr val="tx1"/>
-            </a:solidFill>
-          </a:ln>
-        </p:spPr>
-        <p:style>
-          <a:lnRef idx="2">
-            <a:schemeClr val="accent1">
-              <a:shade val="50000"/>
-            </a:schemeClr>
-          </a:lnRef>
-          <a:fillRef idx="1">
-            <a:schemeClr val="accent1"/>
-          </a:fillRef>
-          <a:effectRef idx="0">
-            <a:schemeClr val="accent1"/>
-          </a:effectRef>
-          <a:fontRef idx="minor">
-            <a:schemeClr val="lt1"/>
-          </a:fontRef>
-        </p:style>
-        <p:txBody>
-          <a:bodyPr rtlCol="0" anchor="ctr"/>
-          <a:lstStyle/>
-          <a:p>
-            <a:pPr algn="ctr"/>
-            <a:endParaRPr lang="ru-RU" dirty="0" err="1" smtClean="0">
-              <a:solidFill>
-                <a:schemeClr val="tx1"/>
-              </a:solidFill>
-            </a:endParaRPr>
-          </a:p>
-        </p:txBody>
-      </p:sp>
-      <p:sp>
-        <p:nvSpPr>
-          <p:cNvPr id="25" name="Прямоугольник 24"/>
-          <p:cNvSpPr/>
-          <p:nvPr/>
-        </p:nvSpPr>
-        <p:spPr>
-          <a:xfrm>
-            <a:off x="9901916" y="5329711"/>
-            <a:ext cx="4579259" cy="1528289"/>
-          </a:xfrm>
-          <a:prstGeom prst="rect">
-            <a:avLst/>
-          </a:prstGeom>
-          <a:solidFill>
-            <a:schemeClr val="accent2"/>
-          </a:solidFill>
-          <a:ln w="38100">
-            <a:solidFill>
-              <a:schemeClr val="tx1"/>
-            </a:solidFill>
-          </a:ln>
-        </p:spPr>
-        <p:style>
-          <a:lnRef idx="2">
-            <a:schemeClr val="accent1">
-              <a:shade val="50000"/>
-            </a:schemeClr>
-          </a:lnRef>
-          <a:fillRef idx="1">
-            <a:schemeClr val="accent1"/>
-          </a:fillRef>
-          <a:effectRef idx="0">
-            <a:schemeClr val="accent1"/>
-          </a:effectRef>
-          <a:fontRef idx="minor">
-            <a:schemeClr val="lt1"/>
-          </a:fontRef>
-        </p:style>
-        <p:txBody>
-          <a:bodyPr rtlCol="0" anchor="ctr"/>
-          <a:lstStyle/>
-          <a:p>
-            <a:pPr algn="ctr"/>
-            <a:endParaRPr lang="ru-RU" dirty="0" err="1" smtClean="0">
-              <a:solidFill>
-                <a:schemeClr val="tx1"/>
-              </a:solidFill>
-            </a:endParaRPr>
-          </a:p>
-        </p:txBody>
-      </p:sp>
-      <p:sp>
-        <p:nvSpPr>
-          <p:cNvPr id="26" name="Прямоугольник 25"/>
-          <p:cNvSpPr/>
-          <p:nvPr/>
-        </p:nvSpPr>
-        <p:spPr>
-          <a:xfrm>
-            <a:off x="10283206" y="6809773"/>
-            <a:ext cx="1526207" cy="1574627"/>
-          </a:xfrm>
-          <a:prstGeom prst="rect">
-            <a:avLst/>
-          </a:prstGeom>
-          <a:solidFill>
-            <a:schemeClr val="accent5"/>
-          </a:solidFill>
-          <a:ln w="38100">
-            <a:solidFill>
-              <a:schemeClr val="tx1"/>
-            </a:solidFill>
-          </a:ln>
-        </p:spPr>
-        <p:style>
-          <a:lnRef idx="2">
-            <a:schemeClr val="accent1">
-              <a:shade val="50000"/>
-            </a:schemeClr>
-          </a:lnRef>
-          <a:fillRef idx="1">
-            <a:schemeClr val="accent1"/>
-          </a:fillRef>
-          <a:effectRef idx="0">
-            <a:schemeClr val="accent1"/>
-          </a:effectRef>
-          <a:fontRef idx="minor">
-            <a:schemeClr val="lt1"/>
-          </a:fontRef>
-        </p:style>
-        <p:txBody>
-          <a:bodyPr rtlCol="0" anchor="ctr"/>
-          <a:lstStyle/>
-          <a:p>
-            <a:pPr algn="ctr"/>
-            <a:endParaRPr lang="ru-RU" dirty="0" err="1" smtClean="0">
-              <a:solidFill>
-                <a:schemeClr val="tx1"/>
-              </a:solidFill>
-            </a:endParaRPr>
-          </a:p>
-        </p:txBody>
-      </p:sp>
-      <p:sp>
-        <p:nvSpPr>
-          <p:cNvPr id="7" name="Прямоугольник 6"/>
-          <p:cNvSpPr/>
-          <p:nvPr/>
-        </p:nvSpPr>
-        <p:spPr>
-          <a:xfrm>
-            <a:off x="11446744" y="4184524"/>
-            <a:ext cx="2233698" cy="2289987"/>
-          </a:xfrm>
-          <a:prstGeom prst="rect">
-            <a:avLst/>
-          </a:prstGeom>
-          <a:solidFill>
-            <a:schemeClr val="bg2"/>
-          </a:solidFill>
-          <a:ln w="38100">
-            <a:solidFill>
-              <a:schemeClr val="tx1"/>
-            </a:solidFill>
-          </a:ln>
-        </p:spPr>
-        <p:style>
-          <a:lnRef idx="2">
-            <a:schemeClr val="accent1">
-              <a:shade val="50000"/>
-            </a:schemeClr>
-          </a:lnRef>
-          <a:fillRef idx="1">
-            <a:schemeClr val="accent1"/>
-          </a:fillRef>
-          <a:effectRef idx="0">
-            <a:schemeClr val="accent1"/>
-          </a:effectRef>
-          <a:fontRef idx="minor">
-            <a:schemeClr val="lt1"/>
-          </a:fontRef>
-        </p:style>
-        <p:txBody>
-          <a:bodyPr rtlCol="0" anchor="ctr"/>
-          <a:lstStyle/>
-          <a:p>
-            <a:pPr algn="ctr"/>
-            <a:endParaRPr lang="ru-RU" dirty="0" err="1" smtClean="0">
-              <a:solidFill>
-                <a:schemeClr val="tx1"/>
-              </a:solidFill>
-            </a:endParaRPr>
-          </a:p>
-        </p:txBody>
-      </p:sp>
-      <p:sp>
-        <p:nvSpPr>
-          <p:cNvPr id="2" name="Заголовок 1"/>
-          <p:cNvSpPr>
-            <a:spLocks noGrp="1"/>
-          </p:cNvSpPr>
-          <p:nvPr>
-            <p:ph type="title"/>
-          </p:nvPr>
-        </p:nvSpPr>
-        <p:spPr/>
-        <p:txBody>
-          <a:bodyPr/>
-          <a:lstStyle/>
-          <a:p>
-            <a:r>
-              <a:rPr lang="ru-RU" dirty="0" smtClean="0"/>
-              <a:t>Что такое код нашего проекта?</a:t>
-            </a:r>
-            <a:endParaRPr lang="ru-RU" dirty="0"/>
-          </a:p>
-        </p:txBody>
-      </p:sp>
-      <p:sp>
-        <p:nvSpPr>
-          <p:cNvPr id="4" name="Нижний колонтитул 3"/>
-          <p:cNvSpPr>
-            <a:spLocks noGrp="1"/>
-          </p:cNvSpPr>
-          <p:nvPr>
-            <p:ph type="ftr" sz="quarter" idx="11"/>
-          </p:nvPr>
-        </p:nvSpPr>
-        <p:spPr/>
-        <p:txBody>
-          <a:bodyPr/>
-          <a:lstStyle/>
-          <a:p>
-            <a:endParaRPr lang="ru-RU"/>
-          </a:p>
-        </p:txBody>
-      </p:sp>
-      <p:sp>
-        <p:nvSpPr>
-          <p:cNvPr id="5" name="Номер слайда 4"/>
-          <p:cNvSpPr>
-            <a:spLocks noGrp="1"/>
-          </p:cNvSpPr>
-          <p:nvPr>
-            <p:ph type="sldNum" sz="quarter" idx="12"/>
-          </p:nvPr>
-        </p:nvSpPr>
-        <p:spPr/>
-        <p:txBody>
-          <a:bodyPr/>
-          <a:lstStyle/>
-          <a:p>
-            <a:fld id="{741C03D3-FA44-40EC-9A21-1FC4FEA3E22E}" type="slidenum">
-              <a:rPr lang="ru-RU" smtClean="0"/>
-              <a:t>10</a:t>
-            </a:fld>
-            <a:endParaRPr lang="ru-RU"/>
-          </a:p>
-        </p:txBody>
-      </p:sp>
-      <p:sp>
-        <p:nvSpPr>
-          <p:cNvPr id="8" name="Прямоугольник 7"/>
-          <p:cNvSpPr/>
-          <p:nvPr/>
-        </p:nvSpPr>
-        <p:spPr>
-          <a:xfrm>
-            <a:off x="1142999" y="8385174"/>
-            <a:ext cx="6850063" cy="3814763"/>
-          </a:xfrm>
-          <a:prstGeom prst="rect">
-            <a:avLst/>
-          </a:prstGeom>
-          <a:noFill/>
-          <a:ln w="38100">
-            <a:solidFill>
-              <a:schemeClr val="tx1"/>
-            </a:solidFill>
-          </a:ln>
-        </p:spPr>
-        <p:style>
-          <a:lnRef idx="2">
-            <a:schemeClr val="accent1">
-              <a:shade val="50000"/>
-            </a:schemeClr>
-          </a:lnRef>
-          <a:fillRef idx="1">
-            <a:schemeClr val="accent1"/>
-          </a:fillRef>
-          <a:effectRef idx="0">
-            <a:schemeClr val="accent1"/>
-          </a:effectRef>
-          <a:fontRef idx="minor">
-            <a:schemeClr val="lt1"/>
-          </a:fontRef>
-        </p:style>
-        <p:txBody>
-          <a:bodyPr rtlCol="0" anchor="ctr"/>
-          <a:lstStyle/>
-          <a:p>
-            <a:pPr algn="ctr"/>
-            <a:r>
-              <a:rPr lang="ru-RU" sz="4800" dirty="0" smtClean="0">
-                <a:solidFill>
-                  <a:schemeClr val="tx1"/>
-                </a:solidFill>
-              </a:rPr>
-              <a:t>Код тестов</a:t>
-            </a:r>
           </a:p>
         </p:txBody>
       </p:sp>
@@ -21948,41 +22063,26 @@
                   <a:schemeClr val="tx1"/>
                 </a:solidFill>
               </a:rPr>
-              <a:t>Код </a:t>
-            </a:r>
-            <a:r>
-              <a:rPr lang="ru-RU" sz="4800" dirty="0" smtClean="0">
-                <a:solidFill>
-                  <a:schemeClr val="tx1"/>
-                </a:solidFill>
-              </a:rPr>
-              <a:t>инструментов</a:t>
-            </a:r>
-            <a:endParaRPr lang="ru-RU" sz="4800" dirty="0" smtClean="0">
-              <a:solidFill>
-                <a:schemeClr val="tx1"/>
-              </a:solidFill>
-            </a:endParaRPr>
-          </a:p>
-        </p:txBody>
-      </p:sp>
-      <p:sp>
-        <p:nvSpPr>
-          <p:cNvPr id="3" name="Прямоугольник 2"/>
+              <a:t>Код инструментов</a:t>
+            </a:r>
+          </a:p>
+        </p:txBody>
+      </p:sp>
+      <p:sp>
+        <p:nvSpPr>
+          <p:cNvPr id="22" name="Прямоугольник 21"/>
           <p:cNvSpPr/>
           <p:nvPr/>
         </p:nvSpPr>
         <p:spPr>
           <a:xfrm>
-            <a:off x="10300668" y="3419905"/>
-            <a:ext cx="2272332" cy="2293508"/>
+            <a:off x="16388806" y="3043237"/>
+            <a:ext cx="6850063" cy="3814763"/>
           </a:xfrm>
           <a:prstGeom prst="rect">
             <a:avLst/>
           </a:prstGeom>
-          <a:solidFill>
-            <a:schemeClr val="tx2"/>
-          </a:solidFill>
+          <a:noFill/>
           <a:ln w="38100">
             <a:solidFill>
               <a:schemeClr val="tx1"/>
@@ -22010,11 +22110,67 @@
           <a:lstStyle/>
           <a:p>
             <a:pPr algn="ctr"/>
-            <a:endParaRPr lang="ru-RU" dirty="0" err="1" smtClean="0">
-              <a:solidFill>
-                <a:schemeClr val="tx1"/>
-              </a:solidFill>
-            </a:endParaRPr>
+            <a:r>
+              <a:rPr lang="ru-RU" sz="4800" dirty="0" smtClean="0">
+                <a:solidFill>
+                  <a:schemeClr val="tx1"/>
+                </a:solidFill>
+              </a:rPr>
+              <a:t>Код мониторингов</a:t>
+            </a:r>
+          </a:p>
+        </p:txBody>
+      </p:sp>
+      <p:sp>
+        <p:nvSpPr>
+          <p:cNvPr id="8" name="Прямоугольник 7"/>
+          <p:cNvSpPr/>
+          <p:nvPr/>
+        </p:nvSpPr>
+        <p:spPr>
+          <a:xfrm>
+            <a:off x="1142998" y="8385174"/>
+            <a:ext cx="6868800" cy="3814763"/>
+          </a:xfrm>
+          <a:prstGeom prst="rect">
+            <a:avLst/>
+          </a:prstGeom>
+          <a:noFill/>
+          <a:ln w="38100">
+            <a:solidFill>
+              <a:schemeClr val="tx1"/>
+            </a:solidFill>
+          </a:ln>
+        </p:spPr>
+        <p:style>
+          <a:lnRef idx="2">
+            <a:schemeClr val="accent1">
+              <a:shade val="50000"/>
+            </a:schemeClr>
+          </a:lnRef>
+          <a:fillRef idx="1">
+            <a:schemeClr val="accent1"/>
+          </a:fillRef>
+          <a:effectRef idx="0">
+            <a:schemeClr val="accent1"/>
+          </a:effectRef>
+          <a:fontRef idx="minor">
+            <a:schemeClr val="lt1"/>
+          </a:fontRef>
+        </p:style>
+        <p:txBody>
+          <a:bodyPr rtlCol="0" anchor="ctr"/>
+          <a:lstStyle/>
+          <a:p>
+            <a:pPr algn="ctr"/>
+            <a:r>
+              <a:rPr lang="ru-RU" sz="4800" dirty="0" smtClean="0">
+                <a:solidFill>
+                  <a:schemeClr val="tx1"/>
+                </a:solidFill>
+              </a:rPr>
+              <a:t>Код тестов</a:t>
+            </a:r>
           </a:p>
         </p:txBody>
       </p:sp>
@@ -22077,116 +22233,6 @@
               <a:t>production</a:t>
             </a:r>
             <a:endParaRPr lang="ru-RU" sz="4800" dirty="0" err="1" smtClean="0">
-              <a:solidFill>
-                <a:schemeClr val="tx1"/>
-              </a:solidFill>
-            </a:endParaRPr>
-          </a:p>
-        </p:txBody>
-      </p:sp>
-      <p:sp>
-        <p:nvSpPr>
-          <p:cNvPr id="32" name="Прямоугольник 31"/>
-          <p:cNvSpPr/>
-          <p:nvPr/>
-        </p:nvSpPr>
-        <p:spPr>
-          <a:xfrm>
-            <a:off x="16388806" y="3042000"/>
-            <a:ext cx="1908000" cy="1908000"/>
-          </a:xfrm>
-          <a:prstGeom prst="rect">
-            <a:avLst/>
-          </a:prstGeom>
-          <a:solidFill>
-            <a:schemeClr val="tx2"/>
-          </a:solidFill>
-          <a:ln w="38100">
-            <a:solidFill>
-              <a:schemeClr val="tx1"/>
-            </a:solidFill>
-          </a:ln>
-        </p:spPr>
-        <p:style>
-          <a:lnRef idx="2">
-            <a:schemeClr val="accent1">
-              <a:shade val="50000"/>
-            </a:schemeClr>
-          </a:lnRef>
-          <a:fillRef idx="1">
-            <a:schemeClr val="accent1"/>
-          </a:fillRef>
-          <a:effectRef idx="0">
-            <a:schemeClr val="accent1"/>
-          </a:effectRef>
-          <a:fontRef idx="minor">
-            <a:schemeClr val="lt1"/>
-          </a:fontRef>
-        </p:style>
-        <p:txBody>
-          <a:bodyPr rtlCol="0" anchor="ctr"/>
-          <a:lstStyle/>
-          <a:p>
-            <a:pPr algn="ctr"/>
-            <a:endParaRPr lang="ru-RU" dirty="0" err="1" smtClean="0">
-              <a:solidFill>
-                <a:schemeClr val="tx1"/>
-              </a:solidFill>
-            </a:endParaRPr>
-          </a:p>
-        </p:txBody>
-      </p:sp>
-      <p:sp>
-        <p:nvSpPr>
-          <p:cNvPr id="22" name="Прямоугольник 21"/>
-          <p:cNvSpPr/>
-          <p:nvPr/>
-        </p:nvSpPr>
-        <p:spPr>
-          <a:xfrm>
-            <a:off x="16388806" y="3043237"/>
-            <a:ext cx="6850063" cy="3814763"/>
-          </a:xfrm>
-          <a:prstGeom prst="rect">
-            <a:avLst/>
-          </a:prstGeom>
-          <a:noFill/>
-          <a:ln w="38100">
-            <a:solidFill>
-              <a:schemeClr val="tx1"/>
-            </a:solidFill>
-          </a:ln>
-        </p:spPr>
-        <p:style>
-          <a:lnRef idx="2">
-            <a:schemeClr val="accent1">
-              <a:shade val="50000"/>
-            </a:schemeClr>
-          </a:lnRef>
-          <a:fillRef idx="1">
-            <a:schemeClr val="accent1"/>
-          </a:fillRef>
-          <a:effectRef idx="0">
-            <a:schemeClr val="accent1"/>
-          </a:effectRef>
-          <a:fontRef idx="minor">
-            <a:schemeClr val="lt1"/>
-          </a:fontRef>
-        </p:style>
-        <p:txBody>
-          <a:bodyPr rtlCol="0" anchor="ctr"/>
-          <a:lstStyle/>
-          <a:p>
-            <a:pPr algn="ctr"/>
-            <a:r>
-              <a:rPr lang="ru-RU" sz="4800" dirty="0" smtClean="0">
-                <a:solidFill>
-                  <a:schemeClr val="tx1"/>
-                </a:solidFill>
-              </a:rPr>
-              <a:t>Код мониторингов</a:t>
-            </a:r>
-            <a:endParaRPr lang="ru-RU" sz="4800" dirty="0" smtClean="0">
               <a:solidFill>
                 <a:schemeClr val="tx1"/>
               </a:solidFill>
@@ -22596,6 +22642,411 @@
                                   </p:childTnLst>
                                 </p:cTn>
                               </p:par>
+                              <p:par>
+                                <p:cTn id="29" presetID="1" presetClass="entr" presetSubtype="0" fill="hold" grpId="0" nodeType="withEffect">
+                                  <p:stCondLst>
+                                    <p:cond delay="0"/>
+                                  </p:stCondLst>
+                                  <p:childTnLst>
+                                    <p:set>
+                                      <p:cBhvr>
+                                        <p:cTn id="30" dur="1" fill="hold">
+                                          <p:stCondLst>
+                                            <p:cond delay="0"/>
+                                          </p:stCondLst>
+                                        </p:cTn>
+                                        <p:tgtEl>
+                                          <p:spTgt spid="39"/>
+                                        </p:tgtEl>
+                                        <p:attrNameLst>
+                                          <p:attrName>style.visibility</p:attrName>
+                                        </p:attrNameLst>
+                                      </p:cBhvr>
+                                      <p:to>
+                                        <p:strVal val="visible"/>
+                                      </p:to>
+                                    </p:set>
+                                  </p:childTnLst>
+                                </p:cTn>
+                              </p:par>
+                              <p:par>
+                                <p:cTn id="31" presetID="1" presetClass="entr" presetSubtype="0" fill="hold" grpId="0" nodeType="withEffect">
+                                  <p:stCondLst>
+                                    <p:cond delay="0"/>
+                                  </p:stCondLst>
+                                  <p:childTnLst>
+                                    <p:set>
+                                      <p:cBhvr>
+                                        <p:cTn id="32" dur="1" fill="hold">
+                                          <p:stCondLst>
+                                            <p:cond delay="0"/>
+                                          </p:stCondLst>
+                                        </p:cTn>
+                                        <p:tgtEl>
+                                          <p:spTgt spid="40"/>
+                                        </p:tgtEl>
+                                        <p:attrNameLst>
+                                          <p:attrName>style.visibility</p:attrName>
+                                        </p:attrNameLst>
+                                      </p:cBhvr>
+                                      <p:to>
+                                        <p:strVal val="visible"/>
+                                      </p:to>
+                                    </p:set>
+                                  </p:childTnLst>
+                                </p:cTn>
+                              </p:par>
+                              <p:par>
+                                <p:cTn id="33" presetID="1" presetClass="entr" presetSubtype="0" fill="hold" grpId="1" nodeType="withEffect">
+                                  <p:stCondLst>
+                                    <p:cond delay="0"/>
+                                  </p:stCondLst>
+                                  <p:childTnLst>
+                                    <p:set>
+                                      <p:cBhvr>
+                                        <p:cTn id="34" dur="1" fill="hold">
+                                          <p:stCondLst>
+                                            <p:cond delay="0"/>
+                                          </p:stCondLst>
+                                        </p:cTn>
+                                        <p:tgtEl>
+                                          <p:spTgt spid="30"/>
+                                        </p:tgtEl>
+                                        <p:attrNameLst>
+                                          <p:attrName>style.visibility</p:attrName>
+                                        </p:attrNameLst>
+                                      </p:cBhvr>
+                                      <p:to>
+                                        <p:strVal val="visible"/>
+                                      </p:to>
+                                    </p:set>
+                                  </p:childTnLst>
+                                </p:cTn>
+                              </p:par>
+                              <p:par>
+                                <p:cTn id="35" presetID="1" presetClass="entr" presetSubtype="0" fill="hold" grpId="2" nodeType="withEffect">
+                                  <p:stCondLst>
+                                    <p:cond delay="0"/>
+                                  </p:stCondLst>
+                                  <p:childTnLst>
+                                    <p:set>
+                                      <p:cBhvr>
+                                        <p:cTn id="36" dur="1" fill="hold">
+                                          <p:stCondLst>
+                                            <p:cond delay="0"/>
+                                          </p:stCondLst>
+                                        </p:cTn>
+                                        <p:tgtEl>
+                                          <p:spTgt spid="3"/>
+                                        </p:tgtEl>
+                                        <p:attrNameLst>
+                                          <p:attrName>style.visibility</p:attrName>
+                                        </p:attrNameLst>
+                                      </p:cBhvr>
+                                      <p:to>
+                                        <p:strVal val="visible"/>
+                                      </p:to>
+                                    </p:set>
+                                  </p:childTnLst>
+                                </p:cTn>
+                              </p:par>
+                              <p:par>
+                                <p:cTn id="37" presetID="1" presetClass="entr" presetSubtype="0" fill="hold" grpId="0" nodeType="withEffect">
+                                  <p:stCondLst>
+                                    <p:cond delay="0"/>
+                                  </p:stCondLst>
+                                  <p:childTnLst>
+                                    <p:set>
+                                      <p:cBhvr>
+                                        <p:cTn id="38" dur="1" fill="hold">
+                                          <p:stCondLst>
+                                            <p:cond delay="0"/>
+                                          </p:stCondLst>
+                                        </p:cTn>
+                                        <p:tgtEl>
+                                          <p:spTgt spid="41"/>
+                                        </p:tgtEl>
+                                        <p:attrNameLst>
+                                          <p:attrName>style.visibility</p:attrName>
+                                        </p:attrNameLst>
+                                      </p:cBhvr>
+                                      <p:to>
+                                        <p:strVal val="visible"/>
+                                      </p:to>
+                                    </p:set>
+                                  </p:childTnLst>
+                                </p:cTn>
+                              </p:par>
+                              <p:par>
+                                <p:cTn id="39" presetID="1" presetClass="entr" presetSubtype="0" fill="hold" grpId="0" nodeType="withEffect">
+                                  <p:stCondLst>
+                                    <p:cond delay="0"/>
+                                  </p:stCondLst>
+                                  <p:childTnLst>
+                                    <p:set>
+                                      <p:cBhvr>
+                                        <p:cTn id="40" dur="1" fill="hold">
+                                          <p:stCondLst>
+                                            <p:cond delay="0"/>
+                                          </p:stCondLst>
+                                        </p:cTn>
+                                        <p:tgtEl>
+                                          <p:spTgt spid="42"/>
+                                        </p:tgtEl>
+                                        <p:attrNameLst>
+                                          <p:attrName>style.visibility</p:attrName>
+                                        </p:attrNameLst>
+                                      </p:cBhvr>
+                                      <p:to>
+                                        <p:strVal val="visible"/>
+                                      </p:to>
+                                    </p:set>
+                                  </p:childTnLst>
+                                </p:cTn>
+                              </p:par>
+                              <p:par>
+                                <p:cTn id="41" presetID="1" presetClass="entr" presetSubtype="0" fill="hold" grpId="0" nodeType="withEffect">
+                                  <p:stCondLst>
+                                    <p:cond delay="0"/>
+                                  </p:stCondLst>
+                                  <p:childTnLst>
+                                    <p:set>
+                                      <p:cBhvr>
+                                        <p:cTn id="42" dur="1" fill="hold">
+                                          <p:stCondLst>
+                                            <p:cond delay="0"/>
+                                          </p:stCondLst>
+                                        </p:cTn>
+                                        <p:tgtEl>
+                                          <p:spTgt spid="43"/>
+                                        </p:tgtEl>
+                                        <p:attrNameLst>
+                                          <p:attrName>style.visibility</p:attrName>
+                                        </p:attrNameLst>
+                                      </p:cBhvr>
+                                      <p:to>
+                                        <p:strVal val="visible"/>
+                                      </p:to>
+                                    </p:set>
+                                  </p:childTnLst>
+                                </p:cTn>
+                              </p:par>
+                              <p:par>
+                                <p:cTn id="43" presetID="1" presetClass="entr" presetSubtype="0" fill="hold" grpId="0" nodeType="withEffect">
+                                  <p:stCondLst>
+                                    <p:cond delay="0"/>
+                                  </p:stCondLst>
+                                  <p:childTnLst>
+                                    <p:set>
+                                      <p:cBhvr>
+                                        <p:cTn id="44" dur="1" fill="hold">
+                                          <p:stCondLst>
+                                            <p:cond delay="0"/>
+                                          </p:stCondLst>
+                                        </p:cTn>
+                                        <p:tgtEl>
+                                          <p:spTgt spid="44"/>
+                                        </p:tgtEl>
+                                        <p:attrNameLst>
+                                          <p:attrName>style.visibility</p:attrName>
+                                        </p:attrNameLst>
+                                      </p:cBhvr>
+                                      <p:to>
+                                        <p:strVal val="visible"/>
+                                      </p:to>
+                                    </p:set>
+                                  </p:childTnLst>
+                                </p:cTn>
+                              </p:par>
+                              <p:par>
+                                <p:cTn id="45" presetID="1" presetClass="entr" presetSubtype="0" fill="hold" grpId="0" nodeType="withEffect">
+                                  <p:stCondLst>
+                                    <p:cond delay="0"/>
+                                  </p:stCondLst>
+                                  <p:childTnLst>
+                                    <p:set>
+                                      <p:cBhvr>
+                                        <p:cTn id="46" dur="1" fill="hold">
+                                          <p:stCondLst>
+                                            <p:cond delay="0"/>
+                                          </p:stCondLst>
+                                        </p:cTn>
+                                        <p:tgtEl>
+                                          <p:spTgt spid="45"/>
+                                        </p:tgtEl>
+                                        <p:attrNameLst>
+                                          <p:attrName>style.visibility</p:attrName>
+                                        </p:attrNameLst>
+                                      </p:cBhvr>
+                                      <p:to>
+                                        <p:strVal val="visible"/>
+                                      </p:to>
+                                    </p:set>
+                                  </p:childTnLst>
+                                </p:cTn>
+                              </p:par>
+                              <p:par>
+                                <p:cTn id="47" presetID="1" presetClass="entr" presetSubtype="0" fill="hold" grpId="2" nodeType="withEffect">
+                                  <p:stCondLst>
+                                    <p:cond delay="0"/>
+                                  </p:stCondLst>
+                                  <p:childTnLst>
+                                    <p:set>
+                                      <p:cBhvr>
+                                        <p:cTn id="48" dur="1" fill="hold">
+                                          <p:stCondLst>
+                                            <p:cond delay="0"/>
+                                          </p:stCondLst>
+                                        </p:cTn>
+                                        <p:tgtEl>
+                                          <p:spTgt spid="45"/>
+                                        </p:tgtEl>
+                                        <p:attrNameLst>
+                                          <p:attrName>style.visibility</p:attrName>
+                                        </p:attrNameLst>
+                                      </p:cBhvr>
+                                      <p:to>
+                                        <p:strVal val="visible"/>
+                                      </p:to>
+                                    </p:set>
+                                  </p:childTnLst>
+                                </p:cTn>
+                              </p:par>
+                              <p:par>
+                                <p:cTn id="49" presetID="1" presetClass="entr" presetSubtype="0" fill="hold" grpId="0" nodeType="withEffect">
+                                  <p:stCondLst>
+                                    <p:cond delay="0"/>
+                                  </p:stCondLst>
+                                  <p:childTnLst>
+                                    <p:set>
+                                      <p:cBhvr>
+                                        <p:cTn id="50" dur="1" fill="hold">
+                                          <p:stCondLst>
+                                            <p:cond delay="0"/>
+                                          </p:stCondLst>
+                                        </p:cTn>
+                                        <p:tgtEl>
+                                          <p:spTgt spid="46"/>
+                                        </p:tgtEl>
+                                        <p:attrNameLst>
+                                          <p:attrName>style.visibility</p:attrName>
+                                        </p:attrNameLst>
+                                      </p:cBhvr>
+                                      <p:to>
+                                        <p:strVal val="visible"/>
+                                      </p:to>
+                                    </p:set>
+                                  </p:childTnLst>
+                                </p:cTn>
+                              </p:par>
+                              <p:par>
+                                <p:cTn id="51" presetID="1" presetClass="entr" presetSubtype="0" fill="hold" grpId="2" nodeType="withEffect">
+                                  <p:stCondLst>
+                                    <p:cond delay="0"/>
+                                  </p:stCondLst>
+                                  <p:childTnLst>
+                                    <p:set>
+                                      <p:cBhvr>
+                                        <p:cTn id="52" dur="1" fill="hold">
+                                          <p:stCondLst>
+                                            <p:cond delay="0"/>
+                                          </p:stCondLst>
+                                        </p:cTn>
+                                        <p:tgtEl>
+                                          <p:spTgt spid="46"/>
+                                        </p:tgtEl>
+                                        <p:attrNameLst>
+                                          <p:attrName>style.visibility</p:attrName>
+                                        </p:attrNameLst>
+                                      </p:cBhvr>
+                                      <p:to>
+                                        <p:strVal val="visible"/>
+                                      </p:to>
+                                    </p:set>
+                                  </p:childTnLst>
+                                </p:cTn>
+                              </p:par>
+                              <p:par>
+                                <p:cTn id="53" presetID="1" presetClass="entr" presetSubtype="0" fill="hold" grpId="0" nodeType="withEffect">
+                                  <p:stCondLst>
+                                    <p:cond delay="0"/>
+                                  </p:stCondLst>
+                                  <p:childTnLst>
+                                    <p:set>
+                                      <p:cBhvr>
+                                        <p:cTn id="54" dur="1" fill="hold">
+                                          <p:stCondLst>
+                                            <p:cond delay="0"/>
+                                          </p:stCondLst>
+                                        </p:cTn>
+                                        <p:tgtEl>
+                                          <p:spTgt spid="47"/>
+                                        </p:tgtEl>
+                                        <p:attrNameLst>
+                                          <p:attrName>style.visibility</p:attrName>
+                                        </p:attrNameLst>
+                                      </p:cBhvr>
+                                      <p:to>
+                                        <p:strVal val="visible"/>
+                                      </p:to>
+                                    </p:set>
+                                  </p:childTnLst>
+                                </p:cTn>
+                              </p:par>
+                              <p:par>
+                                <p:cTn id="55" presetID="1" presetClass="entr" presetSubtype="0" fill="hold" grpId="0" nodeType="withEffect">
+                                  <p:stCondLst>
+                                    <p:cond delay="0"/>
+                                  </p:stCondLst>
+                                  <p:childTnLst>
+                                    <p:set>
+                                      <p:cBhvr>
+                                        <p:cTn id="56" dur="1" fill="hold">
+                                          <p:stCondLst>
+                                            <p:cond delay="0"/>
+                                          </p:stCondLst>
+                                        </p:cTn>
+                                        <p:tgtEl>
+                                          <p:spTgt spid="48"/>
+                                        </p:tgtEl>
+                                        <p:attrNameLst>
+                                          <p:attrName>style.visibility</p:attrName>
+                                        </p:attrNameLst>
+                                      </p:cBhvr>
+                                      <p:to>
+                                        <p:strVal val="visible"/>
+                                      </p:to>
+                                    </p:set>
+                                  </p:childTnLst>
+                                </p:cTn>
+                              </p:par>
+                              <p:par>
+                                <p:cTn id="57" presetID="1" presetClass="entr" presetSubtype="0" fill="hold" grpId="0" nodeType="withEffect">
+                                  <p:stCondLst>
+                                    <p:cond delay="0"/>
+                                  </p:stCondLst>
+                                  <p:childTnLst>
+                                    <p:set>
+                                      <p:cBhvr>
+                                        <p:cTn id="58" dur="1" fill="hold">
+                                          <p:stCondLst>
+                                            <p:cond delay="0"/>
+                                          </p:stCondLst>
+                                        </p:cTn>
+                                        <p:tgtEl>
+                                          <p:spTgt spid="49"/>
+                                        </p:tgtEl>
+                                        <p:attrNameLst>
+                                          <p:attrName>style.visibility</p:attrName>
+                                        </p:attrNameLst>
+                                      </p:cBhvr>
+                                      <p:to>
+                                        <p:strVal val="visible"/>
+                                      </p:to>
+                                    </p:set>
+                                  </p:childTnLst>
+                                </p:cTn>
+                              </p:par>
                             </p:childTnLst>
                           </p:cTn>
                         </p:par>
@@ -22603,26 +23054,234 @@
                     </p:cTn>
                   </p:par>
                   <p:par>
-                    <p:cTn id="29" fill="hold">
+                    <p:cTn id="59" fill="hold">
                       <p:stCondLst>
                         <p:cond delay="indefinite"/>
                       </p:stCondLst>
                       <p:childTnLst>
                         <p:par>
-                          <p:cTn id="30" fill="hold">
+                          <p:cTn id="60" fill="hold">
                             <p:stCondLst>
                               <p:cond delay="0"/>
                             </p:stCondLst>
                             <p:childTnLst>
                               <p:par>
-                                <p:cTn id="31" presetID="42" presetClass="path" presetSubtype="0" accel="50000" decel="50000" fill="hold" grpId="1" nodeType="clickEffect">
+                                <p:cTn id="61" presetID="42" presetClass="path" presetSubtype="0" accel="50000" decel="50000" fill="hold" grpId="1" nodeType="clickEffect">
                                   <p:stCondLst>
                                     <p:cond delay="0"/>
                                   </p:stCondLst>
                                   <p:childTnLst>
-                                    <p:animMotion origin="layout" path="M -9.53187E-7 -3.7037E-7 L -0.37593 -0.02824 " pathEditMode="relative" rAng="0" ptsTypes="AA">
+                                    <p:animMotion origin="layout" path="M -4.58884E-6 -0.00336 L -0.2504 -0.05602 " pathEditMode="relative" rAng="0" ptsTypes="AA">
                                       <p:cBhvr>
-                                        <p:cTn id="32" dur="1250" fill="hold"/>
+                                        <p:cTn id="62" dur="1250" fill="hold"/>
+                                        <p:tgtEl>
+                                          <p:spTgt spid="24"/>
+                                        </p:tgtEl>
+                                        <p:attrNameLst>
+                                          <p:attrName>ppt_x</p:attrName>
+                                          <p:attrName>ppt_y</p:attrName>
+                                        </p:attrNameLst>
+                                      </p:cBhvr>
+                                      <p:rCtr x="-12520" y="-2639"/>
+                                    </p:animMotion>
+                                  </p:childTnLst>
+                                </p:cTn>
+                              </p:par>
+                            </p:childTnLst>
+                          </p:cTn>
+                        </p:par>
+                      </p:childTnLst>
+                    </p:cTn>
+                  </p:par>
+                  <p:par>
+                    <p:cTn id="63" fill="hold">
+                      <p:stCondLst>
+                        <p:cond delay="indefinite"/>
+                      </p:stCondLst>
+                      <p:childTnLst>
+                        <p:par>
+                          <p:cTn id="64" fill="hold">
+                            <p:stCondLst>
+                              <p:cond delay="0"/>
+                            </p:stCondLst>
+                            <p:childTnLst>
+                              <p:par>
+                                <p:cTn id="65" presetID="42" presetClass="path" presetSubtype="0" accel="50000" decel="50000" fill="hold" grpId="1" nodeType="clickEffect">
+                                  <p:stCondLst>
+                                    <p:cond delay="0"/>
+                                  </p:stCondLst>
+                                  <p:childTnLst>
+                                    <p:animMotion origin="layout" path="M 2.5542E-6 1.48148E-6 L 0.36005 -0.50081 " pathEditMode="relative" rAng="0" ptsTypes="AA">
+                                      <p:cBhvr>
+                                        <p:cTn id="66" dur="1250" fill="hold"/>
+                                        <p:tgtEl>
+                                          <p:spTgt spid="47"/>
+                                        </p:tgtEl>
+                                        <p:attrNameLst>
+                                          <p:attrName>ppt_x</p:attrName>
+                                          <p:attrName>ppt_y</p:attrName>
+                                        </p:attrNameLst>
+                                      </p:cBhvr>
+                                      <p:rCtr x="18002" y="-25046"/>
+                                    </p:animMotion>
+                                  </p:childTnLst>
+                                </p:cTn>
+                              </p:par>
+                              <p:par>
+                                <p:cTn id="67" presetID="42" presetClass="path" presetSubtype="0" accel="50000" decel="50000" fill="hold" grpId="1" nodeType="withEffect">
+                                  <p:stCondLst>
+                                    <p:cond delay="0"/>
+                                  </p:stCondLst>
+                                  <p:childTnLst>
+                                    <p:animMotion origin="layout" path="M 3.20464E-6 4.07407E-6 L 0.31343 -0.25139 " pathEditMode="relative" rAng="0" ptsTypes="AA">
+                                      <p:cBhvr>
+                                        <p:cTn id="68" dur="1250" fill="hold"/>
+                                        <p:tgtEl>
+                                          <p:spTgt spid="48"/>
+                                        </p:tgtEl>
+                                        <p:attrNameLst>
+                                          <p:attrName>ppt_x</p:attrName>
+                                          <p:attrName>ppt_y</p:attrName>
+                                        </p:attrNameLst>
+                                      </p:cBhvr>
+                                      <p:rCtr x="15672" y="-12569"/>
+                                    </p:animMotion>
+                                  </p:childTnLst>
+                                </p:cTn>
+                              </p:par>
+                              <p:par>
+                                <p:cTn id="69" presetID="42" presetClass="path" presetSubtype="0" accel="50000" decel="50000" fill="hold" grpId="1" nodeType="withEffect">
+                                  <p:stCondLst>
+                                    <p:cond delay="0"/>
+                                  </p:stCondLst>
+                                  <p:childTnLst>
+                                    <p:animMotion origin="layout" path="M -4.58884E-6 -7.40741E-7 L 0.32867 -0.08345 " pathEditMode="relative" rAng="0" ptsTypes="AA">
+                                      <p:cBhvr>
+                                        <p:cTn id="70" dur="1250" fill="hold"/>
+                                        <p:tgtEl>
+                                          <p:spTgt spid="49"/>
+                                        </p:tgtEl>
+                                        <p:attrNameLst>
+                                          <p:attrName>ppt_x</p:attrName>
+                                          <p:attrName>ppt_y</p:attrName>
+                                        </p:attrNameLst>
+                                      </p:cBhvr>
+                                      <p:rCtr x="16433" y="-4178"/>
+                                    </p:animMotion>
+                                  </p:childTnLst>
+                                </p:cTn>
+                              </p:par>
+                            </p:childTnLst>
+                          </p:cTn>
+                        </p:par>
+                      </p:childTnLst>
+                    </p:cTn>
+                  </p:par>
+                  <p:par>
+                    <p:cTn id="71" fill="hold">
+                      <p:stCondLst>
+                        <p:cond delay="indefinite"/>
+                      </p:stCondLst>
+                      <p:childTnLst>
+                        <p:par>
+                          <p:cTn id="72" fill="hold">
+                            <p:stCondLst>
+                              <p:cond delay="0"/>
+                            </p:stCondLst>
+                            <p:childTnLst>
+                              <p:par>
+                                <p:cTn id="73" presetID="42" presetClass="path" presetSubtype="0" accel="50000" decel="50000" fill="hold" grpId="1" nodeType="clickEffect">
+                                  <p:stCondLst>
+                                    <p:cond delay="0"/>
+                                  </p:stCondLst>
+                                  <p:childTnLst>
+                                    <p:animMotion origin="layout" path="M 6.93938E-5 0.00011 L -0.26597 0.08356 " pathEditMode="relative" rAng="0" ptsTypes="AA">
+                                      <p:cBhvr>
+                                        <p:cTn id="74" dur="1250" fill="hold"/>
+                                        <p:tgtEl>
+                                          <p:spTgt spid="42"/>
+                                        </p:tgtEl>
+                                        <p:attrNameLst>
+                                          <p:attrName>ppt_x</p:attrName>
+                                          <p:attrName>ppt_y</p:attrName>
+                                        </p:attrNameLst>
+                                      </p:cBhvr>
+                                      <p:rCtr x="-13302" y="4167"/>
+                                    </p:animMotion>
+                                  </p:childTnLst>
+                                </p:cTn>
+                              </p:par>
+                            </p:childTnLst>
+                          </p:cTn>
+                        </p:par>
+                      </p:childTnLst>
+                    </p:cTn>
+                  </p:par>
+                  <p:par>
+                    <p:cTn id="75" fill="hold">
+                      <p:stCondLst>
+                        <p:cond delay="indefinite"/>
+                      </p:stCondLst>
+                      <p:childTnLst>
+                        <p:par>
+                          <p:cTn id="76" fill="hold">
+                            <p:stCondLst>
+                              <p:cond delay="0"/>
+                            </p:stCondLst>
+                            <p:childTnLst>
+                              <p:par>
+                                <p:cTn id="77" presetID="42" presetClass="path" presetSubtype="0" accel="50000" decel="50000" fill="hold" grpId="1" nodeType="clickEffect">
+                                  <p:stCondLst>
+                                    <p:cond delay="0"/>
+                                  </p:stCondLst>
+                                  <p:childTnLst>
+                                    <p:animMotion origin="layout" path="M 1.42848E-6 0.00011 L -0.32867 -0.16736 " pathEditMode="relative" rAng="0" ptsTypes="AA">
+                                      <p:cBhvr>
+                                        <p:cTn id="78" dur="1250" fill="hold"/>
+                                        <p:tgtEl>
+                                          <p:spTgt spid="41"/>
+                                        </p:tgtEl>
+                                        <p:attrNameLst>
+                                          <p:attrName>ppt_x</p:attrName>
+                                          <p:attrName>ppt_y</p:attrName>
+                                        </p:attrNameLst>
+                                      </p:cBhvr>
+                                      <p:rCtr x="-16433" y="-8380"/>
+                                    </p:animMotion>
+                                  </p:childTnLst>
+                                </p:cTn>
+                              </p:par>
+                              <p:par>
+                                <p:cTn id="79" presetID="42" presetClass="path" presetSubtype="0" accel="50000" decel="50000" fill="hold" grpId="1" nodeType="withEffect">
+                                  <p:stCondLst>
+                                    <p:cond delay="0"/>
+                                  </p:stCondLst>
+                                  <p:childTnLst>
+                                    <p:animMotion origin="layout" path="M 1.27612E-7 0.00011 L -0.32945 0.22257 " pathEditMode="relative" rAng="0" ptsTypes="AA">
+                                      <p:cBhvr>
+                                        <p:cTn id="80" dur="1250" fill="hold"/>
+                                        <p:tgtEl>
+                                          <p:spTgt spid="7"/>
+                                        </p:tgtEl>
+                                        <p:attrNameLst>
+                                          <p:attrName>ppt_x</p:attrName>
+                                          <p:attrName>ppt_y</p:attrName>
+                                        </p:attrNameLst>
+                                      </p:cBhvr>
+                                      <p:rCtr x="-16472" y="11123"/>
+                                    </p:animMotion>
+                                  </p:childTnLst>
+                                </p:cTn>
+                              </p:par>
+                              <p:par>
+                                <p:cTn id="81" presetID="42" presetClass="path" presetSubtype="0" accel="50000" decel="50000" fill="hold" grpId="1" nodeType="withEffect">
+                                  <p:stCondLst>
+                                    <p:cond delay="0"/>
+                                  </p:stCondLst>
+                                  <p:childTnLst>
+                                    <p:animMotion origin="layout" path="M 4.58884E-6 1.66667E-6 L -0.37561 1.66667E-6 " pathEditMode="relative" rAng="0" ptsTypes="AA">
+                                      <p:cBhvr>
+                                        <p:cTn id="82" dur="1250" fill="hold"/>
                                         <p:tgtEl>
                                           <p:spTgt spid="3"/>
                                         </p:tgtEl>
@@ -22631,51 +23290,205 @@
                                           <p:attrName>ppt_y</p:attrName>
                                         </p:attrNameLst>
                                       </p:cBhvr>
-                                      <p:rCtr x="-18797" y="-1412"/>
+                                      <p:rCtr x="-18784" y="0"/>
                                     </p:animMotion>
                                   </p:childTnLst>
                                 </p:cTn>
                               </p:par>
                               <p:par>
-                                <p:cTn id="33" presetID="42" presetClass="path" presetSubtype="0" accel="50000" decel="50000" fill="hold" grpId="1" nodeType="withEffect">
+                                <p:cTn id="83" presetID="42" presetClass="path" presetSubtype="0" accel="50000" decel="50000" fill="hold" grpId="1" nodeType="withEffect">
                                   <p:stCondLst>
                                     <p:cond delay="0"/>
                                   </p:stCondLst>
                                   <p:childTnLst>
-                                    <p:animMotion origin="layout" path="M 2.07891E-6 -1.66667E-6 L -0.32828 -0.08333 " pathEditMode="relative" rAng="0" ptsTypes="AA">
+                                    <p:animMotion origin="layout" path="M 4.58884E-6 1.66667E-6 L 0.2504 -0.00058 " pathEditMode="relative" rAng="0" ptsTypes="AA">
                                       <p:cBhvr>
-                                        <p:cTn id="34" dur="1250" fill="hold"/>
+                                        <p:cTn id="84" dur="1250" fill="hold"/>
                                         <p:tgtEl>
-                                          <p:spTgt spid="7"/>
+                                          <p:spTgt spid="46"/>
                                         </p:tgtEl>
                                         <p:attrNameLst>
                                           <p:attrName>ppt_x</p:attrName>
                                           <p:attrName>ppt_y</p:attrName>
                                         </p:attrNameLst>
                                       </p:cBhvr>
-                                      <p:rCtr x="-16414" y="-4167"/>
+                                      <p:rCtr x="12520" y="-35"/>
                                     </p:animMotion>
                                   </p:childTnLst>
                                 </p:cTn>
                               </p:par>
                               <p:par>
-                                <p:cTn id="35" presetID="42" presetClass="path" presetSubtype="0" accel="50000" decel="50000" fill="hold" grpId="1" nodeType="withEffect">
+                                <p:cTn id="85" presetID="42" presetClass="path" presetSubtype="0" accel="50000" decel="50000" fill="hold" grpId="1" nodeType="withEffect">
                                   <p:stCondLst>
                                     <p:cond delay="0"/>
                                   </p:stCondLst>
                                   <p:childTnLst>
-                                    <p:animMotion origin="layout" path="M -1.73188E-6 1.2963E-6 L -0.28172 -0.0022 " pathEditMode="relative" rAng="0" ptsTypes="AA">
+                                    <p:animMotion origin="layout" path="M 4.58884E-6 1.66667E-6 L 0.2504 0.38958 " pathEditMode="relative" rAng="0" ptsTypes="AA">
                                       <p:cBhvr>
-                                        <p:cTn id="36" dur="1250" fill="hold"/>
+                                        <p:cTn id="86" dur="1250" fill="hold"/>
                                         <p:tgtEl>
-                                          <p:spTgt spid="24"/>
+                                          <p:spTgt spid="45"/>
                                         </p:tgtEl>
                                         <p:attrNameLst>
                                           <p:attrName>ppt_x</p:attrName>
                                           <p:attrName>ppt_y</p:attrName>
                                         </p:attrNameLst>
                                       </p:cBhvr>
-                                      <p:rCtr x="-14089" y="-116"/>
+                                      <p:rCtr x="12520" y="19479"/>
+                                    </p:animMotion>
+                                  </p:childTnLst>
+                                </p:cTn>
+                              </p:par>
+                              <p:par>
+                                <p:cTn id="87" presetID="42" presetClass="path" presetSubtype="0" accel="50000" decel="50000" fill="hold" grpId="0" nodeType="withEffect">
+                                  <p:stCondLst>
+                                    <p:cond delay="0"/>
+                                  </p:stCondLst>
+                                  <p:childTnLst>
+                                    <p:animMotion origin="layout" path="M -3.02754E-7 3.7037E-7 L -0.37554 0.39016 " pathEditMode="relative" rAng="0" ptsTypes="AA">
+                                      <p:cBhvr>
+                                        <p:cTn id="88" dur="1250" fill="hold"/>
+                                        <p:tgtEl>
+                                          <p:spTgt spid="30"/>
+                                        </p:tgtEl>
+                                        <p:attrNameLst>
+                                          <p:attrName>ppt_x</p:attrName>
+                                          <p:attrName>ppt_y</p:attrName>
+                                        </p:attrNameLst>
+                                      </p:cBhvr>
+                                      <p:rCtr x="-18777" y="19502"/>
+                                    </p:animMotion>
+                                  </p:childTnLst>
+                                </p:cTn>
+                              </p:par>
+                              <p:par>
+                                <p:cTn id="89" presetID="42" presetClass="path" presetSubtype="0" accel="50000" decel="50000" fill="hold" grpId="1" nodeType="withEffect">
+                                  <p:stCondLst>
+                                    <p:cond delay="0"/>
+                                  </p:stCondLst>
+                                  <p:childTnLst>
+                                    <p:animMotion origin="layout" path="M 2.5542E-6 3.14815E-6 L 0.2661 0.22268 " pathEditMode="relative" rAng="0" ptsTypes="AA">
+                                      <p:cBhvr>
+                                        <p:cTn id="90" dur="1250" fill="hold"/>
+                                        <p:tgtEl>
+                                          <p:spTgt spid="43"/>
+                                        </p:tgtEl>
+                                        <p:attrNameLst>
+                                          <p:attrName>ppt_x</p:attrName>
+                                          <p:attrName>ppt_y</p:attrName>
+                                        </p:attrNameLst>
+                                      </p:cBhvr>
+                                      <p:rCtr x="13302" y="11134"/>
+                                    </p:animMotion>
+                                  </p:childTnLst>
+                                </p:cTn>
+                              </p:par>
+                              <p:par>
+                                <p:cTn id="91" presetID="42" presetClass="path" presetSubtype="0" accel="50000" decel="50000" fill="hold" grpId="1" nodeType="withEffect">
+                                  <p:stCondLst>
+                                    <p:cond delay="0"/>
+                                  </p:stCondLst>
+                                  <p:childTnLst>
+                                    <p:animMotion origin="layout" path="M 2.5542E-6 4.81481E-6 L -0.26604 0.22268 " pathEditMode="relative" rAng="0" ptsTypes="AA">
+                                      <p:cBhvr>
+                                        <p:cTn id="92" dur="1250" fill="hold"/>
+                                        <p:tgtEl>
+                                          <p:spTgt spid="40"/>
+                                        </p:tgtEl>
+                                        <p:attrNameLst>
+                                          <p:attrName>ppt_x</p:attrName>
+                                          <p:attrName>ppt_y</p:attrName>
+                                        </p:attrNameLst>
+                                      </p:cBhvr>
+                                      <p:rCtr x="-13302" y="11134"/>
+                                    </p:animMotion>
+                                  </p:childTnLst>
+                                </p:cTn>
+                              </p:par>
+                              <p:par>
+                                <p:cTn id="93" presetID="0" presetClass="path" presetSubtype="0" accel="50000" decel="50000" fill="hold" grpId="1" nodeType="withEffect">
+                                  <p:stCondLst>
+                                    <p:cond delay="0"/>
+                                  </p:stCondLst>
+                                  <p:childTnLst>
+                                    <p:animMotion origin="layout" path="M 4.58884E-6 -7.40741E-7 L -0.37561 0.05567 " pathEditMode="relative" rAng="0" ptsTypes="AA">
+                                      <p:cBhvr>
+                                        <p:cTn id="94" dur="1250" fill="hold"/>
+                                        <p:tgtEl>
+                                          <p:spTgt spid="39"/>
+                                        </p:tgtEl>
+                                        <p:attrNameLst>
+                                          <p:attrName>ppt_x</p:attrName>
+                                          <p:attrName>ppt_y</p:attrName>
+                                        </p:attrNameLst>
+                                      </p:cBhvr>
+                                      <p:rCtr x="-18784" y="2778"/>
+                                    </p:animMotion>
+                                  </p:childTnLst>
+                                </p:cTn>
+                              </p:par>
+                              <p:par>
+                                <p:cTn id="95" presetID="0" presetClass="path" presetSubtype="0" accel="50000" decel="50000" fill="hold" grpId="1" nodeType="withEffect">
+                                  <p:stCondLst>
+                                    <p:cond delay="0"/>
+                                  </p:stCondLst>
+                                  <p:childTnLst>
+                                    <p:animMotion origin="layout" path="M 4.58884E-6 -7.40741E-7 L 0.43811 0.05532 " pathEditMode="relative" rAng="0" ptsTypes="AA">
+                                      <p:cBhvr>
+                                        <p:cTn id="96" dur="1250" fill="hold"/>
+                                        <p:tgtEl>
+                                          <p:spTgt spid="44"/>
+                                        </p:tgtEl>
+                                        <p:attrNameLst>
+                                          <p:attrName>ppt_x</p:attrName>
+                                          <p:attrName>ppt_y</p:attrName>
+                                        </p:attrNameLst>
+                                      </p:cBhvr>
+                                      <p:rCtr x="21902" y="2766"/>
+                                    </p:animMotion>
+                                  </p:childTnLst>
+                                </p:cTn>
+                              </p:par>
+                              <p:par>
+                                <p:cTn id="97" presetID="0" presetClass="path" presetSubtype="0" accel="50000" decel="50000" fill="hold" grpId="1" nodeType="withEffect">
+                                  <p:stCondLst>
+                                    <p:cond delay="0"/>
+                                  </p:stCondLst>
+                                  <p:childTnLst>
+                                    <p:animMotion origin="layout" path="M 4.58884E-6 -7.40741E-7 L -0.18784 -0.33391 " pathEditMode="relative" rAng="0" ptsTypes="AA">
+                                      <p:cBhvr>
+                                        <p:cTn id="98" dur="1250" fill="hold"/>
+                                        <p:tgtEl>
+                                          <p:spTgt spid="26"/>
+                                        </p:tgtEl>
+                                        <p:attrNameLst>
+                                          <p:attrName>ppt_x</p:attrName>
+                                          <p:attrName>ppt_y</p:attrName>
+                                        </p:attrNameLst>
+                                      </p:cBhvr>
+                                      <p:rCtr x="-9395" y="-16701"/>
+                                    </p:animMotion>
+                                  </p:childTnLst>
+                                </p:cTn>
+                              </p:par>
+                              <p:par>
+                                <p:cTn id="99" presetID="42" presetClass="path" presetSubtype="0" accel="50000" decel="50000" fill="hold" grpId="1" nodeType="withEffect">
+                                  <p:stCondLst>
+                                    <p:cond delay="0"/>
+                                  </p:stCondLst>
+                                  <p:childTnLst>
+                                    <p:animMotion origin="layout" path="M 2.5542E-6 3.14815E-6 L -0.35992 -0.16586 " pathEditMode="relative" rAng="0" ptsTypes="AA">
+                                      <p:cBhvr>
+                                        <p:cTn id="100" dur="1250" fill="hold"/>
+                                        <p:tgtEl>
+                                          <p:spTgt spid="25"/>
+                                        </p:tgtEl>
+                                        <p:attrNameLst>
+                                          <p:attrName>ppt_x</p:attrName>
+                                          <p:attrName>ppt_y</p:attrName>
+                                        </p:attrNameLst>
+                                      </p:cBhvr>
+                                      <p:rCtr x="-17996" y="-8299"/>
                                     </p:animMotion>
                                   </p:childTnLst>
                                 </p:cTn>
@@ -22708,17 +23521,46 @@
       </p:par>
     </p:tnLst>
     <p:bldLst>
+      <p:bldP spid="49" grpId="0" animBg="1"/>
+      <p:bldP spid="49" grpId="1" animBg="1"/>
+      <p:bldP spid="30" grpId="0" animBg="1"/>
+      <p:bldP spid="30" grpId="1" animBg="1"/>
+      <p:bldP spid="25" grpId="0" animBg="1"/>
+      <p:bldP spid="25" grpId="1" animBg="1"/>
+      <p:bldP spid="26" grpId="0" animBg="1"/>
+      <p:bldP spid="26" grpId="1" animBg="1"/>
+      <p:bldP spid="7" grpId="0" animBg="1"/>
+      <p:bldP spid="7" grpId="1" animBg="1"/>
+      <p:bldP spid="3" grpId="0" animBg="1"/>
+      <p:bldP spid="3" grpId="1" animBg="1"/>
+      <p:bldP spid="3" grpId="2" animBg="1"/>
+      <p:bldP spid="39" grpId="0" animBg="1"/>
+      <p:bldP spid="39" grpId="1" animBg="1"/>
+      <p:bldP spid="40" grpId="0" animBg="1"/>
+      <p:bldP spid="40" grpId="1" animBg="1"/>
+      <p:bldP spid="41" grpId="0" animBg="1"/>
+      <p:bldP spid="41" grpId="1" animBg="1"/>
+      <p:bldP spid="43" grpId="0" animBg="1"/>
+      <p:bldP spid="43" grpId="1" animBg="1"/>
+      <p:bldP spid="44" grpId="0" animBg="1"/>
+      <p:bldP spid="44" grpId="1" animBg="1"/>
+      <p:bldP spid="45" grpId="0" animBg="1"/>
+      <p:bldP spid="45" grpId="1" animBg="1"/>
+      <p:bldP spid="45" grpId="2" animBg="1"/>
+      <p:bldP spid="46" grpId="0" animBg="1"/>
+      <p:bldP spid="46" grpId="1" animBg="1"/>
+      <p:bldP spid="46" grpId="2" animBg="1"/>
       <p:bldP spid="24" grpId="0" animBg="1"/>
       <p:bldP spid="24" grpId="1" animBg="1"/>
-      <p:bldP spid="25" grpId="0" animBg="1"/>
-      <p:bldP spid="26" grpId="0" animBg="1"/>
-      <p:bldP spid="7" grpId="0" animBg="1"/>
-      <p:bldP spid="7" grpId="1" animBg="1"/>
+      <p:bldP spid="42" grpId="0" animBg="1"/>
+      <p:bldP spid="42" grpId="1" animBg="1"/>
+      <p:bldP spid="47" grpId="0" animBg="1"/>
+      <p:bldP spid="47" grpId="1" animBg="1"/>
+      <p:bldP spid="48" grpId="0" animBg="1"/>
+      <p:bldP spid="48" grpId="1" animBg="1"/>
+      <p:bldP spid="21" grpId="0" animBg="1"/>
+      <p:bldP spid="22" grpId="0" animBg="1"/>
       <p:bldP spid="8" grpId="0" animBg="1"/>
-      <p:bldP spid="21" grpId="0" animBg="1"/>
-      <p:bldP spid="3" grpId="0" animBg="1"/>
-      <p:bldP spid="3" grpId="1" animBg="1"/>
-      <p:bldP spid="22" grpId="0" animBg="1"/>
     </p:bldLst>
   </p:timing>
 </p:sld>
@@ -28240,7 +29082,7 @@
               <a:effectLst/>
               <a:extLst>
                 <a:ext uri="{C572A759-6A51-4108-AA02-DFA0A04FC94B}">
-                  <ma14:wrappingTextBoxFlag xmlns="" xmlns:ma14="http://schemas.microsoft.com/office/mac/drawingml/2011/main" val="1"/>
+                  <ma14:wrappingTextBoxFlag xmlns:ma14="http://schemas.microsoft.com/office/mac/drawingml/2011/main" xmlns="" val="1"/>
                 </a:ext>
               </a:extLst>
             </p:spPr>

--- a/slides.pptx
+++ b/slides.pptx
@@ -24389,25 +24389,35 @@
           </a:p>
         </p:txBody>
       </p:sp>
-      <p:sp>
-        <p:nvSpPr>
-          <p:cNvPr id="7" name="Объект 6"/>
-          <p:cNvSpPr>
-            <a:spLocks noGrp="1"/>
-          </p:cNvSpPr>
+      <p:pic>
+        <p:nvPicPr>
+          <p:cNvPr id="3" name="Объект 2"/>
+          <p:cNvPicPr>
+            <a:picLocks noGrp="1" noChangeAspect="1"/>
+          </p:cNvPicPr>
           <p:nvPr>
             <p:ph idx="13"/>
           </p:nvPr>
-        </p:nvSpPr>
-        <p:spPr/>
-        <p:txBody>
-          <a:bodyPr/>
-          <a:lstStyle/>
-          <a:p>
-            <a:endParaRPr lang="ru-RU"/>
-          </a:p>
-        </p:txBody>
-      </p:sp>
+        </p:nvPicPr>
+        <p:blipFill>
+          <a:blip r:embed="rId2">
+            <a:extLst>
+              <a:ext uri="{28A0092B-C50C-407E-A947-70E740481C1C}">
+                <a14:useLocalDpi xmlns:a14="http://schemas.microsoft.com/office/drawing/2010/main" val="0"/>
+              </a:ext>
+            </a:extLst>
+          </a:blip>
+          <a:stretch>
+            <a:fillRect/>
+          </a:stretch>
+        </p:blipFill>
+        <p:spPr>
+          <a:xfrm>
+            <a:off x="12572806" y="3423600"/>
+            <a:ext cx="10684800" cy="7479360"/>
+          </a:xfrm>
+        </p:spPr>
+      </p:pic>
     </p:spTree>
     <p:extLst>
       <p:ext uri="{BB962C8B-B14F-4D97-AF65-F5344CB8AC3E}">
@@ -24567,6 +24577,33 @@
                                   </p:childTnLst>
                                 </p:cTn>
                               </p:par>
+                              <p:par>
+                                <p:cTn id="15" presetID="1" presetClass="entr" presetSubtype="0" fill="hold" nodeType="withEffect">
+                                  <p:stCondLst>
+                                    <p:cond delay="0"/>
+                                  </p:stCondLst>
+                                  <p:childTnLst>
+                                    <p:set>
+                                      <p:cBhvr>
+                                        <p:cTn id="16" dur="1" fill="hold">
+                                          <p:stCondLst>
+                                            <p:cond delay="0"/>
+                                          </p:stCondLst>
+                                        </p:cTn>
+                                        <p:tgtEl>
+                                          <p:spTgt spid="3"/>
+                                        </p:tgtEl>
+                                        <p:attrNameLst>
+                                          <p:attrName>style.visibility</p:attrName>
+                                        </p:attrNameLst>
+                                      </p:cBhvr>
+                                      <p:to>
+                                        <p:strVal val="visible"/>
+                                      </p:to>
+                                    </p:set>
+                                  </p:childTnLst>
+                                </p:cTn>
+                              </p:par>
                             </p:childTnLst>
                           </p:cTn>
                         </p:par>
@@ -24924,7 +24961,7 @@
       </p:sp>
       <p:sp>
         <p:nvSpPr>
-          <p:cNvPr id="3" name="Объект 2"/>
+          <p:cNvPr id="10" name="Объект 9"/>
           <p:cNvSpPr>
             <a:spLocks noGrp="1"/>
           </p:cNvSpPr>
@@ -24932,12 +24969,41 @@
             <p:ph idx="1"/>
           </p:nvPr>
         </p:nvSpPr>
-        <p:spPr/>
+        <p:spPr>
+          <a:xfrm>
+            <a:off x="1124806" y="3048000"/>
+            <a:ext cx="10302875" cy="9158288"/>
+          </a:xfrm>
+        </p:spPr>
         <p:txBody>
           <a:bodyPr/>
           <a:lstStyle/>
           <a:p>
-            <a:endParaRPr lang="ru-RU"/>
+            <a:r>
+              <a:rPr lang="en-US" dirty="0" smtClean="0"/>
+              <a:t>Coupling:</a:t>
+            </a:r>
+          </a:p>
+          <a:p>
+            <a:pPr lvl="1"/>
+            <a:r>
+              <a:rPr lang="ru-RU" dirty="0" smtClean="0"/>
+              <a:t>Сопряжение</a:t>
+            </a:r>
+          </a:p>
+          <a:p>
+            <a:pPr lvl="1"/>
+            <a:r>
+              <a:rPr lang="ru-RU" dirty="0" smtClean="0"/>
+              <a:t>Сцепка</a:t>
+            </a:r>
+          </a:p>
+          <a:p>
+            <a:pPr lvl="1"/>
+            <a:r>
+              <a:rPr lang="ru-RU" dirty="0" smtClean="0"/>
+              <a:t>Связанность</a:t>
+            </a:r>
           </a:p>
         </p:txBody>
       </p:sp>
@@ -24985,7 +25051,7 @@
       </p:sp>
       <p:sp>
         <p:nvSpPr>
-          <p:cNvPr id="6" name="Объект 5"/>
+          <p:cNvPr id="11" name="Объект 10"/>
           <p:cNvSpPr>
             <a:spLocks noGrp="1"/>
           </p:cNvSpPr>
@@ -24998,6 +25064,38 @@
           <a:bodyPr/>
           <a:lstStyle/>
           <a:p>
+            <a:r>
+              <a:rPr lang="en-US" dirty="0" smtClean="0"/>
+              <a:t>Cohesion:</a:t>
+            </a:r>
+          </a:p>
+          <a:p>
+            <a:pPr lvl="1"/>
+            <a:r>
+              <a:rPr lang="ru-RU" dirty="0" smtClean="0"/>
+              <a:t>Сплочённость</a:t>
+            </a:r>
+          </a:p>
+          <a:p>
+            <a:pPr lvl="1"/>
+            <a:r>
+              <a:rPr lang="ru-RU" dirty="0" smtClean="0"/>
+              <a:t>Единение</a:t>
+            </a:r>
+          </a:p>
+          <a:p>
+            <a:pPr lvl="1"/>
+            <a:r>
+              <a:rPr lang="ru-RU" dirty="0" smtClean="0"/>
+              <a:t>Сцепление</a:t>
+            </a:r>
+          </a:p>
+          <a:p>
+            <a:pPr lvl="1"/>
+            <a:r>
+              <a:rPr lang="ru-RU" smtClean="0"/>
+              <a:t>Связанность</a:t>
+            </a:r>
             <a:endParaRPr lang="ru-RU"/>
           </a:p>
         </p:txBody>

--- a/slides.pptx
+++ b/slides.pptx
@@ -263,7 +263,7 @@
           <a:p>
             <a:fld id="{A48BA324-014D-41B7-8E83-ECE8F197A959}" type="datetimeFigureOut">
               <a:rPr lang="ru-RU" smtClean="0"/>
-              <a:t>07.02.2017</a:t>
+              <a:t>08.02.2017</a:t>
             </a:fld>
             <a:endParaRPr lang="ru-RU"/>
           </a:p>
@@ -4803,7 +4803,7 @@
           </a:ln>
           <a:extLst>
             <a:ext uri="{C572A759-6A51-4108-AA02-DFA0A04FC94B}">
-              <ma14:wrappingTextBoxFlag xmlns="" xmlns:ma14="http://schemas.microsoft.com/office/mac/drawingml/2011/main" val="1"/>
+              <ma14:wrappingTextBoxFlag xmlns:ma14="http://schemas.microsoft.com/office/mac/drawingml/2011/main" xmlns="" val="1"/>
             </a:ext>
           </a:extLst>
         </p:spPr>
@@ -5274,7 +5274,7 @@
           </a:ln>
           <a:extLst>
             <a:ext uri="{C572A759-6A51-4108-AA02-DFA0A04FC94B}">
-              <ma14:wrappingTextBoxFlag xmlns="" xmlns:ma14="http://schemas.microsoft.com/office/mac/drawingml/2011/main" val="1"/>
+              <ma14:wrappingTextBoxFlag xmlns:ma14="http://schemas.microsoft.com/office/mac/drawingml/2011/main" xmlns="" val="1"/>
             </a:ext>
           </a:extLst>
         </p:spPr>
@@ -5420,7 +5420,7 @@
           </a:ln>
           <a:extLst>
             <a:ext uri="{C572A759-6A51-4108-AA02-DFA0A04FC94B}">
-              <ma14:wrappingTextBoxFlag xmlns="" xmlns:ma14="http://schemas.microsoft.com/office/mac/drawingml/2011/main" val="1"/>
+              <ma14:wrappingTextBoxFlag xmlns:ma14="http://schemas.microsoft.com/office/mac/drawingml/2011/main" xmlns="" val="1"/>
             </a:ext>
           </a:extLst>
         </p:spPr>
@@ -5462,7 +5462,7 @@
           </a:ln>
           <a:extLst>
             <a:ext uri="{C572A759-6A51-4108-AA02-DFA0A04FC94B}">
-              <ma14:wrappingTextBoxFlag xmlns="" xmlns:ma14="http://schemas.microsoft.com/office/mac/drawingml/2011/main" val="1"/>
+              <ma14:wrappingTextBoxFlag xmlns:ma14="http://schemas.microsoft.com/office/mac/drawingml/2011/main" xmlns="" val="1"/>
             </a:ext>
           </a:extLst>
         </p:spPr>
@@ -5658,7 +5658,7 @@
           </a:ln>
           <a:extLst>
             <a:ext uri="{C572A759-6A51-4108-AA02-DFA0A04FC94B}">
-              <ma14:wrappingTextBoxFlag xmlns="" xmlns:ma14="http://schemas.microsoft.com/office/mac/drawingml/2011/main" val="1"/>
+              <ma14:wrappingTextBoxFlag xmlns:ma14="http://schemas.microsoft.com/office/mac/drawingml/2011/main" xmlns="" val="1"/>
             </a:ext>
           </a:extLst>
         </p:spPr>
@@ -5782,7 +5782,7 @@
           </a:ln>
           <a:extLst>
             <a:ext uri="{C572A759-6A51-4108-AA02-DFA0A04FC94B}">
-              <ma14:wrappingTextBoxFlag xmlns="" xmlns:ma14="http://schemas.microsoft.com/office/mac/drawingml/2011/main" val="1"/>
+              <ma14:wrappingTextBoxFlag xmlns:ma14="http://schemas.microsoft.com/office/mac/drawingml/2011/main" xmlns="" val="1"/>
             </a:ext>
           </a:extLst>
         </p:spPr>
@@ -5876,7 +5876,7 @@
           </a:ln>
           <a:extLst>
             <a:ext uri="{C572A759-6A51-4108-AA02-DFA0A04FC94B}">
-              <ma14:wrappingTextBoxFlag xmlns="" xmlns:ma14="http://schemas.microsoft.com/office/mac/drawingml/2011/main" val="1"/>
+              <ma14:wrappingTextBoxFlag xmlns:ma14="http://schemas.microsoft.com/office/mac/drawingml/2011/main" xmlns="" val="1"/>
             </a:ext>
           </a:extLst>
         </p:spPr>
@@ -6167,7 +6167,7 @@
           </a:ln>
           <a:extLst>
             <a:ext uri="{C572A759-6A51-4108-AA02-DFA0A04FC94B}">
-              <ma14:wrappingTextBoxFlag xmlns="" xmlns:ma14="http://schemas.microsoft.com/office/mac/drawingml/2011/main" val="1"/>
+              <ma14:wrappingTextBoxFlag xmlns:ma14="http://schemas.microsoft.com/office/mac/drawingml/2011/main" xmlns="" val="1"/>
             </a:ext>
           </a:extLst>
         </p:spPr>
@@ -6658,7 +6658,7 @@
           </a:ln>
           <a:extLst>
             <a:ext uri="{C572A759-6A51-4108-AA02-DFA0A04FC94B}">
-              <ma14:wrappingTextBoxFlag xmlns="" xmlns:ma14="http://schemas.microsoft.com/office/mac/drawingml/2011/main" val="1"/>
+              <ma14:wrappingTextBoxFlag xmlns:ma14="http://schemas.microsoft.com/office/mac/drawingml/2011/main" xmlns="" val="1"/>
             </a:ext>
           </a:extLst>
         </p:spPr>
@@ -6730,7 +6730,7 @@
             </a:ln>
             <a:extLst>
               <a:ext uri="{C572A759-6A51-4108-AA02-DFA0A04FC94B}">
-                <ma14:wrappingTextBoxFlag xmlns="" xmlns:ma14="http://schemas.microsoft.com/office/mac/drawingml/2011/main" val="1"/>
+                <ma14:wrappingTextBoxFlag xmlns:ma14="http://schemas.microsoft.com/office/mac/drawingml/2011/main" xmlns="" val="1"/>
               </a:ext>
             </a:extLst>
           </p:spPr>
@@ -6806,7 +6806,7 @@
             </a:ln>
             <a:extLst>
               <a:ext uri="{C572A759-6A51-4108-AA02-DFA0A04FC94B}">
-                <ma14:wrappingTextBoxFlag xmlns="" xmlns:ma14="http://schemas.microsoft.com/office/mac/drawingml/2011/main" val="1"/>
+                <ma14:wrappingTextBoxFlag xmlns:ma14="http://schemas.microsoft.com/office/mac/drawingml/2011/main" xmlns="" val="1"/>
               </a:ext>
             </a:extLst>
           </p:spPr>
@@ -6894,7 +6894,7 @@
             </a:ln>
             <a:extLst>
               <a:ext uri="{C572A759-6A51-4108-AA02-DFA0A04FC94B}">
-                <ma14:wrappingTextBoxFlag xmlns="" xmlns:ma14="http://schemas.microsoft.com/office/mac/drawingml/2011/main" val="1"/>
+                <ma14:wrappingTextBoxFlag xmlns:ma14="http://schemas.microsoft.com/office/mac/drawingml/2011/main" xmlns="" val="1"/>
               </a:ext>
             </a:extLst>
           </p:spPr>
@@ -6974,7 +6974,7 @@
             </a:ln>
             <a:extLst>
               <a:ext uri="{C572A759-6A51-4108-AA02-DFA0A04FC94B}">
-                <ma14:wrappingTextBoxFlag xmlns="" xmlns:ma14="http://schemas.microsoft.com/office/mac/drawingml/2011/main" val="1"/>
+                <ma14:wrappingTextBoxFlag xmlns:ma14="http://schemas.microsoft.com/office/mac/drawingml/2011/main" xmlns="" val="1"/>
               </a:ext>
             </a:extLst>
           </p:spPr>
@@ -7045,7 +7045,7 @@
             </a:ln>
             <a:extLst>
               <a:ext uri="{C572A759-6A51-4108-AA02-DFA0A04FC94B}">
-                <ma14:wrappingTextBoxFlag xmlns="" xmlns:ma14="http://schemas.microsoft.com/office/mac/drawingml/2011/main" val="1"/>
+                <ma14:wrappingTextBoxFlag xmlns:ma14="http://schemas.microsoft.com/office/mac/drawingml/2011/main" xmlns="" val="1"/>
               </a:ext>
             </a:extLst>
           </p:spPr>
@@ -7101,7 +7101,7 @@
             </a:ln>
             <a:extLst>
               <a:ext uri="{C572A759-6A51-4108-AA02-DFA0A04FC94B}">
-                <ma14:wrappingTextBoxFlag xmlns="" xmlns:ma14="http://schemas.microsoft.com/office/mac/drawingml/2011/main" val="1"/>
+                <ma14:wrappingTextBoxFlag xmlns:ma14="http://schemas.microsoft.com/office/mac/drawingml/2011/main" xmlns="" val="1"/>
               </a:ext>
             </a:extLst>
           </p:spPr>
@@ -7166,7 +7166,7 @@
             </a:ln>
             <a:extLst>
               <a:ext uri="{C572A759-6A51-4108-AA02-DFA0A04FC94B}">
-                <ma14:wrappingTextBoxFlag xmlns="" xmlns:ma14="http://schemas.microsoft.com/office/mac/drawingml/2011/main" val="1"/>
+                <ma14:wrappingTextBoxFlag xmlns:ma14="http://schemas.microsoft.com/office/mac/drawingml/2011/main" xmlns="" val="1"/>
               </a:ext>
             </a:extLst>
           </p:spPr>
@@ -15016,7 +15016,7 @@
           </a:ln>
           <a:extLst>
             <a:ext uri="{C572A759-6A51-4108-AA02-DFA0A04FC94B}">
-              <ma14:wrappingTextBoxFlag xmlns:ma14="http://schemas.microsoft.com/office/mac/drawingml/2011/main" xmlns="" val="1"/>
+              <ma14:wrappingTextBoxFlag xmlns="" xmlns:ma14="http://schemas.microsoft.com/office/mac/drawingml/2011/main" val="1"/>
             </a:ext>
           </a:extLst>
         </p:spPr>
@@ -15474,7 +15474,7 @@
           </a:ln>
           <a:extLst>
             <a:ext uri="{C572A759-6A51-4108-AA02-DFA0A04FC94B}">
-              <ma14:wrappingTextBoxFlag xmlns:ma14="http://schemas.microsoft.com/office/mac/drawingml/2011/main" xmlns="" val="1"/>
+              <ma14:wrappingTextBoxFlag xmlns="" xmlns:ma14="http://schemas.microsoft.com/office/mac/drawingml/2011/main" val="1"/>
             </a:ext>
           </a:extLst>
         </p:spPr>
@@ -15710,7 +15710,7 @@
           </a:ln>
           <a:extLst>
             <a:ext uri="{C572A759-6A51-4108-AA02-DFA0A04FC94B}">
-              <ma14:wrappingTextBoxFlag xmlns:ma14="http://schemas.microsoft.com/office/mac/drawingml/2011/main" xmlns="" val="1"/>
+              <ma14:wrappingTextBoxFlag xmlns="" xmlns:ma14="http://schemas.microsoft.com/office/mac/drawingml/2011/main" val="1"/>
             </a:ext>
           </a:extLst>
         </p:spPr>
@@ -15757,7 +15757,7 @@
           </a:ln>
           <a:extLst>
             <a:ext uri="{C572A759-6A51-4108-AA02-DFA0A04FC94B}">
-              <ma14:wrappingTextBoxFlag xmlns:ma14="http://schemas.microsoft.com/office/mac/drawingml/2011/main" xmlns="" val="1"/>
+              <ma14:wrappingTextBoxFlag xmlns="" xmlns:ma14="http://schemas.microsoft.com/office/mac/drawingml/2011/main" val="1"/>
             </a:ext>
           </a:extLst>
         </p:spPr>
@@ -15989,7 +15989,7 @@
           </a:ln>
           <a:extLst>
             <a:ext uri="{C572A759-6A51-4108-AA02-DFA0A04FC94B}">
-              <ma14:wrappingTextBoxFlag xmlns:ma14="http://schemas.microsoft.com/office/mac/drawingml/2011/main" xmlns="" val="1"/>
+              <ma14:wrappingTextBoxFlag xmlns="" xmlns:ma14="http://schemas.microsoft.com/office/mac/drawingml/2011/main" val="1"/>
             </a:ext>
           </a:extLst>
         </p:spPr>
@@ -16119,7 +16119,7 @@
           </a:ln>
           <a:extLst>
             <a:ext uri="{C572A759-6A51-4108-AA02-DFA0A04FC94B}">
-              <ma14:wrappingTextBoxFlag xmlns:ma14="http://schemas.microsoft.com/office/mac/drawingml/2011/main" xmlns="" val="1"/>
+              <ma14:wrappingTextBoxFlag xmlns="" xmlns:ma14="http://schemas.microsoft.com/office/mac/drawingml/2011/main" val="1"/>
             </a:ext>
           </a:extLst>
         </p:spPr>
@@ -16234,7 +16234,7 @@
           </a:ln>
           <a:extLst>
             <a:ext uri="{C572A759-6A51-4108-AA02-DFA0A04FC94B}">
-              <ma14:wrappingTextBoxFlag xmlns:ma14="http://schemas.microsoft.com/office/mac/drawingml/2011/main" xmlns="" val="1"/>
+              <ma14:wrappingTextBoxFlag xmlns="" xmlns:ma14="http://schemas.microsoft.com/office/mac/drawingml/2011/main" val="1"/>
             </a:ext>
           </a:extLst>
         </p:spPr>
@@ -16674,7 +16674,7 @@
           </a:ln>
           <a:extLst>
             <a:ext uri="{C572A759-6A51-4108-AA02-DFA0A04FC94B}">
-              <ma14:wrappingTextBoxFlag xmlns:ma14="http://schemas.microsoft.com/office/mac/drawingml/2011/main" xmlns="" val="1"/>
+              <ma14:wrappingTextBoxFlag xmlns="" xmlns:ma14="http://schemas.microsoft.com/office/mac/drawingml/2011/main" val="1"/>
             </a:ext>
           </a:extLst>
         </p:spPr>
@@ -16940,7 +16940,7 @@
           </a:ln>
           <a:extLst>
             <a:ext uri="{C572A759-6A51-4108-AA02-DFA0A04FC94B}">
-              <ma14:wrappingTextBoxFlag xmlns:ma14="http://schemas.microsoft.com/office/mac/drawingml/2011/main" xmlns="" val="1"/>
+              <ma14:wrappingTextBoxFlag xmlns="" xmlns:ma14="http://schemas.microsoft.com/office/mac/drawingml/2011/main" val="1"/>
             </a:ext>
           </a:extLst>
         </p:spPr>
@@ -17012,7 +17012,7 @@
             </a:ln>
             <a:extLst>
               <a:ext uri="{C572A759-6A51-4108-AA02-DFA0A04FC94B}">
-                <ma14:wrappingTextBoxFlag xmlns:ma14="http://schemas.microsoft.com/office/mac/drawingml/2011/main" xmlns="" val="1"/>
+                <ma14:wrappingTextBoxFlag xmlns="" xmlns:ma14="http://schemas.microsoft.com/office/mac/drawingml/2011/main" val="1"/>
               </a:ext>
             </a:extLst>
           </p:spPr>
@@ -17089,7 +17089,7 @@
             </a:ln>
             <a:extLst>
               <a:ext uri="{C572A759-6A51-4108-AA02-DFA0A04FC94B}">
-                <ma14:wrappingTextBoxFlag xmlns:ma14="http://schemas.microsoft.com/office/mac/drawingml/2011/main" xmlns="" val="1"/>
+                <ma14:wrappingTextBoxFlag xmlns="" xmlns:ma14="http://schemas.microsoft.com/office/mac/drawingml/2011/main" val="1"/>
               </a:ext>
             </a:extLst>
           </p:spPr>
@@ -17194,7 +17194,7 @@
             </a:ln>
             <a:extLst>
               <a:ext uri="{C572A759-6A51-4108-AA02-DFA0A04FC94B}">
-                <ma14:wrappingTextBoxFlag xmlns:ma14="http://schemas.microsoft.com/office/mac/drawingml/2011/main" xmlns="" val="1"/>
+                <ma14:wrappingTextBoxFlag xmlns="" xmlns:ma14="http://schemas.microsoft.com/office/mac/drawingml/2011/main" val="1"/>
               </a:ext>
             </a:extLst>
           </p:spPr>
@@ -17274,7 +17274,7 @@
             </a:ln>
             <a:extLst>
               <a:ext uri="{C572A759-6A51-4108-AA02-DFA0A04FC94B}">
-                <ma14:wrappingTextBoxFlag xmlns:ma14="http://schemas.microsoft.com/office/mac/drawingml/2011/main" xmlns="" val="1"/>
+                <ma14:wrappingTextBoxFlag xmlns="" xmlns:ma14="http://schemas.microsoft.com/office/mac/drawingml/2011/main" val="1"/>
               </a:ext>
             </a:extLst>
           </p:spPr>
@@ -17345,7 +17345,7 @@
             </a:ln>
             <a:extLst>
               <a:ext uri="{C572A759-6A51-4108-AA02-DFA0A04FC94B}">
-                <ma14:wrappingTextBoxFlag xmlns:ma14="http://schemas.microsoft.com/office/mac/drawingml/2011/main" xmlns="" val="1"/>
+                <ma14:wrappingTextBoxFlag xmlns="" xmlns:ma14="http://schemas.microsoft.com/office/mac/drawingml/2011/main" val="1"/>
               </a:ext>
             </a:extLst>
           </p:spPr>
@@ -17408,7 +17408,7 @@
             </a:ln>
             <a:extLst>
               <a:ext uri="{C572A759-6A51-4108-AA02-DFA0A04FC94B}">
-                <ma14:wrappingTextBoxFlag xmlns:ma14="http://schemas.microsoft.com/office/mac/drawingml/2011/main" xmlns="" val="1"/>
+                <ma14:wrappingTextBoxFlag xmlns="" xmlns:ma14="http://schemas.microsoft.com/office/mac/drawingml/2011/main" val="1"/>
               </a:ext>
             </a:extLst>
           </p:spPr>
@@ -20395,7 +20395,7 @@
           </a:ln>
           <a:extLst>
             <a:ext uri="{C572A759-6A51-4108-AA02-DFA0A04FC94B}">
-              <ma14:wrappingTextBoxFlag xmlns="" xmlns:ma14="http://schemas.microsoft.com/office/mac/drawingml/2011/main" val="1"/>
+              <ma14:wrappingTextBoxFlag xmlns:ma14="http://schemas.microsoft.com/office/mac/drawingml/2011/main" xmlns="" val="1"/>
             </a:ext>
           </a:extLst>
         </p:spPr>
@@ -20467,7 +20467,7 @@
             </a:ln>
             <a:extLst>
               <a:ext uri="{C572A759-6A51-4108-AA02-DFA0A04FC94B}">
-                <ma14:wrappingTextBoxFlag xmlns="" xmlns:ma14="http://schemas.microsoft.com/office/mac/drawingml/2011/main" val="1"/>
+                <ma14:wrappingTextBoxFlag xmlns:ma14="http://schemas.microsoft.com/office/mac/drawingml/2011/main" xmlns="" val="1"/>
               </a:ext>
             </a:extLst>
           </p:spPr>
@@ -20539,7 +20539,7 @@
             </a:ln>
             <a:extLst>
               <a:ext uri="{C572A759-6A51-4108-AA02-DFA0A04FC94B}">
-                <ma14:wrappingTextBoxFlag xmlns="" xmlns:ma14="http://schemas.microsoft.com/office/mac/drawingml/2011/main" val="1"/>
+                <ma14:wrappingTextBoxFlag xmlns:ma14="http://schemas.microsoft.com/office/mac/drawingml/2011/main" xmlns="" val="1"/>
               </a:ext>
             </a:extLst>
           </p:spPr>
@@ -20627,7 +20627,7 @@
             </a:ln>
             <a:extLst>
               <a:ext uri="{C572A759-6A51-4108-AA02-DFA0A04FC94B}">
-                <ma14:wrappingTextBoxFlag xmlns="" xmlns:ma14="http://schemas.microsoft.com/office/mac/drawingml/2011/main" val="1"/>
+                <ma14:wrappingTextBoxFlag xmlns:ma14="http://schemas.microsoft.com/office/mac/drawingml/2011/main" xmlns="" val="1"/>
               </a:ext>
             </a:extLst>
           </p:spPr>
@@ -20707,7 +20707,7 @@
             </a:ln>
             <a:extLst>
               <a:ext uri="{C572A759-6A51-4108-AA02-DFA0A04FC94B}">
-                <ma14:wrappingTextBoxFlag xmlns="" xmlns:ma14="http://schemas.microsoft.com/office/mac/drawingml/2011/main" val="1"/>
+                <ma14:wrappingTextBoxFlag xmlns:ma14="http://schemas.microsoft.com/office/mac/drawingml/2011/main" xmlns="" val="1"/>
               </a:ext>
             </a:extLst>
           </p:spPr>
@@ -20766,7 +20766,7 @@
             </a:ln>
             <a:extLst>
               <a:ext uri="{C572A759-6A51-4108-AA02-DFA0A04FC94B}">
-                <ma14:wrappingTextBoxFlag xmlns="" xmlns:ma14="http://schemas.microsoft.com/office/mac/drawingml/2011/main" val="1"/>
+                <ma14:wrappingTextBoxFlag xmlns:ma14="http://schemas.microsoft.com/office/mac/drawingml/2011/main" xmlns="" val="1"/>
               </a:ext>
             </a:extLst>
           </p:spPr>
@@ -20822,7 +20822,7 @@
             </a:ln>
             <a:extLst>
               <a:ext uri="{C572A759-6A51-4108-AA02-DFA0A04FC94B}">
-                <ma14:wrappingTextBoxFlag xmlns="" xmlns:ma14="http://schemas.microsoft.com/office/mac/drawingml/2011/main" val="1"/>
+                <ma14:wrappingTextBoxFlag xmlns:ma14="http://schemas.microsoft.com/office/mac/drawingml/2011/main" xmlns="" val="1"/>
               </a:ext>
             </a:extLst>
           </p:spPr>
@@ -20887,7 +20887,7 @@
             </a:ln>
             <a:extLst>
               <a:ext uri="{C572A759-6A51-4108-AA02-DFA0A04FC94B}">
-                <ma14:wrappingTextBoxFlag xmlns="" xmlns:ma14="http://schemas.microsoft.com/office/mac/drawingml/2011/main" val="1"/>
+                <ma14:wrappingTextBoxFlag xmlns:ma14="http://schemas.microsoft.com/office/mac/drawingml/2011/main" xmlns="" val="1"/>
               </a:ext>
             </a:extLst>
           </p:spPr>
@@ -25004,6 +25004,15 @@
               <a:rPr lang="ru-RU" dirty="0" smtClean="0"/>
               <a:t>Связанность</a:t>
             </a:r>
+            <a:endParaRPr lang="en-US" dirty="0" smtClean="0"/>
+          </a:p>
+          <a:p>
+            <a:pPr lvl="1"/>
+            <a:r>
+              <a:rPr lang="ru-RU" dirty="0" smtClean="0"/>
+              <a:t>Взаимодействие</a:t>
+            </a:r>
+            <a:endParaRPr lang="ru-RU" dirty="0" smtClean="0"/>
           </a:p>
         </p:txBody>
       </p:sp>
@@ -25087,16 +25096,16 @@
             <a:pPr lvl="1"/>
             <a:r>
               <a:rPr lang="ru-RU" dirty="0" smtClean="0"/>
+              <a:t>Связанность</a:t>
+            </a:r>
+          </a:p>
+          <a:p>
+            <a:pPr lvl="1"/>
+            <a:r>
+              <a:rPr lang="ru-RU" dirty="0" smtClean="0"/>
               <a:t>Сцепление</a:t>
             </a:r>
-          </a:p>
-          <a:p>
-            <a:pPr lvl="1"/>
-            <a:r>
-              <a:rPr lang="ru-RU" smtClean="0"/>
-              <a:t>Связанность</a:t>
-            </a:r>
-            <a:endParaRPr lang="ru-RU"/>
+            <a:endParaRPr lang="ru-RU" dirty="0"/>
           </a:p>
         </p:txBody>
       </p:sp>
@@ -25113,9 +25122,323 @@
   <p:timing>
     <p:tnLst>
       <p:par>
-        <p:cTn id="1" dur="indefinite" restart="never" nodeType="tmRoot"/>
+        <p:cTn id="1" dur="indefinite" restart="never" nodeType="tmRoot">
+          <p:childTnLst>
+            <p:seq concurrent="1" nextAc="seek">
+              <p:cTn id="2" dur="indefinite" nodeType="mainSeq">
+                <p:childTnLst>
+                  <p:par>
+                    <p:cTn id="3" fill="hold">
+                      <p:stCondLst>
+                        <p:cond delay="indefinite"/>
+                      </p:stCondLst>
+                      <p:childTnLst>
+                        <p:par>
+                          <p:cTn id="4" fill="hold">
+                            <p:stCondLst>
+                              <p:cond delay="0"/>
+                            </p:stCondLst>
+                            <p:childTnLst>
+                              <p:par>
+                                <p:cTn id="5" presetID="32" presetClass="emph" presetSubtype="0" repeatCount="2000" fill="hold" nodeType="clickEffect">
+                                  <p:stCondLst>
+                                    <p:cond delay="0"/>
+                                  </p:stCondLst>
+                                  <p:childTnLst>
+                                    <p:animRot by="120000">
+                                      <p:cBhvr>
+                                        <p:cTn id="6" dur="150" fill="hold">
+                                          <p:stCondLst>
+                                            <p:cond delay="0"/>
+                                          </p:stCondLst>
+                                        </p:cTn>
+                                        <p:tgtEl>
+                                          <p:spTgt spid="10">
+                                            <p:txEl>
+                                              <p:pRg st="3" end="3"/>
+                                            </p:txEl>
+                                          </p:spTgt>
+                                        </p:tgtEl>
+                                        <p:attrNameLst>
+                                          <p:attrName>r</p:attrName>
+                                        </p:attrNameLst>
+                                      </p:cBhvr>
+                                    </p:animRot>
+                                    <p:animRot by="-240000">
+                                      <p:cBhvr>
+                                        <p:cTn id="7" dur="300" fill="hold">
+                                          <p:stCondLst>
+                                            <p:cond delay="300"/>
+                                          </p:stCondLst>
+                                        </p:cTn>
+                                        <p:tgtEl>
+                                          <p:spTgt spid="10">
+                                            <p:txEl>
+                                              <p:pRg st="3" end="3"/>
+                                            </p:txEl>
+                                          </p:spTgt>
+                                        </p:tgtEl>
+                                        <p:attrNameLst>
+                                          <p:attrName>r</p:attrName>
+                                        </p:attrNameLst>
+                                      </p:cBhvr>
+                                    </p:animRot>
+                                    <p:animRot by="240000">
+                                      <p:cBhvr>
+                                        <p:cTn id="8" dur="300" fill="hold">
+                                          <p:stCondLst>
+                                            <p:cond delay="600"/>
+                                          </p:stCondLst>
+                                        </p:cTn>
+                                        <p:tgtEl>
+                                          <p:spTgt spid="10">
+                                            <p:txEl>
+                                              <p:pRg st="3" end="3"/>
+                                            </p:txEl>
+                                          </p:spTgt>
+                                        </p:tgtEl>
+                                        <p:attrNameLst>
+                                          <p:attrName>r</p:attrName>
+                                        </p:attrNameLst>
+                                      </p:cBhvr>
+                                    </p:animRot>
+                                    <p:animRot by="-240000">
+                                      <p:cBhvr>
+                                        <p:cTn id="9" dur="300" fill="hold">
+                                          <p:stCondLst>
+                                            <p:cond delay="900"/>
+                                          </p:stCondLst>
+                                        </p:cTn>
+                                        <p:tgtEl>
+                                          <p:spTgt spid="10">
+                                            <p:txEl>
+                                              <p:pRg st="3" end="3"/>
+                                            </p:txEl>
+                                          </p:spTgt>
+                                        </p:tgtEl>
+                                        <p:attrNameLst>
+                                          <p:attrName>r</p:attrName>
+                                        </p:attrNameLst>
+                                      </p:cBhvr>
+                                    </p:animRot>
+                                    <p:animRot by="120000">
+                                      <p:cBhvr>
+                                        <p:cTn id="10" dur="300" fill="hold">
+                                          <p:stCondLst>
+                                            <p:cond delay="1200"/>
+                                          </p:stCondLst>
+                                        </p:cTn>
+                                        <p:tgtEl>
+                                          <p:spTgt spid="10">
+                                            <p:txEl>
+                                              <p:pRg st="3" end="3"/>
+                                            </p:txEl>
+                                          </p:spTgt>
+                                        </p:tgtEl>
+                                        <p:attrNameLst>
+                                          <p:attrName>r</p:attrName>
+                                        </p:attrNameLst>
+                                      </p:cBhvr>
+                                    </p:animRot>
+                                  </p:childTnLst>
+                                </p:cTn>
+                              </p:par>
+                              <p:par>
+                                <p:cTn id="11" presetID="32" presetClass="emph" presetSubtype="0" repeatCount="2000" fill="hold" grpId="0" nodeType="withEffect">
+                                  <p:stCondLst>
+                                    <p:cond delay="0"/>
+                                  </p:stCondLst>
+                                  <p:childTnLst>
+                                    <p:animRot by="120000">
+                                      <p:cBhvr>
+                                        <p:cTn id="12" dur="150" fill="hold">
+                                          <p:stCondLst>
+                                            <p:cond delay="0"/>
+                                          </p:stCondLst>
+                                        </p:cTn>
+                                        <p:tgtEl>
+                                          <p:spTgt spid="11">
+                                            <p:txEl>
+                                              <p:pRg st="3" end="3"/>
+                                            </p:txEl>
+                                          </p:spTgt>
+                                        </p:tgtEl>
+                                        <p:attrNameLst>
+                                          <p:attrName>r</p:attrName>
+                                        </p:attrNameLst>
+                                      </p:cBhvr>
+                                    </p:animRot>
+                                    <p:animRot by="-240000">
+                                      <p:cBhvr>
+                                        <p:cTn id="13" dur="300" fill="hold">
+                                          <p:stCondLst>
+                                            <p:cond delay="300"/>
+                                          </p:stCondLst>
+                                        </p:cTn>
+                                        <p:tgtEl>
+                                          <p:spTgt spid="11">
+                                            <p:txEl>
+                                              <p:pRg st="3" end="3"/>
+                                            </p:txEl>
+                                          </p:spTgt>
+                                        </p:tgtEl>
+                                        <p:attrNameLst>
+                                          <p:attrName>r</p:attrName>
+                                        </p:attrNameLst>
+                                      </p:cBhvr>
+                                    </p:animRot>
+                                    <p:animRot by="240000">
+                                      <p:cBhvr>
+                                        <p:cTn id="14" dur="300" fill="hold">
+                                          <p:stCondLst>
+                                            <p:cond delay="600"/>
+                                          </p:stCondLst>
+                                        </p:cTn>
+                                        <p:tgtEl>
+                                          <p:spTgt spid="11">
+                                            <p:txEl>
+                                              <p:pRg st="3" end="3"/>
+                                            </p:txEl>
+                                          </p:spTgt>
+                                        </p:tgtEl>
+                                        <p:attrNameLst>
+                                          <p:attrName>r</p:attrName>
+                                        </p:attrNameLst>
+                                      </p:cBhvr>
+                                    </p:animRot>
+                                    <p:animRot by="-240000">
+                                      <p:cBhvr>
+                                        <p:cTn id="15" dur="300" fill="hold">
+                                          <p:stCondLst>
+                                            <p:cond delay="900"/>
+                                          </p:stCondLst>
+                                        </p:cTn>
+                                        <p:tgtEl>
+                                          <p:spTgt spid="11">
+                                            <p:txEl>
+                                              <p:pRg st="3" end="3"/>
+                                            </p:txEl>
+                                          </p:spTgt>
+                                        </p:tgtEl>
+                                        <p:attrNameLst>
+                                          <p:attrName>r</p:attrName>
+                                        </p:attrNameLst>
+                                      </p:cBhvr>
+                                    </p:animRot>
+                                    <p:animRot by="120000">
+                                      <p:cBhvr>
+                                        <p:cTn id="16" dur="300" fill="hold">
+                                          <p:stCondLst>
+                                            <p:cond delay="1200"/>
+                                          </p:stCondLst>
+                                        </p:cTn>
+                                        <p:tgtEl>
+                                          <p:spTgt spid="11">
+                                            <p:txEl>
+                                              <p:pRg st="3" end="3"/>
+                                            </p:txEl>
+                                          </p:spTgt>
+                                        </p:tgtEl>
+                                        <p:attrNameLst>
+                                          <p:attrName>r</p:attrName>
+                                        </p:attrNameLst>
+                                      </p:cBhvr>
+                                    </p:animRot>
+                                  </p:childTnLst>
+                                </p:cTn>
+                              </p:par>
+                            </p:childTnLst>
+                          </p:cTn>
+                        </p:par>
+                      </p:childTnLst>
+                    </p:cTn>
+                  </p:par>
+                  <p:par>
+                    <p:cTn id="17" fill="hold">
+                      <p:stCondLst>
+                        <p:cond delay="indefinite"/>
+                      </p:stCondLst>
+                      <p:childTnLst>
+                        <p:par>
+                          <p:cTn id="18" fill="hold">
+                            <p:stCondLst>
+                              <p:cond delay="0"/>
+                            </p:stCondLst>
+                            <p:childTnLst>
+                              <p:par>
+                                <p:cTn id="19" presetID="6" presetClass="emph" presetSubtype="0" fill="hold" nodeType="clickEffect">
+                                  <p:stCondLst>
+                                    <p:cond delay="0"/>
+                                  </p:stCondLst>
+                                  <p:childTnLst>
+                                    <p:animScale>
+                                      <p:cBhvr>
+                                        <p:cTn id="20" dur="1000" fill="hold"/>
+                                        <p:tgtEl>
+                                          <p:spTgt spid="10">
+                                            <p:txEl>
+                                              <p:pRg st="3" end="3"/>
+                                            </p:txEl>
+                                          </p:spTgt>
+                                        </p:tgtEl>
+                                      </p:cBhvr>
+                                      <p:by x="150000" y="150000"/>
+                                    </p:animScale>
+                                  </p:childTnLst>
+                                </p:cTn>
+                              </p:par>
+                              <p:par>
+                                <p:cTn id="21" presetID="6" presetClass="emph" presetSubtype="0" fill="hold" nodeType="withEffect">
+                                  <p:stCondLst>
+                                    <p:cond delay="0"/>
+                                  </p:stCondLst>
+                                  <p:childTnLst>
+                                    <p:animScale>
+                                      <p:cBhvr>
+                                        <p:cTn id="22" dur="1000" fill="hold"/>
+                                        <p:tgtEl>
+                                          <p:spTgt spid="11">
+                                            <p:txEl>
+                                              <p:pRg st="1" end="1"/>
+                                            </p:txEl>
+                                          </p:spTgt>
+                                        </p:tgtEl>
+                                      </p:cBhvr>
+                                      <p:by x="150000" y="150000"/>
+                                    </p:animScale>
+                                  </p:childTnLst>
+                                </p:cTn>
+                              </p:par>
+                            </p:childTnLst>
+                          </p:cTn>
+                        </p:par>
+                      </p:childTnLst>
+                    </p:cTn>
+                  </p:par>
+                </p:childTnLst>
+              </p:cTn>
+              <p:prevCondLst>
+                <p:cond evt="onPrev" delay="0">
+                  <p:tgtEl>
+                    <p:sldTgt/>
+                  </p:tgtEl>
+                </p:cond>
+              </p:prevCondLst>
+              <p:nextCondLst>
+                <p:cond evt="onNext" delay="0">
+                  <p:tgtEl>
+                    <p:sldTgt/>
+                  </p:tgtEl>
+                </p:cond>
+              </p:nextCondLst>
+            </p:seq>
+          </p:childTnLst>
+        </p:cTn>
       </p:par>
     </p:tnLst>
+    <p:bldLst>
+      <p:bldP spid="11" grpId="0" uiExpand="1" build="p"/>
+    </p:bldLst>
   </p:timing>
 </p:sld>
 </file>
@@ -25226,18 +25549,31 @@
         </p:nvSpPr>
         <p:spPr/>
       </p:sp>
-      <p:sp>
-        <p:nvSpPr>
-          <p:cNvPr id="8" name="Рисунок 7"/>
-          <p:cNvSpPr>
-            <a:spLocks noGrp="1"/>
-          </p:cNvSpPr>
+      <p:pic>
+        <p:nvPicPr>
+          <p:cNvPr id="3" name="Рисунок 2"/>
+          <p:cNvPicPr>
+            <a:picLocks noGrp="1" noChangeAspect="1"/>
+          </p:cNvPicPr>
           <p:nvPr>
             <p:ph type="pic" sz="quarter" idx="14"/>
           </p:nvPr>
-        </p:nvSpPr>
+        </p:nvPicPr>
+        <p:blipFill>
+          <a:blip r:embed="rId2">
+            <a:extLst>
+              <a:ext uri="{28A0092B-C50C-407E-A947-70E740481C1C}">
+                <a14:useLocalDpi xmlns:a14="http://schemas.microsoft.com/office/drawing/2010/main" val="0"/>
+              </a:ext>
+            </a:extLst>
+          </a:blip>
+          <a:srcRect t="13043" b="13043"/>
+          <a:stretch>
+            <a:fillRect/>
+          </a:stretch>
+        </p:blipFill>
         <p:spPr/>
-      </p:sp>
+      </p:pic>
       <p:sp>
         <p:nvSpPr>
           <p:cNvPr id="9" name="Текст 8"/>
@@ -29180,7 +29516,7 @@
               <a:effectLst/>
               <a:extLst>
                 <a:ext uri="{C572A759-6A51-4108-AA02-DFA0A04FC94B}">
-                  <ma14:wrappingTextBoxFlag xmlns:ma14="http://schemas.microsoft.com/office/mac/drawingml/2011/main" xmlns="" val="1"/>
+                  <ma14:wrappingTextBoxFlag xmlns="" xmlns:ma14="http://schemas.microsoft.com/office/mac/drawingml/2011/main" val="1"/>
                 </a:ext>
               </a:extLst>
             </p:spPr>

--- a/slides.pptx
+++ b/slides.pptx
@@ -6,7 +6,7 @@
     <p:sldMasterId id="2147483735" r:id="rId2"/>
   </p:sldMasterIdLst>
   <p:notesMasterIdLst>
-    <p:notesMasterId r:id="rId23"/>
+    <p:notesMasterId r:id="rId29"/>
   </p:notesMasterIdLst>
   <p:sldIdLst>
     <p:sldId id="389" r:id="rId3"/>
@@ -27,8 +27,14 @@
     <p:sldId id="404" r:id="rId18"/>
     <p:sldId id="405" r:id="rId19"/>
     <p:sldId id="408" r:id="rId20"/>
-    <p:sldId id="391" r:id="rId21"/>
-    <p:sldId id="407" r:id="rId22"/>
+    <p:sldId id="409" r:id="rId21"/>
+    <p:sldId id="410" r:id="rId22"/>
+    <p:sldId id="411" r:id="rId23"/>
+    <p:sldId id="412" r:id="rId24"/>
+    <p:sldId id="413" r:id="rId25"/>
+    <p:sldId id="414" r:id="rId26"/>
+    <p:sldId id="391" r:id="rId27"/>
+    <p:sldId id="407" r:id="rId28"/>
   </p:sldIdLst>
   <p:sldSz cx="24382413" cy="13716000"/>
   <p:notesSz cx="6858000" cy="9144000"/>
@@ -150,6 +156,12 @@
             <p14:sldId id="404"/>
             <p14:sldId id="405"/>
             <p14:sldId id="408"/>
+            <p14:sldId id="409"/>
+            <p14:sldId id="410"/>
+            <p14:sldId id="411"/>
+            <p14:sldId id="412"/>
+            <p14:sldId id="413"/>
+            <p14:sldId id="414"/>
             <p14:sldId id="391"/>
             <p14:sldId id="407"/>
           </p14:sldIdLst>
@@ -263,7 +275,7 @@
           <a:p>
             <a:fld id="{A48BA324-014D-41B7-8E83-ECE8F197A959}" type="datetimeFigureOut">
               <a:rPr lang="ru-RU" smtClean="0"/>
-              <a:t>08.02.2017</a:t>
+              <a:t>10.02.2017</a:t>
             </a:fld>
             <a:endParaRPr lang="ru-RU"/>
           </a:p>
@@ -4803,7 +4815,7 @@
           </a:ln>
           <a:extLst>
             <a:ext uri="{C572A759-6A51-4108-AA02-DFA0A04FC94B}">
-              <ma14:wrappingTextBoxFlag xmlns:ma14="http://schemas.microsoft.com/office/mac/drawingml/2011/main" xmlns="" val="1"/>
+              <ma14:wrappingTextBoxFlag xmlns="" xmlns:ma14="http://schemas.microsoft.com/office/mac/drawingml/2011/main" val="1"/>
             </a:ext>
           </a:extLst>
         </p:spPr>
@@ -5274,7 +5286,7 @@
           </a:ln>
           <a:extLst>
             <a:ext uri="{C572A759-6A51-4108-AA02-DFA0A04FC94B}">
-              <ma14:wrappingTextBoxFlag xmlns:ma14="http://schemas.microsoft.com/office/mac/drawingml/2011/main" xmlns="" val="1"/>
+              <ma14:wrappingTextBoxFlag xmlns="" xmlns:ma14="http://schemas.microsoft.com/office/mac/drawingml/2011/main" val="1"/>
             </a:ext>
           </a:extLst>
         </p:spPr>
@@ -5420,7 +5432,7 @@
           </a:ln>
           <a:extLst>
             <a:ext uri="{C572A759-6A51-4108-AA02-DFA0A04FC94B}">
-              <ma14:wrappingTextBoxFlag xmlns:ma14="http://schemas.microsoft.com/office/mac/drawingml/2011/main" xmlns="" val="1"/>
+              <ma14:wrappingTextBoxFlag xmlns="" xmlns:ma14="http://schemas.microsoft.com/office/mac/drawingml/2011/main" val="1"/>
             </a:ext>
           </a:extLst>
         </p:spPr>
@@ -5462,7 +5474,7 @@
           </a:ln>
           <a:extLst>
             <a:ext uri="{C572A759-6A51-4108-AA02-DFA0A04FC94B}">
-              <ma14:wrappingTextBoxFlag xmlns:ma14="http://schemas.microsoft.com/office/mac/drawingml/2011/main" xmlns="" val="1"/>
+              <ma14:wrappingTextBoxFlag xmlns="" xmlns:ma14="http://schemas.microsoft.com/office/mac/drawingml/2011/main" val="1"/>
             </a:ext>
           </a:extLst>
         </p:spPr>
@@ -5658,7 +5670,7 @@
           </a:ln>
           <a:extLst>
             <a:ext uri="{C572A759-6A51-4108-AA02-DFA0A04FC94B}">
-              <ma14:wrappingTextBoxFlag xmlns:ma14="http://schemas.microsoft.com/office/mac/drawingml/2011/main" xmlns="" val="1"/>
+              <ma14:wrappingTextBoxFlag xmlns="" xmlns:ma14="http://schemas.microsoft.com/office/mac/drawingml/2011/main" val="1"/>
             </a:ext>
           </a:extLst>
         </p:spPr>
@@ -5782,7 +5794,7 @@
           </a:ln>
           <a:extLst>
             <a:ext uri="{C572A759-6A51-4108-AA02-DFA0A04FC94B}">
-              <ma14:wrappingTextBoxFlag xmlns:ma14="http://schemas.microsoft.com/office/mac/drawingml/2011/main" xmlns="" val="1"/>
+              <ma14:wrappingTextBoxFlag xmlns="" xmlns:ma14="http://schemas.microsoft.com/office/mac/drawingml/2011/main" val="1"/>
             </a:ext>
           </a:extLst>
         </p:spPr>
@@ -5876,7 +5888,7 @@
           </a:ln>
           <a:extLst>
             <a:ext uri="{C572A759-6A51-4108-AA02-DFA0A04FC94B}">
-              <ma14:wrappingTextBoxFlag xmlns:ma14="http://schemas.microsoft.com/office/mac/drawingml/2011/main" xmlns="" val="1"/>
+              <ma14:wrappingTextBoxFlag xmlns="" xmlns:ma14="http://schemas.microsoft.com/office/mac/drawingml/2011/main" val="1"/>
             </a:ext>
           </a:extLst>
         </p:spPr>
@@ -6167,7 +6179,7 @@
           </a:ln>
           <a:extLst>
             <a:ext uri="{C572A759-6A51-4108-AA02-DFA0A04FC94B}">
-              <ma14:wrappingTextBoxFlag xmlns:ma14="http://schemas.microsoft.com/office/mac/drawingml/2011/main" xmlns="" val="1"/>
+              <ma14:wrappingTextBoxFlag xmlns="" xmlns:ma14="http://schemas.microsoft.com/office/mac/drawingml/2011/main" val="1"/>
             </a:ext>
           </a:extLst>
         </p:spPr>
@@ -6658,7 +6670,7 @@
           </a:ln>
           <a:extLst>
             <a:ext uri="{C572A759-6A51-4108-AA02-DFA0A04FC94B}">
-              <ma14:wrappingTextBoxFlag xmlns:ma14="http://schemas.microsoft.com/office/mac/drawingml/2011/main" xmlns="" val="1"/>
+              <ma14:wrappingTextBoxFlag xmlns="" xmlns:ma14="http://schemas.microsoft.com/office/mac/drawingml/2011/main" val="1"/>
             </a:ext>
           </a:extLst>
         </p:spPr>
@@ -6730,7 +6742,7 @@
             </a:ln>
             <a:extLst>
               <a:ext uri="{C572A759-6A51-4108-AA02-DFA0A04FC94B}">
-                <ma14:wrappingTextBoxFlag xmlns:ma14="http://schemas.microsoft.com/office/mac/drawingml/2011/main" xmlns="" val="1"/>
+                <ma14:wrappingTextBoxFlag xmlns="" xmlns:ma14="http://schemas.microsoft.com/office/mac/drawingml/2011/main" val="1"/>
               </a:ext>
             </a:extLst>
           </p:spPr>
@@ -6806,7 +6818,7 @@
             </a:ln>
             <a:extLst>
               <a:ext uri="{C572A759-6A51-4108-AA02-DFA0A04FC94B}">
-                <ma14:wrappingTextBoxFlag xmlns:ma14="http://schemas.microsoft.com/office/mac/drawingml/2011/main" xmlns="" val="1"/>
+                <ma14:wrappingTextBoxFlag xmlns="" xmlns:ma14="http://schemas.microsoft.com/office/mac/drawingml/2011/main" val="1"/>
               </a:ext>
             </a:extLst>
           </p:spPr>
@@ -6894,7 +6906,7 @@
             </a:ln>
             <a:extLst>
               <a:ext uri="{C572A759-6A51-4108-AA02-DFA0A04FC94B}">
-                <ma14:wrappingTextBoxFlag xmlns:ma14="http://schemas.microsoft.com/office/mac/drawingml/2011/main" xmlns="" val="1"/>
+                <ma14:wrappingTextBoxFlag xmlns="" xmlns:ma14="http://schemas.microsoft.com/office/mac/drawingml/2011/main" val="1"/>
               </a:ext>
             </a:extLst>
           </p:spPr>
@@ -6974,7 +6986,7 @@
             </a:ln>
             <a:extLst>
               <a:ext uri="{C572A759-6A51-4108-AA02-DFA0A04FC94B}">
-                <ma14:wrappingTextBoxFlag xmlns:ma14="http://schemas.microsoft.com/office/mac/drawingml/2011/main" xmlns="" val="1"/>
+                <ma14:wrappingTextBoxFlag xmlns="" xmlns:ma14="http://schemas.microsoft.com/office/mac/drawingml/2011/main" val="1"/>
               </a:ext>
             </a:extLst>
           </p:spPr>
@@ -7045,7 +7057,7 @@
             </a:ln>
             <a:extLst>
               <a:ext uri="{C572A759-6A51-4108-AA02-DFA0A04FC94B}">
-                <ma14:wrappingTextBoxFlag xmlns:ma14="http://schemas.microsoft.com/office/mac/drawingml/2011/main" xmlns="" val="1"/>
+                <ma14:wrappingTextBoxFlag xmlns="" xmlns:ma14="http://schemas.microsoft.com/office/mac/drawingml/2011/main" val="1"/>
               </a:ext>
             </a:extLst>
           </p:spPr>
@@ -7101,7 +7113,7 @@
             </a:ln>
             <a:extLst>
               <a:ext uri="{C572A759-6A51-4108-AA02-DFA0A04FC94B}">
-                <ma14:wrappingTextBoxFlag xmlns:ma14="http://schemas.microsoft.com/office/mac/drawingml/2011/main" xmlns="" val="1"/>
+                <ma14:wrappingTextBoxFlag xmlns="" xmlns:ma14="http://schemas.microsoft.com/office/mac/drawingml/2011/main" val="1"/>
               </a:ext>
             </a:extLst>
           </p:spPr>
@@ -7166,7 +7178,7 @@
             </a:ln>
             <a:extLst>
               <a:ext uri="{C572A759-6A51-4108-AA02-DFA0A04FC94B}">
-                <ma14:wrappingTextBoxFlag xmlns:ma14="http://schemas.microsoft.com/office/mac/drawingml/2011/main" xmlns="" val="1"/>
+                <ma14:wrappingTextBoxFlag xmlns="" xmlns:ma14="http://schemas.microsoft.com/office/mac/drawingml/2011/main" val="1"/>
               </a:ext>
             </a:extLst>
           </p:spPr>
@@ -15016,7 +15028,7 @@
           </a:ln>
           <a:extLst>
             <a:ext uri="{C572A759-6A51-4108-AA02-DFA0A04FC94B}">
-              <ma14:wrappingTextBoxFlag xmlns="" xmlns:ma14="http://schemas.microsoft.com/office/mac/drawingml/2011/main" val="1"/>
+              <ma14:wrappingTextBoxFlag xmlns:ma14="http://schemas.microsoft.com/office/mac/drawingml/2011/main" xmlns="" val="1"/>
             </a:ext>
           </a:extLst>
         </p:spPr>
@@ -15474,7 +15486,7 @@
           </a:ln>
           <a:extLst>
             <a:ext uri="{C572A759-6A51-4108-AA02-DFA0A04FC94B}">
-              <ma14:wrappingTextBoxFlag xmlns="" xmlns:ma14="http://schemas.microsoft.com/office/mac/drawingml/2011/main" val="1"/>
+              <ma14:wrappingTextBoxFlag xmlns:ma14="http://schemas.microsoft.com/office/mac/drawingml/2011/main" xmlns="" val="1"/>
             </a:ext>
           </a:extLst>
         </p:spPr>
@@ -15710,7 +15722,7 @@
           </a:ln>
           <a:extLst>
             <a:ext uri="{C572A759-6A51-4108-AA02-DFA0A04FC94B}">
-              <ma14:wrappingTextBoxFlag xmlns="" xmlns:ma14="http://schemas.microsoft.com/office/mac/drawingml/2011/main" val="1"/>
+              <ma14:wrappingTextBoxFlag xmlns:ma14="http://schemas.microsoft.com/office/mac/drawingml/2011/main" xmlns="" val="1"/>
             </a:ext>
           </a:extLst>
         </p:spPr>
@@ -15757,7 +15769,7 @@
           </a:ln>
           <a:extLst>
             <a:ext uri="{C572A759-6A51-4108-AA02-DFA0A04FC94B}">
-              <ma14:wrappingTextBoxFlag xmlns="" xmlns:ma14="http://schemas.microsoft.com/office/mac/drawingml/2011/main" val="1"/>
+              <ma14:wrappingTextBoxFlag xmlns:ma14="http://schemas.microsoft.com/office/mac/drawingml/2011/main" xmlns="" val="1"/>
             </a:ext>
           </a:extLst>
         </p:spPr>
@@ -15989,7 +16001,7 @@
           </a:ln>
           <a:extLst>
             <a:ext uri="{C572A759-6A51-4108-AA02-DFA0A04FC94B}">
-              <ma14:wrappingTextBoxFlag xmlns="" xmlns:ma14="http://schemas.microsoft.com/office/mac/drawingml/2011/main" val="1"/>
+              <ma14:wrappingTextBoxFlag xmlns:ma14="http://schemas.microsoft.com/office/mac/drawingml/2011/main" xmlns="" val="1"/>
             </a:ext>
           </a:extLst>
         </p:spPr>
@@ -16119,7 +16131,7 @@
           </a:ln>
           <a:extLst>
             <a:ext uri="{C572A759-6A51-4108-AA02-DFA0A04FC94B}">
-              <ma14:wrappingTextBoxFlag xmlns="" xmlns:ma14="http://schemas.microsoft.com/office/mac/drawingml/2011/main" val="1"/>
+              <ma14:wrappingTextBoxFlag xmlns:ma14="http://schemas.microsoft.com/office/mac/drawingml/2011/main" xmlns="" val="1"/>
             </a:ext>
           </a:extLst>
         </p:spPr>
@@ -16234,7 +16246,7 @@
           </a:ln>
           <a:extLst>
             <a:ext uri="{C572A759-6A51-4108-AA02-DFA0A04FC94B}">
-              <ma14:wrappingTextBoxFlag xmlns="" xmlns:ma14="http://schemas.microsoft.com/office/mac/drawingml/2011/main" val="1"/>
+              <ma14:wrappingTextBoxFlag xmlns:ma14="http://schemas.microsoft.com/office/mac/drawingml/2011/main" xmlns="" val="1"/>
             </a:ext>
           </a:extLst>
         </p:spPr>
@@ -16674,7 +16686,7 @@
           </a:ln>
           <a:extLst>
             <a:ext uri="{C572A759-6A51-4108-AA02-DFA0A04FC94B}">
-              <ma14:wrappingTextBoxFlag xmlns="" xmlns:ma14="http://schemas.microsoft.com/office/mac/drawingml/2011/main" val="1"/>
+              <ma14:wrappingTextBoxFlag xmlns:ma14="http://schemas.microsoft.com/office/mac/drawingml/2011/main" xmlns="" val="1"/>
             </a:ext>
           </a:extLst>
         </p:spPr>
@@ -16940,7 +16952,7 @@
           </a:ln>
           <a:extLst>
             <a:ext uri="{C572A759-6A51-4108-AA02-DFA0A04FC94B}">
-              <ma14:wrappingTextBoxFlag xmlns="" xmlns:ma14="http://schemas.microsoft.com/office/mac/drawingml/2011/main" val="1"/>
+              <ma14:wrappingTextBoxFlag xmlns:ma14="http://schemas.microsoft.com/office/mac/drawingml/2011/main" xmlns="" val="1"/>
             </a:ext>
           </a:extLst>
         </p:spPr>
@@ -17012,7 +17024,7 @@
             </a:ln>
             <a:extLst>
               <a:ext uri="{C572A759-6A51-4108-AA02-DFA0A04FC94B}">
-                <ma14:wrappingTextBoxFlag xmlns="" xmlns:ma14="http://schemas.microsoft.com/office/mac/drawingml/2011/main" val="1"/>
+                <ma14:wrappingTextBoxFlag xmlns:ma14="http://schemas.microsoft.com/office/mac/drawingml/2011/main" xmlns="" val="1"/>
               </a:ext>
             </a:extLst>
           </p:spPr>
@@ -17089,7 +17101,7 @@
             </a:ln>
             <a:extLst>
               <a:ext uri="{C572A759-6A51-4108-AA02-DFA0A04FC94B}">
-                <ma14:wrappingTextBoxFlag xmlns="" xmlns:ma14="http://schemas.microsoft.com/office/mac/drawingml/2011/main" val="1"/>
+                <ma14:wrappingTextBoxFlag xmlns:ma14="http://schemas.microsoft.com/office/mac/drawingml/2011/main" xmlns="" val="1"/>
               </a:ext>
             </a:extLst>
           </p:spPr>
@@ -17194,7 +17206,7 @@
             </a:ln>
             <a:extLst>
               <a:ext uri="{C572A759-6A51-4108-AA02-DFA0A04FC94B}">
-                <ma14:wrappingTextBoxFlag xmlns="" xmlns:ma14="http://schemas.microsoft.com/office/mac/drawingml/2011/main" val="1"/>
+                <ma14:wrappingTextBoxFlag xmlns:ma14="http://schemas.microsoft.com/office/mac/drawingml/2011/main" xmlns="" val="1"/>
               </a:ext>
             </a:extLst>
           </p:spPr>
@@ -17274,7 +17286,7 @@
             </a:ln>
             <a:extLst>
               <a:ext uri="{C572A759-6A51-4108-AA02-DFA0A04FC94B}">
-                <ma14:wrappingTextBoxFlag xmlns="" xmlns:ma14="http://schemas.microsoft.com/office/mac/drawingml/2011/main" val="1"/>
+                <ma14:wrappingTextBoxFlag xmlns:ma14="http://schemas.microsoft.com/office/mac/drawingml/2011/main" xmlns="" val="1"/>
               </a:ext>
             </a:extLst>
           </p:spPr>
@@ -17345,7 +17357,7 @@
             </a:ln>
             <a:extLst>
               <a:ext uri="{C572A759-6A51-4108-AA02-DFA0A04FC94B}">
-                <ma14:wrappingTextBoxFlag xmlns="" xmlns:ma14="http://schemas.microsoft.com/office/mac/drawingml/2011/main" val="1"/>
+                <ma14:wrappingTextBoxFlag xmlns:ma14="http://schemas.microsoft.com/office/mac/drawingml/2011/main" xmlns="" val="1"/>
               </a:ext>
             </a:extLst>
           </p:spPr>
@@ -17408,7 +17420,7 @@
             </a:ln>
             <a:extLst>
               <a:ext uri="{C572A759-6A51-4108-AA02-DFA0A04FC94B}">
-                <ma14:wrappingTextBoxFlag xmlns="" xmlns:ma14="http://schemas.microsoft.com/office/mac/drawingml/2011/main" val="1"/>
+                <ma14:wrappingTextBoxFlag xmlns:ma14="http://schemas.microsoft.com/office/mac/drawingml/2011/main" xmlns="" val="1"/>
               </a:ext>
             </a:extLst>
           </p:spPr>
@@ -20395,7 +20407,7 @@
           </a:ln>
           <a:extLst>
             <a:ext uri="{C572A759-6A51-4108-AA02-DFA0A04FC94B}">
-              <ma14:wrappingTextBoxFlag xmlns:ma14="http://schemas.microsoft.com/office/mac/drawingml/2011/main" xmlns="" val="1"/>
+              <ma14:wrappingTextBoxFlag xmlns="" xmlns:ma14="http://schemas.microsoft.com/office/mac/drawingml/2011/main" val="1"/>
             </a:ext>
           </a:extLst>
         </p:spPr>
@@ -20467,7 +20479,7 @@
             </a:ln>
             <a:extLst>
               <a:ext uri="{C572A759-6A51-4108-AA02-DFA0A04FC94B}">
-                <ma14:wrappingTextBoxFlag xmlns:ma14="http://schemas.microsoft.com/office/mac/drawingml/2011/main" xmlns="" val="1"/>
+                <ma14:wrappingTextBoxFlag xmlns="" xmlns:ma14="http://schemas.microsoft.com/office/mac/drawingml/2011/main" val="1"/>
               </a:ext>
             </a:extLst>
           </p:spPr>
@@ -20539,7 +20551,7 @@
             </a:ln>
             <a:extLst>
               <a:ext uri="{C572A759-6A51-4108-AA02-DFA0A04FC94B}">
-                <ma14:wrappingTextBoxFlag xmlns:ma14="http://schemas.microsoft.com/office/mac/drawingml/2011/main" xmlns="" val="1"/>
+                <ma14:wrappingTextBoxFlag xmlns="" xmlns:ma14="http://schemas.microsoft.com/office/mac/drawingml/2011/main" val="1"/>
               </a:ext>
             </a:extLst>
           </p:spPr>
@@ -20627,7 +20639,7 @@
             </a:ln>
             <a:extLst>
               <a:ext uri="{C572A759-6A51-4108-AA02-DFA0A04FC94B}">
-                <ma14:wrappingTextBoxFlag xmlns:ma14="http://schemas.microsoft.com/office/mac/drawingml/2011/main" xmlns="" val="1"/>
+                <ma14:wrappingTextBoxFlag xmlns="" xmlns:ma14="http://schemas.microsoft.com/office/mac/drawingml/2011/main" val="1"/>
               </a:ext>
             </a:extLst>
           </p:spPr>
@@ -20707,7 +20719,7 @@
             </a:ln>
             <a:extLst>
               <a:ext uri="{C572A759-6A51-4108-AA02-DFA0A04FC94B}">
-                <ma14:wrappingTextBoxFlag xmlns:ma14="http://schemas.microsoft.com/office/mac/drawingml/2011/main" xmlns="" val="1"/>
+                <ma14:wrappingTextBoxFlag xmlns="" xmlns:ma14="http://schemas.microsoft.com/office/mac/drawingml/2011/main" val="1"/>
               </a:ext>
             </a:extLst>
           </p:spPr>
@@ -20766,7 +20778,7 @@
             </a:ln>
             <a:extLst>
               <a:ext uri="{C572A759-6A51-4108-AA02-DFA0A04FC94B}">
-                <ma14:wrappingTextBoxFlag xmlns:ma14="http://schemas.microsoft.com/office/mac/drawingml/2011/main" xmlns="" val="1"/>
+                <ma14:wrappingTextBoxFlag xmlns="" xmlns:ma14="http://schemas.microsoft.com/office/mac/drawingml/2011/main" val="1"/>
               </a:ext>
             </a:extLst>
           </p:spPr>
@@ -20822,7 +20834,7 @@
             </a:ln>
             <a:extLst>
               <a:ext uri="{C572A759-6A51-4108-AA02-DFA0A04FC94B}">
-                <ma14:wrappingTextBoxFlag xmlns:ma14="http://schemas.microsoft.com/office/mac/drawingml/2011/main" xmlns="" val="1"/>
+                <ma14:wrappingTextBoxFlag xmlns="" xmlns:ma14="http://schemas.microsoft.com/office/mac/drawingml/2011/main" val="1"/>
               </a:ext>
             </a:extLst>
           </p:spPr>
@@ -20887,7 +20899,7 @@
             </a:ln>
             <a:extLst>
               <a:ext uri="{C572A759-6A51-4108-AA02-DFA0A04FC94B}">
-                <ma14:wrappingTextBoxFlag xmlns:ma14="http://schemas.microsoft.com/office/mac/drawingml/2011/main" xmlns="" val="1"/>
+                <ma14:wrappingTextBoxFlag xmlns="" xmlns:ma14="http://schemas.microsoft.com/office/mac/drawingml/2011/main" val="1"/>
               </a:ext>
             </a:extLst>
           </p:spPr>
@@ -25012,7 +25024,6 @@
               <a:rPr lang="ru-RU" dirty="0" smtClean="0"/>
               <a:t>Взаимодействие</a:t>
             </a:r>
-            <a:endParaRPr lang="ru-RU" dirty="0" smtClean="0"/>
           </a:p>
         </p:txBody>
       </p:sp>
@@ -25537,18 +25548,35 @@
           </a:p>
         </p:txBody>
       </p:sp>
-      <p:sp>
-        <p:nvSpPr>
-          <p:cNvPr id="7" name="Рисунок 6"/>
-          <p:cNvSpPr>
-            <a:spLocks noGrp="1"/>
-          </p:cNvSpPr>
+      <p:pic>
+        <p:nvPicPr>
+          <p:cNvPr id="6" name="Рисунок 5"/>
+          <p:cNvPicPr>
+            <a:picLocks noGrp="1" noChangeAspect="1"/>
+          </p:cNvPicPr>
           <p:nvPr>
             <p:ph type="pic" sz="quarter" idx="13"/>
           </p:nvPr>
-        </p:nvSpPr>
-        <p:spPr/>
-      </p:sp>
+        </p:nvPicPr>
+        <p:blipFill>
+          <a:blip r:embed="rId2" cstate="print">
+            <a:extLst>
+              <a:ext uri="{28A0092B-C50C-407E-A947-70E740481C1C}">
+                <a14:useLocalDpi xmlns:a14="http://schemas.microsoft.com/office/drawing/2010/main" val="0"/>
+              </a:ext>
+            </a:extLst>
+          </a:blip>
+          <a:stretch>
+            <a:fillRect/>
+          </a:stretch>
+        </p:blipFill>
+        <p:spPr>
+          <a:xfrm>
+            <a:off x="13880571" y="3424238"/>
+            <a:ext cx="7687733" cy="6486525"/>
+          </a:xfrm>
+        </p:spPr>
+      </p:pic>
       <p:pic>
         <p:nvPicPr>
           <p:cNvPr id="3" name="Рисунок 2"/>
@@ -25560,7 +25588,7 @@
           </p:nvPr>
         </p:nvPicPr>
         <p:blipFill>
-          <a:blip r:embed="rId2">
+          <a:blip r:embed="rId3">
             <a:extLst>
               <a:ext uri="{28A0092B-C50C-407E-A947-70E740481C1C}">
                 <a14:useLocalDpi xmlns:a14="http://schemas.microsoft.com/office/drawing/2010/main" val="0"/>
@@ -25589,6 +25617,7 @@
           <a:bodyPr/>
           <a:lstStyle/>
           <a:p>
+            <a:pPr algn="ctr"/>
             <a:r>
               <a:rPr lang="en-US" dirty="0" smtClean="0"/>
               <a:t>Coupling</a:t>
@@ -25607,11 +25636,17 @@
             <p:ph type="body" sz="quarter" idx="16"/>
           </p:nvPr>
         </p:nvSpPr>
-        <p:spPr/>
+        <p:spPr>
+          <a:xfrm>
+            <a:off x="13880571" y="10290683"/>
+            <a:ext cx="7687733" cy="1887403"/>
+          </a:xfrm>
+        </p:spPr>
         <p:txBody>
           <a:bodyPr/>
           <a:lstStyle/>
           <a:p>
+            <a:pPr algn="ctr"/>
             <a:r>
               <a:rPr lang="en-US" dirty="0" smtClean="0"/>
               <a:t>Cohesion</a:t>
@@ -26438,6 +26473,2631 @@
       </p:grpSpPr>
       <p:sp>
         <p:nvSpPr>
+          <p:cNvPr id="2" name="Заголовок 1"/>
+          <p:cNvSpPr>
+            <a:spLocks noGrp="1"/>
+          </p:cNvSpPr>
+          <p:nvPr>
+            <p:ph type="title"/>
+          </p:nvPr>
+        </p:nvSpPr>
+        <p:spPr/>
+        <p:txBody>
+          <a:bodyPr/>
+          <a:lstStyle/>
+          <a:p>
+            <a:r>
+              <a:rPr lang="ru-RU" dirty="0" err="1"/>
+              <a:t>Биллинг</a:t>
+            </a:r>
+            <a:r>
+              <a:rPr lang="ru-RU" dirty="0"/>
+              <a:t> для мобильного оператора</a:t>
+            </a:r>
+          </a:p>
+        </p:txBody>
+      </p:sp>
+      <p:sp>
+        <p:nvSpPr>
+          <p:cNvPr id="3" name="Объект 2"/>
+          <p:cNvSpPr>
+            <a:spLocks noGrp="1"/>
+          </p:cNvSpPr>
+          <p:nvPr>
+            <p:ph idx="1"/>
+          </p:nvPr>
+        </p:nvSpPr>
+        <p:spPr/>
+        <p:txBody>
+          <a:bodyPr/>
+          <a:lstStyle/>
+          <a:p>
+            <a:r>
+              <a:rPr lang="ru-RU" dirty="0" smtClean="0"/>
+              <a:t>Снятие денег со счёта клиента за звонок</a:t>
+            </a:r>
+          </a:p>
+          <a:p>
+            <a:pPr lvl="1"/>
+            <a:r>
+              <a:rPr lang="ru-RU" dirty="0" smtClean="0"/>
+              <a:t>Вычислить стоимость звонка по его длительности</a:t>
+            </a:r>
+          </a:p>
+          <a:p>
+            <a:pPr lvl="1"/>
+            <a:r>
+              <a:rPr lang="ru-RU" dirty="0" smtClean="0"/>
+              <a:t>Списать деньги со счёта</a:t>
+            </a:r>
+          </a:p>
+          <a:p>
+            <a:pPr lvl="1"/>
+            <a:r>
+              <a:rPr lang="ru-RU" dirty="0" smtClean="0"/>
+              <a:t>Отправить </a:t>
+            </a:r>
+            <a:r>
+              <a:rPr lang="en-US" dirty="0" smtClean="0"/>
+              <a:t>SMS, </a:t>
+            </a:r>
+            <a:r>
+              <a:rPr lang="ru-RU" dirty="0" smtClean="0"/>
+              <a:t>если баланс стал отрицательным</a:t>
+            </a:r>
+          </a:p>
+          <a:p>
+            <a:r>
+              <a:rPr lang="ru-RU" dirty="0" smtClean="0"/>
+              <a:t>Пополнение счёта клиента</a:t>
+            </a:r>
+          </a:p>
+          <a:p>
+            <a:pPr lvl="1"/>
+            <a:r>
+              <a:rPr lang="ru-RU" dirty="0" smtClean="0"/>
+              <a:t>Зачислить деньги на счёт абонента</a:t>
+            </a:r>
+          </a:p>
+          <a:p>
+            <a:pPr lvl="1"/>
+            <a:r>
+              <a:rPr lang="ru-RU" dirty="0" smtClean="0"/>
+              <a:t>Отправить </a:t>
+            </a:r>
+            <a:r>
+              <a:rPr lang="en-US" dirty="0" smtClean="0"/>
+              <a:t>SMS </a:t>
+            </a:r>
+            <a:r>
+              <a:rPr lang="ru-RU" dirty="0" smtClean="0"/>
+              <a:t>о поступлении денег на счёт</a:t>
+            </a:r>
+          </a:p>
+          <a:p>
+            <a:r>
+              <a:rPr lang="ru-RU" dirty="0" smtClean="0"/>
+              <a:t>Сначала будем думать только о </a:t>
+            </a:r>
+            <a:r>
+              <a:rPr lang="en-US" dirty="0" smtClean="0"/>
+              <a:t>production</a:t>
+            </a:r>
+            <a:endParaRPr lang="ru-RU" dirty="0" smtClean="0"/>
+          </a:p>
+        </p:txBody>
+      </p:sp>
+      <p:sp>
+        <p:nvSpPr>
+          <p:cNvPr id="4" name="Нижний колонтитул 3"/>
+          <p:cNvSpPr>
+            <a:spLocks noGrp="1"/>
+          </p:cNvSpPr>
+          <p:nvPr>
+            <p:ph type="ftr" sz="quarter" idx="11"/>
+          </p:nvPr>
+        </p:nvSpPr>
+        <p:spPr/>
+        <p:txBody>
+          <a:bodyPr/>
+          <a:lstStyle/>
+          <a:p>
+            <a:endParaRPr lang="ru-RU">
+              <a:solidFill>
+                <a:srgbClr val="000000"/>
+              </a:solidFill>
+            </a:endParaRPr>
+          </a:p>
+        </p:txBody>
+      </p:sp>
+      <p:sp>
+        <p:nvSpPr>
+          <p:cNvPr id="5" name="Номер слайда 4"/>
+          <p:cNvSpPr>
+            <a:spLocks noGrp="1"/>
+          </p:cNvSpPr>
+          <p:nvPr>
+            <p:ph type="sldNum" sz="quarter" idx="12"/>
+          </p:nvPr>
+        </p:nvSpPr>
+        <p:spPr/>
+        <p:txBody>
+          <a:bodyPr/>
+          <a:lstStyle/>
+          <a:p>
+            <a:fld id="{741C03D3-FA44-40EC-9A21-1FC4FEA3E22E}" type="slidenum">
+              <a:rPr lang="ru-RU" smtClean="0">
+                <a:solidFill>
+                  <a:srgbClr val="000000"/>
+                </a:solidFill>
+              </a:rPr>
+              <a:pPr/>
+              <a:t>19</a:t>
+            </a:fld>
+            <a:endParaRPr lang="ru-RU">
+              <a:solidFill>
+                <a:srgbClr val="000000"/>
+              </a:solidFill>
+            </a:endParaRPr>
+          </a:p>
+        </p:txBody>
+      </p:sp>
+    </p:spTree>
+    <p:extLst>
+      <p:ext uri="{BB962C8B-B14F-4D97-AF65-F5344CB8AC3E}">
+        <p14:creationId xmlns:p14="http://schemas.microsoft.com/office/powerpoint/2010/main" val="3580292338"/>
+      </p:ext>
+    </p:extLst>
+  </p:cSld>
+  <p:clrMapOvr>
+    <a:masterClrMapping/>
+  </p:clrMapOvr>
+  <p:timing>
+    <p:tnLst>
+      <p:par>
+        <p:cTn id="1" dur="indefinite" restart="never" nodeType="tmRoot">
+          <p:childTnLst>
+            <p:seq concurrent="1" nextAc="seek">
+              <p:cTn id="2" dur="indefinite" nodeType="mainSeq">
+                <p:childTnLst>
+                  <p:par>
+                    <p:cTn id="3" fill="hold">
+                      <p:stCondLst>
+                        <p:cond delay="indefinite"/>
+                      </p:stCondLst>
+                      <p:childTnLst>
+                        <p:par>
+                          <p:cTn id="4" fill="hold">
+                            <p:stCondLst>
+                              <p:cond delay="0"/>
+                            </p:stCondLst>
+                            <p:childTnLst>
+                              <p:par>
+                                <p:cTn id="5" presetID="1" presetClass="entr" presetSubtype="0" fill="hold" nodeType="clickEffect">
+                                  <p:stCondLst>
+                                    <p:cond delay="0"/>
+                                  </p:stCondLst>
+                                  <p:childTnLst>
+                                    <p:set>
+                                      <p:cBhvr>
+                                        <p:cTn id="6" dur="1" fill="hold">
+                                          <p:stCondLst>
+                                            <p:cond delay="0"/>
+                                          </p:stCondLst>
+                                        </p:cTn>
+                                        <p:tgtEl>
+                                          <p:spTgt spid="3">
+                                            <p:txEl>
+                                              <p:pRg st="0" end="0"/>
+                                            </p:txEl>
+                                          </p:spTgt>
+                                        </p:tgtEl>
+                                        <p:attrNameLst>
+                                          <p:attrName>style.visibility</p:attrName>
+                                        </p:attrNameLst>
+                                      </p:cBhvr>
+                                      <p:to>
+                                        <p:strVal val="visible"/>
+                                      </p:to>
+                                    </p:set>
+                                  </p:childTnLst>
+                                </p:cTn>
+                              </p:par>
+                              <p:par>
+                                <p:cTn id="7" presetID="1" presetClass="entr" presetSubtype="0" fill="hold" nodeType="withEffect">
+                                  <p:stCondLst>
+                                    <p:cond delay="0"/>
+                                  </p:stCondLst>
+                                  <p:childTnLst>
+                                    <p:set>
+                                      <p:cBhvr>
+                                        <p:cTn id="8" dur="1" fill="hold">
+                                          <p:stCondLst>
+                                            <p:cond delay="0"/>
+                                          </p:stCondLst>
+                                        </p:cTn>
+                                        <p:tgtEl>
+                                          <p:spTgt spid="3">
+                                            <p:txEl>
+                                              <p:pRg st="1" end="1"/>
+                                            </p:txEl>
+                                          </p:spTgt>
+                                        </p:tgtEl>
+                                        <p:attrNameLst>
+                                          <p:attrName>style.visibility</p:attrName>
+                                        </p:attrNameLst>
+                                      </p:cBhvr>
+                                      <p:to>
+                                        <p:strVal val="visible"/>
+                                      </p:to>
+                                    </p:set>
+                                  </p:childTnLst>
+                                </p:cTn>
+                              </p:par>
+                              <p:par>
+                                <p:cTn id="9" presetID="1" presetClass="entr" presetSubtype="0" fill="hold" nodeType="withEffect">
+                                  <p:stCondLst>
+                                    <p:cond delay="0"/>
+                                  </p:stCondLst>
+                                  <p:childTnLst>
+                                    <p:set>
+                                      <p:cBhvr>
+                                        <p:cTn id="10" dur="1" fill="hold">
+                                          <p:stCondLst>
+                                            <p:cond delay="0"/>
+                                          </p:stCondLst>
+                                        </p:cTn>
+                                        <p:tgtEl>
+                                          <p:spTgt spid="3">
+                                            <p:txEl>
+                                              <p:pRg st="2" end="2"/>
+                                            </p:txEl>
+                                          </p:spTgt>
+                                        </p:tgtEl>
+                                        <p:attrNameLst>
+                                          <p:attrName>style.visibility</p:attrName>
+                                        </p:attrNameLst>
+                                      </p:cBhvr>
+                                      <p:to>
+                                        <p:strVal val="visible"/>
+                                      </p:to>
+                                    </p:set>
+                                  </p:childTnLst>
+                                </p:cTn>
+                              </p:par>
+                              <p:par>
+                                <p:cTn id="11" presetID="1" presetClass="entr" presetSubtype="0" fill="hold" nodeType="withEffect">
+                                  <p:stCondLst>
+                                    <p:cond delay="0"/>
+                                  </p:stCondLst>
+                                  <p:childTnLst>
+                                    <p:set>
+                                      <p:cBhvr>
+                                        <p:cTn id="12" dur="1" fill="hold">
+                                          <p:stCondLst>
+                                            <p:cond delay="0"/>
+                                          </p:stCondLst>
+                                        </p:cTn>
+                                        <p:tgtEl>
+                                          <p:spTgt spid="3">
+                                            <p:txEl>
+                                              <p:pRg st="3" end="3"/>
+                                            </p:txEl>
+                                          </p:spTgt>
+                                        </p:tgtEl>
+                                        <p:attrNameLst>
+                                          <p:attrName>style.visibility</p:attrName>
+                                        </p:attrNameLst>
+                                      </p:cBhvr>
+                                      <p:to>
+                                        <p:strVal val="visible"/>
+                                      </p:to>
+                                    </p:set>
+                                  </p:childTnLst>
+                                </p:cTn>
+                              </p:par>
+                            </p:childTnLst>
+                          </p:cTn>
+                        </p:par>
+                      </p:childTnLst>
+                    </p:cTn>
+                  </p:par>
+                  <p:par>
+                    <p:cTn id="13" fill="hold">
+                      <p:stCondLst>
+                        <p:cond delay="indefinite"/>
+                      </p:stCondLst>
+                      <p:childTnLst>
+                        <p:par>
+                          <p:cTn id="14" fill="hold">
+                            <p:stCondLst>
+                              <p:cond delay="0"/>
+                            </p:stCondLst>
+                            <p:childTnLst>
+                              <p:par>
+                                <p:cTn id="15" presetID="1" presetClass="entr" presetSubtype="0" fill="hold" nodeType="clickEffect">
+                                  <p:stCondLst>
+                                    <p:cond delay="0"/>
+                                  </p:stCondLst>
+                                  <p:childTnLst>
+                                    <p:set>
+                                      <p:cBhvr>
+                                        <p:cTn id="16" dur="1" fill="hold">
+                                          <p:stCondLst>
+                                            <p:cond delay="0"/>
+                                          </p:stCondLst>
+                                        </p:cTn>
+                                        <p:tgtEl>
+                                          <p:spTgt spid="3">
+                                            <p:txEl>
+                                              <p:pRg st="4" end="4"/>
+                                            </p:txEl>
+                                          </p:spTgt>
+                                        </p:tgtEl>
+                                        <p:attrNameLst>
+                                          <p:attrName>style.visibility</p:attrName>
+                                        </p:attrNameLst>
+                                      </p:cBhvr>
+                                      <p:to>
+                                        <p:strVal val="visible"/>
+                                      </p:to>
+                                    </p:set>
+                                  </p:childTnLst>
+                                </p:cTn>
+                              </p:par>
+                              <p:par>
+                                <p:cTn id="17" presetID="1" presetClass="entr" presetSubtype="0" fill="hold" nodeType="withEffect">
+                                  <p:stCondLst>
+                                    <p:cond delay="0"/>
+                                  </p:stCondLst>
+                                  <p:childTnLst>
+                                    <p:set>
+                                      <p:cBhvr>
+                                        <p:cTn id="18" dur="1" fill="hold">
+                                          <p:stCondLst>
+                                            <p:cond delay="0"/>
+                                          </p:stCondLst>
+                                        </p:cTn>
+                                        <p:tgtEl>
+                                          <p:spTgt spid="3">
+                                            <p:txEl>
+                                              <p:pRg st="5" end="5"/>
+                                            </p:txEl>
+                                          </p:spTgt>
+                                        </p:tgtEl>
+                                        <p:attrNameLst>
+                                          <p:attrName>style.visibility</p:attrName>
+                                        </p:attrNameLst>
+                                      </p:cBhvr>
+                                      <p:to>
+                                        <p:strVal val="visible"/>
+                                      </p:to>
+                                    </p:set>
+                                  </p:childTnLst>
+                                </p:cTn>
+                              </p:par>
+                              <p:par>
+                                <p:cTn id="19" presetID="1" presetClass="entr" presetSubtype="0" fill="hold" nodeType="withEffect">
+                                  <p:stCondLst>
+                                    <p:cond delay="0"/>
+                                  </p:stCondLst>
+                                  <p:childTnLst>
+                                    <p:set>
+                                      <p:cBhvr>
+                                        <p:cTn id="20" dur="1" fill="hold">
+                                          <p:stCondLst>
+                                            <p:cond delay="0"/>
+                                          </p:stCondLst>
+                                        </p:cTn>
+                                        <p:tgtEl>
+                                          <p:spTgt spid="3">
+                                            <p:txEl>
+                                              <p:pRg st="6" end="6"/>
+                                            </p:txEl>
+                                          </p:spTgt>
+                                        </p:tgtEl>
+                                        <p:attrNameLst>
+                                          <p:attrName>style.visibility</p:attrName>
+                                        </p:attrNameLst>
+                                      </p:cBhvr>
+                                      <p:to>
+                                        <p:strVal val="visible"/>
+                                      </p:to>
+                                    </p:set>
+                                  </p:childTnLst>
+                                </p:cTn>
+                              </p:par>
+                            </p:childTnLst>
+                          </p:cTn>
+                        </p:par>
+                      </p:childTnLst>
+                    </p:cTn>
+                  </p:par>
+                  <p:par>
+                    <p:cTn id="21" fill="hold">
+                      <p:stCondLst>
+                        <p:cond delay="indefinite"/>
+                      </p:stCondLst>
+                      <p:childTnLst>
+                        <p:par>
+                          <p:cTn id="22" fill="hold">
+                            <p:stCondLst>
+                              <p:cond delay="0"/>
+                            </p:stCondLst>
+                            <p:childTnLst>
+                              <p:par>
+                                <p:cTn id="23" presetID="1" presetClass="entr" presetSubtype="0" fill="hold" nodeType="clickEffect">
+                                  <p:stCondLst>
+                                    <p:cond delay="0"/>
+                                  </p:stCondLst>
+                                  <p:childTnLst>
+                                    <p:set>
+                                      <p:cBhvr>
+                                        <p:cTn id="24" dur="1" fill="hold">
+                                          <p:stCondLst>
+                                            <p:cond delay="0"/>
+                                          </p:stCondLst>
+                                        </p:cTn>
+                                        <p:tgtEl>
+                                          <p:spTgt spid="3">
+                                            <p:txEl>
+                                              <p:pRg st="7" end="7"/>
+                                            </p:txEl>
+                                          </p:spTgt>
+                                        </p:tgtEl>
+                                        <p:attrNameLst>
+                                          <p:attrName>style.visibility</p:attrName>
+                                        </p:attrNameLst>
+                                      </p:cBhvr>
+                                      <p:to>
+                                        <p:strVal val="visible"/>
+                                      </p:to>
+                                    </p:set>
+                                  </p:childTnLst>
+                                </p:cTn>
+                              </p:par>
+                            </p:childTnLst>
+                          </p:cTn>
+                        </p:par>
+                      </p:childTnLst>
+                    </p:cTn>
+                  </p:par>
+                </p:childTnLst>
+              </p:cTn>
+              <p:prevCondLst>
+                <p:cond evt="onPrev" delay="0">
+                  <p:tgtEl>
+                    <p:sldTgt/>
+                  </p:tgtEl>
+                </p:cond>
+              </p:prevCondLst>
+              <p:nextCondLst>
+                <p:cond evt="onNext" delay="0">
+                  <p:tgtEl>
+                    <p:sldTgt/>
+                  </p:tgtEl>
+                </p:cond>
+              </p:nextCondLst>
+            </p:seq>
+          </p:childTnLst>
+        </p:cTn>
+      </p:par>
+    </p:tnLst>
+  </p:timing>
+</p:sld>
+</file>
+
+<file path=ppt/slides/slide2.xml><?xml version="1.0" encoding="utf-8"?>
+<p:sld xmlns:a="http://schemas.openxmlformats.org/drawingml/2006/main" xmlns:r="http://schemas.openxmlformats.org/officeDocument/2006/relationships" xmlns:p="http://schemas.openxmlformats.org/presentationml/2006/main">
+  <p:cSld>
+    <p:spTree>
+      <p:nvGrpSpPr>
+        <p:cNvPr id="1" name=""/>
+        <p:cNvGrpSpPr/>
+        <p:nvPr/>
+      </p:nvGrpSpPr>
+      <p:grpSpPr>
+        <a:xfrm>
+          <a:off x="0" y="0"/>
+          <a:ext cx="0" cy="0"/>
+          <a:chOff x="0" y="0"/>
+          <a:chExt cx="0" cy="0"/>
+        </a:xfrm>
+      </p:grpSpPr>
+    </p:spTree>
+    <p:extLst>
+      <p:ext uri="{BB962C8B-B14F-4D97-AF65-F5344CB8AC3E}">
+        <p14:creationId xmlns:p14="http://schemas.microsoft.com/office/powerpoint/2010/main" val="70134990"/>
+      </p:ext>
+    </p:extLst>
+  </p:cSld>
+  <p:clrMapOvr>
+    <a:masterClrMapping/>
+  </p:clrMapOvr>
+  <p:timing>
+    <p:tnLst>
+      <p:par>
+        <p:cTn id="1" dur="indefinite" restart="never" nodeType="tmRoot"/>
+      </p:par>
+    </p:tnLst>
+  </p:timing>
+</p:sld>
+</file>
+
+<file path=ppt/slides/slide20.xml><?xml version="1.0" encoding="utf-8"?>
+<p:sld xmlns:a="http://schemas.openxmlformats.org/drawingml/2006/main" xmlns:r="http://schemas.openxmlformats.org/officeDocument/2006/relationships" xmlns:p="http://schemas.openxmlformats.org/presentationml/2006/main">
+  <p:cSld>
+    <p:spTree>
+      <p:nvGrpSpPr>
+        <p:cNvPr id="1" name=""/>
+        <p:cNvGrpSpPr/>
+        <p:nvPr/>
+      </p:nvGrpSpPr>
+      <p:grpSpPr>
+        <a:xfrm>
+          <a:off x="0" y="0"/>
+          <a:ext cx="0" cy="0"/>
+          <a:chOff x="0" y="0"/>
+          <a:chExt cx="0" cy="0"/>
+        </a:xfrm>
+      </p:grpSpPr>
+      <p:sp>
+        <p:nvSpPr>
+          <p:cNvPr id="2" name="Заголовок 1"/>
+          <p:cNvSpPr>
+            <a:spLocks noGrp="1"/>
+          </p:cNvSpPr>
+          <p:nvPr>
+            <p:ph type="title"/>
+          </p:nvPr>
+        </p:nvSpPr>
+        <p:spPr/>
+        <p:txBody>
+          <a:bodyPr/>
+          <a:lstStyle/>
+          <a:p>
+            <a:r>
+              <a:rPr lang="ru-RU" dirty="0" smtClean="0"/>
+              <a:t>Код для </a:t>
+            </a:r>
+            <a:r>
+              <a:rPr lang="en-US" dirty="0" smtClean="0"/>
+              <a:t>production	</a:t>
+            </a:r>
+            <a:endParaRPr lang="ru-RU" dirty="0"/>
+          </a:p>
+        </p:txBody>
+      </p:sp>
+      <p:sp>
+        <p:nvSpPr>
+          <p:cNvPr id="3" name="Объект 2"/>
+          <p:cNvSpPr>
+            <a:spLocks noGrp="1"/>
+          </p:cNvSpPr>
+          <p:nvPr>
+            <p:ph idx="1"/>
+          </p:nvPr>
+        </p:nvSpPr>
+        <p:spPr/>
+        <p:txBody>
+          <a:bodyPr/>
+          <a:lstStyle/>
+          <a:p>
+            <a:r>
+              <a:rPr lang="ru-RU" dirty="0" smtClean="0"/>
+              <a:t>Самый популярный принцип проектирования классов</a:t>
+            </a:r>
+          </a:p>
+          <a:p>
+            <a:pPr lvl="1"/>
+            <a:r>
+              <a:rPr lang="ru-RU" dirty="0" smtClean="0"/>
+              <a:t>Напишем класс, в котором будет всё, что относится к </a:t>
+            </a:r>
+            <a:r>
+              <a:rPr lang="ru-RU" dirty="0" err="1" smtClean="0"/>
+              <a:t>биллингу</a:t>
+            </a:r>
+            <a:endParaRPr lang="ru-RU" dirty="0"/>
+          </a:p>
+        </p:txBody>
+      </p:sp>
+      <p:sp>
+        <p:nvSpPr>
+          <p:cNvPr id="4" name="Нижний колонтитул 3"/>
+          <p:cNvSpPr>
+            <a:spLocks noGrp="1"/>
+          </p:cNvSpPr>
+          <p:nvPr>
+            <p:ph type="ftr" sz="quarter" idx="11"/>
+          </p:nvPr>
+        </p:nvSpPr>
+        <p:spPr/>
+        <p:txBody>
+          <a:bodyPr/>
+          <a:lstStyle/>
+          <a:p>
+            <a:endParaRPr lang="ru-RU" dirty="0">
+              <a:solidFill>
+                <a:srgbClr val="000000"/>
+              </a:solidFill>
+            </a:endParaRPr>
+          </a:p>
+        </p:txBody>
+      </p:sp>
+      <p:sp>
+        <p:nvSpPr>
+          <p:cNvPr id="5" name="Номер слайда 4"/>
+          <p:cNvSpPr>
+            <a:spLocks noGrp="1"/>
+          </p:cNvSpPr>
+          <p:nvPr>
+            <p:ph type="sldNum" sz="quarter" idx="12"/>
+          </p:nvPr>
+        </p:nvSpPr>
+        <p:spPr/>
+        <p:txBody>
+          <a:bodyPr/>
+          <a:lstStyle/>
+          <a:p>
+            <a:fld id="{741C03D3-FA44-40EC-9A21-1FC4FEA3E22E}" type="slidenum">
+              <a:rPr lang="ru-RU" smtClean="0">
+                <a:solidFill>
+                  <a:srgbClr val="000000"/>
+                </a:solidFill>
+              </a:rPr>
+              <a:pPr/>
+              <a:t>20</a:t>
+            </a:fld>
+            <a:endParaRPr lang="ru-RU">
+              <a:solidFill>
+                <a:srgbClr val="000000"/>
+              </a:solidFill>
+            </a:endParaRPr>
+          </a:p>
+        </p:txBody>
+      </p:sp>
+      <p:sp>
+        <p:nvSpPr>
+          <p:cNvPr id="6" name="Объект 5"/>
+          <p:cNvSpPr>
+            <a:spLocks noGrp="1"/>
+          </p:cNvSpPr>
+          <p:nvPr>
+            <p:ph idx="13"/>
+          </p:nvPr>
+        </p:nvSpPr>
+        <p:spPr/>
+        <p:txBody>
+          <a:bodyPr/>
+          <a:lstStyle/>
+          <a:p>
+            <a:r>
+              <a:rPr lang="en-US" dirty="0"/>
+              <a:t>class </a:t>
+            </a:r>
+            <a:r>
+              <a:rPr lang="en-US" dirty="0">
+                <a:solidFill>
+                  <a:schemeClr val="tx2"/>
+                </a:solidFill>
+              </a:rPr>
+              <a:t>Billing</a:t>
+            </a:r>
+            <a:r>
+              <a:rPr lang="en-US" dirty="0"/>
+              <a:t> {</a:t>
+            </a:r>
+          </a:p>
+          <a:p>
+            <a:r>
+              <a:rPr lang="en-US" dirty="0"/>
+              <a:t>public:</a:t>
+            </a:r>
+          </a:p>
+          <a:p>
+            <a:r>
+              <a:rPr lang="en-US" dirty="0"/>
+              <a:t>    </a:t>
+            </a:r>
+            <a:r>
+              <a:rPr lang="en-US" dirty="0">
+                <a:solidFill>
+                  <a:schemeClr val="tx2"/>
+                </a:solidFill>
+              </a:rPr>
+              <a:t>Billing</a:t>
+            </a:r>
+            <a:r>
+              <a:rPr lang="en-US" dirty="0"/>
+              <a:t>(string </a:t>
+            </a:r>
+            <a:r>
+              <a:rPr lang="en-US" dirty="0" err="1">
+                <a:solidFill>
+                  <a:srgbClr val="5BCD9D"/>
+                </a:solidFill>
+              </a:rPr>
+              <a:t>usersDatabase</a:t>
+            </a:r>
+            <a:r>
+              <a:rPr lang="en-US" dirty="0"/>
+              <a:t>, string </a:t>
+            </a:r>
+            <a:r>
+              <a:rPr lang="en-US" dirty="0" err="1">
+                <a:solidFill>
+                  <a:srgbClr val="5BCD9D"/>
+                </a:solidFill>
+              </a:rPr>
+              <a:t>tariffsDatabase</a:t>
+            </a:r>
+            <a:r>
+              <a:rPr lang="en-US" dirty="0"/>
+              <a:t>);</a:t>
+            </a:r>
+          </a:p>
+          <a:p>
+            <a:endParaRPr lang="en-US" dirty="0"/>
+          </a:p>
+          <a:p>
+            <a:r>
+              <a:rPr lang="en-US" dirty="0"/>
+              <a:t>    void </a:t>
+            </a:r>
+            <a:r>
+              <a:rPr lang="en-US" dirty="0" err="1">
+                <a:solidFill>
+                  <a:schemeClr val="tx2"/>
+                </a:solidFill>
+              </a:rPr>
+              <a:t>ChargePhoneCall</a:t>
+            </a:r>
+            <a:r>
+              <a:rPr lang="en-US" dirty="0"/>
+              <a:t>(</a:t>
+            </a:r>
+            <a:r>
+              <a:rPr lang="en-US" dirty="0" err="1"/>
+              <a:t>int</a:t>
+            </a:r>
+            <a:r>
+              <a:rPr lang="en-US" dirty="0"/>
+              <a:t> </a:t>
+            </a:r>
+            <a:r>
+              <a:rPr lang="en-US" dirty="0" err="1">
+                <a:solidFill>
+                  <a:srgbClr val="5BCD9D"/>
+                </a:solidFill>
+              </a:rPr>
+              <a:t>userId</a:t>
+            </a:r>
+            <a:r>
+              <a:rPr lang="en-US" dirty="0"/>
+              <a:t>, </a:t>
+            </a:r>
+            <a:r>
+              <a:rPr lang="en-US" dirty="0" err="1"/>
+              <a:t>int</a:t>
+            </a:r>
+            <a:r>
+              <a:rPr lang="en-US" dirty="0"/>
+              <a:t> </a:t>
+            </a:r>
+            <a:r>
+              <a:rPr lang="en-US" dirty="0">
+                <a:solidFill>
+                  <a:srgbClr val="5BCD9D"/>
+                </a:solidFill>
+              </a:rPr>
+              <a:t>minutes</a:t>
+            </a:r>
+            <a:r>
+              <a:rPr lang="en-US" dirty="0"/>
+              <a:t>);</a:t>
+            </a:r>
+          </a:p>
+          <a:p>
+            <a:r>
+              <a:rPr lang="en-US" dirty="0"/>
+              <a:t>    void </a:t>
+            </a:r>
+            <a:r>
+              <a:rPr lang="en-US" dirty="0" err="1">
+                <a:solidFill>
+                  <a:schemeClr val="tx2"/>
+                </a:solidFill>
+              </a:rPr>
+              <a:t>AddMoney</a:t>
+            </a:r>
+            <a:r>
+              <a:rPr lang="en-US" dirty="0"/>
+              <a:t>(</a:t>
+            </a:r>
+            <a:r>
+              <a:rPr lang="en-US" dirty="0" err="1"/>
+              <a:t>int</a:t>
+            </a:r>
+            <a:r>
+              <a:rPr lang="en-US" dirty="0"/>
+              <a:t> </a:t>
+            </a:r>
+            <a:r>
+              <a:rPr lang="en-US" dirty="0" err="1">
+                <a:solidFill>
+                  <a:srgbClr val="5BCD9D"/>
+                </a:solidFill>
+              </a:rPr>
+              <a:t>userId</a:t>
+            </a:r>
+            <a:r>
+              <a:rPr lang="en-US" dirty="0"/>
+              <a:t>, </a:t>
+            </a:r>
+            <a:r>
+              <a:rPr lang="en-US" dirty="0" err="1"/>
+              <a:t>int</a:t>
+            </a:r>
+            <a:r>
+              <a:rPr lang="en-US" dirty="0"/>
+              <a:t> </a:t>
+            </a:r>
+            <a:r>
+              <a:rPr lang="en-US" dirty="0">
+                <a:solidFill>
+                  <a:srgbClr val="5BCD9D"/>
+                </a:solidFill>
+              </a:rPr>
+              <a:t>rubles</a:t>
+            </a:r>
+            <a:r>
+              <a:rPr lang="en-US" dirty="0"/>
+              <a:t>);</a:t>
+            </a:r>
+          </a:p>
+        </p:txBody>
+      </p:sp>
+    </p:spTree>
+    <p:extLst>
+      <p:ext uri="{BB962C8B-B14F-4D97-AF65-F5344CB8AC3E}">
+        <p14:creationId xmlns:p14="http://schemas.microsoft.com/office/powerpoint/2010/main" val="2222025815"/>
+      </p:ext>
+    </p:extLst>
+  </p:cSld>
+  <p:clrMapOvr>
+    <a:masterClrMapping/>
+  </p:clrMapOvr>
+  <p:timing>
+    <p:tnLst>
+      <p:par>
+        <p:cTn id="1" dur="indefinite" restart="never" nodeType="tmRoot"/>
+      </p:par>
+    </p:tnLst>
+  </p:timing>
+</p:sld>
+</file>
+
+<file path=ppt/slides/slide21.xml><?xml version="1.0" encoding="utf-8"?>
+<p:sld xmlns:a="http://schemas.openxmlformats.org/drawingml/2006/main" xmlns:r="http://schemas.openxmlformats.org/officeDocument/2006/relationships" xmlns:p="http://schemas.openxmlformats.org/presentationml/2006/main">
+  <p:cSld>
+    <p:spTree>
+      <p:nvGrpSpPr>
+        <p:cNvPr id="1" name=""/>
+        <p:cNvGrpSpPr/>
+        <p:nvPr/>
+      </p:nvGrpSpPr>
+      <p:grpSpPr>
+        <a:xfrm>
+          <a:off x="0" y="0"/>
+          <a:ext cx="0" cy="0"/>
+          <a:chOff x="0" y="0"/>
+          <a:chExt cx="0" cy="0"/>
+        </a:xfrm>
+      </p:grpSpPr>
+      <p:sp>
+        <p:nvSpPr>
+          <p:cNvPr id="2" name="Нижний колонтитул 1"/>
+          <p:cNvSpPr>
+            <a:spLocks noGrp="1"/>
+          </p:cNvSpPr>
+          <p:nvPr>
+            <p:ph type="ftr" sz="quarter" idx="11"/>
+          </p:nvPr>
+        </p:nvSpPr>
+        <p:spPr/>
+        <p:txBody>
+          <a:bodyPr/>
+          <a:lstStyle/>
+          <a:p>
+            <a:endParaRPr lang="ru-RU" dirty="0">
+              <a:solidFill>
+                <a:srgbClr val="000000"/>
+              </a:solidFill>
+            </a:endParaRPr>
+          </a:p>
+        </p:txBody>
+      </p:sp>
+      <p:sp>
+        <p:nvSpPr>
+          <p:cNvPr id="3" name="Номер слайда 2"/>
+          <p:cNvSpPr>
+            <a:spLocks noGrp="1"/>
+          </p:cNvSpPr>
+          <p:nvPr>
+            <p:ph type="sldNum" sz="quarter" idx="12"/>
+          </p:nvPr>
+        </p:nvSpPr>
+        <p:spPr/>
+        <p:txBody>
+          <a:bodyPr/>
+          <a:lstStyle/>
+          <a:p>
+            <a:fld id="{741C03D3-FA44-40EC-9A21-1FC4FEA3E22E}" type="slidenum">
+              <a:rPr lang="ru-RU" smtClean="0">
+                <a:solidFill>
+                  <a:srgbClr val="000000"/>
+                </a:solidFill>
+              </a:rPr>
+              <a:pPr/>
+              <a:t>21</a:t>
+            </a:fld>
+            <a:endParaRPr lang="ru-RU">
+              <a:solidFill>
+                <a:srgbClr val="000000"/>
+              </a:solidFill>
+            </a:endParaRPr>
+          </a:p>
+        </p:txBody>
+      </p:sp>
+      <p:sp>
+        <p:nvSpPr>
+          <p:cNvPr id="4" name="Объект 3"/>
+          <p:cNvSpPr>
+            <a:spLocks noGrp="1"/>
+          </p:cNvSpPr>
+          <p:nvPr>
+            <p:ph idx="13"/>
+          </p:nvPr>
+        </p:nvSpPr>
+        <p:spPr/>
+        <p:txBody>
+          <a:bodyPr/>
+          <a:lstStyle/>
+          <a:p>
+            <a:r>
+              <a:rPr lang="en-US" dirty="0"/>
+              <a:t>private</a:t>
+            </a:r>
+            <a:r>
+              <a:rPr lang="en-US" dirty="0" smtClean="0"/>
+              <a:t>:  </a:t>
+            </a:r>
+            <a:r>
+              <a:rPr lang="en-US" dirty="0">
+                <a:solidFill>
+                  <a:srgbClr val="72C3E0"/>
+                </a:solidFill>
+              </a:rPr>
+              <a:t>// class Billing</a:t>
+            </a:r>
+          </a:p>
+          <a:p>
+            <a:r>
+              <a:rPr lang="en-US" dirty="0"/>
+              <a:t>    void </a:t>
+            </a:r>
+            <a:r>
+              <a:rPr lang="en-US" dirty="0" err="1">
+                <a:solidFill>
+                  <a:schemeClr val="tx2"/>
+                </a:solidFill>
+              </a:rPr>
+              <a:t>LoadUsers</a:t>
+            </a:r>
+            <a:r>
+              <a:rPr lang="en-US" dirty="0"/>
+              <a:t>(string </a:t>
+            </a:r>
+            <a:r>
+              <a:rPr lang="en-US" dirty="0" err="1">
+                <a:solidFill>
+                  <a:srgbClr val="5BCD9D"/>
+                </a:solidFill>
+              </a:rPr>
+              <a:t>db</a:t>
+            </a:r>
+            <a:r>
+              <a:rPr lang="en-US" dirty="0"/>
+              <a:t>);</a:t>
+            </a:r>
+          </a:p>
+          <a:p>
+            <a:r>
+              <a:rPr lang="en-US" dirty="0"/>
+              <a:t>    void </a:t>
+            </a:r>
+            <a:r>
+              <a:rPr lang="en-US" dirty="0" err="1">
+                <a:solidFill>
+                  <a:schemeClr val="tx2"/>
+                </a:solidFill>
+              </a:rPr>
+              <a:t>LoadTariffs</a:t>
+            </a:r>
+            <a:r>
+              <a:rPr lang="en-US" dirty="0"/>
+              <a:t>(string </a:t>
+            </a:r>
+            <a:r>
+              <a:rPr lang="en-US" dirty="0" err="1">
+                <a:solidFill>
+                  <a:srgbClr val="5BCD9D"/>
+                </a:solidFill>
+              </a:rPr>
+              <a:t>db</a:t>
+            </a:r>
+            <a:r>
+              <a:rPr lang="en-US" dirty="0"/>
+              <a:t>);</a:t>
+            </a:r>
+          </a:p>
+          <a:p>
+            <a:endParaRPr lang="en-US" dirty="0"/>
+          </a:p>
+          <a:p>
+            <a:r>
+              <a:rPr lang="en-US" dirty="0"/>
+              <a:t>    </a:t>
+            </a:r>
+            <a:r>
+              <a:rPr lang="en-US" dirty="0" err="1"/>
+              <a:t>struct</a:t>
+            </a:r>
+            <a:r>
+              <a:rPr lang="en-US" dirty="0"/>
+              <a:t> </a:t>
+            </a:r>
+            <a:r>
+              <a:rPr lang="en-US" dirty="0">
+                <a:solidFill>
+                  <a:schemeClr val="tx2"/>
+                </a:solidFill>
+              </a:rPr>
+              <a:t>Tariff</a:t>
+            </a:r>
+            <a:r>
+              <a:rPr lang="en-US" dirty="0"/>
+              <a:t> {</a:t>
+            </a:r>
+          </a:p>
+          <a:p>
+            <a:r>
+              <a:rPr lang="en-US" dirty="0"/>
+              <a:t>        </a:t>
+            </a:r>
+            <a:r>
+              <a:rPr lang="en-US" dirty="0" err="1"/>
+              <a:t>int</a:t>
+            </a:r>
+            <a:r>
+              <a:rPr lang="en-US" dirty="0"/>
+              <a:t> </a:t>
+            </a:r>
+            <a:r>
+              <a:rPr lang="en-US" dirty="0" err="1">
+                <a:solidFill>
+                  <a:srgbClr val="5BCD9D"/>
+                </a:solidFill>
+              </a:rPr>
+              <a:t>costPerMinute</a:t>
+            </a:r>
+            <a:r>
+              <a:rPr lang="en-US" dirty="0">
+                <a:solidFill>
+                  <a:srgbClr val="5BCD9D"/>
+                </a:solidFill>
+              </a:rPr>
+              <a:t>_</a:t>
+            </a:r>
+            <a:r>
+              <a:rPr lang="en-US" dirty="0"/>
+              <a:t>;</a:t>
+            </a:r>
+          </a:p>
+          <a:p>
+            <a:r>
+              <a:rPr lang="en-US" dirty="0"/>
+              <a:t>    };</a:t>
+            </a:r>
+          </a:p>
+          <a:p>
+            <a:endParaRPr lang="en-US" dirty="0"/>
+          </a:p>
+          <a:p>
+            <a:r>
+              <a:rPr lang="en-US" dirty="0"/>
+              <a:t>    class </a:t>
+            </a:r>
+            <a:r>
+              <a:rPr lang="en-US" dirty="0" err="1">
+                <a:solidFill>
+                  <a:schemeClr val="tx2"/>
+                </a:solidFill>
+              </a:rPr>
+              <a:t>UserInfo</a:t>
+            </a:r>
+            <a:r>
+              <a:rPr lang="en-US" dirty="0"/>
+              <a:t> {</a:t>
+            </a:r>
+          </a:p>
+          <a:p>
+            <a:r>
+              <a:rPr lang="en-US" dirty="0"/>
+              <a:t>    public:</a:t>
+            </a:r>
+          </a:p>
+          <a:p>
+            <a:r>
+              <a:rPr lang="en-US" dirty="0"/>
+              <a:t>        void </a:t>
+            </a:r>
+            <a:r>
+              <a:rPr lang="en-US" dirty="0" err="1">
+                <a:solidFill>
+                  <a:schemeClr val="tx2"/>
+                </a:solidFill>
+              </a:rPr>
+              <a:t>ChargePhoneCall</a:t>
+            </a:r>
+            <a:r>
+              <a:rPr lang="en-US" dirty="0"/>
+              <a:t>(</a:t>
+            </a:r>
+            <a:r>
+              <a:rPr lang="en-US" dirty="0" err="1"/>
+              <a:t>int</a:t>
+            </a:r>
+            <a:r>
+              <a:rPr lang="en-US" dirty="0"/>
+              <a:t> </a:t>
+            </a:r>
+            <a:r>
+              <a:rPr lang="en-US" dirty="0">
+                <a:solidFill>
+                  <a:srgbClr val="5BCD9D"/>
+                </a:solidFill>
+              </a:rPr>
+              <a:t>minutes</a:t>
+            </a:r>
+            <a:r>
+              <a:rPr lang="en-US" dirty="0"/>
+              <a:t>, </a:t>
+            </a:r>
+            <a:r>
+              <a:rPr lang="en-US" dirty="0" err="1"/>
+              <a:t>const</a:t>
+            </a:r>
+            <a:r>
+              <a:rPr lang="en-US" dirty="0"/>
+              <a:t> Tariff&amp; </a:t>
+            </a:r>
+            <a:r>
+              <a:rPr lang="en-US" dirty="0">
+                <a:solidFill>
+                  <a:srgbClr val="5BCD9D"/>
+                </a:solidFill>
+              </a:rPr>
+              <a:t>tariff</a:t>
+            </a:r>
+            <a:r>
+              <a:rPr lang="en-US" dirty="0"/>
+              <a:t>);</a:t>
+            </a:r>
+          </a:p>
+          <a:p>
+            <a:r>
+              <a:rPr lang="en-US" dirty="0"/>
+              <a:t>        void </a:t>
+            </a:r>
+            <a:r>
+              <a:rPr lang="en-US" dirty="0" err="1">
+                <a:solidFill>
+                  <a:schemeClr val="tx2"/>
+                </a:solidFill>
+              </a:rPr>
+              <a:t>AddMoney</a:t>
+            </a:r>
+            <a:r>
+              <a:rPr lang="en-US" dirty="0"/>
+              <a:t>(</a:t>
+            </a:r>
+            <a:r>
+              <a:rPr lang="en-US" dirty="0" err="1"/>
+              <a:t>int</a:t>
+            </a:r>
+            <a:r>
+              <a:rPr lang="en-US" dirty="0"/>
+              <a:t> </a:t>
+            </a:r>
+            <a:r>
+              <a:rPr lang="en-US" dirty="0">
+                <a:solidFill>
+                  <a:srgbClr val="5BCD9D"/>
+                </a:solidFill>
+              </a:rPr>
+              <a:t>rubles</a:t>
+            </a:r>
+            <a:r>
+              <a:rPr lang="en-US" dirty="0"/>
+              <a:t>);</a:t>
+            </a:r>
+          </a:p>
+          <a:p>
+            <a:r>
+              <a:rPr lang="en-US" dirty="0"/>
+              <a:t>        </a:t>
+            </a:r>
+            <a:r>
+              <a:rPr lang="en-US" dirty="0" err="1"/>
+              <a:t>int</a:t>
+            </a:r>
+            <a:r>
+              <a:rPr lang="en-US" dirty="0"/>
+              <a:t> </a:t>
+            </a:r>
+            <a:r>
+              <a:rPr lang="en-US" dirty="0" err="1">
+                <a:solidFill>
+                  <a:schemeClr val="tx2"/>
+                </a:solidFill>
+              </a:rPr>
+              <a:t>GetTariff</a:t>
+            </a:r>
+            <a:r>
+              <a:rPr lang="en-US" dirty="0"/>
+              <a:t>() </a:t>
+            </a:r>
+            <a:r>
+              <a:rPr lang="en-US" dirty="0" err="1"/>
+              <a:t>const</a:t>
+            </a:r>
+            <a:r>
+              <a:rPr lang="en-US" dirty="0"/>
+              <a:t>;</a:t>
+            </a:r>
+          </a:p>
+          <a:p>
+            <a:r>
+              <a:rPr lang="en-US" dirty="0"/>
+              <a:t>    private:</a:t>
+            </a:r>
+          </a:p>
+          <a:p>
+            <a:r>
+              <a:rPr lang="en-US" dirty="0"/>
+              <a:t>        class </a:t>
+            </a:r>
+            <a:r>
+              <a:rPr lang="en-US" dirty="0">
+                <a:solidFill>
+                  <a:schemeClr val="tx2"/>
+                </a:solidFill>
+              </a:rPr>
+              <a:t>Event</a:t>
+            </a:r>
+            <a:r>
+              <a:rPr lang="en-US" dirty="0"/>
+              <a:t>;</a:t>
+            </a:r>
+          </a:p>
+          <a:p>
+            <a:r>
+              <a:rPr lang="en-US" dirty="0"/>
+              <a:t>        void </a:t>
+            </a:r>
+            <a:r>
+              <a:rPr lang="en-US" dirty="0" err="1">
+                <a:solidFill>
+                  <a:schemeClr val="tx2"/>
+                </a:solidFill>
+              </a:rPr>
+              <a:t>SendSms</a:t>
+            </a:r>
+            <a:r>
+              <a:rPr lang="en-US" dirty="0"/>
+              <a:t>(string </a:t>
+            </a:r>
+            <a:r>
+              <a:rPr lang="en-US" dirty="0">
+                <a:solidFill>
+                  <a:srgbClr val="5BCD9D"/>
+                </a:solidFill>
+              </a:rPr>
+              <a:t>message</a:t>
+            </a:r>
+            <a:r>
+              <a:rPr lang="en-US" dirty="0"/>
+              <a:t>);</a:t>
+            </a:r>
+          </a:p>
+        </p:txBody>
+      </p:sp>
+    </p:spTree>
+    <p:extLst>
+      <p:ext uri="{BB962C8B-B14F-4D97-AF65-F5344CB8AC3E}">
+        <p14:creationId xmlns:p14="http://schemas.microsoft.com/office/powerpoint/2010/main" val="6937029"/>
+      </p:ext>
+    </p:extLst>
+  </p:cSld>
+  <p:clrMapOvr>
+    <a:masterClrMapping/>
+  </p:clrMapOvr>
+  <p:transition spd="slow">
+    <p:push dir="u"/>
+  </p:transition>
+  <p:timing>
+    <p:tnLst>
+      <p:par>
+        <p:cTn id="1" dur="indefinite" restart="never" nodeType="tmRoot"/>
+      </p:par>
+    </p:tnLst>
+  </p:timing>
+</p:sld>
+</file>
+
+<file path=ppt/slides/slide22.xml><?xml version="1.0" encoding="utf-8"?>
+<p:sld xmlns:a="http://schemas.openxmlformats.org/drawingml/2006/main" xmlns:r="http://schemas.openxmlformats.org/officeDocument/2006/relationships" xmlns:p="http://schemas.openxmlformats.org/presentationml/2006/main">
+  <p:cSld>
+    <p:spTree>
+      <p:nvGrpSpPr>
+        <p:cNvPr id="1" name=""/>
+        <p:cNvGrpSpPr/>
+        <p:nvPr/>
+      </p:nvGrpSpPr>
+      <p:grpSpPr>
+        <a:xfrm>
+          <a:off x="0" y="0"/>
+          <a:ext cx="0" cy="0"/>
+          <a:chOff x="0" y="0"/>
+          <a:chExt cx="0" cy="0"/>
+        </a:xfrm>
+      </p:grpSpPr>
+      <p:sp>
+        <p:nvSpPr>
+          <p:cNvPr id="2" name="Нижний колонтитул 1"/>
+          <p:cNvSpPr>
+            <a:spLocks noGrp="1"/>
+          </p:cNvSpPr>
+          <p:nvPr>
+            <p:ph type="ftr" sz="quarter" idx="11"/>
+          </p:nvPr>
+        </p:nvSpPr>
+        <p:spPr/>
+        <p:txBody>
+          <a:bodyPr/>
+          <a:lstStyle/>
+          <a:p>
+            <a:endParaRPr lang="ru-RU" dirty="0">
+              <a:solidFill>
+                <a:srgbClr val="000000"/>
+              </a:solidFill>
+            </a:endParaRPr>
+          </a:p>
+        </p:txBody>
+      </p:sp>
+      <p:sp>
+        <p:nvSpPr>
+          <p:cNvPr id="3" name="Номер слайда 2"/>
+          <p:cNvSpPr>
+            <a:spLocks noGrp="1"/>
+          </p:cNvSpPr>
+          <p:nvPr>
+            <p:ph type="sldNum" sz="quarter" idx="12"/>
+          </p:nvPr>
+        </p:nvSpPr>
+        <p:spPr/>
+        <p:txBody>
+          <a:bodyPr/>
+          <a:lstStyle/>
+          <a:p>
+            <a:fld id="{741C03D3-FA44-40EC-9A21-1FC4FEA3E22E}" type="slidenum">
+              <a:rPr lang="ru-RU" smtClean="0">
+                <a:solidFill>
+                  <a:srgbClr val="000000"/>
+                </a:solidFill>
+              </a:rPr>
+              <a:pPr/>
+              <a:t>22</a:t>
+            </a:fld>
+            <a:endParaRPr lang="ru-RU">
+              <a:solidFill>
+                <a:srgbClr val="000000"/>
+              </a:solidFill>
+            </a:endParaRPr>
+          </a:p>
+        </p:txBody>
+      </p:sp>
+      <p:sp>
+        <p:nvSpPr>
+          <p:cNvPr id="4" name="Объект 3"/>
+          <p:cNvSpPr>
+            <a:spLocks noGrp="1"/>
+          </p:cNvSpPr>
+          <p:nvPr>
+            <p:ph idx="13"/>
+          </p:nvPr>
+        </p:nvSpPr>
+        <p:spPr/>
+        <p:txBody>
+          <a:bodyPr/>
+          <a:lstStyle/>
+          <a:p>
+            <a:r>
+              <a:rPr lang="en-US" dirty="0"/>
+              <a:t> </a:t>
+            </a:r>
+            <a:r>
+              <a:rPr lang="en-US" dirty="0" smtClean="0"/>
+              <a:t>       </a:t>
+            </a:r>
+            <a:r>
+              <a:rPr lang="en-US" dirty="0" err="1" smtClean="0"/>
+              <a:t>int</a:t>
+            </a:r>
+            <a:r>
+              <a:rPr lang="en-US" dirty="0" smtClean="0"/>
+              <a:t> </a:t>
+            </a:r>
+            <a:r>
+              <a:rPr lang="en-US" dirty="0">
+                <a:solidFill>
+                  <a:srgbClr val="5BCD9D"/>
+                </a:solidFill>
+              </a:rPr>
+              <a:t>money_</a:t>
+            </a:r>
+            <a:r>
+              <a:rPr lang="en-US" dirty="0"/>
+              <a:t>;</a:t>
+            </a:r>
+          </a:p>
+          <a:p>
+            <a:r>
+              <a:rPr lang="en-US" dirty="0"/>
+              <a:t>        </a:t>
+            </a:r>
+            <a:r>
+              <a:rPr lang="en-US" dirty="0" err="1"/>
+              <a:t>int</a:t>
+            </a:r>
+            <a:r>
+              <a:rPr lang="en-US" dirty="0"/>
+              <a:t> </a:t>
+            </a:r>
+            <a:r>
+              <a:rPr lang="en-US" dirty="0">
+                <a:solidFill>
+                  <a:srgbClr val="5BCD9D"/>
+                </a:solidFill>
+              </a:rPr>
+              <a:t>tariff_</a:t>
+            </a:r>
+            <a:r>
+              <a:rPr lang="en-US" dirty="0"/>
+              <a:t>;</a:t>
+            </a:r>
+          </a:p>
+          <a:p>
+            <a:r>
+              <a:rPr lang="en-US" dirty="0"/>
+              <a:t>        vector&lt;</a:t>
+            </a:r>
+            <a:r>
+              <a:rPr lang="en-US" dirty="0">
+                <a:solidFill>
+                  <a:schemeClr val="tx2"/>
+                </a:solidFill>
+              </a:rPr>
+              <a:t>Event</a:t>
+            </a:r>
+            <a:r>
+              <a:rPr lang="en-US" dirty="0"/>
+              <a:t>&gt; </a:t>
+            </a:r>
+            <a:r>
+              <a:rPr lang="en-US" dirty="0">
+                <a:solidFill>
+                  <a:srgbClr val="5BCD9D"/>
+                </a:solidFill>
+              </a:rPr>
+              <a:t>history_</a:t>
+            </a:r>
+            <a:r>
+              <a:rPr lang="en-US" dirty="0"/>
+              <a:t>;</a:t>
+            </a:r>
+          </a:p>
+          <a:p>
+            <a:r>
+              <a:rPr lang="en-US" dirty="0"/>
+              <a:t>    };  </a:t>
+            </a:r>
+            <a:r>
+              <a:rPr lang="en-US" dirty="0">
+                <a:solidFill>
+                  <a:srgbClr val="72C3E0"/>
+                </a:solidFill>
+              </a:rPr>
+              <a:t>// class Billing::</a:t>
+            </a:r>
+            <a:r>
+              <a:rPr lang="en-US" dirty="0" err="1">
+                <a:solidFill>
+                  <a:srgbClr val="72C3E0"/>
+                </a:solidFill>
+              </a:rPr>
+              <a:t>UserInfo</a:t>
+            </a:r>
+            <a:endParaRPr lang="en-US" dirty="0">
+              <a:solidFill>
+                <a:srgbClr val="72C3E0"/>
+              </a:solidFill>
+            </a:endParaRPr>
+          </a:p>
+          <a:p>
+            <a:endParaRPr lang="en-US" dirty="0"/>
+          </a:p>
+          <a:p>
+            <a:r>
+              <a:rPr lang="en-US" dirty="0"/>
+              <a:t>    vector&lt;</a:t>
+            </a:r>
+            <a:r>
+              <a:rPr lang="en-US" dirty="0" err="1">
+                <a:solidFill>
+                  <a:schemeClr val="tx2"/>
+                </a:solidFill>
+              </a:rPr>
+              <a:t>UserInfo</a:t>
+            </a:r>
+            <a:r>
+              <a:rPr lang="en-US" dirty="0"/>
+              <a:t>&gt; </a:t>
+            </a:r>
+            <a:r>
+              <a:rPr lang="en-US" dirty="0">
+                <a:solidFill>
+                  <a:srgbClr val="5BCD9D"/>
+                </a:solidFill>
+              </a:rPr>
+              <a:t>users_</a:t>
+            </a:r>
+            <a:r>
+              <a:rPr lang="en-US" dirty="0"/>
+              <a:t>;</a:t>
+            </a:r>
+          </a:p>
+          <a:p>
+            <a:r>
+              <a:rPr lang="en-US" dirty="0"/>
+              <a:t>    vector</a:t>
+            </a:r>
+            <a:r>
+              <a:rPr lang="en-US" dirty="0" smtClean="0"/>
+              <a:t>&lt;</a:t>
+            </a:r>
+            <a:r>
+              <a:rPr lang="en-US" dirty="0">
+                <a:solidFill>
+                  <a:schemeClr val="tx2"/>
+                </a:solidFill>
+              </a:rPr>
+              <a:t>Tariff</a:t>
+            </a:r>
+            <a:r>
+              <a:rPr lang="en-US" dirty="0"/>
+              <a:t>&gt; </a:t>
+            </a:r>
+            <a:r>
+              <a:rPr lang="en-US" dirty="0">
+                <a:solidFill>
+                  <a:srgbClr val="5BCD9D"/>
+                </a:solidFill>
+              </a:rPr>
+              <a:t>tariffs_</a:t>
+            </a:r>
+            <a:r>
+              <a:rPr lang="en-US" dirty="0"/>
+              <a:t>;</a:t>
+            </a:r>
+          </a:p>
+          <a:p>
+            <a:r>
+              <a:rPr lang="en-US" dirty="0"/>
+              <a:t>};  </a:t>
+            </a:r>
+            <a:r>
+              <a:rPr lang="en-US" dirty="0">
+                <a:solidFill>
+                  <a:srgbClr val="72C3E0"/>
+                </a:solidFill>
+              </a:rPr>
+              <a:t>// class Billing</a:t>
+            </a:r>
+            <a:endParaRPr lang="ru-RU" dirty="0">
+              <a:solidFill>
+                <a:srgbClr val="72C3E0"/>
+              </a:solidFill>
+            </a:endParaRPr>
+          </a:p>
+        </p:txBody>
+      </p:sp>
+    </p:spTree>
+    <p:extLst>
+      <p:ext uri="{BB962C8B-B14F-4D97-AF65-F5344CB8AC3E}">
+        <p14:creationId xmlns:p14="http://schemas.microsoft.com/office/powerpoint/2010/main" val="3752631729"/>
+      </p:ext>
+    </p:extLst>
+  </p:cSld>
+  <p:clrMapOvr>
+    <a:masterClrMapping/>
+  </p:clrMapOvr>
+  <p:transition spd="slow">
+    <p:push dir="u"/>
+  </p:transition>
+  <p:timing>
+    <p:tnLst>
+      <p:par>
+        <p:cTn id="1" dur="indefinite" restart="never" nodeType="tmRoot"/>
+      </p:par>
+    </p:tnLst>
+  </p:timing>
+</p:sld>
+</file>
+
+<file path=ppt/slides/slide23.xml><?xml version="1.0" encoding="utf-8"?>
+<p:sld xmlns:a="http://schemas.openxmlformats.org/drawingml/2006/main" xmlns:r="http://schemas.openxmlformats.org/officeDocument/2006/relationships" xmlns:p="http://schemas.openxmlformats.org/presentationml/2006/main">
+  <p:cSld>
+    <p:spTree>
+      <p:nvGrpSpPr>
+        <p:cNvPr id="1" name=""/>
+        <p:cNvGrpSpPr/>
+        <p:nvPr/>
+      </p:nvGrpSpPr>
+      <p:grpSpPr>
+        <a:xfrm>
+          <a:off x="0" y="0"/>
+          <a:ext cx="0" cy="0"/>
+          <a:chOff x="0" y="0"/>
+          <a:chExt cx="0" cy="0"/>
+        </a:xfrm>
+      </p:grpSpPr>
+      <p:sp>
+        <p:nvSpPr>
+          <p:cNvPr id="2" name="Нижний колонтитул 1"/>
+          <p:cNvSpPr>
+            <a:spLocks noGrp="1"/>
+          </p:cNvSpPr>
+          <p:nvPr>
+            <p:ph type="ftr" sz="quarter" idx="11"/>
+          </p:nvPr>
+        </p:nvSpPr>
+        <p:spPr/>
+        <p:txBody>
+          <a:bodyPr/>
+          <a:lstStyle/>
+          <a:p>
+            <a:endParaRPr lang="ru-RU" dirty="0">
+              <a:solidFill>
+                <a:srgbClr val="000000"/>
+              </a:solidFill>
+            </a:endParaRPr>
+          </a:p>
+        </p:txBody>
+      </p:sp>
+      <p:sp>
+        <p:nvSpPr>
+          <p:cNvPr id="3" name="Номер слайда 2"/>
+          <p:cNvSpPr>
+            <a:spLocks noGrp="1"/>
+          </p:cNvSpPr>
+          <p:nvPr>
+            <p:ph type="sldNum" sz="quarter" idx="12"/>
+          </p:nvPr>
+        </p:nvSpPr>
+        <p:spPr/>
+        <p:txBody>
+          <a:bodyPr/>
+          <a:lstStyle/>
+          <a:p>
+            <a:fld id="{741C03D3-FA44-40EC-9A21-1FC4FEA3E22E}" type="slidenum">
+              <a:rPr lang="ru-RU" smtClean="0">
+                <a:solidFill>
+                  <a:srgbClr val="000000"/>
+                </a:solidFill>
+              </a:rPr>
+              <a:pPr/>
+              <a:t>23</a:t>
+            </a:fld>
+            <a:endParaRPr lang="ru-RU">
+              <a:solidFill>
+                <a:srgbClr val="000000"/>
+              </a:solidFill>
+            </a:endParaRPr>
+          </a:p>
+        </p:txBody>
+      </p:sp>
+      <p:sp>
+        <p:nvSpPr>
+          <p:cNvPr id="4" name="Объект 3"/>
+          <p:cNvSpPr>
+            <a:spLocks noGrp="1"/>
+          </p:cNvSpPr>
+          <p:nvPr>
+            <p:ph idx="13"/>
+          </p:nvPr>
+        </p:nvSpPr>
+        <p:spPr/>
+        <p:txBody>
+          <a:bodyPr/>
+          <a:lstStyle/>
+          <a:p>
+            <a:r>
+              <a:rPr lang="en-US" dirty="0">
+                <a:solidFill>
+                  <a:srgbClr val="FFCC00"/>
+                </a:solidFill>
+              </a:rPr>
+              <a:t>Billing</a:t>
+            </a:r>
+            <a:r>
+              <a:rPr lang="en-US" dirty="0"/>
+              <a:t>::</a:t>
+            </a:r>
+            <a:r>
+              <a:rPr lang="en-US" dirty="0">
+                <a:solidFill>
+                  <a:srgbClr val="FFCC00"/>
+                </a:solidFill>
+              </a:rPr>
+              <a:t>Billing</a:t>
+            </a:r>
+            <a:r>
+              <a:rPr lang="en-US" dirty="0"/>
+              <a:t>(string </a:t>
+            </a:r>
+            <a:r>
+              <a:rPr lang="en-US" dirty="0" err="1">
+                <a:solidFill>
+                  <a:srgbClr val="5BCD9D"/>
+                </a:solidFill>
+              </a:rPr>
+              <a:t>usersDatabase</a:t>
+            </a:r>
+            <a:r>
+              <a:rPr lang="en-US" dirty="0"/>
+              <a:t>, string </a:t>
+            </a:r>
+            <a:r>
+              <a:rPr lang="en-US" dirty="0" err="1">
+                <a:solidFill>
+                  <a:srgbClr val="5BCD9D"/>
+                </a:solidFill>
+              </a:rPr>
+              <a:t>tariffsDatabase</a:t>
+            </a:r>
+            <a:r>
+              <a:rPr lang="en-US" dirty="0"/>
+              <a:t>) {</a:t>
+            </a:r>
+          </a:p>
+          <a:p>
+            <a:r>
+              <a:rPr lang="en-US" dirty="0"/>
+              <a:t>    </a:t>
+            </a:r>
+            <a:r>
+              <a:rPr lang="en-US" dirty="0" err="1"/>
+              <a:t>LoadUsers</a:t>
+            </a:r>
+            <a:r>
+              <a:rPr lang="en-US" dirty="0"/>
+              <a:t>(</a:t>
+            </a:r>
+            <a:r>
+              <a:rPr lang="en-US" dirty="0" err="1">
+                <a:solidFill>
+                  <a:srgbClr val="5BCD9D"/>
+                </a:solidFill>
+              </a:rPr>
+              <a:t>usersDatabase</a:t>
+            </a:r>
+            <a:r>
+              <a:rPr lang="en-US" dirty="0"/>
+              <a:t>);</a:t>
+            </a:r>
+          </a:p>
+          <a:p>
+            <a:r>
+              <a:rPr lang="en-US" dirty="0"/>
+              <a:t>    </a:t>
+            </a:r>
+            <a:r>
+              <a:rPr lang="en-US" dirty="0" err="1"/>
+              <a:t>LoadTariffs</a:t>
+            </a:r>
+            <a:r>
+              <a:rPr lang="en-US" dirty="0"/>
+              <a:t>(</a:t>
+            </a:r>
+            <a:r>
+              <a:rPr lang="en-US" dirty="0" err="1">
+                <a:solidFill>
+                  <a:srgbClr val="5BCD9D"/>
+                </a:solidFill>
+              </a:rPr>
+              <a:t>tariffsDatabase</a:t>
+            </a:r>
+            <a:r>
+              <a:rPr lang="en-US" dirty="0"/>
+              <a:t>);</a:t>
+            </a:r>
+          </a:p>
+          <a:p>
+            <a:r>
+              <a:rPr lang="en-US" dirty="0"/>
+              <a:t>}</a:t>
+            </a:r>
+          </a:p>
+          <a:p>
+            <a:endParaRPr lang="en-US" dirty="0"/>
+          </a:p>
+          <a:p>
+            <a:r>
+              <a:rPr lang="en-US" dirty="0"/>
+              <a:t>void </a:t>
+            </a:r>
+            <a:r>
+              <a:rPr lang="en-US" dirty="0">
+                <a:solidFill>
+                  <a:schemeClr val="tx2"/>
+                </a:solidFill>
+              </a:rPr>
+              <a:t>Billing</a:t>
+            </a:r>
+            <a:r>
+              <a:rPr lang="en-US" dirty="0"/>
+              <a:t>::</a:t>
+            </a:r>
+            <a:r>
+              <a:rPr lang="en-US" dirty="0" err="1">
+                <a:solidFill>
+                  <a:schemeClr val="tx2"/>
+                </a:solidFill>
+              </a:rPr>
+              <a:t>ChargePhoneCall</a:t>
+            </a:r>
+            <a:r>
+              <a:rPr lang="en-US" dirty="0"/>
+              <a:t>(</a:t>
+            </a:r>
+            <a:r>
+              <a:rPr lang="en-US" dirty="0" err="1"/>
+              <a:t>int</a:t>
+            </a:r>
+            <a:r>
+              <a:rPr lang="en-US" dirty="0"/>
+              <a:t> </a:t>
+            </a:r>
+            <a:r>
+              <a:rPr lang="en-US" dirty="0" err="1">
+                <a:solidFill>
+                  <a:srgbClr val="5BCD9D"/>
+                </a:solidFill>
+              </a:rPr>
+              <a:t>userId</a:t>
+            </a:r>
+            <a:r>
+              <a:rPr lang="en-US" dirty="0"/>
+              <a:t>, </a:t>
+            </a:r>
+            <a:r>
+              <a:rPr lang="en-US" dirty="0" err="1"/>
+              <a:t>int</a:t>
+            </a:r>
+            <a:r>
+              <a:rPr lang="en-US" dirty="0"/>
+              <a:t> </a:t>
+            </a:r>
+            <a:r>
+              <a:rPr lang="en-US" dirty="0">
+                <a:solidFill>
+                  <a:srgbClr val="5BCD9D"/>
+                </a:solidFill>
+              </a:rPr>
+              <a:t>minutes</a:t>
+            </a:r>
+            <a:r>
+              <a:rPr lang="en-US" dirty="0"/>
+              <a:t>) {</a:t>
+            </a:r>
+          </a:p>
+          <a:p>
+            <a:r>
+              <a:rPr lang="en-US" dirty="0"/>
+              <a:t>    </a:t>
+            </a:r>
+            <a:r>
+              <a:rPr lang="en-US" dirty="0" err="1">
+                <a:solidFill>
+                  <a:schemeClr val="tx2"/>
+                </a:solidFill>
+              </a:rPr>
+              <a:t>UserInfo</a:t>
+            </a:r>
+            <a:r>
+              <a:rPr lang="en-US" dirty="0"/>
+              <a:t>&amp; </a:t>
+            </a:r>
+            <a:r>
+              <a:rPr lang="en-US" dirty="0">
+                <a:solidFill>
+                  <a:srgbClr val="5BCD9D"/>
+                </a:solidFill>
+              </a:rPr>
+              <a:t>user</a:t>
+            </a:r>
+            <a:r>
+              <a:rPr lang="en-US" dirty="0"/>
+              <a:t> = </a:t>
+            </a:r>
+            <a:r>
+              <a:rPr lang="en-US" dirty="0">
+                <a:solidFill>
+                  <a:srgbClr val="5BCD9D"/>
+                </a:solidFill>
+              </a:rPr>
+              <a:t>users_</a:t>
+            </a:r>
+            <a:r>
+              <a:rPr lang="en-US" dirty="0"/>
+              <a:t>[</a:t>
+            </a:r>
+            <a:r>
+              <a:rPr lang="en-US" dirty="0" err="1">
+                <a:solidFill>
+                  <a:srgbClr val="5BCD9D"/>
+                </a:solidFill>
+              </a:rPr>
+              <a:t>userId</a:t>
+            </a:r>
+            <a:r>
+              <a:rPr lang="en-US" dirty="0"/>
+              <a:t>];</a:t>
+            </a:r>
+          </a:p>
+          <a:p>
+            <a:r>
+              <a:rPr lang="en-US" dirty="0"/>
+              <a:t>    </a:t>
+            </a:r>
+            <a:r>
+              <a:rPr lang="en-US" dirty="0" err="1"/>
+              <a:t>const</a:t>
+            </a:r>
+            <a:r>
+              <a:rPr lang="en-US" dirty="0"/>
+              <a:t> </a:t>
+            </a:r>
+            <a:r>
+              <a:rPr lang="en-US" dirty="0">
+                <a:solidFill>
+                  <a:schemeClr val="tx2"/>
+                </a:solidFill>
+              </a:rPr>
+              <a:t>Tariff</a:t>
+            </a:r>
+            <a:r>
+              <a:rPr lang="en-US" dirty="0"/>
+              <a:t>&amp; </a:t>
+            </a:r>
+            <a:r>
+              <a:rPr lang="en-US" dirty="0">
+                <a:solidFill>
+                  <a:srgbClr val="5BCD9D"/>
+                </a:solidFill>
+              </a:rPr>
+              <a:t>t</a:t>
+            </a:r>
+            <a:r>
+              <a:rPr lang="en-US" dirty="0"/>
+              <a:t> = </a:t>
+            </a:r>
+            <a:r>
+              <a:rPr lang="en-US" dirty="0">
+                <a:solidFill>
+                  <a:srgbClr val="5BCD9D"/>
+                </a:solidFill>
+              </a:rPr>
+              <a:t>tariffs_</a:t>
+            </a:r>
+            <a:r>
+              <a:rPr lang="en-US" dirty="0"/>
+              <a:t>[</a:t>
+            </a:r>
+            <a:r>
+              <a:rPr lang="en-US" dirty="0" err="1">
+                <a:solidFill>
+                  <a:srgbClr val="5BCD9D"/>
+                </a:solidFill>
+              </a:rPr>
+              <a:t>user</a:t>
+            </a:r>
+            <a:r>
+              <a:rPr lang="en-US" dirty="0" err="1"/>
+              <a:t>.</a:t>
+            </a:r>
+            <a:r>
+              <a:rPr lang="en-US" dirty="0" err="1">
+                <a:solidFill>
+                  <a:schemeClr val="tx2"/>
+                </a:solidFill>
+              </a:rPr>
+              <a:t>GetTariff</a:t>
+            </a:r>
+            <a:r>
+              <a:rPr lang="en-US" dirty="0"/>
+              <a:t>()];</a:t>
+            </a:r>
+          </a:p>
+          <a:p>
+            <a:r>
+              <a:rPr lang="en-US" dirty="0"/>
+              <a:t>    </a:t>
+            </a:r>
+            <a:r>
+              <a:rPr lang="en-US" dirty="0" err="1">
+                <a:solidFill>
+                  <a:srgbClr val="5BCD9D"/>
+                </a:solidFill>
+              </a:rPr>
+              <a:t>user</a:t>
+            </a:r>
+            <a:r>
+              <a:rPr lang="en-US" dirty="0" err="1"/>
+              <a:t>.</a:t>
+            </a:r>
+            <a:r>
+              <a:rPr lang="en-US" dirty="0" err="1">
+                <a:solidFill>
+                  <a:schemeClr val="tx2"/>
+                </a:solidFill>
+              </a:rPr>
+              <a:t>ChargePhoneCall</a:t>
+            </a:r>
+            <a:r>
+              <a:rPr lang="en-US" dirty="0"/>
+              <a:t>(</a:t>
+            </a:r>
+            <a:r>
+              <a:rPr lang="en-US" dirty="0">
+                <a:solidFill>
+                  <a:srgbClr val="5BCD9D"/>
+                </a:solidFill>
+              </a:rPr>
+              <a:t>minutes</a:t>
+            </a:r>
+            <a:r>
+              <a:rPr lang="en-US" dirty="0"/>
+              <a:t>, </a:t>
+            </a:r>
+            <a:r>
+              <a:rPr lang="en-US" dirty="0">
+                <a:solidFill>
+                  <a:srgbClr val="5BCD9D"/>
+                </a:solidFill>
+              </a:rPr>
+              <a:t>t</a:t>
+            </a:r>
+            <a:r>
+              <a:rPr lang="en-US" dirty="0"/>
+              <a:t>);</a:t>
+            </a:r>
+          </a:p>
+          <a:p>
+            <a:r>
+              <a:rPr lang="en-US" dirty="0"/>
+              <a:t>}</a:t>
+            </a:r>
+          </a:p>
+          <a:p>
+            <a:endParaRPr lang="en-US" dirty="0"/>
+          </a:p>
+          <a:p>
+            <a:r>
+              <a:rPr lang="en-US" dirty="0"/>
+              <a:t>void </a:t>
+            </a:r>
+            <a:r>
+              <a:rPr lang="en-US" dirty="0">
+                <a:solidFill>
+                  <a:schemeClr val="tx2"/>
+                </a:solidFill>
+              </a:rPr>
+              <a:t>Billing</a:t>
+            </a:r>
+            <a:r>
+              <a:rPr lang="en-US" dirty="0"/>
+              <a:t>::</a:t>
+            </a:r>
+            <a:r>
+              <a:rPr lang="en-US" dirty="0" err="1">
+                <a:solidFill>
+                  <a:schemeClr val="tx2"/>
+                </a:solidFill>
+              </a:rPr>
+              <a:t>AddMoney</a:t>
+            </a:r>
+            <a:r>
+              <a:rPr lang="en-US" dirty="0"/>
+              <a:t>(</a:t>
+            </a:r>
+            <a:r>
+              <a:rPr lang="en-US" dirty="0" err="1"/>
+              <a:t>int</a:t>
+            </a:r>
+            <a:r>
+              <a:rPr lang="en-US" dirty="0"/>
+              <a:t> </a:t>
+            </a:r>
+            <a:r>
+              <a:rPr lang="en-US" dirty="0" err="1">
+                <a:solidFill>
+                  <a:srgbClr val="5BCD9D"/>
+                </a:solidFill>
+              </a:rPr>
+              <a:t>userId</a:t>
+            </a:r>
+            <a:r>
+              <a:rPr lang="en-US" dirty="0"/>
+              <a:t>, </a:t>
+            </a:r>
+            <a:r>
+              <a:rPr lang="en-US" dirty="0" err="1"/>
+              <a:t>int</a:t>
+            </a:r>
+            <a:r>
+              <a:rPr lang="en-US" dirty="0"/>
+              <a:t> </a:t>
+            </a:r>
+            <a:r>
+              <a:rPr lang="en-US" dirty="0">
+                <a:solidFill>
+                  <a:srgbClr val="5BCD9D"/>
+                </a:solidFill>
+              </a:rPr>
+              <a:t>rubles</a:t>
+            </a:r>
+            <a:r>
+              <a:rPr lang="en-US" dirty="0"/>
+              <a:t>) {</a:t>
+            </a:r>
+          </a:p>
+          <a:p>
+            <a:r>
+              <a:rPr lang="en-US" dirty="0"/>
+              <a:t>    </a:t>
+            </a:r>
+            <a:r>
+              <a:rPr lang="en-US" dirty="0">
+                <a:solidFill>
+                  <a:srgbClr val="5BCD9D"/>
+                </a:solidFill>
+              </a:rPr>
+              <a:t>users_</a:t>
+            </a:r>
+            <a:r>
+              <a:rPr lang="en-US" dirty="0"/>
+              <a:t>[</a:t>
+            </a:r>
+            <a:r>
+              <a:rPr lang="en-US" dirty="0" err="1">
+                <a:solidFill>
+                  <a:srgbClr val="5BCD9D"/>
+                </a:solidFill>
+              </a:rPr>
+              <a:t>userId</a:t>
+            </a:r>
+            <a:r>
+              <a:rPr lang="en-US" dirty="0"/>
+              <a:t>].</a:t>
+            </a:r>
+            <a:r>
+              <a:rPr lang="en-US" dirty="0" err="1">
+                <a:solidFill>
+                  <a:schemeClr val="tx2"/>
+                </a:solidFill>
+              </a:rPr>
+              <a:t>AddMoney</a:t>
+            </a:r>
+            <a:r>
+              <a:rPr lang="en-US" dirty="0"/>
+              <a:t>(</a:t>
+            </a:r>
+            <a:r>
+              <a:rPr lang="en-US" dirty="0">
+                <a:solidFill>
+                  <a:srgbClr val="5BCD9D"/>
+                </a:solidFill>
+              </a:rPr>
+              <a:t>rubles</a:t>
+            </a:r>
+            <a:r>
+              <a:rPr lang="en-US" dirty="0"/>
+              <a:t>);</a:t>
+            </a:r>
+          </a:p>
+          <a:p>
+            <a:r>
+              <a:rPr lang="en-US" dirty="0"/>
+              <a:t>}</a:t>
+            </a:r>
+          </a:p>
+        </p:txBody>
+      </p:sp>
+    </p:spTree>
+    <p:extLst>
+      <p:ext uri="{BB962C8B-B14F-4D97-AF65-F5344CB8AC3E}">
+        <p14:creationId xmlns:p14="http://schemas.microsoft.com/office/powerpoint/2010/main" val="2355956019"/>
+      </p:ext>
+    </p:extLst>
+  </p:cSld>
+  <p:clrMapOvr>
+    <a:masterClrMapping/>
+  </p:clrMapOvr>
+  <p:transition spd="slow">
+    <p:push dir="u"/>
+  </p:transition>
+  <p:timing>
+    <p:tnLst>
+      <p:par>
+        <p:cTn id="1" dur="indefinite" restart="never" nodeType="tmRoot"/>
+      </p:par>
+    </p:tnLst>
+  </p:timing>
+</p:sld>
+</file>
+
+<file path=ppt/slides/slide24.xml><?xml version="1.0" encoding="utf-8"?>
+<p:sld xmlns:a="http://schemas.openxmlformats.org/drawingml/2006/main" xmlns:r="http://schemas.openxmlformats.org/officeDocument/2006/relationships" xmlns:p="http://schemas.openxmlformats.org/presentationml/2006/main">
+  <p:cSld>
+    <p:spTree>
+      <p:nvGrpSpPr>
+        <p:cNvPr id="1" name=""/>
+        <p:cNvGrpSpPr/>
+        <p:nvPr/>
+      </p:nvGrpSpPr>
+      <p:grpSpPr>
+        <a:xfrm>
+          <a:off x="0" y="0"/>
+          <a:ext cx="0" cy="0"/>
+          <a:chOff x="0" y="0"/>
+          <a:chExt cx="0" cy="0"/>
+        </a:xfrm>
+      </p:grpSpPr>
+      <p:sp>
+        <p:nvSpPr>
+          <p:cNvPr id="2" name="Нижний колонтитул 1"/>
+          <p:cNvSpPr>
+            <a:spLocks noGrp="1"/>
+          </p:cNvSpPr>
+          <p:nvPr>
+            <p:ph type="ftr" sz="quarter" idx="11"/>
+          </p:nvPr>
+        </p:nvSpPr>
+        <p:spPr/>
+        <p:txBody>
+          <a:bodyPr/>
+          <a:lstStyle/>
+          <a:p>
+            <a:endParaRPr lang="ru-RU" dirty="0">
+              <a:solidFill>
+                <a:srgbClr val="000000"/>
+              </a:solidFill>
+            </a:endParaRPr>
+          </a:p>
+        </p:txBody>
+      </p:sp>
+      <p:sp>
+        <p:nvSpPr>
+          <p:cNvPr id="3" name="Номер слайда 2"/>
+          <p:cNvSpPr>
+            <a:spLocks noGrp="1"/>
+          </p:cNvSpPr>
+          <p:nvPr>
+            <p:ph type="sldNum" sz="quarter" idx="12"/>
+          </p:nvPr>
+        </p:nvSpPr>
+        <p:spPr/>
+        <p:txBody>
+          <a:bodyPr/>
+          <a:lstStyle/>
+          <a:p>
+            <a:fld id="{741C03D3-FA44-40EC-9A21-1FC4FEA3E22E}" type="slidenum">
+              <a:rPr lang="ru-RU" smtClean="0">
+                <a:solidFill>
+                  <a:srgbClr val="000000"/>
+                </a:solidFill>
+              </a:rPr>
+              <a:pPr/>
+              <a:t>24</a:t>
+            </a:fld>
+            <a:endParaRPr lang="ru-RU">
+              <a:solidFill>
+                <a:srgbClr val="000000"/>
+              </a:solidFill>
+            </a:endParaRPr>
+          </a:p>
+        </p:txBody>
+      </p:sp>
+      <p:sp>
+        <p:nvSpPr>
+          <p:cNvPr id="4" name="Объект 3"/>
+          <p:cNvSpPr>
+            <a:spLocks noGrp="1"/>
+          </p:cNvSpPr>
+          <p:nvPr>
+            <p:ph idx="13"/>
+          </p:nvPr>
+        </p:nvSpPr>
+        <p:spPr/>
+        <p:txBody>
+          <a:bodyPr/>
+          <a:lstStyle/>
+          <a:p>
+            <a:r>
+              <a:rPr lang="en-US" dirty="0"/>
+              <a:t>void Billing::</a:t>
+            </a:r>
+            <a:r>
+              <a:rPr lang="en-US" dirty="0" err="1"/>
+              <a:t>UserInfo</a:t>
+            </a:r>
+            <a:r>
+              <a:rPr lang="en-US" dirty="0"/>
+              <a:t>::</a:t>
+            </a:r>
+            <a:r>
+              <a:rPr lang="en-US" dirty="0" err="1"/>
+              <a:t>ChargePhoneCall</a:t>
+            </a:r>
+            <a:r>
+              <a:rPr lang="en-US" dirty="0"/>
+              <a:t>(</a:t>
+            </a:r>
+            <a:r>
+              <a:rPr lang="en-US" dirty="0" err="1"/>
+              <a:t>int</a:t>
+            </a:r>
+            <a:r>
+              <a:rPr lang="en-US" dirty="0"/>
+              <a:t> minutes, </a:t>
+            </a:r>
+            <a:r>
+              <a:rPr lang="en-US" dirty="0" err="1"/>
+              <a:t>const</a:t>
+            </a:r>
+            <a:r>
+              <a:rPr lang="en-US" dirty="0"/>
+              <a:t> Billing::Tariff&amp; tariff) {</a:t>
+            </a:r>
+          </a:p>
+          <a:p>
+            <a:r>
+              <a:rPr lang="en-US" dirty="0"/>
+              <a:t>    money_ -= minutes * </a:t>
+            </a:r>
+            <a:r>
+              <a:rPr lang="en-US" dirty="0" err="1"/>
+              <a:t>tariff.costPerMinute</a:t>
+            </a:r>
+            <a:r>
+              <a:rPr lang="en-US" dirty="0"/>
+              <a:t>_;</a:t>
+            </a:r>
+          </a:p>
+          <a:p>
+            <a:r>
+              <a:rPr lang="en-US" dirty="0"/>
+              <a:t>    history_.</a:t>
+            </a:r>
+            <a:r>
+              <a:rPr lang="en-US" dirty="0" err="1"/>
+              <a:t>push_back</a:t>
+            </a:r>
+            <a:r>
+              <a:rPr lang="en-US" dirty="0"/>
+              <a:t>(Event::</a:t>
+            </a:r>
+            <a:r>
+              <a:rPr lang="en-US" dirty="0" err="1"/>
+              <a:t>PhoneCall</a:t>
+            </a:r>
+            <a:r>
+              <a:rPr lang="en-US" dirty="0"/>
+              <a:t>(minutes));</a:t>
+            </a:r>
+          </a:p>
+          <a:p>
+            <a:endParaRPr lang="en-US" dirty="0"/>
+          </a:p>
+          <a:p>
+            <a:r>
+              <a:rPr lang="en-US" dirty="0"/>
+              <a:t>    if (money_ &lt;= 0) {</a:t>
+            </a:r>
+          </a:p>
+          <a:p>
+            <a:r>
+              <a:rPr lang="en-US" dirty="0"/>
+              <a:t>        </a:t>
+            </a:r>
+            <a:r>
+              <a:rPr lang="en-US" dirty="0" err="1"/>
+              <a:t>SendSms</a:t>
+            </a:r>
+            <a:r>
+              <a:rPr lang="en-US" dirty="0"/>
+              <a:t>("Your balance is " + </a:t>
+            </a:r>
+            <a:r>
+              <a:rPr lang="en-US" dirty="0" err="1"/>
+              <a:t>to_string</a:t>
+            </a:r>
+            <a:r>
+              <a:rPr lang="en-US" dirty="0"/>
+              <a:t>(money_));</a:t>
+            </a:r>
+          </a:p>
+          <a:p>
+            <a:r>
+              <a:rPr lang="en-US" dirty="0"/>
+              <a:t>    }</a:t>
+            </a:r>
+          </a:p>
+          <a:p>
+            <a:r>
+              <a:rPr lang="en-US" dirty="0"/>
+              <a:t>}</a:t>
+            </a:r>
+          </a:p>
+          <a:p>
+            <a:endParaRPr lang="en-US" dirty="0"/>
+          </a:p>
+          <a:p>
+            <a:r>
+              <a:rPr lang="en-US" dirty="0"/>
+              <a:t>void Billing::</a:t>
+            </a:r>
+            <a:r>
+              <a:rPr lang="en-US" dirty="0" err="1"/>
+              <a:t>UserInfo</a:t>
+            </a:r>
+            <a:r>
+              <a:rPr lang="en-US" dirty="0"/>
+              <a:t>::</a:t>
+            </a:r>
+            <a:r>
+              <a:rPr lang="en-US" dirty="0" err="1"/>
+              <a:t>AddMoney</a:t>
+            </a:r>
+            <a:r>
+              <a:rPr lang="en-US" dirty="0"/>
+              <a:t>(</a:t>
+            </a:r>
+            <a:r>
+              <a:rPr lang="en-US" dirty="0" err="1"/>
+              <a:t>int</a:t>
+            </a:r>
+            <a:r>
+              <a:rPr lang="en-US" dirty="0"/>
+              <a:t> rubles) {</a:t>
+            </a:r>
+          </a:p>
+          <a:p>
+            <a:r>
+              <a:rPr lang="en-US" dirty="0"/>
+              <a:t>    money_ += rubles;</a:t>
+            </a:r>
+          </a:p>
+          <a:p>
+            <a:r>
+              <a:rPr lang="en-US" dirty="0"/>
+              <a:t>    history_.</a:t>
+            </a:r>
+            <a:r>
+              <a:rPr lang="en-US" dirty="0" err="1"/>
+              <a:t>push_back</a:t>
+            </a:r>
+            <a:r>
+              <a:rPr lang="en-US" dirty="0"/>
+              <a:t>(Event::Payment(rubles));</a:t>
+            </a:r>
+          </a:p>
+          <a:p>
+            <a:r>
+              <a:rPr lang="en-US" dirty="0"/>
+              <a:t>    </a:t>
+            </a:r>
+            <a:r>
+              <a:rPr lang="en-US" dirty="0" err="1"/>
+              <a:t>SendSms</a:t>
+            </a:r>
+            <a:r>
+              <a:rPr lang="en-US" dirty="0"/>
+              <a:t>("Got payment " + </a:t>
+            </a:r>
+            <a:r>
+              <a:rPr lang="en-US" dirty="0" err="1"/>
+              <a:t>to_string</a:t>
+            </a:r>
+            <a:r>
+              <a:rPr lang="en-US" dirty="0"/>
+              <a:t>(rubles));</a:t>
+            </a:r>
+          </a:p>
+          <a:p>
+            <a:r>
+              <a:rPr lang="en-US" dirty="0"/>
+              <a:t>}</a:t>
+            </a:r>
+          </a:p>
+        </p:txBody>
+      </p:sp>
+    </p:spTree>
+    <p:extLst>
+      <p:ext uri="{BB962C8B-B14F-4D97-AF65-F5344CB8AC3E}">
+        <p14:creationId xmlns:p14="http://schemas.microsoft.com/office/powerpoint/2010/main" val="2990110142"/>
+      </p:ext>
+    </p:extLst>
+  </p:cSld>
+  <p:clrMapOvr>
+    <a:masterClrMapping/>
+  </p:clrMapOvr>
+  <p:transition spd="slow">
+    <p:push dir="u"/>
+  </p:transition>
+  <p:timing>
+    <p:tnLst>
+      <p:par>
+        <p:cTn id="1" dur="indefinite" restart="never" nodeType="tmRoot"/>
+      </p:par>
+    </p:tnLst>
+  </p:timing>
+</p:sld>
+</file>
+
+<file path=ppt/slides/slide25.xml><?xml version="1.0" encoding="utf-8"?>
+<p:sld xmlns:a="http://schemas.openxmlformats.org/drawingml/2006/main" xmlns:r="http://schemas.openxmlformats.org/officeDocument/2006/relationships" xmlns:p="http://schemas.openxmlformats.org/presentationml/2006/main">
+  <p:cSld>
+    <p:spTree>
+      <p:nvGrpSpPr>
+        <p:cNvPr id="1" name=""/>
+        <p:cNvGrpSpPr/>
+        <p:nvPr/>
+      </p:nvGrpSpPr>
+      <p:grpSpPr>
+        <a:xfrm>
+          <a:off x="0" y="0"/>
+          <a:ext cx="0" cy="0"/>
+          <a:chOff x="0" y="0"/>
+          <a:chExt cx="0" cy="0"/>
+        </a:xfrm>
+      </p:grpSpPr>
+      <p:sp>
+        <p:nvSpPr>
           <p:cNvPr id="2" name="Текст 1"/>
           <p:cNvSpPr>
             <a:spLocks noGrp="1"/>
@@ -26451,7 +29111,7 @@
           <a:bodyPr/>
           <a:lstStyle/>
           <a:p>
-            <a:endParaRPr lang="ru-RU"/>
+            <a:endParaRPr lang="ru-RU" dirty="0"/>
           </a:p>
         </p:txBody>
       </p:sp>
@@ -26470,7 +29130,11 @@
           <a:bodyPr/>
           <a:lstStyle/>
           <a:p>
-            <a:endParaRPr lang="ru-RU"/>
+            <a:r>
+              <a:rPr lang="en-US" dirty="0" smtClean="0"/>
+              <a:t>ishfb@yandex-tean.ru</a:t>
+            </a:r>
+            <a:endParaRPr lang="ru-RU" dirty="0"/>
           </a:p>
         </p:txBody>
       </p:sp>
@@ -26489,7 +29153,11 @@
           <a:bodyPr/>
           <a:lstStyle/>
           <a:p>
-            <a:endParaRPr lang="ru-RU"/>
+            <a:r>
+              <a:rPr lang="ru-RU" dirty="0" smtClean="0"/>
+              <a:t>Спасибо</a:t>
+            </a:r>
+            <a:endParaRPr lang="ru-RU" dirty="0"/>
           </a:p>
         </p:txBody>
       </p:sp>
@@ -26508,7 +29176,11 @@
           <a:bodyPr/>
           <a:lstStyle/>
           <a:p>
-            <a:endParaRPr lang="ru-RU"/>
+            <a:r>
+              <a:rPr lang="ru-RU" dirty="0" smtClean="0"/>
+              <a:t>Илья Шишков</a:t>
+            </a:r>
+            <a:endParaRPr lang="ru-RU" dirty="0"/>
           </a:p>
         </p:txBody>
       </p:sp>
@@ -26527,7 +29199,11 @@
           <a:bodyPr/>
           <a:lstStyle/>
           <a:p>
-            <a:endParaRPr lang="ru-RU"/>
+            <a:r>
+              <a:rPr lang="ru-RU" dirty="0" smtClean="0"/>
+              <a:t>Разработчик компании Яндекс</a:t>
+            </a:r>
+            <a:endParaRPr lang="ru-RU" dirty="0"/>
           </a:p>
         </p:txBody>
       </p:sp>
@@ -29029,44 +31705,7 @@
 </p:sld>
 </file>
 
-<file path=ppt/slides/slide2.xml><?xml version="1.0" encoding="utf-8"?>
-<p:sld xmlns:a="http://schemas.openxmlformats.org/drawingml/2006/main" xmlns:r="http://schemas.openxmlformats.org/officeDocument/2006/relationships" xmlns:p="http://schemas.openxmlformats.org/presentationml/2006/main">
-  <p:cSld>
-    <p:spTree>
-      <p:nvGrpSpPr>
-        <p:cNvPr id="1" name=""/>
-        <p:cNvGrpSpPr/>
-        <p:nvPr/>
-      </p:nvGrpSpPr>
-      <p:grpSpPr>
-        <a:xfrm>
-          <a:off x="0" y="0"/>
-          <a:ext cx="0" cy="0"/>
-          <a:chOff x="0" y="0"/>
-          <a:chExt cx="0" cy="0"/>
-        </a:xfrm>
-      </p:grpSpPr>
-    </p:spTree>
-    <p:extLst>
-      <p:ext uri="{BB962C8B-B14F-4D97-AF65-F5344CB8AC3E}">
-        <p14:creationId xmlns:p14="http://schemas.microsoft.com/office/powerpoint/2010/main" val="70134990"/>
-      </p:ext>
-    </p:extLst>
-  </p:cSld>
-  <p:clrMapOvr>
-    <a:masterClrMapping/>
-  </p:clrMapOvr>
-  <p:timing>
-    <p:tnLst>
-      <p:par>
-        <p:cTn id="1" dur="indefinite" restart="never" nodeType="tmRoot"/>
-      </p:par>
-    </p:tnLst>
-  </p:timing>
-</p:sld>
-</file>
-
-<file path=ppt/slides/slide20.xml><?xml version="1.0" encoding="utf-8"?>
+<file path=ppt/slides/slide26.xml><?xml version="1.0" encoding="utf-8"?>
 <p:sld xmlns:a="http://schemas.openxmlformats.org/drawingml/2006/main" xmlns:r="http://schemas.openxmlformats.org/officeDocument/2006/relationships" xmlns:p="http://schemas.openxmlformats.org/presentationml/2006/main" show="0">
   <p:cSld>
     <p:spTree>
@@ -29184,7 +31823,7 @@
                 </a:solidFill>
               </a:rPr>
               <a:pPr/>
-              <a:t>20</a:t>
+              <a:t>26</a:t>
             </a:fld>
             <a:endParaRPr lang="ru-RU">
               <a:solidFill>
@@ -29516,7 +32155,7 @@
               <a:effectLst/>
               <a:extLst>
                 <a:ext uri="{C572A759-6A51-4108-AA02-DFA0A04FC94B}">
-                  <ma14:wrappingTextBoxFlag xmlns="" xmlns:ma14="http://schemas.microsoft.com/office/mac/drawingml/2011/main" val="1"/>
+                  <ma14:wrappingTextBoxFlag xmlns:ma14="http://schemas.microsoft.com/office/mac/drawingml/2011/main" xmlns="" val="1"/>
                 </a:ext>
               </a:extLst>
             </p:spPr>

--- a/slides.pptx
+++ b/slides.pptx
@@ -6,7 +6,7 @@
     <p:sldMasterId id="2147483735" r:id="rId2"/>
   </p:sldMasterIdLst>
   <p:notesMasterIdLst>
-    <p:notesMasterId r:id="rId29"/>
+    <p:notesMasterId r:id="rId39"/>
   </p:notesMasterIdLst>
   <p:sldIdLst>
     <p:sldId id="389" r:id="rId3"/>
@@ -33,8 +33,18 @@
     <p:sldId id="412" r:id="rId24"/>
     <p:sldId id="413" r:id="rId25"/>
     <p:sldId id="414" r:id="rId26"/>
-    <p:sldId id="391" r:id="rId27"/>
-    <p:sldId id="407" r:id="rId28"/>
+    <p:sldId id="415" r:id="rId27"/>
+    <p:sldId id="416" r:id="rId28"/>
+    <p:sldId id="417" r:id="rId29"/>
+    <p:sldId id="418" r:id="rId30"/>
+    <p:sldId id="419" r:id="rId31"/>
+    <p:sldId id="420" r:id="rId32"/>
+    <p:sldId id="421" r:id="rId33"/>
+    <p:sldId id="422" r:id="rId34"/>
+    <p:sldId id="423" r:id="rId35"/>
+    <p:sldId id="424" r:id="rId36"/>
+    <p:sldId id="391" r:id="rId37"/>
+    <p:sldId id="407" r:id="rId38"/>
   </p:sldIdLst>
   <p:sldSz cx="24382413" cy="13716000"/>
   <p:notesSz cx="6858000" cy="9144000"/>
@@ -162,6 +172,16 @@
             <p14:sldId id="412"/>
             <p14:sldId id="413"/>
             <p14:sldId id="414"/>
+            <p14:sldId id="415"/>
+            <p14:sldId id="416"/>
+            <p14:sldId id="417"/>
+            <p14:sldId id="418"/>
+            <p14:sldId id="419"/>
+            <p14:sldId id="420"/>
+            <p14:sldId id="421"/>
+            <p14:sldId id="422"/>
+            <p14:sldId id="423"/>
+            <p14:sldId id="424"/>
             <p14:sldId id="391"/>
             <p14:sldId id="407"/>
           </p14:sldIdLst>
@@ -29080,6 +29100,3489 @@
 </file>
 
 <file path=ppt/slides/slide25.xml><?xml version="1.0" encoding="utf-8"?>
+<p:sld xmlns:a="http://schemas.openxmlformats.org/drawingml/2006/main" xmlns:r="http://schemas.openxmlformats.org/officeDocument/2006/relationships" xmlns:p="http://schemas.openxmlformats.org/presentationml/2006/main">
+  <p:cSld>
+    <p:spTree>
+      <p:nvGrpSpPr>
+        <p:cNvPr id="1" name=""/>
+        <p:cNvGrpSpPr/>
+        <p:nvPr/>
+      </p:nvGrpSpPr>
+      <p:grpSpPr>
+        <a:xfrm>
+          <a:off x="0" y="0"/>
+          <a:ext cx="0" cy="0"/>
+          <a:chOff x="0" y="0"/>
+          <a:chExt cx="0" cy="0"/>
+        </a:xfrm>
+      </p:grpSpPr>
+      <p:sp>
+        <p:nvSpPr>
+          <p:cNvPr id="2" name="Заголовок 1"/>
+          <p:cNvSpPr>
+            <a:spLocks noGrp="1"/>
+          </p:cNvSpPr>
+          <p:nvPr>
+            <p:ph type="title"/>
+          </p:nvPr>
+        </p:nvSpPr>
+        <p:spPr/>
+        <p:txBody>
+          <a:bodyPr/>
+          <a:lstStyle/>
+          <a:p>
+            <a:r>
+              <a:rPr lang="ru-RU" dirty="0" smtClean="0"/>
+              <a:t>Слайд с текущей схемой кода</a:t>
+            </a:r>
+            <a:endParaRPr lang="ru-RU" dirty="0"/>
+          </a:p>
+        </p:txBody>
+      </p:sp>
+      <p:sp>
+        <p:nvSpPr>
+          <p:cNvPr id="3" name="Объект 2"/>
+          <p:cNvSpPr>
+            <a:spLocks noGrp="1"/>
+          </p:cNvSpPr>
+          <p:nvPr>
+            <p:ph idx="1"/>
+          </p:nvPr>
+        </p:nvSpPr>
+        <p:spPr/>
+        <p:txBody>
+          <a:bodyPr/>
+          <a:lstStyle/>
+          <a:p>
+            <a:endParaRPr lang="ru-RU"/>
+          </a:p>
+        </p:txBody>
+      </p:sp>
+      <p:sp>
+        <p:nvSpPr>
+          <p:cNvPr id="4" name="Нижний колонтитул 3"/>
+          <p:cNvSpPr>
+            <a:spLocks noGrp="1"/>
+          </p:cNvSpPr>
+          <p:nvPr>
+            <p:ph type="ftr" sz="quarter" idx="11"/>
+          </p:nvPr>
+        </p:nvSpPr>
+        <p:spPr/>
+        <p:txBody>
+          <a:bodyPr/>
+          <a:lstStyle/>
+          <a:p>
+            <a:endParaRPr lang="ru-RU">
+              <a:solidFill>
+                <a:srgbClr val="000000"/>
+              </a:solidFill>
+            </a:endParaRPr>
+          </a:p>
+        </p:txBody>
+      </p:sp>
+      <p:sp>
+        <p:nvSpPr>
+          <p:cNvPr id="5" name="Номер слайда 4"/>
+          <p:cNvSpPr>
+            <a:spLocks noGrp="1"/>
+          </p:cNvSpPr>
+          <p:nvPr>
+            <p:ph type="sldNum" sz="quarter" idx="12"/>
+          </p:nvPr>
+        </p:nvSpPr>
+        <p:spPr/>
+        <p:txBody>
+          <a:bodyPr/>
+          <a:lstStyle/>
+          <a:p>
+            <a:fld id="{741C03D3-FA44-40EC-9A21-1FC4FEA3E22E}" type="slidenum">
+              <a:rPr lang="ru-RU" smtClean="0">
+                <a:solidFill>
+                  <a:srgbClr val="000000"/>
+                </a:solidFill>
+              </a:rPr>
+              <a:pPr/>
+              <a:t>25</a:t>
+            </a:fld>
+            <a:endParaRPr lang="ru-RU">
+              <a:solidFill>
+                <a:srgbClr val="000000"/>
+              </a:solidFill>
+            </a:endParaRPr>
+          </a:p>
+        </p:txBody>
+      </p:sp>
+    </p:spTree>
+    <p:extLst>
+      <p:ext uri="{BB962C8B-B14F-4D97-AF65-F5344CB8AC3E}">
+        <p14:creationId xmlns:p14="http://schemas.microsoft.com/office/powerpoint/2010/main" val="3249339775"/>
+      </p:ext>
+    </p:extLst>
+  </p:cSld>
+  <p:clrMapOvr>
+    <a:masterClrMapping/>
+  </p:clrMapOvr>
+  <p:timing>
+    <p:tnLst>
+      <p:par>
+        <p:cTn id="1" dur="indefinite" restart="never" nodeType="tmRoot"/>
+      </p:par>
+    </p:tnLst>
+  </p:timing>
+</p:sld>
+</file>
+
+<file path=ppt/slides/slide26.xml><?xml version="1.0" encoding="utf-8"?>
+<p:sld xmlns:a="http://schemas.openxmlformats.org/drawingml/2006/main" xmlns:r="http://schemas.openxmlformats.org/officeDocument/2006/relationships" xmlns:p="http://schemas.openxmlformats.org/presentationml/2006/main">
+  <p:cSld>
+    <p:spTree>
+      <p:nvGrpSpPr>
+        <p:cNvPr id="1" name=""/>
+        <p:cNvGrpSpPr/>
+        <p:nvPr/>
+      </p:nvGrpSpPr>
+      <p:grpSpPr>
+        <a:xfrm>
+          <a:off x="0" y="0"/>
+          <a:ext cx="0" cy="0"/>
+          <a:chOff x="0" y="0"/>
+          <a:chExt cx="0" cy="0"/>
+        </a:xfrm>
+      </p:grpSpPr>
+      <p:sp>
+        <p:nvSpPr>
+          <p:cNvPr id="2" name="Заголовок 1"/>
+          <p:cNvSpPr>
+            <a:spLocks noGrp="1"/>
+          </p:cNvSpPr>
+          <p:nvPr>
+            <p:ph type="title"/>
+          </p:nvPr>
+        </p:nvSpPr>
+        <p:spPr/>
+        <p:txBody>
+          <a:bodyPr/>
+          <a:lstStyle/>
+          <a:p>
+            <a:r>
+              <a:rPr lang="ru-RU" dirty="0" smtClean="0"/>
+              <a:t>Добавляем мониторинг</a:t>
+            </a:r>
+            <a:endParaRPr lang="ru-RU" dirty="0"/>
+          </a:p>
+        </p:txBody>
+      </p:sp>
+      <p:sp>
+        <p:nvSpPr>
+          <p:cNvPr id="3" name="Нижний колонтитул 2"/>
+          <p:cNvSpPr>
+            <a:spLocks noGrp="1"/>
+          </p:cNvSpPr>
+          <p:nvPr>
+            <p:ph type="ftr" sz="quarter" idx="11"/>
+          </p:nvPr>
+        </p:nvSpPr>
+        <p:spPr/>
+        <p:txBody>
+          <a:bodyPr/>
+          <a:lstStyle/>
+          <a:p>
+            <a:endParaRPr lang="ru-RU">
+              <a:solidFill>
+                <a:srgbClr val="000000"/>
+              </a:solidFill>
+            </a:endParaRPr>
+          </a:p>
+        </p:txBody>
+      </p:sp>
+      <p:sp>
+        <p:nvSpPr>
+          <p:cNvPr id="4" name="Номер слайда 3"/>
+          <p:cNvSpPr>
+            <a:spLocks noGrp="1"/>
+          </p:cNvSpPr>
+          <p:nvPr>
+            <p:ph type="sldNum" sz="quarter" idx="12"/>
+          </p:nvPr>
+        </p:nvSpPr>
+        <p:spPr/>
+        <p:txBody>
+          <a:bodyPr/>
+          <a:lstStyle/>
+          <a:p>
+            <a:fld id="{741C03D3-FA44-40EC-9A21-1FC4FEA3E22E}" type="slidenum">
+              <a:rPr lang="ru-RU" smtClean="0">
+                <a:solidFill>
+                  <a:srgbClr val="000000"/>
+                </a:solidFill>
+              </a:rPr>
+              <a:pPr/>
+              <a:t>26</a:t>
+            </a:fld>
+            <a:endParaRPr lang="ru-RU">
+              <a:solidFill>
+                <a:srgbClr val="000000"/>
+              </a:solidFill>
+            </a:endParaRPr>
+          </a:p>
+        </p:txBody>
+      </p:sp>
+      <p:sp>
+        <p:nvSpPr>
+          <p:cNvPr id="6" name="Объект 5"/>
+          <p:cNvSpPr>
+            <a:spLocks noGrp="1"/>
+          </p:cNvSpPr>
+          <p:nvPr>
+            <p:ph idx="13"/>
+          </p:nvPr>
+        </p:nvSpPr>
+        <p:spPr/>
+        <p:txBody>
+          <a:bodyPr/>
+          <a:lstStyle/>
+          <a:p>
+            <a:r>
+              <a:rPr lang="ru-RU" dirty="0" smtClean="0"/>
+              <a:t>Для каждого клиента надо считать</a:t>
+            </a:r>
+          </a:p>
+          <a:p>
+            <a:pPr lvl="1"/>
+            <a:r>
+              <a:rPr lang="ru-RU" dirty="0" smtClean="0"/>
+              <a:t>сумму потраченных денег</a:t>
+            </a:r>
+          </a:p>
+          <a:p>
+            <a:pPr lvl="1"/>
+            <a:r>
+              <a:rPr lang="ru-RU" dirty="0" smtClean="0"/>
+              <a:t>суммарную длительность звонков</a:t>
+            </a:r>
+          </a:p>
+          <a:p>
+            <a:pPr lvl="1"/>
+            <a:r>
+              <a:rPr lang="ru-RU" dirty="0" smtClean="0"/>
+              <a:t>количество звонков</a:t>
+            </a:r>
+          </a:p>
+          <a:p>
+            <a:r>
+              <a:rPr lang="ru-RU" dirty="0" smtClean="0"/>
+              <a:t>Статистики надо выводить в </a:t>
+            </a:r>
+            <a:r>
+              <a:rPr lang="en-US" dirty="0" err="1" smtClean="0"/>
+              <a:t>stdout</a:t>
+            </a:r>
+            <a:r>
+              <a:rPr lang="en-US" dirty="0" smtClean="0"/>
+              <a:t> </a:t>
+            </a:r>
+            <a:r>
+              <a:rPr lang="ru-RU" dirty="0" smtClean="0"/>
+              <a:t>в формате </a:t>
+            </a:r>
+            <a:r>
+              <a:rPr lang="en-US" dirty="0" smtClean="0"/>
+              <a:t>JSON</a:t>
+            </a:r>
+            <a:endParaRPr lang="ru-RU" dirty="0"/>
+          </a:p>
+        </p:txBody>
+      </p:sp>
+      <p:sp>
+        <p:nvSpPr>
+          <p:cNvPr id="7" name="Прямоугольник 6"/>
+          <p:cNvSpPr/>
+          <p:nvPr/>
+        </p:nvSpPr>
+        <p:spPr>
+          <a:xfrm>
+            <a:off x="1159417" y="8385175"/>
+            <a:ext cx="6850063" cy="3814763"/>
+          </a:xfrm>
+          <a:prstGeom prst="rect">
+            <a:avLst/>
+          </a:prstGeom>
+          <a:noFill/>
+          <a:ln w="38100">
+            <a:solidFill>
+              <a:schemeClr val="tx1"/>
+            </a:solidFill>
+          </a:ln>
+        </p:spPr>
+        <p:style>
+          <a:lnRef idx="2">
+            <a:schemeClr val="accent1">
+              <a:shade val="50000"/>
+            </a:schemeClr>
+          </a:lnRef>
+          <a:fillRef idx="1">
+            <a:schemeClr val="accent1"/>
+          </a:fillRef>
+          <a:effectRef idx="0">
+            <a:schemeClr val="accent1"/>
+          </a:effectRef>
+          <a:fontRef idx="minor">
+            <a:schemeClr val="lt1"/>
+          </a:fontRef>
+        </p:style>
+        <p:txBody>
+          <a:bodyPr rtlCol="0" anchor="ctr"/>
+          <a:lstStyle/>
+          <a:p>
+            <a:pPr algn="ctr"/>
+            <a:r>
+              <a:rPr lang="ru-RU" sz="4800" dirty="0" smtClean="0">
+                <a:solidFill>
+                  <a:schemeClr val="tx1"/>
+                </a:solidFill>
+              </a:rPr>
+              <a:t>Мониторинг</a:t>
+            </a:r>
+            <a:endParaRPr lang="ru-RU" sz="4800" dirty="0" smtClean="0">
+              <a:solidFill>
+                <a:schemeClr val="tx1"/>
+              </a:solidFill>
+            </a:endParaRPr>
+          </a:p>
+        </p:txBody>
+      </p:sp>
+      <p:sp>
+        <p:nvSpPr>
+          <p:cNvPr id="8" name="Прямоугольник 7"/>
+          <p:cNvSpPr/>
+          <p:nvPr/>
+        </p:nvSpPr>
+        <p:spPr>
+          <a:xfrm>
+            <a:off x="1141223" y="3040763"/>
+            <a:ext cx="6868257" cy="3816000"/>
+          </a:xfrm>
+          <a:prstGeom prst="rect">
+            <a:avLst/>
+          </a:prstGeom>
+          <a:noFill/>
+          <a:ln w="38100">
+            <a:solidFill>
+              <a:schemeClr val="tx1"/>
+            </a:solidFill>
+          </a:ln>
+        </p:spPr>
+        <p:style>
+          <a:lnRef idx="2">
+            <a:schemeClr val="accent1">
+              <a:shade val="50000"/>
+            </a:schemeClr>
+          </a:lnRef>
+          <a:fillRef idx="1">
+            <a:schemeClr val="accent1"/>
+          </a:fillRef>
+          <a:effectRef idx="0">
+            <a:schemeClr val="accent1"/>
+          </a:effectRef>
+          <a:fontRef idx="minor">
+            <a:schemeClr val="lt1"/>
+          </a:fontRef>
+        </p:style>
+        <p:txBody>
+          <a:bodyPr rtlCol="0" anchor="ctr"/>
+          <a:lstStyle/>
+          <a:p>
+            <a:pPr algn="ctr"/>
+            <a:r>
+              <a:rPr lang="en-US" sz="4800" dirty="0" smtClean="0">
+                <a:solidFill>
+                  <a:schemeClr val="tx1"/>
+                </a:solidFill>
+              </a:rPr>
+              <a:t>Production</a:t>
+            </a:r>
+            <a:endParaRPr lang="ru-RU" sz="4800" dirty="0" err="1" smtClean="0">
+              <a:solidFill>
+                <a:schemeClr val="tx1"/>
+              </a:solidFill>
+            </a:endParaRPr>
+          </a:p>
+        </p:txBody>
+      </p:sp>
+    </p:spTree>
+    <p:extLst>
+      <p:ext uri="{BB962C8B-B14F-4D97-AF65-F5344CB8AC3E}">
+        <p14:creationId xmlns:p14="http://schemas.microsoft.com/office/powerpoint/2010/main" val="787834636"/>
+      </p:ext>
+    </p:extLst>
+  </p:cSld>
+  <p:clrMapOvr>
+    <a:masterClrMapping/>
+  </p:clrMapOvr>
+  <p:timing>
+    <p:tnLst>
+      <p:par>
+        <p:cTn id="1" dur="indefinite" restart="never" nodeType="tmRoot">
+          <p:childTnLst>
+            <p:seq concurrent="1" nextAc="seek">
+              <p:cTn id="2" dur="indefinite" nodeType="mainSeq">
+                <p:childTnLst>
+                  <p:par>
+                    <p:cTn id="3" fill="hold">
+                      <p:stCondLst>
+                        <p:cond delay="indefinite"/>
+                      </p:stCondLst>
+                      <p:childTnLst>
+                        <p:par>
+                          <p:cTn id="4" fill="hold">
+                            <p:stCondLst>
+                              <p:cond delay="0"/>
+                            </p:stCondLst>
+                            <p:childTnLst>
+                              <p:par>
+                                <p:cTn id="5" presetID="2" presetClass="entr" presetSubtype="8" fill="hold" grpId="0" nodeType="clickEffect">
+                                  <p:stCondLst>
+                                    <p:cond delay="0"/>
+                                  </p:stCondLst>
+                                  <p:childTnLst>
+                                    <p:set>
+                                      <p:cBhvr>
+                                        <p:cTn id="6" dur="1" fill="hold">
+                                          <p:stCondLst>
+                                            <p:cond delay="0"/>
+                                          </p:stCondLst>
+                                        </p:cTn>
+                                        <p:tgtEl>
+                                          <p:spTgt spid="7"/>
+                                        </p:tgtEl>
+                                        <p:attrNameLst>
+                                          <p:attrName>style.visibility</p:attrName>
+                                        </p:attrNameLst>
+                                      </p:cBhvr>
+                                      <p:to>
+                                        <p:strVal val="visible"/>
+                                      </p:to>
+                                    </p:set>
+                                    <p:anim calcmode="lin" valueType="num">
+                                      <p:cBhvr additive="base">
+                                        <p:cTn id="7" dur="500" fill="hold"/>
+                                        <p:tgtEl>
+                                          <p:spTgt spid="7"/>
+                                        </p:tgtEl>
+                                        <p:attrNameLst>
+                                          <p:attrName>ppt_x</p:attrName>
+                                        </p:attrNameLst>
+                                      </p:cBhvr>
+                                      <p:tavLst>
+                                        <p:tav tm="0">
+                                          <p:val>
+                                            <p:strVal val="0-#ppt_w/2"/>
+                                          </p:val>
+                                        </p:tav>
+                                        <p:tav tm="100000">
+                                          <p:val>
+                                            <p:strVal val="#ppt_x"/>
+                                          </p:val>
+                                        </p:tav>
+                                      </p:tavLst>
+                                    </p:anim>
+                                    <p:anim calcmode="lin" valueType="num">
+                                      <p:cBhvr additive="base">
+                                        <p:cTn id="8" dur="500" fill="hold"/>
+                                        <p:tgtEl>
+                                          <p:spTgt spid="7"/>
+                                        </p:tgtEl>
+                                        <p:attrNameLst>
+                                          <p:attrName>ppt_y</p:attrName>
+                                        </p:attrNameLst>
+                                      </p:cBhvr>
+                                      <p:tavLst>
+                                        <p:tav tm="0">
+                                          <p:val>
+                                            <p:strVal val="#ppt_y"/>
+                                          </p:val>
+                                        </p:tav>
+                                        <p:tav tm="100000">
+                                          <p:val>
+                                            <p:strVal val="#ppt_y"/>
+                                          </p:val>
+                                        </p:tav>
+                                      </p:tavLst>
+                                    </p:anim>
+                                  </p:childTnLst>
+                                </p:cTn>
+                              </p:par>
+                              <p:par>
+                                <p:cTn id="9" presetID="2" presetClass="entr" presetSubtype="2" fill="hold" grpId="0" nodeType="withEffect">
+                                  <p:stCondLst>
+                                    <p:cond delay="0"/>
+                                  </p:stCondLst>
+                                  <p:childTnLst>
+                                    <p:set>
+                                      <p:cBhvr>
+                                        <p:cTn id="10" dur="1" fill="hold">
+                                          <p:stCondLst>
+                                            <p:cond delay="0"/>
+                                          </p:stCondLst>
+                                        </p:cTn>
+                                        <p:tgtEl>
+                                          <p:spTgt spid="6">
+                                            <p:txEl>
+                                              <p:pRg st="0" end="0"/>
+                                            </p:txEl>
+                                          </p:spTgt>
+                                        </p:tgtEl>
+                                        <p:attrNameLst>
+                                          <p:attrName>style.visibility</p:attrName>
+                                        </p:attrNameLst>
+                                      </p:cBhvr>
+                                      <p:to>
+                                        <p:strVal val="visible"/>
+                                      </p:to>
+                                    </p:set>
+                                    <p:anim calcmode="lin" valueType="num">
+                                      <p:cBhvr additive="base">
+                                        <p:cTn id="11" dur="500" fill="hold"/>
+                                        <p:tgtEl>
+                                          <p:spTgt spid="6">
+                                            <p:txEl>
+                                              <p:pRg st="0" end="0"/>
+                                            </p:txEl>
+                                          </p:spTgt>
+                                        </p:tgtEl>
+                                        <p:attrNameLst>
+                                          <p:attrName>ppt_x</p:attrName>
+                                        </p:attrNameLst>
+                                      </p:cBhvr>
+                                      <p:tavLst>
+                                        <p:tav tm="0">
+                                          <p:val>
+                                            <p:strVal val="1+#ppt_w/2"/>
+                                          </p:val>
+                                        </p:tav>
+                                        <p:tav tm="100000">
+                                          <p:val>
+                                            <p:strVal val="#ppt_x"/>
+                                          </p:val>
+                                        </p:tav>
+                                      </p:tavLst>
+                                    </p:anim>
+                                    <p:anim calcmode="lin" valueType="num">
+                                      <p:cBhvr additive="base">
+                                        <p:cTn id="12" dur="500" fill="hold"/>
+                                        <p:tgtEl>
+                                          <p:spTgt spid="6">
+                                            <p:txEl>
+                                              <p:pRg st="0" end="0"/>
+                                            </p:txEl>
+                                          </p:spTgt>
+                                        </p:tgtEl>
+                                        <p:attrNameLst>
+                                          <p:attrName>ppt_y</p:attrName>
+                                        </p:attrNameLst>
+                                      </p:cBhvr>
+                                      <p:tavLst>
+                                        <p:tav tm="0">
+                                          <p:val>
+                                            <p:strVal val="#ppt_y"/>
+                                          </p:val>
+                                        </p:tav>
+                                        <p:tav tm="100000">
+                                          <p:val>
+                                            <p:strVal val="#ppt_y"/>
+                                          </p:val>
+                                        </p:tav>
+                                      </p:tavLst>
+                                    </p:anim>
+                                  </p:childTnLst>
+                                </p:cTn>
+                              </p:par>
+                              <p:par>
+                                <p:cTn id="13" presetID="2" presetClass="entr" presetSubtype="2" fill="hold" grpId="0" nodeType="withEffect">
+                                  <p:stCondLst>
+                                    <p:cond delay="0"/>
+                                  </p:stCondLst>
+                                  <p:childTnLst>
+                                    <p:set>
+                                      <p:cBhvr>
+                                        <p:cTn id="14" dur="1" fill="hold">
+                                          <p:stCondLst>
+                                            <p:cond delay="0"/>
+                                          </p:stCondLst>
+                                        </p:cTn>
+                                        <p:tgtEl>
+                                          <p:spTgt spid="6">
+                                            <p:txEl>
+                                              <p:pRg st="1" end="1"/>
+                                            </p:txEl>
+                                          </p:spTgt>
+                                        </p:tgtEl>
+                                        <p:attrNameLst>
+                                          <p:attrName>style.visibility</p:attrName>
+                                        </p:attrNameLst>
+                                      </p:cBhvr>
+                                      <p:to>
+                                        <p:strVal val="visible"/>
+                                      </p:to>
+                                    </p:set>
+                                    <p:anim calcmode="lin" valueType="num">
+                                      <p:cBhvr additive="base">
+                                        <p:cTn id="15" dur="500" fill="hold"/>
+                                        <p:tgtEl>
+                                          <p:spTgt spid="6">
+                                            <p:txEl>
+                                              <p:pRg st="1" end="1"/>
+                                            </p:txEl>
+                                          </p:spTgt>
+                                        </p:tgtEl>
+                                        <p:attrNameLst>
+                                          <p:attrName>ppt_x</p:attrName>
+                                        </p:attrNameLst>
+                                      </p:cBhvr>
+                                      <p:tavLst>
+                                        <p:tav tm="0">
+                                          <p:val>
+                                            <p:strVal val="1+#ppt_w/2"/>
+                                          </p:val>
+                                        </p:tav>
+                                        <p:tav tm="100000">
+                                          <p:val>
+                                            <p:strVal val="#ppt_x"/>
+                                          </p:val>
+                                        </p:tav>
+                                      </p:tavLst>
+                                    </p:anim>
+                                    <p:anim calcmode="lin" valueType="num">
+                                      <p:cBhvr additive="base">
+                                        <p:cTn id="16" dur="500" fill="hold"/>
+                                        <p:tgtEl>
+                                          <p:spTgt spid="6">
+                                            <p:txEl>
+                                              <p:pRg st="1" end="1"/>
+                                            </p:txEl>
+                                          </p:spTgt>
+                                        </p:tgtEl>
+                                        <p:attrNameLst>
+                                          <p:attrName>ppt_y</p:attrName>
+                                        </p:attrNameLst>
+                                      </p:cBhvr>
+                                      <p:tavLst>
+                                        <p:tav tm="0">
+                                          <p:val>
+                                            <p:strVal val="#ppt_y"/>
+                                          </p:val>
+                                        </p:tav>
+                                        <p:tav tm="100000">
+                                          <p:val>
+                                            <p:strVal val="#ppt_y"/>
+                                          </p:val>
+                                        </p:tav>
+                                      </p:tavLst>
+                                    </p:anim>
+                                  </p:childTnLst>
+                                </p:cTn>
+                              </p:par>
+                              <p:par>
+                                <p:cTn id="17" presetID="2" presetClass="entr" presetSubtype="2" fill="hold" grpId="0" nodeType="withEffect">
+                                  <p:stCondLst>
+                                    <p:cond delay="0"/>
+                                  </p:stCondLst>
+                                  <p:childTnLst>
+                                    <p:set>
+                                      <p:cBhvr>
+                                        <p:cTn id="18" dur="1" fill="hold">
+                                          <p:stCondLst>
+                                            <p:cond delay="0"/>
+                                          </p:stCondLst>
+                                        </p:cTn>
+                                        <p:tgtEl>
+                                          <p:spTgt spid="6">
+                                            <p:txEl>
+                                              <p:pRg st="2" end="2"/>
+                                            </p:txEl>
+                                          </p:spTgt>
+                                        </p:tgtEl>
+                                        <p:attrNameLst>
+                                          <p:attrName>style.visibility</p:attrName>
+                                        </p:attrNameLst>
+                                      </p:cBhvr>
+                                      <p:to>
+                                        <p:strVal val="visible"/>
+                                      </p:to>
+                                    </p:set>
+                                    <p:anim calcmode="lin" valueType="num">
+                                      <p:cBhvr additive="base">
+                                        <p:cTn id="19" dur="500" fill="hold"/>
+                                        <p:tgtEl>
+                                          <p:spTgt spid="6">
+                                            <p:txEl>
+                                              <p:pRg st="2" end="2"/>
+                                            </p:txEl>
+                                          </p:spTgt>
+                                        </p:tgtEl>
+                                        <p:attrNameLst>
+                                          <p:attrName>ppt_x</p:attrName>
+                                        </p:attrNameLst>
+                                      </p:cBhvr>
+                                      <p:tavLst>
+                                        <p:tav tm="0">
+                                          <p:val>
+                                            <p:strVal val="1+#ppt_w/2"/>
+                                          </p:val>
+                                        </p:tav>
+                                        <p:tav tm="100000">
+                                          <p:val>
+                                            <p:strVal val="#ppt_x"/>
+                                          </p:val>
+                                        </p:tav>
+                                      </p:tavLst>
+                                    </p:anim>
+                                    <p:anim calcmode="lin" valueType="num">
+                                      <p:cBhvr additive="base">
+                                        <p:cTn id="20" dur="500" fill="hold"/>
+                                        <p:tgtEl>
+                                          <p:spTgt spid="6">
+                                            <p:txEl>
+                                              <p:pRg st="2" end="2"/>
+                                            </p:txEl>
+                                          </p:spTgt>
+                                        </p:tgtEl>
+                                        <p:attrNameLst>
+                                          <p:attrName>ppt_y</p:attrName>
+                                        </p:attrNameLst>
+                                      </p:cBhvr>
+                                      <p:tavLst>
+                                        <p:tav tm="0">
+                                          <p:val>
+                                            <p:strVal val="#ppt_y"/>
+                                          </p:val>
+                                        </p:tav>
+                                        <p:tav tm="100000">
+                                          <p:val>
+                                            <p:strVal val="#ppt_y"/>
+                                          </p:val>
+                                        </p:tav>
+                                      </p:tavLst>
+                                    </p:anim>
+                                  </p:childTnLst>
+                                </p:cTn>
+                              </p:par>
+                              <p:par>
+                                <p:cTn id="21" presetID="2" presetClass="entr" presetSubtype="2" fill="hold" grpId="0" nodeType="withEffect">
+                                  <p:stCondLst>
+                                    <p:cond delay="0"/>
+                                  </p:stCondLst>
+                                  <p:childTnLst>
+                                    <p:set>
+                                      <p:cBhvr>
+                                        <p:cTn id="22" dur="1" fill="hold">
+                                          <p:stCondLst>
+                                            <p:cond delay="0"/>
+                                          </p:stCondLst>
+                                        </p:cTn>
+                                        <p:tgtEl>
+                                          <p:spTgt spid="6">
+                                            <p:txEl>
+                                              <p:pRg st="3" end="3"/>
+                                            </p:txEl>
+                                          </p:spTgt>
+                                        </p:tgtEl>
+                                        <p:attrNameLst>
+                                          <p:attrName>style.visibility</p:attrName>
+                                        </p:attrNameLst>
+                                      </p:cBhvr>
+                                      <p:to>
+                                        <p:strVal val="visible"/>
+                                      </p:to>
+                                    </p:set>
+                                    <p:anim calcmode="lin" valueType="num">
+                                      <p:cBhvr additive="base">
+                                        <p:cTn id="23" dur="500" fill="hold"/>
+                                        <p:tgtEl>
+                                          <p:spTgt spid="6">
+                                            <p:txEl>
+                                              <p:pRg st="3" end="3"/>
+                                            </p:txEl>
+                                          </p:spTgt>
+                                        </p:tgtEl>
+                                        <p:attrNameLst>
+                                          <p:attrName>ppt_x</p:attrName>
+                                        </p:attrNameLst>
+                                      </p:cBhvr>
+                                      <p:tavLst>
+                                        <p:tav tm="0">
+                                          <p:val>
+                                            <p:strVal val="1+#ppt_w/2"/>
+                                          </p:val>
+                                        </p:tav>
+                                        <p:tav tm="100000">
+                                          <p:val>
+                                            <p:strVal val="#ppt_x"/>
+                                          </p:val>
+                                        </p:tav>
+                                      </p:tavLst>
+                                    </p:anim>
+                                    <p:anim calcmode="lin" valueType="num">
+                                      <p:cBhvr additive="base">
+                                        <p:cTn id="24" dur="500" fill="hold"/>
+                                        <p:tgtEl>
+                                          <p:spTgt spid="6">
+                                            <p:txEl>
+                                              <p:pRg st="3" end="3"/>
+                                            </p:txEl>
+                                          </p:spTgt>
+                                        </p:tgtEl>
+                                        <p:attrNameLst>
+                                          <p:attrName>ppt_y</p:attrName>
+                                        </p:attrNameLst>
+                                      </p:cBhvr>
+                                      <p:tavLst>
+                                        <p:tav tm="0">
+                                          <p:val>
+                                            <p:strVal val="#ppt_y"/>
+                                          </p:val>
+                                        </p:tav>
+                                        <p:tav tm="100000">
+                                          <p:val>
+                                            <p:strVal val="#ppt_y"/>
+                                          </p:val>
+                                        </p:tav>
+                                      </p:tavLst>
+                                    </p:anim>
+                                  </p:childTnLst>
+                                </p:cTn>
+                              </p:par>
+                              <p:par>
+                                <p:cTn id="25" presetID="2" presetClass="entr" presetSubtype="2" fill="hold" grpId="0" nodeType="withEffect">
+                                  <p:stCondLst>
+                                    <p:cond delay="0"/>
+                                  </p:stCondLst>
+                                  <p:childTnLst>
+                                    <p:set>
+                                      <p:cBhvr>
+                                        <p:cTn id="26" dur="1" fill="hold">
+                                          <p:stCondLst>
+                                            <p:cond delay="0"/>
+                                          </p:stCondLst>
+                                        </p:cTn>
+                                        <p:tgtEl>
+                                          <p:spTgt spid="6">
+                                            <p:txEl>
+                                              <p:pRg st="4" end="4"/>
+                                            </p:txEl>
+                                          </p:spTgt>
+                                        </p:tgtEl>
+                                        <p:attrNameLst>
+                                          <p:attrName>style.visibility</p:attrName>
+                                        </p:attrNameLst>
+                                      </p:cBhvr>
+                                      <p:to>
+                                        <p:strVal val="visible"/>
+                                      </p:to>
+                                    </p:set>
+                                    <p:anim calcmode="lin" valueType="num">
+                                      <p:cBhvr additive="base">
+                                        <p:cTn id="27" dur="500" fill="hold"/>
+                                        <p:tgtEl>
+                                          <p:spTgt spid="6">
+                                            <p:txEl>
+                                              <p:pRg st="4" end="4"/>
+                                            </p:txEl>
+                                          </p:spTgt>
+                                        </p:tgtEl>
+                                        <p:attrNameLst>
+                                          <p:attrName>ppt_x</p:attrName>
+                                        </p:attrNameLst>
+                                      </p:cBhvr>
+                                      <p:tavLst>
+                                        <p:tav tm="0">
+                                          <p:val>
+                                            <p:strVal val="1+#ppt_w/2"/>
+                                          </p:val>
+                                        </p:tav>
+                                        <p:tav tm="100000">
+                                          <p:val>
+                                            <p:strVal val="#ppt_x"/>
+                                          </p:val>
+                                        </p:tav>
+                                      </p:tavLst>
+                                    </p:anim>
+                                    <p:anim calcmode="lin" valueType="num">
+                                      <p:cBhvr additive="base">
+                                        <p:cTn id="28" dur="500" fill="hold"/>
+                                        <p:tgtEl>
+                                          <p:spTgt spid="6">
+                                            <p:txEl>
+                                              <p:pRg st="4" end="4"/>
+                                            </p:txEl>
+                                          </p:spTgt>
+                                        </p:tgtEl>
+                                        <p:attrNameLst>
+                                          <p:attrName>ppt_y</p:attrName>
+                                        </p:attrNameLst>
+                                      </p:cBhvr>
+                                      <p:tavLst>
+                                        <p:tav tm="0">
+                                          <p:val>
+                                            <p:strVal val="#ppt_y"/>
+                                          </p:val>
+                                        </p:tav>
+                                        <p:tav tm="100000">
+                                          <p:val>
+                                            <p:strVal val="#ppt_y"/>
+                                          </p:val>
+                                        </p:tav>
+                                      </p:tavLst>
+                                    </p:anim>
+                                  </p:childTnLst>
+                                </p:cTn>
+                              </p:par>
+                            </p:childTnLst>
+                          </p:cTn>
+                        </p:par>
+                      </p:childTnLst>
+                    </p:cTn>
+                  </p:par>
+                </p:childTnLst>
+              </p:cTn>
+              <p:prevCondLst>
+                <p:cond evt="onPrev" delay="0">
+                  <p:tgtEl>
+                    <p:sldTgt/>
+                  </p:tgtEl>
+                </p:cond>
+              </p:prevCondLst>
+              <p:nextCondLst>
+                <p:cond evt="onNext" delay="0">
+                  <p:tgtEl>
+                    <p:sldTgt/>
+                  </p:tgtEl>
+                </p:cond>
+              </p:nextCondLst>
+            </p:seq>
+          </p:childTnLst>
+        </p:cTn>
+      </p:par>
+    </p:tnLst>
+    <p:bldLst>
+      <p:bldP spid="6" grpId="0" build="p"/>
+      <p:bldP spid="7" grpId="0" animBg="1"/>
+    </p:bldLst>
+  </p:timing>
+</p:sld>
+</file>
+
+<file path=ppt/slides/slide27.xml><?xml version="1.0" encoding="utf-8"?>
+<p:sld xmlns:a="http://schemas.openxmlformats.org/drawingml/2006/main" xmlns:r="http://schemas.openxmlformats.org/officeDocument/2006/relationships" xmlns:p="http://schemas.openxmlformats.org/presentationml/2006/main">
+  <p:cSld>
+    <p:spTree>
+      <p:nvGrpSpPr>
+        <p:cNvPr id="1" name=""/>
+        <p:cNvGrpSpPr/>
+        <p:nvPr/>
+      </p:nvGrpSpPr>
+      <p:grpSpPr>
+        <a:xfrm>
+          <a:off x="0" y="0"/>
+          <a:ext cx="0" cy="0"/>
+          <a:chOff x="0" y="0"/>
+          <a:chExt cx="0" cy="0"/>
+        </a:xfrm>
+      </p:grpSpPr>
+      <p:sp>
+        <p:nvSpPr>
+          <p:cNvPr id="2" name="Заголовок 1"/>
+          <p:cNvSpPr>
+            <a:spLocks noGrp="1"/>
+          </p:cNvSpPr>
+          <p:nvPr>
+            <p:ph type="title"/>
+          </p:nvPr>
+        </p:nvSpPr>
+        <p:spPr/>
+        <p:txBody>
+          <a:bodyPr/>
+          <a:lstStyle/>
+          <a:p>
+            <a:r>
+              <a:rPr lang="ru-RU" dirty="0" smtClean="0"/>
+              <a:t>Добавляем мониторинг</a:t>
+            </a:r>
+            <a:endParaRPr lang="ru-RU" dirty="0"/>
+          </a:p>
+        </p:txBody>
+      </p:sp>
+      <p:sp>
+        <p:nvSpPr>
+          <p:cNvPr id="3" name="Нижний колонтитул 2"/>
+          <p:cNvSpPr>
+            <a:spLocks noGrp="1"/>
+          </p:cNvSpPr>
+          <p:nvPr>
+            <p:ph type="ftr" sz="quarter" idx="11"/>
+          </p:nvPr>
+        </p:nvSpPr>
+        <p:spPr/>
+        <p:txBody>
+          <a:bodyPr/>
+          <a:lstStyle/>
+          <a:p>
+            <a:endParaRPr lang="ru-RU" dirty="0">
+              <a:solidFill>
+                <a:srgbClr val="000000"/>
+              </a:solidFill>
+            </a:endParaRPr>
+          </a:p>
+        </p:txBody>
+      </p:sp>
+      <p:sp>
+        <p:nvSpPr>
+          <p:cNvPr id="4" name="Номер слайда 3"/>
+          <p:cNvSpPr>
+            <a:spLocks noGrp="1"/>
+          </p:cNvSpPr>
+          <p:nvPr>
+            <p:ph type="sldNum" sz="quarter" idx="12"/>
+          </p:nvPr>
+        </p:nvSpPr>
+        <p:spPr/>
+        <p:txBody>
+          <a:bodyPr/>
+          <a:lstStyle/>
+          <a:p>
+            <a:fld id="{741C03D3-FA44-40EC-9A21-1FC4FEA3E22E}" type="slidenum">
+              <a:rPr lang="ru-RU" smtClean="0">
+                <a:solidFill>
+                  <a:srgbClr val="000000"/>
+                </a:solidFill>
+              </a:rPr>
+              <a:pPr/>
+              <a:t>27</a:t>
+            </a:fld>
+            <a:endParaRPr lang="ru-RU">
+              <a:solidFill>
+                <a:srgbClr val="000000"/>
+              </a:solidFill>
+            </a:endParaRPr>
+          </a:p>
+        </p:txBody>
+      </p:sp>
+      <p:sp>
+        <p:nvSpPr>
+          <p:cNvPr id="5" name="Объект 4"/>
+          <p:cNvSpPr>
+            <a:spLocks noGrp="1"/>
+          </p:cNvSpPr>
+          <p:nvPr>
+            <p:ph idx="13"/>
+          </p:nvPr>
+        </p:nvSpPr>
+        <p:spPr/>
+        <p:txBody>
+          <a:bodyPr/>
+          <a:lstStyle/>
+          <a:p>
+            <a:pPr>
+              <a:lnSpc>
+                <a:spcPct val="135000"/>
+              </a:lnSpc>
+            </a:pPr>
+            <a:r>
+              <a:rPr lang="en-US" dirty="0"/>
+              <a:t>class Billing {</a:t>
+            </a:r>
+          </a:p>
+          <a:p>
+            <a:pPr>
+              <a:lnSpc>
+                <a:spcPct val="135000"/>
+              </a:lnSpc>
+            </a:pPr>
+            <a:r>
+              <a:rPr lang="en-US" dirty="0"/>
+              <a:t>public:</a:t>
+            </a:r>
+          </a:p>
+          <a:p>
+            <a:pPr>
+              <a:lnSpc>
+                <a:spcPct val="135000"/>
+              </a:lnSpc>
+            </a:pPr>
+            <a:r>
+              <a:rPr lang="en-US" dirty="0"/>
+              <a:t>    Billing(string </a:t>
+            </a:r>
+            <a:r>
+              <a:rPr lang="en-US" dirty="0" err="1"/>
+              <a:t>usersDatabase</a:t>
+            </a:r>
+            <a:r>
+              <a:rPr lang="en-US" dirty="0"/>
+              <a:t>, string </a:t>
+            </a:r>
+            <a:r>
+              <a:rPr lang="en-US" dirty="0" err="1"/>
+              <a:t>tariffsDatabase</a:t>
+            </a:r>
+            <a:r>
+              <a:rPr lang="en-US" dirty="0"/>
+              <a:t>);</a:t>
+            </a:r>
+          </a:p>
+          <a:p>
+            <a:pPr>
+              <a:lnSpc>
+                <a:spcPct val="135000"/>
+              </a:lnSpc>
+            </a:pPr>
+            <a:r>
+              <a:rPr lang="en-US" dirty="0" smtClean="0"/>
+              <a:t>    </a:t>
+            </a:r>
+            <a:r>
+              <a:rPr lang="en-US" dirty="0"/>
+              <a:t>void </a:t>
+            </a:r>
+            <a:r>
+              <a:rPr lang="en-US" dirty="0" err="1"/>
+              <a:t>ChargePhoneCall</a:t>
+            </a:r>
+            <a:r>
+              <a:rPr lang="en-US" dirty="0"/>
+              <a:t>(</a:t>
+            </a:r>
+            <a:r>
+              <a:rPr lang="en-US" dirty="0" err="1"/>
+              <a:t>int</a:t>
+            </a:r>
+            <a:r>
+              <a:rPr lang="en-US" dirty="0"/>
+              <a:t> </a:t>
+            </a:r>
+            <a:r>
+              <a:rPr lang="en-US" dirty="0" err="1"/>
+              <a:t>userId</a:t>
+            </a:r>
+            <a:r>
+              <a:rPr lang="en-US" dirty="0"/>
+              <a:t>, </a:t>
+            </a:r>
+            <a:r>
+              <a:rPr lang="en-US" dirty="0" err="1"/>
+              <a:t>int</a:t>
+            </a:r>
+            <a:r>
+              <a:rPr lang="en-US" dirty="0"/>
+              <a:t> minutes);</a:t>
+            </a:r>
+          </a:p>
+          <a:p>
+            <a:pPr>
+              <a:lnSpc>
+                <a:spcPct val="135000"/>
+              </a:lnSpc>
+            </a:pPr>
+            <a:r>
+              <a:rPr lang="en-US" dirty="0"/>
+              <a:t>    void </a:t>
+            </a:r>
+            <a:r>
+              <a:rPr lang="en-US" dirty="0" err="1"/>
+              <a:t>AddMoney</a:t>
+            </a:r>
+            <a:r>
+              <a:rPr lang="en-US" dirty="0"/>
+              <a:t>(</a:t>
+            </a:r>
+            <a:r>
+              <a:rPr lang="en-US" dirty="0" err="1"/>
+              <a:t>int</a:t>
+            </a:r>
+            <a:r>
+              <a:rPr lang="en-US" dirty="0"/>
+              <a:t> </a:t>
+            </a:r>
+            <a:r>
+              <a:rPr lang="en-US" dirty="0" err="1"/>
+              <a:t>userId</a:t>
+            </a:r>
+            <a:r>
+              <a:rPr lang="en-US" dirty="0"/>
+              <a:t>, </a:t>
+            </a:r>
+            <a:r>
+              <a:rPr lang="en-US" dirty="0" err="1"/>
+              <a:t>int</a:t>
+            </a:r>
+            <a:r>
+              <a:rPr lang="en-US" dirty="0"/>
+              <a:t> rubles);</a:t>
+            </a:r>
+          </a:p>
+          <a:p>
+            <a:pPr>
+              <a:lnSpc>
+                <a:spcPct val="135000"/>
+              </a:lnSpc>
+            </a:pPr>
+            <a:r>
+              <a:rPr lang="en-US" dirty="0" smtClean="0">
+                <a:solidFill>
+                  <a:srgbClr val="FC6767"/>
+                </a:solidFill>
+              </a:rPr>
+              <a:t>    </a:t>
+            </a:r>
+            <a:r>
+              <a:rPr lang="en-US" dirty="0">
+                <a:solidFill>
+                  <a:srgbClr val="FC6767"/>
+                </a:solidFill>
+              </a:rPr>
+              <a:t>void </a:t>
+            </a:r>
+            <a:r>
+              <a:rPr lang="en-US" dirty="0" err="1">
+                <a:solidFill>
+                  <a:srgbClr val="FC6767"/>
+                </a:solidFill>
+              </a:rPr>
+              <a:t>PrintStatsAsJson</a:t>
+            </a:r>
+            <a:r>
+              <a:rPr lang="en-US" dirty="0">
+                <a:solidFill>
+                  <a:srgbClr val="FC6767"/>
+                </a:solidFill>
+              </a:rPr>
+              <a:t>() {</a:t>
+            </a:r>
+          </a:p>
+          <a:p>
+            <a:pPr>
+              <a:lnSpc>
+                <a:spcPct val="135000"/>
+              </a:lnSpc>
+            </a:pPr>
+            <a:r>
+              <a:rPr lang="en-US" dirty="0">
+                <a:solidFill>
+                  <a:srgbClr val="FC6767"/>
+                </a:solidFill>
+              </a:rPr>
+              <a:t>        </a:t>
+            </a:r>
+            <a:r>
+              <a:rPr lang="en-US" dirty="0" err="1">
+                <a:solidFill>
+                  <a:srgbClr val="FC6767"/>
+                </a:solidFill>
+              </a:rPr>
+              <a:t>cout</a:t>
+            </a:r>
+            <a:r>
+              <a:rPr lang="en-US" dirty="0">
+                <a:solidFill>
+                  <a:srgbClr val="FC6767"/>
+                </a:solidFill>
+              </a:rPr>
+              <a:t> &lt;&lt; "[";</a:t>
+            </a:r>
+          </a:p>
+          <a:p>
+            <a:pPr>
+              <a:lnSpc>
+                <a:spcPct val="135000"/>
+              </a:lnSpc>
+            </a:pPr>
+            <a:r>
+              <a:rPr lang="en-US" dirty="0">
+                <a:solidFill>
+                  <a:srgbClr val="FC6767"/>
+                </a:solidFill>
+              </a:rPr>
+              <a:t>        for (</a:t>
+            </a:r>
+            <a:r>
+              <a:rPr lang="en-US" dirty="0" err="1">
+                <a:solidFill>
+                  <a:srgbClr val="FC6767"/>
+                </a:solidFill>
+              </a:rPr>
+              <a:t>size_t</a:t>
+            </a:r>
+            <a:r>
+              <a:rPr lang="en-US" dirty="0">
+                <a:solidFill>
+                  <a:srgbClr val="FC6767"/>
+                </a:solidFill>
+              </a:rPr>
+              <a:t> </a:t>
+            </a:r>
+            <a:r>
+              <a:rPr lang="en-US" dirty="0" err="1">
+                <a:solidFill>
+                  <a:srgbClr val="FC6767"/>
+                </a:solidFill>
+              </a:rPr>
+              <a:t>i</a:t>
+            </a:r>
+            <a:r>
+              <a:rPr lang="en-US" dirty="0">
+                <a:solidFill>
+                  <a:srgbClr val="FC6767"/>
+                </a:solidFill>
+              </a:rPr>
+              <a:t> = 0; </a:t>
+            </a:r>
+            <a:r>
+              <a:rPr lang="en-US" dirty="0" err="1">
+                <a:solidFill>
+                  <a:srgbClr val="FC6767"/>
+                </a:solidFill>
+              </a:rPr>
+              <a:t>i</a:t>
+            </a:r>
+            <a:r>
+              <a:rPr lang="en-US" dirty="0">
+                <a:solidFill>
+                  <a:srgbClr val="FC6767"/>
+                </a:solidFill>
+              </a:rPr>
+              <a:t> &lt; </a:t>
+            </a:r>
+            <a:r>
+              <a:rPr lang="en-US" dirty="0" err="1">
+                <a:solidFill>
+                  <a:srgbClr val="FC6767"/>
+                </a:solidFill>
+              </a:rPr>
+              <a:t>users_.size</a:t>
+            </a:r>
+            <a:r>
+              <a:rPr lang="en-US" dirty="0">
+                <a:solidFill>
+                  <a:srgbClr val="FC6767"/>
+                </a:solidFill>
+              </a:rPr>
+              <a:t>(); ++</a:t>
+            </a:r>
+            <a:r>
+              <a:rPr lang="en-US" dirty="0" err="1">
+                <a:solidFill>
+                  <a:srgbClr val="FC6767"/>
+                </a:solidFill>
+              </a:rPr>
+              <a:t>i</a:t>
+            </a:r>
+            <a:r>
+              <a:rPr lang="en-US" dirty="0">
+                <a:solidFill>
+                  <a:srgbClr val="FC6767"/>
+                </a:solidFill>
+              </a:rPr>
+              <a:t>) {</a:t>
+            </a:r>
+          </a:p>
+          <a:p>
+            <a:pPr>
+              <a:lnSpc>
+                <a:spcPct val="135000"/>
+              </a:lnSpc>
+            </a:pPr>
+            <a:r>
+              <a:rPr lang="en-US" dirty="0">
+                <a:solidFill>
+                  <a:srgbClr val="FC6767"/>
+                </a:solidFill>
+              </a:rPr>
+              <a:t>            users_[</a:t>
+            </a:r>
+            <a:r>
+              <a:rPr lang="en-US" dirty="0" err="1">
+                <a:solidFill>
+                  <a:srgbClr val="FC6767"/>
+                </a:solidFill>
+              </a:rPr>
+              <a:t>i</a:t>
+            </a:r>
+            <a:r>
+              <a:rPr lang="en-US" dirty="0">
+                <a:solidFill>
+                  <a:srgbClr val="FC6767"/>
+                </a:solidFill>
+              </a:rPr>
+              <a:t>].</a:t>
+            </a:r>
+            <a:r>
+              <a:rPr lang="en-US" dirty="0" err="1">
+                <a:solidFill>
+                  <a:srgbClr val="FC6767"/>
+                </a:solidFill>
+              </a:rPr>
+              <a:t>PrintStatsAsJson</a:t>
+            </a:r>
+            <a:r>
+              <a:rPr lang="en-US" dirty="0">
+                <a:solidFill>
+                  <a:srgbClr val="FC6767"/>
+                </a:solidFill>
+              </a:rPr>
+              <a:t>();</a:t>
+            </a:r>
+          </a:p>
+          <a:p>
+            <a:pPr>
+              <a:lnSpc>
+                <a:spcPct val="135000"/>
+              </a:lnSpc>
+            </a:pPr>
+            <a:r>
+              <a:rPr lang="en-US" dirty="0">
+                <a:solidFill>
+                  <a:srgbClr val="FC6767"/>
+                </a:solidFill>
+              </a:rPr>
+              <a:t>            if (</a:t>
+            </a:r>
+            <a:r>
+              <a:rPr lang="en-US" dirty="0" err="1">
+                <a:solidFill>
+                  <a:srgbClr val="FC6767"/>
+                </a:solidFill>
+              </a:rPr>
+              <a:t>i</a:t>
+            </a:r>
+            <a:r>
+              <a:rPr lang="en-US" dirty="0">
+                <a:solidFill>
+                  <a:srgbClr val="FC6767"/>
+                </a:solidFill>
+              </a:rPr>
+              <a:t> + 1 &lt; </a:t>
+            </a:r>
+            <a:r>
+              <a:rPr lang="en-US" dirty="0" err="1">
+                <a:solidFill>
+                  <a:srgbClr val="FC6767"/>
+                </a:solidFill>
+              </a:rPr>
+              <a:t>users_.size</a:t>
+            </a:r>
+            <a:r>
+              <a:rPr lang="en-US" dirty="0">
+                <a:solidFill>
+                  <a:srgbClr val="FC6767"/>
+                </a:solidFill>
+              </a:rPr>
+              <a:t>()) </a:t>
+            </a:r>
+            <a:r>
+              <a:rPr lang="en-US" dirty="0" smtClean="0">
+                <a:solidFill>
+                  <a:srgbClr val="FC6767"/>
+                </a:solidFill>
+              </a:rPr>
+              <a:t>{ </a:t>
+            </a:r>
+            <a:r>
+              <a:rPr lang="en-US" dirty="0" err="1" smtClean="0">
+                <a:solidFill>
+                  <a:srgbClr val="FC6767"/>
+                </a:solidFill>
+              </a:rPr>
+              <a:t>cout</a:t>
+            </a:r>
+            <a:r>
+              <a:rPr lang="en-US" dirty="0" smtClean="0">
+                <a:solidFill>
+                  <a:srgbClr val="FC6767"/>
+                </a:solidFill>
+              </a:rPr>
+              <a:t> &lt;&lt; ","; </a:t>
+            </a:r>
+            <a:r>
+              <a:rPr lang="en-US" dirty="0">
+                <a:solidFill>
+                  <a:srgbClr val="FC6767"/>
+                </a:solidFill>
+              </a:rPr>
+              <a:t>}</a:t>
+            </a:r>
+          </a:p>
+          <a:p>
+            <a:pPr>
+              <a:lnSpc>
+                <a:spcPct val="135000"/>
+              </a:lnSpc>
+            </a:pPr>
+            <a:r>
+              <a:rPr lang="en-US" dirty="0">
+                <a:solidFill>
+                  <a:srgbClr val="FC6767"/>
+                </a:solidFill>
+              </a:rPr>
+              <a:t>        }</a:t>
+            </a:r>
+          </a:p>
+          <a:p>
+            <a:pPr>
+              <a:lnSpc>
+                <a:spcPct val="135000"/>
+              </a:lnSpc>
+            </a:pPr>
+            <a:r>
+              <a:rPr lang="en-US" dirty="0">
+                <a:solidFill>
+                  <a:srgbClr val="FC6767"/>
+                </a:solidFill>
+              </a:rPr>
+              <a:t>        </a:t>
+            </a:r>
+            <a:r>
+              <a:rPr lang="en-US" dirty="0" err="1">
+                <a:solidFill>
+                  <a:srgbClr val="FC6767"/>
+                </a:solidFill>
+              </a:rPr>
+              <a:t>cout</a:t>
+            </a:r>
+            <a:r>
+              <a:rPr lang="en-US" dirty="0">
+                <a:solidFill>
+                  <a:srgbClr val="FC6767"/>
+                </a:solidFill>
+              </a:rPr>
+              <a:t> &lt;&lt; "]";</a:t>
+            </a:r>
+          </a:p>
+          <a:p>
+            <a:pPr>
+              <a:lnSpc>
+                <a:spcPct val="135000"/>
+              </a:lnSpc>
+            </a:pPr>
+            <a:r>
+              <a:rPr lang="en-US" dirty="0">
+                <a:solidFill>
+                  <a:srgbClr val="FC6767"/>
+                </a:solidFill>
+              </a:rPr>
+              <a:t>    </a:t>
+            </a:r>
+            <a:r>
+              <a:rPr lang="en-US" dirty="0" smtClean="0">
+                <a:solidFill>
+                  <a:srgbClr val="FC6767"/>
+                </a:solidFill>
+              </a:rPr>
+              <a:t>}</a:t>
+            </a:r>
+            <a:endParaRPr lang="en-US" dirty="0">
+              <a:solidFill>
+                <a:srgbClr val="FC6767"/>
+              </a:solidFill>
+            </a:endParaRPr>
+          </a:p>
+        </p:txBody>
+      </p:sp>
+    </p:spTree>
+    <p:extLst>
+      <p:ext uri="{BB962C8B-B14F-4D97-AF65-F5344CB8AC3E}">
+        <p14:creationId xmlns:p14="http://schemas.microsoft.com/office/powerpoint/2010/main" val="2225323990"/>
+      </p:ext>
+    </p:extLst>
+  </p:cSld>
+  <p:clrMapOvr>
+    <a:masterClrMapping/>
+  </p:clrMapOvr>
+  <p:timing>
+    <p:tnLst>
+      <p:par>
+        <p:cTn id="1" dur="indefinite" restart="never" nodeType="tmRoot"/>
+      </p:par>
+    </p:tnLst>
+  </p:timing>
+</p:sld>
+</file>
+
+<file path=ppt/slides/slide28.xml><?xml version="1.0" encoding="utf-8"?>
+<p:sld xmlns:a="http://schemas.openxmlformats.org/drawingml/2006/main" xmlns:r="http://schemas.openxmlformats.org/officeDocument/2006/relationships" xmlns:p="http://schemas.openxmlformats.org/presentationml/2006/main">
+  <p:cSld>
+    <p:spTree>
+      <p:nvGrpSpPr>
+        <p:cNvPr id="1" name=""/>
+        <p:cNvGrpSpPr/>
+        <p:nvPr/>
+      </p:nvGrpSpPr>
+      <p:grpSpPr>
+        <a:xfrm>
+          <a:off x="0" y="0"/>
+          <a:ext cx="0" cy="0"/>
+          <a:chOff x="0" y="0"/>
+          <a:chExt cx="0" cy="0"/>
+        </a:xfrm>
+      </p:grpSpPr>
+      <p:sp>
+        <p:nvSpPr>
+          <p:cNvPr id="2" name="Нижний колонтитул 1"/>
+          <p:cNvSpPr>
+            <a:spLocks noGrp="1"/>
+          </p:cNvSpPr>
+          <p:nvPr>
+            <p:ph type="ftr" sz="quarter" idx="11"/>
+          </p:nvPr>
+        </p:nvSpPr>
+        <p:spPr/>
+        <p:txBody>
+          <a:bodyPr/>
+          <a:lstStyle/>
+          <a:p>
+            <a:endParaRPr lang="ru-RU" dirty="0">
+              <a:solidFill>
+                <a:srgbClr val="000000"/>
+              </a:solidFill>
+            </a:endParaRPr>
+          </a:p>
+        </p:txBody>
+      </p:sp>
+      <p:sp>
+        <p:nvSpPr>
+          <p:cNvPr id="3" name="Номер слайда 2"/>
+          <p:cNvSpPr>
+            <a:spLocks noGrp="1"/>
+          </p:cNvSpPr>
+          <p:nvPr>
+            <p:ph type="sldNum" sz="quarter" idx="12"/>
+          </p:nvPr>
+        </p:nvSpPr>
+        <p:spPr/>
+        <p:txBody>
+          <a:bodyPr/>
+          <a:lstStyle/>
+          <a:p>
+            <a:fld id="{741C03D3-FA44-40EC-9A21-1FC4FEA3E22E}" type="slidenum">
+              <a:rPr lang="ru-RU" smtClean="0">
+                <a:solidFill>
+                  <a:srgbClr val="000000"/>
+                </a:solidFill>
+              </a:rPr>
+              <a:pPr/>
+              <a:t>28</a:t>
+            </a:fld>
+            <a:endParaRPr lang="ru-RU">
+              <a:solidFill>
+                <a:srgbClr val="000000"/>
+              </a:solidFill>
+            </a:endParaRPr>
+          </a:p>
+        </p:txBody>
+      </p:sp>
+      <p:sp>
+        <p:nvSpPr>
+          <p:cNvPr id="4" name="Объект 3"/>
+          <p:cNvSpPr>
+            <a:spLocks noGrp="1"/>
+          </p:cNvSpPr>
+          <p:nvPr>
+            <p:ph idx="13"/>
+          </p:nvPr>
+        </p:nvSpPr>
+        <p:spPr/>
+        <p:txBody>
+          <a:bodyPr/>
+          <a:lstStyle/>
+          <a:p>
+            <a:r>
+              <a:rPr lang="en-US" dirty="0"/>
+              <a:t>private:</a:t>
+            </a:r>
+          </a:p>
+          <a:p>
+            <a:r>
+              <a:rPr lang="en-US" dirty="0" smtClean="0"/>
+              <a:t>    </a:t>
+            </a:r>
+            <a:r>
+              <a:rPr lang="en-US" dirty="0"/>
+              <a:t>class </a:t>
+            </a:r>
+            <a:r>
+              <a:rPr lang="en-US" dirty="0" err="1"/>
+              <a:t>UserInfo</a:t>
+            </a:r>
+            <a:r>
+              <a:rPr lang="en-US" dirty="0"/>
+              <a:t> {</a:t>
+            </a:r>
+          </a:p>
+          <a:p>
+            <a:r>
+              <a:rPr lang="en-US" dirty="0"/>
+              <a:t>    public</a:t>
+            </a:r>
+            <a:r>
+              <a:rPr lang="en-US" dirty="0" smtClean="0"/>
+              <a:t>:</a:t>
+            </a:r>
+          </a:p>
+          <a:p>
+            <a:r>
+              <a:rPr lang="en-US" dirty="0"/>
+              <a:t> </a:t>
+            </a:r>
+            <a:r>
+              <a:rPr lang="en-US" dirty="0" smtClean="0"/>
+              <a:t>        …</a:t>
+            </a:r>
+            <a:endParaRPr lang="en-US" dirty="0"/>
+          </a:p>
+          <a:p>
+            <a:r>
+              <a:rPr lang="en-US" dirty="0" smtClean="0">
+                <a:solidFill>
+                  <a:srgbClr val="FC6767"/>
+                </a:solidFill>
+              </a:rPr>
+              <a:t>         void </a:t>
+            </a:r>
+            <a:r>
+              <a:rPr lang="en-US" dirty="0" err="1">
+                <a:solidFill>
+                  <a:srgbClr val="FC6767"/>
+                </a:solidFill>
+              </a:rPr>
+              <a:t>PrintStatsAsJson</a:t>
+            </a:r>
+            <a:r>
+              <a:rPr lang="en-US" dirty="0">
+                <a:solidFill>
+                  <a:srgbClr val="FC6767"/>
+                </a:solidFill>
+              </a:rPr>
+              <a:t>() {</a:t>
+            </a:r>
+          </a:p>
+          <a:p>
+            <a:r>
+              <a:rPr lang="en-US" dirty="0">
+                <a:solidFill>
+                  <a:srgbClr val="FC6767"/>
+                </a:solidFill>
+              </a:rPr>
+              <a:t>            </a:t>
+            </a:r>
+            <a:r>
+              <a:rPr lang="en-US" dirty="0" err="1">
+                <a:solidFill>
+                  <a:srgbClr val="FC6767"/>
+                </a:solidFill>
+              </a:rPr>
+              <a:t>cout</a:t>
+            </a:r>
+            <a:r>
+              <a:rPr lang="en-US" dirty="0">
+                <a:solidFill>
+                  <a:srgbClr val="FC6767"/>
+                </a:solidFill>
+              </a:rPr>
+              <a:t> &lt;&lt; "{" &lt;&lt; R"("</a:t>
+            </a:r>
+            <a:r>
+              <a:rPr lang="en-US" dirty="0" err="1">
+                <a:solidFill>
+                  <a:srgbClr val="FC6767"/>
+                </a:solidFill>
+              </a:rPr>
+              <a:t>callCount</a:t>
+            </a:r>
+            <a:r>
+              <a:rPr lang="en-US" dirty="0">
+                <a:solidFill>
+                  <a:srgbClr val="FC6767"/>
+                </a:solidFill>
+              </a:rPr>
+              <a:t>":)" &lt;&lt; </a:t>
+            </a:r>
+            <a:r>
+              <a:rPr lang="en-US" dirty="0" err="1">
+                <a:solidFill>
+                  <a:srgbClr val="FC6767"/>
+                </a:solidFill>
+              </a:rPr>
+              <a:t>callCount</a:t>
+            </a:r>
+            <a:r>
+              <a:rPr lang="en-US" dirty="0">
+                <a:solidFill>
+                  <a:srgbClr val="FC6767"/>
+                </a:solidFill>
+              </a:rPr>
+              <a:t>_ &lt;&lt; "," &lt;&lt; R"("</a:t>
+            </a:r>
+            <a:r>
+              <a:rPr lang="en-US" dirty="0" err="1">
+                <a:solidFill>
+                  <a:srgbClr val="FC6767"/>
+                </a:solidFill>
+              </a:rPr>
+              <a:t>totalDuration</a:t>
+            </a:r>
+            <a:r>
+              <a:rPr lang="en-US" dirty="0">
+                <a:solidFill>
+                  <a:srgbClr val="FC6767"/>
+                </a:solidFill>
+              </a:rPr>
+              <a:t>":)"</a:t>
+            </a:r>
+          </a:p>
+          <a:p>
+            <a:r>
+              <a:rPr lang="en-US" dirty="0" smtClean="0">
+                <a:solidFill>
+                  <a:srgbClr val="FC6767"/>
+                </a:solidFill>
+              </a:rPr>
+              <a:t>                   </a:t>
+            </a:r>
+            <a:r>
+              <a:rPr lang="en-US" dirty="0">
+                <a:solidFill>
+                  <a:srgbClr val="FC6767"/>
+                </a:solidFill>
+              </a:rPr>
+              <a:t>&lt;&lt; </a:t>
+            </a:r>
+            <a:r>
+              <a:rPr lang="en-US" dirty="0" err="1">
+                <a:solidFill>
+                  <a:srgbClr val="FC6767"/>
+                </a:solidFill>
+              </a:rPr>
+              <a:t>totalDuration</a:t>
+            </a:r>
+            <a:r>
+              <a:rPr lang="en-US" dirty="0">
+                <a:solidFill>
+                  <a:srgbClr val="FC6767"/>
+                </a:solidFill>
+              </a:rPr>
+              <a:t>_ &lt;&lt; "," &lt;&lt; R"("</a:t>
+            </a:r>
+            <a:r>
+              <a:rPr lang="en-US" dirty="0" err="1">
+                <a:solidFill>
+                  <a:srgbClr val="FC6767"/>
+                </a:solidFill>
+              </a:rPr>
+              <a:t>moneySpent</a:t>
+            </a:r>
+            <a:r>
+              <a:rPr lang="en-US" dirty="0">
+                <a:solidFill>
+                  <a:srgbClr val="FC6767"/>
+                </a:solidFill>
+              </a:rPr>
+              <a:t>":)" &lt;&lt; </a:t>
+            </a:r>
+            <a:r>
+              <a:rPr lang="en-US" dirty="0" err="1">
+                <a:solidFill>
+                  <a:srgbClr val="FC6767"/>
+                </a:solidFill>
+              </a:rPr>
+              <a:t>moneySpent</a:t>
+            </a:r>
+            <a:r>
+              <a:rPr lang="en-US" dirty="0">
+                <a:solidFill>
+                  <a:srgbClr val="FC6767"/>
+                </a:solidFill>
+              </a:rPr>
+              <a:t>_ &lt;&lt; "}";</a:t>
+            </a:r>
+          </a:p>
+          <a:p>
+            <a:r>
+              <a:rPr lang="ru-RU" dirty="0">
+                <a:solidFill>
+                  <a:srgbClr val="FC6767"/>
+                </a:solidFill>
+              </a:rPr>
+              <a:t>        </a:t>
+            </a:r>
+            <a:r>
+              <a:rPr lang="ru-RU" dirty="0" smtClean="0">
+                <a:solidFill>
+                  <a:srgbClr val="FC6767"/>
+                </a:solidFill>
+              </a:rPr>
+              <a:t>}</a:t>
+            </a:r>
+            <a:endParaRPr lang="ru-RU" dirty="0">
+              <a:solidFill>
+                <a:srgbClr val="FC6767"/>
+              </a:solidFill>
+            </a:endParaRPr>
+          </a:p>
+          <a:p>
+            <a:r>
+              <a:rPr lang="en-US" dirty="0"/>
+              <a:t>    private:</a:t>
+            </a:r>
+          </a:p>
+          <a:p>
+            <a:r>
+              <a:rPr lang="en-US" dirty="0"/>
+              <a:t> </a:t>
+            </a:r>
+            <a:r>
+              <a:rPr lang="en-US" dirty="0" smtClean="0"/>
+              <a:t>       …</a:t>
+            </a:r>
+            <a:endParaRPr lang="en-US" dirty="0"/>
+          </a:p>
+          <a:p>
+            <a:r>
+              <a:rPr lang="en-US" dirty="0"/>
+              <a:t>        </a:t>
+            </a:r>
+            <a:r>
+              <a:rPr lang="en-US" dirty="0" err="1">
+                <a:solidFill>
+                  <a:srgbClr val="FC6767"/>
+                </a:solidFill>
+              </a:rPr>
+              <a:t>int</a:t>
+            </a:r>
+            <a:r>
+              <a:rPr lang="en-US" dirty="0">
+                <a:solidFill>
+                  <a:srgbClr val="FC6767"/>
+                </a:solidFill>
+              </a:rPr>
+              <a:t> </a:t>
+            </a:r>
+            <a:r>
+              <a:rPr lang="en-US" dirty="0" err="1">
+                <a:solidFill>
+                  <a:srgbClr val="FC6767"/>
+                </a:solidFill>
+              </a:rPr>
+              <a:t>callCount</a:t>
+            </a:r>
+            <a:r>
+              <a:rPr lang="en-US" dirty="0">
+                <a:solidFill>
+                  <a:srgbClr val="FC6767"/>
+                </a:solidFill>
+              </a:rPr>
+              <a:t>_;</a:t>
+            </a:r>
+          </a:p>
+          <a:p>
+            <a:r>
+              <a:rPr lang="en-US" dirty="0">
+                <a:solidFill>
+                  <a:srgbClr val="FC6767"/>
+                </a:solidFill>
+              </a:rPr>
+              <a:t>        </a:t>
+            </a:r>
+            <a:r>
+              <a:rPr lang="en-US" dirty="0" err="1">
+                <a:solidFill>
+                  <a:srgbClr val="FC6767"/>
+                </a:solidFill>
+              </a:rPr>
+              <a:t>int</a:t>
+            </a:r>
+            <a:r>
+              <a:rPr lang="en-US" dirty="0">
+                <a:solidFill>
+                  <a:srgbClr val="FC6767"/>
+                </a:solidFill>
+              </a:rPr>
+              <a:t> </a:t>
+            </a:r>
+            <a:r>
+              <a:rPr lang="en-US" dirty="0" err="1">
+                <a:solidFill>
+                  <a:srgbClr val="FC6767"/>
+                </a:solidFill>
+              </a:rPr>
+              <a:t>totalDuration</a:t>
+            </a:r>
+            <a:r>
+              <a:rPr lang="en-US" dirty="0">
+                <a:solidFill>
+                  <a:srgbClr val="FC6767"/>
+                </a:solidFill>
+              </a:rPr>
+              <a:t>_;</a:t>
+            </a:r>
+          </a:p>
+          <a:p>
+            <a:r>
+              <a:rPr lang="en-US" dirty="0">
+                <a:solidFill>
+                  <a:srgbClr val="FC6767"/>
+                </a:solidFill>
+              </a:rPr>
+              <a:t>        </a:t>
+            </a:r>
+            <a:r>
+              <a:rPr lang="en-US" dirty="0" err="1">
+                <a:solidFill>
+                  <a:srgbClr val="FC6767"/>
+                </a:solidFill>
+              </a:rPr>
+              <a:t>int</a:t>
+            </a:r>
+            <a:r>
+              <a:rPr lang="en-US" dirty="0">
+                <a:solidFill>
+                  <a:srgbClr val="FC6767"/>
+                </a:solidFill>
+              </a:rPr>
+              <a:t> </a:t>
+            </a:r>
+            <a:r>
+              <a:rPr lang="en-US" dirty="0" err="1">
+                <a:solidFill>
+                  <a:srgbClr val="FC6767"/>
+                </a:solidFill>
+              </a:rPr>
+              <a:t>moneySpent</a:t>
+            </a:r>
+            <a:r>
+              <a:rPr lang="en-US" dirty="0">
+                <a:solidFill>
+                  <a:srgbClr val="FC6767"/>
+                </a:solidFill>
+              </a:rPr>
+              <a:t>_;</a:t>
+            </a:r>
+          </a:p>
+          <a:p>
+            <a:r>
+              <a:rPr lang="ru-RU" dirty="0" smtClean="0"/>
+              <a:t>};</a:t>
+            </a:r>
+            <a:endParaRPr lang="ru-RU" dirty="0"/>
+          </a:p>
+        </p:txBody>
+      </p:sp>
+    </p:spTree>
+    <p:extLst>
+      <p:ext uri="{BB962C8B-B14F-4D97-AF65-F5344CB8AC3E}">
+        <p14:creationId xmlns:p14="http://schemas.microsoft.com/office/powerpoint/2010/main" val="3620372074"/>
+      </p:ext>
+    </p:extLst>
+  </p:cSld>
+  <p:clrMapOvr>
+    <a:masterClrMapping/>
+  </p:clrMapOvr>
+  <p:transition spd="slow">
+    <p:push dir="u"/>
+  </p:transition>
+  <p:timing>
+    <p:tnLst>
+      <p:par>
+        <p:cTn id="1" dur="indefinite" restart="never" nodeType="tmRoot"/>
+      </p:par>
+    </p:tnLst>
+  </p:timing>
+</p:sld>
+</file>
+
+<file path=ppt/slides/slide29.xml><?xml version="1.0" encoding="utf-8"?>
+<p:sld xmlns:a="http://schemas.openxmlformats.org/drawingml/2006/main" xmlns:r="http://schemas.openxmlformats.org/officeDocument/2006/relationships" xmlns:p="http://schemas.openxmlformats.org/presentationml/2006/main">
+  <p:cSld>
+    <p:spTree>
+      <p:nvGrpSpPr>
+        <p:cNvPr id="1" name=""/>
+        <p:cNvGrpSpPr/>
+        <p:nvPr/>
+      </p:nvGrpSpPr>
+      <p:grpSpPr>
+        <a:xfrm>
+          <a:off x="0" y="0"/>
+          <a:ext cx="0" cy="0"/>
+          <a:chOff x="0" y="0"/>
+          <a:chExt cx="0" cy="0"/>
+        </a:xfrm>
+      </p:grpSpPr>
+      <p:sp>
+        <p:nvSpPr>
+          <p:cNvPr id="2" name="Нижний колонтитул 1"/>
+          <p:cNvSpPr>
+            <a:spLocks noGrp="1"/>
+          </p:cNvSpPr>
+          <p:nvPr>
+            <p:ph type="ftr" sz="quarter" idx="11"/>
+          </p:nvPr>
+        </p:nvSpPr>
+        <p:spPr/>
+        <p:txBody>
+          <a:bodyPr/>
+          <a:lstStyle/>
+          <a:p>
+            <a:endParaRPr lang="ru-RU" dirty="0">
+              <a:solidFill>
+                <a:srgbClr val="000000"/>
+              </a:solidFill>
+            </a:endParaRPr>
+          </a:p>
+        </p:txBody>
+      </p:sp>
+      <p:sp>
+        <p:nvSpPr>
+          <p:cNvPr id="3" name="Номер слайда 2"/>
+          <p:cNvSpPr>
+            <a:spLocks noGrp="1"/>
+          </p:cNvSpPr>
+          <p:nvPr>
+            <p:ph type="sldNum" sz="quarter" idx="12"/>
+          </p:nvPr>
+        </p:nvSpPr>
+        <p:spPr/>
+        <p:txBody>
+          <a:bodyPr/>
+          <a:lstStyle/>
+          <a:p>
+            <a:fld id="{741C03D3-FA44-40EC-9A21-1FC4FEA3E22E}" type="slidenum">
+              <a:rPr lang="ru-RU" smtClean="0">
+                <a:solidFill>
+                  <a:srgbClr val="000000"/>
+                </a:solidFill>
+              </a:rPr>
+              <a:pPr/>
+              <a:t>29</a:t>
+            </a:fld>
+            <a:endParaRPr lang="ru-RU">
+              <a:solidFill>
+                <a:srgbClr val="000000"/>
+              </a:solidFill>
+            </a:endParaRPr>
+          </a:p>
+        </p:txBody>
+      </p:sp>
+      <p:sp>
+        <p:nvSpPr>
+          <p:cNvPr id="4" name="Объект 3"/>
+          <p:cNvSpPr>
+            <a:spLocks noGrp="1"/>
+          </p:cNvSpPr>
+          <p:nvPr>
+            <p:ph idx="13"/>
+          </p:nvPr>
+        </p:nvSpPr>
+        <p:spPr/>
+        <p:txBody>
+          <a:bodyPr/>
+          <a:lstStyle/>
+          <a:p>
+            <a:r>
+              <a:rPr lang="en-US" dirty="0"/>
+              <a:t>void Billing::</a:t>
+            </a:r>
+            <a:r>
+              <a:rPr lang="en-US" dirty="0" err="1"/>
+              <a:t>UserInfo</a:t>
+            </a:r>
+            <a:r>
+              <a:rPr lang="en-US" dirty="0"/>
+              <a:t>::</a:t>
+            </a:r>
+            <a:r>
+              <a:rPr lang="en-US" dirty="0" err="1"/>
+              <a:t>ChargePhoneCall</a:t>
+            </a:r>
+            <a:r>
+              <a:rPr lang="en-US" dirty="0"/>
+              <a:t>(</a:t>
+            </a:r>
+            <a:r>
+              <a:rPr lang="en-US" dirty="0" err="1"/>
+              <a:t>int</a:t>
+            </a:r>
+            <a:r>
+              <a:rPr lang="en-US" dirty="0"/>
+              <a:t> minutes, </a:t>
+            </a:r>
+            <a:r>
+              <a:rPr lang="en-US" dirty="0" err="1"/>
+              <a:t>const</a:t>
+            </a:r>
+            <a:r>
+              <a:rPr lang="en-US" dirty="0"/>
+              <a:t> Billing::Tariff&amp; tariff) {</a:t>
+            </a:r>
+          </a:p>
+          <a:p>
+            <a:r>
+              <a:rPr lang="en-US" dirty="0"/>
+              <a:t>    </a:t>
+            </a:r>
+            <a:r>
+              <a:rPr lang="en-US" dirty="0" err="1"/>
+              <a:t>int</a:t>
+            </a:r>
+            <a:r>
+              <a:rPr lang="en-US" dirty="0"/>
+              <a:t> charge = minutes * </a:t>
+            </a:r>
+            <a:r>
+              <a:rPr lang="en-US" dirty="0" err="1"/>
+              <a:t>tariff.costPerMinute</a:t>
+            </a:r>
+            <a:r>
+              <a:rPr lang="en-US" dirty="0"/>
+              <a:t>_;</a:t>
+            </a:r>
+          </a:p>
+          <a:p>
+            <a:r>
+              <a:rPr lang="en-US" dirty="0"/>
+              <a:t>    money_ -= charge;</a:t>
+            </a:r>
+          </a:p>
+          <a:p>
+            <a:r>
+              <a:rPr lang="en-US" dirty="0"/>
+              <a:t>    history_.</a:t>
+            </a:r>
+            <a:r>
+              <a:rPr lang="en-US" dirty="0" err="1"/>
+              <a:t>push_back</a:t>
+            </a:r>
+            <a:r>
+              <a:rPr lang="en-US" dirty="0"/>
+              <a:t>(Event::</a:t>
+            </a:r>
+            <a:r>
+              <a:rPr lang="en-US" dirty="0" err="1"/>
+              <a:t>PhoneCall</a:t>
+            </a:r>
+            <a:r>
+              <a:rPr lang="en-US" dirty="0"/>
+              <a:t>(minutes));</a:t>
+            </a:r>
+          </a:p>
+          <a:p>
+            <a:endParaRPr lang="en-US" dirty="0"/>
+          </a:p>
+          <a:p>
+            <a:r>
+              <a:rPr lang="en-US" dirty="0"/>
+              <a:t>    if (money_ &lt;= 0) {</a:t>
+            </a:r>
+          </a:p>
+          <a:p>
+            <a:r>
+              <a:rPr lang="en-US" dirty="0"/>
+              <a:t>        </a:t>
+            </a:r>
+            <a:r>
+              <a:rPr lang="en-US" dirty="0" err="1"/>
+              <a:t>SendSms</a:t>
+            </a:r>
+            <a:r>
+              <a:rPr lang="en-US" dirty="0"/>
+              <a:t>("Your balance is " + </a:t>
+            </a:r>
+            <a:r>
+              <a:rPr lang="en-US" dirty="0" err="1"/>
+              <a:t>to_string</a:t>
+            </a:r>
+            <a:r>
+              <a:rPr lang="en-US" dirty="0"/>
+              <a:t>(money_));</a:t>
+            </a:r>
+          </a:p>
+          <a:p>
+            <a:r>
+              <a:rPr lang="en-US" dirty="0"/>
+              <a:t>    }</a:t>
+            </a:r>
+          </a:p>
+          <a:p>
+            <a:endParaRPr lang="en-US" dirty="0"/>
+          </a:p>
+          <a:p>
+            <a:r>
+              <a:rPr lang="en-US" dirty="0">
+                <a:solidFill>
+                  <a:srgbClr val="FC6767"/>
+                </a:solidFill>
+              </a:rPr>
+              <a:t>    </a:t>
+            </a:r>
+            <a:r>
+              <a:rPr lang="en-US" dirty="0" err="1">
+                <a:solidFill>
+                  <a:srgbClr val="FC6767"/>
+                </a:solidFill>
+              </a:rPr>
+              <a:t>moneySpent</a:t>
+            </a:r>
+            <a:r>
+              <a:rPr lang="en-US" dirty="0">
+                <a:solidFill>
+                  <a:srgbClr val="FC6767"/>
+                </a:solidFill>
+              </a:rPr>
+              <a:t>_ += charge;</a:t>
+            </a:r>
+          </a:p>
+          <a:p>
+            <a:r>
+              <a:rPr lang="en-US" dirty="0">
+                <a:solidFill>
+                  <a:srgbClr val="FC6767"/>
+                </a:solidFill>
+              </a:rPr>
+              <a:t>    </a:t>
+            </a:r>
+            <a:r>
+              <a:rPr lang="en-US" dirty="0" err="1">
+                <a:solidFill>
+                  <a:srgbClr val="FC6767"/>
+                </a:solidFill>
+              </a:rPr>
+              <a:t>totalDuration</a:t>
+            </a:r>
+            <a:r>
+              <a:rPr lang="en-US" dirty="0">
+                <a:solidFill>
+                  <a:srgbClr val="FC6767"/>
+                </a:solidFill>
+              </a:rPr>
+              <a:t>_ += minutes;</a:t>
+            </a:r>
+          </a:p>
+          <a:p>
+            <a:r>
+              <a:rPr lang="en-US" dirty="0">
+                <a:solidFill>
+                  <a:srgbClr val="FC6767"/>
+                </a:solidFill>
+              </a:rPr>
+              <a:t>    ++</a:t>
+            </a:r>
+            <a:r>
+              <a:rPr lang="en-US" dirty="0" err="1">
+                <a:solidFill>
+                  <a:srgbClr val="FC6767"/>
+                </a:solidFill>
+              </a:rPr>
+              <a:t>callCount</a:t>
+            </a:r>
+            <a:r>
+              <a:rPr lang="en-US" dirty="0">
+                <a:solidFill>
+                  <a:srgbClr val="FC6767"/>
+                </a:solidFill>
+              </a:rPr>
+              <a:t>_;</a:t>
+            </a:r>
+          </a:p>
+          <a:p>
+            <a:r>
+              <a:rPr lang="en-US" dirty="0"/>
+              <a:t>}</a:t>
+            </a:r>
+          </a:p>
+          <a:p>
+            <a:endParaRPr lang="ru-RU" dirty="0"/>
+          </a:p>
+        </p:txBody>
+      </p:sp>
+    </p:spTree>
+    <p:extLst>
+      <p:ext uri="{BB962C8B-B14F-4D97-AF65-F5344CB8AC3E}">
+        <p14:creationId xmlns:p14="http://schemas.microsoft.com/office/powerpoint/2010/main" val="554880742"/>
+      </p:ext>
+    </p:extLst>
+  </p:cSld>
+  <p:clrMapOvr>
+    <a:masterClrMapping/>
+  </p:clrMapOvr>
+  <p:transition spd="slow">
+    <p:push dir="u"/>
+  </p:transition>
+  <p:timing>
+    <p:tnLst>
+      <p:par>
+        <p:cTn id="1" dur="indefinite" restart="never" nodeType="tmRoot"/>
+      </p:par>
+    </p:tnLst>
+  </p:timing>
+</p:sld>
+</file>
+
+<file path=ppt/slides/slide3.xml><?xml version="1.0" encoding="utf-8"?>
+<p:sld xmlns:a="http://schemas.openxmlformats.org/drawingml/2006/main" xmlns:r="http://schemas.openxmlformats.org/officeDocument/2006/relationships" xmlns:p="http://schemas.openxmlformats.org/presentationml/2006/main">
+  <p:cSld>
+    <p:spTree>
+      <p:nvGrpSpPr>
+        <p:cNvPr id="1" name=""/>
+        <p:cNvGrpSpPr/>
+        <p:nvPr/>
+      </p:nvGrpSpPr>
+      <p:grpSpPr>
+        <a:xfrm>
+          <a:off x="0" y="0"/>
+          <a:ext cx="0" cy="0"/>
+          <a:chOff x="0" y="0"/>
+          <a:chExt cx="0" cy="0"/>
+        </a:xfrm>
+      </p:grpSpPr>
+      <p:sp>
+        <p:nvSpPr>
+          <p:cNvPr id="2" name="Заголовок 1"/>
+          <p:cNvSpPr>
+            <a:spLocks noGrp="1"/>
+          </p:cNvSpPr>
+          <p:nvPr>
+            <p:ph type="ctrTitle"/>
+          </p:nvPr>
+        </p:nvSpPr>
+        <p:spPr/>
+        <p:txBody>
+          <a:bodyPr/>
+          <a:lstStyle/>
+          <a:p>
+            <a:r>
+              <a:rPr lang="ru-RU" dirty="0"/>
+              <a:t>Пишем код большого проекта: быстро, надёжно, удобно</a:t>
+            </a:r>
+          </a:p>
+        </p:txBody>
+      </p:sp>
+      <p:sp>
+        <p:nvSpPr>
+          <p:cNvPr id="3" name="Подзаголовок 2"/>
+          <p:cNvSpPr>
+            <a:spLocks noGrp="1"/>
+          </p:cNvSpPr>
+          <p:nvPr>
+            <p:ph type="subTitle" idx="1"/>
+          </p:nvPr>
+        </p:nvSpPr>
+        <p:spPr/>
+        <p:txBody>
+          <a:bodyPr/>
+          <a:lstStyle/>
+          <a:p>
+            <a:r>
+              <a:rPr lang="ru-RU" dirty="0" smtClean="0"/>
+              <a:t>Илья Шишков</a:t>
+            </a:r>
+            <a:endParaRPr lang="ru-RU" dirty="0"/>
+          </a:p>
+        </p:txBody>
+      </p:sp>
+      <p:sp>
+        <p:nvSpPr>
+          <p:cNvPr id="4" name="Рисунок 3"/>
+          <p:cNvSpPr>
+            <a:spLocks noGrp="1"/>
+          </p:cNvSpPr>
+          <p:nvPr>
+            <p:ph type="pic" sz="quarter" idx="13"/>
+          </p:nvPr>
+        </p:nvSpPr>
+        <p:spPr/>
+      </p:sp>
+      <p:sp>
+        <p:nvSpPr>
+          <p:cNvPr id="5" name="Рисунок 4"/>
+          <p:cNvSpPr>
+            <a:spLocks noGrp="1"/>
+          </p:cNvSpPr>
+          <p:nvPr>
+            <p:ph type="pic" sz="quarter" idx="14"/>
+          </p:nvPr>
+        </p:nvSpPr>
+        <p:spPr/>
+      </p:sp>
+    </p:spTree>
+    <p:extLst>
+      <p:ext uri="{BB962C8B-B14F-4D97-AF65-F5344CB8AC3E}">
+        <p14:creationId xmlns:p14="http://schemas.microsoft.com/office/powerpoint/2010/main" val="44773047"/>
+      </p:ext>
+    </p:extLst>
+  </p:cSld>
+  <p:clrMapOvr>
+    <a:masterClrMapping/>
+  </p:clrMapOvr>
+  <p:timing>
+    <p:tnLst>
+      <p:par>
+        <p:cTn id="1" dur="indefinite" restart="never" nodeType="tmRoot"/>
+      </p:par>
+    </p:tnLst>
+  </p:timing>
+</p:sld>
+</file>
+
+<file path=ppt/slides/slide30.xml><?xml version="1.0" encoding="utf-8"?>
+<p:sld xmlns:a="http://schemas.openxmlformats.org/drawingml/2006/main" xmlns:r="http://schemas.openxmlformats.org/officeDocument/2006/relationships" xmlns:p="http://schemas.openxmlformats.org/presentationml/2006/main">
+  <p:cSld>
+    <p:spTree>
+      <p:nvGrpSpPr>
+        <p:cNvPr id="1" name=""/>
+        <p:cNvGrpSpPr/>
+        <p:nvPr/>
+      </p:nvGrpSpPr>
+      <p:grpSpPr>
+        <a:xfrm>
+          <a:off x="0" y="0"/>
+          <a:ext cx="0" cy="0"/>
+          <a:chOff x="0" y="0"/>
+          <a:chExt cx="0" cy="0"/>
+        </a:xfrm>
+      </p:grpSpPr>
+      <p:sp>
+        <p:nvSpPr>
+          <p:cNvPr id="2" name="Заголовок 1"/>
+          <p:cNvSpPr>
+            <a:spLocks noGrp="1"/>
+          </p:cNvSpPr>
+          <p:nvPr>
+            <p:ph type="title"/>
+          </p:nvPr>
+        </p:nvSpPr>
+        <p:spPr/>
+        <p:txBody>
+          <a:bodyPr/>
+          <a:lstStyle/>
+          <a:p>
+            <a:r>
+              <a:rPr lang="ru-RU" dirty="0" smtClean="0"/>
+              <a:t>Слайд с текущей схемой кода</a:t>
+            </a:r>
+            <a:endParaRPr lang="ru-RU" dirty="0"/>
+          </a:p>
+        </p:txBody>
+      </p:sp>
+      <p:sp>
+        <p:nvSpPr>
+          <p:cNvPr id="3" name="Объект 2"/>
+          <p:cNvSpPr>
+            <a:spLocks noGrp="1"/>
+          </p:cNvSpPr>
+          <p:nvPr>
+            <p:ph idx="1"/>
+          </p:nvPr>
+        </p:nvSpPr>
+        <p:spPr/>
+        <p:txBody>
+          <a:bodyPr/>
+          <a:lstStyle/>
+          <a:p>
+            <a:r>
+              <a:rPr lang="ru-RU" dirty="0" smtClean="0"/>
+              <a:t>Такой же, как до добавления мониторинга</a:t>
+            </a:r>
+            <a:endParaRPr lang="ru-RU" dirty="0"/>
+          </a:p>
+        </p:txBody>
+      </p:sp>
+      <p:sp>
+        <p:nvSpPr>
+          <p:cNvPr id="4" name="Нижний колонтитул 3"/>
+          <p:cNvSpPr>
+            <a:spLocks noGrp="1"/>
+          </p:cNvSpPr>
+          <p:nvPr>
+            <p:ph type="ftr" sz="quarter" idx="11"/>
+          </p:nvPr>
+        </p:nvSpPr>
+        <p:spPr/>
+        <p:txBody>
+          <a:bodyPr/>
+          <a:lstStyle/>
+          <a:p>
+            <a:endParaRPr lang="ru-RU">
+              <a:solidFill>
+                <a:srgbClr val="000000"/>
+              </a:solidFill>
+            </a:endParaRPr>
+          </a:p>
+        </p:txBody>
+      </p:sp>
+      <p:sp>
+        <p:nvSpPr>
+          <p:cNvPr id="5" name="Номер слайда 4"/>
+          <p:cNvSpPr>
+            <a:spLocks noGrp="1"/>
+          </p:cNvSpPr>
+          <p:nvPr>
+            <p:ph type="sldNum" sz="quarter" idx="12"/>
+          </p:nvPr>
+        </p:nvSpPr>
+        <p:spPr/>
+        <p:txBody>
+          <a:bodyPr/>
+          <a:lstStyle/>
+          <a:p>
+            <a:fld id="{741C03D3-FA44-40EC-9A21-1FC4FEA3E22E}" type="slidenum">
+              <a:rPr lang="ru-RU" smtClean="0">
+                <a:solidFill>
+                  <a:srgbClr val="000000"/>
+                </a:solidFill>
+              </a:rPr>
+              <a:pPr/>
+              <a:t>30</a:t>
+            </a:fld>
+            <a:endParaRPr lang="ru-RU">
+              <a:solidFill>
+                <a:srgbClr val="000000"/>
+              </a:solidFill>
+            </a:endParaRPr>
+          </a:p>
+        </p:txBody>
+      </p:sp>
+    </p:spTree>
+    <p:extLst>
+      <p:ext uri="{BB962C8B-B14F-4D97-AF65-F5344CB8AC3E}">
+        <p14:creationId xmlns:p14="http://schemas.microsoft.com/office/powerpoint/2010/main" val="1760226247"/>
+      </p:ext>
+    </p:extLst>
+  </p:cSld>
+  <p:clrMapOvr>
+    <a:masterClrMapping/>
+  </p:clrMapOvr>
+  <p:timing>
+    <p:tnLst>
+      <p:par>
+        <p:cTn id="1" dur="indefinite" restart="never" nodeType="tmRoot"/>
+      </p:par>
+    </p:tnLst>
+  </p:timing>
+</p:sld>
+</file>
+
+<file path=ppt/slides/slide31.xml><?xml version="1.0" encoding="utf-8"?>
+<p:sld xmlns:a="http://schemas.openxmlformats.org/drawingml/2006/main" xmlns:r="http://schemas.openxmlformats.org/officeDocument/2006/relationships" xmlns:p="http://schemas.openxmlformats.org/presentationml/2006/main">
+  <p:cSld>
+    <p:spTree>
+      <p:nvGrpSpPr>
+        <p:cNvPr id="1" name=""/>
+        <p:cNvGrpSpPr/>
+        <p:nvPr/>
+      </p:nvGrpSpPr>
+      <p:grpSpPr>
+        <a:xfrm>
+          <a:off x="0" y="0"/>
+          <a:ext cx="0" cy="0"/>
+          <a:chOff x="0" y="0"/>
+          <a:chExt cx="0" cy="0"/>
+        </a:xfrm>
+      </p:grpSpPr>
+      <p:sp>
+        <p:nvSpPr>
+          <p:cNvPr id="7" name="Заголовок 6"/>
+          <p:cNvSpPr>
+            <a:spLocks noGrp="1"/>
+          </p:cNvSpPr>
+          <p:nvPr>
+            <p:ph type="title"/>
+          </p:nvPr>
+        </p:nvSpPr>
+        <p:spPr/>
+        <p:txBody>
+          <a:bodyPr/>
+          <a:lstStyle/>
+          <a:p>
+            <a:r>
+              <a:rPr lang="ru-RU" dirty="0" smtClean="0"/>
+              <a:t>Тестирование?</a:t>
+            </a:r>
+            <a:endParaRPr lang="ru-RU" dirty="0"/>
+          </a:p>
+        </p:txBody>
+      </p:sp>
+      <p:sp>
+        <p:nvSpPr>
+          <p:cNvPr id="9" name="Объект 8"/>
+          <p:cNvSpPr>
+            <a:spLocks noGrp="1"/>
+          </p:cNvSpPr>
+          <p:nvPr>
+            <p:ph idx="1"/>
+          </p:nvPr>
+        </p:nvSpPr>
+        <p:spPr/>
+        <p:txBody>
+          <a:bodyPr/>
+          <a:lstStyle/>
+          <a:p>
+            <a:r>
+              <a:rPr lang="ru-RU" dirty="0" smtClean="0"/>
+              <a:t>Хотим добавить тесты:</a:t>
+            </a:r>
+          </a:p>
+          <a:p>
+            <a:pPr lvl="1"/>
+            <a:r>
+              <a:rPr lang="ru-RU" dirty="0" smtClean="0"/>
+              <a:t>проверить, что списание денег не увеличивает баланс</a:t>
+            </a:r>
+          </a:p>
+          <a:p>
+            <a:pPr lvl="1"/>
+            <a:r>
+              <a:rPr lang="ru-RU" dirty="0" smtClean="0"/>
+              <a:t>звонок нулевой длины не уменьшает баланс</a:t>
+            </a:r>
+            <a:endParaRPr lang="ru-RU" dirty="0"/>
+          </a:p>
+        </p:txBody>
+      </p:sp>
+      <p:sp>
+        <p:nvSpPr>
+          <p:cNvPr id="3" name="Нижний колонтитул 2"/>
+          <p:cNvSpPr>
+            <a:spLocks noGrp="1"/>
+          </p:cNvSpPr>
+          <p:nvPr>
+            <p:ph type="ftr" sz="quarter" idx="11"/>
+          </p:nvPr>
+        </p:nvSpPr>
+        <p:spPr/>
+        <p:txBody>
+          <a:bodyPr/>
+          <a:lstStyle/>
+          <a:p>
+            <a:endParaRPr lang="ru-RU">
+              <a:solidFill>
+                <a:srgbClr val="000000"/>
+              </a:solidFill>
+            </a:endParaRPr>
+          </a:p>
+        </p:txBody>
+      </p:sp>
+      <p:sp>
+        <p:nvSpPr>
+          <p:cNvPr id="4" name="Номер слайда 3"/>
+          <p:cNvSpPr>
+            <a:spLocks noGrp="1"/>
+          </p:cNvSpPr>
+          <p:nvPr>
+            <p:ph type="sldNum" sz="quarter" idx="12"/>
+          </p:nvPr>
+        </p:nvSpPr>
+        <p:spPr/>
+        <p:txBody>
+          <a:bodyPr/>
+          <a:lstStyle/>
+          <a:p>
+            <a:fld id="{741C03D3-FA44-40EC-9A21-1FC4FEA3E22E}" type="slidenum">
+              <a:rPr lang="ru-RU" smtClean="0">
+                <a:solidFill>
+                  <a:srgbClr val="000000"/>
+                </a:solidFill>
+              </a:rPr>
+              <a:pPr/>
+              <a:t>31</a:t>
+            </a:fld>
+            <a:endParaRPr lang="ru-RU">
+              <a:solidFill>
+                <a:srgbClr val="000000"/>
+              </a:solidFill>
+            </a:endParaRPr>
+          </a:p>
+        </p:txBody>
+      </p:sp>
+    </p:spTree>
+    <p:extLst>
+      <p:ext uri="{BB962C8B-B14F-4D97-AF65-F5344CB8AC3E}">
+        <p14:creationId xmlns:p14="http://schemas.microsoft.com/office/powerpoint/2010/main" val="2015892124"/>
+      </p:ext>
+    </p:extLst>
+  </p:cSld>
+  <p:clrMapOvr>
+    <a:masterClrMapping/>
+  </p:clrMapOvr>
+  <p:timing>
+    <p:tnLst>
+      <p:par>
+        <p:cTn id="1" dur="indefinite" restart="never" nodeType="tmRoot"/>
+      </p:par>
+    </p:tnLst>
+  </p:timing>
+</p:sld>
+</file>
+
+<file path=ppt/slides/slide32.xml><?xml version="1.0" encoding="utf-8"?>
+<p:sld xmlns:a="http://schemas.openxmlformats.org/drawingml/2006/main" xmlns:r="http://schemas.openxmlformats.org/officeDocument/2006/relationships" xmlns:p="http://schemas.openxmlformats.org/presentationml/2006/main">
+  <p:cSld>
+    <p:spTree>
+      <p:nvGrpSpPr>
+        <p:cNvPr id="1" name=""/>
+        <p:cNvGrpSpPr/>
+        <p:nvPr/>
+      </p:nvGrpSpPr>
+      <p:grpSpPr>
+        <a:xfrm>
+          <a:off x="0" y="0"/>
+          <a:ext cx="0" cy="0"/>
+          <a:chOff x="0" y="0"/>
+          <a:chExt cx="0" cy="0"/>
+        </a:xfrm>
+      </p:grpSpPr>
+      <p:sp>
+        <p:nvSpPr>
+          <p:cNvPr id="2" name="Заголовок 1"/>
+          <p:cNvSpPr>
+            <a:spLocks noGrp="1"/>
+          </p:cNvSpPr>
+          <p:nvPr>
+            <p:ph type="title"/>
+          </p:nvPr>
+        </p:nvSpPr>
+        <p:spPr/>
+        <p:txBody>
+          <a:bodyPr/>
+          <a:lstStyle/>
+          <a:p>
+            <a:r>
+              <a:rPr lang="ru-RU" dirty="0" smtClean="0"/>
+              <a:t>Тестирование?</a:t>
+            </a:r>
+            <a:endParaRPr lang="ru-RU" dirty="0"/>
+          </a:p>
+        </p:txBody>
+      </p:sp>
+      <p:sp>
+        <p:nvSpPr>
+          <p:cNvPr id="3" name="Нижний колонтитул 2"/>
+          <p:cNvSpPr>
+            <a:spLocks noGrp="1"/>
+          </p:cNvSpPr>
+          <p:nvPr>
+            <p:ph type="ftr" sz="quarter" idx="11"/>
+          </p:nvPr>
+        </p:nvSpPr>
+        <p:spPr/>
+        <p:txBody>
+          <a:bodyPr/>
+          <a:lstStyle/>
+          <a:p>
+            <a:endParaRPr lang="ru-RU" dirty="0">
+              <a:solidFill>
+                <a:srgbClr val="000000"/>
+              </a:solidFill>
+            </a:endParaRPr>
+          </a:p>
+        </p:txBody>
+      </p:sp>
+      <p:sp>
+        <p:nvSpPr>
+          <p:cNvPr id="4" name="Номер слайда 3"/>
+          <p:cNvSpPr>
+            <a:spLocks noGrp="1"/>
+          </p:cNvSpPr>
+          <p:nvPr>
+            <p:ph type="sldNum" sz="quarter" idx="12"/>
+          </p:nvPr>
+        </p:nvSpPr>
+        <p:spPr/>
+        <p:txBody>
+          <a:bodyPr/>
+          <a:lstStyle/>
+          <a:p>
+            <a:fld id="{741C03D3-FA44-40EC-9A21-1FC4FEA3E22E}" type="slidenum">
+              <a:rPr lang="ru-RU" smtClean="0">
+                <a:solidFill>
+                  <a:srgbClr val="000000"/>
+                </a:solidFill>
+              </a:rPr>
+              <a:pPr/>
+              <a:t>32</a:t>
+            </a:fld>
+            <a:endParaRPr lang="ru-RU">
+              <a:solidFill>
+                <a:srgbClr val="000000"/>
+              </a:solidFill>
+            </a:endParaRPr>
+          </a:p>
+        </p:txBody>
+      </p:sp>
+      <p:sp>
+        <p:nvSpPr>
+          <p:cNvPr id="5" name="Объект 4"/>
+          <p:cNvSpPr>
+            <a:spLocks noGrp="1"/>
+          </p:cNvSpPr>
+          <p:nvPr>
+            <p:ph idx="13"/>
+          </p:nvPr>
+        </p:nvSpPr>
+        <p:spPr/>
+        <p:txBody>
+          <a:bodyPr/>
+          <a:lstStyle/>
+          <a:p>
+            <a:r>
+              <a:rPr lang="en-US" dirty="0"/>
+              <a:t>void Billing::</a:t>
+            </a:r>
+            <a:r>
+              <a:rPr lang="en-US" dirty="0" err="1"/>
+              <a:t>UserInfo</a:t>
+            </a:r>
+            <a:r>
+              <a:rPr lang="en-US" dirty="0"/>
+              <a:t>::</a:t>
+            </a:r>
+            <a:r>
+              <a:rPr lang="en-US" dirty="0" err="1"/>
+              <a:t>ChargePhoneCall</a:t>
+            </a:r>
+            <a:r>
+              <a:rPr lang="en-US" dirty="0"/>
+              <a:t>(</a:t>
+            </a:r>
+            <a:r>
+              <a:rPr lang="en-US" dirty="0" err="1"/>
+              <a:t>int</a:t>
+            </a:r>
+            <a:r>
+              <a:rPr lang="en-US" dirty="0"/>
+              <a:t> minutes, </a:t>
+            </a:r>
+            <a:r>
+              <a:rPr lang="en-US" dirty="0" err="1"/>
+              <a:t>const</a:t>
+            </a:r>
+            <a:r>
+              <a:rPr lang="en-US" dirty="0"/>
+              <a:t> Billing::Tariff&amp; tariff) {</a:t>
+            </a:r>
+          </a:p>
+          <a:p>
+            <a:r>
+              <a:rPr lang="en-US" dirty="0">
+                <a:solidFill>
+                  <a:srgbClr val="FC6767"/>
+                </a:solidFill>
+              </a:rPr>
+              <a:t>    </a:t>
+            </a:r>
+            <a:r>
+              <a:rPr lang="en-US" dirty="0" err="1">
+                <a:solidFill>
+                  <a:srgbClr val="FC6767"/>
+                </a:solidFill>
+              </a:rPr>
+              <a:t>int</a:t>
+            </a:r>
+            <a:r>
+              <a:rPr lang="en-US" dirty="0">
+                <a:solidFill>
+                  <a:srgbClr val="FC6767"/>
+                </a:solidFill>
+              </a:rPr>
+              <a:t> charge = minutes * </a:t>
+            </a:r>
+            <a:r>
+              <a:rPr lang="en-US" dirty="0" err="1">
+                <a:solidFill>
+                  <a:srgbClr val="FC6767"/>
+                </a:solidFill>
+              </a:rPr>
+              <a:t>tariff.costPerMinute</a:t>
+            </a:r>
+            <a:r>
+              <a:rPr lang="en-US" dirty="0">
+                <a:solidFill>
+                  <a:srgbClr val="FC6767"/>
+                </a:solidFill>
+              </a:rPr>
+              <a:t>_;</a:t>
+            </a:r>
+          </a:p>
+          <a:p>
+            <a:r>
+              <a:rPr lang="en-US" dirty="0">
+                <a:solidFill>
+                  <a:srgbClr val="FC6767"/>
+                </a:solidFill>
+              </a:rPr>
+              <a:t>    money_ -= charge;</a:t>
+            </a:r>
+          </a:p>
+          <a:p>
+            <a:r>
+              <a:rPr lang="en-US" dirty="0"/>
+              <a:t>    history_.</a:t>
+            </a:r>
+            <a:r>
+              <a:rPr lang="en-US" dirty="0" err="1"/>
+              <a:t>push_back</a:t>
+            </a:r>
+            <a:r>
+              <a:rPr lang="en-US" dirty="0"/>
+              <a:t>(Event::</a:t>
+            </a:r>
+            <a:r>
+              <a:rPr lang="en-US" dirty="0" err="1"/>
+              <a:t>PhoneCall</a:t>
+            </a:r>
+            <a:r>
+              <a:rPr lang="en-US" dirty="0"/>
+              <a:t>(minutes));</a:t>
+            </a:r>
+          </a:p>
+          <a:p>
+            <a:endParaRPr lang="en-US" dirty="0"/>
+          </a:p>
+          <a:p>
+            <a:r>
+              <a:rPr lang="en-US" dirty="0"/>
+              <a:t>    if (money_ &lt;= 0) {</a:t>
+            </a:r>
+          </a:p>
+          <a:p>
+            <a:r>
+              <a:rPr lang="en-US" dirty="0"/>
+              <a:t>        </a:t>
+            </a:r>
+            <a:r>
+              <a:rPr lang="en-US" dirty="0" err="1"/>
+              <a:t>SendSms</a:t>
+            </a:r>
+            <a:r>
+              <a:rPr lang="en-US" dirty="0"/>
+              <a:t>("Your balance is " + </a:t>
+            </a:r>
+            <a:r>
+              <a:rPr lang="en-US" dirty="0" err="1"/>
+              <a:t>to_string</a:t>
+            </a:r>
+            <a:r>
+              <a:rPr lang="en-US" dirty="0"/>
+              <a:t>(money_));</a:t>
+            </a:r>
+          </a:p>
+          <a:p>
+            <a:r>
+              <a:rPr lang="en-US" dirty="0"/>
+              <a:t>    }</a:t>
+            </a:r>
+          </a:p>
+          <a:p>
+            <a:r>
+              <a:rPr lang="en-US" dirty="0" smtClean="0"/>
+              <a:t>    </a:t>
+            </a:r>
+            <a:r>
+              <a:rPr lang="en-US" dirty="0" err="1"/>
+              <a:t>moneySpent</a:t>
+            </a:r>
+            <a:r>
+              <a:rPr lang="en-US" dirty="0"/>
+              <a:t>_ += charge;</a:t>
+            </a:r>
+          </a:p>
+          <a:p>
+            <a:r>
+              <a:rPr lang="en-US" dirty="0"/>
+              <a:t>    </a:t>
+            </a:r>
+            <a:r>
+              <a:rPr lang="en-US" dirty="0" err="1"/>
+              <a:t>totalDuration</a:t>
+            </a:r>
+            <a:r>
+              <a:rPr lang="en-US" dirty="0"/>
+              <a:t>_ += minutes;</a:t>
+            </a:r>
+          </a:p>
+          <a:p>
+            <a:r>
+              <a:rPr lang="en-US" dirty="0"/>
+              <a:t>    ++</a:t>
+            </a:r>
+            <a:r>
+              <a:rPr lang="en-US" dirty="0" err="1"/>
+              <a:t>callCount</a:t>
+            </a:r>
+            <a:r>
+              <a:rPr lang="en-US" dirty="0"/>
+              <a:t>_;</a:t>
+            </a:r>
+          </a:p>
+          <a:p>
+            <a:r>
+              <a:rPr lang="en-US" dirty="0"/>
+              <a:t>}</a:t>
+            </a:r>
+          </a:p>
+        </p:txBody>
+      </p:sp>
+    </p:spTree>
+    <p:extLst>
+      <p:ext uri="{BB962C8B-B14F-4D97-AF65-F5344CB8AC3E}">
+        <p14:creationId xmlns:p14="http://schemas.microsoft.com/office/powerpoint/2010/main" val="2052839228"/>
+      </p:ext>
+    </p:extLst>
+  </p:cSld>
+  <p:clrMapOvr>
+    <a:masterClrMapping/>
+  </p:clrMapOvr>
+  <p:timing>
+    <p:tnLst>
+      <p:par>
+        <p:cTn id="1" dur="indefinite" restart="never" nodeType="tmRoot"/>
+      </p:par>
+    </p:tnLst>
+  </p:timing>
+</p:sld>
+</file>
+
+<file path=ppt/slides/slide33.xml><?xml version="1.0" encoding="utf-8"?>
+<p:sld xmlns:a="http://schemas.openxmlformats.org/drawingml/2006/main" xmlns:r="http://schemas.openxmlformats.org/officeDocument/2006/relationships" xmlns:p="http://schemas.openxmlformats.org/presentationml/2006/main">
+  <p:cSld>
+    <p:spTree>
+      <p:nvGrpSpPr>
+        <p:cNvPr id="1" name=""/>
+        <p:cNvGrpSpPr/>
+        <p:nvPr/>
+      </p:nvGrpSpPr>
+      <p:grpSpPr>
+        <a:xfrm>
+          <a:off x="0" y="0"/>
+          <a:ext cx="0" cy="0"/>
+          <a:chOff x="0" y="0"/>
+          <a:chExt cx="0" cy="0"/>
+        </a:xfrm>
+      </p:grpSpPr>
+      <p:sp>
+        <p:nvSpPr>
+          <p:cNvPr id="2" name="Заголовок 1"/>
+          <p:cNvSpPr>
+            <a:spLocks noGrp="1"/>
+          </p:cNvSpPr>
+          <p:nvPr>
+            <p:ph type="title"/>
+          </p:nvPr>
+        </p:nvSpPr>
+        <p:spPr/>
+        <p:txBody>
+          <a:bodyPr/>
+          <a:lstStyle/>
+          <a:p>
+            <a:r>
+              <a:rPr lang="ru-RU" dirty="0" smtClean="0"/>
+              <a:t>Так писать надо сразу</a:t>
+            </a:r>
+            <a:endParaRPr lang="ru-RU" dirty="0"/>
+          </a:p>
+        </p:txBody>
+      </p:sp>
+      <p:sp>
+        <p:nvSpPr>
+          <p:cNvPr id="3" name="Объект 2"/>
+          <p:cNvSpPr>
+            <a:spLocks noGrp="1"/>
+          </p:cNvSpPr>
+          <p:nvPr>
+            <p:ph idx="1"/>
+          </p:nvPr>
+        </p:nvSpPr>
+        <p:spPr/>
+        <p:txBody>
+          <a:bodyPr/>
+          <a:lstStyle/>
+          <a:p>
+            <a:endParaRPr lang="ru-RU" dirty="0"/>
+          </a:p>
+        </p:txBody>
+      </p:sp>
+      <p:sp>
+        <p:nvSpPr>
+          <p:cNvPr id="4" name="Нижний колонтитул 3"/>
+          <p:cNvSpPr>
+            <a:spLocks noGrp="1"/>
+          </p:cNvSpPr>
+          <p:nvPr>
+            <p:ph type="ftr" sz="quarter" idx="11"/>
+          </p:nvPr>
+        </p:nvSpPr>
+        <p:spPr/>
+        <p:txBody>
+          <a:bodyPr/>
+          <a:lstStyle/>
+          <a:p>
+            <a:endParaRPr lang="ru-RU">
+              <a:solidFill>
+                <a:srgbClr val="000000"/>
+              </a:solidFill>
+            </a:endParaRPr>
+          </a:p>
+        </p:txBody>
+      </p:sp>
+      <p:sp>
+        <p:nvSpPr>
+          <p:cNvPr id="5" name="Номер слайда 4"/>
+          <p:cNvSpPr>
+            <a:spLocks noGrp="1"/>
+          </p:cNvSpPr>
+          <p:nvPr>
+            <p:ph type="sldNum" sz="quarter" idx="12"/>
+          </p:nvPr>
+        </p:nvSpPr>
+        <p:spPr/>
+        <p:txBody>
+          <a:bodyPr/>
+          <a:lstStyle/>
+          <a:p>
+            <a:fld id="{741C03D3-FA44-40EC-9A21-1FC4FEA3E22E}" type="slidenum">
+              <a:rPr lang="ru-RU" smtClean="0">
+                <a:solidFill>
+                  <a:srgbClr val="000000"/>
+                </a:solidFill>
+              </a:rPr>
+              <a:pPr/>
+              <a:t>33</a:t>
+            </a:fld>
+            <a:endParaRPr lang="ru-RU">
+              <a:solidFill>
+                <a:srgbClr val="000000"/>
+              </a:solidFill>
+            </a:endParaRPr>
+          </a:p>
+        </p:txBody>
+      </p:sp>
+    </p:spTree>
+    <p:extLst>
+      <p:ext uri="{BB962C8B-B14F-4D97-AF65-F5344CB8AC3E}">
+        <p14:creationId xmlns:p14="http://schemas.microsoft.com/office/powerpoint/2010/main" val="754117462"/>
+      </p:ext>
+    </p:extLst>
+  </p:cSld>
+  <p:clrMapOvr>
+    <a:masterClrMapping/>
+  </p:clrMapOvr>
+  <p:timing>
+    <p:tnLst>
+      <p:par>
+        <p:cTn id="1" dur="indefinite" restart="never" nodeType="tmRoot"/>
+      </p:par>
+    </p:tnLst>
+  </p:timing>
+</p:sld>
+</file>
+
+<file path=ppt/slides/slide34.xml><?xml version="1.0" encoding="utf-8"?>
+<p:sld xmlns:a="http://schemas.openxmlformats.org/drawingml/2006/main" xmlns:r="http://schemas.openxmlformats.org/officeDocument/2006/relationships" xmlns:p="http://schemas.openxmlformats.org/presentationml/2006/main">
+  <p:cSld>
+    <p:spTree>
+      <p:nvGrpSpPr>
+        <p:cNvPr id="1" name=""/>
+        <p:cNvGrpSpPr/>
+        <p:nvPr/>
+      </p:nvGrpSpPr>
+      <p:grpSpPr>
+        <a:xfrm>
+          <a:off x="0" y="0"/>
+          <a:ext cx="0" cy="0"/>
+          <a:chOff x="0" y="0"/>
+          <a:chExt cx="0" cy="0"/>
+        </a:xfrm>
+      </p:grpSpPr>
+      <p:sp>
+        <p:nvSpPr>
+          <p:cNvPr id="2" name="Заголовок 1"/>
+          <p:cNvSpPr>
+            <a:spLocks noGrp="1"/>
+          </p:cNvSpPr>
+          <p:nvPr>
+            <p:ph type="title"/>
+          </p:nvPr>
+        </p:nvSpPr>
+        <p:spPr/>
+        <p:txBody>
+          <a:bodyPr/>
+          <a:lstStyle/>
+          <a:p>
+            <a:r>
+              <a:rPr lang="ru-RU" dirty="0" smtClean="0"/>
+              <a:t>Преимущества и недостатки</a:t>
+            </a:r>
+            <a:endParaRPr lang="ru-RU" dirty="0"/>
+          </a:p>
+        </p:txBody>
+      </p:sp>
+      <p:sp>
+        <p:nvSpPr>
+          <p:cNvPr id="3" name="Объект 2"/>
+          <p:cNvSpPr>
+            <a:spLocks noGrp="1"/>
+          </p:cNvSpPr>
+          <p:nvPr>
+            <p:ph idx="1"/>
+          </p:nvPr>
+        </p:nvSpPr>
+        <p:spPr/>
+        <p:txBody>
+          <a:bodyPr/>
+          <a:lstStyle/>
+          <a:p>
+            <a:r>
+              <a:rPr lang="ru-RU" dirty="0" smtClean="0"/>
+              <a:t>Недостатки</a:t>
+            </a:r>
+          </a:p>
+          <a:p>
+            <a:pPr lvl="1"/>
+            <a:r>
+              <a:rPr lang="ru-RU" dirty="0" smtClean="0"/>
+              <a:t>много букв</a:t>
+            </a:r>
+          </a:p>
+          <a:p>
+            <a:pPr lvl="1"/>
+            <a:r>
+              <a:rPr lang="ru-RU" dirty="0" smtClean="0"/>
+              <a:t>много сущностей в публичном доступе</a:t>
+            </a:r>
+          </a:p>
+          <a:p>
+            <a:pPr lvl="1"/>
+            <a:r>
+              <a:rPr lang="ru-RU" dirty="0" smtClean="0"/>
+              <a:t>повышение порога входа в систему</a:t>
+            </a:r>
+          </a:p>
+          <a:p>
+            <a:r>
+              <a:rPr lang="ru-RU" dirty="0" smtClean="0"/>
+              <a:t>Преимущества</a:t>
+            </a:r>
+          </a:p>
+          <a:p>
+            <a:pPr lvl="1"/>
+            <a:r>
+              <a:rPr lang="ru-RU" dirty="0" smtClean="0"/>
+              <a:t>гибкий код</a:t>
+            </a:r>
+          </a:p>
+          <a:p>
+            <a:pPr lvl="1"/>
+            <a:r>
+              <a:rPr lang="ru-RU" dirty="0" smtClean="0"/>
+              <a:t>меньше глобальных </a:t>
+            </a:r>
+            <a:r>
+              <a:rPr lang="ru-RU" dirty="0" err="1" smtClean="0"/>
+              <a:t>рефакторингов</a:t>
+            </a:r>
+            <a:endParaRPr lang="ru-RU" dirty="0" smtClean="0"/>
+          </a:p>
+          <a:p>
+            <a:pPr lvl="1"/>
+            <a:r>
+              <a:rPr lang="ru-RU" dirty="0" smtClean="0"/>
+              <a:t>упрощение </a:t>
+            </a:r>
+            <a:r>
+              <a:rPr lang="ru-RU" dirty="0" err="1" smtClean="0"/>
+              <a:t>переиспользования</a:t>
+            </a:r>
+            <a:r>
+              <a:rPr lang="ru-RU" dirty="0" smtClean="0"/>
+              <a:t> кода, тестирования, создания служебных инструментов</a:t>
+            </a:r>
+            <a:endParaRPr lang="ru-RU" dirty="0"/>
+          </a:p>
+        </p:txBody>
+      </p:sp>
+      <p:sp>
+        <p:nvSpPr>
+          <p:cNvPr id="4" name="Нижний колонтитул 3"/>
+          <p:cNvSpPr>
+            <a:spLocks noGrp="1"/>
+          </p:cNvSpPr>
+          <p:nvPr>
+            <p:ph type="ftr" sz="quarter" idx="11"/>
+          </p:nvPr>
+        </p:nvSpPr>
+        <p:spPr/>
+        <p:txBody>
+          <a:bodyPr/>
+          <a:lstStyle/>
+          <a:p>
+            <a:endParaRPr lang="ru-RU">
+              <a:solidFill>
+                <a:srgbClr val="000000"/>
+              </a:solidFill>
+            </a:endParaRPr>
+          </a:p>
+        </p:txBody>
+      </p:sp>
+      <p:sp>
+        <p:nvSpPr>
+          <p:cNvPr id="5" name="Номер слайда 4"/>
+          <p:cNvSpPr>
+            <a:spLocks noGrp="1"/>
+          </p:cNvSpPr>
+          <p:nvPr>
+            <p:ph type="sldNum" sz="quarter" idx="12"/>
+          </p:nvPr>
+        </p:nvSpPr>
+        <p:spPr/>
+        <p:txBody>
+          <a:bodyPr/>
+          <a:lstStyle/>
+          <a:p>
+            <a:fld id="{741C03D3-FA44-40EC-9A21-1FC4FEA3E22E}" type="slidenum">
+              <a:rPr lang="ru-RU" smtClean="0">
+                <a:solidFill>
+                  <a:srgbClr val="000000"/>
+                </a:solidFill>
+              </a:rPr>
+              <a:pPr/>
+              <a:t>34</a:t>
+            </a:fld>
+            <a:endParaRPr lang="ru-RU">
+              <a:solidFill>
+                <a:srgbClr val="000000"/>
+              </a:solidFill>
+            </a:endParaRPr>
+          </a:p>
+        </p:txBody>
+      </p:sp>
+    </p:spTree>
+    <p:extLst>
+      <p:ext uri="{BB962C8B-B14F-4D97-AF65-F5344CB8AC3E}">
+        <p14:creationId xmlns:p14="http://schemas.microsoft.com/office/powerpoint/2010/main" val="930325880"/>
+      </p:ext>
+    </p:extLst>
+  </p:cSld>
+  <p:clrMapOvr>
+    <a:masterClrMapping/>
+  </p:clrMapOvr>
+  <p:timing>
+    <p:tnLst>
+      <p:par>
+        <p:cTn id="1" dur="indefinite" restart="never" nodeType="tmRoot"/>
+      </p:par>
+    </p:tnLst>
+  </p:timing>
+</p:sld>
+</file>
+
+<file path=ppt/slides/slide35.xml><?xml version="1.0" encoding="utf-8"?>
 <p:sld xmlns:a="http://schemas.openxmlformats.org/drawingml/2006/main" xmlns:r="http://schemas.openxmlformats.org/officeDocument/2006/relationships" xmlns:p="http://schemas.openxmlformats.org/presentationml/2006/main">
   <p:cSld>
     <p:spTree>
@@ -31705,7 +35208,7 @@
 </p:sld>
 </file>
 
-<file path=ppt/slides/slide26.xml><?xml version="1.0" encoding="utf-8"?>
+<file path=ppt/slides/slide36.xml><?xml version="1.0" encoding="utf-8"?>
 <p:sld xmlns:a="http://schemas.openxmlformats.org/drawingml/2006/main" xmlns:r="http://schemas.openxmlformats.org/officeDocument/2006/relationships" xmlns:p="http://schemas.openxmlformats.org/presentationml/2006/main" show="0">
   <p:cSld>
     <p:spTree>
@@ -31823,7 +35326,7 @@
                 </a:solidFill>
               </a:rPr>
               <a:pPr/>
-              <a:t>26</a:t>
+              <a:t>36</a:t>
             </a:fld>
             <a:endParaRPr lang="ru-RU">
               <a:solidFill>
@@ -32243,112 +35746,6 @@
       <p:transition spd="slow"/>
     </mc:Fallback>
   </mc:AlternateContent>
-  <p:timing>
-    <p:tnLst>
-      <p:par>
-        <p:cTn id="1" dur="indefinite" restart="never" nodeType="tmRoot"/>
-      </p:par>
-    </p:tnLst>
-  </p:timing>
-</p:sld>
-</file>
-
-<file path=ppt/slides/slide3.xml><?xml version="1.0" encoding="utf-8"?>
-<p:sld xmlns:a="http://schemas.openxmlformats.org/drawingml/2006/main" xmlns:r="http://schemas.openxmlformats.org/officeDocument/2006/relationships" xmlns:p="http://schemas.openxmlformats.org/presentationml/2006/main">
-  <p:cSld>
-    <p:spTree>
-      <p:nvGrpSpPr>
-        <p:cNvPr id="1" name=""/>
-        <p:cNvGrpSpPr/>
-        <p:nvPr/>
-      </p:nvGrpSpPr>
-      <p:grpSpPr>
-        <a:xfrm>
-          <a:off x="0" y="0"/>
-          <a:ext cx="0" cy="0"/>
-          <a:chOff x="0" y="0"/>
-          <a:chExt cx="0" cy="0"/>
-        </a:xfrm>
-      </p:grpSpPr>
-      <p:sp>
-        <p:nvSpPr>
-          <p:cNvPr id="2" name="Заголовок 1"/>
-          <p:cNvSpPr>
-            <a:spLocks noGrp="1"/>
-          </p:cNvSpPr>
-          <p:nvPr>
-            <p:ph type="ctrTitle"/>
-          </p:nvPr>
-        </p:nvSpPr>
-        <p:spPr/>
-        <p:txBody>
-          <a:bodyPr/>
-          <a:lstStyle/>
-          <a:p>
-            <a:r>
-              <a:rPr lang="ru-RU" dirty="0"/>
-              <a:t>Пишем код большого проекта: быстро, надёжно, удобно</a:t>
-            </a:r>
-          </a:p>
-        </p:txBody>
-      </p:sp>
-      <p:sp>
-        <p:nvSpPr>
-          <p:cNvPr id="3" name="Подзаголовок 2"/>
-          <p:cNvSpPr>
-            <a:spLocks noGrp="1"/>
-          </p:cNvSpPr>
-          <p:nvPr>
-            <p:ph type="subTitle" idx="1"/>
-          </p:nvPr>
-        </p:nvSpPr>
-        <p:spPr/>
-        <p:txBody>
-          <a:bodyPr/>
-          <a:lstStyle/>
-          <a:p>
-            <a:r>
-              <a:rPr lang="ru-RU" dirty="0" smtClean="0"/>
-              <a:t>Илья Шишков</a:t>
-            </a:r>
-            <a:endParaRPr lang="ru-RU" dirty="0"/>
-          </a:p>
-        </p:txBody>
-      </p:sp>
-      <p:sp>
-        <p:nvSpPr>
-          <p:cNvPr id="4" name="Рисунок 3"/>
-          <p:cNvSpPr>
-            <a:spLocks noGrp="1"/>
-          </p:cNvSpPr>
-          <p:nvPr>
-            <p:ph type="pic" sz="quarter" idx="13"/>
-          </p:nvPr>
-        </p:nvSpPr>
-        <p:spPr/>
-      </p:sp>
-      <p:sp>
-        <p:nvSpPr>
-          <p:cNvPr id="5" name="Рисунок 4"/>
-          <p:cNvSpPr>
-            <a:spLocks noGrp="1"/>
-          </p:cNvSpPr>
-          <p:nvPr>
-            <p:ph type="pic" sz="quarter" idx="14"/>
-          </p:nvPr>
-        </p:nvSpPr>
-        <p:spPr/>
-      </p:sp>
-    </p:spTree>
-    <p:extLst>
-      <p:ext uri="{BB962C8B-B14F-4D97-AF65-F5344CB8AC3E}">
-        <p14:creationId xmlns:p14="http://schemas.microsoft.com/office/powerpoint/2010/main" val="44773047"/>
-      </p:ext>
-    </p:extLst>
-  </p:cSld>
-  <p:clrMapOvr>
-    <a:masterClrMapping/>
-  </p:clrMapOvr>
   <p:timing>
     <p:tnLst>
       <p:par>

--- a/slides.pptx
+++ b/slides.pptx
@@ -4835,7 +4835,7 @@
           </a:ln>
           <a:extLst>
             <a:ext uri="{C572A759-6A51-4108-AA02-DFA0A04FC94B}">
-              <ma14:wrappingTextBoxFlag xmlns="" xmlns:ma14="http://schemas.microsoft.com/office/mac/drawingml/2011/main" val="1"/>
+              <ma14:wrappingTextBoxFlag xmlns:ma14="http://schemas.microsoft.com/office/mac/drawingml/2011/main" xmlns="" val="1"/>
             </a:ext>
           </a:extLst>
         </p:spPr>
@@ -5306,7 +5306,7 @@
           </a:ln>
           <a:extLst>
             <a:ext uri="{C572A759-6A51-4108-AA02-DFA0A04FC94B}">
-              <ma14:wrappingTextBoxFlag xmlns="" xmlns:ma14="http://schemas.microsoft.com/office/mac/drawingml/2011/main" val="1"/>
+              <ma14:wrappingTextBoxFlag xmlns:ma14="http://schemas.microsoft.com/office/mac/drawingml/2011/main" xmlns="" val="1"/>
             </a:ext>
           </a:extLst>
         </p:spPr>
@@ -5452,7 +5452,7 @@
           </a:ln>
           <a:extLst>
             <a:ext uri="{C572A759-6A51-4108-AA02-DFA0A04FC94B}">
-              <ma14:wrappingTextBoxFlag xmlns="" xmlns:ma14="http://schemas.microsoft.com/office/mac/drawingml/2011/main" val="1"/>
+              <ma14:wrappingTextBoxFlag xmlns:ma14="http://schemas.microsoft.com/office/mac/drawingml/2011/main" xmlns="" val="1"/>
             </a:ext>
           </a:extLst>
         </p:spPr>
@@ -5494,7 +5494,7 @@
           </a:ln>
           <a:extLst>
             <a:ext uri="{C572A759-6A51-4108-AA02-DFA0A04FC94B}">
-              <ma14:wrappingTextBoxFlag xmlns="" xmlns:ma14="http://schemas.microsoft.com/office/mac/drawingml/2011/main" val="1"/>
+              <ma14:wrappingTextBoxFlag xmlns:ma14="http://schemas.microsoft.com/office/mac/drawingml/2011/main" xmlns="" val="1"/>
             </a:ext>
           </a:extLst>
         </p:spPr>
@@ -5690,7 +5690,7 @@
           </a:ln>
           <a:extLst>
             <a:ext uri="{C572A759-6A51-4108-AA02-DFA0A04FC94B}">
-              <ma14:wrappingTextBoxFlag xmlns="" xmlns:ma14="http://schemas.microsoft.com/office/mac/drawingml/2011/main" val="1"/>
+              <ma14:wrappingTextBoxFlag xmlns:ma14="http://schemas.microsoft.com/office/mac/drawingml/2011/main" xmlns="" val="1"/>
             </a:ext>
           </a:extLst>
         </p:spPr>
@@ -5814,7 +5814,7 @@
           </a:ln>
           <a:extLst>
             <a:ext uri="{C572A759-6A51-4108-AA02-DFA0A04FC94B}">
-              <ma14:wrappingTextBoxFlag xmlns="" xmlns:ma14="http://schemas.microsoft.com/office/mac/drawingml/2011/main" val="1"/>
+              <ma14:wrappingTextBoxFlag xmlns:ma14="http://schemas.microsoft.com/office/mac/drawingml/2011/main" xmlns="" val="1"/>
             </a:ext>
           </a:extLst>
         </p:spPr>
@@ -5908,7 +5908,7 @@
           </a:ln>
           <a:extLst>
             <a:ext uri="{C572A759-6A51-4108-AA02-DFA0A04FC94B}">
-              <ma14:wrappingTextBoxFlag xmlns="" xmlns:ma14="http://schemas.microsoft.com/office/mac/drawingml/2011/main" val="1"/>
+              <ma14:wrappingTextBoxFlag xmlns:ma14="http://schemas.microsoft.com/office/mac/drawingml/2011/main" xmlns="" val="1"/>
             </a:ext>
           </a:extLst>
         </p:spPr>
@@ -6199,7 +6199,7 @@
           </a:ln>
           <a:extLst>
             <a:ext uri="{C572A759-6A51-4108-AA02-DFA0A04FC94B}">
-              <ma14:wrappingTextBoxFlag xmlns="" xmlns:ma14="http://schemas.microsoft.com/office/mac/drawingml/2011/main" val="1"/>
+              <ma14:wrappingTextBoxFlag xmlns:ma14="http://schemas.microsoft.com/office/mac/drawingml/2011/main" xmlns="" val="1"/>
             </a:ext>
           </a:extLst>
         </p:spPr>
@@ -6690,7 +6690,7 @@
           </a:ln>
           <a:extLst>
             <a:ext uri="{C572A759-6A51-4108-AA02-DFA0A04FC94B}">
-              <ma14:wrappingTextBoxFlag xmlns="" xmlns:ma14="http://schemas.microsoft.com/office/mac/drawingml/2011/main" val="1"/>
+              <ma14:wrappingTextBoxFlag xmlns:ma14="http://schemas.microsoft.com/office/mac/drawingml/2011/main" xmlns="" val="1"/>
             </a:ext>
           </a:extLst>
         </p:spPr>
@@ -6762,7 +6762,7 @@
             </a:ln>
             <a:extLst>
               <a:ext uri="{C572A759-6A51-4108-AA02-DFA0A04FC94B}">
-                <ma14:wrappingTextBoxFlag xmlns="" xmlns:ma14="http://schemas.microsoft.com/office/mac/drawingml/2011/main" val="1"/>
+                <ma14:wrappingTextBoxFlag xmlns:ma14="http://schemas.microsoft.com/office/mac/drawingml/2011/main" xmlns="" val="1"/>
               </a:ext>
             </a:extLst>
           </p:spPr>
@@ -6838,7 +6838,7 @@
             </a:ln>
             <a:extLst>
               <a:ext uri="{C572A759-6A51-4108-AA02-DFA0A04FC94B}">
-                <ma14:wrappingTextBoxFlag xmlns="" xmlns:ma14="http://schemas.microsoft.com/office/mac/drawingml/2011/main" val="1"/>
+                <ma14:wrappingTextBoxFlag xmlns:ma14="http://schemas.microsoft.com/office/mac/drawingml/2011/main" xmlns="" val="1"/>
               </a:ext>
             </a:extLst>
           </p:spPr>
@@ -6926,7 +6926,7 @@
             </a:ln>
             <a:extLst>
               <a:ext uri="{C572A759-6A51-4108-AA02-DFA0A04FC94B}">
-                <ma14:wrappingTextBoxFlag xmlns="" xmlns:ma14="http://schemas.microsoft.com/office/mac/drawingml/2011/main" val="1"/>
+                <ma14:wrappingTextBoxFlag xmlns:ma14="http://schemas.microsoft.com/office/mac/drawingml/2011/main" xmlns="" val="1"/>
               </a:ext>
             </a:extLst>
           </p:spPr>
@@ -7006,7 +7006,7 @@
             </a:ln>
             <a:extLst>
               <a:ext uri="{C572A759-6A51-4108-AA02-DFA0A04FC94B}">
-                <ma14:wrappingTextBoxFlag xmlns="" xmlns:ma14="http://schemas.microsoft.com/office/mac/drawingml/2011/main" val="1"/>
+                <ma14:wrappingTextBoxFlag xmlns:ma14="http://schemas.microsoft.com/office/mac/drawingml/2011/main" xmlns="" val="1"/>
               </a:ext>
             </a:extLst>
           </p:spPr>
@@ -7077,7 +7077,7 @@
             </a:ln>
             <a:extLst>
               <a:ext uri="{C572A759-6A51-4108-AA02-DFA0A04FC94B}">
-                <ma14:wrappingTextBoxFlag xmlns="" xmlns:ma14="http://schemas.microsoft.com/office/mac/drawingml/2011/main" val="1"/>
+                <ma14:wrappingTextBoxFlag xmlns:ma14="http://schemas.microsoft.com/office/mac/drawingml/2011/main" xmlns="" val="1"/>
               </a:ext>
             </a:extLst>
           </p:spPr>
@@ -7133,7 +7133,7 @@
             </a:ln>
             <a:extLst>
               <a:ext uri="{C572A759-6A51-4108-AA02-DFA0A04FC94B}">
-                <ma14:wrappingTextBoxFlag xmlns="" xmlns:ma14="http://schemas.microsoft.com/office/mac/drawingml/2011/main" val="1"/>
+                <ma14:wrappingTextBoxFlag xmlns:ma14="http://schemas.microsoft.com/office/mac/drawingml/2011/main" xmlns="" val="1"/>
               </a:ext>
             </a:extLst>
           </p:spPr>
@@ -7198,7 +7198,7 @@
             </a:ln>
             <a:extLst>
               <a:ext uri="{C572A759-6A51-4108-AA02-DFA0A04FC94B}">
-                <ma14:wrappingTextBoxFlag xmlns="" xmlns:ma14="http://schemas.microsoft.com/office/mac/drawingml/2011/main" val="1"/>
+                <ma14:wrappingTextBoxFlag xmlns:ma14="http://schemas.microsoft.com/office/mac/drawingml/2011/main" xmlns="" val="1"/>
               </a:ext>
             </a:extLst>
           </p:spPr>
@@ -15048,7 +15048,7 @@
           </a:ln>
           <a:extLst>
             <a:ext uri="{C572A759-6A51-4108-AA02-DFA0A04FC94B}">
-              <ma14:wrappingTextBoxFlag xmlns:ma14="http://schemas.microsoft.com/office/mac/drawingml/2011/main" xmlns="" val="1"/>
+              <ma14:wrappingTextBoxFlag xmlns="" xmlns:ma14="http://schemas.microsoft.com/office/mac/drawingml/2011/main" val="1"/>
             </a:ext>
           </a:extLst>
         </p:spPr>
@@ -15506,7 +15506,7 @@
           </a:ln>
           <a:extLst>
             <a:ext uri="{C572A759-6A51-4108-AA02-DFA0A04FC94B}">
-              <ma14:wrappingTextBoxFlag xmlns:ma14="http://schemas.microsoft.com/office/mac/drawingml/2011/main" xmlns="" val="1"/>
+              <ma14:wrappingTextBoxFlag xmlns="" xmlns:ma14="http://schemas.microsoft.com/office/mac/drawingml/2011/main" val="1"/>
             </a:ext>
           </a:extLst>
         </p:spPr>
@@ -15742,7 +15742,7 @@
           </a:ln>
           <a:extLst>
             <a:ext uri="{C572A759-6A51-4108-AA02-DFA0A04FC94B}">
-              <ma14:wrappingTextBoxFlag xmlns:ma14="http://schemas.microsoft.com/office/mac/drawingml/2011/main" xmlns="" val="1"/>
+              <ma14:wrappingTextBoxFlag xmlns="" xmlns:ma14="http://schemas.microsoft.com/office/mac/drawingml/2011/main" val="1"/>
             </a:ext>
           </a:extLst>
         </p:spPr>
@@ -15789,7 +15789,7 @@
           </a:ln>
           <a:extLst>
             <a:ext uri="{C572A759-6A51-4108-AA02-DFA0A04FC94B}">
-              <ma14:wrappingTextBoxFlag xmlns:ma14="http://schemas.microsoft.com/office/mac/drawingml/2011/main" xmlns="" val="1"/>
+              <ma14:wrappingTextBoxFlag xmlns="" xmlns:ma14="http://schemas.microsoft.com/office/mac/drawingml/2011/main" val="1"/>
             </a:ext>
           </a:extLst>
         </p:spPr>
@@ -16021,7 +16021,7 @@
           </a:ln>
           <a:extLst>
             <a:ext uri="{C572A759-6A51-4108-AA02-DFA0A04FC94B}">
-              <ma14:wrappingTextBoxFlag xmlns:ma14="http://schemas.microsoft.com/office/mac/drawingml/2011/main" xmlns="" val="1"/>
+              <ma14:wrappingTextBoxFlag xmlns="" xmlns:ma14="http://schemas.microsoft.com/office/mac/drawingml/2011/main" val="1"/>
             </a:ext>
           </a:extLst>
         </p:spPr>
@@ -16151,7 +16151,7 @@
           </a:ln>
           <a:extLst>
             <a:ext uri="{C572A759-6A51-4108-AA02-DFA0A04FC94B}">
-              <ma14:wrappingTextBoxFlag xmlns:ma14="http://schemas.microsoft.com/office/mac/drawingml/2011/main" xmlns="" val="1"/>
+              <ma14:wrappingTextBoxFlag xmlns="" xmlns:ma14="http://schemas.microsoft.com/office/mac/drawingml/2011/main" val="1"/>
             </a:ext>
           </a:extLst>
         </p:spPr>
@@ -16266,7 +16266,7 @@
           </a:ln>
           <a:extLst>
             <a:ext uri="{C572A759-6A51-4108-AA02-DFA0A04FC94B}">
-              <ma14:wrappingTextBoxFlag xmlns:ma14="http://schemas.microsoft.com/office/mac/drawingml/2011/main" xmlns="" val="1"/>
+              <ma14:wrappingTextBoxFlag xmlns="" xmlns:ma14="http://schemas.microsoft.com/office/mac/drawingml/2011/main" val="1"/>
             </a:ext>
           </a:extLst>
         </p:spPr>
@@ -16706,7 +16706,7 @@
           </a:ln>
           <a:extLst>
             <a:ext uri="{C572A759-6A51-4108-AA02-DFA0A04FC94B}">
-              <ma14:wrappingTextBoxFlag xmlns:ma14="http://schemas.microsoft.com/office/mac/drawingml/2011/main" xmlns="" val="1"/>
+              <ma14:wrappingTextBoxFlag xmlns="" xmlns:ma14="http://schemas.microsoft.com/office/mac/drawingml/2011/main" val="1"/>
             </a:ext>
           </a:extLst>
         </p:spPr>
@@ -16972,7 +16972,7 @@
           </a:ln>
           <a:extLst>
             <a:ext uri="{C572A759-6A51-4108-AA02-DFA0A04FC94B}">
-              <ma14:wrappingTextBoxFlag xmlns:ma14="http://schemas.microsoft.com/office/mac/drawingml/2011/main" xmlns="" val="1"/>
+              <ma14:wrappingTextBoxFlag xmlns="" xmlns:ma14="http://schemas.microsoft.com/office/mac/drawingml/2011/main" val="1"/>
             </a:ext>
           </a:extLst>
         </p:spPr>
@@ -17044,7 +17044,7 @@
             </a:ln>
             <a:extLst>
               <a:ext uri="{C572A759-6A51-4108-AA02-DFA0A04FC94B}">
-                <ma14:wrappingTextBoxFlag xmlns:ma14="http://schemas.microsoft.com/office/mac/drawingml/2011/main" xmlns="" val="1"/>
+                <ma14:wrappingTextBoxFlag xmlns="" xmlns:ma14="http://schemas.microsoft.com/office/mac/drawingml/2011/main" val="1"/>
               </a:ext>
             </a:extLst>
           </p:spPr>
@@ -17121,7 +17121,7 @@
             </a:ln>
             <a:extLst>
               <a:ext uri="{C572A759-6A51-4108-AA02-DFA0A04FC94B}">
-                <ma14:wrappingTextBoxFlag xmlns:ma14="http://schemas.microsoft.com/office/mac/drawingml/2011/main" xmlns="" val="1"/>
+                <ma14:wrappingTextBoxFlag xmlns="" xmlns:ma14="http://schemas.microsoft.com/office/mac/drawingml/2011/main" val="1"/>
               </a:ext>
             </a:extLst>
           </p:spPr>
@@ -17226,7 +17226,7 @@
             </a:ln>
             <a:extLst>
               <a:ext uri="{C572A759-6A51-4108-AA02-DFA0A04FC94B}">
-                <ma14:wrappingTextBoxFlag xmlns:ma14="http://schemas.microsoft.com/office/mac/drawingml/2011/main" xmlns="" val="1"/>
+                <ma14:wrappingTextBoxFlag xmlns="" xmlns:ma14="http://schemas.microsoft.com/office/mac/drawingml/2011/main" val="1"/>
               </a:ext>
             </a:extLst>
           </p:spPr>
@@ -17306,7 +17306,7 @@
             </a:ln>
             <a:extLst>
               <a:ext uri="{C572A759-6A51-4108-AA02-DFA0A04FC94B}">
-                <ma14:wrappingTextBoxFlag xmlns:ma14="http://schemas.microsoft.com/office/mac/drawingml/2011/main" xmlns="" val="1"/>
+                <ma14:wrappingTextBoxFlag xmlns="" xmlns:ma14="http://schemas.microsoft.com/office/mac/drawingml/2011/main" val="1"/>
               </a:ext>
             </a:extLst>
           </p:spPr>
@@ -17377,7 +17377,7 @@
             </a:ln>
             <a:extLst>
               <a:ext uri="{C572A759-6A51-4108-AA02-DFA0A04FC94B}">
-                <ma14:wrappingTextBoxFlag xmlns:ma14="http://schemas.microsoft.com/office/mac/drawingml/2011/main" xmlns="" val="1"/>
+                <ma14:wrappingTextBoxFlag xmlns="" xmlns:ma14="http://schemas.microsoft.com/office/mac/drawingml/2011/main" val="1"/>
               </a:ext>
             </a:extLst>
           </p:spPr>
@@ -17440,7 +17440,7 @@
             </a:ln>
             <a:extLst>
               <a:ext uri="{C572A759-6A51-4108-AA02-DFA0A04FC94B}">
-                <ma14:wrappingTextBoxFlag xmlns:ma14="http://schemas.microsoft.com/office/mac/drawingml/2011/main" xmlns="" val="1"/>
+                <ma14:wrappingTextBoxFlag xmlns="" xmlns:ma14="http://schemas.microsoft.com/office/mac/drawingml/2011/main" val="1"/>
               </a:ext>
             </a:extLst>
           </p:spPr>
@@ -20427,7 +20427,7 @@
           </a:ln>
           <a:extLst>
             <a:ext uri="{C572A759-6A51-4108-AA02-DFA0A04FC94B}">
-              <ma14:wrappingTextBoxFlag xmlns="" xmlns:ma14="http://schemas.microsoft.com/office/mac/drawingml/2011/main" val="1"/>
+              <ma14:wrappingTextBoxFlag xmlns:ma14="http://schemas.microsoft.com/office/mac/drawingml/2011/main" xmlns="" val="1"/>
             </a:ext>
           </a:extLst>
         </p:spPr>
@@ -20499,7 +20499,7 @@
             </a:ln>
             <a:extLst>
               <a:ext uri="{C572A759-6A51-4108-AA02-DFA0A04FC94B}">
-                <ma14:wrappingTextBoxFlag xmlns="" xmlns:ma14="http://schemas.microsoft.com/office/mac/drawingml/2011/main" val="1"/>
+                <ma14:wrappingTextBoxFlag xmlns:ma14="http://schemas.microsoft.com/office/mac/drawingml/2011/main" xmlns="" val="1"/>
               </a:ext>
             </a:extLst>
           </p:spPr>
@@ -20571,7 +20571,7 @@
             </a:ln>
             <a:extLst>
               <a:ext uri="{C572A759-6A51-4108-AA02-DFA0A04FC94B}">
-                <ma14:wrappingTextBoxFlag xmlns="" xmlns:ma14="http://schemas.microsoft.com/office/mac/drawingml/2011/main" val="1"/>
+                <ma14:wrappingTextBoxFlag xmlns:ma14="http://schemas.microsoft.com/office/mac/drawingml/2011/main" xmlns="" val="1"/>
               </a:ext>
             </a:extLst>
           </p:spPr>
@@ -20659,7 +20659,7 @@
             </a:ln>
             <a:extLst>
               <a:ext uri="{C572A759-6A51-4108-AA02-DFA0A04FC94B}">
-                <ma14:wrappingTextBoxFlag xmlns="" xmlns:ma14="http://schemas.microsoft.com/office/mac/drawingml/2011/main" val="1"/>
+                <ma14:wrappingTextBoxFlag xmlns:ma14="http://schemas.microsoft.com/office/mac/drawingml/2011/main" xmlns="" val="1"/>
               </a:ext>
             </a:extLst>
           </p:spPr>
@@ -20739,7 +20739,7 @@
             </a:ln>
             <a:extLst>
               <a:ext uri="{C572A759-6A51-4108-AA02-DFA0A04FC94B}">
-                <ma14:wrappingTextBoxFlag xmlns="" xmlns:ma14="http://schemas.microsoft.com/office/mac/drawingml/2011/main" val="1"/>
+                <ma14:wrappingTextBoxFlag xmlns:ma14="http://schemas.microsoft.com/office/mac/drawingml/2011/main" xmlns="" val="1"/>
               </a:ext>
             </a:extLst>
           </p:spPr>
@@ -20798,7 +20798,7 @@
             </a:ln>
             <a:extLst>
               <a:ext uri="{C572A759-6A51-4108-AA02-DFA0A04FC94B}">
-                <ma14:wrappingTextBoxFlag xmlns="" xmlns:ma14="http://schemas.microsoft.com/office/mac/drawingml/2011/main" val="1"/>
+                <ma14:wrappingTextBoxFlag xmlns:ma14="http://schemas.microsoft.com/office/mac/drawingml/2011/main" xmlns="" val="1"/>
               </a:ext>
             </a:extLst>
           </p:spPr>
@@ -20854,7 +20854,7 @@
             </a:ln>
             <a:extLst>
               <a:ext uri="{C572A759-6A51-4108-AA02-DFA0A04FC94B}">
-                <ma14:wrappingTextBoxFlag xmlns="" xmlns:ma14="http://schemas.microsoft.com/office/mac/drawingml/2011/main" val="1"/>
+                <ma14:wrappingTextBoxFlag xmlns:ma14="http://schemas.microsoft.com/office/mac/drawingml/2011/main" xmlns="" val="1"/>
               </a:ext>
             </a:extLst>
           </p:spPr>
@@ -20919,7 +20919,7 @@
             </a:ln>
             <a:extLst>
               <a:ext uri="{C572A759-6A51-4108-AA02-DFA0A04FC94B}">
-                <ma14:wrappingTextBoxFlag xmlns="" xmlns:ma14="http://schemas.microsoft.com/office/mac/drawingml/2011/main" val="1"/>
+                <ma14:wrappingTextBoxFlag xmlns:ma14="http://schemas.microsoft.com/office/mac/drawingml/2011/main" xmlns="" val="1"/>
               </a:ext>
             </a:extLst>
           </p:spPr>
@@ -23752,7 +23752,15 @@
             <a:pPr lvl="1"/>
             <a:r>
               <a:rPr lang="ru-RU" dirty="0" smtClean="0"/>
-              <a:t>Какие параметры мне надо будет </a:t>
+              <a:t>Какие параметры мне надо </a:t>
+            </a:r>
+            <a:r>
+              <a:rPr lang="en-US" dirty="0" smtClean="0"/>
+              <a:t>      </a:t>
+            </a:r>
+            <a:r>
+              <a:rPr lang="ru-RU" dirty="0" smtClean="0"/>
+              <a:t>будет </a:t>
             </a:r>
             <a:r>
               <a:rPr lang="ru-RU" dirty="0" err="1" smtClean="0"/>
@@ -29444,11 +29452,6 @@
               </a:rPr>
               <a:t>Мониторинг</a:t>
             </a:r>
-            <a:endParaRPr lang="ru-RU" sz="4800" dirty="0" smtClean="0">
-              <a:solidFill>
-                <a:schemeClr val="tx1"/>
-              </a:solidFill>
-            </a:endParaRPr>
           </a:p>
         </p:txBody>
       </p:sp>
@@ -35658,7 +35661,7 @@
               <a:effectLst/>
               <a:extLst>
                 <a:ext uri="{C572A759-6A51-4108-AA02-DFA0A04FC94B}">
-                  <ma14:wrappingTextBoxFlag xmlns:ma14="http://schemas.microsoft.com/office/mac/drawingml/2011/main" xmlns="" val="1"/>
+                  <ma14:wrappingTextBoxFlag xmlns="" xmlns:ma14="http://schemas.microsoft.com/office/mac/drawingml/2011/main" val="1"/>
                 </a:ext>
               </a:extLst>
             </p:spPr>

--- a/slides.pptx
+++ b/slides.pptx
@@ -6,7 +6,7 @@
     <p:sldMasterId id="2147483735" r:id="rId2"/>
   </p:sldMasterIdLst>
   <p:notesMasterIdLst>
-    <p:notesMasterId r:id="rId39"/>
+    <p:notesMasterId r:id="rId40"/>
   </p:notesMasterIdLst>
   <p:sldIdLst>
     <p:sldId id="389" r:id="rId3"/>
@@ -34,17 +34,18 @@
     <p:sldId id="413" r:id="rId25"/>
     <p:sldId id="414" r:id="rId26"/>
     <p:sldId id="415" r:id="rId27"/>
-    <p:sldId id="416" r:id="rId28"/>
-    <p:sldId id="417" r:id="rId29"/>
-    <p:sldId id="418" r:id="rId30"/>
-    <p:sldId id="419" r:id="rId31"/>
-    <p:sldId id="420" r:id="rId32"/>
-    <p:sldId id="421" r:id="rId33"/>
-    <p:sldId id="422" r:id="rId34"/>
-    <p:sldId id="423" r:id="rId35"/>
-    <p:sldId id="424" r:id="rId36"/>
-    <p:sldId id="391" r:id="rId37"/>
-    <p:sldId id="407" r:id="rId38"/>
+    <p:sldId id="425" r:id="rId28"/>
+    <p:sldId id="416" r:id="rId29"/>
+    <p:sldId id="417" r:id="rId30"/>
+    <p:sldId id="418" r:id="rId31"/>
+    <p:sldId id="419" r:id="rId32"/>
+    <p:sldId id="420" r:id="rId33"/>
+    <p:sldId id="421" r:id="rId34"/>
+    <p:sldId id="422" r:id="rId35"/>
+    <p:sldId id="423" r:id="rId36"/>
+    <p:sldId id="424" r:id="rId37"/>
+    <p:sldId id="391" r:id="rId38"/>
+    <p:sldId id="407" r:id="rId39"/>
   </p:sldIdLst>
   <p:sldSz cx="24382413" cy="13716000"/>
   <p:notesSz cx="6858000" cy="9144000"/>
@@ -173,6 +174,7 @@
             <p14:sldId id="413"/>
             <p14:sldId id="414"/>
             <p14:sldId id="415"/>
+            <p14:sldId id="425"/>
             <p14:sldId id="416"/>
             <p14:sldId id="417"/>
             <p14:sldId id="418"/>
@@ -295,7 +297,7 @@
           <a:p>
             <a:fld id="{A48BA324-014D-41B7-8E83-ECE8F197A959}" type="datetimeFigureOut">
               <a:rPr lang="ru-RU" smtClean="0"/>
-              <a:t>10.02.2017</a:t>
+              <a:t>12.02.2017</a:t>
             </a:fld>
             <a:endParaRPr lang="ru-RU"/>
           </a:p>
@@ -4835,7 +4837,7 @@
           </a:ln>
           <a:extLst>
             <a:ext uri="{C572A759-6A51-4108-AA02-DFA0A04FC94B}">
-              <ma14:wrappingTextBoxFlag xmlns:ma14="http://schemas.microsoft.com/office/mac/drawingml/2011/main" xmlns="" val="1"/>
+              <ma14:wrappingTextBoxFlag xmlns="" xmlns:ma14="http://schemas.microsoft.com/office/mac/drawingml/2011/main" val="1"/>
             </a:ext>
           </a:extLst>
         </p:spPr>
@@ -5306,7 +5308,7 @@
           </a:ln>
           <a:extLst>
             <a:ext uri="{C572A759-6A51-4108-AA02-DFA0A04FC94B}">
-              <ma14:wrappingTextBoxFlag xmlns:ma14="http://schemas.microsoft.com/office/mac/drawingml/2011/main" xmlns="" val="1"/>
+              <ma14:wrappingTextBoxFlag xmlns="" xmlns:ma14="http://schemas.microsoft.com/office/mac/drawingml/2011/main" val="1"/>
             </a:ext>
           </a:extLst>
         </p:spPr>
@@ -5452,7 +5454,7 @@
           </a:ln>
           <a:extLst>
             <a:ext uri="{C572A759-6A51-4108-AA02-DFA0A04FC94B}">
-              <ma14:wrappingTextBoxFlag xmlns:ma14="http://schemas.microsoft.com/office/mac/drawingml/2011/main" xmlns="" val="1"/>
+              <ma14:wrappingTextBoxFlag xmlns="" xmlns:ma14="http://schemas.microsoft.com/office/mac/drawingml/2011/main" val="1"/>
             </a:ext>
           </a:extLst>
         </p:spPr>
@@ -5494,7 +5496,7 @@
           </a:ln>
           <a:extLst>
             <a:ext uri="{C572A759-6A51-4108-AA02-DFA0A04FC94B}">
-              <ma14:wrappingTextBoxFlag xmlns:ma14="http://schemas.microsoft.com/office/mac/drawingml/2011/main" xmlns="" val="1"/>
+              <ma14:wrappingTextBoxFlag xmlns="" xmlns:ma14="http://schemas.microsoft.com/office/mac/drawingml/2011/main" val="1"/>
             </a:ext>
           </a:extLst>
         </p:spPr>
@@ -5690,7 +5692,7 @@
           </a:ln>
           <a:extLst>
             <a:ext uri="{C572A759-6A51-4108-AA02-DFA0A04FC94B}">
-              <ma14:wrappingTextBoxFlag xmlns:ma14="http://schemas.microsoft.com/office/mac/drawingml/2011/main" xmlns="" val="1"/>
+              <ma14:wrappingTextBoxFlag xmlns="" xmlns:ma14="http://schemas.microsoft.com/office/mac/drawingml/2011/main" val="1"/>
             </a:ext>
           </a:extLst>
         </p:spPr>
@@ -5814,7 +5816,7 @@
           </a:ln>
           <a:extLst>
             <a:ext uri="{C572A759-6A51-4108-AA02-DFA0A04FC94B}">
-              <ma14:wrappingTextBoxFlag xmlns:ma14="http://schemas.microsoft.com/office/mac/drawingml/2011/main" xmlns="" val="1"/>
+              <ma14:wrappingTextBoxFlag xmlns="" xmlns:ma14="http://schemas.microsoft.com/office/mac/drawingml/2011/main" val="1"/>
             </a:ext>
           </a:extLst>
         </p:spPr>
@@ -5908,7 +5910,7 @@
           </a:ln>
           <a:extLst>
             <a:ext uri="{C572A759-6A51-4108-AA02-DFA0A04FC94B}">
-              <ma14:wrappingTextBoxFlag xmlns:ma14="http://schemas.microsoft.com/office/mac/drawingml/2011/main" xmlns="" val="1"/>
+              <ma14:wrappingTextBoxFlag xmlns="" xmlns:ma14="http://schemas.microsoft.com/office/mac/drawingml/2011/main" val="1"/>
             </a:ext>
           </a:extLst>
         </p:spPr>
@@ -6199,7 +6201,7 @@
           </a:ln>
           <a:extLst>
             <a:ext uri="{C572A759-6A51-4108-AA02-DFA0A04FC94B}">
-              <ma14:wrappingTextBoxFlag xmlns:ma14="http://schemas.microsoft.com/office/mac/drawingml/2011/main" xmlns="" val="1"/>
+              <ma14:wrappingTextBoxFlag xmlns="" xmlns:ma14="http://schemas.microsoft.com/office/mac/drawingml/2011/main" val="1"/>
             </a:ext>
           </a:extLst>
         </p:spPr>
@@ -6690,7 +6692,7 @@
           </a:ln>
           <a:extLst>
             <a:ext uri="{C572A759-6A51-4108-AA02-DFA0A04FC94B}">
-              <ma14:wrappingTextBoxFlag xmlns:ma14="http://schemas.microsoft.com/office/mac/drawingml/2011/main" xmlns="" val="1"/>
+              <ma14:wrappingTextBoxFlag xmlns="" xmlns:ma14="http://schemas.microsoft.com/office/mac/drawingml/2011/main" val="1"/>
             </a:ext>
           </a:extLst>
         </p:spPr>
@@ -6762,7 +6764,7 @@
             </a:ln>
             <a:extLst>
               <a:ext uri="{C572A759-6A51-4108-AA02-DFA0A04FC94B}">
-                <ma14:wrappingTextBoxFlag xmlns:ma14="http://schemas.microsoft.com/office/mac/drawingml/2011/main" xmlns="" val="1"/>
+                <ma14:wrappingTextBoxFlag xmlns="" xmlns:ma14="http://schemas.microsoft.com/office/mac/drawingml/2011/main" val="1"/>
               </a:ext>
             </a:extLst>
           </p:spPr>
@@ -6838,7 +6840,7 @@
             </a:ln>
             <a:extLst>
               <a:ext uri="{C572A759-6A51-4108-AA02-DFA0A04FC94B}">
-                <ma14:wrappingTextBoxFlag xmlns:ma14="http://schemas.microsoft.com/office/mac/drawingml/2011/main" xmlns="" val="1"/>
+                <ma14:wrappingTextBoxFlag xmlns="" xmlns:ma14="http://schemas.microsoft.com/office/mac/drawingml/2011/main" val="1"/>
               </a:ext>
             </a:extLst>
           </p:spPr>
@@ -6926,7 +6928,7 @@
             </a:ln>
             <a:extLst>
               <a:ext uri="{C572A759-6A51-4108-AA02-DFA0A04FC94B}">
-                <ma14:wrappingTextBoxFlag xmlns:ma14="http://schemas.microsoft.com/office/mac/drawingml/2011/main" xmlns="" val="1"/>
+                <ma14:wrappingTextBoxFlag xmlns="" xmlns:ma14="http://schemas.microsoft.com/office/mac/drawingml/2011/main" val="1"/>
               </a:ext>
             </a:extLst>
           </p:spPr>
@@ -7006,7 +7008,7 @@
             </a:ln>
             <a:extLst>
               <a:ext uri="{C572A759-6A51-4108-AA02-DFA0A04FC94B}">
-                <ma14:wrappingTextBoxFlag xmlns:ma14="http://schemas.microsoft.com/office/mac/drawingml/2011/main" xmlns="" val="1"/>
+                <ma14:wrappingTextBoxFlag xmlns="" xmlns:ma14="http://schemas.microsoft.com/office/mac/drawingml/2011/main" val="1"/>
               </a:ext>
             </a:extLst>
           </p:spPr>
@@ -7077,7 +7079,7 @@
             </a:ln>
             <a:extLst>
               <a:ext uri="{C572A759-6A51-4108-AA02-DFA0A04FC94B}">
-                <ma14:wrappingTextBoxFlag xmlns:ma14="http://schemas.microsoft.com/office/mac/drawingml/2011/main" xmlns="" val="1"/>
+                <ma14:wrappingTextBoxFlag xmlns="" xmlns:ma14="http://schemas.microsoft.com/office/mac/drawingml/2011/main" val="1"/>
               </a:ext>
             </a:extLst>
           </p:spPr>
@@ -7133,7 +7135,7 @@
             </a:ln>
             <a:extLst>
               <a:ext uri="{C572A759-6A51-4108-AA02-DFA0A04FC94B}">
-                <ma14:wrappingTextBoxFlag xmlns:ma14="http://schemas.microsoft.com/office/mac/drawingml/2011/main" xmlns="" val="1"/>
+                <ma14:wrappingTextBoxFlag xmlns="" xmlns:ma14="http://schemas.microsoft.com/office/mac/drawingml/2011/main" val="1"/>
               </a:ext>
             </a:extLst>
           </p:spPr>
@@ -7198,7 +7200,7 @@
             </a:ln>
             <a:extLst>
               <a:ext uri="{C572A759-6A51-4108-AA02-DFA0A04FC94B}">
-                <ma14:wrappingTextBoxFlag xmlns:ma14="http://schemas.microsoft.com/office/mac/drawingml/2011/main" xmlns="" val="1"/>
+                <ma14:wrappingTextBoxFlag xmlns="" xmlns:ma14="http://schemas.microsoft.com/office/mac/drawingml/2011/main" val="1"/>
               </a:ext>
             </a:extLst>
           </p:spPr>
@@ -15048,7 +15050,7 @@
           </a:ln>
           <a:extLst>
             <a:ext uri="{C572A759-6A51-4108-AA02-DFA0A04FC94B}">
-              <ma14:wrappingTextBoxFlag xmlns="" xmlns:ma14="http://schemas.microsoft.com/office/mac/drawingml/2011/main" val="1"/>
+              <ma14:wrappingTextBoxFlag xmlns:ma14="http://schemas.microsoft.com/office/mac/drawingml/2011/main" xmlns="" val="1"/>
             </a:ext>
           </a:extLst>
         </p:spPr>
@@ -15506,7 +15508,7 @@
           </a:ln>
           <a:extLst>
             <a:ext uri="{C572A759-6A51-4108-AA02-DFA0A04FC94B}">
-              <ma14:wrappingTextBoxFlag xmlns="" xmlns:ma14="http://schemas.microsoft.com/office/mac/drawingml/2011/main" val="1"/>
+              <ma14:wrappingTextBoxFlag xmlns:ma14="http://schemas.microsoft.com/office/mac/drawingml/2011/main" xmlns="" val="1"/>
             </a:ext>
           </a:extLst>
         </p:spPr>
@@ -15742,7 +15744,7 @@
           </a:ln>
           <a:extLst>
             <a:ext uri="{C572A759-6A51-4108-AA02-DFA0A04FC94B}">
-              <ma14:wrappingTextBoxFlag xmlns="" xmlns:ma14="http://schemas.microsoft.com/office/mac/drawingml/2011/main" val="1"/>
+              <ma14:wrappingTextBoxFlag xmlns:ma14="http://schemas.microsoft.com/office/mac/drawingml/2011/main" xmlns="" val="1"/>
             </a:ext>
           </a:extLst>
         </p:spPr>
@@ -15789,7 +15791,7 @@
           </a:ln>
           <a:extLst>
             <a:ext uri="{C572A759-6A51-4108-AA02-DFA0A04FC94B}">
-              <ma14:wrappingTextBoxFlag xmlns="" xmlns:ma14="http://schemas.microsoft.com/office/mac/drawingml/2011/main" val="1"/>
+              <ma14:wrappingTextBoxFlag xmlns:ma14="http://schemas.microsoft.com/office/mac/drawingml/2011/main" xmlns="" val="1"/>
             </a:ext>
           </a:extLst>
         </p:spPr>
@@ -16021,7 +16023,7 @@
           </a:ln>
           <a:extLst>
             <a:ext uri="{C572A759-6A51-4108-AA02-DFA0A04FC94B}">
-              <ma14:wrappingTextBoxFlag xmlns="" xmlns:ma14="http://schemas.microsoft.com/office/mac/drawingml/2011/main" val="1"/>
+              <ma14:wrappingTextBoxFlag xmlns:ma14="http://schemas.microsoft.com/office/mac/drawingml/2011/main" xmlns="" val="1"/>
             </a:ext>
           </a:extLst>
         </p:spPr>
@@ -16151,7 +16153,7 @@
           </a:ln>
           <a:extLst>
             <a:ext uri="{C572A759-6A51-4108-AA02-DFA0A04FC94B}">
-              <ma14:wrappingTextBoxFlag xmlns="" xmlns:ma14="http://schemas.microsoft.com/office/mac/drawingml/2011/main" val="1"/>
+              <ma14:wrappingTextBoxFlag xmlns:ma14="http://schemas.microsoft.com/office/mac/drawingml/2011/main" xmlns="" val="1"/>
             </a:ext>
           </a:extLst>
         </p:spPr>
@@ -16266,7 +16268,7 @@
           </a:ln>
           <a:extLst>
             <a:ext uri="{C572A759-6A51-4108-AA02-DFA0A04FC94B}">
-              <ma14:wrappingTextBoxFlag xmlns="" xmlns:ma14="http://schemas.microsoft.com/office/mac/drawingml/2011/main" val="1"/>
+              <ma14:wrappingTextBoxFlag xmlns:ma14="http://schemas.microsoft.com/office/mac/drawingml/2011/main" xmlns="" val="1"/>
             </a:ext>
           </a:extLst>
         </p:spPr>
@@ -16706,7 +16708,7 @@
           </a:ln>
           <a:extLst>
             <a:ext uri="{C572A759-6A51-4108-AA02-DFA0A04FC94B}">
-              <ma14:wrappingTextBoxFlag xmlns="" xmlns:ma14="http://schemas.microsoft.com/office/mac/drawingml/2011/main" val="1"/>
+              <ma14:wrappingTextBoxFlag xmlns:ma14="http://schemas.microsoft.com/office/mac/drawingml/2011/main" xmlns="" val="1"/>
             </a:ext>
           </a:extLst>
         </p:spPr>
@@ -16972,7 +16974,7 @@
           </a:ln>
           <a:extLst>
             <a:ext uri="{C572A759-6A51-4108-AA02-DFA0A04FC94B}">
-              <ma14:wrappingTextBoxFlag xmlns="" xmlns:ma14="http://schemas.microsoft.com/office/mac/drawingml/2011/main" val="1"/>
+              <ma14:wrappingTextBoxFlag xmlns:ma14="http://schemas.microsoft.com/office/mac/drawingml/2011/main" xmlns="" val="1"/>
             </a:ext>
           </a:extLst>
         </p:spPr>
@@ -17044,7 +17046,7 @@
             </a:ln>
             <a:extLst>
               <a:ext uri="{C572A759-6A51-4108-AA02-DFA0A04FC94B}">
-                <ma14:wrappingTextBoxFlag xmlns="" xmlns:ma14="http://schemas.microsoft.com/office/mac/drawingml/2011/main" val="1"/>
+                <ma14:wrappingTextBoxFlag xmlns:ma14="http://schemas.microsoft.com/office/mac/drawingml/2011/main" xmlns="" val="1"/>
               </a:ext>
             </a:extLst>
           </p:spPr>
@@ -17121,7 +17123,7 @@
             </a:ln>
             <a:extLst>
               <a:ext uri="{C572A759-6A51-4108-AA02-DFA0A04FC94B}">
-                <ma14:wrappingTextBoxFlag xmlns="" xmlns:ma14="http://schemas.microsoft.com/office/mac/drawingml/2011/main" val="1"/>
+                <ma14:wrappingTextBoxFlag xmlns:ma14="http://schemas.microsoft.com/office/mac/drawingml/2011/main" xmlns="" val="1"/>
               </a:ext>
             </a:extLst>
           </p:spPr>
@@ -17226,7 +17228,7 @@
             </a:ln>
             <a:extLst>
               <a:ext uri="{C572A759-6A51-4108-AA02-DFA0A04FC94B}">
-                <ma14:wrappingTextBoxFlag xmlns="" xmlns:ma14="http://schemas.microsoft.com/office/mac/drawingml/2011/main" val="1"/>
+                <ma14:wrappingTextBoxFlag xmlns:ma14="http://schemas.microsoft.com/office/mac/drawingml/2011/main" xmlns="" val="1"/>
               </a:ext>
             </a:extLst>
           </p:spPr>
@@ -17306,7 +17308,7 @@
             </a:ln>
             <a:extLst>
               <a:ext uri="{C572A759-6A51-4108-AA02-DFA0A04FC94B}">
-                <ma14:wrappingTextBoxFlag xmlns="" xmlns:ma14="http://schemas.microsoft.com/office/mac/drawingml/2011/main" val="1"/>
+                <ma14:wrappingTextBoxFlag xmlns:ma14="http://schemas.microsoft.com/office/mac/drawingml/2011/main" xmlns="" val="1"/>
               </a:ext>
             </a:extLst>
           </p:spPr>
@@ -17377,7 +17379,7 @@
             </a:ln>
             <a:extLst>
               <a:ext uri="{C572A759-6A51-4108-AA02-DFA0A04FC94B}">
-                <ma14:wrappingTextBoxFlag xmlns="" xmlns:ma14="http://schemas.microsoft.com/office/mac/drawingml/2011/main" val="1"/>
+                <ma14:wrappingTextBoxFlag xmlns:ma14="http://schemas.microsoft.com/office/mac/drawingml/2011/main" xmlns="" val="1"/>
               </a:ext>
             </a:extLst>
           </p:spPr>
@@ -17440,7 +17442,7 @@
             </a:ln>
             <a:extLst>
               <a:ext uri="{C572A759-6A51-4108-AA02-DFA0A04FC94B}">
-                <ma14:wrappingTextBoxFlag xmlns="" xmlns:ma14="http://schemas.microsoft.com/office/mac/drawingml/2011/main" val="1"/>
+                <ma14:wrappingTextBoxFlag xmlns:ma14="http://schemas.microsoft.com/office/mac/drawingml/2011/main" xmlns="" val="1"/>
               </a:ext>
             </a:extLst>
           </p:spPr>
@@ -20427,7 +20429,7 @@
           </a:ln>
           <a:extLst>
             <a:ext uri="{C572A759-6A51-4108-AA02-DFA0A04FC94B}">
-              <ma14:wrappingTextBoxFlag xmlns:ma14="http://schemas.microsoft.com/office/mac/drawingml/2011/main" xmlns="" val="1"/>
+              <ma14:wrappingTextBoxFlag xmlns="" xmlns:ma14="http://schemas.microsoft.com/office/mac/drawingml/2011/main" val="1"/>
             </a:ext>
           </a:extLst>
         </p:spPr>
@@ -20499,7 +20501,7 @@
             </a:ln>
             <a:extLst>
               <a:ext uri="{C572A759-6A51-4108-AA02-DFA0A04FC94B}">
-                <ma14:wrappingTextBoxFlag xmlns:ma14="http://schemas.microsoft.com/office/mac/drawingml/2011/main" xmlns="" val="1"/>
+                <ma14:wrappingTextBoxFlag xmlns="" xmlns:ma14="http://schemas.microsoft.com/office/mac/drawingml/2011/main" val="1"/>
               </a:ext>
             </a:extLst>
           </p:spPr>
@@ -20571,7 +20573,7 @@
             </a:ln>
             <a:extLst>
               <a:ext uri="{C572A759-6A51-4108-AA02-DFA0A04FC94B}">
-                <ma14:wrappingTextBoxFlag xmlns:ma14="http://schemas.microsoft.com/office/mac/drawingml/2011/main" xmlns="" val="1"/>
+                <ma14:wrappingTextBoxFlag xmlns="" xmlns:ma14="http://schemas.microsoft.com/office/mac/drawingml/2011/main" val="1"/>
               </a:ext>
             </a:extLst>
           </p:spPr>
@@ -20659,7 +20661,7 @@
             </a:ln>
             <a:extLst>
               <a:ext uri="{C572A759-6A51-4108-AA02-DFA0A04FC94B}">
-                <ma14:wrappingTextBoxFlag xmlns:ma14="http://schemas.microsoft.com/office/mac/drawingml/2011/main" xmlns="" val="1"/>
+                <ma14:wrappingTextBoxFlag xmlns="" xmlns:ma14="http://schemas.microsoft.com/office/mac/drawingml/2011/main" val="1"/>
               </a:ext>
             </a:extLst>
           </p:spPr>
@@ -20739,7 +20741,7 @@
             </a:ln>
             <a:extLst>
               <a:ext uri="{C572A759-6A51-4108-AA02-DFA0A04FC94B}">
-                <ma14:wrappingTextBoxFlag xmlns:ma14="http://schemas.microsoft.com/office/mac/drawingml/2011/main" xmlns="" val="1"/>
+                <ma14:wrappingTextBoxFlag xmlns="" xmlns:ma14="http://schemas.microsoft.com/office/mac/drawingml/2011/main" val="1"/>
               </a:ext>
             </a:extLst>
           </p:spPr>
@@ -20798,7 +20800,7 @@
             </a:ln>
             <a:extLst>
               <a:ext uri="{C572A759-6A51-4108-AA02-DFA0A04FC94B}">
-                <ma14:wrappingTextBoxFlag xmlns:ma14="http://schemas.microsoft.com/office/mac/drawingml/2011/main" xmlns="" val="1"/>
+                <ma14:wrappingTextBoxFlag xmlns="" xmlns:ma14="http://schemas.microsoft.com/office/mac/drawingml/2011/main" val="1"/>
               </a:ext>
             </a:extLst>
           </p:spPr>
@@ -20854,7 +20856,7 @@
             </a:ln>
             <a:extLst>
               <a:ext uri="{C572A759-6A51-4108-AA02-DFA0A04FC94B}">
-                <ma14:wrappingTextBoxFlag xmlns:ma14="http://schemas.microsoft.com/office/mac/drawingml/2011/main" xmlns="" val="1"/>
+                <ma14:wrappingTextBoxFlag xmlns="" xmlns:ma14="http://schemas.microsoft.com/office/mac/drawingml/2011/main" val="1"/>
               </a:ext>
             </a:extLst>
           </p:spPr>
@@ -20919,7 +20921,7 @@
             </a:ln>
             <a:extLst>
               <a:ext uri="{C572A759-6A51-4108-AA02-DFA0A04FC94B}">
-                <ma14:wrappingTextBoxFlag xmlns:ma14="http://schemas.microsoft.com/office/mac/drawingml/2011/main" xmlns="" val="1"/>
+                <ma14:wrappingTextBoxFlag xmlns="" xmlns:ma14="http://schemas.microsoft.com/office/mac/drawingml/2011/main" val="1"/>
               </a:ext>
             </a:extLst>
           </p:spPr>
@@ -23269,7 +23271,7 @@
                                   <p:childTnLst>
                                     <p:animMotion origin="layout" path="M 1.42848E-6 0.00011 L -0.32867 -0.16736 " pathEditMode="relative" rAng="0" ptsTypes="AA">
                                       <p:cBhvr>
-                                        <p:cTn id="78" dur="1250" fill="hold"/>
+                                        <p:cTn id="78" dur="1000" fill="hold"/>
                                         <p:tgtEl>
                                           <p:spTgt spid="41"/>
                                         </p:tgtEl>
@@ -23291,7 +23293,7 @@
                                   <p:childTnLst>
                                     <p:animMotion origin="layout" path="M 1.27612E-7 0.00011 L -0.32945 0.22257 " pathEditMode="relative" rAng="0" ptsTypes="AA">
                                       <p:cBhvr>
-                                        <p:cTn id="80" dur="1250" fill="hold"/>
+                                        <p:cTn id="80" dur="1000" fill="hold"/>
                                         <p:tgtEl>
                                           <p:spTgt spid="7"/>
                                         </p:tgtEl>
@@ -23305,15 +23307,24 @@
                                   </p:childTnLst>
                                 </p:cTn>
                               </p:par>
+                            </p:childTnLst>
+                          </p:cTn>
+                        </p:par>
+                        <p:par>
+                          <p:cTn id="81" fill="hold">
+                            <p:stCondLst>
+                              <p:cond delay="1000"/>
+                            </p:stCondLst>
+                            <p:childTnLst>
                               <p:par>
-                                <p:cTn id="81" presetID="42" presetClass="path" presetSubtype="0" accel="50000" decel="50000" fill="hold" grpId="1" nodeType="withEffect">
+                                <p:cTn id="82" presetID="42" presetClass="path" presetSubtype="0" accel="50000" decel="50000" fill="hold" grpId="1" nodeType="afterEffect">
                                   <p:stCondLst>
                                     <p:cond delay="0"/>
                                   </p:stCondLst>
                                   <p:childTnLst>
                                     <p:animMotion origin="layout" path="M 4.58884E-6 1.66667E-6 L -0.37561 1.66667E-6 " pathEditMode="relative" rAng="0" ptsTypes="AA">
                                       <p:cBhvr>
-                                        <p:cTn id="82" dur="1250" fill="hold"/>
+                                        <p:cTn id="83" dur="1000" fill="hold"/>
                                         <p:tgtEl>
                                           <p:spTgt spid="3"/>
                                         </p:tgtEl>
@@ -23328,14 +23339,14 @@
                                 </p:cTn>
                               </p:par>
                               <p:par>
-                                <p:cTn id="83" presetID="42" presetClass="path" presetSubtype="0" accel="50000" decel="50000" fill="hold" grpId="1" nodeType="withEffect">
+                                <p:cTn id="84" presetID="42" presetClass="path" presetSubtype="0" accel="50000" decel="50000" fill="hold" grpId="1" nodeType="withEffect">
                                   <p:stCondLst>
                                     <p:cond delay="0"/>
                                   </p:stCondLst>
                                   <p:childTnLst>
                                     <p:animMotion origin="layout" path="M 4.58884E-6 1.66667E-6 L 0.2504 -0.00058 " pathEditMode="relative" rAng="0" ptsTypes="AA">
                                       <p:cBhvr>
-                                        <p:cTn id="84" dur="1250" fill="hold"/>
+                                        <p:cTn id="85" dur="1000" fill="hold"/>
                                         <p:tgtEl>
                                           <p:spTgt spid="46"/>
                                         </p:tgtEl>
@@ -23350,14 +23361,14 @@
                                 </p:cTn>
                               </p:par>
                               <p:par>
-                                <p:cTn id="85" presetID="42" presetClass="path" presetSubtype="0" accel="50000" decel="50000" fill="hold" grpId="1" nodeType="withEffect">
+                                <p:cTn id="86" presetID="42" presetClass="path" presetSubtype="0" accel="50000" decel="50000" fill="hold" grpId="1" nodeType="withEffect">
                                   <p:stCondLst>
                                     <p:cond delay="0"/>
                                   </p:stCondLst>
                                   <p:childTnLst>
                                     <p:animMotion origin="layout" path="M 4.58884E-6 1.66667E-6 L 0.2504 0.38958 " pathEditMode="relative" rAng="0" ptsTypes="AA">
                                       <p:cBhvr>
-                                        <p:cTn id="86" dur="1250" fill="hold"/>
+                                        <p:cTn id="87" dur="1000" fill="hold"/>
                                         <p:tgtEl>
                                           <p:spTgt spid="45"/>
                                         </p:tgtEl>
@@ -23372,14 +23383,14 @@
                                 </p:cTn>
                               </p:par>
                               <p:par>
-                                <p:cTn id="87" presetID="42" presetClass="path" presetSubtype="0" accel="50000" decel="50000" fill="hold" grpId="0" nodeType="withEffect">
+                                <p:cTn id="88" presetID="42" presetClass="path" presetSubtype="0" accel="50000" decel="50000" fill="hold" grpId="0" nodeType="withEffect">
                                   <p:stCondLst>
                                     <p:cond delay="0"/>
                                   </p:stCondLst>
                                   <p:childTnLst>
                                     <p:animMotion origin="layout" path="M -3.02754E-7 3.7037E-7 L -0.37554 0.39016 " pathEditMode="relative" rAng="0" ptsTypes="AA">
                                       <p:cBhvr>
-                                        <p:cTn id="88" dur="1250" fill="hold"/>
+                                        <p:cTn id="89" dur="1000" fill="hold"/>
                                         <p:tgtEl>
                                           <p:spTgt spid="30"/>
                                         </p:tgtEl>
@@ -23393,15 +23404,24 @@
                                   </p:childTnLst>
                                 </p:cTn>
                               </p:par>
+                            </p:childTnLst>
+                          </p:cTn>
+                        </p:par>
+                        <p:par>
+                          <p:cTn id="90" fill="hold">
+                            <p:stCondLst>
+                              <p:cond delay="2000"/>
+                            </p:stCondLst>
+                            <p:childTnLst>
                               <p:par>
-                                <p:cTn id="89" presetID="42" presetClass="path" presetSubtype="0" accel="50000" decel="50000" fill="hold" grpId="1" nodeType="withEffect">
+                                <p:cTn id="91" presetID="42" presetClass="path" presetSubtype="0" accel="50000" decel="50000" fill="hold" grpId="1" nodeType="afterEffect">
                                   <p:stCondLst>
                                     <p:cond delay="0"/>
                                   </p:stCondLst>
                                   <p:childTnLst>
                                     <p:animMotion origin="layout" path="M 2.5542E-6 3.14815E-6 L 0.2661 0.22268 " pathEditMode="relative" rAng="0" ptsTypes="AA">
                                       <p:cBhvr>
-                                        <p:cTn id="90" dur="1250" fill="hold"/>
+                                        <p:cTn id="92" dur="1000" fill="hold"/>
                                         <p:tgtEl>
                                           <p:spTgt spid="43"/>
                                         </p:tgtEl>
@@ -23416,14 +23436,14 @@
                                 </p:cTn>
                               </p:par>
                               <p:par>
-                                <p:cTn id="91" presetID="42" presetClass="path" presetSubtype="0" accel="50000" decel="50000" fill="hold" grpId="1" nodeType="withEffect">
+                                <p:cTn id="93" presetID="42" presetClass="path" presetSubtype="0" accel="50000" decel="50000" fill="hold" grpId="1" nodeType="withEffect">
                                   <p:stCondLst>
                                     <p:cond delay="0"/>
                                   </p:stCondLst>
                                   <p:childTnLst>
                                     <p:animMotion origin="layout" path="M 2.5542E-6 4.81481E-6 L -0.26604 0.22268 " pathEditMode="relative" rAng="0" ptsTypes="AA">
                                       <p:cBhvr>
-                                        <p:cTn id="92" dur="1250" fill="hold"/>
+                                        <p:cTn id="94" dur="1000" fill="hold"/>
                                         <p:tgtEl>
                                           <p:spTgt spid="40"/>
                                         </p:tgtEl>
@@ -23438,14 +23458,45 @@
                                 </p:cTn>
                               </p:par>
                               <p:par>
-                                <p:cTn id="93" presetID="0" presetClass="path" presetSubtype="0" accel="50000" decel="50000" fill="hold" grpId="1" nodeType="withEffect">
+                                <p:cTn id="95" presetID="42" presetClass="path" presetSubtype="0" accel="50000" decel="50000" fill="hold" grpId="1" nodeType="withEffect">
+                                  <p:stCondLst>
+                                    <p:cond delay="0"/>
+                                  </p:stCondLst>
+                                  <p:childTnLst>
+                                    <p:animMotion origin="layout" path="M 2.5542E-6 3.14815E-6 L -0.35992 -0.16586 " pathEditMode="relative" rAng="0" ptsTypes="AA">
+                                      <p:cBhvr>
+                                        <p:cTn id="96" dur="1000" fill="hold"/>
+                                        <p:tgtEl>
+                                          <p:spTgt spid="25"/>
+                                        </p:tgtEl>
+                                        <p:attrNameLst>
+                                          <p:attrName>ppt_x</p:attrName>
+                                          <p:attrName>ppt_y</p:attrName>
+                                        </p:attrNameLst>
+                                      </p:cBhvr>
+                                      <p:rCtr x="-17996" y="-8299"/>
+                                    </p:animMotion>
+                                  </p:childTnLst>
+                                </p:cTn>
+                              </p:par>
+                            </p:childTnLst>
+                          </p:cTn>
+                        </p:par>
+                        <p:par>
+                          <p:cTn id="97" fill="hold">
+                            <p:stCondLst>
+                              <p:cond delay="3000"/>
+                            </p:stCondLst>
+                            <p:childTnLst>
+                              <p:par>
+                                <p:cTn id="98" presetID="0" presetClass="path" presetSubtype="0" accel="50000" decel="50000" fill="hold" grpId="1" nodeType="afterEffect">
                                   <p:stCondLst>
                                     <p:cond delay="0"/>
                                   </p:stCondLst>
                                   <p:childTnLst>
                                     <p:animMotion origin="layout" path="M 4.58884E-6 -7.40741E-7 L -0.37561 0.05567 " pathEditMode="relative" rAng="0" ptsTypes="AA">
                                       <p:cBhvr>
-                                        <p:cTn id="94" dur="1250" fill="hold"/>
+                                        <p:cTn id="99" dur="1000" fill="hold"/>
                                         <p:tgtEl>
                                           <p:spTgt spid="39"/>
                                         </p:tgtEl>
@@ -23460,14 +23511,14 @@
                                 </p:cTn>
                               </p:par>
                               <p:par>
-                                <p:cTn id="95" presetID="0" presetClass="path" presetSubtype="0" accel="50000" decel="50000" fill="hold" grpId="1" nodeType="withEffect">
+                                <p:cTn id="100" presetID="0" presetClass="path" presetSubtype="0" accel="50000" decel="50000" fill="hold" grpId="1" nodeType="withEffect">
                                   <p:stCondLst>
                                     <p:cond delay="0"/>
                                   </p:stCondLst>
                                   <p:childTnLst>
                                     <p:animMotion origin="layout" path="M 4.58884E-6 -7.40741E-7 L 0.43811 0.05532 " pathEditMode="relative" rAng="0" ptsTypes="AA">
                                       <p:cBhvr>
-                                        <p:cTn id="96" dur="1250" fill="hold"/>
+                                        <p:cTn id="101" dur="1000" fill="hold"/>
                                         <p:tgtEl>
                                           <p:spTgt spid="44"/>
                                         </p:tgtEl>
@@ -23482,14 +23533,14 @@
                                 </p:cTn>
                               </p:par>
                               <p:par>
-                                <p:cTn id="97" presetID="0" presetClass="path" presetSubtype="0" accel="50000" decel="50000" fill="hold" grpId="1" nodeType="withEffect">
+                                <p:cTn id="102" presetID="0" presetClass="path" presetSubtype="0" accel="50000" decel="50000" fill="hold" grpId="1" nodeType="withEffect">
                                   <p:stCondLst>
                                     <p:cond delay="0"/>
                                   </p:stCondLst>
                                   <p:childTnLst>
                                     <p:animMotion origin="layout" path="M 4.58884E-6 -7.40741E-7 L -0.18784 -0.33391 " pathEditMode="relative" rAng="0" ptsTypes="AA">
                                       <p:cBhvr>
-                                        <p:cTn id="98" dur="1250" fill="hold"/>
+                                        <p:cTn id="103" dur="1000" fill="hold"/>
                                         <p:tgtEl>
                                           <p:spTgt spid="26"/>
                                         </p:tgtEl>
@@ -23499,28 +23550,6 @@
                                         </p:attrNameLst>
                                       </p:cBhvr>
                                       <p:rCtr x="-9395" y="-16701"/>
-                                    </p:animMotion>
-                                  </p:childTnLst>
-                                </p:cTn>
-                              </p:par>
-                              <p:par>
-                                <p:cTn id="99" presetID="42" presetClass="path" presetSubtype="0" accel="50000" decel="50000" fill="hold" grpId="1" nodeType="withEffect">
-                                  <p:stCondLst>
-                                    <p:cond delay="0"/>
-                                  </p:stCondLst>
-                                  <p:childTnLst>
-                                    <p:animMotion origin="layout" path="M 2.5542E-6 3.14815E-6 L -0.35992 -0.16586 " pathEditMode="relative" rAng="0" ptsTypes="AA">
-                                      <p:cBhvr>
-                                        <p:cTn id="100" dur="1250" fill="hold"/>
-                                        <p:tgtEl>
-                                          <p:spTgt spid="25"/>
-                                        </p:tgtEl>
-                                        <p:attrNameLst>
-                                          <p:attrName>ppt_x</p:attrName>
-                                          <p:attrName>ppt_y</p:attrName>
-                                        </p:attrNameLst>
-                                      </p:cBhvr>
-                                      <p:rCtr x="-17996" y="-8299"/>
                                     </p:animMotion>
                                   </p:childTnLst>
                                 </p:cTn>
@@ -26183,6 +26212,56 @@
               <a:t>void </a:t>
             </a:r>
             <a:r>
+              <a:rPr lang="en-US" dirty="0" err="1" smtClean="0"/>
+              <a:t>AddInt</a:t>
+            </a:r>
+            <a:r>
+              <a:rPr lang="en-US" dirty="0" smtClean="0"/>
+              <a:t>(vector&lt;</a:t>
+            </a:r>
+            <a:r>
+              <a:rPr lang="en-US" dirty="0" err="1" smtClean="0"/>
+              <a:t>int</a:t>
+            </a:r>
+            <a:r>
+              <a:rPr lang="en-US" dirty="0"/>
+              <a:t>&gt;&amp; v, </a:t>
+            </a:r>
+            <a:r>
+              <a:rPr lang="en-US" dirty="0" err="1"/>
+              <a:t>int</a:t>
+            </a:r>
+            <a:r>
+              <a:rPr lang="en-US" dirty="0"/>
+              <a:t> x) {</a:t>
+            </a:r>
+          </a:p>
+          <a:p>
+            <a:r>
+              <a:rPr lang="en-US" dirty="0"/>
+              <a:t>    </a:t>
+            </a:r>
+            <a:r>
+              <a:rPr lang="en-US" dirty="0" err="1"/>
+              <a:t>v.push_back</a:t>
+            </a:r>
+            <a:r>
+              <a:rPr lang="en-US" dirty="0"/>
+              <a:t>(x);</a:t>
+            </a:r>
+          </a:p>
+          <a:p>
+            <a:r>
+              <a:rPr lang="en-US" dirty="0"/>
+              <a:t>}</a:t>
+            </a:r>
+          </a:p>
+          <a:p>
+            <a:r>
+              <a:rPr lang="en-US" dirty="0" smtClean="0"/>
+              <a:t>void </a:t>
+            </a:r>
+            <a:r>
               <a:rPr lang="en-US" dirty="0" err="1"/>
               <a:t>UpdateVector</a:t>
             </a:r>
@@ -26196,15 +26275,7 @@
             </a:r>
             <a:r>
               <a:rPr lang="en-US" dirty="0"/>
-              <a:t>&gt;&amp; v, </a:t>
-            </a:r>
-            <a:r>
-              <a:rPr lang="en-US" dirty="0" err="1"/>
-              <a:t>int</a:t>
-            </a:r>
-            <a:r>
-              <a:rPr lang="en-US" dirty="0"/>
-              <a:t> x) {</a:t>
+              <a:t>&gt;&amp; v) {</a:t>
             </a:r>
           </a:p>
           <a:p>
@@ -26213,54 +26284,16 @@
               <a:t>    </a:t>
             </a:r>
             <a:r>
-              <a:rPr lang="en-US" dirty="0" err="1"/>
-              <a:t>v.push_back</a:t>
+              <a:rPr lang="en-US" dirty="0" err="1" smtClean="0"/>
+              <a:t>AddInt</a:t>
+            </a:r>
+            <a:r>
+              <a:rPr lang="en-US" dirty="0" smtClean="0"/>
+              <a:t>(v</a:t>
             </a:r>
             <a:r>
               <a:rPr lang="en-US" dirty="0"/>
-              <a:t>(x);</a:t>
-            </a:r>
-          </a:p>
-          <a:p>
-            <a:r>
-              <a:rPr lang="en-US" dirty="0"/>
-              <a:t>}</a:t>
-            </a:r>
-          </a:p>
-          <a:p>
-            <a:r>
-              <a:rPr lang="en-US" dirty="0" smtClean="0"/>
-              <a:t>void </a:t>
-            </a:r>
-            <a:r>
-              <a:rPr lang="en-US" dirty="0" err="1"/>
-              <a:t>UpdateVector</a:t>
-            </a:r>
-            <a:r>
-              <a:rPr lang="en-US" dirty="0"/>
-              <a:t>(vector&lt;</a:t>
-            </a:r>
-            <a:r>
-              <a:rPr lang="en-US" dirty="0" err="1"/>
-              <a:t>int</a:t>
-            </a:r>
-            <a:r>
-              <a:rPr lang="en-US" dirty="0"/>
-              <a:t>&gt;&amp; v) {</a:t>
-            </a:r>
-          </a:p>
-          <a:p>
-            <a:r>
-              <a:rPr lang="en-US" dirty="0"/>
-              <a:t>    </a:t>
-            </a:r>
-            <a:r>
-              <a:rPr lang="en-US" dirty="0" err="1"/>
-              <a:t>UpdateVector</a:t>
-            </a:r>
-            <a:r>
-              <a:rPr lang="en-US" dirty="0"/>
-              <a:t>(v, </a:t>
+              <a:t>, </a:t>
             </a:r>
             <a:r>
               <a:rPr lang="en-US" dirty="0" err="1"/>
@@ -28269,7 +28302,7 @@
         </p:nvSpPr>
         <p:spPr/>
         <p:txBody>
-          <a:bodyPr/>
+          <a:bodyPr tIns="468000"/>
           <a:lstStyle/>
           <a:p>
             <a:r>
@@ -28872,215 +28905,1732 @@
       </p:sp>
       <p:sp>
         <p:nvSpPr>
-          <p:cNvPr id="4" name="Объект 3"/>
+          <p:cNvPr id="22" name="Rectangle 15"/>
           <p:cNvSpPr>
-            <a:spLocks noGrp="1"/>
+            <a:spLocks noGrp="1" noChangeArrowheads="1"/>
           </p:cNvSpPr>
           <p:nvPr>
             <p:ph idx="13"/>
           </p:nvPr>
         </p:nvSpPr>
-        <p:spPr/>
-        <p:txBody>
-          <a:bodyPr/>
+        <p:spPr bwMode="auto">
+          <a:prstGeom prst="rect">
+            <a:avLst/>
+          </a:prstGeom>
+          <a:solidFill>
+            <a:srgbClr val="000000"/>
+          </a:solidFill>
+          <a:ln>
+            <a:noFill/>
+          </a:ln>
+          <a:effectLst/>
+          <a:extLst>
+            <a:ext uri="{91240B29-F687-4F45-9708-019B960494DF}">
+              <a14:hiddenLine xmlns:a14="http://schemas.microsoft.com/office/drawing/2010/main" w="9525">
+                <a:solidFill>
+                  <a:schemeClr val="tx1"/>
+                </a:solidFill>
+                <a:miter lim="800000"/>
+                <a:headEnd/>
+                <a:tailEnd/>
+              </a14:hiddenLine>
+            </a:ext>
+            <a:ext uri="{AF507438-7753-43E0-B8FC-AC1667EBCBE1}">
+              <a14:hiddenEffects xmlns:a14="http://schemas.microsoft.com/office/drawing/2010/main">
+                <a:effectLst>
+                  <a:outerShdw dist="35921" dir="2700000" algn="ctr" rotWithShape="0">
+                    <a:schemeClr val="bg2"/>
+                  </a:outerShdw>
+                </a:effectLst>
+              </a14:hiddenEffects>
+            </a:ext>
+          </a:extLst>
+        </p:spPr>
+        <p:txBody>
+          <a:bodyPr vert="horz" wrap="none" lIns="1152000" tIns="720000" rIns="1152000" bIns="720000" numCol="1" anchor="t" anchorCtr="0" compatLnSpc="1">
+            <a:prstTxWarp prst="textNoShape">
+              <a:avLst/>
+            </a:prstTxWarp>
+            <a:noAutofit/>
+          </a:bodyPr>
           <a:lstStyle/>
           <a:p>
-            <a:r>
-              <a:rPr lang="en-US" dirty="0"/>
-              <a:t>void Billing::</a:t>
-            </a:r>
-            <a:r>
-              <a:rPr lang="en-US" dirty="0" err="1"/>
+            <a:pPr marL="0" marR="0" lvl="0" indent="0" algn="l" defTabSz="914400" rtl="0" eaLnBrk="0" fontAlgn="base" latinLnBrk="0" hangingPunct="0">
+              <a:lnSpc>
+                <a:spcPct val="100000"/>
+              </a:lnSpc>
+              <a:spcBef>
+                <a:spcPct val="0"/>
+              </a:spcBef>
+              <a:spcAft>
+                <a:spcPct val="0"/>
+              </a:spcAft>
+              <a:buClrTx/>
+              <a:buSzTx/>
+              <a:buFontTx/>
+              <a:buNone/>
+              <a:tabLst/>
+            </a:pPr>
+            <a:r>
+              <a:rPr kumimoji="0" lang="ru-RU" altLang="ru-RU" b="0" i="0" u="none" strike="noStrike" cap="none" normalizeH="0" baseline="0" dirty="0" err="1" smtClean="0">
+                <a:ln>
+                  <a:noFill/>
+                </a:ln>
+                <a:solidFill>
+                  <a:srgbClr val="FFFFFF"/>
+                </a:solidFill>
+                <a:effectLst/>
+                <a:latin typeface="Verdana" panose="020B0604030504040204" pitchFamily="34" charset="0"/>
+              </a:rPr>
+              <a:t>void</a:t>
+            </a:r>
+            <a:r>
+              <a:rPr kumimoji="0" lang="ru-RU" altLang="ru-RU" b="0" i="0" u="none" strike="noStrike" cap="none" normalizeH="0" baseline="0" dirty="0" smtClean="0">
+                <a:ln>
+                  <a:noFill/>
+                </a:ln>
+                <a:solidFill>
+                  <a:srgbClr val="FFFFFF"/>
+                </a:solidFill>
+                <a:effectLst/>
+                <a:latin typeface="Verdana" panose="020B0604030504040204" pitchFamily="34" charset="0"/>
+              </a:rPr>
+              <a:t> </a:t>
+            </a:r>
+            <a:r>
+              <a:rPr kumimoji="0" lang="ru-RU" altLang="ru-RU" b="0" i="0" u="none" strike="noStrike" cap="none" normalizeH="0" baseline="0" dirty="0" err="1" smtClean="0">
+                <a:ln>
+                  <a:noFill/>
+                </a:ln>
+                <a:solidFill>
+                  <a:srgbClr val="FFCC00"/>
+                </a:solidFill>
+                <a:effectLst/>
+                <a:latin typeface="Verdana" panose="020B0604030504040204" pitchFamily="34" charset="0"/>
+              </a:rPr>
+              <a:t>Billing</a:t>
+            </a:r>
+            <a:r>
+              <a:rPr kumimoji="0" lang="ru-RU" altLang="ru-RU" b="0" i="0" u="none" strike="noStrike" cap="none" normalizeH="0" baseline="0" dirty="0" smtClean="0">
+                <a:ln>
+                  <a:noFill/>
+                </a:ln>
+                <a:solidFill>
+                  <a:srgbClr val="FFFFFF"/>
+                </a:solidFill>
+                <a:effectLst/>
+                <a:latin typeface="Verdana" panose="020B0604030504040204" pitchFamily="34" charset="0"/>
+              </a:rPr>
+              <a:t>::</a:t>
+            </a:r>
+            <a:r>
+              <a:rPr kumimoji="0" lang="ru-RU" altLang="ru-RU" b="0" i="0" u="none" strike="noStrike" cap="none" normalizeH="0" baseline="0" dirty="0" err="1" smtClean="0">
+                <a:ln>
+                  <a:noFill/>
+                </a:ln>
+                <a:solidFill>
+                  <a:srgbClr val="FFCC00"/>
+                </a:solidFill>
+                <a:effectLst/>
+                <a:latin typeface="Verdana" panose="020B0604030504040204" pitchFamily="34" charset="0"/>
+              </a:rPr>
               <a:t>UserInfo</a:t>
             </a:r>
             <a:r>
-              <a:rPr lang="en-US" dirty="0"/>
+              <a:rPr kumimoji="0" lang="ru-RU" altLang="ru-RU" b="0" i="0" u="none" strike="noStrike" cap="none" normalizeH="0" baseline="0" dirty="0" smtClean="0">
+                <a:ln>
+                  <a:noFill/>
+                </a:ln>
+                <a:solidFill>
+                  <a:srgbClr val="FFFFFF"/>
+                </a:solidFill>
+                <a:effectLst/>
+                <a:latin typeface="Verdana" panose="020B0604030504040204" pitchFamily="34" charset="0"/>
+              </a:rPr>
               <a:t>::</a:t>
             </a:r>
             <a:r>
-              <a:rPr lang="en-US" dirty="0" err="1"/>
+              <a:rPr kumimoji="0" lang="ru-RU" altLang="ru-RU" b="0" i="0" u="none" strike="noStrike" cap="none" normalizeH="0" baseline="0" dirty="0" err="1" smtClean="0">
+                <a:ln>
+                  <a:noFill/>
+                </a:ln>
+                <a:solidFill>
+                  <a:srgbClr val="FFCC00"/>
+                </a:solidFill>
+                <a:effectLst/>
+                <a:latin typeface="Verdana" panose="020B0604030504040204" pitchFamily="34" charset="0"/>
+              </a:rPr>
               <a:t>ChargePhoneCall</a:t>
             </a:r>
             <a:r>
-              <a:rPr lang="en-US" dirty="0"/>
+              <a:rPr kumimoji="0" lang="ru-RU" altLang="ru-RU" b="0" i="0" u="none" strike="noStrike" cap="none" normalizeH="0" baseline="0" dirty="0" smtClean="0">
+                <a:ln>
+                  <a:noFill/>
+                </a:ln>
+                <a:solidFill>
+                  <a:srgbClr val="FFFFFF"/>
+                </a:solidFill>
+                <a:effectLst/>
+                <a:latin typeface="Verdana" panose="020B0604030504040204" pitchFamily="34" charset="0"/>
+              </a:rPr>
               <a:t>(</a:t>
             </a:r>
             <a:r>
-              <a:rPr lang="en-US" dirty="0" err="1"/>
+              <a:rPr kumimoji="0" lang="ru-RU" altLang="ru-RU" b="0" i="0" u="none" strike="noStrike" cap="none" normalizeH="0" baseline="0" dirty="0" err="1" smtClean="0">
+                <a:ln>
+                  <a:noFill/>
+                </a:ln>
+                <a:solidFill>
+                  <a:srgbClr val="FFFFFF"/>
+                </a:solidFill>
+                <a:effectLst/>
+                <a:latin typeface="Verdana" panose="020B0604030504040204" pitchFamily="34" charset="0"/>
+              </a:rPr>
               <a:t>int</a:t>
             </a:r>
             <a:r>
-              <a:rPr lang="en-US" dirty="0"/>
-              <a:t> minutes, </a:t>
-            </a:r>
-            <a:r>
-              <a:rPr lang="en-US" dirty="0" err="1"/>
+              <a:rPr kumimoji="0" lang="ru-RU" altLang="ru-RU" b="0" i="0" u="none" strike="noStrike" cap="none" normalizeH="0" baseline="0" dirty="0" smtClean="0">
+                <a:ln>
+                  <a:noFill/>
+                </a:ln>
+                <a:solidFill>
+                  <a:srgbClr val="FFFFFF"/>
+                </a:solidFill>
+                <a:effectLst/>
+                <a:latin typeface="Verdana" panose="020B0604030504040204" pitchFamily="34" charset="0"/>
+              </a:rPr>
+              <a:t> </a:t>
+            </a:r>
+            <a:r>
+              <a:rPr kumimoji="0" lang="ru-RU" altLang="ru-RU" b="0" i="0" u="none" strike="noStrike" cap="none" normalizeH="0" baseline="0" dirty="0" err="1" smtClean="0">
+                <a:ln>
+                  <a:noFill/>
+                </a:ln>
+                <a:solidFill>
+                  <a:srgbClr val="5BCD9D"/>
+                </a:solidFill>
+                <a:effectLst/>
+                <a:latin typeface="Verdana" panose="020B0604030504040204" pitchFamily="34" charset="0"/>
+              </a:rPr>
+              <a:t>minutes</a:t>
+            </a:r>
+            <a:r>
+              <a:rPr kumimoji="0" lang="ru-RU" altLang="ru-RU" b="0" i="0" u="none" strike="noStrike" cap="none" normalizeH="0" baseline="0" dirty="0" smtClean="0">
+                <a:ln>
+                  <a:noFill/>
+                </a:ln>
+                <a:solidFill>
+                  <a:srgbClr val="FFFFFF"/>
+                </a:solidFill>
+                <a:effectLst/>
+                <a:latin typeface="Verdana" panose="020B0604030504040204" pitchFamily="34" charset="0"/>
+              </a:rPr>
+              <a:t>, </a:t>
+            </a:r>
+            <a:r>
+              <a:rPr kumimoji="0" lang="ru-RU" altLang="ru-RU" b="0" i="0" u="none" strike="noStrike" cap="none" normalizeH="0" baseline="0" dirty="0" err="1" smtClean="0">
+                <a:ln>
+                  <a:noFill/>
+                </a:ln>
+                <a:solidFill>
+                  <a:srgbClr val="FFFFFF"/>
+                </a:solidFill>
+                <a:effectLst/>
+                <a:latin typeface="Verdana" panose="020B0604030504040204" pitchFamily="34" charset="0"/>
+              </a:rPr>
               <a:t>const</a:t>
             </a:r>
             <a:r>
-              <a:rPr lang="en-US" dirty="0"/>
-              <a:t> Billing::Tariff&amp; tariff) {</a:t>
-            </a:r>
-          </a:p>
-          <a:p>
-            <a:r>
-              <a:rPr lang="en-US" dirty="0"/>
-              <a:t>    money_ -= minutes * </a:t>
-            </a:r>
-            <a:r>
-              <a:rPr lang="en-US" dirty="0" err="1"/>
-              <a:t>tariff.costPerMinute</a:t>
-            </a:r>
-            <a:r>
-              <a:rPr lang="en-US" dirty="0"/>
-              <a:t>_;</a:t>
-            </a:r>
-          </a:p>
-          <a:p>
-            <a:r>
-              <a:rPr lang="en-US" dirty="0"/>
-              <a:t>    history_.</a:t>
-            </a:r>
-            <a:r>
-              <a:rPr lang="en-US" dirty="0" err="1"/>
+              <a:rPr kumimoji="0" lang="ru-RU" altLang="ru-RU" b="0" i="0" u="none" strike="noStrike" cap="none" normalizeH="0" baseline="0" dirty="0" smtClean="0">
+                <a:ln>
+                  <a:noFill/>
+                </a:ln>
+                <a:solidFill>
+                  <a:srgbClr val="FFFFFF"/>
+                </a:solidFill>
+                <a:effectLst/>
+                <a:latin typeface="Verdana" panose="020B0604030504040204" pitchFamily="34" charset="0"/>
+              </a:rPr>
+              <a:t> </a:t>
+            </a:r>
+            <a:r>
+              <a:rPr kumimoji="0" lang="ru-RU" altLang="ru-RU" b="0" i="0" u="none" strike="noStrike" cap="none" normalizeH="0" baseline="0" dirty="0" err="1" smtClean="0">
+                <a:ln>
+                  <a:noFill/>
+                </a:ln>
+                <a:solidFill>
+                  <a:srgbClr val="FFCC00"/>
+                </a:solidFill>
+                <a:effectLst/>
+                <a:latin typeface="Verdana" panose="020B0604030504040204" pitchFamily="34" charset="0"/>
+              </a:rPr>
+              <a:t>Billing</a:t>
+            </a:r>
+            <a:r>
+              <a:rPr kumimoji="0" lang="ru-RU" altLang="ru-RU" b="0" i="0" u="none" strike="noStrike" cap="none" normalizeH="0" baseline="0" dirty="0" smtClean="0">
+                <a:ln>
+                  <a:noFill/>
+                </a:ln>
+                <a:solidFill>
+                  <a:srgbClr val="FFFFFF"/>
+                </a:solidFill>
+                <a:effectLst/>
+                <a:latin typeface="Verdana" panose="020B0604030504040204" pitchFamily="34" charset="0"/>
+              </a:rPr>
+              <a:t>::</a:t>
+            </a:r>
+            <a:r>
+              <a:rPr kumimoji="0" lang="ru-RU" altLang="ru-RU" b="0" i="0" u="none" strike="noStrike" cap="none" normalizeH="0" baseline="0" dirty="0" err="1" smtClean="0">
+                <a:ln>
+                  <a:noFill/>
+                </a:ln>
+                <a:solidFill>
+                  <a:srgbClr val="FFCC00"/>
+                </a:solidFill>
+                <a:effectLst/>
+                <a:latin typeface="Verdana" panose="020B0604030504040204" pitchFamily="34" charset="0"/>
+              </a:rPr>
+              <a:t>Tariff</a:t>
+            </a:r>
+            <a:r>
+              <a:rPr kumimoji="0" lang="ru-RU" altLang="ru-RU" b="0" i="0" u="none" strike="noStrike" cap="none" normalizeH="0" baseline="0" dirty="0" smtClean="0">
+                <a:ln>
+                  <a:noFill/>
+                </a:ln>
+                <a:solidFill>
+                  <a:srgbClr val="FFFFFF"/>
+                </a:solidFill>
+                <a:effectLst/>
+                <a:latin typeface="Verdana" panose="020B0604030504040204" pitchFamily="34" charset="0"/>
+              </a:rPr>
+              <a:t>&amp; </a:t>
+            </a:r>
+            <a:r>
+              <a:rPr kumimoji="0" lang="ru-RU" altLang="ru-RU" b="0" i="0" u="none" strike="noStrike" cap="none" normalizeH="0" baseline="0" dirty="0" err="1" smtClean="0">
+                <a:ln>
+                  <a:noFill/>
+                </a:ln>
+                <a:solidFill>
+                  <a:srgbClr val="5BCD9D"/>
+                </a:solidFill>
+                <a:effectLst/>
+                <a:latin typeface="Verdana" panose="020B0604030504040204" pitchFamily="34" charset="0"/>
+              </a:rPr>
+              <a:t>tariff</a:t>
+            </a:r>
+            <a:r>
+              <a:rPr kumimoji="0" lang="ru-RU" altLang="ru-RU" b="0" i="0" u="none" strike="noStrike" cap="none" normalizeH="0" baseline="0" dirty="0" smtClean="0">
+                <a:ln>
+                  <a:noFill/>
+                </a:ln>
+                <a:solidFill>
+                  <a:srgbClr val="FFFFFF"/>
+                </a:solidFill>
+                <a:effectLst/>
+                <a:latin typeface="Verdana" panose="020B0604030504040204" pitchFamily="34" charset="0"/>
+              </a:rPr>
+              <a:t>) {</a:t>
+            </a:r>
+            <a:br>
+              <a:rPr kumimoji="0" lang="ru-RU" altLang="ru-RU" b="0" i="0" u="none" strike="noStrike" cap="none" normalizeH="0" baseline="0" dirty="0" smtClean="0">
+                <a:ln>
+                  <a:noFill/>
+                </a:ln>
+                <a:solidFill>
+                  <a:srgbClr val="FFFFFF"/>
+                </a:solidFill>
+                <a:effectLst/>
+                <a:latin typeface="Verdana" panose="020B0604030504040204" pitchFamily="34" charset="0"/>
+              </a:rPr>
+            </a:br>
+            <a:r>
+              <a:rPr kumimoji="0" lang="ru-RU" altLang="ru-RU" b="0" i="0" u="none" strike="noStrike" cap="none" normalizeH="0" baseline="0" dirty="0" smtClean="0">
+                <a:ln>
+                  <a:noFill/>
+                </a:ln>
+                <a:solidFill>
+                  <a:srgbClr val="FFFFFF"/>
+                </a:solidFill>
+                <a:effectLst/>
+                <a:latin typeface="Verdana" panose="020B0604030504040204" pitchFamily="34" charset="0"/>
+              </a:rPr>
+              <a:t>    </a:t>
+            </a:r>
+            <a:r>
+              <a:rPr kumimoji="0" lang="ru-RU" altLang="ru-RU" b="0" i="0" u="none" strike="noStrike" cap="none" normalizeH="0" baseline="0" dirty="0" err="1" smtClean="0">
+                <a:ln>
+                  <a:noFill/>
+                </a:ln>
+                <a:solidFill>
+                  <a:srgbClr val="5BCD9D"/>
+                </a:solidFill>
+                <a:effectLst/>
+                <a:latin typeface="Verdana" panose="020B0604030504040204" pitchFamily="34" charset="0"/>
+              </a:rPr>
+              <a:t>money</a:t>
+            </a:r>
+            <a:r>
+              <a:rPr kumimoji="0" lang="ru-RU" altLang="ru-RU" b="0" i="0" u="none" strike="noStrike" cap="none" normalizeH="0" baseline="0" dirty="0" smtClean="0">
+                <a:ln>
+                  <a:noFill/>
+                </a:ln>
+                <a:solidFill>
+                  <a:srgbClr val="5BCD9D"/>
+                </a:solidFill>
+                <a:effectLst/>
+                <a:latin typeface="Verdana" panose="020B0604030504040204" pitchFamily="34" charset="0"/>
+              </a:rPr>
+              <a:t>_ </a:t>
+            </a:r>
+            <a:r>
+              <a:rPr kumimoji="0" lang="ru-RU" altLang="ru-RU" b="0" i="0" u="none" strike="noStrike" cap="none" normalizeH="0" baseline="0" dirty="0" smtClean="0">
+                <a:ln>
+                  <a:noFill/>
+                </a:ln>
+                <a:solidFill>
+                  <a:srgbClr val="FFFFFF"/>
+                </a:solidFill>
+                <a:effectLst/>
+                <a:latin typeface="Verdana" panose="020B0604030504040204" pitchFamily="34" charset="0"/>
+              </a:rPr>
+              <a:t>-= </a:t>
+            </a:r>
+            <a:r>
+              <a:rPr kumimoji="0" lang="ru-RU" altLang="ru-RU" b="0" i="0" u="none" strike="noStrike" cap="none" normalizeH="0" baseline="0" dirty="0" err="1" smtClean="0">
+                <a:ln>
+                  <a:noFill/>
+                </a:ln>
+                <a:solidFill>
+                  <a:srgbClr val="5BCD9D"/>
+                </a:solidFill>
+                <a:effectLst/>
+                <a:latin typeface="Verdana" panose="020B0604030504040204" pitchFamily="34" charset="0"/>
+              </a:rPr>
+              <a:t>minutes</a:t>
+            </a:r>
+            <a:r>
+              <a:rPr kumimoji="0" lang="ru-RU" altLang="ru-RU" b="0" i="0" u="none" strike="noStrike" cap="none" normalizeH="0" baseline="0" dirty="0" smtClean="0">
+                <a:ln>
+                  <a:noFill/>
+                </a:ln>
+                <a:solidFill>
+                  <a:srgbClr val="5BCD9D"/>
+                </a:solidFill>
+                <a:effectLst/>
+                <a:latin typeface="Verdana" panose="020B0604030504040204" pitchFamily="34" charset="0"/>
+              </a:rPr>
+              <a:t> </a:t>
+            </a:r>
+            <a:r>
+              <a:rPr kumimoji="0" lang="ru-RU" altLang="ru-RU" b="0" i="0" u="none" strike="noStrike" cap="none" normalizeH="0" baseline="0" dirty="0" smtClean="0">
+                <a:ln>
+                  <a:noFill/>
+                </a:ln>
+                <a:solidFill>
+                  <a:srgbClr val="FFFFFF"/>
+                </a:solidFill>
+                <a:effectLst/>
+                <a:latin typeface="Verdana" panose="020B0604030504040204" pitchFamily="34" charset="0"/>
+              </a:rPr>
+              <a:t>* </a:t>
+            </a:r>
+            <a:r>
+              <a:rPr kumimoji="0" lang="ru-RU" altLang="ru-RU" b="0" i="0" u="none" strike="noStrike" cap="none" normalizeH="0" baseline="0" dirty="0" err="1" smtClean="0">
+                <a:ln>
+                  <a:noFill/>
+                </a:ln>
+                <a:solidFill>
+                  <a:srgbClr val="5BCD9D"/>
+                </a:solidFill>
+                <a:effectLst/>
+                <a:latin typeface="Verdana" panose="020B0604030504040204" pitchFamily="34" charset="0"/>
+              </a:rPr>
+              <a:t>tariff</a:t>
+            </a:r>
+            <a:r>
+              <a:rPr kumimoji="0" lang="ru-RU" altLang="ru-RU" b="0" i="0" u="none" strike="noStrike" cap="none" normalizeH="0" baseline="0" dirty="0" err="1" smtClean="0">
+                <a:ln>
+                  <a:noFill/>
+                </a:ln>
+                <a:solidFill>
+                  <a:srgbClr val="FFFFFF"/>
+                </a:solidFill>
+                <a:effectLst/>
+                <a:latin typeface="Verdana" panose="020B0604030504040204" pitchFamily="34" charset="0"/>
+              </a:rPr>
+              <a:t>.</a:t>
+            </a:r>
+            <a:r>
+              <a:rPr kumimoji="0" lang="ru-RU" altLang="ru-RU" b="0" i="0" u="none" strike="noStrike" cap="none" normalizeH="0" baseline="0" dirty="0" err="1" smtClean="0">
+                <a:ln>
+                  <a:noFill/>
+                </a:ln>
+                <a:solidFill>
+                  <a:srgbClr val="5BCD9D"/>
+                </a:solidFill>
+                <a:effectLst/>
+                <a:latin typeface="Verdana" panose="020B0604030504040204" pitchFamily="34" charset="0"/>
+              </a:rPr>
+              <a:t>costPerMinute</a:t>
+            </a:r>
+            <a:r>
+              <a:rPr kumimoji="0" lang="ru-RU" altLang="ru-RU" b="0" i="0" u="none" strike="noStrike" cap="none" normalizeH="0" baseline="0" dirty="0" smtClean="0">
+                <a:ln>
+                  <a:noFill/>
+                </a:ln>
+                <a:solidFill>
+                  <a:srgbClr val="5BCD9D"/>
+                </a:solidFill>
+                <a:effectLst/>
+                <a:latin typeface="Verdana" panose="020B0604030504040204" pitchFamily="34" charset="0"/>
+              </a:rPr>
+              <a:t>_</a:t>
+            </a:r>
+            <a:r>
+              <a:rPr kumimoji="0" lang="ru-RU" altLang="ru-RU" b="0" i="0" u="none" strike="noStrike" cap="none" normalizeH="0" baseline="0" dirty="0" smtClean="0">
+                <a:ln>
+                  <a:noFill/>
+                </a:ln>
+                <a:solidFill>
+                  <a:srgbClr val="FFFFFF"/>
+                </a:solidFill>
+                <a:effectLst/>
+                <a:latin typeface="Verdana" panose="020B0604030504040204" pitchFamily="34" charset="0"/>
+              </a:rPr>
+              <a:t>;</a:t>
+            </a:r>
+            <a:br>
+              <a:rPr kumimoji="0" lang="ru-RU" altLang="ru-RU" b="0" i="0" u="none" strike="noStrike" cap="none" normalizeH="0" baseline="0" dirty="0" smtClean="0">
+                <a:ln>
+                  <a:noFill/>
+                </a:ln>
+                <a:solidFill>
+                  <a:srgbClr val="FFFFFF"/>
+                </a:solidFill>
+                <a:effectLst/>
+                <a:latin typeface="Verdana" panose="020B0604030504040204" pitchFamily="34" charset="0"/>
+              </a:rPr>
+            </a:br>
+            <a:r>
+              <a:rPr kumimoji="0" lang="ru-RU" altLang="ru-RU" b="0" i="0" u="none" strike="noStrike" cap="none" normalizeH="0" baseline="0" dirty="0" smtClean="0">
+                <a:ln>
+                  <a:noFill/>
+                </a:ln>
+                <a:solidFill>
+                  <a:srgbClr val="FFFFFF"/>
+                </a:solidFill>
+                <a:effectLst/>
+                <a:latin typeface="Verdana" panose="020B0604030504040204" pitchFamily="34" charset="0"/>
+              </a:rPr>
+              <a:t>    </a:t>
+            </a:r>
+            <a:r>
+              <a:rPr kumimoji="0" lang="ru-RU" altLang="ru-RU" b="0" i="0" u="none" strike="noStrike" cap="none" normalizeH="0" baseline="0" dirty="0" err="1" smtClean="0">
+                <a:ln>
+                  <a:noFill/>
+                </a:ln>
+                <a:solidFill>
+                  <a:srgbClr val="5BCD9D"/>
+                </a:solidFill>
+                <a:effectLst/>
+                <a:latin typeface="Verdana" panose="020B0604030504040204" pitchFamily="34" charset="0"/>
+              </a:rPr>
+              <a:t>history</a:t>
+            </a:r>
+            <a:r>
+              <a:rPr kumimoji="0" lang="ru-RU" altLang="ru-RU" b="0" i="0" u="none" strike="noStrike" cap="none" normalizeH="0" baseline="0" dirty="0" smtClean="0">
+                <a:ln>
+                  <a:noFill/>
+                </a:ln>
+                <a:solidFill>
+                  <a:srgbClr val="5BCD9D"/>
+                </a:solidFill>
+                <a:effectLst/>
+                <a:latin typeface="Verdana" panose="020B0604030504040204" pitchFamily="34" charset="0"/>
+              </a:rPr>
+              <a:t>_</a:t>
+            </a:r>
+            <a:r>
+              <a:rPr kumimoji="0" lang="ru-RU" altLang="ru-RU" b="0" i="0" u="none" strike="noStrike" cap="none" normalizeH="0" baseline="0" dirty="0" smtClean="0">
+                <a:ln>
+                  <a:noFill/>
+                </a:ln>
+                <a:solidFill>
+                  <a:srgbClr val="FFFFFF"/>
+                </a:solidFill>
+                <a:effectLst/>
+                <a:latin typeface="Verdana" panose="020B0604030504040204" pitchFamily="34" charset="0"/>
+              </a:rPr>
+              <a:t>.</a:t>
+            </a:r>
+            <a:r>
+              <a:rPr kumimoji="0" lang="ru-RU" altLang="ru-RU" b="0" i="0" u="none" strike="noStrike" cap="none" normalizeH="0" baseline="0" dirty="0" err="1" smtClean="0">
+                <a:ln>
+                  <a:noFill/>
+                </a:ln>
+                <a:solidFill>
+                  <a:srgbClr val="FFCC00"/>
+                </a:solidFill>
+                <a:effectLst/>
+                <a:latin typeface="Verdana" panose="020B0604030504040204" pitchFamily="34" charset="0"/>
+              </a:rPr>
               <a:t>push_back</a:t>
             </a:r>
             <a:r>
-              <a:rPr lang="en-US" dirty="0"/>
-              <a:t>(Event::</a:t>
-            </a:r>
-            <a:r>
-              <a:rPr lang="en-US" dirty="0" err="1"/>
+              <a:rPr kumimoji="0" lang="ru-RU" altLang="ru-RU" b="0" i="0" u="none" strike="noStrike" cap="none" normalizeH="0" baseline="0" dirty="0" smtClean="0">
+                <a:ln>
+                  <a:noFill/>
+                </a:ln>
+                <a:solidFill>
+                  <a:srgbClr val="FFFFFF"/>
+                </a:solidFill>
+                <a:effectLst/>
+                <a:latin typeface="Verdana" panose="020B0604030504040204" pitchFamily="34" charset="0"/>
+              </a:rPr>
+              <a:t>(</a:t>
+            </a:r>
+            <a:r>
+              <a:rPr kumimoji="0" lang="ru-RU" altLang="ru-RU" b="0" i="0" u="none" strike="noStrike" cap="none" normalizeH="0" baseline="0" dirty="0" err="1" smtClean="0">
+                <a:ln>
+                  <a:noFill/>
+                </a:ln>
+                <a:solidFill>
+                  <a:srgbClr val="FFCC00"/>
+                </a:solidFill>
+                <a:effectLst/>
+                <a:latin typeface="Verdana" panose="020B0604030504040204" pitchFamily="34" charset="0"/>
+              </a:rPr>
+              <a:t>Event</a:t>
+            </a:r>
+            <a:r>
+              <a:rPr kumimoji="0" lang="ru-RU" altLang="ru-RU" b="0" i="0" u="none" strike="noStrike" cap="none" normalizeH="0" baseline="0" dirty="0" smtClean="0">
+                <a:ln>
+                  <a:noFill/>
+                </a:ln>
+                <a:solidFill>
+                  <a:srgbClr val="FFFFFF"/>
+                </a:solidFill>
+                <a:effectLst/>
+                <a:latin typeface="Verdana" panose="020B0604030504040204" pitchFamily="34" charset="0"/>
+              </a:rPr>
+              <a:t>::</a:t>
+            </a:r>
+            <a:r>
+              <a:rPr kumimoji="0" lang="ru-RU" altLang="ru-RU" b="0" i="0" u="none" strike="noStrike" cap="none" normalizeH="0" baseline="0" dirty="0" err="1" smtClean="0">
+                <a:ln>
+                  <a:noFill/>
+                </a:ln>
+                <a:solidFill>
+                  <a:srgbClr val="FFCC00"/>
+                </a:solidFill>
+                <a:effectLst/>
+                <a:latin typeface="Verdana" panose="020B0604030504040204" pitchFamily="34" charset="0"/>
+              </a:rPr>
               <a:t>PhoneCall</a:t>
             </a:r>
             <a:r>
-              <a:rPr lang="en-US" dirty="0"/>
-              <a:t>(minutes));</a:t>
-            </a:r>
-          </a:p>
-          <a:p>
-            <a:endParaRPr lang="en-US" dirty="0"/>
-          </a:p>
-          <a:p>
-            <a:r>
-              <a:rPr lang="en-US" dirty="0"/>
-              <a:t>    if (money_ &lt;= 0) {</a:t>
-            </a:r>
-          </a:p>
-          <a:p>
-            <a:r>
-              <a:rPr lang="en-US" dirty="0"/>
+              <a:rPr kumimoji="0" lang="ru-RU" altLang="ru-RU" b="0" i="0" u="none" strike="noStrike" cap="none" normalizeH="0" baseline="0" dirty="0" smtClean="0">
+                <a:ln>
+                  <a:noFill/>
+                </a:ln>
+                <a:solidFill>
+                  <a:srgbClr val="FFFFFF"/>
+                </a:solidFill>
+                <a:effectLst/>
+                <a:latin typeface="Verdana" panose="020B0604030504040204" pitchFamily="34" charset="0"/>
+              </a:rPr>
+              <a:t>(</a:t>
+            </a:r>
+            <a:r>
+              <a:rPr kumimoji="0" lang="ru-RU" altLang="ru-RU" b="0" i="0" u="none" strike="noStrike" cap="none" normalizeH="0" baseline="0" dirty="0" err="1" smtClean="0">
+                <a:ln>
+                  <a:noFill/>
+                </a:ln>
+                <a:solidFill>
+                  <a:srgbClr val="5BCD9D"/>
+                </a:solidFill>
+                <a:effectLst/>
+                <a:latin typeface="Verdana" panose="020B0604030504040204" pitchFamily="34" charset="0"/>
+              </a:rPr>
+              <a:t>minutes</a:t>
+            </a:r>
+            <a:r>
+              <a:rPr kumimoji="0" lang="ru-RU" altLang="ru-RU" b="0" i="0" u="none" strike="noStrike" cap="none" normalizeH="0" baseline="0" dirty="0" smtClean="0">
+                <a:ln>
+                  <a:noFill/>
+                </a:ln>
+                <a:solidFill>
+                  <a:srgbClr val="FFFFFF"/>
+                </a:solidFill>
+                <a:effectLst/>
+                <a:latin typeface="Verdana" panose="020B0604030504040204" pitchFamily="34" charset="0"/>
+              </a:rPr>
+              <a:t>));</a:t>
+            </a:r>
+            <a:br>
+              <a:rPr kumimoji="0" lang="ru-RU" altLang="ru-RU" b="0" i="0" u="none" strike="noStrike" cap="none" normalizeH="0" baseline="0" dirty="0" smtClean="0">
+                <a:ln>
+                  <a:noFill/>
+                </a:ln>
+                <a:solidFill>
+                  <a:srgbClr val="FFFFFF"/>
+                </a:solidFill>
+                <a:effectLst/>
+                <a:latin typeface="Verdana" panose="020B0604030504040204" pitchFamily="34" charset="0"/>
+              </a:rPr>
+            </a:br>
+            <a:r>
+              <a:rPr kumimoji="0" lang="ru-RU" altLang="ru-RU" b="0" i="0" u="none" strike="noStrike" cap="none" normalizeH="0" baseline="0" dirty="0" smtClean="0">
+                <a:ln>
+                  <a:noFill/>
+                </a:ln>
+                <a:solidFill>
+                  <a:srgbClr val="FFFFFF"/>
+                </a:solidFill>
+                <a:effectLst/>
+                <a:latin typeface="Verdana" panose="020B0604030504040204" pitchFamily="34" charset="0"/>
+              </a:rPr>
+              <a:t/>
+            </a:r>
+            <a:br>
+              <a:rPr kumimoji="0" lang="ru-RU" altLang="ru-RU" b="0" i="0" u="none" strike="noStrike" cap="none" normalizeH="0" baseline="0" dirty="0" smtClean="0">
+                <a:ln>
+                  <a:noFill/>
+                </a:ln>
+                <a:solidFill>
+                  <a:srgbClr val="FFFFFF"/>
+                </a:solidFill>
+                <a:effectLst/>
+                <a:latin typeface="Verdana" panose="020B0604030504040204" pitchFamily="34" charset="0"/>
+              </a:rPr>
+            </a:br>
+            <a:r>
+              <a:rPr kumimoji="0" lang="ru-RU" altLang="ru-RU" b="0" i="0" u="none" strike="noStrike" cap="none" normalizeH="0" baseline="0" dirty="0" smtClean="0">
+                <a:ln>
+                  <a:noFill/>
+                </a:ln>
+                <a:solidFill>
+                  <a:srgbClr val="FFFFFF"/>
+                </a:solidFill>
+                <a:effectLst/>
+                <a:latin typeface="Verdana" panose="020B0604030504040204" pitchFamily="34" charset="0"/>
+              </a:rPr>
+              <a:t>    </a:t>
+            </a:r>
+            <a:r>
+              <a:rPr kumimoji="0" lang="ru-RU" altLang="ru-RU" b="0" i="0" u="none" strike="noStrike" cap="none" normalizeH="0" baseline="0" dirty="0" err="1" smtClean="0">
+                <a:ln>
+                  <a:noFill/>
+                </a:ln>
+                <a:solidFill>
+                  <a:srgbClr val="FFFFFF"/>
+                </a:solidFill>
+                <a:effectLst/>
+                <a:latin typeface="Verdana" panose="020B0604030504040204" pitchFamily="34" charset="0"/>
+              </a:rPr>
+              <a:t>if</a:t>
+            </a:r>
+            <a:r>
+              <a:rPr kumimoji="0" lang="ru-RU" altLang="ru-RU" b="0" i="0" u="none" strike="noStrike" cap="none" normalizeH="0" baseline="0" dirty="0" smtClean="0">
+                <a:ln>
+                  <a:noFill/>
+                </a:ln>
+                <a:solidFill>
+                  <a:srgbClr val="FFFFFF"/>
+                </a:solidFill>
+                <a:effectLst/>
+                <a:latin typeface="Verdana" panose="020B0604030504040204" pitchFamily="34" charset="0"/>
+              </a:rPr>
+              <a:t> (</a:t>
+            </a:r>
+            <a:r>
+              <a:rPr kumimoji="0" lang="ru-RU" altLang="ru-RU" b="0" i="0" u="none" strike="noStrike" cap="none" normalizeH="0" baseline="0" dirty="0" err="1" smtClean="0">
+                <a:ln>
+                  <a:noFill/>
+                </a:ln>
+                <a:solidFill>
+                  <a:srgbClr val="5BCD9D"/>
+                </a:solidFill>
+                <a:effectLst/>
+                <a:latin typeface="Verdana" panose="020B0604030504040204" pitchFamily="34" charset="0"/>
+              </a:rPr>
+              <a:t>money</a:t>
+            </a:r>
+            <a:r>
+              <a:rPr kumimoji="0" lang="ru-RU" altLang="ru-RU" b="0" i="0" u="none" strike="noStrike" cap="none" normalizeH="0" baseline="0" dirty="0" smtClean="0">
+                <a:ln>
+                  <a:noFill/>
+                </a:ln>
+                <a:solidFill>
+                  <a:srgbClr val="5BCD9D"/>
+                </a:solidFill>
+                <a:effectLst/>
+                <a:latin typeface="Verdana" panose="020B0604030504040204" pitchFamily="34" charset="0"/>
+              </a:rPr>
+              <a:t>_ </a:t>
+            </a:r>
+            <a:r>
+              <a:rPr kumimoji="0" lang="ru-RU" altLang="ru-RU" b="0" i="0" u="none" strike="noStrike" cap="none" normalizeH="0" baseline="0" dirty="0" smtClean="0">
+                <a:ln>
+                  <a:noFill/>
+                </a:ln>
+                <a:solidFill>
+                  <a:srgbClr val="FFFFFF"/>
+                </a:solidFill>
+                <a:effectLst/>
+                <a:latin typeface="Verdana" panose="020B0604030504040204" pitchFamily="34" charset="0"/>
+              </a:rPr>
+              <a:t>&lt;= 0) {</a:t>
+            </a:r>
+            <a:br>
+              <a:rPr kumimoji="0" lang="ru-RU" altLang="ru-RU" b="0" i="0" u="none" strike="noStrike" cap="none" normalizeH="0" baseline="0" dirty="0" smtClean="0">
+                <a:ln>
+                  <a:noFill/>
+                </a:ln>
+                <a:solidFill>
+                  <a:srgbClr val="FFFFFF"/>
+                </a:solidFill>
+                <a:effectLst/>
+                <a:latin typeface="Verdana" panose="020B0604030504040204" pitchFamily="34" charset="0"/>
+              </a:rPr>
+            </a:br>
+            <a:r>
+              <a:rPr kumimoji="0" lang="ru-RU" altLang="ru-RU" b="0" i="0" u="none" strike="noStrike" cap="none" normalizeH="0" baseline="0" dirty="0" smtClean="0">
+                <a:ln>
+                  <a:noFill/>
+                </a:ln>
+                <a:solidFill>
+                  <a:srgbClr val="FFFFFF"/>
+                </a:solidFill>
+                <a:effectLst/>
+                <a:latin typeface="Verdana" panose="020B0604030504040204" pitchFamily="34" charset="0"/>
+              </a:rPr>
               <a:t>        </a:t>
             </a:r>
             <a:r>
-              <a:rPr lang="en-US" dirty="0" err="1"/>
+              <a:rPr kumimoji="0" lang="ru-RU" altLang="ru-RU" b="0" i="0" u="none" strike="noStrike" cap="none" normalizeH="0" baseline="0" dirty="0" err="1" smtClean="0">
+                <a:ln>
+                  <a:noFill/>
+                </a:ln>
+                <a:solidFill>
+                  <a:srgbClr val="FFCC00"/>
+                </a:solidFill>
+                <a:effectLst/>
+                <a:latin typeface="Verdana" panose="020B0604030504040204" pitchFamily="34" charset="0"/>
+              </a:rPr>
               <a:t>SendSms</a:t>
             </a:r>
             <a:r>
-              <a:rPr lang="en-US" dirty="0"/>
-              <a:t>("Your balance is " + </a:t>
-            </a:r>
-            <a:r>
-              <a:rPr lang="en-US" dirty="0" err="1"/>
+              <a:rPr kumimoji="0" lang="ru-RU" altLang="ru-RU" b="0" i="0" u="none" strike="noStrike" cap="none" normalizeH="0" baseline="0" dirty="0" smtClean="0">
+                <a:ln>
+                  <a:noFill/>
+                </a:ln>
+                <a:solidFill>
+                  <a:srgbClr val="FFFFFF"/>
+                </a:solidFill>
+                <a:effectLst/>
+                <a:latin typeface="Verdana" panose="020B0604030504040204" pitchFamily="34" charset="0"/>
+              </a:rPr>
+              <a:t>(</a:t>
+            </a:r>
+            <a:r>
+              <a:rPr kumimoji="0" lang="ru-RU" altLang="ru-RU" b="0" i="0" u="none" strike="noStrike" cap="none" normalizeH="0" baseline="0" dirty="0" smtClean="0">
+                <a:ln>
+                  <a:noFill/>
+                </a:ln>
+                <a:solidFill>
+                  <a:srgbClr val="9E64A9"/>
+                </a:solidFill>
+                <a:effectLst/>
+                <a:latin typeface="Verdana" panose="020B0604030504040204" pitchFamily="34" charset="0"/>
+              </a:rPr>
+              <a:t>"</a:t>
+            </a:r>
+            <a:r>
+              <a:rPr kumimoji="0" lang="ru-RU" altLang="ru-RU" b="0" i="0" u="none" strike="noStrike" cap="none" normalizeH="0" baseline="0" dirty="0" err="1" smtClean="0">
+                <a:ln>
+                  <a:noFill/>
+                </a:ln>
+                <a:solidFill>
+                  <a:srgbClr val="9E64A9"/>
+                </a:solidFill>
+                <a:effectLst/>
+                <a:latin typeface="Verdana" panose="020B0604030504040204" pitchFamily="34" charset="0"/>
+              </a:rPr>
+              <a:t>Your</a:t>
+            </a:r>
+            <a:r>
+              <a:rPr kumimoji="0" lang="ru-RU" altLang="ru-RU" b="0" i="0" u="none" strike="noStrike" cap="none" normalizeH="0" baseline="0" dirty="0" smtClean="0">
+                <a:ln>
+                  <a:noFill/>
+                </a:ln>
+                <a:solidFill>
+                  <a:srgbClr val="9E64A9"/>
+                </a:solidFill>
+                <a:effectLst/>
+                <a:latin typeface="Verdana" panose="020B0604030504040204" pitchFamily="34" charset="0"/>
+              </a:rPr>
+              <a:t> </a:t>
+            </a:r>
+            <a:r>
+              <a:rPr kumimoji="0" lang="ru-RU" altLang="ru-RU" b="0" i="0" u="none" strike="noStrike" cap="none" normalizeH="0" baseline="0" dirty="0" err="1" smtClean="0">
+                <a:ln>
+                  <a:noFill/>
+                </a:ln>
+                <a:solidFill>
+                  <a:srgbClr val="9E64A9"/>
+                </a:solidFill>
+                <a:effectLst/>
+                <a:latin typeface="Verdana" panose="020B0604030504040204" pitchFamily="34" charset="0"/>
+              </a:rPr>
+              <a:t>balance</a:t>
+            </a:r>
+            <a:r>
+              <a:rPr kumimoji="0" lang="ru-RU" altLang="ru-RU" b="0" i="0" u="none" strike="noStrike" cap="none" normalizeH="0" baseline="0" dirty="0" smtClean="0">
+                <a:ln>
+                  <a:noFill/>
+                </a:ln>
+                <a:solidFill>
+                  <a:srgbClr val="9E64A9"/>
+                </a:solidFill>
+                <a:effectLst/>
+                <a:latin typeface="Verdana" panose="020B0604030504040204" pitchFamily="34" charset="0"/>
+              </a:rPr>
+              <a:t> </a:t>
+            </a:r>
+            <a:r>
+              <a:rPr kumimoji="0" lang="ru-RU" altLang="ru-RU" b="0" i="0" u="none" strike="noStrike" cap="none" normalizeH="0" baseline="0" dirty="0" err="1" smtClean="0">
+                <a:ln>
+                  <a:noFill/>
+                </a:ln>
+                <a:solidFill>
+                  <a:srgbClr val="9E64A9"/>
+                </a:solidFill>
+                <a:effectLst/>
+                <a:latin typeface="Verdana" panose="020B0604030504040204" pitchFamily="34" charset="0"/>
+              </a:rPr>
+              <a:t>is</a:t>
+            </a:r>
+            <a:r>
+              <a:rPr kumimoji="0" lang="ru-RU" altLang="ru-RU" b="0" i="0" u="none" strike="noStrike" cap="none" normalizeH="0" baseline="0" dirty="0" smtClean="0">
+                <a:ln>
+                  <a:noFill/>
+                </a:ln>
+                <a:solidFill>
+                  <a:srgbClr val="9E64A9"/>
+                </a:solidFill>
+                <a:effectLst/>
+                <a:latin typeface="Verdana" panose="020B0604030504040204" pitchFamily="34" charset="0"/>
+              </a:rPr>
+              <a:t> " </a:t>
+            </a:r>
+            <a:r>
+              <a:rPr kumimoji="0" lang="ru-RU" altLang="ru-RU" b="0" i="0" u="none" strike="noStrike" cap="none" normalizeH="0" baseline="0" dirty="0" smtClean="0">
+                <a:ln>
+                  <a:noFill/>
+                </a:ln>
+                <a:solidFill>
+                  <a:srgbClr val="FFFFFF"/>
+                </a:solidFill>
+                <a:effectLst/>
+                <a:latin typeface="Verdana" panose="020B0604030504040204" pitchFamily="34" charset="0"/>
+              </a:rPr>
+              <a:t>+ </a:t>
+            </a:r>
+            <a:r>
+              <a:rPr kumimoji="0" lang="ru-RU" altLang="ru-RU" b="0" i="0" u="none" strike="noStrike" cap="none" normalizeH="0" baseline="0" dirty="0" err="1" smtClean="0">
+                <a:ln>
+                  <a:noFill/>
+                </a:ln>
+                <a:solidFill>
+                  <a:srgbClr val="FFCC00"/>
+                </a:solidFill>
+                <a:effectLst/>
+                <a:latin typeface="Verdana" panose="020B0604030504040204" pitchFamily="34" charset="0"/>
+              </a:rPr>
               <a:t>to_string</a:t>
             </a:r>
             <a:r>
-              <a:rPr lang="en-US" dirty="0"/>
-              <a:t>(money_));</a:t>
-            </a:r>
-          </a:p>
-          <a:p>
-            <a:r>
-              <a:rPr lang="en-US" dirty="0"/>
+              <a:rPr kumimoji="0" lang="ru-RU" altLang="ru-RU" b="0" i="0" u="none" strike="noStrike" cap="none" normalizeH="0" baseline="0" dirty="0" smtClean="0">
+                <a:ln>
+                  <a:noFill/>
+                </a:ln>
+                <a:solidFill>
+                  <a:srgbClr val="FFFFFF"/>
+                </a:solidFill>
+                <a:effectLst/>
+                <a:latin typeface="Verdana" panose="020B0604030504040204" pitchFamily="34" charset="0"/>
+              </a:rPr>
+              <a:t>(</a:t>
+            </a:r>
+            <a:r>
+              <a:rPr kumimoji="0" lang="ru-RU" altLang="ru-RU" b="0" i="0" u="none" strike="noStrike" cap="none" normalizeH="0" baseline="0" dirty="0" err="1" smtClean="0">
+                <a:ln>
+                  <a:noFill/>
+                </a:ln>
+                <a:solidFill>
+                  <a:srgbClr val="5BCD9D"/>
+                </a:solidFill>
+                <a:effectLst/>
+                <a:latin typeface="Verdana" panose="020B0604030504040204" pitchFamily="34" charset="0"/>
+              </a:rPr>
+              <a:t>money</a:t>
+            </a:r>
+            <a:r>
+              <a:rPr kumimoji="0" lang="ru-RU" altLang="ru-RU" b="0" i="0" u="none" strike="noStrike" cap="none" normalizeH="0" baseline="0" dirty="0" smtClean="0">
+                <a:ln>
+                  <a:noFill/>
+                </a:ln>
+                <a:solidFill>
+                  <a:srgbClr val="5BCD9D"/>
+                </a:solidFill>
+                <a:effectLst/>
+                <a:latin typeface="Verdana" panose="020B0604030504040204" pitchFamily="34" charset="0"/>
+              </a:rPr>
+              <a:t>_</a:t>
+            </a:r>
+            <a:r>
+              <a:rPr kumimoji="0" lang="ru-RU" altLang="ru-RU" b="0" i="0" u="none" strike="noStrike" cap="none" normalizeH="0" baseline="0" dirty="0" smtClean="0">
+                <a:ln>
+                  <a:noFill/>
+                </a:ln>
+                <a:solidFill>
+                  <a:srgbClr val="FFFFFF"/>
+                </a:solidFill>
+                <a:effectLst/>
+                <a:latin typeface="Verdana" panose="020B0604030504040204" pitchFamily="34" charset="0"/>
+              </a:rPr>
+              <a:t>));</a:t>
+            </a:r>
+            <a:br>
+              <a:rPr kumimoji="0" lang="ru-RU" altLang="ru-RU" b="0" i="0" u="none" strike="noStrike" cap="none" normalizeH="0" baseline="0" dirty="0" smtClean="0">
+                <a:ln>
+                  <a:noFill/>
+                </a:ln>
+                <a:solidFill>
+                  <a:srgbClr val="FFFFFF"/>
+                </a:solidFill>
+                <a:effectLst/>
+                <a:latin typeface="Verdana" panose="020B0604030504040204" pitchFamily="34" charset="0"/>
+              </a:rPr>
+            </a:br>
+            <a:r>
+              <a:rPr kumimoji="0" lang="ru-RU" altLang="ru-RU" b="0" i="0" u="none" strike="noStrike" cap="none" normalizeH="0" baseline="0" dirty="0" smtClean="0">
+                <a:ln>
+                  <a:noFill/>
+                </a:ln>
+                <a:solidFill>
+                  <a:srgbClr val="FFFFFF"/>
+                </a:solidFill>
+                <a:effectLst/>
+                <a:latin typeface="Verdana" panose="020B0604030504040204" pitchFamily="34" charset="0"/>
+              </a:rPr>
               <a:t>    }</a:t>
             </a:r>
-          </a:p>
-          <a:p>
-            <a:r>
-              <a:rPr lang="en-US" dirty="0"/>
+            <a:br>
+              <a:rPr kumimoji="0" lang="ru-RU" altLang="ru-RU" b="0" i="0" u="none" strike="noStrike" cap="none" normalizeH="0" baseline="0" dirty="0" smtClean="0">
+                <a:ln>
+                  <a:noFill/>
+                </a:ln>
+                <a:solidFill>
+                  <a:srgbClr val="FFFFFF"/>
+                </a:solidFill>
+                <a:effectLst/>
+                <a:latin typeface="Verdana" panose="020B0604030504040204" pitchFamily="34" charset="0"/>
+              </a:rPr>
+            </a:br>
+            <a:r>
+              <a:rPr kumimoji="0" lang="ru-RU" altLang="ru-RU" b="0" i="0" u="none" strike="noStrike" cap="none" normalizeH="0" baseline="0" dirty="0" smtClean="0">
+                <a:ln>
+                  <a:noFill/>
+                </a:ln>
+                <a:solidFill>
+                  <a:srgbClr val="FFFFFF"/>
+                </a:solidFill>
+                <a:effectLst/>
+                <a:latin typeface="Verdana" panose="020B0604030504040204" pitchFamily="34" charset="0"/>
+              </a:rPr>
               <a:t>}</a:t>
             </a:r>
-          </a:p>
-          <a:p>
-            <a:endParaRPr lang="en-US" dirty="0"/>
-          </a:p>
-          <a:p>
-            <a:r>
-              <a:rPr lang="en-US" dirty="0"/>
-              <a:t>void Billing::</a:t>
-            </a:r>
-            <a:r>
-              <a:rPr lang="en-US" dirty="0" err="1"/>
+            <a:br>
+              <a:rPr kumimoji="0" lang="ru-RU" altLang="ru-RU" b="0" i="0" u="none" strike="noStrike" cap="none" normalizeH="0" baseline="0" dirty="0" smtClean="0">
+                <a:ln>
+                  <a:noFill/>
+                </a:ln>
+                <a:solidFill>
+                  <a:srgbClr val="FFFFFF"/>
+                </a:solidFill>
+                <a:effectLst/>
+                <a:latin typeface="Verdana" panose="020B0604030504040204" pitchFamily="34" charset="0"/>
+              </a:rPr>
+            </a:br>
+            <a:r>
+              <a:rPr kumimoji="0" lang="ru-RU" altLang="ru-RU" b="0" i="0" u="none" strike="noStrike" cap="none" normalizeH="0" baseline="0" dirty="0" smtClean="0">
+                <a:ln>
+                  <a:noFill/>
+                </a:ln>
+                <a:solidFill>
+                  <a:srgbClr val="FFFFFF"/>
+                </a:solidFill>
+                <a:effectLst/>
+                <a:latin typeface="Verdana" panose="020B0604030504040204" pitchFamily="34" charset="0"/>
+              </a:rPr>
+              <a:t/>
+            </a:r>
+            <a:br>
+              <a:rPr kumimoji="0" lang="ru-RU" altLang="ru-RU" b="0" i="0" u="none" strike="noStrike" cap="none" normalizeH="0" baseline="0" dirty="0" smtClean="0">
+                <a:ln>
+                  <a:noFill/>
+                </a:ln>
+                <a:solidFill>
+                  <a:srgbClr val="FFFFFF"/>
+                </a:solidFill>
+                <a:effectLst/>
+                <a:latin typeface="Verdana" panose="020B0604030504040204" pitchFamily="34" charset="0"/>
+              </a:rPr>
+            </a:br>
+            <a:r>
+              <a:rPr kumimoji="0" lang="ru-RU" altLang="ru-RU" b="0" i="0" u="none" strike="noStrike" cap="none" normalizeH="0" baseline="0" dirty="0" err="1" smtClean="0">
+                <a:ln>
+                  <a:noFill/>
+                </a:ln>
+                <a:solidFill>
+                  <a:srgbClr val="FFFFFF"/>
+                </a:solidFill>
+                <a:effectLst/>
+                <a:latin typeface="Verdana" panose="020B0604030504040204" pitchFamily="34" charset="0"/>
+              </a:rPr>
+              <a:t>void</a:t>
+            </a:r>
+            <a:r>
+              <a:rPr kumimoji="0" lang="ru-RU" altLang="ru-RU" b="0" i="0" u="none" strike="noStrike" cap="none" normalizeH="0" baseline="0" dirty="0" smtClean="0">
+                <a:ln>
+                  <a:noFill/>
+                </a:ln>
+                <a:solidFill>
+                  <a:srgbClr val="FFFFFF"/>
+                </a:solidFill>
+                <a:effectLst/>
+                <a:latin typeface="Verdana" panose="020B0604030504040204" pitchFamily="34" charset="0"/>
+              </a:rPr>
+              <a:t> </a:t>
+            </a:r>
+            <a:r>
+              <a:rPr kumimoji="0" lang="ru-RU" altLang="ru-RU" b="0" i="0" u="none" strike="noStrike" cap="none" normalizeH="0" baseline="0" dirty="0" err="1" smtClean="0">
+                <a:ln>
+                  <a:noFill/>
+                </a:ln>
+                <a:solidFill>
+                  <a:srgbClr val="FFCC00"/>
+                </a:solidFill>
+                <a:effectLst/>
+                <a:latin typeface="Verdana" panose="020B0604030504040204" pitchFamily="34" charset="0"/>
+              </a:rPr>
+              <a:t>Billing</a:t>
+            </a:r>
+            <a:r>
+              <a:rPr kumimoji="0" lang="ru-RU" altLang="ru-RU" b="0" i="0" u="none" strike="noStrike" cap="none" normalizeH="0" baseline="0" dirty="0" smtClean="0">
+                <a:ln>
+                  <a:noFill/>
+                </a:ln>
+                <a:solidFill>
+                  <a:srgbClr val="FFFFFF"/>
+                </a:solidFill>
+                <a:effectLst/>
+                <a:latin typeface="Verdana" panose="020B0604030504040204" pitchFamily="34" charset="0"/>
+              </a:rPr>
+              <a:t>::</a:t>
+            </a:r>
+            <a:r>
+              <a:rPr kumimoji="0" lang="ru-RU" altLang="ru-RU" b="0" i="0" u="none" strike="noStrike" cap="none" normalizeH="0" baseline="0" dirty="0" err="1" smtClean="0">
+                <a:ln>
+                  <a:noFill/>
+                </a:ln>
+                <a:solidFill>
+                  <a:srgbClr val="FFCC00"/>
+                </a:solidFill>
+                <a:effectLst/>
+                <a:latin typeface="Verdana" panose="020B0604030504040204" pitchFamily="34" charset="0"/>
+              </a:rPr>
               <a:t>UserInfo</a:t>
             </a:r>
             <a:r>
-              <a:rPr lang="en-US" dirty="0"/>
+              <a:rPr kumimoji="0" lang="ru-RU" altLang="ru-RU" b="0" i="0" u="none" strike="noStrike" cap="none" normalizeH="0" baseline="0" dirty="0" smtClean="0">
+                <a:ln>
+                  <a:noFill/>
+                </a:ln>
+                <a:solidFill>
+                  <a:srgbClr val="FFFFFF"/>
+                </a:solidFill>
+                <a:effectLst/>
+                <a:latin typeface="Verdana" panose="020B0604030504040204" pitchFamily="34" charset="0"/>
+              </a:rPr>
               <a:t>::</a:t>
             </a:r>
             <a:r>
-              <a:rPr lang="en-US" dirty="0" err="1"/>
+              <a:rPr kumimoji="0" lang="ru-RU" altLang="ru-RU" b="0" i="0" u="none" strike="noStrike" cap="none" normalizeH="0" baseline="0" dirty="0" err="1" smtClean="0">
+                <a:ln>
+                  <a:noFill/>
+                </a:ln>
+                <a:solidFill>
+                  <a:srgbClr val="FFCC00"/>
+                </a:solidFill>
+                <a:effectLst/>
+                <a:latin typeface="Verdana" panose="020B0604030504040204" pitchFamily="34" charset="0"/>
+              </a:rPr>
               <a:t>AddMoney</a:t>
             </a:r>
             <a:r>
-              <a:rPr lang="en-US" dirty="0"/>
+              <a:rPr kumimoji="0" lang="ru-RU" altLang="ru-RU" b="0" i="0" u="none" strike="noStrike" cap="none" normalizeH="0" baseline="0" dirty="0" smtClean="0">
+                <a:ln>
+                  <a:noFill/>
+                </a:ln>
+                <a:solidFill>
+                  <a:srgbClr val="FFFFFF"/>
+                </a:solidFill>
+                <a:effectLst/>
+                <a:latin typeface="Verdana" panose="020B0604030504040204" pitchFamily="34" charset="0"/>
+              </a:rPr>
               <a:t>(</a:t>
             </a:r>
             <a:r>
-              <a:rPr lang="en-US" dirty="0" err="1"/>
+              <a:rPr kumimoji="0" lang="ru-RU" altLang="ru-RU" b="0" i="0" u="none" strike="noStrike" cap="none" normalizeH="0" baseline="0" dirty="0" err="1" smtClean="0">
+                <a:ln>
+                  <a:noFill/>
+                </a:ln>
+                <a:solidFill>
+                  <a:srgbClr val="FFFFFF"/>
+                </a:solidFill>
+                <a:effectLst/>
+                <a:latin typeface="Verdana" panose="020B0604030504040204" pitchFamily="34" charset="0"/>
+              </a:rPr>
               <a:t>int</a:t>
             </a:r>
             <a:r>
-              <a:rPr lang="en-US" dirty="0"/>
-              <a:t> rubles) {</a:t>
-            </a:r>
-          </a:p>
-          <a:p>
-            <a:r>
-              <a:rPr lang="en-US" dirty="0"/>
-              <a:t>    money_ += rubles;</a:t>
-            </a:r>
-          </a:p>
-          <a:p>
-            <a:r>
-              <a:rPr lang="en-US" dirty="0"/>
-              <a:t>    history_.</a:t>
-            </a:r>
-            <a:r>
-              <a:rPr lang="en-US" dirty="0" err="1"/>
+              <a:rPr kumimoji="0" lang="ru-RU" altLang="ru-RU" b="0" i="0" u="none" strike="noStrike" cap="none" normalizeH="0" baseline="0" dirty="0" smtClean="0">
+                <a:ln>
+                  <a:noFill/>
+                </a:ln>
+                <a:solidFill>
+                  <a:srgbClr val="FFFFFF"/>
+                </a:solidFill>
+                <a:effectLst/>
+                <a:latin typeface="Verdana" panose="020B0604030504040204" pitchFamily="34" charset="0"/>
+              </a:rPr>
+              <a:t> </a:t>
+            </a:r>
+            <a:r>
+              <a:rPr kumimoji="0" lang="ru-RU" altLang="ru-RU" b="0" i="0" u="none" strike="noStrike" cap="none" normalizeH="0" baseline="0" dirty="0" err="1" smtClean="0">
+                <a:ln>
+                  <a:noFill/>
+                </a:ln>
+                <a:solidFill>
+                  <a:srgbClr val="5BCD9D"/>
+                </a:solidFill>
+                <a:effectLst/>
+                <a:latin typeface="Verdana" panose="020B0604030504040204" pitchFamily="34" charset="0"/>
+              </a:rPr>
+              <a:t>rubles</a:t>
+            </a:r>
+            <a:r>
+              <a:rPr kumimoji="0" lang="ru-RU" altLang="ru-RU" b="0" i="0" u="none" strike="noStrike" cap="none" normalizeH="0" baseline="0" dirty="0" smtClean="0">
+                <a:ln>
+                  <a:noFill/>
+                </a:ln>
+                <a:solidFill>
+                  <a:srgbClr val="FFFFFF"/>
+                </a:solidFill>
+                <a:effectLst/>
+                <a:latin typeface="Verdana" panose="020B0604030504040204" pitchFamily="34" charset="0"/>
+              </a:rPr>
+              <a:t>) {</a:t>
+            </a:r>
+            <a:br>
+              <a:rPr kumimoji="0" lang="ru-RU" altLang="ru-RU" b="0" i="0" u="none" strike="noStrike" cap="none" normalizeH="0" baseline="0" dirty="0" smtClean="0">
+                <a:ln>
+                  <a:noFill/>
+                </a:ln>
+                <a:solidFill>
+                  <a:srgbClr val="FFFFFF"/>
+                </a:solidFill>
+                <a:effectLst/>
+                <a:latin typeface="Verdana" panose="020B0604030504040204" pitchFamily="34" charset="0"/>
+              </a:rPr>
+            </a:br>
+            <a:r>
+              <a:rPr kumimoji="0" lang="ru-RU" altLang="ru-RU" b="0" i="0" u="none" strike="noStrike" cap="none" normalizeH="0" baseline="0" dirty="0" smtClean="0">
+                <a:ln>
+                  <a:noFill/>
+                </a:ln>
+                <a:solidFill>
+                  <a:srgbClr val="FFFFFF"/>
+                </a:solidFill>
+                <a:effectLst/>
+                <a:latin typeface="Verdana" panose="020B0604030504040204" pitchFamily="34" charset="0"/>
+              </a:rPr>
+              <a:t>    </a:t>
+            </a:r>
+            <a:r>
+              <a:rPr kumimoji="0" lang="ru-RU" altLang="ru-RU" b="0" i="0" u="none" strike="noStrike" cap="none" normalizeH="0" baseline="0" dirty="0" err="1" smtClean="0">
+                <a:ln>
+                  <a:noFill/>
+                </a:ln>
+                <a:solidFill>
+                  <a:srgbClr val="5BCD9D"/>
+                </a:solidFill>
+                <a:effectLst/>
+                <a:latin typeface="Verdana" panose="020B0604030504040204" pitchFamily="34" charset="0"/>
+              </a:rPr>
+              <a:t>money</a:t>
+            </a:r>
+            <a:r>
+              <a:rPr kumimoji="0" lang="ru-RU" altLang="ru-RU" b="0" i="0" u="none" strike="noStrike" cap="none" normalizeH="0" baseline="0" dirty="0" smtClean="0">
+                <a:ln>
+                  <a:noFill/>
+                </a:ln>
+                <a:solidFill>
+                  <a:srgbClr val="5BCD9D"/>
+                </a:solidFill>
+                <a:effectLst/>
+                <a:latin typeface="Verdana" panose="020B0604030504040204" pitchFamily="34" charset="0"/>
+              </a:rPr>
+              <a:t>_ </a:t>
+            </a:r>
+            <a:r>
+              <a:rPr kumimoji="0" lang="ru-RU" altLang="ru-RU" b="0" i="0" u="none" strike="noStrike" cap="none" normalizeH="0" baseline="0" dirty="0" smtClean="0">
+                <a:ln>
+                  <a:noFill/>
+                </a:ln>
+                <a:solidFill>
+                  <a:srgbClr val="FFFFFF"/>
+                </a:solidFill>
+                <a:effectLst/>
+                <a:latin typeface="Verdana" panose="020B0604030504040204" pitchFamily="34" charset="0"/>
+              </a:rPr>
+              <a:t>+= </a:t>
+            </a:r>
+            <a:r>
+              <a:rPr kumimoji="0" lang="ru-RU" altLang="ru-RU" b="0" i="0" u="none" strike="noStrike" cap="none" normalizeH="0" baseline="0" dirty="0" err="1" smtClean="0">
+                <a:ln>
+                  <a:noFill/>
+                </a:ln>
+                <a:solidFill>
+                  <a:srgbClr val="5BCD9D"/>
+                </a:solidFill>
+                <a:effectLst/>
+                <a:latin typeface="Verdana" panose="020B0604030504040204" pitchFamily="34" charset="0"/>
+              </a:rPr>
+              <a:t>rubles</a:t>
+            </a:r>
+            <a:r>
+              <a:rPr kumimoji="0" lang="ru-RU" altLang="ru-RU" b="0" i="0" u="none" strike="noStrike" cap="none" normalizeH="0" baseline="0" dirty="0" smtClean="0">
+                <a:ln>
+                  <a:noFill/>
+                </a:ln>
+                <a:solidFill>
+                  <a:srgbClr val="FFFFFF"/>
+                </a:solidFill>
+                <a:effectLst/>
+                <a:latin typeface="Verdana" panose="020B0604030504040204" pitchFamily="34" charset="0"/>
+              </a:rPr>
+              <a:t>;</a:t>
+            </a:r>
+            <a:br>
+              <a:rPr kumimoji="0" lang="ru-RU" altLang="ru-RU" b="0" i="0" u="none" strike="noStrike" cap="none" normalizeH="0" baseline="0" dirty="0" smtClean="0">
+                <a:ln>
+                  <a:noFill/>
+                </a:ln>
+                <a:solidFill>
+                  <a:srgbClr val="FFFFFF"/>
+                </a:solidFill>
+                <a:effectLst/>
+                <a:latin typeface="Verdana" panose="020B0604030504040204" pitchFamily="34" charset="0"/>
+              </a:rPr>
+            </a:br>
+            <a:r>
+              <a:rPr kumimoji="0" lang="ru-RU" altLang="ru-RU" b="0" i="0" u="none" strike="noStrike" cap="none" normalizeH="0" baseline="0" dirty="0" smtClean="0">
+                <a:ln>
+                  <a:noFill/>
+                </a:ln>
+                <a:solidFill>
+                  <a:srgbClr val="FFFFFF"/>
+                </a:solidFill>
+                <a:effectLst/>
+                <a:latin typeface="Verdana" panose="020B0604030504040204" pitchFamily="34" charset="0"/>
+              </a:rPr>
+              <a:t>    </a:t>
+            </a:r>
+            <a:r>
+              <a:rPr kumimoji="0" lang="ru-RU" altLang="ru-RU" b="0" i="0" u="none" strike="noStrike" cap="none" normalizeH="0" baseline="0" dirty="0" err="1" smtClean="0">
+                <a:ln>
+                  <a:noFill/>
+                </a:ln>
+                <a:solidFill>
+                  <a:srgbClr val="5BCD9D"/>
+                </a:solidFill>
+                <a:effectLst/>
+                <a:latin typeface="Verdana" panose="020B0604030504040204" pitchFamily="34" charset="0"/>
+              </a:rPr>
+              <a:t>history</a:t>
+            </a:r>
+            <a:r>
+              <a:rPr kumimoji="0" lang="ru-RU" altLang="ru-RU" b="0" i="0" u="none" strike="noStrike" cap="none" normalizeH="0" baseline="0" dirty="0" smtClean="0">
+                <a:ln>
+                  <a:noFill/>
+                </a:ln>
+                <a:solidFill>
+                  <a:srgbClr val="5BCD9D"/>
+                </a:solidFill>
+                <a:effectLst/>
+                <a:latin typeface="Verdana" panose="020B0604030504040204" pitchFamily="34" charset="0"/>
+              </a:rPr>
+              <a:t>_</a:t>
+            </a:r>
+            <a:r>
+              <a:rPr kumimoji="0" lang="ru-RU" altLang="ru-RU" b="0" i="0" u="none" strike="noStrike" cap="none" normalizeH="0" baseline="0" dirty="0" smtClean="0">
+                <a:ln>
+                  <a:noFill/>
+                </a:ln>
+                <a:solidFill>
+                  <a:srgbClr val="FFFFFF"/>
+                </a:solidFill>
+                <a:effectLst/>
+                <a:latin typeface="Verdana" panose="020B0604030504040204" pitchFamily="34" charset="0"/>
+              </a:rPr>
+              <a:t>.</a:t>
+            </a:r>
+            <a:r>
+              <a:rPr kumimoji="0" lang="ru-RU" altLang="ru-RU" b="0" i="0" u="none" strike="noStrike" cap="none" normalizeH="0" baseline="0" dirty="0" err="1" smtClean="0">
+                <a:ln>
+                  <a:noFill/>
+                </a:ln>
+                <a:solidFill>
+                  <a:srgbClr val="FFCC00"/>
+                </a:solidFill>
+                <a:effectLst/>
+                <a:latin typeface="Verdana" panose="020B0604030504040204" pitchFamily="34" charset="0"/>
+              </a:rPr>
               <a:t>push_back</a:t>
             </a:r>
             <a:r>
-              <a:rPr lang="en-US" dirty="0"/>
-              <a:t>(Event::Payment(rubles));</a:t>
-            </a:r>
-          </a:p>
-          <a:p>
-            <a:r>
-              <a:rPr lang="en-US" dirty="0"/>
+              <a:rPr kumimoji="0" lang="ru-RU" altLang="ru-RU" b="0" i="0" u="none" strike="noStrike" cap="none" normalizeH="0" baseline="0" dirty="0" smtClean="0">
+                <a:ln>
+                  <a:noFill/>
+                </a:ln>
+                <a:solidFill>
+                  <a:srgbClr val="FFFFFF"/>
+                </a:solidFill>
+                <a:effectLst/>
+                <a:latin typeface="Verdana" panose="020B0604030504040204" pitchFamily="34" charset="0"/>
+              </a:rPr>
+              <a:t>(</a:t>
+            </a:r>
+            <a:r>
+              <a:rPr kumimoji="0" lang="ru-RU" altLang="ru-RU" b="0" i="0" u="none" strike="noStrike" cap="none" normalizeH="0" baseline="0" dirty="0" err="1" smtClean="0">
+                <a:ln>
+                  <a:noFill/>
+                </a:ln>
+                <a:solidFill>
+                  <a:srgbClr val="FFCC00"/>
+                </a:solidFill>
+                <a:effectLst/>
+                <a:latin typeface="Verdana" panose="020B0604030504040204" pitchFamily="34" charset="0"/>
+              </a:rPr>
+              <a:t>Event</a:t>
+            </a:r>
+            <a:r>
+              <a:rPr kumimoji="0" lang="ru-RU" altLang="ru-RU" b="0" i="0" u="none" strike="noStrike" cap="none" normalizeH="0" baseline="0" dirty="0" smtClean="0">
+                <a:ln>
+                  <a:noFill/>
+                </a:ln>
+                <a:solidFill>
+                  <a:srgbClr val="FFFFFF"/>
+                </a:solidFill>
+                <a:effectLst/>
+                <a:latin typeface="Verdana" panose="020B0604030504040204" pitchFamily="34" charset="0"/>
+              </a:rPr>
+              <a:t>::</a:t>
+            </a:r>
+            <a:r>
+              <a:rPr kumimoji="0" lang="ru-RU" altLang="ru-RU" b="0" i="0" u="none" strike="noStrike" cap="none" normalizeH="0" baseline="0" dirty="0" err="1" smtClean="0">
+                <a:ln>
+                  <a:noFill/>
+                </a:ln>
+                <a:solidFill>
+                  <a:srgbClr val="FFCC00"/>
+                </a:solidFill>
+                <a:effectLst/>
+                <a:latin typeface="Verdana" panose="020B0604030504040204" pitchFamily="34" charset="0"/>
+              </a:rPr>
+              <a:t>Payment</a:t>
+            </a:r>
+            <a:r>
+              <a:rPr kumimoji="0" lang="ru-RU" altLang="ru-RU" b="0" i="0" u="none" strike="noStrike" cap="none" normalizeH="0" baseline="0" dirty="0" smtClean="0">
+                <a:ln>
+                  <a:noFill/>
+                </a:ln>
+                <a:solidFill>
+                  <a:srgbClr val="FFFFFF"/>
+                </a:solidFill>
+                <a:effectLst/>
+                <a:latin typeface="Verdana" panose="020B0604030504040204" pitchFamily="34" charset="0"/>
+              </a:rPr>
+              <a:t>(</a:t>
+            </a:r>
+            <a:r>
+              <a:rPr kumimoji="0" lang="ru-RU" altLang="ru-RU" b="0" i="0" u="none" strike="noStrike" cap="none" normalizeH="0" baseline="0" dirty="0" err="1" smtClean="0">
+                <a:ln>
+                  <a:noFill/>
+                </a:ln>
+                <a:solidFill>
+                  <a:srgbClr val="5BCD9D"/>
+                </a:solidFill>
+                <a:effectLst/>
+                <a:latin typeface="Verdana" panose="020B0604030504040204" pitchFamily="34" charset="0"/>
+              </a:rPr>
+              <a:t>rubles</a:t>
+            </a:r>
+            <a:r>
+              <a:rPr kumimoji="0" lang="ru-RU" altLang="ru-RU" b="0" i="0" u="none" strike="noStrike" cap="none" normalizeH="0" baseline="0" dirty="0" smtClean="0">
+                <a:ln>
+                  <a:noFill/>
+                </a:ln>
+                <a:solidFill>
+                  <a:srgbClr val="FFFFFF"/>
+                </a:solidFill>
+                <a:effectLst/>
+                <a:latin typeface="Verdana" panose="020B0604030504040204" pitchFamily="34" charset="0"/>
+              </a:rPr>
+              <a:t>));</a:t>
+            </a:r>
+            <a:br>
+              <a:rPr kumimoji="0" lang="ru-RU" altLang="ru-RU" b="0" i="0" u="none" strike="noStrike" cap="none" normalizeH="0" baseline="0" dirty="0" smtClean="0">
+                <a:ln>
+                  <a:noFill/>
+                </a:ln>
+                <a:solidFill>
+                  <a:srgbClr val="FFFFFF"/>
+                </a:solidFill>
+                <a:effectLst/>
+                <a:latin typeface="Verdana" panose="020B0604030504040204" pitchFamily="34" charset="0"/>
+              </a:rPr>
+            </a:br>
+            <a:r>
+              <a:rPr kumimoji="0" lang="ru-RU" altLang="ru-RU" b="0" i="0" u="none" strike="noStrike" cap="none" normalizeH="0" baseline="0" dirty="0" smtClean="0">
+                <a:ln>
+                  <a:noFill/>
+                </a:ln>
+                <a:solidFill>
+                  <a:srgbClr val="FFFFFF"/>
+                </a:solidFill>
+                <a:effectLst/>
+                <a:latin typeface="Verdana" panose="020B0604030504040204" pitchFamily="34" charset="0"/>
+              </a:rPr>
               <a:t>    </a:t>
             </a:r>
             <a:r>
-              <a:rPr lang="en-US" dirty="0" err="1"/>
+              <a:rPr kumimoji="0" lang="ru-RU" altLang="ru-RU" b="0" i="0" u="none" strike="noStrike" cap="none" normalizeH="0" baseline="0" dirty="0" err="1" smtClean="0">
+                <a:ln>
+                  <a:noFill/>
+                </a:ln>
+                <a:solidFill>
+                  <a:srgbClr val="FFCC00"/>
+                </a:solidFill>
+                <a:effectLst/>
+                <a:latin typeface="Verdana" panose="020B0604030504040204" pitchFamily="34" charset="0"/>
+              </a:rPr>
               <a:t>SendSms</a:t>
             </a:r>
             <a:r>
-              <a:rPr lang="en-US" dirty="0"/>
-              <a:t>("Got payment " + </a:t>
-            </a:r>
-            <a:r>
-              <a:rPr lang="en-US" dirty="0" err="1"/>
+              <a:rPr kumimoji="0" lang="ru-RU" altLang="ru-RU" b="0" i="0" u="none" strike="noStrike" cap="none" normalizeH="0" baseline="0" dirty="0" smtClean="0">
+                <a:ln>
+                  <a:noFill/>
+                </a:ln>
+                <a:solidFill>
+                  <a:srgbClr val="FFFFFF"/>
+                </a:solidFill>
+                <a:effectLst/>
+                <a:latin typeface="Verdana" panose="020B0604030504040204" pitchFamily="34" charset="0"/>
+              </a:rPr>
+              <a:t>(</a:t>
+            </a:r>
+            <a:r>
+              <a:rPr kumimoji="0" lang="ru-RU" altLang="ru-RU" b="0" i="0" u="none" strike="noStrike" cap="none" normalizeH="0" baseline="0" dirty="0" smtClean="0">
+                <a:ln>
+                  <a:noFill/>
+                </a:ln>
+                <a:solidFill>
+                  <a:srgbClr val="9E64A9"/>
+                </a:solidFill>
+                <a:effectLst/>
+                <a:latin typeface="Verdana" panose="020B0604030504040204" pitchFamily="34" charset="0"/>
+              </a:rPr>
+              <a:t>"</a:t>
+            </a:r>
+            <a:r>
+              <a:rPr kumimoji="0" lang="ru-RU" altLang="ru-RU" b="0" i="0" u="none" strike="noStrike" cap="none" normalizeH="0" baseline="0" dirty="0" err="1" smtClean="0">
+                <a:ln>
+                  <a:noFill/>
+                </a:ln>
+                <a:solidFill>
+                  <a:srgbClr val="9E64A9"/>
+                </a:solidFill>
+                <a:effectLst/>
+                <a:latin typeface="Verdana" panose="020B0604030504040204" pitchFamily="34" charset="0"/>
+              </a:rPr>
+              <a:t>Got</a:t>
+            </a:r>
+            <a:r>
+              <a:rPr kumimoji="0" lang="ru-RU" altLang="ru-RU" b="0" i="0" u="none" strike="noStrike" cap="none" normalizeH="0" baseline="0" dirty="0" smtClean="0">
+                <a:ln>
+                  <a:noFill/>
+                </a:ln>
+                <a:solidFill>
+                  <a:srgbClr val="9E64A9"/>
+                </a:solidFill>
+                <a:effectLst/>
+                <a:latin typeface="Verdana" panose="020B0604030504040204" pitchFamily="34" charset="0"/>
+              </a:rPr>
+              <a:t> </a:t>
+            </a:r>
+            <a:r>
+              <a:rPr kumimoji="0" lang="ru-RU" altLang="ru-RU" b="0" i="0" u="none" strike="noStrike" cap="none" normalizeH="0" baseline="0" dirty="0" err="1" smtClean="0">
+                <a:ln>
+                  <a:noFill/>
+                </a:ln>
+                <a:solidFill>
+                  <a:srgbClr val="9E64A9"/>
+                </a:solidFill>
+                <a:effectLst/>
+                <a:latin typeface="Verdana" panose="020B0604030504040204" pitchFamily="34" charset="0"/>
+              </a:rPr>
+              <a:t>payment</a:t>
+            </a:r>
+            <a:r>
+              <a:rPr kumimoji="0" lang="ru-RU" altLang="ru-RU" b="0" i="0" u="none" strike="noStrike" cap="none" normalizeH="0" baseline="0" dirty="0" smtClean="0">
+                <a:ln>
+                  <a:noFill/>
+                </a:ln>
+                <a:solidFill>
+                  <a:srgbClr val="9E64A9"/>
+                </a:solidFill>
+                <a:effectLst/>
+                <a:latin typeface="Verdana" panose="020B0604030504040204" pitchFamily="34" charset="0"/>
+              </a:rPr>
+              <a:t> " </a:t>
+            </a:r>
+            <a:r>
+              <a:rPr kumimoji="0" lang="ru-RU" altLang="ru-RU" b="0" i="0" u="none" strike="noStrike" cap="none" normalizeH="0" baseline="0" dirty="0" smtClean="0">
+                <a:ln>
+                  <a:noFill/>
+                </a:ln>
+                <a:solidFill>
+                  <a:srgbClr val="FFFFFF"/>
+                </a:solidFill>
+                <a:effectLst/>
+                <a:latin typeface="Verdana" panose="020B0604030504040204" pitchFamily="34" charset="0"/>
+              </a:rPr>
+              <a:t>+ </a:t>
+            </a:r>
+            <a:r>
+              <a:rPr kumimoji="0" lang="ru-RU" altLang="ru-RU" b="0" i="0" u="none" strike="noStrike" cap="none" normalizeH="0" baseline="0" dirty="0" err="1" smtClean="0">
+                <a:ln>
+                  <a:noFill/>
+                </a:ln>
+                <a:solidFill>
+                  <a:srgbClr val="FFCC00"/>
+                </a:solidFill>
+                <a:effectLst/>
+                <a:latin typeface="Verdana" panose="020B0604030504040204" pitchFamily="34" charset="0"/>
+              </a:rPr>
               <a:t>to_string</a:t>
             </a:r>
             <a:r>
-              <a:rPr lang="en-US" dirty="0"/>
-              <a:t>(rubles));</a:t>
-            </a:r>
-          </a:p>
-          <a:p>
-            <a:r>
-              <a:rPr lang="en-US" dirty="0"/>
+              <a:rPr kumimoji="0" lang="ru-RU" altLang="ru-RU" b="0" i="0" u="none" strike="noStrike" cap="none" normalizeH="0" baseline="0" dirty="0" smtClean="0">
+                <a:ln>
+                  <a:noFill/>
+                </a:ln>
+                <a:solidFill>
+                  <a:srgbClr val="FFFFFF"/>
+                </a:solidFill>
+                <a:effectLst/>
+                <a:latin typeface="Verdana" panose="020B0604030504040204" pitchFamily="34" charset="0"/>
+              </a:rPr>
+              <a:t>(</a:t>
+            </a:r>
+            <a:r>
+              <a:rPr kumimoji="0" lang="ru-RU" altLang="ru-RU" b="0" i="0" u="none" strike="noStrike" cap="none" normalizeH="0" baseline="0" dirty="0" err="1" smtClean="0">
+                <a:ln>
+                  <a:noFill/>
+                </a:ln>
+                <a:solidFill>
+                  <a:srgbClr val="5BCD9D"/>
+                </a:solidFill>
+                <a:effectLst/>
+                <a:latin typeface="Verdana" panose="020B0604030504040204" pitchFamily="34" charset="0"/>
+              </a:rPr>
+              <a:t>rubles</a:t>
+            </a:r>
+            <a:r>
+              <a:rPr kumimoji="0" lang="ru-RU" altLang="ru-RU" b="0" i="0" u="none" strike="noStrike" cap="none" normalizeH="0" baseline="0" dirty="0" smtClean="0">
+                <a:ln>
+                  <a:noFill/>
+                </a:ln>
+                <a:solidFill>
+                  <a:srgbClr val="FFFFFF"/>
+                </a:solidFill>
+                <a:effectLst/>
+                <a:latin typeface="Verdana" panose="020B0604030504040204" pitchFamily="34" charset="0"/>
+              </a:rPr>
+              <a:t>));</a:t>
+            </a:r>
+            <a:br>
+              <a:rPr kumimoji="0" lang="ru-RU" altLang="ru-RU" b="0" i="0" u="none" strike="noStrike" cap="none" normalizeH="0" baseline="0" dirty="0" smtClean="0">
+                <a:ln>
+                  <a:noFill/>
+                </a:ln>
+                <a:solidFill>
+                  <a:srgbClr val="FFFFFF"/>
+                </a:solidFill>
+                <a:effectLst/>
+                <a:latin typeface="Verdana" panose="020B0604030504040204" pitchFamily="34" charset="0"/>
+              </a:rPr>
+            </a:br>
+            <a:r>
+              <a:rPr kumimoji="0" lang="ru-RU" altLang="ru-RU" b="0" i="0" u="none" strike="noStrike" cap="none" normalizeH="0" baseline="0" dirty="0" smtClean="0">
+                <a:ln>
+                  <a:noFill/>
+                </a:ln>
+                <a:solidFill>
+                  <a:srgbClr val="FFFFFF"/>
+                </a:solidFill>
+                <a:effectLst/>
+                <a:latin typeface="Verdana" panose="020B0604030504040204" pitchFamily="34" charset="0"/>
+              </a:rPr>
               <a:t>}</a:t>
             </a:r>
+            <a:br>
+              <a:rPr kumimoji="0" lang="ru-RU" altLang="ru-RU" b="0" i="0" u="none" strike="noStrike" cap="none" normalizeH="0" baseline="0" dirty="0" smtClean="0">
+                <a:ln>
+                  <a:noFill/>
+                </a:ln>
+                <a:solidFill>
+                  <a:srgbClr val="FFFFFF"/>
+                </a:solidFill>
+                <a:effectLst/>
+                <a:latin typeface="Verdana" panose="020B0604030504040204" pitchFamily="34" charset="0"/>
+              </a:rPr>
+            </a:br>
+            <a:endParaRPr kumimoji="0" lang="ru-RU" altLang="ru-RU" b="0" i="0" u="none" strike="noStrike" cap="none" normalizeH="0" baseline="0" dirty="0" smtClean="0">
+              <a:ln>
+                <a:noFill/>
+              </a:ln>
+              <a:solidFill>
+                <a:schemeClr val="tx1"/>
+              </a:solidFill>
+              <a:effectLst/>
+              <a:latin typeface="Arial" panose="020B0604020202020204" pitchFamily="34" charset="0"/>
+            </a:endParaRPr>
           </a:p>
         </p:txBody>
       </p:sp>
@@ -29126,6 +30676,52 @@
       </p:grpSpPr>
       <p:sp>
         <p:nvSpPr>
+          <p:cNvPr id="8" name="Прямоугольник 7"/>
+          <p:cNvSpPr/>
+          <p:nvPr/>
+        </p:nvSpPr>
+        <p:spPr>
+          <a:xfrm>
+            <a:off x="3414713" y="4949825"/>
+            <a:ext cx="17552987" cy="7250575"/>
+          </a:xfrm>
+          <a:prstGeom prst="rect">
+            <a:avLst/>
+          </a:prstGeom>
+          <a:noFill/>
+          <a:ln w="50800">
+            <a:solidFill>
+              <a:schemeClr val="tx1"/>
+            </a:solidFill>
+          </a:ln>
+        </p:spPr>
+        <p:style>
+          <a:lnRef idx="2">
+            <a:schemeClr val="accent1">
+              <a:shade val="50000"/>
+            </a:schemeClr>
+          </a:lnRef>
+          <a:fillRef idx="1">
+            <a:schemeClr val="accent1"/>
+          </a:fillRef>
+          <a:effectRef idx="0">
+            <a:schemeClr val="accent1"/>
+          </a:effectRef>
+          <a:fontRef idx="minor">
+            <a:schemeClr val="lt1"/>
+          </a:fontRef>
+        </p:style>
+        <p:txBody>
+          <a:bodyPr rtlCol="0" anchor="ctr"/>
+          <a:lstStyle/>
+          <a:p>
+            <a:pPr algn="ctr"/>
+            <a:endParaRPr lang="ru-RU"/>
+          </a:p>
+        </p:txBody>
+      </p:sp>
+      <p:sp>
+        <p:nvSpPr>
           <p:cNvPr id="2" name="Заголовок 1"/>
           <p:cNvSpPr>
             <a:spLocks noGrp="1"/>
@@ -29141,28 +30737,13 @@
           <a:p>
             <a:r>
               <a:rPr lang="ru-RU" dirty="0" smtClean="0"/>
-              <a:t>Слайд с текущей схемой кода</a:t>
+              <a:t>Текущая схема </a:t>
+            </a:r>
+            <a:r>
+              <a:rPr lang="ru-RU" dirty="0" smtClean="0"/>
+              <a:t>кода</a:t>
             </a:r>
             <a:endParaRPr lang="ru-RU" dirty="0"/>
-          </a:p>
-        </p:txBody>
-      </p:sp>
-      <p:sp>
-        <p:nvSpPr>
-          <p:cNvPr id="3" name="Объект 2"/>
-          <p:cNvSpPr>
-            <a:spLocks noGrp="1"/>
-          </p:cNvSpPr>
-          <p:nvPr>
-            <p:ph idx="1"/>
-          </p:nvPr>
-        </p:nvSpPr>
-        <p:spPr/>
-        <p:txBody>
-          <a:bodyPr/>
-          <a:lstStyle/>
-          <a:p>
-            <a:endParaRPr lang="ru-RU"/>
           </a:p>
         </p:txBody>
       </p:sp>
@@ -29216,6 +30797,105 @@
             <a:endParaRPr lang="ru-RU">
               <a:solidFill>
                 <a:srgbClr val="000000"/>
+              </a:solidFill>
+            </a:endParaRPr>
+          </a:p>
+        </p:txBody>
+      </p:sp>
+      <p:sp>
+        <p:nvSpPr>
+          <p:cNvPr id="6" name="Прямоугольник 5"/>
+          <p:cNvSpPr/>
+          <p:nvPr/>
+        </p:nvSpPr>
+        <p:spPr>
+          <a:xfrm>
+            <a:off x="3414712" y="4950000"/>
+            <a:ext cx="17553294" cy="7250400"/>
+          </a:xfrm>
+          <a:prstGeom prst="rect">
+            <a:avLst/>
+          </a:prstGeom>
+          <a:solidFill>
+            <a:schemeClr val="tx2"/>
+          </a:solidFill>
+          <a:ln w="50800">
+            <a:solidFill>
+              <a:schemeClr val="tx1"/>
+            </a:solidFill>
+          </a:ln>
+        </p:spPr>
+        <p:style>
+          <a:lnRef idx="2">
+            <a:schemeClr val="accent1">
+              <a:shade val="50000"/>
+            </a:schemeClr>
+          </a:lnRef>
+          <a:fillRef idx="1">
+            <a:schemeClr val="accent1"/>
+          </a:fillRef>
+          <a:effectRef idx="0">
+            <a:schemeClr val="accent1"/>
+          </a:effectRef>
+          <a:fontRef idx="minor">
+            <a:schemeClr val="lt1"/>
+          </a:fontRef>
+        </p:style>
+        <p:txBody>
+          <a:bodyPr rtlCol="0" anchor="ctr"/>
+          <a:lstStyle/>
+          <a:p>
+            <a:pPr algn="ctr"/>
+            <a:r>
+              <a:rPr lang="en-US" sz="7200" dirty="0" smtClean="0">
+                <a:solidFill>
+                  <a:schemeClr val="tx1"/>
+                </a:solidFill>
+              </a:rPr>
+              <a:t>Billing</a:t>
+            </a:r>
+            <a:endParaRPr lang="ru-RU" sz="7200" dirty="0">
+              <a:solidFill>
+                <a:schemeClr val="tx1"/>
+              </a:solidFill>
+            </a:endParaRPr>
+          </a:p>
+        </p:txBody>
+      </p:sp>
+      <p:sp>
+        <p:nvSpPr>
+          <p:cNvPr id="7" name="TextBox 6"/>
+          <p:cNvSpPr txBox="1"/>
+          <p:nvPr/>
+        </p:nvSpPr>
+        <p:spPr>
+          <a:xfrm>
+            <a:off x="10533369" y="3805200"/>
+            <a:ext cx="3350597" cy="861774"/>
+          </a:xfrm>
+          <a:prstGeom prst="rect">
+            <a:avLst/>
+          </a:prstGeom>
+          <a:noFill/>
+        </p:spPr>
+        <p:txBody>
+          <a:bodyPr wrap="none" rtlCol="0">
+            <a:spAutoFit/>
+          </a:bodyPr>
+          <a:lstStyle/>
+          <a:p>
+            <a:pPr algn="ctr"/>
+            <a:r>
+              <a:rPr lang="en-US" sz="4800" dirty="0" smtClean="0">
+                <a:solidFill>
+                  <a:sysClr val="windowText" lastClr="000000"/>
+                </a:solidFill>
+              </a:rPr>
+              <a:t>Production</a:t>
+            </a:r>
+            <a:endParaRPr lang="ru-RU" sz="4800" dirty="0" err="1" smtClean="0">
+              <a:solidFill>
+                <a:sysClr val="windowText" lastClr="000000"/>
               </a:solidFill>
             </a:endParaRPr>
           </a:p>
@@ -29234,9 +30914,88 @@
   <p:timing>
     <p:tnLst>
       <p:par>
-        <p:cTn id="1" dur="indefinite" restart="never" nodeType="tmRoot"/>
+        <p:cTn id="1" dur="indefinite" restart="never" nodeType="tmRoot">
+          <p:childTnLst>
+            <p:seq concurrent="1" nextAc="seek">
+              <p:cTn id="2" dur="indefinite" nodeType="mainSeq">
+                <p:childTnLst>
+                  <p:par>
+                    <p:cTn id="3" fill="hold">
+                      <p:stCondLst>
+                        <p:cond delay="indefinite"/>
+                      </p:stCondLst>
+                      <p:childTnLst>
+                        <p:par>
+                          <p:cTn id="4" fill="hold">
+                            <p:stCondLst>
+                              <p:cond delay="0"/>
+                            </p:stCondLst>
+                            <p:childTnLst>
+                              <p:par>
+                                <p:cTn id="5" presetID="4" presetClass="entr" presetSubtype="32" fill="hold" grpId="0" nodeType="clickEffect">
+                                  <p:stCondLst>
+                                    <p:cond delay="0"/>
+                                  </p:stCondLst>
+                                  <p:childTnLst>
+                                    <p:set>
+                                      <p:cBhvr>
+                                        <p:cTn id="6" dur="1" fill="hold">
+                                          <p:stCondLst>
+                                            <p:cond delay="0"/>
+                                          </p:stCondLst>
+                                        </p:cTn>
+                                        <p:tgtEl>
+                                          <p:spTgt spid="6"/>
+                                        </p:tgtEl>
+                                        <p:attrNameLst>
+                                          <p:attrName>style.visibility</p:attrName>
+                                        </p:attrNameLst>
+                                      </p:cBhvr>
+                                      <p:to>
+                                        <p:strVal val="visible"/>
+                                      </p:to>
+                                    </p:set>
+                                    <p:animEffect transition="in" filter="box(out)">
+                                      <p:cBhvr>
+                                        <p:cTn id="7" dur="750"/>
+                                        <p:tgtEl>
+                                          <p:spTgt spid="6"/>
+                                        </p:tgtEl>
+                                      </p:cBhvr>
+                                    </p:animEffect>
+                                  </p:childTnLst>
+                                </p:cTn>
+                              </p:par>
+                            </p:childTnLst>
+                          </p:cTn>
+                        </p:par>
+                      </p:childTnLst>
+                    </p:cTn>
+                  </p:par>
+                </p:childTnLst>
+              </p:cTn>
+              <p:prevCondLst>
+                <p:cond evt="onPrev" delay="0">
+                  <p:tgtEl>
+                    <p:sldTgt/>
+                  </p:tgtEl>
+                </p:cond>
+              </p:prevCondLst>
+              <p:nextCondLst>
+                <p:cond evt="onNext" delay="0">
+                  <p:tgtEl>
+                    <p:sldTgt/>
+                  </p:tgtEl>
+                </p:cond>
+              </p:nextCondLst>
+            </p:seq>
+          </p:childTnLst>
+        </p:cTn>
       </p:par>
     </p:tnLst>
+    <p:bldLst>
+      <p:bldP spid="6" grpId="0" animBg="1"/>
+    </p:bldLst>
   </p:timing>
 </p:sld>
 </file>
@@ -29274,8 +31033,12 @@
           <a:lstStyle/>
           <a:p>
             <a:r>
+              <a:rPr lang="en-US" dirty="0" smtClean="0"/>
+              <a:t>Coupling </a:t>
+            </a:r>
+            <a:r>
               <a:rPr lang="ru-RU" dirty="0" smtClean="0"/>
-              <a:t>Добавляем мониторинг</a:t>
+              <a:t>повсюду</a:t>
             </a:r>
             <a:endParaRPr lang="ru-RU" dirty="0"/>
           </a:p>
@@ -29296,7 +31059,7 @@
           <a:bodyPr/>
           <a:lstStyle/>
           <a:p>
-            <a:endParaRPr lang="ru-RU">
+            <a:endParaRPr lang="ru-RU" dirty="0">
               <a:solidFill>
                 <a:srgbClr val="000000"/>
               </a:solidFill>
@@ -29338,6 +31101,1232 @@
       </p:sp>
       <p:sp>
         <p:nvSpPr>
+          <p:cNvPr id="5" name="Объект 4"/>
+          <p:cNvSpPr>
+            <a:spLocks noGrp="1"/>
+          </p:cNvSpPr>
+          <p:nvPr>
+            <p:ph idx="13"/>
+          </p:nvPr>
+        </p:nvSpPr>
+        <p:spPr>
+          <a:xfrm>
+            <a:off x="1" y="3041650"/>
+            <a:ext cx="12192000" cy="9158287"/>
+          </a:xfrm>
+        </p:spPr>
+        <p:txBody>
+          <a:bodyPr/>
+          <a:lstStyle/>
+          <a:p>
+            <a:r>
+              <a:rPr lang="ru-RU" altLang="ru-RU" dirty="0" err="1">
+                <a:solidFill>
+                  <a:srgbClr val="FFFFFF"/>
+                </a:solidFill>
+                <a:latin typeface="Verdana" panose="020B0604030504040204" pitchFamily="34" charset="0"/>
+              </a:rPr>
+              <a:t>class</a:t>
+            </a:r>
+            <a:r>
+              <a:rPr lang="ru-RU" altLang="ru-RU" dirty="0">
+                <a:solidFill>
+                  <a:srgbClr val="FFFFFF"/>
+                </a:solidFill>
+                <a:latin typeface="Verdana" panose="020B0604030504040204" pitchFamily="34" charset="0"/>
+              </a:rPr>
+              <a:t> </a:t>
+            </a:r>
+            <a:r>
+              <a:rPr lang="ru-RU" altLang="ru-RU" dirty="0" err="1">
+                <a:solidFill>
+                  <a:srgbClr val="FFCC00"/>
+                </a:solidFill>
+                <a:latin typeface="Verdana" panose="020B0604030504040204" pitchFamily="34" charset="0"/>
+              </a:rPr>
+              <a:t>Billing</a:t>
+            </a:r>
+            <a:r>
+              <a:rPr lang="ru-RU" altLang="ru-RU" dirty="0">
+                <a:solidFill>
+                  <a:srgbClr val="FFCC00"/>
+                </a:solidFill>
+                <a:latin typeface="Verdana" panose="020B0604030504040204" pitchFamily="34" charset="0"/>
+              </a:rPr>
+              <a:t> </a:t>
+            </a:r>
+            <a:r>
+              <a:rPr lang="ru-RU" altLang="ru-RU" dirty="0">
+                <a:solidFill>
+                  <a:srgbClr val="FFFFFF"/>
+                </a:solidFill>
+                <a:latin typeface="Verdana" panose="020B0604030504040204" pitchFamily="34" charset="0"/>
+              </a:rPr>
+              <a:t>{</a:t>
+            </a:r>
+            <a:br>
+              <a:rPr lang="ru-RU" altLang="ru-RU" dirty="0">
+                <a:solidFill>
+                  <a:srgbClr val="FFFFFF"/>
+                </a:solidFill>
+                <a:latin typeface="Verdana" panose="020B0604030504040204" pitchFamily="34" charset="0"/>
+              </a:rPr>
+            </a:br>
+            <a:r>
+              <a:rPr lang="ru-RU" altLang="ru-RU" dirty="0" err="1">
+                <a:solidFill>
+                  <a:srgbClr val="FFFFFF"/>
+                </a:solidFill>
+                <a:latin typeface="Verdana" panose="020B0604030504040204" pitchFamily="34" charset="0"/>
+              </a:rPr>
+              <a:t>public</a:t>
+            </a:r>
+            <a:r>
+              <a:rPr lang="ru-RU" altLang="ru-RU" dirty="0">
+                <a:solidFill>
+                  <a:srgbClr val="A9B7C6"/>
+                </a:solidFill>
+                <a:latin typeface="Verdana" panose="020B0604030504040204" pitchFamily="34" charset="0"/>
+              </a:rPr>
+              <a:t>:</a:t>
+            </a:r>
+            <a:br>
+              <a:rPr lang="ru-RU" altLang="ru-RU" dirty="0">
+                <a:solidFill>
+                  <a:srgbClr val="A9B7C6"/>
+                </a:solidFill>
+                <a:latin typeface="Verdana" panose="020B0604030504040204" pitchFamily="34" charset="0"/>
+              </a:rPr>
+            </a:br>
+            <a:r>
+              <a:rPr lang="ru-RU" altLang="ru-RU" dirty="0">
+                <a:solidFill>
+                  <a:srgbClr val="A9B7C6"/>
+                </a:solidFill>
+                <a:latin typeface="Verdana" panose="020B0604030504040204" pitchFamily="34" charset="0"/>
+              </a:rPr>
+              <a:t>    </a:t>
+            </a:r>
+            <a:r>
+              <a:rPr lang="ru-RU" altLang="ru-RU" dirty="0" err="1">
+                <a:solidFill>
+                  <a:srgbClr val="FFCC00"/>
+                </a:solidFill>
+                <a:latin typeface="Verdana" panose="020B0604030504040204" pitchFamily="34" charset="0"/>
+              </a:rPr>
+              <a:t>Billing</a:t>
+            </a:r>
+            <a:r>
+              <a:rPr lang="ru-RU" altLang="ru-RU" dirty="0">
+                <a:solidFill>
+                  <a:srgbClr val="FFFFFF"/>
+                </a:solidFill>
+                <a:latin typeface="Verdana" panose="020B0604030504040204" pitchFamily="34" charset="0"/>
+              </a:rPr>
+              <a:t>(</a:t>
+            </a:r>
+            <a:r>
+              <a:rPr lang="ru-RU" altLang="ru-RU" dirty="0" err="1">
+                <a:solidFill>
+                  <a:srgbClr val="FFCC00"/>
+                </a:solidFill>
+                <a:latin typeface="Verdana" panose="020B0604030504040204" pitchFamily="34" charset="0"/>
+              </a:rPr>
+              <a:t>string</a:t>
+            </a:r>
+            <a:r>
+              <a:rPr lang="ru-RU" altLang="ru-RU" dirty="0">
+                <a:solidFill>
+                  <a:srgbClr val="FFCC00"/>
+                </a:solidFill>
+                <a:latin typeface="Verdana" panose="020B0604030504040204" pitchFamily="34" charset="0"/>
+              </a:rPr>
+              <a:t> </a:t>
+            </a:r>
+            <a:r>
+              <a:rPr lang="ru-RU" altLang="ru-RU" dirty="0" err="1">
+                <a:solidFill>
+                  <a:srgbClr val="5BCD9D"/>
+                </a:solidFill>
+                <a:latin typeface="Verdana" panose="020B0604030504040204" pitchFamily="34" charset="0"/>
+              </a:rPr>
+              <a:t>usersDatabase</a:t>
+            </a:r>
+            <a:r>
+              <a:rPr lang="ru-RU" altLang="ru-RU" dirty="0">
+                <a:solidFill>
+                  <a:srgbClr val="FFFFFF"/>
+                </a:solidFill>
+                <a:latin typeface="Verdana" panose="020B0604030504040204" pitchFamily="34" charset="0"/>
+              </a:rPr>
+              <a:t>, </a:t>
+            </a:r>
+            <a:endParaRPr lang="en-US" altLang="ru-RU" dirty="0" smtClean="0">
+              <a:solidFill>
+                <a:srgbClr val="FFFFFF"/>
+              </a:solidFill>
+              <a:latin typeface="Verdana" panose="020B0604030504040204" pitchFamily="34" charset="0"/>
+            </a:endParaRPr>
+          </a:p>
+          <a:p>
+            <a:r>
+              <a:rPr lang="en-US" altLang="ru-RU" dirty="0">
+                <a:solidFill>
+                  <a:srgbClr val="FFFFFF"/>
+                </a:solidFill>
+                <a:latin typeface="Verdana" panose="020B0604030504040204" pitchFamily="34" charset="0"/>
+              </a:rPr>
+              <a:t> </a:t>
+            </a:r>
+            <a:r>
+              <a:rPr lang="en-US" altLang="ru-RU" dirty="0" smtClean="0">
+                <a:solidFill>
+                  <a:srgbClr val="FFFFFF"/>
+                </a:solidFill>
+                <a:latin typeface="Verdana" panose="020B0604030504040204" pitchFamily="34" charset="0"/>
+              </a:rPr>
+              <a:t>             </a:t>
+            </a:r>
+            <a:r>
+              <a:rPr lang="ru-RU" altLang="ru-RU" dirty="0" err="1" smtClean="0">
+                <a:solidFill>
+                  <a:srgbClr val="FFCC00"/>
+                </a:solidFill>
+                <a:latin typeface="Verdana" panose="020B0604030504040204" pitchFamily="34" charset="0"/>
+              </a:rPr>
+              <a:t>string</a:t>
+            </a:r>
+            <a:r>
+              <a:rPr lang="ru-RU" altLang="ru-RU" dirty="0" smtClean="0">
+                <a:solidFill>
+                  <a:srgbClr val="FFCC00"/>
+                </a:solidFill>
+                <a:latin typeface="Verdana" panose="020B0604030504040204" pitchFamily="34" charset="0"/>
+              </a:rPr>
+              <a:t> </a:t>
+            </a:r>
+            <a:r>
+              <a:rPr lang="ru-RU" altLang="ru-RU" dirty="0" err="1">
+                <a:solidFill>
+                  <a:srgbClr val="5BCD9D"/>
+                </a:solidFill>
+                <a:latin typeface="Verdana" panose="020B0604030504040204" pitchFamily="34" charset="0"/>
+              </a:rPr>
+              <a:t>tariffsDatabase</a:t>
+            </a:r>
+            <a:r>
+              <a:rPr lang="ru-RU" altLang="ru-RU" dirty="0" smtClean="0">
+                <a:solidFill>
+                  <a:srgbClr val="FFFFFF"/>
+                </a:solidFill>
+                <a:latin typeface="Verdana" panose="020B0604030504040204" pitchFamily="34" charset="0"/>
+              </a:rPr>
+              <a:t>);</a:t>
+            </a:r>
+          </a:p>
+          <a:p>
+            <a:r>
+              <a:rPr lang="ru-RU" altLang="ru-RU" dirty="0">
+                <a:solidFill>
+                  <a:srgbClr val="FFFFFF"/>
+                </a:solidFill>
+                <a:latin typeface="Verdana" panose="020B0604030504040204" pitchFamily="34" charset="0"/>
+              </a:rPr>
+              <a:t/>
+            </a:r>
+            <a:br>
+              <a:rPr lang="ru-RU" altLang="ru-RU" dirty="0">
+                <a:solidFill>
+                  <a:srgbClr val="FFFFFF"/>
+                </a:solidFill>
+                <a:latin typeface="Verdana" panose="020B0604030504040204" pitchFamily="34" charset="0"/>
+              </a:rPr>
+            </a:br>
+            <a:r>
+              <a:rPr lang="ru-RU" altLang="ru-RU" dirty="0" smtClean="0">
+                <a:solidFill>
+                  <a:srgbClr val="FFFFFF"/>
+                </a:solidFill>
+                <a:latin typeface="Verdana" panose="020B0604030504040204" pitchFamily="34" charset="0"/>
+              </a:rPr>
+              <a:t>    </a:t>
+            </a:r>
+            <a:r>
+              <a:rPr lang="ru-RU" altLang="ru-RU" dirty="0" err="1">
+                <a:solidFill>
+                  <a:srgbClr val="FFFFFF"/>
+                </a:solidFill>
+                <a:latin typeface="Verdana" panose="020B0604030504040204" pitchFamily="34" charset="0"/>
+              </a:rPr>
+              <a:t>void</a:t>
+            </a:r>
+            <a:r>
+              <a:rPr lang="ru-RU" altLang="ru-RU" dirty="0">
+                <a:solidFill>
+                  <a:srgbClr val="FFFFFF"/>
+                </a:solidFill>
+                <a:latin typeface="Verdana" panose="020B0604030504040204" pitchFamily="34" charset="0"/>
+              </a:rPr>
+              <a:t> </a:t>
+            </a:r>
+            <a:r>
+              <a:rPr lang="ru-RU" altLang="ru-RU" dirty="0" err="1">
+                <a:solidFill>
+                  <a:srgbClr val="FFCC00"/>
+                </a:solidFill>
+                <a:latin typeface="Verdana" panose="020B0604030504040204" pitchFamily="34" charset="0"/>
+              </a:rPr>
+              <a:t>ChargePhoneCall</a:t>
+            </a:r>
+            <a:r>
+              <a:rPr lang="ru-RU" altLang="ru-RU" dirty="0">
+                <a:solidFill>
+                  <a:srgbClr val="FFFFFF"/>
+                </a:solidFill>
+                <a:latin typeface="Verdana" panose="020B0604030504040204" pitchFamily="34" charset="0"/>
+              </a:rPr>
+              <a:t>(</a:t>
+            </a:r>
+            <a:r>
+              <a:rPr lang="ru-RU" altLang="ru-RU" dirty="0" err="1">
+                <a:solidFill>
+                  <a:srgbClr val="FFFFFF"/>
+                </a:solidFill>
+                <a:latin typeface="Verdana" panose="020B0604030504040204" pitchFamily="34" charset="0"/>
+              </a:rPr>
+              <a:t>int</a:t>
+            </a:r>
+            <a:r>
+              <a:rPr lang="ru-RU" altLang="ru-RU" dirty="0">
+                <a:solidFill>
+                  <a:srgbClr val="FFFFFF"/>
+                </a:solidFill>
+                <a:latin typeface="Verdana" panose="020B0604030504040204" pitchFamily="34" charset="0"/>
+              </a:rPr>
+              <a:t> </a:t>
+            </a:r>
+            <a:r>
+              <a:rPr lang="ru-RU" altLang="ru-RU" dirty="0" err="1">
+                <a:solidFill>
+                  <a:srgbClr val="5BCD9D"/>
+                </a:solidFill>
+                <a:latin typeface="Verdana" panose="020B0604030504040204" pitchFamily="34" charset="0"/>
+              </a:rPr>
+              <a:t>userId</a:t>
+            </a:r>
+            <a:r>
+              <a:rPr lang="ru-RU" altLang="ru-RU" dirty="0">
+                <a:solidFill>
+                  <a:srgbClr val="FFFFFF"/>
+                </a:solidFill>
+                <a:latin typeface="Verdana" panose="020B0604030504040204" pitchFamily="34" charset="0"/>
+              </a:rPr>
+              <a:t>, </a:t>
+            </a:r>
+            <a:endParaRPr lang="en-US" altLang="ru-RU" dirty="0" smtClean="0">
+              <a:solidFill>
+                <a:srgbClr val="FFFFFF"/>
+              </a:solidFill>
+              <a:latin typeface="Verdana" panose="020B0604030504040204" pitchFamily="34" charset="0"/>
+            </a:endParaRPr>
+          </a:p>
+          <a:p>
+            <a:r>
+              <a:rPr lang="en-US" altLang="ru-RU" dirty="0">
+                <a:solidFill>
+                  <a:srgbClr val="FFFFFF"/>
+                </a:solidFill>
+                <a:latin typeface="Verdana" panose="020B0604030504040204" pitchFamily="34" charset="0"/>
+              </a:rPr>
+              <a:t> </a:t>
+            </a:r>
+            <a:r>
+              <a:rPr lang="en-US" altLang="ru-RU" dirty="0" smtClean="0">
+                <a:solidFill>
+                  <a:srgbClr val="FFFFFF"/>
+                </a:solidFill>
+                <a:latin typeface="Verdana" panose="020B0604030504040204" pitchFamily="34" charset="0"/>
+              </a:rPr>
+              <a:t>                                   </a:t>
+            </a:r>
+            <a:r>
+              <a:rPr lang="ru-RU" altLang="ru-RU" dirty="0" err="1" smtClean="0">
+                <a:solidFill>
+                  <a:srgbClr val="FFFFFF"/>
+                </a:solidFill>
+                <a:latin typeface="Verdana" panose="020B0604030504040204" pitchFamily="34" charset="0"/>
+              </a:rPr>
+              <a:t>int</a:t>
+            </a:r>
+            <a:r>
+              <a:rPr lang="ru-RU" altLang="ru-RU" dirty="0" smtClean="0">
+                <a:solidFill>
+                  <a:srgbClr val="FFFFFF"/>
+                </a:solidFill>
+                <a:latin typeface="Verdana" panose="020B0604030504040204" pitchFamily="34" charset="0"/>
+              </a:rPr>
+              <a:t> </a:t>
+            </a:r>
+            <a:r>
+              <a:rPr lang="ru-RU" altLang="ru-RU" dirty="0" err="1">
+                <a:solidFill>
+                  <a:srgbClr val="5BCD9D"/>
+                </a:solidFill>
+                <a:latin typeface="Verdana" panose="020B0604030504040204" pitchFamily="34" charset="0"/>
+              </a:rPr>
+              <a:t>minutes</a:t>
+            </a:r>
+            <a:r>
+              <a:rPr lang="ru-RU" altLang="ru-RU" dirty="0">
+                <a:solidFill>
+                  <a:srgbClr val="FFFFFF"/>
+                </a:solidFill>
+                <a:latin typeface="Verdana" panose="020B0604030504040204" pitchFamily="34" charset="0"/>
+              </a:rPr>
+              <a:t>);</a:t>
+            </a:r>
+            <a:br>
+              <a:rPr lang="ru-RU" altLang="ru-RU" dirty="0">
+                <a:solidFill>
+                  <a:srgbClr val="FFFFFF"/>
+                </a:solidFill>
+                <a:latin typeface="Verdana" panose="020B0604030504040204" pitchFamily="34" charset="0"/>
+              </a:rPr>
+            </a:br>
+            <a:r>
+              <a:rPr lang="ru-RU" altLang="ru-RU" dirty="0">
+                <a:solidFill>
+                  <a:srgbClr val="FFFFFF"/>
+                </a:solidFill>
+                <a:latin typeface="Verdana" panose="020B0604030504040204" pitchFamily="34" charset="0"/>
+              </a:rPr>
+              <a:t>    </a:t>
+            </a:r>
+            <a:r>
+              <a:rPr lang="ru-RU" altLang="ru-RU" dirty="0" err="1">
+                <a:solidFill>
+                  <a:srgbClr val="FFFFFF"/>
+                </a:solidFill>
+                <a:latin typeface="Verdana" panose="020B0604030504040204" pitchFamily="34" charset="0"/>
+              </a:rPr>
+              <a:t>void</a:t>
+            </a:r>
+            <a:r>
+              <a:rPr lang="ru-RU" altLang="ru-RU" dirty="0">
+                <a:solidFill>
+                  <a:srgbClr val="FFFFFF"/>
+                </a:solidFill>
+                <a:latin typeface="Verdana" panose="020B0604030504040204" pitchFamily="34" charset="0"/>
+              </a:rPr>
+              <a:t> </a:t>
+            </a:r>
+            <a:r>
+              <a:rPr lang="ru-RU" altLang="ru-RU" dirty="0" err="1">
+                <a:solidFill>
+                  <a:srgbClr val="FFCC00"/>
+                </a:solidFill>
+                <a:latin typeface="Verdana" panose="020B0604030504040204" pitchFamily="34" charset="0"/>
+              </a:rPr>
+              <a:t>AddMoney</a:t>
+            </a:r>
+            <a:r>
+              <a:rPr lang="ru-RU" altLang="ru-RU" dirty="0">
+                <a:solidFill>
+                  <a:srgbClr val="FFFFFF"/>
+                </a:solidFill>
+                <a:latin typeface="Verdana" panose="020B0604030504040204" pitchFamily="34" charset="0"/>
+              </a:rPr>
+              <a:t>(</a:t>
+            </a:r>
+            <a:r>
+              <a:rPr lang="ru-RU" altLang="ru-RU" dirty="0" err="1">
+                <a:solidFill>
+                  <a:srgbClr val="FFFFFF"/>
+                </a:solidFill>
+                <a:latin typeface="Verdana" panose="020B0604030504040204" pitchFamily="34" charset="0"/>
+              </a:rPr>
+              <a:t>int</a:t>
+            </a:r>
+            <a:r>
+              <a:rPr lang="ru-RU" altLang="ru-RU" dirty="0">
+                <a:solidFill>
+                  <a:srgbClr val="FFFFFF"/>
+                </a:solidFill>
+                <a:latin typeface="Verdana" panose="020B0604030504040204" pitchFamily="34" charset="0"/>
+              </a:rPr>
+              <a:t> </a:t>
+            </a:r>
+            <a:r>
+              <a:rPr lang="ru-RU" altLang="ru-RU" dirty="0" err="1">
+                <a:solidFill>
+                  <a:srgbClr val="5BCD9D"/>
+                </a:solidFill>
+                <a:latin typeface="Verdana" panose="020B0604030504040204" pitchFamily="34" charset="0"/>
+              </a:rPr>
+              <a:t>userId</a:t>
+            </a:r>
+            <a:r>
+              <a:rPr lang="ru-RU" altLang="ru-RU" dirty="0">
+                <a:solidFill>
+                  <a:srgbClr val="FFFFFF"/>
+                </a:solidFill>
+                <a:latin typeface="Verdana" panose="020B0604030504040204" pitchFamily="34" charset="0"/>
+              </a:rPr>
+              <a:t>, </a:t>
+            </a:r>
+            <a:r>
+              <a:rPr lang="ru-RU" altLang="ru-RU" dirty="0" err="1">
+                <a:solidFill>
+                  <a:srgbClr val="FFFFFF"/>
+                </a:solidFill>
+                <a:latin typeface="Verdana" panose="020B0604030504040204" pitchFamily="34" charset="0"/>
+              </a:rPr>
+              <a:t>int</a:t>
+            </a:r>
+            <a:r>
+              <a:rPr lang="ru-RU" altLang="ru-RU" dirty="0">
+                <a:solidFill>
+                  <a:srgbClr val="FFFFFF"/>
+                </a:solidFill>
+                <a:latin typeface="Verdana" panose="020B0604030504040204" pitchFamily="34" charset="0"/>
+              </a:rPr>
+              <a:t> </a:t>
+            </a:r>
+            <a:r>
+              <a:rPr lang="ru-RU" altLang="ru-RU" dirty="0" err="1">
+                <a:solidFill>
+                  <a:srgbClr val="5BCD9D"/>
+                </a:solidFill>
+                <a:latin typeface="Verdana" panose="020B0604030504040204" pitchFamily="34" charset="0"/>
+              </a:rPr>
+              <a:t>rubles</a:t>
+            </a:r>
+            <a:r>
+              <a:rPr lang="ru-RU" altLang="ru-RU" dirty="0">
+                <a:solidFill>
+                  <a:srgbClr val="FFFFFF"/>
+                </a:solidFill>
+                <a:latin typeface="Verdana" panose="020B0604030504040204" pitchFamily="34" charset="0"/>
+              </a:rPr>
+              <a:t>);</a:t>
+            </a:r>
+            <a:br>
+              <a:rPr lang="ru-RU" altLang="ru-RU" dirty="0">
+                <a:solidFill>
+                  <a:srgbClr val="FFFFFF"/>
+                </a:solidFill>
+                <a:latin typeface="Verdana" panose="020B0604030504040204" pitchFamily="34" charset="0"/>
+              </a:rPr>
+            </a:br>
+            <a:r>
+              <a:rPr lang="en-US" altLang="ru-RU" dirty="0" smtClean="0">
+                <a:solidFill>
+                  <a:srgbClr val="FFFFFF"/>
+                </a:solidFill>
+                <a:latin typeface="Verdana" panose="020B0604030504040204" pitchFamily="34" charset="0"/>
+                <a:ea typeface="Verdana" panose="020B0604030504040204" pitchFamily="34" charset="0"/>
+                <a:cs typeface="Verdana" panose="020B0604030504040204" pitchFamily="34" charset="0"/>
+              </a:rPr>
+              <a:t>};</a:t>
+            </a:r>
+            <a:endParaRPr lang="ru-RU" altLang="ru-RU" dirty="0">
+              <a:solidFill>
+                <a:schemeClr val="tx1"/>
+              </a:solidFill>
+              <a:latin typeface="Verdana" panose="020B0604030504040204" pitchFamily="34" charset="0"/>
+              <a:ea typeface="Verdana" panose="020B0604030504040204" pitchFamily="34" charset="0"/>
+              <a:cs typeface="Verdana" panose="020B0604030504040204" pitchFamily="34" charset="0"/>
+            </a:endParaRPr>
+          </a:p>
+          <a:p>
+            <a:endParaRPr lang="ru-RU" dirty="0"/>
+          </a:p>
+        </p:txBody>
+      </p:sp>
+      <p:sp>
+        <p:nvSpPr>
+          <p:cNvPr id="14" name="Объект 10"/>
+          <p:cNvSpPr txBox="1">
+            <a:spLocks/>
+          </p:cNvSpPr>
+          <p:nvPr/>
+        </p:nvSpPr>
+        <p:spPr>
+          <a:xfrm>
+            <a:off x="12954406" y="3047400"/>
+            <a:ext cx="10302875" cy="9158288"/>
+          </a:xfrm>
+          <a:prstGeom prst="rect">
+            <a:avLst/>
+          </a:prstGeom>
+        </p:spPr>
+        <p:txBody>
+          <a:bodyPr vert="horz" lIns="0" tIns="45720" rIns="91440" bIns="45720" rtlCol="0" anchor="ctr">
+            <a:noAutofit/>
+          </a:bodyPr>
+          <a:lstStyle>
+            <a:lvl1pPr marL="0" indent="0" algn="l" defTabSz="1828709" rtl="0" eaLnBrk="1" latinLnBrk="0" hangingPunct="1">
+              <a:lnSpc>
+                <a:spcPts val="6000"/>
+              </a:lnSpc>
+              <a:spcBef>
+                <a:spcPts val="3000"/>
+              </a:spcBef>
+              <a:spcAft>
+                <a:spcPts val="3000"/>
+              </a:spcAft>
+              <a:buFontTx/>
+              <a:buNone/>
+              <a:defRPr sz="4800" kern="1200">
+                <a:solidFill>
+                  <a:schemeClr val="tx1"/>
+                </a:solidFill>
+                <a:latin typeface="Yandex Sans Text Light" panose="02000000000000000000" pitchFamily="2" charset="-52"/>
+                <a:ea typeface="+mn-ea"/>
+                <a:cs typeface="+mn-cs"/>
+              </a:defRPr>
+            </a:lvl1pPr>
+            <a:lvl2pPr marL="0" indent="-720000" algn="l" defTabSz="1908000" rtl="0" eaLnBrk="1" latinLnBrk="0" hangingPunct="1">
+              <a:lnSpc>
+                <a:spcPts val="6000"/>
+              </a:lnSpc>
+              <a:spcBef>
+                <a:spcPts val="0"/>
+              </a:spcBef>
+              <a:spcAft>
+                <a:spcPts val="0"/>
+              </a:spcAft>
+              <a:buClr>
+                <a:schemeClr val="tx2"/>
+              </a:buClr>
+              <a:buSzPct val="120000"/>
+              <a:buFont typeface="Impact" panose="020B0806030902050204" pitchFamily="34" charset="0"/>
+              <a:buChar char="▌"/>
+              <a:defRPr sz="4800" kern="1200" baseline="0">
+                <a:solidFill>
+                  <a:schemeClr val="tx1"/>
+                </a:solidFill>
+                <a:latin typeface="Yandex Sans Text Regular" pitchFamily="2" charset="-52"/>
+                <a:ea typeface="+mn-ea"/>
+                <a:cs typeface="+mn-cs"/>
+              </a:defRPr>
+            </a:lvl2pPr>
+            <a:lvl3pPr marL="1512000" indent="-720000" algn="l" defTabSz="1828709" rtl="0" eaLnBrk="1" latinLnBrk="0" hangingPunct="1">
+              <a:lnSpc>
+                <a:spcPts val="6000"/>
+              </a:lnSpc>
+              <a:spcBef>
+                <a:spcPts val="3000"/>
+              </a:spcBef>
+              <a:spcAft>
+                <a:spcPts val="0"/>
+              </a:spcAft>
+              <a:buSzPct val="150000"/>
+              <a:buFont typeface="Yandex Sans Text Light" panose="02000000000000000000" pitchFamily="2" charset="-52"/>
+              <a:buChar char="›"/>
+              <a:defRPr sz="4800" kern="1200" baseline="0">
+                <a:solidFill>
+                  <a:schemeClr val="tx1"/>
+                </a:solidFill>
+                <a:latin typeface="Yandex Sans Text Light" panose="02000000000000000000" pitchFamily="2" charset="-52"/>
+                <a:ea typeface="+mn-ea"/>
+                <a:cs typeface="+mn-cs"/>
+              </a:defRPr>
+            </a:lvl3pPr>
+            <a:lvl4pPr marL="1512000" indent="-720000" algn="l" defTabSz="1828709" rtl="0" eaLnBrk="1" latinLnBrk="0" hangingPunct="1">
+              <a:lnSpc>
+                <a:spcPts val="6000"/>
+              </a:lnSpc>
+              <a:spcBef>
+                <a:spcPts val="3000"/>
+              </a:spcBef>
+              <a:spcAft>
+                <a:spcPts val="0"/>
+              </a:spcAft>
+              <a:buFont typeface="+mj-lt"/>
+              <a:buAutoNum type="arabicPeriod"/>
+              <a:defRPr sz="4800" kern="1200">
+                <a:solidFill>
+                  <a:schemeClr val="tx1"/>
+                </a:solidFill>
+                <a:latin typeface="Yandex Sans Text Light" panose="02000000000000000000" pitchFamily="2" charset="-52"/>
+                <a:ea typeface="+mn-ea"/>
+                <a:cs typeface="+mn-cs"/>
+              </a:defRPr>
+            </a:lvl4pPr>
+            <a:lvl5pPr marL="0" indent="0" algn="l" defTabSz="1828709" rtl="0" eaLnBrk="1" latinLnBrk="0" hangingPunct="1">
+              <a:lnSpc>
+                <a:spcPct val="90000"/>
+              </a:lnSpc>
+              <a:spcBef>
+                <a:spcPts val="1000"/>
+              </a:spcBef>
+              <a:buFontTx/>
+              <a:buNone/>
+              <a:defRPr sz="5000" kern="1200">
+                <a:solidFill>
+                  <a:schemeClr val="tx1"/>
+                </a:solidFill>
+                <a:latin typeface="+mn-lt"/>
+                <a:ea typeface="+mn-ea"/>
+                <a:cs typeface="+mn-cs"/>
+              </a:defRPr>
+            </a:lvl5pPr>
+            <a:lvl6pPr marL="5028949" indent="-457177" algn="l" defTabSz="1828709" rtl="0" eaLnBrk="1" latinLnBrk="0" hangingPunct="1">
+              <a:lnSpc>
+                <a:spcPct val="90000"/>
+              </a:lnSpc>
+              <a:spcBef>
+                <a:spcPts val="1000"/>
+              </a:spcBef>
+              <a:buFont typeface="Arial" panose="020B0604020202020204" pitchFamily="34" charset="0"/>
+              <a:buChar char="•"/>
+              <a:defRPr sz="3600" kern="1200">
+                <a:solidFill>
+                  <a:schemeClr val="tx1"/>
+                </a:solidFill>
+                <a:latin typeface="+mn-lt"/>
+                <a:ea typeface="+mn-ea"/>
+                <a:cs typeface="+mn-cs"/>
+              </a:defRPr>
+            </a:lvl6pPr>
+            <a:lvl7pPr marL="5943303" indent="-457177" algn="l" defTabSz="1828709" rtl="0" eaLnBrk="1" latinLnBrk="0" hangingPunct="1">
+              <a:lnSpc>
+                <a:spcPct val="90000"/>
+              </a:lnSpc>
+              <a:spcBef>
+                <a:spcPts val="1000"/>
+              </a:spcBef>
+              <a:buFont typeface="Arial" panose="020B0604020202020204" pitchFamily="34" charset="0"/>
+              <a:buChar char="•"/>
+              <a:defRPr sz="3600" kern="1200">
+                <a:solidFill>
+                  <a:schemeClr val="tx1"/>
+                </a:solidFill>
+                <a:latin typeface="+mn-lt"/>
+                <a:ea typeface="+mn-ea"/>
+                <a:cs typeface="+mn-cs"/>
+              </a:defRPr>
+            </a:lvl7pPr>
+            <a:lvl8pPr marL="6857657" indent="-457177" algn="l" defTabSz="1828709" rtl="0" eaLnBrk="1" latinLnBrk="0" hangingPunct="1">
+              <a:lnSpc>
+                <a:spcPct val="90000"/>
+              </a:lnSpc>
+              <a:spcBef>
+                <a:spcPts val="1000"/>
+              </a:spcBef>
+              <a:buFont typeface="Arial" panose="020B0604020202020204" pitchFamily="34" charset="0"/>
+              <a:buChar char="•"/>
+              <a:defRPr sz="3600" kern="1200">
+                <a:solidFill>
+                  <a:schemeClr val="tx1"/>
+                </a:solidFill>
+                <a:latin typeface="+mn-lt"/>
+                <a:ea typeface="+mn-ea"/>
+                <a:cs typeface="+mn-cs"/>
+              </a:defRPr>
+            </a:lvl8pPr>
+            <a:lvl9pPr marL="7772011" indent="-457177" algn="l" defTabSz="1828709" rtl="0" eaLnBrk="1" latinLnBrk="0" hangingPunct="1">
+              <a:lnSpc>
+                <a:spcPct val="90000"/>
+              </a:lnSpc>
+              <a:spcBef>
+                <a:spcPts val="1000"/>
+              </a:spcBef>
+              <a:buFont typeface="Arial" panose="020B0604020202020204" pitchFamily="34" charset="0"/>
+              <a:buChar char="•"/>
+              <a:defRPr sz="3600" kern="1200">
+                <a:solidFill>
+                  <a:schemeClr val="tx1"/>
+                </a:solidFill>
+                <a:latin typeface="+mn-lt"/>
+                <a:ea typeface="+mn-ea"/>
+                <a:cs typeface="+mn-cs"/>
+              </a:defRPr>
+            </a:lvl9pPr>
+          </a:lstStyle>
+          <a:p>
+            <a:pPr marL="0" marR="0" lvl="1" indent="-720000" algn="l" defTabSz="1908000" rtl="0" eaLnBrk="1" fontAlgn="auto" latinLnBrk="0" hangingPunct="1">
+              <a:lnSpc>
+                <a:spcPts val="6000"/>
+              </a:lnSpc>
+              <a:spcBef>
+                <a:spcPts val="0"/>
+              </a:spcBef>
+              <a:spcAft>
+                <a:spcPts val="0"/>
+              </a:spcAft>
+              <a:buClr>
+                <a:srgbClr val="FFCC00"/>
+              </a:buClr>
+              <a:buSzPct val="120000"/>
+              <a:buFont typeface="Impact" panose="020B0806030902050204" pitchFamily="34" charset="0"/>
+              <a:buChar char="▌"/>
+              <a:tabLst/>
+              <a:defRPr/>
+            </a:pPr>
+            <a:r>
+              <a:rPr kumimoji="0" lang="ru-RU" sz="4800" b="0" i="0" u="none" strike="noStrike" kern="1200" cap="none" spc="0" normalizeH="0" baseline="0" noProof="0" dirty="0" smtClean="0">
+                <a:ln>
+                  <a:noFill/>
+                </a:ln>
+                <a:solidFill>
+                  <a:srgbClr val="000000"/>
+                </a:solidFill>
+                <a:effectLst/>
+                <a:uLnTx/>
+                <a:uFillTx/>
+                <a:latin typeface="Yandex Sans Text Regular" pitchFamily="2" charset="-52"/>
+                <a:ea typeface="+mn-ea"/>
+                <a:cs typeface="+mn-cs"/>
+              </a:rPr>
+              <a:t>Загрузка пользователей из БД</a:t>
+            </a:r>
+            <a:endParaRPr kumimoji="0" lang="en-US" sz="4800" b="0" i="0" u="none" strike="noStrike" kern="1200" cap="none" spc="0" normalizeH="0" baseline="0" noProof="0" dirty="0" smtClean="0">
+              <a:ln>
+                <a:noFill/>
+              </a:ln>
+              <a:solidFill>
+                <a:srgbClr val="000000"/>
+              </a:solidFill>
+              <a:effectLst/>
+              <a:uLnTx/>
+              <a:uFillTx/>
+              <a:latin typeface="Yandex Sans Text Regular" pitchFamily="2" charset="-52"/>
+              <a:ea typeface="+mn-ea"/>
+              <a:cs typeface="+mn-cs"/>
+            </a:endParaRPr>
+          </a:p>
+          <a:p>
+            <a:pPr marL="0" marR="0" lvl="1" indent="-720000" algn="l" defTabSz="1908000" rtl="0" eaLnBrk="1" fontAlgn="auto" latinLnBrk="0" hangingPunct="1">
+              <a:lnSpc>
+                <a:spcPts val="6000"/>
+              </a:lnSpc>
+              <a:spcBef>
+                <a:spcPts val="0"/>
+              </a:spcBef>
+              <a:spcAft>
+                <a:spcPts val="0"/>
+              </a:spcAft>
+              <a:buClr>
+                <a:srgbClr val="FFCC00"/>
+              </a:buClr>
+              <a:buSzPct val="120000"/>
+              <a:buFont typeface="Impact" panose="020B0806030902050204" pitchFamily="34" charset="0"/>
+              <a:buChar char="▌"/>
+              <a:tabLst/>
+              <a:defRPr/>
+            </a:pPr>
+            <a:endParaRPr kumimoji="0" lang="ru-RU" sz="4800" b="0" i="0" u="none" strike="noStrike" kern="1200" cap="none" spc="0" normalizeH="0" baseline="0" noProof="0" dirty="0" smtClean="0">
+              <a:ln>
+                <a:noFill/>
+              </a:ln>
+              <a:solidFill>
+                <a:srgbClr val="000000"/>
+              </a:solidFill>
+              <a:effectLst/>
+              <a:uLnTx/>
+              <a:uFillTx/>
+              <a:latin typeface="Yandex Sans Text Regular" pitchFamily="2" charset="-52"/>
+              <a:ea typeface="+mn-ea"/>
+              <a:cs typeface="+mn-cs"/>
+            </a:endParaRPr>
+          </a:p>
+          <a:p>
+            <a:pPr marL="0" marR="0" lvl="1" indent="-720000" algn="l" defTabSz="1908000" rtl="0" eaLnBrk="1" fontAlgn="auto" latinLnBrk="0" hangingPunct="1">
+              <a:lnSpc>
+                <a:spcPts val="6000"/>
+              </a:lnSpc>
+              <a:spcBef>
+                <a:spcPts val="0"/>
+              </a:spcBef>
+              <a:spcAft>
+                <a:spcPts val="0"/>
+              </a:spcAft>
+              <a:buClr>
+                <a:srgbClr val="FFCC00"/>
+              </a:buClr>
+              <a:buSzPct val="120000"/>
+              <a:buFont typeface="Impact" panose="020B0806030902050204" pitchFamily="34" charset="0"/>
+              <a:buChar char="▌"/>
+              <a:tabLst/>
+              <a:defRPr/>
+            </a:pPr>
+            <a:r>
+              <a:rPr lang="ru-RU" dirty="0" smtClean="0">
+                <a:solidFill>
+                  <a:srgbClr val="000000"/>
+                </a:solidFill>
+              </a:rPr>
+              <a:t>Загрузка тарифов из БД</a:t>
+            </a:r>
+            <a:endParaRPr lang="en-US" dirty="0" smtClean="0">
+              <a:solidFill>
+                <a:srgbClr val="000000"/>
+              </a:solidFill>
+            </a:endParaRPr>
+          </a:p>
+          <a:p>
+            <a:pPr marL="0" marR="0" lvl="1" indent="-720000" algn="l" defTabSz="1908000" rtl="0" eaLnBrk="1" fontAlgn="auto" latinLnBrk="0" hangingPunct="1">
+              <a:lnSpc>
+                <a:spcPts val="6000"/>
+              </a:lnSpc>
+              <a:spcBef>
+                <a:spcPts val="0"/>
+              </a:spcBef>
+              <a:spcAft>
+                <a:spcPts val="0"/>
+              </a:spcAft>
+              <a:buClr>
+                <a:srgbClr val="FFCC00"/>
+              </a:buClr>
+              <a:buSzPct val="120000"/>
+              <a:buFont typeface="Impact" panose="020B0806030902050204" pitchFamily="34" charset="0"/>
+              <a:buChar char="▌"/>
+              <a:tabLst/>
+              <a:defRPr/>
+            </a:pPr>
+            <a:endParaRPr lang="ru-RU" dirty="0" smtClean="0">
+              <a:solidFill>
+                <a:srgbClr val="000000"/>
+              </a:solidFill>
+            </a:endParaRPr>
+          </a:p>
+          <a:p>
+            <a:pPr marL="0" marR="0" lvl="1" indent="-720000" algn="l" defTabSz="1908000" rtl="0" eaLnBrk="1" fontAlgn="auto" latinLnBrk="0" hangingPunct="1">
+              <a:lnSpc>
+                <a:spcPts val="6000"/>
+              </a:lnSpc>
+              <a:spcBef>
+                <a:spcPts val="0"/>
+              </a:spcBef>
+              <a:spcAft>
+                <a:spcPts val="0"/>
+              </a:spcAft>
+              <a:buClr>
+                <a:srgbClr val="FFCC00"/>
+              </a:buClr>
+              <a:buSzPct val="120000"/>
+              <a:buFont typeface="Impact" panose="020B0806030902050204" pitchFamily="34" charset="0"/>
+              <a:buChar char="▌"/>
+              <a:tabLst/>
+              <a:defRPr/>
+            </a:pPr>
+            <a:r>
+              <a:rPr kumimoji="0" lang="ru-RU" sz="4800" b="0" i="0" u="none" strike="noStrike" kern="1200" cap="none" spc="0" normalizeH="0" baseline="0" noProof="0" dirty="0" smtClean="0">
+                <a:ln>
+                  <a:noFill/>
+                </a:ln>
+                <a:solidFill>
+                  <a:srgbClr val="000000"/>
+                </a:solidFill>
+                <a:effectLst/>
+                <a:uLnTx/>
+                <a:uFillTx/>
+                <a:latin typeface="Yandex Sans Text Regular" pitchFamily="2" charset="-52"/>
+                <a:ea typeface="+mn-ea"/>
+                <a:cs typeface="+mn-cs"/>
+              </a:rPr>
+              <a:t>Расчёт стоимости звонка</a:t>
+            </a:r>
+            <a:endParaRPr kumimoji="0" lang="en-US" sz="4800" b="0" i="0" u="none" strike="noStrike" kern="1200" cap="none" spc="0" normalizeH="0" baseline="0" noProof="0" dirty="0" smtClean="0">
+              <a:ln>
+                <a:noFill/>
+              </a:ln>
+              <a:solidFill>
+                <a:srgbClr val="000000"/>
+              </a:solidFill>
+              <a:effectLst/>
+              <a:uLnTx/>
+              <a:uFillTx/>
+              <a:latin typeface="Yandex Sans Text Regular" pitchFamily="2" charset="-52"/>
+              <a:ea typeface="+mn-ea"/>
+              <a:cs typeface="+mn-cs"/>
+            </a:endParaRPr>
+          </a:p>
+          <a:p>
+            <a:pPr marL="0" marR="0" lvl="1" indent="-720000" algn="l" defTabSz="1908000" rtl="0" eaLnBrk="1" fontAlgn="auto" latinLnBrk="0" hangingPunct="1">
+              <a:lnSpc>
+                <a:spcPts val="6000"/>
+              </a:lnSpc>
+              <a:spcBef>
+                <a:spcPts val="0"/>
+              </a:spcBef>
+              <a:spcAft>
+                <a:spcPts val="0"/>
+              </a:spcAft>
+              <a:buClr>
+                <a:srgbClr val="FFCC00"/>
+              </a:buClr>
+              <a:buSzPct val="120000"/>
+              <a:buFont typeface="Impact" panose="020B0806030902050204" pitchFamily="34" charset="0"/>
+              <a:buChar char="▌"/>
+              <a:tabLst/>
+              <a:defRPr/>
+            </a:pPr>
+            <a:endParaRPr kumimoji="0" lang="ru-RU" sz="4800" b="0" i="0" u="none" strike="noStrike" kern="1200" cap="none" spc="0" normalizeH="0" baseline="0" noProof="0" dirty="0" smtClean="0">
+              <a:ln>
+                <a:noFill/>
+              </a:ln>
+              <a:solidFill>
+                <a:srgbClr val="000000"/>
+              </a:solidFill>
+              <a:effectLst/>
+              <a:uLnTx/>
+              <a:uFillTx/>
+              <a:latin typeface="Yandex Sans Text Regular" pitchFamily="2" charset="-52"/>
+              <a:ea typeface="+mn-ea"/>
+              <a:cs typeface="+mn-cs"/>
+            </a:endParaRPr>
+          </a:p>
+          <a:p>
+            <a:pPr marL="0" marR="0" lvl="1" indent="-720000" algn="l" defTabSz="1908000" rtl="0" eaLnBrk="1" fontAlgn="auto" latinLnBrk="0" hangingPunct="1">
+              <a:lnSpc>
+                <a:spcPts val="6000"/>
+              </a:lnSpc>
+              <a:spcBef>
+                <a:spcPts val="0"/>
+              </a:spcBef>
+              <a:spcAft>
+                <a:spcPts val="0"/>
+              </a:spcAft>
+              <a:buClr>
+                <a:srgbClr val="FFCC00"/>
+              </a:buClr>
+              <a:buSzPct val="120000"/>
+              <a:buFont typeface="Impact" panose="020B0806030902050204" pitchFamily="34" charset="0"/>
+              <a:buChar char="▌"/>
+              <a:tabLst/>
+              <a:defRPr/>
+            </a:pPr>
+            <a:r>
+              <a:rPr lang="ru-RU" dirty="0" smtClean="0">
+                <a:solidFill>
+                  <a:srgbClr val="000000"/>
+                </a:solidFill>
+              </a:rPr>
+              <a:t>Снятие и добавление денег на счёт пользователя</a:t>
+            </a:r>
+            <a:endParaRPr lang="en-US" dirty="0" smtClean="0">
+              <a:solidFill>
+                <a:srgbClr val="000000"/>
+              </a:solidFill>
+            </a:endParaRPr>
+          </a:p>
+          <a:p>
+            <a:pPr marL="0" marR="0" lvl="1" indent="-720000" algn="l" defTabSz="1908000" rtl="0" eaLnBrk="1" fontAlgn="auto" latinLnBrk="0" hangingPunct="1">
+              <a:lnSpc>
+                <a:spcPts val="6000"/>
+              </a:lnSpc>
+              <a:spcBef>
+                <a:spcPts val="0"/>
+              </a:spcBef>
+              <a:spcAft>
+                <a:spcPts val="0"/>
+              </a:spcAft>
+              <a:buClr>
+                <a:srgbClr val="FFCC00"/>
+              </a:buClr>
+              <a:buSzPct val="120000"/>
+              <a:buFont typeface="Impact" panose="020B0806030902050204" pitchFamily="34" charset="0"/>
+              <a:buChar char="▌"/>
+              <a:tabLst/>
+              <a:defRPr/>
+            </a:pPr>
+            <a:endParaRPr lang="ru-RU" dirty="0" smtClean="0">
+              <a:solidFill>
+                <a:srgbClr val="000000"/>
+              </a:solidFill>
+            </a:endParaRPr>
+          </a:p>
+          <a:p>
+            <a:pPr marL="0" marR="0" lvl="1" indent="-720000" algn="l" defTabSz="1908000" rtl="0" eaLnBrk="1" fontAlgn="auto" latinLnBrk="0" hangingPunct="1">
+              <a:lnSpc>
+                <a:spcPts val="6000"/>
+              </a:lnSpc>
+              <a:spcBef>
+                <a:spcPts val="0"/>
+              </a:spcBef>
+              <a:spcAft>
+                <a:spcPts val="0"/>
+              </a:spcAft>
+              <a:buClr>
+                <a:srgbClr val="FFCC00"/>
+              </a:buClr>
+              <a:buSzPct val="120000"/>
+              <a:buFont typeface="Impact" panose="020B0806030902050204" pitchFamily="34" charset="0"/>
+              <a:buChar char="▌"/>
+              <a:tabLst/>
+              <a:defRPr/>
+            </a:pPr>
+            <a:r>
+              <a:rPr kumimoji="0" lang="ru-RU" sz="4800" b="0" i="0" u="none" strike="noStrike" kern="1200" cap="none" spc="0" normalizeH="0" baseline="0" noProof="0" dirty="0" smtClean="0">
+                <a:ln>
+                  <a:noFill/>
+                </a:ln>
+                <a:solidFill>
+                  <a:srgbClr val="000000"/>
+                </a:solidFill>
+                <a:effectLst/>
+                <a:uLnTx/>
+                <a:uFillTx/>
+                <a:latin typeface="Yandex Sans Text Regular" pitchFamily="2" charset="-52"/>
+                <a:ea typeface="+mn-ea"/>
+                <a:cs typeface="+mn-cs"/>
+              </a:rPr>
+              <a:t>Отправка </a:t>
+            </a:r>
+            <a:r>
+              <a:rPr kumimoji="0" lang="en-US" sz="4800" b="0" i="0" u="none" strike="noStrike" kern="1200" cap="none" spc="0" normalizeH="0" baseline="0" noProof="0" dirty="0" smtClean="0">
+                <a:ln>
+                  <a:noFill/>
+                </a:ln>
+                <a:solidFill>
+                  <a:srgbClr val="000000"/>
+                </a:solidFill>
+                <a:effectLst/>
+                <a:uLnTx/>
+                <a:uFillTx/>
+                <a:latin typeface="Yandex Sans Text Regular" pitchFamily="2" charset="-52"/>
+                <a:ea typeface="+mn-ea"/>
+                <a:cs typeface="+mn-cs"/>
+              </a:rPr>
+              <a:t>SMS</a:t>
+            </a:r>
+            <a:endParaRPr kumimoji="0" lang="ru-RU" sz="4800" b="0" i="0" u="none" strike="noStrike" kern="1200" cap="none" spc="0" normalizeH="0" baseline="0" noProof="0" dirty="0">
+              <a:ln>
+                <a:noFill/>
+              </a:ln>
+              <a:solidFill>
+                <a:srgbClr val="000000"/>
+              </a:solidFill>
+              <a:effectLst/>
+              <a:uLnTx/>
+              <a:uFillTx/>
+              <a:latin typeface="Yandex Sans Text Regular" pitchFamily="2" charset="-52"/>
+              <a:ea typeface="+mn-ea"/>
+              <a:cs typeface="+mn-cs"/>
+            </a:endParaRPr>
+          </a:p>
+        </p:txBody>
+      </p:sp>
+    </p:spTree>
+    <p:extLst>
+      <p:ext uri="{BB962C8B-B14F-4D97-AF65-F5344CB8AC3E}">
+        <p14:creationId xmlns:p14="http://schemas.microsoft.com/office/powerpoint/2010/main" val="1117960013"/>
+      </p:ext>
+    </p:extLst>
+  </p:cSld>
+  <p:clrMapOvr>
+    <a:masterClrMapping/>
+  </p:clrMapOvr>
+  <p:timing>
+    <p:tnLst>
+      <p:par>
+        <p:cTn id="1" dur="indefinite" restart="never" nodeType="tmRoot"/>
+      </p:par>
+    </p:tnLst>
+  </p:timing>
+</p:sld>
+</file>
+
+<file path=ppt/slides/slide27.xml><?xml version="1.0" encoding="utf-8"?>
+<p:sld xmlns:a="http://schemas.openxmlformats.org/drawingml/2006/main" xmlns:r="http://schemas.openxmlformats.org/officeDocument/2006/relationships" xmlns:p="http://schemas.openxmlformats.org/presentationml/2006/main">
+  <p:cSld>
+    <p:spTree>
+      <p:nvGrpSpPr>
+        <p:cNvPr id="1" name=""/>
+        <p:cNvGrpSpPr/>
+        <p:nvPr/>
+      </p:nvGrpSpPr>
+      <p:grpSpPr>
+        <a:xfrm>
+          <a:off x="0" y="0"/>
+          <a:ext cx="0" cy="0"/>
+          <a:chOff x="0" y="0"/>
+          <a:chExt cx="0" cy="0"/>
+        </a:xfrm>
+      </p:grpSpPr>
+      <p:sp>
+        <p:nvSpPr>
+          <p:cNvPr id="2" name="Заголовок 1"/>
+          <p:cNvSpPr>
+            <a:spLocks noGrp="1"/>
+          </p:cNvSpPr>
+          <p:nvPr>
+            <p:ph type="title"/>
+          </p:nvPr>
+        </p:nvSpPr>
+        <p:spPr/>
+        <p:txBody>
+          <a:bodyPr/>
+          <a:lstStyle/>
+          <a:p>
+            <a:r>
+              <a:rPr lang="ru-RU" dirty="0" smtClean="0"/>
+              <a:t>Добавляем мониторинг</a:t>
+            </a:r>
+            <a:endParaRPr lang="ru-RU" dirty="0"/>
+          </a:p>
+        </p:txBody>
+      </p:sp>
+      <p:sp>
+        <p:nvSpPr>
+          <p:cNvPr id="3" name="Нижний колонтитул 2"/>
+          <p:cNvSpPr>
+            <a:spLocks noGrp="1"/>
+          </p:cNvSpPr>
+          <p:nvPr>
+            <p:ph type="ftr" sz="quarter" idx="11"/>
+          </p:nvPr>
+        </p:nvSpPr>
+        <p:spPr/>
+        <p:txBody>
+          <a:bodyPr/>
+          <a:lstStyle/>
+          <a:p>
+            <a:endParaRPr lang="ru-RU">
+              <a:solidFill>
+                <a:srgbClr val="000000"/>
+              </a:solidFill>
+            </a:endParaRPr>
+          </a:p>
+        </p:txBody>
+      </p:sp>
+      <p:sp>
+        <p:nvSpPr>
+          <p:cNvPr id="4" name="Номер слайда 3"/>
+          <p:cNvSpPr>
+            <a:spLocks noGrp="1"/>
+          </p:cNvSpPr>
+          <p:nvPr>
+            <p:ph type="sldNum" sz="quarter" idx="12"/>
+          </p:nvPr>
+        </p:nvSpPr>
+        <p:spPr/>
+        <p:txBody>
+          <a:bodyPr/>
+          <a:lstStyle/>
+          <a:p>
+            <a:fld id="{741C03D3-FA44-40EC-9A21-1FC4FEA3E22E}" type="slidenum">
+              <a:rPr lang="ru-RU" smtClean="0">
+                <a:solidFill>
+                  <a:srgbClr val="000000"/>
+                </a:solidFill>
+              </a:rPr>
+              <a:pPr/>
+              <a:t>27</a:t>
+            </a:fld>
+            <a:endParaRPr lang="ru-RU">
+              <a:solidFill>
+                <a:srgbClr val="000000"/>
+              </a:solidFill>
+            </a:endParaRPr>
+          </a:p>
+        </p:txBody>
+      </p:sp>
+      <p:sp>
+        <p:nvSpPr>
           <p:cNvPr id="6" name="Объект 5"/>
           <p:cNvSpPr>
             <a:spLocks noGrp="1"/>
@@ -29366,21 +32355,29 @@
           <a:p>
             <a:pPr lvl="1"/>
             <a:r>
+              <a:rPr lang="ru-RU" dirty="0"/>
+              <a:t>количество звонков</a:t>
+            </a:r>
+          </a:p>
+          <a:p>
+            <a:pPr lvl="1"/>
+            <a:r>
               <a:rPr lang="ru-RU" dirty="0" smtClean="0"/>
-              <a:t>суммарную длительность звонков</a:t>
-            </a:r>
-          </a:p>
-          <a:p>
-            <a:pPr lvl="1"/>
+              <a:t>суммарную </a:t>
+            </a:r>
             <a:r>
               <a:rPr lang="ru-RU" dirty="0" smtClean="0"/>
-              <a:t>количество звонков</a:t>
+              <a:t>длительность звонков</a:t>
             </a:r>
           </a:p>
           <a:p>
             <a:r>
               <a:rPr lang="ru-RU" dirty="0" smtClean="0"/>
-              <a:t>Статистики надо выводить в </a:t>
+              <a:t>Статистики </a:t>
+            </a:r>
+            <a:r>
+              <a:rPr lang="ru-RU" dirty="0" smtClean="0"/>
+              <a:t>надо выводить в </a:t>
             </a:r>
             <a:r>
               <a:rPr lang="en-US" dirty="0" err="1" smtClean="0"/>
@@ -29457,20 +32454,22 @@
       </p:sp>
       <p:sp>
         <p:nvSpPr>
-          <p:cNvPr id="8" name="Прямоугольник 7"/>
+          <p:cNvPr id="9" name="Прямоугольник 8"/>
           <p:cNvSpPr/>
           <p:nvPr/>
         </p:nvSpPr>
         <p:spPr>
           <a:xfrm>
-            <a:off x="1141223" y="3040763"/>
-            <a:ext cx="6868257" cy="3816000"/>
+            <a:off x="1124806" y="3805200"/>
+            <a:ext cx="6868257" cy="3052800"/>
           </a:xfrm>
           <a:prstGeom prst="rect">
             <a:avLst/>
           </a:prstGeom>
-          <a:noFill/>
-          <a:ln w="38100">
+          <a:solidFill>
+            <a:schemeClr val="tx2"/>
+          </a:solidFill>
+          <a:ln w="50800">
             <a:solidFill>
               <a:schemeClr val="tx1"/>
             </a:solidFill>
@@ -29503,11 +32502,50 @@
                   <a:schemeClr val="tx1"/>
                 </a:solidFill>
               </a:rPr>
+              <a:t>Billing</a:t>
+            </a:r>
+            <a:endParaRPr lang="ru-RU" sz="4800" dirty="0">
+              <a:solidFill>
+                <a:schemeClr val="tx1"/>
+              </a:solidFill>
+            </a:endParaRPr>
+          </a:p>
+        </p:txBody>
+      </p:sp>
+      <p:sp>
+        <p:nvSpPr>
+          <p:cNvPr id="10" name="TextBox 9"/>
+          <p:cNvSpPr txBox="1"/>
+          <p:nvPr/>
+        </p:nvSpPr>
+        <p:spPr>
+          <a:xfrm>
+            <a:off x="2651206" y="3042000"/>
+            <a:ext cx="3350597" cy="861774"/>
+          </a:xfrm>
+          <a:prstGeom prst="rect">
+            <a:avLst/>
+          </a:prstGeom>
+          <a:noFill/>
+        </p:spPr>
+        <p:txBody>
+          <a:bodyPr wrap="none" rtlCol="0">
+            <a:spAutoFit/>
+          </a:bodyPr>
+          <a:lstStyle/>
+          <a:p>
+            <a:pPr algn="ctr"/>
+            <a:r>
+              <a:rPr lang="en-US" sz="4800" dirty="0" smtClean="0">
+                <a:solidFill>
+                  <a:sysClr val="windowText" lastClr="000000"/>
+                </a:solidFill>
+              </a:rPr>
               <a:t>Production</a:t>
             </a:r>
             <a:endParaRPr lang="ru-RU" sz="4800" dirty="0" err="1" smtClean="0">
               <a:solidFill>
-                <a:schemeClr val="tx1"/>
+                <a:sysClr val="windowText" lastClr="000000"/>
               </a:solidFill>
             </a:endParaRPr>
           </a:p>
@@ -30047,6 +33085,59 @@
                       </p:childTnLst>
                     </p:cTn>
                   </p:par>
+                  <p:par>
+                    <p:cTn id="29" fill="hold">
+                      <p:stCondLst>
+                        <p:cond delay="indefinite"/>
+                      </p:stCondLst>
+                      <p:childTnLst>
+                        <p:par>
+                          <p:cTn id="30" fill="hold">
+                            <p:stCondLst>
+                              <p:cond delay="0"/>
+                            </p:stCondLst>
+                            <p:childTnLst>
+                              <p:par>
+                                <p:cTn id="31" presetID="4" presetClass="entr" presetSubtype="32" fill="hold" grpId="0" nodeType="clickEffect">
+                                  <p:stCondLst>
+                                    <p:cond delay="0"/>
+                                  </p:stCondLst>
+                                  <p:childTnLst>
+                                    <p:set>
+                                      <p:cBhvr>
+                                        <p:cTn id="32" dur="1" fill="hold">
+                                          <p:stCondLst>
+                                            <p:cond delay="0"/>
+                                          </p:stCondLst>
+                                        </p:cTn>
+                                        <p:tgtEl>
+                                          <p:spTgt spid="9"/>
+                                        </p:tgtEl>
+                                        <p:attrNameLst>
+                                          <p:attrName>style.visibility</p:attrName>
+                                        </p:attrNameLst>
+                                      </p:cBhvr>
+                                      <p:to>
+                                        <p:strVal val="visible"/>
+                                      </p:to>
+                                    </p:set>
+                                    <p:animEffect transition="in" filter="box(out)">
+                                      <p:cBhvr>
+                                        <p:cTn id="33" dur="750"/>
+                                        <p:tgtEl>
+                                          <p:spTgt spid="9"/>
+                                        </p:tgtEl>
+                                      </p:cBhvr>
+                                    </p:animEffect>
+                                  </p:childTnLst>
+                                </p:cTn>
+                              </p:par>
+                            </p:childTnLst>
+                          </p:cTn>
+                        </p:par>
+                      </p:childTnLst>
+                    </p:cTn>
+                  </p:par>
                 </p:childTnLst>
               </p:cTn>
               <p:prevCondLst>
@@ -30071,642 +33162,8 @@
     <p:bldLst>
       <p:bldP spid="6" grpId="0" build="p"/>
       <p:bldP spid="7" grpId="0" animBg="1"/>
+      <p:bldP spid="9" grpId="0" animBg="1"/>
     </p:bldLst>
-  </p:timing>
-</p:sld>
-</file>
-
-<file path=ppt/slides/slide27.xml><?xml version="1.0" encoding="utf-8"?>
-<p:sld xmlns:a="http://schemas.openxmlformats.org/drawingml/2006/main" xmlns:r="http://schemas.openxmlformats.org/officeDocument/2006/relationships" xmlns:p="http://schemas.openxmlformats.org/presentationml/2006/main">
-  <p:cSld>
-    <p:spTree>
-      <p:nvGrpSpPr>
-        <p:cNvPr id="1" name=""/>
-        <p:cNvGrpSpPr/>
-        <p:nvPr/>
-      </p:nvGrpSpPr>
-      <p:grpSpPr>
-        <a:xfrm>
-          <a:off x="0" y="0"/>
-          <a:ext cx="0" cy="0"/>
-          <a:chOff x="0" y="0"/>
-          <a:chExt cx="0" cy="0"/>
-        </a:xfrm>
-      </p:grpSpPr>
-      <p:sp>
-        <p:nvSpPr>
-          <p:cNvPr id="2" name="Заголовок 1"/>
-          <p:cNvSpPr>
-            <a:spLocks noGrp="1"/>
-          </p:cNvSpPr>
-          <p:nvPr>
-            <p:ph type="title"/>
-          </p:nvPr>
-        </p:nvSpPr>
-        <p:spPr/>
-        <p:txBody>
-          <a:bodyPr/>
-          <a:lstStyle/>
-          <a:p>
-            <a:r>
-              <a:rPr lang="ru-RU" dirty="0" smtClean="0"/>
-              <a:t>Добавляем мониторинг</a:t>
-            </a:r>
-            <a:endParaRPr lang="ru-RU" dirty="0"/>
-          </a:p>
-        </p:txBody>
-      </p:sp>
-      <p:sp>
-        <p:nvSpPr>
-          <p:cNvPr id="3" name="Нижний колонтитул 2"/>
-          <p:cNvSpPr>
-            <a:spLocks noGrp="1"/>
-          </p:cNvSpPr>
-          <p:nvPr>
-            <p:ph type="ftr" sz="quarter" idx="11"/>
-          </p:nvPr>
-        </p:nvSpPr>
-        <p:spPr/>
-        <p:txBody>
-          <a:bodyPr/>
-          <a:lstStyle/>
-          <a:p>
-            <a:endParaRPr lang="ru-RU" dirty="0">
-              <a:solidFill>
-                <a:srgbClr val="000000"/>
-              </a:solidFill>
-            </a:endParaRPr>
-          </a:p>
-        </p:txBody>
-      </p:sp>
-      <p:sp>
-        <p:nvSpPr>
-          <p:cNvPr id="4" name="Номер слайда 3"/>
-          <p:cNvSpPr>
-            <a:spLocks noGrp="1"/>
-          </p:cNvSpPr>
-          <p:nvPr>
-            <p:ph type="sldNum" sz="quarter" idx="12"/>
-          </p:nvPr>
-        </p:nvSpPr>
-        <p:spPr/>
-        <p:txBody>
-          <a:bodyPr/>
-          <a:lstStyle/>
-          <a:p>
-            <a:fld id="{741C03D3-FA44-40EC-9A21-1FC4FEA3E22E}" type="slidenum">
-              <a:rPr lang="ru-RU" smtClean="0">
-                <a:solidFill>
-                  <a:srgbClr val="000000"/>
-                </a:solidFill>
-              </a:rPr>
-              <a:pPr/>
-              <a:t>27</a:t>
-            </a:fld>
-            <a:endParaRPr lang="ru-RU">
-              <a:solidFill>
-                <a:srgbClr val="000000"/>
-              </a:solidFill>
-            </a:endParaRPr>
-          </a:p>
-        </p:txBody>
-      </p:sp>
-      <p:sp>
-        <p:nvSpPr>
-          <p:cNvPr id="5" name="Объект 4"/>
-          <p:cNvSpPr>
-            <a:spLocks noGrp="1"/>
-          </p:cNvSpPr>
-          <p:nvPr>
-            <p:ph idx="13"/>
-          </p:nvPr>
-        </p:nvSpPr>
-        <p:spPr/>
-        <p:txBody>
-          <a:bodyPr/>
-          <a:lstStyle/>
-          <a:p>
-            <a:pPr>
-              <a:lnSpc>
-                <a:spcPct val="135000"/>
-              </a:lnSpc>
-            </a:pPr>
-            <a:r>
-              <a:rPr lang="en-US" dirty="0"/>
-              <a:t>class Billing {</a:t>
-            </a:r>
-          </a:p>
-          <a:p>
-            <a:pPr>
-              <a:lnSpc>
-                <a:spcPct val="135000"/>
-              </a:lnSpc>
-            </a:pPr>
-            <a:r>
-              <a:rPr lang="en-US" dirty="0"/>
-              <a:t>public:</a:t>
-            </a:r>
-          </a:p>
-          <a:p>
-            <a:pPr>
-              <a:lnSpc>
-                <a:spcPct val="135000"/>
-              </a:lnSpc>
-            </a:pPr>
-            <a:r>
-              <a:rPr lang="en-US" dirty="0"/>
-              <a:t>    Billing(string </a:t>
-            </a:r>
-            <a:r>
-              <a:rPr lang="en-US" dirty="0" err="1"/>
-              <a:t>usersDatabase</a:t>
-            </a:r>
-            <a:r>
-              <a:rPr lang="en-US" dirty="0"/>
-              <a:t>, string </a:t>
-            </a:r>
-            <a:r>
-              <a:rPr lang="en-US" dirty="0" err="1"/>
-              <a:t>tariffsDatabase</a:t>
-            </a:r>
-            <a:r>
-              <a:rPr lang="en-US" dirty="0"/>
-              <a:t>);</a:t>
-            </a:r>
-          </a:p>
-          <a:p>
-            <a:pPr>
-              <a:lnSpc>
-                <a:spcPct val="135000"/>
-              </a:lnSpc>
-            </a:pPr>
-            <a:r>
-              <a:rPr lang="en-US" dirty="0" smtClean="0"/>
-              <a:t>    </a:t>
-            </a:r>
-            <a:r>
-              <a:rPr lang="en-US" dirty="0"/>
-              <a:t>void </a:t>
-            </a:r>
-            <a:r>
-              <a:rPr lang="en-US" dirty="0" err="1"/>
-              <a:t>ChargePhoneCall</a:t>
-            </a:r>
-            <a:r>
-              <a:rPr lang="en-US" dirty="0"/>
-              <a:t>(</a:t>
-            </a:r>
-            <a:r>
-              <a:rPr lang="en-US" dirty="0" err="1"/>
-              <a:t>int</a:t>
-            </a:r>
-            <a:r>
-              <a:rPr lang="en-US" dirty="0"/>
-              <a:t> </a:t>
-            </a:r>
-            <a:r>
-              <a:rPr lang="en-US" dirty="0" err="1"/>
-              <a:t>userId</a:t>
-            </a:r>
-            <a:r>
-              <a:rPr lang="en-US" dirty="0"/>
-              <a:t>, </a:t>
-            </a:r>
-            <a:r>
-              <a:rPr lang="en-US" dirty="0" err="1"/>
-              <a:t>int</a:t>
-            </a:r>
-            <a:r>
-              <a:rPr lang="en-US" dirty="0"/>
-              <a:t> minutes);</a:t>
-            </a:r>
-          </a:p>
-          <a:p>
-            <a:pPr>
-              <a:lnSpc>
-                <a:spcPct val="135000"/>
-              </a:lnSpc>
-            </a:pPr>
-            <a:r>
-              <a:rPr lang="en-US" dirty="0"/>
-              <a:t>    void </a:t>
-            </a:r>
-            <a:r>
-              <a:rPr lang="en-US" dirty="0" err="1"/>
-              <a:t>AddMoney</a:t>
-            </a:r>
-            <a:r>
-              <a:rPr lang="en-US" dirty="0"/>
-              <a:t>(</a:t>
-            </a:r>
-            <a:r>
-              <a:rPr lang="en-US" dirty="0" err="1"/>
-              <a:t>int</a:t>
-            </a:r>
-            <a:r>
-              <a:rPr lang="en-US" dirty="0"/>
-              <a:t> </a:t>
-            </a:r>
-            <a:r>
-              <a:rPr lang="en-US" dirty="0" err="1"/>
-              <a:t>userId</a:t>
-            </a:r>
-            <a:r>
-              <a:rPr lang="en-US" dirty="0"/>
-              <a:t>, </a:t>
-            </a:r>
-            <a:r>
-              <a:rPr lang="en-US" dirty="0" err="1"/>
-              <a:t>int</a:t>
-            </a:r>
-            <a:r>
-              <a:rPr lang="en-US" dirty="0"/>
-              <a:t> rubles);</a:t>
-            </a:r>
-          </a:p>
-          <a:p>
-            <a:pPr>
-              <a:lnSpc>
-                <a:spcPct val="135000"/>
-              </a:lnSpc>
-            </a:pPr>
-            <a:r>
-              <a:rPr lang="en-US" dirty="0" smtClean="0">
-                <a:solidFill>
-                  <a:srgbClr val="FC6767"/>
-                </a:solidFill>
-              </a:rPr>
-              <a:t>    </a:t>
-            </a:r>
-            <a:r>
-              <a:rPr lang="en-US" dirty="0">
-                <a:solidFill>
-                  <a:srgbClr val="FC6767"/>
-                </a:solidFill>
-              </a:rPr>
-              <a:t>void </a:t>
-            </a:r>
-            <a:r>
-              <a:rPr lang="en-US" dirty="0" err="1">
-                <a:solidFill>
-                  <a:srgbClr val="FC6767"/>
-                </a:solidFill>
-              </a:rPr>
-              <a:t>PrintStatsAsJson</a:t>
-            </a:r>
-            <a:r>
-              <a:rPr lang="en-US" dirty="0">
-                <a:solidFill>
-                  <a:srgbClr val="FC6767"/>
-                </a:solidFill>
-              </a:rPr>
-              <a:t>() {</a:t>
-            </a:r>
-          </a:p>
-          <a:p>
-            <a:pPr>
-              <a:lnSpc>
-                <a:spcPct val="135000"/>
-              </a:lnSpc>
-            </a:pPr>
-            <a:r>
-              <a:rPr lang="en-US" dirty="0">
-                <a:solidFill>
-                  <a:srgbClr val="FC6767"/>
-                </a:solidFill>
-              </a:rPr>
-              <a:t>        </a:t>
-            </a:r>
-            <a:r>
-              <a:rPr lang="en-US" dirty="0" err="1">
-                <a:solidFill>
-                  <a:srgbClr val="FC6767"/>
-                </a:solidFill>
-              </a:rPr>
-              <a:t>cout</a:t>
-            </a:r>
-            <a:r>
-              <a:rPr lang="en-US" dirty="0">
-                <a:solidFill>
-                  <a:srgbClr val="FC6767"/>
-                </a:solidFill>
-              </a:rPr>
-              <a:t> &lt;&lt; "[";</a:t>
-            </a:r>
-          </a:p>
-          <a:p>
-            <a:pPr>
-              <a:lnSpc>
-                <a:spcPct val="135000"/>
-              </a:lnSpc>
-            </a:pPr>
-            <a:r>
-              <a:rPr lang="en-US" dirty="0">
-                <a:solidFill>
-                  <a:srgbClr val="FC6767"/>
-                </a:solidFill>
-              </a:rPr>
-              <a:t>        for (</a:t>
-            </a:r>
-            <a:r>
-              <a:rPr lang="en-US" dirty="0" err="1">
-                <a:solidFill>
-                  <a:srgbClr val="FC6767"/>
-                </a:solidFill>
-              </a:rPr>
-              <a:t>size_t</a:t>
-            </a:r>
-            <a:r>
-              <a:rPr lang="en-US" dirty="0">
-                <a:solidFill>
-                  <a:srgbClr val="FC6767"/>
-                </a:solidFill>
-              </a:rPr>
-              <a:t> </a:t>
-            </a:r>
-            <a:r>
-              <a:rPr lang="en-US" dirty="0" err="1">
-                <a:solidFill>
-                  <a:srgbClr val="FC6767"/>
-                </a:solidFill>
-              </a:rPr>
-              <a:t>i</a:t>
-            </a:r>
-            <a:r>
-              <a:rPr lang="en-US" dirty="0">
-                <a:solidFill>
-                  <a:srgbClr val="FC6767"/>
-                </a:solidFill>
-              </a:rPr>
-              <a:t> = 0; </a:t>
-            </a:r>
-            <a:r>
-              <a:rPr lang="en-US" dirty="0" err="1">
-                <a:solidFill>
-                  <a:srgbClr val="FC6767"/>
-                </a:solidFill>
-              </a:rPr>
-              <a:t>i</a:t>
-            </a:r>
-            <a:r>
-              <a:rPr lang="en-US" dirty="0">
-                <a:solidFill>
-                  <a:srgbClr val="FC6767"/>
-                </a:solidFill>
-              </a:rPr>
-              <a:t> &lt; </a:t>
-            </a:r>
-            <a:r>
-              <a:rPr lang="en-US" dirty="0" err="1">
-                <a:solidFill>
-                  <a:srgbClr val="FC6767"/>
-                </a:solidFill>
-              </a:rPr>
-              <a:t>users_.size</a:t>
-            </a:r>
-            <a:r>
-              <a:rPr lang="en-US" dirty="0">
-                <a:solidFill>
-                  <a:srgbClr val="FC6767"/>
-                </a:solidFill>
-              </a:rPr>
-              <a:t>(); ++</a:t>
-            </a:r>
-            <a:r>
-              <a:rPr lang="en-US" dirty="0" err="1">
-                <a:solidFill>
-                  <a:srgbClr val="FC6767"/>
-                </a:solidFill>
-              </a:rPr>
-              <a:t>i</a:t>
-            </a:r>
-            <a:r>
-              <a:rPr lang="en-US" dirty="0">
-                <a:solidFill>
-                  <a:srgbClr val="FC6767"/>
-                </a:solidFill>
-              </a:rPr>
-              <a:t>) {</a:t>
-            </a:r>
-          </a:p>
-          <a:p>
-            <a:pPr>
-              <a:lnSpc>
-                <a:spcPct val="135000"/>
-              </a:lnSpc>
-            </a:pPr>
-            <a:r>
-              <a:rPr lang="en-US" dirty="0">
-                <a:solidFill>
-                  <a:srgbClr val="FC6767"/>
-                </a:solidFill>
-              </a:rPr>
-              <a:t>            users_[</a:t>
-            </a:r>
-            <a:r>
-              <a:rPr lang="en-US" dirty="0" err="1">
-                <a:solidFill>
-                  <a:srgbClr val="FC6767"/>
-                </a:solidFill>
-              </a:rPr>
-              <a:t>i</a:t>
-            </a:r>
-            <a:r>
-              <a:rPr lang="en-US" dirty="0">
-                <a:solidFill>
-                  <a:srgbClr val="FC6767"/>
-                </a:solidFill>
-              </a:rPr>
-              <a:t>].</a:t>
-            </a:r>
-            <a:r>
-              <a:rPr lang="en-US" dirty="0" err="1">
-                <a:solidFill>
-                  <a:srgbClr val="FC6767"/>
-                </a:solidFill>
-              </a:rPr>
-              <a:t>PrintStatsAsJson</a:t>
-            </a:r>
-            <a:r>
-              <a:rPr lang="en-US" dirty="0">
-                <a:solidFill>
-                  <a:srgbClr val="FC6767"/>
-                </a:solidFill>
-              </a:rPr>
-              <a:t>();</a:t>
-            </a:r>
-          </a:p>
-          <a:p>
-            <a:pPr>
-              <a:lnSpc>
-                <a:spcPct val="135000"/>
-              </a:lnSpc>
-            </a:pPr>
-            <a:r>
-              <a:rPr lang="en-US" dirty="0">
-                <a:solidFill>
-                  <a:srgbClr val="FC6767"/>
-                </a:solidFill>
-              </a:rPr>
-              <a:t>            if (</a:t>
-            </a:r>
-            <a:r>
-              <a:rPr lang="en-US" dirty="0" err="1">
-                <a:solidFill>
-                  <a:srgbClr val="FC6767"/>
-                </a:solidFill>
-              </a:rPr>
-              <a:t>i</a:t>
-            </a:r>
-            <a:r>
-              <a:rPr lang="en-US" dirty="0">
-                <a:solidFill>
-                  <a:srgbClr val="FC6767"/>
-                </a:solidFill>
-              </a:rPr>
-              <a:t> + 1 &lt; </a:t>
-            </a:r>
-            <a:r>
-              <a:rPr lang="en-US" dirty="0" err="1">
-                <a:solidFill>
-                  <a:srgbClr val="FC6767"/>
-                </a:solidFill>
-              </a:rPr>
-              <a:t>users_.size</a:t>
-            </a:r>
-            <a:r>
-              <a:rPr lang="en-US" dirty="0">
-                <a:solidFill>
-                  <a:srgbClr val="FC6767"/>
-                </a:solidFill>
-              </a:rPr>
-              <a:t>()) </a:t>
-            </a:r>
-            <a:r>
-              <a:rPr lang="en-US" dirty="0" smtClean="0">
-                <a:solidFill>
-                  <a:srgbClr val="FC6767"/>
-                </a:solidFill>
-              </a:rPr>
-              <a:t>{ </a:t>
-            </a:r>
-            <a:r>
-              <a:rPr lang="en-US" dirty="0" err="1" smtClean="0">
-                <a:solidFill>
-                  <a:srgbClr val="FC6767"/>
-                </a:solidFill>
-              </a:rPr>
-              <a:t>cout</a:t>
-            </a:r>
-            <a:r>
-              <a:rPr lang="en-US" dirty="0" smtClean="0">
-                <a:solidFill>
-                  <a:srgbClr val="FC6767"/>
-                </a:solidFill>
-              </a:rPr>
-              <a:t> &lt;&lt; ","; </a:t>
-            </a:r>
-            <a:r>
-              <a:rPr lang="en-US" dirty="0">
-                <a:solidFill>
-                  <a:srgbClr val="FC6767"/>
-                </a:solidFill>
-              </a:rPr>
-              <a:t>}</a:t>
-            </a:r>
-          </a:p>
-          <a:p>
-            <a:pPr>
-              <a:lnSpc>
-                <a:spcPct val="135000"/>
-              </a:lnSpc>
-            </a:pPr>
-            <a:r>
-              <a:rPr lang="en-US" dirty="0">
-                <a:solidFill>
-                  <a:srgbClr val="FC6767"/>
-                </a:solidFill>
-              </a:rPr>
-              <a:t>        }</a:t>
-            </a:r>
-          </a:p>
-          <a:p>
-            <a:pPr>
-              <a:lnSpc>
-                <a:spcPct val="135000"/>
-              </a:lnSpc>
-            </a:pPr>
-            <a:r>
-              <a:rPr lang="en-US" dirty="0">
-                <a:solidFill>
-                  <a:srgbClr val="FC6767"/>
-                </a:solidFill>
-              </a:rPr>
-              <a:t>        </a:t>
-            </a:r>
-            <a:r>
-              <a:rPr lang="en-US" dirty="0" err="1">
-                <a:solidFill>
-                  <a:srgbClr val="FC6767"/>
-                </a:solidFill>
-              </a:rPr>
-              <a:t>cout</a:t>
-            </a:r>
-            <a:r>
-              <a:rPr lang="en-US" dirty="0">
-                <a:solidFill>
-                  <a:srgbClr val="FC6767"/>
-                </a:solidFill>
-              </a:rPr>
-              <a:t> &lt;&lt; "]";</a:t>
-            </a:r>
-          </a:p>
-          <a:p>
-            <a:pPr>
-              <a:lnSpc>
-                <a:spcPct val="135000"/>
-              </a:lnSpc>
-            </a:pPr>
-            <a:r>
-              <a:rPr lang="en-US" dirty="0">
-                <a:solidFill>
-                  <a:srgbClr val="FC6767"/>
-                </a:solidFill>
-              </a:rPr>
-              <a:t>    </a:t>
-            </a:r>
-            <a:r>
-              <a:rPr lang="en-US" dirty="0" smtClean="0">
-                <a:solidFill>
-                  <a:srgbClr val="FC6767"/>
-                </a:solidFill>
-              </a:rPr>
-              <a:t>}</a:t>
-            </a:r>
-            <a:endParaRPr lang="en-US" dirty="0">
-              <a:solidFill>
-                <a:srgbClr val="FC6767"/>
-              </a:solidFill>
-            </a:endParaRPr>
-          </a:p>
-        </p:txBody>
-      </p:sp>
-    </p:spTree>
-    <p:extLst>
-      <p:ext uri="{BB962C8B-B14F-4D97-AF65-F5344CB8AC3E}">
-        <p14:creationId xmlns:p14="http://schemas.microsoft.com/office/powerpoint/2010/main" val="2225323990"/>
-      </p:ext>
-    </p:extLst>
-  </p:cSld>
-  <p:clrMapOvr>
-    <a:masterClrMapping/>
-  </p:clrMapOvr>
-  <p:timing>
-    <p:tnLst>
-      <p:par>
-        <p:cTn id="1" dur="indefinite" restart="never" nodeType="tmRoot"/>
-      </p:par>
-    </p:tnLst>
   </p:timing>
 </p:sld>
 </file>
@@ -30730,7 +33187,30 @@
       </p:grpSpPr>
       <p:sp>
         <p:nvSpPr>
-          <p:cNvPr id="2" name="Нижний колонтитул 1"/>
+          <p:cNvPr id="2" name="Заголовок 1"/>
+          <p:cNvSpPr>
+            <a:spLocks noGrp="1"/>
+          </p:cNvSpPr>
+          <p:nvPr>
+            <p:ph type="title"/>
+          </p:nvPr>
+        </p:nvSpPr>
+        <p:spPr/>
+        <p:txBody>
+          <a:bodyPr/>
+          <a:lstStyle/>
+          <a:p>
+            <a:r>
+              <a:rPr lang="ru-RU" dirty="0" smtClean="0"/>
+              <a:t>Добавляем мониторинг</a:t>
+            </a:r>
+            <a:endParaRPr lang="ru-RU" dirty="0"/>
+          </a:p>
+        </p:txBody>
+      </p:sp>
+      <p:sp>
+        <p:nvSpPr>
+          <p:cNvPr id="3" name="Нижний колонтитул 2"/>
           <p:cNvSpPr>
             <a:spLocks noGrp="1"/>
           </p:cNvSpPr>
@@ -30753,7 +33233,7 @@
       </p:sp>
       <p:sp>
         <p:nvSpPr>
-          <p:cNvPr id="3" name="Номер слайда 2"/>
+          <p:cNvPr id="4" name="Номер слайда 3"/>
           <p:cNvSpPr>
             <a:spLocks noGrp="1"/>
           </p:cNvSpPr>
@@ -30785,7 +33265,7 @@
       </p:sp>
       <p:sp>
         <p:nvSpPr>
-          <p:cNvPr id="4" name="Объект 3"/>
+          <p:cNvPr id="5" name="Объект 4"/>
           <p:cNvSpPr>
             <a:spLocks noGrp="1"/>
           </p:cNvSpPr>
@@ -30798,58 +33278,165 @@
           <a:bodyPr/>
           <a:lstStyle/>
           <a:p>
+            <a:pPr>
+              <a:lnSpc>
+                <a:spcPct val="135000"/>
+              </a:lnSpc>
+            </a:pPr>
             <a:r>
               <a:rPr lang="en-US" dirty="0"/>
-              <a:t>private:</a:t>
-            </a:r>
-          </a:p>
-          <a:p>
+              <a:t>class Billing {</a:t>
+            </a:r>
+          </a:p>
+          <a:p>
+            <a:pPr>
+              <a:lnSpc>
+                <a:spcPct val="135000"/>
+              </a:lnSpc>
+            </a:pPr>
+            <a:r>
+              <a:rPr lang="en-US" dirty="0"/>
+              <a:t>public:</a:t>
+            </a:r>
+          </a:p>
+          <a:p>
+            <a:pPr>
+              <a:lnSpc>
+                <a:spcPct val="135000"/>
+              </a:lnSpc>
+            </a:pPr>
+            <a:r>
+              <a:rPr lang="en-US" dirty="0"/>
+              <a:t>    Billing(string </a:t>
+            </a:r>
+            <a:r>
+              <a:rPr lang="en-US" dirty="0" err="1"/>
+              <a:t>usersDatabase</a:t>
+            </a:r>
+            <a:r>
+              <a:rPr lang="en-US" dirty="0"/>
+              <a:t>, string </a:t>
+            </a:r>
+            <a:r>
+              <a:rPr lang="en-US" dirty="0" err="1"/>
+              <a:t>tariffsDatabase</a:t>
+            </a:r>
+            <a:r>
+              <a:rPr lang="en-US" dirty="0"/>
+              <a:t>);</a:t>
+            </a:r>
+          </a:p>
+          <a:p>
+            <a:pPr>
+              <a:lnSpc>
+                <a:spcPct val="135000"/>
+              </a:lnSpc>
+            </a:pPr>
             <a:r>
               <a:rPr lang="en-US" dirty="0" smtClean="0"/>
               <a:t>    </a:t>
             </a:r>
             <a:r>
               <a:rPr lang="en-US" dirty="0"/>
-              <a:t>class </a:t>
+              <a:t>void </a:t>
             </a:r>
             <a:r>
               <a:rPr lang="en-US" dirty="0" err="1"/>
-              <a:t>UserInfo</a:t>
+              <a:t>ChargePhoneCall</a:t>
             </a:r>
             <a:r>
               <a:rPr lang="en-US" dirty="0"/>
-              <a:t> {</a:t>
-            </a:r>
-          </a:p>
-          <a:p>
-            <a:r>
-              <a:rPr lang="en-US" dirty="0"/>
-              <a:t>    public</a:t>
-            </a:r>
-            <a:r>
-              <a:rPr lang="en-US" dirty="0" smtClean="0"/>
-              <a:t>:</a:t>
-            </a:r>
-          </a:p>
-          <a:p>
+              <a:t>(</a:t>
+            </a:r>
+            <a:r>
+              <a:rPr lang="en-US" dirty="0" err="1"/>
+              <a:t>int</a:t>
+            </a:r>
             <a:r>
               <a:rPr lang="en-US" dirty="0"/>
               <a:t> </a:t>
             </a:r>
             <a:r>
-              <a:rPr lang="en-US" dirty="0" smtClean="0"/>
-              <a:t>        …</a:t>
-            </a:r>
-            <a:endParaRPr lang="en-US" dirty="0"/>
-          </a:p>
-          <a:p>
+              <a:rPr lang="en-US" dirty="0" err="1"/>
+              <a:t>userId</a:t>
+            </a:r>
+            <a:r>
+              <a:rPr lang="en-US" dirty="0"/>
+              <a:t>, </a:t>
+            </a:r>
+            <a:r>
+              <a:rPr lang="en-US" dirty="0" err="1"/>
+              <a:t>int</a:t>
+            </a:r>
+            <a:r>
+              <a:rPr lang="en-US" dirty="0"/>
+              <a:t> minutes);</a:t>
+            </a:r>
+          </a:p>
+          <a:p>
+            <a:pPr>
+              <a:lnSpc>
+                <a:spcPct val="135000"/>
+              </a:lnSpc>
+            </a:pPr>
+            <a:r>
+              <a:rPr lang="en-US" dirty="0"/>
+              <a:t>    void </a:t>
+            </a:r>
+            <a:r>
+              <a:rPr lang="en-US" dirty="0" err="1"/>
+              <a:t>AddMoney</a:t>
+            </a:r>
+            <a:r>
+              <a:rPr lang="en-US" dirty="0"/>
+              <a:t>(</a:t>
+            </a:r>
+            <a:r>
+              <a:rPr lang="en-US" dirty="0" err="1"/>
+              <a:t>int</a:t>
+            </a:r>
+            <a:r>
+              <a:rPr lang="en-US" dirty="0"/>
+              <a:t> </a:t>
+            </a:r>
+            <a:r>
+              <a:rPr lang="en-US" dirty="0" err="1"/>
+              <a:t>userId</a:t>
+            </a:r>
+            <a:r>
+              <a:rPr lang="en-US" dirty="0"/>
+              <a:t>, </a:t>
+            </a:r>
+            <a:r>
+              <a:rPr lang="en-US" dirty="0" err="1"/>
+              <a:t>int</a:t>
+            </a:r>
+            <a:r>
+              <a:rPr lang="en-US" dirty="0"/>
+              <a:t> rubles);</a:t>
+            </a:r>
+          </a:p>
+          <a:p>
+            <a:pPr>
+              <a:lnSpc>
+                <a:spcPct val="135000"/>
+              </a:lnSpc>
+            </a:pPr>
             <a:r>
               <a:rPr lang="en-US" dirty="0" smtClean="0">
                 <a:solidFill>
                   <a:srgbClr val="FC6767"/>
                 </a:solidFill>
               </a:rPr>
-              <a:t>         void </a:t>
+              <a:t>    </a:t>
+            </a:r>
+            <a:r>
+              <a:rPr lang="en-US" dirty="0">
+                <a:solidFill>
+                  <a:srgbClr val="FC6767"/>
+                </a:solidFill>
+              </a:rPr>
+              <a:t>void </a:t>
             </a:r>
             <a:r>
               <a:rPr lang="en-US" dirty="0" err="1">
@@ -30869,13 +33456,18 @@
             </a:r>
           </a:p>
           <a:p>
+            <a:pPr>
+              <a:lnSpc>
+                <a:spcPct val="135000"/>
+              </a:lnSpc>
+            </a:pPr>
             <a:r>
               <a:rPr lang="en-US" dirty="0">
                 <a:solidFill>
                   <a:srgbClr val="FC6767"/>
                 </a:solidFill>
               </a:rPr>
-              <a:t>            </a:t>
+              <a:t>        </a:t>
             </a:r>
             <a:r>
               <a:rPr lang="en-US" dirty="0" err="1">
@@ -30891,7 +33483,22 @@
                   <a:srgbClr val="FC6767"/>
                 </a:solidFill>
               </a:rPr>
-              <a:t> &lt;&lt; "{" &lt;&lt; R"("</a:t>
+              <a:t> &lt;&lt; "[";</a:t>
+            </a:r>
+          </a:p>
+          <a:p>
+            <a:pPr>
+              <a:lnSpc>
+                <a:spcPct val="135000"/>
+              </a:lnSpc>
+            </a:pPr>
+            <a:r>
+              <a:rPr lang="en-US" dirty="0">
+                <a:solidFill>
+                  <a:srgbClr val="FC6767"/>
+                </a:solidFill>
+              </a:rPr>
+              <a:t>        for (</a:t>
             </a:r>
             <a:r>
               <a:rPr lang="en-US" dirty="0" err="1">
@@ -30899,7 +33506,7 @@
                   <a:srgbClr val="FC6767"/>
                 </a:solidFill>
               </a:rPr>
-              <a:t>callCount</a:t>
+              <a:t>size_t</a:t>
             </a:r>
             <a:r>
               <a:rPr lang="en-US" dirty="0">
@@ -30907,7 +33514,7 @@
                   <a:srgbClr val="FC6767"/>
                 </a:solidFill>
               </a:rPr>
-              <a:t>":)" &lt;&lt; </a:t>
+              <a:t> </a:t>
             </a:r>
             <a:r>
               <a:rPr lang="en-US" dirty="0" err="1">
@@ -30915,7 +33522,7 @@
                   <a:srgbClr val="FC6767"/>
                 </a:solidFill>
               </a:rPr>
-              <a:t>callCount</a:t>
+              <a:t>i</a:t>
             </a:r>
             <a:r>
               <a:rPr lang="en-US" dirty="0">
@@ -30923,7 +33530,7 @@
                   <a:srgbClr val="FC6767"/>
                 </a:solidFill>
               </a:rPr>
-              <a:t>_ &lt;&lt; "," &lt;&lt; R"("</a:t>
+              <a:t> = 0; </a:t>
             </a:r>
             <a:r>
               <a:rPr lang="en-US" dirty="0" err="1">
@@ -30931,7 +33538,7 @@
                   <a:srgbClr val="FC6767"/>
                 </a:solidFill>
               </a:rPr>
-              <a:t>totalDuration</a:t>
+              <a:t>i</a:t>
             </a:r>
             <a:r>
               <a:rPr lang="en-US" dirty="0">
@@ -30939,17 +33546,157 @@
                   <a:srgbClr val="FC6767"/>
                 </a:solidFill>
               </a:rPr>
-              <a:t>":)"</a:t>
-            </a:r>
-          </a:p>
-          <a:p>
+              <a:t> &lt; </a:t>
+            </a:r>
+            <a:r>
+              <a:rPr lang="en-US" dirty="0" err="1">
+                <a:solidFill>
+                  <a:srgbClr val="FC6767"/>
+                </a:solidFill>
+              </a:rPr>
+              <a:t>users_.size</a:t>
+            </a:r>
+            <a:r>
+              <a:rPr lang="en-US" dirty="0">
+                <a:solidFill>
+                  <a:srgbClr val="FC6767"/>
+                </a:solidFill>
+              </a:rPr>
+              <a:t>(); ++</a:t>
+            </a:r>
+            <a:r>
+              <a:rPr lang="en-US" dirty="0" err="1">
+                <a:solidFill>
+                  <a:srgbClr val="FC6767"/>
+                </a:solidFill>
+              </a:rPr>
+              <a:t>i</a:t>
+            </a:r>
+            <a:r>
+              <a:rPr lang="en-US" dirty="0">
+                <a:solidFill>
+                  <a:srgbClr val="FC6767"/>
+                </a:solidFill>
+              </a:rPr>
+              <a:t>) {</a:t>
+            </a:r>
+          </a:p>
+          <a:p>
+            <a:pPr>
+              <a:lnSpc>
+                <a:spcPct val="135000"/>
+              </a:lnSpc>
+            </a:pPr>
+            <a:r>
+              <a:rPr lang="en-US" dirty="0">
+                <a:solidFill>
+                  <a:srgbClr val="FC6767"/>
+                </a:solidFill>
+              </a:rPr>
+              <a:t>            users_[</a:t>
+            </a:r>
+            <a:r>
+              <a:rPr lang="en-US" dirty="0" err="1">
+                <a:solidFill>
+                  <a:srgbClr val="FC6767"/>
+                </a:solidFill>
+              </a:rPr>
+              <a:t>i</a:t>
+            </a:r>
+            <a:r>
+              <a:rPr lang="en-US" dirty="0">
+                <a:solidFill>
+                  <a:srgbClr val="FC6767"/>
+                </a:solidFill>
+              </a:rPr>
+              <a:t>].</a:t>
+            </a:r>
+            <a:r>
+              <a:rPr lang="en-US" dirty="0" err="1">
+                <a:solidFill>
+                  <a:srgbClr val="FC6767"/>
+                </a:solidFill>
+              </a:rPr>
+              <a:t>PrintStatsAsJson</a:t>
+            </a:r>
+            <a:r>
+              <a:rPr lang="en-US" dirty="0">
+                <a:solidFill>
+                  <a:srgbClr val="FC6767"/>
+                </a:solidFill>
+              </a:rPr>
+              <a:t>();</a:t>
+            </a:r>
+          </a:p>
+          <a:p>
+            <a:pPr>
+              <a:lnSpc>
+                <a:spcPct val="135000"/>
+              </a:lnSpc>
+            </a:pPr>
+            <a:r>
+              <a:rPr lang="en-US" dirty="0">
+                <a:solidFill>
+                  <a:srgbClr val="FC6767"/>
+                </a:solidFill>
+              </a:rPr>
+              <a:t>            if (</a:t>
+            </a:r>
+            <a:r>
+              <a:rPr lang="en-US" dirty="0" err="1">
+                <a:solidFill>
+                  <a:srgbClr val="FC6767"/>
+                </a:solidFill>
+              </a:rPr>
+              <a:t>i</a:t>
+            </a:r>
+            <a:r>
+              <a:rPr lang="en-US" dirty="0">
+                <a:solidFill>
+                  <a:srgbClr val="FC6767"/>
+                </a:solidFill>
+              </a:rPr>
+              <a:t> + 1 &lt; </a:t>
+            </a:r>
+            <a:r>
+              <a:rPr lang="en-US" dirty="0" err="1">
+                <a:solidFill>
+                  <a:srgbClr val="FC6767"/>
+                </a:solidFill>
+              </a:rPr>
+              <a:t>users_.size</a:t>
+            </a:r>
+            <a:r>
+              <a:rPr lang="en-US" dirty="0">
+                <a:solidFill>
+                  <a:srgbClr val="FC6767"/>
+                </a:solidFill>
+              </a:rPr>
+              <a:t>()) </a:t>
+            </a:r>
             <a:r>
               <a:rPr lang="en-US" dirty="0" smtClean="0">
                 <a:solidFill>
                   <a:srgbClr val="FC6767"/>
                 </a:solidFill>
               </a:rPr>
-              <a:t>                   </a:t>
+              <a:t>{ </a:t>
+            </a:r>
+            <a:r>
+              <a:rPr lang="en-US" dirty="0" err="1" smtClean="0">
+                <a:solidFill>
+                  <a:srgbClr val="FC6767"/>
+                </a:solidFill>
+              </a:rPr>
+              <a:t>cout</a:t>
+            </a:r>
+            <a:r>
+              <a:rPr lang="en-US" dirty="0" smtClean="0">
+                <a:solidFill>
+                  <a:srgbClr val="FC6767"/>
+                </a:solidFill>
+              </a:rPr>
+              <a:t> &lt;&lt; ","; </a:t>
             </a:r>
             <a:r>
               <a:rPr lang="en-US" dirty="0">
@@ -30957,7 +33704,37 @@
                   <a:srgbClr val="FC6767"/>
                 </a:solidFill>
               </a:rPr>
-              <a:t>&lt;&lt; </a:t>
+              <a:t>}</a:t>
+            </a:r>
+          </a:p>
+          <a:p>
+            <a:pPr>
+              <a:lnSpc>
+                <a:spcPct val="135000"/>
+              </a:lnSpc>
+            </a:pPr>
+            <a:r>
+              <a:rPr lang="en-US" dirty="0">
+                <a:solidFill>
+                  <a:srgbClr val="FC6767"/>
+                </a:solidFill>
+              </a:rPr>
+              <a:t>        }</a:t>
+            </a:r>
+          </a:p>
+          <a:p>
+            <a:pPr>
+              <a:lnSpc>
+                <a:spcPct val="135000"/>
+              </a:lnSpc>
+            </a:pPr>
+            <a:r>
+              <a:rPr lang="en-US" dirty="0">
+                <a:solidFill>
+                  <a:srgbClr val="FC6767"/>
+                </a:solidFill>
+              </a:rPr>
+              <a:t>        </a:t>
             </a:r>
             <a:r>
               <a:rPr lang="en-US" dirty="0" err="1">
@@ -30965,7 +33742,7 @@
                   <a:srgbClr val="FC6767"/>
                 </a:solidFill>
               </a:rPr>
-              <a:t>totalDuration</a:t>
+              <a:t>cout</a:t>
             </a:r>
             <a:r>
               <a:rPr lang="en-US" dirty="0">
@@ -30973,225 +33750,49 @@
                   <a:srgbClr val="FC6767"/>
                 </a:solidFill>
               </a:rPr>
-              <a:t>_ &lt;&lt; "," &lt;&lt; R"("</a:t>
-            </a:r>
-            <a:r>
-              <a:rPr lang="en-US" dirty="0" err="1">
+              <a:t> &lt;&lt; "]";</a:t>
+            </a:r>
+          </a:p>
+          <a:p>
+            <a:pPr>
+              <a:lnSpc>
+                <a:spcPct val="135000"/>
+              </a:lnSpc>
+            </a:pPr>
+            <a:r>
+              <a:rPr lang="en-US" dirty="0">
                 <a:solidFill>
                   <a:srgbClr val="FC6767"/>
                 </a:solidFill>
               </a:rPr>
-              <a:t>moneySpent</a:t>
-            </a:r>
-            <a:r>
-              <a:rPr lang="en-US" dirty="0">
+              <a:t>    </a:t>
+            </a:r>
+            <a:r>
+              <a:rPr lang="en-US" dirty="0" smtClean="0">
                 <a:solidFill>
                   <a:srgbClr val="FC6767"/>
                 </a:solidFill>
               </a:rPr>
-              <a:t>":)" &lt;&lt; </a:t>
-            </a:r>
-            <a:r>
-              <a:rPr lang="en-US" dirty="0" err="1">
-                <a:solidFill>
-                  <a:srgbClr val="FC6767"/>
-                </a:solidFill>
-              </a:rPr>
-              <a:t>moneySpent</a:t>
-            </a:r>
-            <a:r>
-              <a:rPr lang="en-US" dirty="0">
-                <a:solidFill>
-                  <a:srgbClr val="FC6767"/>
-                </a:solidFill>
-              </a:rPr>
-              <a:t>_ &lt;&lt; "}";</a:t>
-            </a:r>
-          </a:p>
-          <a:p>
-            <a:r>
-              <a:rPr lang="ru-RU" dirty="0">
-                <a:solidFill>
-                  <a:srgbClr val="FC6767"/>
-                </a:solidFill>
-              </a:rPr>
-              <a:t>        </a:t>
-            </a:r>
-            <a:r>
-              <a:rPr lang="ru-RU" dirty="0" smtClean="0">
-                <a:solidFill>
-                  <a:srgbClr val="FC6767"/>
-                </a:solidFill>
-              </a:rPr>
               <a:t>}</a:t>
             </a:r>
-            <a:endParaRPr lang="ru-RU" dirty="0">
+            <a:endParaRPr lang="en-US" dirty="0">
               <a:solidFill>
                 <a:srgbClr val="FC6767"/>
               </a:solidFill>
             </a:endParaRPr>
           </a:p>
-          <a:p>
-            <a:r>
-              <a:rPr lang="en-US" dirty="0"/>
-              <a:t>    private:</a:t>
-            </a:r>
-          </a:p>
-          <a:p>
-            <a:r>
-              <a:rPr lang="en-US" dirty="0"/>
-              <a:t> </a:t>
-            </a:r>
-            <a:r>
-              <a:rPr lang="en-US" dirty="0" smtClean="0"/>
-              <a:t>       …</a:t>
-            </a:r>
-            <a:endParaRPr lang="en-US" dirty="0"/>
-          </a:p>
-          <a:p>
-            <a:r>
-              <a:rPr lang="en-US" dirty="0"/>
-              <a:t>        </a:t>
-            </a:r>
-            <a:r>
-              <a:rPr lang="en-US" dirty="0" err="1">
-                <a:solidFill>
-                  <a:srgbClr val="FC6767"/>
-                </a:solidFill>
-              </a:rPr>
-              <a:t>int</a:t>
-            </a:r>
-            <a:r>
-              <a:rPr lang="en-US" dirty="0">
-                <a:solidFill>
-                  <a:srgbClr val="FC6767"/>
-                </a:solidFill>
-              </a:rPr>
-              <a:t> </a:t>
-            </a:r>
-            <a:r>
-              <a:rPr lang="en-US" dirty="0" err="1">
-                <a:solidFill>
-                  <a:srgbClr val="FC6767"/>
-                </a:solidFill>
-              </a:rPr>
-              <a:t>callCount</a:t>
-            </a:r>
-            <a:r>
-              <a:rPr lang="en-US" dirty="0">
-                <a:solidFill>
-                  <a:srgbClr val="FC6767"/>
-                </a:solidFill>
-              </a:rPr>
-              <a:t>_;</a:t>
-            </a:r>
-          </a:p>
-          <a:p>
-            <a:r>
-              <a:rPr lang="en-US" dirty="0">
-                <a:solidFill>
-                  <a:srgbClr val="FC6767"/>
-                </a:solidFill>
-              </a:rPr>
-              <a:t>        </a:t>
-            </a:r>
-            <a:r>
-              <a:rPr lang="en-US" dirty="0" err="1">
-                <a:solidFill>
-                  <a:srgbClr val="FC6767"/>
-                </a:solidFill>
-              </a:rPr>
-              <a:t>int</a:t>
-            </a:r>
-            <a:r>
-              <a:rPr lang="en-US" dirty="0">
-                <a:solidFill>
-                  <a:srgbClr val="FC6767"/>
-                </a:solidFill>
-              </a:rPr>
-              <a:t> </a:t>
-            </a:r>
-            <a:r>
-              <a:rPr lang="en-US" dirty="0" err="1">
-                <a:solidFill>
-                  <a:srgbClr val="FC6767"/>
-                </a:solidFill>
-              </a:rPr>
-              <a:t>totalDuration</a:t>
-            </a:r>
-            <a:r>
-              <a:rPr lang="en-US" dirty="0">
-                <a:solidFill>
-                  <a:srgbClr val="FC6767"/>
-                </a:solidFill>
-              </a:rPr>
-              <a:t>_;</a:t>
-            </a:r>
-          </a:p>
-          <a:p>
-            <a:r>
-              <a:rPr lang="en-US" dirty="0">
-                <a:solidFill>
-                  <a:srgbClr val="FC6767"/>
-                </a:solidFill>
-              </a:rPr>
-              <a:t>        </a:t>
-            </a:r>
-            <a:r>
-              <a:rPr lang="en-US" dirty="0" err="1">
-                <a:solidFill>
-                  <a:srgbClr val="FC6767"/>
-                </a:solidFill>
-              </a:rPr>
-              <a:t>int</a:t>
-            </a:r>
-            <a:r>
-              <a:rPr lang="en-US" dirty="0">
-                <a:solidFill>
-                  <a:srgbClr val="FC6767"/>
-                </a:solidFill>
-              </a:rPr>
-              <a:t> </a:t>
-            </a:r>
-            <a:r>
-              <a:rPr lang="en-US" dirty="0" err="1">
-                <a:solidFill>
-                  <a:srgbClr val="FC6767"/>
-                </a:solidFill>
-              </a:rPr>
-              <a:t>moneySpent</a:t>
-            </a:r>
-            <a:r>
-              <a:rPr lang="en-US" dirty="0">
-                <a:solidFill>
-                  <a:srgbClr val="FC6767"/>
-                </a:solidFill>
-              </a:rPr>
-              <a:t>_;</a:t>
-            </a:r>
-          </a:p>
-          <a:p>
-            <a:r>
-              <a:rPr lang="ru-RU" dirty="0" smtClean="0"/>
-              <a:t>};</a:t>
-            </a:r>
-            <a:endParaRPr lang="ru-RU" dirty="0"/>
-          </a:p>
         </p:txBody>
       </p:sp>
     </p:spTree>
     <p:extLst>
       <p:ext uri="{BB962C8B-B14F-4D97-AF65-F5344CB8AC3E}">
-        <p14:creationId xmlns:p14="http://schemas.microsoft.com/office/powerpoint/2010/main" val="3620372074"/>
+        <p14:creationId xmlns:p14="http://schemas.microsoft.com/office/powerpoint/2010/main" val="2225323990"/>
       </p:ext>
     </p:extLst>
   </p:cSld>
   <p:clrMapOvr>
     <a:masterClrMapping/>
   </p:clrMapOvr>
-  <p:transition spd="slow">
-    <p:push dir="u"/>
-  </p:transition>
   <p:timing>
     <p:tnLst>
       <p:par>
@@ -31291,7 +33892,17 @@
           <a:p>
             <a:r>
               <a:rPr lang="en-US" dirty="0"/>
-              <a:t>void Billing::</a:t>
+              <a:t>private:</a:t>
+            </a:r>
+          </a:p>
+          <a:p>
+            <a:r>
+              <a:rPr lang="en-US" dirty="0" smtClean="0"/>
+              <a:t>    </a:t>
+            </a:r>
+            <a:r>
+              <a:rPr lang="en-US" dirty="0"/>
+              <a:t>class </a:t>
             </a:r>
             <a:r>
               <a:rPr lang="en-US" dirty="0" err="1"/>
@@ -31299,91 +33910,235 @@
             </a:r>
             <a:r>
               <a:rPr lang="en-US" dirty="0"/>
-              <a:t>::</a:t>
-            </a:r>
-            <a:r>
-              <a:rPr lang="en-US" dirty="0" err="1"/>
-              <a:t>ChargePhoneCall</a:t>
-            </a:r>
+              <a:t> {</a:t>
+            </a:r>
+          </a:p>
+          <a:p>
             <a:r>
               <a:rPr lang="en-US" dirty="0"/>
-              <a:t>(</a:t>
-            </a:r>
-            <a:r>
-              <a:rPr lang="en-US" dirty="0" err="1"/>
-              <a:t>int</a:t>
-            </a:r>
+              <a:t>    public</a:t>
+            </a:r>
+            <a:r>
+              <a:rPr lang="en-US" dirty="0" smtClean="0"/>
+              <a:t>:</a:t>
+            </a:r>
+          </a:p>
+          <a:p>
             <a:r>
               <a:rPr lang="en-US" dirty="0"/>
-              <a:t> minutes, </a:t>
-            </a:r>
-            <a:r>
-              <a:rPr lang="en-US" dirty="0" err="1"/>
-              <a:t>const</a:t>
-            </a:r>
+              <a:t> </a:t>
+            </a:r>
+            <a:r>
+              <a:rPr lang="en-US" dirty="0" smtClean="0"/>
+              <a:t>        …</a:t>
+            </a:r>
+            <a:endParaRPr lang="en-US" dirty="0"/>
+          </a:p>
+          <a:p>
+            <a:r>
+              <a:rPr lang="en-US" dirty="0" smtClean="0">
+                <a:solidFill>
+                  <a:srgbClr val="FC6767"/>
+                </a:solidFill>
+              </a:rPr>
+              <a:t>         void </a:t>
+            </a:r>
+            <a:r>
+              <a:rPr lang="en-US" dirty="0" err="1">
+                <a:solidFill>
+                  <a:srgbClr val="FC6767"/>
+                </a:solidFill>
+              </a:rPr>
+              <a:t>PrintStatsAsJson</a:t>
+            </a:r>
+            <a:r>
+              <a:rPr lang="en-US" dirty="0">
+                <a:solidFill>
+                  <a:srgbClr val="FC6767"/>
+                </a:solidFill>
+              </a:rPr>
+              <a:t>() {</a:t>
+            </a:r>
+          </a:p>
+          <a:p>
+            <a:r>
+              <a:rPr lang="en-US" dirty="0">
+                <a:solidFill>
+                  <a:srgbClr val="FC6767"/>
+                </a:solidFill>
+              </a:rPr>
+              <a:t>            </a:t>
+            </a:r>
+            <a:r>
+              <a:rPr lang="en-US" dirty="0" err="1">
+                <a:solidFill>
+                  <a:srgbClr val="FC6767"/>
+                </a:solidFill>
+              </a:rPr>
+              <a:t>cout</a:t>
+            </a:r>
+            <a:r>
+              <a:rPr lang="en-US" dirty="0">
+                <a:solidFill>
+                  <a:srgbClr val="FC6767"/>
+                </a:solidFill>
+              </a:rPr>
+              <a:t> &lt;&lt; "{" &lt;&lt; R"("</a:t>
+            </a:r>
+            <a:r>
+              <a:rPr lang="en-US" dirty="0" err="1">
+                <a:solidFill>
+                  <a:srgbClr val="FC6767"/>
+                </a:solidFill>
+              </a:rPr>
+              <a:t>callCount</a:t>
+            </a:r>
+            <a:r>
+              <a:rPr lang="en-US" dirty="0">
+                <a:solidFill>
+                  <a:srgbClr val="FC6767"/>
+                </a:solidFill>
+              </a:rPr>
+              <a:t>":)" &lt;&lt; </a:t>
+            </a:r>
+            <a:r>
+              <a:rPr lang="en-US" dirty="0" err="1">
+                <a:solidFill>
+                  <a:srgbClr val="FC6767"/>
+                </a:solidFill>
+              </a:rPr>
+              <a:t>callCount</a:t>
+            </a:r>
+            <a:r>
+              <a:rPr lang="en-US" dirty="0">
+                <a:solidFill>
+                  <a:srgbClr val="FC6767"/>
+                </a:solidFill>
+              </a:rPr>
+              <a:t>_ &lt;&lt; "," &lt;&lt; R"("</a:t>
+            </a:r>
+            <a:r>
+              <a:rPr lang="en-US" dirty="0" err="1">
+                <a:solidFill>
+                  <a:srgbClr val="FC6767"/>
+                </a:solidFill>
+              </a:rPr>
+              <a:t>totalDuration</a:t>
+            </a:r>
+            <a:r>
+              <a:rPr lang="en-US" dirty="0">
+                <a:solidFill>
+                  <a:srgbClr val="FC6767"/>
+                </a:solidFill>
+              </a:rPr>
+              <a:t>":)"</a:t>
+            </a:r>
+          </a:p>
+          <a:p>
+            <a:r>
+              <a:rPr lang="en-US" dirty="0" smtClean="0">
+                <a:solidFill>
+                  <a:srgbClr val="FC6767"/>
+                </a:solidFill>
+              </a:rPr>
+              <a:t>                   </a:t>
+            </a:r>
+            <a:r>
+              <a:rPr lang="en-US" dirty="0">
+                <a:solidFill>
+                  <a:srgbClr val="FC6767"/>
+                </a:solidFill>
+              </a:rPr>
+              <a:t>&lt;&lt; </a:t>
+            </a:r>
+            <a:r>
+              <a:rPr lang="en-US" dirty="0" err="1">
+                <a:solidFill>
+                  <a:srgbClr val="FC6767"/>
+                </a:solidFill>
+              </a:rPr>
+              <a:t>totalDuration</a:t>
+            </a:r>
+            <a:r>
+              <a:rPr lang="en-US" dirty="0">
+                <a:solidFill>
+                  <a:srgbClr val="FC6767"/>
+                </a:solidFill>
+              </a:rPr>
+              <a:t>_ &lt;&lt; "," &lt;&lt; R"("</a:t>
+            </a:r>
+            <a:r>
+              <a:rPr lang="en-US" dirty="0" err="1">
+                <a:solidFill>
+                  <a:srgbClr val="FC6767"/>
+                </a:solidFill>
+              </a:rPr>
+              <a:t>moneySpent</a:t>
+            </a:r>
+            <a:r>
+              <a:rPr lang="en-US" dirty="0">
+                <a:solidFill>
+                  <a:srgbClr val="FC6767"/>
+                </a:solidFill>
+              </a:rPr>
+              <a:t>":)" &lt;&lt; </a:t>
+            </a:r>
+            <a:r>
+              <a:rPr lang="en-US" dirty="0" err="1">
+                <a:solidFill>
+                  <a:srgbClr val="FC6767"/>
+                </a:solidFill>
+              </a:rPr>
+              <a:t>moneySpent</a:t>
+            </a:r>
+            <a:r>
+              <a:rPr lang="en-US" dirty="0">
+                <a:solidFill>
+                  <a:srgbClr val="FC6767"/>
+                </a:solidFill>
+              </a:rPr>
+              <a:t>_ &lt;&lt; "}";</a:t>
+            </a:r>
+          </a:p>
+          <a:p>
+            <a:r>
+              <a:rPr lang="ru-RU" dirty="0">
+                <a:solidFill>
+                  <a:srgbClr val="FC6767"/>
+                </a:solidFill>
+              </a:rPr>
+              <a:t>        </a:t>
+            </a:r>
+            <a:r>
+              <a:rPr lang="ru-RU" dirty="0" smtClean="0">
+                <a:solidFill>
+                  <a:srgbClr val="FC6767"/>
+                </a:solidFill>
+              </a:rPr>
+              <a:t>}</a:t>
+            </a:r>
+            <a:endParaRPr lang="ru-RU" dirty="0">
+              <a:solidFill>
+                <a:srgbClr val="FC6767"/>
+              </a:solidFill>
+            </a:endParaRPr>
+          </a:p>
+          <a:p>
             <a:r>
               <a:rPr lang="en-US" dirty="0"/>
-              <a:t> Billing::Tariff&amp; tariff) {</a:t>
+              <a:t>    private:</a:t>
             </a:r>
           </a:p>
           <a:p>
             <a:r>
               <a:rPr lang="en-US" dirty="0"/>
-              <a:t>    </a:t>
-            </a:r>
-            <a:r>
-              <a:rPr lang="en-US" dirty="0" err="1"/>
-              <a:t>int</a:t>
-            </a:r>
-            <a:r>
-              <a:rPr lang="en-US" dirty="0"/>
-              <a:t> charge = minutes * </a:t>
-            </a:r>
-            <a:r>
-              <a:rPr lang="en-US" dirty="0" err="1"/>
-              <a:t>tariff.costPerMinute</a:t>
-            </a:r>
-            <a:r>
-              <a:rPr lang="en-US" dirty="0"/>
-              <a:t>_;</a:t>
-            </a:r>
-          </a:p>
-          <a:p>
-            <a:r>
-              <a:rPr lang="en-US" dirty="0"/>
-              <a:t>    money_ -= charge;</a:t>
-            </a:r>
-          </a:p>
-          <a:p>
-            <a:r>
-              <a:rPr lang="en-US" dirty="0"/>
-              <a:t>    history_.</a:t>
-            </a:r>
-            <a:r>
-              <a:rPr lang="en-US" dirty="0" err="1"/>
-              <a:t>push_back</a:t>
-            </a:r>
-            <a:r>
-              <a:rPr lang="en-US" dirty="0"/>
-              <a:t>(Event::</a:t>
-            </a:r>
-            <a:r>
-              <a:rPr lang="en-US" dirty="0" err="1"/>
-              <a:t>PhoneCall</a:t>
-            </a:r>
-            <a:r>
-              <a:rPr lang="en-US" dirty="0"/>
-              <a:t>(minutes));</a:t>
-            </a:r>
-          </a:p>
-          <a:p>
+              <a:t> </a:t>
+            </a:r>
+            <a:r>
+              <a:rPr lang="en-US" dirty="0" smtClean="0"/>
+              <a:t>       …</a:t>
+            </a:r>
             <a:endParaRPr lang="en-US" dirty="0"/>
-          </a:p>
-          <a:p>
-            <a:r>
-              <a:rPr lang="en-US" dirty="0"/>
-              <a:t>    if (money_ &lt;= 0) {</a:t>
-            </a:r>
           </a:p>
           <a:p>
             <a:r>
@@ -31391,39 +34146,20 @@
               <a:t>        </a:t>
             </a:r>
             <a:r>
-              <a:rPr lang="en-US" dirty="0" err="1"/>
-              <a:t>SendSms</a:t>
-            </a:r>
-            <a:r>
-              <a:rPr lang="en-US" dirty="0"/>
-              <a:t>("Your balance is " + </a:t>
-            </a:r>
-            <a:r>
-              <a:rPr lang="en-US" dirty="0" err="1"/>
-              <a:t>to_string</a:t>
-            </a:r>
-            <a:r>
-              <a:rPr lang="en-US" dirty="0"/>
-              <a:t>(money_));</a:t>
-            </a:r>
-          </a:p>
-          <a:p>
-            <a:r>
-              <a:rPr lang="en-US" dirty="0"/>
-              <a:t>    }</a:t>
-            </a:r>
-          </a:p>
-          <a:p>
-            <a:endParaRPr lang="en-US" dirty="0"/>
-          </a:p>
-          <a:p>
+              <a:rPr lang="en-US" dirty="0" err="1">
+                <a:solidFill>
+                  <a:srgbClr val="FC6767"/>
+                </a:solidFill>
+              </a:rPr>
+              <a:t>int</a:t>
+            </a:r>
             <a:r>
               <a:rPr lang="en-US" dirty="0">
                 <a:solidFill>
                   <a:srgbClr val="FC6767"/>
                 </a:solidFill>
               </a:rPr>
-              <a:t>    </a:t>
+              <a:t> </a:t>
             </a:r>
             <a:r>
               <a:rPr lang="en-US" dirty="0" err="1">
@@ -31431,6 +34167,90 @@
                   <a:srgbClr val="FC6767"/>
                 </a:solidFill>
               </a:rPr>
+              <a:t>callCount</a:t>
+            </a:r>
+            <a:r>
+              <a:rPr lang="en-US" dirty="0">
+                <a:solidFill>
+                  <a:srgbClr val="FC6767"/>
+                </a:solidFill>
+              </a:rPr>
+              <a:t>_;</a:t>
+            </a:r>
+          </a:p>
+          <a:p>
+            <a:r>
+              <a:rPr lang="en-US" dirty="0">
+                <a:solidFill>
+                  <a:srgbClr val="FC6767"/>
+                </a:solidFill>
+              </a:rPr>
+              <a:t>        </a:t>
+            </a:r>
+            <a:r>
+              <a:rPr lang="en-US" dirty="0" err="1">
+                <a:solidFill>
+                  <a:srgbClr val="FC6767"/>
+                </a:solidFill>
+              </a:rPr>
+              <a:t>int</a:t>
+            </a:r>
+            <a:r>
+              <a:rPr lang="en-US" dirty="0">
+                <a:solidFill>
+                  <a:srgbClr val="FC6767"/>
+                </a:solidFill>
+              </a:rPr>
+              <a:t> </a:t>
+            </a:r>
+            <a:r>
+              <a:rPr lang="en-US" dirty="0" err="1">
+                <a:solidFill>
+                  <a:srgbClr val="FC6767"/>
+                </a:solidFill>
+              </a:rPr>
+              <a:t>totalDuration</a:t>
+            </a:r>
+            <a:r>
+              <a:rPr lang="en-US" dirty="0">
+                <a:solidFill>
+                  <a:srgbClr val="FC6767"/>
+                </a:solidFill>
+              </a:rPr>
+              <a:t>_;</a:t>
+            </a:r>
+          </a:p>
+          <a:p>
+            <a:r>
+              <a:rPr lang="en-US" dirty="0">
+                <a:solidFill>
+                  <a:srgbClr val="FC6767"/>
+                </a:solidFill>
+              </a:rPr>
+              <a:t>        </a:t>
+            </a:r>
+            <a:r>
+              <a:rPr lang="en-US" dirty="0" err="1">
+                <a:solidFill>
+                  <a:srgbClr val="FC6767"/>
+                </a:solidFill>
+              </a:rPr>
+              <a:t>int</a:t>
+            </a:r>
+            <a:r>
+              <a:rPr lang="en-US" dirty="0">
+                <a:solidFill>
+                  <a:srgbClr val="FC6767"/>
+                </a:solidFill>
+              </a:rPr>
+              <a:t> </a:t>
+            </a:r>
+            <a:r>
+              <a:rPr lang="en-US" dirty="0" err="1">
+                <a:solidFill>
+                  <a:srgbClr val="FC6767"/>
+                </a:solidFill>
+              </a:rPr>
               <a:t>moneySpent</a:t>
             </a:r>
             <a:r>
@@ -31439,68 +34259,14 @@
                   <a:srgbClr val="FC6767"/>
                 </a:solidFill>
               </a:rPr>
-              <a:t>_ += charge;</a:t>
-            </a:r>
-          </a:p>
-          <a:p>
-            <a:r>
-              <a:rPr lang="en-US" dirty="0">
-                <a:solidFill>
-                  <a:srgbClr val="FC6767"/>
-                </a:solidFill>
-              </a:rPr>
-              <a:t>    </a:t>
-            </a:r>
-            <a:r>
-              <a:rPr lang="en-US" dirty="0" err="1">
-                <a:solidFill>
-                  <a:srgbClr val="FC6767"/>
-                </a:solidFill>
-              </a:rPr>
-              <a:t>totalDuration</a:t>
-            </a:r>
-            <a:r>
-              <a:rPr lang="en-US" dirty="0">
-                <a:solidFill>
-                  <a:srgbClr val="FC6767"/>
-                </a:solidFill>
-              </a:rPr>
-              <a:t>_ += minutes;</a:t>
-            </a:r>
-          </a:p>
-          <a:p>
-            <a:r>
-              <a:rPr lang="en-US" dirty="0">
-                <a:solidFill>
-                  <a:srgbClr val="FC6767"/>
-                </a:solidFill>
-              </a:rPr>
-              <a:t>    ++</a:t>
-            </a:r>
-            <a:r>
-              <a:rPr lang="en-US" dirty="0" err="1">
-                <a:solidFill>
-                  <a:srgbClr val="FC6767"/>
-                </a:solidFill>
-              </a:rPr>
-              <a:t>callCount</a:t>
-            </a:r>
-            <a:r>
-              <a:rPr lang="en-US" dirty="0">
-                <a:solidFill>
-                  <a:srgbClr val="FC6767"/>
-                </a:solidFill>
-              </a:rPr>
               <a:t>_;</a:t>
             </a:r>
           </a:p>
           <a:p>
             <a:r>
-              <a:rPr lang="en-US" dirty="0"/>
-              <a:t>}</a:t>
-            </a:r>
-          </a:p>
-          <a:p>
+              <a:rPr lang="ru-RU" dirty="0" smtClean="0"/>
+              <a:t>};</a:t>
+            </a:r>
             <a:endParaRPr lang="ru-RU" dirty="0"/>
           </a:p>
         </p:txBody>
@@ -31508,7 +34274,7 @@
     </p:spTree>
     <p:extLst>
       <p:ext uri="{BB962C8B-B14F-4D97-AF65-F5344CB8AC3E}">
-        <p14:creationId xmlns:p14="http://schemas.microsoft.com/office/powerpoint/2010/main" val="554880742"/>
+        <p14:creationId xmlns:p14="http://schemas.microsoft.com/office/powerpoint/2010/main" val="3620372074"/>
       </p:ext>
     </p:extLst>
   </p:cSld>
@@ -31653,53 +34419,7 @@
       </p:grpSpPr>
       <p:sp>
         <p:nvSpPr>
-          <p:cNvPr id="2" name="Заголовок 1"/>
-          <p:cNvSpPr>
-            <a:spLocks noGrp="1"/>
-          </p:cNvSpPr>
-          <p:nvPr>
-            <p:ph type="title"/>
-          </p:nvPr>
-        </p:nvSpPr>
-        <p:spPr/>
-        <p:txBody>
-          <a:bodyPr/>
-          <a:lstStyle/>
-          <a:p>
-            <a:r>
-              <a:rPr lang="ru-RU" dirty="0" smtClean="0"/>
-              <a:t>Слайд с текущей схемой кода</a:t>
-            </a:r>
-            <a:endParaRPr lang="ru-RU" dirty="0"/>
-          </a:p>
-        </p:txBody>
-      </p:sp>
-      <p:sp>
-        <p:nvSpPr>
-          <p:cNvPr id="3" name="Объект 2"/>
-          <p:cNvSpPr>
-            <a:spLocks noGrp="1"/>
-          </p:cNvSpPr>
-          <p:nvPr>
-            <p:ph idx="1"/>
-          </p:nvPr>
-        </p:nvSpPr>
-        <p:spPr/>
-        <p:txBody>
-          <a:bodyPr/>
-          <a:lstStyle/>
-          <a:p>
-            <a:r>
-              <a:rPr lang="ru-RU" dirty="0" smtClean="0"/>
-              <a:t>Такой же, как до добавления мониторинга</a:t>
-            </a:r>
-            <a:endParaRPr lang="ru-RU" dirty="0"/>
-          </a:p>
-        </p:txBody>
-      </p:sp>
-      <p:sp>
-        <p:nvSpPr>
-          <p:cNvPr id="4" name="Нижний колонтитул 3"/>
+          <p:cNvPr id="2" name="Нижний колонтитул 1"/>
           <p:cNvSpPr>
             <a:spLocks noGrp="1"/>
           </p:cNvSpPr>
@@ -31712,7 +34432,7 @@
           <a:bodyPr/>
           <a:lstStyle/>
           <a:p>
-            <a:endParaRPr lang="ru-RU">
+            <a:endParaRPr lang="ru-RU" dirty="0">
               <a:solidFill>
                 <a:srgbClr val="000000"/>
               </a:solidFill>
@@ -31722,7 +34442,7 @@
       </p:sp>
       <p:sp>
         <p:nvSpPr>
-          <p:cNvPr id="5" name="Номер слайда 4"/>
+          <p:cNvPr id="3" name="Номер слайда 2"/>
           <p:cNvSpPr>
             <a:spLocks noGrp="1"/>
           </p:cNvSpPr>
@@ -31752,16 +34472,250 @@
           </a:p>
         </p:txBody>
       </p:sp>
+      <p:sp>
+        <p:nvSpPr>
+          <p:cNvPr id="4" name="Объект 3"/>
+          <p:cNvSpPr>
+            <a:spLocks noGrp="1"/>
+          </p:cNvSpPr>
+          <p:nvPr>
+            <p:ph idx="13"/>
+          </p:nvPr>
+        </p:nvSpPr>
+        <p:spPr/>
+        <p:txBody>
+          <a:bodyPr/>
+          <a:lstStyle/>
+          <a:p>
+            <a:r>
+              <a:rPr lang="en-US" dirty="0"/>
+              <a:t>void Billing::</a:t>
+            </a:r>
+            <a:r>
+              <a:rPr lang="en-US" dirty="0" err="1"/>
+              <a:t>UserInfo</a:t>
+            </a:r>
+            <a:r>
+              <a:rPr lang="en-US" dirty="0"/>
+              <a:t>::</a:t>
+            </a:r>
+            <a:r>
+              <a:rPr lang="en-US" dirty="0" err="1"/>
+              <a:t>ChargePhoneCall</a:t>
+            </a:r>
+            <a:r>
+              <a:rPr lang="en-US" dirty="0"/>
+              <a:t>(</a:t>
+            </a:r>
+            <a:r>
+              <a:rPr lang="en-US" dirty="0" err="1"/>
+              <a:t>int</a:t>
+            </a:r>
+            <a:r>
+              <a:rPr lang="en-US" dirty="0"/>
+              <a:t> minutes, </a:t>
+            </a:r>
+            <a:r>
+              <a:rPr lang="en-US" dirty="0" err="1"/>
+              <a:t>const</a:t>
+            </a:r>
+            <a:r>
+              <a:rPr lang="en-US" dirty="0"/>
+              <a:t> Billing::Tariff&amp; tariff) {</a:t>
+            </a:r>
+          </a:p>
+          <a:p>
+            <a:r>
+              <a:rPr lang="en-US" dirty="0"/>
+              <a:t>    </a:t>
+            </a:r>
+            <a:r>
+              <a:rPr lang="en-US" dirty="0" err="1"/>
+              <a:t>int</a:t>
+            </a:r>
+            <a:r>
+              <a:rPr lang="en-US" dirty="0"/>
+              <a:t> charge = minutes * </a:t>
+            </a:r>
+            <a:r>
+              <a:rPr lang="en-US" dirty="0" err="1"/>
+              <a:t>tariff.costPerMinute</a:t>
+            </a:r>
+            <a:r>
+              <a:rPr lang="en-US" dirty="0"/>
+              <a:t>_;</a:t>
+            </a:r>
+          </a:p>
+          <a:p>
+            <a:r>
+              <a:rPr lang="en-US" dirty="0"/>
+              <a:t>    money_ -= charge;</a:t>
+            </a:r>
+          </a:p>
+          <a:p>
+            <a:r>
+              <a:rPr lang="en-US" dirty="0"/>
+              <a:t>    history_.</a:t>
+            </a:r>
+            <a:r>
+              <a:rPr lang="en-US" dirty="0" err="1"/>
+              <a:t>push_back</a:t>
+            </a:r>
+            <a:r>
+              <a:rPr lang="en-US" dirty="0"/>
+              <a:t>(Event::</a:t>
+            </a:r>
+            <a:r>
+              <a:rPr lang="en-US" dirty="0" err="1"/>
+              <a:t>PhoneCall</a:t>
+            </a:r>
+            <a:r>
+              <a:rPr lang="en-US" dirty="0"/>
+              <a:t>(minutes));</a:t>
+            </a:r>
+          </a:p>
+          <a:p>
+            <a:endParaRPr lang="en-US" dirty="0"/>
+          </a:p>
+          <a:p>
+            <a:r>
+              <a:rPr lang="en-US" dirty="0"/>
+              <a:t>    if (money_ &lt;= 0) {</a:t>
+            </a:r>
+          </a:p>
+          <a:p>
+            <a:r>
+              <a:rPr lang="en-US" dirty="0"/>
+              <a:t>        </a:t>
+            </a:r>
+            <a:r>
+              <a:rPr lang="en-US" dirty="0" err="1"/>
+              <a:t>SendSms</a:t>
+            </a:r>
+            <a:r>
+              <a:rPr lang="en-US" dirty="0"/>
+              <a:t>("Your balance is " + </a:t>
+            </a:r>
+            <a:r>
+              <a:rPr lang="en-US" dirty="0" err="1"/>
+              <a:t>to_string</a:t>
+            </a:r>
+            <a:r>
+              <a:rPr lang="en-US" dirty="0"/>
+              <a:t>(money_));</a:t>
+            </a:r>
+          </a:p>
+          <a:p>
+            <a:r>
+              <a:rPr lang="en-US" dirty="0"/>
+              <a:t>    }</a:t>
+            </a:r>
+          </a:p>
+          <a:p>
+            <a:endParaRPr lang="en-US" dirty="0"/>
+          </a:p>
+          <a:p>
+            <a:r>
+              <a:rPr lang="en-US" dirty="0">
+                <a:solidFill>
+                  <a:srgbClr val="FC6767"/>
+                </a:solidFill>
+              </a:rPr>
+              <a:t>    </a:t>
+            </a:r>
+            <a:r>
+              <a:rPr lang="en-US" dirty="0" err="1">
+                <a:solidFill>
+                  <a:srgbClr val="FC6767"/>
+                </a:solidFill>
+              </a:rPr>
+              <a:t>moneySpent</a:t>
+            </a:r>
+            <a:r>
+              <a:rPr lang="en-US" dirty="0">
+                <a:solidFill>
+                  <a:srgbClr val="FC6767"/>
+                </a:solidFill>
+              </a:rPr>
+              <a:t>_ += charge;</a:t>
+            </a:r>
+          </a:p>
+          <a:p>
+            <a:r>
+              <a:rPr lang="en-US" dirty="0">
+                <a:solidFill>
+                  <a:srgbClr val="FC6767"/>
+                </a:solidFill>
+              </a:rPr>
+              <a:t>    </a:t>
+            </a:r>
+            <a:r>
+              <a:rPr lang="en-US" dirty="0" err="1">
+                <a:solidFill>
+                  <a:srgbClr val="FC6767"/>
+                </a:solidFill>
+              </a:rPr>
+              <a:t>totalDuration</a:t>
+            </a:r>
+            <a:r>
+              <a:rPr lang="en-US" dirty="0">
+                <a:solidFill>
+                  <a:srgbClr val="FC6767"/>
+                </a:solidFill>
+              </a:rPr>
+              <a:t>_ += minutes;</a:t>
+            </a:r>
+          </a:p>
+          <a:p>
+            <a:r>
+              <a:rPr lang="en-US" dirty="0">
+                <a:solidFill>
+                  <a:srgbClr val="FC6767"/>
+                </a:solidFill>
+              </a:rPr>
+              <a:t>    ++</a:t>
+            </a:r>
+            <a:r>
+              <a:rPr lang="en-US" dirty="0" err="1">
+                <a:solidFill>
+                  <a:srgbClr val="FC6767"/>
+                </a:solidFill>
+              </a:rPr>
+              <a:t>callCount</a:t>
+            </a:r>
+            <a:r>
+              <a:rPr lang="en-US" dirty="0">
+                <a:solidFill>
+                  <a:srgbClr val="FC6767"/>
+                </a:solidFill>
+              </a:rPr>
+              <a:t>_;</a:t>
+            </a:r>
+          </a:p>
+          <a:p>
+            <a:r>
+              <a:rPr lang="en-US" dirty="0"/>
+              <a:t>}</a:t>
+            </a:r>
+          </a:p>
+          <a:p>
+            <a:endParaRPr lang="ru-RU" dirty="0"/>
+          </a:p>
+        </p:txBody>
+      </p:sp>
     </p:spTree>
     <p:extLst>
       <p:ext uri="{BB962C8B-B14F-4D97-AF65-F5344CB8AC3E}">
-        <p14:creationId xmlns:p14="http://schemas.microsoft.com/office/powerpoint/2010/main" val="1760226247"/>
+        <p14:creationId xmlns:p14="http://schemas.microsoft.com/office/powerpoint/2010/main" val="554880742"/>
       </p:ext>
     </p:extLst>
   </p:cSld>
   <p:clrMapOvr>
     <a:masterClrMapping/>
   </p:clrMapOvr>
+  <p:transition spd="slow">
+    <p:push dir="u"/>
+  </p:transition>
   <p:timing>
     <p:tnLst>
       <p:par>
@@ -31791,7 +34745,7 @@
       </p:grpSpPr>
       <p:sp>
         <p:nvSpPr>
-          <p:cNvPr id="7" name="Заголовок 6"/>
+          <p:cNvPr id="2" name="Заголовок 1"/>
           <p:cNvSpPr>
             <a:spLocks noGrp="1"/>
           </p:cNvSpPr>
@@ -31806,7 +34760,7 @@
           <a:p>
             <a:r>
               <a:rPr lang="ru-RU" dirty="0" smtClean="0"/>
-              <a:t>Тестирование?</a:t>
+              <a:t>Слайд с текущей схемой кода</a:t>
             </a:r>
             <a:endParaRPr lang="ru-RU" dirty="0"/>
           </a:p>
@@ -31814,7 +34768,7 @@
       </p:sp>
       <p:sp>
         <p:nvSpPr>
-          <p:cNvPr id="9" name="Объект 8"/>
+          <p:cNvPr id="3" name="Объект 2"/>
           <p:cNvSpPr>
             <a:spLocks noGrp="1"/>
           </p:cNvSpPr>
@@ -31829,21 +34783,7 @@
           <a:p>
             <a:r>
               <a:rPr lang="ru-RU" dirty="0" smtClean="0"/>
-              <a:t>Хотим добавить тесты:</a:t>
-            </a:r>
-          </a:p>
-          <a:p>
-            <a:pPr lvl="1"/>
-            <a:r>
-              <a:rPr lang="ru-RU" dirty="0" smtClean="0"/>
-              <a:t>проверить, что списание денег не увеличивает баланс</a:t>
-            </a:r>
-          </a:p>
-          <a:p>
-            <a:pPr lvl="1"/>
-            <a:r>
-              <a:rPr lang="ru-RU" dirty="0" smtClean="0"/>
-              <a:t>звонок нулевой длины не уменьшает баланс</a:t>
+              <a:t>Такой же, как до добавления мониторинга</a:t>
             </a:r>
             <a:endParaRPr lang="ru-RU" dirty="0"/>
           </a:p>
@@ -31851,7 +34791,7 @@
       </p:sp>
       <p:sp>
         <p:nvSpPr>
-          <p:cNvPr id="3" name="Нижний колонтитул 2"/>
+          <p:cNvPr id="4" name="Нижний колонтитул 3"/>
           <p:cNvSpPr>
             <a:spLocks noGrp="1"/>
           </p:cNvSpPr>
@@ -31874,7 +34814,7 @@
       </p:sp>
       <p:sp>
         <p:nvSpPr>
-          <p:cNvPr id="4" name="Номер слайда 3"/>
+          <p:cNvPr id="5" name="Номер слайда 4"/>
           <p:cNvSpPr>
             <a:spLocks noGrp="1"/>
           </p:cNvSpPr>
@@ -31907,7 +34847,7 @@
     </p:spTree>
     <p:extLst>
       <p:ext uri="{BB962C8B-B14F-4D97-AF65-F5344CB8AC3E}">
-        <p14:creationId xmlns:p14="http://schemas.microsoft.com/office/powerpoint/2010/main" val="2015892124"/>
+        <p14:creationId xmlns:p14="http://schemas.microsoft.com/office/powerpoint/2010/main" val="1760226247"/>
       </p:ext>
     </p:extLst>
   </p:cSld>
@@ -31943,7 +34883,7 @@
       </p:grpSpPr>
       <p:sp>
         <p:nvSpPr>
-          <p:cNvPr id="2" name="Заголовок 1"/>
+          <p:cNvPr id="7" name="Заголовок 6"/>
           <p:cNvSpPr>
             <a:spLocks noGrp="1"/>
           </p:cNvSpPr>
@@ -31959,6 +34899,43 @@
             <a:r>
               <a:rPr lang="ru-RU" dirty="0" smtClean="0"/>
               <a:t>Тестирование?</a:t>
+            </a:r>
+            <a:endParaRPr lang="ru-RU" dirty="0"/>
+          </a:p>
+        </p:txBody>
+      </p:sp>
+      <p:sp>
+        <p:nvSpPr>
+          <p:cNvPr id="9" name="Объект 8"/>
+          <p:cNvSpPr>
+            <a:spLocks noGrp="1"/>
+          </p:cNvSpPr>
+          <p:nvPr>
+            <p:ph idx="1"/>
+          </p:nvPr>
+        </p:nvSpPr>
+        <p:spPr/>
+        <p:txBody>
+          <a:bodyPr/>
+          <a:lstStyle/>
+          <a:p>
+            <a:r>
+              <a:rPr lang="ru-RU" dirty="0" smtClean="0"/>
+              <a:t>Хотим добавить тесты:</a:t>
+            </a:r>
+          </a:p>
+          <a:p>
+            <a:pPr lvl="1"/>
+            <a:r>
+              <a:rPr lang="ru-RU" dirty="0" smtClean="0"/>
+              <a:t>проверить, что списание денег не увеличивает баланс</a:t>
+            </a:r>
+          </a:p>
+          <a:p>
+            <a:pPr lvl="1"/>
+            <a:r>
+              <a:rPr lang="ru-RU" dirty="0" smtClean="0"/>
+              <a:t>звонок нулевой длины не уменьшает баланс</a:t>
             </a:r>
             <a:endParaRPr lang="ru-RU" dirty="0"/>
           </a:p>
@@ -31979,7 +34956,7 @@
           <a:bodyPr/>
           <a:lstStyle/>
           <a:p>
-            <a:endParaRPr lang="ru-RU" dirty="0">
+            <a:endParaRPr lang="ru-RU">
               <a:solidFill>
                 <a:srgbClr val="000000"/>
               </a:solidFill>
@@ -32019,223 +34996,10 @@
           </a:p>
         </p:txBody>
       </p:sp>
-      <p:sp>
-        <p:nvSpPr>
-          <p:cNvPr id="5" name="Объект 4"/>
-          <p:cNvSpPr>
-            <a:spLocks noGrp="1"/>
-          </p:cNvSpPr>
-          <p:nvPr>
-            <p:ph idx="13"/>
-          </p:nvPr>
-        </p:nvSpPr>
-        <p:spPr/>
-        <p:txBody>
-          <a:bodyPr/>
-          <a:lstStyle/>
-          <a:p>
-            <a:r>
-              <a:rPr lang="en-US" dirty="0"/>
-              <a:t>void Billing::</a:t>
-            </a:r>
-            <a:r>
-              <a:rPr lang="en-US" dirty="0" err="1"/>
-              <a:t>UserInfo</a:t>
-            </a:r>
-            <a:r>
-              <a:rPr lang="en-US" dirty="0"/>
-              <a:t>::</a:t>
-            </a:r>
-            <a:r>
-              <a:rPr lang="en-US" dirty="0" err="1"/>
-              <a:t>ChargePhoneCall</a:t>
-            </a:r>
-            <a:r>
-              <a:rPr lang="en-US" dirty="0"/>
-              <a:t>(</a:t>
-            </a:r>
-            <a:r>
-              <a:rPr lang="en-US" dirty="0" err="1"/>
-              <a:t>int</a:t>
-            </a:r>
-            <a:r>
-              <a:rPr lang="en-US" dirty="0"/>
-              <a:t> minutes, </a:t>
-            </a:r>
-            <a:r>
-              <a:rPr lang="en-US" dirty="0" err="1"/>
-              <a:t>const</a:t>
-            </a:r>
-            <a:r>
-              <a:rPr lang="en-US" dirty="0"/>
-              <a:t> Billing::Tariff&amp; tariff) {</a:t>
-            </a:r>
-          </a:p>
-          <a:p>
-            <a:r>
-              <a:rPr lang="en-US" dirty="0">
-                <a:solidFill>
-                  <a:srgbClr val="FC6767"/>
-                </a:solidFill>
-              </a:rPr>
-              <a:t>    </a:t>
-            </a:r>
-            <a:r>
-              <a:rPr lang="en-US" dirty="0" err="1">
-                <a:solidFill>
-                  <a:srgbClr val="FC6767"/>
-                </a:solidFill>
-              </a:rPr>
-              <a:t>int</a:t>
-            </a:r>
-            <a:r>
-              <a:rPr lang="en-US" dirty="0">
-                <a:solidFill>
-                  <a:srgbClr val="FC6767"/>
-                </a:solidFill>
-              </a:rPr>
-              <a:t> charge = minutes * </a:t>
-            </a:r>
-            <a:r>
-              <a:rPr lang="en-US" dirty="0" err="1">
-                <a:solidFill>
-                  <a:srgbClr val="FC6767"/>
-                </a:solidFill>
-              </a:rPr>
-              <a:t>tariff.costPerMinute</a:t>
-            </a:r>
-            <a:r>
-              <a:rPr lang="en-US" dirty="0">
-                <a:solidFill>
-                  <a:srgbClr val="FC6767"/>
-                </a:solidFill>
-              </a:rPr>
-              <a:t>_;</a:t>
-            </a:r>
-          </a:p>
-          <a:p>
-            <a:r>
-              <a:rPr lang="en-US" dirty="0">
-                <a:solidFill>
-                  <a:srgbClr val="FC6767"/>
-                </a:solidFill>
-              </a:rPr>
-              <a:t>    money_ -= charge;</a:t>
-            </a:r>
-          </a:p>
-          <a:p>
-            <a:r>
-              <a:rPr lang="en-US" dirty="0"/>
-              <a:t>    history_.</a:t>
-            </a:r>
-            <a:r>
-              <a:rPr lang="en-US" dirty="0" err="1"/>
-              <a:t>push_back</a:t>
-            </a:r>
-            <a:r>
-              <a:rPr lang="en-US" dirty="0"/>
-              <a:t>(Event::</a:t>
-            </a:r>
-            <a:r>
-              <a:rPr lang="en-US" dirty="0" err="1"/>
-              <a:t>PhoneCall</a:t>
-            </a:r>
-            <a:r>
-              <a:rPr lang="en-US" dirty="0"/>
-              <a:t>(minutes));</a:t>
-            </a:r>
-          </a:p>
-          <a:p>
-            <a:endParaRPr lang="en-US" dirty="0"/>
-          </a:p>
-          <a:p>
-            <a:r>
-              <a:rPr lang="en-US" dirty="0"/>
-              <a:t>    if (money_ &lt;= 0) {</a:t>
-            </a:r>
-          </a:p>
-          <a:p>
-            <a:r>
-              <a:rPr lang="en-US" dirty="0"/>
-              <a:t>        </a:t>
-            </a:r>
-            <a:r>
-              <a:rPr lang="en-US" dirty="0" err="1"/>
-              <a:t>SendSms</a:t>
-            </a:r>
-            <a:r>
-              <a:rPr lang="en-US" dirty="0"/>
-              <a:t>("Your balance is " + </a:t>
-            </a:r>
-            <a:r>
-              <a:rPr lang="en-US" dirty="0" err="1"/>
-              <a:t>to_string</a:t>
-            </a:r>
-            <a:r>
-              <a:rPr lang="en-US" dirty="0"/>
-              <a:t>(money_));</a:t>
-            </a:r>
-          </a:p>
-          <a:p>
-            <a:r>
-              <a:rPr lang="en-US" dirty="0"/>
-              <a:t>    }</a:t>
-            </a:r>
-          </a:p>
-          <a:p>
-            <a:r>
-              <a:rPr lang="en-US" dirty="0" smtClean="0"/>
-              <a:t>    </a:t>
-            </a:r>
-            <a:r>
-              <a:rPr lang="en-US" dirty="0" err="1"/>
-              <a:t>moneySpent</a:t>
-            </a:r>
-            <a:r>
-              <a:rPr lang="en-US" dirty="0"/>
-              <a:t>_ += charge;</a:t>
-            </a:r>
-          </a:p>
-          <a:p>
-            <a:r>
-              <a:rPr lang="en-US" dirty="0"/>
-              <a:t>    </a:t>
-            </a:r>
-            <a:r>
-              <a:rPr lang="en-US" dirty="0" err="1"/>
-              <a:t>totalDuration</a:t>
-            </a:r>
-            <a:r>
-              <a:rPr lang="en-US" dirty="0"/>
-              <a:t>_ += minutes;</a:t>
-            </a:r>
-          </a:p>
-          <a:p>
-            <a:r>
-              <a:rPr lang="en-US" dirty="0"/>
-              <a:t>    ++</a:t>
-            </a:r>
-            <a:r>
-              <a:rPr lang="en-US" dirty="0" err="1"/>
-              <a:t>callCount</a:t>
-            </a:r>
-            <a:r>
-              <a:rPr lang="en-US" dirty="0"/>
-              <a:t>_;</a:t>
-            </a:r>
-          </a:p>
-          <a:p>
-            <a:r>
-              <a:rPr lang="en-US" dirty="0"/>
-              <a:t>}</a:t>
-            </a:r>
-          </a:p>
-        </p:txBody>
-      </p:sp>
     </p:spTree>
     <p:extLst>
       <p:ext uri="{BB962C8B-B14F-4D97-AF65-F5344CB8AC3E}">
-        <p14:creationId xmlns:p14="http://schemas.microsoft.com/office/powerpoint/2010/main" val="2052839228"/>
+        <p14:creationId xmlns:p14="http://schemas.microsoft.com/office/powerpoint/2010/main" val="2015892124"/>
       </p:ext>
     </p:extLst>
   </p:cSld>
@@ -32286,7 +35050,7 @@
           <a:p>
             <a:r>
               <a:rPr lang="ru-RU" dirty="0" smtClean="0"/>
-              <a:t>Так писать надо сразу</a:t>
+              <a:t>Тестирование?</a:t>
             </a:r>
             <a:endParaRPr lang="ru-RU" dirty="0"/>
           </a:p>
@@ -32294,26 +35058,7 @@
       </p:sp>
       <p:sp>
         <p:nvSpPr>
-          <p:cNvPr id="3" name="Объект 2"/>
-          <p:cNvSpPr>
-            <a:spLocks noGrp="1"/>
-          </p:cNvSpPr>
-          <p:nvPr>
-            <p:ph idx="1"/>
-          </p:nvPr>
-        </p:nvSpPr>
-        <p:spPr/>
-        <p:txBody>
-          <a:bodyPr/>
-          <a:lstStyle/>
-          <a:p>
-            <a:endParaRPr lang="ru-RU" dirty="0"/>
-          </a:p>
-        </p:txBody>
-      </p:sp>
-      <p:sp>
-        <p:nvSpPr>
-          <p:cNvPr id="4" name="Нижний колонтитул 3"/>
+          <p:cNvPr id="3" name="Нижний колонтитул 2"/>
           <p:cNvSpPr>
             <a:spLocks noGrp="1"/>
           </p:cNvSpPr>
@@ -32326,7 +35071,7 @@
           <a:bodyPr/>
           <a:lstStyle/>
           <a:p>
-            <a:endParaRPr lang="ru-RU">
+            <a:endParaRPr lang="ru-RU" dirty="0">
               <a:solidFill>
                 <a:srgbClr val="000000"/>
               </a:solidFill>
@@ -32336,7 +35081,7 @@
       </p:sp>
       <p:sp>
         <p:nvSpPr>
-          <p:cNvPr id="5" name="Номер слайда 4"/>
+          <p:cNvPr id="4" name="Номер слайда 3"/>
           <p:cNvSpPr>
             <a:spLocks noGrp="1"/>
           </p:cNvSpPr>
@@ -32366,10 +35111,223 @@
           </a:p>
         </p:txBody>
       </p:sp>
+      <p:sp>
+        <p:nvSpPr>
+          <p:cNvPr id="5" name="Объект 4"/>
+          <p:cNvSpPr>
+            <a:spLocks noGrp="1"/>
+          </p:cNvSpPr>
+          <p:nvPr>
+            <p:ph idx="13"/>
+          </p:nvPr>
+        </p:nvSpPr>
+        <p:spPr/>
+        <p:txBody>
+          <a:bodyPr/>
+          <a:lstStyle/>
+          <a:p>
+            <a:r>
+              <a:rPr lang="en-US" dirty="0"/>
+              <a:t>void Billing::</a:t>
+            </a:r>
+            <a:r>
+              <a:rPr lang="en-US" dirty="0" err="1"/>
+              <a:t>UserInfo</a:t>
+            </a:r>
+            <a:r>
+              <a:rPr lang="en-US" dirty="0"/>
+              <a:t>::</a:t>
+            </a:r>
+            <a:r>
+              <a:rPr lang="en-US" dirty="0" err="1"/>
+              <a:t>ChargePhoneCall</a:t>
+            </a:r>
+            <a:r>
+              <a:rPr lang="en-US" dirty="0"/>
+              <a:t>(</a:t>
+            </a:r>
+            <a:r>
+              <a:rPr lang="en-US" dirty="0" err="1"/>
+              <a:t>int</a:t>
+            </a:r>
+            <a:r>
+              <a:rPr lang="en-US" dirty="0"/>
+              <a:t> minutes, </a:t>
+            </a:r>
+            <a:r>
+              <a:rPr lang="en-US" dirty="0" err="1"/>
+              <a:t>const</a:t>
+            </a:r>
+            <a:r>
+              <a:rPr lang="en-US" dirty="0"/>
+              <a:t> Billing::Tariff&amp; tariff) {</a:t>
+            </a:r>
+          </a:p>
+          <a:p>
+            <a:r>
+              <a:rPr lang="en-US" dirty="0">
+                <a:solidFill>
+                  <a:srgbClr val="FC6767"/>
+                </a:solidFill>
+              </a:rPr>
+              <a:t>    </a:t>
+            </a:r>
+            <a:r>
+              <a:rPr lang="en-US" dirty="0" err="1">
+                <a:solidFill>
+                  <a:srgbClr val="FC6767"/>
+                </a:solidFill>
+              </a:rPr>
+              <a:t>int</a:t>
+            </a:r>
+            <a:r>
+              <a:rPr lang="en-US" dirty="0">
+                <a:solidFill>
+                  <a:srgbClr val="FC6767"/>
+                </a:solidFill>
+              </a:rPr>
+              <a:t> charge = minutes * </a:t>
+            </a:r>
+            <a:r>
+              <a:rPr lang="en-US" dirty="0" err="1">
+                <a:solidFill>
+                  <a:srgbClr val="FC6767"/>
+                </a:solidFill>
+              </a:rPr>
+              <a:t>tariff.costPerMinute</a:t>
+            </a:r>
+            <a:r>
+              <a:rPr lang="en-US" dirty="0">
+                <a:solidFill>
+                  <a:srgbClr val="FC6767"/>
+                </a:solidFill>
+              </a:rPr>
+              <a:t>_;</a:t>
+            </a:r>
+          </a:p>
+          <a:p>
+            <a:r>
+              <a:rPr lang="en-US" dirty="0">
+                <a:solidFill>
+                  <a:srgbClr val="FC6767"/>
+                </a:solidFill>
+              </a:rPr>
+              <a:t>    money_ -= charge;</a:t>
+            </a:r>
+          </a:p>
+          <a:p>
+            <a:r>
+              <a:rPr lang="en-US" dirty="0"/>
+              <a:t>    history_.</a:t>
+            </a:r>
+            <a:r>
+              <a:rPr lang="en-US" dirty="0" err="1"/>
+              <a:t>push_back</a:t>
+            </a:r>
+            <a:r>
+              <a:rPr lang="en-US" dirty="0"/>
+              <a:t>(Event::</a:t>
+            </a:r>
+            <a:r>
+              <a:rPr lang="en-US" dirty="0" err="1"/>
+              <a:t>PhoneCall</a:t>
+            </a:r>
+            <a:r>
+              <a:rPr lang="en-US" dirty="0"/>
+              <a:t>(minutes));</a:t>
+            </a:r>
+          </a:p>
+          <a:p>
+            <a:endParaRPr lang="en-US" dirty="0"/>
+          </a:p>
+          <a:p>
+            <a:r>
+              <a:rPr lang="en-US" dirty="0"/>
+              <a:t>    if (money_ &lt;= 0) {</a:t>
+            </a:r>
+          </a:p>
+          <a:p>
+            <a:r>
+              <a:rPr lang="en-US" dirty="0"/>
+              <a:t>        </a:t>
+            </a:r>
+            <a:r>
+              <a:rPr lang="en-US" dirty="0" err="1"/>
+              <a:t>SendSms</a:t>
+            </a:r>
+            <a:r>
+              <a:rPr lang="en-US" dirty="0"/>
+              <a:t>("Your balance is " + </a:t>
+            </a:r>
+            <a:r>
+              <a:rPr lang="en-US" dirty="0" err="1"/>
+              <a:t>to_string</a:t>
+            </a:r>
+            <a:r>
+              <a:rPr lang="en-US" dirty="0"/>
+              <a:t>(money_));</a:t>
+            </a:r>
+          </a:p>
+          <a:p>
+            <a:r>
+              <a:rPr lang="en-US" dirty="0"/>
+              <a:t>    }</a:t>
+            </a:r>
+          </a:p>
+          <a:p>
+            <a:r>
+              <a:rPr lang="en-US" dirty="0" smtClean="0"/>
+              <a:t>    </a:t>
+            </a:r>
+            <a:r>
+              <a:rPr lang="en-US" dirty="0" err="1"/>
+              <a:t>moneySpent</a:t>
+            </a:r>
+            <a:r>
+              <a:rPr lang="en-US" dirty="0"/>
+              <a:t>_ += charge;</a:t>
+            </a:r>
+          </a:p>
+          <a:p>
+            <a:r>
+              <a:rPr lang="en-US" dirty="0"/>
+              <a:t>    </a:t>
+            </a:r>
+            <a:r>
+              <a:rPr lang="en-US" dirty="0" err="1"/>
+              <a:t>totalDuration</a:t>
+            </a:r>
+            <a:r>
+              <a:rPr lang="en-US" dirty="0"/>
+              <a:t>_ += minutes;</a:t>
+            </a:r>
+          </a:p>
+          <a:p>
+            <a:r>
+              <a:rPr lang="en-US" dirty="0"/>
+              <a:t>    ++</a:t>
+            </a:r>
+            <a:r>
+              <a:rPr lang="en-US" dirty="0" err="1"/>
+              <a:t>callCount</a:t>
+            </a:r>
+            <a:r>
+              <a:rPr lang="en-US" dirty="0"/>
+              <a:t>_;</a:t>
+            </a:r>
+          </a:p>
+          <a:p>
+            <a:r>
+              <a:rPr lang="en-US" dirty="0"/>
+              <a:t>}</a:t>
+            </a:r>
+          </a:p>
+        </p:txBody>
+      </p:sp>
     </p:spTree>
     <p:extLst>
       <p:ext uri="{BB962C8B-B14F-4D97-AF65-F5344CB8AC3E}">
-        <p14:creationId xmlns:p14="http://schemas.microsoft.com/office/powerpoint/2010/main" val="754117462"/>
+        <p14:creationId xmlns:p14="http://schemas.microsoft.com/office/powerpoint/2010/main" val="2052839228"/>
       </p:ext>
     </p:extLst>
   </p:cSld>
@@ -32420,7 +35378,7 @@
           <a:p>
             <a:r>
               <a:rPr lang="ru-RU" dirty="0" smtClean="0"/>
-              <a:t>Преимущества и недостатки</a:t>
+              <a:t>Так писать надо сразу</a:t>
             </a:r>
             <a:endParaRPr lang="ru-RU" dirty="0"/>
           </a:p>
@@ -32441,71 +35399,6 @@
           <a:bodyPr/>
           <a:lstStyle/>
           <a:p>
-            <a:r>
-              <a:rPr lang="ru-RU" dirty="0" smtClean="0"/>
-              <a:t>Недостатки</a:t>
-            </a:r>
-          </a:p>
-          <a:p>
-            <a:pPr lvl="1"/>
-            <a:r>
-              <a:rPr lang="ru-RU" dirty="0" smtClean="0"/>
-              <a:t>много букв</a:t>
-            </a:r>
-          </a:p>
-          <a:p>
-            <a:pPr lvl="1"/>
-            <a:r>
-              <a:rPr lang="ru-RU" dirty="0" smtClean="0"/>
-              <a:t>много сущностей в публичном доступе</a:t>
-            </a:r>
-          </a:p>
-          <a:p>
-            <a:pPr lvl="1"/>
-            <a:r>
-              <a:rPr lang="ru-RU" dirty="0" smtClean="0"/>
-              <a:t>повышение порога входа в систему</a:t>
-            </a:r>
-          </a:p>
-          <a:p>
-            <a:r>
-              <a:rPr lang="ru-RU" dirty="0" smtClean="0"/>
-              <a:t>Преимущества</a:t>
-            </a:r>
-          </a:p>
-          <a:p>
-            <a:pPr lvl="1"/>
-            <a:r>
-              <a:rPr lang="ru-RU" dirty="0" smtClean="0"/>
-              <a:t>гибкий код</a:t>
-            </a:r>
-          </a:p>
-          <a:p>
-            <a:pPr lvl="1"/>
-            <a:r>
-              <a:rPr lang="ru-RU" dirty="0" smtClean="0"/>
-              <a:t>меньше глобальных </a:t>
-            </a:r>
-            <a:r>
-              <a:rPr lang="ru-RU" dirty="0" err="1" smtClean="0"/>
-              <a:t>рефакторингов</a:t>
-            </a:r>
-            <a:endParaRPr lang="ru-RU" dirty="0" smtClean="0"/>
-          </a:p>
-          <a:p>
-            <a:pPr lvl="1"/>
-            <a:r>
-              <a:rPr lang="ru-RU" dirty="0" smtClean="0"/>
-              <a:t>упрощение </a:t>
-            </a:r>
-            <a:r>
-              <a:rPr lang="ru-RU" dirty="0" err="1" smtClean="0"/>
-              <a:t>переиспользования</a:t>
-            </a:r>
-            <a:r>
-              <a:rPr lang="ru-RU" dirty="0" smtClean="0"/>
-              <a:t> кода, тестирования, создания служебных инструментов</a:t>
-            </a:r>
             <a:endParaRPr lang="ru-RU" dirty="0"/>
           </a:p>
         </p:txBody>
@@ -32556,6 +35449,205 @@
               </a:rPr>
               <a:pPr/>
               <a:t>34</a:t>
+            </a:fld>
+            <a:endParaRPr lang="ru-RU">
+              <a:solidFill>
+                <a:srgbClr val="000000"/>
+              </a:solidFill>
+            </a:endParaRPr>
+          </a:p>
+        </p:txBody>
+      </p:sp>
+    </p:spTree>
+    <p:extLst>
+      <p:ext uri="{BB962C8B-B14F-4D97-AF65-F5344CB8AC3E}">
+        <p14:creationId xmlns:p14="http://schemas.microsoft.com/office/powerpoint/2010/main" val="754117462"/>
+      </p:ext>
+    </p:extLst>
+  </p:cSld>
+  <p:clrMapOvr>
+    <a:masterClrMapping/>
+  </p:clrMapOvr>
+  <p:timing>
+    <p:tnLst>
+      <p:par>
+        <p:cTn id="1" dur="indefinite" restart="never" nodeType="tmRoot"/>
+      </p:par>
+    </p:tnLst>
+  </p:timing>
+</p:sld>
+</file>
+
+<file path=ppt/slides/slide35.xml><?xml version="1.0" encoding="utf-8"?>
+<p:sld xmlns:a="http://schemas.openxmlformats.org/drawingml/2006/main" xmlns:r="http://schemas.openxmlformats.org/officeDocument/2006/relationships" xmlns:p="http://schemas.openxmlformats.org/presentationml/2006/main">
+  <p:cSld>
+    <p:spTree>
+      <p:nvGrpSpPr>
+        <p:cNvPr id="1" name=""/>
+        <p:cNvGrpSpPr/>
+        <p:nvPr/>
+      </p:nvGrpSpPr>
+      <p:grpSpPr>
+        <a:xfrm>
+          <a:off x="0" y="0"/>
+          <a:ext cx="0" cy="0"/>
+          <a:chOff x="0" y="0"/>
+          <a:chExt cx="0" cy="0"/>
+        </a:xfrm>
+      </p:grpSpPr>
+      <p:sp>
+        <p:nvSpPr>
+          <p:cNvPr id="2" name="Заголовок 1"/>
+          <p:cNvSpPr>
+            <a:spLocks noGrp="1"/>
+          </p:cNvSpPr>
+          <p:nvPr>
+            <p:ph type="title"/>
+          </p:nvPr>
+        </p:nvSpPr>
+        <p:spPr/>
+        <p:txBody>
+          <a:bodyPr/>
+          <a:lstStyle/>
+          <a:p>
+            <a:r>
+              <a:rPr lang="ru-RU" dirty="0" smtClean="0"/>
+              <a:t>Преимущества и недостатки</a:t>
+            </a:r>
+            <a:endParaRPr lang="ru-RU" dirty="0"/>
+          </a:p>
+        </p:txBody>
+      </p:sp>
+      <p:sp>
+        <p:nvSpPr>
+          <p:cNvPr id="3" name="Объект 2"/>
+          <p:cNvSpPr>
+            <a:spLocks noGrp="1"/>
+          </p:cNvSpPr>
+          <p:nvPr>
+            <p:ph idx="1"/>
+          </p:nvPr>
+        </p:nvSpPr>
+        <p:spPr/>
+        <p:txBody>
+          <a:bodyPr/>
+          <a:lstStyle/>
+          <a:p>
+            <a:r>
+              <a:rPr lang="ru-RU" dirty="0" smtClean="0"/>
+              <a:t>Недостатки</a:t>
+            </a:r>
+          </a:p>
+          <a:p>
+            <a:pPr lvl="1"/>
+            <a:r>
+              <a:rPr lang="ru-RU" dirty="0" smtClean="0"/>
+              <a:t>много букв</a:t>
+            </a:r>
+          </a:p>
+          <a:p>
+            <a:pPr lvl="1"/>
+            <a:r>
+              <a:rPr lang="ru-RU" dirty="0" smtClean="0"/>
+              <a:t>много сущностей в публичном доступе</a:t>
+            </a:r>
+          </a:p>
+          <a:p>
+            <a:pPr lvl="1"/>
+            <a:r>
+              <a:rPr lang="ru-RU" dirty="0" smtClean="0"/>
+              <a:t>повышение порога входа в систему</a:t>
+            </a:r>
+          </a:p>
+          <a:p>
+            <a:r>
+              <a:rPr lang="ru-RU" dirty="0" smtClean="0"/>
+              <a:t>Преимущества</a:t>
+            </a:r>
+          </a:p>
+          <a:p>
+            <a:pPr lvl="1"/>
+            <a:r>
+              <a:rPr lang="ru-RU" dirty="0" smtClean="0"/>
+              <a:t>гибкий код</a:t>
+            </a:r>
+          </a:p>
+          <a:p>
+            <a:pPr lvl="1"/>
+            <a:r>
+              <a:rPr lang="ru-RU" dirty="0" smtClean="0"/>
+              <a:t>меньше глобальных </a:t>
+            </a:r>
+            <a:r>
+              <a:rPr lang="ru-RU" dirty="0" err="1" smtClean="0"/>
+              <a:t>рефакторингов</a:t>
+            </a:r>
+            <a:endParaRPr lang="ru-RU" dirty="0" smtClean="0"/>
+          </a:p>
+          <a:p>
+            <a:pPr lvl="1"/>
+            <a:r>
+              <a:rPr lang="ru-RU" dirty="0" smtClean="0"/>
+              <a:t>упрощение </a:t>
+            </a:r>
+            <a:r>
+              <a:rPr lang="ru-RU" dirty="0" err="1" smtClean="0"/>
+              <a:t>переиспользования</a:t>
+            </a:r>
+            <a:r>
+              <a:rPr lang="ru-RU" dirty="0" smtClean="0"/>
+              <a:t> кода, тестирования, создания служебных инструментов</a:t>
+            </a:r>
+            <a:endParaRPr lang="ru-RU" dirty="0"/>
+          </a:p>
+        </p:txBody>
+      </p:sp>
+      <p:sp>
+        <p:nvSpPr>
+          <p:cNvPr id="4" name="Нижний колонтитул 3"/>
+          <p:cNvSpPr>
+            <a:spLocks noGrp="1"/>
+          </p:cNvSpPr>
+          <p:nvPr>
+            <p:ph type="ftr" sz="quarter" idx="11"/>
+          </p:nvPr>
+        </p:nvSpPr>
+        <p:spPr/>
+        <p:txBody>
+          <a:bodyPr/>
+          <a:lstStyle/>
+          <a:p>
+            <a:endParaRPr lang="ru-RU">
+              <a:solidFill>
+                <a:srgbClr val="000000"/>
+              </a:solidFill>
+            </a:endParaRPr>
+          </a:p>
+        </p:txBody>
+      </p:sp>
+      <p:sp>
+        <p:nvSpPr>
+          <p:cNvPr id="5" name="Номер слайда 4"/>
+          <p:cNvSpPr>
+            <a:spLocks noGrp="1"/>
+          </p:cNvSpPr>
+          <p:nvPr>
+            <p:ph type="sldNum" sz="quarter" idx="12"/>
+          </p:nvPr>
+        </p:nvSpPr>
+        <p:spPr/>
+        <p:txBody>
+          <a:bodyPr/>
+          <a:lstStyle/>
+          <a:p>
+            <a:fld id="{741C03D3-FA44-40EC-9A21-1FC4FEA3E22E}" type="slidenum">
+              <a:rPr lang="ru-RU" smtClean="0">
+                <a:solidFill>
+                  <a:srgbClr val="000000"/>
+                </a:solidFill>
+              </a:rPr>
+              <a:pPr/>
+              <a:t>35</a:t>
             </a:fld>
             <a:endParaRPr lang="ru-RU">
               <a:solidFill>
@@ -32585,7 +35677,7 @@
 </p:sld>
 </file>
 
-<file path=ppt/slides/slide35.xml><?xml version="1.0" encoding="utf-8"?>
+<file path=ppt/slides/slide36.xml><?xml version="1.0" encoding="utf-8"?>
 <p:sld xmlns:a="http://schemas.openxmlformats.org/drawingml/2006/main" xmlns:r="http://schemas.openxmlformats.org/officeDocument/2006/relationships" xmlns:p="http://schemas.openxmlformats.org/presentationml/2006/main">
   <p:cSld>
     <p:spTree>
@@ -35211,7 +38303,7 @@
 </p:sld>
 </file>
 
-<file path=ppt/slides/slide36.xml><?xml version="1.0" encoding="utf-8"?>
+<file path=ppt/slides/slide37.xml><?xml version="1.0" encoding="utf-8"?>
 <p:sld xmlns:a="http://schemas.openxmlformats.org/drawingml/2006/main" xmlns:r="http://schemas.openxmlformats.org/officeDocument/2006/relationships" xmlns:p="http://schemas.openxmlformats.org/presentationml/2006/main" show="0">
   <p:cSld>
     <p:spTree>
@@ -35329,7 +38421,7 @@
                 </a:solidFill>
               </a:rPr>
               <a:pPr/>
-              <a:t>36</a:t>
+              <a:t>37</a:t>
             </a:fld>
             <a:endParaRPr lang="ru-RU">
               <a:solidFill>
@@ -35661,7 +38753,7 @@
               <a:effectLst/>
               <a:extLst>
                 <a:ext uri="{C572A759-6A51-4108-AA02-DFA0A04FC94B}">
-                  <ma14:wrappingTextBoxFlag xmlns="" xmlns:ma14="http://schemas.microsoft.com/office/mac/drawingml/2011/main" val="1"/>
+                  <ma14:wrappingTextBoxFlag xmlns:ma14="http://schemas.microsoft.com/office/mac/drawingml/2011/main" xmlns="" val="1"/>
                 </a:ext>
               </a:extLst>
             </p:spPr>

--- a/slides.pptx
+++ b/slides.pptx
@@ -6,7 +6,7 @@
     <p:sldMasterId id="2147483735" r:id="rId2"/>
   </p:sldMasterIdLst>
   <p:notesMasterIdLst>
-    <p:notesMasterId r:id="rId40"/>
+    <p:notesMasterId r:id="rId37"/>
   </p:notesMasterIdLst>
   <p:sldIdLst>
     <p:sldId id="389" r:id="rId3"/>
@@ -36,16 +36,13 @@
     <p:sldId id="415" r:id="rId27"/>
     <p:sldId id="425" r:id="rId28"/>
     <p:sldId id="416" r:id="rId29"/>
-    <p:sldId id="417" r:id="rId30"/>
-    <p:sldId id="418" r:id="rId31"/>
-    <p:sldId id="419" r:id="rId32"/>
-    <p:sldId id="420" r:id="rId33"/>
-    <p:sldId id="421" r:id="rId34"/>
-    <p:sldId id="422" r:id="rId35"/>
-    <p:sldId id="423" r:id="rId36"/>
-    <p:sldId id="424" r:id="rId37"/>
-    <p:sldId id="391" r:id="rId38"/>
-    <p:sldId id="407" r:id="rId39"/>
+    <p:sldId id="426" r:id="rId30"/>
+    <p:sldId id="427" r:id="rId31"/>
+    <p:sldId id="428" r:id="rId32"/>
+    <p:sldId id="429" r:id="rId33"/>
+    <p:sldId id="424" r:id="rId34"/>
+    <p:sldId id="391" r:id="rId35"/>
+    <p:sldId id="407" r:id="rId36"/>
   </p:sldIdLst>
   <p:sldSz cx="24382413" cy="13716000"/>
   <p:notesSz cx="6858000" cy="9144000"/>
@@ -176,13 +173,10 @@
             <p14:sldId id="415"/>
             <p14:sldId id="425"/>
             <p14:sldId id="416"/>
-            <p14:sldId id="417"/>
-            <p14:sldId id="418"/>
-            <p14:sldId id="419"/>
-            <p14:sldId id="420"/>
-            <p14:sldId id="421"/>
-            <p14:sldId id="422"/>
-            <p14:sldId id="423"/>
+            <p14:sldId id="426"/>
+            <p14:sldId id="427"/>
+            <p14:sldId id="428"/>
+            <p14:sldId id="429"/>
             <p14:sldId id="424"/>
             <p14:sldId id="391"/>
             <p14:sldId id="407"/>
@@ -30737,11 +30731,7 @@
           <a:p>
             <a:r>
               <a:rPr lang="ru-RU" dirty="0" smtClean="0"/>
-              <a:t>Текущая схема </a:t>
-            </a:r>
-            <a:r>
-              <a:rPr lang="ru-RU" dirty="0" smtClean="0"/>
-              <a:t>кода</a:t>
+              <a:t>Текущая схема кода</a:t>
             </a:r>
             <a:endParaRPr lang="ru-RU" dirty="0"/>
           </a:p>
@@ -32264,7 +32254,7 @@
           <a:p>
             <a:r>
               <a:rPr lang="ru-RU" dirty="0" smtClean="0"/>
-              <a:t>Добавляем мониторинг</a:t>
+              <a:t>Протестируем перед релизом</a:t>
             </a:r>
             <a:endParaRPr lang="ru-RU" dirty="0"/>
           </a:p>
@@ -32342,60 +32332,30 @@
           <a:p>
             <a:r>
               <a:rPr lang="ru-RU" dirty="0" smtClean="0"/>
-              <a:t>Для каждого клиента надо считать</a:t>
+              <a:t>Список тестов</a:t>
             </a:r>
           </a:p>
           <a:p>
             <a:pPr lvl="1"/>
             <a:r>
               <a:rPr lang="ru-RU" dirty="0" smtClean="0"/>
-              <a:t>сумму потраченных денег</a:t>
+              <a:t>списание не увеличивает количество денег на счету</a:t>
             </a:r>
           </a:p>
           <a:p>
             <a:pPr lvl="1"/>
             <a:r>
-              <a:rPr lang="ru-RU" dirty="0"/>
-              <a:t>количество звонков</a:t>
-            </a:r>
+              <a:rPr lang="ru-RU" dirty="0" smtClean="0"/>
+              <a:t>звонок нулевой длины не уменьшает количество денег на счету</a:t>
+            </a:r>
+            <a:endParaRPr lang="ru-RU" dirty="0"/>
           </a:p>
           <a:p>
             <a:pPr lvl="1"/>
             <a:r>
               <a:rPr lang="ru-RU" dirty="0" smtClean="0"/>
-              <a:t>суммарную </a:t>
-            </a:r>
-            <a:r>
-              <a:rPr lang="ru-RU" dirty="0" smtClean="0"/>
-              <a:t>длительность звонков</a:t>
-            </a:r>
-          </a:p>
-          <a:p>
-            <a:r>
-              <a:rPr lang="ru-RU" dirty="0" smtClean="0"/>
-              <a:t>Статистики </a:t>
-            </a:r>
-            <a:r>
-              <a:rPr lang="ru-RU" dirty="0" smtClean="0"/>
-              <a:t>надо выводить в </a:t>
-            </a:r>
-            <a:r>
-              <a:rPr lang="en-US" dirty="0" err="1" smtClean="0"/>
-              <a:t>stdout</a:t>
-            </a:r>
-            <a:r>
-              <a:rPr lang="en-US" dirty="0" smtClean="0"/>
-              <a:t> </a:t>
-            </a:r>
-            <a:r>
-              <a:rPr lang="ru-RU" dirty="0" smtClean="0"/>
-              <a:t>в формате </a:t>
-            </a:r>
-            <a:r>
-              <a:rPr lang="en-US" dirty="0" smtClean="0"/>
-              <a:t>JSON</a:t>
-            </a:r>
-            <a:endParaRPr lang="ru-RU" dirty="0"/>
+              <a:t>пополнение счёта происходит корректно</a:t>
+            </a:r>
           </a:p>
         </p:txBody>
       </p:sp>
@@ -32442,13 +32402,18 @@
           <a:p>
             <a:pPr algn="ctr"/>
             <a:r>
-              <a:rPr lang="ru-RU" sz="4800" dirty="0" smtClean="0">
+              <a:rPr lang="ru-RU" sz="4800" dirty="0" err="1" smtClean="0">
                 <a:solidFill>
                   <a:schemeClr val="tx1"/>
                 </a:solidFill>
               </a:rPr>
-              <a:t>Мониторинг</a:t>
-            </a:r>
+              <a:t>Автотесты</a:t>
+            </a:r>
+            <a:endParaRPr lang="ru-RU" sz="4800" dirty="0" smtClean="0">
+              <a:solidFill>
+                <a:schemeClr val="tx1"/>
+              </a:solidFill>
+            </a:endParaRPr>
           </a:p>
         </p:txBody>
       </p:sp>
@@ -32520,7 +32485,7 @@
         </p:nvSpPr>
         <p:spPr>
           <a:xfrm>
-            <a:off x="2651206" y="3042000"/>
+            <a:off x="2909149" y="3061804"/>
             <a:ext cx="3350597" cy="861774"/>
           </a:xfrm>
           <a:prstGeom prst="rect">
@@ -32994,144 +32959,6 @@
                                   </p:childTnLst>
                                 </p:cTn>
                               </p:par>
-                              <p:par>
-                                <p:cTn id="25" presetID="2" presetClass="entr" presetSubtype="2" fill="hold" grpId="0" nodeType="withEffect">
-                                  <p:stCondLst>
-                                    <p:cond delay="0"/>
-                                  </p:stCondLst>
-                                  <p:childTnLst>
-                                    <p:set>
-                                      <p:cBhvr>
-                                        <p:cTn id="26" dur="1" fill="hold">
-                                          <p:stCondLst>
-                                            <p:cond delay="0"/>
-                                          </p:stCondLst>
-                                        </p:cTn>
-                                        <p:tgtEl>
-                                          <p:spTgt spid="6">
-                                            <p:txEl>
-                                              <p:pRg st="4" end="4"/>
-                                            </p:txEl>
-                                          </p:spTgt>
-                                        </p:tgtEl>
-                                        <p:attrNameLst>
-                                          <p:attrName>style.visibility</p:attrName>
-                                        </p:attrNameLst>
-                                      </p:cBhvr>
-                                      <p:to>
-                                        <p:strVal val="visible"/>
-                                      </p:to>
-                                    </p:set>
-                                    <p:anim calcmode="lin" valueType="num">
-                                      <p:cBhvr additive="base">
-                                        <p:cTn id="27" dur="500" fill="hold"/>
-                                        <p:tgtEl>
-                                          <p:spTgt spid="6">
-                                            <p:txEl>
-                                              <p:pRg st="4" end="4"/>
-                                            </p:txEl>
-                                          </p:spTgt>
-                                        </p:tgtEl>
-                                        <p:attrNameLst>
-                                          <p:attrName>ppt_x</p:attrName>
-                                        </p:attrNameLst>
-                                      </p:cBhvr>
-                                      <p:tavLst>
-                                        <p:tav tm="0">
-                                          <p:val>
-                                            <p:strVal val="1+#ppt_w/2"/>
-                                          </p:val>
-                                        </p:tav>
-                                        <p:tav tm="100000">
-                                          <p:val>
-                                            <p:strVal val="#ppt_x"/>
-                                          </p:val>
-                                        </p:tav>
-                                      </p:tavLst>
-                                    </p:anim>
-                                    <p:anim calcmode="lin" valueType="num">
-                                      <p:cBhvr additive="base">
-                                        <p:cTn id="28" dur="500" fill="hold"/>
-                                        <p:tgtEl>
-                                          <p:spTgt spid="6">
-                                            <p:txEl>
-                                              <p:pRg st="4" end="4"/>
-                                            </p:txEl>
-                                          </p:spTgt>
-                                        </p:tgtEl>
-                                        <p:attrNameLst>
-                                          <p:attrName>ppt_y</p:attrName>
-                                        </p:attrNameLst>
-                                      </p:cBhvr>
-                                      <p:tavLst>
-                                        <p:tav tm="0">
-                                          <p:val>
-                                            <p:strVal val="#ppt_y"/>
-                                          </p:val>
-                                        </p:tav>
-                                        <p:tav tm="100000">
-                                          <p:val>
-                                            <p:strVal val="#ppt_y"/>
-                                          </p:val>
-                                        </p:tav>
-                                      </p:tavLst>
-                                    </p:anim>
-                                  </p:childTnLst>
-                                </p:cTn>
-                              </p:par>
-                            </p:childTnLst>
-                          </p:cTn>
-                        </p:par>
-                      </p:childTnLst>
-                    </p:cTn>
-                  </p:par>
-                  <p:par>
-                    <p:cTn id="29" fill="hold">
-                      <p:stCondLst>
-                        <p:cond delay="indefinite"/>
-                      </p:stCondLst>
-                      <p:childTnLst>
-                        <p:par>
-                          <p:cTn id="30" fill="hold">
-                            <p:stCondLst>
-                              <p:cond delay="0"/>
-                            </p:stCondLst>
-                            <p:childTnLst>
-                              <p:par>
-                                <p:cTn id="31" presetID="4" presetClass="entr" presetSubtype="32" fill="hold" grpId="0" nodeType="clickEffect">
-                                  <p:stCondLst>
-                                    <p:cond delay="0"/>
-                                  </p:stCondLst>
-                                  <p:childTnLst>
-                                    <p:set>
-                                      <p:cBhvr>
-                                        <p:cTn id="32" dur="1" fill="hold">
-                                          <p:stCondLst>
-                                            <p:cond delay="0"/>
-                                          </p:stCondLst>
-                                        </p:cTn>
-                                        <p:tgtEl>
-                                          <p:spTgt spid="9"/>
-                                        </p:tgtEl>
-                                        <p:attrNameLst>
-                                          <p:attrName>style.visibility</p:attrName>
-                                        </p:attrNameLst>
-                                      </p:cBhvr>
-                                      <p:to>
-                                        <p:strVal val="visible"/>
-                                      </p:to>
-                                    </p:set>
-                                    <p:animEffect transition="in" filter="box(out)">
-                                      <p:cBhvr>
-                                        <p:cTn id="33" dur="750"/>
-                                        <p:tgtEl>
-                                          <p:spTgt spid="9"/>
-                                        </p:tgtEl>
-                                      </p:cBhvr>
-                                    </p:animEffect>
-                                  </p:childTnLst>
-                                </p:cTn>
-                              </p:par>
                             </p:childTnLst>
                           </p:cTn>
                         </p:par>
@@ -33162,7 +32989,6 @@
     <p:bldLst>
       <p:bldP spid="6" grpId="0" build="p"/>
       <p:bldP spid="7" grpId="0" animBg="1"/>
-      <p:bldP spid="9" grpId="0" animBg="1"/>
     </p:bldLst>
   </p:timing>
 </p:sld>
@@ -33187,30 +33013,7 @@
       </p:grpSpPr>
       <p:sp>
         <p:nvSpPr>
-          <p:cNvPr id="2" name="Заголовок 1"/>
-          <p:cNvSpPr>
-            <a:spLocks noGrp="1"/>
-          </p:cNvSpPr>
-          <p:nvPr>
-            <p:ph type="title"/>
-          </p:nvPr>
-        </p:nvSpPr>
-        <p:spPr/>
-        <p:txBody>
-          <a:bodyPr/>
-          <a:lstStyle/>
-          <a:p>
-            <a:r>
-              <a:rPr lang="ru-RU" dirty="0" smtClean="0"/>
-              <a:t>Добавляем мониторинг</a:t>
-            </a:r>
-            <a:endParaRPr lang="ru-RU" dirty="0"/>
-          </a:p>
-        </p:txBody>
-      </p:sp>
-      <p:sp>
-        <p:nvSpPr>
-          <p:cNvPr id="3" name="Нижний колонтитул 2"/>
+          <p:cNvPr id="2" name="Нижний колонтитул 1"/>
           <p:cNvSpPr>
             <a:spLocks noGrp="1"/>
           </p:cNvSpPr>
@@ -33233,7 +33036,7 @@
       </p:sp>
       <p:sp>
         <p:nvSpPr>
-          <p:cNvPr id="4" name="Номер слайда 3"/>
+          <p:cNvPr id="3" name="Номер слайда 2"/>
           <p:cNvSpPr>
             <a:spLocks noGrp="1"/>
           </p:cNvSpPr>
@@ -33265,520 +33068,1679 @@
       </p:sp>
       <p:sp>
         <p:nvSpPr>
-          <p:cNvPr id="5" name="Объект 4"/>
+          <p:cNvPr id="12" name="Rectangle 6"/>
           <p:cNvSpPr>
-            <a:spLocks noGrp="1"/>
+            <a:spLocks noGrp="1" noChangeArrowheads="1"/>
           </p:cNvSpPr>
           <p:nvPr>
             <p:ph idx="13"/>
           </p:nvPr>
         </p:nvSpPr>
-        <p:spPr/>
+        <p:spPr bwMode="auto">
+          <a:prstGeom prst="rect">
+            <a:avLst/>
+          </a:prstGeom>
+          <a:solidFill>
+            <a:srgbClr val="000000"/>
+          </a:solidFill>
+          <a:ln>
+            <a:noFill/>
+          </a:ln>
+          <a:effectLst/>
+          <a:extLst>
+            <a:ext uri="{91240B29-F687-4F45-9708-019B960494DF}">
+              <a14:hiddenLine xmlns:a14="http://schemas.microsoft.com/office/drawing/2010/main" w="9525">
+                <a:solidFill>
+                  <a:schemeClr val="tx1"/>
+                </a:solidFill>
+                <a:miter lim="800000"/>
+                <a:headEnd/>
+                <a:tailEnd/>
+              </a14:hiddenLine>
+            </a:ext>
+            <a:ext uri="{AF507438-7753-43E0-B8FC-AC1667EBCBE1}">
+              <a14:hiddenEffects xmlns:a14="http://schemas.microsoft.com/office/drawing/2010/main">
+                <a:effectLst>
+                  <a:outerShdw dist="35921" dir="2700000" algn="ctr" rotWithShape="0">
+                    <a:schemeClr val="bg2"/>
+                  </a:outerShdw>
+                </a:effectLst>
+              </a14:hiddenEffects>
+            </a:ext>
+          </a:extLst>
+        </p:spPr>
         <p:txBody>
-          <a:bodyPr/>
+          <a:bodyPr vert="horz" wrap="none" lIns="1152000" tIns="720000" rIns="1152000" bIns="720000" numCol="1" anchor="t" anchorCtr="0" compatLnSpc="1">
+            <a:prstTxWarp prst="textNoShape">
+              <a:avLst/>
+            </a:prstTxWarp>
+            <a:noAutofit/>
+          </a:bodyPr>
           <a:lstStyle/>
           <a:p>
-            <a:pPr>
+            <a:pPr marL="0" marR="0" lvl="0" indent="0" algn="l" defTabSz="914400" rtl="0" eaLnBrk="0" fontAlgn="base" latinLnBrk="0" hangingPunct="0">
               <a:lnSpc>
-                <a:spcPct val="135000"/>
+                <a:spcPct val="100000"/>
               </a:lnSpc>
+              <a:spcBef>
+                <a:spcPct val="0"/>
+              </a:spcBef>
+              <a:spcAft>
+                <a:spcPct val="0"/>
+              </a:spcAft>
+              <a:buClrTx/>
+              <a:buSzTx/>
+              <a:buFontTx/>
+              <a:buNone/>
+              <a:tabLst/>
             </a:pPr>
             <a:r>
-              <a:rPr lang="en-US" dirty="0"/>
-              <a:t>class Billing {</a:t>
-            </a:r>
-          </a:p>
-          <a:p>
-            <a:pPr>
-              <a:lnSpc>
-                <a:spcPct val="135000"/>
-              </a:lnSpc>
-            </a:pPr>
-            <a:r>
-              <a:rPr lang="en-US" dirty="0"/>
-              <a:t>public:</a:t>
-            </a:r>
-          </a:p>
-          <a:p>
-            <a:pPr>
-              <a:lnSpc>
-                <a:spcPct val="135000"/>
-              </a:lnSpc>
-            </a:pPr>
-            <a:r>
-              <a:rPr lang="en-US" dirty="0"/>
-              <a:t>    Billing(string </a:t>
-            </a:r>
-            <a:r>
-              <a:rPr lang="en-US" dirty="0" err="1"/>
-              <a:t>usersDatabase</a:t>
-            </a:r>
-            <a:r>
-              <a:rPr lang="en-US" dirty="0"/>
-              <a:t>, string </a:t>
-            </a:r>
-            <a:r>
-              <a:rPr lang="en-US" dirty="0" err="1"/>
-              <a:t>tariffsDatabase</a:t>
-            </a:r>
-            <a:r>
-              <a:rPr lang="en-US" dirty="0"/>
-              <a:t>);</a:t>
-            </a:r>
-          </a:p>
-          <a:p>
-            <a:pPr>
-              <a:lnSpc>
-                <a:spcPct val="135000"/>
-              </a:lnSpc>
-            </a:pPr>
-            <a:r>
-              <a:rPr lang="en-US" dirty="0" smtClean="0"/>
+              <a:rPr kumimoji="0" lang="ru-RU" altLang="ru-RU" b="0" i="0" u="none" strike="noStrike" cap="none" normalizeH="0" baseline="0" dirty="0" err="1" smtClean="0">
+                <a:ln>
+                  <a:noFill/>
+                </a:ln>
+                <a:solidFill>
+                  <a:srgbClr val="FFFFFF"/>
+                </a:solidFill>
+                <a:effectLst/>
+                <a:latin typeface="Verdana" panose="020B0604030504040204" pitchFamily="34" charset="0"/>
+              </a:rPr>
+              <a:t>void</a:t>
+            </a:r>
+            <a:r>
+              <a:rPr kumimoji="0" lang="ru-RU" altLang="ru-RU" b="0" i="0" u="none" strike="noStrike" cap="none" normalizeH="0" baseline="0" dirty="0" smtClean="0">
+                <a:ln>
+                  <a:noFill/>
+                </a:ln>
+                <a:solidFill>
+                  <a:srgbClr val="FFFFFF"/>
+                </a:solidFill>
+                <a:effectLst/>
+                <a:latin typeface="Verdana" panose="020B0604030504040204" pitchFamily="34" charset="0"/>
+              </a:rPr>
+              <a:t> </a:t>
+            </a:r>
+            <a:r>
+              <a:rPr kumimoji="0" lang="ru-RU" altLang="ru-RU" b="0" i="0" u="none" strike="noStrike" cap="none" normalizeH="0" baseline="0" dirty="0" err="1" smtClean="0">
+                <a:ln>
+                  <a:noFill/>
+                </a:ln>
+                <a:solidFill>
+                  <a:srgbClr val="FFCC00"/>
+                </a:solidFill>
+                <a:effectLst/>
+                <a:latin typeface="Verdana" panose="020B0604030504040204" pitchFamily="34" charset="0"/>
+              </a:rPr>
+              <a:t>Billing</a:t>
+            </a:r>
+            <a:r>
+              <a:rPr kumimoji="0" lang="ru-RU" altLang="ru-RU" b="0" i="0" u="none" strike="noStrike" cap="none" normalizeH="0" baseline="0" dirty="0" smtClean="0">
+                <a:ln>
+                  <a:noFill/>
+                </a:ln>
+                <a:solidFill>
+                  <a:srgbClr val="FFFFFF"/>
+                </a:solidFill>
+                <a:effectLst/>
+                <a:latin typeface="Verdana" panose="020B0604030504040204" pitchFamily="34" charset="0"/>
+              </a:rPr>
+              <a:t>::</a:t>
+            </a:r>
+            <a:r>
+              <a:rPr kumimoji="0" lang="ru-RU" altLang="ru-RU" b="0" i="0" u="none" strike="noStrike" cap="none" normalizeH="0" baseline="0" dirty="0" err="1" smtClean="0">
+                <a:ln>
+                  <a:noFill/>
+                </a:ln>
+                <a:solidFill>
+                  <a:srgbClr val="FFCC00"/>
+                </a:solidFill>
+                <a:effectLst/>
+                <a:latin typeface="Verdana" panose="020B0604030504040204" pitchFamily="34" charset="0"/>
+              </a:rPr>
+              <a:t>UserInfo</a:t>
+            </a:r>
+            <a:r>
+              <a:rPr kumimoji="0" lang="ru-RU" altLang="ru-RU" b="0" i="0" u="none" strike="noStrike" cap="none" normalizeH="0" baseline="0" dirty="0" smtClean="0">
+                <a:ln>
+                  <a:noFill/>
+                </a:ln>
+                <a:solidFill>
+                  <a:srgbClr val="FFFFFF"/>
+                </a:solidFill>
+                <a:effectLst/>
+                <a:latin typeface="Verdana" panose="020B0604030504040204" pitchFamily="34" charset="0"/>
+              </a:rPr>
+              <a:t>::</a:t>
+            </a:r>
+            <a:r>
+              <a:rPr kumimoji="0" lang="ru-RU" altLang="ru-RU" b="0" i="0" u="none" strike="noStrike" cap="none" normalizeH="0" baseline="0" dirty="0" err="1" smtClean="0">
+                <a:ln>
+                  <a:noFill/>
+                </a:ln>
+                <a:solidFill>
+                  <a:srgbClr val="FFCC00"/>
+                </a:solidFill>
+                <a:effectLst/>
+                <a:latin typeface="Verdana" panose="020B0604030504040204" pitchFamily="34" charset="0"/>
+              </a:rPr>
+              <a:t>ChargePhoneCall</a:t>
+            </a:r>
+            <a:r>
+              <a:rPr kumimoji="0" lang="ru-RU" altLang="ru-RU" b="0" i="0" u="none" strike="noStrike" cap="none" normalizeH="0" baseline="0" dirty="0" smtClean="0">
+                <a:ln>
+                  <a:noFill/>
+                </a:ln>
+                <a:solidFill>
+                  <a:srgbClr val="FFFFFF"/>
+                </a:solidFill>
+                <a:effectLst/>
+                <a:latin typeface="Verdana" panose="020B0604030504040204" pitchFamily="34" charset="0"/>
+              </a:rPr>
+              <a:t>(</a:t>
+            </a:r>
+            <a:r>
+              <a:rPr kumimoji="0" lang="ru-RU" altLang="ru-RU" b="0" i="0" u="none" strike="noStrike" cap="none" normalizeH="0" baseline="0" dirty="0" err="1" smtClean="0">
+                <a:ln>
+                  <a:noFill/>
+                </a:ln>
+                <a:solidFill>
+                  <a:srgbClr val="FFFFFF"/>
+                </a:solidFill>
+                <a:effectLst/>
+                <a:latin typeface="Verdana" panose="020B0604030504040204" pitchFamily="34" charset="0"/>
+              </a:rPr>
+              <a:t>int</a:t>
+            </a:r>
+            <a:r>
+              <a:rPr kumimoji="0" lang="ru-RU" altLang="ru-RU" b="0" i="0" u="none" strike="noStrike" cap="none" normalizeH="0" baseline="0" dirty="0" smtClean="0">
+                <a:ln>
+                  <a:noFill/>
+                </a:ln>
+                <a:solidFill>
+                  <a:srgbClr val="FFFFFF"/>
+                </a:solidFill>
+                <a:effectLst/>
+                <a:latin typeface="Verdana" panose="020B0604030504040204" pitchFamily="34" charset="0"/>
+              </a:rPr>
+              <a:t> </a:t>
+            </a:r>
+            <a:r>
+              <a:rPr kumimoji="0" lang="ru-RU" altLang="ru-RU" b="0" i="0" u="none" strike="noStrike" cap="none" normalizeH="0" baseline="0" dirty="0" err="1" smtClean="0">
+                <a:ln>
+                  <a:noFill/>
+                </a:ln>
+                <a:solidFill>
+                  <a:srgbClr val="5BCD9D"/>
+                </a:solidFill>
+                <a:effectLst/>
+                <a:latin typeface="Verdana" panose="020B0604030504040204" pitchFamily="34" charset="0"/>
+              </a:rPr>
+              <a:t>minutes</a:t>
+            </a:r>
+            <a:r>
+              <a:rPr kumimoji="0" lang="ru-RU" altLang="ru-RU" b="0" i="0" u="none" strike="noStrike" cap="none" normalizeH="0" baseline="0" dirty="0" smtClean="0">
+                <a:ln>
+                  <a:noFill/>
+                </a:ln>
+                <a:solidFill>
+                  <a:srgbClr val="FFFFFF"/>
+                </a:solidFill>
+                <a:effectLst/>
+                <a:latin typeface="Verdana" panose="020B0604030504040204" pitchFamily="34" charset="0"/>
+              </a:rPr>
+              <a:t>, </a:t>
+            </a:r>
+            <a:r>
+              <a:rPr kumimoji="0" lang="ru-RU" altLang="ru-RU" b="0" i="0" u="none" strike="noStrike" cap="none" normalizeH="0" baseline="0" dirty="0" err="1" smtClean="0">
+                <a:ln>
+                  <a:noFill/>
+                </a:ln>
+                <a:solidFill>
+                  <a:srgbClr val="FFFFFF"/>
+                </a:solidFill>
+                <a:effectLst/>
+                <a:latin typeface="Verdana" panose="020B0604030504040204" pitchFamily="34" charset="0"/>
+              </a:rPr>
+              <a:t>const</a:t>
+            </a:r>
+            <a:r>
+              <a:rPr kumimoji="0" lang="ru-RU" altLang="ru-RU" b="0" i="0" u="none" strike="noStrike" cap="none" normalizeH="0" baseline="0" dirty="0" smtClean="0">
+                <a:ln>
+                  <a:noFill/>
+                </a:ln>
+                <a:solidFill>
+                  <a:srgbClr val="FFFFFF"/>
+                </a:solidFill>
+                <a:effectLst/>
+                <a:latin typeface="Verdana" panose="020B0604030504040204" pitchFamily="34" charset="0"/>
+              </a:rPr>
+              <a:t> </a:t>
+            </a:r>
+            <a:r>
+              <a:rPr kumimoji="0" lang="ru-RU" altLang="ru-RU" b="0" i="0" u="none" strike="noStrike" cap="none" normalizeH="0" baseline="0" dirty="0" err="1" smtClean="0">
+                <a:ln>
+                  <a:noFill/>
+                </a:ln>
+                <a:solidFill>
+                  <a:srgbClr val="FFCC00"/>
+                </a:solidFill>
+                <a:effectLst/>
+                <a:latin typeface="Verdana" panose="020B0604030504040204" pitchFamily="34" charset="0"/>
+              </a:rPr>
+              <a:t>Billing</a:t>
+            </a:r>
+            <a:r>
+              <a:rPr kumimoji="0" lang="ru-RU" altLang="ru-RU" b="0" i="0" u="none" strike="noStrike" cap="none" normalizeH="0" baseline="0" dirty="0" smtClean="0">
+                <a:ln>
+                  <a:noFill/>
+                </a:ln>
+                <a:solidFill>
+                  <a:srgbClr val="FFFFFF"/>
+                </a:solidFill>
+                <a:effectLst/>
+                <a:latin typeface="Verdana" panose="020B0604030504040204" pitchFamily="34" charset="0"/>
+              </a:rPr>
+              <a:t>::</a:t>
+            </a:r>
+            <a:r>
+              <a:rPr kumimoji="0" lang="ru-RU" altLang="ru-RU" b="0" i="0" u="none" strike="noStrike" cap="none" normalizeH="0" baseline="0" dirty="0" err="1" smtClean="0">
+                <a:ln>
+                  <a:noFill/>
+                </a:ln>
+                <a:solidFill>
+                  <a:srgbClr val="FFCC00"/>
+                </a:solidFill>
+                <a:effectLst/>
+                <a:latin typeface="Verdana" panose="020B0604030504040204" pitchFamily="34" charset="0"/>
+              </a:rPr>
+              <a:t>Tariff</a:t>
+            </a:r>
+            <a:r>
+              <a:rPr kumimoji="0" lang="ru-RU" altLang="ru-RU" b="0" i="0" u="none" strike="noStrike" cap="none" normalizeH="0" baseline="0" dirty="0" smtClean="0">
+                <a:ln>
+                  <a:noFill/>
+                </a:ln>
+                <a:solidFill>
+                  <a:srgbClr val="FFFFFF"/>
+                </a:solidFill>
+                <a:effectLst/>
+                <a:latin typeface="Verdana" panose="020B0604030504040204" pitchFamily="34" charset="0"/>
+              </a:rPr>
+              <a:t>&amp; </a:t>
+            </a:r>
+            <a:r>
+              <a:rPr kumimoji="0" lang="ru-RU" altLang="ru-RU" b="0" i="0" u="none" strike="noStrike" cap="none" normalizeH="0" baseline="0" dirty="0" err="1" smtClean="0">
+                <a:ln>
+                  <a:noFill/>
+                </a:ln>
+                <a:solidFill>
+                  <a:srgbClr val="5BCD9D"/>
+                </a:solidFill>
+                <a:effectLst/>
+                <a:latin typeface="Verdana" panose="020B0604030504040204" pitchFamily="34" charset="0"/>
+              </a:rPr>
+              <a:t>tariff</a:t>
+            </a:r>
+            <a:r>
+              <a:rPr kumimoji="0" lang="ru-RU" altLang="ru-RU" b="0" i="0" u="none" strike="noStrike" cap="none" normalizeH="0" baseline="0" dirty="0" smtClean="0">
+                <a:ln>
+                  <a:noFill/>
+                </a:ln>
+                <a:solidFill>
+                  <a:srgbClr val="FFFFFF"/>
+                </a:solidFill>
+                <a:effectLst/>
+                <a:latin typeface="Verdana" panose="020B0604030504040204" pitchFamily="34" charset="0"/>
+              </a:rPr>
+              <a:t>) {</a:t>
+            </a:r>
+            <a:br>
+              <a:rPr kumimoji="0" lang="ru-RU" altLang="ru-RU" b="0" i="0" u="none" strike="noStrike" cap="none" normalizeH="0" baseline="0" dirty="0" smtClean="0">
+                <a:ln>
+                  <a:noFill/>
+                </a:ln>
+                <a:solidFill>
+                  <a:srgbClr val="FFFFFF"/>
+                </a:solidFill>
+                <a:effectLst/>
+                <a:latin typeface="Verdana" panose="020B0604030504040204" pitchFamily="34" charset="0"/>
+              </a:rPr>
+            </a:br>
+            <a:r>
+              <a:rPr kumimoji="0" lang="ru-RU" altLang="ru-RU" b="0" i="0" u="none" strike="noStrike" cap="none" normalizeH="0" baseline="0" dirty="0" smtClean="0">
+                <a:ln>
+                  <a:noFill/>
+                </a:ln>
+                <a:solidFill>
+                  <a:srgbClr val="FFFFFF"/>
+                </a:solidFill>
+                <a:effectLst/>
+                <a:latin typeface="Verdana" panose="020B0604030504040204" pitchFamily="34" charset="0"/>
+              </a:rPr>
               <a:t>    </a:t>
             </a:r>
             <a:r>
-              <a:rPr lang="en-US" dirty="0"/>
-              <a:t>void </a:t>
-            </a:r>
-            <a:r>
-              <a:rPr lang="en-US" dirty="0" err="1"/>
-              <a:t>ChargePhoneCall</a:t>
-            </a:r>
-            <a:r>
-              <a:rPr lang="en-US" dirty="0"/>
+              <a:rPr kumimoji="0" lang="ru-RU" altLang="ru-RU" b="0" i="0" u="none" strike="noStrike" cap="none" normalizeH="0" baseline="0" dirty="0" err="1" smtClean="0">
+                <a:ln>
+                  <a:noFill/>
+                </a:ln>
+                <a:solidFill>
+                  <a:srgbClr val="FC6767"/>
+                </a:solidFill>
+                <a:effectLst/>
+                <a:latin typeface="Verdana" panose="020B0604030504040204" pitchFamily="34" charset="0"/>
+              </a:rPr>
+              <a:t>money</a:t>
+            </a:r>
+            <a:r>
+              <a:rPr kumimoji="0" lang="ru-RU" altLang="ru-RU" b="0" i="0" u="none" strike="noStrike" cap="none" normalizeH="0" baseline="0" dirty="0" smtClean="0">
+                <a:ln>
+                  <a:noFill/>
+                </a:ln>
+                <a:solidFill>
+                  <a:srgbClr val="FC6767"/>
+                </a:solidFill>
+                <a:effectLst/>
+                <a:latin typeface="Verdana" panose="020B0604030504040204" pitchFamily="34" charset="0"/>
+              </a:rPr>
+              <a:t>_ -= </a:t>
+            </a:r>
+            <a:r>
+              <a:rPr kumimoji="0" lang="ru-RU" altLang="ru-RU" b="0" i="0" u="none" strike="noStrike" cap="none" normalizeH="0" baseline="0" dirty="0" err="1" smtClean="0">
+                <a:ln>
+                  <a:noFill/>
+                </a:ln>
+                <a:solidFill>
+                  <a:srgbClr val="FC6767"/>
+                </a:solidFill>
+                <a:effectLst/>
+                <a:latin typeface="Verdana" panose="020B0604030504040204" pitchFamily="34" charset="0"/>
+              </a:rPr>
+              <a:t>minutes</a:t>
+            </a:r>
+            <a:r>
+              <a:rPr kumimoji="0" lang="ru-RU" altLang="ru-RU" b="0" i="0" u="none" strike="noStrike" cap="none" normalizeH="0" baseline="0" dirty="0" smtClean="0">
+                <a:ln>
+                  <a:noFill/>
+                </a:ln>
+                <a:solidFill>
+                  <a:srgbClr val="FC6767"/>
+                </a:solidFill>
+                <a:effectLst/>
+                <a:latin typeface="Verdana" panose="020B0604030504040204" pitchFamily="34" charset="0"/>
+              </a:rPr>
+              <a:t> * </a:t>
+            </a:r>
+            <a:r>
+              <a:rPr kumimoji="0" lang="ru-RU" altLang="ru-RU" b="0" i="0" u="none" strike="noStrike" cap="none" normalizeH="0" baseline="0" dirty="0" err="1" smtClean="0">
+                <a:ln>
+                  <a:noFill/>
+                </a:ln>
+                <a:solidFill>
+                  <a:srgbClr val="FC6767"/>
+                </a:solidFill>
+                <a:effectLst/>
+                <a:latin typeface="Verdana" panose="020B0604030504040204" pitchFamily="34" charset="0"/>
+              </a:rPr>
+              <a:t>tariff.costPerMinute</a:t>
+            </a:r>
+            <a:r>
+              <a:rPr kumimoji="0" lang="ru-RU" altLang="ru-RU" b="0" i="0" u="none" strike="noStrike" cap="none" normalizeH="0" baseline="0" dirty="0" smtClean="0">
+                <a:ln>
+                  <a:noFill/>
+                </a:ln>
+                <a:solidFill>
+                  <a:srgbClr val="FC6767"/>
+                </a:solidFill>
+                <a:effectLst/>
+                <a:latin typeface="Verdana" panose="020B0604030504040204" pitchFamily="34" charset="0"/>
+              </a:rPr>
+              <a:t>_;</a:t>
+            </a:r>
+            <a:r>
+              <a:rPr kumimoji="0" lang="ru-RU" altLang="ru-RU" b="0" i="0" u="none" strike="noStrike" cap="none" normalizeH="0" baseline="0" dirty="0" smtClean="0">
+                <a:ln>
+                  <a:noFill/>
+                </a:ln>
+                <a:solidFill>
+                  <a:srgbClr val="FFFFFF"/>
+                </a:solidFill>
+                <a:effectLst/>
+                <a:latin typeface="Verdana" panose="020B0604030504040204" pitchFamily="34" charset="0"/>
+              </a:rPr>
+              <a:t/>
+            </a:r>
+            <a:br>
+              <a:rPr kumimoji="0" lang="ru-RU" altLang="ru-RU" b="0" i="0" u="none" strike="noStrike" cap="none" normalizeH="0" baseline="0" dirty="0" smtClean="0">
+                <a:ln>
+                  <a:noFill/>
+                </a:ln>
+                <a:solidFill>
+                  <a:srgbClr val="FFFFFF"/>
+                </a:solidFill>
+                <a:effectLst/>
+                <a:latin typeface="Verdana" panose="020B0604030504040204" pitchFamily="34" charset="0"/>
+              </a:rPr>
+            </a:br>
+            <a:r>
+              <a:rPr kumimoji="0" lang="ru-RU" altLang="ru-RU" b="0" i="0" u="none" strike="noStrike" cap="none" normalizeH="0" baseline="0" dirty="0" smtClean="0">
+                <a:ln>
+                  <a:noFill/>
+                </a:ln>
+                <a:solidFill>
+                  <a:srgbClr val="FFFFFF"/>
+                </a:solidFill>
+                <a:effectLst/>
+                <a:latin typeface="Verdana" panose="020B0604030504040204" pitchFamily="34" charset="0"/>
+              </a:rPr>
+              <a:t>    </a:t>
+            </a:r>
+            <a:r>
+              <a:rPr kumimoji="0" lang="ru-RU" altLang="ru-RU" b="0" i="0" u="none" strike="noStrike" cap="none" normalizeH="0" baseline="0" dirty="0" err="1" smtClean="0">
+                <a:ln>
+                  <a:noFill/>
+                </a:ln>
+                <a:solidFill>
+                  <a:srgbClr val="5BCD9D"/>
+                </a:solidFill>
+                <a:effectLst/>
+                <a:latin typeface="Verdana" panose="020B0604030504040204" pitchFamily="34" charset="0"/>
+              </a:rPr>
+              <a:t>history</a:t>
+            </a:r>
+            <a:r>
+              <a:rPr kumimoji="0" lang="ru-RU" altLang="ru-RU" b="0" i="0" u="none" strike="noStrike" cap="none" normalizeH="0" baseline="0" dirty="0" smtClean="0">
+                <a:ln>
+                  <a:noFill/>
+                </a:ln>
+                <a:solidFill>
+                  <a:srgbClr val="5BCD9D"/>
+                </a:solidFill>
+                <a:effectLst/>
+                <a:latin typeface="Verdana" panose="020B0604030504040204" pitchFamily="34" charset="0"/>
+              </a:rPr>
+              <a:t>_</a:t>
+            </a:r>
+            <a:r>
+              <a:rPr kumimoji="0" lang="ru-RU" altLang="ru-RU" b="0" i="0" u="none" strike="noStrike" cap="none" normalizeH="0" baseline="0" dirty="0" smtClean="0">
+                <a:ln>
+                  <a:noFill/>
+                </a:ln>
+                <a:solidFill>
+                  <a:srgbClr val="FFFFFF"/>
+                </a:solidFill>
+                <a:effectLst/>
+                <a:latin typeface="Verdana" panose="020B0604030504040204" pitchFamily="34" charset="0"/>
+              </a:rPr>
+              <a:t>.</a:t>
+            </a:r>
+            <a:r>
+              <a:rPr kumimoji="0" lang="ru-RU" altLang="ru-RU" b="0" i="0" u="none" strike="noStrike" cap="none" normalizeH="0" baseline="0" dirty="0" err="1" smtClean="0">
+                <a:ln>
+                  <a:noFill/>
+                </a:ln>
+                <a:solidFill>
+                  <a:srgbClr val="FFCC00"/>
+                </a:solidFill>
+                <a:effectLst/>
+                <a:latin typeface="Verdana" panose="020B0604030504040204" pitchFamily="34" charset="0"/>
+              </a:rPr>
+              <a:t>push_back</a:t>
+            </a:r>
+            <a:r>
+              <a:rPr kumimoji="0" lang="ru-RU" altLang="ru-RU" b="0" i="0" u="none" strike="noStrike" cap="none" normalizeH="0" baseline="0" dirty="0" smtClean="0">
+                <a:ln>
+                  <a:noFill/>
+                </a:ln>
+                <a:solidFill>
+                  <a:srgbClr val="FFFFFF"/>
+                </a:solidFill>
+                <a:effectLst/>
+                <a:latin typeface="Verdana" panose="020B0604030504040204" pitchFamily="34" charset="0"/>
+              </a:rPr>
               <a:t>(</a:t>
             </a:r>
             <a:r>
-              <a:rPr lang="en-US" dirty="0" err="1"/>
+              <a:rPr kumimoji="0" lang="ru-RU" altLang="ru-RU" b="0" i="0" u="none" strike="noStrike" cap="none" normalizeH="0" baseline="0" dirty="0" err="1" smtClean="0">
+                <a:ln>
+                  <a:noFill/>
+                </a:ln>
+                <a:solidFill>
+                  <a:srgbClr val="FFCC00"/>
+                </a:solidFill>
+                <a:effectLst/>
+                <a:latin typeface="Verdana" panose="020B0604030504040204" pitchFamily="34" charset="0"/>
+              </a:rPr>
+              <a:t>Event</a:t>
+            </a:r>
+            <a:r>
+              <a:rPr kumimoji="0" lang="ru-RU" altLang="ru-RU" b="0" i="0" u="none" strike="noStrike" cap="none" normalizeH="0" baseline="0" dirty="0" smtClean="0">
+                <a:ln>
+                  <a:noFill/>
+                </a:ln>
+                <a:solidFill>
+                  <a:srgbClr val="FFFFFF"/>
+                </a:solidFill>
+                <a:effectLst/>
+                <a:latin typeface="Verdana" panose="020B0604030504040204" pitchFamily="34" charset="0"/>
+              </a:rPr>
+              <a:t>::</a:t>
+            </a:r>
+            <a:r>
+              <a:rPr kumimoji="0" lang="ru-RU" altLang="ru-RU" b="0" i="0" u="none" strike="noStrike" cap="none" normalizeH="0" baseline="0" dirty="0" err="1" smtClean="0">
+                <a:ln>
+                  <a:noFill/>
+                </a:ln>
+                <a:solidFill>
+                  <a:srgbClr val="FFCC00"/>
+                </a:solidFill>
+                <a:effectLst/>
+                <a:latin typeface="Verdana" panose="020B0604030504040204" pitchFamily="34" charset="0"/>
+              </a:rPr>
+              <a:t>PhoneCall</a:t>
+            </a:r>
+            <a:r>
+              <a:rPr kumimoji="0" lang="ru-RU" altLang="ru-RU" b="0" i="0" u="none" strike="noStrike" cap="none" normalizeH="0" baseline="0" dirty="0" smtClean="0">
+                <a:ln>
+                  <a:noFill/>
+                </a:ln>
+                <a:solidFill>
+                  <a:srgbClr val="FFFFFF"/>
+                </a:solidFill>
+                <a:effectLst/>
+                <a:latin typeface="Verdana" panose="020B0604030504040204" pitchFamily="34" charset="0"/>
+              </a:rPr>
+              <a:t>(</a:t>
+            </a:r>
+            <a:r>
+              <a:rPr kumimoji="0" lang="ru-RU" altLang="ru-RU" b="0" i="0" u="none" strike="noStrike" cap="none" normalizeH="0" baseline="0" dirty="0" err="1" smtClean="0">
+                <a:ln>
+                  <a:noFill/>
+                </a:ln>
+                <a:solidFill>
+                  <a:srgbClr val="5BCD9D"/>
+                </a:solidFill>
+                <a:effectLst/>
+                <a:latin typeface="Verdana" panose="020B0604030504040204" pitchFamily="34" charset="0"/>
+              </a:rPr>
+              <a:t>minutes</a:t>
+            </a:r>
+            <a:r>
+              <a:rPr kumimoji="0" lang="ru-RU" altLang="ru-RU" b="0" i="0" u="none" strike="noStrike" cap="none" normalizeH="0" baseline="0" dirty="0" smtClean="0">
+                <a:ln>
+                  <a:noFill/>
+                </a:ln>
+                <a:solidFill>
+                  <a:srgbClr val="FFFFFF"/>
+                </a:solidFill>
+                <a:effectLst/>
+                <a:latin typeface="Verdana" panose="020B0604030504040204" pitchFamily="34" charset="0"/>
+              </a:rPr>
+              <a:t>));</a:t>
+            </a:r>
+            <a:br>
+              <a:rPr kumimoji="0" lang="ru-RU" altLang="ru-RU" b="0" i="0" u="none" strike="noStrike" cap="none" normalizeH="0" baseline="0" dirty="0" smtClean="0">
+                <a:ln>
+                  <a:noFill/>
+                </a:ln>
+                <a:solidFill>
+                  <a:srgbClr val="FFFFFF"/>
+                </a:solidFill>
+                <a:effectLst/>
+                <a:latin typeface="Verdana" panose="020B0604030504040204" pitchFamily="34" charset="0"/>
+              </a:rPr>
+            </a:br>
+            <a:r>
+              <a:rPr kumimoji="0" lang="ru-RU" altLang="ru-RU" b="0" i="0" u="none" strike="noStrike" cap="none" normalizeH="0" baseline="0" dirty="0" smtClean="0">
+                <a:ln>
+                  <a:noFill/>
+                </a:ln>
+                <a:solidFill>
+                  <a:srgbClr val="FFFFFF"/>
+                </a:solidFill>
+                <a:effectLst/>
+                <a:latin typeface="Verdana" panose="020B0604030504040204" pitchFamily="34" charset="0"/>
+              </a:rPr>
+              <a:t/>
+            </a:r>
+            <a:br>
+              <a:rPr kumimoji="0" lang="ru-RU" altLang="ru-RU" b="0" i="0" u="none" strike="noStrike" cap="none" normalizeH="0" baseline="0" dirty="0" smtClean="0">
+                <a:ln>
+                  <a:noFill/>
+                </a:ln>
+                <a:solidFill>
+                  <a:srgbClr val="FFFFFF"/>
+                </a:solidFill>
+                <a:effectLst/>
+                <a:latin typeface="Verdana" panose="020B0604030504040204" pitchFamily="34" charset="0"/>
+              </a:rPr>
+            </a:br>
+            <a:r>
+              <a:rPr kumimoji="0" lang="ru-RU" altLang="ru-RU" b="0" i="0" u="none" strike="noStrike" cap="none" normalizeH="0" baseline="0" dirty="0" smtClean="0">
+                <a:ln>
+                  <a:noFill/>
+                </a:ln>
+                <a:solidFill>
+                  <a:srgbClr val="FFFFFF"/>
+                </a:solidFill>
+                <a:effectLst/>
+                <a:latin typeface="Verdana" panose="020B0604030504040204" pitchFamily="34" charset="0"/>
+              </a:rPr>
+              <a:t>    </a:t>
+            </a:r>
+            <a:r>
+              <a:rPr kumimoji="0" lang="ru-RU" altLang="ru-RU" b="0" i="0" u="none" strike="noStrike" cap="none" normalizeH="0" baseline="0" dirty="0" err="1" smtClean="0">
+                <a:ln>
+                  <a:noFill/>
+                </a:ln>
+                <a:solidFill>
+                  <a:srgbClr val="FFFFFF"/>
+                </a:solidFill>
+                <a:effectLst/>
+                <a:latin typeface="Verdana" panose="020B0604030504040204" pitchFamily="34" charset="0"/>
+              </a:rPr>
+              <a:t>if</a:t>
+            </a:r>
+            <a:r>
+              <a:rPr kumimoji="0" lang="ru-RU" altLang="ru-RU" b="0" i="0" u="none" strike="noStrike" cap="none" normalizeH="0" baseline="0" dirty="0" smtClean="0">
+                <a:ln>
+                  <a:noFill/>
+                </a:ln>
+                <a:solidFill>
+                  <a:srgbClr val="FFFFFF"/>
+                </a:solidFill>
+                <a:effectLst/>
+                <a:latin typeface="Verdana" panose="020B0604030504040204" pitchFamily="34" charset="0"/>
+              </a:rPr>
+              <a:t> (</a:t>
+            </a:r>
+            <a:r>
+              <a:rPr kumimoji="0" lang="ru-RU" altLang="ru-RU" b="0" i="0" u="none" strike="noStrike" cap="none" normalizeH="0" baseline="0" dirty="0" err="1" smtClean="0">
+                <a:ln>
+                  <a:noFill/>
+                </a:ln>
+                <a:solidFill>
+                  <a:srgbClr val="5BCD9D"/>
+                </a:solidFill>
+                <a:effectLst/>
+                <a:latin typeface="Verdana" panose="020B0604030504040204" pitchFamily="34" charset="0"/>
+              </a:rPr>
+              <a:t>money</a:t>
+            </a:r>
+            <a:r>
+              <a:rPr kumimoji="0" lang="ru-RU" altLang="ru-RU" b="0" i="0" u="none" strike="noStrike" cap="none" normalizeH="0" baseline="0" dirty="0" smtClean="0">
+                <a:ln>
+                  <a:noFill/>
+                </a:ln>
+                <a:solidFill>
+                  <a:srgbClr val="5BCD9D"/>
+                </a:solidFill>
+                <a:effectLst/>
+                <a:latin typeface="Verdana" panose="020B0604030504040204" pitchFamily="34" charset="0"/>
+              </a:rPr>
+              <a:t>_ </a:t>
+            </a:r>
+            <a:r>
+              <a:rPr kumimoji="0" lang="ru-RU" altLang="ru-RU" b="0" i="0" u="none" strike="noStrike" cap="none" normalizeH="0" baseline="0" dirty="0" smtClean="0">
+                <a:ln>
+                  <a:noFill/>
+                </a:ln>
+                <a:solidFill>
+                  <a:srgbClr val="FFFFFF"/>
+                </a:solidFill>
+                <a:effectLst/>
+                <a:latin typeface="Verdana" panose="020B0604030504040204" pitchFamily="34" charset="0"/>
+              </a:rPr>
+              <a:t>&lt;= 0) {</a:t>
+            </a:r>
+            <a:br>
+              <a:rPr kumimoji="0" lang="ru-RU" altLang="ru-RU" b="0" i="0" u="none" strike="noStrike" cap="none" normalizeH="0" baseline="0" dirty="0" smtClean="0">
+                <a:ln>
+                  <a:noFill/>
+                </a:ln>
+                <a:solidFill>
+                  <a:srgbClr val="FFFFFF"/>
+                </a:solidFill>
+                <a:effectLst/>
+                <a:latin typeface="Verdana" panose="020B0604030504040204" pitchFamily="34" charset="0"/>
+              </a:rPr>
+            </a:br>
+            <a:r>
+              <a:rPr kumimoji="0" lang="ru-RU" altLang="ru-RU" b="0" i="0" u="none" strike="noStrike" cap="none" normalizeH="0" baseline="0" dirty="0" smtClean="0">
+                <a:ln>
+                  <a:noFill/>
+                </a:ln>
+                <a:solidFill>
+                  <a:srgbClr val="FFFFFF"/>
+                </a:solidFill>
+                <a:effectLst/>
+                <a:latin typeface="Verdana" panose="020B0604030504040204" pitchFamily="34" charset="0"/>
+              </a:rPr>
+              <a:t>        </a:t>
+            </a:r>
+            <a:r>
+              <a:rPr kumimoji="0" lang="ru-RU" altLang="ru-RU" b="0" i="0" u="none" strike="noStrike" cap="none" normalizeH="0" baseline="0" dirty="0" err="1" smtClean="0">
+                <a:ln>
+                  <a:noFill/>
+                </a:ln>
+                <a:solidFill>
+                  <a:srgbClr val="FFCC00"/>
+                </a:solidFill>
+                <a:effectLst/>
+                <a:latin typeface="Verdana" panose="020B0604030504040204" pitchFamily="34" charset="0"/>
+              </a:rPr>
+              <a:t>SendSms</a:t>
+            </a:r>
+            <a:r>
+              <a:rPr kumimoji="0" lang="ru-RU" altLang="ru-RU" b="0" i="0" u="none" strike="noStrike" cap="none" normalizeH="0" baseline="0" dirty="0" smtClean="0">
+                <a:ln>
+                  <a:noFill/>
+                </a:ln>
+                <a:solidFill>
+                  <a:srgbClr val="FFFFFF"/>
+                </a:solidFill>
+                <a:effectLst/>
+                <a:latin typeface="Verdana" panose="020B0604030504040204" pitchFamily="34" charset="0"/>
+              </a:rPr>
+              <a:t>(</a:t>
+            </a:r>
+            <a:r>
+              <a:rPr kumimoji="0" lang="ru-RU" altLang="ru-RU" b="0" i="0" u="none" strike="noStrike" cap="none" normalizeH="0" baseline="0" dirty="0" smtClean="0">
+                <a:ln>
+                  <a:noFill/>
+                </a:ln>
+                <a:solidFill>
+                  <a:srgbClr val="9E64A9"/>
+                </a:solidFill>
+                <a:effectLst/>
+                <a:latin typeface="Verdana" panose="020B0604030504040204" pitchFamily="34" charset="0"/>
+              </a:rPr>
+              <a:t>"</a:t>
+            </a:r>
+            <a:r>
+              <a:rPr kumimoji="0" lang="ru-RU" altLang="ru-RU" b="0" i="0" u="none" strike="noStrike" cap="none" normalizeH="0" baseline="0" dirty="0" err="1" smtClean="0">
+                <a:ln>
+                  <a:noFill/>
+                </a:ln>
+                <a:solidFill>
+                  <a:srgbClr val="9E64A9"/>
+                </a:solidFill>
+                <a:effectLst/>
+                <a:latin typeface="Verdana" panose="020B0604030504040204" pitchFamily="34" charset="0"/>
+              </a:rPr>
+              <a:t>Your</a:t>
+            </a:r>
+            <a:r>
+              <a:rPr kumimoji="0" lang="ru-RU" altLang="ru-RU" b="0" i="0" u="none" strike="noStrike" cap="none" normalizeH="0" baseline="0" dirty="0" smtClean="0">
+                <a:ln>
+                  <a:noFill/>
+                </a:ln>
+                <a:solidFill>
+                  <a:srgbClr val="9E64A9"/>
+                </a:solidFill>
+                <a:effectLst/>
+                <a:latin typeface="Verdana" panose="020B0604030504040204" pitchFamily="34" charset="0"/>
+              </a:rPr>
+              <a:t> </a:t>
+            </a:r>
+            <a:r>
+              <a:rPr kumimoji="0" lang="ru-RU" altLang="ru-RU" b="0" i="0" u="none" strike="noStrike" cap="none" normalizeH="0" baseline="0" dirty="0" err="1" smtClean="0">
+                <a:ln>
+                  <a:noFill/>
+                </a:ln>
+                <a:solidFill>
+                  <a:srgbClr val="9E64A9"/>
+                </a:solidFill>
+                <a:effectLst/>
+                <a:latin typeface="Verdana" panose="020B0604030504040204" pitchFamily="34" charset="0"/>
+              </a:rPr>
+              <a:t>balance</a:t>
+            </a:r>
+            <a:r>
+              <a:rPr kumimoji="0" lang="ru-RU" altLang="ru-RU" b="0" i="0" u="none" strike="noStrike" cap="none" normalizeH="0" baseline="0" dirty="0" smtClean="0">
+                <a:ln>
+                  <a:noFill/>
+                </a:ln>
+                <a:solidFill>
+                  <a:srgbClr val="9E64A9"/>
+                </a:solidFill>
+                <a:effectLst/>
+                <a:latin typeface="Verdana" panose="020B0604030504040204" pitchFamily="34" charset="0"/>
+              </a:rPr>
+              <a:t> </a:t>
+            </a:r>
+            <a:r>
+              <a:rPr kumimoji="0" lang="ru-RU" altLang="ru-RU" b="0" i="0" u="none" strike="noStrike" cap="none" normalizeH="0" baseline="0" dirty="0" err="1" smtClean="0">
+                <a:ln>
+                  <a:noFill/>
+                </a:ln>
+                <a:solidFill>
+                  <a:srgbClr val="9E64A9"/>
+                </a:solidFill>
+                <a:effectLst/>
+                <a:latin typeface="Verdana" panose="020B0604030504040204" pitchFamily="34" charset="0"/>
+              </a:rPr>
+              <a:t>is</a:t>
+            </a:r>
+            <a:r>
+              <a:rPr kumimoji="0" lang="ru-RU" altLang="ru-RU" b="0" i="0" u="none" strike="noStrike" cap="none" normalizeH="0" baseline="0" dirty="0" smtClean="0">
+                <a:ln>
+                  <a:noFill/>
+                </a:ln>
+                <a:solidFill>
+                  <a:srgbClr val="9E64A9"/>
+                </a:solidFill>
+                <a:effectLst/>
+                <a:latin typeface="Verdana" panose="020B0604030504040204" pitchFamily="34" charset="0"/>
+              </a:rPr>
+              <a:t> " </a:t>
+            </a:r>
+            <a:r>
+              <a:rPr kumimoji="0" lang="ru-RU" altLang="ru-RU" b="0" i="0" u="none" strike="noStrike" cap="none" normalizeH="0" baseline="0" dirty="0" smtClean="0">
+                <a:ln>
+                  <a:noFill/>
+                </a:ln>
+                <a:solidFill>
+                  <a:srgbClr val="FFFFFF"/>
+                </a:solidFill>
+                <a:effectLst/>
+                <a:latin typeface="Verdana" panose="020B0604030504040204" pitchFamily="34" charset="0"/>
+              </a:rPr>
+              <a:t>+ </a:t>
+            </a:r>
+            <a:r>
+              <a:rPr kumimoji="0" lang="ru-RU" altLang="ru-RU" b="0" i="0" u="none" strike="noStrike" cap="none" normalizeH="0" baseline="0" dirty="0" err="1" smtClean="0">
+                <a:ln>
+                  <a:noFill/>
+                </a:ln>
+                <a:solidFill>
+                  <a:srgbClr val="FFCC00"/>
+                </a:solidFill>
+                <a:effectLst/>
+                <a:latin typeface="Verdana" panose="020B0604030504040204" pitchFamily="34" charset="0"/>
+              </a:rPr>
+              <a:t>to_string</a:t>
+            </a:r>
+            <a:r>
+              <a:rPr kumimoji="0" lang="ru-RU" altLang="ru-RU" b="0" i="0" u="none" strike="noStrike" cap="none" normalizeH="0" baseline="0" dirty="0" smtClean="0">
+                <a:ln>
+                  <a:noFill/>
+                </a:ln>
+                <a:solidFill>
+                  <a:srgbClr val="FFFFFF"/>
+                </a:solidFill>
+                <a:effectLst/>
+                <a:latin typeface="Verdana" panose="020B0604030504040204" pitchFamily="34" charset="0"/>
+              </a:rPr>
+              <a:t>(</a:t>
+            </a:r>
+            <a:r>
+              <a:rPr kumimoji="0" lang="ru-RU" altLang="ru-RU" b="0" i="0" u="none" strike="noStrike" cap="none" normalizeH="0" baseline="0" dirty="0" err="1" smtClean="0">
+                <a:ln>
+                  <a:noFill/>
+                </a:ln>
+                <a:solidFill>
+                  <a:srgbClr val="5BCD9D"/>
+                </a:solidFill>
+                <a:effectLst/>
+                <a:latin typeface="Verdana" panose="020B0604030504040204" pitchFamily="34" charset="0"/>
+              </a:rPr>
+              <a:t>money</a:t>
+            </a:r>
+            <a:r>
+              <a:rPr kumimoji="0" lang="ru-RU" altLang="ru-RU" b="0" i="0" u="none" strike="noStrike" cap="none" normalizeH="0" baseline="0" dirty="0" smtClean="0">
+                <a:ln>
+                  <a:noFill/>
+                </a:ln>
+                <a:solidFill>
+                  <a:srgbClr val="5BCD9D"/>
+                </a:solidFill>
+                <a:effectLst/>
+                <a:latin typeface="Verdana" panose="020B0604030504040204" pitchFamily="34" charset="0"/>
+              </a:rPr>
+              <a:t>_</a:t>
+            </a:r>
+            <a:r>
+              <a:rPr kumimoji="0" lang="ru-RU" altLang="ru-RU" b="0" i="0" u="none" strike="noStrike" cap="none" normalizeH="0" baseline="0" dirty="0" smtClean="0">
+                <a:ln>
+                  <a:noFill/>
+                </a:ln>
+                <a:solidFill>
+                  <a:srgbClr val="FFFFFF"/>
+                </a:solidFill>
+                <a:effectLst/>
+                <a:latin typeface="Verdana" panose="020B0604030504040204" pitchFamily="34" charset="0"/>
+              </a:rPr>
+              <a:t>));</a:t>
+            </a:r>
+            <a:br>
+              <a:rPr kumimoji="0" lang="ru-RU" altLang="ru-RU" b="0" i="0" u="none" strike="noStrike" cap="none" normalizeH="0" baseline="0" dirty="0" smtClean="0">
+                <a:ln>
+                  <a:noFill/>
+                </a:ln>
+                <a:solidFill>
+                  <a:srgbClr val="FFFFFF"/>
+                </a:solidFill>
+                <a:effectLst/>
+                <a:latin typeface="Verdana" panose="020B0604030504040204" pitchFamily="34" charset="0"/>
+              </a:rPr>
+            </a:br>
+            <a:r>
+              <a:rPr kumimoji="0" lang="ru-RU" altLang="ru-RU" b="0" i="0" u="none" strike="noStrike" cap="none" normalizeH="0" baseline="0" dirty="0" smtClean="0">
+                <a:ln>
+                  <a:noFill/>
+                </a:ln>
+                <a:solidFill>
+                  <a:srgbClr val="FFFFFF"/>
+                </a:solidFill>
+                <a:effectLst/>
+                <a:latin typeface="Verdana" panose="020B0604030504040204" pitchFamily="34" charset="0"/>
+              </a:rPr>
+              <a:t>    }</a:t>
+            </a:r>
+            <a:br>
+              <a:rPr kumimoji="0" lang="ru-RU" altLang="ru-RU" b="0" i="0" u="none" strike="noStrike" cap="none" normalizeH="0" baseline="0" dirty="0" smtClean="0">
+                <a:ln>
+                  <a:noFill/>
+                </a:ln>
+                <a:solidFill>
+                  <a:srgbClr val="FFFFFF"/>
+                </a:solidFill>
+                <a:effectLst/>
+                <a:latin typeface="Verdana" panose="020B0604030504040204" pitchFamily="34" charset="0"/>
+              </a:rPr>
+            </a:br>
+            <a:r>
+              <a:rPr kumimoji="0" lang="ru-RU" altLang="ru-RU" b="0" i="0" u="none" strike="noStrike" cap="none" normalizeH="0" baseline="0" dirty="0" smtClean="0">
+                <a:ln>
+                  <a:noFill/>
+                </a:ln>
+                <a:solidFill>
+                  <a:srgbClr val="FFFFFF"/>
+                </a:solidFill>
+                <a:effectLst/>
+                <a:latin typeface="Verdana" panose="020B0604030504040204" pitchFamily="34" charset="0"/>
+              </a:rPr>
+              <a:t>}</a:t>
+            </a:r>
+            <a:br>
+              <a:rPr kumimoji="0" lang="ru-RU" altLang="ru-RU" b="0" i="0" u="none" strike="noStrike" cap="none" normalizeH="0" baseline="0" dirty="0" smtClean="0">
+                <a:ln>
+                  <a:noFill/>
+                </a:ln>
+                <a:solidFill>
+                  <a:srgbClr val="FFFFFF"/>
+                </a:solidFill>
+                <a:effectLst/>
+                <a:latin typeface="Verdana" panose="020B0604030504040204" pitchFamily="34" charset="0"/>
+              </a:rPr>
+            </a:br>
+            <a:r>
+              <a:rPr kumimoji="0" lang="ru-RU" altLang="ru-RU" b="0" i="0" u="none" strike="noStrike" cap="none" normalizeH="0" baseline="0" dirty="0" smtClean="0">
+                <a:ln>
+                  <a:noFill/>
+                </a:ln>
+                <a:solidFill>
+                  <a:srgbClr val="FFFFFF"/>
+                </a:solidFill>
+                <a:effectLst/>
+                <a:latin typeface="Verdana" panose="020B0604030504040204" pitchFamily="34" charset="0"/>
+              </a:rPr>
+              <a:t/>
+            </a:r>
+            <a:br>
+              <a:rPr kumimoji="0" lang="ru-RU" altLang="ru-RU" b="0" i="0" u="none" strike="noStrike" cap="none" normalizeH="0" baseline="0" dirty="0" smtClean="0">
+                <a:ln>
+                  <a:noFill/>
+                </a:ln>
+                <a:solidFill>
+                  <a:srgbClr val="FFFFFF"/>
+                </a:solidFill>
+                <a:effectLst/>
+                <a:latin typeface="Verdana" panose="020B0604030504040204" pitchFamily="34" charset="0"/>
+              </a:rPr>
+            </a:br>
+            <a:r>
+              <a:rPr kumimoji="0" lang="ru-RU" altLang="ru-RU" b="0" i="0" u="none" strike="noStrike" cap="none" normalizeH="0" baseline="0" dirty="0" err="1" smtClean="0">
+                <a:ln>
+                  <a:noFill/>
+                </a:ln>
+                <a:solidFill>
+                  <a:srgbClr val="FFFFFF"/>
+                </a:solidFill>
+                <a:effectLst/>
+                <a:latin typeface="Verdana" panose="020B0604030504040204" pitchFamily="34" charset="0"/>
+              </a:rPr>
+              <a:t>void</a:t>
+            </a:r>
+            <a:r>
+              <a:rPr kumimoji="0" lang="ru-RU" altLang="ru-RU" b="0" i="0" u="none" strike="noStrike" cap="none" normalizeH="0" baseline="0" dirty="0" smtClean="0">
+                <a:ln>
+                  <a:noFill/>
+                </a:ln>
+                <a:solidFill>
+                  <a:srgbClr val="FFFFFF"/>
+                </a:solidFill>
+                <a:effectLst/>
+                <a:latin typeface="Verdana" panose="020B0604030504040204" pitchFamily="34" charset="0"/>
+              </a:rPr>
+              <a:t> </a:t>
+            </a:r>
+            <a:r>
+              <a:rPr kumimoji="0" lang="ru-RU" altLang="ru-RU" b="0" i="0" u="none" strike="noStrike" cap="none" normalizeH="0" baseline="0" dirty="0" err="1" smtClean="0">
+                <a:ln>
+                  <a:noFill/>
+                </a:ln>
+                <a:solidFill>
+                  <a:srgbClr val="FFCC00"/>
+                </a:solidFill>
+                <a:effectLst/>
+                <a:latin typeface="Verdana" panose="020B0604030504040204" pitchFamily="34" charset="0"/>
+              </a:rPr>
+              <a:t>Billing</a:t>
+            </a:r>
+            <a:r>
+              <a:rPr kumimoji="0" lang="ru-RU" altLang="ru-RU" b="0" i="0" u="none" strike="noStrike" cap="none" normalizeH="0" baseline="0" dirty="0" smtClean="0">
+                <a:ln>
+                  <a:noFill/>
+                </a:ln>
+                <a:solidFill>
+                  <a:srgbClr val="FFFFFF"/>
+                </a:solidFill>
+                <a:effectLst/>
+                <a:latin typeface="Verdana" panose="020B0604030504040204" pitchFamily="34" charset="0"/>
+              </a:rPr>
+              <a:t>::</a:t>
+            </a:r>
+            <a:r>
+              <a:rPr kumimoji="0" lang="ru-RU" altLang="ru-RU" b="0" i="0" u="none" strike="noStrike" cap="none" normalizeH="0" baseline="0" dirty="0" err="1" smtClean="0">
+                <a:ln>
+                  <a:noFill/>
+                </a:ln>
+                <a:solidFill>
+                  <a:srgbClr val="FFCC00"/>
+                </a:solidFill>
+                <a:effectLst/>
+                <a:latin typeface="Verdana" panose="020B0604030504040204" pitchFamily="34" charset="0"/>
+              </a:rPr>
+              <a:t>UserInfo</a:t>
+            </a:r>
+            <a:r>
+              <a:rPr kumimoji="0" lang="ru-RU" altLang="ru-RU" b="0" i="0" u="none" strike="noStrike" cap="none" normalizeH="0" baseline="0" dirty="0" smtClean="0">
+                <a:ln>
+                  <a:noFill/>
+                </a:ln>
+                <a:solidFill>
+                  <a:srgbClr val="FFFFFF"/>
+                </a:solidFill>
+                <a:effectLst/>
+                <a:latin typeface="Verdana" panose="020B0604030504040204" pitchFamily="34" charset="0"/>
+              </a:rPr>
+              <a:t>::</a:t>
+            </a:r>
+            <a:r>
+              <a:rPr kumimoji="0" lang="ru-RU" altLang="ru-RU" b="0" i="0" u="none" strike="noStrike" cap="none" normalizeH="0" baseline="0" dirty="0" err="1" smtClean="0">
+                <a:ln>
+                  <a:noFill/>
+                </a:ln>
+                <a:solidFill>
+                  <a:srgbClr val="FFCC00"/>
+                </a:solidFill>
+                <a:effectLst/>
+                <a:latin typeface="Verdana" panose="020B0604030504040204" pitchFamily="34" charset="0"/>
+              </a:rPr>
+              <a:t>AddMoney</a:t>
+            </a:r>
+            <a:r>
+              <a:rPr kumimoji="0" lang="ru-RU" altLang="ru-RU" b="0" i="0" u="none" strike="noStrike" cap="none" normalizeH="0" baseline="0" dirty="0" smtClean="0">
+                <a:ln>
+                  <a:noFill/>
+                </a:ln>
+                <a:solidFill>
+                  <a:srgbClr val="FFFFFF"/>
+                </a:solidFill>
+                <a:effectLst/>
+                <a:latin typeface="Verdana" panose="020B0604030504040204" pitchFamily="34" charset="0"/>
+              </a:rPr>
+              <a:t>(</a:t>
+            </a:r>
+            <a:r>
+              <a:rPr kumimoji="0" lang="ru-RU" altLang="ru-RU" b="0" i="0" u="none" strike="noStrike" cap="none" normalizeH="0" baseline="0" dirty="0" err="1" smtClean="0">
+                <a:ln>
+                  <a:noFill/>
+                </a:ln>
+                <a:solidFill>
+                  <a:srgbClr val="FFFFFF"/>
+                </a:solidFill>
+                <a:effectLst/>
+                <a:latin typeface="Verdana" panose="020B0604030504040204" pitchFamily="34" charset="0"/>
+              </a:rPr>
               <a:t>int</a:t>
             </a:r>
             <a:r>
-              <a:rPr lang="en-US" dirty="0"/>
+              <a:rPr kumimoji="0" lang="ru-RU" altLang="ru-RU" b="0" i="0" u="none" strike="noStrike" cap="none" normalizeH="0" baseline="0" dirty="0" smtClean="0">
+                <a:ln>
+                  <a:noFill/>
+                </a:ln>
+                <a:solidFill>
+                  <a:srgbClr val="FFFFFF"/>
+                </a:solidFill>
+                <a:effectLst/>
+                <a:latin typeface="Verdana" panose="020B0604030504040204" pitchFamily="34" charset="0"/>
+              </a:rPr>
               <a:t> </a:t>
             </a:r>
             <a:r>
-              <a:rPr lang="en-US" dirty="0" err="1"/>
-              <a:t>userId</a:t>
-            </a:r>
-            <a:r>
-              <a:rPr lang="en-US" dirty="0"/>
-              <a:t>, </a:t>
-            </a:r>
-            <a:r>
-              <a:rPr lang="en-US" dirty="0" err="1"/>
-              <a:t>int</a:t>
-            </a:r>
-            <a:r>
-              <a:rPr lang="en-US" dirty="0"/>
-              <a:t> minutes);</a:t>
-            </a:r>
-          </a:p>
-          <a:p>
-            <a:pPr>
-              <a:lnSpc>
-                <a:spcPct val="135000"/>
-              </a:lnSpc>
-            </a:pPr>
-            <a:r>
-              <a:rPr lang="en-US" dirty="0"/>
-              <a:t>    void </a:t>
-            </a:r>
-            <a:r>
-              <a:rPr lang="en-US" dirty="0" err="1"/>
-              <a:t>AddMoney</a:t>
-            </a:r>
-            <a:r>
-              <a:rPr lang="en-US" dirty="0"/>
+              <a:rPr kumimoji="0" lang="ru-RU" altLang="ru-RU" b="0" i="0" u="none" strike="noStrike" cap="none" normalizeH="0" baseline="0" dirty="0" err="1" smtClean="0">
+                <a:ln>
+                  <a:noFill/>
+                </a:ln>
+                <a:solidFill>
+                  <a:srgbClr val="5BCD9D"/>
+                </a:solidFill>
+                <a:effectLst/>
+                <a:latin typeface="Verdana" panose="020B0604030504040204" pitchFamily="34" charset="0"/>
+              </a:rPr>
+              <a:t>rubles</a:t>
+            </a:r>
+            <a:r>
+              <a:rPr kumimoji="0" lang="ru-RU" altLang="ru-RU" b="0" i="0" u="none" strike="noStrike" cap="none" normalizeH="0" baseline="0" dirty="0" smtClean="0">
+                <a:ln>
+                  <a:noFill/>
+                </a:ln>
+                <a:solidFill>
+                  <a:srgbClr val="FFFFFF"/>
+                </a:solidFill>
+                <a:effectLst/>
+                <a:latin typeface="Verdana" panose="020B0604030504040204" pitchFamily="34" charset="0"/>
+              </a:rPr>
+              <a:t>) {</a:t>
+            </a:r>
+            <a:br>
+              <a:rPr kumimoji="0" lang="ru-RU" altLang="ru-RU" b="0" i="0" u="none" strike="noStrike" cap="none" normalizeH="0" baseline="0" dirty="0" smtClean="0">
+                <a:ln>
+                  <a:noFill/>
+                </a:ln>
+                <a:solidFill>
+                  <a:srgbClr val="FFFFFF"/>
+                </a:solidFill>
+                <a:effectLst/>
+                <a:latin typeface="Verdana" panose="020B0604030504040204" pitchFamily="34" charset="0"/>
+              </a:rPr>
+            </a:br>
+            <a:r>
+              <a:rPr kumimoji="0" lang="ru-RU" altLang="ru-RU" b="0" i="0" u="none" strike="noStrike" cap="none" normalizeH="0" baseline="0" dirty="0" smtClean="0">
+                <a:ln>
+                  <a:noFill/>
+                </a:ln>
+                <a:solidFill>
+                  <a:srgbClr val="FFFFFF"/>
+                </a:solidFill>
+                <a:effectLst/>
+                <a:latin typeface="Verdana" panose="020B0604030504040204" pitchFamily="34" charset="0"/>
+              </a:rPr>
+              <a:t>    </a:t>
+            </a:r>
+            <a:r>
+              <a:rPr kumimoji="0" lang="ru-RU" altLang="ru-RU" b="0" i="0" u="none" strike="noStrike" cap="none" normalizeH="0" baseline="0" dirty="0" err="1" smtClean="0">
+                <a:ln>
+                  <a:noFill/>
+                </a:ln>
+                <a:solidFill>
+                  <a:srgbClr val="FC6767"/>
+                </a:solidFill>
+                <a:effectLst/>
+                <a:latin typeface="Verdana" panose="020B0604030504040204" pitchFamily="34" charset="0"/>
+              </a:rPr>
+              <a:t>money</a:t>
+            </a:r>
+            <a:r>
+              <a:rPr kumimoji="0" lang="ru-RU" altLang="ru-RU" b="0" i="0" u="none" strike="noStrike" cap="none" normalizeH="0" baseline="0" dirty="0" smtClean="0">
+                <a:ln>
+                  <a:noFill/>
+                </a:ln>
+                <a:solidFill>
+                  <a:srgbClr val="FC6767"/>
+                </a:solidFill>
+                <a:effectLst/>
+                <a:latin typeface="Verdana" panose="020B0604030504040204" pitchFamily="34" charset="0"/>
+              </a:rPr>
+              <a:t>_ += </a:t>
+            </a:r>
+            <a:r>
+              <a:rPr kumimoji="0" lang="ru-RU" altLang="ru-RU" b="0" i="0" u="none" strike="noStrike" cap="none" normalizeH="0" baseline="0" dirty="0" err="1" smtClean="0">
+                <a:ln>
+                  <a:noFill/>
+                </a:ln>
+                <a:solidFill>
+                  <a:srgbClr val="FC6767"/>
+                </a:solidFill>
+                <a:effectLst/>
+                <a:latin typeface="Verdana" panose="020B0604030504040204" pitchFamily="34" charset="0"/>
+              </a:rPr>
+              <a:t>rubles</a:t>
+            </a:r>
+            <a:r>
+              <a:rPr kumimoji="0" lang="ru-RU" altLang="ru-RU" b="0" i="0" u="none" strike="noStrike" cap="none" normalizeH="0" baseline="0" dirty="0" smtClean="0">
+                <a:ln>
+                  <a:noFill/>
+                </a:ln>
+                <a:solidFill>
+                  <a:srgbClr val="FC6767"/>
+                </a:solidFill>
+                <a:effectLst/>
+                <a:latin typeface="Verdana" panose="020B0604030504040204" pitchFamily="34" charset="0"/>
+              </a:rPr>
+              <a:t>;</a:t>
+            </a:r>
+            <a:r>
+              <a:rPr kumimoji="0" lang="ru-RU" altLang="ru-RU" b="0" i="0" u="none" strike="noStrike" cap="none" normalizeH="0" baseline="0" dirty="0" smtClean="0">
+                <a:ln>
+                  <a:noFill/>
+                </a:ln>
+                <a:solidFill>
+                  <a:srgbClr val="FFFFFF"/>
+                </a:solidFill>
+                <a:effectLst/>
+                <a:latin typeface="Verdana" panose="020B0604030504040204" pitchFamily="34" charset="0"/>
+              </a:rPr>
+              <a:t/>
+            </a:r>
+            <a:br>
+              <a:rPr kumimoji="0" lang="ru-RU" altLang="ru-RU" b="0" i="0" u="none" strike="noStrike" cap="none" normalizeH="0" baseline="0" dirty="0" smtClean="0">
+                <a:ln>
+                  <a:noFill/>
+                </a:ln>
+                <a:solidFill>
+                  <a:srgbClr val="FFFFFF"/>
+                </a:solidFill>
+                <a:effectLst/>
+                <a:latin typeface="Verdana" panose="020B0604030504040204" pitchFamily="34" charset="0"/>
+              </a:rPr>
+            </a:br>
+            <a:r>
+              <a:rPr kumimoji="0" lang="ru-RU" altLang="ru-RU" b="0" i="0" u="none" strike="noStrike" cap="none" normalizeH="0" baseline="0" dirty="0" smtClean="0">
+                <a:ln>
+                  <a:noFill/>
+                </a:ln>
+                <a:solidFill>
+                  <a:srgbClr val="FFFFFF"/>
+                </a:solidFill>
+                <a:effectLst/>
+                <a:latin typeface="Verdana" panose="020B0604030504040204" pitchFamily="34" charset="0"/>
+              </a:rPr>
+              <a:t>    </a:t>
+            </a:r>
+            <a:r>
+              <a:rPr kumimoji="0" lang="ru-RU" altLang="ru-RU" b="0" i="0" u="none" strike="noStrike" cap="none" normalizeH="0" baseline="0" dirty="0" err="1" smtClean="0">
+                <a:ln>
+                  <a:noFill/>
+                </a:ln>
+                <a:solidFill>
+                  <a:srgbClr val="5BCD9D"/>
+                </a:solidFill>
+                <a:effectLst/>
+                <a:latin typeface="Verdana" panose="020B0604030504040204" pitchFamily="34" charset="0"/>
+              </a:rPr>
+              <a:t>history</a:t>
+            </a:r>
+            <a:r>
+              <a:rPr kumimoji="0" lang="ru-RU" altLang="ru-RU" b="0" i="0" u="none" strike="noStrike" cap="none" normalizeH="0" baseline="0" dirty="0" smtClean="0">
+                <a:ln>
+                  <a:noFill/>
+                </a:ln>
+                <a:solidFill>
+                  <a:srgbClr val="5BCD9D"/>
+                </a:solidFill>
+                <a:effectLst/>
+                <a:latin typeface="Verdana" panose="020B0604030504040204" pitchFamily="34" charset="0"/>
+              </a:rPr>
+              <a:t>_</a:t>
+            </a:r>
+            <a:r>
+              <a:rPr kumimoji="0" lang="ru-RU" altLang="ru-RU" b="0" i="0" u="none" strike="noStrike" cap="none" normalizeH="0" baseline="0" dirty="0" smtClean="0">
+                <a:ln>
+                  <a:noFill/>
+                </a:ln>
+                <a:solidFill>
+                  <a:srgbClr val="FFFFFF"/>
+                </a:solidFill>
+                <a:effectLst/>
+                <a:latin typeface="Verdana" panose="020B0604030504040204" pitchFamily="34" charset="0"/>
+              </a:rPr>
+              <a:t>.</a:t>
+            </a:r>
+            <a:r>
+              <a:rPr kumimoji="0" lang="ru-RU" altLang="ru-RU" b="0" i="0" u="none" strike="noStrike" cap="none" normalizeH="0" baseline="0" dirty="0" err="1" smtClean="0">
+                <a:ln>
+                  <a:noFill/>
+                </a:ln>
+                <a:solidFill>
+                  <a:srgbClr val="FFCC00"/>
+                </a:solidFill>
+                <a:effectLst/>
+                <a:latin typeface="Verdana" panose="020B0604030504040204" pitchFamily="34" charset="0"/>
+              </a:rPr>
+              <a:t>push_back</a:t>
+            </a:r>
+            <a:r>
+              <a:rPr kumimoji="0" lang="ru-RU" altLang="ru-RU" b="0" i="0" u="none" strike="noStrike" cap="none" normalizeH="0" baseline="0" dirty="0" smtClean="0">
+                <a:ln>
+                  <a:noFill/>
+                </a:ln>
+                <a:solidFill>
+                  <a:srgbClr val="FFFFFF"/>
+                </a:solidFill>
+                <a:effectLst/>
+                <a:latin typeface="Verdana" panose="020B0604030504040204" pitchFamily="34" charset="0"/>
+              </a:rPr>
               <a:t>(</a:t>
             </a:r>
             <a:r>
-              <a:rPr lang="en-US" dirty="0" err="1"/>
-              <a:t>int</a:t>
-            </a:r>
-            <a:r>
-              <a:rPr lang="en-US" dirty="0"/>
+              <a:rPr kumimoji="0" lang="ru-RU" altLang="ru-RU" b="0" i="0" u="none" strike="noStrike" cap="none" normalizeH="0" baseline="0" dirty="0" err="1" smtClean="0">
+                <a:ln>
+                  <a:noFill/>
+                </a:ln>
+                <a:solidFill>
+                  <a:srgbClr val="FFCC00"/>
+                </a:solidFill>
+                <a:effectLst/>
+                <a:latin typeface="Verdana" panose="020B0604030504040204" pitchFamily="34" charset="0"/>
+              </a:rPr>
+              <a:t>Event</a:t>
+            </a:r>
+            <a:r>
+              <a:rPr kumimoji="0" lang="ru-RU" altLang="ru-RU" b="0" i="0" u="none" strike="noStrike" cap="none" normalizeH="0" baseline="0" dirty="0" smtClean="0">
+                <a:ln>
+                  <a:noFill/>
+                </a:ln>
+                <a:solidFill>
+                  <a:srgbClr val="FFFFFF"/>
+                </a:solidFill>
+                <a:effectLst/>
+                <a:latin typeface="Verdana" panose="020B0604030504040204" pitchFamily="34" charset="0"/>
+              </a:rPr>
+              <a:t>::</a:t>
+            </a:r>
+            <a:r>
+              <a:rPr kumimoji="0" lang="ru-RU" altLang="ru-RU" b="0" i="0" u="none" strike="noStrike" cap="none" normalizeH="0" baseline="0" dirty="0" err="1" smtClean="0">
+                <a:ln>
+                  <a:noFill/>
+                </a:ln>
+                <a:solidFill>
+                  <a:srgbClr val="FFCC00"/>
+                </a:solidFill>
+                <a:effectLst/>
+                <a:latin typeface="Verdana" panose="020B0604030504040204" pitchFamily="34" charset="0"/>
+              </a:rPr>
+              <a:t>Payment</a:t>
+            </a:r>
+            <a:r>
+              <a:rPr kumimoji="0" lang="ru-RU" altLang="ru-RU" b="0" i="0" u="none" strike="noStrike" cap="none" normalizeH="0" baseline="0" dirty="0" smtClean="0">
+                <a:ln>
+                  <a:noFill/>
+                </a:ln>
+                <a:solidFill>
+                  <a:srgbClr val="FFFFFF"/>
+                </a:solidFill>
+                <a:effectLst/>
+                <a:latin typeface="Verdana" panose="020B0604030504040204" pitchFamily="34" charset="0"/>
+              </a:rPr>
+              <a:t>(</a:t>
+            </a:r>
+            <a:r>
+              <a:rPr kumimoji="0" lang="ru-RU" altLang="ru-RU" b="0" i="0" u="none" strike="noStrike" cap="none" normalizeH="0" baseline="0" dirty="0" err="1" smtClean="0">
+                <a:ln>
+                  <a:noFill/>
+                </a:ln>
+                <a:solidFill>
+                  <a:srgbClr val="5BCD9D"/>
+                </a:solidFill>
+                <a:effectLst/>
+                <a:latin typeface="Verdana" panose="020B0604030504040204" pitchFamily="34" charset="0"/>
+              </a:rPr>
+              <a:t>rubles</a:t>
+            </a:r>
+            <a:r>
+              <a:rPr kumimoji="0" lang="ru-RU" altLang="ru-RU" b="0" i="0" u="none" strike="noStrike" cap="none" normalizeH="0" baseline="0" dirty="0" smtClean="0">
+                <a:ln>
+                  <a:noFill/>
+                </a:ln>
+                <a:solidFill>
+                  <a:srgbClr val="FFFFFF"/>
+                </a:solidFill>
+                <a:effectLst/>
+                <a:latin typeface="Verdana" panose="020B0604030504040204" pitchFamily="34" charset="0"/>
+              </a:rPr>
+              <a:t>));</a:t>
+            </a:r>
+            <a:br>
+              <a:rPr kumimoji="0" lang="ru-RU" altLang="ru-RU" b="0" i="0" u="none" strike="noStrike" cap="none" normalizeH="0" baseline="0" dirty="0" smtClean="0">
+                <a:ln>
+                  <a:noFill/>
+                </a:ln>
+                <a:solidFill>
+                  <a:srgbClr val="FFFFFF"/>
+                </a:solidFill>
+                <a:effectLst/>
+                <a:latin typeface="Verdana" panose="020B0604030504040204" pitchFamily="34" charset="0"/>
+              </a:rPr>
+            </a:br>
+            <a:r>
+              <a:rPr kumimoji="0" lang="ru-RU" altLang="ru-RU" b="0" i="0" u="none" strike="noStrike" cap="none" normalizeH="0" baseline="0" dirty="0" smtClean="0">
+                <a:ln>
+                  <a:noFill/>
+                </a:ln>
+                <a:solidFill>
+                  <a:srgbClr val="FFFFFF"/>
+                </a:solidFill>
+                <a:effectLst/>
+                <a:latin typeface="Verdana" panose="020B0604030504040204" pitchFamily="34" charset="0"/>
+              </a:rPr>
+              <a:t>    </a:t>
+            </a:r>
+            <a:r>
+              <a:rPr kumimoji="0" lang="ru-RU" altLang="ru-RU" b="0" i="0" u="none" strike="noStrike" cap="none" normalizeH="0" baseline="0" dirty="0" err="1" smtClean="0">
+                <a:ln>
+                  <a:noFill/>
+                </a:ln>
+                <a:solidFill>
+                  <a:srgbClr val="FFCC00"/>
+                </a:solidFill>
+                <a:effectLst/>
+                <a:latin typeface="Verdana" panose="020B0604030504040204" pitchFamily="34" charset="0"/>
+              </a:rPr>
+              <a:t>SendSms</a:t>
+            </a:r>
+            <a:r>
+              <a:rPr kumimoji="0" lang="ru-RU" altLang="ru-RU" b="0" i="0" u="none" strike="noStrike" cap="none" normalizeH="0" baseline="0" dirty="0" smtClean="0">
+                <a:ln>
+                  <a:noFill/>
+                </a:ln>
+                <a:solidFill>
+                  <a:srgbClr val="FFFFFF"/>
+                </a:solidFill>
+                <a:effectLst/>
+                <a:latin typeface="Verdana" panose="020B0604030504040204" pitchFamily="34" charset="0"/>
+              </a:rPr>
+              <a:t>(</a:t>
+            </a:r>
+            <a:r>
+              <a:rPr kumimoji="0" lang="ru-RU" altLang="ru-RU" b="0" i="0" u="none" strike="noStrike" cap="none" normalizeH="0" baseline="0" dirty="0" smtClean="0">
+                <a:ln>
+                  <a:noFill/>
+                </a:ln>
+                <a:solidFill>
+                  <a:srgbClr val="9E64A9"/>
+                </a:solidFill>
+                <a:effectLst/>
+                <a:latin typeface="Verdana" panose="020B0604030504040204" pitchFamily="34" charset="0"/>
+              </a:rPr>
+              <a:t>"</a:t>
+            </a:r>
+            <a:r>
+              <a:rPr kumimoji="0" lang="ru-RU" altLang="ru-RU" b="0" i="0" u="none" strike="noStrike" cap="none" normalizeH="0" baseline="0" dirty="0" err="1" smtClean="0">
+                <a:ln>
+                  <a:noFill/>
+                </a:ln>
+                <a:solidFill>
+                  <a:srgbClr val="9E64A9"/>
+                </a:solidFill>
+                <a:effectLst/>
+                <a:latin typeface="Verdana" panose="020B0604030504040204" pitchFamily="34" charset="0"/>
+              </a:rPr>
+              <a:t>Got</a:t>
+            </a:r>
+            <a:r>
+              <a:rPr kumimoji="0" lang="ru-RU" altLang="ru-RU" b="0" i="0" u="none" strike="noStrike" cap="none" normalizeH="0" baseline="0" dirty="0" smtClean="0">
+                <a:ln>
+                  <a:noFill/>
+                </a:ln>
+                <a:solidFill>
+                  <a:srgbClr val="9E64A9"/>
+                </a:solidFill>
+                <a:effectLst/>
+                <a:latin typeface="Verdana" panose="020B0604030504040204" pitchFamily="34" charset="0"/>
+              </a:rPr>
               <a:t> </a:t>
             </a:r>
             <a:r>
-              <a:rPr lang="en-US" dirty="0" err="1"/>
-              <a:t>userId</a:t>
-            </a:r>
-            <a:r>
-              <a:rPr lang="en-US" dirty="0"/>
-              <a:t>, </a:t>
-            </a:r>
-            <a:r>
-              <a:rPr lang="en-US" dirty="0" err="1"/>
-              <a:t>int</a:t>
-            </a:r>
-            <a:r>
-              <a:rPr lang="en-US" dirty="0"/>
-              <a:t> rubles);</a:t>
-            </a:r>
-          </a:p>
-          <a:p>
-            <a:pPr>
-              <a:lnSpc>
-                <a:spcPct val="135000"/>
-              </a:lnSpc>
-            </a:pPr>
-            <a:r>
-              <a:rPr lang="en-US" dirty="0" smtClean="0">
-                <a:solidFill>
-                  <a:srgbClr val="FC6767"/>
-                </a:solidFill>
-              </a:rPr>
-              <a:t>    </a:t>
-            </a:r>
-            <a:r>
-              <a:rPr lang="en-US" dirty="0">
-                <a:solidFill>
-                  <a:srgbClr val="FC6767"/>
-                </a:solidFill>
-              </a:rPr>
-              <a:t>void </a:t>
-            </a:r>
-            <a:r>
-              <a:rPr lang="en-US" dirty="0" err="1">
-                <a:solidFill>
-                  <a:srgbClr val="FC6767"/>
-                </a:solidFill>
-              </a:rPr>
-              <a:t>PrintStatsAsJson</a:t>
-            </a:r>
-            <a:r>
-              <a:rPr lang="en-US" dirty="0">
-                <a:solidFill>
-                  <a:srgbClr val="FC6767"/>
-                </a:solidFill>
-              </a:rPr>
-              <a:t>() {</a:t>
-            </a:r>
-          </a:p>
-          <a:p>
-            <a:pPr>
-              <a:lnSpc>
-                <a:spcPct val="135000"/>
-              </a:lnSpc>
-            </a:pPr>
-            <a:r>
-              <a:rPr lang="en-US" dirty="0">
-                <a:solidFill>
-                  <a:srgbClr val="FC6767"/>
-                </a:solidFill>
-              </a:rPr>
-              <a:t>        </a:t>
-            </a:r>
-            <a:r>
-              <a:rPr lang="en-US" dirty="0" err="1">
-                <a:solidFill>
-                  <a:srgbClr val="FC6767"/>
-                </a:solidFill>
-              </a:rPr>
-              <a:t>cout</a:t>
-            </a:r>
-            <a:r>
-              <a:rPr lang="en-US" dirty="0">
-                <a:solidFill>
-                  <a:srgbClr val="FC6767"/>
-                </a:solidFill>
-              </a:rPr>
-              <a:t> &lt;&lt; "[";</a:t>
-            </a:r>
-          </a:p>
-          <a:p>
-            <a:pPr>
-              <a:lnSpc>
-                <a:spcPct val="135000"/>
-              </a:lnSpc>
-            </a:pPr>
-            <a:r>
-              <a:rPr lang="en-US" dirty="0">
-                <a:solidFill>
-                  <a:srgbClr val="FC6767"/>
-                </a:solidFill>
-              </a:rPr>
-              <a:t>        for (</a:t>
-            </a:r>
-            <a:r>
-              <a:rPr lang="en-US" dirty="0" err="1">
-                <a:solidFill>
-                  <a:srgbClr val="FC6767"/>
-                </a:solidFill>
-              </a:rPr>
-              <a:t>size_t</a:t>
-            </a:r>
-            <a:r>
-              <a:rPr lang="en-US" dirty="0">
-                <a:solidFill>
-                  <a:srgbClr val="FC6767"/>
-                </a:solidFill>
-              </a:rPr>
-              <a:t> </a:t>
-            </a:r>
-            <a:r>
-              <a:rPr lang="en-US" dirty="0" err="1">
-                <a:solidFill>
-                  <a:srgbClr val="FC6767"/>
-                </a:solidFill>
-              </a:rPr>
-              <a:t>i</a:t>
-            </a:r>
-            <a:r>
-              <a:rPr lang="en-US" dirty="0">
-                <a:solidFill>
-                  <a:srgbClr val="FC6767"/>
-                </a:solidFill>
-              </a:rPr>
-              <a:t> = 0; </a:t>
-            </a:r>
-            <a:r>
-              <a:rPr lang="en-US" dirty="0" err="1">
-                <a:solidFill>
-                  <a:srgbClr val="FC6767"/>
-                </a:solidFill>
-              </a:rPr>
-              <a:t>i</a:t>
-            </a:r>
-            <a:r>
-              <a:rPr lang="en-US" dirty="0">
-                <a:solidFill>
-                  <a:srgbClr val="FC6767"/>
-                </a:solidFill>
-              </a:rPr>
-              <a:t> &lt; </a:t>
-            </a:r>
-            <a:r>
-              <a:rPr lang="en-US" dirty="0" err="1">
-                <a:solidFill>
-                  <a:srgbClr val="FC6767"/>
-                </a:solidFill>
-              </a:rPr>
-              <a:t>users_.size</a:t>
-            </a:r>
-            <a:r>
-              <a:rPr lang="en-US" dirty="0">
-                <a:solidFill>
-                  <a:srgbClr val="FC6767"/>
-                </a:solidFill>
-              </a:rPr>
-              <a:t>(); ++</a:t>
-            </a:r>
-            <a:r>
-              <a:rPr lang="en-US" dirty="0" err="1">
-                <a:solidFill>
-                  <a:srgbClr val="FC6767"/>
-                </a:solidFill>
-              </a:rPr>
-              <a:t>i</a:t>
-            </a:r>
-            <a:r>
-              <a:rPr lang="en-US" dirty="0">
-                <a:solidFill>
-                  <a:srgbClr val="FC6767"/>
-                </a:solidFill>
-              </a:rPr>
-              <a:t>) {</a:t>
-            </a:r>
-          </a:p>
-          <a:p>
-            <a:pPr>
-              <a:lnSpc>
-                <a:spcPct val="135000"/>
-              </a:lnSpc>
-            </a:pPr>
-            <a:r>
-              <a:rPr lang="en-US" dirty="0">
-                <a:solidFill>
-                  <a:srgbClr val="FC6767"/>
-                </a:solidFill>
-              </a:rPr>
-              <a:t>            users_[</a:t>
-            </a:r>
-            <a:r>
-              <a:rPr lang="en-US" dirty="0" err="1">
-                <a:solidFill>
-                  <a:srgbClr val="FC6767"/>
-                </a:solidFill>
-              </a:rPr>
-              <a:t>i</a:t>
-            </a:r>
-            <a:r>
-              <a:rPr lang="en-US" dirty="0">
-                <a:solidFill>
-                  <a:srgbClr val="FC6767"/>
-                </a:solidFill>
-              </a:rPr>
-              <a:t>].</a:t>
-            </a:r>
-            <a:r>
-              <a:rPr lang="en-US" dirty="0" err="1">
-                <a:solidFill>
-                  <a:srgbClr val="FC6767"/>
-                </a:solidFill>
-              </a:rPr>
-              <a:t>PrintStatsAsJson</a:t>
-            </a:r>
-            <a:r>
-              <a:rPr lang="en-US" dirty="0">
-                <a:solidFill>
-                  <a:srgbClr val="FC6767"/>
-                </a:solidFill>
-              </a:rPr>
-              <a:t>();</a:t>
-            </a:r>
-          </a:p>
-          <a:p>
-            <a:pPr>
-              <a:lnSpc>
-                <a:spcPct val="135000"/>
-              </a:lnSpc>
-            </a:pPr>
-            <a:r>
-              <a:rPr lang="en-US" dirty="0">
-                <a:solidFill>
-                  <a:srgbClr val="FC6767"/>
-                </a:solidFill>
-              </a:rPr>
-              <a:t>            if (</a:t>
-            </a:r>
-            <a:r>
-              <a:rPr lang="en-US" dirty="0" err="1">
-                <a:solidFill>
-                  <a:srgbClr val="FC6767"/>
-                </a:solidFill>
-              </a:rPr>
-              <a:t>i</a:t>
-            </a:r>
-            <a:r>
-              <a:rPr lang="en-US" dirty="0">
-                <a:solidFill>
-                  <a:srgbClr val="FC6767"/>
-                </a:solidFill>
-              </a:rPr>
-              <a:t> + 1 &lt; </a:t>
-            </a:r>
-            <a:r>
-              <a:rPr lang="en-US" dirty="0" err="1">
-                <a:solidFill>
-                  <a:srgbClr val="FC6767"/>
-                </a:solidFill>
-              </a:rPr>
-              <a:t>users_.size</a:t>
-            </a:r>
-            <a:r>
-              <a:rPr lang="en-US" dirty="0">
-                <a:solidFill>
-                  <a:srgbClr val="FC6767"/>
-                </a:solidFill>
-              </a:rPr>
-              <a:t>()) </a:t>
-            </a:r>
-            <a:r>
-              <a:rPr lang="en-US" dirty="0" smtClean="0">
-                <a:solidFill>
-                  <a:srgbClr val="FC6767"/>
-                </a:solidFill>
-              </a:rPr>
-              <a:t>{ </a:t>
-            </a:r>
-            <a:r>
-              <a:rPr lang="en-US" dirty="0" err="1" smtClean="0">
-                <a:solidFill>
-                  <a:srgbClr val="FC6767"/>
-                </a:solidFill>
-              </a:rPr>
-              <a:t>cout</a:t>
-            </a:r>
-            <a:r>
-              <a:rPr lang="en-US" dirty="0" smtClean="0">
-                <a:solidFill>
-                  <a:srgbClr val="FC6767"/>
-                </a:solidFill>
-              </a:rPr>
-              <a:t> &lt;&lt; ","; </a:t>
-            </a:r>
-            <a:r>
-              <a:rPr lang="en-US" dirty="0">
-                <a:solidFill>
-                  <a:srgbClr val="FC6767"/>
-                </a:solidFill>
+              <a:rPr kumimoji="0" lang="ru-RU" altLang="ru-RU" b="0" i="0" u="none" strike="noStrike" cap="none" normalizeH="0" baseline="0" dirty="0" err="1" smtClean="0">
+                <a:ln>
+                  <a:noFill/>
+                </a:ln>
+                <a:solidFill>
+                  <a:srgbClr val="9E64A9"/>
+                </a:solidFill>
+                <a:effectLst/>
+                <a:latin typeface="Verdana" panose="020B0604030504040204" pitchFamily="34" charset="0"/>
+              </a:rPr>
+              <a:t>payment</a:t>
+            </a:r>
+            <a:r>
+              <a:rPr kumimoji="0" lang="ru-RU" altLang="ru-RU" b="0" i="0" u="none" strike="noStrike" cap="none" normalizeH="0" baseline="0" dirty="0" smtClean="0">
+                <a:ln>
+                  <a:noFill/>
+                </a:ln>
+                <a:solidFill>
+                  <a:srgbClr val="9E64A9"/>
+                </a:solidFill>
+                <a:effectLst/>
+                <a:latin typeface="Verdana" panose="020B0604030504040204" pitchFamily="34" charset="0"/>
+              </a:rPr>
+              <a:t> " </a:t>
+            </a:r>
+            <a:r>
+              <a:rPr kumimoji="0" lang="ru-RU" altLang="ru-RU" b="0" i="0" u="none" strike="noStrike" cap="none" normalizeH="0" baseline="0" dirty="0" smtClean="0">
+                <a:ln>
+                  <a:noFill/>
+                </a:ln>
+                <a:solidFill>
+                  <a:srgbClr val="FFFFFF"/>
+                </a:solidFill>
+                <a:effectLst/>
+                <a:latin typeface="Verdana" panose="020B0604030504040204" pitchFamily="34" charset="0"/>
+              </a:rPr>
+              <a:t>+ </a:t>
+            </a:r>
+            <a:r>
+              <a:rPr kumimoji="0" lang="ru-RU" altLang="ru-RU" b="0" i="0" u="none" strike="noStrike" cap="none" normalizeH="0" baseline="0" dirty="0" err="1" smtClean="0">
+                <a:ln>
+                  <a:noFill/>
+                </a:ln>
+                <a:solidFill>
+                  <a:srgbClr val="FFCC00"/>
+                </a:solidFill>
+                <a:effectLst/>
+                <a:latin typeface="Verdana" panose="020B0604030504040204" pitchFamily="34" charset="0"/>
+              </a:rPr>
+              <a:t>to_string</a:t>
+            </a:r>
+            <a:r>
+              <a:rPr kumimoji="0" lang="ru-RU" altLang="ru-RU" b="0" i="0" u="none" strike="noStrike" cap="none" normalizeH="0" baseline="0" dirty="0" smtClean="0">
+                <a:ln>
+                  <a:noFill/>
+                </a:ln>
+                <a:solidFill>
+                  <a:srgbClr val="FFFFFF"/>
+                </a:solidFill>
+                <a:effectLst/>
+                <a:latin typeface="Verdana" panose="020B0604030504040204" pitchFamily="34" charset="0"/>
+              </a:rPr>
+              <a:t>(</a:t>
+            </a:r>
+            <a:r>
+              <a:rPr kumimoji="0" lang="ru-RU" altLang="ru-RU" b="0" i="0" u="none" strike="noStrike" cap="none" normalizeH="0" baseline="0" dirty="0" err="1" smtClean="0">
+                <a:ln>
+                  <a:noFill/>
+                </a:ln>
+                <a:solidFill>
+                  <a:srgbClr val="5BCD9D"/>
+                </a:solidFill>
+                <a:effectLst/>
+                <a:latin typeface="Verdana" panose="020B0604030504040204" pitchFamily="34" charset="0"/>
+              </a:rPr>
+              <a:t>rubles</a:t>
+            </a:r>
+            <a:r>
+              <a:rPr kumimoji="0" lang="ru-RU" altLang="ru-RU" b="0" i="0" u="none" strike="noStrike" cap="none" normalizeH="0" baseline="0" dirty="0" smtClean="0">
+                <a:ln>
+                  <a:noFill/>
+                </a:ln>
+                <a:solidFill>
+                  <a:srgbClr val="FFFFFF"/>
+                </a:solidFill>
+                <a:effectLst/>
+                <a:latin typeface="Verdana" panose="020B0604030504040204" pitchFamily="34" charset="0"/>
+              </a:rPr>
+              <a:t>));</a:t>
+            </a:r>
+            <a:br>
+              <a:rPr kumimoji="0" lang="ru-RU" altLang="ru-RU" b="0" i="0" u="none" strike="noStrike" cap="none" normalizeH="0" baseline="0" dirty="0" smtClean="0">
+                <a:ln>
+                  <a:noFill/>
+                </a:ln>
+                <a:solidFill>
+                  <a:srgbClr val="FFFFFF"/>
+                </a:solidFill>
+                <a:effectLst/>
+                <a:latin typeface="Verdana" panose="020B0604030504040204" pitchFamily="34" charset="0"/>
+              </a:rPr>
+            </a:br>
+            <a:r>
+              <a:rPr kumimoji="0" lang="ru-RU" altLang="ru-RU" b="0" i="0" u="none" strike="noStrike" cap="none" normalizeH="0" baseline="0" dirty="0" smtClean="0">
+                <a:ln>
+                  <a:noFill/>
+                </a:ln>
+                <a:solidFill>
+                  <a:srgbClr val="FFFFFF"/>
+                </a:solidFill>
+                <a:effectLst/>
+                <a:latin typeface="Verdana" panose="020B0604030504040204" pitchFamily="34" charset="0"/>
               </a:rPr>
               <a:t>}</a:t>
             </a:r>
-          </a:p>
-          <a:p>
-            <a:pPr>
-              <a:lnSpc>
-                <a:spcPct val="135000"/>
-              </a:lnSpc>
-            </a:pPr>
-            <a:r>
-              <a:rPr lang="en-US" dirty="0">
-                <a:solidFill>
-                  <a:srgbClr val="FC6767"/>
-                </a:solidFill>
-              </a:rPr>
-              <a:t>        }</a:t>
-            </a:r>
-          </a:p>
-          <a:p>
-            <a:pPr>
-              <a:lnSpc>
-                <a:spcPct val="135000"/>
-              </a:lnSpc>
-            </a:pPr>
-            <a:r>
-              <a:rPr lang="en-US" dirty="0">
-                <a:solidFill>
-                  <a:srgbClr val="FC6767"/>
-                </a:solidFill>
-              </a:rPr>
-              <a:t>        </a:t>
-            </a:r>
-            <a:r>
-              <a:rPr lang="en-US" dirty="0" err="1">
-                <a:solidFill>
-                  <a:srgbClr val="FC6767"/>
-                </a:solidFill>
-              </a:rPr>
-              <a:t>cout</a:t>
-            </a:r>
-            <a:r>
-              <a:rPr lang="en-US" dirty="0">
-                <a:solidFill>
-                  <a:srgbClr val="FC6767"/>
-                </a:solidFill>
-              </a:rPr>
-              <a:t> &lt;&lt; "]";</a:t>
-            </a:r>
-          </a:p>
-          <a:p>
-            <a:pPr>
-              <a:lnSpc>
-                <a:spcPct val="135000"/>
-              </a:lnSpc>
-            </a:pPr>
-            <a:r>
-              <a:rPr lang="en-US" dirty="0">
-                <a:solidFill>
-                  <a:srgbClr val="FC6767"/>
-                </a:solidFill>
-              </a:rPr>
-              <a:t>    </a:t>
-            </a:r>
-            <a:r>
-              <a:rPr lang="en-US" dirty="0" smtClean="0">
-                <a:solidFill>
-                  <a:srgbClr val="FC6767"/>
-                </a:solidFill>
-              </a:rPr>
-              <a:t>}</a:t>
-            </a:r>
-            <a:endParaRPr lang="en-US" dirty="0">
+            <a:br>
+              <a:rPr kumimoji="0" lang="ru-RU" altLang="ru-RU" b="0" i="0" u="none" strike="noStrike" cap="none" normalizeH="0" baseline="0" dirty="0" smtClean="0">
+                <a:ln>
+                  <a:noFill/>
+                </a:ln>
+                <a:solidFill>
+                  <a:srgbClr val="FFFFFF"/>
+                </a:solidFill>
+                <a:effectLst/>
+                <a:latin typeface="Verdana" panose="020B0604030504040204" pitchFamily="34" charset="0"/>
+              </a:rPr>
+            </a:br>
+            <a:endParaRPr kumimoji="0" lang="ru-RU" altLang="ru-RU" b="0" i="0" u="none" strike="noStrike" cap="none" normalizeH="0" baseline="0" dirty="0" smtClean="0">
+              <a:ln>
+                <a:noFill/>
+              </a:ln>
               <a:solidFill>
-                <a:srgbClr val="FC6767"/>
+                <a:schemeClr val="tx1"/>
               </a:solidFill>
+              <a:effectLst/>
+              <a:latin typeface="Arial" panose="020B0604020202020204" pitchFamily="34" charset="0"/>
             </a:endParaRPr>
           </a:p>
         </p:txBody>
@@ -33786,13 +34748,21 @@
     </p:spTree>
     <p:extLst>
       <p:ext uri="{BB962C8B-B14F-4D97-AF65-F5344CB8AC3E}">
-        <p14:creationId xmlns:p14="http://schemas.microsoft.com/office/powerpoint/2010/main" val="2225323990"/>
+        <p14:creationId xmlns:p14="http://schemas.microsoft.com/office/powerpoint/2010/main" val="4263636442"/>
       </p:ext>
     </p:extLst>
   </p:cSld>
   <p:clrMapOvr>
     <a:masterClrMapping/>
   </p:clrMapOvr>
+  <mc:AlternateContent xmlns:mc="http://schemas.openxmlformats.org/markup-compatibility/2006" xmlns:p14="http://schemas.microsoft.com/office/powerpoint/2010/main">
+    <mc:Choice Requires="p14">
+      <p:transition p14:dur="0"/>
+    </mc:Choice>
+    <mc:Fallback xmlns="">
+      <p:transition/>
+    </mc:Fallback>
+  </mc:AlternateContent>
   <p:timing>
     <p:tnLst>
       <p:par>
@@ -33885,27 +34855,85 @@
             <p:ph idx="13"/>
           </p:nvPr>
         </p:nvSpPr>
-        <p:spPr/>
+        <p:spPr>
+          <a:xfrm>
+            <a:off x="0" y="-19878"/>
+            <a:ext cx="24382413" cy="14509878"/>
+          </a:xfrm>
+        </p:spPr>
         <p:txBody>
           <a:bodyPr/>
           <a:lstStyle/>
           <a:p>
-            <a:r>
-              <a:rPr lang="en-US" dirty="0"/>
-              <a:t>private:</a:t>
-            </a:r>
+            <a:endParaRPr lang="en-US" dirty="0" smtClean="0"/>
           </a:p>
           <a:p>
             <a:r>
               <a:rPr lang="en-US" dirty="0" smtClean="0"/>
+              <a:t>class </a:t>
+            </a:r>
+            <a:r>
+              <a:rPr lang="en-US" dirty="0" smtClean="0">
+                <a:solidFill>
+                  <a:schemeClr val="tx2"/>
+                </a:solidFill>
+              </a:rPr>
+              <a:t>Billing</a:t>
+            </a:r>
+            <a:r>
+              <a:rPr lang="en-US" dirty="0" smtClean="0"/>
+              <a:t> {</a:t>
+            </a:r>
+          </a:p>
+          <a:p>
+            <a:r>
+              <a:rPr lang="ru-RU" dirty="0" smtClean="0"/>
+              <a:t>…</a:t>
+            </a:r>
+            <a:endParaRPr lang="en-US" dirty="0" smtClean="0"/>
+          </a:p>
+          <a:p>
+            <a:r>
+              <a:rPr lang="en-US" dirty="0" smtClean="0"/>
+              <a:t>private:  </a:t>
+            </a:r>
+            <a:endParaRPr lang="en-US" dirty="0" smtClean="0">
+              <a:solidFill>
+                <a:srgbClr val="72C3E0"/>
+              </a:solidFill>
+            </a:endParaRPr>
+          </a:p>
+          <a:p>
+            <a:endParaRPr lang="en-US" dirty="0" smtClean="0"/>
+          </a:p>
+          <a:p>
+            <a:endParaRPr lang="en-US" dirty="0"/>
+          </a:p>
+          <a:p>
+            <a:endParaRPr lang="en-US" dirty="0" smtClean="0"/>
+          </a:p>
+          <a:p>
+            <a:endParaRPr lang="en-US" dirty="0" smtClean="0"/>
+          </a:p>
+          <a:p>
+            <a:r>
+              <a:rPr lang="ru-RU" dirty="0" smtClean="0"/>
               <a:t>    </a:t>
+            </a:r>
+            <a:r>
+              <a:rPr lang="en-US" dirty="0" smtClean="0"/>
+              <a:t> </a:t>
             </a:r>
             <a:r>
               <a:rPr lang="en-US" dirty="0"/>
               <a:t>class </a:t>
             </a:r>
             <a:r>
-              <a:rPr lang="en-US" dirty="0" err="1"/>
+              <a:rPr lang="en-US" dirty="0" err="1">
+                <a:solidFill>
+                  <a:schemeClr val="tx2"/>
+                </a:solidFill>
+              </a:rPr>
               <a:t>UserInfo</a:t>
             </a:r>
             <a:r>
@@ -33916,365 +34944,1866 @@
           <a:p>
             <a:r>
               <a:rPr lang="en-US" dirty="0"/>
-              <a:t>    public</a:t>
+              <a:t>    </a:t>
             </a:r>
             <a:r>
               <a:rPr lang="en-US" dirty="0" smtClean="0"/>
+              <a:t>    …</a:t>
+            </a:r>
+            <a:endParaRPr lang="en-US" dirty="0"/>
+          </a:p>
+          <a:p>
+            <a:r>
+              <a:rPr lang="en-US" dirty="0" smtClean="0"/>
+              <a:t>     private</a:t>
+            </a:r>
+            <a:r>
+              <a:rPr lang="en-US" dirty="0"/>
               <a:t>:</a:t>
             </a:r>
-          </a:p>
-          <a:p>
+            <a:endParaRPr lang="ru-RU" dirty="0" smtClean="0"/>
+          </a:p>
+          <a:p>
+            <a:r>
+              <a:rPr lang="en-US" dirty="0" smtClean="0"/>
+              <a:t>        </a:t>
+            </a:r>
+            <a:r>
+              <a:rPr lang="en-US" dirty="0" err="1" smtClean="0"/>
+              <a:t>int</a:t>
+            </a:r>
+            <a:r>
+              <a:rPr lang="en-US" dirty="0" smtClean="0"/>
+              <a:t> </a:t>
+            </a:r>
+            <a:r>
+              <a:rPr lang="en-US" dirty="0" smtClean="0">
+                <a:solidFill>
+                  <a:srgbClr val="5BCD9D"/>
+                </a:solidFill>
+              </a:rPr>
+              <a:t>money_</a:t>
+            </a:r>
+            <a:r>
+              <a:rPr lang="en-US" dirty="0" smtClean="0"/>
+              <a:t>;</a:t>
+            </a:r>
+            <a:endParaRPr lang="en-US" dirty="0"/>
+          </a:p>
+          <a:p>
+            <a:r>
+              <a:rPr lang="en-US" dirty="0"/>
+              <a:t>        </a:t>
+            </a:r>
+            <a:r>
+              <a:rPr lang="en-US" dirty="0" err="1"/>
+              <a:t>int</a:t>
+            </a:r>
             <a:r>
               <a:rPr lang="en-US" dirty="0"/>
               <a:t> </a:t>
             </a:r>
             <a:r>
+              <a:rPr lang="en-US" dirty="0">
+                <a:solidFill>
+                  <a:srgbClr val="5BCD9D"/>
+                </a:solidFill>
+              </a:rPr>
+              <a:t>tariff_</a:t>
+            </a:r>
+            <a:r>
+              <a:rPr lang="en-US" dirty="0"/>
+              <a:t>;</a:t>
+            </a:r>
+          </a:p>
+          <a:p>
+            <a:r>
+              <a:rPr lang="en-US" dirty="0"/>
+              <a:t>        vector&lt;</a:t>
+            </a:r>
+            <a:r>
+              <a:rPr lang="en-US" dirty="0">
+                <a:solidFill>
+                  <a:schemeClr val="tx2"/>
+                </a:solidFill>
+              </a:rPr>
+              <a:t>Event</a:t>
+            </a:r>
+            <a:r>
+              <a:rPr lang="en-US" dirty="0"/>
+              <a:t>&gt; </a:t>
+            </a:r>
+            <a:r>
+              <a:rPr lang="en-US" dirty="0">
+                <a:solidFill>
+                  <a:srgbClr val="5BCD9D"/>
+                </a:solidFill>
+              </a:rPr>
+              <a:t>history_</a:t>
+            </a:r>
+            <a:r>
+              <a:rPr lang="en-US" dirty="0"/>
+              <a:t>;</a:t>
+            </a:r>
+          </a:p>
+          <a:p>
+            <a:r>
+              <a:rPr lang="en-US" dirty="0"/>
+              <a:t>    };</a:t>
+            </a:r>
+            <a:endParaRPr lang="ru-RU" dirty="0" smtClean="0"/>
+          </a:p>
+          <a:p>
+            <a:r>
               <a:rPr lang="en-US" dirty="0" smtClean="0"/>
-              <a:t>        …</a:t>
-            </a:r>
-            <a:endParaRPr lang="en-US" dirty="0"/>
-          </a:p>
-          <a:p>
-            <a:r>
-              <a:rPr lang="en-US" dirty="0" smtClean="0">
-                <a:solidFill>
-                  <a:srgbClr val="FC6767"/>
-                </a:solidFill>
-              </a:rPr>
-              <a:t>         void </a:t>
-            </a:r>
-            <a:r>
-              <a:rPr lang="en-US" dirty="0" err="1">
-                <a:solidFill>
-                  <a:srgbClr val="FC6767"/>
-                </a:solidFill>
-              </a:rPr>
-              <a:t>PrintStatsAsJson</a:t>
-            </a:r>
-            <a:r>
-              <a:rPr lang="en-US" dirty="0">
-                <a:solidFill>
-                  <a:srgbClr val="FC6767"/>
-                </a:solidFill>
-              </a:rPr>
-              <a:t>() {</a:t>
-            </a:r>
-          </a:p>
-          <a:p>
-            <a:r>
-              <a:rPr lang="en-US" dirty="0">
-                <a:solidFill>
-                  <a:srgbClr val="FC6767"/>
-                </a:solidFill>
-              </a:rPr>
-              <a:t>            </a:t>
-            </a:r>
-            <a:r>
-              <a:rPr lang="en-US" dirty="0" err="1">
-                <a:solidFill>
-                  <a:srgbClr val="FC6767"/>
-                </a:solidFill>
-              </a:rPr>
-              <a:t>cout</a:t>
-            </a:r>
-            <a:r>
-              <a:rPr lang="en-US" dirty="0">
-                <a:solidFill>
-                  <a:srgbClr val="FC6767"/>
-                </a:solidFill>
-              </a:rPr>
-              <a:t> &lt;&lt; "{" &lt;&lt; R"("</a:t>
-            </a:r>
-            <a:r>
-              <a:rPr lang="en-US" dirty="0" err="1">
-                <a:solidFill>
-                  <a:srgbClr val="FC6767"/>
-                </a:solidFill>
-              </a:rPr>
-              <a:t>callCount</a:t>
-            </a:r>
-            <a:r>
-              <a:rPr lang="en-US" dirty="0">
-                <a:solidFill>
-                  <a:srgbClr val="FC6767"/>
-                </a:solidFill>
-              </a:rPr>
-              <a:t>":)" &lt;&lt; </a:t>
-            </a:r>
-            <a:r>
-              <a:rPr lang="en-US" dirty="0" err="1">
-                <a:solidFill>
-                  <a:srgbClr val="FC6767"/>
-                </a:solidFill>
-              </a:rPr>
-              <a:t>callCount</a:t>
-            </a:r>
-            <a:r>
-              <a:rPr lang="en-US" dirty="0">
-                <a:solidFill>
-                  <a:srgbClr val="FC6767"/>
-                </a:solidFill>
-              </a:rPr>
-              <a:t>_ &lt;&lt; "," &lt;&lt; R"("</a:t>
-            </a:r>
-            <a:r>
-              <a:rPr lang="en-US" dirty="0" err="1">
-                <a:solidFill>
-                  <a:srgbClr val="FC6767"/>
-                </a:solidFill>
-              </a:rPr>
-              <a:t>totalDuration</a:t>
-            </a:r>
-            <a:r>
-              <a:rPr lang="en-US" dirty="0">
-                <a:solidFill>
-                  <a:srgbClr val="FC6767"/>
-                </a:solidFill>
-              </a:rPr>
-              <a:t>":)"</a:t>
-            </a:r>
-          </a:p>
-          <a:p>
-            <a:r>
-              <a:rPr lang="en-US" dirty="0" smtClean="0">
-                <a:solidFill>
-                  <a:srgbClr val="FC6767"/>
-                </a:solidFill>
-              </a:rPr>
-              <a:t>                   </a:t>
-            </a:r>
-            <a:r>
-              <a:rPr lang="en-US" dirty="0">
-                <a:solidFill>
-                  <a:srgbClr val="FC6767"/>
-                </a:solidFill>
-              </a:rPr>
-              <a:t>&lt;&lt; </a:t>
-            </a:r>
-            <a:r>
-              <a:rPr lang="en-US" dirty="0" err="1">
-                <a:solidFill>
-                  <a:srgbClr val="FC6767"/>
-                </a:solidFill>
-              </a:rPr>
-              <a:t>totalDuration</a:t>
-            </a:r>
-            <a:r>
-              <a:rPr lang="en-US" dirty="0">
-                <a:solidFill>
-                  <a:srgbClr val="FC6767"/>
-                </a:solidFill>
-              </a:rPr>
-              <a:t>_ &lt;&lt; "," &lt;&lt; R"("</a:t>
-            </a:r>
-            <a:r>
-              <a:rPr lang="en-US" dirty="0" err="1">
-                <a:solidFill>
-                  <a:srgbClr val="FC6767"/>
-                </a:solidFill>
-              </a:rPr>
-              <a:t>moneySpent</a:t>
-            </a:r>
-            <a:r>
-              <a:rPr lang="en-US" dirty="0">
-                <a:solidFill>
-                  <a:srgbClr val="FC6767"/>
-                </a:solidFill>
-              </a:rPr>
-              <a:t>":)" &lt;&lt; </a:t>
-            </a:r>
-            <a:r>
-              <a:rPr lang="en-US" dirty="0" err="1">
-                <a:solidFill>
-                  <a:srgbClr val="FC6767"/>
-                </a:solidFill>
-              </a:rPr>
-              <a:t>moneySpent</a:t>
-            </a:r>
-            <a:r>
-              <a:rPr lang="en-US" dirty="0">
-                <a:solidFill>
-                  <a:srgbClr val="FC6767"/>
-                </a:solidFill>
-              </a:rPr>
-              <a:t>_ &lt;&lt; "}";</a:t>
-            </a:r>
-          </a:p>
-          <a:p>
-            <a:r>
-              <a:rPr lang="ru-RU" dirty="0">
-                <a:solidFill>
-                  <a:srgbClr val="FC6767"/>
-                </a:solidFill>
-              </a:rPr>
-              <a:t>        </a:t>
-            </a:r>
-            <a:r>
-              <a:rPr lang="ru-RU" dirty="0" smtClean="0">
-                <a:solidFill>
-                  <a:srgbClr val="FC6767"/>
-                </a:solidFill>
-              </a:rPr>
-              <a:t>}</a:t>
-            </a:r>
-            <a:endParaRPr lang="ru-RU" dirty="0">
+              <a:t>};</a:t>
+            </a:r>
+            <a:endParaRPr lang="ru-RU" dirty="0"/>
+          </a:p>
+        </p:txBody>
+      </p:sp>
+      <p:sp>
+        <p:nvSpPr>
+          <p:cNvPr id="5" name="TextBox 4"/>
+          <p:cNvSpPr txBox="1"/>
+          <p:nvPr/>
+        </p:nvSpPr>
+        <p:spPr>
+          <a:xfrm>
+            <a:off x="1143000" y="752400"/>
+            <a:ext cx="9158476" cy="3970318"/>
+          </a:xfrm>
+          <a:prstGeom prst="rect">
+            <a:avLst/>
+          </a:prstGeom>
+          <a:noFill/>
+        </p:spPr>
+        <p:txBody>
+          <a:bodyPr wrap="square" rtlCol="0">
+            <a:spAutoFit/>
+          </a:bodyPr>
+          <a:lstStyle/>
+          <a:p>
+            <a:pPr lvl="0" defTabSz="914400" eaLnBrk="0" fontAlgn="base" hangingPunct="0">
+              <a:spcBef>
+                <a:spcPct val="0"/>
+              </a:spcBef>
+              <a:spcAft>
+                <a:spcPct val="0"/>
+              </a:spcAft>
+            </a:pPr>
+            <a:r>
+              <a:rPr lang="ru-RU" altLang="ru-RU" dirty="0" err="1">
+                <a:solidFill>
+                  <a:srgbClr val="FFFFFF"/>
+                </a:solidFill>
+                <a:latin typeface="Verdana" panose="020B0604030504040204" pitchFamily="34" charset="0"/>
+              </a:rPr>
+              <a:t>struct</a:t>
+            </a:r>
+            <a:r>
+              <a:rPr lang="ru-RU" altLang="ru-RU" dirty="0">
+                <a:solidFill>
+                  <a:srgbClr val="FFFFFF"/>
+                </a:solidFill>
+                <a:latin typeface="Verdana" panose="020B0604030504040204" pitchFamily="34" charset="0"/>
+              </a:rPr>
+              <a:t> </a:t>
+            </a:r>
+            <a:r>
+              <a:rPr lang="ru-RU" altLang="ru-RU" dirty="0" err="1">
+                <a:solidFill>
+                  <a:srgbClr val="FFCC00"/>
+                </a:solidFill>
+                <a:latin typeface="Verdana" panose="020B0604030504040204" pitchFamily="34" charset="0"/>
+              </a:rPr>
+              <a:t>Tariff</a:t>
+            </a:r>
+            <a:r>
+              <a:rPr lang="ru-RU" altLang="ru-RU" dirty="0">
+                <a:solidFill>
+                  <a:srgbClr val="FFCC00"/>
+                </a:solidFill>
+                <a:latin typeface="Verdana" panose="020B0604030504040204" pitchFamily="34" charset="0"/>
+              </a:rPr>
+              <a:t> </a:t>
+            </a:r>
+            <a:r>
+              <a:rPr lang="ru-RU" altLang="ru-RU" dirty="0">
+                <a:solidFill>
+                  <a:srgbClr val="FFFFFF"/>
+                </a:solidFill>
+                <a:latin typeface="Verdana" panose="020B0604030504040204" pitchFamily="34" charset="0"/>
+              </a:rPr>
+              <a:t>{</a:t>
+            </a:r>
+            <a:br>
+              <a:rPr lang="ru-RU" altLang="ru-RU" dirty="0">
+                <a:solidFill>
+                  <a:srgbClr val="FFFFFF"/>
+                </a:solidFill>
+                <a:latin typeface="Verdana" panose="020B0604030504040204" pitchFamily="34" charset="0"/>
+              </a:rPr>
+            </a:br>
+            <a:r>
+              <a:rPr lang="ru-RU" altLang="ru-RU" dirty="0">
+                <a:solidFill>
+                  <a:srgbClr val="FFFFFF"/>
+                </a:solidFill>
+                <a:latin typeface="Verdana" panose="020B0604030504040204" pitchFamily="34" charset="0"/>
+              </a:rPr>
+              <a:t>   </a:t>
+            </a:r>
+            <a:r>
+              <a:rPr lang="ru-RU" altLang="ru-RU" dirty="0" err="1">
+                <a:solidFill>
+                  <a:srgbClr val="FFFFFF"/>
+                </a:solidFill>
+                <a:latin typeface="Verdana" panose="020B0604030504040204" pitchFamily="34" charset="0"/>
+              </a:rPr>
+              <a:t>int</a:t>
+            </a:r>
+            <a:r>
+              <a:rPr lang="ru-RU" altLang="ru-RU" dirty="0">
+                <a:solidFill>
+                  <a:srgbClr val="FFFFFF"/>
+                </a:solidFill>
+                <a:latin typeface="Verdana" panose="020B0604030504040204" pitchFamily="34" charset="0"/>
+              </a:rPr>
+              <a:t> </a:t>
+            </a:r>
+            <a:r>
+              <a:rPr lang="ru-RU" altLang="ru-RU" dirty="0" err="1">
+                <a:solidFill>
+                  <a:srgbClr val="5BCD9D"/>
+                </a:solidFill>
+                <a:latin typeface="Verdana" panose="020B0604030504040204" pitchFamily="34" charset="0"/>
+              </a:rPr>
+              <a:t>costPerMinute</a:t>
+            </a:r>
+            <a:r>
+              <a:rPr lang="ru-RU" altLang="ru-RU" dirty="0">
+                <a:solidFill>
+                  <a:srgbClr val="5BCD9D"/>
+                </a:solidFill>
+                <a:latin typeface="Verdana" panose="020B0604030504040204" pitchFamily="34" charset="0"/>
+              </a:rPr>
+              <a:t>_</a:t>
+            </a:r>
+            <a:r>
+              <a:rPr lang="ru-RU" altLang="ru-RU" dirty="0">
+                <a:solidFill>
+                  <a:srgbClr val="FFFFFF"/>
+                </a:solidFill>
+                <a:latin typeface="Verdana" panose="020B0604030504040204" pitchFamily="34" charset="0"/>
+              </a:rPr>
+              <a:t>;</a:t>
+            </a:r>
+            <a:br>
+              <a:rPr lang="ru-RU" altLang="ru-RU" dirty="0">
+                <a:solidFill>
+                  <a:srgbClr val="FFFFFF"/>
+                </a:solidFill>
+                <a:latin typeface="Verdana" panose="020B0604030504040204" pitchFamily="34" charset="0"/>
+              </a:rPr>
+            </a:br>
+            <a:r>
+              <a:rPr lang="ru-RU" altLang="ru-RU" dirty="0">
+                <a:solidFill>
+                  <a:srgbClr val="FFFFFF"/>
+                </a:solidFill>
+                <a:latin typeface="Verdana" panose="020B0604030504040204" pitchFamily="34" charset="0"/>
+              </a:rPr>
+              <a:t/>
+            </a:r>
+            <a:br>
+              <a:rPr lang="ru-RU" altLang="ru-RU" dirty="0">
+                <a:solidFill>
+                  <a:srgbClr val="FFFFFF"/>
+                </a:solidFill>
+                <a:latin typeface="Verdana" panose="020B0604030504040204" pitchFamily="34" charset="0"/>
+              </a:rPr>
+            </a:br>
+            <a:r>
+              <a:rPr lang="ru-RU" altLang="ru-RU" dirty="0">
+                <a:solidFill>
+                  <a:srgbClr val="FFFFFF"/>
+                </a:solidFill>
+                <a:latin typeface="Verdana" panose="020B0604030504040204" pitchFamily="34" charset="0"/>
+              </a:rPr>
+              <a:t>   </a:t>
+            </a:r>
+            <a:r>
+              <a:rPr lang="ru-RU" altLang="ru-RU" dirty="0" err="1">
+                <a:solidFill>
+                  <a:srgbClr val="FFFFFF"/>
+                </a:solidFill>
+                <a:latin typeface="Verdana" panose="020B0604030504040204" pitchFamily="34" charset="0"/>
+              </a:rPr>
+              <a:t>int</a:t>
+            </a:r>
+            <a:r>
+              <a:rPr lang="ru-RU" altLang="ru-RU" dirty="0">
+                <a:solidFill>
+                  <a:srgbClr val="FFFFFF"/>
+                </a:solidFill>
+                <a:latin typeface="Verdana" panose="020B0604030504040204" pitchFamily="34" charset="0"/>
+              </a:rPr>
+              <a:t> </a:t>
+            </a:r>
+            <a:r>
+              <a:rPr lang="ru-RU" altLang="ru-RU" dirty="0" err="1">
+                <a:solidFill>
+                  <a:srgbClr val="FFCC00"/>
+                </a:solidFill>
+                <a:latin typeface="Verdana" panose="020B0604030504040204" pitchFamily="34" charset="0"/>
+              </a:rPr>
+              <a:t>GetCost</a:t>
+            </a:r>
+            <a:r>
+              <a:rPr lang="ru-RU" altLang="ru-RU" dirty="0">
+                <a:solidFill>
+                  <a:srgbClr val="FFFFFF"/>
+                </a:solidFill>
+                <a:latin typeface="Verdana" panose="020B0604030504040204" pitchFamily="34" charset="0"/>
+              </a:rPr>
+              <a:t>(</a:t>
+            </a:r>
+            <a:r>
+              <a:rPr lang="ru-RU" altLang="ru-RU" dirty="0" err="1">
+                <a:solidFill>
+                  <a:srgbClr val="FFFFFF"/>
+                </a:solidFill>
+                <a:latin typeface="Verdana" panose="020B0604030504040204" pitchFamily="34" charset="0"/>
+              </a:rPr>
+              <a:t>int</a:t>
+            </a:r>
+            <a:r>
+              <a:rPr lang="ru-RU" altLang="ru-RU" dirty="0">
+                <a:solidFill>
+                  <a:srgbClr val="FFFFFF"/>
+                </a:solidFill>
+                <a:latin typeface="Verdana" panose="020B0604030504040204" pitchFamily="34" charset="0"/>
+              </a:rPr>
+              <a:t> </a:t>
+            </a:r>
+            <a:r>
+              <a:rPr lang="ru-RU" altLang="ru-RU" dirty="0" err="1">
+                <a:solidFill>
+                  <a:srgbClr val="5BCD9D"/>
+                </a:solidFill>
+                <a:latin typeface="Verdana" panose="020B0604030504040204" pitchFamily="34" charset="0"/>
+              </a:rPr>
+              <a:t>minutes</a:t>
+            </a:r>
+            <a:r>
+              <a:rPr lang="ru-RU" altLang="ru-RU" dirty="0">
+                <a:solidFill>
+                  <a:srgbClr val="FFFFFF"/>
+                </a:solidFill>
+                <a:latin typeface="Verdana" panose="020B0604030504040204" pitchFamily="34" charset="0"/>
+              </a:rPr>
+              <a:t>) </a:t>
+            </a:r>
+            <a:r>
+              <a:rPr lang="ru-RU" altLang="ru-RU" dirty="0" err="1">
+                <a:solidFill>
+                  <a:srgbClr val="FFFFFF"/>
+                </a:solidFill>
+                <a:latin typeface="Verdana" panose="020B0604030504040204" pitchFamily="34" charset="0"/>
+              </a:rPr>
+              <a:t>const</a:t>
+            </a:r>
+            <a:r>
+              <a:rPr lang="ru-RU" altLang="ru-RU" dirty="0">
+                <a:solidFill>
+                  <a:srgbClr val="FFFFFF"/>
+                </a:solidFill>
+                <a:latin typeface="Verdana" panose="020B0604030504040204" pitchFamily="34" charset="0"/>
+              </a:rPr>
+              <a:t> {</a:t>
+            </a:r>
+            <a:br>
+              <a:rPr lang="ru-RU" altLang="ru-RU" dirty="0">
+                <a:solidFill>
+                  <a:srgbClr val="FFFFFF"/>
+                </a:solidFill>
+                <a:latin typeface="Verdana" panose="020B0604030504040204" pitchFamily="34" charset="0"/>
+              </a:rPr>
+            </a:br>
+            <a:r>
+              <a:rPr lang="ru-RU" altLang="ru-RU" dirty="0">
+                <a:solidFill>
+                  <a:srgbClr val="FFFFFF"/>
+                </a:solidFill>
+                <a:latin typeface="Verdana" panose="020B0604030504040204" pitchFamily="34" charset="0"/>
+              </a:rPr>
+              <a:t>      </a:t>
+            </a:r>
+            <a:r>
+              <a:rPr lang="ru-RU" altLang="ru-RU" dirty="0" err="1">
+                <a:solidFill>
+                  <a:srgbClr val="FFFFFF"/>
+                </a:solidFill>
+                <a:latin typeface="Verdana" panose="020B0604030504040204" pitchFamily="34" charset="0"/>
+              </a:rPr>
+              <a:t>return</a:t>
+            </a:r>
+            <a:r>
+              <a:rPr lang="ru-RU" altLang="ru-RU" dirty="0">
+                <a:solidFill>
+                  <a:srgbClr val="FFFFFF"/>
+                </a:solidFill>
+                <a:latin typeface="Verdana" panose="020B0604030504040204" pitchFamily="34" charset="0"/>
+              </a:rPr>
+              <a:t> </a:t>
+            </a:r>
+            <a:r>
+              <a:rPr lang="ru-RU" altLang="ru-RU" dirty="0" err="1">
+                <a:solidFill>
+                  <a:srgbClr val="5BCD9D"/>
+                </a:solidFill>
+                <a:latin typeface="Verdana" panose="020B0604030504040204" pitchFamily="34" charset="0"/>
+              </a:rPr>
+              <a:t>minutes</a:t>
+            </a:r>
+            <a:r>
+              <a:rPr lang="ru-RU" altLang="ru-RU" dirty="0">
+                <a:solidFill>
+                  <a:srgbClr val="5BCD9D"/>
+                </a:solidFill>
+                <a:latin typeface="Verdana" panose="020B0604030504040204" pitchFamily="34" charset="0"/>
+              </a:rPr>
+              <a:t> </a:t>
+            </a:r>
+            <a:r>
+              <a:rPr lang="ru-RU" altLang="ru-RU" dirty="0">
+                <a:solidFill>
+                  <a:srgbClr val="FFFFFF"/>
+                </a:solidFill>
+                <a:latin typeface="Verdana" panose="020B0604030504040204" pitchFamily="34" charset="0"/>
+              </a:rPr>
+              <a:t>* </a:t>
+            </a:r>
+            <a:r>
+              <a:rPr lang="ru-RU" altLang="ru-RU" dirty="0" err="1">
+                <a:solidFill>
+                  <a:srgbClr val="5BCD9D"/>
+                </a:solidFill>
+                <a:latin typeface="Verdana" panose="020B0604030504040204" pitchFamily="34" charset="0"/>
+              </a:rPr>
+              <a:t>costPerMinute</a:t>
+            </a:r>
+            <a:r>
+              <a:rPr lang="ru-RU" altLang="ru-RU" dirty="0">
+                <a:solidFill>
+                  <a:srgbClr val="5BCD9D"/>
+                </a:solidFill>
+                <a:latin typeface="Verdana" panose="020B0604030504040204" pitchFamily="34" charset="0"/>
+              </a:rPr>
+              <a:t>_</a:t>
+            </a:r>
+            <a:r>
+              <a:rPr lang="ru-RU" altLang="ru-RU" dirty="0">
+                <a:solidFill>
+                  <a:srgbClr val="FFFFFF"/>
+                </a:solidFill>
+                <a:latin typeface="Verdana" panose="020B0604030504040204" pitchFamily="34" charset="0"/>
+              </a:rPr>
+              <a:t>;</a:t>
+            </a:r>
+            <a:br>
+              <a:rPr lang="ru-RU" altLang="ru-RU" dirty="0">
+                <a:solidFill>
+                  <a:srgbClr val="FFFFFF"/>
+                </a:solidFill>
+                <a:latin typeface="Verdana" panose="020B0604030504040204" pitchFamily="34" charset="0"/>
+              </a:rPr>
+            </a:br>
+            <a:r>
+              <a:rPr lang="ru-RU" altLang="ru-RU" dirty="0">
+                <a:solidFill>
+                  <a:srgbClr val="FFFFFF"/>
+                </a:solidFill>
+                <a:latin typeface="Verdana" panose="020B0604030504040204" pitchFamily="34" charset="0"/>
+              </a:rPr>
+              <a:t>   }</a:t>
+            </a:r>
+            <a:br>
+              <a:rPr lang="ru-RU" altLang="ru-RU" dirty="0">
+                <a:solidFill>
+                  <a:srgbClr val="FFFFFF"/>
+                </a:solidFill>
+                <a:latin typeface="Verdana" panose="020B0604030504040204" pitchFamily="34" charset="0"/>
+              </a:rPr>
+            </a:br>
+            <a:r>
+              <a:rPr lang="ru-RU" altLang="ru-RU" dirty="0" smtClean="0">
+                <a:solidFill>
+                  <a:srgbClr val="FFFFFF"/>
+                </a:solidFill>
+                <a:latin typeface="Verdana" panose="020B0604030504040204" pitchFamily="34" charset="0"/>
+              </a:rPr>
+              <a:t>};</a:t>
+            </a:r>
+            <a:endParaRPr lang="ru-RU" altLang="ru-RU" sz="6600" dirty="0">
+              <a:latin typeface="Arial" panose="020B0604020202020204" pitchFamily="34" charset="0"/>
+            </a:endParaRPr>
+          </a:p>
+        </p:txBody>
+      </p:sp>
+      <p:sp>
+        <p:nvSpPr>
+          <p:cNvPr id="7" name="TextBox 6"/>
+          <p:cNvSpPr txBox="1"/>
+          <p:nvPr/>
+        </p:nvSpPr>
+        <p:spPr>
+          <a:xfrm>
+            <a:off x="37357606" y="8551770"/>
+            <a:ext cx="184731" cy="861774"/>
+          </a:xfrm>
+          <a:prstGeom prst="rect">
+            <a:avLst/>
+          </a:prstGeom>
+          <a:noFill/>
+        </p:spPr>
+        <p:txBody>
+          <a:bodyPr vert="horz" wrap="none" lIns="0" tIns="0" rIns="0" bIns="0" rtlCol="0" anchor="t" anchorCtr="0">
+            <a:noAutofit/>
+          </a:bodyPr>
+          <a:lstStyle/>
+          <a:p>
+            <a:endParaRPr lang="ru-RU" dirty="0" err="1" smtClean="0">
               <a:solidFill>
-                <a:srgbClr val="FC6767"/>
+                <a:sysClr val="windowText" lastClr="000000"/>
               </a:solidFill>
+              <a:latin typeface="Verdana" panose="020B0604030504040204" pitchFamily="34" charset="0"/>
+              <a:ea typeface="Verdana" panose="020B0604030504040204" pitchFamily="34" charset="0"/>
+              <a:cs typeface="Verdana" panose="020B0604030504040204" pitchFamily="34" charset="0"/>
             </a:endParaRPr>
           </a:p>
-          <a:p>
-            <a:r>
-              <a:rPr lang="en-US" dirty="0"/>
-              <a:t>    private:</a:t>
-            </a:r>
-          </a:p>
-          <a:p>
-            <a:r>
-              <a:rPr lang="en-US" dirty="0"/>
+        </p:txBody>
+      </p:sp>
+      <p:sp>
+        <p:nvSpPr>
+          <p:cNvPr id="8" name="Rectangle 1"/>
+          <p:cNvSpPr>
+            <a:spLocks noChangeArrowheads="1"/>
+          </p:cNvSpPr>
+          <p:nvPr/>
+        </p:nvSpPr>
+        <p:spPr bwMode="auto">
+          <a:xfrm>
+            <a:off x="15291964" y="752400"/>
+            <a:ext cx="7965642" cy="6093976"/>
+          </a:xfrm>
+          <a:prstGeom prst="rect">
+            <a:avLst/>
+          </a:prstGeom>
+          <a:solidFill>
+            <a:srgbClr val="000000"/>
+          </a:solidFill>
+          <a:ln>
+            <a:noFill/>
+          </a:ln>
+          <a:effectLst/>
+          <a:extLst>
+            <a:ext uri="{91240B29-F687-4F45-9708-019B960494DF}">
+              <a14:hiddenLine xmlns:a14="http://schemas.microsoft.com/office/drawing/2010/main" w="9525">
+                <a:solidFill>
+                  <a:schemeClr val="tx1"/>
+                </a:solidFill>
+                <a:miter lim="800000"/>
+                <a:headEnd/>
+                <a:tailEnd/>
+              </a14:hiddenLine>
+            </a:ext>
+            <a:ext uri="{AF507438-7753-43E0-B8FC-AC1667EBCBE1}">
+              <a14:hiddenEffects xmlns:a14="http://schemas.microsoft.com/office/drawing/2010/main">
+                <a:effectLst>
+                  <a:outerShdw dist="35921" dir="2700000" algn="ctr" rotWithShape="0">
+                    <a:schemeClr val="bg2"/>
+                  </a:outerShdw>
+                </a:effectLst>
+              </a14:hiddenEffects>
+            </a:ext>
+          </a:extLst>
+        </p:spPr>
+        <p:txBody>
+          <a:bodyPr vert="horz" wrap="none" lIns="0" tIns="0" rIns="0" bIns="0" numCol="1" anchor="t" anchorCtr="0" compatLnSpc="1">
+            <a:prstTxWarp prst="textNoShape">
+              <a:avLst/>
+            </a:prstTxWarp>
+            <a:spAutoFit/>
+          </a:bodyPr>
+          <a:lstStyle/>
+          <a:p>
+            <a:pPr marL="0" marR="0" lvl="0" indent="0" algn="l" defTabSz="914400" rtl="0" eaLnBrk="0" fontAlgn="base" latinLnBrk="0" hangingPunct="0">
+              <a:lnSpc>
+                <a:spcPct val="100000"/>
+              </a:lnSpc>
+              <a:spcBef>
+                <a:spcPct val="0"/>
+              </a:spcBef>
+              <a:spcAft>
+                <a:spcPct val="0"/>
+              </a:spcAft>
+              <a:buClrTx/>
+              <a:buSzTx/>
+              <a:buFontTx/>
+              <a:buNone/>
+              <a:tabLst/>
+            </a:pPr>
+            <a:r>
+              <a:rPr kumimoji="0" lang="ru-RU" altLang="ru-RU" b="0" i="0" u="none" strike="noStrike" cap="none" normalizeH="0" baseline="0" dirty="0" err="1" smtClean="0">
+                <a:ln>
+                  <a:noFill/>
+                </a:ln>
+                <a:solidFill>
+                  <a:srgbClr val="FFFFFF"/>
+                </a:solidFill>
+                <a:effectLst/>
+                <a:latin typeface="Verdana" panose="020B0604030504040204" pitchFamily="34" charset="0"/>
+                <a:ea typeface="Verdana" panose="020B0604030504040204" pitchFamily="34" charset="0"/>
+                <a:cs typeface="Verdana" panose="020B0604030504040204" pitchFamily="34" charset="0"/>
+              </a:rPr>
+              <a:t>struct</a:t>
+            </a:r>
+            <a:r>
+              <a:rPr kumimoji="0" lang="ru-RU" altLang="ru-RU" b="0" i="0" u="none" strike="noStrike" cap="none" normalizeH="0" baseline="0" dirty="0" smtClean="0">
+                <a:ln>
+                  <a:noFill/>
+                </a:ln>
+                <a:solidFill>
+                  <a:srgbClr val="FFFFFF"/>
+                </a:solidFill>
+                <a:effectLst/>
+                <a:latin typeface="Verdana" panose="020B0604030504040204" pitchFamily="34" charset="0"/>
+                <a:ea typeface="Verdana" panose="020B0604030504040204" pitchFamily="34" charset="0"/>
+                <a:cs typeface="Verdana" panose="020B0604030504040204" pitchFamily="34" charset="0"/>
+              </a:rPr>
               <a:t> </a:t>
             </a:r>
             <a:r>
-              <a:rPr lang="en-US" dirty="0" smtClean="0"/>
-              <a:t>       …</a:t>
-            </a:r>
-            <a:endParaRPr lang="en-US" dirty="0"/>
-          </a:p>
-          <a:p>
-            <a:r>
-              <a:rPr lang="en-US" dirty="0"/>
-              <a:t>        </a:t>
-            </a:r>
-            <a:r>
-              <a:rPr lang="en-US" dirty="0" err="1">
-                <a:solidFill>
-                  <a:srgbClr val="FC6767"/>
-                </a:solidFill>
+              <a:rPr kumimoji="0" lang="ru-RU" altLang="ru-RU" b="0" i="0" u="none" strike="noStrike" cap="none" normalizeH="0" baseline="0" dirty="0" err="1" smtClean="0">
+                <a:ln>
+                  <a:noFill/>
+                </a:ln>
+                <a:solidFill>
+                  <a:srgbClr val="FFCC00"/>
+                </a:solidFill>
+                <a:effectLst/>
+                <a:latin typeface="Verdana" panose="020B0604030504040204" pitchFamily="34" charset="0"/>
+                <a:ea typeface="Verdana" panose="020B0604030504040204" pitchFamily="34" charset="0"/>
+                <a:cs typeface="Verdana" panose="020B0604030504040204" pitchFamily="34" charset="0"/>
+              </a:rPr>
+              <a:t>UserAccount</a:t>
+            </a:r>
+            <a:r>
+              <a:rPr kumimoji="0" lang="ru-RU" altLang="ru-RU" b="0" i="0" u="none" strike="noStrike" cap="none" normalizeH="0" baseline="0" dirty="0" smtClean="0">
+                <a:ln>
+                  <a:noFill/>
+                </a:ln>
+                <a:solidFill>
+                  <a:srgbClr val="FFCC00"/>
+                </a:solidFill>
+                <a:effectLst/>
+                <a:latin typeface="Verdana" panose="020B0604030504040204" pitchFamily="34" charset="0"/>
+                <a:ea typeface="Verdana" panose="020B0604030504040204" pitchFamily="34" charset="0"/>
+                <a:cs typeface="Verdana" panose="020B0604030504040204" pitchFamily="34" charset="0"/>
+              </a:rPr>
+              <a:t> </a:t>
+            </a:r>
+            <a:r>
+              <a:rPr kumimoji="0" lang="ru-RU" altLang="ru-RU" b="0" i="0" u="none" strike="noStrike" cap="none" normalizeH="0" baseline="0" dirty="0" smtClean="0">
+                <a:ln>
+                  <a:noFill/>
+                </a:ln>
+                <a:solidFill>
+                  <a:srgbClr val="FFFFFF"/>
+                </a:solidFill>
+                <a:effectLst/>
+                <a:latin typeface="Verdana" panose="020B0604030504040204" pitchFamily="34" charset="0"/>
+                <a:ea typeface="Verdana" panose="020B0604030504040204" pitchFamily="34" charset="0"/>
+                <a:cs typeface="Verdana" panose="020B0604030504040204" pitchFamily="34" charset="0"/>
+              </a:rPr>
+              <a:t>{</a:t>
+            </a:r>
+            <a:br>
+              <a:rPr kumimoji="0" lang="ru-RU" altLang="ru-RU" b="0" i="0" u="none" strike="noStrike" cap="none" normalizeH="0" baseline="0" dirty="0" smtClean="0">
+                <a:ln>
+                  <a:noFill/>
+                </a:ln>
+                <a:solidFill>
+                  <a:srgbClr val="FFFFFF"/>
+                </a:solidFill>
+                <a:effectLst/>
+                <a:latin typeface="Verdana" panose="020B0604030504040204" pitchFamily="34" charset="0"/>
+                <a:ea typeface="Verdana" panose="020B0604030504040204" pitchFamily="34" charset="0"/>
+                <a:cs typeface="Verdana" panose="020B0604030504040204" pitchFamily="34" charset="0"/>
+              </a:rPr>
+            </a:br>
+            <a:r>
+              <a:rPr kumimoji="0" lang="ru-RU" altLang="ru-RU" b="0" i="0" u="none" strike="noStrike" cap="none" normalizeH="0" baseline="0" dirty="0" smtClean="0">
+                <a:ln>
+                  <a:noFill/>
+                </a:ln>
+                <a:solidFill>
+                  <a:srgbClr val="FFFFFF"/>
+                </a:solidFill>
+                <a:effectLst/>
+                <a:latin typeface="Verdana" panose="020B0604030504040204" pitchFamily="34" charset="0"/>
+                <a:ea typeface="Verdana" panose="020B0604030504040204" pitchFamily="34" charset="0"/>
+                <a:cs typeface="Verdana" panose="020B0604030504040204" pitchFamily="34" charset="0"/>
+              </a:rPr>
+              <a:t>   </a:t>
+            </a:r>
+            <a:r>
+              <a:rPr kumimoji="0" lang="ru-RU" altLang="ru-RU" b="0" i="0" u="none" strike="noStrike" cap="none" normalizeH="0" baseline="0" dirty="0" err="1" smtClean="0">
+                <a:ln>
+                  <a:noFill/>
+                </a:ln>
+                <a:solidFill>
+                  <a:srgbClr val="FFFFFF"/>
+                </a:solidFill>
+                <a:effectLst/>
+                <a:latin typeface="Verdana" panose="020B0604030504040204" pitchFamily="34" charset="0"/>
+                <a:ea typeface="Verdana" panose="020B0604030504040204" pitchFamily="34" charset="0"/>
+                <a:cs typeface="Verdana" panose="020B0604030504040204" pitchFamily="34" charset="0"/>
               </a:rPr>
               <a:t>int</a:t>
             </a:r>
             <a:r>
-              <a:rPr lang="en-US" dirty="0">
-                <a:solidFill>
-                  <a:srgbClr val="FC6767"/>
-                </a:solidFill>
+              <a:rPr kumimoji="0" lang="ru-RU" altLang="ru-RU" b="0" i="0" u="none" strike="noStrike" cap="none" normalizeH="0" baseline="0" dirty="0" smtClean="0">
+                <a:ln>
+                  <a:noFill/>
+                </a:ln>
+                <a:solidFill>
+                  <a:srgbClr val="FFFFFF"/>
+                </a:solidFill>
+                <a:effectLst/>
+                <a:latin typeface="Verdana" panose="020B0604030504040204" pitchFamily="34" charset="0"/>
+                <a:ea typeface="Verdana" panose="020B0604030504040204" pitchFamily="34" charset="0"/>
+                <a:cs typeface="Verdana" panose="020B0604030504040204" pitchFamily="34" charset="0"/>
               </a:rPr>
               <a:t> </a:t>
             </a:r>
             <a:r>
-              <a:rPr lang="en-US" dirty="0" err="1">
-                <a:solidFill>
-                  <a:srgbClr val="FC6767"/>
-                </a:solidFill>
-              </a:rPr>
-              <a:t>callCount</a:t>
-            </a:r>
-            <a:r>
-              <a:rPr lang="en-US" dirty="0">
-                <a:solidFill>
-                  <a:srgbClr val="FC6767"/>
-                </a:solidFill>
-              </a:rPr>
-              <a:t>_;</a:t>
-            </a:r>
-          </a:p>
-          <a:p>
-            <a:r>
-              <a:rPr lang="en-US" dirty="0">
-                <a:solidFill>
-                  <a:srgbClr val="FC6767"/>
-                </a:solidFill>
-              </a:rPr>
-              <a:t>        </a:t>
-            </a:r>
-            <a:r>
-              <a:rPr lang="en-US" dirty="0" err="1">
-                <a:solidFill>
-                  <a:srgbClr val="FC6767"/>
-                </a:solidFill>
+              <a:rPr kumimoji="0" lang="ru-RU" altLang="ru-RU" b="0" i="0" u="none" strike="noStrike" cap="none" normalizeH="0" baseline="0" dirty="0" err="1" smtClean="0">
+                <a:ln>
+                  <a:noFill/>
+                </a:ln>
+                <a:solidFill>
+                  <a:srgbClr val="5BCD9D"/>
+                </a:solidFill>
+                <a:effectLst/>
+                <a:latin typeface="Verdana" panose="020B0604030504040204" pitchFamily="34" charset="0"/>
+                <a:ea typeface="Verdana" panose="020B0604030504040204" pitchFamily="34" charset="0"/>
+                <a:cs typeface="Verdana" panose="020B0604030504040204" pitchFamily="34" charset="0"/>
+              </a:rPr>
+              <a:t>money</a:t>
+            </a:r>
+            <a:r>
+              <a:rPr kumimoji="0" lang="ru-RU" altLang="ru-RU" b="0" i="0" u="none" strike="noStrike" cap="none" normalizeH="0" baseline="0" dirty="0" smtClean="0">
+                <a:ln>
+                  <a:noFill/>
+                </a:ln>
+                <a:solidFill>
+                  <a:srgbClr val="5BCD9D"/>
+                </a:solidFill>
+                <a:effectLst/>
+                <a:latin typeface="Verdana" panose="020B0604030504040204" pitchFamily="34" charset="0"/>
+                <a:ea typeface="Verdana" panose="020B0604030504040204" pitchFamily="34" charset="0"/>
+                <a:cs typeface="Verdana" panose="020B0604030504040204" pitchFamily="34" charset="0"/>
+              </a:rPr>
+              <a:t>_ </a:t>
+            </a:r>
+            <a:r>
+              <a:rPr kumimoji="0" lang="ru-RU" altLang="ru-RU" b="0" i="0" u="none" strike="noStrike" cap="none" normalizeH="0" baseline="0" dirty="0" smtClean="0">
+                <a:ln>
+                  <a:noFill/>
+                </a:ln>
+                <a:solidFill>
+                  <a:srgbClr val="FFFFFF"/>
+                </a:solidFill>
+                <a:effectLst/>
+                <a:latin typeface="Verdana" panose="020B0604030504040204" pitchFamily="34" charset="0"/>
+                <a:ea typeface="Verdana" panose="020B0604030504040204" pitchFamily="34" charset="0"/>
+                <a:cs typeface="Verdana" panose="020B0604030504040204" pitchFamily="34" charset="0"/>
+              </a:rPr>
+              <a:t>= 0;</a:t>
+            </a:r>
+            <a:br>
+              <a:rPr kumimoji="0" lang="ru-RU" altLang="ru-RU" b="0" i="0" u="none" strike="noStrike" cap="none" normalizeH="0" baseline="0" dirty="0" smtClean="0">
+                <a:ln>
+                  <a:noFill/>
+                </a:ln>
+                <a:solidFill>
+                  <a:srgbClr val="FFFFFF"/>
+                </a:solidFill>
+                <a:effectLst/>
+                <a:latin typeface="Verdana" panose="020B0604030504040204" pitchFamily="34" charset="0"/>
+                <a:ea typeface="Verdana" panose="020B0604030504040204" pitchFamily="34" charset="0"/>
+                <a:cs typeface="Verdana" panose="020B0604030504040204" pitchFamily="34" charset="0"/>
+              </a:rPr>
+            </a:br>
+            <a:r>
+              <a:rPr kumimoji="0" lang="ru-RU" altLang="ru-RU" b="0" i="0" u="none" strike="noStrike" cap="none" normalizeH="0" baseline="0" dirty="0" smtClean="0">
+                <a:ln>
+                  <a:noFill/>
+                </a:ln>
+                <a:solidFill>
+                  <a:srgbClr val="FFFFFF"/>
+                </a:solidFill>
+                <a:effectLst/>
+                <a:latin typeface="Verdana" panose="020B0604030504040204" pitchFamily="34" charset="0"/>
+                <a:ea typeface="Verdana" panose="020B0604030504040204" pitchFamily="34" charset="0"/>
+                <a:cs typeface="Verdana" panose="020B0604030504040204" pitchFamily="34" charset="0"/>
+              </a:rPr>
+              <a:t/>
+            </a:r>
+            <a:br>
+              <a:rPr kumimoji="0" lang="ru-RU" altLang="ru-RU" b="0" i="0" u="none" strike="noStrike" cap="none" normalizeH="0" baseline="0" dirty="0" smtClean="0">
+                <a:ln>
+                  <a:noFill/>
+                </a:ln>
+                <a:solidFill>
+                  <a:srgbClr val="FFFFFF"/>
+                </a:solidFill>
+                <a:effectLst/>
+                <a:latin typeface="Verdana" panose="020B0604030504040204" pitchFamily="34" charset="0"/>
+                <a:ea typeface="Verdana" panose="020B0604030504040204" pitchFamily="34" charset="0"/>
+                <a:cs typeface="Verdana" panose="020B0604030504040204" pitchFamily="34" charset="0"/>
+              </a:rPr>
+            </a:br>
+            <a:r>
+              <a:rPr kumimoji="0" lang="ru-RU" altLang="ru-RU" b="0" i="0" u="none" strike="noStrike" cap="none" normalizeH="0" baseline="0" dirty="0" smtClean="0">
+                <a:ln>
+                  <a:noFill/>
+                </a:ln>
+                <a:solidFill>
+                  <a:srgbClr val="FFFFFF"/>
+                </a:solidFill>
+                <a:effectLst/>
+                <a:latin typeface="Verdana" panose="020B0604030504040204" pitchFamily="34" charset="0"/>
+                <a:ea typeface="Verdana" panose="020B0604030504040204" pitchFamily="34" charset="0"/>
+                <a:cs typeface="Verdana" panose="020B0604030504040204" pitchFamily="34" charset="0"/>
+              </a:rPr>
+              <a:t>   </a:t>
+            </a:r>
+            <a:r>
+              <a:rPr kumimoji="0" lang="ru-RU" altLang="ru-RU" b="0" i="0" u="none" strike="noStrike" cap="none" normalizeH="0" baseline="0" dirty="0" err="1" smtClean="0">
+                <a:ln>
+                  <a:noFill/>
+                </a:ln>
+                <a:solidFill>
+                  <a:srgbClr val="FFFFFF"/>
+                </a:solidFill>
+                <a:effectLst/>
+                <a:latin typeface="Verdana" panose="020B0604030504040204" pitchFamily="34" charset="0"/>
+                <a:ea typeface="Verdana" panose="020B0604030504040204" pitchFamily="34" charset="0"/>
+                <a:cs typeface="Verdana" panose="020B0604030504040204" pitchFamily="34" charset="0"/>
+              </a:rPr>
+              <a:t>void</a:t>
+            </a:r>
+            <a:r>
+              <a:rPr kumimoji="0" lang="ru-RU" altLang="ru-RU" b="0" i="0" u="none" strike="noStrike" cap="none" normalizeH="0" baseline="0" dirty="0" smtClean="0">
+                <a:ln>
+                  <a:noFill/>
+                </a:ln>
+                <a:solidFill>
+                  <a:srgbClr val="FFFFFF"/>
+                </a:solidFill>
+                <a:effectLst/>
+                <a:latin typeface="Verdana" panose="020B0604030504040204" pitchFamily="34" charset="0"/>
+                <a:ea typeface="Verdana" panose="020B0604030504040204" pitchFamily="34" charset="0"/>
+                <a:cs typeface="Verdana" panose="020B0604030504040204" pitchFamily="34" charset="0"/>
+              </a:rPr>
+              <a:t> </a:t>
+            </a:r>
+            <a:r>
+              <a:rPr kumimoji="0" lang="ru-RU" altLang="ru-RU" b="0" i="0" u="none" strike="noStrike" cap="none" normalizeH="0" baseline="0" dirty="0" err="1" smtClean="0">
+                <a:ln>
+                  <a:noFill/>
+                </a:ln>
+                <a:solidFill>
+                  <a:srgbClr val="FFCC00"/>
+                </a:solidFill>
+                <a:effectLst/>
+                <a:latin typeface="Verdana" panose="020B0604030504040204" pitchFamily="34" charset="0"/>
+                <a:ea typeface="Verdana" panose="020B0604030504040204" pitchFamily="34" charset="0"/>
+                <a:cs typeface="Verdana" panose="020B0604030504040204" pitchFamily="34" charset="0"/>
+              </a:rPr>
+              <a:t>ApplyCharge</a:t>
+            </a:r>
+            <a:r>
+              <a:rPr kumimoji="0" lang="ru-RU" altLang="ru-RU" b="0" i="0" u="none" strike="noStrike" cap="none" normalizeH="0" baseline="0" dirty="0" smtClean="0">
+                <a:ln>
+                  <a:noFill/>
+                </a:ln>
+                <a:solidFill>
+                  <a:srgbClr val="FFFFFF"/>
+                </a:solidFill>
+                <a:effectLst/>
+                <a:latin typeface="Verdana" panose="020B0604030504040204" pitchFamily="34" charset="0"/>
+                <a:ea typeface="Verdana" panose="020B0604030504040204" pitchFamily="34" charset="0"/>
+                <a:cs typeface="Verdana" panose="020B0604030504040204" pitchFamily="34" charset="0"/>
+              </a:rPr>
+              <a:t>(</a:t>
+            </a:r>
+            <a:r>
+              <a:rPr kumimoji="0" lang="ru-RU" altLang="ru-RU" b="0" i="0" u="none" strike="noStrike" cap="none" normalizeH="0" baseline="0" dirty="0" err="1" smtClean="0">
+                <a:ln>
+                  <a:noFill/>
+                </a:ln>
+                <a:solidFill>
+                  <a:srgbClr val="FFFFFF"/>
+                </a:solidFill>
+                <a:effectLst/>
+                <a:latin typeface="Verdana" panose="020B0604030504040204" pitchFamily="34" charset="0"/>
+                <a:ea typeface="Verdana" panose="020B0604030504040204" pitchFamily="34" charset="0"/>
+                <a:cs typeface="Verdana" panose="020B0604030504040204" pitchFamily="34" charset="0"/>
               </a:rPr>
               <a:t>int</a:t>
             </a:r>
             <a:r>
-              <a:rPr lang="en-US" dirty="0">
-                <a:solidFill>
-                  <a:srgbClr val="FC6767"/>
-                </a:solidFill>
+              <a:rPr kumimoji="0" lang="ru-RU" altLang="ru-RU" b="0" i="0" u="none" strike="noStrike" cap="none" normalizeH="0" baseline="0" dirty="0" smtClean="0">
+                <a:ln>
+                  <a:noFill/>
+                </a:ln>
+                <a:solidFill>
+                  <a:srgbClr val="FFFFFF"/>
+                </a:solidFill>
+                <a:effectLst/>
+                <a:latin typeface="Verdana" panose="020B0604030504040204" pitchFamily="34" charset="0"/>
+                <a:ea typeface="Verdana" panose="020B0604030504040204" pitchFamily="34" charset="0"/>
+                <a:cs typeface="Verdana" panose="020B0604030504040204" pitchFamily="34" charset="0"/>
               </a:rPr>
               <a:t> </a:t>
             </a:r>
             <a:r>
-              <a:rPr lang="en-US" dirty="0" err="1">
-                <a:solidFill>
-                  <a:srgbClr val="FC6767"/>
-                </a:solidFill>
-              </a:rPr>
-              <a:t>totalDuration</a:t>
-            </a:r>
-            <a:r>
-              <a:rPr lang="en-US" dirty="0">
-                <a:solidFill>
-                  <a:srgbClr val="FC6767"/>
-                </a:solidFill>
-              </a:rPr>
-              <a:t>_;</a:t>
-            </a:r>
-          </a:p>
-          <a:p>
-            <a:r>
-              <a:rPr lang="en-US" dirty="0">
-                <a:solidFill>
-                  <a:srgbClr val="FC6767"/>
-                </a:solidFill>
-              </a:rPr>
-              <a:t>        </a:t>
-            </a:r>
-            <a:r>
-              <a:rPr lang="en-US" dirty="0" err="1">
-                <a:solidFill>
-                  <a:srgbClr val="FC6767"/>
-                </a:solidFill>
+              <a:rPr kumimoji="0" lang="ru-RU" altLang="ru-RU" b="0" i="0" u="none" strike="noStrike" cap="none" normalizeH="0" baseline="0" dirty="0" err="1" smtClean="0">
+                <a:ln>
+                  <a:noFill/>
+                </a:ln>
+                <a:solidFill>
+                  <a:srgbClr val="5BCD9D"/>
+                </a:solidFill>
+                <a:effectLst/>
+                <a:latin typeface="Verdana" panose="020B0604030504040204" pitchFamily="34" charset="0"/>
+                <a:ea typeface="Verdana" panose="020B0604030504040204" pitchFamily="34" charset="0"/>
+                <a:cs typeface="Verdana" panose="020B0604030504040204" pitchFamily="34" charset="0"/>
+              </a:rPr>
+              <a:t>rubles</a:t>
+            </a:r>
+            <a:r>
+              <a:rPr kumimoji="0" lang="ru-RU" altLang="ru-RU" b="0" i="0" u="none" strike="noStrike" cap="none" normalizeH="0" baseline="0" dirty="0" smtClean="0">
+                <a:ln>
+                  <a:noFill/>
+                </a:ln>
+                <a:solidFill>
+                  <a:srgbClr val="FFFFFF"/>
+                </a:solidFill>
+                <a:effectLst/>
+                <a:latin typeface="Verdana" panose="020B0604030504040204" pitchFamily="34" charset="0"/>
+                <a:ea typeface="Verdana" panose="020B0604030504040204" pitchFamily="34" charset="0"/>
+                <a:cs typeface="Verdana" panose="020B0604030504040204" pitchFamily="34" charset="0"/>
+              </a:rPr>
+              <a:t>) {</a:t>
+            </a:r>
+            <a:br>
+              <a:rPr kumimoji="0" lang="ru-RU" altLang="ru-RU" b="0" i="0" u="none" strike="noStrike" cap="none" normalizeH="0" baseline="0" dirty="0" smtClean="0">
+                <a:ln>
+                  <a:noFill/>
+                </a:ln>
+                <a:solidFill>
+                  <a:srgbClr val="FFFFFF"/>
+                </a:solidFill>
+                <a:effectLst/>
+                <a:latin typeface="Verdana" panose="020B0604030504040204" pitchFamily="34" charset="0"/>
+                <a:ea typeface="Verdana" panose="020B0604030504040204" pitchFamily="34" charset="0"/>
+                <a:cs typeface="Verdana" panose="020B0604030504040204" pitchFamily="34" charset="0"/>
+              </a:rPr>
+            </a:br>
+            <a:r>
+              <a:rPr kumimoji="0" lang="ru-RU" altLang="ru-RU" b="0" i="0" u="none" strike="noStrike" cap="none" normalizeH="0" baseline="0" dirty="0" smtClean="0">
+                <a:ln>
+                  <a:noFill/>
+                </a:ln>
+                <a:solidFill>
+                  <a:srgbClr val="FFFFFF"/>
+                </a:solidFill>
+                <a:effectLst/>
+                <a:latin typeface="Verdana" panose="020B0604030504040204" pitchFamily="34" charset="0"/>
+                <a:ea typeface="Verdana" panose="020B0604030504040204" pitchFamily="34" charset="0"/>
+                <a:cs typeface="Verdana" panose="020B0604030504040204" pitchFamily="34" charset="0"/>
+              </a:rPr>
+              <a:t>      </a:t>
+            </a:r>
+            <a:r>
+              <a:rPr kumimoji="0" lang="ru-RU" altLang="ru-RU" b="0" i="0" u="none" strike="noStrike" cap="none" normalizeH="0" baseline="0" dirty="0" err="1" smtClean="0">
+                <a:ln>
+                  <a:noFill/>
+                </a:ln>
+                <a:solidFill>
+                  <a:srgbClr val="5BCD9D"/>
+                </a:solidFill>
+                <a:effectLst/>
+                <a:latin typeface="Verdana" panose="020B0604030504040204" pitchFamily="34" charset="0"/>
+                <a:ea typeface="Verdana" panose="020B0604030504040204" pitchFamily="34" charset="0"/>
+                <a:cs typeface="Verdana" panose="020B0604030504040204" pitchFamily="34" charset="0"/>
+              </a:rPr>
+              <a:t>money</a:t>
+            </a:r>
+            <a:r>
+              <a:rPr kumimoji="0" lang="ru-RU" altLang="ru-RU" b="0" i="0" u="none" strike="noStrike" cap="none" normalizeH="0" baseline="0" dirty="0" smtClean="0">
+                <a:ln>
+                  <a:noFill/>
+                </a:ln>
+                <a:solidFill>
+                  <a:srgbClr val="5BCD9D"/>
+                </a:solidFill>
+                <a:effectLst/>
+                <a:latin typeface="Verdana" panose="020B0604030504040204" pitchFamily="34" charset="0"/>
+                <a:ea typeface="Verdana" panose="020B0604030504040204" pitchFamily="34" charset="0"/>
+                <a:cs typeface="Verdana" panose="020B0604030504040204" pitchFamily="34" charset="0"/>
+              </a:rPr>
+              <a:t>_ </a:t>
+            </a:r>
+            <a:r>
+              <a:rPr kumimoji="0" lang="ru-RU" altLang="ru-RU" b="0" i="0" u="none" strike="noStrike" cap="none" normalizeH="0" baseline="0" dirty="0" smtClean="0">
+                <a:ln>
+                  <a:noFill/>
+                </a:ln>
+                <a:solidFill>
+                  <a:srgbClr val="FFFFFF"/>
+                </a:solidFill>
+                <a:effectLst/>
+                <a:latin typeface="Verdana" panose="020B0604030504040204" pitchFamily="34" charset="0"/>
+                <a:ea typeface="Verdana" panose="020B0604030504040204" pitchFamily="34" charset="0"/>
+                <a:cs typeface="Verdana" panose="020B0604030504040204" pitchFamily="34" charset="0"/>
+              </a:rPr>
+              <a:t>-= </a:t>
+            </a:r>
+            <a:r>
+              <a:rPr kumimoji="0" lang="ru-RU" altLang="ru-RU" b="0" i="0" u="none" strike="noStrike" cap="none" normalizeH="0" baseline="0" dirty="0" err="1" smtClean="0">
+                <a:ln>
+                  <a:noFill/>
+                </a:ln>
+                <a:solidFill>
+                  <a:srgbClr val="5BCD9D"/>
+                </a:solidFill>
+                <a:effectLst/>
+                <a:latin typeface="Verdana" panose="020B0604030504040204" pitchFamily="34" charset="0"/>
+                <a:ea typeface="Verdana" panose="020B0604030504040204" pitchFamily="34" charset="0"/>
+                <a:cs typeface="Verdana" panose="020B0604030504040204" pitchFamily="34" charset="0"/>
+              </a:rPr>
+              <a:t>rubles</a:t>
+            </a:r>
+            <a:r>
+              <a:rPr kumimoji="0" lang="ru-RU" altLang="ru-RU" b="0" i="0" u="none" strike="noStrike" cap="none" normalizeH="0" baseline="0" dirty="0" smtClean="0">
+                <a:ln>
+                  <a:noFill/>
+                </a:ln>
+                <a:solidFill>
+                  <a:srgbClr val="FFFFFF"/>
+                </a:solidFill>
+                <a:effectLst/>
+                <a:latin typeface="Verdana" panose="020B0604030504040204" pitchFamily="34" charset="0"/>
+                <a:ea typeface="Verdana" panose="020B0604030504040204" pitchFamily="34" charset="0"/>
+                <a:cs typeface="Verdana" panose="020B0604030504040204" pitchFamily="34" charset="0"/>
+              </a:rPr>
+              <a:t>;</a:t>
+            </a:r>
+            <a:br>
+              <a:rPr kumimoji="0" lang="ru-RU" altLang="ru-RU" b="0" i="0" u="none" strike="noStrike" cap="none" normalizeH="0" baseline="0" dirty="0" smtClean="0">
+                <a:ln>
+                  <a:noFill/>
+                </a:ln>
+                <a:solidFill>
+                  <a:srgbClr val="FFFFFF"/>
+                </a:solidFill>
+                <a:effectLst/>
+                <a:latin typeface="Verdana" panose="020B0604030504040204" pitchFamily="34" charset="0"/>
+                <a:ea typeface="Verdana" panose="020B0604030504040204" pitchFamily="34" charset="0"/>
+                <a:cs typeface="Verdana" panose="020B0604030504040204" pitchFamily="34" charset="0"/>
+              </a:rPr>
+            </a:br>
+            <a:r>
+              <a:rPr kumimoji="0" lang="ru-RU" altLang="ru-RU" b="0" i="0" u="none" strike="noStrike" cap="none" normalizeH="0" baseline="0" dirty="0" smtClean="0">
+                <a:ln>
+                  <a:noFill/>
+                </a:ln>
+                <a:solidFill>
+                  <a:srgbClr val="FFFFFF"/>
+                </a:solidFill>
+                <a:effectLst/>
+                <a:latin typeface="Verdana" panose="020B0604030504040204" pitchFamily="34" charset="0"/>
+                <a:ea typeface="Verdana" panose="020B0604030504040204" pitchFamily="34" charset="0"/>
+                <a:cs typeface="Verdana" panose="020B0604030504040204" pitchFamily="34" charset="0"/>
+              </a:rPr>
+              <a:t>   }</a:t>
+            </a:r>
+            <a:br>
+              <a:rPr kumimoji="0" lang="ru-RU" altLang="ru-RU" b="0" i="0" u="none" strike="noStrike" cap="none" normalizeH="0" baseline="0" dirty="0" smtClean="0">
+                <a:ln>
+                  <a:noFill/>
+                </a:ln>
+                <a:solidFill>
+                  <a:srgbClr val="FFFFFF"/>
+                </a:solidFill>
+                <a:effectLst/>
+                <a:latin typeface="Verdana" panose="020B0604030504040204" pitchFamily="34" charset="0"/>
+                <a:ea typeface="Verdana" panose="020B0604030504040204" pitchFamily="34" charset="0"/>
+                <a:cs typeface="Verdana" panose="020B0604030504040204" pitchFamily="34" charset="0"/>
+              </a:rPr>
+            </a:br>
+            <a:r>
+              <a:rPr kumimoji="0" lang="ru-RU" altLang="ru-RU" b="0" i="0" u="none" strike="noStrike" cap="none" normalizeH="0" baseline="0" dirty="0" smtClean="0">
+                <a:ln>
+                  <a:noFill/>
+                </a:ln>
+                <a:solidFill>
+                  <a:srgbClr val="FFFFFF"/>
+                </a:solidFill>
+                <a:effectLst/>
+                <a:latin typeface="Verdana" panose="020B0604030504040204" pitchFamily="34" charset="0"/>
+                <a:ea typeface="Verdana" panose="020B0604030504040204" pitchFamily="34" charset="0"/>
+                <a:cs typeface="Verdana" panose="020B0604030504040204" pitchFamily="34" charset="0"/>
+              </a:rPr>
+              <a:t/>
+            </a:r>
+            <a:br>
+              <a:rPr kumimoji="0" lang="ru-RU" altLang="ru-RU" b="0" i="0" u="none" strike="noStrike" cap="none" normalizeH="0" baseline="0" dirty="0" smtClean="0">
+                <a:ln>
+                  <a:noFill/>
+                </a:ln>
+                <a:solidFill>
+                  <a:srgbClr val="FFFFFF"/>
+                </a:solidFill>
+                <a:effectLst/>
+                <a:latin typeface="Verdana" panose="020B0604030504040204" pitchFamily="34" charset="0"/>
+                <a:ea typeface="Verdana" panose="020B0604030504040204" pitchFamily="34" charset="0"/>
+                <a:cs typeface="Verdana" panose="020B0604030504040204" pitchFamily="34" charset="0"/>
+              </a:rPr>
+            </a:br>
+            <a:r>
+              <a:rPr kumimoji="0" lang="ru-RU" altLang="ru-RU" b="0" i="0" u="none" strike="noStrike" cap="none" normalizeH="0" baseline="0" dirty="0" smtClean="0">
+                <a:ln>
+                  <a:noFill/>
+                </a:ln>
+                <a:solidFill>
+                  <a:srgbClr val="FFFFFF"/>
+                </a:solidFill>
+                <a:effectLst/>
+                <a:latin typeface="Verdana" panose="020B0604030504040204" pitchFamily="34" charset="0"/>
+                <a:ea typeface="Verdana" panose="020B0604030504040204" pitchFamily="34" charset="0"/>
+                <a:cs typeface="Verdana" panose="020B0604030504040204" pitchFamily="34" charset="0"/>
+              </a:rPr>
+              <a:t>   </a:t>
+            </a:r>
+            <a:r>
+              <a:rPr kumimoji="0" lang="ru-RU" altLang="ru-RU" b="0" i="0" u="none" strike="noStrike" cap="none" normalizeH="0" baseline="0" dirty="0" err="1" smtClean="0">
+                <a:ln>
+                  <a:noFill/>
+                </a:ln>
+                <a:solidFill>
+                  <a:srgbClr val="FFFFFF"/>
+                </a:solidFill>
+                <a:effectLst/>
+                <a:latin typeface="Verdana" panose="020B0604030504040204" pitchFamily="34" charset="0"/>
+                <a:ea typeface="Verdana" panose="020B0604030504040204" pitchFamily="34" charset="0"/>
+                <a:cs typeface="Verdana" panose="020B0604030504040204" pitchFamily="34" charset="0"/>
+              </a:rPr>
+              <a:t>void</a:t>
+            </a:r>
+            <a:r>
+              <a:rPr kumimoji="0" lang="ru-RU" altLang="ru-RU" b="0" i="0" u="none" strike="noStrike" cap="none" normalizeH="0" baseline="0" dirty="0" smtClean="0">
+                <a:ln>
+                  <a:noFill/>
+                </a:ln>
+                <a:solidFill>
+                  <a:srgbClr val="FFFFFF"/>
+                </a:solidFill>
+                <a:effectLst/>
+                <a:latin typeface="Verdana" panose="020B0604030504040204" pitchFamily="34" charset="0"/>
+                <a:ea typeface="Verdana" panose="020B0604030504040204" pitchFamily="34" charset="0"/>
+                <a:cs typeface="Verdana" panose="020B0604030504040204" pitchFamily="34" charset="0"/>
+              </a:rPr>
+              <a:t> </a:t>
+            </a:r>
+            <a:r>
+              <a:rPr kumimoji="0" lang="ru-RU" altLang="ru-RU" b="0" i="0" u="none" strike="noStrike" cap="none" normalizeH="0" baseline="0" dirty="0" err="1" smtClean="0">
+                <a:ln>
+                  <a:noFill/>
+                </a:ln>
+                <a:solidFill>
+                  <a:srgbClr val="FFCC00"/>
+                </a:solidFill>
+                <a:effectLst/>
+                <a:latin typeface="Verdana" panose="020B0604030504040204" pitchFamily="34" charset="0"/>
+                <a:ea typeface="Verdana" panose="020B0604030504040204" pitchFamily="34" charset="0"/>
+                <a:cs typeface="Verdana" panose="020B0604030504040204" pitchFamily="34" charset="0"/>
+              </a:rPr>
+              <a:t>ApplyPayment</a:t>
+            </a:r>
+            <a:r>
+              <a:rPr kumimoji="0" lang="ru-RU" altLang="ru-RU" b="0" i="0" u="none" strike="noStrike" cap="none" normalizeH="0" baseline="0" dirty="0" smtClean="0">
+                <a:ln>
+                  <a:noFill/>
+                </a:ln>
+                <a:solidFill>
+                  <a:srgbClr val="FFFFFF"/>
+                </a:solidFill>
+                <a:effectLst/>
+                <a:latin typeface="Verdana" panose="020B0604030504040204" pitchFamily="34" charset="0"/>
+                <a:ea typeface="Verdana" panose="020B0604030504040204" pitchFamily="34" charset="0"/>
+                <a:cs typeface="Verdana" panose="020B0604030504040204" pitchFamily="34" charset="0"/>
+              </a:rPr>
+              <a:t>(</a:t>
+            </a:r>
+            <a:r>
+              <a:rPr kumimoji="0" lang="ru-RU" altLang="ru-RU" b="0" i="0" u="none" strike="noStrike" cap="none" normalizeH="0" baseline="0" dirty="0" err="1" smtClean="0">
+                <a:ln>
+                  <a:noFill/>
+                </a:ln>
+                <a:solidFill>
+                  <a:srgbClr val="FFFFFF"/>
+                </a:solidFill>
+                <a:effectLst/>
+                <a:latin typeface="Verdana" panose="020B0604030504040204" pitchFamily="34" charset="0"/>
+                <a:ea typeface="Verdana" panose="020B0604030504040204" pitchFamily="34" charset="0"/>
+                <a:cs typeface="Verdana" panose="020B0604030504040204" pitchFamily="34" charset="0"/>
               </a:rPr>
               <a:t>int</a:t>
             </a:r>
             <a:r>
-              <a:rPr lang="en-US" dirty="0">
-                <a:solidFill>
-                  <a:srgbClr val="FC6767"/>
-                </a:solidFill>
+              <a:rPr kumimoji="0" lang="ru-RU" altLang="ru-RU" b="0" i="0" u="none" strike="noStrike" cap="none" normalizeH="0" baseline="0" dirty="0" smtClean="0">
+                <a:ln>
+                  <a:noFill/>
+                </a:ln>
+                <a:solidFill>
+                  <a:srgbClr val="FFFFFF"/>
+                </a:solidFill>
+                <a:effectLst/>
+                <a:latin typeface="Verdana" panose="020B0604030504040204" pitchFamily="34" charset="0"/>
+                <a:ea typeface="Verdana" panose="020B0604030504040204" pitchFamily="34" charset="0"/>
+                <a:cs typeface="Verdana" panose="020B0604030504040204" pitchFamily="34" charset="0"/>
               </a:rPr>
               <a:t> </a:t>
             </a:r>
             <a:r>
-              <a:rPr lang="en-US" dirty="0" err="1">
-                <a:solidFill>
-                  <a:srgbClr val="FC6767"/>
-                </a:solidFill>
-              </a:rPr>
-              <a:t>moneySpent</a:t>
-            </a:r>
-            <a:r>
-              <a:rPr lang="en-US" dirty="0">
-                <a:solidFill>
-                  <a:srgbClr val="FC6767"/>
-                </a:solidFill>
-              </a:rPr>
-              <a:t>_;</a:t>
-            </a:r>
-          </a:p>
-          <a:p>
-            <a:r>
-              <a:rPr lang="ru-RU" dirty="0" smtClean="0"/>
+              <a:rPr kumimoji="0" lang="ru-RU" altLang="ru-RU" b="0" i="0" u="none" strike="noStrike" cap="none" normalizeH="0" baseline="0" dirty="0" err="1" smtClean="0">
+                <a:ln>
+                  <a:noFill/>
+                </a:ln>
+                <a:solidFill>
+                  <a:srgbClr val="5BCD9D"/>
+                </a:solidFill>
+                <a:effectLst/>
+                <a:latin typeface="Verdana" panose="020B0604030504040204" pitchFamily="34" charset="0"/>
+                <a:ea typeface="Verdana" panose="020B0604030504040204" pitchFamily="34" charset="0"/>
+                <a:cs typeface="Verdana" panose="020B0604030504040204" pitchFamily="34" charset="0"/>
+              </a:rPr>
+              <a:t>rubles</a:t>
+            </a:r>
+            <a:r>
+              <a:rPr kumimoji="0" lang="ru-RU" altLang="ru-RU" b="0" i="0" u="none" strike="noStrike" cap="none" normalizeH="0" baseline="0" dirty="0" smtClean="0">
+                <a:ln>
+                  <a:noFill/>
+                </a:ln>
+                <a:solidFill>
+                  <a:srgbClr val="FFFFFF"/>
+                </a:solidFill>
+                <a:effectLst/>
+                <a:latin typeface="Verdana" panose="020B0604030504040204" pitchFamily="34" charset="0"/>
+                <a:ea typeface="Verdana" panose="020B0604030504040204" pitchFamily="34" charset="0"/>
+                <a:cs typeface="Verdana" panose="020B0604030504040204" pitchFamily="34" charset="0"/>
+              </a:rPr>
+              <a:t>) {</a:t>
+            </a:r>
+            <a:br>
+              <a:rPr kumimoji="0" lang="ru-RU" altLang="ru-RU" b="0" i="0" u="none" strike="noStrike" cap="none" normalizeH="0" baseline="0" dirty="0" smtClean="0">
+                <a:ln>
+                  <a:noFill/>
+                </a:ln>
+                <a:solidFill>
+                  <a:srgbClr val="FFFFFF"/>
+                </a:solidFill>
+                <a:effectLst/>
+                <a:latin typeface="Verdana" panose="020B0604030504040204" pitchFamily="34" charset="0"/>
+                <a:ea typeface="Verdana" panose="020B0604030504040204" pitchFamily="34" charset="0"/>
+                <a:cs typeface="Verdana" panose="020B0604030504040204" pitchFamily="34" charset="0"/>
+              </a:rPr>
+            </a:br>
+            <a:r>
+              <a:rPr kumimoji="0" lang="ru-RU" altLang="ru-RU" b="0" i="0" u="none" strike="noStrike" cap="none" normalizeH="0" baseline="0" dirty="0" smtClean="0">
+                <a:ln>
+                  <a:noFill/>
+                </a:ln>
+                <a:solidFill>
+                  <a:srgbClr val="FFFFFF"/>
+                </a:solidFill>
+                <a:effectLst/>
+                <a:latin typeface="Verdana" panose="020B0604030504040204" pitchFamily="34" charset="0"/>
+                <a:ea typeface="Verdana" panose="020B0604030504040204" pitchFamily="34" charset="0"/>
+                <a:cs typeface="Verdana" panose="020B0604030504040204" pitchFamily="34" charset="0"/>
+              </a:rPr>
+              <a:t>      </a:t>
+            </a:r>
+            <a:r>
+              <a:rPr kumimoji="0" lang="ru-RU" altLang="ru-RU" b="0" i="0" u="none" strike="noStrike" cap="none" normalizeH="0" baseline="0" dirty="0" err="1" smtClean="0">
+                <a:ln>
+                  <a:noFill/>
+                </a:ln>
+                <a:solidFill>
+                  <a:srgbClr val="5BCD9D"/>
+                </a:solidFill>
+                <a:effectLst/>
+                <a:latin typeface="Verdana" panose="020B0604030504040204" pitchFamily="34" charset="0"/>
+                <a:ea typeface="Verdana" panose="020B0604030504040204" pitchFamily="34" charset="0"/>
+                <a:cs typeface="Verdana" panose="020B0604030504040204" pitchFamily="34" charset="0"/>
+              </a:rPr>
+              <a:t>money</a:t>
+            </a:r>
+            <a:r>
+              <a:rPr kumimoji="0" lang="ru-RU" altLang="ru-RU" b="0" i="0" u="none" strike="noStrike" cap="none" normalizeH="0" baseline="0" dirty="0" smtClean="0">
+                <a:ln>
+                  <a:noFill/>
+                </a:ln>
+                <a:solidFill>
+                  <a:srgbClr val="5BCD9D"/>
+                </a:solidFill>
+                <a:effectLst/>
+                <a:latin typeface="Verdana" panose="020B0604030504040204" pitchFamily="34" charset="0"/>
+                <a:ea typeface="Verdana" panose="020B0604030504040204" pitchFamily="34" charset="0"/>
+                <a:cs typeface="Verdana" panose="020B0604030504040204" pitchFamily="34" charset="0"/>
+              </a:rPr>
+              <a:t>_ </a:t>
+            </a:r>
+            <a:r>
+              <a:rPr kumimoji="0" lang="ru-RU" altLang="ru-RU" b="0" i="0" u="none" strike="noStrike" cap="none" normalizeH="0" baseline="0" dirty="0" smtClean="0">
+                <a:ln>
+                  <a:noFill/>
+                </a:ln>
+                <a:solidFill>
+                  <a:srgbClr val="FFFFFF"/>
+                </a:solidFill>
+                <a:effectLst/>
+                <a:latin typeface="Verdana" panose="020B0604030504040204" pitchFamily="34" charset="0"/>
+                <a:ea typeface="Verdana" panose="020B0604030504040204" pitchFamily="34" charset="0"/>
+                <a:cs typeface="Verdana" panose="020B0604030504040204" pitchFamily="34" charset="0"/>
+              </a:rPr>
+              <a:t>+= </a:t>
+            </a:r>
+            <a:r>
+              <a:rPr kumimoji="0" lang="ru-RU" altLang="ru-RU" b="0" i="0" u="none" strike="noStrike" cap="none" normalizeH="0" baseline="0" dirty="0" err="1" smtClean="0">
+                <a:ln>
+                  <a:noFill/>
+                </a:ln>
+                <a:solidFill>
+                  <a:srgbClr val="5BCD9D"/>
+                </a:solidFill>
+                <a:effectLst/>
+                <a:latin typeface="Verdana" panose="020B0604030504040204" pitchFamily="34" charset="0"/>
+                <a:ea typeface="Verdana" panose="020B0604030504040204" pitchFamily="34" charset="0"/>
+                <a:cs typeface="Verdana" panose="020B0604030504040204" pitchFamily="34" charset="0"/>
+              </a:rPr>
+              <a:t>rubles</a:t>
+            </a:r>
+            <a:r>
+              <a:rPr kumimoji="0" lang="ru-RU" altLang="ru-RU" b="0" i="0" u="none" strike="noStrike" cap="none" normalizeH="0" baseline="0" dirty="0" smtClean="0">
+                <a:ln>
+                  <a:noFill/>
+                </a:ln>
+                <a:solidFill>
+                  <a:srgbClr val="FFFFFF"/>
+                </a:solidFill>
+                <a:effectLst/>
+                <a:latin typeface="Verdana" panose="020B0604030504040204" pitchFamily="34" charset="0"/>
+                <a:ea typeface="Verdana" panose="020B0604030504040204" pitchFamily="34" charset="0"/>
+                <a:cs typeface="Verdana" panose="020B0604030504040204" pitchFamily="34" charset="0"/>
+              </a:rPr>
+              <a:t>;</a:t>
+            </a:r>
+            <a:br>
+              <a:rPr kumimoji="0" lang="ru-RU" altLang="ru-RU" b="0" i="0" u="none" strike="noStrike" cap="none" normalizeH="0" baseline="0" dirty="0" smtClean="0">
+                <a:ln>
+                  <a:noFill/>
+                </a:ln>
+                <a:solidFill>
+                  <a:srgbClr val="FFFFFF"/>
+                </a:solidFill>
+                <a:effectLst/>
+                <a:latin typeface="Verdana" panose="020B0604030504040204" pitchFamily="34" charset="0"/>
+                <a:ea typeface="Verdana" panose="020B0604030504040204" pitchFamily="34" charset="0"/>
+                <a:cs typeface="Verdana" panose="020B0604030504040204" pitchFamily="34" charset="0"/>
+              </a:rPr>
+            </a:br>
+            <a:r>
+              <a:rPr kumimoji="0" lang="ru-RU" altLang="ru-RU" b="0" i="0" u="none" strike="noStrike" cap="none" normalizeH="0" baseline="0" dirty="0" smtClean="0">
+                <a:ln>
+                  <a:noFill/>
+                </a:ln>
+                <a:solidFill>
+                  <a:srgbClr val="FFFFFF"/>
+                </a:solidFill>
+                <a:effectLst/>
+                <a:latin typeface="Verdana" panose="020B0604030504040204" pitchFamily="34" charset="0"/>
+                <a:ea typeface="Verdana" panose="020B0604030504040204" pitchFamily="34" charset="0"/>
+                <a:cs typeface="Verdana" panose="020B0604030504040204" pitchFamily="34" charset="0"/>
+              </a:rPr>
+              <a:t>   }</a:t>
+            </a:r>
+            <a:br>
+              <a:rPr kumimoji="0" lang="ru-RU" altLang="ru-RU" b="0" i="0" u="none" strike="noStrike" cap="none" normalizeH="0" baseline="0" dirty="0" smtClean="0">
+                <a:ln>
+                  <a:noFill/>
+                </a:ln>
+                <a:solidFill>
+                  <a:srgbClr val="FFFFFF"/>
+                </a:solidFill>
+                <a:effectLst/>
+                <a:latin typeface="Verdana" panose="020B0604030504040204" pitchFamily="34" charset="0"/>
+                <a:ea typeface="Verdana" panose="020B0604030504040204" pitchFamily="34" charset="0"/>
+                <a:cs typeface="Verdana" panose="020B0604030504040204" pitchFamily="34" charset="0"/>
+              </a:rPr>
+            </a:br>
+            <a:r>
+              <a:rPr kumimoji="0" lang="ru-RU" altLang="ru-RU" b="0" i="0" u="none" strike="noStrike" cap="none" normalizeH="0" baseline="0" dirty="0" smtClean="0">
+                <a:ln>
+                  <a:noFill/>
+                </a:ln>
+                <a:solidFill>
+                  <a:srgbClr val="FFFFFF"/>
+                </a:solidFill>
+                <a:effectLst/>
+                <a:latin typeface="Verdana" panose="020B0604030504040204" pitchFamily="34" charset="0"/>
+                <a:ea typeface="Verdana" panose="020B0604030504040204" pitchFamily="34" charset="0"/>
+                <a:cs typeface="Verdana" panose="020B0604030504040204" pitchFamily="34" charset="0"/>
+              </a:rPr>
               <a:t>};</a:t>
             </a:r>
-            <a:endParaRPr lang="ru-RU" dirty="0"/>
+            <a:endParaRPr kumimoji="0" lang="ru-RU" altLang="ru-RU" b="0" i="0" u="none" strike="noStrike" cap="none" normalizeH="0" baseline="0" dirty="0" smtClean="0">
+              <a:ln>
+                <a:noFill/>
+              </a:ln>
+              <a:solidFill>
+                <a:schemeClr val="tx1"/>
+              </a:solidFill>
+              <a:effectLst/>
+              <a:latin typeface="Verdana" panose="020B0604030504040204" pitchFamily="34" charset="0"/>
+              <a:ea typeface="Verdana" panose="020B0604030504040204" pitchFamily="34" charset="0"/>
+              <a:cs typeface="Verdana" panose="020B0604030504040204" pitchFamily="34" charset="0"/>
+            </a:endParaRPr>
+          </a:p>
+        </p:txBody>
+      </p:sp>
+      <p:sp>
+        <p:nvSpPr>
+          <p:cNvPr id="10" name="Rectangle 3"/>
+          <p:cNvSpPr>
+            <a:spLocks noChangeArrowheads="1"/>
+          </p:cNvSpPr>
+          <p:nvPr/>
+        </p:nvSpPr>
+        <p:spPr bwMode="auto">
+          <a:xfrm>
+            <a:off x="2446352" y="9646069"/>
+            <a:ext cx="5546711" cy="646331"/>
+          </a:xfrm>
+          <a:prstGeom prst="rect">
+            <a:avLst/>
+          </a:prstGeom>
+          <a:solidFill>
+            <a:srgbClr val="000000"/>
+          </a:solidFill>
+          <a:ln>
+            <a:noFill/>
+          </a:ln>
+          <a:effectLst/>
+          <a:extLst>
+            <a:ext uri="{91240B29-F687-4F45-9708-019B960494DF}">
+              <a14:hiddenLine xmlns:a14="http://schemas.microsoft.com/office/drawing/2010/main" w="9525">
+                <a:solidFill>
+                  <a:schemeClr val="tx1"/>
+                </a:solidFill>
+                <a:miter lim="800000"/>
+                <a:headEnd/>
+                <a:tailEnd/>
+              </a14:hiddenLine>
+            </a:ext>
+            <a:ext uri="{AF507438-7753-43E0-B8FC-AC1667EBCBE1}">
+              <a14:hiddenEffects xmlns:a14="http://schemas.microsoft.com/office/drawing/2010/main">
+                <a:effectLst>
+                  <a:outerShdw dist="35921" dir="2700000" algn="ctr" rotWithShape="0">
+                    <a:schemeClr val="bg2"/>
+                  </a:outerShdw>
+                </a:effectLst>
+              </a14:hiddenEffects>
+            </a:ext>
+          </a:extLst>
+        </p:spPr>
+        <p:txBody>
+          <a:bodyPr vert="horz" wrap="none" lIns="91440" tIns="45720" rIns="91440" bIns="45720" numCol="1" anchor="ctr" anchorCtr="0" compatLnSpc="1">
+            <a:prstTxWarp prst="textNoShape">
+              <a:avLst/>
+            </a:prstTxWarp>
+            <a:spAutoFit/>
+          </a:bodyPr>
+          <a:lstStyle/>
+          <a:p>
+            <a:pPr marL="0" marR="0" lvl="0" indent="0" algn="l" defTabSz="914400" rtl="0" eaLnBrk="0" fontAlgn="base" latinLnBrk="0" hangingPunct="0">
+              <a:lnSpc>
+                <a:spcPct val="100000"/>
+              </a:lnSpc>
+              <a:spcBef>
+                <a:spcPct val="0"/>
+              </a:spcBef>
+              <a:spcAft>
+                <a:spcPct val="0"/>
+              </a:spcAft>
+              <a:buClrTx/>
+              <a:buSzTx/>
+              <a:buFontTx/>
+              <a:buNone/>
+              <a:tabLst/>
+            </a:pPr>
+            <a:r>
+              <a:rPr kumimoji="0" lang="ru-RU" altLang="ru-RU" b="0" i="0" u="none" strike="noStrike" cap="none" normalizeH="0" baseline="0" dirty="0" err="1" smtClean="0">
+                <a:ln>
+                  <a:noFill/>
+                </a:ln>
+                <a:solidFill>
+                  <a:srgbClr val="FFCC00"/>
+                </a:solidFill>
+                <a:effectLst/>
+                <a:latin typeface="Verdana" panose="020B0604030504040204" pitchFamily="34" charset="0"/>
+              </a:rPr>
+              <a:t>UserAccount</a:t>
+            </a:r>
+            <a:r>
+              <a:rPr kumimoji="0" lang="ru-RU" altLang="ru-RU" b="0" i="0" u="none" strike="noStrike" cap="none" normalizeH="0" baseline="0" dirty="0" smtClean="0">
+                <a:ln>
+                  <a:noFill/>
+                </a:ln>
+                <a:solidFill>
+                  <a:srgbClr val="FFCC00"/>
+                </a:solidFill>
+                <a:effectLst/>
+                <a:latin typeface="Verdana" panose="020B0604030504040204" pitchFamily="34" charset="0"/>
+              </a:rPr>
+              <a:t> </a:t>
+            </a:r>
+            <a:r>
+              <a:rPr kumimoji="0" lang="ru-RU" altLang="ru-RU" b="0" i="0" u="none" strike="noStrike" cap="none" normalizeH="0" baseline="0" dirty="0" err="1" smtClean="0">
+                <a:ln>
+                  <a:noFill/>
+                </a:ln>
+                <a:solidFill>
+                  <a:srgbClr val="5BCD9D"/>
+                </a:solidFill>
+                <a:effectLst/>
+                <a:latin typeface="Verdana" panose="020B0604030504040204" pitchFamily="34" charset="0"/>
+              </a:rPr>
+              <a:t>account</a:t>
+            </a:r>
+            <a:r>
+              <a:rPr kumimoji="0" lang="ru-RU" altLang="ru-RU" b="0" i="0" u="none" strike="noStrike" cap="none" normalizeH="0" baseline="0" dirty="0" smtClean="0">
+                <a:ln>
+                  <a:noFill/>
+                </a:ln>
+                <a:solidFill>
+                  <a:srgbClr val="5BCD9D"/>
+                </a:solidFill>
+                <a:effectLst/>
+                <a:latin typeface="Verdana" panose="020B0604030504040204" pitchFamily="34" charset="0"/>
+              </a:rPr>
+              <a:t>_</a:t>
+            </a:r>
+            <a:r>
+              <a:rPr kumimoji="0" lang="ru-RU" altLang="ru-RU" b="0" i="0" u="none" strike="noStrike" cap="none" normalizeH="0" baseline="0" dirty="0" smtClean="0">
+                <a:ln>
+                  <a:noFill/>
+                </a:ln>
+                <a:solidFill>
+                  <a:srgbClr val="FFFFFF"/>
+                </a:solidFill>
+                <a:effectLst/>
+                <a:latin typeface="Verdana" panose="020B0604030504040204" pitchFamily="34" charset="0"/>
+              </a:rPr>
+              <a:t>;</a:t>
+            </a:r>
+            <a:endParaRPr kumimoji="0" lang="ru-RU" altLang="ru-RU" b="0" i="0" u="none" strike="noStrike" cap="none" normalizeH="0" baseline="0" dirty="0" smtClean="0">
+              <a:ln>
+                <a:noFill/>
+              </a:ln>
+              <a:solidFill>
+                <a:schemeClr val="tx1"/>
+              </a:solidFill>
+              <a:effectLst/>
+              <a:latin typeface="Arial" panose="020B0604020202020204" pitchFamily="34" charset="0"/>
+            </a:endParaRPr>
+          </a:p>
+        </p:txBody>
+      </p:sp>
+      <p:sp>
+        <p:nvSpPr>
+          <p:cNvPr id="14" name="Rectangle 7"/>
+          <p:cNvSpPr>
+            <a:spLocks noChangeArrowheads="1"/>
+          </p:cNvSpPr>
+          <p:nvPr/>
+        </p:nvSpPr>
+        <p:spPr bwMode="auto">
+          <a:xfrm>
+            <a:off x="1887538" y="4913312"/>
+            <a:ext cx="5336654" cy="2308324"/>
+          </a:xfrm>
+          <a:prstGeom prst="rect">
+            <a:avLst/>
+          </a:prstGeom>
+          <a:noFill/>
+          <a:ln>
+            <a:noFill/>
+          </a:ln>
+          <a:effectLst/>
+        </p:spPr>
+        <p:txBody>
+          <a:bodyPr vert="horz" wrap="none" lIns="91440" tIns="45720" rIns="91440" bIns="45720" numCol="1" anchor="ctr" anchorCtr="0" compatLnSpc="1">
+            <a:prstTxWarp prst="textNoShape">
+              <a:avLst/>
+            </a:prstTxWarp>
+            <a:spAutoFit/>
+          </a:bodyPr>
+          <a:lstStyle/>
+          <a:p>
+            <a:pPr marL="0" marR="0" lvl="0" indent="0" algn="l" defTabSz="914400" rtl="0" eaLnBrk="0" fontAlgn="base" latinLnBrk="0" hangingPunct="0">
+              <a:lnSpc>
+                <a:spcPct val="100000"/>
+              </a:lnSpc>
+              <a:spcBef>
+                <a:spcPct val="0"/>
+              </a:spcBef>
+              <a:spcAft>
+                <a:spcPct val="0"/>
+              </a:spcAft>
+              <a:buClrTx/>
+              <a:buSzTx/>
+              <a:buFontTx/>
+              <a:buNone/>
+              <a:tabLst/>
+            </a:pPr>
+            <a:r>
+              <a:rPr kumimoji="0" lang="ru-RU" altLang="ru-RU" b="0" i="0" u="none" strike="noStrike" cap="none" normalizeH="0" baseline="0" dirty="0" err="1" smtClean="0">
+                <a:ln>
+                  <a:noFill/>
+                </a:ln>
+                <a:solidFill>
+                  <a:srgbClr val="FFFFFF"/>
+                </a:solidFill>
+                <a:effectLst/>
+                <a:latin typeface="Verdana" panose="020B0604030504040204" pitchFamily="34" charset="0"/>
+              </a:rPr>
+              <a:t>struct</a:t>
+            </a:r>
+            <a:r>
+              <a:rPr kumimoji="0" lang="ru-RU" altLang="ru-RU" b="0" i="0" u="none" strike="noStrike" cap="none" normalizeH="0" baseline="0" dirty="0" smtClean="0">
+                <a:ln>
+                  <a:noFill/>
+                </a:ln>
+                <a:solidFill>
+                  <a:srgbClr val="FFFFFF"/>
+                </a:solidFill>
+                <a:effectLst/>
+                <a:latin typeface="Verdana" panose="020B0604030504040204" pitchFamily="34" charset="0"/>
+              </a:rPr>
+              <a:t> </a:t>
+            </a:r>
+            <a:r>
+              <a:rPr kumimoji="0" lang="ru-RU" altLang="ru-RU" b="0" i="0" u="none" strike="noStrike" cap="none" normalizeH="0" baseline="0" dirty="0" err="1" smtClean="0">
+                <a:ln>
+                  <a:noFill/>
+                </a:ln>
+                <a:solidFill>
+                  <a:srgbClr val="FFCC00"/>
+                </a:solidFill>
+                <a:effectLst/>
+                <a:latin typeface="Verdana" panose="020B0604030504040204" pitchFamily="34" charset="0"/>
+              </a:rPr>
+              <a:t>Tariff</a:t>
+            </a:r>
+            <a:r>
+              <a:rPr kumimoji="0" lang="ru-RU" altLang="ru-RU" b="0" i="0" u="none" strike="noStrike" cap="none" normalizeH="0" baseline="0" dirty="0" smtClean="0">
+                <a:ln>
+                  <a:noFill/>
+                </a:ln>
+                <a:solidFill>
+                  <a:srgbClr val="FFCC00"/>
+                </a:solidFill>
+                <a:effectLst/>
+                <a:latin typeface="Verdana" panose="020B0604030504040204" pitchFamily="34" charset="0"/>
+              </a:rPr>
+              <a:t> </a:t>
+            </a:r>
+            <a:r>
+              <a:rPr kumimoji="0" lang="ru-RU" altLang="ru-RU" b="0" i="0" u="none" strike="noStrike" cap="none" normalizeH="0" baseline="0" dirty="0" smtClean="0">
+                <a:ln>
+                  <a:noFill/>
+                </a:ln>
+                <a:solidFill>
+                  <a:srgbClr val="FFFFFF"/>
+                </a:solidFill>
+                <a:effectLst/>
+                <a:latin typeface="Verdana" panose="020B0604030504040204" pitchFamily="34" charset="0"/>
+              </a:rPr>
+              <a:t>{</a:t>
+            </a:r>
+            <a:br>
+              <a:rPr kumimoji="0" lang="ru-RU" altLang="ru-RU" b="0" i="0" u="none" strike="noStrike" cap="none" normalizeH="0" baseline="0" dirty="0" smtClean="0">
+                <a:ln>
+                  <a:noFill/>
+                </a:ln>
+                <a:solidFill>
+                  <a:srgbClr val="FFFFFF"/>
+                </a:solidFill>
+                <a:effectLst/>
+                <a:latin typeface="Verdana" panose="020B0604030504040204" pitchFamily="34" charset="0"/>
+              </a:rPr>
+            </a:br>
+            <a:r>
+              <a:rPr kumimoji="0" lang="ru-RU" altLang="ru-RU" b="0" i="0" u="none" strike="noStrike" cap="none" normalizeH="0" baseline="0" dirty="0" smtClean="0">
+                <a:ln>
+                  <a:noFill/>
+                </a:ln>
+                <a:solidFill>
+                  <a:srgbClr val="FFFFFF"/>
+                </a:solidFill>
+                <a:effectLst/>
+                <a:latin typeface="Verdana" panose="020B0604030504040204" pitchFamily="34" charset="0"/>
+              </a:rPr>
+              <a:t>    </a:t>
+            </a:r>
+            <a:r>
+              <a:rPr kumimoji="0" lang="ru-RU" altLang="ru-RU" b="0" i="0" u="none" strike="noStrike" cap="none" normalizeH="0" baseline="0" dirty="0" err="1" smtClean="0">
+                <a:ln>
+                  <a:noFill/>
+                </a:ln>
+                <a:solidFill>
+                  <a:srgbClr val="FFFFFF"/>
+                </a:solidFill>
+                <a:effectLst/>
+                <a:latin typeface="Verdana" panose="020B0604030504040204" pitchFamily="34" charset="0"/>
+              </a:rPr>
+              <a:t>int</a:t>
+            </a:r>
+            <a:r>
+              <a:rPr kumimoji="0" lang="ru-RU" altLang="ru-RU" b="0" i="0" u="none" strike="noStrike" cap="none" normalizeH="0" baseline="0" dirty="0" smtClean="0">
+                <a:ln>
+                  <a:noFill/>
+                </a:ln>
+                <a:solidFill>
+                  <a:srgbClr val="FFFFFF"/>
+                </a:solidFill>
+                <a:effectLst/>
+                <a:latin typeface="Verdana" panose="020B0604030504040204" pitchFamily="34" charset="0"/>
+              </a:rPr>
+              <a:t> </a:t>
+            </a:r>
+            <a:r>
+              <a:rPr kumimoji="0" lang="ru-RU" altLang="ru-RU" b="0" i="0" u="none" strike="noStrike" cap="none" normalizeH="0" baseline="0" dirty="0" err="1" smtClean="0">
+                <a:ln>
+                  <a:noFill/>
+                </a:ln>
+                <a:solidFill>
+                  <a:srgbClr val="5BCD9D"/>
+                </a:solidFill>
+                <a:effectLst/>
+                <a:latin typeface="Verdana" panose="020B0604030504040204" pitchFamily="34" charset="0"/>
+              </a:rPr>
+              <a:t>costPerMinute</a:t>
+            </a:r>
+            <a:r>
+              <a:rPr kumimoji="0" lang="ru-RU" altLang="ru-RU" b="0" i="0" u="none" strike="noStrike" cap="none" normalizeH="0" baseline="0" dirty="0" smtClean="0">
+                <a:ln>
+                  <a:noFill/>
+                </a:ln>
+                <a:solidFill>
+                  <a:srgbClr val="5BCD9D"/>
+                </a:solidFill>
+                <a:effectLst/>
+                <a:latin typeface="Verdana" panose="020B0604030504040204" pitchFamily="34" charset="0"/>
+              </a:rPr>
+              <a:t>_</a:t>
+            </a:r>
+            <a:r>
+              <a:rPr kumimoji="0" lang="ru-RU" altLang="ru-RU" b="0" i="0" u="none" strike="noStrike" cap="none" normalizeH="0" baseline="0" dirty="0" smtClean="0">
+                <a:ln>
+                  <a:noFill/>
+                </a:ln>
+                <a:solidFill>
+                  <a:srgbClr val="FFFFFF"/>
+                </a:solidFill>
+                <a:effectLst/>
+                <a:latin typeface="Verdana" panose="020B0604030504040204" pitchFamily="34" charset="0"/>
+              </a:rPr>
+              <a:t>;</a:t>
+            </a:r>
+            <a:br>
+              <a:rPr kumimoji="0" lang="ru-RU" altLang="ru-RU" b="0" i="0" u="none" strike="noStrike" cap="none" normalizeH="0" baseline="0" dirty="0" smtClean="0">
+                <a:ln>
+                  <a:noFill/>
+                </a:ln>
+                <a:solidFill>
+                  <a:srgbClr val="FFFFFF"/>
+                </a:solidFill>
+                <a:effectLst/>
+                <a:latin typeface="Verdana" panose="020B0604030504040204" pitchFamily="34" charset="0"/>
+              </a:rPr>
+            </a:br>
+            <a:r>
+              <a:rPr kumimoji="0" lang="ru-RU" altLang="ru-RU" b="0" i="0" u="none" strike="noStrike" cap="none" normalizeH="0" baseline="0" dirty="0" smtClean="0">
+                <a:ln>
+                  <a:noFill/>
+                </a:ln>
+                <a:solidFill>
+                  <a:srgbClr val="FFFFFF"/>
+                </a:solidFill>
+                <a:effectLst/>
+                <a:latin typeface="Verdana" panose="020B0604030504040204" pitchFamily="34" charset="0"/>
+              </a:rPr>
+              <a:t>};</a:t>
+            </a:r>
+            <a:br>
+              <a:rPr kumimoji="0" lang="ru-RU" altLang="ru-RU" b="0" i="0" u="none" strike="noStrike" cap="none" normalizeH="0" baseline="0" dirty="0" smtClean="0">
+                <a:ln>
+                  <a:noFill/>
+                </a:ln>
+                <a:solidFill>
+                  <a:srgbClr val="FFFFFF"/>
+                </a:solidFill>
+                <a:effectLst/>
+                <a:latin typeface="Verdana" panose="020B0604030504040204" pitchFamily="34" charset="0"/>
+              </a:rPr>
+            </a:br>
+            <a:endParaRPr kumimoji="0" lang="ru-RU" altLang="ru-RU" b="0" i="0" u="none" strike="noStrike" cap="none" normalizeH="0" baseline="0" dirty="0" smtClean="0">
+              <a:ln>
+                <a:noFill/>
+              </a:ln>
+              <a:solidFill>
+                <a:schemeClr val="tx1"/>
+              </a:solidFill>
+              <a:effectLst/>
+              <a:latin typeface="Arial" panose="020B0604020202020204" pitchFamily="34" charset="0"/>
+            </a:endParaRPr>
           </a:p>
         </p:txBody>
       </p:sp>
     </p:spTree>
     <p:extLst>
       <p:ext uri="{BB962C8B-B14F-4D97-AF65-F5344CB8AC3E}">
-        <p14:creationId xmlns:p14="http://schemas.microsoft.com/office/powerpoint/2010/main" val="3620372074"/>
+        <p14:creationId xmlns:p14="http://schemas.microsoft.com/office/powerpoint/2010/main" val="2448947866"/>
       </p:ext>
     </p:extLst>
   </p:cSld>
@@ -34287,9 +36816,527 @@
   <p:timing>
     <p:tnLst>
       <p:par>
-        <p:cTn id="1" dur="indefinite" restart="never" nodeType="tmRoot"/>
+        <p:cTn id="1" dur="indefinite" restart="never" nodeType="tmRoot">
+          <p:childTnLst>
+            <p:seq concurrent="1" nextAc="seek">
+              <p:cTn id="2" dur="indefinite" nodeType="mainSeq">
+                <p:childTnLst>
+                  <p:par>
+                    <p:cTn id="3" fill="hold">
+                      <p:stCondLst>
+                        <p:cond delay="indefinite"/>
+                      </p:stCondLst>
+                      <p:childTnLst>
+                        <p:par>
+                          <p:cTn id="4" fill="hold">
+                            <p:stCondLst>
+                              <p:cond delay="0"/>
+                            </p:stCondLst>
+                            <p:childTnLst>
+                              <p:par>
+                                <p:cTn id="5" presetID="42" presetClass="path" presetSubtype="0" accel="50000" decel="50000" fill="hold" grpId="0" nodeType="clickEffect">
+                                  <p:stCondLst>
+                                    <p:cond delay="0"/>
+                                  </p:stCondLst>
+                                  <p:childTnLst>
+                                    <p:animMotion origin="layout" path="M -1.12377E-6 -1.11111E-6 L -0.03294 -0.29792 " pathEditMode="relative" rAng="0" ptsTypes="AA">
+                                      <p:cBhvr>
+                                        <p:cTn id="6" dur="1000" fill="hold"/>
+                                        <p:tgtEl>
+                                          <p:spTgt spid="14"/>
+                                        </p:tgtEl>
+                                        <p:attrNameLst>
+                                          <p:attrName>ppt_x</p:attrName>
+                                          <p:attrName>ppt_y</p:attrName>
+                                        </p:attrNameLst>
+                                      </p:cBhvr>
+                                      <p:rCtr x="-1647" y="-14896"/>
+                                    </p:animMotion>
+                                  </p:childTnLst>
+                                </p:cTn>
+                              </p:par>
+                              <p:par>
+                                <p:cTn id="7" presetID="42" presetClass="path" presetSubtype="0" accel="50000" decel="50000" fill="hold" nodeType="withEffect">
+                                  <p:stCondLst>
+                                    <p:cond delay="0"/>
+                                  </p:stCondLst>
+                                  <p:childTnLst>
+                                    <p:animMotion origin="layout" path="M 0 0 L 0 0.25 E" pathEditMode="relative" ptsTypes="">
+                                      <p:cBhvr>
+                                        <p:cTn id="8" dur="1000" fill="hold"/>
+                                        <p:tgtEl>
+                                          <p:spTgt spid="4">
+                                            <p:txEl>
+                                              <p:pRg st="1" end="1"/>
+                                            </p:txEl>
+                                          </p:spTgt>
+                                        </p:tgtEl>
+                                        <p:attrNameLst>
+                                          <p:attrName>ppt_x</p:attrName>
+                                          <p:attrName>ppt_y</p:attrName>
+                                        </p:attrNameLst>
+                                      </p:cBhvr>
+                                    </p:animMotion>
+                                  </p:childTnLst>
+                                </p:cTn>
+                              </p:par>
+                              <p:par>
+                                <p:cTn id="9" presetID="42" presetClass="path" presetSubtype="0" accel="50000" decel="50000" fill="hold" nodeType="withEffect">
+                                  <p:stCondLst>
+                                    <p:cond delay="0"/>
+                                  </p:stCondLst>
+                                  <p:childTnLst>
+                                    <p:animMotion origin="layout" path="M 0 0 L 0 0.25 E" pathEditMode="relative" ptsTypes="">
+                                      <p:cBhvr>
+                                        <p:cTn id="10" dur="1000" fill="hold"/>
+                                        <p:tgtEl>
+                                          <p:spTgt spid="4">
+                                            <p:txEl>
+                                              <p:pRg st="2" end="2"/>
+                                            </p:txEl>
+                                          </p:spTgt>
+                                        </p:tgtEl>
+                                        <p:attrNameLst>
+                                          <p:attrName>ppt_x</p:attrName>
+                                          <p:attrName>ppt_y</p:attrName>
+                                        </p:attrNameLst>
+                                      </p:cBhvr>
+                                    </p:animMotion>
+                                  </p:childTnLst>
+                                </p:cTn>
+                              </p:par>
+                              <p:par>
+                                <p:cTn id="11" presetID="42" presetClass="path" presetSubtype="0" accel="50000" decel="50000" fill="hold" nodeType="withEffect">
+                                  <p:stCondLst>
+                                    <p:cond delay="0"/>
+                                  </p:stCondLst>
+                                  <p:childTnLst>
+                                    <p:animMotion origin="layout" path="M 0 0 L 0 0.25 E" pathEditMode="relative" ptsTypes="">
+                                      <p:cBhvr>
+                                        <p:cTn id="12" dur="1000" fill="hold"/>
+                                        <p:tgtEl>
+                                          <p:spTgt spid="4">
+                                            <p:txEl>
+                                              <p:pRg st="3" end="3"/>
+                                            </p:txEl>
+                                          </p:spTgt>
+                                        </p:tgtEl>
+                                        <p:attrNameLst>
+                                          <p:attrName>ppt_x</p:attrName>
+                                          <p:attrName>ppt_y</p:attrName>
+                                        </p:attrNameLst>
+                                      </p:cBhvr>
+                                    </p:animMotion>
+                                  </p:childTnLst>
+                                </p:cTn>
+                              </p:par>
+                            </p:childTnLst>
+                          </p:cTn>
+                        </p:par>
+                      </p:childTnLst>
+                    </p:cTn>
+                  </p:par>
+                  <p:par>
+                    <p:cTn id="13" fill="hold">
+                      <p:stCondLst>
+                        <p:cond delay="indefinite"/>
+                      </p:stCondLst>
+                      <p:childTnLst>
+                        <p:par>
+                          <p:cTn id="14" fill="hold">
+                            <p:stCondLst>
+                              <p:cond delay="0"/>
+                            </p:stCondLst>
+                            <p:childTnLst>
+                              <p:par>
+                                <p:cTn id="15" presetID="10" presetClass="entr" presetSubtype="0" fill="hold" grpId="0" nodeType="clickEffect">
+                                  <p:stCondLst>
+                                    <p:cond delay="0"/>
+                                  </p:stCondLst>
+                                  <p:childTnLst>
+                                    <p:set>
+                                      <p:cBhvr>
+                                        <p:cTn id="16" dur="1" fill="hold">
+                                          <p:stCondLst>
+                                            <p:cond delay="0"/>
+                                          </p:stCondLst>
+                                        </p:cTn>
+                                        <p:tgtEl>
+                                          <p:spTgt spid="5"/>
+                                        </p:tgtEl>
+                                        <p:attrNameLst>
+                                          <p:attrName>style.visibility</p:attrName>
+                                        </p:attrNameLst>
+                                      </p:cBhvr>
+                                      <p:to>
+                                        <p:strVal val="visible"/>
+                                      </p:to>
+                                    </p:set>
+                                    <p:animEffect transition="in" filter="fade">
+                                      <p:cBhvr>
+                                        <p:cTn id="17" dur="500"/>
+                                        <p:tgtEl>
+                                          <p:spTgt spid="5"/>
+                                        </p:tgtEl>
+                                      </p:cBhvr>
+                                    </p:animEffect>
+                                  </p:childTnLst>
+                                </p:cTn>
+                              </p:par>
+                              <p:par>
+                                <p:cTn id="18" presetID="10" presetClass="exit" presetSubtype="0" fill="hold" grpId="1" nodeType="withEffect">
+                                  <p:stCondLst>
+                                    <p:cond delay="0"/>
+                                  </p:stCondLst>
+                                  <p:childTnLst>
+                                    <p:animEffect transition="out" filter="fade">
+                                      <p:cBhvr>
+                                        <p:cTn id="19" dur="500"/>
+                                        <p:tgtEl>
+                                          <p:spTgt spid="14"/>
+                                        </p:tgtEl>
+                                      </p:cBhvr>
+                                    </p:animEffect>
+                                    <p:set>
+                                      <p:cBhvr>
+                                        <p:cTn id="20" dur="1" fill="hold">
+                                          <p:stCondLst>
+                                            <p:cond delay="499"/>
+                                          </p:stCondLst>
+                                        </p:cTn>
+                                        <p:tgtEl>
+                                          <p:spTgt spid="14"/>
+                                        </p:tgtEl>
+                                        <p:attrNameLst>
+                                          <p:attrName>style.visibility</p:attrName>
+                                        </p:attrNameLst>
+                                      </p:cBhvr>
+                                      <p:to>
+                                        <p:strVal val="hidden"/>
+                                      </p:to>
+                                    </p:set>
+                                  </p:childTnLst>
+                                </p:cTn>
+                              </p:par>
+                            </p:childTnLst>
+                          </p:cTn>
+                        </p:par>
+                      </p:childTnLst>
+                    </p:cTn>
+                  </p:par>
+                  <p:par>
+                    <p:cTn id="21" fill="hold">
+                      <p:stCondLst>
+                        <p:cond delay="indefinite"/>
+                      </p:stCondLst>
+                      <p:childTnLst>
+                        <p:par>
+                          <p:cTn id="22" fill="hold">
+                            <p:stCondLst>
+                              <p:cond delay="0"/>
+                            </p:stCondLst>
+                            <p:childTnLst>
+                              <p:par>
+                                <p:cTn id="23" presetID="2" presetClass="exit" presetSubtype="8" fill="hold" nodeType="clickEffect">
+                                  <p:stCondLst>
+                                    <p:cond delay="0"/>
+                                  </p:stCondLst>
+                                  <p:childTnLst>
+                                    <p:anim calcmode="lin" valueType="num">
+                                      <p:cBhvr additive="base">
+                                        <p:cTn id="24" dur="500"/>
+                                        <p:tgtEl>
+                                          <p:spTgt spid="4">
+                                            <p:txEl>
+                                              <p:pRg st="11" end="11"/>
+                                            </p:txEl>
+                                          </p:spTgt>
+                                        </p:tgtEl>
+                                        <p:attrNameLst>
+                                          <p:attrName>ppt_x</p:attrName>
+                                        </p:attrNameLst>
+                                      </p:cBhvr>
+                                      <p:tavLst>
+                                        <p:tav tm="0">
+                                          <p:val>
+                                            <p:strVal val="ppt_x"/>
+                                          </p:val>
+                                        </p:tav>
+                                        <p:tav tm="100000">
+                                          <p:val>
+                                            <p:strVal val="0-ppt_w/2"/>
+                                          </p:val>
+                                        </p:tav>
+                                      </p:tavLst>
+                                    </p:anim>
+                                    <p:anim calcmode="lin" valueType="num">
+                                      <p:cBhvr additive="base">
+                                        <p:cTn id="25" dur="500"/>
+                                        <p:tgtEl>
+                                          <p:spTgt spid="4">
+                                            <p:txEl>
+                                              <p:pRg st="11" end="11"/>
+                                            </p:txEl>
+                                          </p:spTgt>
+                                        </p:tgtEl>
+                                        <p:attrNameLst>
+                                          <p:attrName>ppt_y</p:attrName>
+                                        </p:attrNameLst>
+                                      </p:cBhvr>
+                                      <p:tavLst>
+                                        <p:tav tm="0">
+                                          <p:val>
+                                            <p:strVal val="ppt_y"/>
+                                          </p:val>
+                                        </p:tav>
+                                        <p:tav tm="100000">
+                                          <p:val>
+                                            <p:strVal val="ppt_y"/>
+                                          </p:val>
+                                        </p:tav>
+                                      </p:tavLst>
+                                    </p:anim>
+                                    <p:set>
+                                      <p:cBhvr>
+                                        <p:cTn id="26" dur="1" fill="hold">
+                                          <p:stCondLst>
+                                            <p:cond delay="499"/>
+                                          </p:stCondLst>
+                                        </p:cTn>
+                                        <p:tgtEl>
+                                          <p:spTgt spid="4">
+                                            <p:txEl>
+                                              <p:pRg st="11" end="11"/>
+                                            </p:txEl>
+                                          </p:spTgt>
+                                        </p:tgtEl>
+                                        <p:attrNameLst>
+                                          <p:attrName>style.visibility</p:attrName>
+                                        </p:attrNameLst>
+                                      </p:cBhvr>
+                                      <p:to>
+                                        <p:strVal val="hidden"/>
+                                      </p:to>
+                                    </p:set>
+                                  </p:childTnLst>
+                                </p:cTn>
+                              </p:par>
+                            </p:childTnLst>
+                          </p:cTn>
+                        </p:par>
+                      </p:childTnLst>
+                    </p:cTn>
+                  </p:par>
+                  <p:par>
+                    <p:cTn id="27" fill="hold">
+                      <p:stCondLst>
+                        <p:cond delay="indefinite"/>
+                      </p:stCondLst>
+                      <p:childTnLst>
+                        <p:par>
+                          <p:cTn id="28" fill="hold">
+                            <p:stCondLst>
+                              <p:cond delay="0"/>
+                            </p:stCondLst>
+                            <p:childTnLst>
+                              <p:par>
+                                <p:cTn id="29" presetID="2" presetClass="entr" presetSubtype="2" fill="hold" grpId="0" nodeType="clickEffect">
+                                  <p:stCondLst>
+                                    <p:cond delay="0"/>
+                                  </p:stCondLst>
+                                  <p:childTnLst>
+                                    <p:set>
+                                      <p:cBhvr>
+                                        <p:cTn id="30" dur="1" fill="hold">
+                                          <p:stCondLst>
+                                            <p:cond delay="0"/>
+                                          </p:stCondLst>
+                                        </p:cTn>
+                                        <p:tgtEl>
+                                          <p:spTgt spid="8"/>
+                                        </p:tgtEl>
+                                        <p:attrNameLst>
+                                          <p:attrName>style.visibility</p:attrName>
+                                        </p:attrNameLst>
+                                      </p:cBhvr>
+                                      <p:to>
+                                        <p:strVal val="visible"/>
+                                      </p:to>
+                                    </p:set>
+                                    <p:anim calcmode="lin" valueType="num">
+                                      <p:cBhvr additive="base">
+                                        <p:cTn id="31" dur="500" fill="hold"/>
+                                        <p:tgtEl>
+                                          <p:spTgt spid="8"/>
+                                        </p:tgtEl>
+                                        <p:attrNameLst>
+                                          <p:attrName>ppt_x</p:attrName>
+                                        </p:attrNameLst>
+                                      </p:cBhvr>
+                                      <p:tavLst>
+                                        <p:tav tm="0">
+                                          <p:val>
+                                            <p:strVal val="1+#ppt_w/2"/>
+                                          </p:val>
+                                        </p:tav>
+                                        <p:tav tm="100000">
+                                          <p:val>
+                                            <p:strVal val="#ppt_x"/>
+                                          </p:val>
+                                        </p:tav>
+                                      </p:tavLst>
+                                    </p:anim>
+                                    <p:anim calcmode="lin" valueType="num">
+                                      <p:cBhvr additive="base">
+                                        <p:cTn id="32" dur="500" fill="hold"/>
+                                        <p:tgtEl>
+                                          <p:spTgt spid="8"/>
+                                        </p:tgtEl>
+                                        <p:attrNameLst>
+                                          <p:attrName>ppt_y</p:attrName>
+                                        </p:attrNameLst>
+                                      </p:cBhvr>
+                                      <p:tavLst>
+                                        <p:tav tm="0">
+                                          <p:val>
+                                            <p:strVal val="#ppt_y"/>
+                                          </p:val>
+                                        </p:tav>
+                                        <p:tav tm="100000">
+                                          <p:val>
+                                            <p:strVal val="#ppt_y"/>
+                                          </p:val>
+                                        </p:tav>
+                                      </p:tavLst>
+                                    </p:anim>
+                                  </p:childTnLst>
+                                </p:cTn>
+                              </p:par>
+                            </p:childTnLst>
+                          </p:cTn>
+                        </p:par>
+                      </p:childTnLst>
+                    </p:cTn>
+                  </p:par>
+                  <p:par>
+                    <p:cTn id="33" fill="hold">
+                      <p:stCondLst>
+                        <p:cond delay="indefinite"/>
+                      </p:stCondLst>
+                      <p:childTnLst>
+                        <p:par>
+                          <p:cTn id="34" fill="hold">
+                            <p:stCondLst>
+                              <p:cond delay="0"/>
+                            </p:stCondLst>
+                            <p:childTnLst>
+                              <p:par>
+                                <p:cTn id="35" presetID="2" presetClass="entr" presetSubtype="8" fill="hold" grpId="0" nodeType="clickEffect">
+                                  <p:stCondLst>
+                                    <p:cond delay="0"/>
+                                  </p:stCondLst>
+                                  <p:childTnLst>
+                                    <p:set>
+                                      <p:cBhvr>
+                                        <p:cTn id="36" dur="1" fill="hold">
+                                          <p:stCondLst>
+                                            <p:cond delay="0"/>
+                                          </p:stCondLst>
+                                        </p:cTn>
+                                        <p:tgtEl>
+                                          <p:spTgt spid="10"/>
+                                        </p:tgtEl>
+                                        <p:attrNameLst>
+                                          <p:attrName>style.visibility</p:attrName>
+                                        </p:attrNameLst>
+                                      </p:cBhvr>
+                                      <p:to>
+                                        <p:strVal val="visible"/>
+                                      </p:to>
+                                    </p:set>
+                                    <p:anim calcmode="lin" valueType="num">
+                                      <p:cBhvr additive="base">
+                                        <p:cTn id="37" dur="500" fill="hold"/>
+                                        <p:tgtEl>
+                                          <p:spTgt spid="10"/>
+                                        </p:tgtEl>
+                                        <p:attrNameLst>
+                                          <p:attrName>ppt_x</p:attrName>
+                                        </p:attrNameLst>
+                                      </p:cBhvr>
+                                      <p:tavLst>
+                                        <p:tav tm="0">
+                                          <p:val>
+                                            <p:strVal val="0-#ppt_w/2"/>
+                                          </p:val>
+                                        </p:tav>
+                                        <p:tav tm="100000">
+                                          <p:val>
+                                            <p:strVal val="#ppt_x"/>
+                                          </p:val>
+                                        </p:tav>
+                                      </p:tavLst>
+                                    </p:anim>
+                                    <p:anim calcmode="lin" valueType="num">
+                                      <p:cBhvr additive="base">
+                                        <p:cTn id="38" dur="500" fill="hold"/>
+                                        <p:tgtEl>
+                                          <p:spTgt spid="10"/>
+                                        </p:tgtEl>
+                                        <p:attrNameLst>
+                                          <p:attrName>ppt_y</p:attrName>
+                                        </p:attrNameLst>
+                                      </p:cBhvr>
+                                      <p:tavLst>
+                                        <p:tav tm="0">
+                                          <p:val>
+                                            <p:strVal val="#ppt_y"/>
+                                          </p:val>
+                                        </p:tav>
+                                        <p:tav tm="100000">
+                                          <p:val>
+                                            <p:strVal val="#ppt_y"/>
+                                          </p:val>
+                                        </p:tav>
+                                      </p:tavLst>
+                                    </p:anim>
+                                  </p:childTnLst>
+                                </p:cTn>
+                              </p:par>
+                            </p:childTnLst>
+                          </p:cTn>
+                        </p:par>
+                      </p:childTnLst>
+                    </p:cTn>
+                  </p:par>
+                </p:childTnLst>
+              </p:cTn>
+              <p:prevCondLst>
+                <p:cond evt="onPrev" delay="0">
+                  <p:tgtEl>
+                    <p:sldTgt/>
+                  </p:tgtEl>
+                </p:cond>
+              </p:prevCondLst>
+              <p:nextCondLst>
+                <p:cond evt="onNext" delay="0">
+                  <p:tgtEl>
+                    <p:sldTgt/>
+                  </p:tgtEl>
+                </p:cond>
+              </p:nextCondLst>
+            </p:seq>
+          </p:childTnLst>
+        </p:cTn>
       </p:par>
     </p:tnLst>
+    <p:bldLst>
+      <p:bldP spid="5" grpId="0"/>
+      <p:bldP spid="8" grpId="0" animBg="1"/>
+      <p:bldP spid="10" grpId="0" animBg="1"/>
+      <p:bldP spid="14" grpId="0"/>
+      <p:bldP spid="14" grpId="1"/>
+    </p:bldLst>
   </p:timing>
 </p:sld>
 </file>
@@ -34488,225 +37535,3038 @@
           <a:lstStyle/>
           <a:p>
             <a:r>
-              <a:rPr lang="en-US" dirty="0"/>
-              <a:t>void Billing::</a:t>
-            </a:r>
-            <a:r>
-              <a:rPr lang="en-US" dirty="0" err="1"/>
+              <a:rPr lang="ru-RU" altLang="ru-RU" dirty="0" err="1">
+                <a:solidFill>
+                  <a:srgbClr val="FFFFFF"/>
+                </a:solidFill>
+                <a:latin typeface="Verdana" panose="020B0604030504040204" pitchFamily="34" charset="0"/>
+              </a:rPr>
+              <a:t>void</a:t>
+            </a:r>
+            <a:r>
+              <a:rPr lang="ru-RU" altLang="ru-RU" dirty="0">
+                <a:solidFill>
+                  <a:srgbClr val="FFFFFF"/>
+                </a:solidFill>
+                <a:latin typeface="Verdana" panose="020B0604030504040204" pitchFamily="34" charset="0"/>
+              </a:rPr>
+              <a:t> </a:t>
+            </a:r>
+            <a:r>
+              <a:rPr lang="ru-RU" altLang="ru-RU" dirty="0" err="1">
+                <a:solidFill>
+                  <a:srgbClr val="FFCC00"/>
+                </a:solidFill>
+                <a:latin typeface="Verdana" panose="020B0604030504040204" pitchFamily="34" charset="0"/>
+              </a:rPr>
+              <a:t>Billing</a:t>
+            </a:r>
+            <a:r>
+              <a:rPr lang="ru-RU" altLang="ru-RU" dirty="0">
+                <a:solidFill>
+                  <a:srgbClr val="FFFFFF"/>
+                </a:solidFill>
+                <a:latin typeface="Verdana" panose="020B0604030504040204" pitchFamily="34" charset="0"/>
+              </a:rPr>
+              <a:t>::</a:t>
+            </a:r>
+            <a:r>
+              <a:rPr lang="ru-RU" altLang="ru-RU" dirty="0" err="1">
+                <a:solidFill>
+                  <a:srgbClr val="FFCC00"/>
+                </a:solidFill>
+                <a:latin typeface="Verdana" panose="020B0604030504040204" pitchFamily="34" charset="0"/>
+              </a:rPr>
               <a:t>UserInfo</a:t>
             </a:r>
             <a:r>
-              <a:rPr lang="en-US" dirty="0"/>
+              <a:rPr lang="ru-RU" altLang="ru-RU" dirty="0">
+                <a:solidFill>
+                  <a:srgbClr val="FFFFFF"/>
+                </a:solidFill>
+                <a:latin typeface="Verdana" panose="020B0604030504040204" pitchFamily="34" charset="0"/>
+              </a:rPr>
               <a:t>::</a:t>
             </a:r>
             <a:r>
-              <a:rPr lang="en-US" dirty="0" err="1"/>
+              <a:rPr lang="ru-RU" altLang="ru-RU" dirty="0" err="1">
+                <a:solidFill>
+                  <a:srgbClr val="FFCC00"/>
+                </a:solidFill>
+                <a:latin typeface="Verdana" panose="020B0604030504040204" pitchFamily="34" charset="0"/>
+              </a:rPr>
               <a:t>ChargePhoneCall</a:t>
             </a:r>
             <a:r>
-              <a:rPr lang="en-US" dirty="0"/>
+              <a:rPr lang="ru-RU" altLang="ru-RU" dirty="0">
+                <a:solidFill>
+                  <a:srgbClr val="FFFFFF"/>
+                </a:solidFill>
+                <a:latin typeface="Verdana" panose="020B0604030504040204" pitchFamily="34" charset="0"/>
+              </a:rPr>
               <a:t>(</a:t>
             </a:r>
             <a:r>
-              <a:rPr lang="en-US" dirty="0" err="1"/>
+              <a:rPr lang="ru-RU" altLang="ru-RU" dirty="0" err="1">
+                <a:solidFill>
+                  <a:srgbClr val="FFFFFF"/>
+                </a:solidFill>
+                <a:latin typeface="Verdana" panose="020B0604030504040204" pitchFamily="34" charset="0"/>
+              </a:rPr>
               <a:t>int</a:t>
             </a:r>
             <a:r>
-              <a:rPr lang="en-US" dirty="0"/>
-              <a:t> minutes, </a:t>
-            </a:r>
-            <a:r>
-              <a:rPr lang="en-US" dirty="0" err="1"/>
+              <a:rPr lang="ru-RU" altLang="ru-RU" dirty="0">
+                <a:solidFill>
+                  <a:srgbClr val="FFFFFF"/>
+                </a:solidFill>
+                <a:latin typeface="Verdana" panose="020B0604030504040204" pitchFamily="34" charset="0"/>
+              </a:rPr>
+              <a:t> </a:t>
+            </a:r>
+            <a:r>
+              <a:rPr lang="ru-RU" altLang="ru-RU" dirty="0" err="1">
+                <a:solidFill>
+                  <a:srgbClr val="5BCD9D"/>
+                </a:solidFill>
+                <a:latin typeface="Verdana" panose="020B0604030504040204" pitchFamily="34" charset="0"/>
+              </a:rPr>
+              <a:t>minutes</a:t>
+            </a:r>
+            <a:r>
+              <a:rPr lang="ru-RU" altLang="ru-RU" dirty="0">
+                <a:solidFill>
+                  <a:srgbClr val="FFFFFF"/>
+                </a:solidFill>
+                <a:latin typeface="Verdana" panose="020B0604030504040204" pitchFamily="34" charset="0"/>
+              </a:rPr>
+              <a:t>, </a:t>
+            </a:r>
+            <a:r>
+              <a:rPr lang="ru-RU" altLang="ru-RU" dirty="0" err="1">
+                <a:solidFill>
+                  <a:srgbClr val="FFFFFF"/>
+                </a:solidFill>
+                <a:latin typeface="Verdana" panose="020B0604030504040204" pitchFamily="34" charset="0"/>
+              </a:rPr>
               <a:t>const</a:t>
             </a:r>
             <a:r>
-              <a:rPr lang="en-US" dirty="0"/>
-              <a:t> Billing::Tariff&amp; tariff) {</a:t>
-            </a:r>
-          </a:p>
-          <a:p>
-            <a:r>
-              <a:rPr lang="en-US" dirty="0"/>
+              <a:rPr lang="ru-RU" altLang="ru-RU" dirty="0">
+                <a:solidFill>
+                  <a:srgbClr val="FFFFFF"/>
+                </a:solidFill>
+                <a:latin typeface="Verdana" panose="020B0604030504040204" pitchFamily="34" charset="0"/>
+              </a:rPr>
+              <a:t> </a:t>
+            </a:r>
+            <a:r>
+              <a:rPr lang="ru-RU" altLang="ru-RU" dirty="0" err="1">
+                <a:solidFill>
+                  <a:srgbClr val="FFCC00"/>
+                </a:solidFill>
+                <a:latin typeface="Verdana" panose="020B0604030504040204" pitchFamily="34" charset="0"/>
+              </a:rPr>
+              <a:t>Billing</a:t>
+            </a:r>
+            <a:r>
+              <a:rPr lang="ru-RU" altLang="ru-RU" dirty="0">
+                <a:solidFill>
+                  <a:srgbClr val="FFFFFF"/>
+                </a:solidFill>
+                <a:latin typeface="Verdana" panose="020B0604030504040204" pitchFamily="34" charset="0"/>
+              </a:rPr>
+              <a:t>::</a:t>
+            </a:r>
+            <a:r>
+              <a:rPr lang="ru-RU" altLang="ru-RU" dirty="0" err="1">
+                <a:solidFill>
+                  <a:srgbClr val="FFCC00"/>
+                </a:solidFill>
+                <a:latin typeface="Verdana" panose="020B0604030504040204" pitchFamily="34" charset="0"/>
+              </a:rPr>
+              <a:t>Tariff</a:t>
+            </a:r>
+            <a:r>
+              <a:rPr lang="ru-RU" altLang="ru-RU" dirty="0">
+                <a:solidFill>
+                  <a:srgbClr val="FFFFFF"/>
+                </a:solidFill>
+                <a:latin typeface="Verdana" panose="020B0604030504040204" pitchFamily="34" charset="0"/>
+              </a:rPr>
+              <a:t>&amp; </a:t>
+            </a:r>
+            <a:r>
+              <a:rPr lang="ru-RU" altLang="ru-RU" dirty="0" err="1">
+                <a:solidFill>
+                  <a:srgbClr val="5BCD9D"/>
+                </a:solidFill>
+                <a:latin typeface="Verdana" panose="020B0604030504040204" pitchFamily="34" charset="0"/>
+              </a:rPr>
+              <a:t>tariff</a:t>
+            </a:r>
+            <a:r>
+              <a:rPr lang="ru-RU" altLang="ru-RU" dirty="0">
+                <a:solidFill>
+                  <a:srgbClr val="FFFFFF"/>
+                </a:solidFill>
+                <a:latin typeface="Verdana" panose="020B0604030504040204" pitchFamily="34" charset="0"/>
+              </a:rPr>
+              <a:t>) </a:t>
+            </a:r>
+            <a:r>
+              <a:rPr lang="ru-RU" altLang="ru-RU" dirty="0" smtClean="0">
+                <a:solidFill>
+                  <a:srgbClr val="FFFFFF"/>
+                </a:solidFill>
+                <a:latin typeface="Verdana" panose="020B0604030504040204" pitchFamily="34" charset="0"/>
+              </a:rPr>
+              <a:t>{</a:t>
+            </a:r>
+            <a:endParaRPr lang="en-US" altLang="ru-RU" dirty="0" smtClean="0">
+              <a:solidFill>
+                <a:srgbClr val="FFFFFF"/>
+              </a:solidFill>
+              <a:latin typeface="Verdana" panose="020B0604030504040204" pitchFamily="34" charset="0"/>
+            </a:endParaRPr>
+          </a:p>
+          <a:p>
+            <a:r>
+              <a:rPr lang="ru-RU" altLang="ru-RU" dirty="0" smtClean="0">
+                <a:solidFill>
+                  <a:srgbClr val="FFFFFF"/>
+                </a:solidFill>
+                <a:latin typeface="Verdana" panose="020B0604030504040204" pitchFamily="34" charset="0"/>
+              </a:rPr>
               <a:t>    </a:t>
             </a:r>
             <a:r>
-              <a:rPr lang="en-US" dirty="0" err="1"/>
+              <a:rPr lang="ru-RU" altLang="ru-RU" dirty="0" err="1">
+                <a:solidFill>
+                  <a:srgbClr val="FC6767"/>
+                </a:solidFill>
+                <a:latin typeface="Verdana" panose="020B0604030504040204" pitchFamily="34" charset="0"/>
+              </a:rPr>
+              <a:t>money</a:t>
+            </a:r>
+            <a:r>
+              <a:rPr lang="ru-RU" altLang="ru-RU" dirty="0">
+                <a:solidFill>
+                  <a:srgbClr val="FC6767"/>
+                </a:solidFill>
+                <a:latin typeface="Verdana" panose="020B0604030504040204" pitchFamily="34" charset="0"/>
+              </a:rPr>
+              <a:t>_ -= </a:t>
+            </a:r>
+            <a:r>
+              <a:rPr lang="ru-RU" altLang="ru-RU" dirty="0" err="1">
+                <a:solidFill>
+                  <a:srgbClr val="FC6767"/>
+                </a:solidFill>
+                <a:latin typeface="Verdana" panose="020B0604030504040204" pitchFamily="34" charset="0"/>
+              </a:rPr>
+              <a:t>minutes</a:t>
+            </a:r>
+            <a:r>
+              <a:rPr lang="ru-RU" altLang="ru-RU" dirty="0">
+                <a:solidFill>
+                  <a:srgbClr val="FC6767"/>
+                </a:solidFill>
+                <a:latin typeface="Verdana" panose="020B0604030504040204" pitchFamily="34" charset="0"/>
+              </a:rPr>
+              <a:t> * </a:t>
+            </a:r>
+            <a:r>
+              <a:rPr lang="ru-RU" altLang="ru-RU" dirty="0" err="1">
+                <a:solidFill>
+                  <a:srgbClr val="FC6767"/>
+                </a:solidFill>
+                <a:latin typeface="Verdana" panose="020B0604030504040204" pitchFamily="34" charset="0"/>
+              </a:rPr>
+              <a:t>tariff.costPerMinute</a:t>
+            </a:r>
+            <a:r>
+              <a:rPr lang="ru-RU" altLang="ru-RU" dirty="0" smtClean="0">
+                <a:solidFill>
+                  <a:srgbClr val="FC6767"/>
+                </a:solidFill>
+                <a:latin typeface="Verdana" panose="020B0604030504040204" pitchFamily="34" charset="0"/>
+              </a:rPr>
+              <a:t>_;</a:t>
+            </a:r>
+            <a:endParaRPr lang="en-US" altLang="ru-RU" dirty="0" smtClean="0">
+              <a:solidFill>
+                <a:srgbClr val="FC6767"/>
+              </a:solidFill>
+              <a:latin typeface="Verdana" panose="020B0604030504040204" pitchFamily="34" charset="0"/>
+            </a:endParaRPr>
+          </a:p>
+          <a:p>
+            <a:r>
+              <a:rPr lang="ru-RU" altLang="ru-RU" dirty="0" smtClean="0">
+                <a:solidFill>
+                  <a:srgbClr val="FFFFFF"/>
+                </a:solidFill>
+                <a:latin typeface="Verdana" panose="020B0604030504040204" pitchFamily="34" charset="0"/>
+              </a:rPr>
+              <a:t>    </a:t>
+            </a:r>
+            <a:r>
+              <a:rPr lang="ru-RU" altLang="ru-RU" dirty="0" err="1" smtClean="0">
+                <a:solidFill>
+                  <a:srgbClr val="5BCD9D"/>
+                </a:solidFill>
+                <a:latin typeface="Verdana" panose="020B0604030504040204" pitchFamily="34" charset="0"/>
+              </a:rPr>
+              <a:t>history</a:t>
+            </a:r>
+            <a:r>
+              <a:rPr lang="ru-RU" altLang="ru-RU" dirty="0" smtClean="0">
+                <a:solidFill>
+                  <a:srgbClr val="5BCD9D"/>
+                </a:solidFill>
+                <a:latin typeface="Verdana" panose="020B0604030504040204" pitchFamily="34" charset="0"/>
+              </a:rPr>
+              <a:t>_</a:t>
+            </a:r>
+            <a:r>
+              <a:rPr lang="ru-RU" altLang="ru-RU" dirty="0" smtClean="0">
+                <a:solidFill>
+                  <a:srgbClr val="FFFFFF"/>
+                </a:solidFill>
+                <a:latin typeface="Verdana" panose="020B0604030504040204" pitchFamily="34" charset="0"/>
+              </a:rPr>
+              <a:t>.</a:t>
+            </a:r>
+            <a:r>
+              <a:rPr lang="ru-RU" altLang="ru-RU" dirty="0" err="1" smtClean="0">
+                <a:solidFill>
+                  <a:srgbClr val="FFCC00"/>
+                </a:solidFill>
+                <a:latin typeface="Verdana" panose="020B0604030504040204" pitchFamily="34" charset="0"/>
+              </a:rPr>
+              <a:t>push_back</a:t>
+            </a:r>
+            <a:r>
+              <a:rPr lang="ru-RU" altLang="ru-RU" dirty="0" smtClean="0">
+                <a:solidFill>
+                  <a:srgbClr val="FFFFFF"/>
+                </a:solidFill>
+                <a:latin typeface="Verdana" panose="020B0604030504040204" pitchFamily="34" charset="0"/>
+              </a:rPr>
+              <a:t>(</a:t>
+            </a:r>
+            <a:r>
+              <a:rPr lang="ru-RU" altLang="ru-RU" dirty="0" err="1" smtClean="0">
+                <a:solidFill>
+                  <a:srgbClr val="FFCC00"/>
+                </a:solidFill>
+                <a:latin typeface="Verdana" panose="020B0604030504040204" pitchFamily="34" charset="0"/>
+              </a:rPr>
+              <a:t>Event</a:t>
+            </a:r>
+            <a:r>
+              <a:rPr lang="ru-RU" altLang="ru-RU" dirty="0" smtClean="0">
+                <a:solidFill>
+                  <a:srgbClr val="FFFFFF"/>
+                </a:solidFill>
+                <a:latin typeface="Verdana" panose="020B0604030504040204" pitchFamily="34" charset="0"/>
+              </a:rPr>
+              <a:t>::</a:t>
+            </a:r>
+            <a:r>
+              <a:rPr lang="ru-RU" altLang="ru-RU" dirty="0" err="1" smtClean="0">
+                <a:solidFill>
+                  <a:srgbClr val="FFCC00"/>
+                </a:solidFill>
+                <a:latin typeface="Verdana" panose="020B0604030504040204" pitchFamily="34" charset="0"/>
+              </a:rPr>
+              <a:t>PhoneCall</a:t>
+            </a:r>
+            <a:r>
+              <a:rPr lang="ru-RU" altLang="ru-RU" dirty="0" smtClean="0">
+                <a:solidFill>
+                  <a:srgbClr val="FFFFFF"/>
+                </a:solidFill>
+                <a:latin typeface="Verdana" panose="020B0604030504040204" pitchFamily="34" charset="0"/>
+              </a:rPr>
+              <a:t>(</a:t>
+            </a:r>
+            <a:r>
+              <a:rPr lang="ru-RU" altLang="ru-RU" dirty="0" err="1" smtClean="0">
+                <a:solidFill>
+                  <a:srgbClr val="5BCD9D"/>
+                </a:solidFill>
+                <a:latin typeface="Verdana" panose="020B0604030504040204" pitchFamily="34" charset="0"/>
+              </a:rPr>
+              <a:t>minutes</a:t>
+            </a:r>
+            <a:r>
+              <a:rPr lang="ru-RU" altLang="ru-RU" dirty="0" smtClean="0">
+                <a:solidFill>
+                  <a:srgbClr val="FFFFFF"/>
+                </a:solidFill>
+                <a:latin typeface="Verdana" panose="020B0604030504040204" pitchFamily="34" charset="0"/>
+              </a:rPr>
+              <a:t>));</a:t>
+            </a:r>
+            <a:br>
+              <a:rPr lang="ru-RU" altLang="ru-RU" dirty="0" smtClean="0">
+                <a:solidFill>
+                  <a:srgbClr val="FFFFFF"/>
+                </a:solidFill>
+                <a:latin typeface="Verdana" panose="020B0604030504040204" pitchFamily="34" charset="0"/>
+              </a:rPr>
+            </a:br>
+            <a:r>
+              <a:rPr lang="ru-RU" altLang="ru-RU" dirty="0" smtClean="0">
+                <a:solidFill>
+                  <a:srgbClr val="FFFFFF"/>
+                </a:solidFill>
+                <a:latin typeface="Verdana" panose="020B0604030504040204" pitchFamily="34" charset="0"/>
+              </a:rPr>
+              <a:t/>
+            </a:r>
+            <a:br>
+              <a:rPr lang="ru-RU" altLang="ru-RU" dirty="0" smtClean="0">
+                <a:solidFill>
+                  <a:srgbClr val="FFFFFF"/>
+                </a:solidFill>
+                <a:latin typeface="Verdana" panose="020B0604030504040204" pitchFamily="34" charset="0"/>
+              </a:rPr>
+            </a:br>
+            <a:r>
+              <a:rPr lang="ru-RU" altLang="ru-RU" dirty="0" smtClean="0">
+                <a:solidFill>
+                  <a:srgbClr val="FFFFFF"/>
+                </a:solidFill>
+                <a:latin typeface="Verdana" panose="020B0604030504040204" pitchFamily="34" charset="0"/>
+              </a:rPr>
+              <a:t>    </a:t>
+            </a:r>
+            <a:r>
+              <a:rPr lang="ru-RU" altLang="ru-RU" dirty="0" err="1" smtClean="0">
+                <a:solidFill>
+                  <a:srgbClr val="FFFFFF"/>
+                </a:solidFill>
+                <a:latin typeface="Verdana" panose="020B0604030504040204" pitchFamily="34" charset="0"/>
+              </a:rPr>
+              <a:t>if</a:t>
+            </a:r>
+            <a:r>
+              <a:rPr lang="ru-RU" altLang="ru-RU" dirty="0" smtClean="0">
+                <a:solidFill>
+                  <a:srgbClr val="FFFFFF"/>
+                </a:solidFill>
+                <a:latin typeface="Verdana" panose="020B0604030504040204" pitchFamily="34" charset="0"/>
+              </a:rPr>
+              <a:t> (</a:t>
+            </a:r>
+            <a:r>
+              <a:rPr lang="ru-RU" altLang="ru-RU" dirty="0" err="1" smtClean="0">
+                <a:solidFill>
+                  <a:srgbClr val="5BCD9D"/>
+                </a:solidFill>
+                <a:latin typeface="Verdana" panose="020B0604030504040204" pitchFamily="34" charset="0"/>
+              </a:rPr>
+              <a:t>money</a:t>
+            </a:r>
+            <a:r>
+              <a:rPr lang="ru-RU" altLang="ru-RU" dirty="0" smtClean="0">
+                <a:solidFill>
+                  <a:srgbClr val="5BCD9D"/>
+                </a:solidFill>
+                <a:latin typeface="Verdana" panose="020B0604030504040204" pitchFamily="34" charset="0"/>
+              </a:rPr>
+              <a:t>_ </a:t>
+            </a:r>
+            <a:r>
+              <a:rPr lang="ru-RU" altLang="ru-RU" dirty="0" smtClean="0">
+                <a:solidFill>
+                  <a:srgbClr val="FFFFFF"/>
+                </a:solidFill>
+                <a:latin typeface="Verdana" panose="020B0604030504040204" pitchFamily="34" charset="0"/>
+              </a:rPr>
+              <a:t>&lt;= 0) {</a:t>
+            </a:r>
+            <a:br>
+              <a:rPr lang="ru-RU" altLang="ru-RU" dirty="0" smtClean="0">
+                <a:solidFill>
+                  <a:srgbClr val="FFFFFF"/>
+                </a:solidFill>
+                <a:latin typeface="Verdana" panose="020B0604030504040204" pitchFamily="34" charset="0"/>
+              </a:rPr>
+            </a:br>
+            <a:r>
+              <a:rPr lang="ru-RU" altLang="ru-RU" dirty="0" smtClean="0">
+                <a:solidFill>
+                  <a:srgbClr val="FFFFFF"/>
+                </a:solidFill>
+                <a:latin typeface="Verdana" panose="020B0604030504040204" pitchFamily="34" charset="0"/>
+              </a:rPr>
+              <a:t>        </a:t>
+            </a:r>
+            <a:r>
+              <a:rPr lang="ru-RU" altLang="ru-RU" dirty="0" err="1" smtClean="0">
+                <a:solidFill>
+                  <a:srgbClr val="FFCC00"/>
+                </a:solidFill>
+                <a:latin typeface="Verdana" panose="020B0604030504040204" pitchFamily="34" charset="0"/>
+              </a:rPr>
+              <a:t>SendSms</a:t>
+            </a:r>
+            <a:r>
+              <a:rPr lang="ru-RU" altLang="ru-RU" dirty="0" smtClean="0">
+                <a:solidFill>
+                  <a:srgbClr val="FFFFFF"/>
+                </a:solidFill>
+                <a:latin typeface="Verdana" panose="020B0604030504040204" pitchFamily="34" charset="0"/>
+              </a:rPr>
+              <a:t>(</a:t>
+            </a:r>
+            <a:r>
+              <a:rPr lang="ru-RU" altLang="ru-RU" dirty="0" smtClean="0">
+                <a:solidFill>
+                  <a:srgbClr val="9E64A9"/>
+                </a:solidFill>
+                <a:latin typeface="Verdana" panose="020B0604030504040204" pitchFamily="34" charset="0"/>
+              </a:rPr>
+              <a:t>"</a:t>
+            </a:r>
+            <a:r>
+              <a:rPr lang="ru-RU" altLang="ru-RU" dirty="0" err="1" smtClean="0">
+                <a:solidFill>
+                  <a:srgbClr val="9E64A9"/>
+                </a:solidFill>
+                <a:latin typeface="Verdana" panose="020B0604030504040204" pitchFamily="34" charset="0"/>
+              </a:rPr>
+              <a:t>Your</a:t>
+            </a:r>
+            <a:r>
+              <a:rPr lang="ru-RU" altLang="ru-RU" dirty="0" smtClean="0">
+                <a:solidFill>
+                  <a:srgbClr val="9E64A9"/>
+                </a:solidFill>
+                <a:latin typeface="Verdana" panose="020B0604030504040204" pitchFamily="34" charset="0"/>
+              </a:rPr>
+              <a:t> </a:t>
+            </a:r>
+            <a:r>
+              <a:rPr lang="ru-RU" altLang="ru-RU" dirty="0" err="1" smtClean="0">
+                <a:solidFill>
+                  <a:srgbClr val="9E64A9"/>
+                </a:solidFill>
+                <a:latin typeface="Verdana" panose="020B0604030504040204" pitchFamily="34" charset="0"/>
+              </a:rPr>
+              <a:t>balance</a:t>
+            </a:r>
+            <a:r>
+              <a:rPr lang="ru-RU" altLang="ru-RU" dirty="0" smtClean="0">
+                <a:solidFill>
+                  <a:srgbClr val="9E64A9"/>
+                </a:solidFill>
+                <a:latin typeface="Verdana" panose="020B0604030504040204" pitchFamily="34" charset="0"/>
+              </a:rPr>
+              <a:t> </a:t>
+            </a:r>
+            <a:r>
+              <a:rPr lang="ru-RU" altLang="ru-RU" dirty="0" err="1" smtClean="0">
+                <a:solidFill>
+                  <a:srgbClr val="9E64A9"/>
+                </a:solidFill>
+                <a:latin typeface="Verdana" panose="020B0604030504040204" pitchFamily="34" charset="0"/>
+              </a:rPr>
+              <a:t>is</a:t>
+            </a:r>
+            <a:r>
+              <a:rPr lang="ru-RU" altLang="ru-RU" dirty="0" smtClean="0">
+                <a:solidFill>
+                  <a:srgbClr val="9E64A9"/>
+                </a:solidFill>
+                <a:latin typeface="Verdana" panose="020B0604030504040204" pitchFamily="34" charset="0"/>
+              </a:rPr>
+              <a:t> " </a:t>
+            </a:r>
+            <a:r>
+              <a:rPr lang="ru-RU" altLang="ru-RU" dirty="0" smtClean="0">
+                <a:solidFill>
+                  <a:srgbClr val="FFFFFF"/>
+                </a:solidFill>
+                <a:latin typeface="Verdana" panose="020B0604030504040204" pitchFamily="34" charset="0"/>
+              </a:rPr>
+              <a:t>+ </a:t>
+            </a:r>
+            <a:r>
+              <a:rPr lang="ru-RU" altLang="ru-RU" dirty="0" err="1" smtClean="0">
+                <a:solidFill>
+                  <a:srgbClr val="FFCC00"/>
+                </a:solidFill>
+                <a:latin typeface="Verdana" panose="020B0604030504040204" pitchFamily="34" charset="0"/>
+              </a:rPr>
+              <a:t>to_string</a:t>
+            </a:r>
+            <a:r>
+              <a:rPr lang="ru-RU" altLang="ru-RU" dirty="0" smtClean="0">
+                <a:solidFill>
+                  <a:srgbClr val="FFFFFF"/>
+                </a:solidFill>
+                <a:latin typeface="Verdana" panose="020B0604030504040204" pitchFamily="34" charset="0"/>
+              </a:rPr>
+              <a:t>(</a:t>
+            </a:r>
+            <a:r>
+              <a:rPr lang="ru-RU" altLang="ru-RU" dirty="0" err="1" smtClean="0">
+                <a:solidFill>
+                  <a:srgbClr val="5BCD9D"/>
+                </a:solidFill>
+                <a:latin typeface="Verdana" panose="020B0604030504040204" pitchFamily="34" charset="0"/>
+              </a:rPr>
+              <a:t>money</a:t>
+            </a:r>
+            <a:r>
+              <a:rPr lang="ru-RU" altLang="ru-RU" dirty="0" smtClean="0">
+                <a:solidFill>
+                  <a:srgbClr val="5BCD9D"/>
+                </a:solidFill>
+                <a:latin typeface="Verdana" panose="020B0604030504040204" pitchFamily="34" charset="0"/>
+              </a:rPr>
+              <a:t>_</a:t>
+            </a:r>
+            <a:r>
+              <a:rPr lang="ru-RU" altLang="ru-RU" dirty="0" smtClean="0">
+                <a:solidFill>
+                  <a:srgbClr val="FFFFFF"/>
+                </a:solidFill>
+                <a:latin typeface="Verdana" panose="020B0604030504040204" pitchFamily="34" charset="0"/>
+              </a:rPr>
+              <a:t>));</a:t>
+            </a:r>
+            <a:br>
+              <a:rPr lang="ru-RU" altLang="ru-RU" dirty="0" smtClean="0">
+                <a:solidFill>
+                  <a:srgbClr val="FFFFFF"/>
+                </a:solidFill>
+                <a:latin typeface="Verdana" panose="020B0604030504040204" pitchFamily="34" charset="0"/>
+              </a:rPr>
+            </a:br>
+            <a:r>
+              <a:rPr lang="ru-RU" altLang="ru-RU" dirty="0" smtClean="0">
+                <a:solidFill>
+                  <a:srgbClr val="FFFFFF"/>
+                </a:solidFill>
+                <a:latin typeface="Verdana" panose="020B0604030504040204" pitchFamily="34" charset="0"/>
+              </a:rPr>
+              <a:t>    }</a:t>
+            </a:r>
+            <a:br>
+              <a:rPr lang="ru-RU" altLang="ru-RU" dirty="0" smtClean="0">
+                <a:solidFill>
+                  <a:srgbClr val="FFFFFF"/>
+                </a:solidFill>
+                <a:latin typeface="Verdana" panose="020B0604030504040204" pitchFamily="34" charset="0"/>
+              </a:rPr>
+            </a:br>
+            <a:r>
+              <a:rPr lang="ru-RU" altLang="ru-RU" dirty="0" smtClean="0">
+                <a:solidFill>
+                  <a:srgbClr val="FFFFFF"/>
+                </a:solidFill>
+                <a:latin typeface="Verdana" panose="020B0604030504040204" pitchFamily="34" charset="0"/>
+              </a:rPr>
+              <a:t>}</a:t>
+            </a:r>
+            <a:br>
+              <a:rPr lang="ru-RU" altLang="ru-RU" dirty="0" smtClean="0">
+                <a:solidFill>
+                  <a:srgbClr val="FFFFFF"/>
+                </a:solidFill>
+                <a:latin typeface="Verdana" panose="020B0604030504040204" pitchFamily="34" charset="0"/>
+              </a:rPr>
+            </a:br>
+            <a:r>
+              <a:rPr lang="ru-RU" altLang="ru-RU" dirty="0" smtClean="0">
+                <a:solidFill>
+                  <a:srgbClr val="FFFFFF"/>
+                </a:solidFill>
+                <a:latin typeface="Verdana" panose="020B0604030504040204" pitchFamily="34" charset="0"/>
+              </a:rPr>
+              <a:t/>
+            </a:r>
+            <a:br>
+              <a:rPr lang="ru-RU" altLang="ru-RU" dirty="0" smtClean="0">
+                <a:solidFill>
+                  <a:srgbClr val="FFFFFF"/>
+                </a:solidFill>
+                <a:latin typeface="Verdana" panose="020B0604030504040204" pitchFamily="34" charset="0"/>
+              </a:rPr>
+            </a:br>
+            <a:r>
+              <a:rPr lang="ru-RU" altLang="ru-RU" dirty="0" err="1" smtClean="0">
+                <a:solidFill>
+                  <a:srgbClr val="FFFFFF"/>
+                </a:solidFill>
+                <a:latin typeface="Verdana" panose="020B0604030504040204" pitchFamily="34" charset="0"/>
+              </a:rPr>
+              <a:t>void</a:t>
+            </a:r>
+            <a:r>
+              <a:rPr lang="ru-RU" altLang="ru-RU" dirty="0" smtClean="0">
+                <a:solidFill>
+                  <a:srgbClr val="FFFFFF"/>
+                </a:solidFill>
+                <a:latin typeface="Verdana" panose="020B0604030504040204" pitchFamily="34" charset="0"/>
+              </a:rPr>
+              <a:t> </a:t>
+            </a:r>
+            <a:r>
+              <a:rPr lang="ru-RU" altLang="ru-RU" dirty="0" err="1" smtClean="0">
+                <a:solidFill>
+                  <a:srgbClr val="FFCC00"/>
+                </a:solidFill>
+                <a:latin typeface="Verdana" panose="020B0604030504040204" pitchFamily="34" charset="0"/>
+              </a:rPr>
+              <a:t>Billing</a:t>
+            </a:r>
+            <a:r>
+              <a:rPr lang="ru-RU" altLang="ru-RU" dirty="0" smtClean="0">
+                <a:solidFill>
+                  <a:srgbClr val="FFFFFF"/>
+                </a:solidFill>
+                <a:latin typeface="Verdana" panose="020B0604030504040204" pitchFamily="34" charset="0"/>
+              </a:rPr>
+              <a:t>::</a:t>
+            </a:r>
+            <a:r>
+              <a:rPr lang="ru-RU" altLang="ru-RU" dirty="0" err="1" smtClean="0">
+                <a:solidFill>
+                  <a:srgbClr val="FFCC00"/>
+                </a:solidFill>
+                <a:latin typeface="Verdana" panose="020B0604030504040204" pitchFamily="34" charset="0"/>
+              </a:rPr>
+              <a:t>UserInfo</a:t>
+            </a:r>
+            <a:r>
+              <a:rPr lang="ru-RU" altLang="ru-RU" dirty="0" smtClean="0">
+                <a:solidFill>
+                  <a:srgbClr val="FFFFFF"/>
+                </a:solidFill>
+                <a:latin typeface="Verdana" panose="020B0604030504040204" pitchFamily="34" charset="0"/>
+              </a:rPr>
+              <a:t>::</a:t>
+            </a:r>
+            <a:r>
+              <a:rPr lang="ru-RU" altLang="ru-RU" dirty="0" err="1" smtClean="0">
+                <a:solidFill>
+                  <a:srgbClr val="FFCC00"/>
+                </a:solidFill>
+                <a:latin typeface="Verdana" panose="020B0604030504040204" pitchFamily="34" charset="0"/>
+              </a:rPr>
+              <a:t>AddMoney</a:t>
+            </a:r>
+            <a:r>
+              <a:rPr lang="ru-RU" altLang="ru-RU" dirty="0" smtClean="0">
+                <a:solidFill>
+                  <a:srgbClr val="FFFFFF"/>
+                </a:solidFill>
+                <a:latin typeface="Verdana" panose="020B0604030504040204" pitchFamily="34" charset="0"/>
+              </a:rPr>
+              <a:t>(</a:t>
+            </a:r>
+            <a:r>
+              <a:rPr lang="ru-RU" altLang="ru-RU" dirty="0" err="1" smtClean="0">
+                <a:solidFill>
+                  <a:srgbClr val="FFFFFF"/>
+                </a:solidFill>
+                <a:latin typeface="Verdana" panose="020B0604030504040204" pitchFamily="34" charset="0"/>
+              </a:rPr>
               <a:t>int</a:t>
             </a:r>
             <a:r>
-              <a:rPr lang="en-US" dirty="0"/>
-              <a:t> charge = minutes * </a:t>
-            </a:r>
-            <a:r>
-              <a:rPr lang="en-US" dirty="0" err="1"/>
-              <a:t>tariff.costPerMinute</a:t>
-            </a:r>
-            <a:r>
-              <a:rPr lang="en-US" dirty="0"/>
-              <a:t>_;</a:t>
-            </a:r>
-          </a:p>
-          <a:p>
-            <a:r>
-              <a:rPr lang="en-US" dirty="0"/>
-              <a:t>    money_ -= charge;</a:t>
-            </a:r>
-          </a:p>
-          <a:p>
-            <a:r>
-              <a:rPr lang="en-US" dirty="0"/>
-              <a:t>    history_.</a:t>
-            </a:r>
-            <a:r>
-              <a:rPr lang="en-US" dirty="0" err="1"/>
+              <a:rPr lang="ru-RU" altLang="ru-RU" dirty="0" smtClean="0">
+                <a:solidFill>
+                  <a:srgbClr val="FFFFFF"/>
+                </a:solidFill>
+                <a:latin typeface="Verdana" panose="020B0604030504040204" pitchFamily="34" charset="0"/>
+              </a:rPr>
+              <a:t> </a:t>
+            </a:r>
+            <a:r>
+              <a:rPr lang="ru-RU" altLang="ru-RU" dirty="0" err="1" smtClean="0">
+                <a:solidFill>
+                  <a:srgbClr val="5BCD9D"/>
+                </a:solidFill>
+                <a:latin typeface="Verdana" panose="020B0604030504040204" pitchFamily="34" charset="0"/>
+              </a:rPr>
+              <a:t>rubles</a:t>
+            </a:r>
+            <a:r>
+              <a:rPr lang="ru-RU" altLang="ru-RU" dirty="0" smtClean="0">
+                <a:solidFill>
+                  <a:srgbClr val="FFFFFF"/>
+                </a:solidFill>
+                <a:latin typeface="Verdana" panose="020B0604030504040204" pitchFamily="34" charset="0"/>
+              </a:rPr>
+              <a:t>) {</a:t>
+            </a:r>
+            <a:endParaRPr lang="en-US" altLang="ru-RU" dirty="0" smtClean="0">
+              <a:solidFill>
+                <a:srgbClr val="FFFFFF"/>
+              </a:solidFill>
+              <a:latin typeface="Verdana" panose="020B0604030504040204" pitchFamily="34" charset="0"/>
+            </a:endParaRPr>
+          </a:p>
+          <a:p>
+            <a:r>
+              <a:rPr lang="ru-RU" altLang="ru-RU" dirty="0" smtClean="0">
+                <a:solidFill>
+                  <a:srgbClr val="FFFFFF"/>
+                </a:solidFill>
+                <a:latin typeface="Verdana" panose="020B0604030504040204" pitchFamily="34" charset="0"/>
+              </a:rPr>
+              <a:t>    </a:t>
+            </a:r>
+            <a:r>
+              <a:rPr lang="ru-RU" altLang="ru-RU" dirty="0" err="1" smtClean="0">
+                <a:solidFill>
+                  <a:srgbClr val="FC6767"/>
+                </a:solidFill>
+                <a:latin typeface="Verdana" panose="020B0604030504040204" pitchFamily="34" charset="0"/>
+              </a:rPr>
+              <a:t>money</a:t>
+            </a:r>
+            <a:r>
+              <a:rPr lang="ru-RU" altLang="ru-RU" dirty="0" smtClean="0">
+                <a:solidFill>
+                  <a:srgbClr val="FC6767"/>
+                </a:solidFill>
+                <a:latin typeface="Verdana" panose="020B0604030504040204" pitchFamily="34" charset="0"/>
+              </a:rPr>
+              <a:t>_ += </a:t>
+            </a:r>
+            <a:r>
+              <a:rPr lang="ru-RU" altLang="ru-RU" dirty="0" err="1" smtClean="0">
+                <a:solidFill>
+                  <a:srgbClr val="FC6767"/>
+                </a:solidFill>
+                <a:latin typeface="Verdana" panose="020B0604030504040204" pitchFamily="34" charset="0"/>
+              </a:rPr>
+              <a:t>rubles</a:t>
+            </a:r>
+            <a:r>
+              <a:rPr lang="ru-RU" altLang="ru-RU" dirty="0" smtClean="0">
+                <a:solidFill>
+                  <a:srgbClr val="FC6767"/>
+                </a:solidFill>
+                <a:latin typeface="Verdana" panose="020B0604030504040204" pitchFamily="34" charset="0"/>
+              </a:rPr>
+              <a:t>;</a:t>
+            </a:r>
+            <a:endParaRPr lang="en-US" altLang="ru-RU" dirty="0" smtClean="0">
+              <a:solidFill>
+                <a:srgbClr val="FC6767"/>
+              </a:solidFill>
+              <a:latin typeface="Verdana" panose="020B0604030504040204" pitchFamily="34" charset="0"/>
+            </a:endParaRPr>
+          </a:p>
+          <a:p>
+            <a:r>
+              <a:rPr lang="ru-RU" altLang="ru-RU" dirty="0" smtClean="0">
+                <a:solidFill>
+                  <a:srgbClr val="FFFFFF"/>
+                </a:solidFill>
+                <a:latin typeface="Verdana" panose="020B0604030504040204" pitchFamily="34" charset="0"/>
+              </a:rPr>
+              <a:t>    </a:t>
+            </a:r>
+            <a:r>
+              <a:rPr lang="ru-RU" altLang="ru-RU" dirty="0" err="1" smtClean="0">
+                <a:solidFill>
+                  <a:srgbClr val="5BCD9D"/>
+                </a:solidFill>
+                <a:latin typeface="Verdana" panose="020B0604030504040204" pitchFamily="34" charset="0"/>
+              </a:rPr>
+              <a:t>history</a:t>
+            </a:r>
+            <a:r>
+              <a:rPr lang="ru-RU" altLang="ru-RU" dirty="0" smtClean="0">
+                <a:solidFill>
+                  <a:srgbClr val="5BCD9D"/>
+                </a:solidFill>
+                <a:latin typeface="Verdana" panose="020B0604030504040204" pitchFamily="34" charset="0"/>
+              </a:rPr>
+              <a:t>_</a:t>
+            </a:r>
+            <a:r>
+              <a:rPr lang="ru-RU" altLang="ru-RU" dirty="0" smtClean="0">
+                <a:solidFill>
+                  <a:srgbClr val="FFFFFF"/>
+                </a:solidFill>
+                <a:latin typeface="Verdana" panose="020B0604030504040204" pitchFamily="34" charset="0"/>
+              </a:rPr>
+              <a:t>.</a:t>
+            </a:r>
+            <a:r>
+              <a:rPr lang="ru-RU" altLang="ru-RU" dirty="0" err="1" smtClean="0">
+                <a:solidFill>
+                  <a:srgbClr val="FFCC00"/>
+                </a:solidFill>
+                <a:latin typeface="Verdana" panose="020B0604030504040204" pitchFamily="34" charset="0"/>
+              </a:rPr>
               <a:t>push_back</a:t>
             </a:r>
             <a:r>
-              <a:rPr lang="en-US" dirty="0"/>
-              <a:t>(Event::</a:t>
-            </a:r>
-            <a:r>
-              <a:rPr lang="en-US" dirty="0" err="1"/>
-              <a:t>PhoneCall</a:t>
-            </a:r>
-            <a:r>
-              <a:rPr lang="en-US" dirty="0"/>
-              <a:t>(minutes));</a:t>
-            </a:r>
-          </a:p>
-          <a:p>
-            <a:endParaRPr lang="en-US" dirty="0"/>
-          </a:p>
-          <a:p>
-            <a:r>
-              <a:rPr lang="en-US" dirty="0"/>
-              <a:t>    if (money_ &lt;= 0) {</a:t>
-            </a:r>
-          </a:p>
-          <a:p>
-            <a:r>
-              <a:rPr lang="en-US" dirty="0"/>
-              <a:t>        </a:t>
-            </a:r>
-            <a:r>
-              <a:rPr lang="en-US" dirty="0" err="1"/>
+              <a:rPr lang="ru-RU" altLang="ru-RU" dirty="0" smtClean="0">
+                <a:solidFill>
+                  <a:srgbClr val="FFFFFF"/>
+                </a:solidFill>
+                <a:latin typeface="Verdana" panose="020B0604030504040204" pitchFamily="34" charset="0"/>
+              </a:rPr>
+              <a:t>(</a:t>
+            </a:r>
+            <a:r>
+              <a:rPr lang="ru-RU" altLang="ru-RU" dirty="0" err="1" smtClean="0">
+                <a:solidFill>
+                  <a:srgbClr val="FFCC00"/>
+                </a:solidFill>
+                <a:latin typeface="Verdana" panose="020B0604030504040204" pitchFamily="34" charset="0"/>
+              </a:rPr>
+              <a:t>Event</a:t>
+            </a:r>
+            <a:r>
+              <a:rPr lang="ru-RU" altLang="ru-RU" dirty="0" smtClean="0">
+                <a:solidFill>
+                  <a:srgbClr val="FFFFFF"/>
+                </a:solidFill>
+                <a:latin typeface="Verdana" panose="020B0604030504040204" pitchFamily="34" charset="0"/>
+              </a:rPr>
+              <a:t>::</a:t>
+            </a:r>
+            <a:r>
+              <a:rPr lang="ru-RU" altLang="ru-RU" dirty="0" err="1" smtClean="0">
+                <a:solidFill>
+                  <a:srgbClr val="FFCC00"/>
+                </a:solidFill>
+                <a:latin typeface="Verdana" panose="020B0604030504040204" pitchFamily="34" charset="0"/>
+              </a:rPr>
+              <a:t>Payment</a:t>
+            </a:r>
+            <a:r>
+              <a:rPr lang="ru-RU" altLang="ru-RU" dirty="0" smtClean="0">
+                <a:solidFill>
+                  <a:srgbClr val="FFFFFF"/>
+                </a:solidFill>
+                <a:latin typeface="Verdana" panose="020B0604030504040204" pitchFamily="34" charset="0"/>
+              </a:rPr>
+              <a:t>(</a:t>
+            </a:r>
+            <a:r>
+              <a:rPr lang="ru-RU" altLang="ru-RU" dirty="0" err="1" smtClean="0">
+                <a:solidFill>
+                  <a:srgbClr val="5BCD9D"/>
+                </a:solidFill>
+                <a:latin typeface="Verdana" panose="020B0604030504040204" pitchFamily="34" charset="0"/>
+              </a:rPr>
+              <a:t>rubles</a:t>
+            </a:r>
+            <a:r>
+              <a:rPr lang="ru-RU" altLang="ru-RU" dirty="0" smtClean="0">
+                <a:solidFill>
+                  <a:srgbClr val="FFFFFF"/>
+                </a:solidFill>
+                <a:latin typeface="Verdana" panose="020B0604030504040204" pitchFamily="34" charset="0"/>
+              </a:rPr>
+              <a:t>));</a:t>
+            </a:r>
+            <a:br>
+              <a:rPr lang="ru-RU" altLang="ru-RU" dirty="0" smtClean="0">
+                <a:solidFill>
+                  <a:srgbClr val="FFFFFF"/>
+                </a:solidFill>
+                <a:latin typeface="Verdana" panose="020B0604030504040204" pitchFamily="34" charset="0"/>
+              </a:rPr>
+            </a:br>
+            <a:r>
+              <a:rPr lang="ru-RU" altLang="ru-RU" dirty="0" smtClean="0">
+                <a:solidFill>
+                  <a:srgbClr val="FFFFFF"/>
+                </a:solidFill>
+                <a:latin typeface="Verdana" panose="020B0604030504040204" pitchFamily="34" charset="0"/>
+              </a:rPr>
+              <a:t>    </a:t>
+            </a:r>
+            <a:r>
+              <a:rPr lang="ru-RU" altLang="ru-RU" dirty="0" err="1" smtClean="0">
+                <a:solidFill>
+                  <a:srgbClr val="FFCC00"/>
+                </a:solidFill>
+                <a:latin typeface="Verdana" panose="020B0604030504040204" pitchFamily="34" charset="0"/>
+              </a:rPr>
               <a:t>SendSms</a:t>
             </a:r>
             <a:r>
-              <a:rPr lang="en-US" dirty="0"/>
-              <a:t>("Your balance is " + </a:t>
-            </a:r>
-            <a:r>
-              <a:rPr lang="en-US" dirty="0" err="1"/>
+              <a:rPr lang="ru-RU" altLang="ru-RU" dirty="0" smtClean="0">
+                <a:solidFill>
+                  <a:srgbClr val="FFFFFF"/>
+                </a:solidFill>
+                <a:latin typeface="Verdana" panose="020B0604030504040204" pitchFamily="34" charset="0"/>
+              </a:rPr>
+              <a:t>(</a:t>
+            </a:r>
+            <a:r>
+              <a:rPr lang="ru-RU" altLang="ru-RU" dirty="0" smtClean="0">
+                <a:solidFill>
+                  <a:srgbClr val="9E64A9"/>
+                </a:solidFill>
+                <a:latin typeface="Verdana" panose="020B0604030504040204" pitchFamily="34" charset="0"/>
+              </a:rPr>
+              <a:t>"</a:t>
+            </a:r>
+            <a:r>
+              <a:rPr lang="ru-RU" altLang="ru-RU" dirty="0" err="1" smtClean="0">
+                <a:solidFill>
+                  <a:srgbClr val="9E64A9"/>
+                </a:solidFill>
+                <a:latin typeface="Verdana" panose="020B0604030504040204" pitchFamily="34" charset="0"/>
+              </a:rPr>
+              <a:t>Got</a:t>
+            </a:r>
+            <a:r>
+              <a:rPr lang="ru-RU" altLang="ru-RU" dirty="0" smtClean="0">
+                <a:solidFill>
+                  <a:srgbClr val="9E64A9"/>
+                </a:solidFill>
+                <a:latin typeface="Verdana" panose="020B0604030504040204" pitchFamily="34" charset="0"/>
+              </a:rPr>
+              <a:t> </a:t>
+            </a:r>
+            <a:r>
+              <a:rPr lang="ru-RU" altLang="ru-RU" dirty="0" err="1" smtClean="0">
+                <a:solidFill>
+                  <a:srgbClr val="9E64A9"/>
+                </a:solidFill>
+                <a:latin typeface="Verdana" panose="020B0604030504040204" pitchFamily="34" charset="0"/>
+              </a:rPr>
+              <a:t>payment</a:t>
+            </a:r>
+            <a:r>
+              <a:rPr lang="ru-RU" altLang="ru-RU" dirty="0" smtClean="0">
+                <a:solidFill>
+                  <a:srgbClr val="9E64A9"/>
+                </a:solidFill>
+                <a:latin typeface="Verdana" panose="020B0604030504040204" pitchFamily="34" charset="0"/>
+              </a:rPr>
+              <a:t> " </a:t>
+            </a:r>
+            <a:r>
+              <a:rPr lang="ru-RU" altLang="ru-RU" dirty="0" smtClean="0">
+                <a:solidFill>
+                  <a:srgbClr val="FFFFFF"/>
+                </a:solidFill>
+                <a:latin typeface="Verdana" panose="020B0604030504040204" pitchFamily="34" charset="0"/>
+              </a:rPr>
+              <a:t>+ </a:t>
+            </a:r>
+            <a:r>
+              <a:rPr lang="ru-RU" altLang="ru-RU" dirty="0" err="1" smtClean="0">
+                <a:solidFill>
+                  <a:srgbClr val="FFCC00"/>
+                </a:solidFill>
+                <a:latin typeface="Verdana" panose="020B0604030504040204" pitchFamily="34" charset="0"/>
+              </a:rPr>
               <a:t>to_string</a:t>
             </a:r>
             <a:r>
-              <a:rPr lang="en-US" dirty="0"/>
-              <a:t>(money_));</a:t>
-            </a:r>
-          </a:p>
-          <a:p>
-            <a:r>
-              <a:rPr lang="en-US" dirty="0"/>
-              <a:t>    }</a:t>
-            </a:r>
-          </a:p>
-          <a:p>
-            <a:endParaRPr lang="en-US" dirty="0"/>
-          </a:p>
-          <a:p>
-            <a:r>
-              <a:rPr lang="en-US" dirty="0">
-                <a:solidFill>
-                  <a:srgbClr val="FC6767"/>
-                </a:solidFill>
-              </a:rPr>
-              <a:t>    </a:t>
-            </a:r>
-            <a:r>
-              <a:rPr lang="en-US" dirty="0" err="1">
-                <a:solidFill>
-                  <a:srgbClr val="FC6767"/>
-                </a:solidFill>
-              </a:rPr>
-              <a:t>moneySpent</a:t>
-            </a:r>
-            <a:r>
-              <a:rPr lang="en-US" dirty="0">
-                <a:solidFill>
-                  <a:srgbClr val="FC6767"/>
-                </a:solidFill>
-              </a:rPr>
-              <a:t>_ += charge;</a:t>
-            </a:r>
-          </a:p>
-          <a:p>
-            <a:r>
-              <a:rPr lang="en-US" dirty="0">
-                <a:solidFill>
-                  <a:srgbClr val="FC6767"/>
-                </a:solidFill>
-              </a:rPr>
-              <a:t>    </a:t>
-            </a:r>
-            <a:r>
-              <a:rPr lang="en-US" dirty="0" err="1">
-                <a:solidFill>
-                  <a:srgbClr val="FC6767"/>
-                </a:solidFill>
-              </a:rPr>
-              <a:t>totalDuration</a:t>
-            </a:r>
-            <a:r>
-              <a:rPr lang="en-US" dirty="0">
-                <a:solidFill>
-                  <a:srgbClr val="FC6767"/>
-                </a:solidFill>
-              </a:rPr>
-              <a:t>_ += minutes;</a:t>
-            </a:r>
-          </a:p>
-          <a:p>
-            <a:r>
-              <a:rPr lang="en-US" dirty="0">
-                <a:solidFill>
-                  <a:srgbClr val="FC6767"/>
-                </a:solidFill>
-              </a:rPr>
-              <a:t>    ++</a:t>
-            </a:r>
-            <a:r>
-              <a:rPr lang="en-US" dirty="0" err="1">
-                <a:solidFill>
-                  <a:srgbClr val="FC6767"/>
-                </a:solidFill>
-              </a:rPr>
-              <a:t>callCount</a:t>
-            </a:r>
-            <a:r>
-              <a:rPr lang="en-US" dirty="0">
-                <a:solidFill>
-                  <a:srgbClr val="FC6767"/>
-                </a:solidFill>
-              </a:rPr>
-              <a:t>_;</a:t>
-            </a:r>
-          </a:p>
-          <a:p>
-            <a:r>
-              <a:rPr lang="en-US" dirty="0"/>
+              <a:rPr lang="ru-RU" altLang="ru-RU" dirty="0" smtClean="0">
+                <a:solidFill>
+                  <a:srgbClr val="FFFFFF"/>
+                </a:solidFill>
+                <a:latin typeface="Verdana" panose="020B0604030504040204" pitchFamily="34" charset="0"/>
+              </a:rPr>
+              <a:t>(</a:t>
+            </a:r>
+            <a:r>
+              <a:rPr lang="ru-RU" altLang="ru-RU" dirty="0" err="1" smtClean="0">
+                <a:solidFill>
+                  <a:srgbClr val="5BCD9D"/>
+                </a:solidFill>
+                <a:latin typeface="Verdana" panose="020B0604030504040204" pitchFamily="34" charset="0"/>
+              </a:rPr>
+              <a:t>rubles</a:t>
+            </a:r>
+            <a:r>
+              <a:rPr lang="ru-RU" altLang="ru-RU" dirty="0" smtClean="0">
+                <a:solidFill>
+                  <a:srgbClr val="FFFFFF"/>
+                </a:solidFill>
+                <a:latin typeface="Verdana" panose="020B0604030504040204" pitchFamily="34" charset="0"/>
+              </a:rPr>
+              <a:t>));</a:t>
+            </a:r>
+            <a:br>
+              <a:rPr lang="ru-RU" altLang="ru-RU" dirty="0" smtClean="0">
+                <a:solidFill>
+                  <a:srgbClr val="FFFFFF"/>
+                </a:solidFill>
+                <a:latin typeface="Verdana" panose="020B0604030504040204" pitchFamily="34" charset="0"/>
+              </a:rPr>
+            </a:br>
+            <a:r>
+              <a:rPr lang="ru-RU" altLang="ru-RU" dirty="0" smtClean="0">
+                <a:solidFill>
+                  <a:srgbClr val="FFFFFF"/>
+                </a:solidFill>
+                <a:latin typeface="Verdana" panose="020B0604030504040204" pitchFamily="34" charset="0"/>
+              </a:rPr>
               <a:t>}</a:t>
             </a:r>
+            <a:br>
+              <a:rPr lang="ru-RU" altLang="ru-RU" dirty="0" smtClean="0">
+                <a:solidFill>
+                  <a:srgbClr val="FFFFFF"/>
+                </a:solidFill>
+                <a:latin typeface="Verdana" panose="020B0604030504040204" pitchFamily="34" charset="0"/>
+              </a:rPr>
+            </a:br>
+            <a:endParaRPr lang="ru-RU" altLang="ru-RU" dirty="0" smtClean="0">
+              <a:solidFill>
+                <a:schemeClr val="tx1"/>
+              </a:solidFill>
+              <a:latin typeface="Arial" panose="020B0604020202020204" pitchFamily="34" charset="0"/>
+            </a:endParaRPr>
           </a:p>
           <a:p>
             <a:endParaRPr lang="ru-RU" dirty="0"/>
+          </a:p>
+        </p:txBody>
+      </p:sp>
+      <p:sp>
+        <p:nvSpPr>
+          <p:cNvPr id="8" name="TextBox 7"/>
+          <p:cNvSpPr txBox="1"/>
+          <p:nvPr/>
+        </p:nvSpPr>
+        <p:spPr>
+          <a:xfrm>
+            <a:off x="1759371" y="1402433"/>
+            <a:ext cx="11822159" cy="1200329"/>
+          </a:xfrm>
+          <a:prstGeom prst="rect">
+            <a:avLst/>
+          </a:prstGeom>
+          <a:noFill/>
+        </p:spPr>
+        <p:txBody>
+          <a:bodyPr wrap="square" rtlCol="0">
+            <a:spAutoFit/>
+          </a:bodyPr>
+          <a:lstStyle/>
+          <a:p>
+            <a:r>
+              <a:rPr lang="ru-RU" altLang="ru-RU" dirty="0" err="1">
+                <a:solidFill>
+                  <a:srgbClr val="5BCD9D"/>
+                </a:solidFill>
+                <a:latin typeface="Verdana" panose="020B0604030504040204" pitchFamily="34" charset="0"/>
+                <a:ea typeface="Verdana" panose="020B0604030504040204" pitchFamily="34" charset="0"/>
+                <a:cs typeface="Verdana" panose="020B0604030504040204" pitchFamily="34" charset="0"/>
+              </a:rPr>
+              <a:t>account</a:t>
+            </a:r>
+            <a:r>
+              <a:rPr lang="ru-RU" altLang="ru-RU" dirty="0">
+                <a:solidFill>
+                  <a:srgbClr val="5BCD9D"/>
+                </a:solidFill>
+                <a:latin typeface="Verdana" panose="020B0604030504040204" pitchFamily="34" charset="0"/>
+                <a:ea typeface="Verdana" panose="020B0604030504040204" pitchFamily="34" charset="0"/>
+                <a:cs typeface="Verdana" panose="020B0604030504040204" pitchFamily="34" charset="0"/>
+              </a:rPr>
+              <a:t>_</a:t>
+            </a:r>
+            <a:r>
+              <a:rPr lang="ru-RU" altLang="ru-RU" dirty="0">
+                <a:solidFill>
+                  <a:srgbClr val="FFFFFF"/>
+                </a:solidFill>
+                <a:latin typeface="Verdana" panose="020B0604030504040204" pitchFamily="34" charset="0"/>
+                <a:ea typeface="Verdana" panose="020B0604030504040204" pitchFamily="34" charset="0"/>
+                <a:cs typeface="Verdana" panose="020B0604030504040204" pitchFamily="34" charset="0"/>
+              </a:rPr>
+              <a:t>.</a:t>
+            </a:r>
+            <a:r>
+              <a:rPr lang="ru-RU" altLang="ru-RU" dirty="0" err="1">
+                <a:solidFill>
+                  <a:srgbClr val="FFCC00"/>
+                </a:solidFill>
+                <a:latin typeface="Verdana" panose="020B0604030504040204" pitchFamily="34" charset="0"/>
+                <a:ea typeface="Verdana" panose="020B0604030504040204" pitchFamily="34" charset="0"/>
+                <a:cs typeface="Verdana" panose="020B0604030504040204" pitchFamily="34" charset="0"/>
+              </a:rPr>
+              <a:t>ApplyCharge</a:t>
+            </a:r>
+            <a:r>
+              <a:rPr lang="ru-RU" altLang="ru-RU" dirty="0">
+                <a:solidFill>
+                  <a:srgbClr val="FFFFFF"/>
+                </a:solidFill>
+                <a:latin typeface="Verdana" panose="020B0604030504040204" pitchFamily="34" charset="0"/>
+                <a:ea typeface="Verdana" panose="020B0604030504040204" pitchFamily="34" charset="0"/>
+                <a:cs typeface="Verdana" panose="020B0604030504040204" pitchFamily="34" charset="0"/>
+              </a:rPr>
+              <a:t>(</a:t>
+            </a:r>
+            <a:r>
+              <a:rPr lang="ru-RU" altLang="ru-RU" dirty="0" err="1">
+                <a:solidFill>
+                  <a:srgbClr val="5BCD9D"/>
+                </a:solidFill>
+                <a:latin typeface="Verdana" panose="020B0604030504040204" pitchFamily="34" charset="0"/>
+                <a:ea typeface="Verdana" panose="020B0604030504040204" pitchFamily="34" charset="0"/>
+                <a:cs typeface="Verdana" panose="020B0604030504040204" pitchFamily="34" charset="0"/>
+              </a:rPr>
+              <a:t>tariff</a:t>
+            </a:r>
+            <a:r>
+              <a:rPr lang="ru-RU" altLang="ru-RU" dirty="0" err="1">
+                <a:solidFill>
+                  <a:srgbClr val="FFFFFF"/>
+                </a:solidFill>
+                <a:latin typeface="Verdana" panose="020B0604030504040204" pitchFamily="34" charset="0"/>
+                <a:ea typeface="Verdana" panose="020B0604030504040204" pitchFamily="34" charset="0"/>
+                <a:cs typeface="Verdana" panose="020B0604030504040204" pitchFamily="34" charset="0"/>
+              </a:rPr>
+              <a:t>.</a:t>
+            </a:r>
+            <a:r>
+              <a:rPr lang="ru-RU" altLang="ru-RU" dirty="0" err="1">
+                <a:solidFill>
+                  <a:srgbClr val="FFCC00"/>
+                </a:solidFill>
+                <a:latin typeface="Verdana" panose="020B0604030504040204" pitchFamily="34" charset="0"/>
+                <a:ea typeface="Verdana" panose="020B0604030504040204" pitchFamily="34" charset="0"/>
+                <a:cs typeface="Verdana" panose="020B0604030504040204" pitchFamily="34" charset="0"/>
+              </a:rPr>
+              <a:t>GetCost</a:t>
+            </a:r>
+            <a:r>
+              <a:rPr lang="ru-RU" altLang="ru-RU" dirty="0">
+                <a:solidFill>
+                  <a:srgbClr val="FFFFFF"/>
+                </a:solidFill>
+                <a:latin typeface="Verdana" panose="020B0604030504040204" pitchFamily="34" charset="0"/>
+                <a:ea typeface="Verdana" panose="020B0604030504040204" pitchFamily="34" charset="0"/>
+                <a:cs typeface="Verdana" panose="020B0604030504040204" pitchFamily="34" charset="0"/>
+              </a:rPr>
+              <a:t>(</a:t>
+            </a:r>
+            <a:r>
+              <a:rPr lang="ru-RU" altLang="ru-RU" dirty="0" err="1">
+                <a:solidFill>
+                  <a:srgbClr val="5BCD9D"/>
+                </a:solidFill>
+                <a:latin typeface="Verdana" panose="020B0604030504040204" pitchFamily="34" charset="0"/>
+                <a:ea typeface="Verdana" panose="020B0604030504040204" pitchFamily="34" charset="0"/>
+                <a:cs typeface="Verdana" panose="020B0604030504040204" pitchFamily="34" charset="0"/>
+              </a:rPr>
+              <a:t>minutes</a:t>
+            </a:r>
+            <a:r>
+              <a:rPr lang="ru-RU" altLang="ru-RU" dirty="0">
+                <a:solidFill>
+                  <a:srgbClr val="FFFFFF"/>
+                </a:solidFill>
+                <a:latin typeface="Verdana" panose="020B0604030504040204" pitchFamily="34" charset="0"/>
+                <a:ea typeface="Verdana" panose="020B0604030504040204" pitchFamily="34" charset="0"/>
+                <a:cs typeface="Verdana" panose="020B0604030504040204" pitchFamily="34" charset="0"/>
+              </a:rPr>
+              <a:t>));</a:t>
+            </a:r>
+            <a:endParaRPr lang="ru-RU" altLang="ru-RU" dirty="0">
+              <a:latin typeface="Verdana" panose="020B0604030504040204" pitchFamily="34" charset="0"/>
+              <a:ea typeface="Verdana" panose="020B0604030504040204" pitchFamily="34" charset="0"/>
+              <a:cs typeface="Verdana" panose="020B0604030504040204" pitchFamily="34" charset="0"/>
+            </a:endParaRPr>
+          </a:p>
+          <a:p>
+            <a:endParaRPr lang="ru-RU" dirty="0" err="1" smtClean="0">
+              <a:solidFill>
+                <a:sysClr val="windowText" lastClr="000000"/>
+              </a:solidFill>
+              <a:latin typeface="Verdana" panose="020B0604030504040204" pitchFamily="34" charset="0"/>
+              <a:ea typeface="Verdana" panose="020B0604030504040204" pitchFamily="34" charset="0"/>
+              <a:cs typeface="Verdana" panose="020B0604030504040204" pitchFamily="34" charset="0"/>
+            </a:endParaRPr>
+          </a:p>
+        </p:txBody>
+      </p:sp>
+      <p:sp>
+        <p:nvSpPr>
+          <p:cNvPr id="10" name="Rectangle 4"/>
+          <p:cNvSpPr>
+            <a:spLocks noChangeArrowheads="1"/>
+          </p:cNvSpPr>
+          <p:nvPr/>
+        </p:nvSpPr>
+        <p:spPr bwMode="auto">
+          <a:xfrm>
+            <a:off x="1759371" y="8807387"/>
+            <a:ext cx="7798482" cy="646331"/>
+          </a:xfrm>
+          <a:prstGeom prst="rect">
+            <a:avLst/>
+          </a:prstGeom>
+          <a:solidFill>
+            <a:srgbClr val="000000"/>
+          </a:solidFill>
+          <a:ln>
+            <a:noFill/>
+          </a:ln>
+          <a:effectLst/>
+          <a:extLst>
+            <a:ext uri="{91240B29-F687-4F45-9708-019B960494DF}">
+              <a14:hiddenLine xmlns:a14="http://schemas.microsoft.com/office/drawing/2010/main" w="9525">
+                <a:solidFill>
+                  <a:schemeClr val="tx1"/>
+                </a:solidFill>
+                <a:miter lim="800000"/>
+                <a:headEnd/>
+                <a:tailEnd/>
+              </a14:hiddenLine>
+            </a:ext>
+            <a:ext uri="{AF507438-7753-43E0-B8FC-AC1667EBCBE1}">
+              <a14:hiddenEffects xmlns:a14="http://schemas.microsoft.com/office/drawing/2010/main">
+                <a:effectLst>
+                  <a:outerShdw dist="35921" dir="2700000" algn="ctr" rotWithShape="0">
+                    <a:schemeClr val="bg2"/>
+                  </a:outerShdw>
+                </a:effectLst>
+              </a14:hiddenEffects>
+            </a:ext>
+          </a:extLst>
+        </p:spPr>
+        <p:txBody>
+          <a:bodyPr vert="horz" wrap="none" lIns="91440" tIns="45720" rIns="91440" bIns="45720" numCol="1" anchor="ctr" anchorCtr="0" compatLnSpc="1">
+            <a:prstTxWarp prst="textNoShape">
+              <a:avLst/>
+            </a:prstTxWarp>
+            <a:spAutoFit/>
+          </a:bodyPr>
+          <a:lstStyle/>
+          <a:p>
+            <a:pPr marL="0" marR="0" lvl="0" indent="0" algn="l" defTabSz="914400" rtl="0" eaLnBrk="0" fontAlgn="base" latinLnBrk="0" hangingPunct="0">
+              <a:lnSpc>
+                <a:spcPct val="100000"/>
+              </a:lnSpc>
+              <a:spcBef>
+                <a:spcPct val="0"/>
+              </a:spcBef>
+              <a:spcAft>
+                <a:spcPct val="0"/>
+              </a:spcAft>
+              <a:buClrTx/>
+              <a:buSzTx/>
+              <a:buFontTx/>
+              <a:buNone/>
+              <a:tabLst/>
+            </a:pPr>
+            <a:r>
+              <a:rPr kumimoji="0" lang="ru-RU" altLang="ru-RU" b="0" i="0" u="none" strike="noStrike" cap="none" normalizeH="0" baseline="0" dirty="0" err="1" smtClean="0">
+                <a:ln>
+                  <a:noFill/>
+                </a:ln>
+                <a:solidFill>
+                  <a:srgbClr val="5BCD9D"/>
+                </a:solidFill>
+                <a:effectLst/>
+                <a:latin typeface="Verdana" panose="020B0604030504040204" pitchFamily="34" charset="0"/>
+              </a:rPr>
+              <a:t>account</a:t>
+            </a:r>
+            <a:r>
+              <a:rPr kumimoji="0" lang="ru-RU" altLang="ru-RU" b="0" i="0" u="none" strike="noStrike" cap="none" normalizeH="0" baseline="0" dirty="0" smtClean="0">
+                <a:ln>
+                  <a:noFill/>
+                </a:ln>
+                <a:solidFill>
+                  <a:srgbClr val="5BCD9D"/>
+                </a:solidFill>
+                <a:effectLst/>
+                <a:latin typeface="Verdana" panose="020B0604030504040204" pitchFamily="34" charset="0"/>
+              </a:rPr>
+              <a:t>_</a:t>
+            </a:r>
+            <a:r>
+              <a:rPr kumimoji="0" lang="ru-RU" altLang="ru-RU" b="0" i="0" u="none" strike="noStrike" cap="none" normalizeH="0" baseline="0" dirty="0" smtClean="0">
+                <a:ln>
+                  <a:noFill/>
+                </a:ln>
+                <a:solidFill>
+                  <a:srgbClr val="FFFFFF"/>
+                </a:solidFill>
+                <a:effectLst/>
+                <a:latin typeface="Verdana" panose="020B0604030504040204" pitchFamily="34" charset="0"/>
+              </a:rPr>
+              <a:t>.</a:t>
+            </a:r>
+            <a:r>
+              <a:rPr kumimoji="0" lang="ru-RU" altLang="ru-RU" b="0" i="0" u="none" strike="noStrike" cap="none" normalizeH="0" baseline="0" dirty="0" err="1" smtClean="0">
+                <a:ln>
+                  <a:noFill/>
+                </a:ln>
+                <a:solidFill>
+                  <a:srgbClr val="FFCC00"/>
+                </a:solidFill>
+                <a:effectLst/>
+                <a:latin typeface="Verdana" panose="020B0604030504040204" pitchFamily="34" charset="0"/>
+              </a:rPr>
+              <a:t>ApplyPayment</a:t>
+            </a:r>
+            <a:r>
+              <a:rPr kumimoji="0" lang="ru-RU" altLang="ru-RU" b="0" i="0" u="none" strike="noStrike" cap="none" normalizeH="0" baseline="0" dirty="0" smtClean="0">
+                <a:ln>
+                  <a:noFill/>
+                </a:ln>
+                <a:solidFill>
+                  <a:srgbClr val="FFFFFF"/>
+                </a:solidFill>
+                <a:effectLst/>
+                <a:latin typeface="Verdana" panose="020B0604030504040204" pitchFamily="34" charset="0"/>
+              </a:rPr>
+              <a:t>(</a:t>
+            </a:r>
+            <a:r>
+              <a:rPr kumimoji="0" lang="ru-RU" altLang="ru-RU" b="0" i="0" u="none" strike="noStrike" cap="none" normalizeH="0" baseline="0" dirty="0" err="1" smtClean="0">
+                <a:ln>
+                  <a:noFill/>
+                </a:ln>
+                <a:solidFill>
+                  <a:srgbClr val="5BCD9D"/>
+                </a:solidFill>
+                <a:effectLst/>
+                <a:latin typeface="Verdana" panose="020B0604030504040204" pitchFamily="34" charset="0"/>
+              </a:rPr>
+              <a:t>rubles</a:t>
+            </a:r>
+            <a:r>
+              <a:rPr kumimoji="0" lang="ru-RU" altLang="ru-RU" b="0" i="0" u="none" strike="noStrike" cap="none" normalizeH="0" baseline="0" dirty="0" smtClean="0">
+                <a:ln>
+                  <a:noFill/>
+                </a:ln>
+                <a:solidFill>
+                  <a:srgbClr val="FFFFFF"/>
+                </a:solidFill>
+                <a:effectLst/>
+                <a:latin typeface="Verdana" panose="020B0604030504040204" pitchFamily="34" charset="0"/>
+              </a:rPr>
+              <a:t>);</a:t>
+            </a:r>
+            <a:endParaRPr kumimoji="0" lang="ru-RU" altLang="ru-RU" b="0" i="0" u="none" strike="noStrike" cap="none" normalizeH="0" baseline="0" dirty="0" smtClean="0">
+              <a:ln>
+                <a:noFill/>
+              </a:ln>
+              <a:solidFill>
+                <a:schemeClr val="tx1"/>
+              </a:solidFill>
+              <a:effectLst/>
+              <a:latin typeface="Arial" panose="020B0604020202020204" pitchFamily="34" charset="0"/>
+            </a:endParaRPr>
           </a:p>
         </p:txBody>
       </p:sp>
     </p:spTree>
     <p:extLst>
       <p:ext uri="{BB962C8B-B14F-4D97-AF65-F5344CB8AC3E}">
-        <p14:creationId xmlns:p14="http://schemas.microsoft.com/office/powerpoint/2010/main" val="554880742"/>
+        <p14:creationId xmlns:p14="http://schemas.microsoft.com/office/powerpoint/2010/main" val="1797449228"/>
+      </p:ext>
+    </p:extLst>
+  </p:cSld>
+  <p:clrMapOvr>
+    <a:masterClrMapping/>
+  </p:clrMapOvr>
+  <p:transition spd="slow">
+    <p:push dir="u"/>
+  </p:transition>
+  <p:timing>
+    <p:tnLst>
+      <p:par>
+        <p:cTn id="1" dur="indefinite" restart="never" nodeType="tmRoot">
+          <p:childTnLst>
+            <p:seq concurrent="1" nextAc="seek">
+              <p:cTn id="2" dur="indefinite" nodeType="mainSeq">
+                <p:childTnLst>
+                  <p:par>
+                    <p:cTn id="3" fill="hold">
+                      <p:stCondLst>
+                        <p:cond delay="indefinite"/>
+                      </p:stCondLst>
+                      <p:childTnLst>
+                        <p:par>
+                          <p:cTn id="4" fill="hold">
+                            <p:stCondLst>
+                              <p:cond delay="0"/>
+                            </p:stCondLst>
+                            <p:childTnLst>
+                              <p:par>
+                                <p:cTn id="5" presetID="2" presetClass="exit" presetSubtype="8" fill="hold" nodeType="clickEffect">
+                                  <p:stCondLst>
+                                    <p:cond delay="0"/>
+                                  </p:stCondLst>
+                                  <p:childTnLst>
+                                    <p:anim calcmode="lin" valueType="num">
+                                      <p:cBhvr additive="base">
+                                        <p:cTn id="6" dur="500"/>
+                                        <p:tgtEl>
+                                          <p:spTgt spid="4">
+                                            <p:txEl>
+                                              <p:pRg st="1" end="1"/>
+                                            </p:txEl>
+                                          </p:spTgt>
+                                        </p:tgtEl>
+                                        <p:attrNameLst>
+                                          <p:attrName>ppt_x</p:attrName>
+                                        </p:attrNameLst>
+                                      </p:cBhvr>
+                                      <p:tavLst>
+                                        <p:tav tm="0">
+                                          <p:val>
+                                            <p:strVal val="ppt_x"/>
+                                          </p:val>
+                                        </p:tav>
+                                        <p:tav tm="100000">
+                                          <p:val>
+                                            <p:strVal val="0-ppt_w/2"/>
+                                          </p:val>
+                                        </p:tav>
+                                      </p:tavLst>
+                                    </p:anim>
+                                    <p:anim calcmode="lin" valueType="num">
+                                      <p:cBhvr additive="base">
+                                        <p:cTn id="7" dur="500"/>
+                                        <p:tgtEl>
+                                          <p:spTgt spid="4">
+                                            <p:txEl>
+                                              <p:pRg st="1" end="1"/>
+                                            </p:txEl>
+                                          </p:spTgt>
+                                        </p:tgtEl>
+                                        <p:attrNameLst>
+                                          <p:attrName>ppt_y</p:attrName>
+                                        </p:attrNameLst>
+                                      </p:cBhvr>
+                                      <p:tavLst>
+                                        <p:tav tm="0">
+                                          <p:val>
+                                            <p:strVal val="ppt_y"/>
+                                          </p:val>
+                                        </p:tav>
+                                        <p:tav tm="100000">
+                                          <p:val>
+                                            <p:strVal val="ppt_y"/>
+                                          </p:val>
+                                        </p:tav>
+                                      </p:tavLst>
+                                    </p:anim>
+                                    <p:set>
+                                      <p:cBhvr>
+                                        <p:cTn id="8" dur="1" fill="hold">
+                                          <p:stCondLst>
+                                            <p:cond delay="499"/>
+                                          </p:stCondLst>
+                                        </p:cTn>
+                                        <p:tgtEl>
+                                          <p:spTgt spid="4">
+                                            <p:txEl>
+                                              <p:pRg st="1" end="1"/>
+                                            </p:txEl>
+                                          </p:spTgt>
+                                        </p:tgtEl>
+                                        <p:attrNameLst>
+                                          <p:attrName>style.visibility</p:attrName>
+                                        </p:attrNameLst>
+                                      </p:cBhvr>
+                                      <p:to>
+                                        <p:strVal val="hidden"/>
+                                      </p:to>
+                                    </p:set>
+                                  </p:childTnLst>
+                                </p:cTn>
+                              </p:par>
+                              <p:par>
+                                <p:cTn id="9" presetID="2" presetClass="exit" presetSubtype="8" fill="hold" nodeType="withEffect">
+                                  <p:stCondLst>
+                                    <p:cond delay="0"/>
+                                  </p:stCondLst>
+                                  <p:childTnLst>
+                                    <p:anim calcmode="lin" valueType="num">
+                                      <p:cBhvr additive="base">
+                                        <p:cTn id="10" dur="500"/>
+                                        <p:tgtEl>
+                                          <p:spTgt spid="4">
+                                            <p:txEl>
+                                              <p:pRg st="3" end="3"/>
+                                            </p:txEl>
+                                          </p:spTgt>
+                                        </p:tgtEl>
+                                        <p:attrNameLst>
+                                          <p:attrName>ppt_x</p:attrName>
+                                        </p:attrNameLst>
+                                      </p:cBhvr>
+                                      <p:tavLst>
+                                        <p:tav tm="0">
+                                          <p:val>
+                                            <p:strVal val="ppt_x"/>
+                                          </p:val>
+                                        </p:tav>
+                                        <p:tav tm="100000">
+                                          <p:val>
+                                            <p:strVal val="0-ppt_w/2"/>
+                                          </p:val>
+                                        </p:tav>
+                                      </p:tavLst>
+                                    </p:anim>
+                                    <p:anim calcmode="lin" valueType="num">
+                                      <p:cBhvr additive="base">
+                                        <p:cTn id="11" dur="500"/>
+                                        <p:tgtEl>
+                                          <p:spTgt spid="4">
+                                            <p:txEl>
+                                              <p:pRg st="3" end="3"/>
+                                            </p:txEl>
+                                          </p:spTgt>
+                                        </p:tgtEl>
+                                        <p:attrNameLst>
+                                          <p:attrName>ppt_y</p:attrName>
+                                        </p:attrNameLst>
+                                      </p:cBhvr>
+                                      <p:tavLst>
+                                        <p:tav tm="0">
+                                          <p:val>
+                                            <p:strVal val="ppt_y"/>
+                                          </p:val>
+                                        </p:tav>
+                                        <p:tav tm="100000">
+                                          <p:val>
+                                            <p:strVal val="ppt_y"/>
+                                          </p:val>
+                                        </p:tav>
+                                      </p:tavLst>
+                                    </p:anim>
+                                    <p:set>
+                                      <p:cBhvr>
+                                        <p:cTn id="12" dur="1" fill="hold">
+                                          <p:stCondLst>
+                                            <p:cond delay="499"/>
+                                          </p:stCondLst>
+                                        </p:cTn>
+                                        <p:tgtEl>
+                                          <p:spTgt spid="4">
+                                            <p:txEl>
+                                              <p:pRg st="3" end="3"/>
+                                            </p:txEl>
+                                          </p:spTgt>
+                                        </p:tgtEl>
+                                        <p:attrNameLst>
+                                          <p:attrName>style.visibility</p:attrName>
+                                        </p:attrNameLst>
+                                      </p:cBhvr>
+                                      <p:to>
+                                        <p:strVal val="hidden"/>
+                                      </p:to>
+                                    </p:set>
+                                  </p:childTnLst>
+                                </p:cTn>
+                              </p:par>
+                              <p:par>
+                                <p:cTn id="13" presetID="2" presetClass="entr" presetSubtype="2" fill="hold" grpId="0" nodeType="withEffect">
+                                  <p:stCondLst>
+                                    <p:cond delay="0"/>
+                                  </p:stCondLst>
+                                  <p:childTnLst>
+                                    <p:set>
+                                      <p:cBhvr>
+                                        <p:cTn id="14" dur="1" fill="hold">
+                                          <p:stCondLst>
+                                            <p:cond delay="0"/>
+                                          </p:stCondLst>
+                                        </p:cTn>
+                                        <p:tgtEl>
+                                          <p:spTgt spid="8"/>
+                                        </p:tgtEl>
+                                        <p:attrNameLst>
+                                          <p:attrName>style.visibility</p:attrName>
+                                        </p:attrNameLst>
+                                      </p:cBhvr>
+                                      <p:to>
+                                        <p:strVal val="visible"/>
+                                      </p:to>
+                                    </p:set>
+                                    <p:anim calcmode="lin" valueType="num">
+                                      <p:cBhvr additive="base">
+                                        <p:cTn id="15" dur="500" fill="hold"/>
+                                        <p:tgtEl>
+                                          <p:spTgt spid="8"/>
+                                        </p:tgtEl>
+                                        <p:attrNameLst>
+                                          <p:attrName>ppt_x</p:attrName>
+                                        </p:attrNameLst>
+                                      </p:cBhvr>
+                                      <p:tavLst>
+                                        <p:tav tm="0">
+                                          <p:val>
+                                            <p:strVal val="1+#ppt_w/2"/>
+                                          </p:val>
+                                        </p:tav>
+                                        <p:tav tm="100000">
+                                          <p:val>
+                                            <p:strVal val="#ppt_x"/>
+                                          </p:val>
+                                        </p:tav>
+                                      </p:tavLst>
+                                    </p:anim>
+                                    <p:anim calcmode="lin" valueType="num">
+                                      <p:cBhvr additive="base">
+                                        <p:cTn id="16" dur="500" fill="hold"/>
+                                        <p:tgtEl>
+                                          <p:spTgt spid="8"/>
+                                        </p:tgtEl>
+                                        <p:attrNameLst>
+                                          <p:attrName>ppt_y</p:attrName>
+                                        </p:attrNameLst>
+                                      </p:cBhvr>
+                                      <p:tavLst>
+                                        <p:tav tm="0">
+                                          <p:val>
+                                            <p:strVal val="#ppt_y"/>
+                                          </p:val>
+                                        </p:tav>
+                                        <p:tav tm="100000">
+                                          <p:val>
+                                            <p:strVal val="#ppt_y"/>
+                                          </p:val>
+                                        </p:tav>
+                                      </p:tavLst>
+                                    </p:anim>
+                                  </p:childTnLst>
+                                </p:cTn>
+                              </p:par>
+                              <p:par>
+                                <p:cTn id="17" presetID="2" presetClass="entr" presetSubtype="2" fill="hold" grpId="0" nodeType="withEffect">
+                                  <p:stCondLst>
+                                    <p:cond delay="0"/>
+                                  </p:stCondLst>
+                                  <p:childTnLst>
+                                    <p:set>
+                                      <p:cBhvr>
+                                        <p:cTn id="18" dur="1" fill="hold">
+                                          <p:stCondLst>
+                                            <p:cond delay="0"/>
+                                          </p:stCondLst>
+                                        </p:cTn>
+                                        <p:tgtEl>
+                                          <p:spTgt spid="10"/>
+                                        </p:tgtEl>
+                                        <p:attrNameLst>
+                                          <p:attrName>style.visibility</p:attrName>
+                                        </p:attrNameLst>
+                                      </p:cBhvr>
+                                      <p:to>
+                                        <p:strVal val="visible"/>
+                                      </p:to>
+                                    </p:set>
+                                    <p:anim calcmode="lin" valueType="num">
+                                      <p:cBhvr additive="base">
+                                        <p:cTn id="19" dur="500" fill="hold"/>
+                                        <p:tgtEl>
+                                          <p:spTgt spid="10"/>
+                                        </p:tgtEl>
+                                        <p:attrNameLst>
+                                          <p:attrName>ppt_x</p:attrName>
+                                        </p:attrNameLst>
+                                      </p:cBhvr>
+                                      <p:tavLst>
+                                        <p:tav tm="0">
+                                          <p:val>
+                                            <p:strVal val="1+#ppt_w/2"/>
+                                          </p:val>
+                                        </p:tav>
+                                        <p:tav tm="100000">
+                                          <p:val>
+                                            <p:strVal val="#ppt_x"/>
+                                          </p:val>
+                                        </p:tav>
+                                      </p:tavLst>
+                                    </p:anim>
+                                    <p:anim calcmode="lin" valueType="num">
+                                      <p:cBhvr additive="base">
+                                        <p:cTn id="20" dur="500" fill="hold"/>
+                                        <p:tgtEl>
+                                          <p:spTgt spid="10"/>
+                                        </p:tgtEl>
+                                        <p:attrNameLst>
+                                          <p:attrName>ppt_y</p:attrName>
+                                        </p:attrNameLst>
+                                      </p:cBhvr>
+                                      <p:tavLst>
+                                        <p:tav tm="0">
+                                          <p:val>
+                                            <p:strVal val="#ppt_y"/>
+                                          </p:val>
+                                        </p:tav>
+                                        <p:tav tm="100000">
+                                          <p:val>
+                                            <p:strVal val="#ppt_y"/>
+                                          </p:val>
+                                        </p:tav>
+                                      </p:tavLst>
+                                    </p:anim>
+                                  </p:childTnLst>
+                                </p:cTn>
+                              </p:par>
+                            </p:childTnLst>
+                          </p:cTn>
+                        </p:par>
+                      </p:childTnLst>
+                    </p:cTn>
+                  </p:par>
+                </p:childTnLst>
+              </p:cTn>
+              <p:prevCondLst>
+                <p:cond evt="onPrev" delay="0">
+                  <p:tgtEl>
+                    <p:sldTgt/>
+                  </p:tgtEl>
+                </p:cond>
+              </p:prevCondLst>
+              <p:nextCondLst>
+                <p:cond evt="onNext" delay="0">
+                  <p:tgtEl>
+                    <p:sldTgt/>
+                  </p:tgtEl>
+                </p:cond>
+              </p:nextCondLst>
+            </p:seq>
+          </p:childTnLst>
+        </p:cTn>
+      </p:par>
+    </p:tnLst>
+    <p:bldLst>
+      <p:bldP spid="8" grpId="0"/>
+      <p:bldP spid="10" grpId="0" animBg="1"/>
+    </p:bldLst>
+  </p:timing>
+</p:sld>
+</file>
+
+<file path=ppt/slides/slide31.xml><?xml version="1.0" encoding="utf-8"?>
+<p:sld xmlns:a="http://schemas.openxmlformats.org/drawingml/2006/main" xmlns:r="http://schemas.openxmlformats.org/officeDocument/2006/relationships" xmlns:p="http://schemas.openxmlformats.org/presentationml/2006/main">
+  <p:cSld>
+    <p:spTree>
+      <p:nvGrpSpPr>
+        <p:cNvPr id="1" name=""/>
+        <p:cNvGrpSpPr/>
+        <p:nvPr/>
+      </p:nvGrpSpPr>
+      <p:grpSpPr>
+        <a:xfrm>
+          <a:off x="0" y="0"/>
+          <a:ext cx="0" cy="0"/>
+          <a:chOff x="0" y="0"/>
+          <a:chExt cx="0" cy="0"/>
+        </a:xfrm>
+      </p:grpSpPr>
+      <p:sp>
+        <p:nvSpPr>
+          <p:cNvPr id="2" name="Нижний колонтитул 1"/>
+          <p:cNvSpPr>
+            <a:spLocks noGrp="1"/>
+          </p:cNvSpPr>
+          <p:nvPr>
+            <p:ph type="ftr" sz="quarter" idx="11"/>
+          </p:nvPr>
+        </p:nvSpPr>
+        <p:spPr/>
+        <p:txBody>
+          <a:bodyPr/>
+          <a:lstStyle/>
+          <a:p>
+            <a:endParaRPr lang="ru-RU" dirty="0">
+              <a:solidFill>
+                <a:srgbClr val="000000"/>
+              </a:solidFill>
+            </a:endParaRPr>
+          </a:p>
+        </p:txBody>
+      </p:sp>
+      <p:sp>
+        <p:nvSpPr>
+          <p:cNvPr id="3" name="Номер слайда 2"/>
+          <p:cNvSpPr>
+            <a:spLocks noGrp="1"/>
+          </p:cNvSpPr>
+          <p:nvPr>
+            <p:ph type="sldNum" sz="quarter" idx="12"/>
+          </p:nvPr>
+        </p:nvSpPr>
+        <p:spPr/>
+        <p:txBody>
+          <a:bodyPr/>
+          <a:lstStyle/>
+          <a:p>
+            <a:fld id="{741C03D3-FA44-40EC-9A21-1FC4FEA3E22E}" type="slidenum">
+              <a:rPr lang="ru-RU" smtClean="0">
+                <a:solidFill>
+                  <a:srgbClr val="000000"/>
+                </a:solidFill>
+              </a:rPr>
+              <a:pPr/>
+              <a:t>31</a:t>
+            </a:fld>
+            <a:endParaRPr lang="ru-RU">
+              <a:solidFill>
+                <a:srgbClr val="000000"/>
+              </a:solidFill>
+            </a:endParaRPr>
+          </a:p>
+        </p:txBody>
+      </p:sp>
+      <p:sp>
+        <p:nvSpPr>
+          <p:cNvPr id="4" name="Объект 3"/>
+          <p:cNvSpPr>
+            <a:spLocks noGrp="1"/>
+          </p:cNvSpPr>
+          <p:nvPr>
+            <p:ph idx="13"/>
+          </p:nvPr>
+        </p:nvSpPr>
+        <p:spPr>
+          <a:xfrm>
+            <a:off x="-107576" y="0"/>
+            <a:ext cx="12774706" cy="13720763"/>
+          </a:xfrm>
+        </p:spPr>
+        <p:txBody>
+          <a:bodyPr/>
+          <a:lstStyle/>
+          <a:p>
+            <a:r>
+              <a:rPr lang="ru-RU" altLang="ru-RU" dirty="0" err="1">
+                <a:solidFill>
+                  <a:srgbClr val="FFFFFF"/>
+                </a:solidFill>
+                <a:latin typeface="Verdana" panose="020B0604030504040204" pitchFamily="34" charset="0"/>
+              </a:rPr>
+              <a:t>void</a:t>
+            </a:r>
+            <a:r>
+              <a:rPr lang="ru-RU" altLang="ru-RU" dirty="0">
+                <a:solidFill>
+                  <a:srgbClr val="FFFFFF"/>
+                </a:solidFill>
+                <a:latin typeface="Verdana" panose="020B0604030504040204" pitchFamily="34" charset="0"/>
+              </a:rPr>
+              <a:t> </a:t>
+            </a:r>
+            <a:r>
+              <a:rPr lang="ru-RU" altLang="ru-RU" dirty="0" err="1">
+                <a:solidFill>
+                  <a:srgbClr val="FFCC00"/>
+                </a:solidFill>
+                <a:latin typeface="Verdana" panose="020B0604030504040204" pitchFamily="34" charset="0"/>
+              </a:rPr>
+              <a:t>TestChargeDoesntIncreaseMoney</a:t>
+            </a:r>
+            <a:r>
+              <a:rPr lang="ru-RU" altLang="ru-RU" dirty="0">
+                <a:solidFill>
+                  <a:srgbClr val="FFFFFF"/>
+                </a:solidFill>
+                <a:latin typeface="Verdana" panose="020B0604030504040204" pitchFamily="34" charset="0"/>
+              </a:rPr>
+              <a:t>() {</a:t>
+            </a:r>
+            <a:br>
+              <a:rPr lang="ru-RU" altLang="ru-RU" dirty="0">
+                <a:solidFill>
+                  <a:srgbClr val="FFFFFF"/>
+                </a:solidFill>
+                <a:latin typeface="Verdana" panose="020B0604030504040204" pitchFamily="34" charset="0"/>
+              </a:rPr>
+            </a:br>
+            <a:r>
+              <a:rPr lang="ru-RU" altLang="ru-RU" dirty="0">
+                <a:solidFill>
+                  <a:srgbClr val="FFFFFF"/>
+                </a:solidFill>
+                <a:latin typeface="Verdana" panose="020B0604030504040204" pitchFamily="34" charset="0"/>
+              </a:rPr>
+              <a:t>    </a:t>
+            </a:r>
+            <a:r>
+              <a:rPr lang="ru-RU" altLang="ru-RU" dirty="0" err="1">
+                <a:solidFill>
+                  <a:srgbClr val="FFCC00"/>
+                </a:solidFill>
+                <a:latin typeface="Verdana" panose="020B0604030504040204" pitchFamily="34" charset="0"/>
+              </a:rPr>
+              <a:t>UserAccount</a:t>
+            </a:r>
+            <a:r>
+              <a:rPr lang="ru-RU" altLang="ru-RU" dirty="0">
+                <a:solidFill>
+                  <a:srgbClr val="FFCC00"/>
+                </a:solidFill>
+                <a:latin typeface="Verdana" panose="020B0604030504040204" pitchFamily="34" charset="0"/>
+              </a:rPr>
+              <a:t> </a:t>
+            </a:r>
+            <a:r>
+              <a:rPr lang="ru-RU" altLang="ru-RU" dirty="0" err="1">
+                <a:solidFill>
+                  <a:srgbClr val="5BCD9D"/>
+                </a:solidFill>
+                <a:latin typeface="Verdana" panose="020B0604030504040204" pitchFamily="34" charset="0"/>
+              </a:rPr>
+              <a:t>ua</a:t>
+            </a:r>
+            <a:r>
+              <a:rPr lang="ru-RU" altLang="ru-RU" dirty="0">
+                <a:solidFill>
+                  <a:srgbClr val="FFFFFF"/>
+                </a:solidFill>
+                <a:latin typeface="Verdana" panose="020B0604030504040204" pitchFamily="34" charset="0"/>
+              </a:rPr>
+              <a:t>{15};</a:t>
+            </a:r>
+            <a:br>
+              <a:rPr lang="ru-RU" altLang="ru-RU" dirty="0">
+                <a:solidFill>
+                  <a:srgbClr val="FFFFFF"/>
+                </a:solidFill>
+                <a:latin typeface="Verdana" panose="020B0604030504040204" pitchFamily="34" charset="0"/>
+              </a:rPr>
+            </a:br>
+            <a:r>
+              <a:rPr lang="ru-RU" altLang="ru-RU" dirty="0">
+                <a:solidFill>
+                  <a:srgbClr val="FFFFFF"/>
+                </a:solidFill>
+                <a:latin typeface="Verdana" panose="020B0604030504040204" pitchFamily="34" charset="0"/>
+              </a:rPr>
+              <a:t>    </a:t>
+            </a:r>
+            <a:r>
+              <a:rPr lang="ru-RU" altLang="ru-RU" dirty="0" err="1">
+                <a:solidFill>
+                  <a:srgbClr val="5BCD9D"/>
+                </a:solidFill>
+                <a:latin typeface="Verdana" panose="020B0604030504040204" pitchFamily="34" charset="0"/>
+              </a:rPr>
+              <a:t>ua</a:t>
+            </a:r>
+            <a:r>
+              <a:rPr lang="ru-RU" altLang="ru-RU" dirty="0" err="1">
+                <a:solidFill>
+                  <a:srgbClr val="FFFFFF"/>
+                </a:solidFill>
+                <a:latin typeface="Verdana" panose="020B0604030504040204" pitchFamily="34" charset="0"/>
+              </a:rPr>
+              <a:t>.</a:t>
+            </a:r>
+            <a:r>
+              <a:rPr lang="ru-RU" altLang="ru-RU" dirty="0" err="1">
+                <a:solidFill>
+                  <a:srgbClr val="FFCC00"/>
+                </a:solidFill>
+                <a:latin typeface="Verdana" panose="020B0604030504040204" pitchFamily="34" charset="0"/>
+              </a:rPr>
+              <a:t>ApplyCharge</a:t>
+            </a:r>
+            <a:r>
+              <a:rPr lang="ru-RU" altLang="ru-RU" dirty="0">
+                <a:solidFill>
+                  <a:srgbClr val="FFFFFF"/>
+                </a:solidFill>
+                <a:latin typeface="Verdana" panose="020B0604030504040204" pitchFamily="34" charset="0"/>
+              </a:rPr>
+              <a:t>(10);</a:t>
+            </a:r>
+            <a:br>
+              <a:rPr lang="ru-RU" altLang="ru-RU" dirty="0">
+                <a:solidFill>
+                  <a:srgbClr val="FFFFFF"/>
+                </a:solidFill>
+                <a:latin typeface="Verdana" panose="020B0604030504040204" pitchFamily="34" charset="0"/>
+              </a:rPr>
+            </a:br>
+            <a:r>
+              <a:rPr lang="ru-RU" altLang="ru-RU" dirty="0">
+                <a:solidFill>
+                  <a:srgbClr val="FFFFFF"/>
+                </a:solidFill>
+                <a:latin typeface="Verdana" panose="020B0604030504040204" pitchFamily="34" charset="0"/>
+              </a:rPr>
+              <a:t>    </a:t>
+            </a:r>
+            <a:r>
+              <a:rPr lang="ru-RU" altLang="ru-RU" dirty="0" err="1">
+                <a:solidFill>
+                  <a:srgbClr val="908B25"/>
+                </a:solidFill>
+                <a:latin typeface="Verdana" panose="020B0604030504040204" pitchFamily="34" charset="0"/>
+              </a:rPr>
+              <a:t>assert</a:t>
+            </a:r>
+            <a:r>
+              <a:rPr lang="ru-RU" altLang="ru-RU" dirty="0">
+                <a:solidFill>
+                  <a:srgbClr val="FFFFFF"/>
+                </a:solidFill>
+                <a:latin typeface="Verdana" panose="020B0604030504040204" pitchFamily="34" charset="0"/>
+              </a:rPr>
+              <a:t>(</a:t>
+            </a:r>
+            <a:r>
+              <a:rPr lang="ru-RU" altLang="ru-RU" dirty="0" err="1">
+                <a:solidFill>
+                  <a:srgbClr val="5BCD9D"/>
+                </a:solidFill>
+                <a:latin typeface="Verdana" panose="020B0604030504040204" pitchFamily="34" charset="0"/>
+              </a:rPr>
+              <a:t>ua</a:t>
+            </a:r>
+            <a:r>
+              <a:rPr lang="ru-RU" altLang="ru-RU" dirty="0" err="1">
+                <a:solidFill>
+                  <a:srgbClr val="FFFFFF"/>
+                </a:solidFill>
+                <a:latin typeface="Verdana" panose="020B0604030504040204" pitchFamily="34" charset="0"/>
+              </a:rPr>
+              <a:t>.</a:t>
+            </a:r>
+            <a:r>
+              <a:rPr lang="ru-RU" altLang="ru-RU" dirty="0" err="1">
+                <a:solidFill>
+                  <a:srgbClr val="5BCD9D"/>
+                </a:solidFill>
+                <a:latin typeface="Verdana" panose="020B0604030504040204" pitchFamily="34" charset="0"/>
+              </a:rPr>
+              <a:t>money</a:t>
+            </a:r>
+            <a:r>
+              <a:rPr lang="ru-RU" altLang="ru-RU" dirty="0">
+                <a:solidFill>
+                  <a:srgbClr val="5BCD9D"/>
+                </a:solidFill>
+                <a:latin typeface="Verdana" panose="020B0604030504040204" pitchFamily="34" charset="0"/>
+              </a:rPr>
+              <a:t>_ </a:t>
+            </a:r>
+            <a:r>
+              <a:rPr lang="ru-RU" altLang="ru-RU" dirty="0">
+                <a:solidFill>
+                  <a:srgbClr val="FFFFFF"/>
+                </a:solidFill>
+                <a:latin typeface="Verdana" panose="020B0604030504040204" pitchFamily="34" charset="0"/>
+              </a:rPr>
+              <a:t>&lt;= 15);</a:t>
+            </a:r>
+            <a:br>
+              <a:rPr lang="ru-RU" altLang="ru-RU" dirty="0">
+                <a:solidFill>
+                  <a:srgbClr val="FFFFFF"/>
+                </a:solidFill>
+                <a:latin typeface="Verdana" panose="020B0604030504040204" pitchFamily="34" charset="0"/>
+              </a:rPr>
+            </a:br>
+            <a:r>
+              <a:rPr lang="ru-RU" altLang="ru-RU" dirty="0">
+                <a:solidFill>
+                  <a:srgbClr val="FFFFFF"/>
+                </a:solidFill>
+                <a:latin typeface="Verdana" panose="020B0604030504040204" pitchFamily="34" charset="0"/>
+              </a:rPr>
+              <a:t>}</a:t>
+            </a:r>
+            <a:br>
+              <a:rPr lang="ru-RU" altLang="ru-RU" dirty="0">
+                <a:solidFill>
+                  <a:srgbClr val="FFFFFF"/>
+                </a:solidFill>
+                <a:latin typeface="Verdana" panose="020B0604030504040204" pitchFamily="34" charset="0"/>
+              </a:rPr>
+            </a:br>
+            <a:r>
+              <a:rPr lang="ru-RU" altLang="ru-RU" dirty="0">
+                <a:solidFill>
+                  <a:srgbClr val="FFFFFF"/>
+                </a:solidFill>
+                <a:latin typeface="Verdana" panose="020B0604030504040204" pitchFamily="34" charset="0"/>
+              </a:rPr>
+              <a:t/>
+            </a:r>
+            <a:br>
+              <a:rPr lang="ru-RU" altLang="ru-RU" dirty="0">
+                <a:solidFill>
+                  <a:srgbClr val="FFFFFF"/>
+                </a:solidFill>
+                <a:latin typeface="Verdana" panose="020B0604030504040204" pitchFamily="34" charset="0"/>
+              </a:rPr>
+            </a:br>
+            <a:r>
+              <a:rPr lang="ru-RU" altLang="ru-RU" dirty="0" err="1">
+                <a:solidFill>
+                  <a:srgbClr val="FFFFFF"/>
+                </a:solidFill>
+                <a:latin typeface="Verdana" panose="020B0604030504040204" pitchFamily="34" charset="0"/>
+              </a:rPr>
+              <a:t>void</a:t>
+            </a:r>
+            <a:r>
+              <a:rPr lang="ru-RU" altLang="ru-RU" dirty="0">
+                <a:solidFill>
+                  <a:srgbClr val="FFFFFF"/>
+                </a:solidFill>
+                <a:latin typeface="Verdana" panose="020B0604030504040204" pitchFamily="34" charset="0"/>
+              </a:rPr>
+              <a:t> </a:t>
+            </a:r>
+            <a:r>
+              <a:rPr lang="ru-RU" altLang="ru-RU" dirty="0" err="1">
+                <a:solidFill>
+                  <a:srgbClr val="FFCC00"/>
+                </a:solidFill>
+                <a:latin typeface="Verdana" panose="020B0604030504040204" pitchFamily="34" charset="0"/>
+              </a:rPr>
+              <a:t>TestNoChargeForZeroMinutes</a:t>
+            </a:r>
+            <a:r>
+              <a:rPr lang="ru-RU" altLang="ru-RU" dirty="0">
+                <a:solidFill>
+                  <a:srgbClr val="FFFFFF"/>
+                </a:solidFill>
+                <a:latin typeface="Verdana" panose="020B0604030504040204" pitchFamily="34" charset="0"/>
+              </a:rPr>
+              <a:t>() {</a:t>
+            </a:r>
+            <a:br>
+              <a:rPr lang="ru-RU" altLang="ru-RU" dirty="0">
+                <a:solidFill>
+                  <a:srgbClr val="FFFFFF"/>
+                </a:solidFill>
+                <a:latin typeface="Verdana" panose="020B0604030504040204" pitchFamily="34" charset="0"/>
+              </a:rPr>
+            </a:br>
+            <a:r>
+              <a:rPr lang="ru-RU" altLang="ru-RU" dirty="0">
+                <a:solidFill>
+                  <a:srgbClr val="FFFFFF"/>
+                </a:solidFill>
+                <a:latin typeface="Verdana" panose="020B0604030504040204" pitchFamily="34" charset="0"/>
+              </a:rPr>
+              <a:t>    </a:t>
+            </a:r>
+            <a:r>
+              <a:rPr lang="ru-RU" altLang="ru-RU" dirty="0" err="1">
+                <a:solidFill>
+                  <a:srgbClr val="FFCC00"/>
+                </a:solidFill>
+                <a:latin typeface="Verdana" panose="020B0604030504040204" pitchFamily="34" charset="0"/>
+              </a:rPr>
+              <a:t>UserAccount</a:t>
+            </a:r>
+            <a:r>
+              <a:rPr lang="ru-RU" altLang="ru-RU" dirty="0">
+                <a:solidFill>
+                  <a:srgbClr val="FFCC00"/>
+                </a:solidFill>
+                <a:latin typeface="Verdana" panose="020B0604030504040204" pitchFamily="34" charset="0"/>
+              </a:rPr>
+              <a:t> </a:t>
+            </a:r>
+            <a:r>
+              <a:rPr lang="ru-RU" altLang="ru-RU" dirty="0" err="1">
+                <a:solidFill>
+                  <a:srgbClr val="5BCD9D"/>
+                </a:solidFill>
+                <a:latin typeface="Verdana" panose="020B0604030504040204" pitchFamily="34" charset="0"/>
+              </a:rPr>
+              <a:t>ua</a:t>
+            </a:r>
+            <a:r>
+              <a:rPr lang="ru-RU" altLang="ru-RU" dirty="0">
+                <a:solidFill>
+                  <a:srgbClr val="FFFFFF"/>
+                </a:solidFill>
+                <a:latin typeface="Verdana" panose="020B0604030504040204" pitchFamily="34" charset="0"/>
+              </a:rPr>
+              <a:t>{15};</a:t>
+            </a:r>
+            <a:br>
+              <a:rPr lang="ru-RU" altLang="ru-RU" dirty="0">
+                <a:solidFill>
+                  <a:srgbClr val="FFFFFF"/>
+                </a:solidFill>
+                <a:latin typeface="Verdana" panose="020B0604030504040204" pitchFamily="34" charset="0"/>
+              </a:rPr>
+            </a:br>
+            <a:r>
+              <a:rPr lang="ru-RU" altLang="ru-RU" dirty="0">
+                <a:solidFill>
+                  <a:srgbClr val="FFFFFF"/>
+                </a:solidFill>
+                <a:latin typeface="Verdana" panose="020B0604030504040204" pitchFamily="34" charset="0"/>
+              </a:rPr>
+              <a:t>    </a:t>
+            </a:r>
+            <a:r>
+              <a:rPr lang="ru-RU" altLang="ru-RU" dirty="0" err="1">
+                <a:solidFill>
+                  <a:srgbClr val="FFFFFF"/>
+                </a:solidFill>
+                <a:latin typeface="Verdana" panose="020B0604030504040204" pitchFamily="34" charset="0"/>
+              </a:rPr>
+              <a:t>const</a:t>
+            </a:r>
+            <a:r>
+              <a:rPr lang="ru-RU" altLang="ru-RU" dirty="0">
+                <a:solidFill>
+                  <a:srgbClr val="FFFFFF"/>
+                </a:solidFill>
+                <a:latin typeface="Verdana" panose="020B0604030504040204" pitchFamily="34" charset="0"/>
+              </a:rPr>
+              <a:t> </a:t>
+            </a:r>
+            <a:r>
+              <a:rPr lang="ru-RU" altLang="ru-RU" dirty="0" err="1">
+                <a:solidFill>
+                  <a:srgbClr val="FFCC00"/>
+                </a:solidFill>
+                <a:latin typeface="Verdana" panose="020B0604030504040204" pitchFamily="34" charset="0"/>
+              </a:rPr>
+              <a:t>Tariff</a:t>
+            </a:r>
+            <a:r>
+              <a:rPr lang="ru-RU" altLang="ru-RU" dirty="0">
+                <a:solidFill>
+                  <a:srgbClr val="FFCC00"/>
+                </a:solidFill>
+                <a:latin typeface="Verdana" panose="020B0604030504040204" pitchFamily="34" charset="0"/>
+              </a:rPr>
+              <a:t> </a:t>
+            </a:r>
+            <a:r>
+              <a:rPr lang="ru-RU" altLang="ru-RU" dirty="0" err="1">
+                <a:solidFill>
+                  <a:srgbClr val="5BCD9D"/>
+                </a:solidFill>
+                <a:latin typeface="Verdana" panose="020B0604030504040204" pitchFamily="34" charset="0"/>
+              </a:rPr>
+              <a:t>tariff</a:t>
+            </a:r>
+            <a:r>
+              <a:rPr lang="ru-RU" altLang="ru-RU" dirty="0">
+                <a:solidFill>
+                  <a:srgbClr val="FFFFFF"/>
+                </a:solidFill>
+                <a:latin typeface="Verdana" panose="020B0604030504040204" pitchFamily="34" charset="0"/>
+              </a:rPr>
+              <a:t>{10};</a:t>
+            </a:r>
+            <a:br>
+              <a:rPr lang="ru-RU" altLang="ru-RU" dirty="0">
+                <a:solidFill>
+                  <a:srgbClr val="FFFFFF"/>
+                </a:solidFill>
+                <a:latin typeface="Verdana" panose="020B0604030504040204" pitchFamily="34" charset="0"/>
+              </a:rPr>
+            </a:br>
+            <a:r>
+              <a:rPr lang="ru-RU" altLang="ru-RU" dirty="0" smtClean="0">
+                <a:solidFill>
+                  <a:srgbClr val="FFFFFF"/>
+                </a:solidFill>
+                <a:latin typeface="Verdana" panose="020B0604030504040204" pitchFamily="34" charset="0"/>
+              </a:rPr>
+              <a:t/>
+            </a:r>
+            <a:br>
+              <a:rPr lang="ru-RU" altLang="ru-RU" dirty="0" smtClean="0">
+                <a:solidFill>
+                  <a:srgbClr val="FFFFFF"/>
+                </a:solidFill>
+                <a:latin typeface="Verdana" panose="020B0604030504040204" pitchFamily="34" charset="0"/>
+              </a:rPr>
+            </a:br>
+            <a:r>
+              <a:rPr lang="ru-RU" altLang="ru-RU" dirty="0" smtClean="0">
+                <a:solidFill>
+                  <a:srgbClr val="FFFFFF"/>
+                </a:solidFill>
+                <a:latin typeface="Verdana" panose="020B0604030504040204" pitchFamily="34" charset="0"/>
+              </a:rPr>
+              <a:t>    </a:t>
+            </a:r>
+            <a:r>
+              <a:rPr lang="ru-RU" altLang="ru-RU" dirty="0" err="1">
+                <a:solidFill>
+                  <a:srgbClr val="5BCD9D"/>
+                </a:solidFill>
+                <a:latin typeface="Verdana" panose="020B0604030504040204" pitchFamily="34" charset="0"/>
+              </a:rPr>
+              <a:t>ua</a:t>
+            </a:r>
+            <a:r>
+              <a:rPr lang="ru-RU" altLang="ru-RU" dirty="0" err="1">
+                <a:solidFill>
+                  <a:srgbClr val="FFFFFF"/>
+                </a:solidFill>
+                <a:latin typeface="Verdana" panose="020B0604030504040204" pitchFamily="34" charset="0"/>
+              </a:rPr>
+              <a:t>.</a:t>
+            </a:r>
+            <a:r>
+              <a:rPr lang="ru-RU" altLang="ru-RU" dirty="0" err="1">
+                <a:solidFill>
+                  <a:srgbClr val="FFCC00"/>
+                </a:solidFill>
+                <a:latin typeface="Verdana" panose="020B0604030504040204" pitchFamily="34" charset="0"/>
+              </a:rPr>
+              <a:t>ApplyCharge</a:t>
+            </a:r>
+            <a:r>
+              <a:rPr lang="ru-RU" altLang="ru-RU" dirty="0">
+                <a:solidFill>
+                  <a:srgbClr val="FFFFFF"/>
+                </a:solidFill>
+                <a:latin typeface="Verdana" panose="020B0604030504040204" pitchFamily="34" charset="0"/>
+              </a:rPr>
+              <a:t>(</a:t>
+            </a:r>
+            <a:r>
+              <a:rPr lang="ru-RU" altLang="ru-RU" dirty="0" err="1">
+                <a:solidFill>
+                  <a:srgbClr val="5BCD9D"/>
+                </a:solidFill>
+                <a:latin typeface="Verdana" panose="020B0604030504040204" pitchFamily="34" charset="0"/>
+              </a:rPr>
+              <a:t>tariff</a:t>
+            </a:r>
+            <a:r>
+              <a:rPr lang="ru-RU" altLang="ru-RU" dirty="0" err="1">
+                <a:solidFill>
+                  <a:srgbClr val="FFFFFF"/>
+                </a:solidFill>
+                <a:latin typeface="Verdana" panose="020B0604030504040204" pitchFamily="34" charset="0"/>
+              </a:rPr>
+              <a:t>.</a:t>
+            </a:r>
+            <a:r>
+              <a:rPr lang="ru-RU" altLang="ru-RU" dirty="0" err="1">
+                <a:solidFill>
+                  <a:srgbClr val="FFCC00"/>
+                </a:solidFill>
+                <a:latin typeface="Verdana" panose="020B0604030504040204" pitchFamily="34" charset="0"/>
+              </a:rPr>
+              <a:t>GetCost</a:t>
+            </a:r>
+            <a:r>
+              <a:rPr lang="ru-RU" altLang="ru-RU" dirty="0">
+                <a:solidFill>
+                  <a:srgbClr val="FFFFFF"/>
+                </a:solidFill>
+                <a:latin typeface="Verdana" panose="020B0604030504040204" pitchFamily="34" charset="0"/>
+              </a:rPr>
+              <a:t>(0));</a:t>
+            </a:r>
+            <a:br>
+              <a:rPr lang="ru-RU" altLang="ru-RU" dirty="0">
+                <a:solidFill>
+                  <a:srgbClr val="FFFFFF"/>
+                </a:solidFill>
+                <a:latin typeface="Verdana" panose="020B0604030504040204" pitchFamily="34" charset="0"/>
+              </a:rPr>
+            </a:br>
+            <a:r>
+              <a:rPr lang="ru-RU" altLang="ru-RU" dirty="0">
+                <a:solidFill>
+                  <a:srgbClr val="FFFFFF"/>
+                </a:solidFill>
+                <a:latin typeface="Verdana" panose="020B0604030504040204" pitchFamily="34" charset="0"/>
+              </a:rPr>
+              <a:t>    </a:t>
+            </a:r>
+            <a:r>
+              <a:rPr lang="ru-RU" altLang="ru-RU" dirty="0" err="1">
+                <a:solidFill>
+                  <a:srgbClr val="908B25"/>
+                </a:solidFill>
+                <a:latin typeface="Verdana" panose="020B0604030504040204" pitchFamily="34" charset="0"/>
+              </a:rPr>
+              <a:t>assert</a:t>
+            </a:r>
+            <a:r>
+              <a:rPr lang="ru-RU" altLang="ru-RU" dirty="0">
+                <a:solidFill>
+                  <a:srgbClr val="FFFFFF"/>
+                </a:solidFill>
+                <a:latin typeface="Verdana" panose="020B0604030504040204" pitchFamily="34" charset="0"/>
+              </a:rPr>
+              <a:t>(</a:t>
+            </a:r>
+            <a:r>
+              <a:rPr lang="ru-RU" altLang="ru-RU" dirty="0" err="1">
+                <a:solidFill>
+                  <a:srgbClr val="5BCD9D"/>
+                </a:solidFill>
+                <a:latin typeface="Verdana" panose="020B0604030504040204" pitchFamily="34" charset="0"/>
+              </a:rPr>
+              <a:t>ua</a:t>
+            </a:r>
+            <a:r>
+              <a:rPr lang="ru-RU" altLang="ru-RU" dirty="0" err="1">
+                <a:solidFill>
+                  <a:srgbClr val="FFFFFF"/>
+                </a:solidFill>
+                <a:latin typeface="Verdana" panose="020B0604030504040204" pitchFamily="34" charset="0"/>
+              </a:rPr>
+              <a:t>.</a:t>
+            </a:r>
+            <a:r>
+              <a:rPr lang="ru-RU" altLang="ru-RU" dirty="0" err="1">
+                <a:solidFill>
+                  <a:srgbClr val="5BCD9D"/>
+                </a:solidFill>
+                <a:latin typeface="Verdana" panose="020B0604030504040204" pitchFamily="34" charset="0"/>
+              </a:rPr>
+              <a:t>money</a:t>
+            </a:r>
+            <a:r>
+              <a:rPr lang="ru-RU" altLang="ru-RU" dirty="0">
+                <a:solidFill>
+                  <a:srgbClr val="5BCD9D"/>
+                </a:solidFill>
+                <a:latin typeface="Verdana" panose="020B0604030504040204" pitchFamily="34" charset="0"/>
+              </a:rPr>
+              <a:t>_ </a:t>
+            </a:r>
+            <a:r>
+              <a:rPr lang="ru-RU" altLang="ru-RU" dirty="0">
+                <a:solidFill>
+                  <a:srgbClr val="FFFFFF"/>
+                </a:solidFill>
+                <a:latin typeface="Verdana" panose="020B0604030504040204" pitchFamily="34" charset="0"/>
+              </a:rPr>
+              <a:t>== 15);</a:t>
+            </a:r>
+            <a:br>
+              <a:rPr lang="ru-RU" altLang="ru-RU" dirty="0">
+                <a:solidFill>
+                  <a:srgbClr val="FFFFFF"/>
+                </a:solidFill>
+                <a:latin typeface="Verdana" panose="020B0604030504040204" pitchFamily="34" charset="0"/>
+              </a:rPr>
+            </a:br>
+            <a:r>
+              <a:rPr lang="ru-RU" altLang="ru-RU" dirty="0" smtClean="0">
+                <a:solidFill>
+                  <a:srgbClr val="FFFFFF"/>
+                </a:solidFill>
+                <a:latin typeface="Verdana" panose="020B0604030504040204" pitchFamily="34" charset="0"/>
+              </a:rPr>
+              <a:t>}</a:t>
+            </a:r>
+            <a:endParaRPr lang="ru-RU" dirty="0"/>
+          </a:p>
+        </p:txBody>
+      </p:sp>
+      <p:sp>
+        <p:nvSpPr>
+          <p:cNvPr id="6" name="Объект 3"/>
+          <p:cNvSpPr txBox="1">
+            <a:spLocks/>
+          </p:cNvSpPr>
+          <p:nvPr/>
+        </p:nvSpPr>
+        <p:spPr>
+          <a:xfrm>
+            <a:off x="12572806" y="-8964"/>
+            <a:ext cx="12211200" cy="13720763"/>
+          </a:xfrm>
+          <a:prstGeom prst="rect">
+            <a:avLst/>
+          </a:prstGeom>
+          <a:solidFill>
+            <a:schemeClr val="tx1"/>
+          </a:solidFill>
+        </p:spPr>
+        <p:txBody>
+          <a:bodyPr vert="horz" lIns="1152000" tIns="468000" rIns="1152000" bIns="720000" rtlCol="0" anchor="t" anchorCtr="0">
+            <a:noAutofit/>
+          </a:bodyPr>
+          <a:lstStyle>
+            <a:lvl1pPr marL="0" indent="0" algn="l" defTabSz="1828709" rtl="0" eaLnBrk="1" latinLnBrk="0" hangingPunct="1">
+              <a:lnSpc>
+                <a:spcPct val="150000"/>
+              </a:lnSpc>
+              <a:spcBef>
+                <a:spcPts val="0"/>
+              </a:spcBef>
+              <a:spcAft>
+                <a:spcPts val="0"/>
+              </a:spcAft>
+              <a:buFontTx/>
+              <a:buNone/>
+              <a:defRPr sz="3600" b="0" i="0" kern="1200">
+                <a:solidFill>
+                  <a:schemeClr val="bg1"/>
+                </a:solidFill>
+                <a:latin typeface="Verdana" charset="0"/>
+                <a:ea typeface="Verdana" charset="0"/>
+                <a:cs typeface="Verdana" charset="0"/>
+              </a:defRPr>
+            </a:lvl1pPr>
+            <a:lvl2pPr marL="0" indent="0" algn="l" defTabSz="1908000" rtl="0" eaLnBrk="1" latinLnBrk="0" hangingPunct="1">
+              <a:lnSpc>
+                <a:spcPts val="6000"/>
+              </a:lnSpc>
+              <a:spcBef>
+                <a:spcPts val="0"/>
+              </a:spcBef>
+              <a:spcAft>
+                <a:spcPts val="0"/>
+              </a:spcAft>
+              <a:buClr>
+                <a:schemeClr val="tx2"/>
+              </a:buClr>
+              <a:buSzPct val="120000"/>
+              <a:buFont typeface="Impact" panose="020B0806030902050204" pitchFamily="34" charset="0"/>
+              <a:buNone/>
+              <a:defRPr sz="4800" kern="1200" baseline="0">
+                <a:solidFill>
+                  <a:schemeClr val="tx1"/>
+                </a:solidFill>
+                <a:latin typeface="InputMono" panose="02000509020000090004" pitchFamily="49" charset="0"/>
+                <a:ea typeface="+mn-ea"/>
+                <a:cs typeface="+mn-cs"/>
+              </a:defRPr>
+            </a:lvl2pPr>
+            <a:lvl3pPr marL="1512000" indent="-792000" algn="l" defTabSz="1828709" rtl="0" eaLnBrk="1" latinLnBrk="0" hangingPunct="1">
+              <a:lnSpc>
+                <a:spcPts val="6000"/>
+              </a:lnSpc>
+              <a:spcBef>
+                <a:spcPts val="4000"/>
+              </a:spcBef>
+              <a:spcAft>
+                <a:spcPts val="0"/>
+              </a:spcAft>
+              <a:buSzPct val="150000"/>
+              <a:buFont typeface="Yandex Sans Text Light" panose="02000000000000000000" pitchFamily="2" charset="-52"/>
+              <a:buChar char="›"/>
+              <a:defRPr sz="4800" kern="1200">
+                <a:solidFill>
+                  <a:schemeClr val="tx1"/>
+                </a:solidFill>
+                <a:latin typeface="InputMono" panose="02000509020000090004" pitchFamily="49" charset="0"/>
+                <a:ea typeface="+mn-ea"/>
+                <a:cs typeface="+mn-cs"/>
+              </a:defRPr>
+            </a:lvl3pPr>
+            <a:lvl4pPr marL="1512000" indent="-792000" algn="l" defTabSz="1828709" rtl="0" eaLnBrk="1" latinLnBrk="0" hangingPunct="1">
+              <a:lnSpc>
+                <a:spcPts val="6000"/>
+              </a:lnSpc>
+              <a:spcBef>
+                <a:spcPts val="4000"/>
+              </a:spcBef>
+              <a:spcAft>
+                <a:spcPts val="0"/>
+              </a:spcAft>
+              <a:buFont typeface="+mj-lt"/>
+              <a:buAutoNum type="arabicPeriod"/>
+              <a:defRPr sz="4800" kern="1200">
+                <a:solidFill>
+                  <a:schemeClr val="tx1"/>
+                </a:solidFill>
+                <a:latin typeface="InputMono" panose="02000509020000090004" pitchFamily="49" charset="0"/>
+                <a:ea typeface="+mn-ea"/>
+                <a:cs typeface="+mn-cs"/>
+              </a:defRPr>
+            </a:lvl4pPr>
+            <a:lvl5pPr marL="0" indent="0" algn="l" defTabSz="1828709" rtl="0" eaLnBrk="1" latinLnBrk="0" hangingPunct="1">
+              <a:lnSpc>
+                <a:spcPct val="90000"/>
+              </a:lnSpc>
+              <a:spcBef>
+                <a:spcPts val="1000"/>
+              </a:spcBef>
+              <a:buFontTx/>
+              <a:buNone/>
+              <a:defRPr sz="5000" kern="1200">
+                <a:solidFill>
+                  <a:schemeClr val="tx1"/>
+                </a:solidFill>
+                <a:latin typeface="+mn-lt"/>
+                <a:ea typeface="+mn-ea"/>
+                <a:cs typeface="+mn-cs"/>
+              </a:defRPr>
+            </a:lvl5pPr>
+            <a:lvl6pPr marL="5028949" indent="-457177" algn="l" defTabSz="1828709" rtl="0" eaLnBrk="1" latinLnBrk="0" hangingPunct="1">
+              <a:lnSpc>
+                <a:spcPct val="90000"/>
+              </a:lnSpc>
+              <a:spcBef>
+                <a:spcPts val="1000"/>
+              </a:spcBef>
+              <a:buFont typeface="Arial" panose="020B0604020202020204" pitchFamily="34" charset="0"/>
+              <a:buChar char="•"/>
+              <a:defRPr sz="3600" kern="1200">
+                <a:solidFill>
+                  <a:schemeClr val="tx1"/>
+                </a:solidFill>
+                <a:latin typeface="+mn-lt"/>
+                <a:ea typeface="+mn-ea"/>
+                <a:cs typeface="+mn-cs"/>
+              </a:defRPr>
+            </a:lvl6pPr>
+            <a:lvl7pPr marL="5943303" indent="-457177" algn="l" defTabSz="1828709" rtl="0" eaLnBrk="1" latinLnBrk="0" hangingPunct="1">
+              <a:lnSpc>
+                <a:spcPct val="90000"/>
+              </a:lnSpc>
+              <a:spcBef>
+                <a:spcPts val="1000"/>
+              </a:spcBef>
+              <a:buFont typeface="Arial" panose="020B0604020202020204" pitchFamily="34" charset="0"/>
+              <a:buChar char="•"/>
+              <a:defRPr sz="3600" kern="1200">
+                <a:solidFill>
+                  <a:schemeClr val="tx1"/>
+                </a:solidFill>
+                <a:latin typeface="+mn-lt"/>
+                <a:ea typeface="+mn-ea"/>
+                <a:cs typeface="+mn-cs"/>
+              </a:defRPr>
+            </a:lvl7pPr>
+            <a:lvl8pPr marL="6857657" indent="-457177" algn="l" defTabSz="1828709" rtl="0" eaLnBrk="1" latinLnBrk="0" hangingPunct="1">
+              <a:lnSpc>
+                <a:spcPct val="90000"/>
+              </a:lnSpc>
+              <a:spcBef>
+                <a:spcPts val="1000"/>
+              </a:spcBef>
+              <a:buFont typeface="Arial" panose="020B0604020202020204" pitchFamily="34" charset="0"/>
+              <a:buChar char="•"/>
+              <a:defRPr sz="3600" kern="1200">
+                <a:solidFill>
+                  <a:schemeClr val="tx1"/>
+                </a:solidFill>
+                <a:latin typeface="+mn-lt"/>
+                <a:ea typeface="+mn-ea"/>
+                <a:cs typeface="+mn-cs"/>
+              </a:defRPr>
+            </a:lvl8pPr>
+            <a:lvl9pPr marL="7772011" indent="-457177" algn="l" defTabSz="1828709" rtl="0" eaLnBrk="1" latinLnBrk="0" hangingPunct="1">
+              <a:lnSpc>
+                <a:spcPct val="90000"/>
+              </a:lnSpc>
+              <a:spcBef>
+                <a:spcPts val="1000"/>
+              </a:spcBef>
+              <a:buFont typeface="Arial" panose="020B0604020202020204" pitchFamily="34" charset="0"/>
+              <a:buChar char="•"/>
+              <a:defRPr sz="3600" kern="1200">
+                <a:solidFill>
+                  <a:schemeClr val="tx1"/>
+                </a:solidFill>
+                <a:latin typeface="+mn-lt"/>
+                <a:ea typeface="+mn-ea"/>
+                <a:cs typeface="+mn-cs"/>
+              </a:defRPr>
+            </a:lvl9pPr>
+          </a:lstStyle>
+          <a:p>
+            <a:r>
+              <a:rPr lang="ru-RU" altLang="ru-RU" dirty="0" err="1" smtClean="0">
+                <a:solidFill>
+                  <a:srgbClr val="FFFFFF"/>
+                </a:solidFill>
+                <a:latin typeface="Verdana" panose="020B0604030504040204" pitchFamily="34" charset="0"/>
+              </a:rPr>
+              <a:t>void</a:t>
+            </a:r>
+            <a:r>
+              <a:rPr lang="ru-RU" altLang="ru-RU" dirty="0" smtClean="0">
+                <a:solidFill>
+                  <a:srgbClr val="FFFFFF"/>
+                </a:solidFill>
+                <a:latin typeface="Verdana" panose="020B0604030504040204" pitchFamily="34" charset="0"/>
+              </a:rPr>
+              <a:t> </a:t>
+            </a:r>
+            <a:r>
+              <a:rPr lang="ru-RU" altLang="ru-RU" dirty="0" err="1" smtClean="0">
+                <a:solidFill>
+                  <a:srgbClr val="FFCC00"/>
+                </a:solidFill>
+                <a:latin typeface="Verdana" panose="020B0604030504040204" pitchFamily="34" charset="0"/>
+              </a:rPr>
+              <a:t>TestPayment</a:t>
+            </a:r>
+            <a:r>
+              <a:rPr lang="ru-RU" altLang="ru-RU" dirty="0" smtClean="0">
+                <a:solidFill>
+                  <a:srgbClr val="FFFFFF"/>
+                </a:solidFill>
+                <a:latin typeface="Verdana" panose="020B0604030504040204" pitchFamily="34" charset="0"/>
+              </a:rPr>
+              <a:t>() {</a:t>
+            </a:r>
+            <a:br>
+              <a:rPr lang="ru-RU" altLang="ru-RU" dirty="0" smtClean="0">
+                <a:solidFill>
+                  <a:srgbClr val="FFFFFF"/>
+                </a:solidFill>
+                <a:latin typeface="Verdana" panose="020B0604030504040204" pitchFamily="34" charset="0"/>
+              </a:rPr>
+            </a:br>
+            <a:r>
+              <a:rPr lang="ru-RU" altLang="ru-RU" dirty="0" smtClean="0">
+                <a:solidFill>
+                  <a:srgbClr val="FFFFFF"/>
+                </a:solidFill>
+                <a:latin typeface="Verdana" panose="020B0604030504040204" pitchFamily="34" charset="0"/>
+              </a:rPr>
+              <a:t>    </a:t>
+            </a:r>
+            <a:r>
+              <a:rPr lang="ru-RU" altLang="ru-RU" dirty="0" err="1" smtClean="0">
+                <a:solidFill>
+                  <a:srgbClr val="FFCC00"/>
+                </a:solidFill>
+                <a:latin typeface="Verdana" panose="020B0604030504040204" pitchFamily="34" charset="0"/>
+              </a:rPr>
+              <a:t>UserAccount</a:t>
+            </a:r>
+            <a:r>
+              <a:rPr lang="ru-RU" altLang="ru-RU" dirty="0" smtClean="0">
+                <a:solidFill>
+                  <a:srgbClr val="FFCC00"/>
+                </a:solidFill>
+                <a:latin typeface="Verdana" panose="020B0604030504040204" pitchFamily="34" charset="0"/>
+              </a:rPr>
+              <a:t> </a:t>
+            </a:r>
+            <a:r>
+              <a:rPr lang="ru-RU" altLang="ru-RU" dirty="0" err="1" smtClean="0">
+                <a:solidFill>
+                  <a:srgbClr val="5BCD9D"/>
+                </a:solidFill>
+                <a:latin typeface="Verdana" panose="020B0604030504040204" pitchFamily="34" charset="0"/>
+              </a:rPr>
+              <a:t>ua</a:t>
+            </a:r>
+            <a:r>
+              <a:rPr lang="ru-RU" altLang="ru-RU" dirty="0" smtClean="0">
+                <a:solidFill>
+                  <a:srgbClr val="FFFFFF"/>
+                </a:solidFill>
+                <a:latin typeface="Verdana" panose="020B0604030504040204" pitchFamily="34" charset="0"/>
+              </a:rPr>
+              <a:t>{15};</a:t>
+            </a:r>
+            <a:br>
+              <a:rPr lang="ru-RU" altLang="ru-RU" dirty="0" smtClean="0">
+                <a:solidFill>
+                  <a:srgbClr val="FFFFFF"/>
+                </a:solidFill>
+                <a:latin typeface="Verdana" panose="020B0604030504040204" pitchFamily="34" charset="0"/>
+              </a:rPr>
+            </a:br>
+            <a:r>
+              <a:rPr lang="ru-RU" altLang="ru-RU" dirty="0" smtClean="0">
+                <a:solidFill>
+                  <a:srgbClr val="FFFFFF"/>
+                </a:solidFill>
+                <a:latin typeface="Verdana" panose="020B0604030504040204" pitchFamily="34" charset="0"/>
+              </a:rPr>
+              <a:t/>
+            </a:r>
+            <a:br>
+              <a:rPr lang="ru-RU" altLang="ru-RU" dirty="0" smtClean="0">
+                <a:solidFill>
+                  <a:srgbClr val="FFFFFF"/>
+                </a:solidFill>
+                <a:latin typeface="Verdana" panose="020B0604030504040204" pitchFamily="34" charset="0"/>
+              </a:rPr>
+            </a:br>
+            <a:r>
+              <a:rPr lang="ru-RU" altLang="ru-RU" dirty="0" smtClean="0">
+                <a:solidFill>
+                  <a:srgbClr val="FFFFFF"/>
+                </a:solidFill>
+                <a:latin typeface="Verdana" panose="020B0604030504040204" pitchFamily="34" charset="0"/>
+              </a:rPr>
+              <a:t>    </a:t>
+            </a:r>
+            <a:r>
+              <a:rPr lang="ru-RU" altLang="ru-RU" dirty="0" err="1" smtClean="0">
+                <a:solidFill>
+                  <a:srgbClr val="5BCD9D"/>
+                </a:solidFill>
+                <a:latin typeface="Verdana" panose="020B0604030504040204" pitchFamily="34" charset="0"/>
+              </a:rPr>
+              <a:t>ua</a:t>
+            </a:r>
+            <a:r>
+              <a:rPr lang="ru-RU" altLang="ru-RU" dirty="0" err="1" smtClean="0">
+                <a:solidFill>
+                  <a:srgbClr val="FFFFFF"/>
+                </a:solidFill>
+                <a:latin typeface="Verdana" panose="020B0604030504040204" pitchFamily="34" charset="0"/>
+              </a:rPr>
+              <a:t>.</a:t>
+            </a:r>
+            <a:r>
+              <a:rPr lang="ru-RU" altLang="ru-RU" dirty="0" err="1" smtClean="0">
+                <a:solidFill>
+                  <a:srgbClr val="FFCC00"/>
+                </a:solidFill>
+                <a:latin typeface="Verdana" panose="020B0604030504040204" pitchFamily="34" charset="0"/>
+              </a:rPr>
+              <a:t>ApplyPayment</a:t>
+            </a:r>
+            <a:r>
+              <a:rPr lang="ru-RU" altLang="ru-RU" dirty="0" smtClean="0">
+                <a:solidFill>
+                  <a:srgbClr val="FFFFFF"/>
+                </a:solidFill>
+                <a:latin typeface="Verdana" panose="020B0604030504040204" pitchFamily="34" charset="0"/>
+              </a:rPr>
+              <a:t>(10);</a:t>
+            </a:r>
+            <a:br>
+              <a:rPr lang="ru-RU" altLang="ru-RU" dirty="0" smtClean="0">
+                <a:solidFill>
+                  <a:srgbClr val="FFFFFF"/>
+                </a:solidFill>
+                <a:latin typeface="Verdana" panose="020B0604030504040204" pitchFamily="34" charset="0"/>
+              </a:rPr>
+            </a:br>
+            <a:r>
+              <a:rPr lang="ru-RU" altLang="ru-RU" dirty="0" smtClean="0">
+                <a:solidFill>
+                  <a:srgbClr val="FFFFFF"/>
+                </a:solidFill>
+                <a:latin typeface="Verdana" panose="020B0604030504040204" pitchFamily="34" charset="0"/>
+              </a:rPr>
+              <a:t>    </a:t>
+            </a:r>
+            <a:r>
+              <a:rPr lang="ru-RU" altLang="ru-RU" dirty="0" err="1" smtClean="0">
+                <a:solidFill>
+                  <a:srgbClr val="908B25"/>
+                </a:solidFill>
+                <a:latin typeface="Verdana" panose="020B0604030504040204" pitchFamily="34" charset="0"/>
+              </a:rPr>
+              <a:t>assert</a:t>
+            </a:r>
+            <a:r>
+              <a:rPr lang="ru-RU" altLang="ru-RU" dirty="0" smtClean="0">
+                <a:solidFill>
+                  <a:srgbClr val="FFFFFF"/>
+                </a:solidFill>
+                <a:latin typeface="Verdana" panose="020B0604030504040204" pitchFamily="34" charset="0"/>
+              </a:rPr>
+              <a:t>(</a:t>
+            </a:r>
+            <a:r>
+              <a:rPr lang="ru-RU" altLang="ru-RU" dirty="0" err="1" smtClean="0">
+                <a:solidFill>
+                  <a:srgbClr val="5BCD9D"/>
+                </a:solidFill>
+                <a:latin typeface="Verdana" panose="020B0604030504040204" pitchFamily="34" charset="0"/>
+              </a:rPr>
+              <a:t>ua</a:t>
+            </a:r>
+            <a:r>
+              <a:rPr lang="ru-RU" altLang="ru-RU" dirty="0" err="1" smtClean="0">
+                <a:solidFill>
+                  <a:srgbClr val="FFFFFF"/>
+                </a:solidFill>
+                <a:latin typeface="Verdana" panose="020B0604030504040204" pitchFamily="34" charset="0"/>
+              </a:rPr>
+              <a:t>.</a:t>
+            </a:r>
+            <a:r>
+              <a:rPr lang="ru-RU" altLang="ru-RU" dirty="0" err="1" smtClean="0">
+                <a:solidFill>
+                  <a:srgbClr val="5BCD9D"/>
+                </a:solidFill>
+                <a:latin typeface="Verdana" panose="020B0604030504040204" pitchFamily="34" charset="0"/>
+              </a:rPr>
+              <a:t>money</a:t>
+            </a:r>
+            <a:r>
+              <a:rPr lang="ru-RU" altLang="ru-RU" dirty="0" smtClean="0">
+                <a:solidFill>
+                  <a:srgbClr val="5BCD9D"/>
+                </a:solidFill>
+                <a:latin typeface="Verdana" panose="020B0604030504040204" pitchFamily="34" charset="0"/>
+              </a:rPr>
+              <a:t>_ </a:t>
+            </a:r>
+            <a:r>
+              <a:rPr lang="ru-RU" altLang="ru-RU" dirty="0" smtClean="0">
+                <a:solidFill>
+                  <a:srgbClr val="FFFFFF"/>
+                </a:solidFill>
+                <a:latin typeface="Verdana" panose="020B0604030504040204" pitchFamily="34" charset="0"/>
+              </a:rPr>
+              <a:t>== 25);</a:t>
+            </a:r>
+            <a:br>
+              <a:rPr lang="ru-RU" altLang="ru-RU" dirty="0" smtClean="0">
+                <a:solidFill>
+                  <a:srgbClr val="FFFFFF"/>
+                </a:solidFill>
+                <a:latin typeface="Verdana" panose="020B0604030504040204" pitchFamily="34" charset="0"/>
+              </a:rPr>
+            </a:br>
+            <a:r>
+              <a:rPr lang="ru-RU" altLang="ru-RU" dirty="0" smtClean="0">
+                <a:solidFill>
+                  <a:srgbClr val="FFFFFF"/>
+                </a:solidFill>
+                <a:latin typeface="Verdana" panose="020B0604030504040204" pitchFamily="34" charset="0"/>
+              </a:rPr>
+              <a:t>}</a:t>
+            </a:r>
+            <a:br>
+              <a:rPr lang="ru-RU" altLang="ru-RU" dirty="0" smtClean="0">
+                <a:solidFill>
+                  <a:srgbClr val="FFFFFF"/>
+                </a:solidFill>
+                <a:latin typeface="Verdana" panose="020B0604030504040204" pitchFamily="34" charset="0"/>
+              </a:rPr>
+            </a:br>
+            <a:endParaRPr lang="ru-RU" altLang="ru-RU" sz="6600" dirty="0" smtClean="0">
+              <a:solidFill>
+                <a:schemeClr val="tx1"/>
+              </a:solidFill>
+              <a:latin typeface="Arial" panose="020B0604020202020204" pitchFamily="34" charset="0"/>
+            </a:endParaRPr>
+          </a:p>
+          <a:p>
+            <a:endParaRPr lang="ru-RU" dirty="0"/>
+          </a:p>
+        </p:txBody>
+      </p:sp>
+    </p:spTree>
+    <p:extLst>
+      <p:ext uri="{BB962C8B-B14F-4D97-AF65-F5344CB8AC3E}">
+        <p14:creationId xmlns:p14="http://schemas.microsoft.com/office/powerpoint/2010/main" val="3052854227"/>
       </p:ext>
     </p:extLst>
   </p:cSld>
@@ -34726,7 +40586,7 @@
 </p:sld>
 </file>
 
-<file path=ppt/slides/slide31.xml><?xml version="1.0" encoding="utf-8"?>
+<file path=ppt/slides/slide32.xml><?xml version="1.0" encoding="utf-8"?>
 <p:sld xmlns:a="http://schemas.openxmlformats.org/drawingml/2006/main" xmlns:r="http://schemas.openxmlformats.org/officeDocument/2006/relationships" xmlns:p="http://schemas.openxmlformats.org/presentationml/2006/main">
   <p:cSld>
     <p:spTree>
@@ -34760,7 +40620,7 @@
           <a:p>
             <a:r>
               <a:rPr lang="ru-RU" dirty="0" smtClean="0"/>
-              <a:t>Слайд с текущей схемой кода</a:t>
+              <a:t>Преимущества и недостатки</a:t>
             </a:r>
             <a:endParaRPr lang="ru-RU" dirty="0"/>
           </a:p>
@@ -34783,7 +40643,68 @@
           <a:p>
             <a:r>
               <a:rPr lang="ru-RU" dirty="0" smtClean="0"/>
-              <a:t>Такой же, как до добавления мониторинга</a:t>
+              <a:t>Недостатки</a:t>
+            </a:r>
+          </a:p>
+          <a:p>
+            <a:pPr lvl="1"/>
+            <a:r>
+              <a:rPr lang="ru-RU" dirty="0" smtClean="0"/>
+              <a:t>много букв</a:t>
+            </a:r>
+          </a:p>
+          <a:p>
+            <a:pPr lvl="1"/>
+            <a:r>
+              <a:rPr lang="ru-RU" dirty="0" smtClean="0"/>
+              <a:t>много сущностей в публичном доступе</a:t>
+            </a:r>
+          </a:p>
+          <a:p>
+            <a:pPr lvl="1"/>
+            <a:r>
+              <a:rPr lang="ru-RU" dirty="0" smtClean="0"/>
+              <a:t>повышение порога входа в систему</a:t>
+            </a:r>
+          </a:p>
+          <a:p>
+            <a:r>
+              <a:rPr lang="ru-RU" dirty="0" smtClean="0"/>
+              <a:t>Преимущества</a:t>
+            </a:r>
+          </a:p>
+          <a:p>
+            <a:pPr lvl="1"/>
+            <a:r>
+              <a:rPr lang="ru-RU" dirty="0" smtClean="0"/>
+              <a:t>гибкий код</a:t>
+            </a:r>
+          </a:p>
+          <a:p>
+            <a:pPr lvl="1"/>
+            <a:r>
+              <a:rPr lang="ru-RU" dirty="0" smtClean="0"/>
+              <a:t>меньше глобальных </a:t>
+            </a:r>
+            <a:r>
+              <a:rPr lang="ru-RU" dirty="0" err="1" smtClean="0"/>
+              <a:t>рефакторингов</a:t>
+            </a:r>
+            <a:endParaRPr lang="ru-RU" dirty="0" smtClean="0"/>
+          </a:p>
+          <a:p>
+            <a:pPr lvl="1"/>
+            <a:r>
+              <a:rPr lang="ru-RU" dirty="0" smtClean="0"/>
+              <a:t>упрощение </a:t>
+            </a:r>
+            <a:r>
+              <a:rPr lang="ru-RU" dirty="0" err="1" smtClean="0"/>
+              <a:t>переиспользования</a:t>
+            </a:r>
+            <a:r>
+              <a:rPr lang="ru-RU" dirty="0" smtClean="0"/>
+              <a:t> кода, тестирования, создания служебных инструментов</a:t>
             </a:r>
             <a:endParaRPr lang="ru-RU" dirty="0"/>
           </a:p>
@@ -34834,820 +40755,7 @@
                 </a:solidFill>
               </a:rPr>
               <a:pPr/>
-              <a:t>31</a:t>
-            </a:fld>
-            <a:endParaRPr lang="ru-RU">
-              <a:solidFill>
-                <a:srgbClr val="000000"/>
-              </a:solidFill>
-            </a:endParaRPr>
-          </a:p>
-        </p:txBody>
-      </p:sp>
-    </p:spTree>
-    <p:extLst>
-      <p:ext uri="{BB962C8B-B14F-4D97-AF65-F5344CB8AC3E}">
-        <p14:creationId xmlns:p14="http://schemas.microsoft.com/office/powerpoint/2010/main" val="1760226247"/>
-      </p:ext>
-    </p:extLst>
-  </p:cSld>
-  <p:clrMapOvr>
-    <a:masterClrMapping/>
-  </p:clrMapOvr>
-  <p:timing>
-    <p:tnLst>
-      <p:par>
-        <p:cTn id="1" dur="indefinite" restart="never" nodeType="tmRoot"/>
-      </p:par>
-    </p:tnLst>
-  </p:timing>
-</p:sld>
-</file>
-
-<file path=ppt/slides/slide32.xml><?xml version="1.0" encoding="utf-8"?>
-<p:sld xmlns:a="http://schemas.openxmlformats.org/drawingml/2006/main" xmlns:r="http://schemas.openxmlformats.org/officeDocument/2006/relationships" xmlns:p="http://schemas.openxmlformats.org/presentationml/2006/main">
-  <p:cSld>
-    <p:spTree>
-      <p:nvGrpSpPr>
-        <p:cNvPr id="1" name=""/>
-        <p:cNvGrpSpPr/>
-        <p:nvPr/>
-      </p:nvGrpSpPr>
-      <p:grpSpPr>
-        <a:xfrm>
-          <a:off x="0" y="0"/>
-          <a:ext cx="0" cy="0"/>
-          <a:chOff x="0" y="0"/>
-          <a:chExt cx="0" cy="0"/>
-        </a:xfrm>
-      </p:grpSpPr>
-      <p:sp>
-        <p:nvSpPr>
-          <p:cNvPr id="7" name="Заголовок 6"/>
-          <p:cNvSpPr>
-            <a:spLocks noGrp="1"/>
-          </p:cNvSpPr>
-          <p:nvPr>
-            <p:ph type="title"/>
-          </p:nvPr>
-        </p:nvSpPr>
-        <p:spPr/>
-        <p:txBody>
-          <a:bodyPr/>
-          <a:lstStyle/>
-          <a:p>
-            <a:r>
-              <a:rPr lang="ru-RU" dirty="0" smtClean="0"/>
-              <a:t>Тестирование?</a:t>
-            </a:r>
-            <a:endParaRPr lang="ru-RU" dirty="0"/>
-          </a:p>
-        </p:txBody>
-      </p:sp>
-      <p:sp>
-        <p:nvSpPr>
-          <p:cNvPr id="9" name="Объект 8"/>
-          <p:cNvSpPr>
-            <a:spLocks noGrp="1"/>
-          </p:cNvSpPr>
-          <p:nvPr>
-            <p:ph idx="1"/>
-          </p:nvPr>
-        </p:nvSpPr>
-        <p:spPr/>
-        <p:txBody>
-          <a:bodyPr/>
-          <a:lstStyle/>
-          <a:p>
-            <a:r>
-              <a:rPr lang="ru-RU" dirty="0" smtClean="0"/>
-              <a:t>Хотим добавить тесты:</a:t>
-            </a:r>
-          </a:p>
-          <a:p>
-            <a:pPr lvl="1"/>
-            <a:r>
-              <a:rPr lang="ru-RU" dirty="0" smtClean="0"/>
-              <a:t>проверить, что списание денег не увеличивает баланс</a:t>
-            </a:r>
-          </a:p>
-          <a:p>
-            <a:pPr lvl="1"/>
-            <a:r>
-              <a:rPr lang="ru-RU" dirty="0" smtClean="0"/>
-              <a:t>звонок нулевой длины не уменьшает баланс</a:t>
-            </a:r>
-            <a:endParaRPr lang="ru-RU" dirty="0"/>
-          </a:p>
-        </p:txBody>
-      </p:sp>
-      <p:sp>
-        <p:nvSpPr>
-          <p:cNvPr id="3" name="Нижний колонтитул 2"/>
-          <p:cNvSpPr>
-            <a:spLocks noGrp="1"/>
-          </p:cNvSpPr>
-          <p:nvPr>
-            <p:ph type="ftr" sz="quarter" idx="11"/>
-          </p:nvPr>
-        </p:nvSpPr>
-        <p:spPr/>
-        <p:txBody>
-          <a:bodyPr/>
-          <a:lstStyle/>
-          <a:p>
-            <a:endParaRPr lang="ru-RU">
-              <a:solidFill>
-                <a:srgbClr val="000000"/>
-              </a:solidFill>
-            </a:endParaRPr>
-          </a:p>
-        </p:txBody>
-      </p:sp>
-      <p:sp>
-        <p:nvSpPr>
-          <p:cNvPr id="4" name="Номер слайда 3"/>
-          <p:cNvSpPr>
-            <a:spLocks noGrp="1"/>
-          </p:cNvSpPr>
-          <p:nvPr>
-            <p:ph type="sldNum" sz="quarter" idx="12"/>
-          </p:nvPr>
-        </p:nvSpPr>
-        <p:spPr/>
-        <p:txBody>
-          <a:bodyPr/>
-          <a:lstStyle/>
-          <a:p>
-            <a:fld id="{741C03D3-FA44-40EC-9A21-1FC4FEA3E22E}" type="slidenum">
-              <a:rPr lang="ru-RU" smtClean="0">
-                <a:solidFill>
-                  <a:srgbClr val="000000"/>
-                </a:solidFill>
-              </a:rPr>
-              <a:pPr/>
               <a:t>32</a:t>
-            </a:fld>
-            <a:endParaRPr lang="ru-RU">
-              <a:solidFill>
-                <a:srgbClr val="000000"/>
-              </a:solidFill>
-            </a:endParaRPr>
-          </a:p>
-        </p:txBody>
-      </p:sp>
-    </p:spTree>
-    <p:extLst>
-      <p:ext uri="{BB962C8B-B14F-4D97-AF65-F5344CB8AC3E}">
-        <p14:creationId xmlns:p14="http://schemas.microsoft.com/office/powerpoint/2010/main" val="2015892124"/>
-      </p:ext>
-    </p:extLst>
-  </p:cSld>
-  <p:clrMapOvr>
-    <a:masterClrMapping/>
-  </p:clrMapOvr>
-  <p:timing>
-    <p:tnLst>
-      <p:par>
-        <p:cTn id="1" dur="indefinite" restart="never" nodeType="tmRoot"/>
-      </p:par>
-    </p:tnLst>
-  </p:timing>
-</p:sld>
-</file>
-
-<file path=ppt/slides/slide33.xml><?xml version="1.0" encoding="utf-8"?>
-<p:sld xmlns:a="http://schemas.openxmlformats.org/drawingml/2006/main" xmlns:r="http://schemas.openxmlformats.org/officeDocument/2006/relationships" xmlns:p="http://schemas.openxmlformats.org/presentationml/2006/main">
-  <p:cSld>
-    <p:spTree>
-      <p:nvGrpSpPr>
-        <p:cNvPr id="1" name=""/>
-        <p:cNvGrpSpPr/>
-        <p:nvPr/>
-      </p:nvGrpSpPr>
-      <p:grpSpPr>
-        <a:xfrm>
-          <a:off x="0" y="0"/>
-          <a:ext cx="0" cy="0"/>
-          <a:chOff x="0" y="0"/>
-          <a:chExt cx="0" cy="0"/>
-        </a:xfrm>
-      </p:grpSpPr>
-      <p:sp>
-        <p:nvSpPr>
-          <p:cNvPr id="2" name="Заголовок 1"/>
-          <p:cNvSpPr>
-            <a:spLocks noGrp="1"/>
-          </p:cNvSpPr>
-          <p:nvPr>
-            <p:ph type="title"/>
-          </p:nvPr>
-        </p:nvSpPr>
-        <p:spPr/>
-        <p:txBody>
-          <a:bodyPr/>
-          <a:lstStyle/>
-          <a:p>
-            <a:r>
-              <a:rPr lang="ru-RU" dirty="0" smtClean="0"/>
-              <a:t>Тестирование?</a:t>
-            </a:r>
-            <a:endParaRPr lang="ru-RU" dirty="0"/>
-          </a:p>
-        </p:txBody>
-      </p:sp>
-      <p:sp>
-        <p:nvSpPr>
-          <p:cNvPr id="3" name="Нижний колонтитул 2"/>
-          <p:cNvSpPr>
-            <a:spLocks noGrp="1"/>
-          </p:cNvSpPr>
-          <p:nvPr>
-            <p:ph type="ftr" sz="quarter" idx="11"/>
-          </p:nvPr>
-        </p:nvSpPr>
-        <p:spPr/>
-        <p:txBody>
-          <a:bodyPr/>
-          <a:lstStyle/>
-          <a:p>
-            <a:endParaRPr lang="ru-RU" dirty="0">
-              <a:solidFill>
-                <a:srgbClr val="000000"/>
-              </a:solidFill>
-            </a:endParaRPr>
-          </a:p>
-        </p:txBody>
-      </p:sp>
-      <p:sp>
-        <p:nvSpPr>
-          <p:cNvPr id="4" name="Номер слайда 3"/>
-          <p:cNvSpPr>
-            <a:spLocks noGrp="1"/>
-          </p:cNvSpPr>
-          <p:nvPr>
-            <p:ph type="sldNum" sz="quarter" idx="12"/>
-          </p:nvPr>
-        </p:nvSpPr>
-        <p:spPr/>
-        <p:txBody>
-          <a:bodyPr/>
-          <a:lstStyle/>
-          <a:p>
-            <a:fld id="{741C03D3-FA44-40EC-9A21-1FC4FEA3E22E}" type="slidenum">
-              <a:rPr lang="ru-RU" smtClean="0">
-                <a:solidFill>
-                  <a:srgbClr val="000000"/>
-                </a:solidFill>
-              </a:rPr>
-              <a:pPr/>
-              <a:t>33</a:t>
-            </a:fld>
-            <a:endParaRPr lang="ru-RU">
-              <a:solidFill>
-                <a:srgbClr val="000000"/>
-              </a:solidFill>
-            </a:endParaRPr>
-          </a:p>
-        </p:txBody>
-      </p:sp>
-      <p:sp>
-        <p:nvSpPr>
-          <p:cNvPr id="5" name="Объект 4"/>
-          <p:cNvSpPr>
-            <a:spLocks noGrp="1"/>
-          </p:cNvSpPr>
-          <p:nvPr>
-            <p:ph idx="13"/>
-          </p:nvPr>
-        </p:nvSpPr>
-        <p:spPr/>
-        <p:txBody>
-          <a:bodyPr/>
-          <a:lstStyle/>
-          <a:p>
-            <a:r>
-              <a:rPr lang="en-US" dirty="0"/>
-              <a:t>void Billing::</a:t>
-            </a:r>
-            <a:r>
-              <a:rPr lang="en-US" dirty="0" err="1"/>
-              <a:t>UserInfo</a:t>
-            </a:r>
-            <a:r>
-              <a:rPr lang="en-US" dirty="0"/>
-              <a:t>::</a:t>
-            </a:r>
-            <a:r>
-              <a:rPr lang="en-US" dirty="0" err="1"/>
-              <a:t>ChargePhoneCall</a:t>
-            </a:r>
-            <a:r>
-              <a:rPr lang="en-US" dirty="0"/>
-              <a:t>(</a:t>
-            </a:r>
-            <a:r>
-              <a:rPr lang="en-US" dirty="0" err="1"/>
-              <a:t>int</a:t>
-            </a:r>
-            <a:r>
-              <a:rPr lang="en-US" dirty="0"/>
-              <a:t> minutes, </a:t>
-            </a:r>
-            <a:r>
-              <a:rPr lang="en-US" dirty="0" err="1"/>
-              <a:t>const</a:t>
-            </a:r>
-            <a:r>
-              <a:rPr lang="en-US" dirty="0"/>
-              <a:t> Billing::Tariff&amp; tariff) {</a:t>
-            </a:r>
-          </a:p>
-          <a:p>
-            <a:r>
-              <a:rPr lang="en-US" dirty="0">
-                <a:solidFill>
-                  <a:srgbClr val="FC6767"/>
-                </a:solidFill>
-              </a:rPr>
-              <a:t>    </a:t>
-            </a:r>
-            <a:r>
-              <a:rPr lang="en-US" dirty="0" err="1">
-                <a:solidFill>
-                  <a:srgbClr val="FC6767"/>
-                </a:solidFill>
-              </a:rPr>
-              <a:t>int</a:t>
-            </a:r>
-            <a:r>
-              <a:rPr lang="en-US" dirty="0">
-                <a:solidFill>
-                  <a:srgbClr val="FC6767"/>
-                </a:solidFill>
-              </a:rPr>
-              <a:t> charge = minutes * </a:t>
-            </a:r>
-            <a:r>
-              <a:rPr lang="en-US" dirty="0" err="1">
-                <a:solidFill>
-                  <a:srgbClr val="FC6767"/>
-                </a:solidFill>
-              </a:rPr>
-              <a:t>tariff.costPerMinute</a:t>
-            </a:r>
-            <a:r>
-              <a:rPr lang="en-US" dirty="0">
-                <a:solidFill>
-                  <a:srgbClr val="FC6767"/>
-                </a:solidFill>
-              </a:rPr>
-              <a:t>_;</a:t>
-            </a:r>
-          </a:p>
-          <a:p>
-            <a:r>
-              <a:rPr lang="en-US" dirty="0">
-                <a:solidFill>
-                  <a:srgbClr val="FC6767"/>
-                </a:solidFill>
-              </a:rPr>
-              <a:t>    money_ -= charge;</a:t>
-            </a:r>
-          </a:p>
-          <a:p>
-            <a:r>
-              <a:rPr lang="en-US" dirty="0"/>
-              <a:t>    history_.</a:t>
-            </a:r>
-            <a:r>
-              <a:rPr lang="en-US" dirty="0" err="1"/>
-              <a:t>push_back</a:t>
-            </a:r>
-            <a:r>
-              <a:rPr lang="en-US" dirty="0"/>
-              <a:t>(Event::</a:t>
-            </a:r>
-            <a:r>
-              <a:rPr lang="en-US" dirty="0" err="1"/>
-              <a:t>PhoneCall</a:t>
-            </a:r>
-            <a:r>
-              <a:rPr lang="en-US" dirty="0"/>
-              <a:t>(minutes));</a:t>
-            </a:r>
-          </a:p>
-          <a:p>
-            <a:endParaRPr lang="en-US" dirty="0"/>
-          </a:p>
-          <a:p>
-            <a:r>
-              <a:rPr lang="en-US" dirty="0"/>
-              <a:t>    if (money_ &lt;= 0) {</a:t>
-            </a:r>
-          </a:p>
-          <a:p>
-            <a:r>
-              <a:rPr lang="en-US" dirty="0"/>
-              <a:t>        </a:t>
-            </a:r>
-            <a:r>
-              <a:rPr lang="en-US" dirty="0" err="1"/>
-              <a:t>SendSms</a:t>
-            </a:r>
-            <a:r>
-              <a:rPr lang="en-US" dirty="0"/>
-              <a:t>("Your balance is " + </a:t>
-            </a:r>
-            <a:r>
-              <a:rPr lang="en-US" dirty="0" err="1"/>
-              <a:t>to_string</a:t>
-            </a:r>
-            <a:r>
-              <a:rPr lang="en-US" dirty="0"/>
-              <a:t>(money_));</a:t>
-            </a:r>
-          </a:p>
-          <a:p>
-            <a:r>
-              <a:rPr lang="en-US" dirty="0"/>
-              <a:t>    }</a:t>
-            </a:r>
-          </a:p>
-          <a:p>
-            <a:r>
-              <a:rPr lang="en-US" dirty="0" smtClean="0"/>
-              <a:t>    </a:t>
-            </a:r>
-            <a:r>
-              <a:rPr lang="en-US" dirty="0" err="1"/>
-              <a:t>moneySpent</a:t>
-            </a:r>
-            <a:r>
-              <a:rPr lang="en-US" dirty="0"/>
-              <a:t>_ += charge;</a:t>
-            </a:r>
-          </a:p>
-          <a:p>
-            <a:r>
-              <a:rPr lang="en-US" dirty="0"/>
-              <a:t>    </a:t>
-            </a:r>
-            <a:r>
-              <a:rPr lang="en-US" dirty="0" err="1"/>
-              <a:t>totalDuration</a:t>
-            </a:r>
-            <a:r>
-              <a:rPr lang="en-US" dirty="0"/>
-              <a:t>_ += minutes;</a:t>
-            </a:r>
-          </a:p>
-          <a:p>
-            <a:r>
-              <a:rPr lang="en-US" dirty="0"/>
-              <a:t>    ++</a:t>
-            </a:r>
-            <a:r>
-              <a:rPr lang="en-US" dirty="0" err="1"/>
-              <a:t>callCount</a:t>
-            </a:r>
-            <a:r>
-              <a:rPr lang="en-US" dirty="0"/>
-              <a:t>_;</a:t>
-            </a:r>
-          </a:p>
-          <a:p>
-            <a:r>
-              <a:rPr lang="en-US" dirty="0"/>
-              <a:t>}</a:t>
-            </a:r>
-          </a:p>
-        </p:txBody>
-      </p:sp>
-    </p:spTree>
-    <p:extLst>
-      <p:ext uri="{BB962C8B-B14F-4D97-AF65-F5344CB8AC3E}">
-        <p14:creationId xmlns:p14="http://schemas.microsoft.com/office/powerpoint/2010/main" val="2052839228"/>
-      </p:ext>
-    </p:extLst>
-  </p:cSld>
-  <p:clrMapOvr>
-    <a:masterClrMapping/>
-  </p:clrMapOvr>
-  <p:timing>
-    <p:tnLst>
-      <p:par>
-        <p:cTn id="1" dur="indefinite" restart="never" nodeType="tmRoot"/>
-      </p:par>
-    </p:tnLst>
-  </p:timing>
-</p:sld>
-</file>
-
-<file path=ppt/slides/slide34.xml><?xml version="1.0" encoding="utf-8"?>
-<p:sld xmlns:a="http://schemas.openxmlformats.org/drawingml/2006/main" xmlns:r="http://schemas.openxmlformats.org/officeDocument/2006/relationships" xmlns:p="http://schemas.openxmlformats.org/presentationml/2006/main">
-  <p:cSld>
-    <p:spTree>
-      <p:nvGrpSpPr>
-        <p:cNvPr id="1" name=""/>
-        <p:cNvGrpSpPr/>
-        <p:nvPr/>
-      </p:nvGrpSpPr>
-      <p:grpSpPr>
-        <a:xfrm>
-          <a:off x="0" y="0"/>
-          <a:ext cx="0" cy="0"/>
-          <a:chOff x="0" y="0"/>
-          <a:chExt cx="0" cy="0"/>
-        </a:xfrm>
-      </p:grpSpPr>
-      <p:sp>
-        <p:nvSpPr>
-          <p:cNvPr id="2" name="Заголовок 1"/>
-          <p:cNvSpPr>
-            <a:spLocks noGrp="1"/>
-          </p:cNvSpPr>
-          <p:nvPr>
-            <p:ph type="title"/>
-          </p:nvPr>
-        </p:nvSpPr>
-        <p:spPr/>
-        <p:txBody>
-          <a:bodyPr/>
-          <a:lstStyle/>
-          <a:p>
-            <a:r>
-              <a:rPr lang="ru-RU" dirty="0" smtClean="0"/>
-              <a:t>Так писать надо сразу</a:t>
-            </a:r>
-            <a:endParaRPr lang="ru-RU" dirty="0"/>
-          </a:p>
-        </p:txBody>
-      </p:sp>
-      <p:sp>
-        <p:nvSpPr>
-          <p:cNvPr id="3" name="Объект 2"/>
-          <p:cNvSpPr>
-            <a:spLocks noGrp="1"/>
-          </p:cNvSpPr>
-          <p:nvPr>
-            <p:ph idx="1"/>
-          </p:nvPr>
-        </p:nvSpPr>
-        <p:spPr/>
-        <p:txBody>
-          <a:bodyPr/>
-          <a:lstStyle/>
-          <a:p>
-            <a:endParaRPr lang="ru-RU" dirty="0"/>
-          </a:p>
-        </p:txBody>
-      </p:sp>
-      <p:sp>
-        <p:nvSpPr>
-          <p:cNvPr id="4" name="Нижний колонтитул 3"/>
-          <p:cNvSpPr>
-            <a:spLocks noGrp="1"/>
-          </p:cNvSpPr>
-          <p:nvPr>
-            <p:ph type="ftr" sz="quarter" idx="11"/>
-          </p:nvPr>
-        </p:nvSpPr>
-        <p:spPr/>
-        <p:txBody>
-          <a:bodyPr/>
-          <a:lstStyle/>
-          <a:p>
-            <a:endParaRPr lang="ru-RU">
-              <a:solidFill>
-                <a:srgbClr val="000000"/>
-              </a:solidFill>
-            </a:endParaRPr>
-          </a:p>
-        </p:txBody>
-      </p:sp>
-      <p:sp>
-        <p:nvSpPr>
-          <p:cNvPr id="5" name="Номер слайда 4"/>
-          <p:cNvSpPr>
-            <a:spLocks noGrp="1"/>
-          </p:cNvSpPr>
-          <p:nvPr>
-            <p:ph type="sldNum" sz="quarter" idx="12"/>
-          </p:nvPr>
-        </p:nvSpPr>
-        <p:spPr/>
-        <p:txBody>
-          <a:bodyPr/>
-          <a:lstStyle/>
-          <a:p>
-            <a:fld id="{741C03D3-FA44-40EC-9A21-1FC4FEA3E22E}" type="slidenum">
-              <a:rPr lang="ru-RU" smtClean="0">
-                <a:solidFill>
-                  <a:srgbClr val="000000"/>
-                </a:solidFill>
-              </a:rPr>
-              <a:pPr/>
-              <a:t>34</a:t>
-            </a:fld>
-            <a:endParaRPr lang="ru-RU">
-              <a:solidFill>
-                <a:srgbClr val="000000"/>
-              </a:solidFill>
-            </a:endParaRPr>
-          </a:p>
-        </p:txBody>
-      </p:sp>
-    </p:spTree>
-    <p:extLst>
-      <p:ext uri="{BB962C8B-B14F-4D97-AF65-F5344CB8AC3E}">
-        <p14:creationId xmlns:p14="http://schemas.microsoft.com/office/powerpoint/2010/main" val="754117462"/>
-      </p:ext>
-    </p:extLst>
-  </p:cSld>
-  <p:clrMapOvr>
-    <a:masterClrMapping/>
-  </p:clrMapOvr>
-  <p:timing>
-    <p:tnLst>
-      <p:par>
-        <p:cTn id="1" dur="indefinite" restart="never" nodeType="tmRoot"/>
-      </p:par>
-    </p:tnLst>
-  </p:timing>
-</p:sld>
-</file>
-
-<file path=ppt/slides/slide35.xml><?xml version="1.0" encoding="utf-8"?>
-<p:sld xmlns:a="http://schemas.openxmlformats.org/drawingml/2006/main" xmlns:r="http://schemas.openxmlformats.org/officeDocument/2006/relationships" xmlns:p="http://schemas.openxmlformats.org/presentationml/2006/main">
-  <p:cSld>
-    <p:spTree>
-      <p:nvGrpSpPr>
-        <p:cNvPr id="1" name=""/>
-        <p:cNvGrpSpPr/>
-        <p:nvPr/>
-      </p:nvGrpSpPr>
-      <p:grpSpPr>
-        <a:xfrm>
-          <a:off x="0" y="0"/>
-          <a:ext cx="0" cy="0"/>
-          <a:chOff x="0" y="0"/>
-          <a:chExt cx="0" cy="0"/>
-        </a:xfrm>
-      </p:grpSpPr>
-      <p:sp>
-        <p:nvSpPr>
-          <p:cNvPr id="2" name="Заголовок 1"/>
-          <p:cNvSpPr>
-            <a:spLocks noGrp="1"/>
-          </p:cNvSpPr>
-          <p:nvPr>
-            <p:ph type="title"/>
-          </p:nvPr>
-        </p:nvSpPr>
-        <p:spPr/>
-        <p:txBody>
-          <a:bodyPr/>
-          <a:lstStyle/>
-          <a:p>
-            <a:r>
-              <a:rPr lang="ru-RU" dirty="0" smtClean="0"/>
-              <a:t>Преимущества и недостатки</a:t>
-            </a:r>
-            <a:endParaRPr lang="ru-RU" dirty="0"/>
-          </a:p>
-        </p:txBody>
-      </p:sp>
-      <p:sp>
-        <p:nvSpPr>
-          <p:cNvPr id="3" name="Объект 2"/>
-          <p:cNvSpPr>
-            <a:spLocks noGrp="1"/>
-          </p:cNvSpPr>
-          <p:nvPr>
-            <p:ph idx="1"/>
-          </p:nvPr>
-        </p:nvSpPr>
-        <p:spPr/>
-        <p:txBody>
-          <a:bodyPr/>
-          <a:lstStyle/>
-          <a:p>
-            <a:r>
-              <a:rPr lang="ru-RU" dirty="0" smtClean="0"/>
-              <a:t>Недостатки</a:t>
-            </a:r>
-          </a:p>
-          <a:p>
-            <a:pPr lvl="1"/>
-            <a:r>
-              <a:rPr lang="ru-RU" dirty="0" smtClean="0"/>
-              <a:t>много букв</a:t>
-            </a:r>
-          </a:p>
-          <a:p>
-            <a:pPr lvl="1"/>
-            <a:r>
-              <a:rPr lang="ru-RU" dirty="0" smtClean="0"/>
-              <a:t>много сущностей в публичном доступе</a:t>
-            </a:r>
-          </a:p>
-          <a:p>
-            <a:pPr lvl="1"/>
-            <a:r>
-              <a:rPr lang="ru-RU" dirty="0" smtClean="0"/>
-              <a:t>повышение порога входа в систему</a:t>
-            </a:r>
-          </a:p>
-          <a:p>
-            <a:r>
-              <a:rPr lang="ru-RU" dirty="0" smtClean="0"/>
-              <a:t>Преимущества</a:t>
-            </a:r>
-          </a:p>
-          <a:p>
-            <a:pPr lvl="1"/>
-            <a:r>
-              <a:rPr lang="ru-RU" dirty="0" smtClean="0"/>
-              <a:t>гибкий код</a:t>
-            </a:r>
-          </a:p>
-          <a:p>
-            <a:pPr lvl="1"/>
-            <a:r>
-              <a:rPr lang="ru-RU" dirty="0" smtClean="0"/>
-              <a:t>меньше глобальных </a:t>
-            </a:r>
-            <a:r>
-              <a:rPr lang="ru-RU" dirty="0" err="1" smtClean="0"/>
-              <a:t>рефакторингов</a:t>
-            </a:r>
-            <a:endParaRPr lang="ru-RU" dirty="0" smtClean="0"/>
-          </a:p>
-          <a:p>
-            <a:pPr lvl="1"/>
-            <a:r>
-              <a:rPr lang="ru-RU" dirty="0" smtClean="0"/>
-              <a:t>упрощение </a:t>
-            </a:r>
-            <a:r>
-              <a:rPr lang="ru-RU" dirty="0" err="1" smtClean="0"/>
-              <a:t>переиспользования</a:t>
-            </a:r>
-            <a:r>
-              <a:rPr lang="ru-RU" dirty="0" smtClean="0"/>
-              <a:t> кода, тестирования, создания служебных инструментов</a:t>
-            </a:r>
-            <a:endParaRPr lang="ru-RU" dirty="0"/>
-          </a:p>
-        </p:txBody>
-      </p:sp>
-      <p:sp>
-        <p:nvSpPr>
-          <p:cNvPr id="4" name="Нижний колонтитул 3"/>
-          <p:cNvSpPr>
-            <a:spLocks noGrp="1"/>
-          </p:cNvSpPr>
-          <p:nvPr>
-            <p:ph type="ftr" sz="quarter" idx="11"/>
-          </p:nvPr>
-        </p:nvSpPr>
-        <p:spPr/>
-        <p:txBody>
-          <a:bodyPr/>
-          <a:lstStyle/>
-          <a:p>
-            <a:endParaRPr lang="ru-RU">
-              <a:solidFill>
-                <a:srgbClr val="000000"/>
-              </a:solidFill>
-            </a:endParaRPr>
-          </a:p>
-        </p:txBody>
-      </p:sp>
-      <p:sp>
-        <p:nvSpPr>
-          <p:cNvPr id="5" name="Номер слайда 4"/>
-          <p:cNvSpPr>
-            <a:spLocks noGrp="1"/>
-          </p:cNvSpPr>
-          <p:nvPr>
-            <p:ph type="sldNum" sz="quarter" idx="12"/>
-          </p:nvPr>
-        </p:nvSpPr>
-        <p:spPr/>
-        <p:txBody>
-          <a:bodyPr/>
-          <a:lstStyle/>
-          <a:p>
-            <a:fld id="{741C03D3-FA44-40EC-9A21-1FC4FEA3E22E}" type="slidenum">
-              <a:rPr lang="ru-RU" smtClean="0">
-                <a:solidFill>
-                  <a:srgbClr val="000000"/>
-                </a:solidFill>
-              </a:rPr>
-              <a:pPr/>
-              <a:t>35</a:t>
             </a:fld>
             <a:endParaRPr lang="ru-RU">
               <a:solidFill>
@@ -35677,7 +40785,7 @@
 </p:sld>
 </file>
 
-<file path=ppt/slides/slide36.xml><?xml version="1.0" encoding="utf-8"?>
+<file path=ppt/slides/slide33.xml><?xml version="1.0" encoding="utf-8"?>
 <p:sld xmlns:a="http://schemas.openxmlformats.org/drawingml/2006/main" xmlns:r="http://schemas.openxmlformats.org/officeDocument/2006/relationships" xmlns:p="http://schemas.openxmlformats.org/presentationml/2006/main">
   <p:cSld>
     <p:spTree>
@@ -38303,7 +43411,7 @@
 </p:sld>
 </file>
 
-<file path=ppt/slides/slide37.xml><?xml version="1.0" encoding="utf-8"?>
+<file path=ppt/slides/slide34.xml><?xml version="1.0" encoding="utf-8"?>
 <p:sld xmlns:a="http://schemas.openxmlformats.org/drawingml/2006/main" xmlns:r="http://schemas.openxmlformats.org/officeDocument/2006/relationships" xmlns:p="http://schemas.openxmlformats.org/presentationml/2006/main" show="0">
   <p:cSld>
     <p:spTree>
@@ -38421,7 +43529,7 @@
                 </a:solidFill>
               </a:rPr>
               <a:pPr/>
-              <a:t>37</a:t>
+              <a:t>34</a:t>
             </a:fld>
             <a:endParaRPr lang="ru-RU">
               <a:solidFill>

--- a/slides.pptx
+++ b/slides.pptx
@@ -6,7 +6,7 @@
     <p:sldMasterId id="2147483735" r:id="rId2"/>
   </p:sldMasterIdLst>
   <p:notesMasterIdLst>
-    <p:notesMasterId r:id="rId39"/>
+    <p:notesMasterId r:id="rId40"/>
   </p:notesMasterIdLst>
   <p:sldIdLst>
     <p:sldId id="389" r:id="rId3"/>
@@ -42,9 +42,10 @@
     <p:sldId id="430" r:id="rId33"/>
     <p:sldId id="432" r:id="rId34"/>
     <p:sldId id="431" r:id="rId35"/>
-    <p:sldId id="424" r:id="rId36"/>
-    <p:sldId id="391" r:id="rId37"/>
-    <p:sldId id="407" r:id="rId38"/>
+    <p:sldId id="433" r:id="rId36"/>
+    <p:sldId id="424" r:id="rId37"/>
+    <p:sldId id="391" r:id="rId38"/>
+    <p:sldId id="407" r:id="rId39"/>
   </p:sldIdLst>
   <p:sldSz cx="24382413" cy="13716000"/>
   <p:notesSz cx="6858000" cy="9144000"/>
@@ -181,6 +182,7 @@
             <p14:sldId id="430"/>
             <p14:sldId id="432"/>
             <p14:sldId id="431"/>
+            <p14:sldId id="433"/>
             <p14:sldId id="424"/>
             <p14:sldId id="391"/>
             <p14:sldId id="407"/>
@@ -4835,7 +4837,7 @@
           </a:ln>
           <a:extLst>
             <a:ext uri="{C572A759-6A51-4108-AA02-DFA0A04FC94B}">
-              <ma14:wrappingTextBoxFlag xmlns:ma14="http://schemas.microsoft.com/office/mac/drawingml/2011/main" xmlns="" val="1"/>
+              <ma14:wrappingTextBoxFlag xmlns="" xmlns:ma14="http://schemas.microsoft.com/office/mac/drawingml/2011/main" val="1"/>
             </a:ext>
           </a:extLst>
         </p:spPr>
@@ -5306,7 +5308,7 @@
           </a:ln>
           <a:extLst>
             <a:ext uri="{C572A759-6A51-4108-AA02-DFA0A04FC94B}">
-              <ma14:wrappingTextBoxFlag xmlns:ma14="http://schemas.microsoft.com/office/mac/drawingml/2011/main" xmlns="" val="1"/>
+              <ma14:wrappingTextBoxFlag xmlns="" xmlns:ma14="http://schemas.microsoft.com/office/mac/drawingml/2011/main" val="1"/>
             </a:ext>
           </a:extLst>
         </p:spPr>
@@ -5452,7 +5454,7 @@
           </a:ln>
           <a:extLst>
             <a:ext uri="{C572A759-6A51-4108-AA02-DFA0A04FC94B}">
-              <ma14:wrappingTextBoxFlag xmlns:ma14="http://schemas.microsoft.com/office/mac/drawingml/2011/main" xmlns="" val="1"/>
+              <ma14:wrappingTextBoxFlag xmlns="" xmlns:ma14="http://schemas.microsoft.com/office/mac/drawingml/2011/main" val="1"/>
             </a:ext>
           </a:extLst>
         </p:spPr>
@@ -5494,7 +5496,7 @@
           </a:ln>
           <a:extLst>
             <a:ext uri="{C572A759-6A51-4108-AA02-DFA0A04FC94B}">
-              <ma14:wrappingTextBoxFlag xmlns:ma14="http://schemas.microsoft.com/office/mac/drawingml/2011/main" xmlns="" val="1"/>
+              <ma14:wrappingTextBoxFlag xmlns="" xmlns:ma14="http://schemas.microsoft.com/office/mac/drawingml/2011/main" val="1"/>
             </a:ext>
           </a:extLst>
         </p:spPr>
@@ -5690,7 +5692,7 @@
           </a:ln>
           <a:extLst>
             <a:ext uri="{C572A759-6A51-4108-AA02-DFA0A04FC94B}">
-              <ma14:wrappingTextBoxFlag xmlns:ma14="http://schemas.microsoft.com/office/mac/drawingml/2011/main" xmlns="" val="1"/>
+              <ma14:wrappingTextBoxFlag xmlns="" xmlns:ma14="http://schemas.microsoft.com/office/mac/drawingml/2011/main" val="1"/>
             </a:ext>
           </a:extLst>
         </p:spPr>
@@ -5814,7 +5816,7 @@
           </a:ln>
           <a:extLst>
             <a:ext uri="{C572A759-6A51-4108-AA02-DFA0A04FC94B}">
-              <ma14:wrappingTextBoxFlag xmlns:ma14="http://schemas.microsoft.com/office/mac/drawingml/2011/main" xmlns="" val="1"/>
+              <ma14:wrappingTextBoxFlag xmlns="" xmlns:ma14="http://schemas.microsoft.com/office/mac/drawingml/2011/main" val="1"/>
             </a:ext>
           </a:extLst>
         </p:spPr>
@@ -5908,7 +5910,7 @@
           </a:ln>
           <a:extLst>
             <a:ext uri="{C572A759-6A51-4108-AA02-DFA0A04FC94B}">
-              <ma14:wrappingTextBoxFlag xmlns:ma14="http://schemas.microsoft.com/office/mac/drawingml/2011/main" xmlns="" val="1"/>
+              <ma14:wrappingTextBoxFlag xmlns="" xmlns:ma14="http://schemas.microsoft.com/office/mac/drawingml/2011/main" val="1"/>
             </a:ext>
           </a:extLst>
         </p:spPr>
@@ -6199,7 +6201,7 @@
           </a:ln>
           <a:extLst>
             <a:ext uri="{C572A759-6A51-4108-AA02-DFA0A04FC94B}">
-              <ma14:wrappingTextBoxFlag xmlns:ma14="http://schemas.microsoft.com/office/mac/drawingml/2011/main" xmlns="" val="1"/>
+              <ma14:wrappingTextBoxFlag xmlns="" xmlns:ma14="http://schemas.microsoft.com/office/mac/drawingml/2011/main" val="1"/>
             </a:ext>
           </a:extLst>
         </p:spPr>
@@ -6690,7 +6692,7 @@
           </a:ln>
           <a:extLst>
             <a:ext uri="{C572A759-6A51-4108-AA02-DFA0A04FC94B}">
-              <ma14:wrappingTextBoxFlag xmlns:ma14="http://schemas.microsoft.com/office/mac/drawingml/2011/main" xmlns="" val="1"/>
+              <ma14:wrappingTextBoxFlag xmlns="" xmlns:ma14="http://schemas.microsoft.com/office/mac/drawingml/2011/main" val="1"/>
             </a:ext>
           </a:extLst>
         </p:spPr>
@@ -6762,7 +6764,7 @@
             </a:ln>
             <a:extLst>
               <a:ext uri="{C572A759-6A51-4108-AA02-DFA0A04FC94B}">
-                <ma14:wrappingTextBoxFlag xmlns:ma14="http://schemas.microsoft.com/office/mac/drawingml/2011/main" xmlns="" val="1"/>
+                <ma14:wrappingTextBoxFlag xmlns="" xmlns:ma14="http://schemas.microsoft.com/office/mac/drawingml/2011/main" val="1"/>
               </a:ext>
             </a:extLst>
           </p:spPr>
@@ -6838,7 +6840,7 @@
             </a:ln>
             <a:extLst>
               <a:ext uri="{C572A759-6A51-4108-AA02-DFA0A04FC94B}">
-                <ma14:wrappingTextBoxFlag xmlns:ma14="http://schemas.microsoft.com/office/mac/drawingml/2011/main" xmlns="" val="1"/>
+                <ma14:wrappingTextBoxFlag xmlns="" xmlns:ma14="http://schemas.microsoft.com/office/mac/drawingml/2011/main" val="1"/>
               </a:ext>
             </a:extLst>
           </p:spPr>
@@ -6926,7 +6928,7 @@
             </a:ln>
             <a:extLst>
               <a:ext uri="{C572A759-6A51-4108-AA02-DFA0A04FC94B}">
-                <ma14:wrappingTextBoxFlag xmlns:ma14="http://schemas.microsoft.com/office/mac/drawingml/2011/main" xmlns="" val="1"/>
+                <ma14:wrappingTextBoxFlag xmlns="" xmlns:ma14="http://schemas.microsoft.com/office/mac/drawingml/2011/main" val="1"/>
               </a:ext>
             </a:extLst>
           </p:spPr>
@@ -7006,7 +7008,7 @@
             </a:ln>
             <a:extLst>
               <a:ext uri="{C572A759-6A51-4108-AA02-DFA0A04FC94B}">
-                <ma14:wrappingTextBoxFlag xmlns:ma14="http://schemas.microsoft.com/office/mac/drawingml/2011/main" xmlns="" val="1"/>
+                <ma14:wrappingTextBoxFlag xmlns="" xmlns:ma14="http://schemas.microsoft.com/office/mac/drawingml/2011/main" val="1"/>
               </a:ext>
             </a:extLst>
           </p:spPr>
@@ -7077,7 +7079,7 @@
             </a:ln>
             <a:extLst>
               <a:ext uri="{C572A759-6A51-4108-AA02-DFA0A04FC94B}">
-                <ma14:wrappingTextBoxFlag xmlns:ma14="http://schemas.microsoft.com/office/mac/drawingml/2011/main" xmlns="" val="1"/>
+                <ma14:wrappingTextBoxFlag xmlns="" xmlns:ma14="http://schemas.microsoft.com/office/mac/drawingml/2011/main" val="1"/>
               </a:ext>
             </a:extLst>
           </p:spPr>
@@ -7133,7 +7135,7 @@
             </a:ln>
             <a:extLst>
               <a:ext uri="{C572A759-6A51-4108-AA02-DFA0A04FC94B}">
-                <ma14:wrappingTextBoxFlag xmlns:ma14="http://schemas.microsoft.com/office/mac/drawingml/2011/main" xmlns="" val="1"/>
+                <ma14:wrappingTextBoxFlag xmlns="" xmlns:ma14="http://schemas.microsoft.com/office/mac/drawingml/2011/main" val="1"/>
               </a:ext>
             </a:extLst>
           </p:spPr>
@@ -7198,7 +7200,7 @@
             </a:ln>
             <a:extLst>
               <a:ext uri="{C572A759-6A51-4108-AA02-DFA0A04FC94B}">
-                <ma14:wrappingTextBoxFlag xmlns:ma14="http://schemas.microsoft.com/office/mac/drawingml/2011/main" xmlns="" val="1"/>
+                <ma14:wrappingTextBoxFlag xmlns="" xmlns:ma14="http://schemas.microsoft.com/office/mac/drawingml/2011/main" val="1"/>
               </a:ext>
             </a:extLst>
           </p:spPr>
@@ -15048,7 +15050,7 @@
           </a:ln>
           <a:extLst>
             <a:ext uri="{C572A759-6A51-4108-AA02-DFA0A04FC94B}">
-              <ma14:wrappingTextBoxFlag xmlns="" xmlns:ma14="http://schemas.microsoft.com/office/mac/drawingml/2011/main" val="1"/>
+              <ma14:wrappingTextBoxFlag xmlns:ma14="http://schemas.microsoft.com/office/mac/drawingml/2011/main" xmlns="" val="1"/>
             </a:ext>
           </a:extLst>
         </p:spPr>
@@ -15506,7 +15508,7 @@
           </a:ln>
           <a:extLst>
             <a:ext uri="{C572A759-6A51-4108-AA02-DFA0A04FC94B}">
-              <ma14:wrappingTextBoxFlag xmlns="" xmlns:ma14="http://schemas.microsoft.com/office/mac/drawingml/2011/main" val="1"/>
+              <ma14:wrappingTextBoxFlag xmlns:ma14="http://schemas.microsoft.com/office/mac/drawingml/2011/main" xmlns="" val="1"/>
             </a:ext>
           </a:extLst>
         </p:spPr>
@@ -15742,7 +15744,7 @@
           </a:ln>
           <a:extLst>
             <a:ext uri="{C572A759-6A51-4108-AA02-DFA0A04FC94B}">
-              <ma14:wrappingTextBoxFlag xmlns="" xmlns:ma14="http://schemas.microsoft.com/office/mac/drawingml/2011/main" val="1"/>
+              <ma14:wrappingTextBoxFlag xmlns:ma14="http://schemas.microsoft.com/office/mac/drawingml/2011/main" xmlns="" val="1"/>
             </a:ext>
           </a:extLst>
         </p:spPr>
@@ -15789,7 +15791,7 @@
           </a:ln>
           <a:extLst>
             <a:ext uri="{C572A759-6A51-4108-AA02-DFA0A04FC94B}">
-              <ma14:wrappingTextBoxFlag xmlns="" xmlns:ma14="http://schemas.microsoft.com/office/mac/drawingml/2011/main" val="1"/>
+              <ma14:wrappingTextBoxFlag xmlns:ma14="http://schemas.microsoft.com/office/mac/drawingml/2011/main" xmlns="" val="1"/>
             </a:ext>
           </a:extLst>
         </p:spPr>
@@ -16021,7 +16023,7 @@
           </a:ln>
           <a:extLst>
             <a:ext uri="{C572A759-6A51-4108-AA02-DFA0A04FC94B}">
-              <ma14:wrappingTextBoxFlag xmlns="" xmlns:ma14="http://schemas.microsoft.com/office/mac/drawingml/2011/main" val="1"/>
+              <ma14:wrappingTextBoxFlag xmlns:ma14="http://schemas.microsoft.com/office/mac/drawingml/2011/main" xmlns="" val="1"/>
             </a:ext>
           </a:extLst>
         </p:spPr>
@@ -16151,7 +16153,7 @@
           </a:ln>
           <a:extLst>
             <a:ext uri="{C572A759-6A51-4108-AA02-DFA0A04FC94B}">
-              <ma14:wrappingTextBoxFlag xmlns="" xmlns:ma14="http://schemas.microsoft.com/office/mac/drawingml/2011/main" val="1"/>
+              <ma14:wrappingTextBoxFlag xmlns:ma14="http://schemas.microsoft.com/office/mac/drawingml/2011/main" xmlns="" val="1"/>
             </a:ext>
           </a:extLst>
         </p:spPr>
@@ -16266,7 +16268,7 @@
           </a:ln>
           <a:extLst>
             <a:ext uri="{C572A759-6A51-4108-AA02-DFA0A04FC94B}">
-              <ma14:wrappingTextBoxFlag xmlns="" xmlns:ma14="http://schemas.microsoft.com/office/mac/drawingml/2011/main" val="1"/>
+              <ma14:wrappingTextBoxFlag xmlns:ma14="http://schemas.microsoft.com/office/mac/drawingml/2011/main" xmlns="" val="1"/>
             </a:ext>
           </a:extLst>
         </p:spPr>
@@ -16706,7 +16708,7 @@
           </a:ln>
           <a:extLst>
             <a:ext uri="{C572A759-6A51-4108-AA02-DFA0A04FC94B}">
-              <ma14:wrappingTextBoxFlag xmlns="" xmlns:ma14="http://schemas.microsoft.com/office/mac/drawingml/2011/main" val="1"/>
+              <ma14:wrappingTextBoxFlag xmlns:ma14="http://schemas.microsoft.com/office/mac/drawingml/2011/main" xmlns="" val="1"/>
             </a:ext>
           </a:extLst>
         </p:spPr>
@@ -16972,7 +16974,7 @@
           </a:ln>
           <a:extLst>
             <a:ext uri="{C572A759-6A51-4108-AA02-DFA0A04FC94B}">
-              <ma14:wrappingTextBoxFlag xmlns="" xmlns:ma14="http://schemas.microsoft.com/office/mac/drawingml/2011/main" val="1"/>
+              <ma14:wrappingTextBoxFlag xmlns:ma14="http://schemas.microsoft.com/office/mac/drawingml/2011/main" xmlns="" val="1"/>
             </a:ext>
           </a:extLst>
         </p:spPr>
@@ -17044,7 +17046,7 @@
             </a:ln>
             <a:extLst>
               <a:ext uri="{C572A759-6A51-4108-AA02-DFA0A04FC94B}">
-                <ma14:wrappingTextBoxFlag xmlns="" xmlns:ma14="http://schemas.microsoft.com/office/mac/drawingml/2011/main" val="1"/>
+                <ma14:wrappingTextBoxFlag xmlns:ma14="http://schemas.microsoft.com/office/mac/drawingml/2011/main" xmlns="" val="1"/>
               </a:ext>
             </a:extLst>
           </p:spPr>
@@ -17121,7 +17123,7 @@
             </a:ln>
             <a:extLst>
               <a:ext uri="{C572A759-6A51-4108-AA02-DFA0A04FC94B}">
-                <ma14:wrappingTextBoxFlag xmlns="" xmlns:ma14="http://schemas.microsoft.com/office/mac/drawingml/2011/main" val="1"/>
+                <ma14:wrappingTextBoxFlag xmlns:ma14="http://schemas.microsoft.com/office/mac/drawingml/2011/main" xmlns="" val="1"/>
               </a:ext>
             </a:extLst>
           </p:spPr>
@@ -17226,7 +17228,7 @@
             </a:ln>
             <a:extLst>
               <a:ext uri="{C572A759-6A51-4108-AA02-DFA0A04FC94B}">
-                <ma14:wrappingTextBoxFlag xmlns="" xmlns:ma14="http://schemas.microsoft.com/office/mac/drawingml/2011/main" val="1"/>
+                <ma14:wrappingTextBoxFlag xmlns:ma14="http://schemas.microsoft.com/office/mac/drawingml/2011/main" xmlns="" val="1"/>
               </a:ext>
             </a:extLst>
           </p:spPr>
@@ -17306,7 +17308,7 @@
             </a:ln>
             <a:extLst>
               <a:ext uri="{C572A759-6A51-4108-AA02-DFA0A04FC94B}">
-                <ma14:wrappingTextBoxFlag xmlns="" xmlns:ma14="http://schemas.microsoft.com/office/mac/drawingml/2011/main" val="1"/>
+                <ma14:wrappingTextBoxFlag xmlns:ma14="http://schemas.microsoft.com/office/mac/drawingml/2011/main" xmlns="" val="1"/>
               </a:ext>
             </a:extLst>
           </p:spPr>
@@ -17377,7 +17379,7 @@
             </a:ln>
             <a:extLst>
               <a:ext uri="{C572A759-6A51-4108-AA02-DFA0A04FC94B}">
-                <ma14:wrappingTextBoxFlag xmlns="" xmlns:ma14="http://schemas.microsoft.com/office/mac/drawingml/2011/main" val="1"/>
+                <ma14:wrappingTextBoxFlag xmlns:ma14="http://schemas.microsoft.com/office/mac/drawingml/2011/main" xmlns="" val="1"/>
               </a:ext>
             </a:extLst>
           </p:spPr>
@@ -17440,7 +17442,7 @@
             </a:ln>
             <a:extLst>
               <a:ext uri="{C572A759-6A51-4108-AA02-DFA0A04FC94B}">
-                <ma14:wrappingTextBoxFlag xmlns="" xmlns:ma14="http://schemas.microsoft.com/office/mac/drawingml/2011/main" val="1"/>
+                <ma14:wrappingTextBoxFlag xmlns:ma14="http://schemas.microsoft.com/office/mac/drawingml/2011/main" xmlns="" val="1"/>
               </a:ext>
             </a:extLst>
           </p:spPr>
@@ -20427,7 +20429,7 @@
           </a:ln>
           <a:extLst>
             <a:ext uri="{C572A759-6A51-4108-AA02-DFA0A04FC94B}">
-              <ma14:wrappingTextBoxFlag xmlns:ma14="http://schemas.microsoft.com/office/mac/drawingml/2011/main" xmlns="" val="1"/>
+              <ma14:wrappingTextBoxFlag xmlns="" xmlns:ma14="http://schemas.microsoft.com/office/mac/drawingml/2011/main" val="1"/>
             </a:ext>
           </a:extLst>
         </p:spPr>
@@ -20499,7 +20501,7 @@
             </a:ln>
             <a:extLst>
               <a:ext uri="{C572A759-6A51-4108-AA02-DFA0A04FC94B}">
-                <ma14:wrappingTextBoxFlag xmlns:ma14="http://schemas.microsoft.com/office/mac/drawingml/2011/main" xmlns="" val="1"/>
+                <ma14:wrappingTextBoxFlag xmlns="" xmlns:ma14="http://schemas.microsoft.com/office/mac/drawingml/2011/main" val="1"/>
               </a:ext>
             </a:extLst>
           </p:spPr>
@@ -20571,7 +20573,7 @@
             </a:ln>
             <a:extLst>
               <a:ext uri="{C572A759-6A51-4108-AA02-DFA0A04FC94B}">
-                <ma14:wrappingTextBoxFlag xmlns:ma14="http://schemas.microsoft.com/office/mac/drawingml/2011/main" xmlns="" val="1"/>
+                <ma14:wrappingTextBoxFlag xmlns="" xmlns:ma14="http://schemas.microsoft.com/office/mac/drawingml/2011/main" val="1"/>
               </a:ext>
             </a:extLst>
           </p:spPr>
@@ -20659,7 +20661,7 @@
             </a:ln>
             <a:extLst>
               <a:ext uri="{C572A759-6A51-4108-AA02-DFA0A04FC94B}">
-                <ma14:wrappingTextBoxFlag xmlns:ma14="http://schemas.microsoft.com/office/mac/drawingml/2011/main" xmlns="" val="1"/>
+                <ma14:wrappingTextBoxFlag xmlns="" xmlns:ma14="http://schemas.microsoft.com/office/mac/drawingml/2011/main" val="1"/>
               </a:ext>
             </a:extLst>
           </p:spPr>
@@ -20739,7 +20741,7 @@
             </a:ln>
             <a:extLst>
               <a:ext uri="{C572A759-6A51-4108-AA02-DFA0A04FC94B}">
-                <ma14:wrappingTextBoxFlag xmlns:ma14="http://schemas.microsoft.com/office/mac/drawingml/2011/main" xmlns="" val="1"/>
+                <ma14:wrappingTextBoxFlag xmlns="" xmlns:ma14="http://schemas.microsoft.com/office/mac/drawingml/2011/main" val="1"/>
               </a:ext>
             </a:extLst>
           </p:spPr>
@@ -20798,7 +20800,7 @@
             </a:ln>
             <a:extLst>
               <a:ext uri="{C572A759-6A51-4108-AA02-DFA0A04FC94B}">
-                <ma14:wrappingTextBoxFlag xmlns:ma14="http://schemas.microsoft.com/office/mac/drawingml/2011/main" xmlns="" val="1"/>
+                <ma14:wrappingTextBoxFlag xmlns="" xmlns:ma14="http://schemas.microsoft.com/office/mac/drawingml/2011/main" val="1"/>
               </a:ext>
             </a:extLst>
           </p:spPr>
@@ -20854,7 +20856,7 @@
             </a:ln>
             <a:extLst>
               <a:ext uri="{C572A759-6A51-4108-AA02-DFA0A04FC94B}">
-                <ma14:wrappingTextBoxFlag xmlns:ma14="http://schemas.microsoft.com/office/mac/drawingml/2011/main" xmlns="" val="1"/>
+                <ma14:wrappingTextBoxFlag xmlns="" xmlns:ma14="http://schemas.microsoft.com/office/mac/drawingml/2011/main" val="1"/>
               </a:ext>
             </a:extLst>
           </p:spPr>
@@ -20919,7 +20921,7 @@
             </a:ln>
             <a:extLst>
               <a:ext uri="{C572A759-6A51-4108-AA02-DFA0A04FC94B}">
-                <ma14:wrappingTextBoxFlag xmlns:ma14="http://schemas.microsoft.com/office/mac/drawingml/2011/main" xmlns="" val="1"/>
+                <ma14:wrappingTextBoxFlag xmlns="" xmlns:ma14="http://schemas.microsoft.com/office/mac/drawingml/2011/main" val="1"/>
               </a:ext>
             </a:extLst>
           </p:spPr>
@@ -32809,15 +32811,7 @@
                   <a:srgbClr val="000000"/>
                 </a:solidFill>
               </a:rPr>
-              <a:t>Снятие и добавление денег на счёт </a:t>
-            </a:r>
-            <a:r>
-              <a:rPr lang="ru-RU" dirty="0" smtClean="0">
-                <a:solidFill>
-                  <a:srgbClr val="000000"/>
-                </a:solidFill>
-              </a:rPr>
-              <a:t>клиента</a:t>
+              <a:t>Снятие и добавление денег на счёт клиента</a:t>
             </a:r>
             <a:endParaRPr lang="en-US" dirty="0" smtClean="0">
               <a:solidFill>
@@ -44263,8 +44257,39 @@
                 <a:ea typeface="+mn-ea"/>
                 <a:cs typeface="+mn-cs"/>
               </a:rPr>
-              <a:t> юнит-тесты</a:t>
-            </a:r>
+              <a:t> </a:t>
+            </a:r>
+            <a:r>
+              <a:rPr kumimoji="0" lang="ru-RU" sz="4800" b="0" i="0" u="none" strike="noStrike" kern="1200" cap="none" spc="0" normalizeH="0" noProof="0" dirty="0" smtClean="0">
+                <a:ln>
+                  <a:noFill/>
+                </a:ln>
+                <a:solidFill>
+                  <a:srgbClr val="000000"/>
+                </a:solidFill>
+                <a:effectLst/>
+                <a:uLnTx/>
+                <a:uFillTx/>
+                <a:latin typeface="Yandex Sans Text Regular" pitchFamily="2" charset="-52"/>
+                <a:ea typeface="+mn-ea"/>
+                <a:cs typeface="+mn-cs"/>
+              </a:rPr>
+              <a:t>юнит-тесты</a:t>
+            </a:r>
+            <a:endParaRPr kumimoji="0" lang="en-US" sz="4800" b="0" i="0" u="none" strike="noStrike" kern="1200" cap="none" spc="0" normalizeH="0" noProof="0" dirty="0" smtClean="0">
+              <a:ln>
+                <a:noFill/>
+              </a:ln>
+              <a:solidFill>
+                <a:srgbClr val="000000"/>
+              </a:solidFill>
+              <a:effectLst/>
+              <a:uLnTx/>
+              <a:uFillTx/>
+              <a:latin typeface="Yandex Sans Text Regular" pitchFamily="2" charset="-52"/>
+              <a:ea typeface="+mn-ea"/>
+              <a:cs typeface="+mn-cs"/>
+            </a:endParaRPr>
           </a:p>
           <a:p>
             <a:pPr marL="0" marR="0" lvl="1" indent="-720000" algn="l" defTabSz="1908000" rtl="0" eaLnBrk="1" fontAlgn="auto" latinLnBrk="0" hangingPunct="1">
@@ -44286,6 +44311,41 @@
               <a:tabLst/>
               <a:defRPr/>
             </a:pPr>
+            <a:endParaRPr kumimoji="0" lang="ru-RU" sz="4800" b="0" i="0" u="none" strike="noStrike" kern="1200" cap="none" spc="0" normalizeH="0" noProof="0" dirty="0" smtClean="0">
+              <a:ln>
+                <a:noFill/>
+              </a:ln>
+              <a:solidFill>
+                <a:srgbClr val="000000"/>
+              </a:solidFill>
+              <a:effectLst/>
+              <a:uLnTx/>
+              <a:uFillTx/>
+              <a:latin typeface="Yandex Sans Text Regular" pitchFamily="2" charset="-52"/>
+              <a:ea typeface="+mn-ea"/>
+              <a:cs typeface="+mn-cs"/>
+            </a:endParaRPr>
+          </a:p>
+          <a:p>
+            <a:pPr marL="0" marR="0" lvl="1" indent="-720000" algn="l" defTabSz="1908000" rtl="0" eaLnBrk="1" fontAlgn="auto" latinLnBrk="0" hangingPunct="1">
+              <a:lnSpc>
+                <a:spcPts val="6000"/>
+              </a:lnSpc>
+              <a:spcBef>
+                <a:spcPts val="0"/>
+              </a:spcBef>
+              <a:spcAft>
+                <a:spcPts val="0"/>
+              </a:spcAft>
+              <a:buClr>
+                <a:srgbClr val="FFCC00"/>
+              </a:buClr>
+              <a:buSzPct val="120000"/>
+              <a:buFont typeface="Impact" panose="020B0806030902050204" pitchFamily="34" charset="0"/>
+              <a:buChar char="▌"/>
+              <a:tabLst/>
+              <a:defRPr/>
+            </a:pPr>
             <a:r>
               <a:rPr kumimoji="0" lang="en-US" sz="4800" b="0" i="0" u="none" strike="noStrike" kern="1200" cap="none" spc="0" normalizeH="0" baseline="0" noProof="0" dirty="0" err="1" smtClean="0">
                 <a:ln>
@@ -44335,8 +44395,74 @@
                 <a:ea typeface="+mn-ea"/>
                 <a:cs typeface="+mn-cs"/>
               </a:rPr>
-              <a:t>может быть сделан виртуальным</a:t>
-            </a:r>
+              <a:t>может быть сделан </a:t>
+            </a:r>
+            <a:r>
+              <a:rPr kumimoji="0" lang="ru-RU" sz="4800" b="0" i="0" u="none" strike="noStrike" kern="1200" cap="none" spc="0" normalizeH="0" baseline="0" noProof="0" dirty="0" smtClean="0">
+                <a:ln>
+                  <a:noFill/>
+                </a:ln>
+                <a:solidFill>
+                  <a:srgbClr val="000000"/>
+                </a:solidFill>
+                <a:effectLst/>
+                <a:uLnTx/>
+                <a:uFillTx/>
+                <a:latin typeface="Yandex Sans Text Regular" pitchFamily="2" charset="-52"/>
+                <a:ea typeface="+mn-ea"/>
+                <a:cs typeface="+mn-cs"/>
+              </a:rPr>
+              <a:t>виртуальным</a:t>
+            </a:r>
+            <a:endParaRPr kumimoji="0" lang="en-US" sz="4800" b="0" i="0" u="none" strike="noStrike" kern="1200" cap="none" spc="0" normalizeH="0" baseline="0" noProof="0" dirty="0" smtClean="0">
+              <a:ln>
+                <a:noFill/>
+              </a:ln>
+              <a:solidFill>
+                <a:srgbClr val="000000"/>
+              </a:solidFill>
+              <a:effectLst/>
+              <a:uLnTx/>
+              <a:uFillTx/>
+              <a:latin typeface="Yandex Sans Text Regular" pitchFamily="2" charset="-52"/>
+              <a:ea typeface="+mn-ea"/>
+              <a:cs typeface="+mn-cs"/>
+            </a:endParaRPr>
+          </a:p>
+          <a:p>
+            <a:pPr marL="0" marR="0" lvl="1" indent="-720000" algn="l" defTabSz="1908000" rtl="0" eaLnBrk="1" fontAlgn="auto" latinLnBrk="0" hangingPunct="1">
+              <a:lnSpc>
+                <a:spcPts val="6000"/>
+              </a:lnSpc>
+              <a:spcBef>
+                <a:spcPts val="0"/>
+              </a:spcBef>
+              <a:spcAft>
+                <a:spcPts val="0"/>
+              </a:spcAft>
+              <a:buClr>
+                <a:srgbClr val="FFCC00"/>
+              </a:buClr>
+              <a:buSzPct val="120000"/>
+              <a:buFont typeface="Impact" panose="020B0806030902050204" pitchFamily="34" charset="0"/>
+              <a:buChar char="▌"/>
+              <a:tabLst/>
+              <a:defRPr/>
+            </a:pPr>
+            <a:endParaRPr kumimoji="0" lang="ru-RU" sz="4800" b="0" i="0" u="none" strike="noStrike" kern="1200" cap="none" spc="0" normalizeH="0" baseline="0" noProof="0" dirty="0" smtClean="0">
+              <a:ln>
+                <a:noFill/>
+              </a:ln>
+              <a:solidFill>
+                <a:srgbClr val="000000"/>
+              </a:solidFill>
+              <a:effectLst/>
+              <a:uLnTx/>
+              <a:uFillTx/>
+              <a:latin typeface="Yandex Sans Text Regular" pitchFamily="2" charset="-52"/>
+              <a:ea typeface="+mn-ea"/>
+              <a:cs typeface="+mn-cs"/>
+            </a:endParaRPr>
           </a:p>
           <a:p>
             <a:pPr marL="0" marR="0" lvl="1" indent="-720000" algn="l" defTabSz="1908000" rtl="0" eaLnBrk="1" fontAlgn="auto" latinLnBrk="0" hangingPunct="1">
@@ -44453,6 +44579,869 @@
           <a:p>
             <a:r>
               <a:rPr lang="ru-RU" dirty="0" smtClean="0"/>
+              <a:t>Выкатили в </a:t>
+            </a:r>
+            <a:r>
+              <a:rPr lang="en-US" dirty="0" smtClean="0"/>
+              <a:t>production, </a:t>
+            </a:r>
+            <a:r>
+              <a:rPr lang="ru-RU" dirty="0" smtClean="0"/>
+              <a:t>хотим мониторинг</a:t>
+            </a:r>
+            <a:endParaRPr lang="ru-RU" dirty="0"/>
+          </a:p>
+        </p:txBody>
+      </p:sp>
+      <p:sp>
+        <p:nvSpPr>
+          <p:cNvPr id="3" name="Объект 2"/>
+          <p:cNvSpPr>
+            <a:spLocks noGrp="1"/>
+          </p:cNvSpPr>
+          <p:nvPr>
+            <p:ph idx="1"/>
+          </p:nvPr>
+        </p:nvSpPr>
+        <p:spPr>
+          <a:xfrm>
+            <a:off x="11809413" y="7621588"/>
+            <a:ext cx="11464923" cy="4578350"/>
+          </a:xfrm>
+        </p:spPr>
+        <p:txBody>
+          <a:bodyPr/>
+          <a:lstStyle/>
+          <a:p>
+            <a:pPr lvl="1"/>
+            <a:r>
+              <a:rPr lang="ru-RU" dirty="0" smtClean="0"/>
+              <a:t>Для каждого клиента считать сумму потраченных денег</a:t>
+            </a:r>
+          </a:p>
+          <a:p>
+            <a:pPr lvl="1"/>
+            <a:r>
+              <a:rPr lang="ru-RU" dirty="0" smtClean="0"/>
+              <a:t>Считать количество отправленных </a:t>
+            </a:r>
+            <a:r>
+              <a:rPr lang="en-US" dirty="0" smtClean="0"/>
+              <a:t>SMS</a:t>
+            </a:r>
+          </a:p>
+        </p:txBody>
+      </p:sp>
+      <p:sp>
+        <p:nvSpPr>
+          <p:cNvPr id="4" name="Нижний колонтитул 3"/>
+          <p:cNvSpPr>
+            <a:spLocks noGrp="1"/>
+          </p:cNvSpPr>
+          <p:nvPr>
+            <p:ph type="ftr" sz="quarter" idx="11"/>
+          </p:nvPr>
+        </p:nvSpPr>
+        <p:spPr/>
+        <p:txBody>
+          <a:bodyPr/>
+          <a:lstStyle/>
+          <a:p>
+            <a:endParaRPr lang="ru-RU"/>
+          </a:p>
+        </p:txBody>
+      </p:sp>
+      <p:sp>
+        <p:nvSpPr>
+          <p:cNvPr id="5" name="Номер слайда 4"/>
+          <p:cNvSpPr>
+            <a:spLocks noGrp="1"/>
+          </p:cNvSpPr>
+          <p:nvPr>
+            <p:ph type="sldNum" sz="quarter" idx="12"/>
+          </p:nvPr>
+        </p:nvSpPr>
+        <p:spPr/>
+        <p:txBody>
+          <a:bodyPr/>
+          <a:lstStyle/>
+          <a:p>
+            <a:fld id="{741C03D3-FA44-40EC-9A21-1FC4FEA3E22E}" type="slidenum">
+              <a:rPr lang="ru-RU" smtClean="0"/>
+              <a:t>34</a:t>
+            </a:fld>
+            <a:endParaRPr lang="ru-RU"/>
+          </a:p>
+        </p:txBody>
+      </p:sp>
+      <p:sp>
+        <p:nvSpPr>
+          <p:cNvPr id="7" name="Прямоугольник 6"/>
+          <p:cNvSpPr/>
+          <p:nvPr/>
+        </p:nvSpPr>
+        <p:spPr>
+          <a:xfrm>
+            <a:off x="1124807" y="3805200"/>
+            <a:ext cx="3434494" cy="3052800"/>
+          </a:xfrm>
+          <a:prstGeom prst="rect">
+            <a:avLst/>
+          </a:prstGeom>
+          <a:solidFill>
+            <a:schemeClr val="tx2"/>
+          </a:solidFill>
+          <a:ln w="50800">
+            <a:solidFill>
+              <a:schemeClr val="tx1"/>
+            </a:solidFill>
+          </a:ln>
+        </p:spPr>
+        <p:style>
+          <a:lnRef idx="2">
+            <a:schemeClr val="accent1">
+              <a:shade val="50000"/>
+            </a:schemeClr>
+          </a:lnRef>
+          <a:fillRef idx="1">
+            <a:schemeClr val="accent1"/>
+          </a:fillRef>
+          <a:effectRef idx="0">
+            <a:schemeClr val="accent1"/>
+          </a:effectRef>
+          <a:fontRef idx="minor">
+            <a:schemeClr val="lt1"/>
+          </a:fontRef>
+        </p:style>
+        <p:txBody>
+          <a:bodyPr rtlCol="0" anchor="ctr"/>
+          <a:lstStyle/>
+          <a:p>
+            <a:pPr algn="ctr"/>
+            <a:r>
+              <a:rPr lang="en-US" sz="4800" dirty="0" smtClean="0">
+                <a:solidFill>
+                  <a:schemeClr val="tx1"/>
+                </a:solidFill>
+              </a:rPr>
+              <a:t>Billing</a:t>
+            </a:r>
+            <a:endParaRPr lang="ru-RU" sz="4800" dirty="0">
+              <a:solidFill>
+                <a:schemeClr val="tx1"/>
+              </a:solidFill>
+            </a:endParaRPr>
+          </a:p>
+        </p:txBody>
+      </p:sp>
+      <p:sp>
+        <p:nvSpPr>
+          <p:cNvPr id="8" name="TextBox 7"/>
+          <p:cNvSpPr txBox="1"/>
+          <p:nvPr/>
+        </p:nvSpPr>
+        <p:spPr>
+          <a:xfrm>
+            <a:off x="2909149" y="3061804"/>
+            <a:ext cx="3350597" cy="861774"/>
+          </a:xfrm>
+          <a:prstGeom prst="rect">
+            <a:avLst/>
+          </a:prstGeom>
+          <a:noFill/>
+        </p:spPr>
+        <p:txBody>
+          <a:bodyPr wrap="none" rtlCol="0">
+            <a:spAutoFit/>
+          </a:bodyPr>
+          <a:lstStyle/>
+          <a:p>
+            <a:pPr algn="ctr"/>
+            <a:r>
+              <a:rPr lang="en-US" sz="4800" dirty="0" smtClean="0">
+                <a:solidFill>
+                  <a:sysClr val="windowText" lastClr="000000"/>
+                </a:solidFill>
+              </a:rPr>
+              <a:t>Production</a:t>
+            </a:r>
+            <a:endParaRPr lang="ru-RU" sz="4800" dirty="0" err="1" smtClean="0">
+              <a:solidFill>
+                <a:sysClr val="windowText" lastClr="000000"/>
+              </a:solidFill>
+            </a:endParaRPr>
+          </a:p>
+        </p:txBody>
+      </p:sp>
+      <p:sp>
+        <p:nvSpPr>
+          <p:cNvPr id="9" name="TextBox 8"/>
+          <p:cNvSpPr txBox="1"/>
+          <p:nvPr/>
+        </p:nvSpPr>
+        <p:spPr>
+          <a:xfrm>
+            <a:off x="3123377" y="8285826"/>
+            <a:ext cx="3169457" cy="830997"/>
+          </a:xfrm>
+          <a:prstGeom prst="rect">
+            <a:avLst/>
+          </a:prstGeom>
+          <a:noFill/>
+        </p:spPr>
+        <p:txBody>
+          <a:bodyPr wrap="none" rtlCol="0">
+            <a:spAutoFit/>
+          </a:bodyPr>
+          <a:lstStyle/>
+          <a:p>
+            <a:pPr algn="ctr"/>
+            <a:r>
+              <a:rPr lang="ru-RU" sz="4800" dirty="0" err="1" smtClean="0">
+                <a:solidFill>
+                  <a:sysClr val="windowText" lastClr="000000"/>
+                </a:solidFill>
+              </a:rPr>
+              <a:t>Автотесты</a:t>
+            </a:r>
+            <a:endParaRPr lang="ru-RU" sz="4800" dirty="0" smtClean="0">
+              <a:solidFill>
+                <a:sysClr val="windowText" lastClr="000000"/>
+              </a:solidFill>
+            </a:endParaRPr>
+          </a:p>
+        </p:txBody>
+      </p:sp>
+      <p:sp>
+        <p:nvSpPr>
+          <p:cNvPr id="10" name="Прямоугольник 9"/>
+          <p:cNvSpPr/>
+          <p:nvPr/>
+        </p:nvSpPr>
+        <p:spPr>
+          <a:xfrm>
+            <a:off x="4559300" y="3805200"/>
+            <a:ext cx="3434305" cy="1525625"/>
+          </a:xfrm>
+          <a:prstGeom prst="rect">
+            <a:avLst/>
+          </a:prstGeom>
+          <a:solidFill>
+            <a:srgbClr val="72C3E0"/>
+          </a:solidFill>
+          <a:ln w="50800">
+            <a:solidFill>
+              <a:schemeClr val="tx1"/>
+            </a:solidFill>
+          </a:ln>
+        </p:spPr>
+        <p:style>
+          <a:lnRef idx="2">
+            <a:schemeClr val="accent1">
+              <a:shade val="50000"/>
+            </a:schemeClr>
+          </a:lnRef>
+          <a:fillRef idx="1">
+            <a:schemeClr val="accent1"/>
+          </a:fillRef>
+          <a:effectRef idx="0">
+            <a:schemeClr val="accent1"/>
+          </a:effectRef>
+          <a:fontRef idx="minor">
+            <a:schemeClr val="lt1"/>
+          </a:fontRef>
+        </p:style>
+        <p:txBody>
+          <a:bodyPr rtlCol="0" anchor="ctr"/>
+          <a:lstStyle/>
+          <a:p>
+            <a:pPr algn="ctr"/>
+            <a:r>
+              <a:rPr lang="en-US" sz="4800" dirty="0" smtClean="0">
+                <a:solidFill>
+                  <a:schemeClr val="tx1"/>
+                </a:solidFill>
+              </a:rPr>
+              <a:t>Tariff</a:t>
+            </a:r>
+          </a:p>
+        </p:txBody>
+      </p:sp>
+      <p:sp>
+        <p:nvSpPr>
+          <p:cNvPr id="12" name="Прямоугольник 11"/>
+          <p:cNvSpPr/>
+          <p:nvPr/>
+        </p:nvSpPr>
+        <p:spPr>
+          <a:xfrm>
+            <a:off x="4559300" y="5332375"/>
+            <a:ext cx="3434211" cy="1525625"/>
+          </a:xfrm>
+          <a:prstGeom prst="rect">
+            <a:avLst/>
+          </a:prstGeom>
+          <a:solidFill>
+            <a:schemeClr val="bg2"/>
+          </a:solidFill>
+          <a:ln w="50800">
+            <a:solidFill>
+              <a:schemeClr val="tx1"/>
+            </a:solidFill>
+          </a:ln>
+        </p:spPr>
+        <p:style>
+          <a:lnRef idx="2">
+            <a:schemeClr val="accent1">
+              <a:shade val="50000"/>
+            </a:schemeClr>
+          </a:lnRef>
+          <a:fillRef idx="1">
+            <a:schemeClr val="accent1"/>
+          </a:fillRef>
+          <a:effectRef idx="0">
+            <a:schemeClr val="accent1"/>
+          </a:effectRef>
+          <a:fontRef idx="minor">
+            <a:schemeClr val="lt1"/>
+          </a:fontRef>
+        </p:style>
+        <p:txBody>
+          <a:bodyPr rtlCol="0" anchor="ctr"/>
+          <a:lstStyle/>
+          <a:p>
+            <a:pPr algn="ctr"/>
+            <a:r>
+              <a:rPr lang="en-US" sz="4400" dirty="0" err="1" smtClean="0">
+                <a:solidFill>
+                  <a:schemeClr val="tx1"/>
+                </a:solidFill>
+              </a:rPr>
+              <a:t>UserAccount</a:t>
+            </a:r>
+            <a:endParaRPr lang="ru-RU" sz="4400" dirty="0">
+              <a:solidFill>
+                <a:schemeClr val="tx1"/>
+              </a:solidFill>
+            </a:endParaRPr>
+          </a:p>
+        </p:txBody>
+      </p:sp>
+      <p:sp>
+        <p:nvSpPr>
+          <p:cNvPr id="13" name="Прямоугольник 12"/>
+          <p:cNvSpPr/>
+          <p:nvPr/>
+        </p:nvSpPr>
+        <p:spPr>
+          <a:xfrm>
+            <a:off x="1124806" y="9147600"/>
+            <a:ext cx="3434305" cy="3052800"/>
+          </a:xfrm>
+          <a:prstGeom prst="rect">
+            <a:avLst/>
+          </a:prstGeom>
+          <a:solidFill>
+            <a:srgbClr val="72C3E0"/>
+          </a:solidFill>
+          <a:ln w="50800">
+            <a:solidFill>
+              <a:schemeClr val="tx1"/>
+            </a:solidFill>
+          </a:ln>
+        </p:spPr>
+        <p:style>
+          <a:lnRef idx="2">
+            <a:schemeClr val="accent1">
+              <a:shade val="50000"/>
+            </a:schemeClr>
+          </a:lnRef>
+          <a:fillRef idx="1">
+            <a:schemeClr val="accent1"/>
+          </a:fillRef>
+          <a:effectRef idx="0">
+            <a:schemeClr val="accent1"/>
+          </a:effectRef>
+          <a:fontRef idx="minor">
+            <a:schemeClr val="lt1"/>
+          </a:fontRef>
+        </p:style>
+        <p:txBody>
+          <a:bodyPr rtlCol="0" anchor="ctr"/>
+          <a:lstStyle/>
+          <a:p>
+            <a:pPr algn="ctr"/>
+            <a:r>
+              <a:rPr lang="en-US" sz="4800" dirty="0" smtClean="0">
+                <a:solidFill>
+                  <a:schemeClr val="tx1"/>
+                </a:solidFill>
+              </a:rPr>
+              <a:t>Tariff</a:t>
+            </a:r>
+          </a:p>
+        </p:txBody>
+      </p:sp>
+      <p:sp>
+        <p:nvSpPr>
+          <p:cNvPr id="14" name="Прямоугольник 13"/>
+          <p:cNvSpPr/>
+          <p:nvPr/>
+        </p:nvSpPr>
+        <p:spPr>
+          <a:xfrm>
+            <a:off x="4559206" y="9148375"/>
+            <a:ext cx="3434211" cy="3051563"/>
+          </a:xfrm>
+          <a:prstGeom prst="rect">
+            <a:avLst/>
+          </a:prstGeom>
+          <a:solidFill>
+            <a:schemeClr val="bg2"/>
+          </a:solidFill>
+          <a:ln w="50800">
+            <a:solidFill>
+              <a:schemeClr val="tx1"/>
+            </a:solidFill>
+          </a:ln>
+        </p:spPr>
+        <p:style>
+          <a:lnRef idx="2">
+            <a:schemeClr val="accent1">
+              <a:shade val="50000"/>
+            </a:schemeClr>
+          </a:lnRef>
+          <a:fillRef idx="1">
+            <a:schemeClr val="accent1"/>
+          </a:fillRef>
+          <a:effectRef idx="0">
+            <a:schemeClr val="accent1"/>
+          </a:effectRef>
+          <a:fontRef idx="minor">
+            <a:schemeClr val="lt1"/>
+          </a:fontRef>
+        </p:style>
+        <p:txBody>
+          <a:bodyPr rtlCol="0" anchor="ctr"/>
+          <a:lstStyle/>
+          <a:p>
+            <a:pPr algn="ctr"/>
+            <a:r>
+              <a:rPr lang="en-US" sz="4400" dirty="0" err="1" smtClean="0">
+                <a:solidFill>
+                  <a:schemeClr val="tx1"/>
+                </a:solidFill>
+              </a:rPr>
+              <a:t>UserAccount</a:t>
+            </a:r>
+            <a:endParaRPr lang="ru-RU" sz="4400" dirty="0">
+              <a:solidFill>
+                <a:schemeClr val="tx1"/>
+              </a:solidFill>
+            </a:endParaRPr>
+          </a:p>
+        </p:txBody>
+      </p:sp>
+      <p:sp>
+        <p:nvSpPr>
+          <p:cNvPr id="15" name="Прямоугольник 14"/>
+          <p:cNvSpPr/>
+          <p:nvPr/>
+        </p:nvSpPr>
+        <p:spPr>
+          <a:xfrm>
+            <a:off x="16386487" y="3061804"/>
+            <a:ext cx="6868800" cy="3796196"/>
+          </a:xfrm>
+          <a:prstGeom prst="rect">
+            <a:avLst/>
+          </a:prstGeom>
+          <a:noFill/>
+          <a:ln w="50800">
+            <a:solidFill>
+              <a:schemeClr val="tx1"/>
+            </a:solidFill>
+          </a:ln>
+        </p:spPr>
+        <p:style>
+          <a:lnRef idx="2">
+            <a:schemeClr val="accent1">
+              <a:shade val="50000"/>
+            </a:schemeClr>
+          </a:lnRef>
+          <a:fillRef idx="1">
+            <a:schemeClr val="accent1"/>
+          </a:fillRef>
+          <a:effectRef idx="0">
+            <a:schemeClr val="accent1"/>
+          </a:effectRef>
+          <a:fontRef idx="minor">
+            <a:schemeClr val="lt1"/>
+          </a:fontRef>
+        </p:style>
+        <p:txBody>
+          <a:bodyPr rtlCol="0" anchor="ctr"/>
+          <a:lstStyle/>
+          <a:p>
+            <a:pPr algn="ctr"/>
+            <a:r>
+              <a:rPr lang="ru-RU" sz="4800" dirty="0" smtClean="0">
+                <a:solidFill>
+                  <a:schemeClr val="tx1"/>
+                </a:solidFill>
+              </a:rPr>
+              <a:t>Мониторинг</a:t>
+            </a:r>
+            <a:endParaRPr lang="ru-RU" sz="4800" dirty="0">
+              <a:solidFill>
+                <a:schemeClr val="tx1"/>
+              </a:solidFill>
+            </a:endParaRPr>
+          </a:p>
+        </p:txBody>
+      </p:sp>
+    </p:spTree>
+    <p:extLst>
+      <p:ext uri="{BB962C8B-B14F-4D97-AF65-F5344CB8AC3E}">
+        <p14:creationId xmlns:p14="http://schemas.microsoft.com/office/powerpoint/2010/main" val="3468242389"/>
+      </p:ext>
+    </p:extLst>
+  </p:cSld>
+  <p:clrMapOvr>
+    <a:masterClrMapping/>
+  </p:clrMapOvr>
+  <p:timing>
+    <p:tnLst>
+      <p:par>
+        <p:cTn id="1" dur="indefinite" restart="never" nodeType="tmRoot">
+          <p:childTnLst>
+            <p:seq concurrent="1" nextAc="seek">
+              <p:cTn id="2" dur="indefinite" nodeType="mainSeq">
+                <p:childTnLst>
+                  <p:par>
+                    <p:cTn id="3" fill="hold">
+                      <p:stCondLst>
+                        <p:cond delay="indefinite"/>
+                      </p:stCondLst>
+                      <p:childTnLst>
+                        <p:par>
+                          <p:cTn id="4" fill="hold">
+                            <p:stCondLst>
+                              <p:cond delay="0"/>
+                            </p:stCondLst>
+                            <p:childTnLst>
+                              <p:par>
+                                <p:cTn id="5" presetID="2" presetClass="entr" presetSubtype="2" fill="hold" grpId="0" nodeType="clickEffect">
+                                  <p:stCondLst>
+                                    <p:cond delay="0"/>
+                                  </p:stCondLst>
+                                  <p:childTnLst>
+                                    <p:set>
+                                      <p:cBhvr>
+                                        <p:cTn id="6" dur="1" fill="hold">
+                                          <p:stCondLst>
+                                            <p:cond delay="0"/>
+                                          </p:stCondLst>
+                                        </p:cTn>
+                                        <p:tgtEl>
+                                          <p:spTgt spid="3">
+                                            <p:txEl>
+                                              <p:pRg st="0" end="0"/>
+                                            </p:txEl>
+                                          </p:spTgt>
+                                        </p:tgtEl>
+                                        <p:attrNameLst>
+                                          <p:attrName>style.visibility</p:attrName>
+                                        </p:attrNameLst>
+                                      </p:cBhvr>
+                                      <p:to>
+                                        <p:strVal val="visible"/>
+                                      </p:to>
+                                    </p:set>
+                                    <p:anim calcmode="lin" valueType="num">
+                                      <p:cBhvr additive="base">
+                                        <p:cTn id="7" dur="500" fill="hold"/>
+                                        <p:tgtEl>
+                                          <p:spTgt spid="3">
+                                            <p:txEl>
+                                              <p:pRg st="0" end="0"/>
+                                            </p:txEl>
+                                          </p:spTgt>
+                                        </p:tgtEl>
+                                        <p:attrNameLst>
+                                          <p:attrName>ppt_x</p:attrName>
+                                        </p:attrNameLst>
+                                      </p:cBhvr>
+                                      <p:tavLst>
+                                        <p:tav tm="0">
+                                          <p:val>
+                                            <p:strVal val="1+#ppt_w/2"/>
+                                          </p:val>
+                                        </p:tav>
+                                        <p:tav tm="100000">
+                                          <p:val>
+                                            <p:strVal val="#ppt_x"/>
+                                          </p:val>
+                                        </p:tav>
+                                      </p:tavLst>
+                                    </p:anim>
+                                    <p:anim calcmode="lin" valueType="num">
+                                      <p:cBhvr additive="base">
+                                        <p:cTn id="8" dur="500" fill="hold"/>
+                                        <p:tgtEl>
+                                          <p:spTgt spid="3">
+                                            <p:txEl>
+                                              <p:pRg st="0" end="0"/>
+                                            </p:txEl>
+                                          </p:spTgt>
+                                        </p:tgtEl>
+                                        <p:attrNameLst>
+                                          <p:attrName>ppt_y</p:attrName>
+                                        </p:attrNameLst>
+                                      </p:cBhvr>
+                                      <p:tavLst>
+                                        <p:tav tm="0">
+                                          <p:val>
+                                            <p:strVal val="#ppt_y"/>
+                                          </p:val>
+                                        </p:tav>
+                                        <p:tav tm="100000">
+                                          <p:val>
+                                            <p:strVal val="#ppt_y"/>
+                                          </p:val>
+                                        </p:tav>
+                                      </p:tavLst>
+                                    </p:anim>
+                                  </p:childTnLst>
+                                </p:cTn>
+                              </p:par>
+                              <p:par>
+                                <p:cTn id="9" presetID="2" presetClass="entr" presetSubtype="2" fill="hold" grpId="0" nodeType="withEffect">
+                                  <p:stCondLst>
+                                    <p:cond delay="0"/>
+                                  </p:stCondLst>
+                                  <p:childTnLst>
+                                    <p:set>
+                                      <p:cBhvr>
+                                        <p:cTn id="10" dur="1" fill="hold">
+                                          <p:stCondLst>
+                                            <p:cond delay="0"/>
+                                          </p:stCondLst>
+                                        </p:cTn>
+                                        <p:tgtEl>
+                                          <p:spTgt spid="3">
+                                            <p:txEl>
+                                              <p:pRg st="1" end="1"/>
+                                            </p:txEl>
+                                          </p:spTgt>
+                                        </p:tgtEl>
+                                        <p:attrNameLst>
+                                          <p:attrName>style.visibility</p:attrName>
+                                        </p:attrNameLst>
+                                      </p:cBhvr>
+                                      <p:to>
+                                        <p:strVal val="visible"/>
+                                      </p:to>
+                                    </p:set>
+                                    <p:anim calcmode="lin" valueType="num">
+                                      <p:cBhvr additive="base">
+                                        <p:cTn id="11" dur="500" fill="hold"/>
+                                        <p:tgtEl>
+                                          <p:spTgt spid="3">
+                                            <p:txEl>
+                                              <p:pRg st="1" end="1"/>
+                                            </p:txEl>
+                                          </p:spTgt>
+                                        </p:tgtEl>
+                                        <p:attrNameLst>
+                                          <p:attrName>ppt_x</p:attrName>
+                                        </p:attrNameLst>
+                                      </p:cBhvr>
+                                      <p:tavLst>
+                                        <p:tav tm="0">
+                                          <p:val>
+                                            <p:strVal val="1+#ppt_w/2"/>
+                                          </p:val>
+                                        </p:tav>
+                                        <p:tav tm="100000">
+                                          <p:val>
+                                            <p:strVal val="#ppt_x"/>
+                                          </p:val>
+                                        </p:tav>
+                                      </p:tavLst>
+                                    </p:anim>
+                                    <p:anim calcmode="lin" valueType="num">
+                                      <p:cBhvr additive="base">
+                                        <p:cTn id="12" dur="500" fill="hold"/>
+                                        <p:tgtEl>
+                                          <p:spTgt spid="3">
+                                            <p:txEl>
+                                              <p:pRg st="1" end="1"/>
+                                            </p:txEl>
+                                          </p:spTgt>
+                                        </p:tgtEl>
+                                        <p:attrNameLst>
+                                          <p:attrName>ppt_y</p:attrName>
+                                        </p:attrNameLst>
+                                      </p:cBhvr>
+                                      <p:tavLst>
+                                        <p:tav tm="0">
+                                          <p:val>
+                                            <p:strVal val="#ppt_y"/>
+                                          </p:val>
+                                        </p:tav>
+                                        <p:tav tm="100000">
+                                          <p:val>
+                                            <p:strVal val="#ppt_y"/>
+                                          </p:val>
+                                        </p:tav>
+                                      </p:tavLst>
+                                    </p:anim>
+                                  </p:childTnLst>
+                                </p:cTn>
+                              </p:par>
+                              <p:par>
+                                <p:cTn id="13" presetID="2" presetClass="entr" presetSubtype="2" fill="hold" grpId="0" nodeType="withEffect">
+                                  <p:stCondLst>
+                                    <p:cond delay="0"/>
+                                  </p:stCondLst>
+                                  <p:childTnLst>
+                                    <p:set>
+                                      <p:cBhvr>
+                                        <p:cTn id="14" dur="1" fill="hold">
+                                          <p:stCondLst>
+                                            <p:cond delay="0"/>
+                                          </p:stCondLst>
+                                        </p:cTn>
+                                        <p:tgtEl>
+                                          <p:spTgt spid="15"/>
+                                        </p:tgtEl>
+                                        <p:attrNameLst>
+                                          <p:attrName>style.visibility</p:attrName>
+                                        </p:attrNameLst>
+                                      </p:cBhvr>
+                                      <p:to>
+                                        <p:strVal val="visible"/>
+                                      </p:to>
+                                    </p:set>
+                                    <p:anim calcmode="lin" valueType="num">
+                                      <p:cBhvr additive="base">
+                                        <p:cTn id="15" dur="500" fill="hold"/>
+                                        <p:tgtEl>
+                                          <p:spTgt spid="15"/>
+                                        </p:tgtEl>
+                                        <p:attrNameLst>
+                                          <p:attrName>ppt_x</p:attrName>
+                                        </p:attrNameLst>
+                                      </p:cBhvr>
+                                      <p:tavLst>
+                                        <p:tav tm="0">
+                                          <p:val>
+                                            <p:strVal val="1+#ppt_w/2"/>
+                                          </p:val>
+                                        </p:tav>
+                                        <p:tav tm="100000">
+                                          <p:val>
+                                            <p:strVal val="#ppt_x"/>
+                                          </p:val>
+                                        </p:tav>
+                                      </p:tavLst>
+                                    </p:anim>
+                                    <p:anim calcmode="lin" valueType="num">
+                                      <p:cBhvr additive="base">
+                                        <p:cTn id="16" dur="500" fill="hold"/>
+                                        <p:tgtEl>
+                                          <p:spTgt spid="15"/>
+                                        </p:tgtEl>
+                                        <p:attrNameLst>
+                                          <p:attrName>ppt_y</p:attrName>
+                                        </p:attrNameLst>
+                                      </p:cBhvr>
+                                      <p:tavLst>
+                                        <p:tav tm="0">
+                                          <p:val>
+                                            <p:strVal val="#ppt_y"/>
+                                          </p:val>
+                                        </p:tav>
+                                        <p:tav tm="100000">
+                                          <p:val>
+                                            <p:strVal val="#ppt_y"/>
+                                          </p:val>
+                                        </p:tav>
+                                      </p:tavLst>
+                                    </p:anim>
+                                  </p:childTnLst>
+                                </p:cTn>
+                              </p:par>
+                            </p:childTnLst>
+                          </p:cTn>
+                        </p:par>
+                      </p:childTnLst>
+                    </p:cTn>
+                  </p:par>
+                </p:childTnLst>
+              </p:cTn>
+              <p:prevCondLst>
+                <p:cond evt="onPrev" delay="0">
+                  <p:tgtEl>
+                    <p:sldTgt/>
+                  </p:tgtEl>
+                </p:cond>
+              </p:prevCondLst>
+              <p:nextCondLst>
+                <p:cond evt="onNext" delay="0">
+                  <p:tgtEl>
+                    <p:sldTgt/>
+                  </p:tgtEl>
+                </p:cond>
+              </p:nextCondLst>
+            </p:seq>
+          </p:childTnLst>
+        </p:cTn>
+      </p:par>
+    </p:tnLst>
+    <p:bldLst>
+      <p:bldP spid="3" grpId="0" build="p"/>
+      <p:bldP spid="15" grpId="0" animBg="1"/>
+    </p:bldLst>
+  </p:timing>
+</p:sld>
+</file>
+
+<file path=ppt/slides/slide35.xml><?xml version="1.0" encoding="utf-8"?>
+<p:sld xmlns:a="http://schemas.openxmlformats.org/drawingml/2006/main" xmlns:r="http://schemas.openxmlformats.org/officeDocument/2006/relationships" xmlns:p="http://schemas.openxmlformats.org/presentationml/2006/main">
+  <p:cSld>
+    <p:spTree>
+      <p:nvGrpSpPr>
+        <p:cNvPr id="1" name=""/>
+        <p:cNvGrpSpPr/>
+        <p:nvPr/>
+      </p:nvGrpSpPr>
+      <p:grpSpPr>
+        <a:xfrm>
+          <a:off x="0" y="0"/>
+          <a:ext cx="0" cy="0"/>
+          <a:chOff x="0" y="0"/>
+          <a:chExt cx="0" cy="0"/>
+        </a:xfrm>
+      </p:grpSpPr>
+      <p:sp>
+        <p:nvSpPr>
+          <p:cNvPr id="2" name="Заголовок 1"/>
+          <p:cNvSpPr>
+            <a:spLocks noGrp="1"/>
+          </p:cNvSpPr>
+          <p:nvPr>
+            <p:ph type="title"/>
+          </p:nvPr>
+        </p:nvSpPr>
+        <p:spPr/>
+        <p:txBody>
+          <a:bodyPr/>
+          <a:lstStyle/>
+          <a:p>
+            <a:r>
+              <a:rPr lang="ru-RU" dirty="0" smtClean="0"/>
               <a:t>Преимущества и недостатки</a:t>
             </a:r>
             <a:endParaRPr lang="ru-RU" dirty="0"/>
@@ -44588,7 +45577,7 @@
                 </a:solidFill>
               </a:rPr>
               <a:pPr/>
-              <a:t>34</a:t>
+              <a:t>35</a:t>
             </a:fld>
             <a:endParaRPr lang="ru-RU">
               <a:solidFill>
@@ -44618,7 +45607,7 @@
 </p:sld>
 </file>
 
-<file path=ppt/slides/slide35.xml><?xml version="1.0" encoding="utf-8"?>
+<file path=ppt/slides/slide36.xml><?xml version="1.0" encoding="utf-8"?>
 <p:sld xmlns:a="http://schemas.openxmlformats.org/drawingml/2006/main" xmlns:r="http://schemas.openxmlformats.org/officeDocument/2006/relationships" xmlns:p="http://schemas.openxmlformats.org/presentationml/2006/main">
   <p:cSld>
     <p:spTree>
@@ -47244,7 +48233,7 @@
 </p:sld>
 </file>
 
-<file path=ppt/slides/slide36.xml><?xml version="1.0" encoding="utf-8"?>
+<file path=ppt/slides/slide37.xml><?xml version="1.0" encoding="utf-8"?>
 <p:sld xmlns:a="http://schemas.openxmlformats.org/drawingml/2006/main" xmlns:r="http://schemas.openxmlformats.org/officeDocument/2006/relationships" xmlns:p="http://schemas.openxmlformats.org/presentationml/2006/main" show="0">
   <p:cSld>
     <p:spTree>
@@ -47362,7 +48351,7 @@
                 </a:solidFill>
               </a:rPr>
               <a:pPr/>
-              <a:t>36</a:t>
+              <a:t>37</a:t>
             </a:fld>
             <a:endParaRPr lang="ru-RU">
               <a:solidFill>
@@ -47694,7 +48683,7 @@
               <a:effectLst/>
               <a:extLst>
                 <a:ext uri="{C572A759-6A51-4108-AA02-DFA0A04FC94B}">
-                  <ma14:wrappingTextBoxFlag xmlns="" xmlns:ma14="http://schemas.microsoft.com/office/mac/drawingml/2011/main" val="1"/>
+                  <ma14:wrappingTextBoxFlag xmlns:ma14="http://schemas.microsoft.com/office/mac/drawingml/2011/main" xmlns="" val="1"/>
                 </a:ext>
               </a:extLst>
             </p:spPr>

--- a/slides.pptx
+++ b/slides.pptx
@@ -6,7 +6,7 @@
     <p:sldMasterId id="2147483735" r:id="rId2"/>
   </p:sldMasterIdLst>
   <p:notesMasterIdLst>
-    <p:notesMasterId r:id="rId40"/>
+    <p:notesMasterId r:id="rId41"/>
   </p:notesMasterIdLst>
   <p:sldIdLst>
     <p:sldId id="389" r:id="rId3"/>
@@ -43,9 +43,10 @@
     <p:sldId id="432" r:id="rId34"/>
     <p:sldId id="431" r:id="rId35"/>
     <p:sldId id="433" r:id="rId36"/>
-    <p:sldId id="424" r:id="rId37"/>
-    <p:sldId id="391" r:id="rId38"/>
-    <p:sldId id="407" r:id="rId39"/>
+    <p:sldId id="434" r:id="rId37"/>
+    <p:sldId id="424" r:id="rId38"/>
+    <p:sldId id="391" r:id="rId39"/>
+    <p:sldId id="407" r:id="rId40"/>
   </p:sldIdLst>
   <p:sldSz cx="24382413" cy="13716000"/>
   <p:notesSz cx="6858000" cy="9144000"/>
@@ -183,6 +184,7 @@
             <p14:sldId id="432"/>
             <p14:sldId id="431"/>
             <p14:sldId id="433"/>
+            <p14:sldId id="434"/>
             <p14:sldId id="424"/>
             <p14:sldId id="391"/>
             <p14:sldId id="407"/>
@@ -297,7 +299,7 @@
           <a:p>
             <a:fld id="{A48BA324-014D-41B7-8E83-ECE8F197A959}" type="datetimeFigureOut">
               <a:rPr lang="ru-RU" smtClean="0"/>
-              <a:t>13.02.2017</a:t>
+              <a:t>14.02.2017</a:t>
             </a:fld>
             <a:endParaRPr lang="ru-RU"/>
           </a:p>
@@ -4837,7 +4839,7 @@
           </a:ln>
           <a:extLst>
             <a:ext uri="{C572A759-6A51-4108-AA02-DFA0A04FC94B}">
-              <ma14:wrappingTextBoxFlag xmlns="" xmlns:ma14="http://schemas.microsoft.com/office/mac/drawingml/2011/main" val="1"/>
+              <ma14:wrappingTextBoxFlag xmlns:ma14="http://schemas.microsoft.com/office/mac/drawingml/2011/main" xmlns="" val="1"/>
             </a:ext>
           </a:extLst>
         </p:spPr>
@@ -5308,7 +5310,7 @@
           </a:ln>
           <a:extLst>
             <a:ext uri="{C572A759-6A51-4108-AA02-DFA0A04FC94B}">
-              <ma14:wrappingTextBoxFlag xmlns="" xmlns:ma14="http://schemas.microsoft.com/office/mac/drawingml/2011/main" val="1"/>
+              <ma14:wrappingTextBoxFlag xmlns:ma14="http://schemas.microsoft.com/office/mac/drawingml/2011/main" xmlns="" val="1"/>
             </a:ext>
           </a:extLst>
         </p:spPr>
@@ -5454,7 +5456,7 @@
           </a:ln>
           <a:extLst>
             <a:ext uri="{C572A759-6A51-4108-AA02-DFA0A04FC94B}">
-              <ma14:wrappingTextBoxFlag xmlns="" xmlns:ma14="http://schemas.microsoft.com/office/mac/drawingml/2011/main" val="1"/>
+              <ma14:wrappingTextBoxFlag xmlns:ma14="http://schemas.microsoft.com/office/mac/drawingml/2011/main" xmlns="" val="1"/>
             </a:ext>
           </a:extLst>
         </p:spPr>
@@ -5496,7 +5498,7 @@
           </a:ln>
           <a:extLst>
             <a:ext uri="{C572A759-6A51-4108-AA02-DFA0A04FC94B}">
-              <ma14:wrappingTextBoxFlag xmlns="" xmlns:ma14="http://schemas.microsoft.com/office/mac/drawingml/2011/main" val="1"/>
+              <ma14:wrappingTextBoxFlag xmlns:ma14="http://schemas.microsoft.com/office/mac/drawingml/2011/main" xmlns="" val="1"/>
             </a:ext>
           </a:extLst>
         </p:spPr>
@@ -5692,7 +5694,7 @@
           </a:ln>
           <a:extLst>
             <a:ext uri="{C572A759-6A51-4108-AA02-DFA0A04FC94B}">
-              <ma14:wrappingTextBoxFlag xmlns="" xmlns:ma14="http://schemas.microsoft.com/office/mac/drawingml/2011/main" val="1"/>
+              <ma14:wrappingTextBoxFlag xmlns:ma14="http://schemas.microsoft.com/office/mac/drawingml/2011/main" xmlns="" val="1"/>
             </a:ext>
           </a:extLst>
         </p:spPr>
@@ -5816,7 +5818,7 @@
           </a:ln>
           <a:extLst>
             <a:ext uri="{C572A759-6A51-4108-AA02-DFA0A04FC94B}">
-              <ma14:wrappingTextBoxFlag xmlns="" xmlns:ma14="http://schemas.microsoft.com/office/mac/drawingml/2011/main" val="1"/>
+              <ma14:wrappingTextBoxFlag xmlns:ma14="http://schemas.microsoft.com/office/mac/drawingml/2011/main" xmlns="" val="1"/>
             </a:ext>
           </a:extLst>
         </p:spPr>
@@ -5910,7 +5912,7 @@
           </a:ln>
           <a:extLst>
             <a:ext uri="{C572A759-6A51-4108-AA02-DFA0A04FC94B}">
-              <ma14:wrappingTextBoxFlag xmlns="" xmlns:ma14="http://schemas.microsoft.com/office/mac/drawingml/2011/main" val="1"/>
+              <ma14:wrappingTextBoxFlag xmlns:ma14="http://schemas.microsoft.com/office/mac/drawingml/2011/main" xmlns="" val="1"/>
             </a:ext>
           </a:extLst>
         </p:spPr>
@@ -6201,7 +6203,7 @@
           </a:ln>
           <a:extLst>
             <a:ext uri="{C572A759-6A51-4108-AA02-DFA0A04FC94B}">
-              <ma14:wrappingTextBoxFlag xmlns="" xmlns:ma14="http://schemas.microsoft.com/office/mac/drawingml/2011/main" val="1"/>
+              <ma14:wrappingTextBoxFlag xmlns:ma14="http://schemas.microsoft.com/office/mac/drawingml/2011/main" xmlns="" val="1"/>
             </a:ext>
           </a:extLst>
         </p:spPr>
@@ -6692,7 +6694,7 @@
           </a:ln>
           <a:extLst>
             <a:ext uri="{C572A759-6A51-4108-AA02-DFA0A04FC94B}">
-              <ma14:wrappingTextBoxFlag xmlns="" xmlns:ma14="http://schemas.microsoft.com/office/mac/drawingml/2011/main" val="1"/>
+              <ma14:wrappingTextBoxFlag xmlns:ma14="http://schemas.microsoft.com/office/mac/drawingml/2011/main" xmlns="" val="1"/>
             </a:ext>
           </a:extLst>
         </p:spPr>
@@ -6764,7 +6766,7 @@
             </a:ln>
             <a:extLst>
               <a:ext uri="{C572A759-6A51-4108-AA02-DFA0A04FC94B}">
-                <ma14:wrappingTextBoxFlag xmlns="" xmlns:ma14="http://schemas.microsoft.com/office/mac/drawingml/2011/main" val="1"/>
+                <ma14:wrappingTextBoxFlag xmlns:ma14="http://schemas.microsoft.com/office/mac/drawingml/2011/main" xmlns="" val="1"/>
               </a:ext>
             </a:extLst>
           </p:spPr>
@@ -6840,7 +6842,7 @@
             </a:ln>
             <a:extLst>
               <a:ext uri="{C572A759-6A51-4108-AA02-DFA0A04FC94B}">
-                <ma14:wrappingTextBoxFlag xmlns="" xmlns:ma14="http://schemas.microsoft.com/office/mac/drawingml/2011/main" val="1"/>
+                <ma14:wrappingTextBoxFlag xmlns:ma14="http://schemas.microsoft.com/office/mac/drawingml/2011/main" xmlns="" val="1"/>
               </a:ext>
             </a:extLst>
           </p:spPr>
@@ -6928,7 +6930,7 @@
             </a:ln>
             <a:extLst>
               <a:ext uri="{C572A759-6A51-4108-AA02-DFA0A04FC94B}">
-                <ma14:wrappingTextBoxFlag xmlns="" xmlns:ma14="http://schemas.microsoft.com/office/mac/drawingml/2011/main" val="1"/>
+                <ma14:wrappingTextBoxFlag xmlns:ma14="http://schemas.microsoft.com/office/mac/drawingml/2011/main" xmlns="" val="1"/>
               </a:ext>
             </a:extLst>
           </p:spPr>
@@ -7008,7 +7010,7 @@
             </a:ln>
             <a:extLst>
               <a:ext uri="{C572A759-6A51-4108-AA02-DFA0A04FC94B}">
-                <ma14:wrappingTextBoxFlag xmlns="" xmlns:ma14="http://schemas.microsoft.com/office/mac/drawingml/2011/main" val="1"/>
+                <ma14:wrappingTextBoxFlag xmlns:ma14="http://schemas.microsoft.com/office/mac/drawingml/2011/main" xmlns="" val="1"/>
               </a:ext>
             </a:extLst>
           </p:spPr>
@@ -7079,7 +7081,7 @@
             </a:ln>
             <a:extLst>
               <a:ext uri="{C572A759-6A51-4108-AA02-DFA0A04FC94B}">
-                <ma14:wrappingTextBoxFlag xmlns="" xmlns:ma14="http://schemas.microsoft.com/office/mac/drawingml/2011/main" val="1"/>
+                <ma14:wrappingTextBoxFlag xmlns:ma14="http://schemas.microsoft.com/office/mac/drawingml/2011/main" xmlns="" val="1"/>
               </a:ext>
             </a:extLst>
           </p:spPr>
@@ -7135,7 +7137,7 @@
             </a:ln>
             <a:extLst>
               <a:ext uri="{C572A759-6A51-4108-AA02-DFA0A04FC94B}">
-                <ma14:wrappingTextBoxFlag xmlns="" xmlns:ma14="http://schemas.microsoft.com/office/mac/drawingml/2011/main" val="1"/>
+                <ma14:wrappingTextBoxFlag xmlns:ma14="http://schemas.microsoft.com/office/mac/drawingml/2011/main" xmlns="" val="1"/>
               </a:ext>
             </a:extLst>
           </p:spPr>
@@ -7200,7 +7202,7 @@
             </a:ln>
             <a:extLst>
               <a:ext uri="{C572A759-6A51-4108-AA02-DFA0A04FC94B}">
-                <ma14:wrappingTextBoxFlag xmlns="" xmlns:ma14="http://schemas.microsoft.com/office/mac/drawingml/2011/main" val="1"/>
+                <ma14:wrappingTextBoxFlag xmlns:ma14="http://schemas.microsoft.com/office/mac/drawingml/2011/main" xmlns="" val="1"/>
               </a:ext>
             </a:extLst>
           </p:spPr>
@@ -15050,7 +15052,7 @@
           </a:ln>
           <a:extLst>
             <a:ext uri="{C572A759-6A51-4108-AA02-DFA0A04FC94B}">
-              <ma14:wrappingTextBoxFlag xmlns:ma14="http://schemas.microsoft.com/office/mac/drawingml/2011/main" xmlns="" val="1"/>
+              <ma14:wrappingTextBoxFlag xmlns="" xmlns:ma14="http://schemas.microsoft.com/office/mac/drawingml/2011/main" val="1"/>
             </a:ext>
           </a:extLst>
         </p:spPr>
@@ -15508,7 +15510,7 @@
           </a:ln>
           <a:extLst>
             <a:ext uri="{C572A759-6A51-4108-AA02-DFA0A04FC94B}">
-              <ma14:wrappingTextBoxFlag xmlns:ma14="http://schemas.microsoft.com/office/mac/drawingml/2011/main" xmlns="" val="1"/>
+              <ma14:wrappingTextBoxFlag xmlns="" xmlns:ma14="http://schemas.microsoft.com/office/mac/drawingml/2011/main" val="1"/>
             </a:ext>
           </a:extLst>
         </p:spPr>
@@ -15744,7 +15746,7 @@
           </a:ln>
           <a:extLst>
             <a:ext uri="{C572A759-6A51-4108-AA02-DFA0A04FC94B}">
-              <ma14:wrappingTextBoxFlag xmlns:ma14="http://schemas.microsoft.com/office/mac/drawingml/2011/main" xmlns="" val="1"/>
+              <ma14:wrappingTextBoxFlag xmlns="" xmlns:ma14="http://schemas.microsoft.com/office/mac/drawingml/2011/main" val="1"/>
             </a:ext>
           </a:extLst>
         </p:spPr>
@@ -15791,7 +15793,7 @@
           </a:ln>
           <a:extLst>
             <a:ext uri="{C572A759-6A51-4108-AA02-DFA0A04FC94B}">
-              <ma14:wrappingTextBoxFlag xmlns:ma14="http://schemas.microsoft.com/office/mac/drawingml/2011/main" xmlns="" val="1"/>
+              <ma14:wrappingTextBoxFlag xmlns="" xmlns:ma14="http://schemas.microsoft.com/office/mac/drawingml/2011/main" val="1"/>
             </a:ext>
           </a:extLst>
         </p:spPr>
@@ -16023,7 +16025,7 @@
           </a:ln>
           <a:extLst>
             <a:ext uri="{C572A759-6A51-4108-AA02-DFA0A04FC94B}">
-              <ma14:wrappingTextBoxFlag xmlns:ma14="http://schemas.microsoft.com/office/mac/drawingml/2011/main" xmlns="" val="1"/>
+              <ma14:wrappingTextBoxFlag xmlns="" xmlns:ma14="http://schemas.microsoft.com/office/mac/drawingml/2011/main" val="1"/>
             </a:ext>
           </a:extLst>
         </p:spPr>
@@ -16153,7 +16155,7 @@
           </a:ln>
           <a:extLst>
             <a:ext uri="{C572A759-6A51-4108-AA02-DFA0A04FC94B}">
-              <ma14:wrappingTextBoxFlag xmlns:ma14="http://schemas.microsoft.com/office/mac/drawingml/2011/main" xmlns="" val="1"/>
+              <ma14:wrappingTextBoxFlag xmlns="" xmlns:ma14="http://schemas.microsoft.com/office/mac/drawingml/2011/main" val="1"/>
             </a:ext>
           </a:extLst>
         </p:spPr>
@@ -16268,7 +16270,7 @@
           </a:ln>
           <a:extLst>
             <a:ext uri="{C572A759-6A51-4108-AA02-DFA0A04FC94B}">
-              <ma14:wrappingTextBoxFlag xmlns:ma14="http://schemas.microsoft.com/office/mac/drawingml/2011/main" xmlns="" val="1"/>
+              <ma14:wrappingTextBoxFlag xmlns="" xmlns:ma14="http://schemas.microsoft.com/office/mac/drawingml/2011/main" val="1"/>
             </a:ext>
           </a:extLst>
         </p:spPr>
@@ -16708,7 +16710,7 @@
           </a:ln>
           <a:extLst>
             <a:ext uri="{C572A759-6A51-4108-AA02-DFA0A04FC94B}">
-              <ma14:wrappingTextBoxFlag xmlns:ma14="http://schemas.microsoft.com/office/mac/drawingml/2011/main" xmlns="" val="1"/>
+              <ma14:wrappingTextBoxFlag xmlns="" xmlns:ma14="http://schemas.microsoft.com/office/mac/drawingml/2011/main" val="1"/>
             </a:ext>
           </a:extLst>
         </p:spPr>
@@ -16974,7 +16976,7 @@
           </a:ln>
           <a:extLst>
             <a:ext uri="{C572A759-6A51-4108-AA02-DFA0A04FC94B}">
-              <ma14:wrappingTextBoxFlag xmlns:ma14="http://schemas.microsoft.com/office/mac/drawingml/2011/main" xmlns="" val="1"/>
+              <ma14:wrappingTextBoxFlag xmlns="" xmlns:ma14="http://schemas.microsoft.com/office/mac/drawingml/2011/main" val="1"/>
             </a:ext>
           </a:extLst>
         </p:spPr>
@@ -17046,7 +17048,7 @@
             </a:ln>
             <a:extLst>
               <a:ext uri="{C572A759-6A51-4108-AA02-DFA0A04FC94B}">
-                <ma14:wrappingTextBoxFlag xmlns:ma14="http://schemas.microsoft.com/office/mac/drawingml/2011/main" xmlns="" val="1"/>
+                <ma14:wrappingTextBoxFlag xmlns="" xmlns:ma14="http://schemas.microsoft.com/office/mac/drawingml/2011/main" val="1"/>
               </a:ext>
             </a:extLst>
           </p:spPr>
@@ -17123,7 +17125,7 @@
             </a:ln>
             <a:extLst>
               <a:ext uri="{C572A759-6A51-4108-AA02-DFA0A04FC94B}">
-                <ma14:wrappingTextBoxFlag xmlns:ma14="http://schemas.microsoft.com/office/mac/drawingml/2011/main" xmlns="" val="1"/>
+                <ma14:wrappingTextBoxFlag xmlns="" xmlns:ma14="http://schemas.microsoft.com/office/mac/drawingml/2011/main" val="1"/>
               </a:ext>
             </a:extLst>
           </p:spPr>
@@ -17228,7 +17230,7 @@
             </a:ln>
             <a:extLst>
               <a:ext uri="{C572A759-6A51-4108-AA02-DFA0A04FC94B}">
-                <ma14:wrappingTextBoxFlag xmlns:ma14="http://schemas.microsoft.com/office/mac/drawingml/2011/main" xmlns="" val="1"/>
+                <ma14:wrappingTextBoxFlag xmlns="" xmlns:ma14="http://schemas.microsoft.com/office/mac/drawingml/2011/main" val="1"/>
               </a:ext>
             </a:extLst>
           </p:spPr>
@@ -17308,7 +17310,7 @@
             </a:ln>
             <a:extLst>
               <a:ext uri="{C572A759-6A51-4108-AA02-DFA0A04FC94B}">
-                <ma14:wrappingTextBoxFlag xmlns:ma14="http://schemas.microsoft.com/office/mac/drawingml/2011/main" xmlns="" val="1"/>
+                <ma14:wrappingTextBoxFlag xmlns="" xmlns:ma14="http://schemas.microsoft.com/office/mac/drawingml/2011/main" val="1"/>
               </a:ext>
             </a:extLst>
           </p:spPr>
@@ -17379,7 +17381,7 @@
             </a:ln>
             <a:extLst>
               <a:ext uri="{C572A759-6A51-4108-AA02-DFA0A04FC94B}">
-                <ma14:wrappingTextBoxFlag xmlns:ma14="http://schemas.microsoft.com/office/mac/drawingml/2011/main" xmlns="" val="1"/>
+                <ma14:wrappingTextBoxFlag xmlns="" xmlns:ma14="http://schemas.microsoft.com/office/mac/drawingml/2011/main" val="1"/>
               </a:ext>
             </a:extLst>
           </p:spPr>
@@ -17442,7 +17444,7 @@
             </a:ln>
             <a:extLst>
               <a:ext uri="{C572A759-6A51-4108-AA02-DFA0A04FC94B}">
-                <ma14:wrappingTextBoxFlag xmlns:ma14="http://schemas.microsoft.com/office/mac/drawingml/2011/main" xmlns="" val="1"/>
+                <ma14:wrappingTextBoxFlag xmlns="" xmlns:ma14="http://schemas.microsoft.com/office/mac/drawingml/2011/main" val="1"/>
               </a:ext>
             </a:extLst>
           </p:spPr>
@@ -20429,7 +20431,7 @@
           </a:ln>
           <a:extLst>
             <a:ext uri="{C572A759-6A51-4108-AA02-DFA0A04FC94B}">
-              <ma14:wrappingTextBoxFlag xmlns="" xmlns:ma14="http://schemas.microsoft.com/office/mac/drawingml/2011/main" val="1"/>
+              <ma14:wrappingTextBoxFlag xmlns:ma14="http://schemas.microsoft.com/office/mac/drawingml/2011/main" xmlns="" val="1"/>
             </a:ext>
           </a:extLst>
         </p:spPr>
@@ -20501,7 +20503,7 @@
             </a:ln>
             <a:extLst>
               <a:ext uri="{C572A759-6A51-4108-AA02-DFA0A04FC94B}">
-                <ma14:wrappingTextBoxFlag xmlns="" xmlns:ma14="http://schemas.microsoft.com/office/mac/drawingml/2011/main" val="1"/>
+                <ma14:wrappingTextBoxFlag xmlns:ma14="http://schemas.microsoft.com/office/mac/drawingml/2011/main" xmlns="" val="1"/>
               </a:ext>
             </a:extLst>
           </p:spPr>
@@ -20573,7 +20575,7 @@
             </a:ln>
             <a:extLst>
               <a:ext uri="{C572A759-6A51-4108-AA02-DFA0A04FC94B}">
-                <ma14:wrappingTextBoxFlag xmlns="" xmlns:ma14="http://schemas.microsoft.com/office/mac/drawingml/2011/main" val="1"/>
+                <ma14:wrappingTextBoxFlag xmlns:ma14="http://schemas.microsoft.com/office/mac/drawingml/2011/main" xmlns="" val="1"/>
               </a:ext>
             </a:extLst>
           </p:spPr>
@@ -20661,7 +20663,7 @@
             </a:ln>
             <a:extLst>
               <a:ext uri="{C572A759-6A51-4108-AA02-DFA0A04FC94B}">
-                <ma14:wrappingTextBoxFlag xmlns="" xmlns:ma14="http://schemas.microsoft.com/office/mac/drawingml/2011/main" val="1"/>
+                <ma14:wrappingTextBoxFlag xmlns:ma14="http://schemas.microsoft.com/office/mac/drawingml/2011/main" xmlns="" val="1"/>
               </a:ext>
             </a:extLst>
           </p:spPr>
@@ -20741,7 +20743,7 @@
             </a:ln>
             <a:extLst>
               <a:ext uri="{C572A759-6A51-4108-AA02-DFA0A04FC94B}">
-                <ma14:wrappingTextBoxFlag xmlns="" xmlns:ma14="http://schemas.microsoft.com/office/mac/drawingml/2011/main" val="1"/>
+                <ma14:wrappingTextBoxFlag xmlns:ma14="http://schemas.microsoft.com/office/mac/drawingml/2011/main" xmlns="" val="1"/>
               </a:ext>
             </a:extLst>
           </p:spPr>
@@ -20800,7 +20802,7 @@
             </a:ln>
             <a:extLst>
               <a:ext uri="{C572A759-6A51-4108-AA02-DFA0A04FC94B}">
-                <ma14:wrappingTextBoxFlag xmlns="" xmlns:ma14="http://schemas.microsoft.com/office/mac/drawingml/2011/main" val="1"/>
+                <ma14:wrappingTextBoxFlag xmlns:ma14="http://schemas.microsoft.com/office/mac/drawingml/2011/main" xmlns="" val="1"/>
               </a:ext>
             </a:extLst>
           </p:spPr>
@@ -20856,7 +20858,7 @@
             </a:ln>
             <a:extLst>
               <a:ext uri="{C572A759-6A51-4108-AA02-DFA0A04FC94B}">
-                <ma14:wrappingTextBoxFlag xmlns="" xmlns:ma14="http://schemas.microsoft.com/office/mac/drawingml/2011/main" val="1"/>
+                <ma14:wrappingTextBoxFlag xmlns:ma14="http://schemas.microsoft.com/office/mac/drawingml/2011/main" xmlns="" val="1"/>
               </a:ext>
             </a:extLst>
           </p:spPr>
@@ -20921,7 +20923,7 @@
             </a:ln>
             <a:extLst>
               <a:ext uri="{C572A759-6A51-4108-AA02-DFA0A04FC94B}">
-                <ma14:wrappingTextBoxFlag xmlns="" xmlns:ma14="http://schemas.microsoft.com/office/mac/drawingml/2011/main" val="1"/>
+                <ma14:wrappingTextBoxFlag xmlns:ma14="http://schemas.microsoft.com/office/mac/drawingml/2011/main" xmlns="" val="1"/>
               </a:ext>
             </a:extLst>
           </p:spPr>
@@ -44257,24 +44259,7 @@
                 <a:ea typeface="+mn-ea"/>
                 <a:cs typeface="+mn-cs"/>
               </a:rPr>
-              <a:t> </a:t>
-            </a:r>
-            <a:r>
-              <a:rPr kumimoji="0" lang="ru-RU" sz="4800" b="0" i="0" u="none" strike="noStrike" kern="1200" cap="none" spc="0" normalizeH="0" noProof="0" dirty="0" smtClean="0">
-                <a:ln>
-                  <a:noFill/>
-                </a:ln>
-                <a:solidFill>
-                  <a:srgbClr val="000000"/>
-                </a:solidFill>
-                <a:effectLst/>
-                <a:uLnTx/>
-                <a:uFillTx/>
-                <a:latin typeface="Yandex Sans Text Regular" pitchFamily="2" charset="-52"/>
-                <a:ea typeface="+mn-ea"/>
-                <a:cs typeface="+mn-cs"/>
-              </a:rPr>
-              <a:t>юнит-тесты</a:t>
+              <a:t> юнит-тесты</a:t>
             </a:r>
             <a:endParaRPr kumimoji="0" lang="en-US" sz="4800" b="0" i="0" u="none" strike="noStrike" kern="1200" cap="none" spc="0" normalizeH="0" noProof="0" dirty="0" smtClean="0">
               <a:ln>
@@ -44395,24 +44380,7 @@
                 <a:ea typeface="+mn-ea"/>
                 <a:cs typeface="+mn-cs"/>
               </a:rPr>
-              <a:t>может быть сделан </a:t>
-            </a:r>
-            <a:r>
-              <a:rPr kumimoji="0" lang="ru-RU" sz="4800" b="0" i="0" u="none" strike="noStrike" kern="1200" cap="none" spc="0" normalizeH="0" baseline="0" noProof="0" dirty="0" smtClean="0">
-                <a:ln>
-                  <a:noFill/>
-                </a:ln>
-                <a:solidFill>
-                  <a:srgbClr val="000000"/>
-                </a:solidFill>
-                <a:effectLst/>
-                <a:uLnTx/>
-                <a:uFillTx/>
-                <a:latin typeface="Yandex Sans Text Regular" pitchFamily="2" charset="-52"/>
-                <a:ea typeface="+mn-ea"/>
-                <a:cs typeface="+mn-cs"/>
-              </a:rPr>
-              <a:t>виртуальным</a:t>
+              <a:t>может быть сделан виртуальным</a:t>
             </a:r>
             <a:endParaRPr kumimoji="0" lang="en-US" sz="4800" b="0" i="0" u="none" strike="noStrike" kern="1200" cap="none" spc="0" normalizeH="0" baseline="0" noProof="0" dirty="0" smtClean="0">
               <a:ln>
@@ -44615,20 +44583,41 @@
           <a:p>
             <a:pPr lvl="1"/>
             <a:r>
+              <a:rPr lang="ru-RU" dirty="0"/>
+              <a:t>Считать количество отправленных </a:t>
+            </a:r>
+            <a:r>
+              <a:rPr lang="en-US" dirty="0"/>
+              <a:t>SMS</a:t>
+            </a:r>
+          </a:p>
+          <a:p>
+            <a:pPr lvl="1"/>
+            <a:r>
               <a:rPr lang="ru-RU" dirty="0" smtClean="0"/>
-              <a:t>Для каждого клиента считать сумму потраченных денег</a:t>
-            </a:r>
+              <a:t>Для </a:t>
+            </a:r>
+            <a:r>
+              <a:rPr lang="ru-RU" dirty="0" smtClean="0"/>
+              <a:t>каждого клиента считать сумму потраченных </a:t>
+            </a:r>
+            <a:r>
+              <a:rPr lang="ru-RU" dirty="0" smtClean="0"/>
+              <a:t>денег</a:t>
+            </a:r>
+            <a:endParaRPr lang="en-US" dirty="0" smtClean="0"/>
           </a:p>
           <a:p>
             <a:pPr lvl="1"/>
             <a:r>
               <a:rPr lang="ru-RU" dirty="0" smtClean="0"/>
-              <a:t>Считать количество отправленных </a:t>
+              <a:t>Вывод статистики в формате </a:t>
             </a:r>
             <a:r>
               <a:rPr lang="en-US" dirty="0" smtClean="0"/>
-              <a:t>SMS</a:t>
-            </a:r>
+              <a:t>XML</a:t>
+            </a:r>
+            <a:endParaRPr lang="ru-RU" dirty="0" smtClean="0"/>
           </a:p>
         </p:txBody>
       </p:sp>
@@ -45215,15 +45204,33 @@
                                   </p:childTnLst>
                                 </p:cTn>
                               </p:par>
+                            </p:childTnLst>
+                          </p:cTn>
+                        </p:par>
+                      </p:childTnLst>
+                    </p:cTn>
+                  </p:par>
+                  <p:par>
+                    <p:cTn id="9" fill="hold">
+                      <p:stCondLst>
+                        <p:cond delay="indefinite"/>
+                      </p:stCondLst>
+                      <p:childTnLst>
+                        <p:par>
+                          <p:cTn id="10" fill="hold">
+                            <p:stCondLst>
+                              <p:cond delay="0"/>
+                            </p:stCondLst>
+                            <p:childTnLst>
                               <p:par>
-                                <p:cTn id="9" presetID="2" presetClass="entr" presetSubtype="2" fill="hold" grpId="0" nodeType="withEffect">
+                                <p:cTn id="11" presetID="2" presetClass="entr" presetSubtype="2" fill="hold" grpId="0" nodeType="clickEffect">
                                   <p:stCondLst>
                                     <p:cond delay="0"/>
                                   </p:stCondLst>
                                   <p:childTnLst>
                                     <p:set>
                                       <p:cBhvr>
-                                        <p:cTn id="10" dur="1" fill="hold">
+                                        <p:cTn id="12" dur="1" fill="hold">
                                           <p:stCondLst>
                                             <p:cond delay="0"/>
                                           </p:stCondLst>
@@ -45245,7 +45252,7 @@
                                     </p:set>
                                     <p:anim calcmode="lin" valueType="num">
                                       <p:cBhvr additive="base">
-                                        <p:cTn id="11" dur="500" fill="hold"/>
+                                        <p:cTn id="13" dur="500" fill="hold"/>
                                         <p:tgtEl>
                                           <p:spTgt spid="3">
                                             <p:txEl>
@@ -45272,7 +45279,7 @@
                                     </p:anim>
                                     <p:anim calcmode="lin" valueType="num">
                                       <p:cBhvr additive="base">
-                                        <p:cTn id="12" dur="500" fill="hold"/>
+                                        <p:cTn id="14" dur="500" fill="hold"/>
                                         <p:tgtEl>
                                           <p:spTgt spid="3">
                                             <p:txEl>
@@ -45301,14 +45308,99 @@
                                 </p:cTn>
                               </p:par>
                               <p:par>
-                                <p:cTn id="13" presetID="2" presetClass="entr" presetSubtype="2" fill="hold" grpId="0" nodeType="withEffect">
+                                <p:cTn id="15" presetID="2" presetClass="entr" presetSubtype="2" fill="hold" grpId="0" nodeType="withEffect">
                                   <p:stCondLst>
                                     <p:cond delay="0"/>
                                   </p:stCondLst>
                                   <p:childTnLst>
                                     <p:set>
                                       <p:cBhvr>
-                                        <p:cTn id="14" dur="1" fill="hold">
+                                        <p:cTn id="16" dur="1" fill="hold">
+                                          <p:stCondLst>
+                                            <p:cond delay="0"/>
+                                          </p:stCondLst>
+                                        </p:cTn>
+                                        <p:tgtEl>
+                                          <p:spTgt spid="3">
+                                            <p:txEl>
+                                              <p:pRg st="2" end="2"/>
+                                            </p:txEl>
+                                          </p:spTgt>
+                                        </p:tgtEl>
+                                        <p:attrNameLst>
+                                          <p:attrName>style.visibility</p:attrName>
+                                        </p:attrNameLst>
+                                      </p:cBhvr>
+                                      <p:to>
+                                        <p:strVal val="visible"/>
+                                      </p:to>
+                                    </p:set>
+                                    <p:anim calcmode="lin" valueType="num">
+                                      <p:cBhvr additive="base">
+                                        <p:cTn id="17" dur="500" fill="hold"/>
+                                        <p:tgtEl>
+                                          <p:spTgt spid="3">
+                                            <p:txEl>
+                                              <p:pRg st="2" end="2"/>
+                                            </p:txEl>
+                                          </p:spTgt>
+                                        </p:tgtEl>
+                                        <p:attrNameLst>
+                                          <p:attrName>ppt_x</p:attrName>
+                                        </p:attrNameLst>
+                                      </p:cBhvr>
+                                      <p:tavLst>
+                                        <p:tav tm="0">
+                                          <p:val>
+                                            <p:strVal val="1+#ppt_w/2"/>
+                                          </p:val>
+                                        </p:tav>
+                                        <p:tav tm="100000">
+                                          <p:val>
+                                            <p:strVal val="#ppt_x"/>
+                                          </p:val>
+                                        </p:tav>
+                                      </p:tavLst>
+                                    </p:anim>
+                                    <p:anim calcmode="lin" valueType="num">
+                                      <p:cBhvr additive="base">
+                                        <p:cTn id="18" dur="500" fill="hold"/>
+                                        <p:tgtEl>
+                                          <p:spTgt spid="3">
+                                            <p:txEl>
+                                              <p:pRg st="2" end="2"/>
+                                            </p:txEl>
+                                          </p:spTgt>
+                                        </p:tgtEl>
+                                        <p:attrNameLst>
+                                          <p:attrName>ppt_y</p:attrName>
+                                        </p:attrNameLst>
+                                      </p:cBhvr>
+                                      <p:tavLst>
+                                        <p:tav tm="0">
+                                          <p:val>
+                                            <p:strVal val="#ppt_y"/>
+                                          </p:val>
+                                        </p:tav>
+                                        <p:tav tm="100000">
+                                          <p:val>
+                                            <p:strVal val="#ppt_y"/>
+                                          </p:val>
+                                        </p:tav>
+                                      </p:tavLst>
+                                    </p:anim>
+                                  </p:childTnLst>
+                                </p:cTn>
+                              </p:par>
+                              <p:par>
+                                <p:cTn id="19" presetID="2" presetClass="entr" presetSubtype="2" fill="hold" grpId="0" nodeType="withEffect">
+                                  <p:stCondLst>
+                                    <p:cond delay="0"/>
+                                  </p:stCondLst>
+                                  <p:childTnLst>
+                                    <p:set>
+                                      <p:cBhvr>
+                                        <p:cTn id="20" dur="1" fill="hold">
                                           <p:stCondLst>
                                             <p:cond delay="0"/>
                                           </p:stCondLst>
@@ -45326,7 +45418,7 @@
                                     </p:set>
                                     <p:anim calcmode="lin" valueType="num">
                                       <p:cBhvr additive="base">
-                                        <p:cTn id="15" dur="500" fill="hold"/>
+                                        <p:cTn id="21" dur="500" fill="hold"/>
                                         <p:tgtEl>
                                           <p:spTgt spid="15"/>
                                         </p:tgtEl>
@@ -45349,7 +45441,7 @@
                                     </p:anim>
                                     <p:anim calcmode="lin" valueType="num">
                                       <p:cBhvr additive="base">
-                                        <p:cTn id="16" dur="500" fill="hold"/>
+                                        <p:cTn id="22" dur="500" fill="hold"/>
                                         <p:tgtEl>
                                           <p:spTgt spid="15"/>
                                         </p:tgtEl>
@@ -45427,6 +45519,1800 @@
       </p:grpSpPr>
       <p:sp>
         <p:nvSpPr>
+          <p:cNvPr id="3" name="Нижний колонтитул 2"/>
+          <p:cNvSpPr>
+            <a:spLocks noGrp="1"/>
+          </p:cNvSpPr>
+          <p:nvPr>
+            <p:ph type="ftr" sz="quarter" idx="11"/>
+          </p:nvPr>
+        </p:nvSpPr>
+        <p:spPr/>
+        <p:txBody>
+          <a:bodyPr/>
+          <a:lstStyle/>
+          <a:p>
+            <a:endParaRPr lang="ru-RU" dirty="0">
+              <a:solidFill>
+                <a:srgbClr val="000000"/>
+              </a:solidFill>
+            </a:endParaRPr>
+          </a:p>
+        </p:txBody>
+      </p:sp>
+      <p:sp>
+        <p:nvSpPr>
+          <p:cNvPr id="4" name="Номер слайда 3"/>
+          <p:cNvSpPr>
+            <a:spLocks noGrp="1"/>
+          </p:cNvSpPr>
+          <p:nvPr>
+            <p:ph type="sldNum" sz="quarter" idx="12"/>
+          </p:nvPr>
+        </p:nvSpPr>
+        <p:spPr/>
+        <p:txBody>
+          <a:bodyPr/>
+          <a:lstStyle/>
+          <a:p>
+            <a:fld id="{741C03D3-FA44-40EC-9A21-1FC4FEA3E22E}" type="slidenum">
+              <a:rPr lang="ru-RU" smtClean="0">
+                <a:solidFill>
+                  <a:srgbClr val="000000"/>
+                </a:solidFill>
+              </a:rPr>
+              <a:pPr/>
+              <a:t>35</a:t>
+            </a:fld>
+            <a:endParaRPr lang="ru-RU">
+              <a:solidFill>
+                <a:srgbClr val="000000"/>
+              </a:solidFill>
+            </a:endParaRPr>
+          </a:p>
+        </p:txBody>
+      </p:sp>
+      <p:sp>
+        <p:nvSpPr>
+          <p:cNvPr id="5" name="Объект 4"/>
+          <p:cNvSpPr>
+            <a:spLocks noGrp="1"/>
+          </p:cNvSpPr>
+          <p:nvPr>
+            <p:ph idx="13"/>
+          </p:nvPr>
+        </p:nvSpPr>
+        <p:spPr/>
+        <p:txBody>
+          <a:bodyPr/>
+          <a:lstStyle/>
+          <a:p>
+            <a:pPr>
+              <a:lnSpc>
+                <a:spcPct val="100000"/>
+              </a:lnSpc>
+            </a:pPr>
+            <a:r>
+              <a:rPr lang="en-US" dirty="0" smtClean="0"/>
+              <a:t>class </a:t>
+            </a:r>
+            <a:r>
+              <a:rPr lang="en-US" dirty="0">
+                <a:solidFill>
+                  <a:schemeClr val="tx2"/>
+                </a:solidFill>
+              </a:rPr>
+              <a:t>Billing</a:t>
+            </a:r>
+            <a:r>
+              <a:rPr lang="en-US" dirty="0"/>
+              <a:t> </a:t>
+            </a:r>
+            <a:r>
+              <a:rPr lang="en-US" dirty="0" smtClean="0"/>
+              <a:t>{</a:t>
+            </a:r>
+            <a:endParaRPr lang="en-US" dirty="0"/>
+          </a:p>
+          <a:p>
+            <a:pPr>
+              <a:lnSpc>
+                <a:spcPct val="100000"/>
+              </a:lnSpc>
+            </a:pPr>
+            <a:r>
+              <a:rPr lang="en-US" dirty="0" smtClean="0"/>
+              <a:t>private</a:t>
+            </a:r>
+            <a:r>
+              <a:rPr lang="en-US" dirty="0"/>
+              <a:t>:  </a:t>
+            </a:r>
+            <a:endParaRPr lang="en-US" dirty="0">
+              <a:solidFill>
+                <a:srgbClr val="72C3E0"/>
+              </a:solidFill>
+            </a:endParaRPr>
+          </a:p>
+          <a:p>
+            <a:pPr>
+              <a:lnSpc>
+                <a:spcPct val="100000"/>
+              </a:lnSpc>
+            </a:pPr>
+            <a:r>
+              <a:rPr lang="ru-RU" dirty="0" smtClean="0"/>
+              <a:t>    </a:t>
+            </a:r>
+            <a:r>
+              <a:rPr lang="en-US" dirty="0" smtClean="0"/>
+              <a:t> </a:t>
+            </a:r>
+            <a:r>
+              <a:rPr lang="en-US" dirty="0"/>
+              <a:t>class </a:t>
+            </a:r>
+            <a:r>
+              <a:rPr lang="en-US" dirty="0" err="1">
+                <a:solidFill>
+                  <a:schemeClr val="tx2"/>
+                </a:solidFill>
+              </a:rPr>
+              <a:t>UserInfo</a:t>
+            </a:r>
+            <a:r>
+              <a:rPr lang="en-US" dirty="0"/>
+              <a:t> {</a:t>
+            </a:r>
+          </a:p>
+          <a:p>
+            <a:pPr>
+              <a:lnSpc>
+                <a:spcPct val="100000"/>
+              </a:lnSpc>
+            </a:pPr>
+            <a:r>
+              <a:rPr lang="en-US" dirty="0" smtClean="0"/>
+              <a:t>     public:</a:t>
+            </a:r>
+          </a:p>
+          <a:p>
+            <a:pPr>
+              <a:lnSpc>
+                <a:spcPct val="100000"/>
+              </a:lnSpc>
+            </a:pPr>
+            <a:r>
+              <a:rPr lang="en-US" altLang="ru-RU" dirty="0" smtClean="0">
+                <a:solidFill>
+                  <a:srgbClr val="FFFFFF"/>
+                </a:solidFill>
+                <a:latin typeface="Verdana" panose="020B0604030504040204" pitchFamily="34" charset="0"/>
+              </a:rPr>
+              <a:t>        </a:t>
+            </a:r>
+            <a:r>
+              <a:rPr lang="ru-RU" altLang="ru-RU" dirty="0" err="1" smtClean="0">
+                <a:solidFill>
+                  <a:srgbClr val="FFFFFF"/>
+                </a:solidFill>
+                <a:latin typeface="Verdana" panose="020B0604030504040204" pitchFamily="34" charset="0"/>
+              </a:rPr>
+              <a:t>void</a:t>
+            </a:r>
+            <a:r>
+              <a:rPr lang="ru-RU" altLang="ru-RU" dirty="0" smtClean="0">
+                <a:solidFill>
+                  <a:srgbClr val="FFFFFF"/>
+                </a:solidFill>
+                <a:latin typeface="Verdana" panose="020B0604030504040204" pitchFamily="34" charset="0"/>
+              </a:rPr>
+              <a:t> </a:t>
+            </a:r>
+            <a:r>
+              <a:rPr lang="ru-RU" altLang="ru-RU" dirty="0" err="1" smtClean="0">
+                <a:solidFill>
+                  <a:srgbClr val="FFCC00"/>
+                </a:solidFill>
+                <a:latin typeface="Verdana" panose="020B0604030504040204" pitchFamily="34" charset="0"/>
+              </a:rPr>
+              <a:t>ChargePhoneCall</a:t>
+            </a:r>
+            <a:r>
+              <a:rPr lang="ru-RU" altLang="ru-RU" dirty="0" smtClean="0">
+                <a:solidFill>
+                  <a:srgbClr val="FFFFFF"/>
+                </a:solidFill>
+                <a:latin typeface="Verdana" panose="020B0604030504040204" pitchFamily="34" charset="0"/>
+              </a:rPr>
+              <a:t>(</a:t>
+            </a:r>
+            <a:r>
+              <a:rPr lang="ru-RU" altLang="ru-RU" dirty="0" err="1" smtClean="0">
+                <a:solidFill>
+                  <a:srgbClr val="FFFFFF"/>
+                </a:solidFill>
+                <a:latin typeface="Verdana" panose="020B0604030504040204" pitchFamily="34" charset="0"/>
+              </a:rPr>
+              <a:t>int</a:t>
+            </a:r>
+            <a:r>
+              <a:rPr lang="ru-RU" altLang="ru-RU" dirty="0" smtClean="0">
+                <a:solidFill>
+                  <a:srgbClr val="FFFFFF"/>
+                </a:solidFill>
+                <a:latin typeface="Verdana" panose="020B0604030504040204" pitchFamily="34" charset="0"/>
+              </a:rPr>
+              <a:t> </a:t>
+            </a:r>
+            <a:r>
+              <a:rPr lang="ru-RU" altLang="ru-RU" dirty="0" err="1">
+                <a:solidFill>
+                  <a:srgbClr val="5BCD9D"/>
+                </a:solidFill>
+                <a:latin typeface="Verdana" panose="020B0604030504040204" pitchFamily="34" charset="0"/>
+              </a:rPr>
+              <a:t>minutes</a:t>
+            </a:r>
+            <a:r>
+              <a:rPr lang="ru-RU" altLang="ru-RU" dirty="0">
+                <a:solidFill>
+                  <a:srgbClr val="FFFFFF"/>
+                </a:solidFill>
+                <a:latin typeface="Verdana" panose="020B0604030504040204" pitchFamily="34" charset="0"/>
+              </a:rPr>
+              <a:t>, </a:t>
+            </a:r>
+            <a:r>
+              <a:rPr lang="ru-RU" altLang="ru-RU" dirty="0" err="1">
+                <a:solidFill>
+                  <a:srgbClr val="FFFFFF"/>
+                </a:solidFill>
+                <a:latin typeface="Verdana" panose="020B0604030504040204" pitchFamily="34" charset="0"/>
+              </a:rPr>
+              <a:t>const</a:t>
+            </a:r>
+            <a:r>
+              <a:rPr lang="ru-RU" altLang="ru-RU" dirty="0">
+                <a:solidFill>
+                  <a:srgbClr val="FFFFFF"/>
+                </a:solidFill>
+                <a:latin typeface="Verdana" panose="020B0604030504040204" pitchFamily="34" charset="0"/>
+              </a:rPr>
+              <a:t> </a:t>
+            </a:r>
+            <a:r>
+              <a:rPr lang="ru-RU" altLang="ru-RU" dirty="0" err="1">
+                <a:solidFill>
+                  <a:srgbClr val="FFCC00"/>
+                </a:solidFill>
+                <a:latin typeface="Verdana" panose="020B0604030504040204" pitchFamily="34" charset="0"/>
+              </a:rPr>
+              <a:t>Tariff</a:t>
+            </a:r>
+            <a:r>
+              <a:rPr lang="ru-RU" altLang="ru-RU" dirty="0">
+                <a:solidFill>
+                  <a:srgbClr val="FFFFFF"/>
+                </a:solidFill>
+                <a:latin typeface="Verdana" panose="020B0604030504040204" pitchFamily="34" charset="0"/>
+              </a:rPr>
+              <a:t>&amp; </a:t>
+            </a:r>
+            <a:r>
+              <a:rPr lang="ru-RU" altLang="ru-RU" dirty="0" err="1">
+                <a:solidFill>
+                  <a:srgbClr val="5BCD9D"/>
+                </a:solidFill>
+                <a:latin typeface="Verdana" panose="020B0604030504040204" pitchFamily="34" charset="0"/>
+              </a:rPr>
+              <a:t>tariff</a:t>
+            </a:r>
+            <a:r>
+              <a:rPr lang="ru-RU" altLang="ru-RU" dirty="0">
+                <a:solidFill>
+                  <a:srgbClr val="FFFFFF"/>
+                </a:solidFill>
+                <a:latin typeface="Verdana" panose="020B0604030504040204" pitchFamily="34" charset="0"/>
+              </a:rPr>
+              <a:t>) {</a:t>
+            </a:r>
+            <a:br>
+              <a:rPr lang="ru-RU" altLang="ru-RU" dirty="0">
+                <a:solidFill>
+                  <a:srgbClr val="FFFFFF"/>
+                </a:solidFill>
+                <a:latin typeface="Verdana" panose="020B0604030504040204" pitchFamily="34" charset="0"/>
+              </a:rPr>
+            </a:br>
+            <a:r>
+              <a:rPr lang="ru-RU" altLang="ru-RU" dirty="0">
+                <a:solidFill>
+                  <a:srgbClr val="FFFFFF"/>
+                </a:solidFill>
+                <a:latin typeface="Verdana" panose="020B0604030504040204" pitchFamily="34" charset="0"/>
+              </a:rPr>
+              <a:t>    </a:t>
+            </a:r>
+            <a:r>
+              <a:rPr lang="en-US" altLang="ru-RU" dirty="0" smtClean="0">
+                <a:solidFill>
+                  <a:srgbClr val="FFFFFF"/>
+                </a:solidFill>
+                <a:latin typeface="Verdana" panose="020B0604030504040204" pitchFamily="34" charset="0"/>
+              </a:rPr>
+              <a:t>        </a:t>
+            </a:r>
+            <a:r>
+              <a:rPr lang="ru-RU" altLang="ru-RU" dirty="0" err="1" smtClean="0">
+                <a:solidFill>
+                  <a:srgbClr val="5BCD9D"/>
+                </a:solidFill>
+                <a:latin typeface="Verdana" panose="020B0604030504040204" pitchFamily="34" charset="0"/>
+              </a:rPr>
+              <a:t>account</a:t>
+            </a:r>
+            <a:r>
+              <a:rPr lang="ru-RU" altLang="ru-RU" dirty="0">
+                <a:solidFill>
+                  <a:srgbClr val="5BCD9D"/>
+                </a:solidFill>
+                <a:latin typeface="Verdana" panose="020B0604030504040204" pitchFamily="34" charset="0"/>
+              </a:rPr>
+              <a:t>_</a:t>
+            </a:r>
+            <a:r>
+              <a:rPr lang="ru-RU" altLang="ru-RU" dirty="0">
+                <a:solidFill>
+                  <a:srgbClr val="FFFFFF"/>
+                </a:solidFill>
+                <a:latin typeface="Verdana" panose="020B0604030504040204" pitchFamily="34" charset="0"/>
+              </a:rPr>
+              <a:t>.</a:t>
+            </a:r>
+            <a:r>
+              <a:rPr lang="ru-RU" altLang="ru-RU" dirty="0" err="1">
+                <a:solidFill>
+                  <a:srgbClr val="FFCC00"/>
+                </a:solidFill>
+                <a:latin typeface="Verdana" panose="020B0604030504040204" pitchFamily="34" charset="0"/>
+              </a:rPr>
+              <a:t>ApplyCharge</a:t>
+            </a:r>
+            <a:r>
+              <a:rPr lang="ru-RU" altLang="ru-RU" dirty="0">
+                <a:solidFill>
+                  <a:srgbClr val="FFFFFF"/>
+                </a:solidFill>
+                <a:latin typeface="Verdana" panose="020B0604030504040204" pitchFamily="34" charset="0"/>
+              </a:rPr>
+              <a:t>(</a:t>
+            </a:r>
+            <a:r>
+              <a:rPr lang="ru-RU" altLang="ru-RU" dirty="0" err="1">
+                <a:solidFill>
+                  <a:srgbClr val="5BCD9D"/>
+                </a:solidFill>
+                <a:latin typeface="Verdana" panose="020B0604030504040204" pitchFamily="34" charset="0"/>
+              </a:rPr>
+              <a:t>tariff</a:t>
+            </a:r>
+            <a:r>
+              <a:rPr lang="ru-RU" altLang="ru-RU" dirty="0" err="1">
+                <a:solidFill>
+                  <a:srgbClr val="FFFFFF"/>
+                </a:solidFill>
+                <a:latin typeface="Verdana" panose="020B0604030504040204" pitchFamily="34" charset="0"/>
+              </a:rPr>
+              <a:t>.</a:t>
+            </a:r>
+            <a:r>
+              <a:rPr lang="ru-RU" altLang="ru-RU" dirty="0" err="1">
+                <a:solidFill>
+                  <a:srgbClr val="FFCC00"/>
+                </a:solidFill>
+                <a:latin typeface="Verdana" panose="020B0604030504040204" pitchFamily="34" charset="0"/>
+              </a:rPr>
+              <a:t>GetCost</a:t>
+            </a:r>
+            <a:r>
+              <a:rPr lang="ru-RU" altLang="ru-RU" dirty="0">
+                <a:solidFill>
+                  <a:srgbClr val="FFFFFF"/>
+                </a:solidFill>
+                <a:latin typeface="Verdana" panose="020B0604030504040204" pitchFamily="34" charset="0"/>
+              </a:rPr>
+              <a:t>(</a:t>
+            </a:r>
+            <a:r>
+              <a:rPr lang="ru-RU" altLang="ru-RU" dirty="0" err="1">
+                <a:solidFill>
+                  <a:srgbClr val="5BCD9D"/>
+                </a:solidFill>
+                <a:latin typeface="Verdana" panose="020B0604030504040204" pitchFamily="34" charset="0"/>
+              </a:rPr>
+              <a:t>minutes</a:t>
+            </a:r>
+            <a:r>
+              <a:rPr lang="ru-RU" altLang="ru-RU" dirty="0">
+                <a:solidFill>
+                  <a:srgbClr val="FFFFFF"/>
+                </a:solidFill>
+                <a:latin typeface="Verdana" panose="020B0604030504040204" pitchFamily="34" charset="0"/>
+              </a:rPr>
+              <a:t>));</a:t>
+            </a:r>
+            <a:br>
+              <a:rPr lang="ru-RU" altLang="ru-RU" dirty="0">
+                <a:solidFill>
+                  <a:srgbClr val="FFFFFF"/>
+                </a:solidFill>
+                <a:latin typeface="Verdana" panose="020B0604030504040204" pitchFamily="34" charset="0"/>
+              </a:rPr>
+            </a:br>
+            <a:r>
+              <a:rPr lang="ru-RU" altLang="ru-RU" dirty="0">
+                <a:solidFill>
+                  <a:srgbClr val="FFFFFF"/>
+                </a:solidFill>
+                <a:latin typeface="Verdana" panose="020B0604030504040204" pitchFamily="34" charset="0"/>
+              </a:rPr>
+              <a:t>    </a:t>
+            </a:r>
+            <a:r>
+              <a:rPr lang="en-US" altLang="ru-RU" dirty="0" smtClean="0">
+                <a:solidFill>
+                  <a:srgbClr val="FFFFFF"/>
+                </a:solidFill>
+                <a:latin typeface="Verdana" panose="020B0604030504040204" pitchFamily="34" charset="0"/>
+              </a:rPr>
+              <a:t>        </a:t>
+            </a:r>
+            <a:r>
+              <a:rPr lang="ru-RU" altLang="ru-RU" dirty="0" err="1" smtClean="0">
+                <a:solidFill>
+                  <a:srgbClr val="5BCD9D"/>
+                </a:solidFill>
+                <a:latin typeface="Verdana" panose="020B0604030504040204" pitchFamily="34" charset="0"/>
+              </a:rPr>
+              <a:t>history</a:t>
+            </a:r>
+            <a:r>
+              <a:rPr lang="ru-RU" altLang="ru-RU" dirty="0">
+                <a:solidFill>
+                  <a:srgbClr val="5BCD9D"/>
+                </a:solidFill>
+                <a:latin typeface="Verdana" panose="020B0604030504040204" pitchFamily="34" charset="0"/>
+              </a:rPr>
+              <a:t>_</a:t>
+            </a:r>
+            <a:r>
+              <a:rPr lang="ru-RU" altLang="ru-RU" dirty="0">
+                <a:solidFill>
+                  <a:srgbClr val="FFFFFF"/>
+                </a:solidFill>
+                <a:latin typeface="Verdana" panose="020B0604030504040204" pitchFamily="34" charset="0"/>
+              </a:rPr>
+              <a:t>.</a:t>
+            </a:r>
+            <a:r>
+              <a:rPr lang="ru-RU" altLang="ru-RU" dirty="0" err="1">
+                <a:solidFill>
+                  <a:srgbClr val="FFCC00"/>
+                </a:solidFill>
+                <a:latin typeface="Verdana" panose="020B0604030504040204" pitchFamily="34" charset="0"/>
+              </a:rPr>
+              <a:t>push_back</a:t>
+            </a:r>
+            <a:r>
+              <a:rPr lang="ru-RU" altLang="ru-RU" dirty="0">
+                <a:solidFill>
+                  <a:srgbClr val="FFFFFF"/>
+                </a:solidFill>
+                <a:latin typeface="Verdana" panose="020B0604030504040204" pitchFamily="34" charset="0"/>
+              </a:rPr>
+              <a:t>(</a:t>
+            </a:r>
+            <a:r>
+              <a:rPr lang="ru-RU" altLang="ru-RU" dirty="0" err="1">
+                <a:solidFill>
+                  <a:srgbClr val="FFCC00"/>
+                </a:solidFill>
+                <a:latin typeface="Verdana" panose="020B0604030504040204" pitchFamily="34" charset="0"/>
+              </a:rPr>
+              <a:t>Event</a:t>
+            </a:r>
+            <a:r>
+              <a:rPr lang="ru-RU" altLang="ru-RU" dirty="0">
+                <a:solidFill>
+                  <a:srgbClr val="FFFFFF"/>
+                </a:solidFill>
+                <a:latin typeface="Verdana" panose="020B0604030504040204" pitchFamily="34" charset="0"/>
+              </a:rPr>
+              <a:t>::</a:t>
+            </a:r>
+            <a:r>
+              <a:rPr lang="ru-RU" altLang="ru-RU" dirty="0" err="1">
+                <a:solidFill>
+                  <a:srgbClr val="FFCC00"/>
+                </a:solidFill>
+                <a:latin typeface="Verdana" panose="020B0604030504040204" pitchFamily="34" charset="0"/>
+              </a:rPr>
+              <a:t>PhoneCall</a:t>
+            </a:r>
+            <a:r>
+              <a:rPr lang="ru-RU" altLang="ru-RU" dirty="0">
+                <a:solidFill>
+                  <a:srgbClr val="FFFFFF"/>
+                </a:solidFill>
+                <a:latin typeface="Verdana" panose="020B0604030504040204" pitchFamily="34" charset="0"/>
+              </a:rPr>
+              <a:t>(</a:t>
+            </a:r>
+            <a:r>
+              <a:rPr lang="ru-RU" altLang="ru-RU" dirty="0" err="1">
+                <a:solidFill>
+                  <a:srgbClr val="5BCD9D"/>
+                </a:solidFill>
+                <a:latin typeface="Verdana" panose="020B0604030504040204" pitchFamily="34" charset="0"/>
+              </a:rPr>
+              <a:t>minutes</a:t>
+            </a:r>
+            <a:r>
+              <a:rPr lang="ru-RU" altLang="ru-RU" dirty="0">
+                <a:solidFill>
+                  <a:srgbClr val="FFFFFF"/>
+                </a:solidFill>
+                <a:latin typeface="Verdana" panose="020B0604030504040204" pitchFamily="34" charset="0"/>
+              </a:rPr>
+              <a:t>));</a:t>
+            </a:r>
+            <a:br>
+              <a:rPr lang="ru-RU" altLang="ru-RU" dirty="0">
+                <a:solidFill>
+                  <a:srgbClr val="FFFFFF"/>
+                </a:solidFill>
+                <a:latin typeface="Verdana" panose="020B0604030504040204" pitchFamily="34" charset="0"/>
+              </a:rPr>
+            </a:br>
+            <a:r>
+              <a:rPr lang="ru-RU" altLang="ru-RU" dirty="0" smtClean="0">
+                <a:solidFill>
+                  <a:srgbClr val="FFFFFF"/>
+                </a:solidFill>
+                <a:latin typeface="Verdana" panose="020B0604030504040204" pitchFamily="34" charset="0"/>
+              </a:rPr>
+              <a:t>    </a:t>
+            </a:r>
+            <a:r>
+              <a:rPr lang="en-US" altLang="ru-RU" dirty="0" smtClean="0">
+                <a:solidFill>
+                  <a:srgbClr val="FFFFFF"/>
+                </a:solidFill>
+                <a:latin typeface="Verdana" panose="020B0604030504040204" pitchFamily="34" charset="0"/>
+              </a:rPr>
+              <a:t>        </a:t>
+            </a:r>
+            <a:r>
+              <a:rPr lang="ru-RU" altLang="ru-RU" dirty="0" err="1" smtClean="0">
+                <a:solidFill>
+                  <a:srgbClr val="FFFFFF"/>
+                </a:solidFill>
+                <a:latin typeface="Verdana" panose="020B0604030504040204" pitchFamily="34" charset="0"/>
+              </a:rPr>
+              <a:t>if</a:t>
+            </a:r>
+            <a:r>
+              <a:rPr lang="ru-RU" altLang="ru-RU" dirty="0" smtClean="0">
+                <a:solidFill>
+                  <a:srgbClr val="FFFFFF"/>
+                </a:solidFill>
+                <a:latin typeface="Verdana" panose="020B0604030504040204" pitchFamily="34" charset="0"/>
+              </a:rPr>
+              <a:t> </a:t>
+            </a:r>
+            <a:r>
+              <a:rPr lang="ru-RU" altLang="ru-RU" dirty="0">
+                <a:solidFill>
+                  <a:srgbClr val="FFFFFF"/>
+                </a:solidFill>
+                <a:latin typeface="Verdana" panose="020B0604030504040204" pitchFamily="34" charset="0"/>
+              </a:rPr>
+              <a:t>(</a:t>
+            </a:r>
+            <a:r>
+              <a:rPr lang="ru-RU" altLang="ru-RU" dirty="0" err="1">
+                <a:solidFill>
+                  <a:srgbClr val="5BCD9D"/>
+                </a:solidFill>
+                <a:latin typeface="Verdana" panose="020B0604030504040204" pitchFamily="34" charset="0"/>
+              </a:rPr>
+              <a:t>account</a:t>
+            </a:r>
+            <a:r>
+              <a:rPr lang="ru-RU" altLang="ru-RU" dirty="0">
+                <a:solidFill>
+                  <a:srgbClr val="5BCD9D"/>
+                </a:solidFill>
+                <a:latin typeface="Verdana" panose="020B0604030504040204" pitchFamily="34" charset="0"/>
+              </a:rPr>
+              <a:t>_</a:t>
+            </a:r>
+            <a:r>
+              <a:rPr lang="ru-RU" altLang="ru-RU" dirty="0">
+                <a:solidFill>
+                  <a:srgbClr val="FFFFFF"/>
+                </a:solidFill>
+                <a:latin typeface="Verdana" panose="020B0604030504040204" pitchFamily="34" charset="0"/>
+              </a:rPr>
+              <a:t>.</a:t>
+            </a:r>
+            <a:r>
+              <a:rPr lang="ru-RU" altLang="ru-RU" dirty="0" err="1">
+                <a:solidFill>
+                  <a:srgbClr val="5BCD9D"/>
+                </a:solidFill>
+                <a:latin typeface="Verdana" panose="020B0604030504040204" pitchFamily="34" charset="0"/>
+              </a:rPr>
+              <a:t>money</a:t>
+            </a:r>
+            <a:r>
+              <a:rPr lang="ru-RU" altLang="ru-RU" dirty="0">
+                <a:solidFill>
+                  <a:srgbClr val="5BCD9D"/>
+                </a:solidFill>
+                <a:latin typeface="Verdana" panose="020B0604030504040204" pitchFamily="34" charset="0"/>
+              </a:rPr>
+              <a:t>_ </a:t>
+            </a:r>
+            <a:r>
+              <a:rPr lang="ru-RU" altLang="ru-RU" dirty="0">
+                <a:solidFill>
+                  <a:srgbClr val="FFFFFF"/>
+                </a:solidFill>
+                <a:latin typeface="Verdana" panose="020B0604030504040204" pitchFamily="34" charset="0"/>
+              </a:rPr>
+              <a:t>&lt;= 0) {</a:t>
+            </a:r>
+            <a:br>
+              <a:rPr lang="ru-RU" altLang="ru-RU" dirty="0">
+                <a:solidFill>
+                  <a:srgbClr val="FFFFFF"/>
+                </a:solidFill>
+                <a:latin typeface="Verdana" panose="020B0604030504040204" pitchFamily="34" charset="0"/>
+              </a:rPr>
+            </a:br>
+            <a:r>
+              <a:rPr lang="ru-RU" altLang="ru-RU" dirty="0">
+                <a:solidFill>
+                  <a:srgbClr val="FFFFFF"/>
+                </a:solidFill>
+                <a:latin typeface="Verdana" panose="020B0604030504040204" pitchFamily="34" charset="0"/>
+              </a:rPr>
+              <a:t>        </a:t>
+            </a:r>
+            <a:r>
+              <a:rPr lang="en-US" altLang="ru-RU" dirty="0" smtClean="0">
+                <a:solidFill>
+                  <a:srgbClr val="FFFFFF"/>
+                </a:solidFill>
+                <a:latin typeface="Verdana" panose="020B0604030504040204" pitchFamily="34" charset="0"/>
+              </a:rPr>
+              <a:t>        </a:t>
+            </a:r>
+            <a:r>
+              <a:rPr lang="ru-RU" altLang="ru-RU" dirty="0" err="1" smtClean="0">
+                <a:solidFill>
+                  <a:srgbClr val="FFCC00"/>
+                </a:solidFill>
+                <a:latin typeface="Verdana" panose="020B0604030504040204" pitchFamily="34" charset="0"/>
+              </a:rPr>
+              <a:t>SendSms</a:t>
+            </a:r>
+            <a:r>
+              <a:rPr lang="ru-RU" altLang="ru-RU" dirty="0">
+                <a:solidFill>
+                  <a:srgbClr val="FFFFFF"/>
+                </a:solidFill>
+                <a:latin typeface="Verdana" panose="020B0604030504040204" pitchFamily="34" charset="0"/>
+              </a:rPr>
+              <a:t>(</a:t>
+            </a:r>
+            <a:r>
+              <a:rPr lang="ru-RU" altLang="ru-RU" dirty="0">
+                <a:solidFill>
+                  <a:srgbClr val="9E64A9"/>
+                </a:solidFill>
+                <a:latin typeface="Verdana" panose="020B0604030504040204" pitchFamily="34" charset="0"/>
+              </a:rPr>
+              <a:t>"</a:t>
+            </a:r>
+            <a:r>
+              <a:rPr lang="ru-RU" altLang="ru-RU" dirty="0" err="1">
+                <a:solidFill>
+                  <a:srgbClr val="9E64A9"/>
+                </a:solidFill>
+                <a:latin typeface="Verdana" panose="020B0604030504040204" pitchFamily="34" charset="0"/>
+              </a:rPr>
+              <a:t>Your</a:t>
+            </a:r>
+            <a:r>
+              <a:rPr lang="ru-RU" altLang="ru-RU" dirty="0">
+                <a:solidFill>
+                  <a:srgbClr val="9E64A9"/>
+                </a:solidFill>
+                <a:latin typeface="Verdana" panose="020B0604030504040204" pitchFamily="34" charset="0"/>
+              </a:rPr>
+              <a:t> </a:t>
+            </a:r>
+            <a:r>
+              <a:rPr lang="ru-RU" altLang="ru-RU" dirty="0" err="1">
+                <a:solidFill>
+                  <a:srgbClr val="9E64A9"/>
+                </a:solidFill>
+                <a:latin typeface="Verdana" panose="020B0604030504040204" pitchFamily="34" charset="0"/>
+              </a:rPr>
+              <a:t>balance</a:t>
+            </a:r>
+            <a:r>
+              <a:rPr lang="ru-RU" altLang="ru-RU" dirty="0">
+                <a:solidFill>
+                  <a:srgbClr val="9E64A9"/>
+                </a:solidFill>
+                <a:latin typeface="Verdana" panose="020B0604030504040204" pitchFamily="34" charset="0"/>
+              </a:rPr>
+              <a:t> </a:t>
+            </a:r>
+            <a:r>
+              <a:rPr lang="ru-RU" altLang="ru-RU" dirty="0" err="1">
+                <a:solidFill>
+                  <a:srgbClr val="9E64A9"/>
+                </a:solidFill>
+                <a:latin typeface="Verdana" panose="020B0604030504040204" pitchFamily="34" charset="0"/>
+              </a:rPr>
+              <a:t>is</a:t>
+            </a:r>
+            <a:r>
+              <a:rPr lang="ru-RU" altLang="ru-RU" dirty="0">
+                <a:solidFill>
+                  <a:srgbClr val="9E64A9"/>
+                </a:solidFill>
+                <a:latin typeface="Verdana" panose="020B0604030504040204" pitchFamily="34" charset="0"/>
+              </a:rPr>
+              <a:t> " </a:t>
+            </a:r>
+            <a:r>
+              <a:rPr lang="ru-RU" altLang="ru-RU" dirty="0">
+                <a:solidFill>
+                  <a:srgbClr val="FFFFFF"/>
+                </a:solidFill>
+                <a:latin typeface="Verdana" panose="020B0604030504040204" pitchFamily="34" charset="0"/>
+              </a:rPr>
+              <a:t>+ </a:t>
+            </a:r>
+            <a:r>
+              <a:rPr lang="ru-RU" altLang="ru-RU" dirty="0" err="1">
+                <a:solidFill>
+                  <a:srgbClr val="FFCC00"/>
+                </a:solidFill>
+                <a:latin typeface="Verdana" panose="020B0604030504040204" pitchFamily="34" charset="0"/>
+              </a:rPr>
+              <a:t>to_string</a:t>
+            </a:r>
+            <a:r>
+              <a:rPr lang="ru-RU" altLang="ru-RU" dirty="0">
+                <a:solidFill>
+                  <a:srgbClr val="FFFFFF"/>
+                </a:solidFill>
+                <a:latin typeface="Verdana" panose="020B0604030504040204" pitchFamily="34" charset="0"/>
+              </a:rPr>
+              <a:t>(</a:t>
+            </a:r>
+            <a:r>
+              <a:rPr lang="ru-RU" altLang="ru-RU" dirty="0" err="1">
+                <a:solidFill>
+                  <a:srgbClr val="5BCD9D"/>
+                </a:solidFill>
+                <a:latin typeface="Verdana" panose="020B0604030504040204" pitchFamily="34" charset="0"/>
+              </a:rPr>
+              <a:t>account</a:t>
+            </a:r>
+            <a:r>
+              <a:rPr lang="ru-RU" altLang="ru-RU" dirty="0">
+                <a:solidFill>
+                  <a:srgbClr val="5BCD9D"/>
+                </a:solidFill>
+                <a:latin typeface="Verdana" panose="020B0604030504040204" pitchFamily="34" charset="0"/>
+              </a:rPr>
+              <a:t>_</a:t>
+            </a:r>
+            <a:r>
+              <a:rPr lang="ru-RU" altLang="ru-RU" dirty="0">
+                <a:solidFill>
+                  <a:srgbClr val="FFFFFF"/>
+                </a:solidFill>
+                <a:latin typeface="Verdana" panose="020B0604030504040204" pitchFamily="34" charset="0"/>
+              </a:rPr>
+              <a:t>.</a:t>
+            </a:r>
+            <a:r>
+              <a:rPr lang="ru-RU" altLang="ru-RU" dirty="0" err="1">
+                <a:solidFill>
+                  <a:srgbClr val="5BCD9D"/>
+                </a:solidFill>
+                <a:latin typeface="Verdana" panose="020B0604030504040204" pitchFamily="34" charset="0"/>
+              </a:rPr>
+              <a:t>money</a:t>
+            </a:r>
+            <a:r>
+              <a:rPr lang="ru-RU" altLang="ru-RU" dirty="0">
+                <a:solidFill>
+                  <a:srgbClr val="5BCD9D"/>
+                </a:solidFill>
+                <a:latin typeface="Verdana" panose="020B0604030504040204" pitchFamily="34" charset="0"/>
+              </a:rPr>
+              <a:t>_</a:t>
+            </a:r>
+            <a:r>
+              <a:rPr lang="ru-RU" altLang="ru-RU" dirty="0">
+                <a:solidFill>
+                  <a:srgbClr val="FFFFFF"/>
+                </a:solidFill>
+                <a:latin typeface="Verdana" panose="020B0604030504040204" pitchFamily="34" charset="0"/>
+              </a:rPr>
+              <a:t>));</a:t>
+            </a:r>
+            <a:br>
+              <a:rPr lang="ru-RU" altLang="ru-RU" dirty="0">
+                <a:solidFill>
+                  <a:srgbClr val="FFFFFF"/>
+                </a:solidFill>
+                <a:latin typeface="Verdana" panose="020B0604030504040204" pitchFamily="34" charset="0"/>
+              </a:rPr>
+            </a:br>
+            <a:r>
+              <a:rPr lang="en-US" altLang="ru-RU" dirty="0" smtClean="0">
+                <a:solidFill>
+                  <a:srgbClr val="FFFFFF"/>
+                </a:solidFill>
+                <a:latin typeface="Verdana" panose="020B0604030504040204" pitchFamily="34" charset="0"/>
+              </a:rPr>
+              <a:t>     </a:t>
+            </a:r>
+            <a:r>
+              <a:rPr lang="ru-RU" altLang="ru-RU" dirty="0" smtClean="0">
+                <a:solidFill>
+                  <a:srgbClr val="FFFFFF"/>
+                </a:solidFill>
+                <a:latin typeface="Verdana" panose="020B0604030504040204" pitchFamily="34" charset="0"/>
+              </a:rPr>
+              <a:t>   </a:t>
+            </a:r>
+            <a:r>
+              <a:rPr lang="en-US" altLang="ru-RU" dirty="0" smtClean="0">
+                <a:solidFill>
+                  <a:srgbClr val="FFFFFF"/>
+                </a:solidFill>
+                <a:latin typeface="Verdana" panose="020B0604030504040204" pitchFamily="34" charset="0"/>
+              </a:rPr>
+              <a:t>    </a:t>
+            </a:r>
+            <a:r>
+              <a:rPr lang="ru-RU" altLang="ru-RU" dirty="0" smtClean="0">
+                <a:solidFill>
+                  <a:srgbClr val="FFFFFF"/>
+                </a:solidFill>
+                <a:latin typeface="Verdana" panose="020B0604030504040204" pitchFamily="34" charset="0"/>
+              </a:rPr>
+              <a:t>}</a:t>
+            </a:r>
+            <a:r>
+              <a:rPr lang="ru-RU" altLang="ru-RU" dirty="0">
+                <a:solidFill>
+                  <a:srgbClr val="FFFFFF"/>
+                </a:solidFill>
+                <a:latin typeface="Verdana" panose="020B0604030504040204" pitchFamily="34" charset="0"/>
+              </a:rPr>
+              <a:t/>
+            </a:r>
+            <a:br>
+              <a:rPr lang="ru-RU" altLang="ru-RU" dirty="0">
+                <a:solidFill>
+                  <a:srgbClr val="FFFFFF"/>
+                </a:solidFill>
+                <a:latin typeface="Verdana" panose="020B0604030504040204" pitchFamily="34" charset="0"/>
+              </a:rPr>
+            </a:br>
+            <a:r>
+              <a:rPr lang="en-US" altLang="ru-RU" dirty="0" smtClean="0">
+                <a:solidFill>
+                  <a:srgbClr val="FFFFFF"/>
+                </a:solidFill>
+                <a:latin typeface="Verdana" panose="020B0604030504040204" pitchFamily="34" charset="0"/>
+              </a:rPr>
+              <a:t>        </a:t>
+            </a:r>
+            <a:r>
+              <a:rPr lang="ru-RU" altLang="ru-RU" dirty="0" smtClean="0">
+                <a:solidFill>
+                  <a:srgbClr val="FFFFFF"/>
+                </a:solidFill>
+                <a:latin typeface="Verdana" panose="020B0604030504040204" pitchFamily="34" charset="0"/>
+              </a:rPr>
+              <a:t>}</a:t>
+            </a:r>
+            <a:r>
+              <a:rPr lang="ru-RU" altLang="ru-RU" dirty="0">
+                <a:solidFill>
+                  <a:srgbClr val="FFFFFF"/>
+                </a:solidFill>
+                <a:latin typeface="Verdana" panose="020B0604030504040204" pitchFamily="34" charset="0"/>
+              </a:rPr>
+              <a:t/>
+            </a:r>
+            <a:br>
+              <a:rPr lang="ru-RU" altLang="ru-RU" dirty="0">
+                <a:solidFill>
+                  <a:srgbClr val="FFFFFF"/>
+                </a:solidFill>
+                <a:latin typeface="Verdana" panose="020B0604030504040204" pitchFamily="34" charset="0"/>
+              </a:rPr>
+            </a:br>
+            <a:r>
+              <a:rPr lang="en-US" altLang="ru-RU" dirty="0" smtClean="0">
+                <a:solidFill>
+                  <a:srgbClr val="FFFFFF"/>
+                </a:solidFill>
+                <a:latin typeface="Verdana" panose="020B0604030504040204" pitchFamily="34" charset="0"/>
+              </a:rPr>
+              <a:t>        </a:t>
+            </a:r>
+            <a:r>
+              <a:rPr lang="ru-RU" altLang="ru-RU" dirty="0" err="1" smtClean="0">
+                <a:solidFill>
+                  <a:srgbClr val="FFFFFF"/>
+                </a:solidFill>
+                <a:latin typeface="Verdana" panose="020B0604030504040204" pitchFamily="34" charset="0"/>
+                <a:ea typeface="Verdana" panose="020B0604030504040204" pitchFamily="34" charset="0"/>
+                <a:cs typeface="Verdana" panose="020B0604030504040204" pitchFamily="34" charset="0"/>
+              </a:rPr>
+              <a:t>void</a:t>
+            </a:r>
+            <a:r>
+              <a:rPr lang="ru-RU" altLang="ru-RU" dirty="0" smtClean="0">
+                <a:solidFill>
+                  <a:srgbClr val="FFFFFF"/>
+                </a:solidFill>
+                <a:latin typeface="Verdana" panose="020B0604030504040204" pitchFamily="34" charset="0"/>
+                <a:ea typeface="Verdana" panose="020B0604030504040204" pitchFamily="34" charset="0"/>
+                <a:cs typeface="Verdana" panose="020B0604030504040204" pitchFamily="34" charset="0"/>
+              </a:rPr>
+              <a:t> </a:t>
+            </a:r>
+            <a:r>
+              <a:rPr lang="ru-RU" altLang="ru-RU" dirty="0" err="1" smtClean="0">
+                <a:solidFill>
+                  <a:srgbClr val="FFCC00"/>
+                </a:solidFill>
+                <a:latin typeface="Verdana" panose="020B0604030504040204" pitchFamily="34" charset="0"/>
+                <a:ea typeface="Verdana" panose="020B0604030504040204" pitchFamily="34" charset="0"/>
+                <a:cs typeface="Verdana" panose="020B0604030504040204" pitchFamily="34" charset="0"/>
+              </a:rPr>
+              <a:t>Billing</a:t>
+            </a:r>
+            <a:r>
+              <a:rPr lang="ru-RU" altLang="ru-RU" dirty="0" smtClean="0">
+                <a:solidFill>
+                  <a:srgbClr val="FFFFFF"/>
+                </a:solidFill>
+                <a:latin typeface="Verdana" panose="020B0604030504040204" pitchFamily="34" charset="0"/>
+                <a:ea typeface="Verdana" panose="020B0604030504040204" pitchFamily="34" charset="0"/>
+                <a:cs typeface="Verdana" panose="020B0604030504040204" pitchFamily="34" charset="0"/>
+              </a:rPr>
+              <a:t>::</a:t>
+            </a:r>
+            <a:r>
+              <a:rPr lang="ru-RU" altLang="ru-RU" dirty="0" err="1" smtClean="0">
+                <a:solidFill>
+                  <a:srgbClr val="FFCC00"/>
+                </a:solidFill>
+                <a:latin typeface="Verdana" panose="020B0604030504040204" pitchFamily="34" charset="0"/>
+                <a:ea typeface="Verdana" panose="020B0604030504040204" pitchFamily="34" charset="0"/>
+                <a:cs typeface="Verdana" panose="020B0604030504040204" pitchFamily="34" charset="0"/>
+              </a:rPr>
+              <a:t>UserInfo</a:t>
+            </a:r>
+            <a:r>
+              <a:rPr lang="ru-RU" altLang="ru-RU" dirty="0" smtClean="0">
+                <a:solidFill>
+                  <a:srgbClr val="FFFFFF"/>
+                </a:solidFill>
+                <a:latin typeface="Verdana" panose="020B0604030504040204" pitchFamily="34" charset="0"/>
+                <a:ea typeface="Verdana" panose="020B0604030504040204" pitchFamily="34" charset="0"/>
+                <a:cs typeface="Verdana" panose="020B0604030504040204" pitchFamily="34" charset="0"/>
+              </a:rPr>
+              <a:t>::</a:t>
+            </a:r>
+            <a:r>
+              <a:rPr lang="ru-RU" altLang="ru-RU" dirty="0" err="1" smtClean="0">
+                <a:solidFill>
+                  <a:srgbClr val="FFCC00"/>
+                </a:solidFill>
+                <a:latin typeface="Verdana" panose="020B0604030504040204" pitchFamily="34" charset="0"/>
+                <a:ea typeface="Verdana" panose="020B0604030504040204" pitchFamily="34" charset="0"/>
+                <a:cs typeface="Verdana" panose="020B0604030504040204" pitchFamily="34" charset="0"/>
+              </a:rPr>
+              <a:t>AddMoney</a:t>
+            </a:r>
+            <a:r>
+              <a:rPr lang="ru-RU" altLang="ru-RU" dirty="0" smtClean="0">
+                <a:solidFill>
+                  <a:srgbClr val="FFFFFF"/>
+                </a:solidFill>
+                <a:latin typeface="Verdana" panose="020B0604030504040204" pitchFamily="34" charset="0"/>
+                <a:ea typeface="Verdana" panose="020B0604030504040204" pitchFamily="34" charset="0"/>
+                <a:cs typeface="Verdana" panose="020B0604030504040204" pitchFamily="34" charset="0"/>
+              </a:rPr>
+              <a:t>(</a:t>
+            </a:r>
+            <a:r>
+              <a:rPr lang="ru-RU" altLang="ru-RU" dirty="0" err="1" smtClean="0">
+                <a:solidFill>
+                  <a:srgbClr val="FFFFFF"/>
+                </a:solidFill>
+                <a:latin typeface="Verdana" panose="020B0604030504040204" pitchFamily="34" charset="0"/>
+                <a:ea typeface="Verdana" panose="020B0604030504040204" pitchFamily="34" charset="0"/>
+                <a:cs typeface="Verdana" panose="020B0604030504040204" pitchFamily="34" charset="0"/>
+              </a:rPr>
+              <a:t>int</a:t>
+            </a:r>
+            <a:r>
+              <a:rPr lang="ru-RU" altLang="ru-RU" dirty="0" smtClean="0">
+                <a:solidFill>
+                  <a:srgbClr val="FFFFFF"/>
+                </a:solidFill>
+                <a:latin typeface="Verdana" panose="020B0604030504040204" pitchFamily="34" charset="0"/>
+                <a:ea typeface="Verdana" panose="020B0604030504040204" pitchFamily="34" charset="0"/>
+                <a:cs typeface="Verdana" panose="020B0604030504040204" pitchFamily="34" charset="0"/>
+              </a:rPr>
+              <a:t> </a:t>
+            </a:r>
+            <a:r>
+              <a:rPr lang="ru-RU" altLang="ru-RU" dirty="0" err="1" smtClean="0">
+                <a:solidFill>
+                  <a:srgbClr val="5BCD9D"/>
+                </a:solidFill>
+                <a:latin typeface="Verdana" panose="020B0604030504040204" pitchFamily="34" charset="0"/>
+                <a:ea typeface="Verdana" panose="020B0604030504040204" pitchFamily="34" charset="0"/>
+                <a:cs typeface="Verdana" panose="020B0604030504040204" pitchFamily="34" charset="0"/>
+              </a:rPr>
+              <a:t>rubles</a:t>
+            </a:r>
+            <a:r>
+              <a:rPr lang="ru-RU" altLang="ru-RU" dirty="0" smtClean="0">
+                <a:solidFill>
+                  <a:srgbClr val="FFFFFF"/>
+                </a:solidFill>
+                <a:latin typeface="Verdana" panose="020B0604030504040204" pitchFamily="34" charset="0"/>
+                <a:ea typeface="Verdana" panose="020B0604030504040204" pitchFamily="34" charset="0"/>
+                <a:cs typeface="Verdana" panose="020B0604030504040204" pitchFamily="34" charset="0"/>
+              </a:rPr>
+              <a:t>) {</a:t>
+            </a:r>
+            <a:br>
+              <a:rPr lang="ru-RU" altLang="ru-RU" dirty="0" smtClean="0">
+                <a:solidFill>
+                  <a:srgbClr val="FFFFFF"/>
+                </a:solidFill>
+                <a:latin typeface="Verdana" panose="020B0604030504040204" pitchFamily="34" charset="0"/>
+                <a:ea typeface="Verdana" panose="020B0604030504040204" pitchFamily="34" charset="0"/>
+                <a:cs typeface="Verdana" panose="020B0604030504040204" pitchFamily="34" charset="0"/>
+              </a:rPr>
+            </a:br>
+            <a:r>
+              <a:rPr lang="en-US" altLang="ru-RU" dirty="0" smtClean="0">
+                <a:solidFill>
+                  <a:srgbClr val="FFFFFF"/>
+                </a:solidFill>
+                <a:latin typeface="Verdana" panose="020B0604030504040204" pitchFamily="34" charset="0"/>
+                <a:ea typeface="Verdana" panose="020B0604030504040204" pitchFamily="34" charset="0"/>
+                <a:cs typeface="Verdana" panose="020B0604030504040204" pitchFamily="34" charset="0"/>
+              </a:rPr>
+              <a:t>        </a:t>
+            </a:r>
+            <a:r>
+              <a:rPr lang="ru-RU" altLang="ru-RU" dirty="0" smtClean="0">
+                <a:solidFill>
+                  <a:srgbClr val="FFFFFF"/>
+                </a:solidFill>
+                <a:latin typeface="Verdana" panose="020B0604030504040204" pitchFamily="34" charset="0"/>
+                <a:ea typeface="Verdana" panose="020B0604030504040204" pitchFamily="34" charset="0"/>
+                <a:cs typeface="Verdana" panose="020B0604030504040204" pitchFamily="34" charset="0"/>
+              </a:rPr>
+              <a:t>    </a:t>
+            </a:r>
+            <a:r>
+              <a:rPr lang="ru-RU" altLang="ru-RU" dirty="0" err="1" smtClean="0">
+                <a:solidFill>
+                  <a:srgbClr val="5BCD9D"/>
+                </a:solidFill>
+                <a:latin typeface="Verdana" panose="020B0604030504040204" pitchFamily="34" charset="0"/>
+                <a:ea typeface="Verdana" panose="020B0604030504040204" pitchFamily="34" charset="0"/>
+                <a:cs typeface="Verdana" panose="020B0604030504040204" pitchFamily="34" charset="0"/>
+              </a:rPr>
+              <a:t>account</a:t>
+            </a:r>
+            <a:r>
+              <a:rPr lang="ru-RU" altLang="ru-RU" dirty="0" smtClean="0">
+                <a:solidFill>
+                  <a:srgbClr val="5BCD9D"/>
+                </a:solidFill>
+                <a:latin typeface="Verdana" panose="020B0604030504040204" pitchFamily="34" charset="0"/>
+                <a:ea typeface="Verdana" panose="020B0604030504040204" pitchFamily="34" charset="0"/>
+                <a:cs typeface="Verdana" panose="020B0604030504040204" pitchFamily="34" charset="0"/>
+              </a:rPr>
+              <a:t>_</a:t>
+            </a:r>
+            <a:r>
+              <a:rPr lang="ru-RU" altLang="ru-RU" dirty="0" smtClean="0">
+                <a:solidFill>
+                  <a:srgbClr val="FFFFFF"/>
+                </a:solidFill>
+                <a:latin typeface="Verdana" panose="020B0604030504040204" pitchFamily="34" charset="0"/>
+                <a:ea typeface="Verdana" panose="020B0604030504040204" pitchFamily="34" charset="0"/>
+                <a:cs typeface="Verdana" panose="020B0604030504040204" pitchFamily="34" charset="0"/>
+              </a:rPr>
+              <a:t>.</a:t>
+            </a:r>
+            <a:r>
+              <a:rPr lang="ru-RU" altLang="ru-RU" dirty="0" err="1" smtClean="0">
+                <a:solidFill>
+                  <a:srgbClr val="FFCC00"/>
+                </a:solidFill>
+                <a:latin typeface="Verdana" panose="020B0604030504040204" pitchFamily="34" charset="0"/>
+                <a:ea typeface="Verdana" panose="020B0604030504040204" pitchFamily="34" charset="0"/>
+                <a:cs typeface="Verdana" panose="020B0604030504040204" pitchFamily="34" charset="0"/>
+              </a:rPr>
+              <a:t>ApplyPayment</a:t>
+            </a:r>
+            <a:r>
+              <a:rPr lang="ru-RU" altLang="ru-RU" dirty="0" smtClean="0">
+                <a:solidFill>
+                  <a:srgbClr val="FFFFFF"/>
+                </a:solidFill>
+                <a:latin typeface="Verdana" panose="020B0604030504040204" pitchFamily="34" charset="0"/>
+                <a:ea typeface="Verdana" panose="020B0604030504040204" pitchFamily="34" charset="0"/>
+                <a:cs typeface="Verdana" panose="020B0604030504040204" pitchFamily="34" charset="0"/>
+              </a:rPr>
+              <a:t>(</a:t>
+            </a:r>
+            <a:r>
+              <a:rPr lang="ru-RU" altLang="ru-RU" dirty="0" err="1" smtClean="0">
+                <a:solidFill>
+                  <a:srgbClr val="5BCD9D"/>
+                </a:solidFill>
+                <a:latin typeface="Verdana" panose="020B0604030504040204" pitchFamily="34" charset="0"/>
+                <a:ea typeface="Verdana" panose="020B0604030504040204" pitchFamily="34" charset="0"/>
+                <a:cs typeface="Verdana" panose="020B0604030504040204" pitchFamily="34" charset="0"/>
+              </a:rPr>
+              <a:t>rubles</a:t>
+            </a:r>
+            <a:r>
+              <a:rPr lang="ru-RU" altLang="ru-RU" dirty="0" smtClean="0">
+                <a:solidFill>
+                  <a:srgbClr val="FFFFFF"/>
+                </a:solidFill>
+                <a:latin typeface="Verdana" panose="020B0604030504040204" pitchFamily="34" charset="0"/>
+                <a:ea typeface="Verdana" panose="020B0604030504040204" pitchFamily="34" charset="0"/>
+                <a:cs typeface="Verdana" panose="020B0604030504040204" pitchFamily="34" charset="0"/>
+              </a:rPr>
+              <a:t>);</a:t>
+            </a:r>
+            <a:br>
+              <a:rPr lang="ru-RU" altLang="ru-RU" dirty="0" smtClean="0">
+                <a:solidFill>
+                  <a:srgbClr val="FFFFFF"/>
+                </a:solidFill>
+                <a:latin typeface="Verdana" panose="020B0604030504040204" pitchFamily="34" charset="0"/>
+                <a:ea typeface="Verdana" panose="020B0604030504040204" pitchFamily="34" charset="0"/>
+                <a:cs typeface="Verdana" panose="020B0604030504040204" pitchFamily="34" charset="0"/>
+              </a:rPr>
+            </a:br>
+            <a:r>
+              <a:rPr lang="en-US" altLang="ru-RU" dirty="0" smtClean="0">
+                <a:solidFill>
+                  <a:srgbClr val="FFFFFF"/>
+                </a:solidFill>
+                <a:latin typeface="Verdana" panose="020B0604030504040204" pitchFamily="34" charset="0"/>
+                <a:ea typeface="Verdana" panose="020B0604030504040204" pitchFamily="34" charset="0"/>
+                <a:cs typeface="Verdana" panose="020B0604030504040204" pitchFamily="34" charset="0"/>
+              </a:rPr>
+              <a:t>        </a:t>
+            </a:r>
+            <a:r>
+              <a:rPr lang="ru-RU" altLang="ru-RU" dirty="0" smtClean="0">
+                <a:solidFill>
+                  <a:srgbClr val="FFFFFF"/>
+                </a:solidFill>
+                <a:latin typeface="Verdana" panose="020B0604030504040204" pitchFamily="34" charset="0"/>
+                <a:ea typeface="Verdana" panose="020B0604030504040204" pitchFamily="34" charset="0"/>
+                <a:cs typeface="Verdana" panose="020B0604030504040204" pitchFamily="34" charset="0"/>
+              </a:rPr>
+              <a:t>    </a:t>
+            </a:r>
+            <a:r>
+              <a:rPr lang="ru-RU" altLang="ru-RU" dirty="0" err="1" smtClean="0">
+                <a:solidFill>
+                  <a:srgbClr val="5BCD9D"/>
+                </a:solidFill>
+                <a:latin typeface="Verdana" panose="020B0604030504040204" pitchFamily="34" charset="0"/>
+                <a:ea typeface="Verdana" panose="020B0604030504040204" pitchFamily="34" charset="0"/>
+                <a:cs typeface="Verdana" panose="020B0604030504040204" pitchFamily="34" charset="0"/>
+              </a:rPr>
+              <a:t>history</a:t>
+            </a:r>
+            <a:r>
+              <a:rPr lang="ru-RU" altLang="ru-RU" dirty="0" smtClean="0">
+                <a:solidFill>
+                  <a:srgbClr val="5BCD9D"/>
+                </a:solidFill>
+                <a:latin typeface="Verdana" panose="020B0604030504040204" pitchFamily="34" charset="0"/>
+                <a:ea typeface="Verdana" panose="020B0604030504040204" pitchFamily="34" charset="0"/>
+                <a:cs typeface="Verdana" panose="020B0604030504040204" pitchFamily="34" charset="0"/>
+              </a:rPr>
+              <a:t>_</a:t>
+            </a:r>
+            <a:r>
+              <a:rPr lang="ru-RU" altLang="ru-RU" dirty="0" smtClean="0">
+                <a:solidFill>
+                  <a:srgbClr val="FFFFFF"/>
+                </a:solidFill>
+                <a:latin typeface="Verdana" panose="020B0604030504040204" pitchFamily="34" charset="0"/>
+                <a:ea typeface="Verdana" panose="020B0604030504040204" pitchFamily="34" charset="0"/>
+                <a:cs typeface="Verdana" panose="020B0604030504040204" pitchFamily="34" charset="0"/>
+              </a:rPr>
+              <a:t>.</a:t>
+            </a:r>
+            <a:r>
+              <a:rPr lang="ru-RU" altLang="ru-RU" dirty="0" err="1" smtClean="0">
+                <a:solidFill>
+                  <a:srgbClr val="FFCC00"/>
+                </a:solidFill>
+                <a:latin typeface="Verdana" panose="020B0604030504040204" pitchFamily="34" charset="0"/>
+                <a:ea typeface="Verdana" panose="020B0604030504040204" pitchFamily="34" charset="0"/>
+                <a:cs typeface="Verdana" panose="020B0604030504040204" pitchFamily="34" charset="0"/>
+              </a:rPr>
+              <a:t>push_back</a:t>
+            </a:r>
+            <a:r>
+              <a:rPr lang="ru-RU" altLang="ru-RU" dirty="0" smtClean="0">
+                <a:solidFill>
+                  <a:srgbClr val="FFFFFF"/>
+                </a:solidFill>
+                <a:latin typeface="Verdana" panose="020B0604030504040204" pitchFamily="34" charset="0"/>
+                <a:ea typeface="Verdana" panose="020B0604030504040204" pitchFamily="34" charset="0"/>
+                <a:cs typeface="Verdana" panose="020B0604030504040204" pitchFamily="34" charset="0"/>
+              </a:rPr>
+              <a:t>(</a:t>
+            </a:r>
+            <a:r>
+              <a:rPr lang="ru-RU" altLang="ru-RU" dirty="0" err="1" smtClean="0">
+                <a:solidFill>
+                  <a:srgbClr val="FFCC00"/>
+                </a:solidFill>
+                <a:latin typeface="Verdana" panose="020B0604030504040204" pitchFamily="34" charset="0"/>
+                <a:ea typeface="Verdana" panose="020B0604030504040204" pitchFamily="34" charset="0"/>
+                <a:cs typeface="Verdana" panose="020B0604030504040204" pitchFamily="34" charset="0"/>
+              </a:rPr>
+              <a:t>Event</a:t>
+            </a:r>
+            <a:r>
+              <a:rPr lang="ru-RU" altLang="ru-RU" dirty="0" smtClean="0">
+                <a:solidFill>
+                  <a:srgbClr val="FFFFFF"/>
+                </a:solidFill>
+                <a:latin typeface="Verdana" panose="020B0604030504040204" pitchFamily="34" charset="0"/>
+                <a:ea typeface="Verdana" panose="020B0604030504040204" pitchFamily="34" charset="0"/>
+                <a:cs typeface="Verdana" panose="020B0604030504040204" pitchFamily="34" charset="0"/>
+              </a:rPr>
+              <a:t>::</a:t>
+            </a:r>
+            <a:r>
+              <a:rPr lang="ru-RU" altLang="ru-RU" dirty="0" err="1" smtClean="0">
+                <a:solidFill>
+                  <a:srgbClr val="FFCC00"/>
+                </a:solidFill>
+                <a:latin typeface="Verdana" panose="020B0604030504040204" pitchFamily="34" charset="0"/>
+                <a:ea typeface="Verdana" panose="020B0604030504040204" pitchFamily="34" charset="0"/>
+                <a:cs typeface="Verdana" panose="020B0604030504040204" pitchFamily="34" charset="0"/>
+              </a:rPr>
+              <a:t>Payment</a:t>
+            </a:r>
+            <a:r>
+              <a:rPr lang="ru-RU" altLang="ru-RU" dirty="0" smtClean="0">
+                <a:solidFill>
+                  <a:srgbClr val="FFFFFF"/>
+                </a:solidFill>
+                <a:latin typeface="Verdana" panose="020B0604030504040204" pitchFamily="34" charset="0"/>
+                <a:ea typeface="Verdana" panose="020B0604030504040204" pitchFamily="34" charset="0"/>
+                <a:cs typeface="Verdana" panose="020B0604030504040204" pitchFamily="34" charset="0"/>
+              </a:rPr>
+              <a:t>(</a:t>
+            </a:r>
+            <a:r>
+              <a:rPr lang="ru-RU" altLang="ru-RU" dirty="0" err="1" smtClean="0">
+                <a:solidFill>
+                  <a:srgbClr val="5BCD9D"/>
+                </a:solidFill>
+                <a:latin typeface="Verdana" panose="020B0604030504040204" pitchFamily="34" charset="0"/>
+                <a:ea typeface="Verdana" panose="020B0604030504040204" pitchFamily="34" charset="0"/>
+                <a:cs typeface="Verdana" panose="020B0604030504040204" pitchFamily="34" charset="0"/>
+              </a:rPr>
+              <a:t>rubles</a:t>
+            </a:r>
+            <a:r>
+              <a:rPr lang="ru-RU" altLang="ru-RU" dirty="0" smtClean="0">
+                <a:solidFill>
+                  <a:srgbClr val="FFFFFF"/>
+                </a:solidFill>
+                <a:latin typeface="Verdana" panose="020B0604030504040204" pitchFamily="34" charset="0"/>
+                <a:ea typeface="Verdana" panose="020B0604030504040204" pitchFamily="34" charset="0"/>
+                <a:cs typeface="Verdana" panose="020B0604030504040204" pitchFamily="34" charset="0"/>
+              </a:rPr>
+              <a:t>));</a:t>
+            </a:r>
+            <a:br>
+              <a:rPr lang="ru-RU" altLang="ru-RU" dirty="0" smtClean="0">
+                <a:solidFill>
+                  <a:srgbClr val="FFFFFF"/>
+                </a:solidFill>
+                <a:latin typeface="Verdana" panose="020B0604030504040204" pitchFamily="34" charset="0"/>
+                <a:ea typeface="Verdana" panose="020B0604030504040204" pitchFamily="34" charset="0"/>
+                <a:cs typeface="Verdana" panose="020B0604030504040204" pitchFamily="34" charset="0"/>
+              </a:rPr>
+            </a:br>
+            <a:r>
+              <a:rPr lang="en-US" altLang="ru-RU" dirty="0" smtClean="0">
+                <a:solidFill>
+                  <a:srgbClr val="FFFFFF"/>
+                </a:solidFill>
+                <a:latin typeface="Verdana" panose="020B0604030504040204" pitchFamily="34" charset="0"/>
+                <a:ea typeface="Verdana" panose="020B0604030504040204" pitchFamily="34" charset="0"/>
+                <a:cs typeface="Verdana" panose="020B0604030504040204" pitchFamily="34" charset="0"/>
+              </a:rPr>
+              <a:t>        </a:t>
+            </a:r>
+            <a:r>
+              <a:rPr lang="ru-RU" altLang="ru-RU" dirty="0" smtClean="0">
+                <a:solidFill>
+                  <a:srgbClr val="FFFFFF"/>
+                </a:solidFill>
+                <a:latin typeface="Verdana" panose="020B0604030504040204" pitchFamily="34" charset="0"/>
+                <a:ea typeface="Verdana" panose="020B0604030504040204" pitchFamily="34" charset="0"/>
+                <a:cs typeface="Verdana" panose="020B0604030504040204" pitchFamily="34" charset="0"/>
+              </a:rPr>
+              <a:t>    </a:t>
+            </a:r>
+            <a:r>
+              <a:rPr lang="ru-RU" altLang="ru-RU" dirty="0" err="1" smtClean="0">
+                <a:solidFill>
+                  <a:srgbClr val="FFCC00"/>
+                </a:solidFill>
+                <a:latin typeface="Verdana" panose="020B0604030504040204" pitchFamily="34" charset="0"/>
+                <a:ea typeface="Verdana" panose="020B0604030504040204" pitchFamily="34" charset="0"/>
+                <a:cs typeface="Verdana" panose="020B0604030504040204" pitchFamily="34" charset="0"/>
+              </a:rPr>
+              <a:t>SendSms</a:t>
+            </a:r>
+            <a:r>
+              <a:rPr lang="ru-RU" altLang="ru-RU" dirty="0" smtClean="0">
+                <a:solidFill>
+                  <a:srgbClr val="FFFFFF"/>
+                </a:solidFill>
+                <a:latin typeface="Verdana" panose="020B0604030504040204" pitchFamily="34" charset="0"/>
+                <a:ea typeface="Verdana" panose="020B0604030504040204" pitchFamily="34" charset="0"/>
+                <a:cs typeface="Verdana" panose="020B0604030504040204" pitchFamily="34" charset="0"/>
+              </a:rPr>
+              <a:t>(</a:t>
+            </a:r>
+            <a:r>
+              <a:rPr lang="ru-RU" altLang="ru-RU" dirty="0" smtClean="0">
+                <a:solidFill>
+                  <a:srgbClr val="9E64A9"/>
+                </a:solidFill>
+                <a:latin typeface="Verdana" panose="020B0604030504040204" pitchFamily="34" charset="0"/>
+                <a:ea typeface="Verdana" panose="020B0604030504040204" pitchFamily="34" charset="0"/>
+                <a:cs typeface="Verdana" panose="020B0604030504040204" pitchFamily="34" charset="0"/>
+              </a:rPr>
+              <a:t>"</a:t>
+            </a:r>
+            <a:r>
+              <a:rPr lang="ru-RU" altLang="ru-RU" dirty="0" err="1" smtClean="0">
+                <a:solidFill>
+                  <a:srgbClr val="9E64A9"/>
+                </a:solidFill>
+                <a:latin typeface="Verdana" panose="020B0604030504040204" pitchFamily="34" charset="0"/>
+                <a:ea typeface="Verdana" panose="020B0604030504040204" pitchFamily="34" charset="0"/>
+                <a:cs typeface="Verdana" panose="020B0604030504040204" pitchFamily="34" charset="0"/>
+              </a:rPr>
+              <a:t>Got</a:t>
+            </a:r>
+            <a:r>
+              <a:rPr lang="ru-RU" altLang="ru-RU" dirty="0" smtClean="0">
+                <a:solidFill>
+                  <a:srgbClr val="9E64A9"/>
+                </a:solidFill>
+                <a:latin typeface="Verdana" panose="020B0604030504040204" pitchFamily="34" charset="0"/>
+                <a:ea typeface="Verdana" panose="020B0604030504040204" pitchFamily="34" charset="0"/>
+                <a:cs typeface="Verdana" panose="020B0604030504040204" pitchFamily="34" charset="0"/>
+              </a:rPr>
+              <a:t> </a:t>
+            </a:r>
+            <a:r>
+              <a:rPr lang="ru-RU" altLang="ru-RU" dirty="0" err="1" smtClean="0">
+                <a:solidFill>
+                  <a:srgbClr val="9E64A9"/>
+                </a:solidFill>
+                <a:latin typeface="Verdana" panose="020B0604030504040204" pitchFamily="34" charset="0"/>
+                <a:ea typeface="Verdana" panose="020B0604030504040204" pitchFamily="34" charset="0"/>
+                <a:cs typeface="Verdana" panose="020B0604030504040204" pitchFamily="34" charset="0"/>
+              </a:rPr>
+              <a:t>payment</a:t>
+            </a:r>
+            <a:r>
+              <a:rPr lang="ru-RU" altLang="ru-RU" dirty="0" smtClean="0">
+                <a:solidFill>
+                  <a:srgbClr val="9E64A9"/>
+                </a:solidFill>
+                <a:latin typeface="Verdana" panose="020B0604030504040204" pitchFamily="34" charset="0"/>
+                <a:ea typeface="Verdana" panose="020B0604030504040204" pitchFamily="34" charset="0"/>
+                <a:cs typeface="Verdana" panose="020B0604030504040204" pitchFamily="34" charset="0"/>
+              </a:rPr>
+              <a:t> " </a:t>
+            </a:r>
+            <a:r>
+              <a:rPr lang="ru-RU" altLang="ru-RU" dirty="0" smtClean="0">
+                <a:solidFill>
+                  <a:srgbClr val="FFFFFF"/>
+                </a:solidFill>
+                <a:latin typeface="Verdana" panose="020B0604030504040204" pitchFamily="34" charset="0"/>
+                <a:ea typeface="Verdana" panose="020B0604030504040204" pitchFamily="34" charset="0"/>
+                <a:cs typeface="Verdana" panose="020B0604030504040204" pitchFamily="34" charset="0"/>
+              </a:rPr>
+              <a:t>+ </a:t>
+            </a:r>
+            <a:r>
+              <a:rPr lang="ru-RU" altLang="ru-RU" dirty="0" err="1" smtClean="0">
+                <a:solidFill>
+                  <a:srgbClr val="FFCC00"/>
+                </a:solidFill>
+                <a:latin typeface="Verdana" panose="020B0604030504040204" pitchFamily="34" charset="0"/>
+                <a:ea typeface="Verdana" panose="020B0604030504040204" pitchFamily="34" charset="0"/>
+                <a:cs typeface="Verdana" panose="020B0604030504040204" pitchFamily="34" charset="0"/>
+              </a:rPr>
+              <a:t>to_string</a:t>
+            </a:r>
+            <a:r>
+              <a:rPr lang="ru-RU" altLang="ru-RU" dirty="0" smtClean="0">
+                <a:solidFill>
+                  <a:srgbClr val="FFFFFF"/>
+                </a:solidFill>
+                <a:latin typeface="Verdana" panose="020B0604030504040204" pitchFamily="34" charset="0"/>
+                <a:ea typeface="Verdana" panose="020B0604030504040204" pitchFamily="34" charset="0"/>
+                <a:cs typeface="Verdana" panose="020B0604030504040204" pitchFamily="34" charset="0"/>
+              </a:rPr>
+              <a:t>(</a:t>
+            </a:r>
+            <a:r>
+              <a:rPr lang="ru-RU" altLang="ru-RU" dirty="0" err="1" smtClean="0">
+                <a:solidFill>
+                  <a:srgbClr val="5BCD9D"/>
+                </a:solidFill>
+                <a:latin typeface="Verdana" panose="020B0604030504040204" pitchFamily="34" charset="0"/>
+                <a:ea typeface="Verdana" panose="020B0604030504040204" pitchFamily="34" charset="0"/>
+                <a:cs typeface="Verdana" panose="020B0604030504040204" pitchFamily="34" charset="0"/>
+              </a:rPr>
+              <a:t>rubles</a:t>
+            </a:r>
+            <a:r>
+              <a:rPr lang="ru-RU" altLang="ru-RU" dirty="0" smtClean="0">
+                <a:solidFill>
+                  <a:srgbClr val="FFFFFF"/>
+                </a:solidFill>
+                <a:latin typeface="Verdana" panose="020B0604030504040204" pitchFamily="34" charset="0"/>
+                <a:ea typeface="Verdana" panose="020B0604030504040204" pitchFamily="34" charset="0"/>
+                <a:cs typeface="Verdana" panose="020B0604030504040204" pitchFamily="34" charset="0"/>
+              </a:rPr>
+              <a:t>));</a:t>
+            </a:r>
+            <a:br>
+              <a:rPr lang="ru-RU" altLang="ru-RU" dirty="0" smtClean="0">
+                <a:solidFill>
+                  <a:srgbClr val="FFFFFF"/>
+                </a:solidFill>
+                <a:latin typeface="Verdana" panose="020B0604030504040204" pitchFamily="34" charset="0"/>
+                <a:ea typeface="Verdana" panose="020B0604030504040204" pitchFamily="34" charset="0"/>
+                <a:cs typeface="Verdana" panose="020B0604030504040204" pitchFamily="34" charset="0"/>
+              </a:rPr>
+            </a:br>
+            <a:r>
+              <a:rPr lang="en-US" altLang="ru-RU" dirty="0" smtClean="0">
+                <a:solidFill>
+                  <a:srgbClr val="FFFFFF"/>
+                </a:solidFill>
+                <a:latin typeface="Verdana" panose="020B0604030504040204" pitchFamily="34" charset="0"/>
+                <a:ea typeface="Verdana" panose="020B0604030504040204" pitchFamily="34" charset="0"/>
+                <a:cs typeface="Verdana" panose="020B0604030504040204" pitchFamily="34" charset="0"/>
+              </a:rPr>
+              <a:t>        </a:t>
+            </a:r>
+            <a:r>
+              <a:rPr lang="ru-RU" altLang="ru-RU" dirty="0" smtClean="0">
+                <a:solidFill>
+                  <a:srgbClr val="FFFFFF"/>
+                </a:solidFill>
+                <a:latin typeface="Verdana" panose="020B0604030504040204" pitchFamily="34" charset="0"/>
+                <a:ea typeface="Verdana" panose="020B0604030504040204" pitchFamily="34" charset="0"/>
+                <a:cs typeface="Verdana" panose="020B0604030504040204" pitchFamily="34" charset="0"/>
+              </a:rPr>
+              <a:t>}</a:t>
+            </a:r>
+            <a:br>
+              <a:rPr lang="ru-RU" altLang="ru-RU" dirty="0" smtClean="0">
+                <a:solidFill>
+                  <a:srgbClr val="FFFFFF"/>
+                </a:solidFill>
+                <a:latin typeface="Verdana" panose="020B0604030504040204" pitchFamily="34" charset="0"/>
+                <a:ea typeface="Verdana" panose="020B0604030504040204" pitchFamily="34" charset="0"/>
+                <a:cs typeface="Verdana" panose="020B0604030504040204" pitchFamily="34" charset="0"/>
+              </a:rPr>
+            </a:br>
+            <a:r>
+              <a:rPr lang="en-US" dirty="0" smtClean="0"/>
+              <a:t>     };</a:t>
+            </a:r>
+          </a:p>
+          <a:p>
+            <a:pPr>
+              <a:lnSpc>
+                <a:spcPct val="100000"/>
+              </a:lnSpc>
+            </a:pPr>
+            <a:endParaRPr lang="en-US" dirty="0"/>
+          </a:p>
+          <a:p>
+            <a:pPr>
+              <a:lnSpc>
+                <a:spcPct val="100000"/>
+              </a:lnSpc>
+            </a:pPr>
+            <a:r>
+              <a:rPr lang="en-US" dirty="0" smtClean="0"/>
+              <a:t>     </a:t>
+            </a:r>
+            <a:r>
+              <a:rPr lang="en-US" dirty="0" err="1" smtClean="0"/>
+              <a:t>int</a:t>
+            </a:r>
+            <a:r>
+              <a:rPr lang="en-US" dirty="0" smtClean="0"/>
+              <a:t> </a:t>
+            </a:r>
+            <a:r>
+              <a:rPr lang="en-US" dirty="0" err="1">
+                <a:solidFill>
+                  <a:srgbClr val="5BCD9D"/>
+                </a:solidFill>
+                <a:latin typeface="Verdana" panose="020B0604030504040204" pitchFamily="34" charset="0"/>
+                <a:ea typeface="Verdana" panose="020B0604030504040204" pitchFamily="34" charset="0"/>
+                <a:cs typeface="Verdana" panose="020B0604030504040204" pitchFamily="34" charset="0"/>
+              </a:rPr>
+              <a:t>smsSent</a:t>
+            </a:r>
+            <a:r>
+              <a:rPr lang="en-US" dirty="0">
+                <a:solidFill>
+                  <a:srgbClr val="5BCD9D"/>
+                </a:solidFill>
+                <a:latin typeface="Verdana" panose="020B0604030504040204" pitchFamily="34" charset="0"/>
+                <a:ea typeface="Verdana" panose="020B0604030504040204" pitchFamily="34" charset="0"/>
+                <a:cs typeface="Verdana" panose="020B0604030504040204" pitchFamily="34" charset="0"/>
+              </a:rPr>
+              <a:t>_</a:t>
+            </a:r>
+            <a:r>
+              <a:rPr lang="en-US" dirty="0" smtClean="0"/>
+              <a:t> = 0;</a:t>
+            </a:r>
+            <a:endParaRPr lang="ru-RU" dirty="0"/>
+          </a:p>
+          <a:p>
+            <a:pPr>
+              <a:lnSpc>
+                <a:spcPct val="100000"/>
+              </a:lnSpc>
+            </a:pPr>
+            <a:r>
+              <a:rPr lang="en-US" dirty="0"/>
+              <a:t>};</a:t>
+            </a:r>
+            <a:endParaRPr lang="ru-RU" dirty="0"/>
+          </a:p>
+          <a:p>
+            <a:pPr>
+              <a:lnSpc>
+                <a:spcPct val="100000"/>
+              </a:lnSpc>
+            </a:pPr>
+            <a:endParaRPr lang="ru-RU" dirty="0"/>
+          </a:p>
+        </p:txBody>
+      </p:sp>
+    </p:spTree>
+    <p:extLst>
+      <p:ext uri="{BB962C8B-B14F-4D97-AF65-F5344CB8AC3E}">
+        <p14:creationId xmlns:p14="http://schemas.microsoft.com/office/powerpoint/2010/main" val="1889611909"/>
+      </p:ext>
+    </p:extLst>
+  </p:cSld>
+  <p:clrMapOvr>
+    <a:masterClrMapping/>
+  </p:clrMapOvr>
+  <p:timing>
+    <p:tnLst>
+      <p:par>
+        <p:cTn id="1" dur="indefinite" restart="never" nodeType="tmRoot">
+          <p:childTnLst>
+            <p:seq concurrent="1" nextAc="seek">
+              <p:cTn id="2" dur="indefinite" nodeType="mainSeq">
+                <p:childTnLst>
+                  <p:par>
+                    <p:cTn id="3" fill="hold">
+                      <p:stCondLst>
+                        <p:cond delay="indefinite"/>
+                      </p:stCondLst>
+                      <p:childTnLst>
+                        <p:par>
+                          <p:cTn id="4" fill="hold">
+                            <p:stCondLst>
+                              <p:cond delay="0"/>
+                            </p:stCondLst>
+                            <p:childTnLst>
+                              <p:par>
+                                <p:cTn id="5" presetID="2" presetClass="entr" presetSubtype="8" fill="hold" nodeType="clickEffect">
+                                  <p:stCondLst>
+                                    <p:cond delay="0"/>
+                                  </p:stCondLst>
+                                  <p:childTnLst>
+                                    <p:set>
+                                      <p:cBhvr>
+                                        <p:cTn id="6" dur="1" fill="hold">
+                                          <p:stCondLst>
+                                            <p:cond delay="0"/>
+                                          </p:stCondLst>
+                                        </p:cTn>
+                                        <p:tgtEl>
+                                          <p:spTgt spid="5">
+                                            <p:txEl>
+                                              <p:pRg st="6" end="6"/>
+                                            </p:txEl>
+                                          </p:spTgt>
+                                        </p:tgtEl>
+                                        <p:attrNameLst>
+                                          <p:attrName>style.visibility</p:attrName>
+                                        </p:attrNameLst>
+                                      </p:cBhvr>
+                                      <p:to>
+                                        <p:strVal val="visible"/>
+                                      </p:to>
+                                    </p:set>
+                                    <p:anim calcmode="lin" valueType="num">
+                                      <p:cBhvr additive="base">
+                                        <p:cTn id="7" dur="500" fill="hold"/>
+                                        <p:tgtEl>
+                                          <p:spTgt spid="5">
+                                            <p:txEl>
+                                              <p:pRg st="6" end="6"/>
+                                            </p:txEl>
+                                          </p:spTgt>
+                                        </p:tgtEl>
+                                        <p:attrNameLst>
+                                          <p:attrName>ppt_x</p:attrName>
+                                        </p:attrNameLst>
+                                      </p:cBhvr>
+                                      <p:tavLst>
+                                        <p:tav tm="0">
+                                          <p:val>
+                                            <p:strVal val="0-#ppt_w/2"/>
+                                          </p:val>
+                                        </p:tav>
+                                        <p:tav tm="100000">
+                                          <p:val>
+                                            <p:strVal val="#ppt_x"/>
+                                          </p:val>
+                                        </p:tav>
+                                      </p:tavLst>
+                                    </p:anim>
+                                    <p:anim calcmode="lin" valueType="num">
+                                      <p:cBhvr additive="base">
+                                        <p:cTn id="8" dur="500" fill="hold"/>
+                                        <p:tgtEl>
+                                          <p:spTgt spid="5">
+                                            <p:txEl>
+                                              <p:pRg st="6" end="6"/>
+                                            </p:txEl>
+                                          </p:spTgt>
+                                        </p:tgtEl>
+                                        <p:attrNameLst>
+                                          <p:attrName>ppt_y</p:attrName>
+                                        </p:attrNameLst>
+                                      </p:cBhvr>
+                                      <p:tavLst>
+                                        <p:tav tm="0">
+                                          <p:val>
+                                            <p:strVal val="#ppt_y"/>
+                                          </p:val>
+                                        </p:tav>
+                                        <p:tav tm="100000">
+                                          <p:val>
+                                            <p:strVal val="#ppt_y"/>
+                                          </p:val>
+                                        </p:tav>
+                                      </p:tavLst>
+                                    </p:anim>
+                                  </p:childTnLst>
+                                </p:cTn>
+                              </p:par>
+                            </p:childTnLst>
+                          </p:cTn>
+                        </p:par>
+                      </p:childTnLst>
+                    </p:cTn>
+                  </p:par>
+                </p:childTnLst>
+              </p:cTn>
+              <p:prevCondLst>
+                <p:cond evt="onPrev" delay="0">
+                  <p:tgtEl>
+                    <p:sldTgt/>
+                  </p:tgtEl>
+                </p:cond>
+              </p:prevCondLst>
+              <p:nextCondLst>
+                <p:cond evt="onNext" delay="0">
+                  <p:tgtEl>
+                    <p:sldTgt/>
+                  </p:tgtEl>
+                </p:cond>
+              </p:nextCondLst>
+            </p:seq>
+          </p:childTnLst>
+        </p:cTn>
+      </p:par>
+    </p:tnLst>
+  </p:timing>
+</p:sld>
+</file>
+
+<file path=ppt/slides/slide36.xml><?xml version="1.0" encoding="utf-8"?>
+<p:sld xmlns:a="http://schemas.openxmlformats.org/drawingml/2006/main" xmlns:r="http://schemas.openxmlformats.org/officeDocument/2006/relationships" xmlns:p="http://schemas.openxmlformats.org/presentationml/2006/main">
+  <p:cSld>
+    <p:spTree>
+      <p:nvGrpSpPr>
+        <p:cNvPr id="1" name=""/>
+        <p:cNvGrpSpPr/>
+        <p:nvPr/>
+      </p:nvGrpSpPr>
+      <p:grpSpPr>
+        <a:xfrm>
+          <a:off x="0" y="0"/>
+          <a:ext cx="0" cy="0"/>
+          <a:chOff x="0" y="0"/>
+          <a:chExt cx="0" cy="0"/>
+        </a:xfrm>
+      </p:grpSpPr>
+      <p:sp>
+        <p:nvSpPr>
           <p:cNvPr id="2" name="Заголовок 1"/>
           <p:cNvSpPr>
             <a:spLocks noGrp="1"/>
@@ -45577,7 +47463,7 @@
                 </a:solidFill>
               </a:rPr>
               <a:pPr/>
-              <a:t>35</a:t>
+              <a:t>36</a:t>
             </a:fld>
             <a:endParaRPr lang="ru-RU">
               <a:solidFill>
@@ -45607,7 +47493,7 @@
 </p:sld>
 </file>
 
-<file path=ppt/slides/slide36.xml><?xml version="1.0" encoding="utf-8"?>
+<file path=ppt/slides/slide37.xml><?xml version="1.0" encoding="utf-8"?>
 <p:sld xmlns:a="http://schemas.openxmlformats.org/drawingml/2006/main" xmlns:r="http://schemas.openxmlformats.org/officeDocument/2006/relationships" xmlns:p="http://schemas.openxmlformats.org/presentationml/2006/main">
   <p:cSld>
     <p:spTree>
@@ -48233,7 +50119,7 @@
 </p:sld>
 </file>
 
-<file path=ppt/slides/slide37.xml><?xml version="1.0" encoding="utf-8"?>
+<file path=ppt/slides/slide38.xml><?xml version="1.0" encoding="utf-8"?>
 <p:sld xmlns:a="http://schemas.openxmlformats.org/drawingml/2006/main" xmlns:r="http://schemas.openxmlformats.org/officeDocument/2006/relationships" xmlns:p="http://schemas.openxmlformats.org/presentationml/2006/main" show="0">
   <p:cSld>
     <p:spTree>
@@ -48351,7 +50237,7 @@
                 </a:solidFill>
               </a:rPr>
               <a:pPr/>
-              <a:t>37</a:t>
+              <a:t>38</a:t>
             </a:fld>
             <a:endParaRPr lang="ru-RU">
               <a:solidFill>
@@ -48683,7 +50569,7 @@
               <a:effectLst/>
               <a:extLst>
                 <a:ext uri="{C572A759-6A51-4108-AA02-DFA0A04FC94B}">
-                  <ma14:wrappingTextBoxFlag xmlns:ma14="http://schemas.microsoft.com/office/mac/drawingml/2011/main" xmlns="" val="1"/>
+                  <ma14:wrappingTextBoxFlag xmlns="" xmlns:ma14="http://schemas.microsoft.com/office/mac/drawingml/2011/main" val="1"/>
                 </a:ext>
               </a:extLst>
             </p:spPr>
